--- a/docs/part1ca/01_Introduction/CA_Lecture_01.pptx
+++ b/docs/part1ca/01_Introduction/CA_Lecture_01.pptx
@@ -5,15 +5,16 @@
     <p:sldMasterId id="2147483648" r:id="rId1"/>
   </p:sldMasterIdLst>
   <p:notesMasterIdLst>
-    <p:notesMasterId r:id="rId5"/>
+    <p:notesMasterId r:id="rId6"/>
   </p:notesMasterIdLst>
   <p:handoutMasterIdLst>
-    <p:handoutMasterId r:id="rId6"/>
+    <p:handoutMasterId r:id="rId7"/>
   </p:handoutMasterIdLst>
   <p:sldIdLst>
     <p:sldId id="256" r:id="rId2"/>
     <p:sldId id="273" r:id="rId3"/>
-    <p:sldId id="272" r:id="rId4"/>
+    <p:sldId id="274" r:id="rId4"/>
+    <p:sldId id="272" r:id="rId5"/>
   </p:sldIdLst>
   <p:sldSz cx="12192000" cy="6858000"/>
   <p:notesSz cx="6858000" cy="9144000"/>
@@ -114,7 +115,7 @@
   </p:defaultTextStyle>
   <p:extLst>
     <p:ext uri="{EFAFB233-063F-42B5-8137-9DF3F51BA10A}">
-      <p15:sldGuideLst xmlns="" xmlns:p15="http://schemas.microsoft.com/office/powerpoint/2012/main">
+      <p15:sldGuideLst xmlns:p15="http://schemas.microsoft.com/office/powerpoint/2012/main" xmlns="">
         <p15:guide id="1" orient="horz" pos="2160">
           <p15:clr>
             <a:srgbClr val="A4A3A4"/>
@@ -128,7 +129,7 @@
       </p15:sldGuideLst>
     </p:ext>
     <p:ext uri="{2D200454-40CA-4A62-9FC3-DE9A4176ACB9}">
-      <p15:notesGuideLst xmlns="" xmlns:p15="http://schemas.microsoft.com/office/powerpoint/2012/main"/>
+      <p15:notesGuideLst xmlns:p15="http://schemas.microsoft.com/office/powerpoint/2012/main" xmlns=""/>
     </p:ext>
   </p:extLst>
 </p:presentation>
@@ -225,7 +226,7 @@
             <a:fld id="{D0106195-8D78-4F6F-B8E4-FA67975ACEF5}" type="datetimeFigureOut">
               <a:rPr lang="ru-RU" smtClean="0"/>
               <a:pPr/>
-              <a:t>24.09.2020</a:t>
+              <a:t>25.09.2020</a:t>
             </a:fld>
             <a:endParaRPr lang="ru-RU"/>
           </a:p>
@@ -301,7 +302,7 @@
     </p:spTree>
     <p:extLst>
       <p:ext uri="{BB962C8B-B14F-4D97-AF65-F5344CB8AC3E}">
-        <p14:creationId xmlns="" xmlns:p14="http://schemas.microsoft.com/office/powerpoint/2010/main" val="827279973"/>
+        <p14:creationId xmlns:p14="http://schemas.microsoft.com/office/powerpoint/2010/main" xmlns="" val="827279973"/>
       </p:ext>
     </p:extLst>
   </p:cSld>
@@ -393,7 +394,7 @@
             <a:fld id="{878212F1-C3D9-4F2B-8F42-5E960FE8BE51}" type="datetimeFigureOut">
               <a:rPr lang="ru-RU" smtClean="0"/>
               <a:pPr/>
-              <a:t>24.09.2020</a:t>
+              <a:t>25.09.2020</a:t>
             </a:fld>
             <a:endParaRPr lang="ru-RU"/>
           </a:p>
@@ -562,7 +563,7 @@
     </p:spTree>
     <p:extLst>
       <p:ext uri="{BB962C8B-B14F-4D97-AF65-F5344CB8AC3E}">
-        <p14:creationId xmlns="" xmlns:p14="http://schemas.microsoft.com/office/powerpoint/2010/main" val="3865021395"/>
+        <p14:creationId xmlns:p14="http://schemas.microsoft.com/office/powerpoint/2010/main" xmlns="" val="3865021395"/>
       </p:ext>
     </p:extLst>
   </p:cSld>
@@ -776,7 +777,7 @@
     </p:spTree>
     <p:extLst>
       <p:ext uri="{BB962C8B-B14F-4D97-AF65-F5344CB8AC3E}">
-        <p14:creationId xmlns="" xmlns:p14="http://schemas.microsoft.com/office/powerpoint/2010/main" val="2381791527"/>
+        <p14:creationId xmlns:p14="http://schemas.microsoft.com/office/powerpoint/2010/main" xmlns="" val="2381791527"/>
       </p:ext>
     </p:extLst>
   </p:cSld>
@@ -890,7 +891,7 @@
             <a:fld id="{5583B3A5-99BF-45D9-956B-DC57CC23AD97}" type="slidenum">
               <a:rPr lang="ru-RU" smtClean="0"/>
               <a:pPr/>
-              <a:t>3</a:t>
+              <a:t>4</a:t>
             </a:fld>
             <a:endParaRPr lang="ru-RU"/>
           </a:p>
@@ -899,7 +900,7 @@
     </p:spTree>
     <p:extLst>
       <p:ext uri="{BB962C8B-B14F-4D97-AF65-F5344CB8AC3E}">
-        <p14:creationId xmlns="" xmlns:p14="http://schemas.microsoft.com/office/powerpoint/2010/main" val="1915950851"/>
+        <p14:creationId xmlns:p14="http://schemas.microsoft.com/office/powerpoint/2010/main" xmlns="" val="1915950851"/>
       </p:ext>
     </p:extLst>
   </p:cSld>
@@ -1159,7 +1160,7 @@
     </p:spTree>
     <p:extLst>
       <p:ext uri="{BB962C8B-B14F-4D97-AF65-F5344CB8AC3E}">
-        <p14:creationId xmlns="" xmlns:p14="http://schemas.microsoft.com/office/powerpoint/2010/main" val="322455162"/>
+        <p14:creationId xmlns:p14="http://schemas.microsoft.com/office/powerpoint/2010/main" xmlns="" val="322455162"/>
       </p:ext>
     </p:extLst>
   </p:cSld>
@@ -1333,7 +1334,7 @@
     </p:spTree>
     <p:extLst>
       <p:ext uri="{BB962C8B-B14F-4D97-AF65-F5344CB8AC3E}">
-        <p14:creationId xmlns="" xmlns:p14="http://schemas.microsoft.com/office/powerpoint/2010/main" val="971117636"/>
+        <p14:creationId xmlns:p14="http://schemas.microsoft.com/office/powerpoint/2010/main" xmlns="" val="971117636"/>
       </p:ext>
     </p:extLst>
   </p:cSld>
@@ -1510,7 +1511,7 @@
     </p:spTree>
     <p:extLst>
       <p:ext uri="{BB962C8B-B14F-4D97-AF65-F5344CB8AC3E}">
-        <p14:creationId xmlns="" xmlns:p14="http://schemas.microsoft.com/office/powerpoint/2010/main" val="3348877825"/>
+        <p14:creationId xmlns:p14="http://schemas.microsoft.com/office/powerpoint/2010/main" xmlns="" val="3348877825"/>
       </p:ext>
     </p:extLst>
   </p:cSld>
@@ -1835,7 +1836,7 @@
     </p:spTree>
     <p:extLst>
       <p:ext uri="{BB962C8B-B14F-4D97-AF65-F5344CB8AC3E}">
-        <p14:creationId xmlns="" xmlns:p14="http://schemas.microsoft.com/office/powerpoint/2010/main" val="3256953994"/>
+        <p14:creationId xmlns:p14="http://schemas.microsoft.com/office/powerpoint/2010/main" xmlns="" val="3256953994"/>
       </p:ext>
     </p:extLst>
   </p:cSld>
@@ -2085,7 +2086,7 @@
     </p:spTree>
     <p:extLst>
       <p:ext uri="{BB962C8B-B14F-4D97-AF65-F5344CB8AC3E}">
-        <p14:creationId xmlns="" xmlns:p14="http://schemas.microsoft.com/office/powerpoint/2010/main" val="3067076846"/>
+        <p14:creationId xmlns:p14="http://schemas.microsoft.com/office/powerpoint/2010/main" xmlns="" val="3067076846"/>
       </p:ext>
     </p:extLst>
   </p:cSld>
@@ -2321,7 +2322,7 @@
     </p:spTree>
     <p:extLst>
       <p:ext uri="{BB962C8B-B14F-4D97-AF65-F5344CB8AC3E}">
-        <p14:creationId xmlns="" xmlns:p14="http://schemas.microsoft.com/office/powerpoint/2010/main" val="3710015975"/>
+        <p14:creationId xmlns:p14="http://schemas.microsoft.com/office/powerpoint/2010/main" xmlns="" val="3710015975"/>
       </p:ext>
     </p:extLst>
   </p:cSld>
@@ -2692,7 +2693,7 @@
     </p:spTree>
     <p:extLst>
       <p:ext uri="{BB962C8B-B14F-4D97-AF65-F5344CB8AC3E}">
-        <p14:creationId xmlns="" xmlns:p14="http://schemas.microsoft.com/office/powerpoint/2010/main" val="4075590966"/>
+        <p14:creationId xmlns:p14="http://schemas.microsoft.com/office/powerpoint/2010/main" xmlns="" val="4075590966"/>
       </p:ext>
     </p:extLst>
   </p:cSld>
@@ -2814,7 +2815,7 @@
     </p:spTree>
     <p:extLst>
       <p:ext uri="{BB962C8B-B14F-4D97-AF65-F5344CB8AC3E}">
-        <p14:creationId xmlns="" xmlns:p14="http://schemas.microsoft.com/office/powerpoint/2010/main" val="2889604898"/>
+        <p14:creationId xmlns:p14="http://schemas.microsoft.com/office/powerpoint/2010/main" xmlns="" val="2889604898"/>
       </p:ext>
     </p:extLst>
   </p:cSld>
@@ -2913,7 +2914,7 @@
     </p:spTree>
     <p:extLst>
       <p:ext uri="{BB962C8B-B14F-4D97-AF65-F5344CB8AC3E}">
-        <p14:creationId xmlns="" xmlns:p14="http://schemas.microsoft.com/office/powerpoint/2010/main" val="152384765"/>
+        <p14:creationId xmlns:p14="http://schemas.microsoft.com/office/powerpoint/2010/main" xmlns="" val="152384765"/>
       </p:ext>
     </p:extLst>
   </p:cSld>
@@ -3194,7 +3195,7 @@
     </p:spTree>
     <p:extLst>
       <p:ext uri="{BB962C8B-B14F-4D97-AF65-F5344CB8AC3E}">
-        <p14:creationId xmlns="" xmlns:p14="http://schemas.microsoft.com/office/powerpoint/2010/main" val="2127791886"/>
+        <p14:creationId xmlns:p14="http://schemas.microsoft.com/office/powerpoint/2010/main" xmlns="" val="2127791886"/>
       </p:ext>
     </p:extLst>
   </p:cSld>
@@ -3451,7 +3452,7 @@
     </p:spTree>
     <p:extLst>
       <p:ext uri="{BB962C8B-B14F-4D97-AF65-F5344CB8AC3E}">
-        <p14:creationId xmlns="" xmlns:p14="http://schemas.microsoft.com/office/powerpoint/2010/main" val="1752705130"/>
+        <p14:creationId xmlns:p14="http://schemas.microsoft.com/office/powerpoint/2010/main" xmlns="" val="1752705130"/>
       </p:ext>
     </p:extLst>
   </p:cSld>
@@ -3704,7 +3705,7 @@
     </p:spTree>
     <p:extLst>
       <p:ext uri="{BB962C8B-B14F-4D97-AF65-F5344CB8AC3E}">
-        <p14:creationId xmlns="" xmlns:p14="http://schemas.microsoft.com/office/powerpoint/2010/main" val="968833914"/>
+        <p14:creationId xmlns:p14="http://schemas.microsoft.com/office/powerpoint/2010/main" xmlns="" val="968833914"/>
       </p:ext>
     </p:extLst>
   </p:cSld>
@@ -4181,7 +4182,7 @@
     </p:spTree>
     <p:extLst>
       <p:ext uri="{BB962C8B-B14F-4D97-AF65-F5344CB8AC3E}">
-        <p14:creationId xmlns="" xmlns:p14="http://schemas.microsoft.com/office/powerpoint/2010/main" val="2492894732"/>
+        <p14:creationId xmlns:p14="http://schemas.microsoft.com/office/powerpoint/2010/main" xmlns="" val="2492894732"/>
       </p:ext>
     </p:extLst>
   </p:cSld>
@@ -4230,7 +4231,47 @@
           <a:bodyPr/>
           <a:lstStyle/>
           <a:p>
-            <a:endParaRPr lang="ru-RU"/>
+            <a:pPr algn="ctr">
+              <a:buNone/>
+            </a:pPr>
+            <a:r>
+              <a:rPr lang="en-US" b="1" dirty="0" smtClean="0"/>
+              <a:t>Instructors</a:t>
+            </a:r>
+          </a:p>
+          <a:p>
+            <a:pPr>
+              <a:buNone/>
+            </a:pPr>
+            <a:endParaRPr lang="en-US" dirty="0" smtClean="0"/>
+          </a:p>
+          <a:p>
+            <a:pPr>
+              <a:buNone/>
+            </a:pPr>
+            <a:endParaRPr lang="en-US" dirty="0" smtClean="0"/>
+          </a:p>
+          <a:p>
+            <a:pPr>
+              <a:buNone/>
+            </a:pPr>
+            <a:endParaRPr lang="en-US" dirty="0" smtClean="0"/>
+          </a:p>
+          <a:p>
+            <a:pPr algn="ctr">
+              <a:buNone/>
+            </a:pPr>
+            <a:r>
+              <a:rPr lang="en-US" b="1" dirty="0" smtClean="0"/>
+              <a:t>Assistants</a:t>
+            </a:r>
+            <a:endParaRPr lang="en-US" b="1" dirty="0" smtClean="0"/>
+          </a:p>
+          <a:p>
+            <a:pPr>
+              <a:buNone/>
+            </a:pPr>
+            <a:endParaRPr lang="ru-RU" dirty="0"/>
           </a:p>
         </p:txBody>
       </p:sp>
@@ -4274,7 +4315,11 @@
           <a:bodyPr/>
           <a:lstStyle/>
           <a:p>
-            <a:endParaRPr lang="ru-RU"/>
+            <a:r>
+              <a:rPr lang="en-US" dirty="0" smtClean="0"/>
+              <a:t>Course Team</a:t>
+            </a:r>
+            <a:endParaRPr lang="ru-RU" dirty="0"/>
           </a:p>
         </p:txBody>
       </p:sp>
@@ -4305,6 +4350,123 @@
       </p:grpSpPr>
       <p:sp>
         <p:nvSpPr>
+          <p:cNvPr id="2" name="Содержимое 1"/>
+          <p:cNvSpPr>
+            <a:spLocks noGrp="1"/>
+          </p:cNvSpPr>
+          <p:nvPr>
+            <p:ph idx="1"/>
+          </p:nvPr>
+        </p:nvSpPr>
+        <p:spPr/>
+        <p:txBody>
+          <a:bodyPr/>
+          <a:lstStyle/>
+          <a:p>
+            <a:r>
+              <a:rPr lang="en-US" dirty="0" smtClean="0"/>
+              <a:t>Module 3: Computer Architecture</a:t>
+            </a:r>
+          </a:p>
+          <a:p>
+            <a:pPr lvl="1"/>
+            <a:r>
+              <a:rPr lang="en-US" dirty="0" err="1" smtClean="0"/>
+              <a:t>ssss</a:t>
+            </a:r>
+            <a:endParaRPr lang="en-US" dirty="0" smtClean="0"/>
+          </a:p>
+          <a:p>
+            <a:r>
+              <a:rPr lang="en-US" dirty="0" smtClean="0"/>
+              <a:t>Module 4: Operating Systems</a:t>
+            </a:r>
+          </a:p>
+          <a:p>
+            <a:pPr lvl="1"/>
+            <a:r>
+              <a:rPr lang="en-US" dirty="0" err="1" smtClean="0"/>
+              <a:t>ssss</a:t>
+            </a:r>
+            <a:endParaRPr lang="ru-RU" dirty="0"/>
+          </a:p>
+        </p:txBody>
+      </p:sp>
+      <p:sp>
+        <p:nvSpPr>
+          <p:cNvPr id="3" name="Номер слайда 2"/>
+          <p:cNvSpPr>
+            <a:spLocks noGrp="1"/>
+          </p:cNvSpPr>
+          <p:nvPr>
+            <p:ph type="sldNum" sz="quarter" idx="12"/>
+          </p:nvPr>
+        </p:nvSpPr>
+        <p:spPr/>
+        <p:txBody>
+          <a:bodyPr/>
+          <a:lstStyle/>
+          <a:p>
+            <a:pPr algn="ctr"/>
+            <a:fld id="{1397BFD8-F312-4EF2-A268-44FB4BDDBBB0}" type="slidenum">
+              <a:rPr lang="ru-RU" smtClean="0"/>
+              <a:pPr algn="ctr"/>
+              <a:t>3</a:t>
+            </a:fld>
+            <a:endParaRPr lang="ru-RU" dirty="0"/>
+          </a:p>
+        </p:txBody>
+      </p:sp>
+      <p:sp>
+        <p:nvSpPr>
+          <p:cNvPr id="4" name="Заголовок 3"/>
+          <p:cNvSpPr>
+            <a:spLocks noGrp="1"/>
+          </p:cNvSpPr>
+          <p:nvPr>
+            <p:ph type="title"/>
+          </p:nvPr>
+        </p:nvSpPr>
+        <p:spPr/>
+        <p:txBody>
+          <a:bodyPr/>
+          <a:lstStyle/>
+          <a:p>
+            <a:r>
+              <a:rPr lang="en-US" dirty="0" smtClean="0"/>
+              <a:t>Course Outline</a:t>
+            </a:r>
+            <a:endParaRPr lang="ru-RU" dirty="0"/>
+          </a:p>
+        </p:txBody>
+      </p:sp>
+    </p:spTree>
+  </p:cSld>
+  <p:clrMapOvr>
+    <a:masterClrMapping/>
+  </p:clrMapOvr>
+</p:sld>
+</file>
+
+<file path=ppt/slides/slide4.xml><?xml version="1.0" encoding="utf-8"?>
+<p:sld xmlns:a="http://schemas.openxmlformats.org/drawingml/2006/main" xmlns:r="http://schemas.openxmlformats.org/officeDocument/2006/relationships" xmlns:p="http://schemas.openxmlformats.org/presentationml/2006/main">
+  <p:cSld>
+    <p:spTree>
+      <p:nvGrpSpPr>
+        <p:cNvPr id="1" name=""/>
+        <p:cNvGrpSpPr/>
+        <p:nvPr/>
+      </p:nvGrpSpPr>
+      <p:grpSpPr>
+        <a:xfrm>
+          <a:off x="0" y="0"/>
+          <a:ext cx="0" cy="0"/>
+          <a:chOff x="0" y="0"/>
+          <a:chExt cx="0" cy="0"/>
+        </a:xfrm>
+      </p:grpSpPr>
+      <p:sp>
+        <p:nvSpPr>
           <p:cNvPr id="4" name="Прямоугольник 3"/>
           <p:cNvSpPr/>
           <p:nvPr/>
@@ -4841,7 +5003,7 @@
             <a:fld id="{1397BFD8-F312-4EF2-A268-44FB4BDDBBB0}" type="slidenum">
               <a:rPr lang="ru-RU" smtClean="0"/>
               <a:pPr algn="ctr"/>
-              <a:t>3</a:t>
+              <a:t>4</a:t>
             </a:fld>
             <a:endParaRPr lang="ru-RU" dirty="0"/>
           </a:p>
@@ -4850,7 +5012,7 @@
     </p:spTree>
     <p:extLst>
       <p:ext uri="{BB962C8B-B14F-4D97-AF65-F5344CB8AC3E}">
-        <p14:creationId xmlns="" xmlns:p14="http://schemas.microsoft.com/office/powerpoint/2010/main" val="4217875043"/>
+        <p14:creationId xmlns:p14="http://schemas.microsoft.com/office/powerpoint/2010/main" xmlns="" val="4217875043"/>
       </p:ext>
     </p:extLst>
   </p:cSld>
@@ -5142,7 +5304,7 @@
   <a:extraClrSchemeLst/>
   <a:extLst>
     <a:ext uri="{05A4C25C-085E-4340-85A3-A5531E510DB2}">
-      <thm15:themeFamily xmlns="" xmlns:thm15="http://schemas.microsoft.com/office/thememl/2012/main" name="Office Theme" id="{62F939B6-93AF-4DB8-9C6B-D6C7DFDC589F}" vid="{4A3C46E8-61CC-4603-A589-7422A47A8E4A}"/>
+      <thm15:themeFamily xmlns:thm15="http://schemas.microsoft.com/office/thememl/2012/main" xmlns="" name="Office Theme" id="{62F939B6-93AF-4DB8-9C6B-D6C7DFDC589F}" vid="{4A3C46E8-61CC-4603-A589-7422A47A8E4A}"/>
     </a:ext>
   </a:extLst>
 </a:theme>
@@ -5403,7 +5565,7 @@
   <a:extraClrSchemeLst/>
   <a:extLst>
     <a:ext uri="{05A4C25C-085E-4340-85A3-A5531E510DB2}">
-      <thm15:themeFamily xmlns="" xmlns:thm15="http://schemas.microsoft.com/office/thememl/2012/main" name="Office Theme" id="{62F939B6-93AF-4DB8-9C6B-D6C7DFDC589F}" vid="{4A3C46E8-61CC-4603-A589-7422A47A8E4A}"/>
+      <thm15:themeFamily xmlns:thm15="http://schemas.microsoft.com/office/thememl/2012/main" xmlns="" name="Office Theme" id="{62F939B6-93AF-4DB8-9C6B-D6C7DFDC589F}" vid="{4A3C46E8-61CC-4603-A589-7422A47A8E4A}"/>
     </a:ext>
   </a:extLst>
 </a:theme>
@@ -5664,7 +5826,7 @@
   <a:extraClrSchemeLst/>
   <a:extLst>
     <a:ext uri="{05A4C25C-085E-4340-85A3-A5531E510DB2}">
-      <thm15:themeFamily xmlns="" xmlns:thm15="http://schemas.microsoft.com/office/thememl/2012/main" name="Office Theme" id="{62F939B6-93AF-4DB8-9C6B-D6C7DFDC589F}" vid="{4A3C46E8-61CC-4603-A589-7422A47A8E4A}"/>
+      <thm15:themeFamily xmlns:thm15="http://schemas.microsoft.com/office/thememl/2012/main" xmlns="" name="Office Theme" id="{62F939B6-93AF-4DB8-9C6B-D6C7DFDC589F}" vid="{4A3C46E8-61CC-4603-A589-7422A47A8E4A}"/>
     </a:ext>
   </a:extLst>
 </a:theme>

--- a/docs/part1ca/01_Introduction/CA_Lecture_01.pptx
+++ b/docs/part1ca/01_Introduction/CA_Lecture_01.pptx
@@ -5,16 +5,17 @@
     <p:sldMasterId id="2147483648" r:id="rId1"/>
   </p:sldMasterIdLst>
   <p:notesMasterIdLst>
-    <p:notesMasterId r:id="rId6"/>
+    <p:notesMasterId r:id="rId7"/>
   </p:notesMasterIdLst>
   <p:handoutMasterIdLst>
-    <p:handoutMasterId r:id="rId7"/>
+    <p:handoutMasterId r:id="rId8"/>
   </p:handoutMasterIdLst>
   <p:sldIdLst>
     <p:sldId id="256" r:id="rId2"/>
     <p:sldId id="273" r:id="rId3"/>
     <p:sldId id="274" r:id="rId4"/>
-    <p:sldId id="272" r:id="rId5"/>
+    <p:sldId id="275" r:id="rId5"/>
+    <p:sldId id="272" r:id="rId6"/>
   </p:sldIdLst>
   <p:sldSz cx="12192000" cy="6858000"/>
   <p:notesSz cx="6858000" cy="9144000"/>
@@ -115,7 +116,7 @@
   </p:defaultTextStyle>
   <p:extLst>
     <p:ext uri="{EFAFB233-063F-42B5-8137-9DF3F51BA10A}">
-      <p15:sldGuideLst xmlns:p15="http://schemas.microsoft.com/office/powerpoint/2012/main" xmlns="">
+      <p15:sldGuideLst xmlns="" xmlns:p15="http://schemas.microsoft.com/office/powerpoint/2012/main">
         <p15:guide id="1" orient="horz" pos="2160">
           <p15:clr>
             <a:srgbClr val="A4A3A4"/>
@@ -129,7 +130,7 @@
       </p15:sldGuideLst>
     </p:ext>
     <p:ext uri="{2D200454-40CA-4A62-9FC3-DE9A4176ACB9}">
-      <p15:notesGuideLst xmlns:p15="http://schemas.microsoft.com/office/powerpoint/2012/main" xmlns=""/>
+      <p15:notesGuideLst xmlns="" xmlns:p15="http://schemas.microsoft.com/office/powerpoint/2012/main"/>
     </p:ext>
   </p:extLst>
 </p:presentation>
@@ -226,7 +227,7 @@
             <a:fld id="{D0106195-8D78-4F6F-B8E4-FA67975ACEF5}" type="datetimeFigureOut">
               <a:rPr lang="ru-RU" smtClean="0"/>
               <a:pPr/>
-              <a:t>25.09.2020</a:t>
+              <a:t>03.10.2020</a:t>
             </a:fld>
             <a:endParaRPr lang="ru-RU"/>
           </a:p>
@@ -302,7 +303,7 @@
     </p:spTree>
     <p:extLst>
       <p:ext uri="{BB962C8B-B14F-4D97-AF65-F5344CB8AC3E}">
-        <p14:creationId xmlns:p14="http://schemas.microsoft.com/office/powerpoint/2010/main" xmlns="" val="827279973"/>
+        <p14:creationId xmlns="" xmlns:p14="http://schemas.microsoft.com/office/powerpoint/2010/main" val="827279973"/>
       </p:ext>
     </p:extLst>
   </p:cSld>
@@ -394,7 +395,7 @@
             <a:fld id="{878212F1-C3D9-4F2B-8F42-5E960FE8BE51}" type="datetimeFigureOut">
               <a:rPr lang="ru-RU" smtClean="0"/>
               <a:pPr/>
-              <a:t>25.09.2020</a:t>
+              <a:t>03.10.2020</a:t>
             </a:fld>
             <a:endParaRPr lang="ru-RU"/>
           </a:p>
@@ -563,7 +564,7 @@
     </p:spTree>
     <p:extLst>
       <p:ext uri="{BB962C8B-B14F-4D97-AF65-F5344CB8AC3E}">
-        <p14:creationId xmlns:p14="http://schemas.microsoft.com/office/powerpoint/2010/main" xmlns="" val="3865021395"/>
+        <p14:creationId xmlns="" xmlns:p14="http://schemas.microsoft.com/office/powerpoint/2010/main" val="3865021395"/>
       </p:ext>
     </p:extLst>
   </p:cSld>
@@ -777,7 +778,7 @@
     </p:spTree>
     <p:extLst>
       <p:ext uri="{BB962C8B-B14F-4D97-AF65-F5344CB8AC3E}">
-        <p14:creationId xmlns:p14="http://schemas.microsoft.com/office/powerpoint/2010/main" xmlns="" val="2381791527"/>
+        <p14:creationId xmlns="" xmlns:p14="http://schemas.microsoft.com/office/powerpoint/2010/main" val="2381791527"/>
       </p:ext>
     </p:extLst>
   </p:cSld>
@@ -891,7 +892,7 @@
             <a:fld id="{5583B3A5-99BF-45D9-956B-DC57CC23AD97}" type="slidenum">
               <a:rPr lang="ru-RU" smtClean="0"/>
               <a:pPr/>
-              <a:t>4</a:t>
+              <a:t>5</a:t>
             </a:fld>
             <a:endParaRPr lang="ru-RU"/>
           </a:p>
@@ -900,7 +901,7 @@
     </p:spTree>
     <p:extLst>
       <p:ext uri="{BB962C8B-B14F-4D97-AF65-F5344CB8AC3E}">
-        <p14:creationId xmlns:p14="http://schemas.microsoft.com/office/powerpoint/2010/main" xmlns="" val="1915950851"/>
+        <p14:creationId xmlns="" xmlns:p14="http://schemas.microsoft.com/office/powerpoint/2010/main" val="1915950851"/>
       </p:ext>
     </p:extLst>
   </p:cSld>
@@ -1160,7 +1161,7 @@
     </p:spTree>
     <p:extLst>
       <p:ext uri="{BB962C8B-B14F-4D97-AF65-F5344CB8AC3E}">
-        <p14:creationId xmlns:p14="http://schemas.microsoft.com/office/powerpoint/2010/main" xmlns="" val="322455162"/>
+        <p14:creationId xmlns="" xmlns:p14="http://schemas.microsoft.com/office/powerpoint/2010/main" val="322455162"/>
       </p:ext>
     </p:extLst>
   </p:cSld>
@@ -1334,7 +1335,7 @@
     </p:spTree>
     <p:extLst>
       <p:ext uri="{BB962C8B-B14F-4D97-AF65-F5344CB8AC3E}">
-        <p14:creationId xmlns:p14="http://schemas.microsoft.com/office/powerpoint/2010/main" xmlns="" val="971117636"/>
+        <p14:creationId xmlns="" xmlns:p14="http://schemas.microsoft.com/office/powerpoint/2010/main" val="971117636"/>
       </p:ext>
     </p:extLst>
   </p:cSld>
@@ -1511,7 +1512,7 @@
     </p:spTree>
     <p:extLst>
       <p:ext uri="{BB962C8B-B14F-4D97-AF65-F5344CB8AC3E}">
-        <p14:creationId xmlns:p14="http://schemas.microsoft.com/office/powerpoint/2010/main" xmlns="" val="3348877825"/>
+        <p14:creationId xmlns="" xmlns:p14="http://schemas.microsoft.com/office/powerpoint/2010/main" val="3348877825"/>
       </p:ext>
     </p:extLst>
   </p:cSld>
@@ -1836,7 +1837,7 @@
     </p:spTree>
     <p:extLst>
       <p:ext uri="{BB962C8B-B14F-4D97-AF65-F5344CB8AC3E}">
-        <p14:creationId xmlns:p14="http://schemas.microsoft.com/office/powerpoint/2010/main" xmlns="" val="3256953994"/>
+        <p14:creationId xmlns="" xmlns:p14="http://schemas.microsoft.com/office/powerpoint/2010/main" val="3256953994"/>
       </p:ext>
     </p:extLst>
   </p:cSld>
@@ -2086,7 +2087,7 @@
     </p:spTree>
     <p:extLst>
       <p:ext uri="{BB962C8B-B14F-4D97-AF65-F5344CB8AC3E}">
-        <p14:creationId xmlns:p14="http://schemas.microsoft.com/office/powerpoint/2010/main" xmlns="" val="3067076846"/>
+        <p14:creationId xmlns="" xmlns:p14="http://schemas.microsoft.com/office/powerpoint/2010/main" val="3067076846"/>
       </p:ext>
     </p:extLst>
   </p:cSld>
@@ -2322,7 +2323,7 @@
     </p:spTree>
     <p:extLst>
       <p:ext uri="{BB962C8B-B14F-4D97-AF65-F5344CB8AC3E}">
-        <p14:creationId xmlns:p14="http://schemas.microsoft.com/office/powerpoint/2010/main" xmlns="" val="3710015975"/>
+        <p14:creationId xmlns="" xmlns:p14="http://schemas.microsoft.com/office/powerpoint/2010/main" val="3710015975"/>
       </p:ext>
     </p:extLst>
   </p:cSld>
@@ -2693,7 +2694,7 @@
     </p:spTree>
     <p:extLst>
       <p:ext uri="{BB962C8B-B14F-4D97-AF65-F5344CB8AC3E}">
-        <p14:creationId xmlns:p14="http://schemas.microsoft.com/office/powerpoint/2010/main" xmlns="" val="4075590966"/>
+        <p14:creationId xmlns="" xmlns:p14="http://schemas.microsoft.com/office/powerpoint/2010/main" val="4075590966"/>
       </p:ext>
     </p:extLst>
   </p:cSld>
@@ -2815,7 +2816,7 @@
     </p:spTree>
     <p:extLst>
       <p:ext uri="{BB962C8B-B14F-4D97-AF65-F5344CB8AC3E}">
-        <p14:creationId xmlns:p14="http://schemas.microsoft.com/office/powerpoint/2010/main" xmlns="" val="2889604898"/>
+        <p14:creationId xmlns="" xmlns:p14="http://schemas.microsoft.com/office/powerpoint/2010/main" val="2889604898"/>
       </p:ext>
     </p:extLst>
   </p:cSld>
@@ -2914,7 +2915,7 @@
     </p:spTree>
     <p:extLst>
       <p:ext uri="{BB962C8B-B14F-4D97-AF65-F5344CB8AC3E}">
-        <p14:creationId xmlns:p14="http://schemas.microsoft.com/office/powerpoint/2010/main" xmlns="" val="152384765"/>
+        <p14:creationId xmlns="" xmlns:p14="http://schemas.microsoft.com/office/powerpoint/2010/main" val="152384765"/>
       </p:ext>
     </p:extLst>
   </p:cSld>
@@ -3195,7 +3196,7 @@
     </p:spTree>
     <p:extLst>
       <p:ext uri="{BB962C8B-B14F-4D97-AF65-F5344CB8AC3E}">
-        <p14:creationId xmlns:p14="http://schemas.microsoft.com/office/powerpoint/2010/main" xmlns="" val="2127791886"/>
+        <p14:creationId xmlns="" xmlns:p14="http://schemas.microsoft.com/office/powerpoint/2010/main" val="2127791886"/>
       </p:ext>
     </p:extLst>
   </p:cSld>
@@ -3452,7 +3453,7 @@
     </p:spTree>
     <p:extLst>
       <p:ext uri="{BB962C8B-B14F-4D97-AF65-F5344CB8AC3E}">
-        <p14:creationId xmlns:p14="http://schemas.microsoft.com/office/powerpoint/2010/main" xmlns="" val="1752705130"/>
+        <p14:creationId xmlns="" xmlns:p14="http://schemas.microsoft.com/office/powerpoint/2010/main" val="1752705130"/>
       </p:ext>
     </p:extLst>
   </p:cSld>
@@ -3705,7 +3706,7 @@
     </p:spTree>
     <p:extLst>
       <p:ext uri="{BB962C8B-B14F-4D97-AF65-F5344CB8AC3E}">
-        <p14:creationId xmlns:p14="http://schemas.microsoft.com/office/powerpoint/2010/main" xmlns="" val="968833914"/>
+        <p14:creationId xmlns="" xmlns:p14="http://schemas.microsoft.com/office/powerpoint/2010/main" val="968833914"/>
       </p:ext>
     </p:extLst>
   </p:cSld>
@@ -4182,7 +4183,7 @@
     </p:spTree>
     <p:extLst>
       <p:ext uri="{BB962C8B-B14F-4D97-AF65-F5344CB8AC3E}">
-        <p14:creationId xmlns:p14="http://schemas.microsoft.com/office/powerpoint/2010/main" xmlns="" val="2492894732"/>
+        <p14:creationId xmlns="" xmlns:p14="http://schemas.microsoft.com/office/powerpoint/2010/main" val="2492894732"/>
       </p:ext>
     </p:extLst>
   </p:cSld>
@@ -4265,7 +4266,6 @@
               <a:rPr lang="en-US" b="1" dirty="0" smtClean="0"/>
               <a:t>Assistants</a:t>
             </a:r>
-            <a:endParaRPr lang="en-US" b="1" dirty="0" smtClean="0"/>
           </a:p>
           <a:p>
             <a:pPr>
@@ -4328,6 +4328,13 @@
   <p:clrMapOvr>
     <a:masterClrMapping/>
   </p:clrMapOvr>
+  <p:timing>
+    <p:tnLst>
+      <p:par>
+        <p:cTn id="1" dur="indefinite" restart="never" nodeType="tmRoot"/>
+      </p:par>
+    </p:tnLst>
+  </p:timing>
 </p:sld>
 </file>
 
@@ -4445,6 +4452,13 @@
   <p:clrMapOvr>
     <a:masterClrMapping/>
   </p:clrMapOvr>
+  <p:timing>
+    <p:tnLst>
+      <p:par>
+        <p:cTn id="1" dur="indefinite" restart="never" nodeType="tmRoot"/>
+      </p:par>
+    </p:tnLst>
+  </p:timing>
 </p:sld>
 </file>
 
@@ -4467,6 +4481,296 @@
       </p:grpSpPr>
       <p:sp>
         <p:nvSpPr>
+          <p:cNvPr id="3" name="Номер слайда 2"/>
+          <p:cNvSpPr>
+            <a:spLocks noGrp="1"/>
+          </p:cNvSpPr>
+          <p:nvPr>
+            <p:ph type="sldNum" sz="quarter" idx="12"/>
+          </p:nvPr>
+        </p:nvSpPr>
+        <p:spPr/>
+        <p:txBody>
+          <a:bodyPr/>
+          <a:lstStyle/>
+          <a:p>
+            <a:pPr algn="ctr"/>
+            <a:fld id="{1397BFD8-F312-4EF2-A268-44FB4BDDBBB0}" type="slidenum">
+              <a:rPr lang="ru-RU" smtClean="0"/>
+              <a:pPr algn="ctr"/>
+              <a:t>4</a:t>
+            </a:fld>
+            <a:endParaRPr lang="ru-RU" dirty="0"/>
+          </a:p>
+        </p:txBody>
+      </p:sp>
+      <p:sp>
+        <p:nvSpPr>
+          <p:cNvPr id="4" name="Заголовок 3"/>
+          <p:cNvSpPr>
+            <a:spLocks noGrp="1"/>
+          </p:cNvSpPr>
+          <p:nvPr>
+            <p:ph type="title"/>
+          </p:nvPr>
+        </p:nvSpPr>
+        <p:spPr/>
+        <p:txBody>
+          <a:bodyPr/>
+          <a:lstStyle/>
+          <a:p>
+            <a:r>
+              <a:rPr lang="en-US" dirty="0" smtClean="0"/>
+              <a:t>Abstraction</a:t>
+            </a:r>
+            <a:endParaRPr lang="ru-RU" dirty="0"/>
+          </a:p>
+        </p:txBody>
+      </p:sp>
+      <p:sp>
+        <p:nvSpPr>
+          <p:cNvPr id="8" name="Содержимое 7"/>
+          <p:cNvSpPr>
+            <a:spLocks noGrp="1"/>
+          </p:cNvSpPr>
+          <p:nvPr>
+            <p:ph idx="1"/>
+          </p:nvPr>
+        </p:nvSpPr>
+        <p:spPr>
+          <a:xfrm>
+            <a:off x="838199" y="1178053"/>
+            <a:ext cx="5289469" cy="5282124"/>
+          </a:xfrm>
+        </p:spPr>
+        <p:txBody>
+          <a:bodyPr>
+            <a:normAutofit/>
+          </a:bodyPr>
+          <a:lstStyle/>
+          <a:p>
+            <a:r>
+              <a:rPr lang="en-US" sz="4000" dirty="0" smtClean="0">
+                <a:latin typeface="Times New Roman" pitchFamily="18" charset="0"/>
+              </a:rPr>
+              <a:t>Hiding </a:t>
+            </a:r>
+            <a:r>
+              <a:rPr lang="en-US" sz="4000" dirty="0" smtClean="0">
+                <a:latin typeface="Times New Roman" pitchFamily="18" charset="0"/>
+              </a:rPr>
+              <a:t>details when </a:t>
+            </a:r>
+            <a:r>
+              <a:rPr lang="en-US" sz="4000" dirty="0" smtClean="0">
+                <a:latin typeface="Times New Roman" pitchFamily="18" charset="0"/>
+              </a:rPr>
+              <a:t> they are</a:t>
+            </a:r>
+            <a:r>
+              <a:rPr lang="ru-RU" sz="4000" dirty="0" smtClean="0">
+                <a:latin typeface="Times New Roman" pitchFamily="18" charset="0"/>
+              </a:rPr>
+              <a:t> </a:t>
+            </a:r>
+            <a:r>
+              <a:rPr lang="en-US" sz="4000" dirty="0" smtClean="0">
+                <a:latin typeface="Times New Roman" pitchFamily="18" charset="0"/>
+              </a:rPr>
+              <a:t>not important</a:t>
+            </a:r>
+            <a:endParaRPr lang="ru-RU" sz="4000" dirty="0"/>
+          </a:p>
+        </p:txBody>
+      </p:sp>
+      <p:pic>
+        <p:nvPicPr>
+          <p:cNvPr id="9" name="Picture 11"/>
+          <p:cNvPicPr>
+            <a:picLocks noChangeAspect="1" noChangeArrowheads="1"/>
+          </p:cNvPicPr>
+          <p:nvPr/>
+        </p:nvPicPr>
+        <p:blipFill>
+          <a:blip r:embed="rId2" cstate="print"/>
+          <a:stretch>
+            <a:fillRect/>
+          </a:stretch>
+        </p:blipFill>
+        <p:spPr bwMode="auto">
+          <a:xfrm>
+            <a:off x="8324597" y="1036120"/>
+            <a:ext cx="2268187" cy="5542043"/>
+          </a:xfrm>
+          <a:prstGeom prst="rect">
+            <a:avLst/>
+          </a:prstGeom>
+          <a:noFill/>
+          <a:ln>
+            <a:noFill/>
+          </a:ln>
+          <a:effectLst/>
+          <a:extLst>
+            <a:ext uri="{909E8E84-426E-40DD-AFC4-6F175D3DCCD1}">
+              <a14:hiddenFill xmlns:a14="http://schemas.microsoft.com/office/drawing/2010/main" xmlns="">
+                <a:solidFill>
+                  <a:schemeClr val="accent1"/>
+                </a:solidFill>
+              </a14:hiddenFill>
+            </a:ext>
+            <a:ext uri="{91240B29-F687-4F45-9708-019B960494DF}">
+              <a14:hiddenLine xmlns:a14="http://schemas.microsoft.com/office/drawing/2010/main" xmlns="" w="9525">
+                <a:solidFill>
+                  <a:schemeClr val="tx1"/>
+                </a:solidFill>
+                <a:miter lim="800000"/>
+                <a:headEnd/>
+                <a:tailEnd/>
+              </a14:hiddenLine>
+            </a:ext>
+            <a:ext uri="{AF507438-7753-43E0-B8FC-AC1667EBCBE1}">
+              <a14:hiddenEffects xmlns:a14="http://schemas.microsoft.com/office/drawing/2010/main" xmlns="">
+                <a:effectLst>
+                  <a:outerShdw dist="35921" dir="2700000" algn="ctr" rotWithShape="0">
+                    <a:schemeClr val="bg2"/>
+                  </a:outerShdw>
+                </a:effectLst>
+              </a14:hiddenEffects>
+            </a:ext>
+          </a:extLst>
+        </p:spPr>
+      </p:pic>
+      <p:sp>
+        <p:nvSpPr>
+          <p:cNvPr id="10" name="Левая фигурная скобка 9"/>
+          <p:cNvSpPr/>
+          <p:nvPr/>
+        </p:nvSpPr>
+        <p:spPr>
+          <a:xfrm>
+            <a:off x="7600203" y="1080655"/>
+            <a:ext cx="570015" cy="2410690"/>
+          </a:xfrm>
+          <a:prstGeom prst="leftBrace">
+            <a:avLst/>
+          </a:prstGeom>
+          <a:ln w="50800">
+            <a:solidFill>
+              <a:srgbClr val="F7B217"/>
+            </a:solidFill>
+          </a:ln>
+        </p:spPr>
+        <p:style>
+          <a:lnRef idx="1">
+            <a:schemeClr val="accent1"/>
+          </a:lnRef>
+          <a:fillRef idx="0">
+            <a:schemeClr val="accent1"/>
+          </a:fillRef>
+          <a:effectRef idx="0">
+            <a:schemeClr val="accent1"/>
+          </a:effectRef>
+          <a:fontRef idx="minor">
+            <a:schemeClr val="tx1"/>
+          </a:fontRef>
+        </p:style>
+        <p:txBody>
+          <a:bodyPr rtlCol="0" anchor="ctr"/>
+          <a:lstStyle/>
+          <a:p>
+            <a:pPr algn="ctr"/>
+            <a:endParaRPr lang="ru-RU"/>
+          </a:p>
+        </p:txBody>
+      </p:sp>
+      <p:sp>
+        <p:nvSpPr>
+          <p:cNvPr id="11" name="TextBox 10"/>
+          <p:cNvSpPr txBox="1"/>
+          <p:nvPr/>
+        </p:nvSpPr>
+        <p:spPr>
+          <a:xfrm>
+            <a:off x="6448286" y="1674423"/>
+            <a:ext cx="1674421" cy="1128156"/>
+          </a:xfrm>
+          <a:prstGeom prst="rect">
+            <a:avLst/>
+          </a:prstGeom>
+          <a:noFill/>
+        </p:spPr>
+        <p:txBody>
+          <a:bodyPr wrap="square" lIns="72000" tIns="25200" rIns="0" bIns="25200" rtlCol="0" anchor="ctr" anchorCtr="0">
+            <a:noAutofit/>
+          </a:bodyPr>
+          <a:lstStyle/>
+          <a:p>
+            <a:r>
+              <a:rPr lang="en-US" sz="2800" b="1" dirty="0" smtClean="0">
+                <a:solidFill>
+                  <a:srgbClr val="2F5CB5"/>
+                </a:solidFill>
+                <a:latin typeface="Times New Roman" pitchFamily="18" charset="0"/>
+                <a:cs typeface="Times New Roman" pitchFamily="18" charset="0"/>
+              </a:rPr>
+              <a:t>Focus</a:t>
+            </a:r>
+          </a:p>
+          <a:p>
+            <a:r>
+              <a:rPr lang="en-US" sz="2800" b="1" dirty="0" smtClean="0">
+                <a:solidFill>
+                  <a:srgbClr val="2F5CB5"/>
+                </a:solidFill>
+                <a:latin typeface="Times New Roman" pitchFamily="18" charset="0"/>
+                <a:cs typeface="Times New Roman" pitchFamily="18" charset="0"/>
+              </a:rPr>
+              <a:t>of this course</a:t>
+            </a:r>
+            <a:endParaRPr lang="ru-RU" sz="2800" b="1" dirty="0" smtClean="0">
+              <a:solidFill>
+                <a:srgbClr val="2F5CB5"/>
+              </a:solidFill>
+              <a:latin typeface="Times New Roman" pitchFamily="18" charset="0"/>
+              <a:cs typeface="Times New Roman" pitchFamily="18" charset="0"/>
+            </a:endParaRPr>
+          </a:p>
+        </p:txBody>
+      </p:sp>
+    </p:spTree>
+  </p:cSld>
+  <p:clrMapOvr>
+    <a:masterClrMapping/>
+  </p:clrMapOvr>
+  <p:timing>
+    <p:tnLst>
+      <p:par>
+        <p:cTn id="1" dur="indefinite" restart="never" nodeType="tmRoot"/>
+      </p:par>
+    </p:tnLst>
+  </p:timing>
+</p:sld>
+</file>
+
+<file path=ppt/slides/slide5.xml><?xml version="1.0" encoding="utf-8"?>
+<p:sld xmlns:a="http://schemas.openxmlformats.org/drawingml/2006/main" xmlns:r="http://schemas.openxmlformats.org/officeDocument/2006/relationships" xmlns:p="http://schemas.openxmlformats.org/presentationml/2006/main">
+  <p:cSld>
+    <p:spTree>
+      <p:nvGrpSpPr>
+        <p:cNvPr id="1" name=""/>
+        <p:cNvGrpSpPr/>
+        <p:nvPr/>
+      </p:nvGrpSpPr>
+      <p:grpSpPr>
+        <a:xfrm>
+          <a:off x="0" y="0"/>
+          <a:ext cx="0" cy="0"/>
+          <a:chOff x="0" y="0"/>
+          <a:chExt cx="0" cy="0"/>
+        </a:xfrm>
+      </p:grpSpPr>
+      <p:sp>
+        <p:nvSpPr>
           <p:cNvPr id="4" name="Прямоугольник 3"/>
           <p:cNvSpPr/>
           <p:nvPr/>
@@ -5003,7 +5307,7 @@
             <a:fld id="{1397BFD8-F312-4EF2-A268-44FB4BDDBBB0}" type="slidenum">
               <a:rPr lang="ru-RU" smtClean="0"/>
               <a:pPr algn="ctr"/>
-              <a:t>4</a:t>
+              <a:t>5</a:t>
             </a:fld>
             <a:endParaRPr lang="ru-RU" dirty="0"/>
           </a:p>
@@ -5012,7 +5316,7 @@
     </p:spTree>
     <p:extLst>
       <p:ext uri="{BB962C8B-B14F-4D97-AF65-F5344CB8AC3E}">
-        <p14:creationId xmlns:p14="http://schemas.microsoft.com/office/powerpoint/2010/main" xmlns="" val="4217875043"/>
+        <p14:creationId xmlns="" xmlns:p14="http://schemas.microsoft.com/office/powerpoint/2010/main" val="4217875043"/>
       </p:ext>
     </p:extLst>
   </p:cSld>
@@ -5304,7 +5608,7 @@
   <a:extraClrSchemeLst/>
   <a:extLst>
     <a:ext uri="{05A4C25C-085E-4340-85A3-A5531E510DB2}">
-      <thm15:themeFamily xmlns:thm15="http://schemas.microsoft.com/office/thememl/2012/main" xmlns="" name="Office Theme" id="{62F939B6-93AF-4DB8-9C6B-D6C7DFDC589F}" vid="{4A3C46E8-61CC-4603-A589-7422A47A8E4A}"/>
+      <thm15:themeFamily xmlns="" xmlns:thm15="http://schemas.microsoft.com/office/thememl/2012/main" name="Office Theme" id="{62F939B6-93AF-4DB8-9C6B-D6C7DFDC589F}" vid="{4A3C46E8-61CC-4603-A589-7422A47A8E4A}"/>
     </a:ext>
   </a:extLst>
 </a:theme>
@@ -5565,7 +5869,7 @@
   <a:extraClrSchemeLst/>
   <a:extLst>
     <a:ext uri="{05A4C25C-085E-4340-85A3-A5531E510DB2}">
-      <thm15:themeFamily xmlns:thm15="http://schemas.microsoft.com/office/thememl/2012/main" xmlns="" name="Office Theme" id="{62F939B6-93AF-4DB8-9C6B-D6C7DFDC589F}" vid="{4A3C46E8-61CC-4603-A589-7422A47A8E4A}"/>
+      <thm15:themeFamily xmlns="" xmlns:thm15="http://schemas.microsoft.com/office/thememl/2012/main" name="Office Theme" id="{62F939B6-93AF-4DB8-9C6B-D6C7DFDC589F}" vid="{4A3C46E8-61CC-4603-A589-7422A47A8E4A}"/>
     </a:ext>
   </a:extLst>
 </a:theme>
@@ -5826,7 +6130,7 @@
   <a:extraClrSchemeLst/>
   <a:extLst>
     <a:ext uri="{05A4C25C-085E-4340-85A3-A5531E510DB2}">
-      <thm15:themeFamily xmlns:thm15="http://schemas.microsoft.com/office/thememl/2012/main" xmlns="" name="Office Theme" id="{62F939B6-93AF-4DB8-9C6B-D6C7DFDC589F}" vid="{4A3C46E8-61CC-4603-A589-7422A47A8E4A}"/>
+      <thm15:themeFamily xmlns="" xmlns:thm15="http://schemas.microsoft.com/office/thememl/2012/main" name="Office Theme" id="{62F939B6-93AF-4DB8-9C6B-D6C7DFDC589F}" vid="{4A3C46E8-61CC-4603-A589-7422A47A8E4A}"/>
     </a:ext>
   </a:extLst>
 </a:theme>

--- a/docs/part1ca/01_Introduction/CA_Lecture_01.pptx
+++ b/docs/part1ca/01_Introduction/CA_Lecture_01.pptx
@@ -5,17 +5,18 @@
     <p:sldMasterId id="2147483648" r:id="rId1"/>
   </p:sldMasterIdLst>
   <p:notesMasterIdLst>
-    <p:notesMasterId r:id="rId7"/>
+    <p:notesMasterId r:id="rId8"/>
   </p:notesMasterIdLst>
   <p:handoutMasterIdLst>
-    <p:handoutMasterId r:id="rId8"/>
+    <p:handoutMasterId r:id="rId9"/>
   </p:handoutMasterIdLst>
   <p:sldIdLst>
     <p:sldId id="256" r:id="rId2"/>
-    <p:sldId id="273" r:id="rId3"/>
-    <p:sldId id="274" r:id="rId4"/>
-    <p:sldId id="275" r:id="rId5"/>
-    <p:sldId id="272" r:id="rId6"/>
+    <p:sldId id="276" r:id="rId3"/>
+    <p:sldId id="273" r:id="rId4"/>
+    <p:sldId id="274" r:id="rId5"/>
+    <p:sldId id="275" r:id="rId6"/>
+    <p:sldId id="272" r:id="rId7"/>
   </p:sldIdLst>
   <p:sldSz cx="12192000" cy="6858000"/>
   <p:notesSz cx="6858000" cy="9144000"/>
@@ -116,7 +117,7 @@
   </p:defaultTextStyle>
   <p:extLst>
     <p:ext uri="{EFAFB233-063F-42B5-8137-9DF3F51BA10A}">
-      <p15:sldGuideLst xmlns="" xmlns:p15="http://schemas.microsoft.com/office/powerpoint/2012/main">
+      <p15:sldGuideLst xmlns:p15="http://schemas.microsoft.com/office/powerpoint/2012/main" xmlns="">
         <p15:guide id="1" orient="horz" pos="2160">
           <p15:clr>
             <a:srgbClr val="A4A3A4"/>
@@ -130,7 +131,7 @@
       </p15:sldGuideLst>
     </p:ext>
     <p:ext uri="{2D200454-40CA-4A62-9FC3-DE9A4176ACB9}">
-      <p15:notesGuideLst xmlns="" xmlns:p15="http://schemas.microsoft.com/office/powerpoint/2012/main"/>
+      <p15:notesGuideLst xmlns:p15="http://schemas.microsoft.com/office/powerpoint/2012/main" xmlns=""/>
     </p:ext>
   </p:extLst>
 </p:presentation>
@@ -227,7 +228,7 @@
             <a:fld id="{D0106195-8D78-4F6F-B8E4-FA67975ACEF5}" type="datetimeFigureOut">
               <a:rPr lang="ru-RU" smtClean="0"/>
               <a:pPr/>
-              <a:t>03.10.2020</a:t>
+              <a:t>10.10.2020</a:t>
             </a:fld>
             <a:endParaRPr lang="ru-RU"/>
           </a:p>
@@ -303,7 +304,7 @@
     </p:spTree>
     <p:extLst>
       <p:ext uri="{BB962C8B-B14F-4D97-AF65-F5344CB8AC3E}">
-        <p14:creationId xmlns="" xmlns:p14="http://schemas.microsoft.com/office/powerpoint/2010/main" val="827279973"/>
+        <p14:creationId xmlns:p14="http://schemas.microsoft.com/office/powerpoint/2010/main" xmlns="" val="827279973"/>
       </p:ext>
     </p:extLst>
   </p:cSld>
@@ -395,7 +396,7 @@
             <a:fld id="{878212F1-C3D9-4F2B-8F42-5E960FE8BE51}" type="datetimeFigureOut">
               <a:rPr lang="ru-RU" smtClean="0"/>
               <a:pPr/>
-              <a:t>03.10.2020</a:t>
+              <a:t>10.10.2020</a:t>
             </a:fld>
             <a:endParaRPr lang="ru-RU"/>
           </a:p>
@@ -564,7 +565,7 @@
     </p:spTree>
     <p:extLst>
       <p:ext uri="{BB962C8B-B14F-4D97-AF65-F5344CB8AC3E}">
-        <p14:creationId xmlns="" xmlns:p14="http://schemas.microsoft.com/office/powerpoint/2010/main" val="3865021395"/>
+        <p14:creationId xmlns:p14="http://schemas.microsoft.com/office/powerpoint/2010/main" xmlns="" val="3865021395"/>
       </p:ext>
     </p:extLst>
   </p:cSld>
@@ -778,7 +779,7 @@
     </p:spTree>
     <p:extLst>
       <p:ext uri="{BB962C8B-B14F-4D97-AF65-F5344CB8AC3E}">
-        <p14:creationId xmlns="" xmlns:p14="http://schemas.microsoft.com/office/powerpoint/2010/main" val="2381791527"/>
+        <p14:creationId xmlns:p14="http://schemas.microsoft.com/office/powerpoint/2010/main" xmlns="" val="2381791527"/>
       </p:ext>
     </p:extLst>
   </p:cSld>
@@ -892,7 +893,7 @@
             <a:fld id="{5583B3A5-99BF-45D9-956B-DC57CC23AD97}" type="slidenum">
               <a:rPr lang="ru-RU" smtClean="0"/>
               <a:pPr/>
-              <a:t>5</a:t>
+              <a:t>6</a:t>
             </a:fld>
             <a:endParaRPr lang="ru-RU"/>
           </a:p>
@@ -901,7 +902,7 @@
     </p:spTree>
     <p:extLst>
       <p:ext uri="{BB962C8B-B14F-4D97-AF65-F5344CB8AC3E}">
-        <p14:creationId xmlns="" xmlns:p14="http://schemas.microsoft.com/office/powerpoint/2010/main" val="1915950851"/>
+        <p14:creationId xmlns:p14="http://schemas.microsoft.com/office/powerpoint/2010/main" xmlns="" val="1915950851"/>
       </p:ext>
     </p:extLst>
   </p:cSld>
@@ -1161,7 +1162,7 @@
     </p:spTree>
     <p:extLst>
       <p:ext uri="{BB962C8B-B14F-4D97-AF65-F5344CB8AC3E}">
-        <p14:creationId xmlns="" xmlns:p14="http://schemas.microsoft.com/office/powerpoint/2010/main" val="322455162"/>
+        <p14:creationId xmlns:p14="http://schemas.microsoft.com/office/powerpoint/2010/main" xmlns="" val="322455162"/>
       </p:ext>
     </p:extLst>
   </p:cSld>
@@ -1335,7 +1336,7 @@
     </p:spTree>
     <p:extLst>
       <p:ext uri="{BB962C8B-B14F-4D97-AF65-F5344CB8AC3E}">
-        <p14:creationId xmlns="" xmlns:p14="http://schemas.microsoft.com/office/powerpoint/2010/main" val="971117636"/>
+        <p14:creationId xmlns:p14="http://schemas.microsoft.com/office/powerpoint/2010/main" xmlns="" val="971117636"/>
       </p:ext>
     </p:extLst>
   </p:cSld>
@@ -1512,7 +1513,7 @@
     </p:spTree>
     <p:extLst>
       <p:ext uri="{BB962C8B-B14F-4D97-AF65-F5344CB8AC3E}">
-        <p14:creationId xmlns="" xmlns:p14="http://schemas.microsoft.com/office/powerpoint/2010/main" val="3348877825"/>
+        <p14:creationId xmlns:p14="http://schemas.microsoft.com/office/powerpoint/2010/main" xmlns="" val="3348877825"/>
       </p:ext>
     </p:extLst>
   </p:cSld>
@@ -1837,7 +1838,7 @@
     </p:spTree>
     <p:extLst>
       <p:ext uri="{BB962C8B-B14F-4D97-AF65-F5344CB8AC3E}">
-        <p14:creationId xmlns="" xmlns:p14="http://schemas.microsoft.com/office/powerpoint/2010/main" val="3256953994"/>
+        <p14:creationId xmlns:p14="http://schemas.microsoft.com/office/powerpoint/2010/main" xmlns="" val="3256953994"/>
       </p:ext>
     </p:extLst>
   </p:cSld>
@@ -2087,7 +2088,7 @@
     </p:spTree>
     <p:extLst>
       <p:ext uri="{BB962C8B-B14F-4D97-AF65-F5344CB8AC3E}">
-        <p14:creationId xmlns="" xmlns:p14="http://schemas.microsoft.com/office/powerpoint/2010/main" val="3067076846"/>
+        <p14:creationId xmlns:p14="http://schemas.microsoft.com/office/powerpoint/2010/main" xmlns="" val="3067076846"/>
       </p:ext>
     </p:extLst>
   </p:cSld>
@@ -2323,7 +2324,7 @@
     </p:spTree>
     <p:extLst>
       <p:ext uri="{BB962C8B-B14F-4D97-AF65-F5344CB8AC3E}">
-        <p14:creationId xmlns="" xmlns:p14="http://schemas.microsoft.com/office/powerpoint/2010/main" val="3710015975"/>
+        <p14:creationId xmlns:p14="http://schemas.microsoft.com/office/powerpoint/2010/main" xmlns="" val="3710015975"/>
       </p:ext>
     </p:extLst>
   </p:cSld>
@@ -2694,7 +2695,7 @@
     </p:spTree>
     <p:extLst>
       <p:ext uri="{BB962C8B-B14F-4D97-AF65-F5344CB8AC3E}">
-        <p14:creationId xmlns="" xmlns:p14="http://schemas.microsoft.com/office/powerpoint/2010/main" val="4075590966"/>
+        <p14:creationId xmlns:p14="http://schemas.microsoft.com/office/powerpoint/2010/main" xmlns="" val="4075590966"/>
       </p:ext>
     </p:extLst>
   </p:cSld>
@@ -2816,7 +2817,7 @@
     </p:spTree>
     <p:extLst>
       <p:ext uri="{BB962C8B-B14F-4D97-AF65-F5344CB8AC3E}">
-        <p14:creationId xmlns="" xmlns:p14="http://schemas.microsoft.com/office/powerpoint/2010/main" val="2889604898"/>
+        <p14:creationId xmlns:p14="http://schemas.microsoft.com/office/powerpoint/2010/main" xmlns="" val="2889604898"/>
       </p:ext>
     </p:extLst>
   </p:cSld>
@@ -2915,7 +2916,7 @@
     </p:spTree>
     <p:extLst>
       <p:ext uri="{BB962C8B-B14F-4D97-AF65-F5344CB8AC3E}">
-        <p14:creationId xmlns="" xmlns:p14="http://schemas.microsoft.com/office/powerpoint/2010/main" val="152384765"/>
+        <p14:creationId xmlns:p14="http://schemas.microsoft.com/office/powerpoint/2010/main" xmlns="" val="152384765"/>
       </p:ext>
     </p:extLst>
   </p:cSld>
@@ -3196,7 +3197,7 @@
     </p:spTree>
     <p:extLst>
       <p:ext uri="{BB962C8B-B14F-4D97-AF65-F5344CB8AC3E}">
-        <p14:creationId xmlns="" xmlns:p14="http://schemas.microsoft.com/office/powerpoint/2010/main" val="2127791886"/>
+        <p14:creationId xmlns:p14="http://schemas.microsoft.com/office/powerpoint/2010/main" xmlns="" val="2127791886"/>
       </p:ext>
     </p:extLst>
   </p:cSld>
@@ -3453,7 +3454,7 @@
     </p:spTree>
     <p:extLst>
       <p:ext uri="{BB962C8B-B14F-4D97-AF65-F5344CB8AC3E}">
-        <p14:creationId xmlns="" xmlns:p14="http://schemas.microsoft.com/office/powerpoint/2010/main" val="1752705130"/>
+        <p14:creationId xmlns:p14="http://schemas.microsoft.com/office/powerpoint/2010/main" xmlns="" val="1752705130"/>
       </p:ext>
     </p:extLst>
   </p:cSld>
@@ -3706,7 +3707,7 @@
     </p:spTree>
     <p:extLst>
       <p:ext uri="{BB962C8B-B14F-4D97-AF65-F5344CB8AC3E}">
-        <p14:creationId xmlns="" xmlns:p14="http://schemas.microsoft.com/office/powerpoint/2010/main" val="968833914"/>
+        <p14:creationId xmlns:p14="http://schemas.microsoft.com/office/powerpoint/2010/main" xmlns="" val="968833914"/>
       </p:ext>
     </p:extLst>
   </p:cSld>
@@ -4183,7 +4184,7 @@
     </p:spTree>
     <p:extLst>
       <p:ext uri="{BB962C8B-B14F-4D97-AF65-F5344CB8AC3E}">
-        <p14:creationId xmlns="" xmlns:p14="http://schemas.microsoft.com/office/powerpoint/2010/main" val="2492894732"/>
+        <p14:creationId xmlns:p14="http://schemas.microsoft.com/office/powerpoint/2010/main" xmlns="" val="2492894732"/>
       </p:ext>
     </p:extLst>
   </p:cSld>
@@ -4227,51 +4228,100 @@
             <p:ph idx="1"/>
           </p:nvPr>
         </p:nvSpPr>
-        <p:spPr/>
-        <p:txBody>
-          <a:bodyPr/>
-          <a:lstStyle/>
-          <a:p>
-            <a:pPr algn="ctr">
+        <p:spPr>
+          <a:xfrm>
+            <a:off x="838200" y="3515100"/>
+            <a:ext cx="10515600" cy="3016329"/>
+          </a:xfrm>
+        </p:spPr>
+        <p:txBody>
+          <a:bodyPr>
+            <a:normAutofit fontScale="92500" lnSpcReduction="10000"/>
+          </a:bodyPr>
+          <a:lstStyle/>
+          <a:p>
+            <a:r>
+              <a:rPr lang="en-US" sz="3500" b="1" dirty="0" smtClean="0"/>
+              <a:t>Wiki</a:t>
+            </a:r>
+            <a:endParaRPr lang="en-US" sz="3500" b="1" dirty="0" smtClean="0">
+              <a:hlinkClick r:id="rId2"/>
+            </a:endParaRPr>
+          </a:p>
+          <a:p>
+            <a:pPr>
               <a:buNone/>
             </a:pPr>
             <a:r>
-              <a:rPr lang="en-US" b="1" dirty="0" smtClean="0"/>
-              <a:t>Instructors</a:t>
-            </a:r>
+              <a:rPr lang="en-US" sz="3200" dirty="0" smtClean="0">
+                <a:hlinkClick r:id="rId2"/>
+              </a:rPr>
+              <a:t>http</a:t>
+            </a:r>
+            <a:r>
+              <a:rPr lang="en-US" sz="3200" dirty="0" smtClean="0">
+                <a:hlinkClick r:id="rId2"/>
+              </a:rPr>
+              <a:t>://wiki.cs.hse.ru/ACOS_DSBA_2020/2021</a:t>
+            </a:r>
+          </a:p>
+          <a:p>
+            <a:r>
+              <a:rPr lang="en-US" sz="3500" b="1" dirty="0" smtClean="0"/>
+              <a:t>Web </a:t>
+            </a:r>
+            <a:r>
+              <a:rPr lang="en-US" sz="3500" b="1" dirty="0" smtClean="0"/>
+              <a:t>site</a:t>
+            </a:r>
+            <a:endParaRPr lang="ru-RU" sz="3500" b="1" dirty="0" smtClean="0"/>
           </a:p>
           <a:p>
             <a:pPr>
               <a:buNone/>
             </a:pPr>
-            <a:endParaRPr lang="en-US" dirty="0" smtClean="0"/>
+            <a:r>
+              <a:rPr lang="en-US" sz="3200" dirty="0" smtClean="0">
+                <a:hlinkClick r:id="rId2"/>
+              </a:rPr>
+              <a:t>https</a:t>
+            </a:r>
+            <a:r>
+              <a:rPr lang="en-US" sz="3200" dirty="0" smtClean="0">
+                <a:hlinkClick r:id="rId2"/>
+              </a:rPr>
+              <a:t>://andrewt0301.github.io/hse-acos-course</a:t>
+            </a:r>
+            <a:r>
+              <a:rPr lang="en-US" sz="3200" dirty="0" smtClean="0">
+                <a:hlinkClick r:id="rId2"/>
+              </a:rPr>
+              <a:t>/</a:t>
+            </a:r>
+            <a:endParaRPr lang="en-US" sz="3200" dirty="0" smtClean="0"/>
+          </a:p>
+          <a:p>
+            <a:r>
+              <a:rPr lang="en-US" sz="3500" b="1" dirty="0" smtClean="0"/>
+              <a:t>Telegram channel</a:t>
+            </a:r>
           </a:p>
           <a:p>
             <a:pPr>
               <a:buNone/>
             </a:pPr>
-            <a:endParaRPr lang="en-US" dirty="0" smtClean="0"/>
+            <a:r>
+              <a:rPr lang="en-US" sz="3200" dirty="0" smtClean="0">
+                <a:hlinkClick r:id="rId2"/>
+              </a:rPr>
+              <a:t>https://t.me/joinchat/AAAAAFDXhCd-WvYYZwBPGQ</a:t>
+            </a:r>
           </a:p>
           <a:p>
             <a:pPr>
               <a:buNone/>
             </a:pPr>
-            <a:endParaRPr lang="en-US" dirty="0" smtClean="0"/>
-          </a:p>
-          <a:p>
-            <a:pPr algn="ctr">
-              <a:buNone/>
-            </a:pPr>
-            <a:r>
-              <a:rPr lang="en-US" b="1" dirty="0" smtClean="0"/>
-              <a:t>Assistants</a:t>
-            </a:r>
-          </a:p>
-          <a:p>
-            <a:pPr>
-              <a:buNone/>
-            </a:pPr>
-            <a:endParaRPr lang="ru-RU" dirty="0"/>
+            <a:endParaRPr lang="en-US" sz="3200" dirty="0" smtClean="0"/>
           </a:p>
         </p:txBody>
       </p:sp>
@@ -4317,24 +4367,41 @@
           <a:p>
             <a:r>
               <a:rPr lang="en-US" dirty="0" smtClean="0"/>
-              <a:t>Course Team</a:t>
+              <a:t>Course Information</a:t>
             </a:r>
             <a:endParaRPr lang="ru-RU" dirty="0"/>
           </a:p>
         </p:txBody>
       </p:sp>
+      <p:pic>
+        <p:nvPicPr>
+          <p:cNvPr id="6" name="Рисунок 5" descr="hifive-unleashed-logo.png"/>
+          <p:cNvPicPr>
+            <a:picLocks noChangeAspect="1"/>
+          </p:cNvPicPr>
+          <p:nvPr/>
+        </p:nvPicPr>
+        <p:blipFill>
+          <a:blip r:embed="rId3" cstate="print"/>
+          <a:stretch>
+            <a:fillRect/>
+          </a:stretch>
+        </p:blipFill>
+        <p:spPr>
+          <a:xfrm>
+            <a:off x="3083501" y="1079358"/>
+            <a:ext cx="6191250" cy="2371725"/>
+          </a:xfrm>
+          <a:prstGeom prst="rect">
+            <a:avLst/>
+          </a:prstGeom>
+        </p:spPr>
+      </p:pic>
     </p:spTree>
   </p:cSld>
   <p:clrMapOvr>
     <a:masterClrMapping/>
   </p:clrMapOvr>
-  <p:timing>
-    <p:tnLst>
-      <p:par>
-        <p:cTn id="1" dur="indefinite" restart="never" nodeType="tmRoot"/>
-      </p:par>
-    </p:tnLst>
-  </p:timing>
 </p:sld>
 </file>
 
@@ -4370,30 +4437,58 @@
           <a:bodyPr/>
           <a:lstStyle/>
           <a:p>
+            <a:pPr algn="ctr">
+              <a:buNone/>
+            </a:pPr>
+            <a:r>
+              <a:rPr lang="en-US" b="1" dirty="0" smtClean="0"/>
+              <a:t>Instructors</a:t>
+            </a:r>
+          </a:p>
+          <a:p>
+            <a:pPr>
+              <a:buNone/>
+            </a:pPr>
+            <a:endParaRPr lang="en-US" dirty="0" smtClean="0"/>
+          </a:p>
+          <a:p>
+            <a:pPr>
+              <a:buNone/>
+            </a:pPr>
             <a:r>
               <a:rPr lang="en-US" dirty="0" smtClean="0"/>
-              <a:t>Module 3: Computer Architecture</a:t>
-            </a:r>
-          </a:p>
-          <a:p>
-            <a:pPr lvl="1"/>
-            <a:r>
-              <a:rPr lang="en-US" dirty="0" err="1" smtClean="0"/>
-              <a:t>ssss</a:t>
+              <a:t>TODO</a:t>
             </a:r>
             <a:endParaRPr lang="en-US" dirty="0" smtClean="0"/>
           </a:p>
           <a:p>
+            <a:pPr>
+              <a:buNone/>
+            </a:pPr>
+            <a:endParaRPr lang="en-US" dirty="0" smtClean="0"/>
+          </a:p>
+          <a:p>
+            <a:pPr algn="ctr">
+              <a:buNone/>
+            </a:pPr>
+            <a:r>
+              <a:rPr lang="en-US" b="1" dirty="0" smtClean="0"/>
+              <a:t>Assistants</a:t>
+            </a:r>
+          </a:p>
+          <a:p>
+            <a:pPr>
+              <a:buNone/>
+            </a:pPr>
+            <a:endParaRPr lang="en-US" dirty="0" smtClean="0"/>
+          </a:p>
+          <a:p>
+            <a:pPr>
+              <a:buNone/>
+            </a:pPr>
             <a:r>
               <a:rPr lang="en-US" dirty="0" smtClean="0"/>
-              <a:t>Module 4: Operating Systems</a:t>
-            </a:r>
-          </a:p>
-          <a:p>
-            <a:pPr lvl="1"/>
-            <a:r>
-              <a:rPr lang="en-US" dirty="0" err="1" smtClean="0"/>
-              <a:t>ssss</a:t>
+              <a:t>TODO</a:t>
             </a:r>
             <a:endParaRPr lang="ru-RU" dirty="0"/>
           </a:p>
@@ -4441,7 +4536,7 @@
           <a:p>
             <a:r>
               <a:rPr lang="en-US" dirty="0" smtClean="0"/>
-              <a:t>Course Outline</a:t>
+              <a:t>Course Team</a:t>
             </a:r>
             <a:endParaRPr lang="ru-RU" dirty="0"/>
           </a:p>
@@ -4481,6 +4576,50 @@
       </p:grpSpPr>
       <p:sp>
         <p:nvSpPr>
+          <p:cNvPr id="2" name="Содержимое 1"/>
+          <p:cNvSpPr>
+            <a:spLocks noGrp="1"/>
+          </p:cNvSpPr>
+          <p:nvPr>
+            <p:ph idx="1"/>
+          </p:nvPr>
+        </p:nvSpPr>
+        <p:spPr/>
+        <p:txBody>
+          <a:bodyPr/>
+          <a:lstStyle/>
+          <a:p>
+            <a:r>
+              <a:rPr lang="en-US" dirty="0" smtClean="0"/>
+              <a:t>Module 3: Computer Architecture</a:t>
+            </a:r>
+          </a:p>
+          <a:p>
+            <a:pPr lvl="1"/>
+            <a:r>
+              <a:rPr lang="en-US" dirty="0" err="1" smtClean="0"/>
+              <a:t>ssss</a:t>
+            </a:r>
+            <a:endParaRPr lang="en-US" dirty="0" smtClean="0"/>
+          </a:p>
+          <a:p>
+            <a:r>
+              <a:rPr lang="en-US" dirty="0" smtClean="0"/>
+              <a:t>Module 4: Operating Systems</a:t>
+            </a:r>
+          </a:p>
+          <a:p>
+            <a:pPr lvl="1"/>
+            <a:r>
+              <a:rPr lang="en-US" dirty="0" err="1" smtClean="0"/>
+              <a:t>ssss</a:t>
+            </a:r>
+            <a:endParaRPr lang="ru-RU" dirty="0"/>
+          </a:p>
+        </p:txBody>
+      </p:sp>
+      <p:sp>
+        <p:nvSpPr>
           <p:cNvPr id="3" name="Номер слайда 2"/>
           <p:cNvSpPr>
             <a:spLocks noGrp="1"/>
@@ -4521,219 +4660,9 @@
           <a:p>
             <a:r>
               <a:rPr lang="en-US" dirty="0" smtClean="0"/>
-              <a:t>Abstraction</a:t>
+              <a:t>Course Outline</a:t>
             </a:r>
             <a:endParaRPr lang="ru-RU" dirty="0"/>
-          </a:p>
-        </p:txBody>
-      </p:sp>
-      <p:sp>
-        <p:nvSpPr>
-          <p:cNvPr id="8" name="Содержимое 7"/>
-          <p:cNvSpPr>
-            <a:spLocks noGrp="1"/>
-          </p:cNvSpPr>
-          <p:nvPr>
-            <p:ph idx="1"/>
-          </p:nvPr>
-        </p:nvSpPr>
-        <p:spPr>
-          <a:xfrm>
-            <a:off x="838199" y="1178053"/>
-            <a:ext cx="5289469" cy="5282124"/>
-          </a:xfrm>
-        </p:spPr>
-        <p:txBody>
-          <a:bodyPr>
-            <a:normAutofit/>
-          </a:bodyPr>
-          <a:lstStyle/>
-          <a:p>
-            <a:r>
-              <a:rPr lang="en-US" sz="4000" dirty="0" smtClean="0">
-                <a:latin typeface="Times New Roman" pitchFamily="18" charset="0"/>
-              </a:rPr>
-              <a:t>Hiding </a:t>
-            </a:r>
-            <a:r>
-              <a:rPr lang="en-US" sz="4000" dirty="0" smtClean="0">
-                <a:latin typeface="Times New Roman" pitchFamily="18" charset="0"/>
-              </a:rPr>
-              <a:t>details when </a:t>
-            </a:r>
-            <a:r>
-              <a:rPr lang="en-US" sz="4000" dirty="0" smtClean="0">
-                <a:latin typeface="Times New Roman" pitchFamily="18" charset="0"/>
-              </a:rPr>
-              <a:t> they are</a:t>
-            </a:r>
-            <a:r>
-              <a:rPr lang="ru-RU" sz="4000" dirty="0" smtClean="0">
-                <a:latin typeface="Times New Roman" pitchFamily="18" charset="0"/>
-              </a:rPr>
-              <a:t> </a:t>
-            </a:r>
-            <a:r>
-              <a:rPr lang="en-US" sz="4000" dirty="0" smtClean="0">
-                <a:latin typeface="Times New Roman" pitchFamily="18" charset="0"/>
-              </a:rPr>
-              <a:t>not important</a:t>
-            </a:r>
-            <a:endParaRPr lang="ru-RU" sz="4000" dirty="0"/>
-          </a:p>
-        </p:txBody>
-      </p:sp>
-      <p:pic>
-        <p:nvPicPr>
-          <p:cNvPr id="9" name="Picture 11"/>
-          <p:cNvPicPr>
-            <a:picLocks noChangeAspect="1" noChangeArrowheads="1"/>
-          </p:cNvPicPr>
-          <p:nvPr/>
-        </p:nvPicPr>
-        <p:blipFill>
-          <a:blip r:embed="rId2" cstate="print"/>
-          <a:stretch>
-            <a:fillRect/>
-          </a:stretch>
-        </p:blipFill>
-        <p:spPr bwMode="auto">
-          <a:xfrm>
-            <a:off x="8324597" y="1036120"/>
-            <a:ext cx="2268187" cy="5542043"/>
-          </a:xfrm>
-          <a:prstGeom prst="rect">
-            <a:avLst/>
-          </a:prstGeom>
-          <a:noFill/>
-          <a:ln>
-            <a:noFill/>
-          </a:ln>
-          <a:effectLst/>
-          <a:extLst>
-            <a:ext uri="{909E8E84-426E-40DD-AFC4-6F175D3DCCD1}">
-              <a14:hiddenFill xmlns:a14="http://schemas.microsoft.com/office/drawing/2010/main" xmlns="">
-                <a:solidFill>
-                  <a:schemeClr val="accent1"/>
-                </a:solidFill>
-              </a14:hiddenFill>
-            </a:ext>
-            <a:ext uri="{91240B29-F687-4F45-9708-019B960494DF}">
-              <a14:hiddenLine xmlns:a14="http://schemas.microsoft.com/office/drawing/2010/main" xmlns="" w="9525">
-                <a:solidFill>
-                  <a:schemeClr val="tx1"/>
-                </a:solidFill>
-                <a:miter lim="800000"/>
-                <a:headEnd/>
-                <a:tailEnd/>
-              </a14:hiddenLine>
-            </a:ext>
-            <a:ext uri="{AF507438-7753-43E0-B8FC-AC1667EBCBE1}">
-              <a14:hiddenEffects xmlns:a14="http://schemas.microsoft.com/office/drawing/2010/main" xmlns="">
-                <a:effectLst>
-                  <a:outerShdw dist="35921" dir="2700000" algn="ctr" rotWithShape="0">
-                    <a:schemeClr val="bg2"/>
-                  </a:outerShdw>
-                </a:effectLst>
-              </a14:hiddenEffects>
-            </a:ext>
-          </a:extLst>
-        </p:spPr>
-      </p:pic>
-      <p:sp>
-        <p:nvSpPr>
-          <p:cNvPr id="10" name="Левая фигурная скобка 9"/>
-          <p:cNvSpPr/>
-          <p:nvPr/>
-        </p:nvSpPr>
-        <p:spPr>
-          <a:xfrm>
-            <a:off x="7600203" y="1080655"/>
-            <a:ext cx="570015" cy="2410690"/>
-          </a:xfrm>
-          <a:prstGeom prst="leftBrace">
-            <a:avLst/>
-          </a:prstGeom>
-          <a:ln w="50800">
-            <a:solidFill>
-              <a:srgbClr val="F7B217"/>
-            </a:solidFill>
-          </a:ln>
-        </p:spPr>
-        <p:style>
-          <a:lnRef idx="1">
-            <a:schemeClr val="accent1"/>
-          </a:lnRef>
-          <a:fillRef idx="0">
-            <a:schemeClr val="accent1"/>
-          </a:fillRef>
-          <a:effectRef idx="0">
-            <a:schemeClr val="accent1"/>
-          </a:effectRef>
-          <a:fontRef idx="minor">
-            <a:schemeClr val="tx1"/>
-          </a:fontRef>
-        </p:style>
-        <p:txBody>
-          <a:bodyPr rtlCol="0" anchor="ctr"/>
-          <a:lstStyle/>
-          <a:p>
-            <a:pPr algn="ctr"/>
-            <a:endParaRPr lang="ru-RU"/>
-          </a:p>
-        </p:txBody>
-      </p:sp>
-      <p:sp>
-        <p:nvSpPr>
-          <p:cNvPr id="11" name="TextBox 10"/>
-          <p:cNvSpPr txBox="1"/>
-          <p:nvPr/>
-        </p:nvSpPr>
-        <p:spPr>
-          <a:xfrm>
-            <a:off x="6448286" y="1674423"/>
-            <a:ext cx="1674421" cy="1128156"/>
-          </a:xfrm>
-          <a:prstGeom prst="rect">
-            <a:avLst/>
-          </a:prstGeom>
-          <a:noFill/>
-        </p:spPr>
-        <p:txBody>
-          <a:bodyPr wrap="square" lIns="72000" tIns="25200" rIns="0" bIns="25200" rtlCol="0" anchor="ctr" anchorCtr="0">
-            <a:noAutofit/>
-          </a:bodyPr>
-          <a:lstStyle/>
-          <a:p>
-            <a:r>
-              <a:rPr lang="en-US" sz="2800" b="1" dirty="0" smtClean="0">
-                <a:solidFill>
-                  <a:srgbClr val="2F5CB5"/>
-                </a:solidFill>
-                <a:latin typeface="Times New Roman" pitchFamily="18" charset="0"/>
-                <a:cs typeface="Times New Roman" pitchFamily="18" charset="0"/>
-              </a:rPr>
-              <a:t>Focus</a:t>
-            </a:r>
-          </a:p>
-          <a:p>
-            <a:r>
-              <a:rPr lang="en-US" sz="2800" b="1" dirty="0" smtClean="0">
-                <a:solidFill>
-                  <a:srgbClr val="2F5CB5"/>
-                </a:solidFill>
-                <a:latin typeface="Times New Roman" pitchFamily="18" charset="0"/>
-                <a:cs typeface="Times New Roman" pitchFamily="18" charset="0"/>
-              </a:rPr>
-              <a:t>of this course</a:t>
-            </a:r>
-            <a:endParaRPr lang="ru-RU" sz="2800" b="1" dirty="0" smtClean="0">
-              <a:solidFill>
-                <a:srgbClr val="2F5CB5"/>
-              </a:solidFill>
-              <a:latin typeface="Times New Roman" pitchFamily="18" charset="0"/>
-              <a:cs typeface="Times New Roman" pitchFamily="18" charset="0"/>
-            </a:endParaRPr>
           </a:p>
         </p:txBody>
       </p:sp>
@@ -4771,6 +4700,284 @@
       </p:grpSpPr>
       <p:sp>
         <p:nvSpPr>
+          <p:cNvPr id="3" name="Номер слайда 2"/>
+          <p:cNvSpPr>
+            <a:spLocks noGrp="1"/>
+          </p:cNvSpPr>
+          <p:nvPr>
+            <p:ph type="sldNum" sz="quarter" idx="12"/>
+          </p:nvPr>
+        </p:nvSpPr>
+        <p:spPr/>
+        <p:txBody>
+          <a:bodyPr/>
+          <a:lstStyle/>
+          <a:p>
+            <a:pPr algn="ctr"/>
+            <a:fld id="{1397BFD8-F312-4EF2-A268-44FB4BDDBBB0}" type="slidenum">
+              <a:rPr lang="ru-RU" smtClean="0"/>
+              <a:pPr algn="ctr"/>
+              <a:t>5</a:t>
+            </a:fld>
+            <a:endParaRPr lang="ru-RU" dirty="0"/>
+          </a:p>
+        </p:txBody>
+      </p:sp>
+      <p:sp>
+        <p:nvSpPr>
+          <p:cNvPr id="4" name="Заголовок 3"/>
+          <p:cNvSpPr>
+            <a:spLocks noGrp="1"/>
+          </p:cNvSpPr>
+          <p:nvPr>
+            <p:ph type="title"/>
+          </p:nvPr>
+        </p:nvSpPr>
+        <p:spPr/>
+        <p:txBody>
+          <a:bodyPr/>
+          <a:lstStyle/>
+          <a:p>
+            <a:r>
+              <a:rPr lang="en-US" dirty="0" smtClean="0"/>
+              <a:t>Abstraction</a:t>
+            </a:r>
+            <a:endParaRPr lang="ru-RU" dirty="0"/>
+          </a:p>
+        </p:txBody>
+      </p:sp>
+      <p:sp>
+        <p:nvSpPr>
+          <p:cNvPr id="8" name="Содержимое 7"/>
+          <p:cNvSpPr>
+            <a:spLocks noGrp="1"/>
+          </p:cNvSpPr>
+          <p:nvPr>
+            <p:ph idx="1"/>
+          </p:nvPr>
+        </p:nvSpPr>
+        <p:spPr>
+          <a:xfrm>
+            <a:off x="838199" y="1178053"/>
+            <a:ext cx="5289469" cy="5282124"/>
+          </a:xfrm>
+        </p:spPr>
+        <p:txBody>
+          <a:bodyPr>
+            <a:normAutofit/>
+          </a:bodyPr>
+          <a:lstStyle/>
+          <a:p>
+            <a:r>
+              <a:rPr lang="en-US" sz="4000" dirty="0" smtClean="0">
+                <a:latin typeface="Times New Roman" pitchFamily="18" charset="0"/>
+              </a:rPr>
+              <a:t>Hiding details when  they are</a:t>
+            </a:r>
+            <a:r>
+              <a:rPr lang="ru-RU" sz="4000" dirty="0" smtClean="0">
+                <a:latin typeface="Times New Roman" pitchFamily="18" charset="0"/>
+              </a:rPr>
+              <a:t> </a:t>
+            </a:r>
+            <a:r>
+              <a:rPr lang="en-US" sz="4000" dirty="0" smtClean="0">
+                <a:latin typeface="Times New Roman" pitchFamily="18" charset="0"/>
+              </a:rPr>
+              <a:t>not important</a:t>
+            </a:r>
+            <a:endParaRPr lang="ru-RU" sz="4000" dirty="0"/>
+          </a:p>
+        </p:txBody>
+      </p:sp>
+      <p:pic>
+        <p:nvPicPr>
+          <p:cNvPr id="9" name="Picture 11"/>
+          <p:cNvPicPr>
+            <a:picLocks noChangeAspect="1" noChangeArrowheads="1"/>
+          </p:cNvPicPr>
+          <p:nvPr/>
+        </p:nvPicPr>
+        <p:blipFill>
+          <a:blip r:embed="rId2" cstate="print"/>
+          <a:stretch>
+            <a:fillRect/>
+          </a:stretch>
+        </p:blipFill>
+        <p:spPr bwMode="auto">
+          <a:xfrm>
+            <a:off x="8324597" y="1036120"/>
+            <a:ext cx="2268187" cy="5542043"/>
+          </a:xfrm>
+          <a:prstGeom prst="rect">
+            <a:avLst/>
+          </a:prstGeom>
+          <a:noFill/>
+          <a:ln>
+            <a:noFill/>
+          </a:ln>
+          <a:effectLst/>
+          <a:extLst>
+            <a:ext uri="{909E8E84-426E-40DD-AFC4-6F175D3DCCD1}">
+              <a14:hiddenFill xmlns="" xmlns:a14="http://schemas.microsoft.com/office/drawing/2010/main">
+                <a:solidFill>
+                  <a:schemeClr val="accent1"/>
+                </a:solidFill>
+              </a14:hiddenFill>
+            </a:ext>
+            <a:ext uri="{91240B29-F687-4F45-9708-019B960494DF}">
+              <a14:hiddenLine xmlns="" xmlns:a14="http://schemas.microsoft.com/office/drawing/2010/main" w="9525">
+                <a:solidFill>
+                  <a:schemeClr val="tx1"/>
+                </a:solidFill>
+                <a:miter lim="800000"/>
+                <a:headEnd/>
+                <a:tailEnd/>
+              </a14:hiddenLine>
+            </a:ext>
+            <a:ext uri="{AF507438-7753-43E0-B8FC-AC1667EBCBE1}">
+              <a14:hiddenEffects xmlns="" xmlns:a14="http://schemas.microsoft.com/office/drawing/2010/main">
+                <a:effectLst>
+                  <a:outerShdw dist="35921" dir="2700000" algn="ctr" rotWithShape="0">
+                    <a:schemeClr val="bg2"/>
+                  </a:outerShdw>
+                </a:effectLst>
+              </a14:hiddenEffects>
+            </a:ext>
+          </a:extLst>
+        </p:spPr>
+      </p:pic>
+      <p:sp>
+        <p:nvSpPr>
+          <p:cNvPr id="10" name="Левая фигурная скобка 9"/>
+          <p:cNvSpPr/>
+          <p:nvPr/>
+        </p:nvSpPr>
+        <p:spPr>
+          <a:xfrm>
+            <a:off x="7600203" y="1080655"/>
+            <a:ext cx="570015" cy="2410690"/>
+          </a:xfrm>
+          <a:prstGeom prst="leftBrace">
+            <a:avLst/>
+          </a:prstGeom>
+          <a:ln w="50800">
+            <a:solidFill>
+              <a:srgbClr val="F7B217"/>
+            </a:solidFill>
+          </a:ln>
+        </p:spPr>
+        <p:style>
+          <a:lnRef idx="1">
+            <a:schemeClr val="accent1"/>
+          </a:lnRef>
+          <a:fillRef idx="0">
+            <a:schemeClr val="accent1"/>
+          </a:fillRef>
+          <a:effectRef idx="0">
+            <a:schemeClr val="accent1"/>
+          </a:effectRef>
+          <a:fontRef idx="minor">
+            <a:schemeClr val="tx1"/>
+          </a:fontRef>
+        </p:style>
+        <p:txBody>
+          <a:bodyPr rtlCol="0" anchor="ctr"/>
+          <a:lstStyle/>
+          <a:p>
+            <a:pPr algn="ctr"/>
+            <a:endParaRPr lang="ru-RU"/>
+          </a:p>
+        </p:txBody>
+      </p:sp>
+      <p:sp>
+        <p:nvSpPr>
+          <p:cNvPr id="11" name="TextBox 10"/>
+          <p:cNvSpPr txBox="1"/>
+          <p:nvPr/>
+        </p:nvSpPr>
+        <p:spPr>
+          <a:xfrm>
+            <a:off x="6448286" y="1674423"/>
+            <a:ext cx="1674421" cy="1128156"/>
+          </a:xfrm>
+          <a:prstGeom prst="rect">
+            <a:avLst/>
+          </a:prstGeom>
+          <a:noFill/>
+        </p:spPr>
+        <p:txBody>
+          <a:bodyPr wrap="square" lIns="72000" tIns="25200" rIns="0" bIns="25200" rtlCol="0" anchor="ctr" anchorCtr="0">
+            <a:noAutofit/>
+          </a:bodyPr>
+          <a:lstStyle/>
+          <a:p>
+            <a:r>
+              <a:rPr lang="en-US" sz="2800" b="1" dirty="0" smtClean="0">
+                <a:solidFill>
+                  <a:srgbClr val="2F5CB5"/>
+                </a:solidFill>
+                <a:latin typeface="Times New Roman" pitchFamily="18" charset="0"/>
+                <a:cs typeface="Times New Roman" pitchFamily="18" charset="0"/>
+              </a:rPr>
+              <a:t>Focus</a:t>
+            </a:r>
+          </a:p>
+          <a:p>
+            <a:r>
+              <a:rPr lang="en-US" sz="2800" b="1" dirty="0" smtClean="0">
+                <a:solidFill>
+                  <a:srgbClr val="2F5CB5"/>
+                </a:solidFill>
+                <a:latin typeface="Times New Roman" pitchFamily="18" charset="0"/>
+                <a:cs typeface="Times New Roman" pitchFamily="18" charset="0"/>
+              </a:rPr>
+              <a:t>of this course</a:t>
+            </a:r>
+            <a:endParaRPr lang="ru-RU" sz="2800" b="1" dirty="0" smtClean="0">
+              <a:solidFill>
+                <a:srgbClr val="2F5CB5"/>
+              </a:solidFill>
+              <a:latin typeface="Times New Roman" pitchFamily="18" charset="0"/>
+              <a:cs typeface="Times New Roman" pitchFamily="18" charset="0"/>
+            </a:endParaRPr>
+          </a:p>
+        </p:txBody>
+      </p:sp>
+    </p:spTree>
+  </p:cSld>
+  <p:clrMapOvr>
+    <a:masterClrMapping/>
+  </p:clrMapOvr>
+  <p:timing>
+    <p:tnLst>
+      <p:par>
+        <p:cTn id="1" dur="indefinite" restart="never" nodeType="tmRoot"/>
+      </p:par>
+    </p:tnLst>
+  </p:timing>
+</p:sld>
+</file>
+
+<file path=ppt/slides/slide6.xml><?xml version="1.0" encoding="utf-8"?>
+<p:sld xmlns:a="http://schemas.openxmlformats.org/drawingml/2006/main" xmlns:r="http://schemas.openxmlformats.org/officeDocument/2006/relationships" xmlns:p="http://schemas.openxmlformats.org/presentationml/2006/main">
+  <p:cSld>
+    <p:spTree>
+      <p:nvGrpSpPr>
+        <p:cNvPr id="1" name=""/>
+        <p:cNvGrpSpPr/>
+        <p:nvPr/>
+      </p:nvGrpSpPr>
+      <p:grpSpPr>
+        <a:xfrm>
+          <a:off x="0" y="0"/>
+          <a:ext cx="0" cy="0"/>
+          <a:chOff x="0" y="0"/>
+          <a:chExt cx="0" cy="0"/>
+        </a:xfrm>
+      </p:grpSpPr>
+      <p:sp>
+        <p:nvSpPr>
           <p:cNvPr id="4" name="Прямоугольник 3"/>
           <p:cNvSpPr/>
           <p:nvPr/>
@@ -5307,7 +5514,7 @@
             <a:fld id="{1397BFD8-F312-4EF2-A268-44FB4BDDBBB0}" type="slidenum">
               <a:rPr lang="ru-RU" smtClean="0"/>
               <a:pPr algn="ctr"/>
-              <a:t>5</a:t>
+              <a:t>6</a:t>
             </a:fld>
             <a:endParaRPr lang="ru-RU" dirty="0"/>
           </a:p>
@@ -5316,7 +5523,7 @@
     </p:spTree>
     <p:extLst>
       <p:ext uri="{BB962C8B-B14F-4D97-AF65-F5344CB8AC3E}">
-        <p14:creationId xmlns="" xmlns:p14="http://schemas.microsoft.com/office/powerpoint/2010/main" val="4217875043"/>
+        <p14:creationId xmlns:p14="http://schemas.microsoft.com/office/powerpoint/2010/main" xmlns="" val="4217875043"/>
       </p:ext>
     </p:extLst>
   </p:cSld>
@@ -5608,7 +5815,7 @@
   <a:extraClrSchemeLst/>
   <a:extLst>
     <a:ext uri="{05A4C25C-085E-4340-85A3-A5531E510DB2}">
-      <thm15:themeFamily xmlns="" xmlns:thm15="http://schemas.microsoft.com/office/thememl/2012/main" name="Office Theme" id="{62F939B6-93AF-4DB8-9C6B-D6C7DFDC589F}" vid="{4A3C46E8-61CC-4603-A589-7422A47A8E4A}"/>
+      <thm15:themeFamily xmlns:thm15="http://schemas.microsoft.com/office/thememl/2012/main" xmlns="" name="Office Theme" id="{62F939B6-93AF-4DB8-9C6B-D6C7DFDC589F}" vid="{4A3C46E8-61CC-4603-A589-7422A47A8E4A}"/>
     </a:ext>
   </a:extLst>
 </a:theme>
@@ -5869,7 +6076,7 @@
   <a:extraClrSchemeLst/>
   <a:extLst>
     <a:ext uri="{05A4C25C-085E-4340-85A3-A5531E510DB2}">
-      <thm15:themeFamily xmlns="" xmlns:thm15="http://schemas.microsoft.com/office/thememl/2012/main" name="Office Theme" id="{62F939B6-93AF-4DB8-9C6B-D6C7DFDC589F}" vid="{4A3C46E8-61CC-4603-A589-7422A47A8E4A}"/>
+      <thm15:themeFamily xmlns:thm15="http://schemas.microsoft.com/office/thememl/2012/main" xmlns="" name="Office Theme" id="{62F939B6-93AF-4DB8-9C6B-D6C7DFDC589F}" vid="{4A3C46E8-61CC-4603-A589-7422A47A8E4A}"/>
     </a:ext>
   </a:extLst>
 </a:theme>
@@ -6130,7 +6337,7 @@
   <a:extraClrSchemeLst/>
   <a:extLst>
     <a:ext uri="{05A4C25C-085E-4340-85A3-A5531E510DB2}">
-      <thm15:themeFamily xmlns="" xmlns:thm15="http://schemas.microsoft.com/office/thememl/2012/main" name="Office Theme" id="{62F939B6-93AF-4DB8-9C6B-D6C7DFDC589F}" vid="{4A3C46E8-61CC-4603-A589-7422A47A8E4A}"/>
+      <thm15:themeFamily xmlns:thm15="http://schemas.microsoft.com/office/thememl/2012/main" xmlns="" name="Office Theme" id="{62F939B6-93AF-4DB8-9C6B-D6C7DFDC589F}" vid="{4A3C46E8-61CC-4603-A589-7422A47A8E4A}"/>
     </a:ext>
   </a:extLst>
 </a:theme>

--- a/docs/part1ca/01_Introduction/CA_Lecture_01.pptx
+++ b/docs/part1ca/01_Introduction/CA_Lecture_01.pptx
@@ -5,18 +5,21 @@
     <p:sldMasterId id="2147483648" r:id="rId1"/>
   </p:sldMasterIdLst>
   <p:notesMasterIdLst>
-    <p:notesMasterId r:id="rId8"/>
+    <p:notesMasterId r:id="rId11"/>
   </p:notesMasterIdLst>
   <p:handoutMasterIdLst>
-    <p:handoutMasterId r:id="rId9"/>
+    <p:handoutMasterId r:id="rId12"/>
   </p:handoutMasterIdLst>
   <p:sldIdLst>
     <p:sldId id="256" r:id="rId2"/>
     <p:sldId id="276" r:id="rId3"/>
     <p:sldId id="273" r:id="rId4"/>
     <p:sldId id="274" r:id="rId5"/>
-    <p:sldId id="275" r:id="rId6"/>
-    <p:sldId id="272" r:id="rId7"/>
+    <p:sldId id="277" r:id="rId6"/>
+    <p:sldId id="279" r:id="rId7"/>
+    <p:sldId id="278" r:id="rId8"/>
+    <p:sldId id="275" r:id="rId9"/>
+    <p:sldId id="272" r:id="rId10"/>
   </p:sldIdLst>
   <p:sldSz cx="12192000" cy="6858000"/>
   <p:notesSz cx="6858000" cy="9144000"/>
@@ -893,7 +896,7 @@
             <a:fld id="{5583B3A5-99BF-45D9-956B-DC57CC23AD97}" type="slidenum">
               <a:rPr lang="ru-RU" smtClean="0"/>
               <a:pPr/>
-              <a:t>6</a:t>
+              <a:t>9</a:t>
             </a:fld>
             <a:endParaRPr lang="ru-RU"/>
           </a:p>
@@ -4367,7 +4370,7 @@
           <a:p>
             <a:r>
               <a:rPr lang="en-US" dirty="0" smtClean="0"/>
-              <a:t>Course Information</a:t>
+              <a:t>Course Resources</a:t>
             </a:r>
             <a:endParaRPr lang="ru-RU" dirty="0"/>
           </a:p>
@@ -4402,6 +4405,13 @@
   <p:clrMapOvr>
     <a:masterClrMapping/>
   </p:clrMapOvr>
+  <p:timing>
+    <p:tnLst>
+      <p:par>
+        <p:cTn id="1" dur="indefinite" restart="never" nodeType="tmRoot"/>
+      </p:par>
+    </p:tnLst>
+  </p:timing>
 </p:sld>
 </file>
 
@@ -4424,6 +4434,47 @@
       </p:grpSpPr>
       <p:sp>
         <p:nvSpPr>
+          <p:cNvPr id="8" name="TextBox 7"/>
+          <p:cNvSpPr txBox="1"/>
+          <p:nvPr/>
+        </p:nvSpPr>
+        <p:spPr>
+          <a:xfrm>
+            <a:off x="1425038" y="3669490"/>
+            <a:ext cx="2422568" cy="629392"/>
+          </a:xfrm>
+          <a:prstGeom prst="rect">
+            <a:avLst/>
+          </a:prstGeom>
+          <a:solidFill>
+            <a:schemeClr val="bg1"/>
+          </a:solidFill>
+        </p:spPr>
+        <p:txBody>
+          <a:bodyPr wrap="square" lIns="72000" tIns="25200" rIns="0" bIns="25200" rtlCol="0" anchor="ctr" anchorCtr="0">
+            <a:noAutofit/>
+          </a:bodyPr>
+          <a:lstStyle/>
+          <a:p>
+            <a:pPr algn="ctr"/>
+            <a:r>
+              <a:rPr lang="en-US" sz="2400" b="1" dirty="0" smtClean="0">
+                <a:solidFill>
+                  <a:srgbClr val="1E3272"/>
+                </a:solidFill>
+              </a:rPr>
+              <a:t>Andrei Tatarnikov</a:t>
+            </a:r>
+            <a:endParaRPr lang="ru-RU" sz="2400" b="1" dirty="0" smtClean="0">
+              <a:solidFill>
+                <a:srgbClr val="1E3272"/>
+              </a:solidFill>
+            </a:endParaRPr>
+          </a:p>
+        </p:txBody>
+      </p:sp>
+      <p:sp>
+        <p:nvSpPr>
           <p:cNvPr id="2" name="Содержимое 1"/>
           <p:cNvSpPr>
             <a:spLocks noGrp="1"/>
@@ -4432,9 +4483,16 @@
             <p:ph idx="1"/>
           </p:nvPr>
         </p:nvSpPr>
-        <p:spPr/>
-        <p:txBody>
-          <a:bodyPr/>
+        <p:spPr>
+          <a:xfrm>
+            <a:off x="873826" y="4229935"/>
+            <a:ext cx="10515600" cy="2372746"/>
+          </a:xfrm>
+        </p:spPr>
+        <p:txBody>
+          <a:bodyPr>
+            <a:normAutofit/>
+          </a:bodyPr>
           <a:lstStyle/>
           <a:p>
             <a:pPr algn="ctr">
@@ -4442,8 +4500,9 @@
             </a:pPr>
             <a:r>
               <a:rPr lang="en-US" b="1" dirty="0" smtClean="0"/>
-              <a:t>Instructors</a:t>
-            </a:r>
+              <a:t>Assistants</a:t>
+            </a:r>
+            <a:endParaRPr lang="en-US" b="1" dirty="0" smtClean="0"/>
           </a:p>
           <a:p>
             <a:pPr>
@@ -4459,37 +4518,6 @@
               <a:rPr lang="en-US" dirty="0" smtClean="0"/>
               <a:t>TODO</a:t>
             </a:r>
-            <a:endParaRPr lang="en-US" dirty="0" smtClean="0"/>
-          </a:p>
-          <a:p>
-            <a:pPr>
-              <a:buNone/>
-            </a:pPr>
-            <a:endParaRPr lang="en-US" dirty="0" smtClean="0"/>
-          </a:p>
-          <a:p>
-            <a:pPr algn="ctr">
-              <a:buNone/>
-            </a:pPr>
-            <a:r>
-              <a:rPr lang="en-US" b="1" dirty="0" smtClean="0"/>
-              <a:t>Assistants</a:t>
-            </a:r>
-          </a:p>
-          <a:p>
-            <a:pPr>
-              <a:buNone/>
-            </a:pPr>
-            <a:endParaRPr lang="en-US" dirty="0" smtClean="0"/>
-          </a:p>
-          <a:p>
-            <a:pPr>
-              <a:buNone/>
-            </a:pPr>
-            <a:r>
-              <a:rPr lang="en-US" dirty="0" smtClean="0"/>
-              <a:t>TODO</a:t>
-            </a:r>
             <a:endParaRPr lang="ru-RU" dirty="0"/>
           </a:p>
         </p:txBody>
@@ -4539,6 +4567,90 @@
               <a:t>Course Team</a:t>
             </a:r>
             <a:endParaRPr lang="ru-RU" dirty="0"/>
+          </a:p>
+        </p:txBody>
+      </p:sp>
+      <p:pic>
+        <p:nvPicPr>
+          <p:cNvPr id="6" name="Рисунок 5" descr="3727740.jpg"/>
+          <p:cNvPicPr>
+            <a:picLocks noChangeAspect="1"/>
+          </p:cNvPicPr>
+          <p:nvPr/>
+        </p:nvPicPr>
+        <p:blipFill>
+          <a:blip r:embed="rId2" cstate="print"/>
+          <a:stretch>
+            <a:fillRect/>
+          </a:stretch>
+        </p:blipFill>
+        <p:spPr>
+          <a:xfrm>
+            <a:off x="1613327" y="1547041"/>
+            <a:ext cx="2190750" cy="2190750"/>
+          </a:xfrm>
+          <a:prstGeom prst="rect">
+            <a:avLst/>
+          </a:prstGeom>
+        </p:spPr>
+      </p:pic>
+      <p:sp>
+        <p:nvSpPr>
+          <p:cNvPr id="7" name="Содержимое 1"/>
+          <p:cNvSpPr txBox="1">
+            <a:spLocks/>
+          </p:cNvSpPr>
+          <p:nvPr/>
+        </p:nvSpPr>
+        <p:spPr>
+          <a:xfrm>
+            <a:off x="848100" y="1009828"/>
+            <a:ext cx="10515600" cy="700228"/>
+          </a:xfrm>
+          <a:prstGeom prst="rect">
+            <a:avLst/>
+          </a:prstGeom>
+        </p:spPr>
+        <p:txBody>
+          <a:bodyPr vert="horz" lIns="91440" tIns="45720" rIns="91440" bIns="45720" rtlCol="0">
+            <a:normAutofit/>
+          </a:bodyPr>
+          <a:lstStyle/>
+          <a:p>
+            <a:pPr marL="228600" marR="0" lvl="0" indent="-228600" algn="ctr" defTabSz="914400" rtl="0" eaLnBrk="1" fontAlgn="auto" latinLnBrk="0" hangingPunct="1">
+              <a:lnSpc>
+                <a:spcPct val="90000"/>
+              </a:lnSpc>
+              <a:spcBef>
+                <a:spcPts val="1000"/>
+              </a:spcBef>
+              <a:spcAft>
+                <a:spcPts val="0"/>
+              </a:spcAft>
+              <a:buClrTx/>
+              <a:buSzTx/>
+              <a:buFont typeface="Wingdings" pitchFamily="2" charset="2"/>
+              <a:buNone/>
+              <a:tabLst/>
+              <a:defRPr/>
+            </a:pPr>
+            <a:r>
+              <a:rPr kumimoji="0" lang="en-US" sz="3600" b="1" i="0" u="none" strike="noStrike" kern="1200" cap="none" spc="0" normalizeH="0" baseline="0" noProof="0" dirty="0" smtClean="0">
+                <a:ln>
+                  <a:noFill/>
+                </a:ln>
+                <a:solidFill>
+                  <a:srgbClr val="273272"/>
+                </a:solidFill>
+                <a:effectLst/>
+                <a:uLnTx/>
+                <a:uFillTx/>
+                <a:latin typeface="+mn-lt"/>
+                <a:ea typeface="+mn-ea"/>
+                <a:cs typeface="+mn-cs"/>
+              </a:rPr>
+              <a:t>Instructors</a:t>
+            </a:r>
           </a:p>
         </p:txBody>
       </p:sp>
@@ -4584,36 +4696,118 @@
             <p:ph idx="1"/>
           </p:nvPr>
         </p:nvSpPr>
-        <p:spPr/>
-        <p:txBody>
-          <a:bodyPr/>
-          <a:lstStyle/>
+        <p:spPr>
+          <a:xfrm>
+            <a:off x="838200" y="1178053"/>
+            <a:ext cx="10515600" cy="5246498"/>
+          </a:xfrm>
+        </p:spPr>
+        <p:txBody>
+          <a:bodyPr>
+            <a:normAutofit lnSpcReduction="10000"/>
+          </a:bodyPr>
+          <a:lstStyle/>
+          <a:p>
+            <a:pPr algn="ctr">
+              <a:buNone/>
+            </a:pPr>
+            <a:r>
+              <a:rPr lang="en-US" sz="4400" dirty="0" smtClean="0"/>
+              <a:t>Syllabus (</a:t>
+            </a:r>
+            <a:r>
+              <a:rPr lang="en-US" sz="4400" dirty="0" smtClean="0">
+                <a:solidFill>
+                  <a:srgbClr val="2F5CB5"/>
+                </a:solidFill>
+              </a:rPr>
+              <a:t>see details in the web site</a:t>
+            </a:r>
+            <a:r>
+              <a:rPr lang="en-US" sz="4400" dirty="0" smtClean="0"/>
+              <a:t>)</a:t>
+            </a:r>
+          </a:p>
           <a:p>
             <a:r>
               <a:rPr lang="en-US" dirty="0" smtClean="0"/>
-              <a:t>Module 3: Computer Architecture</a:t>
+              <a:t>Module </a:t>
+            </a:r>
+            <a:r>
+              <a:rPr lang="en-US" dirty="0" smtClean="0"/>
+              <a:t>3: Computer Architecture</a:t>
             </a:r>
           </a:p>
           <a:p>
             <a:pPr lvl="1"/>
             <a:r>
-              <a:rPr lang="en-US" dirty="0" err="1" smtClean="0"/>
-              <a:t>ssss</a:t>
+              <a:rPr lang="en-US" dirty="0" smtClean="0"/>
+              <a:t>Computer architecture</a:t>
+            </a:r>
+          </a:p>
+          <a:p>
+            <a:pPr lvl="1"/>
+            <a:r>
+              <a:rPr lang="en-US" dirty="0" smtClean="0"/>
+              <a:t>Assembly language programming (RISC-V)</a:t>
+            </a:r>
+          </a:p>
+          <a:p>
+            <a:pPr lvl="1"/>
+            <a:r>
+              <a:rPr lang="en-US" dirty="0" smtClean="0"/>
+              <a:t>Home works, quizzes, and test. </a:t>
+            </a:r>
+          </a:p>
+          <a:p>
+            <a:r>
+              <a:rPr lang="en-US" dirty="0" smtClean="0"/>
+              <a:t>Module </a:t>
+            </a:r>
+            <a:r>
+              <a:rPr lang="en-US" dirty="0" smtClean="0"/>
+              <a:t>4: Operating Systems</a:t>
+            </a:r>
+          </a:p>
+          <a:p>
+            <a:pPr lvl="1"/>
+            <a:r>
+              <a:rPr lang="en-US" dirty="0" smtClean="0"/>
+              <a:t>Operating System Architecture (Linux)</a:t>
+            </a:r>
+          </a:p>
+          <a:p>
+            <a:pPr lvl="1"/>
+            <a:r>
+              <a:rPr lang="en-US" dirty="0" smtClean="0"/>
+              <a:t>System programming in C</a:t>
+            </a:r>
+          </a:p>
+          <a:p>
+            <a:pPr lvl="1"/>
+            <a:r>
+              <a:rPr lang="en-US" dirty="0" smtClean="0"/>
+              <a:t>Home works, </a:t>
+            </a:r>
+            <a:r>
+              <a:rPr lang="en-US" dirty="0" smtClean="0"/>
+              <a:t>quizzes, </a:t>
+            </a:r>
+            <a:r>
+              <a:rPr lang="en-US" dirty="0" smtClean="0"/>
+              <a:t>and test</a:t>
             </a:r>
             <a:endParaRPr lang="en-US" dirty="0" smtClean="0"/>
           </a:p>
           <a:p>
             <a:r>
               <a:rPr lang="en-US" dirty="0" smtClean="0"/>
-              <a:t>Module 4: Operating Systems</a:t>
-            </a:r>
+              <a:t>Final Exam</a:t>
+            </a:r>
+            <a:endParaRPr lang="en-US" dirty="0" smtClean="0"/>
           </a:p>
           <a:p>
             <a:pPr lvl="1"/>
-            <a:r>
-              <a:rPr lang="en-US" dirty="0" err="1" smtClean="0"/>
-              <a:t>ssss</a:t>
-            </a:r>
             <a:endParaRPr lang="ru-RU" dirty="0"/>
           </a:p>
         </p:txBody>
@@ -4700,6 +4894,25 @@
       </p:grpSpPr>
       <p:sp>
         <p:nvSpPr>
+          <p:cNvPr id="2" name="Содержимое 1"/>
+          <p:cNvSpPr>
+            <a:spLocks noGrp="1"/>
+          </p:cNvSpPr>
+          <p:nvPr>
+            <p:ph idx="1"/>
+          </p:nvPr>
+        </p:nvSpPr>
+        <p:spPr/>
+        <p:txBody>
+          <a:bodyPr/>
+          <a:lstStyle/>
+          <a:p>
+            <a:endParaRPr lang="ru-RU" dirty="0"/>
+          </a:p>
+        </p:txBody>
+      </p:sp>
+      <p:sp>
+        <p:nvSpPr>
           <p:cNvPr id="3" name="Номер слайда 2"/>
           <p:cNvSpPr>
             <a:spLocks noGrp="1"/>
@@ -4718,6 +4931,724 @@
               <a:rPr lang="ru-RU" smtClean="0"/>
               <a:pPr algn="ctr"/>
               <a:t>5</a:t>
+            </a:fld>
+            <a:endParaRPr lang="ru-RU" dirty="0"/>
+          </a:p>
+        </p:txBody>
+      </p:sp>
+      <p:sp>
+        <p:nvSpPr>
+          <p:cNvPr id="4" name="Заголовок 3"/>
+          <p:cNvSpPr>
+            <a:spLocks noGrp="1"/>
+          </p:cNvSpPr>
+          <p:nvPr>
+            <p:ph type="title"/>
+          </p:nvPr>
+        </p:nvSpPr>
+        <p:spPr/>
+        <p:txBody>
+          <a:bodyPr/>
+          <a:lstStyle/>
+          <a:p>
+            <a:r>
+              <a:rPr lang="en-US" dirty="0" smtClean="0"/>
+              <a:t>Course Motivation</a:t>
+            </a:r>
+            <a:endParaRPr lang="ru-RU" dirty="0"/>
+          </a:p>
+        </p:txBody>
+      </p:sp>
+    </p:spTree>
+  </p:cSld>
+  <p:clrMapOvr>
+    <a:masterClrMapping/>
+  </p:clrMapOvr>
+  <p:timing>
+    <p:tnLst>
+      <p:par>
+        <p:cTn id="1" dur="indefinite" restart="never" nodeType="tmRoot"/>
+      </p:par>
+    </p:tnLst>
+  </p:timing>
+</p:sld>
+</file>
+
+<file path=ppt/slides/slide6.xml><?xml version="1.0" encoding="utf-8"?>
+<p:sld xmlns:a="http://schemas.openxmlformats.org/drawingml/2006/main" xmlns:r="http://schemas.openxmlformats.org/officeDocument/2006/relationships" xmlns:p="http://schemas.openxmlformats.org/presentationml/2006/main">
+  <p:cSld>
+    <p:spTree>
+      <p:nvGrpSpPr>
+        <p:cNvPr id="1" name=""/>
+        <p:cNvGrpSpPr/>
+        <p:nvPr/>
+      </p:nvGrpSpPr>
+      <p:grpSpPr>
+        <a:xfrm>
+          <a:off x="0" y="0"/>
+          <a:ext cx="0" cy="0"/>
+          <a:chOff x="0" y="0"/>
+          <a:chExt cx="0" cy="0"/>
+        </a:xfrm>
+      </p:grpSpPr>
+      <p:sp>
+        <p:nvSpPr>
+          <p:cNvPr id="2" name="Содержимое 1"/>
+          <p:cNvSpPr>
+            <a:spLocks noGrp="1"/>
+          </p:cNvSpPr>
+          <p:nvPr>
+            <p:ph idx="1"/>
+          </p:nvPr>
+        </p:nvSpPr>
+        <p:spPr/>
+        <p:txBody>
+          <a:bodyPr/>
+          <a:lstStyle/>
+          <a:p>
+            <a:endParaRPr lang="ru-RU"/>
+          </a:p>
+        </p:txBody>
+      </p:sp>
+      <p:sp>
+        <p:nvSpPr>
+          <p:cNvPr id="3" name="Номер слайда 2"/>
+          <p:cNvSpPr>
+            <a:spLocks noGrp="1"/>
+          </p:cNvSpPr>
+          <p:nvPr>
+            <p:ph type="sldNum" sz="quarter" idx="12"/>
+          </p:nvPr>
+        </p:nvSpPr>
+        <p:spPr/>
+        <p:txBody>
+          <a:bodyPr/>
+          <a:lstStyle/>
+          <a:p>
+            <a:pPr algn="ctr"/>
+            <a:fld id="{1397BFD8-F312-4EF2-A268-44FB4BDDBBB0}" type="slidenum">
+              <a:rPr lang="ru-RU" smtClean="0"/>
+              <a:pPr algn="ctr"/>
+              <a:t>6</a:t>
+            </a:fld>
+            <a:endParaRPr lang="ru-RU" dirty="0"/>
+          </a:p>
+        </p:txBody>
+      </p:sp>
+      <p:sp>
+        <p:nvSpPr>
+          <p:cNvPr id="4" name="Заголовок 3"/>
+          <p:cNvSpPr>
+            <a:spLocks noGrp="1"/>
+          </p:cNvSpPr>
+          <p:nvPr>
+            <p:ph type="title"/>
+          </p:nvPr>
+        </p:nvSpPr>
+        <p:spPr/>
+        <p:txBody>
+          <a:bodyPr/>
+          <a:lstStyle/>
+          <a:p>
+            <a:r>
+              <a:rPr lang="en-US" dirty="0" smtClean="0"/>
+              <a:t>Brief History</a:t>
+            </a:r>
+            <a:endParaRPr lang="ru-RU" dirty="0"/>
+          </a:p>
+        </p:txBody>
+      </p:sp>
+    </p:spTree>
+  </p:cSld>
+  <p:clrMapOvr>
+    <a:masterClrMapping/>
+  </p:clrMapOvr>
+  <p:timing>
+    <p:tnLst>
+      <p:par>
+        <p:cTn id="1" dur="indefinite" restart="never" nodeType="tmRoot"/>
+      </p:par>
+    </p:tnLst>
+  </p:timing>
+</p:sld>
+</file>
+
+<file path=ppt/slides/slide7.xml><?xml version="1.0" encoding="utf-8"?>
+<p:sld xmlns:a="http://schemas.openxmlformats.org/drawingml/2006/main" xmlns:r="http://schemas.openxmlformats.org/officeDocument/2006/relationships" xmlns:p="http://schemas.openxmlformats.org/presentationml/2006/main">
+  <p:cSld>
+    <p:spTree>
+      <p:nvGrpSpPr>
+        <p:cNvPr id="1" name=""/>
+        <p:cNvGrpSpPr/>
+        <p:nvPr/>
+      </p:nvGrpSpPr>
+      <p:grpSpPr>
+        <a:xfrm>
+          <a:off x="0" y="0"/>
+          <a:ext cx="0" cy="0"/>
+          <a:chOff x="0" y="0"/>
+          <a:chExt cx="0" cy="0"/>
+        </a:xfrm>
+      </p:grpSpPr>
+      <p:sp>
+        <p:nvSpPr>
+          <p:cNvPr id="2" name="Содержимое 1"/>
+          <p:cNvSpPr>
+            <a:spLocks noGrp="1"/>
+          </p:cNvSpPr>
+          <p:nvPr>
+            <p:ph idx="1"/>
+          </p:nvPr>
+        </p:nvSpPr>
+        <p:spPr/>
+        <p:txBody>
+          <a:bodyPr>
+            <a:noAutofit/>
+          </a:bodyPr>
+          <a:lstStyle/>
+          <a:p>
+            <a:pPr marL="0">
+              <a:lnSpc>
+                <a:spcPct val="100000"/>
+              </a:lnSpc>
+              <a:spcBef>
+                <a:spcPts val="1200"/>
+              </a:spcBef>
+            </a:pPr>
+            <a:r>
+              <a:rPr lang="en-US" altLang="en-US" sz="3200" dirty="0" smtClean="0"/>
+              <a:t>Design for </a:t>
+            </a:r>
+            <a:r>
+              <a:rPr lang="en-US" altLang="en-US" sz="3200" b="1" i="1" dirty="0" smtClean="0"/>
+              <a:t>Moore’s Law</a:t>
+            </a:r>
+          </a:p>
+          <a:p>
+            <a:pPr marL="0">
+              <a:lnSpc>
+                <a:spcPct val="100000"/>
+              </a:lnSpc>
+              <a:spcBef>
+                <a:spcPts val="1200"/>
+              </a:spcBef>
+            </a:pPr>
+            <a:r>
+              <a:rPr lang="en-US" altLang="en-US" sz="3200" dirty="0" smtClean="0"/>
+              <a:t>Use </a:t>
+            </a:r>
+            <a:r>
+              <a:rPr lang="en-US" altLang="en-US" sz="3200" b="1" i="1" dirty="0" smtClean="0"/>
+              <a:t>abstraction</a:t>
+            </a:r>
+            <a:r>
+              <a:rPr lang="en-US" altLang="en-US" sz="3200" dirty="0" smtClean="0"/>
+              <a:t> to simplify design</a:t>
+            </a:r>
+          </a:p>
+          <a:p>
+            <a:pPr marL="0">
+              <a:lnSpc>
+                <a:spcPct val="100000"/>
+              </a:lnSpc>
+              <a:spcBef>
+                <a:spcPts val="1200"/>
+              </a:spcBef>
+            </a:pPr>
+            <a:r>
+              <a:rPr lang="en-US" altLang="en-US" sz="3200" dirty="0" smtClean="0"/>
+              <a:t>Make the </a:t>
+            </a:r>
+            <a:r>
+              <a:rPr lang="en-US" altLang="en-US" sz="3200" b="1" i="1" dirty="0" smtClean="0"/>
+              <a:t>common case fast</a:t>
+            </a:r>
+          </a:p>
+          <a:p>
+            <a:pPr marL="0">
+              <a:lnSpc>
+                <a:spcPct val="100000"/>
+              </a:lnSpc>
+              <a:spcBef>
+                <a:spcPts val="1200"/>
+              </a:spcBef>
+            </a:pPr>
+            <a:r>
+              <a:rPr lang="en-US" altLang="en-US" sz="3200" dirty="0" smtClean="0"/>
+              <a:t>Performance </a:t>
+            </a:r>
+            <a:r>
+              <a:rPr lang="en-US" altLang="en-US" sz="3200" i="1" dirty="0" smtClean="0"/>
+              <a:t>via</a:t>
+            </a:r>
+            <a:r>
+              <a:rPr lang="en-US" altLang="en-US" sz="3200" dirty="0" smtClean="0"/>
+              <a:t> </a:t>
+            </a:r>
+            <a:r>
+              <a:rPr lang="en-US" altLang="en-US" sz="3200" b="1" i="1" dirty="0" smtClean="0"/>
+              <a:t>parallelism</a:t>
+            </a:r>
+          </a:p>
+          <a:p>
+            <a:pPr marL="0">
+              <a:lnSpc>
+                <a:spcPct val="100000"/>
+              </a:lnSpc>
+              <a:spcBef>
+                <a:spcPts val="1200"/>
+              </a:spcBef>
+            </a:pPr>
+            <a:r>
+              <a:rPr lang="en-US" altLang="en-US" sz="3200" dirty="0" smtClean="0"/>
+              <a:t>Performance </a:t>
+            </a:r>
+            <a:r>
+              <a:rPr lang="en-US" altLang="en-US" sz="3200" i="1" dirty="0" smtClean="0"/>
+              <a:t>via</a:t>
+            </a:r>
+            <a:r>
+              <a:rPr lang="en-US" altLang="en-US" sz="3200" dirty="0" smtClean="0"/>
+              <a:t> </a:t>
+            </a:r>
+            <a:r>
+              <a:rPr lang="en-US" altLang="en-US" sz="3200" b="1" i="1" dirty="0" smtClean="0"/>
+              <a:t>pipelining</a:t>
+            </a:r>
+          </a:p>
+          <a:p>
+            <a:pPr marL="0">
+              <a:lnSpc>
+                <a:spcPct val="100000"/>
+              </a:lnSpc>
+              <a:spcBef>
+                <a:spcPts val="1200"/>
+              </a:spcBef>
+            </a:pPr>
+            <a:r>
+              <a:rPr lang="en-US" altLang="en-US" sz="3200" dirty="0" smtClean="0"/>
+              <a:t>Performance </a:t>
+            </a:r>
+            <a:r>
+              <a:rPr lang="en-US" altLang="en-US" sz="3200" i="1" dirty="0" smtClean="0"/>
+              <a:t>via</a:t>
+            </a:r>
+            <a:r>
+              <a:rPr lang="en-US" altLang="en-US" sz="3200" dirty="0" smtClean="0"/>
+              <a:t> </a:t>
+            </a:r>
+            <a:r>
+              <a:rPr lang="en-US" altLang="en-US" sz="3200" b="1" i="1" dirty="0" smtClean="0"/>
+              <a:t>prediction</a:t>
+            </a:r>
+          </a:p>
+          <a:p>
+            <a:pPr marL="0">
+              <a:lnSpc>
+                <a:spcPct val="100000"/>
+              </a:lnSpc>
+              <a:spcBef>
+                <a:spcPts val="1200"/>
+              </a:spcBef>
+            </a:pPr>
+            <a:r>
+              <a:rPr lang="en-US" altLang="en-US" sz="3200" b="1" i="1" dirty="0" smtClean="0"/>
+              <a:t>Hierarchy</a:t>
+            </a:r>
+            <a:r>
+              <a:rPr lang="en-US" altLang="en-US" sz="3200" dirty="0" smtClean="0"/>
+              <a:t> of memories</a:t>
+            </a:r>
+          </a:p>
+          <a:p>
+            <a:pPr marL="0">
+              <a:lnSpc>
+                <a:spcPct val="100000"/>
+              </a:lnSpc>
+              <a:spcBef>
+                <a:spcPts val="1200"/>
+              </a:spcBef>
+            </a:pPr>
+            <a:r>
+              <a:rPr lang="en-US" altLang="en-US" sz="3200" b="1" i="1" dirty="0" smtClean="0"/>
+              <a:t>Dependability</a:t>
+            </a:r>
+            <a:r>
+              <a:rPr lang="en-US" altLang="en-US" sz="3200" dirty="0" smtClean="0"/>
+              <a:t> </a:t>
+            </a:r>
+            <a:r>
+              <a:rPr lang="en-US" altLang="en-US" sz="3200" i="1" dirty="0" smtClean="0"/>
+              <a:t>via</a:t>
+            </a:r>
+            <a:r>
+              <a:rPr lang="en-US" altLang="en-US" sz="3200" dirty="0" smtClean="0"/>
+              <a:t> </a:t>
+            </a:r>
+            <a:r>
+              <a:rPr lang="en-US" altLang="en-US" sz="3200" dirty="0" smtClean="0"/>
+              <a:t>redundancy</a:t>
+            </a:r>
+            <a:endParaRPr lang="ru-RU" sz="3200" dirty="0"/>
+          </a:p>
+        </p:txBody>
+      </p:sp>
+      <p:sp>
+        <p:nvSpPr>
+          <p:cNvPr id="3" name="Номер слайда 2"/>
+          <p:cNvSpPr>
+            <a:spLocks noGrp="1"/>
+          </p:cNvSpPr>
+          <p:nvPr>
+            <p:ph type="sldNum" sz="quarter" idx="12"/>
+          </p:nvPr>
+        </p:nvSpPr>
+        <p:spPr/>
+        <p:txBody>
+          <a:bodyPr/>
+          <a:lstStyle/>
+          <a:p>
+            <a:pPr algn="ctr"/>
+            <a:fld id="{1397BFD8-F312-4EF2-A268-44FB4BDDBBB0}" type="slidenum">
+              <a:rPr lang="ru-RU" smtClean="0"/>
+              <a:pPr algn="ctr"/>
+              <a:t>7</a:t>
+            </a:fld>
+            <a:endParaRPr lang="ru-RU" dirty="0"/>
+          </a:p>
+        </p:txBody>
+      </p:sp>
+      <p:sp>
+        <p:nvSpPr>
+          <p:cNvPr id="4" name="Заголовок 3"/>
+          <p:cNvSpPr>
+            <a:spLocks noGrp="1"/>
+          </p:cNvSpPr>
+          <p:nvPr>
+            <p:ph type="title"/>
+          </p:nvPr>
+        </p:nvSpPr>
+        <p:spPr/>
+        <p:txBody>
+          <a:bodyPr/>
+          <a:lstStyle/>
+          <a:p>
+            <a:r>
+              <a:rPr lang="en-US" altLang="en-US" dirty="0" smtClean="0"/>
+              <a:t>Eight Great Ideas</a:t>
+            </a:r>
+            <a:endParaRPr lang="ru-RU" dirty="0"/>
+          </a:p>
+        </p:txBody>
+      </p:sp>
+      <p:pic>
+        <p:nvPicPr>
+          <p:cNvPr id="5" name="Picture 6"/>
+          <p:cNvPicPr>
+            <a:picLocks noChangeAspect="1" noChangeArrowheads="1"/>
+          </p:cNvPicPr>
+          <p:nvPr/>
+        </p:nvPicPr>
+        <p:blipFill>
+          <a:blip r:embed="rId2" cstate="print"/>
+          <a:srcRect/>
+          <a:stretch>
+            <a:fillRect/>
+          </a:stretch>
+        </p:blipFill>
+        <p:spPr bwMode="auto">
+          <a:xfrm>
+            <a:off x="7901787" y="1077212"/>
+            <a:ext cx="1211580" cy="1363980"/>
+          </a:xfrm>
+          <a:prstGeom prst="rect">
+            <a:avLst/>
+          </a:prstGeom>
+          <a:noFill/>
+          <a:ln w="9525">
+            <a:noFill/>
+            <a:miter lim="800000"/>
+            <a:headEnd/>
+            <a:tailEnd/>
+          </a:ln>
+        </p:spPr>
+      </p:pic>
+      <p:pic>
+        <p:nvPicPr>
+          <p:cNvPr id="6" name="Picture 7"/>
+          <p:cNvPicPr>
+            <a:picLocks noChangeAspect="1" noChangeArrowheads="1"/>
+          </p:cNvPicPr>
+          <p:nvPr/>
+        </p:nvPicPr>
+        <p:blipFill>
+          <a:blip r:embed="rId3" cstate="print"/>
+          <a:srcRect/>
+          <a:stretch>
+            <a:fillRect/>
+          </a:stretch>
+        </p:blipFill>
+        <p:spPr bwMode="auto">
+          <a:xfrm>
+            <a:off x="9348348" y="1428021"/>
+            <a:ext cx="1092994" cy="1493044"/>
+          </a:xfrm>
+          <a:prstGeom prst="rect">
+            <a:avLst/>
+          </a:prstGeom>
+          <a:noFill/>
+          <a:ln w="9525">
+            <a:noFill/>
+            <a:miter lim="800000"/>
+            <a:headEnd/>
+            <a:tailEnd/>
+          </a:ln>
+        </p:spPr>
+      </p:pic>
+      <p:pic>
+        <p:nvPicPr>
+          <p:cNvPr id="7" name="Picture 8"/>
+          <p:cNvPicPr>
+            <a:picLocks noChangeAspect="1" noChangeArrowheads="1"/>
+          </p:cNvPicPr>
+          <p:nvPr/>
+        </p:nvPicPr>
+        <p:blipFill>
+          <a:blip r:embed="rId4" cstate="print"/>
+          <a:srcRect/>
+          <a:stretch>
+            <a:fillRect/>
+          </a:stretch>
+        </p:blipFill>
+        <p:spPr bwMode="auto">
+          <a:xfrm>
+            <a:off x="7922894" y="2709813"/>
+            <a:ext cx="1257300" cy="1013460"/>
+          </a:xfrm>
+          <a:prstGeom prst="rect">
+            <a:avLst/>
+          </a:prstGeom>
+          <a:noFill/>
+          <a:ln w="9525">
+            <a:noFill/>
+            <a:miter lim="800000"/>
+            <a:headEnd/>
+            <a:tailEnd/>
+          </a:ln>
+        </p:spPr>
+      </p:pic>
+      <p:pic>
+        <p:nvPicPr>
+          <p:cNvPr id="8" name="Picture 9"/>
+          <p:cNvPicPr>
+            <a:picLocks noChangeAspect="1" noChangeArrowheads="1"/>
+          </p:cNvPicPr>
+          <p:nvPr/>
+        </p:nvPicPr>
+        <p:blipFill>
+          <a:blip r:embed="rId5" cstate="print"/>
+          <a:srcRect/>
+          <a:stretch>
+            <a:fillRect/>
+          </a:stretch>
+        </p:blipFill>
+        <p:spPr bwMode="auto">
+          <a:xfrm>
+            <a:off x="9383779" y="3044682"/>
+            <a:ext cx="1171575" cy="1250156"/>
+          </a:xfrm>
+          <a:prstGeom prst="rect">
+            <a:avLst/>
+          </a:prstGeom>
+          <a:noFill/>
+          <a:ln w="9525">
+            <a:noFill/>
+            <a:miter lim="800000"/>
+            <a:headEnd/>
+            <a:tailEnd/>
+          </a:ln>
+        </p:spPr>
+      </p:pic>
+      <p:pic>
+        <p:nvPicPr>
+          <p:cNvPr id="9" name="Picture 10"/>
+          <p:cNvPicPr>
+            <a:picLocks noChangeAspect="1" noChangeArrowheads="1"/>
+          </p:cNvPicPr>
+          <p:nvPr/>
+        </p:nvPicPr>
+        <p:blipFill>
+          <a:blip r:embed="rId6" cstate="print"/>
+          <a:srcRect/>
+          <a:stretch>
+            <a:fillRect/>
+          </a:stretch>
+        </p:blipFill>
+        <p:spPr bwMode="auto">
+          <a:xfrm>
+            <a:off x="7874813" y="3917900"/>
+            <a:ext cx="1257300" cy="1424940"/>
+          </a:xfrm>
+          <a:prstGeom prst="rect">
+            <a:avLst/>
+          </a:prstGeom>
+          <a:noFill/>
+          <a:ln w="9525">
+            <a:noFill/>
+            <a:miter lim="800000"/>
+            <a:headEnd/>
+            <a:tailEnd/>
+          </a:ln>
+        </p:spPr>
+      </p:pic>
+      <p:pic>
+        <p:nvPicPr>
+          <p:cNvPr id="10" name="Picture 11"/>
+          <p:cNvPicPr>
+            <a:picLocks noChangeAspect="1" noChangeArrowheads="1"/>
+          </p:cNvPicPr>
+          <p:nvPr/>
+        </p:nvPicPr>
+        <p:blipFill>
+          <a:blip r:embed="rId7" cstate="print"/>
+          <a:srcRect/>
+          <a:stretch>
+            <a:fillRect/>
+          </a:stretch>
+        </p:blipFill>
+        <p:spPr bwMode="auto">
+          <a:xfrm>
+            <a:off x="9323676" y="4327957"/>
+            <a:ext cx="1143000" cy="1493044"/>
+          </a:xfrm>
+          <a:prstGeom prst="rect">
+            <a:avLst/>
+          </a:prstGeom>
+          <a:noFill/>
+          <a:ln w="9525">
+            <a:noFill/>
+            <a:miter lim="800000"/>
+            <a:headEnd/>
+            <a:tailEnd/>
+          </a:ln>
+        </p:spPr>
+      </p:pic>
+      <p:pic>
+        <p:nvPicPr>
+          <p:cNvPr id="11" name="Picture 12"/>
+          <p:cNvPicPr>
+            <a:picLocks noChangeAspect="1" noChangeArrowheads="1"/>
+          </p:cNvPicPr>
+          <p:nvPr/>
+        </p:nvPicPr>
+        <p:blipFill>
+          <a:blip r:embed="rId8" cstate="print"/>
+          <a:srcRect/>
+          <a:stretch>
+            <a:fillRect/>
+          </a:stretch>
+        </p:blipFill>
+        <p:spPr bwMode="auto">
+          <a:xfrm>
+            <a:off x="7911908" y="5390405"/>
+            <a:ext cx="1257300" cy="1264920"/>
+          </a:xfrm>
+          <a:prstGeom prst="rect">
+            <a:avLst/>
+          </a:prstGeom>
+          <a:noFill/>
+          <a:ln w="9525">
+            <a:noFill/>
+            <a:miter lim="800000"/>
+            <a:headEnd/>
+            <a:tailEnd/>
+          </a:ln>
+        </p:spPr>
+      </p:pic>
+      <p:pic>
+        <p:nvPicPr>
+          <p:cNvPr id="12" name="Picture 13"/>
+          <p:cNvPicPr>
+            <a:picLocks noChangeAspect="1" noChangeArrowheads="1"/>
+          </p:cNvPicPr>
+          <p:nvPr/>
+        </p:nvPicPr>
+        <p:blipFill>
+          <a:blip r:embed="rId9" cstate="print"/>
+          <a:srcRect/>
+          <a:stretch>
+            <a:fillRect/>
+          </a:stretch>
+        </p:blipFill>
+        <p:spPr bwMode="auto">
+          <a:xfrm>
+            <a:off x="9274257" y="5913080"/>
+            <a:ext cx="1376363" cy="882491"/>
+          </a:xfrm>
+          <a:prstGeom prst="rect">
+            <a:avLst/>
+          </a:prstGeom>
+          <a:noFill/>
+          <a:ln w="9525">
+            <a:noFill/>
+            <a:miter lim="800000"/>
+            <a:headEnd/>
+            <a:tailEnd/>
+          </a:ln>
+        </p:spPr>
+      </p:pic>
+    </p:spTree>
+  </p:cSld>
+  <p:clrMapOvr>
+    <a:masterClrMapping/>
+  </p:clrMapOvr>
+  <p:timing>
+    <p:tnLst>
+      <p:par>
+        <p:cTn id="1" dur="indefinite" restart="never" nodeType="tmRoot"/>
+      </p:par>
+    </p:tnLst>
+  </p:timing>
+</p:sld>
+</file>
+
+<file path=ppt/slides/slide8.xml><?xml version="1.0" encoding="utf-8"?>
+<p:sld xmlns:a="http://schemas.openxmlformats.org/drawingml/2006/main" xmlns:r="http://schemas.openxmlformats.org/officeDocument/2006/relationships" xmlns:p="http://schemas.openxmlformats.org/presentationml/2006/main">
+  <p:cSld>
+    <p:spTree>
+      <p:nvGrpSpPr>
+        <p:cNvPr id="1" name=""/>
+        <p:cNvGrpSpPr/>
+        <p:nvPr/>
+      </p:nvGrpSpPr>
+      <p:grpSpPr>
+        <a:xfrm>
+          <a:off x="0" y="0"/>
+          <a:ext cx="0" cy="0"/>
+          <a:chOff x="0" y="0"/>
+          <a:chExt cx="0" cy="0"/>
+        </a:xfrm>
+      </p:grpSpPr>
+      <p:sp>
+        <p:nvSpPr>
+          <p:cNvPr id="3" name="Номер слайда 2"/>
+          <p:cNvSpPr>
+            <a:spLocks noGrp="1"/>
+          </p:cNvSpPr>
+          <p:nvPr>
+            <p:ph type="sldNum" sz="quarter" idx="12"/>
+          </p:nvPr>
+        </p:nvSpPr>
+        <p:spPr/>
+        <p:txBody>
+          <a:bodyPr/>
+          <a:lstStyle/>
+          <a:p>
+            <a:pPr algn="ctr"/>
+            <a:fld id="{1397BFD8-F312-4EF2-A268-44FB4BDDBBB0}" type="slidenum">
+              <a:rPr lang="ru-RU" smtClean="0"/>
+              <a:pPr algn="ctr"/>
+              <a:t>8</a:t>
             </a:fld>
             <a:endParaRPr lang="ru-RU" dirty="0"/>
           </a:p>
@@ -4769,21 +5700,15 @@
           <a:lstStyle/>
           <a:p>
             <a:r>
-              <a:rPr lang="en-US" sz="4000" dirty="0" smtClean="0">
-                <a:latin typeface="Times New Roman" pitchFamily="18" charset="0"/>
-              </a:rPr>
+              <a:rPr lang="en-US" sz="4000" dirty="0" smtClean="0"/>
               <a:t>Hiding details when  they are</a:t>
             </a:r>
             <a:r>
-              <a:rPr lang="ru-RU" sz="4000" dirty="0" smtClean="0">
-                <a:latin typeface="Times New Roman" pitchFamily="18" charset="0"/>
-              </a:rPr>
+              <a:rPr lang="ru-RU" sz="4000" dirty="0" smtClean="0"/>
               <a:t> </a:t>
             </a:r>
             <a:r>
-              <a:rPr lang="en-US" sz="4000" dirty="0" smtClean="0">
-                <a:latin typeface="Times New Roman" pitchFamily="18" charset="0"/>
-              </a:rPr>
+              <a:rPr lang="en-US" sz="4000" dirty="0" smtClean="0"/>
               <a:t>not important</a:t>
             </a:r>
             <a:endParaRPr lang="ru-RU" sz="4000" dirty="0"/>
@@ -4917,7 +5842,6 @@
                 <a:solidFill>
                   <a:srgbClr val="2F5CB5"/>
                 </a:solidFill>
-                <a:latin typeface="Times New Roman" pitchFamily="18" charset="0"/>
                 <a:cs typeface="Times New Roman" pitchFamily="18" charset="0"/>
               </a:rPr>
               <a:t>Focus</a:t>
@@ -4929,7 +5853,6 @@
                 <a:solidFill>
                   <a:srgbClr val="2F5CB5"/>
                 </a:solidFill>
-                <a:latin typeface="Times New Roman" pitchFamily="18" charset="0"/>
                 <a:cs typeface="Times New Roman" pitchFamily="18" charset="0"/>
               </a:rPr>
               <a:t>of this course</a:t>
@@ -4938,7 +5861,6 @@
               <a:solidFill>
                 <a:srgbClr val="2F5CB5"/>
               </a:solidFill>
-              <a:latin typeface="Times New Roman" pitchFamily="18" charset="0"/>
               <a:cs typeface="Times New Roman" pitchFamily="18" charset="0"/>
             </a:endParaRPr>
           </a:p>
@@ -4959,7 +5881,7 @@
 </p:sld>
 </file>
 
-<file path=ppt/slides/slide6.xml><?xml version="1.0" encoding="utf-8"?>
+<file path=ppt/slides/slide9.xml><?xml version="1.0" encoding="utf-8"?>
 <p:sld xmlns:a="http://schemas.openxmlformats.org/drawingml/2006/main" xmlns:r="http://schemas.openxmlformats.org/officeDocument/2006/relationships" xmlns:p="http://schemas.openxmlformats.org/presentationml/2006/main">
   <p:cSld>
     <p:spTree>
@@ -5514,7 +6436,7 @@
             <a:fld id="{1397BFD8-F312-4EF2-A268-44FB4BDDBBB0}" type="slidenum">
               <a:rPr lang="ru-RU" smtClean="0"/>
               <a:pPr algn="ctr"/>
-              <a:t>6</a:t>
+              <a:t>9</a:t>
             </a:fld>
             <a:endParaRPr lang="ru-RU" dirty="0"/>
           </a:p>

--- a/docs/part1ca/01_Introduction/CA_Lecture_01.pptx
+++ b/docs/part1ca/01_Introduction/CA_Lecture_01.pptx
@@ -5,10 +5,10 @@
     <p:sldMasterId id="2147483648" r:id="rId1"/>
   </p:sldMasterIdLst>
   <p:notesMasterIdLst>
-    <p:notesMasterId r:id="rId11"/>
+    <p:notesMasterId r:id="rId16"/>
   </p:notesMasterIdLst>
   <p:handoutMasterIdLst>
-    <p:handoutMasterId r:id="rId12"/>
+    <p:handoutMasterId r:id="rId17"/>
   </p:handoutMasterIdLst>
   <p:sldIdLst>
     <p:sldId id="256" r:id="rId2"/>
@@ -16,10 +16,15 @@
     <p:sldId id="273" r:id="rId4"/>
     <p:sldId id="274" r:id="rId5"/>
     <p:sldId id="277" r:id="rId6"/>
-    <p:sldId id="279" r:id="rId7"/>
-    <p:sldId id="278" r:id="rId8"/>
-    <p:sldId id="275" r:id="rId9"/>
-    <p:sldId id="272" r:id="rId10"/>
+    <p:sldId id="280" r:id="rId7"/>
+    <p:sldId id="282" r:id="rId8"/>
+    <p:sldId id="283" r:id="rId9"/>
+    <p:sldId id="284" r:id="rId10"/>
+    <p:sldId id="279" r:id="rId11"/>
+    <p:sldId id="281" r:id="rId12"/>
+    <p:sldId id="278" r:id="rId13"/>
+    <p:sldId id="275" r:id="rId14"/>
+    <p:sldId id="272" r:id="rId15"/>
   </p:sldIdLst>
   <p:sldSz cx="12192000" cy="6858000"/>
   <p:notesSz cx="6858000" cy="9144000"/>
@@ -120,7 +125,7 @@
   </p:defaultTextStyle>
   <p:extLst>
     <p:ext uri="{EFAFB233-063F-42B5-8137-9DF3F51BA10A}">
-      <p15:sldGuideLst xmlns:p15="http://schemas.microsoft.com/office/powerpoint/2012/main" xmlns="">
+      <p15:sldGuideLst xmlns:p15="http://schemas.microsoft.com/office/powerpoint/2012/main">
         <p15:guide id="1" orient="horz" pos="2160">
           <p15:clr>
             <a:srgbClr val="A4A3A4"/>
@@ -134,7 +139,18 @@
       </p15:sldGuideLst>
     </p:ext>
     <p:ext uri="{2D200454-40CA-4A62-9FC3-DE9A4176ACB9}">
-      <p15:notesGuideLst xmlns:p15="http://schemas.microsoft.com/office/powerpoint/2012/main" xmlns=""/>
+      <p15:notesGuideLst xmlns:p15="http://schemas.microsoft.com/office/powerpoint/2012/main">
+        <p15:guide id="1" orient="horz" pos="2880">
+          <p15:clr>
+            <a:srgbClr val="A4A3A4"/>
+          </p15:clr>
+        </p15:guide>
+        <p15:guide id="2" pos="2160">
+          <p15:clr>
+            <a:srgbClr val="A4A3A4"/>
+          </p15:clr>
+        </p15:guide>
+      </p15:notesGuideLst>
     </p:ext>
   </p:extLst>
 </p:presentation>
@@ -231,7 +247,7 @@
             <a:fld id="{D0106195-8D78-4F6F-B8E4-FA67975ACEF5}" type="datetimeFigureOut">
               <a:rPr lang="ru-RU" smtClean="0"/>
               <a:pPr/>
-              <a:t>10.10.2020</a:t>
+              <a:t>17.10.2020</a:t>
             </a:fld>
             <a:endParaRPr lang="ru-RU"/>
           </a:p>
@@ -307,7 +323,7 @@
     </p:spTree>
     <p:extLst>
       <p:ext uri="{BB962C8B-B14F-4D97-AF65-F5344CB8AC3E}">
-        <p14:creationId xmlns:p14="http://schemas.microsoft.com/office/powerpoint/2010/main" xmlns="" val="827279973"/>
+        <p14:creationId xmlns:p14="http://schemas.microsoft.com/office/powerpoint/2010/main" val="827279973"/>
       </p:ext>
     </p:extLst>
   </p:cSld>
@@ -399,7 +415,7 @@
             <a:fld id="{878212F1-C3D9-4F2B-8F42-5E960FE8BE51}" type="datetimeFigureOut">
               <a:rPr lang="ru-RU" smtClean="0"/>
               <a:pPr/>
-              <a:t>10.10.2020</a:t>
+              <a:t>17.10.2020</a:t>
             </a:fld>
             <a:endParaRPr lang="ru-RU"/>
           </a:p>
@@ -568,7 +584,7 @@
     </p:spTree>
     <p:extLst>
       <p:ext uri="{BB962C8B-B14F-4D97-AF65-F5344CB8AC3E}">
-        <p14:creationId xmlns:p14="http://schemas.microsoft.com/office/powerpoint/2010/main" xmlns="" val="3865021395"/>
+        <p14:creationId xmlns:p14="http://schemas.microsoft.com/office/powerpoint/2010/main" val="3865021395"/>
       </p:ext>
     </p:extLst>
   </p:cSld>
@@ -782,7 +798,7 @@
     </p:spTree>
     <p:extLst>
       <p:ext uri="{BB962C8B-B14F-4D97-AF65-F5344CB8AC3E}">
-        <p14:creationId xmlns:p14="http://schemas.microsoft.com/office/powerpoint/2010/main" xmlns="" val="2381791527"/>
+        <p14:creationId xmlns:p14="http://schemas.microsoft.com/office/powerpoint/2010/main" val="2381791527"/>
       </p:ext>
     </p:extLst>
   </p:cSld>
@@ -896,7 +912,7 @@
             <a:fld id="{5583B3A5-99BF-45D9-956B-DC57CC23AD97}" type="slidenum">
               <a:rPr lang="ru-RU" smtClean="0"/>
               <a:pPr/>
-              <a:t>9</a:t>
+              <a:t>14</a:t>
             </a:fld>
             <a:endParaRPr lang="ru-RU"/>
           </a:p>
@@ -905,7 +921,7 @@
     </p:spTree>
     <p:extLst>
       <p:ext uri="{BB962C8B-B14F-4D97-AF65-F5344CB8AC3E}">
-        <p14:creationId xmlns:p14="http://schemas.microsoft.com/office/powerpoint/2010/main" xmlns="" val="1915950851"/>
+        <p14:creationId xmlns:p14="http://schemas.microsoft.com/office/powerpoint/2010/main" val="1915950851"/>
       </p:ext>
     </p:extLst>
   </p:cSld>
@@ -1165,7 +1181,7 @@
     </p:spTree>
     <p:extLst>
       <p:ext uri="{BB962C8B-B14F-4D97-AF65-F5344CB8AC3E}">
-        <p14:creationId xmlns:p14="http://schemas.microsoft.com/office/powerpoint/2010/main" xmlns="" val="322455162"/>
+        <p14:creationId xmlns:p14="http://schemas.microsoft.com/office/powerpoint/2010/main" val="322455162"/>
       </p:ext>
     </p:extLst>
   </p:cSld>
@@ -1339,7 +1355,7 @@
     </p:spTree>
     <p:extLst>
       <p:ext uri="{BB962C8B-B14F-4D97-AF65-F5344CB8AC3E}">
-        <p14:creationId xmlns:p14="http://schemas.microsoft.com/office/powerpoint/2010/main" xmlns="" val="971117636"/>
+        <p14:creationId xmlns:p14="http://schemas.microsoft.com/office/powerpoint/2010/main" val="971117636"/>
       </p:ext>
     </p:extLst>
   </p:cSld>
@@ -1516,7 +1532,7 @@
     </p:spTree>
     <p:extLst>
       <p:ext uri="{BB962C8B-B14F-4D97-AF65-F5344CB8AC3E}">
-        <p14:creationId xmlns:p14="http://schemas.microsoft.com/office/powerpoint/2010/main" xmlns="" val="3348877825"/>
+        <p14:creationId xmlns:p14="http://schemas.microsoft.com/office/powerpoint/2010/main" val="3348877825"/>
       </p:ext>
     </p:extLst>
   </p:cSld>
@@ -1841,7 +1857,7 @@
     </p:spTree>
     <p:extLst>
       <p:ext uri="{BB962C8B-B14F-4D97-AF65-F5344CB8AC3E}">
-        <p14:creationId xmlns:p14="http://schemas.microsoft.com/office/powerpoint/2010/main" xmlns="" val="3256953994"/>
+        <p14:creationId xmlns:p14="http://schemas.microsoft.com/office/powerpoint/2010/main" val="3256953994"/>
       </p:ext>
     </p:extLst>
   </p:cSld>
@@ -2091,7 +2107,7 @@
     </p:spTree>
     <p:extLst>
       <p:ext uri="{BB962C8B-B14F-4D97-AF65-F5344CB8AC3E}">
-        <p14:creationId xmlns:p14="http://schemas.microsoft.com/office/powerpoint/2010/main" xmlns="" val="3067076846"/>
+        <p14:creationId xmlns:p14="http://schemas.microsoft.com/office/powerpoint/2010/main" val="3067076846"/>
       </p:ext>
     </p:extLst>
   </p:cSld>
@@ -2327,7 +2343,7 @@
     </p:spTree>
     <p:extLst>
       <p:ext uri="{BB962C8B-B14F-4D97-AF65-F5344CB8AC3E}">
-        <p14:creationId xmlns:p14="http://schemas.microsoft.com/office/powerpoint/2010/main" xmlns="" val="3710015975"/>
+        <p14:creationId xmlns:p14="http://schemas.microsoft.com/office/powerpoint/2010/main" val="3710015975"/>
       </p:ext>
     </p:extLst>
   </p:cSld>
@@ -2698,7 +2714,7 @@
     </p:spTree>
     <p:extLst>
       <p:ext uri="{BB962C8B-B14F-4D97-AF65-F5344CB8AC3E}">
-        <p14:creationId xmlns:p14="http://schemas.microsoft.com/office/powerpoint/2010/main" xmlns="" val="4075590966"/>
+        <p14:creationId xmlns:p14="http://schemas.microsoft.com/office/powerpoint/2010/main" val="4075590966"/>
       </p:ext>
     </p:extLst>
   </p:cSld>
@@ -2820,7 +2836,7 @@
     </p:spTree>
     <p:extLst>
       <p:ext uri="{BB962C8B-B14F-4D97-AF65-F5344CB8AC3E}">
-        <p14:creationId xmlns:p14="http://schemas.microsoft.com/office/powerpoint/2010/main" xmlns="" val="2889604898"/>
+        <p14:creationId xmlns:p14="http://schemas.microsoft.com/office/powerpoint/2010/main" val="2889604898"/>
       </p:ext>
     </p:extLst>
   </p:cSld>
@@ -2919,7 +2935,7 @@
     </p:spTree>
     <p:extLst>
       <p:ext uri="{BB962C8B-B14F-4D97-AF65-F5344CB8AC3E}">
-        <p14:creationId xmlns:p14="http://schemas.microsoft.com/office/powerpoint/2010/main" xmlns="" val="152384765"/>
+        <p14:creationId xmlns:p14="http://schemas.microsoft.com/office/powerpoint/2010/main" val="152384765"/>
       </p:ext>
     </p:extLst>
   </p:cSld>
@@ -3200,7 +3216,7 @@
     </p:spTree>
     <p:extLst>
       <p:ext uri="{BB962C8B-B14F-4D97-AF65-F5344CB8AC3E}">
-        <p14:creationId xmlns:p14="http://schemas.microsoft.com/office/powerpoint/2010/main" xmlns="" val="2127791886"/>
+        <p14:creationId xmlns:p14="http://schemas.microsoft.com/office/powerpoint/2010/main" val="2127791886"/>
       </p:ext>
     </p:extLst>
   </p:cSld>
@@ -3457,7 +3473,7 @@
     </p:spTree>
     <p:extLst>
       <p:ext uri="{BB962C8B-B14F-4D97-AF65-F5344CB8AC3E}">
-        <p14:creationId xmlns:p14="http://schemas.microsoft.com/office/powerpoint/2010/main" xmlns="" val="1752705130"/>
+        <p14:creationId xmlns:p14="http://schemas.microsoft.com/office/powerpoint/2010/main" val="1752705130"/>
       </p:ext>
     </p:extLst>
   </p:cSld>
@@ -3710,7 +3726,7 @@
     </p:spTree>
     <p:extLst>
       <p:ext uri="{BB962C8B-B14F-4D97-AF65-F5344CB8AC3E}">
-        <p14:creationId xmlns:p14="http://schemas.microsoft.com/office/powerpoint/2010/main" xmlns="" val="968833914"/>
+        <p14:creationId xmlns:p14="http://schemas.microsoft.com/office/powerpoint/2010/main" val="968833914"/>
       </p:ext>
     </p:extLst>
   </p:cSld>
@@ -4187,7 +4203,7 @@
     </p:spTree>
     <p:extLst>
       <p:ext uri="{BB962C8B-B14F-4D97-AF65-F5344CB8AC3E}">
-        <p14:creationId xmlns:p14="http://schemas.microsoft.com/office/powerpoint/2010/main" xmlns="" val="2492894732"/>
+        <p14:creationId xmlns:p14="http://schemas.microsoft.com/office/powerpoint/2010/main" val="2492894732"/>
       </p:ext>
     </p:extLst>
   </p:cSld>
@@ -4204,678 +4220,7 @@
 </p:sld>
 </file>
 
-<file path=ppt/slides/slide2.xml><?xml version="1.0" encoding="utf-8"?>
-<p:sld xmlns:a="http://schemas.openxmlformats.org/drawingml/2006/main" xmlns:r="http://schemas.openxmlformats.org/officeDocument/2006/relationships" xmlns:p="http://schemas.openxmlformats.org/presentationml/2006/main">
-  <p:cSld>
-    <p:spTree>
-      <p:nvGrpSpPr>
-        <p:cNvPr id="1" name=""/>
-        <p:cNvGrpSpPr/>
-        <p:nvPr/>
-      </p:nvGrpSpPr>
-      <p:grpSpPr>
-        <a:xfrm>
-          <a:off x="0" y="0"/>
-          <a:ext cx="0" cy="0"/>
-          <a:chOff x="0" y="0"/>
-          <a:chExt cx="0" cy="0"/>
-        </a:xfrm>
-      </p:grpSpPr>
-      <p:sp>
-        <p:nvSpPr>
-          <p:cNvPr id="2" name="Содержимое 1"/>
-          <p:cNvSpPr>
-            <a:spLocks noGrp="1"/>
-          </p:cNvSpPr>
-          <p:nvPr>
-            <p:ph idx="1"/>
-          </p:nvPr>
-        </p:nvSpPr>
-        <p:spPr>
-          <a:xfrm>
-            <a:off x="838200" y="3515100"/>
-            <a:ext cx="10515600" cy="3016329"/>
-          </a:xfrm>
-        </p:spPr>
-        <p:txBody>
-          <a:bodyPr>
-            <a:normAutofit fontScale="92500" lnSpcReduction="10000"/>
-          </a:bodyPr>
-          <a:lstStyle/>
-          <a:p>
-            <a:r>
-              <a:rPr lang="en-US" sz="3500" b="1" dirty="0" smtClean="0"/>
-              <a:t>Wiki</a:t>
-            </a:r>
-            <a:endParaRPr lang="en-US" sz="3500" b="1" dirty="0" smtClean="0">
-              <a:hlinkClick r:id="rId2"/>
-            </a:endParaRPr>
-          </a:p>
-          <a:p>
-            <a:pPr>
-              <a:buNone/>
-            </a:pPr>
-            <a:r>
-              <a:rPr lang="en-US" sz="3200" dirty="0" smtClean="0">
-                <a:hlinkClick r:id="rId2"/>
-              </a:rPr>
-              <a:t>http</a:t>
-            </a:r>
-            <a:r>
-              <a:rPr lang="en-US" sz="3200" dirty="0" smtClean="0">
-                <a:hlinkClick r:id="rId2"/>
-              </a:rPr>
-              <a:t>://wiki.cs.hse.ru/ACOS_DSBA_2020/2021</a:t>
-            </a:r>
-          </a:p>
-          <a:p>
-            <a:r>
-              <a:rPr lang="en-US" sz="3500" b="1" dirty="0" smtClean="0"/>
-              <a:t>Web </a:t>
-            </a:r>
-            <a:r>
-              <a:rPr lang="en-US" sz="3500" b="1" dirty="0" smtClean="0"/>
-              <a:t>site</a:t>
-            </a:r>
-            <a:endParaRPr lang="ru-RU" sz="3500" b="1" dirty="0" smtClean="0"/>
-          </a:p>
-          <a:p>
-            <a:pPr>
-              <a:buNone/>
-            </a:pPr>
-            <a:r>
-              <a:rPr lang="en-US" sz="3200" dirty="0" smtClean="0">
-                <a:hlinkClick r:id="rId2"/>
-              </a:rPr>
-              <a:t>https</a:t>
-            </a:r>
-            <a:r>
-              <a:rPr lang="en-US" sz="3200" dirty="0" smtClean="0">
-                <a:hlinkClick r:id="rId2"/>
-              </a:rPr>
-              <a:t>://andrewt0301.github.io/hse-acos-course</a:t>
-            </a:r>
-            <a:r>
-              <a:rPr lang="en-US" sz="3200" dirty="0" smtClean="0">
-                <a:hlinkClick r:id="rId2"/>
-              </a:rPr>
-              <a:t>/</a:t>
-            </a:r>
-            <a:endParaRPr lang="en-US" sz="3200" dirty="0" smtClean="0"/>
-          </a:p>
-          <a:p>
-            <a:r>
-              <a:rPr lang="en-US" sz="3500" b="1" dirty="0" smtClean="0"/>
-              <a:t>Telegram channel</a:t>
-            </a:r>
-          </a:p>
-          <a:p>
-            <a:pPr>
-              <a:buNone/>
-            </a:pPr>
-            <a:r>
-              <a:rPr lang="en-US" sz="3200" dirty="0" smtClean="0">
-                <a:hlinkClick r:id="rId2"/>
-              </a:rPr>
-              <a:t>https://t.me/joinchat/AAAAAFDXhCd-WvYYZwBPGQ</a:t>
-            </a:r>
-          </a:p>
-          <a:p>
-            <a:pPr>
-              <a:buNone/>
-            </a:pPr>
-            <a:endParaRPr lang="en-US" sz="3200" dirty="0" smtClean="0"/>
-          </a:p>
-        </p:txBody>
-      </p:sp>
-      <p:sp>
-        <p:nvSpPr>
-          <p:cNvPr id="3" name="Номер слайда 2"/>
-          <p:cNvSpPr>
-            <a:spLocks noGrp="1"/>
-          </p:cNvSpPr>
-          <p:nvPr>
-            <p:ph type="sldNum" sz="quarter" idx="12"/>
-          </p:nvPr>
-        </p:nvSpPr>
-        <p:spPr/>
-        <p:txBody>
-          <a:bodyPr/>
-          <a:lstStyle/>
-          <a:p>
-            <a:pPr algn="ctr"/>
-            <a:fld id="{1397BFD8-F312-4EF2-A268-44FB4BDDBBB0}" type="slidenum">
-              <a:rPr lang="ru-RU" smtClean="0"/>
-              <a:pPr algn="ctr"/>
-              <a:t>2</a:t>
-            </a:fld>
-            <a:endParaRPr lang="ru-RU" dirty="0"/>
-          </a:p>
-        </p:txBody>
-      </p:sp>
-      <p:sp>
-        <p:nvSpPr>
-          <p:cNvPr id="4" name="Заголовок 3"/>
-          <p:cNvSpPr>
-            <a:spLocks noGrp="1"/>
-          </p:cNvSpPr>
-          <p:nvPr>
-            <p:ph type="title"/>
-          </p:nvPr>
-        </p:nvSpPr>
-        <p:spPr/>
-        <p:txBody>
-          <a:bodyPr/>
-          <a:lstStyle/>
-          <a:p>
-            <a:r>
-              <a:rPr lang="en-US" dirty="0" smtClean="0"/>
-              <a:t>Course Resources</a:t>
-            </a:r>
-            <a:endParaRPr lang="ru-RU" dirty="0"/>
-          </a:p>
-        </p:txBody>
-      </p:sp>
-      <p:pic>
-        <p:nvPicPr>
-          <p:cNvPr id="6" name="Рисунок 5" descr="hifive-unleashed-logo.png"/>
-          <p:cNvPicPr>
-            <a:picLocks noChangeAspect="1"/>
-          </p:cNvPicPr>
-          <p:nvPr/>
-        </p:nvPicPr>
-        <p:blipFill>
-          <a:blip r:embed="rId3" cstate="print"/>
-          <a:stretch>
-            <a:fillRect/>
-          </a:stretch>
-        </p:blipFill>
-        <p:spPr>
-          <a:xfrm>
-            <a:off x="3083501" y="1079358"/>
-            <a:ext cx="6191250" cy="2371725"/>
-          </a:xfrm>
-          <a:prstGeom prst="rect">
-            <a:avLst/>
-          </a:prstGeom>
-        </p:spPr>
-      </p:pic>
-    </p:spTree>
-  </p:cSld>
-  <p:clrMapOvr>
-    <a:masterClrMapping/>
-  </p:clrMapOvr>
-  <p:timing>
-    <p:tnLst>
-      <p:par>
-        <p:cTn id="1" dur="indefinite" restart="never" nodeType="tmRoot"/>
-      </p:par>
-    </p:tnLst>
-  </p:timing>
-</p:sld>
-</file>
-
-<file path=ppt/slides/slide3.xml><?xml version="1.0" encoding="utf-8"?>
-<p:sld xmlns:a="http://schemas.openxmlformats.org/drawingml/2006/main" xmlns:r="http://schemas.openxmlformats.org/officeDocument/2006/relationships" xmlns:p="http://schemas.openxmlformats.org/presentationml/2006/main">
-  <p:cSld>
-    <p:spTree>
-      <p:nvGrpSpPr>
-        <p:cNvPr id="1" name=""/>
-        <p:cNvGrpSpPr/>
-        <p:nvPr/>
-      </p:nvGrpSpPr>
-      <p:grpSpPr>
-        <a:xfrm>
-          <a:off x="0" y="0"/>
-          <a:ext cx="0" cy="0"/>
-          <a:chOff x="0" y="0"/>
-          <a:chExt cx="0" cy="0"/>
-        </a:xfrm>
-      </p:grpSpPr>
-      <p:sp>
-        <p:nvSpPr>
-          <p:cNvPr id="8" name="TextBox 7"/>
-          <p:cNvSpPr txBox="1"/>
-          <p:nvPr/>
-        </p:nvSpPr>
-        <p:spPr>
-          <a:xfrm>
-            <a:off x="1425038" y="3669490"/>
-            <a:ext cx="2422568" cy="629392"/>
-          </a:xfrm>
-          <a:prstGeom prst="rect">
-            <a:avLst/>
-          </a:prstGeom>
-          <a:solidFill>
-            <a:schemeClr val="bg1"/>
-          </a:solidFill>
-        </p:spPr>
-        <p:txBody>
-          <a:bodyPr wrap="square" lIns="72000" tIns="25200" rIns="0" bIns="25200" rtlCol="0" anchor="ctr" anchorCtr="0">
-            <a:noAutofit/>
-          </a:bodyPr>
-          <a:lstStyle/>
-          <a:p>
-            <a:pPr algn="ctr"/>
-            <a:r>
-              <a:rPr lang="en-US" sz="2400" b="1" dirty="0" smtClean="0">
-                <a:solidFill>
-                  <a:srgbClr val="1E3272"/>
-                </a:solidFill>
-              </a:rPr>
-              <a:t>Andrei Tatarnikov</a:t>
-            </a:r>
-            <a:endParaRPr lang="ru-RU" sz="2400" b="1" dirty="0" smtClean="0">
-              <a:solidFill>
-                <a:srgbClr val="1E3272"/>
-              </a:solidFill>
-            </a:endParaRPr>
-          </a:p>
-        </p:txBody>
-      </p:sp>
-      <p:sp>
-        <p:nvSpPr>
-          <p:cNvPr id="2" name="Содержимое 1"/>
-          <p:cNvSpPr>
-            <a:spLocks noGrp="1"/>
-          </p:cNvSpPr>
-          <p:nvPr>
-            <p:ph idx="1"/>
-          </p:nvPr>
-        </p:nvSpPr>
-        <p:spPr>
-          <a:xfrm>
-            <a:off x="873826" y="4229935"/>
-            <a:ext cx="10515600" cy="2372746"/>
-          </a:xfrm>
-        </p:spPr>
-        <p:txBody>
-          <a:bodyPr>
-            <a:normAutofit/>
-          </a:bodyPr>
-          <a:lstStyle/>
-          <a:p>
-            <a:pPr algn="ctr">
-              <a:buNone/>
-            </a:pPr>
-            <a:r>
-              <a:rPr lang="en-US" b="1" dirty="0" smtClean="0"/>
-              <a:t>Assistants</a:t>
-            </a:r>
-            <a:endParaRPr lang="en-US" b="1" dirty="0" smtClean="0"/>
-          </a:p>
-          <a:p>
-            <a:pPr>
-              <a:buNone/>
-            </a:pPr>
-            <a:endParaRPr lang="en-US" dirty="0" smtClean="0"/>
-          </a:p>
-          <a:p>
-            <a:pPr>
-              <a:buNone/>
-            </a:pPr>
-            <a:r>
-              <a:rPr lang="en-US" dirty="0" smtClean="0"/>
-              <a:t>TODO</a:t>
-            </a:r>
-            <a:endParaRPr lang="ru-RU" dirty="0"/>
-          </a:p>
-        </p:txBody>
-      </p:sp>
-      <p:sp>
-        <p:nvSpPr>
-          <p:cNvPr id="3" name="Номер слайда 2"/>
-          <p:cNvSpPr>
-            <a:spLocks noGrp="1"/>
-          </p:cNvSpPr>
-          <p:nvPr>
-            <p:ph type="sldNum" sz="quarter" idx="12"/>
-          </p:nvPr>
-        </p:nvSpPr>
-        <p:spPr/>
-        <p:txBody>
-          <a:bodyPr/>
-          <a:lstStyle/>
-          <a:p>
-            <a:pPr algn="ctr"/>
-            <a:fld id="{1397BFD8-F312-4EF2-A268-44FB4BDDBBB0}" type="slidenum">
-              <a:rPr lang="ru-RU" smtClean="0"/>
-              <a:pPr algn="ctr"/>
-              <a:t>3</a:t>
-            </a:fld>
-            <a:endParaRPr lang="ru-RU" dirty="0"/>
-          </a:p>
-        </p:txBody>
-      </p:sp>
-      <p:sp>
-        <p:nvSpPr>
-          <p:cNvPr id="4" name="Заголовок 3"/>
-          <p:cNvSpPr>
-            <a:spLocks noGrp="1"/>
-          </p:cNvSpPr>
-          <p:nvPr>
-            <p:ph type="title"/>
-          </p:nvPr>
-        </p:nvSpPr>
-        <p:spPr/>
-        <p:txBody>
-          <a:bodyPr/>
-          <a:lstStyle/>
-          <a:p>
-            <a:r>
-              <a:rPr lang="en-US" dirty="0" smtClean="0"/>
-              <a:t>Course Team</a:t>
-            </a:r>
-            <a:endParaRPr lang="ru-RU" dirty="0"/>
-          </a:p>
-        </p:txBody>
-      </p:sp>
-      <p:pic>
-        <p:nvPicPr>
-          <p:cNvPr id="6" name="Рисунок 5" descr="3727740.jpg"/>
-          <p:cNvPicPr>
-            <a:picLocks noChangeAspect="1"/>
-          </p:cNvPicPr>
-          <p:nvPr/>
-        </p:nvPicPr>
-        <p:blipFill>
-          <a:blip r:embed="rId2" cstate="print"/>
-          <a:stretch>
-            <a:fillRect/>
-          </a:stretch>
-        </p:blipFill>
-        <p:spPr>
-          <a:xfrm>
-            <a:off x="1613327" y="1547041"/>
-            <a:ext cx="2190750" cy="2190750"/>
-          </a:xfrm>
-          <a:prstGeom prst="rect">
-            <a:avLst/>
-          </a:prstGeom>
-        </p:spPr>
-      </p:pic>
-      <p:sp>
-        <p:nvSpPr>
-          <p:cNvPr id="7" name="Содержимое 1"/>
-          <p:cNvSpPr txBox="1">
-            <a:spLocks/>
-          </p:cNvSpPr>
-          <p:nvPr/>
-        </p:nvSpPr>
-        <p:spPr>
-          <a:xfrm>
-            <a:off x="848100" y="1009828"/>
-            <a:ext cx="10515600" cy="700228"/>
-          </a:xfrm>
-          <a:prstGeom prst="rect">
-            <a:avLst/>
-          </a:prstGeom>
-        </p:spPr>
-        <p:txBody>
-          <a:bodyPr vert="horz" lIns="91440" tIns="45720" rIns="91440" bIns="45720" rtlCol="0">
-            <a:normAutofit/>
-          </a:bodyPr>
-          <a:lstStyle/>
-          <a:p>
-            <a:pPr marL="228600" marR="0" lvl="0" indent="-228600" algn="ctr" defTabSz="914400" rtl="0" eaLnBrk="1" fontAlgn="auto" latinLnBrk="0" hangingPunct="1">
-              <a:lnSpc>
-                <a:spcPct val="90000"/>
-              </a:lnSpc>
-              <a:spcBef>
-                <a:spcPts val="1000"/>
-              </a:spcBef>
-              <a:spcAft>
-                <a:spcPts val="0"/>
-              </a:spcAft>
-              <a:buClrTx/>
-              <a:buSzTx/>
-              <a:buFont typeface="Wingdings" pitchFamily="2" charset="2"/>
-              <a:buNone/>
-              <a:tabLst/>
-              <a:defRPr/>
-            </a:pPr>
-            <a:r>
-              <a:rPr kumimoji="0" lang="en-US" sz="3600" b="1" i="0" u="none" strike="noStrike" kern="1200" cap="none" spc="0" normalizeH="0" baseline="0" noProof="0" dirty="0" smtClean="0">
-                <a:ln>
-                  <a:noFill/>
-                </a:ln>
-                <a:solidFill>
-                  <a:srgbClr val="273272"/>
-                </a:solidFill>
-                <a:effectLst/>
-                <a:uLnTx/>
-                <a:uFillTx/>
-                <a:latin typeface="+mn-lt"/>
-                <a:ea typeface="+mn-ea"/>
-                <a:cs typeface="+mn-cs"/>
-              </a:rPr>
-              <a:t>Instructors</a:t>
-            </a:r>
-          </a:p>
-        </p:txBody>
-      </p:sp>
-    </p:spTree>
-  </p:cSld>
-  <p:clrMapOvr>
-    <a:masterClrMapping/>
-  </p:clrMapOvr>
-  <p:timing>
-    <p:tnLst>
-      <p:par>
-        <p:cTn id="1" dur="indefinite" restart="never" nodeType="tmRoot"/>
-      </p:par>
-    </p:tnLst>
-  </p:timing>
-</p:sld>
-</file>
-
-<file path=ppt/slides/slide4.xml><?xml version="1.0" encoding="utf-8"?>
-<p:sld xmlns:a="http://schemas.openxmlformats.org/drawingml/2006/main" xmlns:r="http://schemas.openxmlformats.org/officeDocument/2006/relationships" xmlns:p="http://schemas.openxmlformats.org/presentationml/2006/main">
-  <p:cSld>
-    <p:spTree>
-      <p:nvGrpSpPr>
-        <p:cNvPr id="1" name=""/>
-        <p:cNvGrpSpPr/>
-        <p:nvPr/>
-      </p:nvGrpSpPr>
-      <p:grpSpPr>
-        <a:xfrm>
-          <a:off x="0" y="0"/>
-          <a:ext cx="0" cy="0"/>
-          <a:chOff x="0" y="0"/>
-          <a:chExt cx="0" cy="0"/>
-        </a:xfrm>
-      </p:grpSpPr>
-      <p:sp>
-        <p:nvSpPr>
-          <p:cNvPr id="2" name="Содержимое 1"/>
-          <p:cNvSpPr>
-            <a:spLocks noGrp="1"/>
-          </p:cNvSpPr>
-          <p:nvPr>
-            <p:ph idx="1"/>
-          </p:nvPr>
-        </p:nvSpPr>
-        <p:spPr>
-          <a:xfrm>
-            <a:off x="838200" y="1178053"/>
-            <a:ext cx="10515600" cy="5246498"/>
-          </a:xfrm>
-        </p:spPr>
-        <p:txBody>
-          <a:bodyPr>
-            <a:normAutofit lnSpcReduction="10000"/>
-          </a:bodyPr>
-          <a:lstStyle/>
-          <a:p>
-            <a:pPr algn="ctr">
-              <a:buNone/>
-            </a:pPr>
-            <a:r>
-              <a:rPr lang="en-US" sz="4400" dirty="0" smtClean="0"/>
-              <a:t>Syllabus (</a:t>
-            </a:r>
-            <a:r>
-              <a:rPr lang="en-US" sz="4400" dirty="0" smtClean="0">
-                <a:solidFill>
-                  <a:srgbClr val="2F5CB5"/>
-                </a:solidFill>
-              </a:rPr>
-              <a:t>see details in the web site</a:t>
-            </a:r>
-            <a:r>
-              <a:rPr lang="en-US" sz="4400" dirty="0" smtClean="0"/>
-              <a:t>)</a:t>
-            </a:r>
-          </a:p>
-          <a:p>
-            <a:r>
-              <a:rPr lang="en-US" dirty="0" smtClean="0"/>
-              <a:t>Module </a:t>
-            </a:r>
-            <a:r>
-              <a:rPr lang="en-US" dirty="0" smtClean="0"/>
-              <a:t>3: Computer Architecture</a:t>
-            </a:r>
-          </a:p>
-          <a:p>
-            <a:pPr lvl="1"/>
-            <a:r>
-              <a:rPr lang="en-US" dirty="0" smtClean="0"/>
-              <a:t>Computer architecture</a:t>
-            </a:r>
-          </a:p>
-          <a:p>
-            <a:pPr lvl="1"/>
-            <a:r>
-              <a:rPr lang="en-US" dirty="0" smtClean="0"/>
-              <a:t>Assembly language programming (RISC-V)</a:t>
-            </a:r>
-          </a:p>
-          <a:p>
-            <a:pPr lvl="1"/>
-            <a:r>
-              <a:rPr lang="en-US" dirty="0" smtClean="0"/>
-              <a:t>Home works, quizzes, and test. </a:t>
-            </a:r>
-          </a:p>
-          <a:p>
-            <a:r>
-              <a:rPr lang="en-US" dirty="0" smtClean="0"/>
-              <a:t>Module </a:t>
-            </a:r>
-            <a:r>
-              <a:rPr lang="en-US" dirty="0" smtClean="0"/>
-              <a:t>4: Operating Systems</a:t>
-            </a:r>
-          </a:p>
-          <a:p>
-            <a:pPr lvl="1"/>
-            <a:r>
-              <a:rPr lang="en-US" dirty="0" smtClean="0"/>
-              <a:t>Operating System Architecture (Linux)</a:t>
-            </a:r>
-          </a:p>
-          <a:p>
-            <a:pPr lvl="1"/>
-            <a:r>
-              <a:rPr lang="en-US" dirty="0" smtClean="0"/>
-              <a:t>System programming in C</a:t>
-            </a:r>
-          </a:p>
-          <a:p>
-            <a:pPr lvl="1"/>
-            <a:r>
-              <a:rPr lang="en-US" dirty="0" smtClean="0"/>
-              <a:t>Home works, </a:t>
-            </a:r>
-            <a:r>
-              <a:rPr lang="en-US" dirty="0" smtClean="0"/>
-              <a:t>quizzes, </a:t>
-            </a:r>
-            <a:r>
-              <a:rPr lang="en-US" dirty="0" smtClean="0"/>
-              <a:t>and test</a:t>
-            </a:r>
-            <a:endParaRPr lang="en-US" dirty="0" smtClean="0"/>
-          </a:p>
-          <a:p>
-            <a:r>
-              <a:rPr lang="en-US" dirty="0" smtClean="0"/>
-              <a:t>Final Exam</a:t>
-            </a:r>
-            <a:endParaRPr lang="en-US" dirty="0" smtClean="0"/>
-          </a:p>
-          <a:p>
-            <a:pPr lvl="1"/>
-            <a:endParaRPr lang="ru-RU" dirty="0"/>
-          </a:p>
-        </p:txBody>
-      </p:sp>
-      <p:sp>
-        <p:nvSpPr>
-          <p:cNvPr id="3" name="Номер слайда 2"/>
-          <p:cNvSpPr>
-            <a:spLocks noGrp="1"/>
-          </p:cNvSpPr>
-          <p:nvPr>
-            <p:ph type="sldNum" sz="quarter" idx="12"/>
-          </p:nvPr>
-        </p:nvSpPr>
-        <p:spPr/>
-        <p:txBody>
-          <a:bodyPr/>
-          <a:lstStyle/>
-          <a:p>
-            <a:pPr algn="ctr"/>
-            <a:fld id="{1397BFD8-F312-4EF2-A268-44FB4BDDBBB0}" type="slidenum">
-              <a:rPr lang="ru-RU" smtClean="0"/>
-              <a:pPr algn="ctr"/>
-              <a:t>4</a:t>
-            </a:fld>
-            <a:endParaRPr lang="ru-RU" dirty="0"/>
-          </a:p>
-        </p:txBody>
-      </p:sp>
-      <p:sp>
-        <p:nvSpPr>
-          <p:cNvPr id="4" name="Заголовок 3"/>
-          <p:cNvSpPr>
-            <a:spLocks noGrp="1"/>
-          </p:cNvSpPr>
-          <p:nvPr>
-            <p:ph type="title"/>
-          </p:nvPr>
-        </p:nvSpPr>
-        <p:spPr/>
-        <p:txBody>
-          <a:bodyPr/>
-          <a:lstStyle/>
-          <a:p>
-            <a:r>
-              <a:rPr lang="en-US" dirty="0" smtClean="0"/>
-              <a:t>Course Outline</a:t>
-            </a:r>
-            <a:endParaRPr lang="ru-RU" dirty="0"/>
-          </a:p>
-        </p:txBody>
-      </p:sp>
-    </p:spTree>
-  </p:cSld>
-  <p:clrMapOvr>
-    <a:masterClrMapping/>
-  </p:clrMapOvr>
-  <p:timing>
-    <p:tnLst>
-      <p:par>
-        <p:cTn id="1" dur="indefinite" restart="never" nodeType="tmRoot"/>
-      </p:par>
-    </p:tnLst>
-  </p:timing>
-</p:sld>
-</file>
-
-<file path=ppt/slides/slide5.xml><?xml version="1.0" encoding="utf-8"?>
+<file path=ppt/slides/slide10.xml><?xml version="1.0" encoding="utf-8"?>
 <p:sld xmlns:a="http://schemas.openxmlformats.org/drawingml/2006/main" xmlns:r="http://schemas.openxmlformats.org/officeDocument/2006/relationships" xmlns:p="http://schemas.openxmlformats.org/presentationml/2006/main">
   <p:cSld>
     <p:spTree>
@@ -4907,7 +4252,7 @@
           <a:bodyPr/>
           <a:lstStyle/>
           <a:p>
-            <a:endParaRPr lang="ru-RU" dirty="0"/>
+            <a:endParaRPr lang="ru-RU"/>
           </a:p>
         </p:txBody>
       </p:sp>
@@ -4930,7 +4275,7 @@
             <a:fld id="{1397BFD8-F312-4EF2-A268-44FB4BDDBBB0}" type="slidenum">
               <a:rPr lang="ru-RU" smtClean="0"/>
               <a:pPr algn="ctr"/>
-              <a:t>5</a:t>
+              <a:t>10</a:t>
             </a:fld>
             <a:endParaRPr lang="ru-RU" dirty="0"/>
           </a:p>
@@ -4953,7 +4298,7 @@
           <a:p>
             <a:r>
               <a:rPr lang="en-US" dirty="0" smtClean="0"/>
-              <a:t>Course Motivation</a:t>
+              <a:t>Brief History</a:t>
             </a:r>
             <a:endParaRPr lang="ru-RU" dirty="0"/>
           </a:p>
@@ -4974,7 +4319,7 @@
 </p:sld>
 </file>
 
-<file path=ppt/slides/slide6.xml><?xml version="1.0" encoding="utf-8"?>
+<file path=ppt/slides/slide11.xml><?xml version="1.0" encoding="utf-8"?>
 <p:sld xmlns:a="http://schemas.openxmlformats.org/drawingml/2006/main" xmlns:r="http://schemas.openxmlformats.org/officeDocument/2006/relationships" xmlns:p="http://schemas.openxmlformats.org/presentationml/2006/main">
   <p:cSld>
     <p:spTree>
@@ -4993,25 +4338,6 @@
       </p:grpSpPr>
       <p:sp>
         <p:nvSpPr>
-          <p:cNvPr id="2" name="Содержимое 1"/>
-          <p:cNvSpPr>
-            <a:spLocks noGrp="1"/>
-          </p:cNvSpPr>
-          <p:nvPr>
-            <p:ph idx="1"/>
-          </p:nvPr>
-        </p:nvSpPr>
-        <p:spPr/>
-        <p:txBody>
-          <a:bodyPr/>
-          <a:lstStyle/>
-          <a:p>
-            <a:endParaRPr lang="ru-RU"/>
-          </a:p>
-        </p:txBody>
-      </p:sp>
-      <p:sp>
-        <p:nvSpPr>
           <p:cNvPr id="3" name="Номер слайда 2"/>
           <p:cNvSpPr>
             <a:spLocks noGrp="1"/>
@@ -5029,7 +4355,7 @@
             <a:fld id="{1397BFD8-F312-4EF2-A268-44FB4BDDBBB0}" type="slidenum">
               <a:rPr lang="ru-RU" smtClean="0"/>
               <a:pPr algn="ctr"/>
-              <a:t>6</a:t>
+              <a:t>11</a:t>
             </a:fld>
             <a:endParaRPr lang="ru-RU" dirty="0"/>
           </a:p>
@@ -5051,14 +4377,43 @@
           <a:lstStyle/>
           <a:p>
             <a:r>
-              <a:rPr lang="en-US" dirty="0" smtClean="0"/>
-              <a:t>Brief History</a:t>
+              <a:rPr lang="en-US" smtClean="0"/>
+              <a:t>Performance Growth Trend</a:t>
             </a:r>
             <a:endParaRPr lang="ru-RU" dirty="0"/>
           </a:p>
         </p:txBody>
       </p:sp>
+      <p:pic>
+        <p:nvPicPr>
+          <p:cNvPr id="5" name="Picture 4"/>
+          <p:cNvPicPr>
+            <a:picLocks noChangeAspect="1"/>
+          </p:cNvPicPr>
+          <p:nvPr/>
+        </p:nvPicPr>
+        <p:blipFill>
+          <a:blip r:embed="rId2"/>
+          <a:stretch>
+            <a:fillRect/>
+          </a:stretch>
+        </p:blipFill>
+        <p:spPr>
+          <a:xfrm>
+            <a:off x="838200" y="1075020"/>
+            <a:ext cx="9893078" cy="5526947"/>
+          </a:xfrm>
+          <a:prstGeom prst="rect">
+            <a:avLst/>
+          </a:prstGeom>
+        </p:spPr>
+      </p:pic>
     </p:spTree>
+    <p:extLst>
+      <p:ext uri="{BB962C8B-B14F-4D97-AF65-F5344CB8AC3E}">
+        <p14:creationId xmlns:p14="http://schemas.microsoft.com/office/powerpoint/2010/main" val="1974197127"/>
+      </p:ext>
+    </p:extLst>
   </p:cSld>
   <p:clrMapOvr>
     <a:masterClrMapping/>
@@ -5073,7 +4428,7 @@
 </p:sld>
 </file>
 
-<file path=ppt/slides/slide7.xml><?xml version="1.0" encoding="utf-8"?>
+<file path=ppt/slides/slide12.xml><?xml version="1.0" encoding="utf-8"?>
 <p:sld xmlns:a="http://schemas.openxmlformats.org/drawingml/2006/main" xmlns:r="http://schemas.openxmlformats.org/officeDocument/2006/relationships" xmlns:p="http://schemas.openxmlformats.org/presentationml/2006/main">
   <p:cSld>
     <p:spTree>
@@ -5283,11 +4638,7 @@
             </a:r>
             <a:r>
               <a:rPr lang="en-US" altLang="en-US" sz="3200" dirty="0" smtClean="0"/>
-              <a:t> </a:t>
-            </a:r>
-            <a:r>
-              <a:rPr lang="en-US" altLang="en-US" sz="3200" dirty="0" smtClean="0"/>
-              <a:t>redundancy</a:t>
+              <a:t> redundancy</a:t>
             </a:r>
             <a:endParaRPr lang="ru-RU" sz="3200" dirty="0"/>
           </a:p>
@@ -5312,7 +4663,7 @@
             <a:fld id="{1397BFD8-F312-4EF2-A268-44FB4BDDBBB0}" type="slidenum">
               <a:rPr lang="ru-RU" smtClean="0"/>
               <a:pPr algn="ctr"/>
-              <a:t>7</a:t>
+              <a:t>12</a:t>
             </a:fld>
             <a:endParaRPr lang="ru-RU" dirty="0"/>
           </a:p>
@@ -5612,7 +4963,7 @@
 </p:sld>
 </file>
 
-<file path=ppt/slides/slide8.xml><?xml version="1.0" encoding="utf-8"?>
+<file path=ppt/slides/slide13.xml><?xml version="1.0" encoding="utf-8"?>
 <p:sld xmlns:a="http://schemas.openxmlformats.org/drawingml/2006/main" xmlns:r="http://schemas.openxmlformats.org/officeDocument/2006/relationships" xmlns:p="http://schemas.openxmlformats.org/presentationml/2006/main">
   <p:cSld>
     <p:spTree>
@@ -5648,7 +4999,7 @@
             <a:fld id="{1397BFD8-F312-4EF2-A268-44FB4BDDBBB0}" type="slidenum">
               <a:rPr lang="ru-RU" smtClean="0"/>
               <a:pPr algn="ctr"/>
-              <a:t>8</a:t>
+              <a:t>13</a:t>
             </a:fld>
             <a:endParaRPr lang="ru-RU" dirty="0"/>
           </a:p>
@@ -5744,14 +5095,14 @@
           <a:effectLst/>
           <a:extLst>
             <a:ext uri="{909E8E84-426E-40DD-AFC4-6F175D3DCCD1}">
-              <a14:hiddenFill xmlns="" xmlns:a14="http://schemas.microsoft.com/office/drawing/2010/main">
+              <a14:hiddenFill xmlns:a14="http://schemas.microsoft.com/office/drawing/2010/main">
                 <a:solidFill>
                   <a:schemeClr val="accent1"/>
                 </a:solidFill>
               </a14:hiddenFill>
             </a:ext>
             <a:ext uri="{91240B29-F687-4F45-9708-019B960494DF}">
-              <a14:hiddenLine xmlns="" xmlns:a14="http://schemas.microsoft.com/office/drawing/2010/main" w="9525">
+              <a14:hiddenLine xmlns:a14="http://schemas.microsoft.com/office/drawing/2010/main" w="9525">
                 <a:solidFill>
                   <a:schemeClr val="tx1"/>
                 </a:solidFill>
@@ -5761,7 +5112,7 @@
               </a14:hiddenLine>
             </a:ext>
             <a:ext uri="{AF507438-7753-43E0-B8FC-AC1667EBCBE1}">
-              <a14:hiddenEffects xmlns="" xmlns:a14="http://schemas.microsoft.com/office/drawing/2010/main">
+              <a14:hiddenEffects xmlns:a14="http://schemas.microsoft.com/office/drawing/2010/main">
                 <a:effectLst>
                   <a:outerShdw dist="35921" dir="2700000" algn="ctr" rotWithShape="0">
                     <a:schemeClr val="bg2"/>
@@ -5881,7 +5232,7 @@
 </p:sld>
 </file>
 
-<file path=ppt/slides/slide9.xml><?xml version="1.0" encoding="utf-8"?>
+<file path=ppt/slides/slide14.xml><?xml version="1.0" encoding="utf-8"?>
 <p:sld xmlns:a="http://schemas.openxmlformats.org/drawingml/2006/main" xmlns:r="http://schemas.openxmlformats.org/officeDocument/2006/relationships" xmlns:p="http://schemas.openxmlformats.org/presentationml/2006/main">
   <p:cSld>
     <p:spTree>
@@ -6436,7 +5787,7 @@
             <a:fld id="{1397BFD8-F312-4EF2-A268-44FB4BDDBBB0}" type="slidenum">
               <a:rPr lang="ru-RU" smtClean="0"/>
               <a:pPr algn="ctr"/>
-              <a:t>9</a:t>
+              <a:t>14</a:t>
             </a:fld>
             <a:endParaRPr lang="ru-RU" dirty="0"/>
           </a:p>
@@ -6445,7 +5796,7708 @@
     </p:spTree>
     <p:extLst>
       <p:ext uri="{BB962C8B-B14F-4D97-AF65-F5344CB8AC3E}">
-        <p14:creationId xmlns:p14="http://schemas.microsoft.com/office/powerpoint/2010/main" xmlns="" val="4217875043"/>
+        <p14:creationId xmlns:p14="http://schemas.microsoft.com/office/powerpoint/2010/main" val="4217875043"/>
+      </p:ext>
+    </p:extLst>
+  </p:cSld>
+  <p:clrMapOvr>
+    <a:masterClrMapping/>
+  </p:clrMapOvr>
+  <p:timing>
+    <p:tnLst>
+      <p:par>
+        <p:cTn id="1" dur="indefinite" restart="never" nodeType="tmRoot"/>
+      </p:par>
+    </p:tnLst>
+  </p:timing>
+</p:sld>
+</file>
+
+<file path=ppt/slides/slide2.xml><?xml version="1.0" encoding="utf-8"?>
+<p:sld xmlns:a="http://schemas.openxmlformats.org/drawingml/2006/main" xmlns:r="http://schemas.openxmlformats.org/officeDocument/2006/relationships" xmlns:p="http://schemas.openxmlformats.org/presentationml/2006/main">
+  <p:cSld>
+    <p:spTree>
+      <p:nvGrpSpPr>
+        <p:cNvPr id="1" name=""/>
+        <p:cNvGrpSpPr/>
+        <p:nvPr/>
+      </p:nvGrpSpPr>
+      <p:grpSpPr>
+        <a:xfrm>
+          <a:off x="0" y="0"/>
+          <a:ext cx="0" cy="0"/>
+          <a:chOff x="0" y="0"/>
+          <a:chExt cx="0" cy="0"/>
+        </a:xfrm>
+      </p:grpSpPr>
+      <p:sp>
+        <p:nvSpPr>
+          <p:cNvPr id="2" name="Содержимое 1"/>
+          <p:cNvSpPr>
+            <a:spLocks noGrp="1"/>
+          </p:cNvSpPr>
+          <p:nvPr>
+            <p:ph idx="1"/>
+          </p:nvPr>
+        </p:nvSpPr>
+        <p:spPr>
+          <a:xfrm>
+            <a:off x="838200" y="3515100"/>
+            <a:ext cx="10515600" cy="3016329"/>
+          </a:xfrm>
+        </p:spPr>
+        <p:txBody>
+          <a:bodyPr>
+            <a:normAutofit fontScale="92500" lnSpcReduction="10000"/>
+          </a:bodyPr>
+          <a:lstStyle/>
+          <a:p>
+            <a:r>
+              <a:rPr lang="en-US" sz="3500" b="1" dirty="0" smtClean="0"/>
+              <a:t>Wiki</a:t>
+            </a:r>
+            <a:endParaRPr lang="en-US" sz="3500" b="1" dirty="0" smtClean="0">
+              <a:hlinkClick r:id="rId2"/>
+            </a:endParaRPr>
+          </a:p>
+          <a:p>
+            <a:pPr>
+              <a:buNone/>
+            </a:pPr>
+            <a:r>
+              <a:rPr lang="en-US" sz="3200" dirty="0" smtClean="0">
+                <a:hlinkClick r:id="rId2"/>
+              </a:rPr>
+              <a:t>http://wiki.cs.hse.ru/ACOS_DSBA_2020/2021</a:t>
+            </a:r>
+          </a:p>
+          <a:p>
+            <a:r>
+              <a:rPr lang="en-US" sz="3500" b="1" dirty="0" smtClean="0"/>
+              <a:t>Web site</a:t>
+            </a:r>
+            <a:endParaRPr lang="ru-RU" sz="3500" b="1" dirty="0" smtClean="0"/>
+          </a:p>
+          <a:p>
+            <a:pPr>
+              <a:buNone/>
+            </a:pPr>
+            <a:r>
+              <a:rPr lang="en-US" sz="3200" dirty="0" smtClean="0">
+                <a:hlinkClick r:id="rId2"/>
+              </a:rPr>
+              <a:t>https://andrewt0301.github.io/hse-acos-course/</a:t>
+            </a:r>
+            <a:endParaRPr lang="en-US" sz="3200" dirty="0" smtClean="0"/>
+          </a:p>
+          <a:p>
+            <a:r>
+              <a:rPr lang="en-US" sz="3500" b="1" dirty="0" smtClean="0"/>
+              <a:t>Telegram channel</a:t>
+            </a:r>
+          </a:p>
+          <a:p>
+            <a:pPr>
+              <a:buNone/>
+            </a:pPr>
+            <a:r>
+              <a:rPr lang="en-US" sz="3200" dirty="0" smtClean="0">
+                <a:hlinkClick r:id="rId2"/>
+              </a:rPr>
+              <a:t>https://t.me/joinchat/AAAAAFDXhCd-WvYYZwBPGQ</a:t>
+            </a:r>
+          </a:p>
+          <a:p>
+            <a:pPr>
+              <a:buNone/>
+            </a:pPr>
+            <a:endParaRPr lang="en-US" sz="3200" dirty="0" smtClean="0"/>
+          </a:p>
+        </p:txBody>
+      </p:sp>
+      <p:sp>
+        <p:nvSpPr>
+          <p:cNvPr id="3" name="Номер слайда 2"/>
+          <p:cNvSpPr>
+            <a:spLocks noGrp="1"/>
+          </p:cNvSpPr>
+          <p:nvPr>
+            <p:ph type="sldNum" sz="quarter" idx="12"/>
+          </p:nvPr>
+        </p:nvSpPr>
+        <p:spPr/>
+        <p:txBody>
+          <a:bodyPr/>
+          <a:lstStyle/>
+          <a:p>
+            <a:pPr algn="ctr"/>
+            <a:fld id="{1397BFD8-F312-4EF2-A268-44FB4BDDBBB0}" type="slidenum">
+              <a:rPr lang="ru-RU" smtClean="0"/>
+              <a:pPr algn="ctr"/>
+              <a:t>2</a:t>
+            </a:fld>
+            <a:endParaRPr lang="ru-RU" dirty="0"/>
+          </a:p>
+        </p:txBody>
+      </p:sp>
+      <p:sp>
+        <p:nvSpPr>
+          <p:cNvPr id="4" name="Заголовок 3"/>
+          <p:cNvSpPr>
+            <a:spLocks noGrp="1"/>
+          </p:cNvSpPr>
+          <p:nvPr>
+            <p:ph type="title"/>
+          </p:nvPr>
+        </p:nvSpPr>
+        <p:spPr/>
+        <p:txBody>
+          <a:bodyPr/>
+          <a:lstStyle/>
+          <a:p>
+            <a:r>
+              <a:rPr lang="en-US" dirty="0" smtClean="0"/>
+              <a:t>Course Resources</a:t>
+            </a:r>
+            <a:endParaRPr lang="ru-RU" dirty="0"/>
+          </a:p>
+        </p:txBody>
+      </p:sp>
+      <p:pic>
+        <p:nvPicPr>
+          <p:cNvPr id="6" name="Рисунок 5" descr="hifive-unleashed-logo.png"/>
+          <p:cNvPicPr>
+            <a:picLocks noChangeAspect="1"/>
+          </p:cNvPicPr>
+          <p:nvPr/>
+        </p:nvPicPr>
+        <p:blipFill>
+          <a:blip r:embed="rId3" cstate="print"/>
+          <a:stretch>
+            <a:fillRect/>
+          </a:stretch>
+        </p:blipFill>
+        <p:spPr>
+          <a:xfrm>
+            <a:off x="3083501" y="1079358"/>
+            <a:ext cx="6191250" cy="2371725"/>
+          </a:xfrm>
+          <a:prstGeom prst="rect">
+            <a:avLst/>
+          </a:prstGeom>
+        </p:spPr>
+      </p:pic>
+    </p:spTree>
+  </p:cSld>
+  <p:clrMapOvr>
+    <a:masterClrMapping/>
+  </p:clrMapOvr>
+  <p:timing>
+    <p:tnLst>
+      <p:par>
+        <p:cTn id="1" dur="indefinite" restart="never" nodeType="tmRoot"/>
+      </p:par>
+    </p:tnLst>
+  </p:timing>
+</p:sld>
+</file>
+
+<file path=ppt/slides/slide3.xml><?xml version="1.0" encoding="utf-8"?>
+<p:sld xmlns:a="http://schemas.openxmlformats.org/drawingml/2006/main" xmlns:r="http://schemas.openxmlformats.org/officeDocument/2006/relationships" xmlns:p="http://schemas.openxmlformats.org/presentationml/2006/main">
+  <p:cSld>
+    <p:spTree>
+      <p:nvGrpSpPr>
+        <p:cNvPr id="1" name=""/>
+        <p:cNvGrpSpPr/>
+        <p:nvPr/>
+      </p:nvGrpSpPr>
+      <p:grpSpPr>
+        <a:xfrm>
+          <a:off x="0" y="0"/>
+          <a:ext cx="0" cy="0"/>
+          <a:chOff x="0" y="0"/>
+          <a:chExt cx="0" cy="0"/>
+        </a:xfrm>
+      </p:grpSpPr>
+      <p:sp>
+        <p:nvSpPr>
+          <p:cNvPr id="8" name="TextBox 7"/>
+          <p:cNvSpPr txBox="1"/>
+          <p:nvPr/>
+        </p:nvSpPr>
+        <p:spPr>
+          <a:xfrm>
+            <a:off x="1425038" y="3669490"/>
+            <a:ext cx="2422568" cy="629392"/>
+          </a:xfrm>
+          <a:prstGeom prst="rect">
+            <a:avLst/>
+          </a:prstGeom>
+          <a:solidFill>
+            <a:schemeClr val="bg1"/>
+          </a:solidFill>
+        </p:spPr>
+        <p:txBody>
+          <a:bodyPr wrap="square" lIns="72000" tIns="25200" rIns="0" bIns="25200" rtlCol="0" anchor="ctr" anchorCtr="0">
+            <a:noAutofit/>
+          </a:bodyPr>
+          <a:lstStyle/>
+          <a:p>
+            <a:pPr algn="ctr"/>
+            <a:r>
+              <a:rPr lang="en-US" sz="2400" b="1" dirty="0" smtClean="0">
+                <a:solidFill>
+                  <a:srgbClr val="1E3272"/>
+                </a:solidFill>
+              </a:rPr>
+              <a:t>Andrei Tatarnikov</a:t>
+            </a:r>
+            <a:endParaRPr lang="ru-RU" sz="2400" b="1" dirty="0" smtClean="0">
+              <a:solidFill>
+                <a:srgbClr val="1E3272"/>
+              </a:solidFill>
+            </a:endParaRPr>
+          </a:p>
+        </p:txBody>
+      </p:sp>
+      <p:sp>
+        <p:nvSpPr>
+          <p:cNvPr id="2" name="Содержимое 1"/>
+          <p:cNvSpPr>
+            <a:spLocks noGrp="1"/>
+          </p:cNvSpPr>
+          <p:nvPr>
+            <p:ph idx="1"/>
+          </p:nvPr>
+        </p:nvSpPr>
+        <p:spPr>
+          <a:xfrm>
+            <a:off x="873826" y="4229935"/>
+            <a:ext cx="10515600" cy="2372746"/>
+          </a:xfrm>
+        </p:spPr>
+        <p:txBody>
+          <a:bodyPr>
+            <a:normAutofit/>
+          </a:bodyPr>
+          <a:lstStyle/>
+          <a:p>
+            <a:pPr algn="ctr">
+              <a:buNone/>
+            </a:pPr>
+            <a:r>
+              <a:rPr lang="en-US" b="1" dirty="0" smtClean="0"/>
+              <a:t>Assistants</a:t>
+            </a:r>
+          </a:p>
+          <a:p>
+            <a:pPr>
+              <a:buNone/>
+            </a:pPr>
+            <a:endParaRPr lang="en-US" dirty="0" smtClean="0"/>
+          </a:p>
+          <a:p>
+            <a:pPr>
+              <a:buNone/>
+            </a:pPr>
+            <a:r>
+              <a:rPr lang="en-US" dirty="0" smtClean="0"/>
+              <a:t>TODO</a:t>
+            </a:r>
+            <a:endParaRPr lang="ru-RU" dirty="0"/>
+          </a:p>
+        </p:txBody>
+      </p:sp>
+      <p:sp>
+        <p:nvSpPr>
+          <p:cNvPr id="3" name="Номер слайда 2"/>
+          <p:cNvSpPr>
+            <a:spLocks noGrp="1"/>
+          </p:cNvSpPr>
+          <p:nvPr>
+            <p:ph type="sldNum" sz="quarter" idx="12"/>
+          </p:nvPr>
+        </p:nvSpPr>
+        <p:spPr/>
+        <p:txBody>
+          <a:bodyPr/>
+          <a:lstStyle/>
+          <a:p>
+            <a:pPr algn="ctr"/>
+            <a:fld id="{1397BFD8-F312-4EF2-A268-44FB4BDDBBB0}" type="slidenum">
+              <a:rPr lang="ru-RU" smtClean="0"/>
+              <a:pPr algn="ctr"/>
+              <a:t>3</a:t>
+            </a:fld>
+            <a:endParaRPr lang="ru-RU" dirty="0"/>
+          </a:p>
+        </p:txBody>
+      </p:sp>
+      <p:sp>
+        <p:nvSpPr>
+          <p:cNvPr id="4" name="Заголовок 3"/>
+          <p:cNvSpPr>
+            <a:spLocks noGrp="1"/>
+          </p:cNvSpPr>
+          <p:nvPr>
+            <p:ph type="title"/>
+          </p:nvPr>
+        </p:nvSpPr>
+        <p:spPr/>
+        <p:txBody>
+          <a:bodyPr/>
+          <a:lstStyle/>
+          <a:p>
+            <a:r>
+              <a:rPr lang="en-US" dirty="0" smtClean="0"/>
+              <a:t>Course Team</a:t>
+            </a:r>
+            <a:endParaRPr lang="ru-RU" dirty="0"/>
+          </a:p>
+        </p:txBody>
+      </p:sp>
+      <p:pic>
+        <p:nvPicPr>
+          <p:cNvPr id="6" name="Рисунок 5" descr="3727740.jpg"/>
+          <p:cNvPicPr>
+            <a:picLocks noChangeAspect="1"/>
+          </p:cNvPicPr>
+          <p:nvPr/>
+        </p:nvPicPr>
+        <p:blipFill>
+          <a:blip r:embed="rId2" cstate="print"/>
+          <a:stretch>
+            <a:fillRect/>
+          </a:stretch>
+        </p:blipFill>
+        <p:spPr>
+          <a:xfrm>
+            <a:off x="1613327" y="1547041"/>
+            <a:ext cx="2190750" cy="2190750"/>
+          </a:xfrm>
+          <a:prstGeom prst="rect">
+            <a:avLst/>
+          </a:prstGeom>
+        </p:spPr>
+      </p:pic>
+      <p:sp>
+        <p:nvSpPr>
+          <p:cNvPr id="7" name="Содержимое 1"/>
+          <p:cNvSpPr txBox="1">
+            <a:spLocks/>
+          </p:cNvSpPr>
+          <p:nvPr/>
+        </p:nvSpPr>
+        <p:spPr>
+          <a:xfrm>
+            <a:off x="848100" y="1009828"/>
+            <a:ext cx="10515600" cy="700228"/>
+          </a:xfrm>
+          <a:prstGeom prst="rect">
+            <a:avLst/>
+          </a:prstGeom>
+        </p:spPr>
+        <p:txBody>
+          <a:bodyPr vert="horz" lIns="91440" tIns="45720" rIns="91440" bIns="45720" rtlCol="0">
+            <a:normAutofit/>
+          </a:bodyPr>
+          <a:lstStyle/>
+          <a:p>
+            <a:pPr marL="228600" marR="0" lvl="0" indent="-228600" algn="ctr" defTabSz="914400" rtl="0" eaLnBrk="1" fontAlgn="auto" latinLnBrk="0" hangingPunct="1">
+              <a:lnSpc>
+                <a:spcPct val="90000"/>
+              </a:lnSpc>
+              <a:spcBef>
+                <a:spcPts val="1000"/>
+              </a:spcBef>
+              <a:spcAft>
+                <a:spcPts val="0"/>
+              </a:spcAft>
+              <a:buClrTx/>
+              <a:buSzTx/>
+              <a:buFont typeface="Wingdings" pitchFamily="2" charset="2"/>
+              <a:buNone/>
+              <a:tabLst/>
+              <a:defRPr/>
+            </a:pPr>
+            <a:r>
+              <a:rPr kumimoji="0" lang="en-US" sz="3600" b="1" i="0" u="none" strike="noStrike" kern="1200" cap="none" spc="0" normalizeH="0" baseline="0" noProof="0" dirty="0" smtClean="0">
+                <a:ln>
+                  <a:noFill/>
+                </a:ln>
+                <a:solidFill>
+                  <a:srgbClr val="273272"/>
+                </a:solidFill>
+                <a:effectLst/>
+                <a:uLnTx/>
+                <a:uFillTx/>
+                <a:latin typeface="+mn-lt"/>
+                <a:ea typeface="+mn-ea"/>
+                <a:cs typeface="+mn-cs"/>
+              </a:rPr>
+              <a:t>Instructors</a:t>
+            </a:r>
+          </a:p>
+        </p:txBody>
+      </p:sp>
+    </p:spTree>
+  </p:cSld>
+  <p:clrMapOvr>
+    <a:masterClrMapping/>
+  </p:clrMapOvr>
+  <p:timing>
+    <p:tnLst>
+      <p:par>
+        <p:cTn id="1" dur="indefinite" restart="never" nodeType="tmRoot"/>
+      </p:par>
+    </p:tnLst>
+  </p:timing>
+</p:sld>
+</file>
+
+<file path=ppt/slides/slide4.xml><?xml version="1.0" encoding="utf-8"?>
+<p:sld xmlns:a="http://schemas.openxmlformats.org/drawingml/2006/main" xmlns:r="http://schemas.openxmlformats.org/officeDocument/2006/relationships" xmlns:p="http://schemas.openxmlformats.org/presentationml/2006/main">
+  <p:cSld>
+    <p:spTree>
+      <p:nvGrpSpPr>
+        <p:cNvPr id="1" name=""/>
+        <p:cNvGrpSpPr/>
+        <p:nvPr/>
+      </p:nvGrpSpPr>
+      <p:grpSpPr>
+        <a:xfrm>
+          <a:off x="0" y="0"/>
+          <a:ext cx="0" cy="0"/>
+          <a:chOff x="0" y="0"/>
+          <a:chExt cx="0" cy="0"/>
+        </a:xfrm>
+      </p:grpSpPr>
+      <p:sp>
+        <p:nvSpPr>
+          <p:cNvPr id="2" name="Содержимое 1"/>
+          <p:cNvSpPr>
+            <a:spLocks noGrp="1"/>
+          </p:cNvSpPr>
+          <p:nvPr>
+            <p:ph idx="1"/>
+          </p:nvPr>
+        </p:nvSpPr>
+        <p:spPr>
+          <a:xfrm>
+            <a:off x="838200" y="1178053"/>
+            <a:ext cx="10515600" cy="5246498"/>
+          </a:xfrm>
+        </p:spPr>
+        <p:txBody>
+          <a:bodyPr>
+            <a:normAutofit lnSpcReduction="10000"/>
+          </a:bodyPr>
+          <a:lstStyle/>
+          <a:p>
+            <a:pPr algn="ctr">
+              <a:buNone/>
+            </a:pPr>
+            <a:r>
+              <a:rPr lang="en-US" sz="4400" dirty="0" smtClean="0"/>
+              <a:t>Syllabus (</a:t>
+            </a:r>
+            <a:r>
+              <a:rPr lang="en-US" sz="4400" smtClean="0">
+                <a:solidFill>
+                  <a:srgbClr val="2F5CB5"/>
+                </a:solidFill>
+              </a:rPr>
+              <a:t>see </a:t>
+            </a:r>
+            <a:r>
+              <a:rPr lang="en-US" sz="4400" smtClean="0">
+                <a:solidFill>
+                  <a:srgbClr val="2F5CB5"/>
+                </a:solidFill>
+              </a:rPr>
+              <a:t>the </a:t>
+            </a:r>
+            <a:r>
+              <a:rPr lang="en-US" sz="4400" smtClean="0">
+                <a:solidFill>
+                  <a:srgbClr val="2F5CB5"/>
+                </a:solidFill>
+              </a:rPr>
+              <a:t>web </a:t>
+            </a:r>
+            <a:r>
+              <a:rPr lang="en-US" sz="4400" smtClean="0">
+                <a:solidFill>
+                  <a:srgbClr val="2F5CB5"/>
+                </a:solidFill>
+              </a:rPr>
+              <a:t>site for details</a:t>
+            </a:r>
+            <a:r>
+              <a:rPr lang="en-US" sz="4400" smtClean="0"/>
+              <a:t>)</a:t>
+            </a:r>
+            <a:endParaRPr lang="en-US" sz="4400" dirty="0" smtClean="0"/>
+          </a:p>
+          <a:p>
+            <a:r>
+              <a:rPr lang="en-US" dirty="0" smtClean="0"/>
+              <a:t>Module 3: Computer Architecture</a:t>
+            </a:r>
+          </a:p>
+          <a:p>
+            <a:pPr lvl="1"/>
+            <a:r>
+              <a:rPr lang="en-US" dirty="0" smtClean="0"/>
+              <a:t>Computer architecture</a:t>
+            </a:r>
+          </a:p>
+          <a:p>
+            <a:pPr lvl="1"/>
+            <a:r>
+              <a:rPr lang="en-US" dirty="0" smtClean="0"/>
+              <a:t>Assembly language programming (RISC-V)</a:t>
+            </a:r>
+          </a:p>
+          <a:p>
+            <a:pPr lvl="1"/>
+            <a:r>
+              <a:rPr lang="en-US" dirty="0" smtClean="0"/>
+              <a:t>Home works, quizzes, </a:t>
+            </a:r>
+            <a:r>
+              <a:rPr lang="en-US" smtClean="0"/>
+              <a:t>and </a:t>
+            </a:r>
+            <a:r>
+              <a:rPr lang="en-US" smtClean="0"/>
+              <a:t>test</a:t>
+            </a:r>
+            <a:endParaRPr lang="en-US" dirty="0" smtClean="0"/>
+          </a:p>
+          <a:p>
+            <a:r>
+              <a:rPr lang="en-US" dirty="0" smtClean="0"/>
+              <a:t>Module 4: Operating Systems</a:t>
+            </a:r>
+          </a:p>
+          <a:p>
+            <a:pPr lvl="1"/>
+            <a:r>
+              <a:rPr lang="en-US" dirty="0" smtClean="0"/>
+              <a:t>Operating System Architecture (Linux)</a:t>
+            </a:r>
+          </a:p>
+          <a:p>
+            <a:pPr lvl="1"/>
+            <a:r>
+              <a:rPr lang="en-US" dirty="0" smtClean="0"/>
+              <a:t>System programming in C</a:t>
+            </a:r>
+          </a:p>
+          <a:p>
+            <a:pPr lvl="1"/>
+            <a:r>
+              <a:rPr lang="en-US" dirty="0" smtClean="0"/>
+              <a:t>Home works, quizzes, and test</a:t>
+            </a:r>
+          </a:p>
+          <a:p>
+            <a:r>
+              <a:rPr lang="en-US" dirty="0" smtClean="0"/>
+              <a:t>Final Exam</a:t>
+            </a:r>
+          </a:p>
+          <a:p>
+            <a:pPr lvl="1"/>
+            <a:endParaRPr lang="ru-RU" dirty="0"/>
+          </a:p>
+        </p:txBody>
+      </p:sp>
+      <p:sp>
+        <p:nvSpPr>
+          <p:cNvPr id="3" name="Номер слайда 2"/>
+          <p:cNvSpPr>
+            <a:spLocks noGrp="1"/>
+          </p:cNvSpPr>
+          <p:nvPr>
+            <p:ph type="sldNum" sz="quarter" idx="12"/>
+          </p:nvPr>
+        </p:nvSpPr>
+        <p:spPr/>
+        <p:txBody>
+          <a:bodyPr/>
+          <a:lstStyle/>
+          <a:p>
+            <a:pPr algn="ctr"/>
+            <a:fld id="{1397BFD8-F312-4EF2-A268-44FB4BDDBBB0}" type="slidenum">
+              <a:rPr lang="ru-RU" smtClean="0"/>
+              <a:pPr algn="ctr"/>
+              <a:t>4</a:t>
+            </a:fld>
+            <a:endParaRPr lang="ru-RU" dirty="0"/>
+          </a:p>
+        </p:txBody>
+      </p:sp>
+      <p:sp>
+        <p:nvSpPr>
+          <p:cNvPr id="4" name="Заголовок 3"/>
+          <p:cNvSpPr>
+            <a:spLocks noGrp="1"/>
+          </p:cNvSpPr>
+          <p:nvPr>
+            <p:ph type="title"/>
+          </p:nvPr>
+        </p:nvSpPr>
+        <p:spPr/>
+        <p:txBody>
+          <a:bodyPr/>
+          <a:lstStyle/>
+          <a:p>
+            <a:r>
+              <a:rPr lang="en-US" dirty="0" smtClean="0"/>
+              <a:t>Course Outline</a:t>
+            </a:r>
+            <a:endParaRPr lang="ru-RU" dirty="0"/>
+          </a:p>
+        </p:txBody>
+      </p:sp>
+    </p:spTree>
+  </p:cSld>
+  <p:clrMapOvr>
+    <a:masterClrMapping/>
+  </p:clrMapOvr>
+  <p:timing>
+    <p:tnLst>
+      <p:par>
+        <p:cTn id="1" dur="indefinite" restart="never" nodeType="tmRoot"/>
+      </p:par>
+    </p:tnLst>
+  </p:timing>
+</p:sld>
+</file>
+
+<file path=ppt/slides/slide5.xml><?xml version="1.0" encoding="utf-8"?>
+<p:sld xmlns:a="http://schemas.openxmlformats.org/drawingml/2006/main" xmlns:r="http://schemas.openxmlformats.org/officeDocument/2006/relationships" xmlns:p="http://schemas.openxmlformats.org/presentationml/2006/main">
+  <p:cSld>
+    <p:spTree>
+      <p:nvGrpSpPr>
+        <p:cNvPr id="1" name=""/>
+        <p:cNvGrpSpPr/>
+        <p:nvPr/>
+      </p:nvGrpSpPr>
+      <p:grpSpPr>
+        <a:xfrm>
+          <a:off x="0" y="0"/>
+          <a:ext cx="0" cy="0"/>
+          <a:chOff x="0" y="0"/>
+          <a:chExt cx="0" cy="0"/>
+        </a:xfrm>
+      </p:grpSpPr>
+      <p:sp>
+        <p:nvSpPr>
+          <p:cNvPr id="2" name="Содержимое 1"/>
+          <p:cNvSpPr>
+            <a:spLocks noGrp="1"/>
+          </p:cNvSpPr>
+          <p:nvPr>
+            <p:ph idx="1"/>
+          </p:nvPr>
+        </p:nvSpPr>
+        <p:spPr/>
+        <p:txBody>
+          <a:bodyPr>
+            <a:normAutofit/>
+          </a:bodyPr>
+          <a:lstStyle/>
+          <a:p>
+            <a:pPr>
+              <a:lnSpc>
+                <a:spcPct val="150000"/>
+              </a:lnSpc>
+            </a:pPr>
+            <a:r>
+              <a:rPr lang="en-US" smtClean="0"/>
+              <a:t>Increase your computer liretacy</a:t>
+            </a:r>
+          </a:p>
+          <a:p>
+            <a:pPr>
+              <a:lnSpc>
+                <a:spcPct val="150000"/>
+              </a:lnSpc>
+            </a:pPr>
+            <a:r>
+              <a:rPr lang="en-US" smtClean="0"/>
+              <a:t>Have an idea how computers under the hood</a:t>
+            </a:r>
+          </a:p>
+          <a:p>
+            <a:pPr>
+              <a:lnSpc>
+                <a:spcPct val="150000"/>
+              </a:lnSpc>
+            </a:pPr>
+            <a:r>
+              <a:rPr lang="en-US" smtClean="0"/>
+              <a:t>Better understand performance</a:t>
+            </a:r>
+          </a:p>
+          <a:p>
+            <a:pPr>
+              <a:lnSpc>
+                <a:spcPct val="150000"/>
+              </a:lnSpc>
+            </a:pPr>
+            <a:r>
+              <a:rPr lang="en-US" smtClean="0"/>
+              <a:t>Be familiar with system programming</a:t>
+            </a:r>
+          </a:p>
+          <a:p>
+            <a:pPr>
+              <a:lnSpc>
+                <a:spcPct val="150000"/>
+              </a:lnSpc>
+            </a:pPr>
+            <a:r>
+              <a:rPr lang="en-US" smtClean="0"/>
+              <a:t>Be familiar with system tools</a:t>
+            </a:r>
+            <a:endParaRPr lang="ru-RU" dirty="0"/>
+          </a:p>
+        </p:txBody>
+      </p:sp>
+      <p:sp>
+        <p:nvSpPr>
+          <p:cNvPr id="3" name="Номер слайда 2"/>
+          <p:cNvSpPr>
+            <a:spLocks noGrp="1"/>
+          </p:cNvSpPr>
+          <p:nvPr>
+            <p:ph type="sldNum" sz="quarter" idx="12"/>
+          </p:nvPr>
+        </p:nvSpPr>
+        <p:spPr/>
+        <p:txBody>
+          <a:bodyPr/>
+          <a:lstStyle/>
+          <a:p>
+            <a:pPr algn="ctr"/>
+            <a:fld id="{1397BFD8-F312-4EF2-A268-44FB4BDDBBB0}" type="slidenum">
+              <a:rPr lang="ru-RU" smtClean="0"/>
+              <a:pPr algn="ctr"/>
+              <a:t>5</a:t>
+            </a:fld>
+            <a:endParaRPr lang="ru-RU" dirty="0"/>
+          </a:p>
+        </p:txBody>
+      </p:sp>
+      <p:sp>
+        <p:nvSpPr>
+          <p:cNvPr id="4" name="Заголовок 3"/>
+          <p:cNvSpPr>
+            <a:spLocks noGrp="1"/>
+          </p:cNvSpPr>
+          <p:nvPr>
+            <p:ph type="title"/>
+          </p:nvPr>
+        </p:nvSpPr>
+        <p:spPr/>
+        <p:txBody>
+          <a:bodyPr/>
+          <a:lstStyle/>
+          <a:p>
+            <a:r>
+              <a:rPr lang="en-US" dirty="0" smtClean="0"/>
+              <a:t>Course Motivation</a:t>
+            </a:r>
+            <a:endParaRPr lang="ru-RU" dirty="0"/>
+          </a:p>
+        </p:txBody>
+      </p:sp>
+    </p:spTree>
+  </p:cSld>
+  <p:clrMapOvr>
+    <a:masterClrMapping/>
+  </p:clrMapOvr>
+  <p:timing>
+    <p:tnLst>
+      <p:par>
+        <p:cTn id="1" dur="indefinite" restart="never" nodeType="tmRoot"/>
+      </p:par>
+    </p:tnLst>
+  </p:timing>
+</p:sld>
+</file>
+
+<file path=ppt/slides/slide6.xml><?xml version="1.0" encoding="utf-8"?>
+<p:sld xmlns:a="http://schemas.openxmlformats.org/drawingml/2006/main" xmlns:r="http://schemas.openxmlformats.org/officeDocument/2006/relationships" xmlns:p="http://schemas.openxmlformats.org/presentationml/2006/main">
+  <p:cSld>
+    <p:spTree>
+      <p:nvGrpSpPr>
+        <p:cNvPr id="1" name=""/>
+        <p:cNvGrpSpPr/>
+        <p:nvPr/>
+      </p:nvGrpSpPr>
+      <p:grpSpPr>
+        <a:xfrm>
+          <a:off x="0" y="0"/>
+          <a:ext cx="0" cy="0"/>
+          <a:chOff x="0" y="0"/>
+          <a:chExt cx="0" cy="0"/>
+        </a:xfrm>
+      </p:grpSpPr>
+      <p:sp>
+        <p:nvSpPr>
+          <p:cNvPr id="3" name="Slide Number Placeholder 2"/>
+          <p:cNvSpPr>
+            <a:spLocks noGrp="1"/>
+          </p:cNvSpPr>
+          <p:nvPr>
+            <p:ph type="sldNum" sz="quarter" idx="12"/>
+          </p:nvPr>
+        </p:nvSpPr>
+        <p:spPr/>
+        <p:txBody>
+          <a:bodyPr/>
+          <a:lstStyle/>
+          <a:p>
+            <a:pPr algn="ctr"/>
+            <a:fld id="{1397BFD8-F312-4EF2-A268-44FB4BDDBBB0}" type="slidenum">
+              <a:rPr lang="ru-RU" smtClean="0"/>
+              <a:pPr algn="ctr"/>
+              <a:t>6</a:t>
+            </a:fld>
+            <a:endParaRPr lang="ru-RU" dirty="0"/>
+          </a:p>
+        </p:txBody>
+      </p:sp>
+      <p:sp>
+        <p:nvSpPr>
+          <p:cNvPr id="4" name="Title 3"/>
+          <p:cNvSpPr>
+            <a:spLocks noGrp="1"/>
+          </p:cNvSpPr>
+          <p:nvPr>
+            <p:ph type="title"/>
+          </p:nvPr>
+        </p:nvSpPr>
+        <p:spPr/>
+        <p:txBody>
+          <a:bodyPr>
+            <a:normAutofit/>
+          </a:bodyPr>
+          <a:lstStyle/>
+          <a:p>
+            <a:r>
+              <a:rPr lang="en-US"/>
+              <a:t>Performance</a:t>
+            </a:r>
+            <a:r>
+              <a:rPr lang="en-US"/>
+              <a:t>: </a:t>
+            </a:r>
+            <a:r>
+              <a:rPr lang="en-US" smtClean="0"/>
+              <a:t>Matrix Multiplication (part 1)</a:t>
+            </a:r>
+            <a:endParaRPr lang="en-US"/>
+          </a:p>
+        </p:txBody>
+      </p:sp>
+      <p:sp>
+        <p:nvSpPr>
+          <p:cNvPr id="5" name="Rectangle 1"/>
+          <p:cNvSpPr>
+            <a:spLocks noGrp="1" noChangeArrowheads="1"/>
+          </p:cNvSpPr>
+          <p:nvPr>
+            <p:ph idx="1"/>
+          </p:nvPr>
+        </p:nvSpPr>
+        <p:spPr bwMode="auto">
+          <a:xfrm>
+            <a:off x="6425184" y="1272105"/>
+            <a:ext cx="4160113" cy="5047536"/>
+          </a:xfrm>
+          <a:prstGeom prst="rect">
+            <a:avLst/>
+          </a:prstGeom>
+          <a:solidFill>
+            <a:srgbClr val="FFFFFF"/>
+          </a:solidFill>
+          <a:ln>
+            <a:noFill/>
+          </a:ln>
+          <a:effectLst/>
+          <a:extLst>
+            <a:ext uri="{91240B29-F687-4F45-9708-019B960494DF}">
+              <a14:hiddenLine xmlns:a14="http://schemas.microsoft.com/office/drawing/2010/main" w="9525">
+                <a:solidFill>
+                  <a:schemeClr val="tx1"/>
+                </a:solidFill>
+                <a:miter lim="800000"/>
+                <a:headEnd/>
+                <a:tailEnd/>
+              </a14:hiddenLine>
+            </a:ext>
+            <a:ext uri="{AF507438-7753-43E0-B8FC-AC1667EBCBE1}">
+              <a14:hiddenEffects xmlns:a14="http://schemas.microsoft.com/office/drawing/2010/main">
+                <a:effectLst>
+                  <a:outerShdw dist="35921" dir="2700000" algn="ctr" rotWithShape="0">
+                    <a:schemeClr val="bg2"/>
+                  </a:outerShdw>
+                </a:effectLst>
+              </a14:hiddenEffects>
+            </a:ext>
+          </a:extLst>
+        </p:spPr>
+        <p:txBody>
+          <a:bodyPr vert="horz" wrap="none" lIns="91440" tIns="45720" rIns="91440" bIns="45720" numCol="1" anchor="ctr" anchorCtr="0" compatLnSpc="1">
+            <a:prstTxWarp prst="textNoShape">
+              <a:avLst/>
+            </a:prstTxWarp>
+            <a:spAutoFit/>
+          </a:bodyPr>
+          <a:lstStyle/>
+          <a:p>
+            <a:pPr marL="0" marR="0" lvl="0" indent="0" algn="l" defTabSz="914400" rtl="0" eaLnBrk="0" fontAlgn="base" latinLnBrk="0" hangingPunct="0">
+              <a:lnSpc>
+                <a:spcPct val="100000"/>
+              </a:lnSpc>
+              <a:spcBef>
+                <a:spcPct val="0"/>
+              </a:spcBef>
+              <a:spcAft>
+                <a:spcPct val="0"/>
+              </a:spcAft>
+              <a:buClrTx/>
+              <a:buSzTx/>
+              <a:buFontTx/>
+              <a:buNone/>
+              <a:tabLst/>
+            </a:pPr>
+            <a:r>
+              <a:rPr kumimoji="0" lang="en-US" altLang="en-US" sz="1400" b="1" i="0" u="none" strike="noStrike" cap="none" normalizeH="0" baseline="0" smtClean="0">
+                <a:ln>
+                  <a:noFill/>
+                </a:ln>
+                <a:solidFill>
+                  <a:srgbClr val="000080"/>
+                </a:solidFill>
+                <a:effectLst/>
+                <a:latin typeface="Consolas" panose="020B0609020204030204" pitchFamily="49" charset="0"/>
+              </a:rPr>
+              <a:t>import </a:t>
+            </a:r>
+            <a:r>
+              <a:rPr kumimoji="0" lang="en-US" altLang="en-US" sz="1400" b="0" i="0" u="none" strike="noStrike" cap="none" normalizeH="0" baseline="0" smtClean="0">
+                <a:ln>
+                  <a:noFill/>
+                </a:ln>
+                <a:solidFill>
+                  <a:srgbClr val="000000"/>
+                </a:solidFill>
+                <a:effectLst/>
+                <a:latin typeface="Consolas" panose="020B0609020204030204" pitchFamily="49" charset="0"/>
+              </a:rPr>
+              <a:t>random</a:t>
+            </a:r>
+            <a:br>
+              <a:rPr kumimoji="0" lang="en-US" altLang="en-US" sz="1400" b="0" i="0" u="none" strike="noStrike" cap="none" normalizeH="0" baseline="0" smtClean="0">
+                <a:ln>
+                  <a:noFill/>
+                </a:ln>
+                <a:solidFill>
+                  <a:srgbClr val="000000"/>
+                </a:solidFill>
+                <a:effectLst/>
+                <a:latin typeface="Consolas" panose="020B0609020204030204" pitchFamily="49" charset="0"/>
+              </a:rPr>
+            </a:br>
+            <a:r>
+              <a:rPr kumimoji="0" lang="en-US" altLang="en-US" sz="1400" b="1" i="0" u="none" strike="noStrike" cap="none" normalizeH="0" baseline="0" smtClean="0">
+                <a:ln>
+                  <a:noFill/>
+                </a:ln>
+                <a:solidFill>
+                  <a:srgbClr val="000080"/>
+                </a:solidFill>
+                <a:effectLst/>
+                <a:latin typeface="Consolas" panose="020B0609020204030204" pitchFamily="49" charset="0"/>
+              </a:rPr>
+              <a:t>from </a:t>
+            </a:r>
+            <a:r>
+              <a:rPr kumimoji="0" lang="en-US" altLang="en-US" sz="1400" b="0" i="0" u="none" strike="noStrike" cap="none" normalizeH="0" baseline="0" smtClean="0">
+                <a:ln>
+                  <a:noFill/>
+                </a:ln>
+                <a:solidFill>
+                  <a:srgbClr val="000000"/>
+                </a:solidFill>
+                <a:effectLst/>
+                <a:latin typeface="Consolas" panose="020B0609020204030204" pitchFamily="49" charset="0"/>
+              </a:rPr>
+              <a:t>time </a:t>
+            </a:r>
+            <a:r>
+              <a:rPr kumimoji="0" lang="en-US" altLang="en-US" sz="1400" b="1" i="0" u="none" strike="noStrike" cap="none" normalizeH="0" baseline="0" smtClean="0">
+                <a:ln>
+                  <a:noFill/>
+                </a:ln>
+                <a:solidFill>
+                  <a:srgbClr val="000080"/>
+                </a:solidFill>
+                <a:effectLst/>
+                <a:latin typeface="Consolas" panose="020B0609020204030204" pitchFamily="49" charset="0"/>
+              </a:rPr>
+              <a:t>import </a:t>
+            </a:r>
+            <a:r>
+              <a:rPr kumimoji="0" lang="en-US" altLang="en-US" sz="1400" b="0" i="0" u="none" strike="noStrike" cap="none" normalizeH="0" baseline="0" smtClean="0">
+                <a:ln>
+                  <a:noFill/>
+                </a:ln>
+                <a:solidFill>
+                  <a:srgbClr val="000000"/>
+                </a:solidFill>
+                <a:effectLst/>
+                <a:latin typeface="Consolas" panose="020B0609020204030204" pitchFamily="49" charset="0"/>
+              </a:rPr>
+              <a:t>time</a:t>
+            </a:r>
+            <a:br>
+              <a:rPr kumimoji="0" lang="en-US" altLang="en-US" sz="1400" b="0" i="0" u="none" strike="noStrike" cap="none" normalizeH="0" baseline="0" smtClean="0">
+                <a:ln>
+                  <a:noFill/>
+                </a:ln>
+                <a:solidFill>
+                  <a:srgbClr val="000000"/>
+                </a:solidFill>
+                <a:effectLst/>
+                <a:latin typeface="Consolas" panose="020B0609020204030204" pitchFamily="49" charset="0"/>
+              </a:rPr>
+            </a:br>
+            <a:r>
+              <a:rPr kumimoji="0" lang="en-US" altLang="en-US" sz="1400" b="0" i="0" u="none" strike="noStrike" cap="none" normalizeH="0" baseline="0" smtClean="0">
+                <a:ln>
+                  <a:noFill/>
+                </a:ln>
+                <a:solidFill>
+                  <a:srgbClr val="000000"/>
+                </a:solidFill>
+                <a:effectLst/>
+                <a:latin typeface="Consolas" panose="020B0609020204030204" pitchFamily="49" charset="0"/>
+              </a:rPr>
+              <a:t/>
+            </a:r>
+            <a:br>
+              <a:rPr kumimoji="0" lang="en-US" altLang="en-US" sz="1400" b="0" i="0" u="none" strike="noStrike" cap="none" normalizeH="0" baseline="0" smtClean="0">
+                <a:ln>
+                  <a:noFill/>
+                </a:ln>
+                <a:solidFill>
+                  <a:srgbClr val="000000"/>
+                </a:solidFill>
+                <a:effectLst/>
+                <a:latin typeface="Consolas" panose="020B0609020204030204" pitchFamily="49" charset="0"/>
+              </a:rPr>
+            </a:br>
+            <a:r>
+              <a:rPr kumimoji="0" lang="en-US" altLang="en-US" sz="1400" b="0" i="0" u="none" strike="noStrike" cap="none" normalizeH="0" baseline="0" smtClean="0">
+                <a:ln>
+                  <a:noFill/>
+                </a:ln>
+                <a:solidFill>
+                  <a:srgbClr val="000000"/>
+                </a:solidFill>
+                <a:effectLst/>
+                <a:latin typeface="Consolas" panose="020B0609020204030204" pitchFamily="49" charset="0"/>
+              </a:rPr>
+              <a:t>n </a:t>
+            </a:r>
+            <a:r>
+              <a:rPr kumimoji="0" lang="en-US" altLang="en-US" sz="1400" b="1" i="0" u="none" strike="noStrike" cap="none" normalizeH="0" baseline="0" smtClean="0">
+                <a:ln>
+                  <a:noFill/>
+                </a:ln>
+                <a:solidFill>
+                  <a:srgbClr val="000080"/>
+                </a:solidFill>
+                <a:effectLst/>
+                <a:latin typeface="Consolas" panose="020B0609020204030204" pitchFamily="49" charset="0"/>
+              </a:rPr>
+              <a:t>= </a:t>
+            </a:r>
+            <a:r>
+              <a:rPr kumimoji="0" lang="en-US" altLang="en-US" sz="1400" b="1" i="1" u="none" strike="noStrike" cap="none" normalizeH="0" baseline="0" smtClean="0">
+                <a:ln>
+                  <a:noFill/>
+                </a:ln>
+                <a:solidFill>
+                  <a:srgbClr val="0000FF"/>
+                </a:solidFill>
+                <a:effectLst/>
+                <a:latin typeface="Consolas" panose="020B0609020204030204" pitchFamily="49" charset="0"/>
+              </a:rPr>
+              <a:t>1024</a:t>
+            </a:r>
+          </a:p>
+          <a:p>
+            <a:pPr marL="0" marR="0" lvl="0" indent="0" algn="l" defTabSz="914400" rtl="0" eaLnBrk="0" fontAlgn="base" latinLnBrk="0" hangingPunct="0">
+              <a:lnSpc>
+                <a:spcPct val="100000"/>
+              </a:lnSpc>
+              <a:spcBef>
+                <a:spcPct val="0"/>
+              </a:spcBef>
+              <a:spcAft>
+                <a:spcPct val="0"/>
+              </a:spcAft>
+              <a:buClrTx/>
+              <a:buSzTx/>
+              <a:buFontTx/>
+              <a:buNone/>
+              <a:tabLst/>
+            </a:pPr>
+            <a:r>
+              <a:rPr kumimoji="0" lang="en-US" altLang="en-US" sz="1400" b="1" i="1" u="none" strike="noStrike" cap="none" normalizeH="0" baseline="0" smtClean="0">
+                <a:ln>
+                  <a:noFill/>
+                </a:ln>
+                <a:solidFill>
+                  <a:srgbClr val="0000FF"/>
+                </a:solidFill>
+                <a:effectLst/>
+                <a:latin typeface="Consolas" panose="020B0609020204030204" pitchFamily="49" charset="0"/>
+              </a:rPr>
+              <a:t/>
+            </a:r>
+            <a:br>
+              <a:rPr kumimoji="0" lang="en-US" altLang="en-US" sz="1400" b="1" i="1" u="none" strike="noStrike" cap="none" normalizeH="0" baseline="0" smtClean="0">
+                <a:ln>
+                  <a:noFill/>
+                </a:ln>
+                <a:solidFill>
+                  <a:srgbClr val="0000FF"/>
+                </a:solidFill>
+                <a:effectLst/>
+                <a:latin typeface="Consolas" panose="020B0609020204030204" pitchFamily="49" charset="0"/>
+              </a:rPr>
+            </a:br>
+            <a:r>
+              <a:rPr kumimoji="0" lang="en-US" altLang="en-US" sz="1400" b="0" i="0" u="none" strike="noStrike" cap="none" normalizeH="0" baseline="0" smtClean="0">
+                <a:ln>
+                  <a:noFill/>
+                </a:ln>
+                <a:solidFill>
+                  <a:srgbClr val="000000"/>
+                </a:solidFill>
+                <a:effectLst/>
+                <a:latin typeface="Consolas" panose="020B0609020204030204" pitchFamily="49" charset="0"/>
+              </a:rPr>
+              <a:t>A </a:t>
+            </a:r>
+            <a:r>
+              <a:rPr kumimoji="0" lang="en-US" altLang="en-US" sz="1400" b="1" i="0" u="none" strike="noStrike" cap="none" normalizeH="0" baseline="0" smtClean="0">
+                <a:ln>
+                  <a:noFill/>
+                </a:ln>
+                <a:solidFill>
+                  <a:srgbClr val="000080"/>
+                </a:solidFill>
+                <a:effectLst/>
+                <a:latin typeface="Consolas" panose="020B0609020204030204" pitchFamily="49" charset="0"/>
+              </a:rPr>
+              <a:t>= </a:t>
+            </a:r>
+            <a:r>
+              <a:rPr kumimoji="0" lang="en-US" altLang="en-US" sz="1400" b="0" i="0" u="none" strike="noStrike" cap="none" normalizeH="0" baseline="0" smtClean="0">
+                <a:ln>
+                  <a:noFill/>
+                </a:ln>
+                <a:solidFill>
+                  <a:srgbClr val="000000"/>
+                </a:solidFill>
+                <a:effectLst/>
+                <a:latin typeface="Consolas" panose="020B0609020204030204" pitchFamily="49" charset="0"/>
+              </a:rPr>
+              <a:t>[[random.random()</a:t>
+            </a:r>
+            <a:br>
+              <a:rPr kumimoji="0" lang="en-US" altLang="en-US" sz="1400" b="0" i="0" u="none" strike="noStrike" cap="none" normalizeH="0" baseline="0" smtClean="0">
+                <a:ln>
+                  <a:noFill/>
+                </a:ln>
+                <a:solidFill>
+                  <a:srgbClr val="000000"/>
+                </a:solidFill>
+                <a:effectLst/>
+                <a:latin typeface="Consolas" panose="020B0609020204030204" pitchFamily="49" charset="0"/>
+              </a:rPr>
+            </a:br>
+            <a:r>
+              <a:rPr kumimoji="0" lang="en-US" altLang="en-US" sz="1400" b="0" i="0" u="none" strike="noStrike" cap="none" normalizeH="0" baseline="0" smtClean="0">
+                <a:ln>
+                  <a:noFill/>
+                </a:ln>
+                <a:solidFill>
+                  <a:srgbClr val="000000"/>
+                </a:solidFill>
+                <a:effectLst/>
+                <a:latin typeface="Consolas" panose="020B0609020204030204" pitchFamily="49" charset="0"/>
+              </a:rPr>
+              <a:t>      </a:t>
+            </a:r>
+            <a:r>
+              <a:rPr kumimoji="0" lang="en-US" altLang="en-US" sz="1400" b="1" i="0" u="none" strike="noStrike" cap="none" normalizeH="0" baseline="0" smtClean="0">
+                <a:ln>
+                  <a:noFill/>
+                </a:ln>
+                <a:solidFill>
+                  <a:srgbClr val="000080"/>
+                </a:solidFill>
+                <a:effectLst/>
+                <a:latin typeface="Consolas" panose="020B0609020204030204" pitchFamily="49" charset="0"/>
+              </a:rPr>
+              <a:t>for </a:t>
+            </a:r>
+            <a:r>
+              <a:rPr kumimoji="0" lang="en-US" altLang="en-US" sz="1400" b="0" i="0" u="none" strike="noStrike" cap="none" normalizeH="0" baseline="0" smtClean="0">
+                <a:ln>
+                  <a:noFill/>
+                </a:ln>
+                <a:solidFill>
+                  <a:srgbClr val="000000"/>
+                </a:solidFill>
+                <a:effectLst/>
+                <a:latin typeface="Consolas" panose="020B0609020204030204" pitchFamily="49" charset="0"/>
+              </a:rPr>
+              <a:t>row </a:t>
+            </a:r>
+            <a:r>
+              <a:rPr kumimoji="0" lang="en-US" altLang="en-US" sz="1400" b="1" i="0" u="none" strike="noStrike" cap="none" normalizeH="0" baseline="0" smtClean="0">
+                <a:ln>
+                  <a:noFill/>
+                </a:ln>
+                <a:solidFill>
+                  <a:srgbClr val="000080"/>
+                </a:solidFill>
+                <a:effectLst/>
+                <a:latin typeface="Consolas" panose="020B0609020204030204" pitchFamily="49" charset="0"/>
+              </a:rPr>
+              <a:t>in </a:t>
+            </a:r>
+            <a:r>
+              <a:rPr kumimoji="0" lang="en-US" altLang="en-US" sz="1400" b="0" i="0" u="none" strike="noStrike" cap="none" normalizeH="0" baseline="0" smtClean="0">
+                <a:ln>
+                  <a:noFill/>
+                </a:ln>
+                <a:solidFill>
+                  <a:srgbClr val="000000"/>
+                </a:solidFill>
+                <a:effectLst/>
+                <a:latin typeface="Consolas" panose="020B0609020204030204" pitchFamily="49" charset="0"/>
+              </a:rPr>
+              <a:t>range(n)]</a:t>
+            </a:r>
+            <a:br>
+              <a:rPr kumimoji="0" lang="en-US" altLang="en-US" sz="1400" b="0" i="0" u="none" strike="noStrike" cap="none" normalizeH="0" baseline="0" smtClean="0">
+                <a:ln>
+                  <a:noFill/>
+                </a:ln>
+                <a:solidFill>
+                  <a:srgbClr val="000000"/>
+                </a:solidFill>
+                <a:effectLst/>
+                <a:latin typeface="Consolas" panose="020B0609020204030204" pitchFamily="49" charset="0"/>
+              </a:rPr>
+            </a:br>
+            <a:r>
+              <a:rPr kumimoji="0" lang="en-US" altLang="en-US" sz="1400" b="0" i="0" u="none" strike="noStrike" cap="none" normalizeH="0" baseline="0" smtClean="0">
+                <a:ln>
+                  <a:noFill/>
+                </a:ln>
+                <a:solidFill>
+                  <a:srgbClr val="000000"/>
+                </a:solidFill>
+                <a:effectLst/>
+                <a:latin typeface="Consolas" panose="020B0609020204030204" pitchFamily="49" charset="0"/>
+              </a:rPr>
+              <a:t>      </a:t>
+            </a:r>
+            <a:r>
+              <a:rPr kumimoji="0" lang="en-US" altLang="en-US" sz="1400" b="1" i="0" u="none" strike="noStrike" cap="none" normalizeH="0" baseline="0" smtClean="0">
+                <a:ln>
+                  <a:noFill/>
+                </a:ln>
+                <a:solidFill>
+                  <a:srgbClr val="000080"/>
+                </a:solidFill>
+                <a:effectLst/>
+                <a:latin typeface="Consolas" panose="020B0609020204030204" pitchFamily="49" charset="0"/>
+              </a:rPr>
+              <a:t>for </a:t>
+            </a:r>
+            <a:r>
+              <a:rPr kumimoji="0" lang="en-US" altLang="en-US" sz="1400" b="0" i="0" u="none" strike="noStrike" cap="none" normalizeH="0" baseline="0" smtClean="0">
+                <a:ln>
+                  <a:noFill/>
+                </a:ln>
+                <a:solidFill>
+                  <a:srgbClr val="000000"/>
+                </a:solidFill>
+                <a:effectLst/>
+                <a:latin typeface="Consolas" panose="020B0609020204030204" pitchFamily="49" charset="0"/>
+              </a:rPr>
+              <a:t>col </a:t>
+            </a:r>
+            <a:r>
+              <a:rPr kumimoji="0" lang="en-US" altLang="en-US" sz="1400" b="1" i="0" u="none" strike="noStrike" cap="none" normalizeH="0" baseline="0" smtClean="0">
+                <a:ln>
+                  <a:noFill/>
+                </a:ln>
+                <a:solidFill>
+                  <a:srgbClr val="000080"/>
+                </a:solidFill>
+                <a:effectLst/>
+                <a:latin typeface="Consolas" panose="020B0609020204030204" pitchFamily="49" charset="0"/>
+              </a:rPr>
+              <a:t>in </a:t>
+            </a:r>
+            <a:r>
+              <a:rPr kumimoji="0" lang="en-US" altLang="en-US" sz="1400" b="0" i="0" u="none" strike="noStrike" cap="none" normalizeH="0" baseline="0" smtClean="0">
+                <a:ln>
+                  <a:noFill/>
+                </a:ln>
+                <a:solidFill>
+                  <a:srgbClr val="000000"/>
+                </a:solidFill>
+                <a:effectLst/>
+                <a:latin typeface="Consolas" panose="020B0609020204030204" pitchFamily="49" charset="0"/>
+              </a:rPr>
+              <a:t>range(n)]</a:t>
+            </a:r>
+            <a:br>
+              <a:rPr kumimoji="0" lang="en-US" altLang="en-US" sz="1400" b="0" i="0" u="none" strike="noStrike" cap="none" normalizeH="0" baseline="0" smtClean="0">
+                <a:ln>
+                  <a:noFill/>
+                </a:ln>
+                <a:solidFill>
+                  <a:srgbClr val="000000"/>
+                </a:solidFill>
+                <a:effectLst/>
+                <a:latin typeface="Consolas" panose="020B0609020204030204" pitchFamily="49" charset="0"/>
+              </a:rPr>
+            </a:br>
+            <a:r>
+              <a:rPr kumimoji="0" lang="en-US" altLang="en-US" sz="1400" b="0" i="0" u="none" strike="noStrike" cap="none" normalizeH="0" baseline="0" smtClean="0">
+                <a:ln>
+                  <a:noFill/>
+                </a:ln>
+                <a:solidFill>
+                  <a:srgbClr val="000000"/>
+                </a:solidFill>
+                <a:effectLst/>
+                <a:latin typeface="Consolas" panose="020B0609020204030204" pitchFamily="49" charset="0"/>
+              </a:rPr>
+              <a:t>B </a:t>
+            </a:r>
+            <a:r>
+              <a:rPr kumimoji="0" lang="en-US" altLang="en-US" sz="1400" b="1" i="0" u="none" strike="noStrike" cap="none" normalizeH="0" baseline="0" smtClean="0">
+                <a:ln>
+                  <a:noFill/>
+                </a:ln>
+                <a:solidFill>
+                  <a:srgbClr val="000080"/>
+                </a:solidFill>
+                <a:effectLst/>
+                <a:latin typeface="Consolas" panose="020B0609020204030204" pitchFamily="49" charset="0"/>
+              </a:rPr>
+              <a:t>= </a:t>
+            </a:r>
+            <a:r>
+              <a:rPr kumimoji="0" lang="en-US" altLang="en-US" sz="1400" b="0" i="0" u="none" strike="noStrike" cap="none" normalizeH="0" baseline="0" smtClean="0">
+                <a:ln>
+                  <a:noFill/>
+                </a:ln>
+                <a:solidFill>
+                  <a:srgbClr val="000000"/>
+                </a:solidFill>
+                <a:effectLst/>
+                <a:latin typeface="Consolas" panose="020B0609020204030204" pitchFamily="49" charset="0"/>
+              </a:rPr>
+              <a:t>[[random.random()</a:t>
+            </a:r>
+            <a:br>
+              <a:rPr kumimoji="0" lang="en-US" altLang="en-US" sz="1400" b="0" i="0" u="none" strike="noStrike" cap="none" normalizeH="0" baseline="0" smtClean="0">
+                <a:ln>
+                  <a:noFill/>
+                </a:ln>
+                <a:solidFill>
+                  <a:srgbClr val="000000"/>
+                </a:solidFill>
+                <a:effectLst/>
+                <a:latin typeface="Consolas" panose="020B0609020204030204" pitchFamily="49" charset="0"/>
+              </a:rPr>
+            </a:br>
+            <a:r>
+              <a:rPr kumimoji="0" lang="en-US" altLang="en-US" sz="1400" b="0" i="0" u="none" strike="noStrike" cap="none" normalizeH="0" baseline="0" smtClean="0">
+                <a:ln>
+                  <a:noFill/>
+                </a:ln>
+                <a:solidFill>
+                  <a:srgbClr val="000000"/>
+                </a:solidFill>
+                <a:effectLst/>
+                <a:latin typeface="Consolas" panose="020B0609020204030204" pitchFamily="49" charset="0"/>
+              </a:rPr>
+              <a:t>      </a:t>
+            </a:r>
+            <a:r>
+              <a:rPr kumimoji="0" lang="en-US" altLang="en-US" sz="1400" b="1" i="0" u="none" strike="noStrike" cap="none" normalizeH="0" baseline="0" smtClean="0">
+                <a:ln>
+                  <a:noFill/>
+                </a:ln>
+                <a:solidFill>
+                  <a:srgbClr val="000080"/>
+                </a:solidFill>
+                <a:effectLst/>
+                <a:latin typeface="Consolas" panose="020B0609020204030204" pitchFamily="49" charset="0"/>
+              </a:rPr>
+              <a:t>for </a:t>
+            </a:r>
+            <a:r>
+              <a:rPr kumimoji="0" lang="en-US" altLang="en-US" sz="1400" b="0" i="0" u="none" strike="noStrike" cap="none" normalizeH="0" baseline="0" smtClean="0">
+                <a:ln>
+                  <a:noFill/>
+                </a:ln>
+                <a:solidFill>
+                  <a:srgbClr val="000000"/>
+                </a:solidFill>
+                <a:effectLst/>
+                <a:latin typeface="Consolas" panose="020B0609020204030204" pitchFamily="49" charset="0"/>
+              </a:rPr>
+              <a:t>row </a:t>
+            </a:r>
+            <a:r>
+              <a:rPr kumimoji="0" lang="en-US" altLang="en-US" sz="1400" b="1" i="0" u="none" strike="noStrike" cap="none" normalizeH="0" baseline="0" smtClean="0">
+                <a:ln>
+                  <a:noFill/>
+                </a:ln>
+                <a:solidFill>
+                  <a:srgbClr val="000080"/>
+                </a:solidFill>
+                <a:effectLst/>
+                <a:latin typeface="Consolas" panose="020B0609020204030204" pitchFamily="49" charset="0"/>
+              </a:rPr>
+              <a:t>in </a:t>
+            </a:r>
+            <a:r>
+              <a:rPr kumimoji="0" lang="en-US" altLang="en-US" sz="1400" b="0" i="0" u="none" strike="noStrike" cap="none" normalizeH="0" baseline="0" smtClean="0">
+                <a:ln>
+                  <a:noFill/>
+                </a:ln>
+                <a:solidFill>
+                  <a:srgbClr val="000000"/>
+                </a:solidFill>
+                <a:effectLst/>
+                <a:latin typeface="Consolas" panose="020B0609020204030204" pitchFamily="49" charset="0"/>
+              </a:rPr>
+              <a:t>range(n)]</a:t>
+            </a:r>
+            <a:br>
+              <a:rPr kumimoji="0" lang="en-US" altLang="en-US" sz="1400" b="0" i="0" u="none" strike="noStrike" cap="none" normalizeH="0" baseline="0" smtClean="0">
+                <a:ln>
+                  <a:noFill/>
+                </a:ln>
+                <a:solidFill>
+                  <a:srgbClr val="000000"/>
+                </a:solidFill>
+                <a:effectLst/>
+                <a:latin typeface="Consolas" panose="020B0609020204030204" pitchFamily="49" charset="0"/>
+              </a:rPr>
+            </a:br>
+            <a:r>
+              <a:rPr kumimoji="0" lang="en-US" altLang="en-US" sz="1400" b="0" i="0" u="none" strike="noStrike" cap="none" normalizeH="0" baseline="0" smtClean="0">
+                <a:ln>
+                  <a:noFill/>
+                </a:ln>
+                <a:solidFill>
+                  <a:srgbClr val="000000"/>
+                </a:solidFill>
+                <a:effectLst/>
+                <a:latin typeface="Consolas" panose="020B0609020204030204" pitchFamily="49" charset="0"/>
+              </a:rPr>
+              <a:t>      </a:t>
+            </a:r>
+            <a:r>
+              <a:rPr kumimoji="0" lang="en-US" altLang="en-US" sz="1400" b="1" i="0" u="none" strike="noStrike" cap="none" normalizeH="0" baseline="0" smtClean="0">
+                <a:ln>
+                  <a:noFill/>
+                </a:ln>
+                <a:solidFill>
+                  <a:srgbClr val="000080"/>
+                </a:solidFill>
+                <a:effectLst/>
+                <a:latin typeface="Consolas" panose="020B0609020204030204" pitchFamily="49" charset="0"/>
+              </a:rPr>
+              <a:t>for </a:t>
+            </a:r>
+            <a:r>
+              <a:rPr kumimoji="0" lang="en-US" altLang="en-US" sz="1400" b="0" i="0" u="none" strike="noStrike" cap="none" normalizeH="0" baseline="0" smtClean="0">
+                <a:ln>
+                  <a:noFill/>
+                </a:ln>
+                <a:solidFill>
+                  <a:srgbClr val="000000"/>
+                </a:solidFill>
+                <a:effectLst/>
+                <a:latin typeface="Consolas" panose="020B0609020204030204" pitchFamily="49" charset="0"/>
+              </a:rPr>
+              <a:t>col </a:t>
+            </a:r>
+            <a:r>
+              <a:rPr kumimoji="0" lang="en-US" altLang="en-US" sz="1400" b="1" i="0" u="none" strike="noStrike" cap="none" normalizeH="0" baseline="0" smtClean="0">
+                <a:ln>
+                  <a:noFill/>
+                </a:ln>
+                <a:solidFill>
+                  <a:srgbClr val="000080"/>
+                </a:solidFill>
+                <a:effectLst/>
+                <a:latin typeface="Consolas" panose="020B0609020204030204" pitchFamily="49" charset="0"/>
+              </a:rPr>
+              <a:t>in </a:t>
+            </a:r>
+            <a:r>
+              <a:rPr kumimoji="0" lang="en-US" altLang="en-US" sz="1400" b="0" i="0" u="none" strike="noStrike" cap="none" normalizeH="0" baseline="0" smtClean="0">
+                <a:ln>
+                  <a:noFill/>
+                </a:ln>
+                <a:solidFill>
+                  <a:srgbClr val="000000"/>
+                </a:solidFill>
+                <a:effectLst/>
+                <a:latin typeface="Consolas" panose="020B0609020204030204" pitchFamily="49" charset="0"/>
+              </a:rPr>
+              <a:t>range(n)]</a:t>
+            </a:r>
+            <a:br>
+              <a:rPr kumimoji="0" lang="en-US" altLang="en-US" sz="1400" b="0" i="0" u="none" strike="noStrike" cap="none" normalizeH="0" baseline="0" smtClean="0">
+                <a:ln>
+                  <a:noFill/>
+                </a:ln>
+                <a:solidFill>
+                  <a:srgbClr val="000000"/>
+                </a:solidFill>
+                <a:effectLst/>
+                <a:latin typeface="Consolas" panose="020B0609020204030204" pitchFamily="49" charset="0"/>
+              </a:rPr>
+            </a:br>
+            <a:r>
+              <a:rPr kumimoji="0" lang="en-US" altLang="en-US" sz="1400" b="0" i="0" u="none" strike="noStrike" cap="none" normalizeH="0" baseline="0" smtClean="0">
+                <a:ln>
+                  <a:noFill/>
+                </a:ln>
+                <a:solidFill>
+                  <a:srgbClr val="000000"/>
+                </a:solidFill>
+                <a:effectLst/>
+                <a:latin typeface="Consolas" panose="020B0609020204030204" pitchFamily="49" charset="0"/>
+              </a:rPr>
+              <a:t>C </a:t>
+            </a:r>
+            <a:r>
+              <a:rPr kumimoji="0" lang="en-US" altLang="en-US" sz="1400" b="1" i="0" u="none" strike="noStrike" cap="none" normalizeH="0" baseline="0" smtClean="0">
+                <a:ln>
+                  <a:noFill/>
+                </a:ln>
+                <a:solidFill>
+                  <a:srgbClr val="000080"/>
+                </a:solidFill>
+                <a:effectLst/>
+                <a:latin typeface="Consolas" panose="020B0609020204030204" pitchFamily="49" charset="0"/>
+              </a:rPr>
+              <a:t>= </a:t>
+            </a:r>
+            <a:r>
+              <a:rPr kumimoji="0" lang="en-US" altLang="en-US" sz="1400" b="0" i="0" u="none" strike="noStrike" cap="none" normalizeH="0" baseline="0" smtClean="0">
+                <a:ln>
+                  <a:noFill/>
+                </a:ln>
+                <a:solidFill>
+                  <a:srgbClr val="000000"/>
+                </a:solidFill>
+                <a:effectLst/>
+                <a:latin typeface="Consolas" panose="020B0609020204030204" pitchFamily="49" charset="0"/>
+              </a:rPr>
+              <a:t>[[</a:t>
+            </a:r>
+            <a:r>
+              <a:rPr kumimoji="0" lang="en-US" altLang="en-US" sz="1400" b="1" i="1" u="none" strike="noStrike" cap="none" normalizeH="0" baseline="0" smtClean="0">
+                <a:ln>
+                  <a:noFill/>
+                </a:ln>
+                <a:solidFill>
+                  <a:srgbClr val="0000FF"/>
+                </a:solidFill>
+                <a:effectLst/>
+                <a:latin typeface="Consolas" panose="020B0609020204030204" pitchFamily="49" charset="0"/>
+              </a:rPr>
+              <a:t>0</a:t>
+            </a:r>
+            <a:br>
+              <a:rPr kumimoji="0" lang="en-US" altLang="en-US" sz="1400" b="1" i="1" u="none" strike="noStrike" cap="none" normalizeH="0" baseline="0" smtClean="0">
+                <a:ln>
+                  <a:noFill/>
+                </a:ln>
+                <a:solidFill>
+                  <a:srgbClr val="0000FF"/>
+                </a:solidFill>
+                <a:effectLst/>
+                <a:latin typeface="Consolas" panose="020B0609020204030204" pitchFamily="49" charset="0"/>
+              </a:rPr>
+            </a:br>
+            <a:r>
+              <a:rPr kumimoji="0" lang="en-US" altLang="en-US" sz="1400" b="1" i="1" u="none" strike="noStrike" cap="none" normalizeH="0" baseline="0" smtClean="0">
+                <a:ln>
+                  <a:noFill/>
+                </a:ln>
+                <a:solidFill>
+                  <a:srgbClr val="0000FF"/>
+                </a:solidFill>
+                <a:effectLst/>
+                <a:latin typeface="Consolas" panose="020B0609020204030204" pitchFamily="49" charset="0"/>
+              </a:rPr>
+              <a:t>      </a:t>
+            </a:r>
+            <a:r>
+              <a:rPr kumimoji="0" lang="en-US" altLang="en-US" sz="1400" b="1" i="0" u="none" strike="noStrike" cap="none" normalizeH="0" baseline="0" smtClean="0">
+                <a:ln>
+                  <a:noFill/>
+                </a:ln>
+                <a:solidFill>
+                  <a:srgbClr val="000080"/>
+                </a:solidFill>
+                <a:effectLst/>
+                <a:latin typeface="Consolas" panose="020B0609020204030204" pitchFamily="49" charset="0"/>
+              </a:rPr>
+              <a:t>for </a:t>
+            </a:r>
+            <a:r>
+              <a:rPr kumimoji="0" lang="en-US" altLang="en-US" sz="1400" b="0" i="0" u="none" strike="noStrike" cap="none" normalizeH="0" baseline="0" smtClean="0">
+                <a:ln>
+                  <a:noFill/>
+                </a:ln>
+                <a:solidFill>
+                  <a:srgbClr val="000000"/>
+                </a:solidFill>
+                <a:effectLst/>
+                <a:latin typeface="Consolas" panose="020B0609020204030204" pitchFamily="49" charset="0"/>
+              </a:rPr>
+              <a:t>row </a:t>
+            </a:r>
+            <a:r>
+              <a:rPr kumimoji="0" lang="en-US" altLang="en-US" sz="1400" b="1" i="0" u="none" strike="noStrike" cap="none" normalizeH="0" baseline="0" smtClean="0">
+                <a:ln>
+                  <a:noFill/>
+                </a:ln>
+                <a:solidFill>
+                  <a:srgbClr val="000080"/>
+                </a:solidFill>
+                <a:effectLst/>
+                <a:latin typeface="Consolas" panose="020B0609020204030204" pitchFamily="49" charset="0"/>
+              </a:rPr>
+              <a:t>in </a:t>
+            </a:r>
+            <a:r>
+              <a:rPr kumimoji="0" lang="en-US" altLang="en-US" sz="1400" b="0" i="0" u="none" strike="noStrike" cap="none" normalizeH="0" baseline="0" smtClean="0">
+                <a:ln>
+                  <a:noFill/>
+                </a:ln>
+                <a:solidFill>
+                  <a:srgbClr val="000000"/>
+                </a:solidFill>
+                <a:effectLst/>
+                <a:latin typeface="Consolas" panose="020B0609020204030204" pitchFamily="49" charset="0"/>
+              </a:rPr>
+              <a:t>range(n)]</a:t>
+            </a:r>
+            <a:br>
+              <a:rPr kumimoji="0" lang="en-US" altLang="en-US" sz="1400" b="0" i="0" u="none" strike="noStrike" cap="none" normalizeH="0" baseline="0" smtClean="0">
+                <a:ln>
+                  <a:noFill/>
+                </a:ln>
+                <a:solidFill>
+                  <a:srgbClr val="000000"/>
+                </a:solidFill>
+                <a:effectLst/>
+                <a:latin typeface="Consolas" panose="020B0609020204030204" pitchFamily="49" charset="0"/>
+              </a:rPr>
+            </a:br>
+            <a:r>
+              <a:rPr kumimoji="0" lang="en-US" altLang="en-US" sz="1400" b="0" i="0" u="none" strike="noStrike" cap="none" normalizeH="0" baseline="0" smtClean="0">
+                <a:ln>
+                  <a:noFill/>
+                </a:ln>
+                <a:solidFill>
+                  <a:srgbClr val="000000"/>
+                </a:solidFill>
+                <a:effectLst/>
+                <a:latin typeface="Consolas" panose="020B0609020204030204" pitchFamily="49" charset="0"/>
+              </a:rPr>
+              <a:t>      </a:t>
+            </a:r>
+            <a:r>
+              <a:rPr kumimoji="0" lang="en-US" altLang="en-US" sz="1400" b="1" i="0" u="none" strike="noStrike" cap="none" normalizeH="0" baseline="0" smtClean="0">
+                <a:ln>
+                  <a:noFill/>
+                </a:ln>
+                <a:solidFill>
+                  <a:srgbClr val="000080"/>
+                </a:solidFill>
+                <a:effectLst/>
+                <a:latin typeface="Consolas" panose="020B0609020204030204" pitchFamily="49" charset="0"/>
+              </a:rPr>
+              <a:t>for </a:t>
+            </a:r>
+            <a:r>
+              <a:rPr kumimoji="0" lang="en-US" altLang="en-US" sz="1400" b="0" i="0" u="none" strike="noStrike" cap="none" normalizeH="0" baseline="0" smtClean="0">
+                <a:ln>
+                  <a:noFill/>
+                </a:ln>
+                <a:solidFill>
+                  <a:srgbClr val="000000"/>
+                </a:solidFill>
+                <a:effectLst/>
+                <a:latin typeface="Consolas" panose="020B0609020204030204" pitchFamily="49" charset="0"/>
+              </a:rPr>
+              <a:t>col </a:t>
+            </a:r>
+            <a:r>
+              <a:rPr kumimoji="0" lang="en-US" altLang="en-US" sz="1400" b="1" i="0" u="none" strike="noStrike" cap="none" normalizeH="0" baseline="0" smtClean="0">
+                <a:ln>
+                  <a:noFill/>
+                </a:ln>
+                <a:solidFill>
+                  <a:srgbClr val="000080"/>
+                </a:solidFill>
+                <a:effectLst/>
+                <a:latin typeface="Consolas" panose="020B0609020204030204" pitchFamily="49" charset="0"/>
+              </a:rPr>
+              <a:t>in </a:t>
+            </a:r>
+            <a:r>
+              <a:rPr kumimoji="0" lang="en-US" altLang="en-US" sz="1400" b="0" i="0" u="none" strike="noStrike" cap="none" normalizeH="0" baseline="0" smtClean="0">
+                <a:ln>
+                  <a:noFill/>
+                </a:ln>
+                <a:solidFill>
+                  <a:srgbClr val="000000"/>
+                </a:solidFill>
+                <a:effectLst/>
+                <a:latin typeface="Consolas" panose="020B0609020204030204" pitchFamily="49" charset="0"/>
+              </a:rPr>
+              <a:t>range(n)]</a:t>
+            </a:r>
+            <a:br>
+              <a:rPr kumimoji="0" lang="en-US" altLang="en-US" sz="1400" b="0" i="0" u="none" strike="noStrike" cap="none" normalizeH="0" baseline="0" smtClean="0">
+                <a:ln>
+                  <a:noFill/>
+                </a:ln>
+                <a:solidFill>
+                  <a:srgbClr val="000000"/>
+                </a:solidFill>
+                <a:effectLst/>
+                <a:latin typeface="Consolas" panose="020B0609020204030204" pitchFamily="49" charset="0"/>
+              </a:rPr>
+            </a:br>
+            <a:r>
+              <a:rPr kumimoji="0" lang="en-US" altLang="en-US" sz="1400" b="0" i="0" u="none" strike="noStrike" cap="none" normalizeH="0" baseline="0" smtClean="0">
+                <a:ln>
+                  <a:noFill/>
+                </a:ln>
+                <a:solidFill>
+                  <a:srgbClr val="000000"/>
+                </a:solidFill>
+                <a:effectLst/>
+                <a:latin typeface="Consolas" panose="020B0609020204030204" pitchFamily="49" charset="0"/>
+              </a:rPr>
+              <a:t/>
+            </a:r>
+            <a:br>
+              <a:rPr kumimoji="0" lang="en-US" altLang="en-US" sz="1400" b="0" i="0" u="none" strike="noStrike" cap="none" normalizeH="0" baseline="0" smtClean="0">
+                <a:ln>
+                  <a:noFill/>
+                </a:ln>
+                <a:solidFill>
+                  <a:srgbClr val="000000"/>
+                </a:solidFill>
+                <a:effectLst/>
+                <a:latin typeface="Consolas" panose="020B0609020204030204" pitchFamily="49" charset="0"/>
+              </a:rPr>
+            </a:br>
+            <a:r>
+              <a:rPr kumimoji="0" lang="en-US" altLang="en-US" sz="1400" b="0" i="0" u="none" strike="noStrike" cap="none" normalizeH="0" baseline="0" smtClean="0">
+                <a:ln>
+                  <a:noFill/>
+                </a:ln>
+                <a:solidFill>
+                  <a:srgbClr val="000000"/>
+                </a:solidFill>
+                <a:effectLst/>
+                <a:latin typeface="Consolas" panose="020B0609020204030204" pitchFamily="49" charset="0"/>
+              </a:rPr>
+              <a:t>start </a:t>
+            </a:r>
+            <a:r>
+              <a:rPr kumimoji="0" lang="en-US" altLang="en-US" sz="1400" b="1" i="0" u="none" strike="noStrike" cap="none" normalizeH="0" baseline="0" smtClean="0">
+                <a:ln>
+                  <a:noFill/>
+                </a:ln>
+                <a:solidFill>
+                  <a:srgbClr val="000080"/>
+                </a:solidFill>
+                <a:effectLst/>
+                <a:latin typeface="Consolas" panose="020B0609020204030204" pitchFamily="49" charset="0"/>
+              </a:rPr>
+              <a:t>= </a:t>
+            </a:r>
+            <a:r>
+              <a:rPr kumimoji="0" lang="en-US" altLang="en-US" sz="1400" b="0" i="0" u="none" strike="noStrike" cap="none" normalizeH="0" baseline="0" smtClean="0">
+                <a:ln>
+                  <a:noFill/>
+                </a:ln>
+                <a:solidFill>
+                  <a:srgbClr val="000000"/>
+                </a:solidFill>
+                <a:effectLst/>
+                <a:latin typeface="Consolas" panose="020B0609020204030204" pitchFamily="49" charset="0"/>
+              </a:rPr>
+              <a:t>time()</a:t>
+            </a:r>
+            <a:br>
+              <a:rPr kumimoji="0" lang="en-US" altLang="en-US" sz="1400" b="0" i="0" u="none" strike="noStrike" cap="none" normalizeH="0" baseline="0" smtClean="0">
+                <a:ln>
+                  <a:noFill/>
+                </a:ln>
+                <a:solidFill>
+                  <a:srgbClr val="000000"/>
+                </a:solidFill>
+                <a:effectLst/>
+                <a:latin typeface="Consolas" panose="020B0609020204030204" pitchFamily="49" charset="0"/>
+              </a:rPr>
+            </a:br>
+            <a:r>
+              <a:rPr kumimoji="0" lang="en-US" altLang="en-US" sz="1400" b="1" i="0" u="none" strike="noStrike" cap="none" normalizeH="0" baseline="0" smtClean="0">
+                <a:ln>
+                  <a:noFill/>
+                </a:ln>
+                <a:solidFill>
+                  <a:srgbClr val="000080"/>
+                </a:solidFill>
+                <a:effectLst/>
+                <a:latin typeface="Consolas" panose="020B0609020204030204" pitchFamily="49" charset="0"/>
+              </a:rPr>
+              <a:t>for </a:t>
+            </a:r>
+            <a:r>
+              <a:rPr kumimoji="0" lang="en-US" altLang="en-US" sz="1400" b="0" i="0" u="none" strike="noStrike" cap="none" normalizeH="0" baseline="0" smtClean="0">
+                <a:ln>
+                  <a:noFill/>
+                </a:ln>
+                <a:solidFill>
+                  <a:srgbClr val="000000"/>
+                </a:solidFill>
+                <a:effectLst/>
+                <a:latin typeface="Consolas" panose="020B0609020204030204" pitchFamily="49" charset="0"/>
+              </a:rPr>
+              <a:t>i </a:t>
+            </a:r>
+            <a:r>
+              <a:rPr kumimoji="0" lang="en-US" altLang="en-US" sz="1400" b="1" i="0" u="none" strike="noStrike" cap="none" normalizeH="0" baseline="0" smtClean="0">
+                <a:ln>
+                  <a:noFill/>
+                </a:ln>
+                <a:solidFill>
+                  <a:srgbClr val="000080"/>
+                </a:solidFill>
+                <a:effectLst/>
+                <a:latin typeface="Consolas" panose="020B0609020204030204" pitchFamily="49" charset="0"/>
+              </a:rPr>
+              <a:t>in </a:t>
+            </a:r>
+            <a:r>
+              <a:rPr kumimoji="0" lang="en-US" altLang="en-US" sz="1400" b="0" i="0" u="none" strike="noStrike" cap="none" normalizeH="0" baseline="0" smtClean="0">
+                <a:ln>
+                  <a:noFill/>
+                </a:ln>
+                <a:solidFill>
+                  <a:srgbClr val="000000"/>
+                </a:solidFill>
+                <a:effectLst/>
+                <a:latin typeface="Consolas" panose="020B0609020204030204" pitchFamily="49" charset="0"/>
+              </a:rPr>
+              <a:t>range(n):</a:t>
+            </a:r>
+            <a:br>
+              <a:rPr kumimoji="0" lang="en-US" altLang="en-US" sz="1400" b="0" i="0" u="none" strike="noStrike" cap="none" normalizeH="0" baseline="0" smtClean="0">
+                <a:ln>
+                  <a:noFill/>
+                </a:ln>
+                <a:solidFill>
+                  <a:srgbClr val="000000"/>
+                </a:solidFill>
+                <a:effectLst/>
+                <a:latin typeface="Consolas" panose="020B0609020204030204" pitchFamily="49" charset="0"/>
+              </a:rPr>
+            </a:br>
+            <a:r>
+              <a:rPr kumimoji="0" lang="en-US" altLang="en-US" sz="1400" b="0" i="0" u="none" strike="noStrike" cap="none" normalizeH="0" baseline="0" smtClean="0">
+                <a:ln>
+                  <a:noFill/>
+                </a:ln>
+                <a:solidFill>
+                  <a:srgbClr val="000000"/>
+                </a:solidFill>
+                <a:effectLst/>
+                <a:latin typeface="Consolas" panose="020B0609020204030204" pitchFamily="49" charset="0"/>
+              </a:rPr>
+              <a:t>    </a:t>
+            </a:r>
+            <a:r>
+              <a:rPr kumimoji="0" lang="en-US" altLang="en-US" sz="1400" b="1" i="0" u="none" strike="noStrike" cap="none" normalizeH="0" baseline="0" smtClean="0">
+                <a:ln>
+                  <a:noFill/>
+                </a:ln>
+                <a:solidFill>
+                  <a:srgbClr val="000080"/>
+                </a:solidFill>
+                <a:effectLst/>
+                <a:latin typeface="Consolas" panose="020B0609020204030204" pitchFamily="49" charset="0"/>
+              </a:rPr>
+              <a:t>for </a:t>
+            </a:r>
+            <a:r>
+              <a:rPr kumimoji="0" lang="en-US" altLang="en-US" sz="1400" b="0" i="0" u="none" strike="noStrike" cap="none" normalizeH="0" baseline="0" smtClean="0">
+                <a:ln>
+                  <a:noFill/>
+                </a:ln>
+                <a:solidFill>
+                  <a:srgbClr val="000000"/>
+                </a:solidFill>
+                <a:effectLst/>
+                <a:latin typeface="Consolas" panose="020B0609020204030204" pitchFamily="49" charset="0"/>
+              </a:rPr>
+              <a:t>j </a:t>
+            </a:r>
+            <a:r>
+              <a:rPr kumimoji="0" lang="en-US" altLang="en-US" sz="1400" b="1" i="0" u="none" strike="noStrike" cap="none" normalizeH="0" baseline="0" smtClean="0">
+                <a:ln>
+                  <a:noFill/>
+                </a:ln>
+                <a:solidFill>
+                  <a:srgbClr val="000080"/>
+                </a:solidFill>
+                <a:effectLst/>
+                <a:latin typeface="Consolas" panose="020B0609020204030204" pitchFamily="49" charset="0"/>
+              </a:rPr>
+              <a:t>in </a:t>
+            </a:r>
+            <a:r>
+              <a:rPr kumimoji="0" lang="en-US" altLang="en-US" sz="1400" b="0" i="0" u="none" strike="noStrike" cap="none" normalizeH="0" baseline="0" smtClean="0">
+                <a:ln>
+                  <a:noFill/>
+                </a:ln>
+                <a:solidFill>
+                  <a:srgbClr val="000000"/>
+                </a:solidFill>
+                <a:effectLst/>
+                <a:latin typeface="Consolas" panose="020B0609020204030204" pitchFamily="49" charset="0"/>
+              </a:rPr>
+              <a:t>range(n):</a:t>
+            </a:r>
+            <a:br>
+              <a:rPr kumimoji="0" lang="en-US" altLang="en-US" sz="1400" b="0" i="0" u="none" strike="noStrike" cap="none" normalizeH="0" baseline="0" smtClean="0">
+                <a:ln>
+                  <a:noFill/>
+                </a:ln>
+                <a:solidFill>
+                  <a:srgbClr val="000000"/>
+                </a:solidFill>
+                <a:effectLst/>
+                <a:latin typeface="Consolas" panose="020B0609020204030204" pitchFamily="49" charset="0"/>
+              </a:rPr>
+            </a:br>
+            <a:r>
+              <a:rPr kumimoji="0" lang="en-US" altLang="en-US" sz="1400" b="0" i="0" u="none" strike="noStrike" cap="none" normalizeH="0" baseline="0" smtClean="0">
+                <a:ln>
+                  <a:noFill/>
+                </a:ln>
+                <a:solidFill>
+                  <a:srgbClr val="000000"/>
+                </a:solidFill>
+                <a:effectLst/>
+                <a:latin typeface="Consolas" panose="020B0609020204030204" pitchFamily="49" charset="0"/>
+              </a:rPr>
+              <a:t>        </a:t>
+            </a:r>
+            <a:r>
+              <a:rPr kumimoji="0" lang="en-US" altLang="en-US" sz="1400" b="1" i="0" u="none" strike="noStrike" cap="none" normalizeH="0" baseline="0" smtClean="0">
+                <a:ln>
+                  <a:noFill/>
+                </a:ln>
+                <a:solidFill>
+                  <a:srgbClr val="000080"/>
+                </a:solidFill>
+                <a:effectLst/>
+                <a:latin typeface="Consolas" panose="020B0609020204030204" pitchFamily="49" charset="0"/>
+              </a:rPr>
+              <a:t>for </a:t>
+            </a:r>
+            <a:r>
+              <a:rPr kumimoji="0" lang="en-US" altLang="en-US" sz="1400" b="0" i="0" u="none" strike="noStrike" cap="none" normalizeH="0" baseline="0" smtClean="0">
+                <a:ln>
+                  <a:noFill/>
+                </a:ln>
+                <a:solidFill>
+                  <a:srgbClr val="000000"/>
+                </a:solidFill>
+                <a:effectLst/>
+                <a:latin typeface="Consolas" panose="020B0609020204030204" pitchFamily="49" charset="0"/>
+              </a:rPr>
+              <a:t>k </a:t>
+            </a:r>
+            <a:r>
+              <a:rPr kumimoji="0" lang="en-US" altLang="en-US" sz="1400" b="1" i="0" u="none" strike="noStrike" cap="none" normalizeH="0" baseline="0" smtClean="0">
+                <a:ln>
+                  <a:noFill/>
+                </a:ln>
+                <a:solidFill>
+                  <a:srgbClr val="000080"/>
+                </a:solidFill>
+                <a:effectLst/>
+                <a:latin typeface="Consolas" panose="020B0609020204030204" pitchFamily="49" charset="0"/>
+              </a:rPr>
+              <a:t>in </a:t>
+            </a:r>
+            <a:r>
+              <a:rPr kumimoji="0" lang="en-US" altLang="en-US" sz="1400" b="0" i="0" u="none" strike="noStrike" cap="none" normalizeH="0" baseline="0" smtClean="0">
+                <a:ln>
+                  <a:noFill/>
+                </a:ln>
+                <a:solidFill>
+                  <a:srgbClr val="000000"/>
+                </a:solidFill>
+                <a:effectLst/>
+                <a:latin typeface="Consolas" panose="020B0609020204030204" pitchFamily="49" charset="0"/>
+              </a:rPr>
+              <a:t>range(n):</a:t>
+            </a:r>
+            <a:br>
+              <a:rPr kumimoji="0" lang="en-US" altLang="en-US" sz="1400" b="0" i="0" u="none" strike="noStrike" cap="none" normalizeH="0" baseline="0" smtClean="0">
+                <a:ln>
+                  <a:noFill/>
+                </a:ln>
+                <a:solidFill>
+                  <a:srgbClr val="000000"/>
+                </a:solidFill>
+                <a:effectLst/>
+                <a:latin typeface="Consolas" panose="020B0609020204030204" pitchFamily="49" charset="0"/>
+              </a:rPr>
+            </a:br>
+            <a:r>
+              <a:rPr kumimoji="0" lang="en-US" altLang="en-US" sz="1400" b="0" i="0" u="none" strike="noStrike" cap="none" normalizeH="0" baseline="0" smtClean="0">
+                <a:ln>
+                  <a:noFill/>
+                </a:ln>
+                <a:solidFill>
+                  <a:srgbClr val="000000"/>
+                </a:solidFill>
+                <a:effectLst/>
+                <a:latin typeface="Consolas" panose="020B0609020204030204" pitchFamily="49" charset="0"/>
+              </a:rPr>
+              <a:t>            C[i][j] </a:t>
+            </a:r>
+            <a:r>
+              <a:rPr kumimoji="0" lang="en-US" altLang="en-US" sz="1400" b="1" i="0" u="none" strike="noStrike" cap="none" normalizeH="0" baseline="0" smtClean="0">
+                <a:ln>
+                  <a:noFill/>
+                </a:ln>
+                <a:solidFill>
+                  <a:srgbClr val="000080"/>
+                </a:solidFill>
+                <a:effectLst/>
+                <a:latin typeface="Consolas" panose="020B0609020204030204" pitchFamily="49" charset="0"/>
+              </a:rPr>
+              <a:t>+= </a:t>
+            </a:r>
+            <a:r>
+              <a:rPr kumimoji="0" lang="en-US" altLang="en-US" sz="1400" b="0" i="0" u="none" strike="noStrike" cap="none" normalizeH="0" baseline="0" smtClean="0">
+                <a:ln>
+                  <a:noFill/>
+                </a:ln>
+                <a:solidFill>
+                  <a:srgbClr val="000000"/>
+                </a:solidFill>
+                <a:effectLst/>
+                <a:latin typeface="Consolas" panose="020B0609020204030204" pitchFamily="49" charset="0"/>
+              </a:rPr>
+              <a:t>A[i][k] </a:t>
+            </a:r>
+            <a:r>
+              <a:rPr kumimoji="0" lang="en-US" altLang="en-US" sz="1400" b="1" i="0" u="none" strike="noStrike" cap="none" normalizeH="0" baseline="0" smtClean="0">
+                <a:ln>
+                  <a:noFill/>
+                </a:ln>
+                <a:solidFill>
+                  <a:srgbClr val="000080"/>
+                </a:solidFill>
+                <a:effectLst/>
+                <a:latin typeface="Consolas" panose="020B0609020204030204" pitchFamily="49" charset="0"/>
+              </a:rPr>
+              <a:t>* </a:t>
+            </a:r>
+            <a:r>
+              <a:rPr kumimoji="0" lang="en-US" altLang="en-US" sz="1400" b="0" i="0" u="none" strike="noStrike" cap="none" normalizeH="0" baseline="0" smtClean="0">
+                <a:ln>
+                  <a:noFill/>
+                </a:ln>
+                <a:solidFill>
+                  <a:srgbClr val="000000"/>
+                </a:solidFill>
+                <a:effectLst/>
+                <a:latin typeface="Consolas" panose="020B0609020204030204" pitchFamily="49" charset="0"/>
+              </a:rPr>
+              <a:t>B[k][j]</a:t>
+            </a:r>
+            <a:br>
+              <a:rPr kumimoji="0" lang="en-US" altLang="en-US" sz="1400" b="0" i="0" u="none" strike="noStrike" cap="none" normalizeH="0" baseline="0" smtClean="0">
+                <a:ln>
+                  <a:noFill/>
+                </a:ln>
+                <a:solidFill>
+                  <a:srgbClr val="000000"/>
+                </a:solidFill>
+                <a:effectLst/>
+                <a:latin typeface="Consolas" panose="020B0609020204030204" pitchFamily="49" charset="0"/>
+              </a:rPr>
+            </a:br>
+            <a:r>
+              <a:rPr kumimoji="0" lang="en-US" altLang="en-US" sz="1400" b="0" i="0" u="none" strike="noStrike" cap="none" normalizeH="0" baseline="0" smtClean="0">
+                <a:ln>
+                  <a:noFill/>
+                </a:ln>
+                <a:solidFill>
+                  <a:srgbClr val="000000"/>
+                </a:solidFill>
+                <a:effectLst/>
+                <a:latin typeface="Consolas" panose="020B0609020204030204" pitchFamily="49" charset="0"/>
+              </a:rPr>
+              <a:t>end </a:t>
+            </a:r>
+            <a:r>
+              <a:rPr kumimoji="0" lang="en-US" altLang="en-US" sz="1400" b="1" i="0" u="none" strike="noStrike" cap="none" normalizeH="0" baseline="0" smtClean="0">
+                <a:ln>
+                  <a:noFill/>
+                </a:ln>
+                <a:solidFill>
+                  <a:srgbClr val="000080"/>
+                </a:solidFill>
+                <a:effectLst/>
+                <a:latin typeface="Consolas" panose="020B0609020204030204" pitchFamily="49" charset="0"/>
+              </a:rPr>
+              <a:t>= </a:t>
+            </a:r>
+            <a:r>
+              <a:rPr kumimoji="0" lang="en-US" altLang="en-US" sz="1400" b="0" i="0" u="none" strike="noStrike" cap="none" normalizeH="0" baseline="0" smtClean="0">
+                <a:ln>
+                  <a:noFill/>
+                </a:ln>
+                <a:solidFill>
+                  <a:srgbClr val="000000"/>
+                </a:solidFill>
+                <a:effectLst/>
+                <a:latin typeface="Consolas" panose="020B0609020204030204" pitchFamily="49" charset="0"/>
+              </a:rPr>
+              <a:t>time()</a:t>
+            </a:r>
+            <a:br>
+              <a:rPr kumimoji="0" lang="en-US" altLang="en-US" sz="1400" b="0" i="0" u="none" strike="noStrike" cap="none" normalizeH="0" baseline="0" smtClean="0">
+                <a:ln>
+                  <a:noFill/>
+                </a:ln>
+                <a:solidFill>
+                  <a:srgbClr val="000000"/>
+                </a:solidFill>
+                <a:effectLst/>
+                <a:latin typeface="Consolas" panose="020B0609020204030204" pitchFamily="49" charset="0"/>
+              </a:rPr>
+            </a:br>
+            <a:r>
+              <a:rPr kumimoji="0" lang="en-US" altLang="en-US" sz="1400" b="0" i="0" u="none" strike="noStrike" cap="none" normalizeH="0" baseline="0" smtClean="0">
+                <a:ln>
+                  <a:noFill/>
+                </a:ln>
+                <a:solidFill>
+                  <a:srgbClr val="000000"/>
+                </a:solidFill>
+                <a:effectLst/>
+                <a:latin typeface="Consolas" panose="020B0609020204030204" pitchFamily="49" charset="0"/>
+              </a:rPr>
+              <a:t/>
+            </a:r>
+            <a:br>
+              <a:rPr kumimoji="0" lang="en-US" altLang="en-US" sz="1400" b="0" i="0" u="none" strike="noStrike" cap="none" normalizeH="0" baseline="0" smtClean="0">
+                <a:ln>
+                  <a:noFill/>
+                </a:ln>
+                <a:solidFill>
+                  <a:srgbClr val="000000"/>
+                </a:solidFill>
+                <a:effectLst/>
+                <a:latin typeface="Consolas" panose="020B0609020204030204" pitchFamily="49" charset="0"/>
+              </a:rPr>
+            </a:br>
+            <a:r>
+              <a:rPr kumimoji="0" lang="en-US" altLang="en-US" sz="1400" b="0" i="0" u="none" strike="noStrike" cap="none" normalizeH="0" baseline="0" smtClean="0">
+                <a:ln>
+                  <a:noFill/>
+                </a:ln>
+                <a:solidFill>
+                  <a:srgbClr val="000000"/>
+                </a:solidFill>
+                <a:effectLst/>
+                <a:latin typeface="Consolas" panose="020B0609020204030204" pitchFamily="49" charset="0"/>
+              </a:rPr>
+              <a:t>print(</a:t>
+            </a:r>
+            <a:r>
+              <a:rPr kumimoji="0" lang="en-US" altLang="en-US" sz="1400" b="1" i="0" u="none" strike="noStrike" cap="none" normalizeH="0" baseline="0" smtClean="0">
+                <a:ln>
+                  <a:noFill/>
+                </a:ln>
+                <a:solidFill>
+                  <a:srgbClr val="008000"/>
+                </a:solidFill>
+                <a:effectLst/>
+                <a:latin typeface="Consolas" panose="020B0609020204030204" pitchFamily="49" charset="0"/>
+              </a:rPr>
+              <a:t>'</a:t>
+            </a:r>
+            <a:r>
+              <a:rPr kumimoji="0" lang="en-US" altLang="en-US" sz="1400" b="1" i="1" u="none" strike="noStrike" cap="none" normalizeH="0" baseline="0" smtClean="0">
+                <a:ln>
+                  <a:noFill/>
+                </a:ln>
+                <a:solidFill>
+                  <a:srgbClr val="660E7A"/>
+                </a:solidFill>
+                <a:effectLst/>
+                <a:latin typeface="Consolas" panose="020B0609020204030204" pitchFamily="49" charset="0"/>
+              </a:rPr>
+              <a:t>%0.6f</a:t>
+            </a:r>
+            <a:r>
+              <a:rPr kumimoji="0" lang="en-US" altLang="en-US" sz="1400" b="1" i="0" u="none" strike="noStrike" cap="none" normalizeH="0" baseline="0" smtClean="0">
+                <a:ln>
+                  <a:noFill/>
+                </a:ln>
+                <a:solidFill>
+                  <a:srgbClr val="008000"/>
+                </a:solidFill>
+                <a:effectLst/>
+                <a:latin typeface="Consolas" panose="020B0609020204030204" pitchFamily="49" charset="0"/>
+              </a:rPr>
+              <a:t>' </a:t>
+            </a:r>
+            <a:r>
+              <a:rPr kumimoji="0" lang="en-US" altLang="en-US" sz="1400" b="1" i="0" u="none" strike="noStrike" cap="none" normalizeH="0" baseline="0" smtClean="0">
+                <a:ln>
+                  <a:noFill/>
+                </a:ln>
+                <a:solidFill>
+                  <a:srgbClr val="000080"/>
+                </a:solidFill>
+                <a:effectLst/>
+                <a:latin typeface="Consolas" panose="020B0609020204030204" pitchFamily="49" charset="0"/>
+              </a:rPr>
+              <a:t>% </a:t>
+            </a:r>
+            <a:r>
+              <a:rPr kumimoji="0" lang="en-US" altLang="en-US" sz="1400" b="0" i="0" u="none" strike="noStrike" cap="none" normalizeH="0" baseline="0" smtClean="0">
+                <a:ln>
+                  <a:noFill/>
+                </a:ln>
+                <a:solidFill>
+                  <a:srgbClr val="000000"/>
+                </a:solidFill>
+                <a:effectLst/>
+                <a:latin typeface="Consolas" panose="020B0609020204030204" pitchFamily="49" charset="0"/>
+              </a:rPr>
+              <a:t>(end </a:t>
+            </a:r>
+            <a:r>
+              <a:rPr kumimoji="0" lang="en-US" altLang="en-US" sz="1400" b="1" i="0" u="none" strike="noStrike" cap="none" normalizeH="0" baseline="0" smtClean="0">
+                <a:ln>
+                  <a:noFill/>
+                </a:ln>
+                <a:solidFill>
+                  <a:srgbClr val="000080"/>
+                </a:solidFill>
+                <a:effectLst/>
+                <a:latin typeface="Consolas" panose="020B0609020204030204" pitchFamily="49" charset="0"/>
+              </a:rPr>
+              <a:t>- </a:t>
+            </a:r>
+            <a:r>
+              <a:rPr kumimoji="0" lang="en-US" altLang="en-US" sz="1400" b="0" i="0" u="none" strike="noStrike" cap="none" normalizeH="0" baseline="0" smtClean="0">
+                <a:ln>
+                  <a:noFill/>
+                </a:ln>
+                <a:solidFill>
+                  <a:srgbClr val="000000"/>
+                </a:solidFill>
+                <a:effectLst/>
+                <a:latin typeface="Consolas" panose="020B0609020204030204" pitchFamily="49" charset="0"/>
+              </a:rPr>
+              <a:t>start</a:t>
+            </a:r>
+            <a:r>
+              <a:rPr kumimoji="0" lang="en-US" altLang="en-US" sz="1400" b="0" i="0" u="none" strike="noStrike" cap="none" normalizeH="0" baseline="0" smtClean="0">
+                <a:ln>
+                  <a:noFill/>
+                </a:ln>
+                <a:solidFill>
+                  <a:srgbClr val="000000"/>
+                </a:solidFill>
+                <a:effectLst/>
+                <a:latin typeface="Consolas" panose="020B0609020204030204" pitchFamily="49" charset="0"/>
+              </a:rPr>
+              <a:t>))</a:t>
+            </a:r>
+            <a:endParaRPr kumimoji="0" lang="en-US" altLang="en-US" sz="1400" b="0" i="0" u="none" strike="noStrike" cap="none" normalizeH="0" baseline="0" smtClean="0">
+              <a:ln>
+                <a:noFill/>
+              </a:ln>
+              <a:solidFill>
+                <a:schemeClr val="tx1"/>
+              </a:solidFill>
+              <a:effectLst/>
+              <a:latin typeface="Arial" panose="020B0604020202020204" pitchFamily="34" charset="0"/>
+            </a:endParaRPr>
+          </a:p>
+        </p:txBody>
+      </p:sp>
+      <p:sp>
+        <p:nvSpPr>
+          <p:cNvPr id="6" name="Rectangle 2"/>
+          <p:cNvSpPr>
+            <a:spLocks noChangeArrowheads="1"/>
+          </p:cNvSpPr>
+          <p:nvPr/>
+        </p:nvSpPr>
+        <p:spPr bwMode="auto">
+          <a:xfrm>
+            <a:off x="0" y="4030718"/>
+            <a:ext cx="184731" cy="369332"/>
+          </a:xfrm>
+          <a:prstGeom prst="rect">
+            <a:avLst/>
+          </a:prstGeom>
+          <a:solidFill>
+            <a:srgbClr val="FFFFFF"/>
+          </a:solidFill>
+          <a:ln>
+            <a:noFill/>
+          </a:ln>
+          <a:effectLst/>
+          <a:extLst>
+            <a:ext uri="{91240B29-F687-4F45-9708-019B960494DF}">
+              <a14:hiddenLine xmlns:a14="http://schemas.microsoft.com/office/drawing/2010/main" w="9525">
+                <a:solidFill>
+                  <a:schemeClr val="tx1"/>
+                </a:solidFill>
+                <a:miter lim="800000"/>
+                <a:headEnd/>
+                <a:tailEnd/>
+              </a14:hiddenLine>
+            </a:ext>
+            <a:ext uri="{AF507438-7753-43E0-B8FC-AC1667EBCBE1}">
+              <a14:hiddenEffects xmlns:a14="http://schemas.microsoft.com/office/drawing/2010/main">
+                <a:effectLst>
+                  <a:outerShdw dist="35921" dir="2700000" algn="ctr" rotWithShape="0">
+                    <a:schemeClr val="bg2"/>
+                  </a:outerShdw>
+                </a:effectLst>
+              </a14:hiddenEffects>
+            </a:ext>
+          </a:extLst>
+        </p:spPr>
+        <p:txBody>
+          <a:bodyPr vert="horz" wrap="none" lIns="91440" tIns="45720" rIns="91440" bIns="45720" numCol="1" anchor="ctr" anchorCtr="0" compatLnSpc="1">
+            <a:prstTxWarp prst="textNoShape">
+              <a:avLst/>
+            </a:prstTxWarp>
+            <a:spAutoFit/>
+          </a:bodyPr>
+          <a:lstStyle/>
+          <a:p>
+            <a:pPr marL="0" marR="0" lvl="0" indent="0" algn="l" defTabSz="914400" rtl="0" eaLnBrk="0" fontAlgn="base" latinLnBrk="0" hangingPunct="0">
+              <a:lnSpc>
+                <a:spcPct val="100000"/>
+              </a:lnSpc>
+              <a:spcBef>
+                <a:spcPct val="0"/>
+              </a:spcBef>
+              <a:spcAft>
+                <a:spcPct val="0"/>
+              </a:spcAft>
+              <a:buClrTx/>
+              <a:buSzTx/>
+              <a:buFontTx/>
+              <a:buNone/>
+              <a:tabLst/>
+            </a:pPr>
+            <a:endParaRPr kumimoji="0" lang="en-US" altLang="en-US" sz="1800" b="0" i="0" u="none" strike="noStrike" cap="none" normalizeH="0" baseline="0" smtClean="0">
+              <a:ln>
+                <a:noFill/>
+              </a:ln>
+              <a:solidFill>
+                <a:schemeClr val="tx1"/>
+              </a:solidFill>
+              <a:effectLst/>
+              <a:latin typeface="Arial" panose="020B0604020202020204" pitchFamily="34" charset="0"/>
+            </a:endParaRPr>
+          </a:p>
+        </p:txBody>
+      </p:sp>
+      <mc:AlternateContent xmlns:mc="http://schemas.openxmlformats.org/markup-compatibility/2006">
+        <mc:Choice xmlns:a14="http://schemas.microsoft.com/office/drawing/2010/main" Requires="a14">
+          <p:sp>
+            <p:nvSpPr>
+              <p:cNvPr id="8" name="Содержимое 1"/>
+              <p:cNvSpPr txBox="1">
+                <a:spLocks/>
+              </p:cNvSpPr>
+              <p:nvPr/>
+            </p:nvSpPr>
+            <p:spPr>
+              <a:xfrm>
+                <a:off x="838200" y="1178053"/>
+                <a:ext cx="4812792" cy="4997896"/>
+              </a:xfrm>
+              <a:prstGeom prst="rect">
+                <a:avLst/>
+              </a:prstGeom>
+            </p:spPr>
+            <p:txBody>
+              <a:bodyPr vert="horz" lIns="91440" tIns="45720" rIns="91440" bIns="45720" rtlCol="0">
+                <a:normAutofit/>
+              </a:bodyPr>
+              <a:lstStyle>
+                <a:lvl1pPr marL="228600" indent="-228600" algn="l" defTabSz="914400" rtl="0" eaLnBrk="1" latinLnBrk="0" hangingPunct="1">
+                  <a:lnSpc>
+                    <a:spcPct val="90000"/>
+                  </a:lnSpc>
+                  <a:spcBef>
+                    <a:spcPts val="1000"/>
+                  </a:spcBef>
+                  <a:buFont typeface="Wingdings" pitchFamily="2" charset="2"/>
+                  <a:buChar char="§"/>
+                  <a:defRPr sz="3600" kern="1200">
+                    <a:solidFill>
+                      <a:srgbClr val="273272"/>
+                    </a:solidFill>
+                    <a:latin typeface="+mn-lt"/>
+                    <a:ea typeface="+mn-ea"/>
+                    <a:cs typeface="+mn-cs"/>
+                  </a:defRPr>
+                </a:lvl1pPr>
+                <a:lvl2pPr marL="685800" indent="-228600" algn="l" defTabSz="914400" rtl="0" eaLnBrk="1" latinLnBrk="0" hangingPunct="1">
+                  <a:lnSpc>
+                    <a:spcPct val="90000"/>
+                  </a:lnSpc>
+                  <a:spcBef>
+                    <a:spcPts val="500"/>
+                  </a:spcBef>
+                  <a:buClr>
+                    <a:srgbClr val="F7B217"/>
+                  </a:buClr>
+                  <a:buFont typeface="Wingdings" pitchFamily="2" charset="2"/>
+                  <a:buChar char="§"/>
+                  <a:defRPr sz="3200" kern="1200">
+                    <a:solidFill>
+                      <a:srgbClr val="273272"/>
+                    </a:solidFill>
+                    <a:latin typeface="+mn-lt"/>
+                    <a:ea typeface="+mn-ea"/>
+                    <a:cs typeface="+mn-cs"/>
+                  </a:defRPr>
+                </a:lvl2pPr>
+                <a:lvl3pPr marL="1143000" indent="-228600" algn="l" defTabSz="914400" rtl="0" eaLnBrk="1" latinLnBrk="0" hangingPunct="1">
+                  <a:lnSpc>
+                    <a:spcPct val="90000"/>
+                  </a:lnSpc>
+                  <a:spcBef>
+                    <a:spcPts val="500"/>
+                  </a:spcBef>
+                  <a:buFont typeface="Wingdings" pitchFamily="2" charset="2"/>
+                  <a:buChar char="§"/>
+                  <a:defRPr sz="2400" kern="1200">
+                    <a:solidFill>
+                      <a:srgbClr val="273272"/>
+                    </a:solidFill>
+                    <a:latin typeface="+mn-lt"/>
+                    <a:ea typeface="+mn-ea"/>
+                    <a:cs typeface="+mn-cs"/>
+                  </a:defRPr>
+                </a:lvl3pPr>
+                <a:lvl4pPr marL="1600200" indent="-228600" algn="l" defTabSz="914400" rtl="0" eaLnBrk="1" latinLnBrk="0" hangingPunct="1">
+                  <a:lnSpc>
+                    <a:spcPct val="90000"/>
+                  </a:lnSpc>
+                  <a:spcBef>
+                    <a:spcPts val="500"/>
+                  </a:spcBef>
+                  <a:buFont typeface="Arial" panose="020B0604020202020204" pitchFamily="34" charset="0"/>
+                  <a:buChar char="•"/>
+                  <a:defRPr sz="2000" kern="1200">
+                    <a:solidFill>
+                      <a:srgbClr val="273272"/>
+                    </a:solidFill>
+                    <a:latin typeface="+mn-lt"/>
+                    <a:ea typeface="+mn-ea"/>
+                    <a:cs typeface="+mn-cs"/>
+                  </a:defRPr>
+                </a:lvl4pPr>
+                <a:lvl5pPr marL="2057400" indent="-228600" algn="l" defTabSz="914400" rtl="0" eaLnBrk="1" latinLnBrk="0" hangingPunct="1">
+                  <a:lnSpc>
+                    <a:spcPct val="90000"/>
+                  </a:lnSpc>
+                  <a:spcBef>
+                    <a:spcPts val="500"/>
+                  </a:spcBef>
+                  <a:buFont typeface="Arial" panose="020B0604020202020204" pitchFamily="34" charset="0"/>
+                  <a:buChar char="•"/>
+                  <a:defRPr sz="1800" kern="1200">
+                    <a:solidFill>
+                      <a:srgbClr val="273272"/>
+                    </a:solidFill>
+                    <a:latin typeface="+mn-lt"/>
+                    <a:ea typeface="+mn-ea"/>
+                    <a:cs typeface="+mn-cs"/>
+                  </a:defRPr>
+                </a:lvl5pPr>
+                <a:lvl6pPr marL="2514600" indent="-228600" algn="l" defTabSz="914400" rtl="0" eaLnBrk="1" latinLnBrk="0" hangingPunct="1">
+                  <a:lnSpc>
+                    <a:spcPct val="90000"/>
+                  </a:lnSpc>
+                  <a:spcBef>
+                    <a:spcPts val="500"/>
+                  </a:spcBef>
+                  <a:buFont typeface="Arial" panose="020B0604020202020204" pitchFamily="34" charset="0"/>
+                  <a:buChar char="•"/>
+                  <a:defRPr sz="1800" kern="1200">
+                    <a:solidFill>
+                      <a:schemeClr val="tx1"/>
+                    </a:solidFill>
+                    <a:latin typeface="+mn-lt"/>
+                    <a:ea typeface="+mn-ea"/>
+                    <a:cs typeface="+mn-cs"/>
+                  </a:defRPr>
+                </a:lvl6pPr>
+                <a:lvl7pPr marL="2971800" indent="-228600" algn="l" defTabSz="914400" rtl="0" eaLnBrk="1" latinLnBrk="0" hangingPunct="1">
+                  <a:lnSpc>
+                    <a:spcPct val="90000"/>
+                  </a:lnSpc>
+                  <a:spcBef>
+                    <a:spcPts val="500"/>
+                  </a:spcBef>
+                  <a:buFont typeface="Arial" panose="020B0604020202020204" pitchFamily="34" charset="0"/>
+                  <a:buChar char="•"/>
+                  <a:defRPr sz="1800" kern="1200">
+                    <a:solidFill>
+                      <a:schemeClr val="tx1"/>
+                    </a:solidFill>
+                    <a:latin typeface="+mn-lt"/>
+                    <a:ea typeface="+mn-ea"/>
+                    <a:cs typeface="+mn-cs"/>
+                  </a:defRPr>
+                </a:lvl7pPr>
+                <a:lvl8pPr marL="3429000" indent="-228600" algn="l" defTabSz="914400" rtl="0" eaLnBrk="1" latinLnBrk="0" hangingPunct="1">
+                  <a:lnSpc>
+                    <a:spcPct val="90000"/>
+                  </a:lnSpc>
+                  <a:spcBef>
+                    <a:spcPts val="500"/>
+                  </a:spcBef>
+                  <a:buFont typeface="Arial" panose="020B0604020202020204" pitchFamily="34" charset="0"/>
+                  <a:buChar char="•"/>
+                  <a:defRPr sz="1800" kern="1200">
+                    <a:solidFill>
+                      <a:schemeClr val="tx1"/>
+                    </a:solidFill>
+                    <a:latin typeface="+mn-lt"/>
+                    <a:ea typeface="+mn-ea"/>
+                    <a:cs typeface="+mn-cs"/>
+                  </a:defRPr>
+                </a:lvl8pPr>
+                <a:lvl9pPr marL="3886200" indent="-228600" algn="l" defTabSz="914400" rtl="0" eaLnBrk="1" latinLnBrk="0" hangingPunct="1">
+                  <a:lnSpc>
+                    <a:spcPct val="90000"/>
+                  </a:lnSpc>
+                  <a:spcBef>
+                    <a:spcPts val="500"/>
+                  </a:spcBef>
+                  <a:buFont typeface="Arial" panose="020B0604020202020204" pitchFamily="34" charset="0"/>
+                  <a:buChar char="•"/>
+                  <a:defRPr sz="1800" kern="1200">
+                    <a:solidFill>
+                      <a:schemeClr val="tx1"/>
+                    </a:solidFill>
+                    <a:latin typeface="+mn-lt"/>
+                    <a:ea typeface="+mn-ea"/>
+                    <a:cs typeface="+mn-cs"/>
+                  </a:defRPr>
+                </a:lvl9pPr>
+              </a:lstStyle>
+              <a:p>
+                <a:pPr marL="0" indent="0" algn="ctr">
+                  <a:lnSpc>
+                    <a:spcPct val="100000"/>
+                  </a:lnSpc>
+                  <a:buNone/>
+                </a:pPr>
+                <a:r>
+                  <a:rPr lang="en-US" sz="4800" b="1" smtClean="0">
+                    <a:solidFill>
+                      <a:srgbClr val="F7B217"/>
+                    </a:solidFill>
+                  </a:rPr>
+                  <a:t>Python</a:t>
+                </a:r>
+              </a:p>
+              <a:p>
+                <a:pPr marL="0" indent="0">
+                  <a:lnSpc>
+                    <a:spcPct val="100000"/>
+                  </a:lnSpc>
+                  <a:buNone/>
+                </a:pPr>
+                <a:r>
+                  <a:rPr lang="en-US" sz="3200" b="1" smtClean="0"/>
+                  <a:t>Floating-point operations:</a:t>
+                </a:r>
+              </a:p>
+              <a:p>
+                <a:pPr marL="0" indent="0">
+                  <a:lnSpc>
+                    <a:spcPct val="100000"/>
+                  </a:lnSpc>
+                  <a:buNone/>
+                </a:pPr>
+                <a14:m>
+                  <m:oMath xmlns:m="http://schemas.openxmlformats.org/officeDocument/2006/math">
+                    <m:sSup>
+                      <m:sSupPr>
+                        <m:ctrlPr>
+                          <a:rPr lang="en-US" sz="3200" i="1" smtClean="0">
+                            <a:latin typeface="Cambria Math" panose="02040503050406030204" pitchFamily="18" charset="0"/>
+                          </a:rPr>
+                        </m:ctrlPr>
+                      </m:sSupPr>
+                      <m:e>
+                        <m:r>
+                          <a:rPr lang="en-US" sz="3200" b="0" i="1" smtClean="0">
+                            <a:latin typeface="Cambria Math" panose="02040503050406030204" pitchFamily="18" charset="0"/>
+                          </a:rPr>
+                          <m:t>2∗</m:t>
+                        </m:r>
+                        <m:r>
+                          <a:rPr lang="en-US" sz="3200" b="0" i="1" smtClean="0">
+                            <a:latin typeface="Cambria Math" panose="02040503050406030204" pitchFamily="18" charset="0"/>
+                          </a:rPr>
+                          <m:t>𝑛</m:t>
+                        </m:r>
+                      </m:e>
+                      <m:sup>
+                        <m:r>
+                          <a:rPr lang="en-US" sz="3200" b="0" i="1" smtClean="0">
+                            <a:latin typeface="Cambria Math" panose="02040503050406030204" pitchFamily="18" charset="0"/>
+                          </a:rPr>
+                          <m:t>3</m:t>
+                        </m:r>
+                      </m:sup>
+                    </m:sSup>
+                    <m:r>
+                      <a:rPr lang="en-US" sz="3200" i="1" smtClean="0">
+                        <a:latin typeface="Cambria Math" panose="02040503050406030204" pitchFamily="18" charset="0"/>
+                      </a:rPr>
+                      <m:t>=</m:t>
+                    </m:r>
+                  </m:oMath>
+                </a14:m>
+                <a:r>
+                  <a:rPr lang="en-US" sz="3200" smtClean="0"/>
+                  <a:t> </a:t>
+                </a:r>
+                <a14:m>
+                  <m:oMath xmlns:m="http://schemas.openxmlformats.org/officeDocument/2006/math">
+                    <m:sSup>
+                      <m:sSupPr>
+                        <m:ctrlPr>
+                          <a:rPr lang="en-US" sz="3200" i="1">
+                            <a:latin typeface="Cambria Math" panose="02040503050406030204" pitchFamily="18" charset="0"/>
+                          </a:rPr>
+                        </m:ctrlPr>
+                      </m:sSupPr>
+                      <m:e>
+                        <m:r>
+                          <a:rPr lang="en-US" sz="3200" b="0" i="1" smtClean="0">
+                            <a:latin typeface="Cambria Math" panose="02040503050406030204" pitchFamily="18" charset="0"/>
+                          </a:rPr>
+                          <m:t>2∗(</m:t>
+                        </m:r>
+                        <m:sSup>
+                          <m:sSupPr>
+                            <m:ctrlPr>
+                              <a:rPr lang="en-US" sz="3200" i="1">
+                                <a:latin typeface="Cambria Math" panose="02040503050406030204" pitchFamily="18" charset="0"/>
+                              </a:rPr>
+                            </m:ctrlPr>
+                          </m:sSupPr>
+                          <m:e>
+                            <m:r>
+                              <a:rPr lang="en-US" sz="3200" b="0" i="1" smtClean="0">
+                                <a:latin typeface="Cambria Math" panose="02040503050406030204" pitchFamily="18" charset="0"/>
+                              </a:rPr>
+                              <m:t>2</m:t>
+                            </m:r>
+                          </m:e>
+                          <m:sup>
+                            <m:r>
+                              <a:rPr lang="en-US" sz="3200" b="0" i="1" smtClean="0">
+                                <a:latin typeface="Cambria Math" panose="02040503050406030204" pitchFamily="18" charset="0"/>
+                              </a:rPr>
+                              <m:t>10</m:t>
+                            </m:r>
+                          </m:sup>
+                        </m:sSup>
+                        <m:r>
+                          <a:rPr lang="en-US" sz="3200" b="0" i="1" smtClean="0">
+                            <a:latin typeface="Cambria Math" panose="02040503050406030204" pitchFamily="18" charset="0"/>
+                          </a:rPr>
+                          <m:t>)</m:t>
+                        </m:r>
+                      </m:e>
+                      <m:sup>
+                        <m:r>
+                          <a:rPr lang="en-US" sz="3200" b="0" i="1" smtClean="0">
+                            <a:latin typeface="Cambria Math" panose="02040503050406030204" pitchFamily="18" charset="0"/>
+                          </a:rPr>
+                          <m:t>3</m:t>
+                        </m:r>
+                      </m:sup>
+                    </m:sSup>
+                  </m:oMath>
+                </a14:m>
+                <a:r>
+                  <a:rPr lang="en-US" sz="3200" smtClean="0"/>
+                  <a:t> = </a:t>
+                </a:r>
+                <a14:m>
+                  <m:oMath xmlns:m="http://schemas.openxmlformats.org/officeDocument/2006/math">
+                    <m:sSup>
+                      <m:sSupPr>
+                        <m:ctrlPr>
+                          <a:rPr lang="en-US" sz="3200" i="1">
+                            <a:latin typeface="Cambria Math" panose="02040503050406030204" pitchFamily="18" charset="0"/>
+                          </a:rPr>
+                        </m:ctrlPr>
+                      </m:sSupPr>
+                      <m:e>
+                        <m:r>
+                          <a:rPr lang="en-US" sz="3200" i="1">
+                            <a:latin typeface="Cambria Math" panose="02040503050406030204" pitchFamily="18" charset="0"/>
+                          </a:rPr>
+                          <m:t>2</m:t>
+                        </m:r>
+                      </m:e>
+                      <m:sup>
+                        <m:r>
+                          <a:rPr lang="en-US" sz="3200" b="0" i="1" smtClean="0">
+                            <a:latin typeface="Cambria Math" panose="02040503050406030204" pitchFamily="18" charset="0"/>
+                          </a:rPr>
+                          <m:t>31</m:t>
+                        </m:r>
+                      </m:sup>
+                    </m:sSup>
+                  </m:oMath>
+                </a14:m>
+                <a:endParaRPr lang="en-US" sz="3200" smtClean="0"/>
+              </a:p>
+              <a:p>
+                <a:pPr marL="0" indent="0">
+                  <a:lnSpc>
+                    <a:spcPct val="100000"/>
+                  </a:lnSpc>
+                  <a:spcBef>
+                    <a:spcPts val="1800"/>
+                  </a:spcBef>
+                  <a:buNone/>
+                </a:pPr>
+                <a:r>
+                  <a:rPr lang="en-US" sz="3200" b="1" smtClean="0"/>
+                  <a:t>Running time:</a:t>
+                </a:r>
+              </a:p>
+              <a:p>
+                <a:pPr marL="0" indent="0">
+                  <a:lnSpc>
+                    <a:spcPct val="100000"/>
+                  </a:lnSpc>
+                  <a:buNone/>
+                </a:pPr>
+                <a:endParaRPr lang="en-US" sz="3200" smtClean="0"/>
+              </a:p>
+              <a:p>
+                <a:pPr marL="0" indent="0">
+                  <a:lnSpc>
+                    <a:spcPct val="100000"/>
+                  </a:lnSpc>
+                  <a:buNone/>
+                </a:pPr>
+                <a:r>
+                  <a:rPr lang="en-US" sz="3200" b="1" smtClean="0"/>
+                  <a:t>Performance:</a:t>
+                </a:r>
+              </a:p>
+              <a:p>
+                <a:pPr marL="0" indent="0">
+                  <a:lnSpc>
+                    <a:spcPct val="150000"/>
+                  </a:lnSpc>
+                  <a:buNone/>
+                </a:pPr>
+                <a:endParaRPr lang="en-US"/>
+              </a:p>
+              <a:p>
+                <a:pPr marL="0" indent="0">
+                  <a:lnSpc>
+                    <a:spcPct val="150000"/>
+                  </a:lnSpc>
+                  <a:buNone/>
+                </a:pPr>
+                <a:endParaRPr lang="en-US" smtClean="0"/>
+              </a:p>
+              <a:p>
+                <a:pPr marL="0" indent="0">
+                  <a:lnSpc>
+                    <a:spcPct val="150000"/>
+                  </a:lnSpc>
+                  <a:buNone/>
+                </a:pPr>
+                <a:endParaRPr lang="en-US"/>
+              </a:p>
+            </p:txBody>
+          </p:sp>
+        </mc:Choice>
+        <mc:Fallback>
+          <p:sp>
+            <p:nvSpPr>
+              <p:cNvPr id="8" name="Содержимое 1"/>
+              <p:cNvSpPr txBox="1">
+                <a:spLocks noRot="1" noChangeAspect="1" noMove="1" noResize="1" noEditPoints="1" noAdjustHandles="1" noChangeArrowheads="1" noChangeShapeType="1" noTextEdit="1"/>
+              </p:cNvSpPr>
+              <p:nvPr/>
+            </p:nvSpPr>
+            <p:spPr>
+              <a:xfrm>
+                <a:off x="838200" y="1178053"/>
+                <a:ext cx="4812792" cy="4997896"/>
+              </a:xfrm>
+              <a:prstGeom prst="rect">
+                <a:avLst/>
+              </a:prstGeom>
+              <a:blipFill rotWithShape="0">
+                <a:blip r:embed="rId2"/>
+                <a:stretch>
+                  <a:fillRect l="-3295" t="-2683"/>
+                </a:stretch>
+              </a:blipFill>
+            </p:spPr>
+            <p:txBody>
+              <a:bodyPr/>
+              <a:lstStyle/>
+              <a:p>
+                <a:r>
+                  <a:rPr lang="en-US">
+                    <a:noFill/>
+                  </a:rPr>
+                  <a:t> </a:t>
+                </a:r>
+              </a:p>
+            </p:txBody>
+          </p:sp>
+        </mc:Fallback>
+      </mc:AlternateContent>
+    </p:spTree>
+    <p:extLst>
+      <p:ext uri="{BB962C8B-B14F-4D97-AF65-F5344CB8AC3E}">
+        <p14:creationId xmlns:p14="http://schemas.microsoft.com/office/powerpoint/2010/main" val="611271091"/>
+      </p:ext>
+    </p:extLst>
+  </p:cSld>
+  <p:clrMapOvr>
+    <a:masterClrMapping/>
+  </p:clrMapOvr>
+  <p:timing>
+    <p:tnLst>
+      <p:par>
+        <p:cTn id="1" dur="indefinite" restart="never" nodeType="tmRoot"/>
+      </p:par>
+    </p:tnLst>
+  </p:timing>
+</p:sld>
+</file>
+
+<file path=ppt/slides/slide7.xml><?xml version="1.0" encoding="utf-8"?>
+<p:sld xmlns:a="http://schemas.openxmlformats.org/drawingml/2006/main" xmlns:r="http://schemas.openxmlformats.org/officeDocument/2006/relationships" xmlns:p="http://schemas.openxmlformats.org/presentationml/2006/main">
+  <p:cSld>
+    <p:spTree>
+      <p:nvGrpSpPr>
+        <p:cNvPr id="1" name=""/>
+        <p:cNvGrpSpPr/>
+        <p:nvPr/>
+      </p:nvGrpSpPr>
+      <p:grpSpPr>
+        <a:xfrm>
+          <a:off x="0" y="0"/>
+          <a:ext cx="0" cy="0"/>
+          <a:chOff x="0" y="0"/>
+          <a:chExt cx="0" cy="0"/>
+        </a:xfrm>
+      </p:grpSpPr>
+      <p:sp>
+        <p:nvSpPr>
+          <p:cNvPr id="3" name="Slide Number Placeholder 2"/>
+          <p:cNvSpPr>
+            <a:spLocks noGrp="1"/>
+          </p:cNvSpPr>
+          <p:nvPr>
+            <p:ph type="sldNum" sz="quarter" idx="12"/>
+          </p:nvPr>
+        </p:nvSpPr>
+        <p:spPr/>
+        <p:txBody>
+          <a:bodyPr/>
+          <a:lstStyle/>
+          <a:p>
+            <a:pPr algn="ctr"/>
+            <a:fld id="{1397BFD8-F312-4EF2-A268-44FB4BDDBBB0}" type="slidenum">
+              <a:rPr lang="ru-RU" smtClean="0"/>
+              <a:pPr algn="ctr"/>
+              <a:t>7</a:t>
+            </a:fld>
+            <a:endParaRPr lang="ru-RU" dirty="0"/>
+          </a:p>
+        </p:txBody>
+      </p:sp>
+      <p:sp>
+        <p:nvSpPr>
+          <p:cNvPr id="4" name="Title 3"/>
+          <p:cNvSpPr>
+            <a:spLocks noGrp="1"/>
+          </p:cNvSpPr>
+          <p:nvPr>
+            <p:ph type="title"/>
+          </p:nvPr>
+        </p:nvSpPr>
+        <p:spPr/>
+        <p:txBody>
+          <a:bodyPr/>
+          <a:lstStyle/>
+          <a:p>
+            <a:r>
+              <a:rPr lang="en-US" smtClean="0"/>
+              <a:t>Performance: </a:t>
+            </a:r>
+            <a:r>
+              <a:rPr lang="en-US"/>
+              <a:t>Matrix </a:t>
+            </a:r>
+            <a:r>
+              <a:rPr lang="en-US" smtClean="0"/>
+              <a:t>Multiplication </a:t>
+            </a:r>
+            <a:r>
+              <a:rPr lang="en-US"/>
+              <a:t>(</a:t>
+            </a:r>
+            <a:r>
+              <a:rPr lang="en-US"/>
+              <a:t>part </a:t>
+            </a:r>
+            <a:r>
+              <a:rPr lang="en-US" smtClean="0"/>
+              <a:t>2)</a:t>
+            </a:r>
+            <a:endParaRPr lang="en-US"/>
+          </a:p>
+        </p:txBody>
+      </p:sp>
+      <p:sp>
+        <p:nvSpPr>
+          <p:cNvPr id="5" name="Rectangle 3"/>
+          <p:cNvSpPr>
+            <a:spLocks noGrp="1" noChangeArrowheads="1"/>
+          </p:cNvSpPr>
+          <p:nvPr>
+            <p:ph idx="1"/>
+          </p:nvPr>
+        </p:nvSpPr>
+        <p:spPr bwMode="auto">
+          <a:xfrm>
+            <a:off x="5465065" y="1150630"/>
+            <a:ext cx="5379719" cy="5133713"/>
+          </a:xfrm>
+          <a:prstGeom prst="rect">
+            <a:avLst/>
+          </a:prstGeom>
+          <a:solidFill>
+            <a:srgbClr val="FFFFFF"/>
+          </a:solidFill>
+          <a:ln>
+            <a:noFill/>
+          </a:ln>
+          <a:effectLst/>
+          <a:extLst>
+            <a:ext uri="{91240B29-F687-4F45-9708-019B960494DF}">
+              <a14:hiddenLine xmlns:a14="http://schemas.microsoft.com/office/drawing/2010/main" w="9525">
+                <a:solidFill>
+                  <a:schemeClr val="tx1"/>
+                </a:solidFill>
+                <a:miter lim="800000"/>
+                <a:headEnd/>
+                <a:tailEnd/>
+              </a14:hiddenLine>
+            </a:ext>
+            <a:ext uri="{AF507438-7753-43E0-B8FC-AC1667EBCBE1}">
+              <a14:hiddenEffects xmlns:a14="http://schemas.microsoft.com/office/drawing/2010/main">
+                <a:effectLst>
+                  <a:outerShdw dist="35921" dir="2700000" algn="ctr" rotWithShape="0">
+                    <a:schemeClr val="bg2"/>
+                  </a:outerShdw>
+                </a:effectLst>
+              </a14:hiddenEffects>
+            </a:ext>
+          </a:extLst>
+        </p:spPr>
+        <p:txBody>
+          <a:bodyPr vert="horz" wrap="square" lIns="91440" tIns="45720" rIns="91440" bIns="45720" numCol="1" anchor="ctr" anchorCtr="0" compatLnSpc="1">
+            <a:prstTxWarp prst="textNoShape">
+              <a:avLst/>
+            </a:prstTxWarp>
+            <a:spAutoFit/>
+          </a:bodyPr>
+          <a:lstStyle/>
+          <a:p>
+            <a:pPr marL="0" lvl="0" indent="0" eaLnBrk="0" fontAlgn="base" hangingPunct="0">
+              <a:spcBef>
+                <a:spcPct val="0"/>
+              </a:spcBef>
+              <a:spcAft>
+                <a:spcPct val="0"/>
+              </a:spcAft>
+              <a:buNone/>
+            </a:pPr>
+            <a:r>
+              <a:rPr lang="en-US" altLang="en-US" sz="1400" b="1" smtClean="0">
+                <a:solidFill>
+                  <a:srgbClr val="000080"/>
+                </a:solidFill>
+                <a:latin typeface="Consolas" panose="020B0609020204030204" pitchFamily="49" charset="0"/>
+              </a:rPr>
+              <a:t>public </a:t>
+            </a:r>
+            <a:r>
+              <a:rPr lang="en-US" altLang="en-US" sz="1400" b="1">
+                <a:solidFill>
+                  <a:srgbClr val="000080"/>
+                </a:solidFill>
+                <a:latin typeface="Consolas" panose="020B0609020204030204" pitchFamily="49" charset="0"/>
+              </a:rPr>
+              <a:t>class </a:t>
+            </a:r>
+            <a:r>
+              <a:rPr lang="en-US" altLang="en-US" sz="1400">
+                <a:solidFill>
+                  <a:srgbClr val="000000"/>
+                </a:solidFill>
+                <a:latin typeface="Consolas" panose="020B0609020204030204" pitchFamily="49" charset="0"/>
+              </a:rPr>
+              <a:t>Matrix {</a:t>
+            </a:r>
+            <a:br>
+              <a:rPr lang="en-US" altLang="en-US" sz="1400">
+                <a:solidFill>
+                  <a:srgbClr val="000000"/>
+                </a:solidFill>
+                <a:latin typeface="Consolas" panose="020B0609020204030204" pitchFamily="49" charset="0"/>
+              </a:rPr>
+            </a:br>
+            <a:r>
+              <a:rPr lang="en-US" altLang="en-US" sz="1400">
+                <a:solidFill>
+                  <a:srgbClr val="000000"/>
+                </a:solidFill>
+                <a:latin typeface="Consolas" panose="020B0609020204030204" pitchFamily="49" charset="0"/>
+              </a:rPr>
+              <a:t>    </a:t>
+            </a:r>
+            <a:r>
+              <a:rPr lang="en-US" altLang="en-US" sz="1400" b="1">
+                <a:solidFill>
+                  <a:srgbClr val="000080"/>
+                </a:solidFill>
+                <a:latin typeface="Consolas" panose="020B0609020204030204" pitchFamily="49" charset="0"/>
+              </a:rPr>
+              <a:t>static </a:t>
+            </a:r>
+            <a:r>
+              <a:rPr lang="en-US" altLang="en-US" sz="1400" b="1" smtClean="0">
+                <a:solidFill>
+                  <a:srgbClr val="000080"/>
+                </a:solidFill>
+                <a:latin typeface="Consolas" panose="020B0609020204030204" pitchFamily="49" charset="0"/>
+              </a:rPr>
+              <a:t>int </a:t>
+            </a:r>
+            <a:r>
+              <a:rPr lang="en-US" altLang="en-US" sz="1400" b="1" i="1">
+                <a:solidFill>
+                  <a:srgbClr val="660E7A"/>
+                </a:solidFill>
+                <a:latin typeface="Consolas" panose="020B0609020204030204" pitchFamily="49" charset="0"/>
+              </a:rPr>
+              <a:t>n </a:t>
+            </a:r>
+            <a:r>
+              <a:rPr lang="en-US" altLang="en-US" sz="1400">
+                <a:solidFill>
+                  <a:srgbClr val="000000"/>
+                </a:solidFill>
+                <a:latin typeface="Consolas" panose="020B0609020204030204" pitchFamily="49" charset="0"/>
+              </a:rPr>
+              <a:t>= </a:t>
+            </a:r>
+            <a:r>
+              <a:rPr lang="en-US" altLang="en-US" sz="1400">
+                <a:solidFill>
+                  <a:srgbClr val="0000FF"/>
+                </a:solidFill>
+                <a:latin typeface="Consolas" panose="020B0609020204030204" pitchFamily="49" charset="0"/>
+              </a:rPr>
+              <a:t>1024</a:t>
+            </a:r>
+            <a:r>
+              <a:rPr lang="en-US" altLang="en-US" sz="1400">
+                <a:solidFill>
+                  <a:srgbClr val="000000"/>
+                </a:solidFill>
+                <a:latin typeface="Consolas" panose="020B0609020204030204" pitchFamily="49" charset="0"/>
+              </a:rPr>
+              <a:t>;</a:t>
+            </a:r>
+            <a:br>
+              <a:rPr lang="en-US" altLang="en-US" sz="1400">
+                <a:solidFill>
+                  <a:srgbClr val="000000"/>
+                </a:solidFill>
+                <a:latin typeface="Consolas" panose="020B0609020204030204" pitchFamily="49" charset="0"/>
+              </a:rPr>
+            </a:br>
+            <a:r>
+              <a:rPr lang="en-US" altLang="en-US" sz="1400">
+                <a:solidFill>
+                  <a:srgbClr val="000000"/>
+                </a:solidFill>
+                <a:latin typeface="Consolas" panose="020B0609020204030204" pitchFamily="49" charset="0"/>
+              </a:rPr>
+              <a:t>    </a:t>
+            </a:r>
+            <a:r>
+              <a:rPr lang="en-US" altLang="en-US" sz="1400" b="1">
+                <a:solidFill>
+                  <a:srgbClr val="000080"/>
+                </a:solidFill>
+                <a:latin typeface="Consolas" panose="020B0609020204030204" pitchFamily="49" charset="0"/>
+              </a:rPr>
+              <a:t>static </a:t>
+            </a:r>
+            <a:r>
+              <a:rPr lang="en-US" altLang="en-US" sz="1400" b="1" smtClean="0">
+                <a:solidFill>
+                  <a:srgbClr val="000080"/>
+                </a:solidFill>
+                <a:latin typeface="Consolas" panose="020B0609020204030204" pitchFamily="49" charset="0"/>
+              </a:rPr>
+              <a:t>double</a:t>
+            </a:r>
+            <a:r>
+              <a:rPr lang="en-US" altLang="en-US" sz="1400">
+                <a:solidFill>
+                  <a:srgbClr val="000000"/>
+                </a:solidFill>
+                <a:latin typeface="Consolas" panose="020B0609020204030204" pitchFamily="49" charset="0"/>
+              </a:rPr>
+              <a:t>[][] </a:t>
+            </a:r>
+            <a:r>
+              <a:rPr lang="en-US" altLang="en-US" sz="1400" b="1" i="1">
+                <a:solidFill>
+                  <a:srgbClr val="660E7A"/>
+                </a:solidFill>
+                <a:latin typeface="Consolas" panose="020B0609020204030204" pitchFamily="49" charset="0"/>
+              </a:rPr>
+              <a:t>A </a:t>
+            </a:r>
+            <a:r>
+              <a:rPr lang="en-US" altLang="en-US" sz="1400">
+                <a:solidFill>
+                  <a:srgbClr val="000000"/>
+                </a:solidFill>
+                <a:latin typeface="Consolas" panose="020B0609020204030204" pitchFamily="49" charset="0"/>
+              </a:rPr>
+              <a:t>= </a:t>
+            </a:r>
+            <a:r>
+              <a:rPr lang="en-US" altLang="en-US" sz="1400" b="1">
+                <a:solidFill>
+                  <a:srgbClr val="000080"/>
+                </a:solidFill>
+                <a:latin typeface="Consolas" panose="020B0609020204030204" pitchFamily="49" charset="0"/>
+              </a:rPr>
+              <a:t>new double</a:t>
+            </a:r>
+            <a:r>
+              <a:rPr lang="en-US" altLang="en-US" sz="1400">
+                <a:solidFill>
+                  <a:srgbClr val="000000"/>
+                </a:solidFill>
+                <a:latin typeface="Consolas" panose="020B0609020204030204" pitchFamily="49" charset="0"/>
+              </a:rPr>
+              <a:t>[</a:t>
+            </a:r>
+            <a:r>
+              <a:rPr lang="en-US" altLang="en-US" sz="1400" b="1" i="1">
+                <a:solidFill>
+                  <a:srgbClr val="660E7A"/>
+                </a:solidFill>
+                <a:latin typeface="Consolas" panose="020B0609020204030204" pitchFamily="49" charset="0"/>
+              </a:rPr>
+              <a:t>n</a:t>
+            </a:r>
+            <a:r>
+              <a:rPr lang="en-US" altLang="en-US" sz="1400">
+                <a:solidFill>
+                  <a:srgbClr val="000000"/>
+                </a:solidFill>
+                <a:latin typeface="Consolas" panose="020B0609020204030204" pitchFamily="49" charset="0"/>
+              </a:rPr>
+              <a:t>][</a:t>
+            </a:r>
+            <a:r>
+              <a:rPr lang="en-US" altLang="en-US" sz="1400" b="1" i="1">
+                <a:solidFill>
+                  <a:srgbClr val="660E7A"/>
+                </a:solidFill>
+                <a:latin typeface="Consolas" panose="020B0609020204030204" pitchFamily="49" charset="0"/>
+              </a:rPr>
+              <a:t>n</a:t>
+            </a:r>
+            <a:r>
+              <a:rPr lang="en-US" altLang="en-US" sz="1400">
+                <a:solidFill>
+                  <a:srgbClr val="000000"/>
+                </a:solidFill>
+                <a:latin typeface="Consolas" panose="020B0609020204030204" pitchFamily="49" charset="0"/>
+              </a:rPr>
+              <a:t>];</a:t>
+            </a:r>
+            <a:br>
+              <a:rPr lang="en-US" altLang="en-US" sz="1400">
+                <a:solidFill>
+                  <a:srgbClr val="000000"/>
+                </a:solidFill>
+                <a:latin typeface="Consolas" panose="020B0609020204030204" pitchFamily="49" charset="0"/>
+              </a:rPr>
+            </a:br>
+            <a:r>
+              <a:rPr lang="en-US" altLang="en-US" sz="1400">
+                <a:solidFill>
+                  <a:srgbClr val="000000"/>
+                </a:solidFill>
+                <a:latin typeface="Consolas" panose="020B0609020204030204" pitchFamily="49" charset="0"/>
+              </a:rPr>
+              <a:t>    </a:t>
+            </a:r>
+            <a:r>
+              <a:rPr lang="en-US" altLang="en-US" sz="1400" b="1">
+                <a:solidFill>
+                  <a:srgbClr val="000080"/>
+                </a:solidFill>
+                <a:latin typeface="Consolas" panose="020B0609020204030204" pitchFamily="49" charset="0"/>
+              </a:rPr>
+              <a:t>static </a:t>
+            </a:r>
+            <a:r>
+              <a:rPr lang="en-US" altLang="en-US" sz="1400" b="1" smtClean="0">
+                <a:solidFill>
+                  <a:srgbClr val="000080"/>
+                </a:solidFill>
+                <a:latin typeface="Consolas" panose="020B0609020204030204" pitchFamily="49" charset="0"/>
+              </a:rPr>
+              <a:t>double</a:t>
+            </a:r>
+            <a:r>
+              <a:rPr lang="en-US" altLang="en-US" sz="1400">
+                <a:solidFill>
+                  <a:srgbClr val="000000"/>
+                </a:solidFill>
+                <a:latin typeface="Consolas" panose="020B0609020204030204" pitchFamily="49" charset="0"/>
+              </a:rPr>
+              <a:t>[][] </a:t>
+            </a:r>
+            <a:r>
+              <a:rPr lang="en-US" altLang="en-US" sz="1400" b="1" i="1">
+                <a:solidFill>
+                  <a:srgbClr val="660E7A"/>
+                </a:solidFill>
+                <a:latin typeface="Consolas" panose="020B0609020204030204" pitchFamily="49" charset="0"/>
+              </a:rPr>
+              <a:t>B </a:t>
+            </a:r>
+            <a:r>
+              <a:rPr lang="en-US" altLang="en-US" sz="1400">
+                <a:solidFill>
+                  <a:srgbClr val="000000"/>
+                </a:solidFill>
+                <a:latin typeface="Consolas" panose="020B0609020204030204" pitchFamily="49" charset="0"/>
+              </a:rPr>
+              <a:t>= </a:t>
+            </a:r>
+            <a:r>
+              <a:rPr lang="en-US" altLang="en-US" sz="1400" b="1">
+                <a:solidFill>
+                  <a:srgbClr val="000080"/>
+                </a:solidFill>
+                <a:latin typeface="Consolas" panose="020B0609020204030204" pitchFamily="49" charset="0"/>
+              </a:rPr>
+              <a:t>new double</a:t>
+            </a:r>
+            <a:r>
+              <a:rPr lang="en-US" altLang="en-US" sz="1400">
+                <a:solidFill>
+                  <a:srgbClr val="000000"/>
+                </a:solidFill>
+                <a:latin typeface="Consolas" panose="020B0609020204030204" pitchFamily="49" charset="0"/>
+              </a:rPr>
+              <a:t>[</a:t>
+            </a:r>
+            <a:r>
+              <a:rPr lang="en-US" altLang="en-US" sz="1400" b="1" i="1">
+                <a:solidFill>
+                  <a:srgbClr val="660E7A"/>
+                </a:solidFill>
+                <a:latin typeface="Consolas" panose="020B0609020204030204" pitchFamily="49" charset="0"/>
+              </a:rPr>
+              <a:t>n</a:t>
+            </a:r>
+            <a:r>
+              <a:rPr lang="en-US" altLang="en-US" sz="1400">
+                <a:solidFill>
+                  <a:srgbClr val="000000"/>
+                </a:solidFill>
+                <a:latin typeface="Consolas" panose="020B0609020204030204" pitchFamily="49" charset="0"/>
+              </a:rPr>
+              <a:t>][</a:t>
+            </a:r>
+            <a:r>
+              <a:rPr lang="en-US" altLang="en-US" sz="1400" b="1" i="1">
+                <a:solidFill>
+                  <a:srgbClr val="660E7A"/>
+                </a:solidFill>
+                <a:latin typeface="Consolas" panose="020B0609020204030204" pitchFamily="49" charset="0"/>
+              </a:rPr>
+              <a:t>n</a:t>
+            </a:r>
+            <a:r>
+              <a:rPr lang="en-US" altLang="en-US" sz="1400">
+                <a:solidFill>
+                  <a:srgbClr val="000000"/>
+                </a:solidFill>
+                <a:latin typeface="Consolas" panose="020B0609020204030204" pitchFamily="49" charset="0"/>
+              </a:rPr>
+              <a:t>];</a:t>
+            </a:r>
+            <a:br>
+              <a:rPr lang="en-US" altLang="en-US" sz="1400">
+                <a:solidFill>
+                  <a:srgbClr val="000000"/>
+                </a:solidFill>
+                <a:latin typeface="Consolas" panose="020B0609020204030204" pitchFamily="49" charset="0"/>
+              </a:rPr>
+            </a:br>
+            <a:r>
+              <a:rPr lang="en-US" altLang="en-US" sz="1400">
+                <a:solidFill>
+                  <a:srgbClr val="000000"/>
+                </a:solidFill>
+                <a:latin typeface="Consolas" panose="020B0609020204030204" pitchFamily="49" charset="0"/>
+              </a:rPr>
+              <a:t>    </a:t>
+            </a:r>
+            <a:r>
+              <a:rPr lang="en-US" altLang="en-US" sz="1400" b="1">
+                <a:solidFill>
+                  <a:srgbClr val="000080"/>
+                </a:solidFill>
+                <a:latin typeface="Consolas" panose="020B0609020204030204" pitchFamily="49" charset="0"/>
+              </a:rPr>
+              <a:t>static </a:t>
+            </a:r>
+            <a:r>
+              <a:rPr lang="en-US" altLang="en-US" sz="1400" b="1" smtClean="0">
+                <a:solidFill>
+                  <a:srgbClr val="000080"/>
+                </a:solidFill>
+                <a:latin typeface="Consolas" panose="020B0609020204030204" pitchFamily="49" charset="0"/>
+              </a:rPr>
+              <a:t>double</a:t>
+            </a:r>
+            <a:r>
+              <a:rPr lang="en-US" altLang="en-US" sz="1400">
+                <a:solidFill>
+                  <a:srgbClr val="000000"/>
+                </a:solidFill>
+                <a:latin typeface="Consolas" panose="020B0609020204030204" pitchFamily="49" charset="0"/>
+              </a:rPr>
+              <a:t>[][] </a:t>
+            </a:r>
+            <a:r>
+              <a:rPr lang="en-US" altLang="en-US" sz="1400" b="1" i="1">
+                <a:solidFill>
+                  <a:srgbClr val="660E7A"/>
+                </a:solidFill>
+                <a:latin typeface="Consolas" panose="020B0609020204030204" pitchFamily="49" charset="0"/>
+              </a:rPr>
+              <a:t>C </a:t>
+            </a:r>
+            <a:r>
+              <a:rPr lang="en-US" altLang="en-US" sz="1400">
+                <a:solidFill>
+                  <a:srgbClr val="000000"/>
+                </a:solidFill>
+                <a:latin typeface="Consolas" panose="020B0609020204030204" pitchFamily="49" charset="0"/>
+              </a:rPr>
+              <a:t>= </a:t>
+            </a:r>
+            <a:r>
+              <a:rPr lang="en-US" altLang="en-US" sz="1400" b="1">
+                <a:solidFill>
+                  <a:srgbClr val="000080"/>
+                </a:solidFill>
+                <a:latin typeface="Consolas" panose="020B0609020204030204" pitchFamily="49" charset="0"/>
+              </a:rPr>
+              <a:t>new double</a:t>
+            </a:r>
+            <a:r>
+              <a:rPr lang="en-US" altLang="en-US" sz="1400">
+                <a:solidFill>
+                  <a:srgbClr val="000000"/>
+                </a:solidFill>
+                <a:latin typeface="Consolas" panose="020B0609020204030204" pitchFamily="49" charset="0"/>
+              </a:rPr>
+              <a:t>[</a:t>
+            </a:r>
+            <a:r>
+              <a:rPr lang="en-US" altLang="en-US" sz="1400" b="1" i="1">
+                <a:solidFill>
+                  <a:srgbClr val="660E7A"/>
+                </a:solidFill>
+                <a:latin typeface="Consolas" panose="020B0609020204030204" pitchFamily="49" charset="0"/>
+              </a:rPr>
+              <a:t>n</a:t>
+            </a:r>
+            <a:r>
+              <a:rPr lang="en-US" altLang="en-US" sz="1400">
+                <a:solidFill>
+                  <a:srgbClr val="000000"/>
+                </a:solidFill>
+                <a:latin typeface="Consolas" panose="020B0609020204030204" pitchFamily="49" charset="0"/>
+              </a:rPr>
+              <a:t>][</a:t>
+            </a:r>
+            <a:r>
+              <a:rPr lang="en-US" altLang="en-US" sz="1400" b="1" i="1">
+                <a:solidFill>
+                  <a:srgbClr val="660E7A"/>
+                </a:solidFill>
+                <a:latin typeface="Consolas" panose="020B0609020204030204" pitchFamily="49" charset="0"/>
+              </a:rPr>
+              <a:t>n</a:t>
+            </a:r>
+            <a:r>
+              <a:rPr lang="en-US" altLang="en-US" sz="1400">
+                <a:solidFill>
+                  <a:srgbClr val="000000"/>
+                </a:solidFill>
+                <a:latin typeface="Consolas" panose="020B0609020204030204" pitchFamily="49" charset="0"/>
+              </a:rPr>
+              <a:t>];</a:t>
+            </a:r>
+            <a:r>
+              <a:rPr lang="en-US" altLang="en-US" sz="1400">
+                <a:solidFill>
+                  <a:srgbClr val="000000"/>
+                </a:solidFill>
+                <a:latin typeface="Consolas" panose="020B0609020204030204" pitchFamily="49" charset="0"/>
+              </a:rPr>
+              <a:t/>
+            </a:r>
+            <a:br>
+              <a:rPr lang="en-US" altLang="en-US" sz="1400">
+                <a:solidFill>
+                  <a:srgbClr val="000000"/>
+                </a:solidFill>
+                <a:latin typeface="Consolas" panose="020B0609020204030204" pitchFamily="49" charset="0"/>
+              </a:rPr>
+            </a:br>
+            <a:r>
+              <a:rPr lang="en-US" altLang="en-US" sz="1400" smtClean="0">
+                <a:solidFill>
+                  <a:srgbClr val="000000"/>
+                </a:solidFill>
+                <a:latin typeface="Consolas" panose="020B0609020204030204" pitchFamily="49" charset="0"/>
+              </a:rPr>
+              <a:t>    </a:t>
+            </a:r>
+            <a:r>
+              <a:rPr lang="en-US" altLang="en-US" sz="1400" b="1">
+                <a:solidFill>
+                  <a:srgbClr val="000080"/>
+                </a:solidFill>
+                <a:latin typeface="Consolas" panose="020B0609020204030204" pitchFamily="49" charset="0"/>
+              </a:rPr>
+              <a:t>public static void </a:t>
+            </a:r>
+            <a:r>
+              <a:rPr lang="en-US" altLang="en-US" sz="1400">
+                <a:solidFill>
+                  <a:srgbClr val="000000"/>
+                </a:solidFill>
+                <a:latin typeface="Consolas" panose="020B0609020204030204" pitchFamily="49" charset="0"/>
+              </a:rPr>
+              <a:t>main(String[] args) {</a:t>
+            </a:r>
+            <a:br>
+              <a:rPr lang="en-US" altLang="en-US" sz="1400">
+                <a:solidFill>
+                  <a:srgbClr val="000000"/>
+                </a:solidFill>
+                <a:latin typeface="Consolas" panose="020B0609020204030204" pitchFamily="49" charset="0"/>
+              </a:rPr>
+            </a:br>
+            <a:r>
+              <a:rPr lang="en-US" altLang="en-US" sz="1400">
+                <a:solidFill>
+                  <a:srgbClr val="000000"/>
+                </a:solidFill>
+                <a:latin typeface="Consolas" panose="020B0609020204030204" pitchFamily="49" charset="0"/>
+              </a:rPr>
+              <a:t> </a:t>
+            </a:r>
+            <a:r>
+              <a:rPr lang="en-US" altLang="en-US" sz="1400" smtClean="0">
+                <a:solidFill>
+                  <a:srgbClr val="000000"/>
+                </a:solidFill>
+                <a:latin typeface="Consolas" panose="020B0609020204030204" pitchFamily="49" charset="0"/>
+              </a:rPr>
+              <a:t>       java.util.Random r </a:t>
+            </a:r>
+            <a:r>
+              <a:rPr lang="en-US" altLang="en-US" sz="1400">
+                <a:solidFill>
+                  <a:srgbClr val="000000"/>
+                </a:solidFill>
+                <a:latin typeface="Consolas" panose="020B0609020204030204" pitchFamily="49" charset="0"/>
+              </a:rPr>
+              <a:t>= </a:t>
+            </a:r>
+            <a:r>
+              <a:rPr lang="en-US" altLang="en-US" sz="1400" b="1">
+                <a:solidFill>
+                  <a:srgbClr val="000080"/>
+                </a:solidFill>
+                <a:latin typeface="Consolas" panose="020B0609020204030204" pitchFamily="49" charset="0"/>
+              </a:rPr>
+              <a:t>new </a:t>
+            </a:r>
+            <a:r>
+              <a:rPr lang="en-US" altLang="en-US" sz="1400">
+                <a:solidFill>
+                  <a:srgbClr val="000000"/>
+                </a:solidFill>
+                <a:latin typeface="Consolas" panose="020B0609020204030204" pitchFamily="49" charset="0"/>
+              </a:rPr>
+              <a:t>java.util.Random</a:t>
+            </a:r>
+            <a:r>
+              <a:rPr lang="en-US" altLang="en-US" sz="1400" smtClean="0">
+                <a:solidFill>
+                  <a:srgbClr val="000000"/>
+                </a:solidFill>
+                <a:latin typeface="Consolas" panose="020B0609020204030204" pitchFamily="49" charset="0"/>
+              </a:rPr>
+              <a:t>();</a:t>
+            </a:r>
+            <a:r>
+              <a:rPr lang="en-US" altLang="en-US" sz="1400">
+                <a:solidFill>
+                  <a:srgbClr val="000000"/>
+                </a:solidFill>
+                <a:latin typeface="Consolas" panose="020B0609020204030204" pitchFamily="49" charset="0"/>
+              </a:rPr>
+              <a:t/>
+            </a:r>
+            <a:br>
+              <a:rPr lang="en-US" altLang="en-US" sz="1400">
+                <a:solidFill>
+                  <a:srgbClr val="000000"/>
+                </a:solidFill>
+                <a:latin typeface="Consolas" panose="020B0609020204030204" pitchFamily="49" charset="0"/>
+              </a:rPr>
+            </a:br>
+            <a:r>
+              <a:rPr lang="en-US" altLang="en-US" sz="1400">
+                <a:solidFill>
+                  <a:srgbClr val="000000"/>
+                </a:solidFill>
+                <a:latin typeface="Consolas" panose="020B0609020204030204" pitchFamily="49" charset="0"/>
+              </a:rPr>
+              <a:t>        </a:t>
+            </a:r>
+            <a:r>
+              <a:rPr lang="en-US" altLang="en-US" sz="1400" b="1">
+                <a:solidFill>
+                  <a:srgbClr val="000080"/>
+                </a:solidFill>
+                <a:latin typeface="Consolas" panose="020B0609020204030204" pitchFamily="49" charset="0"/>
+              </a:rPr>
+              <a:t>for </a:t>
+            </a:r>
+            <a:r>
+              <a:rPr lang="en-US" altLang="en-US" sz="1400">
+                <a:solidFill>
+                  <a:srgbClr val="000000"/>
+                </a:solidFill>
+                <a:latin typeface="Consolas" panose="020B0609020204030204" pitchFamily="49" charset="0"/>
+              </a:rPr>
+              <a:t>(</a:t>
+            </a:r>
+            <a:r>
+              <a:rPr lang="en-US" altLang="en-US" sz="1400" b="1">
+                <a:solidFill>
+                  <a:srgbClr val="000080"/>
+                </a:solidFill>
+                <a:latin typeface="Consolas" panose="020B0609020204030204" pitchFamily="49" charset="0"/>
+              </a:rPr>
+              <a:t>int </a:t>
+            </a:r>
+            <a:r>
+              <a:rPr lang="en-US" altLang="en-US" sz="1400">
+                <a:solidFill>
+                  <a:srgbClr val="000000"/>
+                </a:solidFill>
+                <a:latin typeface="Consolas" panose="020B0609020204030204" pitchFamily="49" charset="0"/>
+              </a:rPr>
+              <a:t>i = </a:t>
+            </a:r>
+            <a:r>
+              <a:rPr lang="en-US" altLang="en-US" sz="1400">
+                <a:solidFill>
+                  <a:srgbClr val="0000FF"/>
+                </a:solidFill>
+                <a:latin typeface="Consolas" panose="020B0609020204030204" pitchFamily="49" charset="0"/>
+              </a:rPr>
+              <a:t>0</a:t>
+            </a:r>
+            <a:r>
+              <a:rPr lang="en-US" altLang="en-US" sz="1400">
+                <a:solidFill>
+                  <a:srgbClr val="000000"/>
+                </a:solidFill>
+                <a:latin typeface="Consolas" panose="020B0609020204030204" pitchFamily="49" charset="0"/>
+              </a:rPr>
+              <a:t>; i &lt; </a:t>
+            </a:r>
+            <a:r>
+              <a:rPr lang="en-US" altLang="en-US" sz="1400" b="1" i="1">
+                <a:solidFill>
+                  <a:srgbClr val="660E7A"/>
+                </a:solidFill>
+                <a:latin typeface="Consolas" panose="020B0609020204030204" pitchFamily="49" charset="0"/>
+              </a:rPr>
+              <a:t>n</a:t>
+            </a:r>
+            <a:r>
+              <a:rPr lang="en-US" altLang="en-US" sz="1400">
+                <a:solidFill>
+                  <a:srgbClr val="000000"/>
+                </a:solidFill>
+                <a:latin typeface="Consolas" panose="020B0609020204030204" pitchFamily="49" charset="0"/>
+              </a:rPr>
+              <a:t>; i++) {</a:t>
+            </a:r>
+            <a:br>
+              <a:rPr lang="en-US" altLang="en-US" sz="1400">
+                <a:solidFill>
+                  <a:srgbClr val="000000"/>
+                </a:solidFill>
+                <a:latin typeface="Consolas" panose="020B0609020204030204" pitchFamily="49" charset="0"/>
+              </a:rPr>
+            </a:br>
+            <a:r>
+              <a:rPr lang="en-US" altLang="en-US" sz="1400">
+                <a:solidFill>
+                  <a:srgbClr val="000000"/>
+                </a:solidFill>
+                <a:latin typeface="Consolas" panose="020B0609020204030204" pitchFamily="49" charset="0"/>
+              </a:rPr>
+              <a:t>            </a:t>
+            </a:r>
+            <a:r>
+              <a:rPr lang="en-US" altLang="en-US" sz="1400" b="1">
+                <a:solidFill>
+                  <a:srgbClr val="000080"/>
+                </a:solidFill>
+                <a:latin typeface="Consolas" panose="020B0609020204030204" pitchFamily="49" charset="0"/>
+              </a:rPr>
+              <a:t>for </a:t>
+            </a:r>
+            <a:r>
+              <a:rPr lang="en-US" altLang="en-US" sz="1400">
+                <a:solidFill>
+                  <a:srgbClr val="000000"/>
+                </a:solidFill>
+                <a:latin typeface="Consolas" panose="020B0609020204030204" pitchFamily="49" charset="0"/>
+              </a:rPr>
+              <a:t>(</a:t>
+            </a:r>
+            <a:r>
+              <a:rPr lang="en-US" altLang="en-US" sz="1400" b="1">
+                <a:solidFill>
+                  <a:srgbClr val="000080"/>
+                </a:solidFill>
+                <a:latin typeface="Consolas" panose="020B0609020204030204" pitchFamily="49" charset="0"/>
+              </a:rPr>
+              <a:t>int </a:t>
+            </a:r>
+            <a:r>
+              <a:rPr lang="en-US" altLang="en-US" sz="1400">
+                <a:solidFill>
+                  <a:srgbClr val="000000"/>
+                </a:solidFill>
+                <a:latin typeface="Consolas" panose="020B0609020204030204" pitchFamily="49" charset="0"/>
+              </a:rPr>
+              <a:t>j = </a:t>
+            </a:r>
+            <a:r>
+              <a:rPr lang="en-US" altLang="en-US" sz="1400">
+                <a:solidFill>
+                  <a:srgbClr val="0000FF"/>
+                </a:solidFill>
+                <a:latin typeface="Consolas" panose="020B0609020204030204" pitchFamily="49" charset="0"/>
+              </a:rPr>
+              <a:t>0</a:t>
+            </a:r>
+            <a:r>
+              <a:rPr lang="en-US" altLang="en-US" sz="1400">
+                <a:solidFill>
+                  <a:srgbClr val="000000"/>
+                </a:solidFill>
+                <a:latin typeface="Consolas" panose="020B0609020204030204" pitchFamily="49" charset="0"/>
+              </a:rPr>
+              <a:t>; j &lt; </a:t>
+            </a:r>
+            <a:r>
+              <a:rPr lang="en-US" altLang="en-US" sz="1400" b="1" i="1">
+                <a:solidFill>
+                  <a:srgbClr val="660E7A"/>
+                </a:solidFill>
+                <a:latin typeface="Consolas" panose="020B0609020204030204" pitchFamily="49" charset="0"/>
+              </a:rPr>
+              <a:t>n</a:t>
+            </a:r>
+            <a:r>
+              <a:rPr lang="en-US" altLang="en-US" sz="1400">
+                <a:solidFill>
+                  <a:srgbClr val="000000"/>
+                </a:solidFill>
+                <a:latin typeface="Consolas" panose="020B0609020204030204" pitchFamily="49" charset="0"/>
+              </a:rPr>
+              <a:t>; j++) {</a:t>
+            </a:r>
+            <a:br>
+              <a:rPr lang="en-US" altLang="en-US" sz="1400">
+                <a:solidFill>
+                  <a:srgbClr val="000000"/>
+                </a:solidFill>
+                <a:latin typeface="Consolas" panose="020B0609020204030204" pitchFamily="49" charset="0"/>
+              </a:rPr>
+            </a:br>
+            <a:r>
+              <a:rPr lang="en-US" altLang="en-US" sz="1400">
+                <a:solidFill>
+                  <a:srgbClr val="000000"/>
+                </a:solidFill>
+                <a:latin typeface="Consolas" panose="020B0609020204030204" pitchFamily="49" charset="0"/>
+              </a:rPr>
+              <a:t>                </a:t>
+            </a:r>
+            <a:r>
+              <a:rPr lang="en-US" altLang="en-US" sz="1400" b="1" i="1">
+                <a:solidFill>
+                  <a:srgbClr val="660E7A"/>
+                </a:solidFill>
+                <a:latin typeface="Consolas" panose="020B0609020204030204" pitchFamily="49" charset="0"/>
+              </a:rPr>
+              <a:t>A</a:t>
+            </a:r>
+            <a:r>
+              <a:rPr lang="en-US" altLang="en-US" sz="1400">
+                <a:solidFill>
+                  <a:srgbClr val="000000"/>
+                </a:solidFill>
+                <a:latin typeface="Consolas" panose="020B0609020204030204" pitchFamily="49" charset="0"/>
+              </a:rPr>
+              <a:t>[i][j] = r.nextDouble();</a:t>
+            </a:r>
+            <a:br>
+              <a:rPr lang="en-US" altLang="en-US" sz="1400">
+                <a:solidFill>
+                  <a:srgbClr val="000000"/>
+                </a:solidFill>
+                <a:latin typeface="Consolas" panose="020B0609020204030204" pitchFamily="49" charset="0"/>
+              </a:rPr>
+            </a:br>
+            <a:r>
+              <a:rPr lang="en-US" altLang="en-US" sz="1400">
+                <a:solidFill>
+                  <a:srgbClr val="000000"/>
+                </a:solidFill>
+                <a:latin typeface="Consolas" panose="020B0609020204030204" pitchFamily="49" charset="0"/>
+              </a:rPr>
+              <a:t>                </a:t>
+            </a:r>
+            <a:r>
+              <a:rPr lang="en-US" altLang="en-US" sz="1400" b="1" i="1">
+                <a:solidFill>
+                  <a:srgbClr val="660E7A"/>
+                </a:solidFill>
+                <a:latin typeface="Consolas" panose="020B0609020204030204" pitchFamily="49" charset="0"/>
+              </a:rPr>
+              <a:t>B</a:t>
+            </a:r>
+            <a:r>
+              <a:rPr lang="en-US" altLang="en-US" sz="1400">
+                <a:solidFill>
+                  <a:srgbClr val="000000"/>
+                </a:solidFill>
+                <a:latin typeface="Consolas" panose="020B0609020204030204" pitchFamily="49" charset="0"/>
+              </a:rPr>
+              <a:t>[i][j] = r.nextDouble();</a:t>
+            </a:r>
+            <a:br>
+              <a:rPr lang="en-US" altLang="en-US" sz="1400">
+                <a:solidFill>
+                  <a:srgbClr val="000000"/>
+                </a:solidFill>
+                <a:latin typeface="Consolas" panose="020B0609020204030204" pitchFamily="49" charset="0"/>
+              </a:rPr>
+            </a:br>
+            <a:r>
+              <a:rPr lang="en-US" altLang="en-US" sz="1400">
+                <a:solidFill>
+                  <a:srgbClr val="000000"/>
+                </a:solidFill>
+                <a:latin typeface="Consolas" panose="020B0609020204030204" pitchFamily="49" charset="0"/>
+              </a:rPr>
+              <a:t>                </a:t>
+            </a:r>
+            <a:r>
+              <a:rPr lang="en-US" altLang="en-US" sz="1400" b="1" i="1">
+                <a:solidFill>
+                  <a:srgbClr val="660E7A"/>
+                </a:solidFill>
+                <a:latin typeface="Consolas" panose="020B0609020204030204" pitchFamily="49" charset="0"/>
+              </a:rPr>
+              <a:t>C</a:t>
+            </a:r>
+            <a:r>
+              <a:rPr lang="en-US" altLang="en-US" sz="1400">
+                <a:solidFill>
+                  <a:srgbClr val="000000"/>
+                </a:solidFill>
+                <a:latin typeface="Consolas" panose="020B0609020204030204" pitchFamily="49" charset="0"/>
+              </a:rPr>
+              <a:t>[i][j] = </a:t>
+            </a:r>
+            <a:r>
+              <a:rPr lang="en-US" altLang="en-US" sz="1400">
+                <a:solidFill>
+                  <a:srgbClr val="0000FF"/>
+                </a:solidFill>
+                <a:latin typeface="Consolas" panose="020B0609020204030204" pitchFamily="49" charset="0"/>
+              </a:rPr>
+              <a:t>0</a:t>
+            </a:r>
+            <a:r>
+              <a:rPr lang="en-US" altLang="en-US" sz="1400">
+                <a:solidFill>
+                  <a:srgbClr val="000000"/>
+                </a:solidFill>
+                <a:latin typeface="Consolas" panose="020B0609020204030204" pitchFamily="49" charset="0"/>
+              </a:rPr>
+              <a:t>;</a:t>
+            </a:r>
+            <a:br>
+              <a:rPr lang="en-US" altLang="en-US" sz="1400">
+                <a:solidFill>
+                  <a:srgbClr val="000000"/>
+                </a:solidFill>
+                <a:latin typeface="Consolas" panose="020B0609020204030204" pitchFamily="49" charset="0"/>
+              </a:rPr>
+            </a:br>
+            <a:r>
+              <a:rPr lang="en-US" altLang="en-US" sz="1400">
+                <a:solidFill>
+                  <a:srgbClr val="000000"/>
+                </a:solidFill>
+                <a:latin typeface="Consolas" panose="020B0609020204030204" pitchFamily="49" charset="0"/>
+              </a:rPr>
+              <a:t>            }</a:t>
+            </a:r>
+            <a:br>
+              <a:rPr lang="en-US" altLang="en-US" sz="1400">
+                <a:solidFill>
+                  <a:srgbClr val="000000"/>
+                </a:solidFill>
+                <a:latin typeface="Consolas" panose="020B0609020204030204" pitchFamily="49" charset="0"/>
+              </a:rPr>
+            </a:br>
+            <a:r>
+              <a:rPr lang="en-US" altLang="en-US" sz="1400">
+                <a:solidFill>
+                  <a:srgbClr val="000000"/>
+                </a:solidFill>
+                <a:latin typeface="Consolas" panose="020B0609020204030204" pitchFamily="49" charset="0"/>
+              </a:rPr>
+              <a:t>        }</a:t>
+            </a:r>
+            <a:br>
+              <a:rPr lang="en-US" altLang="en-US" sz="1400">
+                <a:solidFill>
+                  <a:srgbClr val="000000"/>
+                </a:solidFill>
+                <a:latin typeface="Consolas" panose="020B0609020204030204" pitchFamily="49" charset="0"/>
+              </a:rPr>
+            </a:br>
+            <a:r>
+              <a:rPr lang="en-US" altLang="en-US" sz="1400">
+                <a:solidFill>
+                  <a:srgbClr val="000000"/>
+                </a:solidFill>
+                <a:latin typeface="Consolas" panose="020B0609020204030204" pitchFamily="49" charset="0"/>
+              </a:rPr>
+              <a:t>        </a:t>
+            </a:r>
+            <a:r>
+              <a:rPr lang="en-US" altLang="en-US" sz="1400" b="1">
+                <a:solidFill>
+                  <a:srgbClr val="000080"/>
+                </a:solidFill>
+                <a:latin typeface="Consolas" panose="020B0609020204030204" pitchFamily="49" charset="0"/>
+              </a:rPr>
+              <a:t>long </a:t>
+            </a:r>
+            <a:r>
+              <a:rPr lang="en-US" altLang="en-US" sz="1400">
+                <a:solidFill>
+                  <a:srgbClr val="000000"/>
+                </a:solidFill>
+                <a:latin typeface="Consolas" panose="020B0609020204030204" pitchFamily="49" charset="0"/>
+              </a:rPr>
+              <a:t>start = System.</a:t>
+            </a:r>
+            <a:r>
+              <a:rPr lang="en-US" altLang="en-US" sz="1400" i="1">
+                <a:solidFill>
+                  <a:srgbClr val="000000"/>
+                </a:solidFill>
+                <a:latin typeface="Consolas" panose="020B0609020204030204" pitchFamily="49" charset="0"/>
+              </a:rPr>
+              <a:t>nanoTime</a:t>
+            </a:r>
+            <a:r>
+              <a:rPr lang="en-US" altLang="en-US" sz="1400">
+                <a:solidFill>
+                  <a:srgbClr val="000000"/>
+                </a:solidFill>
+                <a:latin typeface="Consolas" panose="020B0609020204030204" pitchFamily="49" charset="0"/>
+              </a:rPr>
+              <a:t>();</a:t>
+            </a:r>
+            <a:br>
+              <a:rPr lang="en-US" altLang="en-US" sz="1400">
+                <a:solidFill>
+                  <a:srgbClr val="000000"/>
+                </a:solidFill>
+                <a:latin typeface="Consolas" panose="020B0609020204030204" pitchFamily="49" charset="0"/>
+              </a:rPr>
+            </a:br>
+            <a:r>
+              <a:rPr lang="en-US" altLang="en-US" sz="1400">
+                <a:solidFill>
+                  <a:srgbClr val="000000"/>
+                </a:solidFill>
+                <a:latin typeface="Consolas" panose="020B0609020204030204" pitchFamily="49" charset="0"/>
+              </a:rPr>
+              <a:t>        </a:t>
+            </a:r>
+            <a:r>
+              <a:rPr lang="en-US" altLang="en-US" sz="1400" b="1">
+                <a:solidFill>
+                  <a:srgbClr val="000080"/>
+                </a:solidFill>
+                <a:latin typeface="Consolas" panose="020B0609020204030204" pitchFamily="49" charset="0"/>
+              </a:rPr>
+              <a:t>for </a:t>
+            </a:r>
+            <a:r>
+              <a:rPr lang="en-US" altLang="en-US" sz="1400">
+                <a:solidFill>
+                  <a:srgbClr val="000000"/>
+                </a:solidFill>
+                <a:latin typeface="Consolas" panose="020B0609020204030204" pitchFamily="49" charset="0"/>
+              </a:rPr>
+              <a:t>(</a:t>
+            </a:r>
+            <a:r>
+              <a:rPr lang="en-US" altLang="en-US" sz="1400" b="1">
+                <a:solidFill>
+                  <a:srgbClr val="000080"/>
+                </a:solidFill>
+                <a:latin typeface="Consolas" panose="020B0609020204030204" pitchFamily="49" charset="0"/>
+              </a:rPr>
+              <a:t>int </a:t>
+            </a:r>
+            <a:r>
+              <a:rPr lang="en-US" altLang="en-US" sz="1400">
+                <a:solidFill>
+                  <a:srgbClr val="000000"/>
+                </a:solidFill>
+                <a:latin typeface="Consolas" panose="020B0609020204030204" pitchFamily="49" charset="0"/>
+              </a:rPr>
+              <a:t>i = </a:t>
+            </a:r>
+            <a:r>
+              <a:rPr lang="en-US" altLang="en-US" sz="1400">
+                <a:solidFill>
+                  <a:srgbClr val="0000FF"/>
+                </a:solidFill>
+                <a:latin typeface="Consolas" panose="020B0609020204030204" pitchFamily="49" charset="0"/>
+              </a:rPr>
+              <a:t>0</a:t>
+            </a:r>
+            <a:r>
+              <a:rPr lang="en-US" altLang="en-US" sz="1400">
+                <a:solidFill>
+                  <a:srgbClr val="000000"/>
+                </a:solidFill>
+                <a:latin typeface="Consolas" panose="020B0609020204030204" pitchFamily="49" charset="0"/>
+              </a:rPr>
+              <a:t>; i &lt; </a:t>
+            </a:r>
+            <a:r>
+              <a:rPr lang="en-US" altLang="en-US" sz="1400" b="1" i="1">
+                <a:solidFill>
+                  <a:srgbClr val="660E7A"/>
+                </a:solidFill>
+                <a:latin typeface="Consolas" panose="020B0609020204030204" pitchFamily="49" charset="0"/>
+              </a:rPr>
+              <a:t>n</a:t>
+            </a:r>
+            <a:r>
+              <a:rPr lang="en-US" altLang="en-US" sz="1400">
+                <a:solidFill>
+                  <a:srgbClr val="000000"/>
+                </a:solidFill>
+                <a:latin typeface="Consolas" panose="020B0609020204030204" pitchFamily="49" charset="0"/>
+              </a:rPr>
+              <a:t>; i++) {</a:t>
+            </a:r>
+            <a:br>
+              <a:rPr lang="en-US" altLang="en-US" sz="1400">
+                <a:solidFill>
+                  <a:srgbClr val="000000"/>
+                </a:solidFill>
+                <a:latin typeface="Consolas" panose="020B0609020204030204" pitchFamily="49" charset="0"/>
+              </a:rPr>
+            </a:br>
+            <a:r>
+              <a:rPr lang="en-US" altLang="en-US" sz="1400">
+                <a:solidFill>
+                  <a:srgbClr val="000000"/>
+                </a:solidFill>
+                <a:latin typeface="Consolas" panose="020B0609020204030204" pitchFamily="49" charset="0"/>
+              </a:rPr>
+              <a:t>            </a:t>
+            </a:r>
+            <a:r>
+              <a:rPr lang="en-US" altLang="en-US" sz="1400" b="1">
+                <a:solidFill>
+                  <a:srgbClr val="000080"/>
+                </a:solidFill>
+                <a:latin typeface="Consolas" panose="020B0609020204030204" pitchFamily="49" charset="0"/>
+              </a:rPr>
+              <a:t>for </a:t>
+            </a:r>
+            <a:r>
+              <a:rPr lang="en-US" altLang="en-US" sz="1400">
+                <a:solidFill>
+                  <a:srgbClr val="000000"/>
+                </a:solidFill>
+                <a:latin typeface="Consolas" panose="020B0609020204030204" pitchFamily="49" charset="0"/>
+              </a:rPr>
+              <a:t>(</a:t>
+            </a:r>
+            <a:r>
+              <a:rPr lang="en-US" altLang="en-US" sz="1400" b="1">
+                <a:solidFill>
+                  <a:srgbClr val="000080"/>
+                </a:solidFill>
+                <a:latin typeface="Consolas" panose="020B0609020204030204" pitchFamily="49" charset="0"/>
+              </a:rPr>
+              <a:t>int </a:t>
+            </a:r>
+            <a:r>
+              <a:rPr lang="en-US" altLang="en-US" sz="1400">
+                <a:solidFill>
+                  <a:srgbClr val="000000"/>
+                </a:solidFill>
+                <a:latin typeface="Consolas" panose="020B0609020204030204" pitchFamily="49" charset="0"/>
+              </a:rPr>
+              <a:t>j = </a:t>
+            </a:r>
+            <a:r>
+              <a:rPr lang="en-US" altLang="en-US" sz="1400">
+                <a:solidFill>
+                  <a:srgbClr val="0000FF"/>
+                </a:solidFill>
+                <a:latin typeface="Consolas" panose="020B0609020204030204" pitchFamily="49" charset="0"/>
+              </a:rPr>
+              <a:t>0</a:t>
+            </a:r>
+            <a:r>
+              <a:rPr lang="en-US" altLang="en-US" sz="1400">
+                <a:solidFill>
+                  <a:srgbClr val="000000"/>
+                </a:solidFill>
+                <a:latin typeface="Consolas" panose="020B0609020204030204" pitchFamily="49" charset="0"/>
+              </a:rPr>
+              <a:t>; j &lt; </a:t>
+            </a:r>
+            <a:r>
+              <a:rPr lang="en-US" altLang="en-US" sz="1400" b="1" i="1">
+                <a:solidFill>
+                  <a:srgbClr val="660E7A"/>
+                </a:solidFill>
+                <a:latin typeface="Consolas" panose="020B0609020204030204" pitchFamily="49" charset="0"/>
+              </a:rPr>
+              <a:t>n</a:t>
+            </a:r>
+            <a:r>
+              <a:rPr lang="en-US" altLang="en-US" sz="1400">
+                <a:solidFill>
+                  <a:srgbClr val="000000"/>
+                </a:solidFill>
+                <a:latin typeface="Consolas" panose="020B0609020204030204" pitchFamily="49" charset="0"/>
+              </a:rPr>
+              <a:t>; j++) {</a:t>
+            </a:r>
+            <a:br>
+              <a:rPr lang="en-US" altLang="en-US" sz="1400">
+                <a:solidFill>
+                  <a:srgbClr val="000000"/>
+                </a:solidFill>
+                <a:latin typeface="Consolas" panose="020B0609020204030204" pitchFamily="49" charset="0"/>
+              </a:rPr>
+            </a:br>
+            <a:r>
+              <a:rPr lang="en-US" altLang="en-US" sz="1400">
+                <a:solidFill>
+                  <a:srgbClr val="000000"/>
+                </a:solidFill>
+                <a:latin typeface="Consolas" panose="020B0609020204030204" pitchFamily="49" charset="0"/>
+              </a:rPr>
+              <a:t>                </a:t>
+            </a:r>
+            <a:r>
+              <a:rPr lang="en-US" altLang="en-US" sz="1400" b="1">
+                <a:solidFill>
+                  <a:srgbClr val="000080"/>
+                </a:solidFill>
+                <a:latin typeface="Consolas" panose="020B0609020204030204" pitchFamily="49" charset="0"/>
+              </a:rPr>
+              <a:t>for </a:t>
+            </a:r>
+            <a:r>
+              <a:rPr lang="en-US" altLang="en-US" sz="1400">
+                <a:solidFill>
+                  <a:srgbClr val="000000"/>
+                </a:solidFill>
+                <a:latin typeface="Consolas" panose="020B0609020204030204" pitchFamily="49" charset="0"/>
+              </a:rPr>
+              <a:t>(</a:t>
+            </a:r>
+            <a:r>
+              <a:rPr lang="en-US" altLang="en-US" sz="1400" b="1">
+                <a:solidFill>
+                  <a:srgbClr val="000080"/>
+                </a:solidFill>
+                <a:latin typeface="Consolas" panose="020B0609020204030204" pitchFamily="49" charset="0"/>
+              </a:rPr>
+              <a:t>int </a:t>
+            </a:r>
+            <a:r>
+              <a:rPr lang="en-US" altLang="en-US" sz="1400">
+                <a:solidFill>
+                  <a:srgbClr val="000000"/>
+                </a:solidFill>
+                <a:latin typeface="Consolas" panose="020B0609020204030204" pitchFamily="49" charset="0"/>
+              </a:rPr>
+              <a:t>k = </a:t>
+            </a:r>
+            <a:r>
+              <a:rPr lang="en-US" altLang="en-US" sz="1400">
+                <a:solidFill>
+                  <a:srgbClr val="0000FF"/>
+                </a:solidFill>
+                <a:latin typeface="Consolas" panose="020B0609020204030204" pitchFamily="49" charset="0"/>
+              </a:rPr>
+              <a:t>0</a:t>
+            </a:r>
+            <a:r>
+              <a:rPr lang="en-US" altLang="en-US" sz="1400">
+                <a:solidFill>
+                  <a:srgbClr val="000000"/>
+                </a:solidFill>
+                <a:latin typeface="Consolas" panose="020B0609020204030204" pitchFamily="49" charset="0"/>
+              </a:rPr>
+              <a:t>; k &lt; </a:t>
+            </a:r>
+            <a:r>
+              <a:rPr lang="en-US" altLang="en-US" sz="1400" b="1" i="1">
+                <a:solidFill>
+                  <a:srgbClr val="660E7A"/>
+                </a:solidFill>
+                <a:latin typeface="Consolas" panose="020B0609020204030204" pitchFamily="49" charset="0"/>
+              </a:rPr>
+              <a:t>n</a:t>
+            </a:r>
+            <a:r>
+              <a:rPr lang="en-US" altLang="en-US" sz="1400">
+                <a:solidFill>
+                  <a:srgbClr val="000000"/>
+                </a:solidFill>
+                <a:latin typeface="Consolas" panose="020B0609020204030204" pitchFamily="49" charset="0"/>
+              </a:rPr>
+              <a:t>; k++) {</a:t>
+            </a:r>
+            <a:br>
+              <a:rPr lang="en-US" altLang="en-US" sz="1400">
+                <a:solidFill>
+                  <a:srgbClr val="000000"/>
+                </a:solidFill>
+                <a:latin typeface="Consolas" panose="020B0609020204030204" pitchFamily="49" charset="0"/>
+              </a:rPr>
+            </a:br>
+            <a:r>
+              <a:rPr lang="en-US" altLang="en-US" sz="1400">
+                <a:solidFill>
+                  <a:srgbClr val="000000"/>
+                </a:solidFill>
+                <a:latin typeface="Consolas" panose="020B0609020204030204" pitchFamily="49" charset="0"/>
+              </a:rPr>
+              <a:t>                    </a:t>
+            </a:r>
+            <a:r>
+              <a:rPr lang="en-US" altLang="en-US" sz="1400" b="1" i="1">
+                <a:solidFill>
+                  <a:srgbClr val="660E7A"/>
+                </a:solidFill>
+                <a:latin typeface="Consolas" panose="020B0609020204030204" pitchFamily="49" charset="0"/>
+              </a:rPr>
+              <a:t>C</a:t>
+            </a:r>
+            <a:r>
+              <a:rPr lang="en-US" altLang="en-US" sz="1400">
+                <a:solidFill>
+                  <a:srgbClr val="000000"/>
+                </a:solidFill>
+                <a:latin typeface="Consolas" panose="020B0609020204030204" pitchFamily="49" charset="0"/>
+              </a:rPr>
+              <a:t>[i][j] += </a:t>
+            </a:r>
+            <a:r>
+              <a:rPr lang="en-US" altLang="en-US" sz="1400" b="1" i="1">
+                <a:solidFill>
+                  <a:srgbClr val="660E7A"/>
+                </a:solidFill>
+                <a:latin typeface="Consolas" panose="020B0609020204030204" pitchFamily="49" charset="0"/>
+              </a:rPr>
+              <a:t>A</a:t>
+            </a:r>
+            <a:r>
+              <a:rPr lang="en-US" altLang="en-US" sz="1400">
+                <a:solidFill>
+                  <a:srgbClr val="000000"/>
+                </a:solidFill>
+                <a:latin typeface="Consolas" panose="020B0609020204030204" pitchFamily="49" charset="0"/>
+              </a:rPr>
+              <a:t>[i][k] * </a:t>
+            </a:r>
+            <a:r>
+              <a:rPr lang="en-US" altLang="en-US" sz="1400" b="1" i="1">
+                <a:solidFill>
+                  <a:srgbClr val="660E7A"/>
+                </a:solidFill>
+                <a:latin typeface="Consolas" panose="020B0609020204030204" pitchFamily="49" charset="0"/>
+              </a:rPr>
+              <a:t>B</a:t>
+            </a:r>
+            <a:r>
+              <a:rPr lang="en-US" altLang="en-US" sz="1400">
+                <a:solidFill>
+                  <a:srgbClr val="000000"/>
+                </a:solidFill>
+                <a:latin typeface="Consolas" panose="020B0609020204030204" pitchFamily="49" charset="0"/>
+              </a:rPr>
+              <a:t>[k][j];</a:t>
+            </a:r>
+            <a:br>
+              <a:rPr lang="en-US" altLang="en-US" sz="1400">
+                <a:solidFill>
+                  <a:srgbClr val="000000"/>
+                </a:solidFill>
+                <a:latin typeface="Consolas" panose="020B0609020204030204" pitchFamily="49" charset="0"/>
+              </a:rPr>
+            </a:br>
+            <a:r>
+              <a:rPr lang="en-US" altLang="en-US" sz="1400">
+                <a:solidFill>
+                  <a:srgbClr val="000000"/>
+                </a:solidFill>
+                <a:latin typeface="Consolas" panose="020B0609020204030204" pitchFamily="49" charset="0"/>
+              </a:rPr>
+              <a:t>                }</a:t>
+            </a:r>
+            <a:br>
+              <a:rPr lang="en-US" altLang="en-US" sz="1400">
+                <a:solidFill>
+                  <a:srgbClr val="000000"/>
+                </a:solidFill>
+                <a:latin typeface="Consolas" panose="020B0609020204030204" pitchFamily="49" charset="0"/>
+              </a:rPr>
+            </a:br>
+            <a:r>
+              <a:rPr lang="en-US" altLang="en-US" sz="1400">
+                <a:solidFill>
+                  <a:srgbClr val="000000"/>
+                </a:solidFill>
+                <a:latin typeface="Consolas" panose="020B0609020204030204" pitchFamily="49" charset="0"/>
+              </a:rPr>
+              <a:t>            }</a:t>
+            </a:r>
+            <a:br>
+              <a:rPr lang="en-US" altLang="en-US" sz="1400">
+                <a:solidFill>
+                  <a:srgbClr val="000000"/>
+                </a:solidFill>
+                <a:latin typeface="Consolas" panose="020B0609020204030204" pitchFamily="49" charset="0"/>
+              </a:rPr>
+            </a:br>
+            <a:r>
+              <a:rPr lang="en-US" altLang="en-US" sz="1400">
+                <a:solidFill>
+                  <a:srgbClr val="000000"/>
+                </a:solidFill>
+                <a:latin typeface="Consolas" panose="020B0609020204030204" pitchFamily="49" charset="0"/>
+              </a:rPr>
+              <a:t>        }</a:t>
+            </a:r>
+            <a:br>
+              <a:rPr lang="en-US" altLang="en-US" sz="1400">
+                <a:solidFill>
+                  <a:srgbClr val="000000"/>
+                </a:solidFill>
+                <a:latin typeface="Consolas" panose="020B0609020204030204" pitchFamily="49" charset="0"/>
+              </a:rPr>
+            </a:br>
+            <a:r>
+              <a:rPr lang="en-US" altLang="en-US" sz="1400">
+                <a:solidFill>
+                  <a:srgbClr val="000000"/>
+                </a:solidFill>
+                <a:latin typeface="Consolas" panose="020B0609020204030204" pitchFamily="49" charset="0"/>
+              </a:rPr>
+              <a:t>        </a:t>
+            </a:r>
+            <a:r>
+              <a:rPr lang="en-US" altLang="en-US" sz="1400" b="1">
+                <a:solidFill>
+                  <a:srgbClr val="000080"/>
+                </a:solidFill>
+                <a:latin typeface="Consolas" panose="020B0609020204030204" pitchFamily="49" charset="0"/>
+              </a:rPr>
+              <a:t>long </a:t>
+            </a:r>
+            <a:r>
+              <a:rPr lang="en-US" altLang="en-US" sz="1400">
+                <a:solidFill>
+                  <a:srgbClr val="000000"/>
+                </a:solidFill>
+                <a:latin typeface="Consolas" panose="020B0609020204030204" pitchFamily="49" charset="0"/>
+              </a:rPr>
+              <a:t>stop = System.</a:t>
+            </a:r>
+            <a:r>
+              <a:rPr lang="en-US" altLang="en-US" sz="1400" i="1">
+                <a:solidFill>
+                  <a:srgbClr val="000000"/>
+                </a:solidFill>
+                <a:latin typeface="Consolas" panose="020B0609020204030204" pitchFamily="49" charset="0"/>
+              </a:rPr>
+              <a:t>nanoTime</a:t>
+            </a:r>
+            <a:r>
+              <a:rPr lang="en-US" altLang="en-US" sz="1400">
+                <a:solidFill>
+                  <a:srgbClr val="000000"/>
+                </a:solidFill>
+                <a:latin typeface="Consolas" panose="020B0609020204030204" pitchFamily="49" charset="0"/>
+              </a:rPr>
+              <a:t>();</a:t>
+            </a:r>
+            <a:r>
+              <a:rPr lang="en-US" altLang="en-US" sz="1400">
+                <a:solidFill>
+                  <a:srgbClr val="000000"/>
+                </a:solidFill>
+                <a:latin typeface="Consolas" panose="020B0609020204030204" pitchFamily="49" charset="0"/>
+              </a:rPr>
+              <a:t/>
+            </a:r>
+            <a:br>
+              <a:rPr lang="en-US" altLang="en-US" sz="1400">
+                <a:solidFill>
+                  <a:srgbClr val="000000"/>
+                </a:solidFill>
+                <a:latin typeface="Consolas" panose="020B0609020204030204" pitchFamily="49" charset="0"/>
+              </a:rPr>
+            </a:br>
+            <a:r>
+              <a:rPr lang="en-US" altLang="en-US" sz="1400" smtClean="0">
+                <a:solidFill>
+                  <a:srgbClr val="000000"/>
+                </a:solidFill>
+                <a:latin typeface="Consolas" panose="020B0609020204030204" pitchFamily="49" charset="0"/>
+              </a:rPr>
+              <a:t>        </a:t>
+            </a:r>
+            <a:r>
+              <a:rPr lang="en-US" altLang="en-US" sz="1400">
+                <a:solidFill>
+                  <a:srgbClr val="000000"/>
+                </a:solidFill>
+                <a:latin typeface="Consolas" panose="020B0609020204030204" pitchFamily="49" charset="0"/>
+              </a:rPr>
+              <a:t>System.</a:t>
+            </a:r>
+            <a:r>
+              <a:rPr lang="en-US" altLang="en-US" sz="1400" b="1" i="1">
+                <a:solidFill>
+                  <a:srgbClr val="660E7A"/>
+                </a:solidFill>
+                <a:latin typeface="Consolas" panose="020B0609020204030204" pitchFamily="49" charset="0"/>
+              </a:rPr>
+              <a:t>out</a:t>
+            </a:r>
+            <a:r>
+              <a:rPr lang="en-US" altLang="en-US" sz="1400">
+                <a:solidFill>
+                  <a:srgbClr val="000000"/>
+                </a:solidFill>
+                <a:latin typeface="Consolas" panose="020B0609020204030204" pitchFamily="49" charset="0"/>
+              </a:rPr>
+              <a:t>.println</a:t>
+            </a:r>
+            <a:r>
+              <a:rPr lang="en-US" altLang="en-US" sz="1400" smtClean="0">
+                <a:solidFill>
+                  <a:srgbClr val="000000"/>
+                </a:solidFill>
+                <a:latin typeface="Consolas" panose="020B0609020204030204" pitchFamily="49" charset="0"/>
+              </a:rPr>
+              <a:t>(</a:t>
+            </a:r>
+            <a:r>
+              <a:rPr lang="en-US" altLang="en-US" sz="1400">
+                <a:solidFill>
+                  <a:srgbClr val="000000"/>
+                </a:solidFill>
+                <a:latin typeface="Consolas" panose="020B0609020204030204" pitchFamily="49" charset="0"/>
+              </a:rPr>
+              <a:t>(stop - start) * </a:t>
+            </a:r>
+            <a:r>
+              <a:rPr lang="en-US" altLang="en-US" sz="1400">
+                <a:solidFill>
+                  <a:srgbClr val="0000FF"/>
+                </a:solidFill>
+                <a:latin typeface="Consolas" panose="020B0609020204030204" pitchFamily="49" charset="0"/>
+              </a:rPr>
+              <a:t>1e-9</a:t>
+            </a:r>
+            <a:r>
+              <a:rPr lang="en-US" altLang="en-US" sz="1400" smtClean="0">
+                <a:solidFill>
+                  <a:srgbClr val="000000"/>
+                </a:solidFill>
+                <a:latin typeface="Consolas" panose="020B0609020204030204" pitchFamily="49" charset="0"/>
+              </a:rPr>
+              <a:t>);</a:t>
+            </a:r>
+            <a:r>
+              <a:rPr lang="en-US" altLang="en-US" sz="1400">
+                <a:solidFill>
+                  <a:srgbClr val="000000"/>
+                </a:solidFill>
+                <a:latin typeface="Consolas" panose="020B0609020204030204" pitchFamily="49" charset="0"/>
+              </a:rPr>
+              <a:t/>
+            </a:r>
+            <a:br>
+              <a:rPr lang="en-US" altLang="en-US" sz="1400">
+                <a:solidFill>
+                  <a:srgbClr val="000000"/>
+                </a:solidFill>
+                <a:latin typeface="Consolas" panose="020B0609020204030204" pitchFamily="49" charset="0"/>
+              </a:rPr>
+            </a:br>
+            <a:r>
+              <a:rPr lang="en-US" altLang="en-US" sz="1400">
+                <a:solidFill>
+                  <a:srgbClr val="000000"/>
+                </a:solidFill>
+                <a:latin typeface="Consolas" panose="020B0609020204030204" pitchFamily="49" charset="0"/>
+              </a:rPr>
+              <a:t>    }</a:t>
+            </a:r>
+            <a:br>
+              <a:rPr lang="en-US" altLang="en-US" sz="1400">
+                <a:solidFill>
+                  <a:srgbClr val="000000"/>
+                </a:solidFill>
+                <a:latin typeface="Consolas" panose="020B0609020204030204" pitchFamily="49" charset="0"/>
+              </a:rPr>
+            </a:br>
+            <a:r>
+              <a:rPr lang="en-US" altLang="en-US" sz="1400">
+                <a:solidFill>
+                  <a:srgbClr val="000000"/>
+                </a:solidFill>
+                <a:latin typeface="Consolas" panose="020B0609020204030204" pitchFamily="49" charset="0"/>
+              </a:rPr>
+              <a:t>}</a:t>
+            </a:r>
+            <a:endParaRPr lang="en-US" altLang="en-US" sz="1400">
+              <a:latin typeface="Arial" panose="020B0604020202020204" pitchFamily="34" charset="0"/>
+            </a:endParaRPr>
+          </a:p>
+        </p:txBody>
+      </p:sp>
+      <mc:AlternateContent xmlns:mc="http://schemas.openxmlformats.org/markup-compatibility/2006">
+        <mc:Choice xmlns:a14="http://schemas.microsoft.com/office/drawing/2010/main" Requires="a14">
+          <p:sp>
+            <p:nvSpPr>
+              <p:cNvPr id="6" name="Содержимое 1"/>
+              <p:cNvSpPr txBox="1">
+                <a:spLocks/>
+              </p:cNvSpPr>
+              <p:nvPr/>
+            </p:nvSpPr>
+            <p:spPr>
+              <a:xfrm>
+                <a:off x="838200" y="1178053"/>
+                <a:ext cx="4812792" cy="4997896"/>
+              </a:xfrm>
+              <a:prstGeom prst="rect">
+                <a:avLst/>
+              </a:prstGeom>
+            </p:spPr>
+            <p:txBody>
+              <a:bodyPr vert="horz" lIns="91440" tIns="45720" rIns="91440" bIns="45720" rtlCol="0">
+                <a:normAutofit/>
+              </a:bodyPr>
+              <a:lstStyle>
+                <a:lvl1pPr marL="228600" indent="-228600" algn="l" defTabSz="914400" rtl="0" eaLnBrk="1" latinLnBrk="0" hangingPunct="1">
+                  <a:lnSpc>
+                    <a:spcPct val="90000"/>
+                  </a:lnSpc>
+                  <a:spcBef>
+                    <a:spcPts val="1000"/>
+                  </a:spcBef>
+                  <a:buFont typeface="Wingdings" pitchFamily="2" charset="2"/>
+                  <a:buChar char="§"/>
+                  <a:defRPr sz="3600" kern="1200">
+                    <a:solidFill>
+                      <a:srgbClr val="273272"/>
+                    </a:solidFill>
+                    <a:latin typeface="+mn-lt"/>
+                    <a:ea typeface="+mn-ea"/>
+                    <a:cs typeface="+mn-cs"/>
+                  </a:defRPr>
+                </a:lvl1pPr>
+                <a:lvl2pPr marL="685800" indent="-228600" algn="l" defTabSz="914400" rtl="0" eaLnBrk="1" latinLnBrk="0" hangingPunct="1">
+                  <a:lnSpc>
+                    <a:spcPct val="90000"/>
+                  </a:lnSpc>
+                  <a:spcBef>
+                    <a:spcPts val="500"/>
+                  </a:spcBef>
+                  <a:buClr>
+                    <a:srgbClr val="F7B217"/>
+                  </a:buClr>
+                  <a:buFont typeface="Wingdings" pitchFamily="2" charset="2"/>
+                  <a:buChar char="§"/>
+                  <a:defRPr sz="3200" kern="1200">
+                    <a:solidFill>
+                      <a:srgbClr val="273272"/>
+                    </a:solidFill>
+                    <a:latin typeface="+mn-lt"/>
+                    <a:ea typeface="+mn-ea"/>
+                    <a:cs typeface="+mn-cs"/>
+                  </a:defRPr>
+                </a:lvl2pPr>
+                <a:lvl3pPr marL="1143000" indent="-228600" algn="l" defTabSz="914400" rtl="0" eaLnBrk="1" latinLnBrk="0" hangingPunct="1">
+                  <a:lnSpc>
+                    <a:spcPct val="90000"/>
+                  </a:lnSpc>
+                  <a:spcBef>
+                    <a:spcPts val="500"/>
+                  </a:spcBef>
+                  <a:buFont typeface="Wingdings" pitchFamily="2" charset="2"/>
+                  <a:buChar char="§"/>
+                  <a:defRPr sz="2400" kern="1200">
+                    <a:solidFill>
+                      <a:srgbClr val="273272"/>
+                    </a:solidFill>
+                    <a:latin typeface="+mn-lt"/>
+                    <a:ea typeface="+mn-ea"/>
+                    <a:cs typeface="+mn-cs"/>
+                  </a:defRPr>
+                </a:lvl3pPr>
+                <a:lvl4pPr marL="1600200" indent="-228600" algn="l" defTabSz="914400" rtl="0" eaLnBrk="1" latinLnBrk="0" hangingPunct="1">
+                  <a:lnSpc>
+                    <a:spcPct val="90000"/>
+                  </a:lnSpc>
+                  <a:spcBef>
+                    <a:spcPts val="500"/>
+                  </a:spcBef>
+                  <a:buFont typeface="Arial" panose="020B0604020202020204" pitchFamily="34" charset="0"/>
+                  <a:buChar char="•"/>
+                  <a:defRPr sz="2000" kern="1200">
+                    <a:solidFill>
+                      <a:srgbClr val="273272"/>
+                    </a:solidFill>
+                    <a:latin typeface="+mn-lt"/>
+                    <a:ea typeface="+mn-ea"/>
+                    <a:cs typeface="+mn-cs"/>
+                  </a:defRPr>
+                </a:lvl4pPr>
+                <a:lvl5pPr marL="2057400" indent="-228600" algn="l" defTabSz="914400" rtl="0" eaLnBrk="1" latinLnBrk="0" hangingPunct="1">
+                  <a:lnSpc>
+                    <a:spcPct val="90000"/>
+                  </a:lnSpc>
+                  <a:spcBef>
+                    <a:spcPts val="500"/>
+                  </a:spcBef>
+                  <a:buFont typeface="Arial" panose="020B0604020202020204" pitchFamily="34" charset="0"/>
+                  <a:buChar char="•"/>
+                  <a:defRPr sz="1800" kern="1200">
+                    <a:solidFill>
+                      <a:srgbClr val="273272"/>
+                    </a:solidFill>
+                    <a:latin typeface="+mn-lt"/>
+                    <a:ea typeface="+mn-ea"/>
+                    <a:cs typeface="+mn-cs"/>
+                  </a:defRPr>
+                </a:lvl5pPr>
+                <a:lvl6pPr marL="2514600" indent="-228600" algn="l" defTabSz="914400" rtl="0" eaLnBrk="1" latinLnBrk="0" hangingPunct="1">
+                  <a:lnSpc>
+                    <a:spcPct val="90000"/>
+                  </a:lnSpc>
+                  <a:spcBef>
+                    <a:spcPts val="500"/>
+                  </a:spcBef>
+                  <a:buFont typeface="Arial" panose="020B0604020202020204" pitchFamily="34" charset="0"/>
+                  <a:buChar char="•"/>
+                  <a:defRPr sz="1800" kern="1200">
+                    <a:solidFill>
+                      <a:schemeClr val="tx1"/>
+                    </a:solidFill>
+                    <a:latin typeface="+mn-lt"/>
+                    <a:ea typeface="+mn-ea"/>
+                    <a:cs typeface="+mn-cs"/>
+                  </a:defRPr>
+                </a:lvl6pPr>
+                <a:lvl7pPr marL="2971800" indent="-228600" algn="l" defTabSz="914400" rtl="0" eaLnBrk="1" latinLnBrk="0" hangingPunct="1">
+                  <a:lnSpc>
+                    <a:spcPct val="90000"/>
+                  </a:lnSpc>
+                  <a:spcBef>
+                    <a:spcPts val="500"/>
+                  </a:spcBef>
+                  <a:buFont typeface="Arial" panose="020B0604020202020204" pitchFamily="34" charset="0"/>
+                  <a:buChar char="•"/>
+                  <a:defRPr sz="1800" kern="1200">
+                    <a:solidFill>
+                      <a:schemeClr val="tx1"/>
+                    </a:solidFill>
+                    <a:latin typeface="+mn-lt"/>
+                    <a:ea typeface="+mn-ea"/>
+                    <a:cs typeface="+mn-cs"/>
+                  </a:defRPr>
+                </a:lvl7pPr>
+                <a:lvl8pPr marL="3429000" indent="-228600" algn="l" defTabSz="914400" rtl="0" eaLnBrk="1" latinLnBrk="0" hangingPunct="1">
+                  <a:lnSpc>
+                    <a:spcPct val="90000"/>
+                  </a:lnSpc>
+                  <a:spcBef>
+                    <a:spcPts val="500"/>
+                  </a:spcBef>
+                  <a:buFont typeface="Arial" panose="020B0604020202020204" pitchFamily="34" charset="0"/>
+                  <a:buChar char="•"/>
+                  <a:defRPr sz="1800" kern="1200">
+                    <a:solidFill>
+                      <a:schemeClr val="tx1"/>
+                    </a:solidFill>
+                    <a:latin typeface="+mn-lt"/>
+                    <a:ea typeface="+mn-ea"/>
+                    <a:cs typeface="+mn-cs"/>
+                  </a:defRPr>
+                </a:lvl8pPr>
+                <a:lvl9pPr marL="3886200" indent="-228600" algn="l" defTabSz="914400" rtl="0" eaLnBrk="1" latinLnBrk="0" hangingPunct="1">
+                  <a:lnSpc>
+                    <a:spcPct val="90000"/>
+                  </a:lnSpc>
+                  <a:spcBef>
+                    <a:spcPts val="500"/>
+                  </a:spcBef>
+                  <a:buFont typeface="Arial" panose="020B0604020202020204" pitchFamily="34" charset="0"/>
+                  <a:buChar char="•"/>
+                  <a:defRPr sz="1800" kern="1200">
+                    <a:solidFill>
+                      <a:schemeClr val="tx1"/>
+                    </a:solidFill>
+                    <a:latin typeface="+mn-lt"/>
+                    <a:ea typeface="+mn-ea"/>
+                    <a:cs typeface="+mn-cs"/>
+                  </a:defRPr>
+                </a:lvl9pPr>
+              </a:lstStyle>
+              <a:p>
+                <a:pPr marL="0" indent="0" algn="ctr">
+                  <a:lnSpc>
+                    <a:spcPct val="100000"/>
+                  </a:lnSpc>
+                  <a:buNone/>
+                </a:pPr>
+                <a:r>
+                  <a:rPr lang="en-US" sz="4800" b="1" smtClean="0">
+                    <a:solidFill>
+                      <a:srgbClr val="F7B217"/>
+                    </a:solidFill>
+                  </a:rPr>
+                  <a:t>Java</a:t>
+                </a:r>
+              </a:p>
+              <a:p>
+                <a:pPr marL="0" indent="0">
+                  <a:lnSpc>
+                    <a:spcPct val="100000"/>
+                  </a:lnSpc>
+                  <a:buNone/>
+                </a:pPr>
+                <a:r>
+                  <a:rPr lang="en-US" sz="3200" b="1" smtClean="0"/>
+                  <a:t>Floating-point operations:</a:t>
+                </a:r>
+              </a:p>
+              <a:p>
+                <a:pPr marL="0" indent="0">
+                  <a:lnSpc>
+                    <a:spcPct val="100000"/>
+                  </a:lnSpc>
+                  <a:buNone/>
+                </a:pPr>
+                <a14:m>
+                  <m:oMath xmlns:m="http://schemas.openxmlformats.org/officeDocument/2006/math">
+                    <m:sSup>
+                      <m:sSupPr>
+                        <m:ctrlPr>
+                          <a:rPr lang="en-US" sz="3200" i="1" smtClean="0">
+                            <a:latin typeface="Cambria Math" panose="02040503050406030204" pitchFamily="18" charset="0"/>
+                          </a:rPr>
+                        </m:ctrlPr>
+                      </m:sSupPr>
+                      <m:e>
+                        <m:r>
+                          <a:rPr lang="en-US" sz="3200" b="0" i="1" smtClean="0">
+                            <a:latin typeface="Cambria Math" panose="02040503050406030204" pitchFamily="18" charset="0"/>
+                          </a:rPr>
+                          <m:t>2∗</m:t>
+                        </m:r>
+                        <m:r>
+                          <a:rPr lang="en-US" sz="3200" b="0" i="1" smtClean="0">
+                            <a:latin typeface="Cambria Math" panose="02040503050406030204" pitchFamily="18" charset="0"/>
+                          </a:rPr>
+                          <m:t>𝑛</m:t>
+                        </m:r>
+                      </m:e>
+                      <m:sup>
+                        <m:r>
+                          <a:rPr lang="en-US" sz="3200" b="0" i="1" smtClean="0">
+                            <a:latin typeface="Cambria Math" panose="02040503050406030204" pitchFamily="18" charset="0"/>
+                          </a:rPr>
+                          <m:t>3</m:t>
+                        </m:r>
+                      </m:sup>
+                    </m:sSup>
+                    <m:r>
+                      <a:rPr lang="en-US" sz="3200" i="1" smtClean="0">
+                        <a:latin typeface="Cambria Math" panose="02040503050406030204" pitchFamily="18" charset="0"/>
+                      </a:rPr>
+                      <m:t>=</m:t>
+                    </m:r>
+                  </m:oMath>
+                </a14:m>
+                <a:r>
+                  <a:rPr lang="en-US" sz="3200" smtClean="0"/>
+                  <a:t> </a:t>
+                </a:r>
+                <a14:m>
+                  <m:oMath xmlns:m="http://schemas.openxmlformats.org/officeDocument/2006/math">
+                    <m:sSup>
+                      <m:sSupPr>
+                        <m:ctrlPr>
+                          <a:rPr lang="en-US" sz="3200" i="1">
+                            <a:latin typeface="Cambria Math" panose="02040503050406030204" pitchFamily="18" charset="0"/>
+                          </a:rPr>
+                        </m:ctrlPr>
+                      </m:sSupPr>
+                      <m:e>
+                        <m:r>
+                          <a:rPr lang="en-US" sz="3200" b="0" i="1" smtClean="0">
+                            <a:latin typeface="Cambria Math" panose="02040503050406030204" pitchFamily="18" charset="0"/>
+                          </a:rPr>
+                          <m:t>2∗(</m:t>
+                        </m:r>
+                        <m:sSup>
+                          <m:sSupPr>
+                            <m:ctrlPr>
+                              <a:rPr lang="en-US" sz="3200" i="1">
+                                <a:latin typeface="Cambria Math" panose="02040503050406030204" pitchFamily="18" charset="0"/>
+                              </a:rPr>
+                            </m:ctrlPr>
+                          </m:sSupPr>
+                          <m:e>
+                            <m:r>
+                              <a:rPr lang="en-US" sz="3200" b="0" i="1" smtClean="0">
+                                <a:latin typeface="Cambria Math" panose="02040503050406030204" pitchFamily="18" charset="0"/>
+                              </a:rPr>
+                              <m:t>2</m:t>
+                            </m:r>
+                          </m:e>
+                          <m:sup>
+                            <m:r>
+                              <a:rPr lang="en-US" sz="3200" b="0" i="1" smtClean="0">
+                                <a:latin typeface="Cambria Math" panose="02040503050406030204" pitchFamily="18" charset="0"/>
+                              </a:rPr>
+                              <m:t>10</m:t>
+                            </m:r>
+                          </m:sup>
+                        </m:sSup>
+                        <m:r>
+                          <a:rPr lang="en-US" sz="3200" b="0" i="1" smtClean="0">
+                            <a:latin typeface="Cambria Math" panose="02040503050406030204" pitchFamily="18" charset="0"/>
+                          </a:rPr>
+                          <m:t>)</m:t>
+                        </m:r>
+                      </m:e>
+                      <m:sup>
+                        <m:r>
+                          <a:rPr lang="en-US" sz="3200" b="0" i="1" smtClean="0">
+                            <a:latin typeface="Cambria Math" panose="02040503050406030204" pitchFamily="18" charset="0"/>
+                          </a:rPr>
+                          <m:t>3</m:t>
+                        </m:r>
+                      </m:sup>
+                    </m:sSup>
+                  </m:oMath>
+                </a14:m>
+                <a:r>
+                  <a:rPr lang="en-US" sz="3200" smtClean="0"/>
+                  <a:t> = </a:t>
+                </a:r>
+                <a14:m>
+                  <m:oMath xmlns:m="http://schemas.openxmlformats.org/officeDocument/2006/math">
+                    <m:sSup>
+                      <m:sSupPr>
+                        <m:ctrlPr>
+                          <a:rPr lang="en-US" sz="3200" i="1">
+                            <a:latin typeface="Cambria Math" panose="02040503050406030204" pitchFamily="18" charset="0"/>
+                          </a:rPr>
+                        </m:ctrlPr>
+                      </m:sSupPr>
+                      <m:e>
+                        <m:r>
+                          <a:rPr lang="en-US" sz="3200" i="1">
+                            <a:latin typeface="Cambria Math" panose="02040503050406030204" pitchFamily="18" charset="0"/>
+                          </a:rPr>
+                          <m:t>2</m:t>
+                        </m:r>
+                      </m:e>
+                      <m:sup>
+                        <m:r>
+                          <a:rPr lang="en-US" sz="3200" b="0" i="1" smtClean="0">
+                            <a:latin typeface="Cambria Math" panose="02040503050406030204" pitchFamily="18" charset="0"/>
+                          </a:rPr>
+                          <m:t>31</m:t>
+                        </m:r>
+                      </m:sup>
+                    </m:sSup>
+                  </m:oMath>
+                </a14:m>
+                <a:endParaRPr lang="en-US" sz="3200" smtClean="0"/>
+              </a:p>
+              <a:p>
+                <a:pPr marL="0" indent="0">
+                  <a:lnSpc>
+                    <a:spcPct val="100000"/>
+                  </a:lnSpc>
+                  <a:spcBef>
+                    <a:spcPts val="1800"/>
+                  </a:spcBef>
+                  <a:buNone/>
+                </a:pPr>
+                <a:r>
+                  <a:rPr lang="en-US" sz="3200" b="1" smtClean="0"/>
+                  <a:t>Running time:</a:t>
+                </a:r>
+              </a:p>
+              <a:p>
+                <a:pPr marL="0" indent="0">
+                  <a:lnSpc>
+                    <a:spcPct val="100000"/>
+                  </a:lnSpc>
+                  <a:buNone/>
+                </a:pPr>
+                <a:endParaRPr lang="en-US" sz="3200" smtClean="0"/>
+              </a:p>
+              <a:p>
+                <a:pPr marL="0" indent="0">
+                  <a:lnSpc>
+                    <a:spcPct val="100000"/>
+                  </a:lnSpc>
+                  <a:spcBef>
+                    <a:spcPts val="1800"/>
+                  </a:spcBef>
+                  <a:buNone/>
+                </a:pPr>
+                <a:r>
+                  <a:rPr lang="en-US" sz="3200" b="1" smtClean="0"/>
+                  <a:t>Performance:</a:t>
+                </a:r>
+              </a:p>
+              <a:p>
+                <a:pPr marL="0" indent="0">
+                  <a:lnSpc>
+                    <a:spcPct val="150000"/>
+                  </a:lnSpc>
+                  <a:buNone/>
+                </a:pPr>
+                <a:endParaRPr lang="en-US"/>
+              </a:p>
+              <a:p>
+                <a:pPr marL="0" indent="0">
+                  <a:lnSpc>
+                    <a:spcPct val="150000"/>
+                  </a:lnSpc>
+                  <a:buNone/>
+                </a:pPr>
+                <a:endParaRPr lang="en-US" smtClean="0"/>
+              </a:p>
+              <a:p>
+                <a:pPr marL="0" indent="0">
+                  <a:lnSpc>
+                    <a:spcPct val="150000"/>
+                  </a:lnSpc>
+                  <a:buNone/>
+                </a:pPr>
+                <a:endParaRPr lang="en-US"/>
+              </a:p>
+            </p:txBody>
+          </p:sp>
+        </mc:Choice>
+        <mc:Fallback>
+          <p:sp>
+            <p:nvSpPr>
+              <p:cNvPr id="6" name="Содержимое 1"/>
+              <p:cNvSpPr txBox="1">
+                <a:spLocks noRot="1" noChangeAspect="1" noMove="1" noResize="1" noEditPoints="1" noAdjustHandles="1" noChangeArrowheads="1" noChangeShapeType="1" noTextEdit="1"/>
+              </p:cNvSpPr>
+              <p:nvPr/>
+            </p:nvSpPr>
+            <p:spPr>
+              <a:xfrm>
+                <a:off x="838200" y="1178053"/>
+                <a:ext cx="4812792" cy="4997896"/>
+              </a:xfrm>
+              <a:prstGeom prst="rect">
+                <a:avLst/>
+              </a:prstGeom>
+              <a:blipFill rotWithShape="0">
+                <a:blip r:embed="rId2"/>
+                <a:stretch>
+                  <a:fillRect l="-3295" t="-2683"/>
+                </a:stretch>
+              </a:blipFill>
+            </p:spPr>
+            <p:txBody>
+              <a:bodyPr/>
+              <a:lstStyle/>
+              <a:p>
+                <a:r>
+                  <a:rPr lang="en-US">
+                    <a:noFill/>
+                  </a:rPr>
+                  <a:t> </a:t>
+                </a:r>
+              </a:p>
+            </p:txBody>
+          </p:sp>
+        </mc:Fallback>
+      </mc:AlternateContent>
+    </p:spTree>
+    <p:extLst>
+      <p:ext uri="{BB962C8B-B14F-4D97-AF65-F5344CB8AC3E}">
+        <p14:creationId xmlns:p14="http://schemas.microsoft.com/office/powerpoint/2010/main" val="476216845"/>
+      </p:ext>
+    </p:extLst>
+  </p:cSld>
+  <p:clrMapOvr>
+    <a:masterClrMapping/>
+  </p:clrMapOvr>
+  <p:timing>
+    <p:tnLst>
+      <p:par>
+        <p:cTn id="1" dur="indefinite" restart="never" nodeType="tmRoot"/>
+      </p:par>
+    </p:tnLst>
+  </p:timing>
+</p:sld>
+</file>
+
+<file path=ppt/slides/slide8.xml><?xml version="1.0" encoding="utf-8"?>
+<p:sld xmlns:a="http://schemas.openxmlformats.org/drawingml/2006/main" xmlns:r="http://schemas.openxmlformats.org/officeDocument/2006/relationships" xmlns:p="http://schemas.openxmlformats.org/presentationml/2006/main">
+  <p:cSld>
+    <p:spTree>
+      <p:nvGrpSpPr>
+        <p:cNvPr id="1" name=""/>
+        <p:cNvGrpSpPr/>
+        <p:nvPr/>
+      </p:nvGrpSpPr>
+      <p:grpSpPr>
+        <a:xfrm>
+          <a:off x="0" y="0"/>
+          <a:ext cx="0" cy="0"/>
+          <a:chOff x="0" y="0"/>
+          <a:chExt cx="0" cy="0"/>
+        </a:xfrm>
+      </p:grpSpPr>
+      <p:sp>
+        <p:nvSpPr>
+          <p:cNvPr id="3" name="Slide Number Placeholder 2"/>
+          <p:cNvSpPr>
+            <a:spLocks noGrp="1"/>
+          </p:cNvSpPr>
+          <p:nvPr>
+            <p:ph type="sldNum" sz="quarter" idx="12"/>
+          </p:nvPr>
+        </p:nvSpPr>
+        <p:spPr/>
+        <p:txBody>
+          <a:bodyPr/>
+          <a:lstStyle/>
+          <a:p>
+            <a:pPr algn="ctr"/>
+            <a:fld id="{1397BFD8-F312-4EF2-A268-44FB4BDDBBB0}" type="slidenum">
+              <a:rPr lang="ru-RU" smtClean="0"/>
+              <a:pPr algn="ctr"/>
+              <a:t>8</a:t>
+            </a:fld>
+            <a:endParaRPr lang="ru-RU" dirty="0"/>
+          </a:p>
+        </p:txBody>
+      </p:sp>
+      <p:sp>
+        <p:nvSpPr>
+          <p:cNvPr id="4" name="Title 3"/>
+          <p:cNvSpPr>
+            <a:spLocks noGrp="1"/>
+          </p:cNvSpPr>
+          <p:nvPr>
+            <p:ph type="title"/>
+          </p:nvPr>
+        </p:nvSpPr>
+        <p:spPr/>
+        <p:txBody>
+          <a:bodyPr/>
+          <a:lstStyle/>
+          <a:p>
+            <a:r>
+              <a:rPr lang="en-US"/>
+              <a:t>Performance: </a:t>
+            </a:r>
+            <a:r>
+              <a:rPr lang="en-US" smtClean="0"/>
+              <a:t>Matrix </a:t>
+            </a:r>
+            <a:r>
+              <a:rPr lang="en-US"/>
+              <a:t>Multiplication (</a:t>
+            </a:r>
+            <a:r>
+              <a:rPr lang="en-US"/>
+              <a:t>part </a:t>
+            </a:r>
+            <a:r>
+              <a:rPr lang="en-US" smtClean="0"/>
+              <a:t>3)</a:t>
+            </a:r>
+            <a:endParaRPr lang="en-US"/>
+          </a:p>
+        </p:txBody>
+      </p:sp>
+      <p:sp>
+        <p:nvSpPr>
+          <p:cNvPr id="7" name="Rectangle 6"/>
+          <p:cNvSpPr/>
+          <p:nvPr/>
+        </p:nvSpPr>
+        <p:spPr>
+          <a:xfrm>
+            <a:off x="5477256" y="1048666"/>
+            <a:ext cx="6355080" cy="5678478"/>
+          </a:xfrm>
+          <a:prstGeom prst="rect">
+            <a:avLst/>
+          </a:prstGeom>
+        </p:spPr>
+        <p:txBody>
+          <a:bodyPr wrap="square">
+            <a:spAutoFit/>
+          </a:bodyPr>
+          <a:lstStyle/>
+          <a:p>
+            <a:pPr lvl="0" eaLnBrk="0" fontAlgn="base" hangingPunct="0">
+              <a:spcBef>
+                <a:spcPct val="0"/>
+              </a:spcBef>
+              <a:spcAft>
+                <a:spcPct val="0"/>
+              </a:spcAft>
+            </a:pPr>
+            <a:r>
+              <a:rPr lang="en-US" altLang="en-US" sz="1100" b="1">
+                <a:solidFill>
+                  <a:srgbClr val="000080"/>
+                </a:solidFill>
+                <a:latin typeface="Consolas" panose="020B0609020204030204" pitchFamily="49" charset="0"/>
+              </a:rPr>
+              <a:t>#include </a:t>
+            </a:r>
+            <a:r>
+              <a:rPr lang="en-US" altLang="en-US" sz="1100">
+                <a:solidFill>
+                  <a:srgbClr val="000000"/>
+                </a:solidFill>
+                <a:latin typeface="Consolas" panose="020B0609020204030204" pitchFamily="49" charset="0"/>
+              </a:rPr>
+              <a:t>&lt;stdlib.h&gt;</a:t>
+            </a:r>
+            <a:br>
+              <a:rPr lang="en-US" altLang="en-US" sz="1100">
+                <a:solidFill>
+                  <a:srgbClr val="000000"/>
+                </a:solidFill>
+                <a:latin typeface="Consolas" panose="020B0609020204030204" pitchFamily="49" charset="0"/>
+              </a:rPr>
+            </a:br>
+            <a:r>
+              <a:rPr lang="en-US" altLang="en-US" sz="1100" b="1">
+                <a:solidFill>
+                  <a:srgbClr val="000080"/>
+                </a:solidFill>
+                <a:latin typeface="Consolas" panose="020B0609020204030204" pitchFamily="49" charset="0"/>
+              </a:rPr>
+              <a:t>#include </a:t>
+            </a:r>
+            <a:r>
+              <a:rPr lang="en-US" altLang="en-US" sz="1100">
+                <a:solidFill>
+                  <a:srgbClr val="000000"/>
+                </a:solidFill>
+                <a:latin typeface="Consolas" panose="020B0609020204030204" pitchFamily="49" charset="0"/>
+              </a:rPr>
+              <a:t>&lt;stdio.h&gt;</a:t>
+            </a:r>
+            <a:br>
+              <a:rPr lang="en-US" altLang="en-US" sz="1100">
+                <a:solidFill>
+                  <a:srgbClr val="000000"/>
+                </a:solidFill>
+                <a:latin typeface="Consolas" panose="020B0609020204030204" pitchFamily="49" charset="0"/>
+              </a:rPr>
+            </a:br>
+            <a:r>
+              <a:rPr lang="en-US" altLang="en-US" sz="1100" b="1">
+                <a:solidFill>
+                  <a:srgbClr val="000080"/>
+                </a:solidFill>
+                <a:latin typeface="Consolas" panose="020B0609020204030204" pitchFamily="49" charset="0"/>
+              </a:rPr>
+              <a:t>#include </a:t>
+            </a:r>
+            <a:r>
+              <a:rPr lang="en-US" altLang="en-US" sz="1100">
+                <a:solidFill>
+                  <a:srgbClr val="000000"/>
+                </a:solidFill>
+                <a:latin typeface="Consolas" panose="020B0609020204030204" pitchFamily="49" charset="0"/>
+              </a:rPr>
+              <a:t>&lt;</a:t>
+            </a:r>
+            <a:r>
+              <a:rPr lang="en-US" altLang="en-US" sz="1100">
+                <a:solidFill>
+                  <a:srgbClr val="000000"/>
+                </a:solidFill>
+                <a:latin typeface="Consolas" panose="020B0609020204030204" pitchFamily="49" charset="0"/>
+              </a:rPr>
+              <a:t>sys/time.h</a:t>
+            </a:r>
+            <a:r>
+              <a:rPr lang="en-US" altLang="en-US" sz="1100" smtClean="0">
+                <a:solidFill>
+                  <a:srgbClr val="000000"/>
+                </a:solidFill>
+                <a:latin typeface="Consolas" panose="020B0609020204030204" pitchFamily="49" charset="0"/>
+              </a:rPr>
+              <a:t>&gt;</a:t>
+            </a:r>
+          </a:p>
+          <a:p>
+            <a:pPr lvl="0" eaLnBrk="0" fontAlgn="base" hangingPunct="0">
+              <a:spcBef>
+                <a:spcPct val="0"/>
+              </a:spcBef>
+              <a:spcAft>
+                <a:spcPct val="0"/>
+              </a:spcAft>
+            </a:pPr>
+            <a:r>
+              <a:rPr lang="en-US" altLang="en-US" sz="1100">
+                <a:solidFill>
+                  <a:srgbClr val="000000"/>
+                </a:solidFill>
+                <a:latin typeface="Consolas" panose="020B0609020204030204" pitchFamily="49" charset="0"/>
+              </a:rPr>
+              <a:t/>
+            </a:r>
+            <a:br>
+              <a:rPr lang="en-US" altLang="en-US" sz="1100">
+                <a:solidFill>
+                  <a:srgbClr val="000000"/>
+                </a:solidFill>
+                <a:latin typeface="Consolas" panose="020B0609020204030204" pitchFamily="49" charset="0"/>
+              </a:rPr>
+            </a:br>
+            <a:r>
+              <a:rPr lang="en-US" altLang="en-US" sz="1100" b="1" smtClean="0">
+                <a:solidFill>
+                  <a:srgbClr val="000080"/>
+                </a:solidFill>
+                <a:latin typeface="Consolas" panose="020B0609020204030204" pitchFamily="49" charset="0"/>
+              </a:rPr>
+              <a:t>#</a:t>
+            </a:r>
+            <a:r>
+              <a:rPr lang="en-US" altLang="en-US" sz="1100" b="1">
+                <a:solidFill>
+                  <a:srgbClr val="000080"/>
+                </a:solidFill>
+                <a:latin typeface="Consolas" panose="020B0609020204030204" pitchFamily="49" charset="0"/>
+              </a:rPr>
+              <a:t>define </a:t>
+            </a:r>
+            <a:r>
+              <a:rPr lang="en-US" altLang="en-US" sz="1100">
+                <a:solidFill>
+                  <a:srgbClr val="000000"/>
+                </a:solidFill>
+                <a:latin typeface="Consolas" panose="020B0609020204030204" pitchFamily="49" charset="0"/>
+              </a:rPr>
+              <a:t>n </a:t>
+            </a:r>
+            <a:r>
+              <a:rPr lang="en-US" altLang="en-US" sz="1100">
+                <a:solidFill>
+                  <a:srgbClr val="0000FF"/>
+                </a:solidFill>
+                <a:latin typeface="Consolas" panose="020B0609020204030204" pitchFamily="49" charset="0"/>
+              </a:rPr>
+              <a:t>1024</a:t>
+            </a:r>
+            <a:br>
+              <a:rPr lang="en-US" altLang="en-US" sz="1100">
+                <a:solidFill>
+                  <a:srgbClr val="0000FF"/>
+                </a:solidFill>
+                <a:latin typeface="Consolas" panose="020B0609020204030204" pitchFamily="49" charset="0"/>
+              </a:rPr>
+            </a:br>
+            <a:r>
+              <a:rPr lang="en-US" altLang="en-US" sz="1100" b="1">
+                <a:solidFill>
+                  <a:srgbClr val="000080"/>
+                </a:solidFill>
+                <a:latin typeface="Consolas" panose="020B0609020204030204" pitchFamily="49" charset="0"/>
+              </a:rPr>
+              <a:t>double </a:t>
+            </a:r>
+            <a:r>
+              <a:rPr lang="en-US" altLang="en-US" sz="1100">
+                <a:solidFill>
+                  <a:srgbClr val="000000"/>
+                </a:solidFill>
+                <a:latin typeface="Consolas" panose="020B0609020204030204" pitchFamily="49" charset="0"/>
+              </a:rPr>
+              <a:t>A[n][n];</a:t>
+            </a:r>
+            <a:br>
+              <a:rPr lang="en-US" altLang="en-US" sz="1100">
+                <a:solidFill>
+                  <a:srgbClr val="000000"/>
+                </a:solidFill>
+                <a:latin typeface="Consolas" panose="020B0609020204030204" pitchFamily="49" charset="0"/>
+              </a:rPr>
+            </a:br>
+            <a:r>
+              <a:rPr lang="en-US" altLang="en-US" sz="1100" b="1">
+                <a:solidFill>
+                  <a:srgbClr val="000080"/>
+                </a:solidFill>
+                <a:latin typeface="Consolas" panose="020B0609020204030204" pitchFamily="49" charset="0"/>
+              </a:rPr>
+              <a:t>double </a:t>
+            </a:r>
+            <a:r>
+              <a:rPr lang="en-US" altLang="en-US" sz="1100">
+                <a:solidFill>
+                  <a:srgbClr val="000000"/>
+                </a:solidFill>
+                <a:latin typeface="Consolas" panose="020B0609020204030204" pitchFamily="49" charset="0"/>
+              </a:rPr>
+              <a:t>B[n][n];</a:t>
+            </a:r>
+            <a:br>
+              <a:rPr lang="en-US" altLang="en-US" sz="1100">
+                <a:solidFill>
+                  <a:srgbClr val="000000"/>
+                </a:solidFill>
+                <a:latin typeface="Consolas" panose="020B0609020204030204" pitchFamily="49" charset="0"/>
+              </a:rPr>
+            </a:br>
+            <a:r>
+              <a:rPr lang="en-US" altLang="en-US" sz="1100" b="1">
+                <a:solidFill>
+                  <a:srgbClr val="000080"/>
+                </a:solidFill>
+                <a:latin typeface="Consolas" panose="020B0609020204030204" pitchFamily="49" charset="0"/>
+              </a:rPr>
+              <a:t>double </a:t>
+            </a:r>
+            <a:r>
+              <a:rPr lang="en-US" altLang="en-US" sz="1100">
+                <a:solidFill>
+                  <a:srgbClr val="000000"/>
+                </a:solidFill>
+                <a:latin typeface="Consolas" panose="020B0609020204030204" pitchFamily="49" charset="0"/>
+              </a:rPr>
+              <a:t>C[n][n];</a:t>
+            </a:r>
+            <a:r>
+              <a:rPr lang="en-US" altLang="en-US" sz="1100">
+                <a:solidFill>
+                  <a:srgbClr val="000000"/>
+                </a:solidFill>
+                <a:latin typeface="Consolas" panose="020B0609020204030204" pitchFamily="49" charset="0"/>
+              </a:rPr>
+              <a:t/>
+            </a:r>
+            <a:br>
+              <a:rPr lang="en-US" altLang="en-US" sz="1100">
+                <a:solidFill>
+                  <a:srgbClr val="000000"/>
+                </a:solidFill>
+                <a:latin typeface="Consolas" panose="020B0609020204030204" pitchFamily="49" charset="0"/>
+              </a:rPr>
+            </a:br>
+            <a:endParaRPr lang="en-US" altLang="en-US" sz="1100" smtClean="0">
+              <a:solidFill>
+                <a:srgbClr val="000000"/>
+              </a:solidFill>
+              <a:latin typeface="Consolas" panose="020B0609020204030204" pitchFamily="49" charset="0"/>
+            </a:endParaRPr>
+          </a:p>
+          <a:p>
+            <a:pPr lvl="0" eaLnBrk="0" fontAlgn="base" hangingPunct="0">
+              <a:spcBef>
+                <a:spcPct val="0"/>
+              </a:spcBef>
+              <a:spcAft>
+                <a:spcPct val="0"/>
+              </a:spcAft>
+            </a:pPr>
+            <a:r>
+              <a:rPr lang="en-US" altLang="en-US" sz="1100" b="1" smtClean="0">
+                <a:solidFill>
+                  <a:srgbClr val="000080"/>
+                </a:solidFill>
+                <a:latin typeface="Consolas" panose="020B0609020204030204" pitchFamily="49" charset="0"/>
+              </a:rPr>
+              <a:t>float </a:t>
+            </a:r>
+            <a:r>
+              <a:rPr lang="en-US" altLang="en-US" sz="1100">
+                <a:solidFill>
+                  <a:srgbClr val="000000"/>
+                </a:solidFill>
+                <a:latin typeface="Consolas" panose="020B0609020204030204" pitchFamily="49" charset="0"/>
+              </a:rPr>
+              <a:t>tdiff(</a:t>
+            </a:r>
+            <a:r>
+              <a:rPr lang="en-US" altLang="en-US" sz="1100" b="1">
+                <a:solidFill>
+                  <a:srgbClr val="000080"/>
+                </a:solidFill>
+                <a:latin typeface="Consolas" panose="020B0609020204030204" pitchFamily="49" charset="0"/>
+              </a:rPr>
+              <a:t>struct </a:t>
+            </a:r>
+            <a:r>
+              <a:rPr lang="en-US" altLang="en-US" sz="1100">
+                <a:solidFill>
+                  <a:srgbClr val="000000"/>
+                </a:solidFill>
+                <a:latin typeface="Consolas" panose="020B0609020204030204" pitchFamily="49" charset="0"/>
+              </a:rPr>
+              <a:t>timeval *start, </a:t>
+            </a:r>
+            <a:r>
+              <a:rPr lang="en-US" altLang="en-US" sz="1100" b="1">
+                <a:solidFill>
+                  <a:srgbClr val="000080"/>
+                </a:solidFill>
+                <a:latin typeface="Consolas" panose="020B0609020204030204" pitchFamily="49" charset="0"/>
+              </a:rPr>
+              <a:t>struct </a:t>
+            </a:r>
+            <a:r>
+              <a:rPr lang="en-US" altLang="en-US" sz="1100">
+                <a:solidFill>
+                  <a:srgbClr val="000000"/>
+                </a:solidFill>
+                <a:latin typeface="Consolas" panose="020B0609020204030204" pitchFamily="49" charset="0"/>
+              </a:rPr>
+              <a:t>timeval *end) {</a:t>
+            </a:r>
+            <a:br>
+              <a:rPr lang="en-US" altLang="en-US" sz="1100">
+                <a:solidFill>
+                  <a:srgbClr val="000000"/>
+                </a:solidFill>
+                <a:latin typeface="Consolas" panose="020B0609020204030204" pitchFamily="49" charset="0"/>
+              </a:rPr>
+            </a:br>
+            <a:r>
+              <a:rPr lang="en-US" altLang="en-US" sz="1100">
+                <a:solidFill>
+                  <a:srgbClr val="000000"/>
+                </a:solidFill>
+                <a:latin typeface="Consolas" panose="020B0609020204030204" pitchFamily="49" charset="0"/>
+              </a:rPr>
+              <a:t>    </a:t>
+            </a:r>
+            <a:r>
+              <a:rPr lang="en-US" altLang="en-US" sz="1100" b="1">
+                <a:solidFill>
+                  <a:srgbClr val="000080"/>
+                </a:solidFill>
+                <a:latin typeface="Consolas" panose="020B0609020204030204" pitchFamily="49" charset="0"/>
+              </a:rPr>
+              <a:t>return </a:t>
+            </a:r>
+            <a:r>
+              <a:rPr lang="en-US" altLang="en-US" sz="1100">
+                <a:solidFill>
+                  <a:srgbClr val="000000"/>
+                </a:solidFill>
+                <a:latin typeface="Consolas" panose="020B0609020204030204" pitchFamily="49" charset="0"/>
+              </a:rPr>
+              <a:t>(end</a:t>
+            </a:r>
+            <a:r>
+              <a:rPr lang="en-US" altLang="en-US" sz="1100" b="1">
+                <a:solidFill>
+                  <a:srgbClr val="006666"/>
+                </a:solidFill>
+                <a:latin typeface="Consolas" panose="020B0609020204030204" pitchFamily="49" charset="0"/>
+              </a:rPr>
+              <a:t>-&gt;</a:t>
+            </a:r>
+            <a:r>
+              <a:rPr lang="en-US" altLang="en-US" sz="1100">
+                <a:solidFill>
+                  <a:srgbClr val="000000"/>
+                </a:solidFill>
+                <a:latin typeface="Consolas" panose="020B0609020204030204" pitchFamily="49" charset="0"/>
+              </a:rPr>
+              <a:t>tv_sec - start</a:t>
+            </a:r>
+            <a:r>
+              <a:rPr lang="en-US" altLang="en-US" sz="1100" b="1">
+                <a:solidFill>
+                  <a:srgbClr val="006666"/>
+                </a:solidFill>
+                <a:latin typeface="Consolas" panose="020B0609020204030204" pitchFamily="49" charset="0"/>
+              </a:rPr>
+              <a:t>-&gt;</a:t>
+            </a:r>
+            <a:r>
+              <a:rPr lang="en-US" altLang="en-US" sz="1100">
+                <a:solidFill>
+                  <a:srgbClr val="000000"/>
+                </a:solidFill>
+                <a:latin typeface="Consolas" panose="020B0609020204030204" pitchFamily="49" charset="0"/>
+              </a:rPr>
+              <a:t>tv_sec</a:t>
+            </a:r>
+            <a:r>
+              <a:rPr lang="en-US" altLang="en-US" sz="1100">
+                <a:solidFill>
+                  <a:srgbClr val="000000"/>
+                </a:solidFill>
+                <a:latin typeface="Consolas" panose="020B0609020204030204" pitchFamily="49" charset="0"/>
+              </a:rPr>
+              <a:t>) </a:t>
+            </a:r>
+            <a:r>
+              <a:rPr lang="en-US" altLang="en-US" sz="1100" smtClean="0">
+                <a:solidFill>
+                  <a:srgbClr val="000000"/>
+                </a:solidFill>
+                <a:latin typeface="Consolas" panose="020B0609020204030204" pitchFamily="49" charset="0"/>
+              </a:rPr>
+              <a:t>* </a:t>
+            </a:r>
+            <a:r>
+              <a:rPr lang="en-US" altLang="en-US" sz="1100" smtClean="0">
+                <a:solidFill>
+                  <a:srgbClr val="0000FF"/>
+                </a:solidFill>
+                <a:latin typeface="Consolas" panose="020B0609020204030204" pitchFamily="49" charset="0"/>
+              </a:rPr>
+              <a:t>1</a:t>
+            </a:r>
+            <a:r>
+              <a:rPr lang="en-US" altLang="en-US" sz="1100" smtClean="0">
+                <a:solidFill>
+                  <a:srgbClr val="000000"/>
+                </a:solidFill>
+                <a:latin typeface="Consolas" panose="020B0609020204030204" pitchFamily="49" charset="0"/>
+              </a:rPr>
+              <a:t>e-6*(</a:t>
+            </a:r>
+            <a:r>
+              <a:rPr lang="en-US" altLang="en-US" sz="1100">
+                <a:solidFill>
+                  <a:srgbClr val="000000"/>
+                </a:solidFill>
+                <a:latin typeface="Consolas" panose="020B0609020204030204" pitchFamily="49" charset="0"/>
+              </a:rPr>
+              <a:t>end</a:t>
+            </a:r>
+            <a:r>
+              <a:rPr lang="en-US" altLang="en-US" sz="1100" b="1">
+                <a:solidFill>
+                  <a:srgbClr val="006666"/>
+                </a:solidFill>
+                <a:latin typeface="Consolas" panose="020B0609020204030204" pitchFamily="49" charset="0"/>
+              </a:rPr>
+              <a:t>-&gt;</a:t>
+            </a:r>
+            <a:r>
+              <a:rPr lang="en-US" altLang="en-US" sz="1100">
+                <a:solidFill>
+                  <a:srgbClr val="000000"/>
+                </a:solidFill>
+                <a:latin typeface="Consolas" panose="020B0609020204030204" pitchFamily="49" charset="0"/>
+              </a:rPr>
+              <a:t>tv_usec - start</a:t>
+            </a:r>
+            <a:r>
+              <a:rPr lang="en-US" altLang="en-US" sz="1100" b="1">
+                <a:solidFill>
+                  <a:srgbClr val="006666"/>
+                </a:solidFill>
+                <a:latin typeface="Consolas" panose="020B0609020204030204" pitchFamily="49" charset="0"/>
+              </a:rPr>
+              <a:t>-&gt;</a:t>
+            </a:r>
+            <a:r>
+              <a:rPr lang="en-US" altLang="en-US" sz="1100">
+                <a:solidFill>
+                  <a:srgbClr val="000000"/>
+                </a:solidFill>
+                <a:latin typeface="Consolas" panose="020B0609020204030204" pitchFamily="49" charset="0"/>
+              </a:rPr>
+              <a:t>tv_usec);</a:t>
+            </a:r>
+            <a:br>
+              <a:rPr lang="en-US" altLang="en-US" sz="1100">
+                <a:solidFill>
+                  <a:srgbClr val="000000"/>
+                </a:solidFill>
+                <a:latin typeface="Consolas" panose="020B0609020204030204" pitchFamily="49" charset="0"/>
+              </a:rPr>
+            </a:br>
+            <a:r>
+              <a:rPr lang="en-US" altLang="en-US" sz="1100">
+                <a:solidFill>
+                  <a:srgbClr val="000000"/>
+                </a:solidFill>
+                <a:latin typeface="Consolas" panose="020B0609020204030204" pitchFamily="49" charset="0"/>
+              </a:rPr>
+              <a:t>}</a:t>
+            </a:r>
+            <a:r>
+              <a:rPr lang="en-US" altLang="en-US" sz="1100">
+                <a:solidFill>
+                  <a:srgbClr val="000000"/>
+                </a:solidFill>
+                <a:latin typeface="Consolas" panose="020B0609020204030204" pitchFamily="49" charset="0"/>
+              </a:rPr>
+              <a:t/>
+            </a:r>
+            <a:br>
+              <a:rPr lang="en-US" altLang="en-US" sz="1100">
+                <a:solidFill>
+                  <a:srgbClr val="000000"/>
+                </a:solidFill>
+                <a:latin typeface="Consolas" panose="020B0609020204030204" pitchFamily="49" charset="0"/>
+              </a:rPr>
+            </a:br>
+            <a:r>
+              <a:rPr lang="en-US" altLang="en-US" sz="1100" b="1" smtClean="0">
+                <a:solidFill>
+                  <a:srgbClr val="000080"/>
+                </a:solidFill>
+                <a:latin typeface="Consolas" panose="020B0609020204030204" pitchFamily="49" charset="0"/>
+              </a:rPr>
+              <a:t>int </a:t>
+            </a:r>
+            <a:r>
+              <a:rPr lang="en-US" altLang="en-US" sz="1100">
+                <a:solidFill>
+                  <a:srgbClr val="000000"/>
+                </a:solidFill>
+                <a:latin typeface="Consolas" panose="020B0609020204030204" pitchFamily="49" charset="0"/>
+              </a:rPr>
+              <a:t>main(</a:t>
+            </a:r>
+            <a:r>
+              <a:rPr lang="en-US" altLang="en-US" sz="1100" b="1">
+                <a:solidFill>
+                  <a:srgbClr val="000080"/>
+                </a:solidFill>
+                <a:latin typeface="Consolas" panose="020B0609020204030204" pitchFamily="49" charset="0"/>
+              </a:rPr>
+              <a:t>int </a:t>
+            </a:r>
+            <a:r>
+              <a:rPr lang="en-US" altLang="en-US" sz="1100">
+                <a:solidFill>
+                  <a:srgbClr val="000000"/>
+                </a:solidFill>
+                <a:latin typeface="Consolas" panose="020B0609020204030204" pitchFamily="49" charset="0"/>
+              </a:rPr>
+              <a:t>argc, </a:t>
+            </a:r>
+            <a:r>
+              <a:rPr lang="en-US" altLang="en-US" sz="1100" b="1">
+                <a:solidFill>
+                  <a:srgbClr val="000080"/>
+                </a:solidFill>
+                <a:latin typeface="Consolas" panose="020B0609020204030204" pitchFamily="49" charset="0"/>
+              </a:rPr>
+              <a:t>const char </a:t>
+            </a:r>
+            <a:r>
+              <a:rPr lang="en-US" altLang="en-US" sz="1100">
+                <a:solidFill>
+                  <a:srgbClr val="000000"/>
+                </a:solidFill>
+                <a:latin typeface="Consolas" panose="020B0609020204030204" pitchFamily="49" charset="0"/>
+              </a:rPr>
+              <a:t>*argv[]) {</a:t>
+            </a:r>
+            <a:br>
+              <a:rPr lang="en-US" altLang="en-US" sz="1100">
+                <a:solidFill>
+                  <a:srgbClr val="000000"/>
+                </a:solidFill>
+                <a:latin typeface="Consolas" panose="020B0609020204030204" pitchFamily="49" charset="0"/>
+              </a:rPr>
+            </a:br>
+            <a:r>
+              <a:rPr lang="en-US" altLang="en-US" sz="1100">
+                <a:solidFill>
+                  <a:srgbClr val="000000"/>
+                </a:solidFill>
+                <a:latin typeface="Consolas" panose="020B0609020204030204" pitchFamily="49" charset="0"/>
+              </a:rPr>
+              <a:t>    </a:t>
+            </a:r>
+            <a:r>
+              <a:rPr lang="en-US" altLang="en-US" sz="1100" b="1">
+                <a:solidFill>
+                  <a:srgbClr val="000080"/>
+                </a:solidFill>
+                <a:latin typeface="Consolas" panose="020B0609020204030204" pitchFamily="49" charset="0"/>
+              </a:rPr>
+              <a:t>for </a:t>
+            </a:r>
+            <a:r>
+              <a:rPr lang="en-US" altLang="en-US" sz="1100">
+                <a:solidFill>
+                  <a:srgbClr val="000000"/>
+                </a:solidFill>
+                <a:latin typeface="Consolas" panose="020B0609020204030204" pitchFamily="49" charset="0"/>
+              </a:rPr>
+              <a:t>(</a:t>
+            </a:r>
+            <a:r>
+              <a:rPr lang="en-US" altLang="en-US" sz="1100" b="1">
+                <a:solidFill>
+                  <a:srgbClr val="000080"/>
+                </a:solidFill>
+                <a:latin typeface="Consolas" panose="020B0609020204030204" pitchFamily="49" charset="0"/>
+              </a:rPr>
+              <a:t>int </a:t>
+            </a:r>
+            <a:r>
+              <a:rPr lang="en-US" altLang="en-US" sz="1100">
+                <a:solidFill>
+                  <a:srgbClr val="000000"/>
+                </a:solidFill>
+                <a:latin typeface="Consolas" panose="020B0609020204030204" pitchFamily="49" charset="0"/>
+              </a:rPr>
+              <a:t>i = </a:t>
+            </a:r>
+            <a:r>
+              <a:rPr lang="en-US" altLang="en-US" sz="1100">
+                <a:solidFill>
+                  <a:srgbClr val="0000FF"/>
+                </a:solidFill>
+                <a:latin typeface="Consolas" panose="020B0609020204030204" pitchFamily="49" charset="0"/>
+              </a:rPr>
+              <a:t>0</a:t>
+            </a:r>
+            <a:r>
+              <a:rPr lang="en-US" altLang="en-US" sz="1100">
+                <a:solidFill>
+                  <a:srgbClr val="000000"/>
+                </a:solidFill>
+                <a:latin typeface="Consolas" panose="020B0609020204030204" pitchFamily="49" charset="0"/>
+              </a:rPr>
+              <a:t>; i &lt; n; i++) {</a:t>
+            </a:r>
+            <a:br>
+              <a:rPr lang="en-US" altLang="en-US" sz="1100">
+                <a:solidFill>
+                  <a:srgbClr val="000000"/>
+                </a:solidFill>
+                <a:latin typeface="Consolas" panose="020B0609020204030204" pitchFamily="49" charset="0"/>
+              </a:rPr>
+            </a:br>
+            <a:r>
+              <a:rPr lang="en-US" altLang="en-US" sz="1100">
+                <a:solidFill>
+                  <a:srgbClr val="000000"/>
+                </a:solidFill>
+                <a:latin typeface="Consolas" panose="020B0609020204030204" pitchFamily="49" charset="0"/>
+              </a:rPr>
+              <a:t>        </a:t>
+            </a:r>
+            <a:r>
+              <a:rPr lang="en-US" altLang="en-US" sz="1100" b="1">
+                <a:solidFill>
+                  <a:srgbClr val="000080"/>
+                </a:solidFill>
+                <a:latin typeface="Consolas" panose="020B0609020204030204" pitchFamily="49" charset="0"/>
+              </a:rPr>
+              <a:t>for </a:t>
+            </a:r>
+            <a:r>
+              <a:rPr lang="en-US" altLang="en-US" sz="1100">
+                <a:solidFill>
+                  <a:srgbClr val="000000"/>
+                </a:solidFill>
+                <a:latin typeface="Consolas" panose="020B0609020204030204" pitchFamily="49" charset="0"/>
+              </a:rPr>
+              <a:t>(</a:t>
+            </a:r>
+            <a:r>
+              <a:rPr lang="en-US" altLang="en-US" sz="1100" b="1">
+                <a:solidFill>
+                  <a:srgbClr val="000080"/>
+                </a:solidFill>
+                <a:latin typeface="Consolas" panose="020B0609020204030204" pitchFamily="49" charset="0"/>
+              </a:rPr>
+              <a:t>int </a:t>
+            </a:r>
+            <a:r>
+              <a:rPr lang="en-US" altLang="en-US" sz="1100">
+                <a:solidFill>
+                  <a:srgbClr val="000000"/>
+                </a:solidFill>
+                <a:latin typeface="Consolas" panose="020B0609020204030204" pitchFamily="49" charset="0"/>
+              </a:rPr>
+              <a:t>j = </a:t>
+            </a:r>
+            <a:r>
+              <a:rPr lang="en-US" altLang="en-US" sz="1100">
+                <a:solidFill>
+                  <a:srgbClr val="0000FF"/>
+                </a:solidFill>
+                <a:latin typeface="Consolas" panose="020B0609020204030204" pitchFamily="49" charset="0"/>
+              </a:rPr>
+              <a:t>0</a:t>
+            </a:r>
+            <a:r>
+              <a:rPr lang="en-US" altLang="en-US" sz="1100">
+                <a:solidFill>
+                  <a:srgbClr val="000000"/>
+                </a:solidFill>
+                <a:latin typeface="Consolas" panose="020B0609020204030204" pitchFamily="49" charset="0"/>
+              </a:rPr>
+              <a:t>; j &lt; n; j++) {</a:t>
+            </a:r>
+            <a:br>
+              <a:rPr lang="en-US" altLang="en-US" sz="1100">
+                <a:solidFill>
+                  <a:srgbClr val="000000"/>
+                </a:solidFill>
+                <a:latin typeface="Consolas" panose="020B0609020204030204" pitchFamily="49" charset="0"/>
+              </a:rPr>
+            </a:br>
+            <a:r>
+              <a:rPr lang="en-US" altLang="en-US" sz="1100">
+                <a:solidFill>
+                  <a:srgbClr val="000000"/>
+                </a:solidFill>
+                <a:latin typeface="Consolas" panose="020B0609020204030204" pitchFamily="49" charset="0"/>
+              </a:rPr>
+              <a:t>            A[i][j] = (</a:t>
+            </a:r>
+            <a:r>
+              <a:rPr lang="en-US" altLang="en-US" sz="1100" b="1">
+                <a:solidFill>
+                  <a:srgbClr val="000080"/>
+                </a:solidFill>
+                <a:latin typeface="Consolas" panose="020B0609020204030204" pitchFamily="49" charset="0"/>
+              </a:rPr>
+              <a:t>double</a:t>
+            </a:r>
+            <a:r>
+              <a:rPr lang="en-US" altLang="en-US" sz="1100">
+                <a:solidFill>
+                  <a:srgbClr val="000000"/>
+                </a:solidFill>
+                <a:latin typeface="Consolas" panose="020B0609020204030204" pitchFamily="49" charset="0"/>
+              </a:rPr>
+              <a:t>)rand() / (</a:t>
+            </a:r>
+            <a:r>
+              <a:rPr lang="en-US" altLang="en-US" sz="1100" b="1">
+                <a:solidFill>
+                  <a:srgbClr val="000080"/>
+                </a:solidFill>
+                <a:latin typeface="Consolas" panose="020B0609020204030204" pitchFamily="49" charset="0"/>
+              </a:rPr>
+              <a:t>double</a:t>
+            </a:r>
+            <a:r>
+              <a:rPr lang="en-US" altLang="en-US" sz="1100">
+                <a:solidFill>
+                  <a:srgbClr val="000000"/>
+                </a:solidFill>
+                <a:latin typeface="Consolas" panose="020B0609020204030204" pitchFamily="49" charset="0"/>
+              </a:rPr>
+              <a:t>)RAND_MAX;</a:t>
+            </a:r>
+            <a:br>
+              <a:rPr lang="en-US" altLang="en-US" sz="1100">
+                <a:solidFill>
+                  <a:srgbClr val="000000"/>
+                </a:solidFill>
+                <a:latin typeface="Consolas" panose="020B0609020204030204" pitchFamily="49" charset="0"/>
+              </a:rPr>
+            </a:br>
+            <a:r>
+              <a:rPr lang="en-US" altLang="en-US" sz="1100">
+                <a:solidFill>
+                  <a:srgbClr val="000000"/>
+                </a:solidFill>
+                <a:latin typeface="Consolas" panose="020B0609020204030204" pitchFamily="49" charset="0"/>
+              </a:rPr>
+              <a:t>            B[i][j] = (</a:t>
+            </a:r>
+            <a:r>
+              <a:rPr lang="en-US" altLang="en-US" sz="1100" b="1">
+                <a:solidFill>
+                  <a:srgbClr val="000080"/>
+                </a:solidFill>
+                <a:latin typeface="Consolas" panose="020B0609020204030204" pitchFamily="49" charset="0"/>
+              </a:rPr>
+              <a:t>double</a:t>
+            </a:r>
+            <a:r>
+              <a:rPr lang="en-US" altLang="en-US" sz="1100">
+                <a:solidFill>
+                  <a:srgbClr val="000000"/>
+                </a:solidFill>
+                <a:latin typeface="Consolas" panose="020B0609020204030204" pitchFamily="49" charset="0"/>
+              </a:rPr>
+              <a:t>)rand() / (</a:t>
+            </a:r>
+            <a:r>
+              <a:rPr lang="en-US" altLang="en-US" sz="1100" b="1">
+                <a:solidFill>
+                  <a:srgbClr val="000080"/>
+                </a:solidFill>
+                <a:latin typeface="Consolas" panose="020B0609020204030204" pitchFamily="49" charset="0"/>
+              </a:rPr>
+              <a:t>double</a:t>
+            </a:r>
+            <a:r>
+              <a:rPr lang="en-US" altLang="en-US" sz="1100">
+                <a:solidFill>
+                  <a:srgbClr val="000000"/>
+                </a:solidFill>
+                <a:latin typeface="Consolas" panose="020B0609020204030204" pitchFamily="49" charset="0"/>
+              </a:rPr>
+              <a:t>)RAND_MAX;</a:t>
+            </a:r>
+            <a:br>
+              <a:rPr lang="en-US" altLang="en-US" sz="1100">
+                <a:solidFill>
+                  <a:srgbClr val="000000"/>
+                </a:solidFill>
+                <a:latin typeface="Consolas" panose="020B0609020204030204" pitchFamily="49" charset="0"/>
+              </a:rPr>
+            </a:br>
+            <a:r>
+              <a:rPr lang="en-US" altLang="en-US" sz="1100">
+                <a:solidFill>
+                  <a:srgbClr val="000000"/>
+                </a:solidFill>
+                <a:latin typeface="Consolas" panose="020B0609020204030204" pitchFamily="49" charset="0"/>
+              </a:rPr>
+              <a:t>            C[i][j] = </a:t>
+            </a:r>
+            <a:r>
+              <a:rPr lang="en-US" altLang="en-US" sz="1100">
+                <a:solidFill>
+                  <a:srgbClr val="0000FF"/>
+                </a:solidFill>
+                <a:latin typeface="Consolas" panose="020B0609020204030204" pitchFamily="49" charset="0"/>
+              </a:rPr>
+              <a:t>0</a:t>
+            </a:r>
+            <a:r>
+              <a:rPr lang="en-US" altLang="en-US" sz="1100">
+                <a:solidFill>
+                  <a:srgbClr val="000000"/>
+                </a:solidFill>
+                <a:latin typeface="Consolas" panose="020B0609020204030204" pitchFamily="49" charset="0"/>
+              </a:rPr>
+              <a:t>;</a:t>
+            </a:r>
+            <a:br>
+              <a:rPr lang="en-US" altLang="en-US" sz="1100">
+                <a:solidFill>
+                  <a:srgbClr val="000000"/>
+                </a:solidFill>
+                <a:latin typeface="Consolas" panose="020B0609020204030204" pitchFamily="49" charset="0"/>
+              </a:rPr>
+            </a:br>
+            <a:r>
+              <a:rPr lang="en-US" altLang="en-US" sz="1100">
+                <a:solidFill>
+                  <a:srgbClr val="000000"/>
+                </a:solidFill>
+                <a:latin typeface="Consolas" panose="020B0609020204030204" pitchFamily="49" charset="0"/>
+              </a:rPr>
+              <a:t>        }</a:t>
+            </a:r>
+            <a:br>
+              <a:rPr lang="en-US" altLang="en-US" sz="1100">
+                <a:solidFill>
+                  <a:srgbClr val="000000"/>
+                </a:solidFill>
+                <a:latin typeface="Consolas" panose="020B0609020204030204" pitchFamily="49" charset="0"/>
+              </a:rPr>
+            </a:br>
+            <a:r>
+              <a:rPr lang="en-US" altLang="en-US" sz="1100">
+                <a:solidFill>
+                  <a:srgbClr val="000000"/>
+                </a:solidFill>
+                <a:latin typeface="Consolas" panose="020B0609020204030204" pitchFamily="49" charset="0"/>
+              </a:rPr>
+              <a:t>    }</a:t>
+            </a:r>
+            <a:br>
+              <a:rPr lang="en-US" altLang="en-US" sz="1100">
+                <a:solidFill>
+                  <a:srgbClr val="000000"/>
+                </a:solidFill>
+                <a:latin typeface="Consolas" panose="020B0609020204030204" pitchFamily="49" charset="0"/>
+              </a:rPr>
+            </a:br>
+            <a:r>
+              <a:rPr lang="en-US" altLang="en-US" sz="1100">
+                <a:solidFill>
+                  <a:srgbClr val="000000"/>
+                </a:solidFill>
+                <a:latin typeface="Consolas" panose="020B0609020204030204" pitchFamily="49" charset="0"/>
+              </a:rPr>
+              <a:t>    </a:t>
+            </a:r>
+            <a:r>
+              <a:rPr lang="en-US" altLang="en-US" sz="1100" b="1">
+                <a:solidFill>
+                  <a:srgbClr val="000080"/>
+                </a:solidFill>
+                <a:latin typeface="Consolas" panose="020B0609020204030204" pitchFamily="49" charset="0"/>
+              </a:rPr>
+              <a:t>struct </a:t>
+            </a:r>
+            <a:r>
+              <a:rPr lang="en-US" altLang="en-US" sz="1100">
+                <a:solidFill>
+                  <a:srgbClr val="000000"/>
+                </a:solidFill>
+                <a:latin typeface="Consolas" panose="020B0609020204030204" pitchFamily="49" charset="0"/>
+              </a:rPr>
+              <a:t>timeval start, end;</a:t>
+            </a:r>
+            <a:br>
+              <a:rPr lang="en-US" altLang="en-US" sz="1100">
+                <a:solidFill>
+                  <a:srgbClr val="000000"/>
+                </a:solidFill>
+                <a:latin typeface="Consolas" panose="020B0609020204030204" pitchFamily="49" charset="0"/>
+              </a:rPr>
+            </a:br>
+            <a:r>
+              <a:rPr lang="en-US" altLang="en-US" sz="1100">
+                <a:solidFill>
+                  <a:srgbClr val="000000"/>
+                </a:solidFill>
+                <a:latin typeface="Consolas" panose="020B0609020204030204" pitchFamily="49" charset="0"/>
+              </a:rPr>
+              <a:t>    gettimeofday(&amp;start, NULL);</a:t>
+            </a:r>
+            <a:br>
+              <a:rPr lang="en-US" altLang="en-US" sz="1100">
+                <a:solidFill>
+                  <a:srgbClr val="000000"/>
+                </a:solidFill>
+                <a:latin typeface="Consolas" panose="020B0609020204030204" pitchFamily="49" charset="0"/>
+              </a:rPr>
+            </a:br>
+            <a:r>
+              <a:rPr lang="en-US" altLang="en-US" sz="1100">
+                <a:solidFill>
+                  <a:srgbClr val="000000"/>
+                </a:solidFill>
+                <a:latin typeface="Consolas" panose="020B0609020204030204" pitchFamily="49" charset="0"/>
+              </a:rPr>
+              <a:t>    </a:t>
+            </a:r>
+            <a:r>
+              <a:rPr lang="en-US" altLang="en-US" sz="1100" b="1">
+                <a:solidFill>
+                  <a:srgbClr val="000080"/>
+                </a:solidFill>
+                <a:latin typeface="Consolas" panose="020B0609020204030204" pitchFamily="49" charset="0"/>
+              </a:rPr>
+              <a:t>for </a:t>
+            </a:r>
+            <a:r>
+              <a:rPr lang="en-US" altLang="en-US" sz="1100">
+                <a:solidFill>
+                  <a:srgbClr val="000000"/>
+                </a:solidFill>
+                <a:latin typeface="Consolas" panose="020B0609020204030204" pitchFamily="49" charset="0"/>
+              </a:rPr>
+              <a:t>(</a:t>
+            </a:r>
+            <a:r>
+              <a:rPr lang="en-US" altLang="en-US" sz="1100" b="1">
+                <a:solidFill>
+                  <a:srgbClr val="000080"/>
+                </a:solidFill>
+                <a:latin typeface="Consolas" panose="020B0609020204030204" pitchFamily="49" charset="0"/>
+              </a:rPr>
+              <a:t>int </a:t>
+            </a:r>
+            <a:r>
+              <a:rPr lang="en-US" altLang="en-US" sz="1100">
+                <a:solidFill>
+                  <a:srgbClr val="000000"/>
+                </a:solidFill>
+                <a:latin typeface="Consolas" panose="020B0609020204030204" pitchFamily="49" charset="0"/>
+              </a:rPr>
+              <a:t>i = </a:t>
+            </a:r>
+            <a:r>
+              <a:rPr lang="en-US" altLang="en-US" sz="1100">
+                <a:solidFill>
+                  <a:srgbClr val="0000FF"/>
+                </a:solidFill>
+                <a:latin typeface="Consolas" panose="020B0609020204030204" pitchFamily="49" charset="0"/>
+              </a:rPr>
+              <a:t>0</a:t>
+            </a:r>
+            <a:r>
+              <a:rPr lang="en-US" altLang="en-US" sz="1100">
+                <a:solidFill>
+                  <a:srgbClr val="000000"/>
+                </a:solidFill>
+                <a:latin typeface="Consolas" panose="020B0609020204030204" pitchFamily="49" charset="0"/>
+              </a:rPr>
+              <a:t>; i &lt; n; i++) {</a:t>
+            </a:r>
+            <a:br>
+              <a:rPr lang="en-US" altLang="en-US" sz="1100">
+                <a:solidFill>
+                  <a:srgbClr val="000000"/>
+                </a:solidFill>
+                <a:latin typeface="Consolas" panose="020B0609020204030204" pitchFamily="49" charset="0"/>
+              </a:rPr>
+            </a:br>
+            <a:r>
+              <a:rPr lang="en-US" altLang="en-US" sz="1100">
+                <a:solidFill>
+                  <a:srgbClr val="000000"/>
+                </a:solidFill>
+                <a:latin typeface="Consolas" panose="020B0609020204030204" pitchFamily="49" charset="0"/>
+              </a:rPr>
+              <a:t>        </a:t>
+            </a:r>
+            <a:r>
+              <a:rPr lang="en-US" altLang="en-US" sz="1100" b="1">
+                <a:solidFill>
+                  <a:srgbClr val="000080"/>
+                </a:solidFill>
+                <a:latin typeface="Consolas" panose="020B0609020204030204" pitchFamily="49" charset="0"/>
+              </a:rPr>
+              <a:t>for </a:t>
+            </a:r>
+            <a:r>
+              <a:rPr lang="en-US" altLang="en-US" sz="1100">
+                <a:solidFill>
+                  <a:srgbClr val="000000"/>
+                </a:solidFill>
+                <a:latin typeface="Consolas" panose="020B0609020204030204" pitchFamily="49" charset="0"/>
+              </a:rPr>
+              <a:t>(</a:t>
+            </a:r>
+            <a:r>
+              <a:rPr lang="en-US" altLang="en-US" sz="1100" b="1">
+                <a:solidFill>
+                  <a:srgbClr val="000080"/>
+                </a:solidFill>
+                <a:latin typeface="Consolas" panose="020B0609020204030204" pitchFamily="49" charset="0"/>
+              </a:rPr>
+              <a:t>int </a:t>
+            </a:r>
+            <a:r>
+              <a:rPr lang="en-US" altLang="en-US" sz="1100">
+                <a:solidFill>
+                  <a:srgbClr val="000000"/>
+                </a:solidFill>
+                <a:latin typeface="Consolas" panose="020B0609020204030204" pitchFamily="49" charset="0"/>
+              </a:rPr>
+              <a:t>j = </a:t>
+            </a:r>
+            <a:r>
+              <a:rPr lang="en-US" altLang="en-US" sz="1100">
+                <a:solidFill>
+                  <a:srgbClr val="0000FF"/>
+                </a:solidFill>
+                <a:latin typeface="Consolas" panose="020B0609020204030204" pitchFamily="49" charset="0"/>
+              </a:rPr>
+              <a:t>0</a:t>
+            </a:r>
+            <a:r>
+              <a:rPr lang="en-US" altLang="en-US" sz="1100">
+                <a:solidFill>
+                  <a:srgbClr val="000000"/>
+                </a:solidFill>
+                <a:latin typeface="Consolas" panose="020B0609020204030204" pitchFamily="49" charset="0"/>
+              </a:rPr>
+              <a:t>; j &lt; n; j++) {</a:t>
+            </a:r>
+            <a:br>
+              <a:rPr lang="en-US" altLang="en-US" sz="1100">
+                <a:solidFill>
+                  <a:srgbClr val="000000"/>
+                </a:solidFill>
+                <a:latin typeface="Consolas" panose="020B0609020204030204" pitchFamily="49" charset="0"/>
+              </a:rPr>
+            </a:br>
+            <a:r>
+              <a:rPr lang="en-US" altLang="en-US" sz="1100">
+                <a:solidFill>
+                  <a:srgbClr val="000000"/>
+                </a:solidFill>
+                <a:latin typeface="Consolas" panose="020B0609020204030204" pitchFamily="49" charset="0"/>
+              </a:rPr>
+              <a:t>            </a:t>
+            </a:r>
+            <a:r>
+              <a:rPr lang="en-US" altLang="en-US" sz="1100" b="1">
+                <a:solidFill>
+                  <a:srgbClr val="000080"/>
+                </a:solidFill>
+                <a:latin typeface="Consolas" panose="020B0609020204030204" pitchFamily="49" charset="0"/>
+              </a:rPr>
+              <a:t>for </a:t>
+            </a:r>
+            <a:r>
+              <a:rPr lang="en-US" altLang="en-US" sz="1100">
+                <a:solidFill>
+                  <a:srgbClr val="000000"/>
+                </a:solidFill>
+                <a:latin typeface="Consolas" panose="020B0609020204030204" pitchFamily="49" charset="0"/>
+              </a:rPr>
+              <a:t>(</a:t>
+            </a:r>
+            <a:r>
+              <a:rPr lang="en-US" altLang="en-US" sz="1100" b="1">
+                <a:solidFill>
+                  <a:srgbClr val="000080"/>
+                </a:solidFill>
+                <a:latin typeface="Consolas" panose="020B0609020204030204" pitchFamily="49" charset="0"/>
+              </a:rPr>
+              <a:t>int </a:t>
+            </a:r>
+            <a:r>
+              <a:rPr lang="en-US" altLang="en-US" sz="1100">
+                <a:solidFill>
+                  <a:srgbClr val="000000"/>
+                </a:solidFill>
+                <a:latin typeface="Consolas" panose="020B0609020204030204" pitchFamily="49" charset="0"/>
+              </a:rPr>
+              <a:t>k = </a:t>
+            </a:r>
+            <a:r>
+              <a:rPr lang="en-US" altLang="en-US" sz="1100">
+                <a:solidFill>
+                  <a:srgbClr val="0000FF"/>
+                </a:solidFill>
+                <a:latin typeface="Consolas" panose="020B0609020204030204" pitchFamily="49" charset="0"/>
+              </a:rPr>
+              <a:t>0</a:t>
+            </a:r>
+            <a:r>
+              <a:rPr lang="en-US" altLang="en-US" sz="1100">
+                <a:solidFill>
+                  <a:srgbClr val="000000"/>
+                </a:solidFill>
+                <a:latin typeface="Consolas" panose="020B0609020204030204" pitchFamily="49" charset="0"/>
+              </a:rPr>
+              <a:t>; k &lt; n; k++) {</a:t>
+            </a:r>
+            <a:br>
+              <a:rPr lang="en-US" altLang="en-US" sz="1100">
+                <a:solidFill>
+                  <a:srgbClr val="000000"/>
+                </a:solidFill>
+                <a:latin typeface="Consolas" panose="020B0609020204030204" pitchFamily="49" charset="0"/>
+              </a:rPr>
+            </a:br>
+            <a:r>
+              <a:rPr lang="en-US" altLang="en-US" sz="1100">
+                <a:solidFill>
+                  <a:srgbClr val="000000"/>
+                </a:solidFill>
+                <a:latin typeface="Consolas" panose="020B0609020204030204" pitchFamily="49" charset="0"/>
+              </a:rPr>
+              <a:t>                C[i][j] += A[i][k] * B[k][j];</a:t>
+            </a:r>
+            <a:br>
+              <a:rPr lang="en-US" altLang="en-US" sz="1100">
+                <a:solidFill>
+                  <a:srgbClr val="000000"/>
+                </a:solidFill>
+                <a:latin typeface="Consolas" panose="020B0609020204030204" pitchFamily="49" charset="0"/>
+              </a:rPr>
+            </a:br>
+            <a:r>
+              <a:rPr lang="en-US" altLang="en-US" sz="1100">
+                <a:solidFill>
+                  <a:srgbClr val="000000"/>
+                </a:solidFill>
+                <a:latin typeface="Consolas" panose="020B0609020204030204" pitchFamily="49" charset="0"/>
+              </a:rPr>
+              <a:t>            }</a:t>
+            </a:r>
+            <a:br>
+              <a:rPr lang="en-US" altLang="en-US" sz="1100">
+                <a:solidFill>
+                  <a:srgbClr val="000000"/>
+                </a:solidFill>
+                <a:latin typeface="Consolas" panose="020B0609020204030204" pitchFamily="49" charset="0"/>
+              </a:rPr>
+            </a:br>
+            <a:r>
+              <a:rPr lang="en-US" altLang="en-US" sz="1100">
+                <a:solidFill>
+                  <a:srgbClr val="000000"/>
+                </a:solidFill>
+                <a:latin typeface="Consolas" panose="020B0609020204030204" pitchFamily="49" charset="0"/>
+              </a:rPr>
+              <a:t>        }</a:t>
+            </a:r>
+            <a:br>
+              <a:rPr lang="en-US" altLang="en-US" sz="1100">
+                <a:solidFill>
+                  <a:srgbClr val="000000"/>
+                </a:solidFill>
+                <a:latin typeface="Consolas" panose="020B0609020204030204" pitchFamily="49" charset="0"/>
+              </a:rPr>
+            </a:br>
+            <a:r>
+              <a:rPr lang="en-US" altLang="en-US" sz="1100">
+                <a:solidFill>
+                  <a:srgbClr val="000000"/>
+                </a:solidFill>
+                <a:latin typeface="Consolas" panose="020B0609020204030204" pitchFamily="49" charset="0"/>
+              </a:rPr>
+              <a:t>    }</a:t>
+            </a:r>
+            <a:br>
+              <a:rPr lang="en-US" altLang="en-US" sz="1100">
+                <a:solidFill>
+                  <a:srgbClr val="000000"/>
+                </a:solidFill>
+                <a:latin typeface="Consolas" panose="020B0609020204030204" pitchFamily="49" charset="0"/>
+              </a:rPr>
+            </a:br>
+            <a:r>
+              <a:rPr lang="en-US" altLang="en-US" sz="1100">
+                <a:solidFill>
+                  <a:srgbClr val="000000"/>
+                </a:solidFill>
+                <a:latin typeface="Consolas" panose="020B0609020204030204" pitchFamily="49" charset="0"/>
+              </a:rPr>
+              <a:t>    gettimeofday(&amp;end, NULL);</a:t>
+            </a:r>
+            <a:br>
+              <a:rPr lang="en-US" altLang="en-US" sz="1100">
+                <a:solidFill>
+                  <a:srgbClr val="000000"/>
+                </a:solidFill>
+                <a:latin typeface="Consolas" panose="020B0609020204030204" pitchFamily="49" charset="0"/>
+              </a:rPr>
+            </a:br>
+            <a:r>
+              <a:rPr lang="en-US" altLang="en-US" sz="1100">
+                <a:solidFill>
+                  <a:srgbClr val="000000"/>
+                </a:solidFill>
+                <a:latin typeface="Consolas" panose="020B0609020204030204" pitchFamily="49" charset="0"/>
+              </a:rPr>
+              <a:t>    printf(</a:t>
+            </a:r>
+            <a:r>
+              <a:rPr lang="en-US" altLang="en-US" sz="1100" b="1">
+                <a:solidFill>
+                  <a:srgbClr val="008000"/>
+                </a:solidFill>
+                <a:latin typeface="Consolas" panose="020B0609020204030204" pitchFamily="49" charset="0"/>
+              </a:rPr>
+              <a:t>"%0.6f</a:t>
+            </a:r>
+            <a:r>
+              <a:rPr lang="en-US" altLang="en-US" sz="1100" b="1">
+                <a:solidFill>
+                  <a:srgbClr val="000080"/>
+                </a:solidFill>
+                <a:latin typeface="Consolas" panose="020B0609020204030204" pitchFamily="49" charset="0"/>
+              </a:rPr>
+              <a:t>\n</a:t>
+            </a:r>
+            <a:r>
+              <a:rPr lang="en-US" altLang="en-US" sz="1100" b="1">
+                <a:solidFill>
+                  <a:srgbClr val="008000"/>
+                </a:solidFill>
+                <a:latin typeface="Consolas" panose="020B0609020204030204" pitchFamily="49" charset="0"/>
+              </a:rPr>
+              <a:t>"</a:t>
+            </a:r>
+            <a:r>
+              <a:rPr lang="en-US" altLang="en-US" sz="1100">
+                <a:solidFill>
+                  <a:srgbClr val="000000"/>
+                </a:solidFill>
+                <a:latin typeface="Consolas" panose="020B0609020204030204" pitchFamily="49" charset="0"/>
+              </a:rPr>
+              <a:t>, tdiff(&amp;start, &amp;end));</a:t>
+            </a:r>
+            <a:br>
+              <a:rPr lang="en-US" altLang="en-US" sz="1100">
+                <a:solidFill>
+                  <a:srgbClr val="000000"/>
+                </a:solidFill>
+                <a:latin typeface="Consolas" panose="020B0609020204030204" pitchFamily="49" charset="0"/>
+              </a:rPr>
+            </a:br>
+            <a:r>
+              <a:rPr lang="en-US" altLang="en-US" sz="1100">
+                <a:solidFill>
+                  <a:srgbClr val="000000"/>
+                </a:solidFill>
+                <a:latin typeface="Consolas" panose="020B0609020204030204" pitchFamily="49" charset="0"/>
+              </a:rPr>
+              <a:t>    </a:t>
+            </a:r>
+            <a:r>
+              <a:rPr lang="en-US" altLang="en-US" sz="1100" b="1">
+                <a:solidFill>
+                  <a:srgbClr val="000080"/>
+                </a:solidFill>
+                <a:latin typeface="Consolas" panose="020B0609020204030204" pitchFamily="49" charset="0"/>
+              </a:rPr>
+              <a:t>return </a:t>
+            </a:r>
+            <a:r>
+              <a:rPr lang="en-US" altLang="en-US" sz="1100">
+                <a:solidFill>
+                  <a:srgbClr val="0000FF"/>
+                </a:solidFill>
+                <a:latin typeface="Consolas" panose="020B0609020204030204" pitchFamily="49" charset="0"/>
+              </a:rPr>
+              <a:t>0</a:t>
+            </a:r>
+            <a:r>
+              <a:rPr lang="en-US" altLang="en-US" sz="1100">
+                <a:solidFill>
+                  <a:srgbClr val="000000"/>
+                </a:solidFill>
+                <a:latin typeface="Consolas" panose="020B0609020204030204" pitchFamily="49" charset="0"/>
+              </a:rPr>
+              <a:t>;</a:t>
+            </a:r>
+            <a:br>
+              <a:rPr lang="en-US" altLang="en-US" sz="1100">
+                <a:solidFill>
+                  <a:srgbClr val="000000"/>
+                </a:solidFill>
+                <a:latin typeface="Consolas" panose="020B0609020204030204" pitchFamily="49" charset="0"/>
+              </a:rPr>
+            </a:br>
+            <a:r>
+              <a:rPr lang="en-US" altLang="en-US" sz="1100">
+                <a:solidFill>
+                  <a:srgbClr val="000000"/>
+                </a:solidFill>
+                <a:latin typeface="Consolas" panose="020B0609020204030204" pitchFamily="49" charset="0"/>
+              </a:rPr>
+              <a:t>}</a:t>
+            </a:r>
+            <a:endParaRPr lang="en-US" altLang="en-US" sz="1100">
+              <a:latin typeface="Arial" panose="020B0604020202020204" pitchFamily="34" charset="0"/>
+            </a:endParaRPr>
+          </a:p>
+        </p:txBody>
+      </p:sp>
+      <mc:AlternateContent xmlns:mc="http://schemas.openxmlformats.org/markup-compatibility/2006">
+        <mc:Choice xmlns:a14="http://schemas.microsoft.com/office/drawing/2010/main" Requires="a14">
+          <p:sp>
+            <p:nvSpPr>
+              <p:cNvPr id="8" name="Содержимое 1"/>
+              <p:cNvSpPr txBox="1">
+                <a:spLocks noGrp="1"/>
+              </p:cNvSpPr>
+              <p:nvPr>
+                <p:ph idx="1"/>
+              </p:nvPr>
+            </p:nvSpPr>
+            <p:spPr>
+              <a:xfrm>
+                <a:off x="838200" y="1177925"/>
+                <a:ext cx="4821936" cy="4997450"/>
+              </a:xfrm>
+              <a:prstGeom prst="rect">
+                <a:avLst/>
+              </a:prstGeom>
+            </p:spPr>
+            <p:txBody>
+              <a:bodyPr vert="horz" lIns="91440" tIns="45720" rIns="91440" bIns="45720" rtlCol="0">
+                <a:normAutofit/>
+              </a:bodyPr>
+              <a:lstStyle>
+                <a:lvl1pPr marL="228600" indent="-228600" algn="l" defTabSz="914400" rtl="0" eaLnBrk="1" latinLnBrk="0" hangingPunct="1">
+                  <a:lnSpc>
+                    <a:spcPct val="90000"/>
+                  </a:lnSpc>
+                  <a:spcBef>
+                    <a:spcPts val="1000"/>
+                  </a:spcBef>
+                  <a:buFont typeface="Wingdings" pitchFamily="2" charset="2"/>
+                  <a:buChar char="§"/>
+                  <a:defRPr sz="3600" kern="1200">
+                    <a:solidFill>
+                      <a:srgbClr val="273272"/>
+                    </a:solidFill>
+                    <a:latin typeface="+mn-lt"/>
+                    <a:ea typeface="+mn-ea"/>
+                    <a:cs typeface="+mn-cs"/>
+                  </a:defRPr>
+                </a:lvl1pPr>
+                <a:lvl2pPr marL="685800" indent="-228600" algn="l" defTabSz="914400" rtl="0" eaLnBrk="1" latinLnBrk="0" hangingPunct="1">
+                  <a:lnSpc>
+                    <a:spcPct val="90000"/>
+                  </a:lnSpc>
+                  <a:spcBef>
+                    <a:spcPts val="500"/>
+                  </a:spcBef>
+                  <a:buClr>
+                    <a:srgbClr val="F7B217"/>
+                  </a:buClr>
+                  <a:buFont typeface="Wingdings" pitchFamily="2" charset="2"/>
+                  <a:buChar char="§"/>
+                  <a:defRPr sz="3200" kern="1200">
+                    <a:solidFill>
+                      <a:srgbClr val="273272"/>
+                    </a:solidFill>
+                    <a:latin typeface="+mn-lt"/>
+                    <a:ea typeface="+mn-ea"/>
+                    <a:cs typeface="+mn-cs"/>
+                  </a:defRPr>
+                </a:lvl2pPr>
+                <a:lvl3pPr marL="1143000" indent="-228600" algn="l" defTabSz="914400" rtl="0" eaLnBrk="1" latinLnBrk="0" hangingPunct="1">
+                  <a:lnSpc>
+                    <a:spcPct val="90000"/>
+                  </a:lnSpc>
+                  <a:spcBef>
+                    <a:spcPts val="500"/>
+                  </a:spcBef>
+                  <a:buFont typeface="Wingdings" pitchFamily="2" charset="2"/>
+                  <a:buChar char="§"/>
+                  <a:defRPr sz="2400" kern="1200">
+                    <a:solidFill>
+                      <a:srgbClr val="273272"/>
+                    </a:solidFill>
+                    <a:latin typeface="+mn-lt"/>
+                    <a:ea typeface="+mn-ea"/>
+                    <a:cs typeface="+mn-cs"/>
+                  </a:defRPr>
+                </a:lvl3pPr>
+                <a:lvl4pPr marL="1600200" indent="-228600" algn="l" defTabSz="914400" rtl="0" eaLnBrk="1" latinLnBrk="0" hangingPunct="1">
+                  <a:lnSpc>
+                    <a:spcPct val="90000"/>
+                  </a:lnSpc>
+                  <a:spcBef>
+                    <a:spcPts val="500"/>
+                  </a:spcBef>
+                  <a:buFont typeface="Arial" panose="020B0604020202020204" pitchFamily="34" charset="0"/>
+                  <a:buChar char="•"/>
+                  <a:defRPr sz="2000" kern="1200">
+                    <a:solidFill>
+                      <a:srgbClr val="273272"/>
+                    </a:solidFill>
+                    <a:latin typeface="+mn-lt"/>
+                    <a:ea typeface="+mn-ea"/>
+                    <a:cs typeface="+mn-cs"/>
+                  </a:defRPr>
+                </a:lvl4pPr>
+                <a:lvl5pPr marL="2057400" indent="-228600" algn="l" defTabSz="914400" rtl="0" eaLnBrk="1" latinLnBrk="0" hangingPunct="1">
+                  <a:lnSpc>
+                    <a:spcPct val="90000"/>
+                  </a:lnSpc>
+                  <a:spcBef>
+                    <a:spcPts val="500"/>
+                  </a:spcBef>
+                  <a:buFont typeface="Arial" panose="020B0604020202020204" pitchFamily="34" charset="0"/>
+                  <a:buChar char="•"/>
+                  <a:defRPr sz="1800" kern="1200">
+                    <a:solidFill>
+                      <a:srgbClr val="273272"/>
+                    </a:solidFill>
+                    <a:latin typeface="+mn-lt"/>
+                    <a:ea typeface="+mn-ea"/>
+                    <a:cs typeface="+mn-cs"/>
+                  </a:defRPr>
+                </a:lvl5pPr>
+                <a:lvl6pPr marL="2514600" indent="-228600" algn="l" defTabSz="914400" rtl="0" eaLnBrk="1" latinLnBrk="0" hangingPunct="1">
+                  <a:lnSpc>
+                    <a:spcPct val="90000"/>
+                  </a:lnSpc>
+                  <a:spcBef>
+                    <a:spcPts val="500"/>
+                  </a:spcBef>
+                  <a:buFont typeface="Arial" panose="020B0604020202020204" pitchFamily="34" charset="0"/>
+                  <a:buChar char="•"/>
+                  <a:defRPr sz="1800" kern="1200">
+                    <a:solidFill>
+                      <a:schemeClr val="tx1"/>
+                    </a:solidFill>
+                    <a:latin typeface="+mn-lt"/>
+                    <a:ea typeface="+mn-ea"/>
+                    <a:cs typeface="+mn-cs"/>
+                  </a:defRPr>
+                </a:lvl6pPr>
+                <a:lvl7pPr marL="2971800" indent="-228600" algn="l" defTabSz="914400" rtl="0" eaLnBrk="1" latinLnBrk="0" hangingPunct="1">
+                  <a:lnSpc>
+                    <a:spcPct val="90000"/>
+                  </a:lnSpc>
+                  <a:spcBef>
+                    <a:spcPts val="500"/>
+                  </a:spcBef>
+                  <a:buFont typeface="Arial" panose="020B0604020202020204" pitchFamily="34" charset="0"/>
+                  <a:buChar char="•"/>
+                  <a:defRPr sz="1800" kern="1200">
+                    <a:solidFill>
+                      <a:schemeClr val="tx1"/>
+                    </a:solidFill>
+                    <a:latin typeface="+mn-lt"/>
+                    <a:ea typeface="+mn-ea"/>
+                    <a:cs typeface="+mn-cs"/>
+                  </a:defRPr>
+                </a:lvl7pPr>
+                <a:lvl8pPr marL="3429000" indent="-228600" algn="l" defTabSz="914400" rtl="0" eaLnBrk="1" latinLnBrk="0" hangingPunct="1">
+                  <a:lnSpc>
+                    <a:spcPct val="90000"/>
+                  </a:lnSpc>
+                  <a:spcBef>
+                    <a:spcPts val="500"/>
+                  </a:spcBef>
+                  <a:buFont typeface="Arial" panose="020B0604020202020204" pitchFamily="34" charset="0"/>
+                  <a:buChar char="•"/>
+                  <a:defRPr sz="1800" kern="1200">
+                    <a:solidFill>
+                      <a:schemeClr val="tx1"/>
+                    </a:solidFill>
+                    <a:latin typeface="+mn-lt"/>
+                    <a:ea typeface="+mn-ea"/>
+                    <a:cs typeface="+mn-cs"/>
+                  </a:defRPr>
+                </a:lvl8pPr>
+                <a:lvl9pPr marL="3886200" indent="-228600" algn="l" defTabSz="914400" rtl="0" eaLnBrk="1" latinLnBrk="0" hangingPunct="1">
+                  <a:lnSpc>
+                    <a:spcPct val="90000"/>
+                  </a:lnSpc>
+                  <a:spcBef>
+                    <a:spcPts val="500"/>
+                  </a:spcBef>
+                  <a:buFont typeface="Arial" panose="020B0604020202020204" pitchFamily="34" charset="0"/>
+                  <a:buChar char="•"/>
+                  <a:defRPr sz="1800" kern="1200">
+                    <a:solidFill>
+                      <a:schemeClr val="tx1"/>
+                    </a:solidFill>
+                    <a:latin typeface="+mn-lt"/>
+                    <a:ea typeface="+mn-ea"/>
+                    <a:cs typeface="+mn-cs"/>
+                  </a:defRPr>
+                </a:lvl9pPr>
+              </a:lstStyle>
+              <a:p>
+                <a:pPr marL="0" indent="0" algn="ctr">
+                  <a:lnSpc>
+                    <a:spcPct val="100000"/>
+                  </a:lnSpc>
+                  <a:buNone/>
+                </a:pPr>
+                <a:r>
+                  <a:rPr lang="en-US" sz="4800" b="1" smtClean="0">
+                    <a:solidFill>
+                      <a:srgbClr val="F7B217"/>
+                    </a:solidFill>
+                  </a:rPr>
+                  <a:t>C Language</a:t>
+                </a:r>
+              </a:p>
+              <a:p>
+                <a:pPr marL="0" indent="0">
+                  <a:lnSpc>
+                    <a:spcPct val="100000"/>
+                  </a:lnSpc>
+                  <a:buNone/>
+                </a:pPr>
+                <a:r>
+                  <a:rPr lang="en-US" sz="3200" b="1" smtClean="0"/>
+                  <a:t>Floating-point operations:</a:t>
+                </a:r>
+              </a:p>
+              <a:p>
+                <a:pPr marL="0" indent="0">
+                  <a:lnSpc>
+                    <a:spcPct val="100000"/>
+                  </a:lnSpc>
+                  <a:buNone/>
+                </a:pPr>
+                <a14:m>
+                  <m:oMath xmlns:m="http://schemas.openxmlformats.org/officeDocument/2006/math">
+                    <m:sSup>
+                      <m:sSupPr>
+                        <m:ctrlPr>
+                          <a:rPr lang="en-US" sz="3200" i="1" smtClean="0">
+                            <a:latin typeface="Cambria Math" panose="02040503050406030204" pitchFamily="18" charset="0"/>
+                          </a:rPr>
+                        </m:ctrlPr>
+                      </m:sSupPr>
+                      <m:e>
+                        <m:r>
+                          <a:rPr lang="en-US" sz="3200" b="0" i="1" smtClean="0">
+                            <a:latin typeface="Cambria Math" panose="02040503050406030204" pitchFamily="18" charset="0"/>
+                          </a:rPr>
+                          <m:t>2∗</m:t>
+                        </m:r>
+                        <m:r>
+                          <a:rPr lang="en-US" sz="3200" b="0" i="1" smtClean="0">
+                            <a:latin typeface="Cambria Math" panose="02040503050406030204" pitchFamily="18" charset="0"/>
+                          </a:rPr>
+                          <m:t>𝑛</m:t>
+                        </m:r>
+                      </m:e>
+                      <m:sup>
+                        <m:r>
+                          <a:rPr lang="en-US" sz="3200" b="0" i="1" smtClean="0">
+                            <a:latin typeface="Cambria Math" panose="02040503050406030204" pitchFamily="18" charset="0"/>
+                          </a:rPr>
+                          <m:t>3</m:t>
+                        </m:r>
+                      </m:sup>
+                    </m:sSup>
+                    <m:r>
+                      <a:rPr lang="en-US" sz="3200" i="1" smtClean="0">
+                        <a:latin typeface="Cambria Math" panose="02040503050406030204" pitchFamily="18" charset="0"/>
+                      </a:rPr>
+                      <m:t>=</m:t>
+                    </m:r>
+                  </m:oMath>
+                </a14:m>
+                <a:r>
+                  <a:rPr lang="en-US" sz="3200" smtClean="0"/>
+                  <a:t> </a:t>
+                </a:r>
+                <a14:m>
+                  <m:oMath xmlns:m="http://schemas.openxmlformats.org/officeDocument/2006/math">
+                    <m:sSup>
+                      <m:sSupPr>
+                        <m:ctrlPr>
+                          <a:rPr lang="en-US" sz="3200" i="1">
+                            <a:latin typeface="Cambria Math" panose="02040503050406030204" pitchFamily="18" charset="0"/>
+                          </a:rPr>
+                        </m:ctrlPr>
+                      </m:sSupPr>
+                      <m:e>
+                        <m:r>
+                          <a:rPr lang="en-US" sz="3200" b="0" i="1" smtClean="0">
+                            <a:latin typeface="Cambria Math" panose="02040503050406030204" pitchFamily="18" charset="0"/>
+                          </a:rPr>
+                          <m:t>2∗(</m:t>
+                        </m:r>
+                        <m:sSup>
+                          <m:sSupPr>
+                            <m:ctrlPr>
+                              <a:rPr lang="en-US" sz="3200" i="1">
+                                <a:latin typeface="Cambria Math" panose="02040503050406030204" pitchFamily="18" charset="0"/>
+                              </a:rPr>
+                            </m:ctrlPr>
+                          </m:sSupPr>
+                          <m:e>
+                            <m:r>
+                              <a:rPr lang="en-US" sz="3200" b="0" i="1" smtClean="0">
+                                <a:latin typeface="Cambria Math" panose="02040503050406030204" pitchFamily="18" charset="0"/>
+                              </a:rPr>
+                              <m:t>2</m:t>
+                            </m:r>
+                          </m:e>
+                          <m:sup>
+                            <m:r>
+                              <a:rPr lang="en-US" sz="3200" b="0" i="1" smtClean="0">
+                                <a:latin typeface="Cambria Math" panose="02040503050406030204" pitchFamily="18" charset="0"/>
+                              </a:rPr>
+                              <m:t>10</m:t>
+                            </m:r>
+                          </m:sup>
+                        </m:sSup>
+                        <m:r>
+                          <a:rPr lang="en-US" sz="3200" b="0" i="1" smtClean="0">
+                            <a:latin typeface="Cambria Math" panose="02040503050406030204" pitchFamily="18" charset="0"/>
+                          </a:rPr>
+                          <m:t>)</m:t>
+                        </m:r>
+                      </m:e>
+                      <m:sup>
+                        <m:r>
+                          <a:rPr lang="en-US" sz="3200" b="0" i="1" smtClean="0">
+                            <a:latin typeface="Cambria Math" panose="02040503050406030204" pitchFamily="18" charset="0"/>
+                          </a:rPr>
+                          <m:t>3</m:t>
+                        </m:r>
+                      </m:sup>
+                    </m:sSup>
+                  </m:oMath>
+                </a14:m>
+                <a:r>
+                  <a:rPr lang="en-US" sz="3200" smtClean="0"/>
+                  <a:t> = </a:t>
+                </a:r>
+                <a14:m>
+                  <m:oMath xmlns:m="http://schemas.openxmlformats.org/officeDocument/2006/math">
+                    <m:sSup>
+                      <m:sSupPr>
+                        <m:ctrlPr>
+                          <a:rPr lang="en-US" sz="3200" i="1">
+                            <a:latin typeface="Cambria Math" panose="02040503050406030204" pitchFamily="18" charset="0"/>
+                          </a:rPr>
+                        </m:ctrlPr>
+                      </m:sSupPr>
+                      <m:e>
+                        <m:r>
+                          <a:rPr lang="en-US" sz="3200" i="1">
+                            <a:latin typeface="Cambria Math" panose="02040503050406030204" pitchFamily="18" charset="0"/>
+                          </a:rPr>
+                          <m:t>2</m:t>
+                        </m:r>
+                      </m:e>
+                      <m:sup>
+                        <m:r>
+                          <a:rPr lang="en-US" sz="3200" b="0" i="1" smtClean="0">
+                            <a:latin typeface="Cambria Math" panose="02040503050406030204" pitchFamily="18" charset="0"/>
+                          </a:rPr>
+                          <m:t>31</m:t>
+                        </m:r>
+                      </m:sup>
+                    </m:sSup>
+                  </m:oMath>
+                </a14:m>
+                <a:endParaRPr lang="en-US" sz="3200" smtClean="0"/>
+              </a:p>
+              <a:p>
+                <a:pPr marL="0" indent="0">
+                  <a:lnSpc>
+                    <a:spcPct val="100000"/>
+                  </a:lnSpc>
+                  <a:spcBef>
+                    <a:spcPts val="1800"/>
+                  </a:spcBef>
+                  <a:buNone/>
+                </a:pPr>
+                <a:r>
+                  <a:rPr lang="en-US" sz="3200" b="1" smtClean="0"/>
+                  <a:t>Running time:</a:t>
+                </a:r>
+              </a:p>
+              <a:p>
+                <a:pPr marL="0" indent="0">
+                  <a:lnSpc>
+                    <a:spcPct val="100000"/>
+                  </a:lnSpc>
+                  <a:buNone/>
+                </a:pPr>
+                <a:endParaRPr lang="en-US" sz="3200" smtClean="0"/>
+              </a:p>
+              <a:p>
+                <a:pPr marL="0" indent="0">
+                  <a:lnSpc>
+                    <a:spcPct val="100000"/>
+                  </a:lnSpc>
+                  <a:spcBef>
+                    <a:spcPts val="1800"/>
+                  </a:spcBef>
+                  <a:buNone/>
+                </a:pPr>
+                <a:r>
+                  <a:rPr lang="en-US" sz="3200" b="1" smtClean="0"/>
+                  <a:t>Performance:</a:t>
+                </a:r>
+              </a:p>
+              <a:p>
+                <a:pPr marL="0" indent="0">
+                  <a:lnSpc>
+                    <a:spcPct val="150000"/>
+                  </a:lnSpc>
+                  <a:buNone/>
+                </a:pPr>
+                <a:endParaRPr lang="en-US"/>
+              </a:p>
+              <a:p>
+                <a:pPr marL="0" indent="0">
+                  <a:lnSpc>
+                    <a:spcPct val="150000"/>
+                  </a:lnSpc>
+                  <a:buNone/>
+                </a:pPr>
+                <a:endParaRPr lang="en-US" smtClean="0"/>
+              </a:p>
+              <a:p>
+                <a:pPr marL="0" indent="0">
+                  <a:lnSpc>
+                    <a:spcPct val="150000"/>
+                  </a:lnSpc>
+                  <a:buNone/>
+                </a:pPr>
+                <a:endParaRPr lang="en-US"/>
+              </a:p>
+            </p:txBody>
+          </p:sp>
+        </mc:Choice>
+        <mc:Fallback>
+          <p:sp>
+            <p:nvSpPr>
+              <p:cNvPr id="8" name="Содержимое 1"/>
+              <p:cNvSpPr txBox="1">
+                <a:spLocks noGrp="1" noRot="1" noChangeAspect="1" noMove="1" noResize="1" noEditPoints="1" noAdjustHandles="1" noChangeArrowheads="1" noChangeShapeType="1" noTextEdit="1"/>
+              </p:cNvSpPr>
+              <p:nvPr>
+                <p:ph idx="1"/>
+              </p:nvPr>
+            </p:nvSpPr>
+            <p:spPr>
+              <a:xfrm>
+                <a:off x="838200" y="1177925"/>
+                <a:ext cx="4821936" cy="4997450"/>
+              </a:xfrm>
+              <a:prstGeom prst="rect">
+                <a:avLst/>
+              </a:prstGeom>
+              <a:blipFill rotWithShape="0">
+                <a:blip r:embed="rId2"/>
+                <a:stretch>
+                  <a:fillRect l="-3287" t="-2683"/>
+                </a:stretch>
+              </a:blipFill>
+            </p:spPr>
+            <p:txBody>
+              <a:bodyPr/>
+              <a:lstStyle/>
+              <a:p>
+                <a:r>
+                  <a:rPr lang="en-US">
+                    <a:noFill/>
+                  </a:rPr>
+                  <a:t> </a:t>
+                </a:r>
+              </a:p>
+            </p:txBody>
+          </p:sp>
+        </mc:Fallback>
+      </mc:AlternateContent>
+    </p:spTree>
+    <p:extLst>
+      <p:ext uri="{BB962C8B-B14F-4D97-AF65-F5344CB8AC3E}">
+        <p14:creationId xmlns:p14="http://schemas.microsoft.com/office/powerpoint/2010/main" val="3690992376"/>
+      </p:ext>
+    </p:extLst>
+  </p:cSld>
+  <p:clrMapOvr>
+    <a:masterClrMapping/>
+  </p:clrMapOvr>
+  <p:timing>
+    <p:tnLst>
+      <p:par>
+        <p:cTn id="1" dur="indefinite" restart="never" nodeType="tmRoot"/>
+      </p:par>
+    </p:tnLst>
+  </p:timing>
+</p:sld>
+</file>
+
+<file path=ppt/slides/slide9.xml><?xml version="1.0" encoding="utf-8"?>
+<p:sld xmlns:a="http://schemas.openxmlformats.org/drawingml/2006/main" xmlns:r="http://schemas.openxmlformats.org/officeDocument/2006/relationships" xmlns:p="http://schemas.openxmlformats.org/presentationml/2006/main">
+  <p:cSld>
+    <p:spTree>
+      <p:nvGrpSpPr>
+        <p:cNvPr id="1" name=""/>
+        <p:cNvGrpSpPr/>
+        <p:nvPr/>
+      </p:nvGrpSpPr>
+      <p:grpSpPr>
+        <a:xfrm>
+          <a:off x="0" y="0"/>
+          <a:ext cx="0" cy="0"/>
+          <a:chOff x="0" y="0"/>
+          <a:chExt cx="0" cy="0"/>
+        </a:xfrm>
+      </p:grpSpPr>
+      <p:sp>
+        <p:nvSpPr>
+          <p:cNvPr id="2" name="Content Placeholder 1"/>
+          <p:cNvSpPr>
+            <a:spLocks noGrp="1"/>
+          </p:cNvSpPr>
+          <p:nvPr>
+            <p:ph idx="1"/>
+          </p:nvPr>
+        </p:nvSpPr>
+        <p:spPr>
+          <a:xfrm>
+            <a:off x="838200" y="1178053"/>
+            <a:ext cx="10515600" cy="700443"/>
+          </a:xfrm>
+        </p:spPr>
+        <p:txBody>
+          <a:bodyPr/>
+          <a:lstStyle/>
+          <a:p>
+            <a:pPr marL="0" indent="0" algn="ctr">
+              <a:buNone/>
+            </a:pPr>
+            <a:r>
+              <a:rPr lang="en-US" sz="4400" b="1" smtClean="0">
+                <a:solidFill>
+                  <a:srgbClr val="F7B217"/>
+                </a:solidFill>
+              </a:rPr>
+              <a:t>C Language: Optimizations</a:t>
+            </a:r>
+            <a:endParaRPr lang="en-US" sz="4400" b="1">
+              <a:solidFill>
+                <a:srgbClr val="F7B217"/>
+              </a:solidFill>
+            </a:endParaRPr>
+          </a:p>
+          <a:p>
+            <a:pPr marL="0" indent="0">
+              <a:buNone/>
+            </a:pPr>
+            <a:endParaRPr lang="en-US" smtClean="0"/>
+          </a:p>
+          <a:p>
+            <a:pPr marL="0" indent="0">
+              <a:buNone/>
+            </a:pPr>
+            <a:endParaRPr lang="en-US"/>
+          </a:p>
+        </p:txBody>
+      </p:sp>
+      <p:sp>
+        <p:nvSpPr>
+          <p:cNvPr id="3" name="Slide Number Placeholder 2"/>
+          <p:cNvSpPr>
+            <a:spLocks noGrp="1"/>
+          </p:cNvSpPr>
+          <p:nvPr>
+            <p:ph type="sldNum" sz="quarter" idx="12"/>
+          </p:nvPr>
+        </p:nvSpPr>
+        <p:spPr/>
+        <p:txBody>
+          <a:bodyPr/>
+          <a:lstStyle/>
+          <a:p>
+            <a:pPr algn="ctr"/>
+            <a:fld id="{1397BFD8-F312-4EF2-A268-44FB4BDDBBB0}" type="slidenum">
+              <a:rPr lang="ru-RU" smtClean="0"/>
+              <a:pPr algn="ctr"/>
+              <a:t>9</a:t>
+            </a:fld>
+            <a:endParaRPr lang="ru-RU" dirty="0"/>
+          </a:p>
+        </p:txBody>
+      </p:sp>
+      <p:sp>
+        <p:nvSpPr>
+          <p:cNvPr id="4" name="Title 3"/>
+          <p:cNvSpPr>
+            <a:spLocks noGrp="1"/>
+          </p:cNvSpPr>
+          <p:nvPr>
+            <p:ph type="title"/>
+          </p:nvPr>
+        </p:nvSpPr>
+        <p:spPr/>
+        <p:txBody>
+          <a:bodyPr/>
+          <a:lstStyle/>
+          <a:p>
+            <a:r>
+              <a:rPr lang="en-US"/>
+              <a:t>Performance: Matrix Multiplication (</a:t>
+            </a:r>
+            <a:r>
+              <a:rPr lang="en-US"/>
+              <a:t>part </a:t>
+            </a:r>
+            <a:r>
+              <a:rPr lang="en-US" smtClean="0"/>
+              <a:t>4)</a:t>
+            </a:r>
+            <a:endParaRPr lang="en-US"/>
+          </a:p>
+        </p:txBody>
+      </p:sp>
+      <p:sp>
+        <p:nvSpPr>
+          <p:cNvPr id="5" name="Rectangle 4"/>
+          <p:cNvSpPr/>
+          <p:nvPr/>
+        </p:nvSpPr>
+        <p:spPr>
+          <a:xfrm>
+            <a:off x="691896" y="2328363"/>
+            <a:ext cx="4739640" cy="2800767"/>
+          </a:xfrm>
+          <a:prstGeom prst="rect">
+            <a:avLst/>
+          </a:prstGeom>
+          <a:ln>
+            <a:solidFill>
+              <a:schemeClr val="accent1"/>
+            </a:solidFill>
+          </a:ln>
+        </p:spPr>
+        <p:txBody>
+          <a:bodyPr wrap="square">
+            <a:spAutoFit/>
+          </a:bodyPr>
+          <a:lstStyle/>
+          <a:p>
+            <a:r>
+              <a:rPr lang="en-US" altLang="en-US" sz="3200" b="1" smtClean="0">
+                <a:solidFill>
+                  <a:srgbClr val="000080"/>
+                </a:solidFill>
+              </a:rPr>
+              <a:t>Loop order: i, j, k</a:t>
+            </a:r>
+          </a:p>
+          <a:p>
+            <a:endParaRPr lang="en-US" altLang="en-US" b="1">
+              <a:solidFill>
+                <a:srgbClr val="000080"/>
+              </a:solidFill>
+              <a:latin typeface="Consolas" panose="020B0609020204030204" pitchFamily="49" charset="0"/>
+            </a:endParaRPr>
+          </a:p>
+          <a:p>
+            <a:r>
+              <a:rPr lang="en-US" altLang="en-US" b="1" smtClean="0">
+                <a:solidFill>
+                  <a:srgbClr val="000080"/>
+                </a:solidFill>
+                <a:latin typeface="Consolas" panose="020B0609020204030204" pitchFamily="49" charset="0"/>
+              </a:rPr>
+              <a:t>for </a:t>
+            </a:r>
+            <a:r>
+              <a:rPr lang="en-US" altLang="en-US">
+                <a:solidFill>
+                  <a:srgbClr val="000000"/>
+                </a:solidFill>
+                <a:latin typeface="Consolas" panose="020B0609020204030204" pitchFamily="49" charset="0"/>
+              </a:rPr>
+              <a:t>(</a:t>
+            </a:r>
+            <a:r>
+              <a:rPr lang="en-US" altLang="en-US" b="1">
+                <a:solidFill>
+                  <a:srgbClr val="000080"/>
+                </a:solidFill>
+                <a:latin typeface="Consolas" panose="020B0609020204030204" pitchFamily="49" charset="0"/>
+              </a:rPr>
+              <a:t>int </a:t>
+            </a:r>
+            <a:r>
+              <a:rPr lang="en-US" altLang="en-US">
+                <a:solidFill>
+                  <a:srgbClr val="000000"/>
+                </a:solidFill>
+                <a:latin typeface="Consolas" panose="020B0609020204030204" pitchFamily="49" charset="0"/>
+              </a:rPr>
+              <a:t>i = </a:t>
+            </a:r>
+            <a:r>
+              <a:rPr lang="en-US" altLang="en-US">
+                <a:solidFill>
+                  <a:srgbClr val="0000FF"/>
+                </a:solidFill>
+                <a:latin typeface="Consolas" panose="020B0609020204030204" pitchFamily="49" charset="0"/>
+              </a:rPr>
+              <a:t>0</a:t>
+            </a:r>
+            <a:r>
+              <a:rPr lang="en-US" altLang="en-US">
+                <a:solidFill>
+                  <a:srgbClr val="000000"/>
+                </a:solidFill>
+                <a:latin typeface="Consolas" panose="020B0609020204030204" pitchFamily="49" charset="0"/>
+              </a:rPr>
+              <a:t>; i &lt; </a:t>
+            </a:r>
+            <a:r>
+              <a:rPr lang="en-US" altLang="en-US" b="1" i="1">
+                <a:solidFill>
+                  <a:srgbClr val="660E7A"/>
+                </a:solidFill>
+                <a:latin typeface="Consolas" panose="020B0609020204030204" pitchFamily="49" charset="0"/>
+              </a:rPr>
+              <a:t>n</a:t>
+            </a:r>
+            <a:r>
+              <a:rPr lang="en-US" altLang="en-US">
+                <a:solidFill>
+                  <a:srgbClr val="000000"/>
+                </a:solidFill>
+                <a:latin typeface="Consolas" panose="020B0609020204030204" pitchFamily="49" charset="0"/>
+              </a:rPr>
+              <a:t>; i++) {</a:t>
+            </a:r>
+            <a:br>
+              <a:rPr lang="en-US" altLang="en-US">
+                <a:solidFill>
+                  <a:srgbClr val="000000"/>
+                </a:solidFill>
+                <a:latin typeface="Consolas" panose="020B0609020204030204" pitchFamily="49" charset="0"/>
+              </a:rPr>
+            </a:br>
+            <a:r>
+              <a:rPr lang="en-US" altLang="en-US">
+                <a:solidFill>
+                  <a:srgbClr val="000000"/>
+                </a:solidFill>
+                <a:latin typeface="Consolas" panose="020B0609020204030204" pitchFamily="49" charset="0"/>
+              </a:rPr>
+              <a:t> </a:t>
+            </a:r>
+            <a:r>
+              <a:rPr lang="en-US" altLang="en-US" smtClean="0">
+                <a:solidFill>
+                  <a:srgbClr val="000000"/>
+                </a:solidFill>
+                <a:latin typeface="Consolas" panose="020B0609020204030204" pitchFamily="49" charset="0"/>
+              </a:rPr>
+              <a:t> </a:t>
+            </a:r>
+            <a:r>
+              <a:rPr lang="en-US" altLang="en-US" b="1" smtClean="0">
+                <a:solidFill>
+                  <a:srgbClr val="000080"/>
+                </a:solidFill>
+                <a:latin typeface="Consolas" panose="020B0609020204030204" pitchFamily="49" charset="0"/>
+              </a:rPr>
+              <a:t>for </a:t>
+            </a:r>
+            <a:r>
+              <a:rPr lang="en-US" altLang="en-US">
+                <a:solidFill>
+                  <a:srgbClr val="000000"/>
+                </a:solidFill>
+                <a:latin typeface="Consolas" panose="020B0609020204030204" pitchFamily="49" charset="0"/>
+              </a:rPr>
+              <a:t>(</a:t>
+            </a:r>
+            <a:r>
+              <a:rPr lang="en-US" altLang="en-US" b="1">
+                <a:solidFill>
+                  <a:srgbClr val="000080"/>
+                </a:solidFill>
+                <a:latin typeface="Consolas" panose="020B0609020204030204" pitchFamily="49" charset="0"/>
+              </a:rPr>
+              <a:t>int </a:t>
+            </a:r>
+            <a:r>
+              <a:rPr lang="en-US" altLang="en-US">
+                <a:solidFill>
+                  <a:srgbClr val="000000"/>
+                </a:solidFill>
+                <a:latin typeface="Consolas" panose="020B0609020204030204" pitchFamily="49" charset="0"/>
+              </a:rPr>
+              <a:t>j = </a:t>
+            </a:r>
+            <a:r>
+              <a:rPr lang="en-US" altLang="en-US">
+                <a:solidFill>
+                  <a:srgbClr val="0000FF"/>
+                </a:solidFill>
+                <a:latin typeface="Consolas" panose="020B0609020204030204" pitchFamily="49" charset="0"/>
+              </a:rPr>
+              <a:t>0</a:t>
+            </a:r>
+            <a:r>
+              <a:rPr lang="en-US" altLang="en-US">
+                <a:solidFill>
+                  <a:srgbClr val="000000"/>
+                </a:solidFill>
+                <a:latin typeface="Consolas" panose="020B0609020204030204" pitchFamily="49" charset="0"/>
+              </a:rPr>
+              <a:t>; j &lt; </a:t>
+            </a:r>
+            <a:r>
+              <a:rPr lang="en-US" altLang="en-US" b="1" i="1">
+                <a:solidFill>
+                  <a:srgbClr val="660E7A"/>
+                </a:solidFill>
+                <a:latin typeface="Consolas" panose="020B0609020204030204" pitchFamily="49" charset="0"/>
+              </a:rPr>
+              <a:t>n</a:t>
+            </a:r>
+            <a:r>
+              <a:rPr lang="en-US" altLang="en-US">
+                <a:solidFill>
+                  <a:srgbClr val="000000"/>
+                </a:solidFill>
+                <a:latin typeface="Consolas" panose="020B0609020204030204" pitchFamily="49" charset="0"/>
+              </a:rPr>
+              <a:t>; j++) {</a:t>
+            </a:r>
+            <a:br>
+              <a:rPr lang="en-US" altLang="en-US">
+                <a:solidFill>
+                  <a:srgbClr val="000000"/>
+                </a:solidFill>
+                <a:latin typeface="Consolas" panose="020B0609020204030204" pitchFamily="49" charset="0"/>
+              </a:rPr>
+            </a:br>
+            <a:r>
+              <a:rPr lang="en-US" altLang="en-US">
+                <a:solidFill>
+                  <a:srgbClr val="000000"/>
+                </a:solidFill>
+                <a:latin typeface="Consolas" panose="020B0609020204030204" pitchFamily="49" charset="0"/>
+              </a:rPr>
+              <a:t>   </a:t>
+            </a:r>
+            <a:r>
+              <a:rPr lang="en-US" altLang="en-US" smtClean="0">
+                <a:solidFill>
+                  <a:srgbClr val="000000"/>
+                </a:solidFill>
+                <a:latin typeface="Consolas" panose="020B0609020204030204" pitchFamily="49" charset="0"/>
+              </a:rPr>
+              <a:t> </a:t>
+            </a:r>
+            <a:r>
+              <a:rPr lang="en-US" altLang="en-US" b="1" smtClean="0">
+                <a:solidFill>
+                  <a:srgbClr val="000080"/>
+                </a:solidFill>
+                <a:latin typeface="Consolas" panose="020B0609020204030204" pitchFamily="49" charset="0"/>
+              </a:rPr>
+              <a:t>for </a:t>
+            </a:r>
+            <a:r>
+              <a:rPr lang="en-US" altLang="en-US">
+                <a:solidFill>
+                  <a:srgbClr val="000000"/>
+                </a:solidFill>
+                <a:latin typeface="Consolas" panose="020B0609020204030204" pitchFamily="49" charset="0"/>
+              </a:rPr>
+              <a:t>(</a:t>
+            </a:r>
+            <a:r>
+              <a:rPr lang="en-US" altLang="en-US" b="1">
+                <a:solidFill>
+                  <a:srgbClr val="000080"/>
+                </a:solidFill>
+                <a:latin typeface="Consolas" panose="020B0609020204030204" pitchFamily="49" charset="0"/>
+              </a:rPr>
+              <a:t>int </a:t>
+            </a:r>
+            <a:r>
+              <a:rPr lang="en-US" altLang="en-US">
+                <a:solidFill>
+                  <a:srgbClr val="000000"/>
+                </a:solidFill>
+                <a:latin typeface="Consolas" panose="020B0609020204030204" pitchFamily="49" charset="0"/>
+              </a:rPr>
+              <a:t>k = </a:t>
+            </a:r>
+            <a:r>
+              <a:rPr lang="en-US" altLang="en-US">
+                <a:solidFill>
+                  <a:srgbClr val="0000FF"/>
+                </a:solidFill>
+                <a:latin typeface="Consolas" panose="020B0609020204030204" pitchFamily="49" charset="0"/>
+              </a:rPr>
+              <a:t>0</a:t>
+            </a:r>
+            <a:r>
+              <a:rPr lang="en-US" altLang="en-US">
+                <a:solidFill>
+                  <a:srgbClr val="000000"/>
+                </a:solidFill>
+                <a:latin typeface="Consolas" panose="020B0609020204030204" pitchFamily="49" charset="0"/>
+              </a:rPr>
+              <a:t>; k &lt; </a:t>
+            </a:r>
+            <a:r>
+              <a:rPr lang="en-US" altLang="en-US" b="1" i="1">
+                <a:solidFill>
+                  <a:srgbClr val="660E7A"/>
+                </a:solidFill>
+                <a:latin typeface="Consolas" panose="020B0609020204030204" pitchFamily="49" charset="0"/>
+              </a:rPr>
+              <a:t>n</a:t>
+            </a:r>
+            <a:r>
+              <a:rPr lang="en-US" altLang="en-US">
+                <a:solidFill>
+                  <a:srgbClr val="000000"/>
+                </a:solidFill>
+                <a:latin typeface="Consolas" panose="020B0609020204030204" pitchFamily="49" charset="0"/>
+              </a:rPr>
+              <a:t>; k++) {</a:t>
+            </a:r>
+            <a:br>
+              <a:rPr lang="en-US" altLang="en-US">
+                <a:solidFill>
+                  <a:srgbClr val="000000"/>
+                </a:solidFill>
+                <a:latin typeface="Consolas" panose="020B0609020204030204" pitchFamily="49" charset="0"/>
+              </a:rPr>
+            </a:br>
+            <a:r>
+              <a:rPr lang="en-US" altLang="en-US">
+                <a:solidFill>
+                  <a:srgbClr val="000000"/>
+                </a:solidFill>
+                <a:latin typeface="Consolas" panose="020B0609020204030204" pitchFamily="49" charset="0"/>
+              </a:rPr>
+              <a:t>      </a:t>
+            </a:r>
+            <a:r>
+              <a:rPr lang="en-US" altLang="en-US" b="1" i="1" smtClean="0">
+                <a:solidFill>
+                  <a:srgbClr val="660E7A"/>
+                </a:solidFill>
+                <a:latin typeface="Consolas" panose="020B0609020204030204" pitchFamily="49" charset="0"/>
+              </a:rPr>
+              <a:t>C</a:t>
+            </a:r>
+            <a:r>
+              <a:rPr lang="en-US" altLang="en-US" smtClean="0">
+                <a:solidFill>
+                  <a:srgbClr val="000000"/>
+                </a:solidFill>
+                <a:latin typeface="Consolas" panose="020B0609020204030204" pitchFamily="49" charset="0"/>
+              </a:rPr>
+              <a:t>[i</a:t>
+            </a:r>
+            <a:r>
+              <a:rPr lang="en-US" altLang="en-US">
+                <a:solidFill>
+                  <a:srgbClr val="000000"/>
+                </a:solidFill>
+                <a:latin typeface="Consolas" panose="020B0609020204030204" pitchFamily="49" charset="0"/>
+              </a:rPr>
+              <a:t>][j] += </a:t>
+            </a:r>
+            <a:r>
+              <a:rPr lang="en-US" altLang="en-US" b="1" i="1">
+                <a:solidFill>
+                  <a:srgbClr val="660E7A"/>
+                </a:solidFill>
+                <a:latin typeface="Consolas" panose="020B0609020204030204" pitchFamily="49" charset="0"/>
+              </a:rPr>
+              <a:t>A</a:t>
+            </a:r>
+            <a:r>
+              <a:rPr lang="en-US" altLang="en-US">
+                <a:solidFill>
+                  <a:srgbClr val="000000"/>
+                </a:solidFill>
+                <a:latin typeface="Consolas" panose="020B0609020204030204" pitchFamily="49" charset="0"/>
+              </a:rPr>
+              <a:t>[i][k] * </a:t>
+            </a:r>
+            <a:r>
+              <a:rPr lang="en-US" altLang="en-US" b="1" i="1">
+                <a:solidFill>
+                  <a:srgbClr val="660E7A"/>
+                </a:solidFill>
+                <a:latin typeface="Consolas" panose="020B0609020204030204" pitchFamily="49" charset="0"/>
+              </a:rPr>
+              <a:t>B</a:t>
+            </a:r>
+            <a:r>
+              <a:rPr lang="en-US" altLang="en-US">
+                <a:solidFill>
+                  <a:srgbClr val="000000"/>
+                </a:solidFill>
+                <a:latin typeface="Consolas" panose="020B0609020204030204" pitchFamily="49" charset="0"/>
+              </a:rPr>
+              <a:t>[k][j];</a:t>
+            </a:r>
+            <a:br>
+              <a:rPr lang="en-US" altLang="en-US">
+                <a:solidFill>
+                  <a:srgbClr val="000000"/>
+                </a:solidFill>
+                <a:latin typeface="Consolas" panose="020B0609020204030204" pitchFamily="49" charset="0"/>
+              </a:rPr>
+            </a:br>
+            <a:r>
+              <a:rPr lang="en-US" altLang="en-US">
+                <a:solidFill>
+                  <a:srgbClr val="000000"/>
+                </a:solidFill>
+                <a:latin typeface="Consolas" panose="020B0609020204030204" pitchFamily="49" charset="0"/>
+              </a:rPr>
+              <a:t>    </a:t>
+            </a:r>
+            <a:r>
+              <a:rPr lang="en-US" altLang="en-US" smtClean="0">
+                <a:solidFill>
+                  <a:srgbClr val="000000"/>
+                </a:solidFill>
+                <a:latin typeface="Consolas" panose="020B0609020204030204" pitchFamily="49" charset="0"/>
+              </a:rPr>
+              <a:t>}</a:t>
+            </a:r>
+            <a:r>
+              <a:rPr lang="en-US" altLang="en-US">
+                <a:solidFill>
+                  <a:srgbClr val="000000"/>
+                </a:solidFill>
+                <a:latin typeface="Consolas" panose="020B0609020204030204" pitchFamily="49" charset="0"/>
+              </a:rPr>
+              <a:t/>
+            </a:r>
+            <a:br>
+              <a:rPr lang="en-US" altLang="en-US">
+                <a:solidFill>
+                  <a:srgbClr val="000000"/>
+                </a:solidFill>
+                <a:latin typeface="Consolas" panose="020B0609020204030204" pitchFamily="49" charset="0"/>
+              </a:rPr>
+            </a:br>
+            <a:r>
+              <a:rPr lang="en-US" altLang="en-US">
+                <a:solidFill>
+                  <a:srgbClr val="000000"/>
+                </a:solidFill>
+                <a:latin typeface="Consolas" panose="020B0609020204030204" pitchFamily="49" charset="0"/>
+              </a:rPr>
+              <a:t>  </a:t>
+            </a:r>
+            <a:r>
+              <a:rPr lang="en-US" altLang="en-US" smtClean="0">
+                <a:solidFill>
+                  <a:srgbClr val="000000"/>
+                </a:solidFill>
+                <a:latin typeface="Consolas" panose="020B0609020204030204" pitchFamily="49" charset="0"/>
+              </a:rPr>
+              <a:t>}</a:t>
+            </a:r>
+            <a:r>
+              <a:rPr lang="en-US" altLang="en-US">
+                <a:solidFill>
+                  <a:srgbClr val="000000"/>
+                </a:solidFill>
+                <a:latin typeface="Consolas" panose="020B0609020204030204" pitchFamily="49" charset="0"/>
+              </a:rPr>
+              <a:t/>
+            </a:r>
+            <a:br>
+              <a:rPr lang="en-US" altLang="en-US">
+                <a:solidFill>
+                  <a:srgbClr val="000000"/>
+                </a:solidFill>
+                <a:latin typeface="Consolas" panose="020B0609020204030204" pitchFamily="49" charset="0"/>
+              </a:rPr>
+            </a:br>
+            <a:r>
+              <a:rPr lang="en-US" altLang="en-US" smtClean="0">
+                <a:solidFill>
+                  <a:srgbClr val="000000"/>
+                </a:solidFill>
+                <a:latin typeface="Consolas" panose="020B0609020204030204" pitchFamily="49" charset="0"/>
+              </a:rPr>
+              <a:t>}</a:t>
+            </a:r>
+            <a:endParaRPr lang="en-US"/>
+          </a:p>
+        </p:txBody>
+      </p:sp>
+    </p:spTree>
+    <p:extLst>
+      <p:ext uri="{BB962C8B-B14F-4D97-AF65-F5344CB8AC3E}">
+        <p14:creationId xmlns:p14="http://schemas.microsoft.com/office/powerpoint/2010/main" val="2808821390"/>
       </p:ext>
     </p:extLst>
   </p:cSld>
@@ -6737,7 +13789,7 @@
   <a:extraClrSchemeLst/>
   <a:extLst>
     <a:ext uri="{05A4C25C-085E-4340-85A3-A5531E510DB2}">
-      <thm15:themeFamily xmlns:thm15="http://schemas.microsoft.com/office/thememl/2012/main" xmlns="" name="Office Theme" id="{62F939B6-93AF-4DB8-9C6B-D6C7DFDC589F}" vid="{4A3C46E8-61CC-4603-A589-7422A47A8E4A}"/>
+      <thm15:themeFamily xmlns:thm15="http://schemas.microsoft.com/office/thememl/2012/main" name="Office Theme" id="{62F939B6-93AF-4DB8-9C6B-D6C7DFDC589F}" vid="{4A3C46E8-61CC-4603-A589-7422A47A8E4A}"/>
     </a:ext>
   </a:extLst>
 </a:theme>
@@ -6998,7 +14050,7 @@
   <a:extraClrSchemeLst/>
   <a:extLst>
     <a:ext uri="{05A4C25C-085E-4340-85A3-A5531E510DB2}">
-      <thm15:themeFamily xmlns:thm15="http://schemas.microsoft.com/office/thememl/2012/main" xmlns="" name="Office Theme" id="{62F939B6-93AF-4DB8-9C6B-D6C7DFDC589F}" vid="{4A3C46E8-61CC-4603-A589-7422A47A8E4A}"/>
+      <thm15:themeFamily xmlns:thm15="http://schemas.microsoft.com/office/thememl/2012/main" name="Office Theme" id="{62F939B6-93AF-4DB8-9C6B-D6C7DFDC589F}" vid="{4A3C46E8-61CC-4603-A589-7422A47A8E4A}"/>
     </a:ext>
   </a:extLst>
 </a:theme>
@@ -7259,7 +14311,7 @@
   <a:extraClrSchemeLst/>
   <a:extLst>
     <a:ext uri="{05A4C25C-085E-4340-85A3-A5531E510DB2}">
-      <thm15:themeFamily xmlns:thm15="http://schemas.microsoft.com/office/thememl/2012/main" xmlns="" name="Office Theme" id="{62F939B6-93AF-4DB8-9C6B-D6C7DFDC589F}" vid="{4A3C46E8-61CC-4603-A589-7422A47A8E4A}"/>
+      <thm15:themeFamily xmlns:thm15="http://schemas.microsoft.com/office/thememl/2012/main" name="Office Theme" id="{62F939B6-93AF-4DB8-9C6B-D6C7DFDC589F}" vid="{4A3C46E8-61CC-4603-A589-7422A47A8E4A}"/>
     </a:ext>
   </a:extLst>
 </a:theme>

--- a/docs/part1ca/01_Introduction/CA_Lecture_01.pptx
+++ b/docs/part1ca/01_Introduction/CA_Lecture_01.pptx
@@ -5,10 +5,10 @@
     <p:sldMasterId id="2147483648" r:id="rId1"/>
   </p:sldMasterIdLst>
   <p:notesMasterIdLst>
-    <p:notesMasterId r:id="rId16"/>
+    <p:notesMasterId r:id="rId17"/>
   </p:notesMasterIdLst>
   <p:handoutMasterIdLst>
-    <p:handoutMasterId r:id="rId17"/>
+    <p:handoutMasterId r:id="rId18"/>
   </p:handoutMasterIdLst>
   <p:sldIdLst>
     <p:sldId id="256" r:id="rId2"/>
@@ -20,11 +20,12 @@
     <p:sldId id="282" r:id="rId8"/>
     <p:sldId id="283" r:id="rId9"/>
     <p:sldId id="284" r:id="rId10"/>
-    <p:sldId id="279" r:id="rId11"/>
-    <p:sldId id="281" r:id="rId12"/>
-    <p:sldId id="278" r:id="rId13"/>
-    <p:sldId id="275" r:id="rId14"/>
-    <p:sldId id="272" r:id="rId15"/>
+    <p:sldId id="285" r:id="rId11"/>
+    <p:sldId id="279" r:id="rId12"/>
+    <p:sldId id="281" r:id="rId13"/>
+    <p:sldId id="278" r:id="rId14"/>
+    <p:sldId id="275" r:id="rId15"/>
+    <p:sldId id="272" r:id="rId16"/>
   </p:sldIdLst>
   <p:sldSz cx="12192000" cy="6858000"/>
   <p:notesSz cx="6858000" cy="9144000"/>
@@ -247,7 +248,7 @@
             <a:fld id="{D0106195-8D78-4F6F-B8E4-FA67975ACEF5}" type="datetimeFigureOut">
               <a:rPr lang="ru-RU" smtClean="0"/>
               <a:pPr/>
-              <a:t>17.10.2020</a:t>
+              <a:t>18.10.2020</a:t>
             </a:fld>
             <a:endParaRPr lang="ru-RU"/>
           </a:p>
@@ -415,7 +416,7 @@
             <a:fld id="{878212F1-C3D9-4F2B-8F42-5E960FE8BE51}" type="datetimeFigureOut">
               <a:rPr lang="ru-RU" smtClean="0"/>
               <a:pPr/>
-              <a:t>17.10.2020</a:t>
+              <a:t>18.10.2020</a:t>
             </a:fld>
             <a:endParaRPr lang="ru-RU"/>
           </a:p>
@@ -912,7 +913,7 @@
             <a:fld id="{5583B3A5-99BF-45D9-956B-DC57CC23AD97}" type="slidenum">
               <a:rPr lang="ru-RU" smtClean="0"/>
               <a:pPr/>
-              <a:t>14</a:t>
+              <a:t>15</a:t>
             </a:fld>
             <a:endParaRPr lang="ru-RU"/>
           </a:p>
@@ -4237,28 +4238,388 @@
           <a:chExt cx="0" cy="0"/>
         </a:xfrm>
       </p:grpSpPr>
+      <p:graphicFrame>
+        <p:nvGraphicFramePr>
+          <p:cNvPr id="5" name="Content Placeholder 4"/>
+          <p:cNvGraphicFramePr>
+            <a:graphicFrameLocks noGrp="1"/>
+          </p:cNvGraphicFramePr>
+          <p:nvPr>
+            <p:ph idx="1"/>
+            <p:extLst>
+              <p:ext uri="{D42A27DB-BD31-4B8C-83A1-F6EECF244321}">
+                <p14:modId xmlns:p14="http://schemas.microsoft.com/office/powerpoint/2010/main" val="1359259602"/>
+              </p:ext>
+            </p:extLst>
+          </p:nvPr>
+        </p:nvGraphicFramePr>
+        <p:xfrm>
+          <a:off x="1981200" y="1164336"/>
+          <a:ext cx="8229600" cy="4583594"/>
+        </p:xfrm>
+        <a:graphic>
+          <a:graphicData uri="http://schemas.openxmlformats.org/drawingml/2006/table">
+            <a:tbl>
+              <a:tblPr firstRow="1" bandRow="1">
+                <a:tableStyleId>{5C22544A-7EE6-4342-B048-85BDC9FD1C3A}</a:tableStyleId>
+              </a:tblPr>
+              <a:tblGrid>
+                <a:gridCol w="4114800"/>
+                <a:gridCol w="4114800"/>
+              </a:tblGrid>
+              <a:tr h="399288">
+                <a:tc>
+                  <a:txBody>
+                    <a:bodyPr/>
+                    <a:lstStyle/>
+                    <a:p>
+                      <a:r>
+                        <a:rPr lang="en-US" sz="2800" smtClean="0">
+                          <a:solidFill>
+                            <a:srgbClr val="F7B217"/>
+                          </a:solidFill>
+                        </a:rPr>
+                        <a:t>Feature</a:t>
+                      </a:r>
+                      <a:endParaRPr lang="en-US" sz="2800">
+                        <a:solidFill>
+                          <a:srgbClr val="F7B217"/>
+                        </a:solidFill>
+                      </a:endParaRPr>
+                    </a:p>
+                  </a:txBody>
+                  <a:tcPr/>
+                </a:tc>
+                <a:tc>
+                  <a:txBody>
+                    <a:bodyPr/>
+                    <a:lstStyle/>
+                    <a:p>
+                      <a:r>
+                        <a:rPr lang="en-US" sz="2800" smtClean="0">
+                          <a:solidFill>
+                            <a:srgbClr val="F7B217"/>
+                          </a:solidFill>
+                        </a:rPr>
+                        <a:t>Specifiction</a:t>
+                      </a:r>
+                      <a:endParaRPr lang="en-US" sz="2800">
+                        <a:solidFill>
+                          <a:srgbClr val="F7B217"/>
+                        </a:solidFill>
+                      </a:endParaRPr>
+                    </a:p>
+                  </a:txBody>
+                  <a:tcPr/>
+                </a:tc>
+              </a:tr>
+              <a:tr h="319191">
+                <a:tc>
+                  <a:txBody>
+                    <a:bodyPr/>
+                    <a:lstStyle/>
+                    <a:p>
+                      <a:r>
+                        <a:rPr lang="en-US" sz="2000" smtClean="0"/>
+                        <a:t>Model</a:t>
+                      </a:r>
+                      <a:endParaRPr lang="en-US" sz="2000"/>
+                    </a:p>
+                  </a:txBody>
+                  <a:tcPr/>
+                </a:tc>
+                <a:tc>
+                  <a:txBody>
+                    <a:bodyPr/>
+                    <a:lstStyle/>
+                    <a:p>
+                      <a:r>
+                        <a:rPr lang="en-US" sz="2000" smtClean="0"/>
+                        <a:t>MacBook Pro 9,1</a:t>
+                      </a:r>
+                      <a:endParaRPr lang="en-US" sz="2000"/>
+                    </a:p>
+                  </a:txBody>
+                  <a:tcPr/>
+                </a:tc>
+              </a:tr>
+              <a:tr h="273471">
+                <a:tc>
+                  <a:txBody>
+                    <a:bodyPr/>
+                    <a:lstStyle/>
+                    <a:p>
+                      <a:r>
+                        <a:rPr lang="en-US" sz="2000" smtClean="0"/>
+                        <a:t>Processor Name</a:t>
+                      </a:r>
+                      <a:endParaRPr lang="en-US" sz="2000"/>
+                    </a:p>
+                  </a:txBody>
+                  <a:tcPr/>
+                </a:tc>
+                <a:tc>
+                  <a:txBody>
+                    <a:bodyPr/>
+                    <a:lstStyle/>
+                    <a:p>
+                      <a:r>
+                        <a:rPr lang="en-US" sz="2000" smtClean="0"/>
+                        <a:t>Quad-Core Intel Core i7</a:t>
+                      </a:r>
+                      <a:endParaRPr lang="en-US" sz="2000"/>
+                    </a:p>
+                  </a:txBody>
+                  <a:tcPr/>
+                </a:tc>
+              </a:tr>
+              <a:tr h="453649">
+                <a:tc>
+                  <a:txBody>
+                    <a:bodyPr/>
+                    <a:lstStyle/>
+                    <a:p>
+                      <a:r>
+                        <a:rPr lang="en-US" sz="2000" smtClean="0"/>
+                        <a:t>Processor Speed</a:t>
+                      </a:r>
+                      <a:endParaRPr lang="en-US" sz="2000"/>
+                    </a:p>
+                  </a:txBody>
+                  <a:tcPr/>
+                </a:tc>
+                <a:tc>
+                  <a:txBody>
+                    <a:bodyPr/>
+                    <a:lstStyle/>
+                    <a:p>
+                      <a:r>
+                        <a:rPr lang="en-US" sz="2000" smtClean="0"/>
+                        <a:t>2,3 GHz</a:t>
+                      </a:r>
+                      <a:endParaRPr lang="en-US" sz="2000"/>
+                    </a:p>
+                  </a:txBody>
+                  <a:tcPr/>
+                </a:tc>
+              </a:tr>
+              <a:tr h="273471">
+                <a:tc>
+                  <a:txBody>
+                    <a:bodyPr/>
+                    <a:lstStyle/>
+                    <a:p>
+                      <a:r>
+                        <a:rPr lang="en-US" sz="2000" smtClean="0"/>
+                        <a:t>Number of Processors</a:t>
+                      </a:r>
+                      <a:endParaRPr lang="en-US" sz="2000"/>
+                    </a:p>
+                  </a:txBody>
+                  <a:tcPr/>
+                </a:tc>
+                <a:tc>
+                  <a:txBody>
+                    <a:bodyPr/>
+                    <a:lstStyle/>
+                    <a:p>
+                      <a:r>
+                        <a:rPr lang="en-US" sz="2000" smtClean="0"/>
+                        <a:t>1</a:t>
+                      </a:r>
+                      <a:endParaRPr lang="en-US" sz="2000"/>
+                    </a:p>
+                  </a:txBody>
+                  <a:tcPr/>
+                </a:tc>
+              </a:tr>
+              <a:tr h="236895">
+                <a:tc>
+                  <a:txBody>
+                    <a:bodyPr/>
+                    <a:lstStyle/>
+                    <a:p>
+                      <a:r>
+                        <a:rPr lang="en-US" sz="2000" smtClean="0"/>
+                        <a:t>Total Number of Cores</a:t>
+                      </a:r>
+                      <a:endParaRPr lang="en-US" sz="2000"/>
+                    </a:p>
+                  </a:txBody>
+                  <a:tcPr/>
+                </a:tc>
+                <a:tc>
+                  <a:txBody>
+                    <a:bodyPr/>
+                    <a:lstStyle/>
+                    <a:p>
+                      <a:r>
+                        <a:rPr lang="en-US" sz="2000" smtClean="0"/>
+                        <a:t>4</a:t>
+                      </a:r>
+                      <a:endParaRPr lang="en-US" sz="2000"/>
+                    </a:p>
+                  </a:txBody>
+                  <a:tcPr/>
+                </a:tc>
+              </a:tr>
+              <a:tr h="209463">
+                <a:tc>
+                  <a:txBody>
+                    <a:bodyPr/>
+                    <a:lstStyle/>
+                    <a:p>
+                      <a:r>
+                        <a:rPr lang="en-US" sz="2000" smtClean="0"/>
+                        <a:t>Floating-point operations per cycle</a:t>
+                      </a:r>
+                      <a:endParaRPr lang="en-US" sz="2000"/>
+                    </a:p>
+                  </a:txBody>
+                  <a:tcPr/>
+                </a:tc>
+                <a:tc>
+                  <a:txBody>
+                    <a:bodyPr/>
+                    <a:lstStyle/>
+                    <a:p>
+                      <a:r>
+                        <a:rPr lang="en-US" sz="2000" smtClean="0"/>
+                        <a:t>4</a:t>
+                      </a:r>
+                      <a:endParaRPr lang="en-US" sz="2000"/>
+                    </a:p>
+                  </a:txBody>
+                  <a:tcPr/>
+                </a:tc>
+              </a:tr>
+              <a:tr h="209463">
+                <a:tc>
+                  <a:txBody>
+                    <a:bodyPr/>
+                    <a:lstStyle/>
+                    <a:p>
+                      <a:r>
+                        <a:rPr lang="en-US" sz="2000" smtClean="0"/>
+                        <a:t>L2 Cache (per Core)</a:t>
+                      </a:r>
+                      <a:endParaRPr lang="en-US" sz="2000"/>
+                    </a:p>
+                  </a:txBody>
+                  <a:tcPr/>
+                </a:tc>
+                <a:tc>
+                  <a:txBody>
+                    <a:bodyPr/>
+                    <a:lstStyle/>
+                    <a:p>
+                      <a:r>
+                        <a:rPr lang="en-US" sz="2000" smtClean="0"/>
+                        <a:t>256 KB</a:t>
+                      </a:r>
+                      <a:endParaRPr lang="en-US" sz="2000"/>
+                    </a:p>
+                  </a:txBody>
+                  <a:tcPr/>
+                </a:tc>
+              </a:tr>
+              <a:tr h="236895">
+                <a:tc>
+                  <a:txBody>
+                    <a:bodyPr/>
+                    <a:lstStyle/>
+                    <a:p>
+                      <a:r>
+                        <a:rPr lang="en-US" sz="2000" smtClean="0"/>
+                        <a:t>L3 Cache:</a:t>
+                      </a:r>
+                      <a:endParaRPr lang="en-US" sz="2000"/>
+                    </a:p>
+                  </a:txBody>
+                  <a:tcPr/>
+                </a:tc>
+                <a:tc>
+                  <a:txBody>
+                    <a:bodyPr/>
+                    <a:lstStyle/>
+                    <a:p>
+                      <a:r>
+                        <a:rPr lang="en-US" sz="2000" smtClean="0"/>
+                        <a:t>6 MB</a:t>
+                      </a:r>
+                      <a:endParaRPr lang="en-US" sz="2000"/>
+                    </a:p>
+                  </a:txBody>
+                  <a:tcPr/>
+                </a:tc>
+              </a:tr>
+              <a:tr h="441865">
+                <a:tc>
+                  <a:txBody>
+                    <a:bodyPr/>
+                    <a:lstStyle/>
+                    <a:p>
+                      <a:r>
+                        <a:rPr lang="en-US" sz="2000" smtClean="0"/>
+                        <a:t>Hyper-Threading Technology</a:t>
+                      </a:r>
+                      <a:endParaRPr lang="en-US" sz="2000"/>
+                    </a:p>
+                  </a:txBody>
+                  <a:tcPr/>
+                </a:tc>
+                <a:tc>
+                  <a:txBody>
+                    <a:bodyPr/>
+                    <a:lstStyle/>
+                    <a:p>
+                      <a:r>
+                        <a:rPr lang="en-US" sz="2000" smtClean="0"/>
+                        <a:t>Enabled</a:t>
+                      </a:r>
+                      <a:endParaRPr lang="en-US" sz="2000"/>
+                    </a:p>
+                  </a:txBody>
+                  <a:tcPr/>
+                </a:tc>
+              </a:tr>
+              <a:tr h="310047">
+                <a:tc>
+                  <a:txBody>
+                    <a:bodyPr/>
+                    <a:lstStyle/>
+                    <a:p>
+                      <a:r>
+                        <a:rPr lang="en-US" sz="2000" smtClean="0"/>
+                        <a:t>Memory</a:t>
+                      </a:r>
+                      <a:endParaRPr lang="en-US" sz="2000"/>
+                    </a:p>
+                  </a:txBody>
+                  <a:tcPr/>
+                </a:tc>
+                <a:tc>
+                  <a:txBody>
+                    <a:bodyPr/>
+                    <a:lstStyle/>
+                    <a:p>
+                      <a:r>
+                        <a:rPr lang="en-US" sz="2000" smtClean="0"/>
+                        <a:t>8 GB</a:t>
+                      </a:r>
+                      <a:endParaRPr lang="en-US" sz="2000"/>
+                    </a:p>
+                  </a:txBody>
+                  <a:tcPr/>
+                </a:tc>
+              </a:tr>
+            </a:tbl>
+          </a:graphicData>
+        </a:graphic>
+      </p:graphicFrame>
       <p:sp>
         <p:nvSpPr>
-          <p:cNvPr id="2" name="Содержимое 1"/>
-          <p:cNvSpPr>
-            <a:spLocks noGrp="1"/>
-          </p:cNvSpPr>
-          <p:nvPr>
-            <p:ph idx="1"/>
-          </p:nvPr>
-        </p:nvSpPr>
-        <p:spPr/>
-        <p:txBody>
-          <a:bodyPr/>
-          <a:lstStyle/>
-          <a:p>
-            <a:endParaRPr lang="ru-RU"/>
-          </a:p>
-        </p:txBody>
-      </p:sp>
-      <p:sp>
-        <p:nvSpPr>
-          <p:cNvPr id="3" name="Номер слайда 2"/>
+          <p:cNvPr id="3" name="Slide Number Placeholder 2"/>
           <p:cNvSpPr>
             <a:spLocks noGrp="1"/>
           </p:cNvSpPr>
@@ -4283,7 +4644,7 @@
       </p:sp>
       <p:sp>
         <p:nvSpPr>
-          <p:cNvPr id="4" name="Заголовок 3"/>
+          <p:cNvPr id="4" name="Title 3"/>
           <p:cNvSpPr>
             <a:spLocks noGrp="1"/>
           </p:cNvSpPr>
@@ -4297,14 +4658,217 @@
           <a:lstStyle/>
           <a:p>
             <a:r>
-              <a:rPr lang="en-US" dirty="0" smtClean="0"/>
-              <a:t>Brief History</a:t>
-            </a:r>
-            <a:endParaRPr lang="ru-RU" dirty="0"/>
+              <a:rPr lang="en-US"/>
+              <a:t>Performance: Matrix Multiplication (</a:t>
+            </a:r>
+            <a:r>
+              <a:rPr lang="en-US"/>
+              <a:t>part </a:t>
+            </a:r>
+            <a:r>
+              <a:rPr lang="en-US" smtClean="0"/>
+              <a:t>5)</a:t>
+            </a:r>
+            <a:endParaRPr lang="en-US"/>
           </a:p>
         </p:txBody>
       </p:sp>
+      <mc:AlternateContent xmlns:mc="http://schemas.openxmlformats.org/markup-compatibility/2006">
+        <mc:Choice xmlns:a14="http://schemas.microsoft.com/office/drawing/2010/main" Requires="a14">
+          <p:sp>
+            <p:nvSpPr>
+              <p:cNvPr id="6" name="Rectangle 5"/>
+              <p:cNvSpPr/>
+              <p:nvPr/>
+            </p:nvSpPr>
+            <p:spPr>
+              <a:xfrm>
+                <a:off x="1981200" y="5818188"/>
+                <a:ext cx="8229600" cy="630173"/>
+              </a:xfrm>
+              <a:prstGeom prst="rect">
+                <a:avLst/>
+              </a:prstGeom>
+              <a:solidFill>
+                <a:srgbClr val="F7B217"/>
+              </a:solidFill>
+            </p:spPr>
+            <p:txBody>
+              <a:bodyPr wrap="square">
+                <a:spAutoFit/>
+              </a:bodyPr>
+              <a:lstStyle/>
+              <a:p>
+                <a:pPr algn="ctr"/>
+                <a:r>
+                  <a:rPr lang="en-US" sz="3200" b="1" smtClean="0">
+                    <a:solidFill>
+                      <a:srgbClr val="1E3272"/>
+                    </a:solidFill>
+                  </a:rPr>
+                  <a:t>Peak </a:t>
+                </a:r>
+                <a:r>
+                  <a:rPr lang="en-US" sz="3200" b="1" smtClean="0">
+                    <a:solidFill>
+                      <a:srgbClr val="1E3272"/>
+                    </a:solidFill>
+                  </a:rPr>
+                  <a:t>= (</a:t>
+                </a:r>
+                <a14:m>
+                  <m:oMath xmlns:m="http://schemas.openxmlformats.org/officeDocument/2006/math">
+                    <m:sSup>
+                      <m:sSupPr>
+                        <m:ctrlPr>
+                          <a:rPr lang="en-US" sz="3200" b="1" i="1">
+                            <a:solidFill>
+                              <a:srgbClr val="1E3272"/>
+                            </a:solidFill>
+                          </a:rPr>
+                        </m:ctrlPr>
+                      </m:sSupPr>
+                      <m:e>
+                        <m:r>
+                          <a:rPr lang="en-US" sz="3200" b="1" i="1" smtClean="0">
+                            <a:solidFill>
+                              <a:srgbClr val="1E3272"/>
+                            </a:solidFill>
+                          </a:rPr>
+                          <m:t>𝟐</m:t>
+                        </m:r>
+                        <m:r>
+                          <a:rPr lang="en-US" sz="3200" b="1" i="1" smtClean="0">
+                            <a:solidFill>
+                              <a:srgbClr val="1E3272"/>
+                            </a:solidFill>
+                          </a:rPr>
+                          <m:t>.</m:t>
+                        </m:r>
+                        <m:r>
+                          <a:rPr lang="en-US" sz="3200" b="1" i="1" smtClean="0">
+                            <a:solidFill>
+                              <a:srgbClr val="1E3272"/>
+                            </a:solidFill>
+                          </a:rPr>
+                          <m:t>𝟑</m:t>
+                        </m:r>
+                        <m:r>
+                          <a:rPr lang="en-US" sz="3200" b="1" i="1" smtClean="0">
+                            <a:solidFill>
+                              <a:srgbClr val="1E3272"/>
+                            </a:solidFill>
+                          </a:rPr>
+                          <m:t>∗</m:t>
+                        </m:r>
+                        <m:r>
+                          <a:rPr lang="en-US" sz="3200" b="1" i="1" smtClean="0">
+                            <a:solidFill>
+                              <a:srgbClr val="1E3272"/>
+                            </a:solidFill>
+                          </a:rPr>
+                          <m:t>𝟏𝟎</m:t>
+                        </m:r>
+                      </m:e>
+                      <m:sup>
+                        <m:r>
+                          <a:rPr lang="en-US" sz="3200" b="1" i="1" smtClean="0">
+                            <a:solidFill>
+                              <a:srgbClr val="1E3272"/>
+                            </a:solidFill>
+                          </a:rPr>
+                          <m:t>𝟗</m:t>
+                        </m:r>
+                      </m:sup>
+                    </m:sSup>
+                  </m:oMath>
+                </a14:m>
+                <a:r>
+                  <a:rPr lang="en-US" sz="3200" b="1">
+                    <a:solidFill>
+                      <a:srgbClr val="1E3272"/>
+                    </a:solidFill>
+                  </a:rPr>
+                  <a:t>) </a:t>
+                </a:r>
+                <a:r>
+                  <a:rPr lang="en-US" sz="3200" b="1" smtClean="0">
+                    <a:solidFill>
+                      <a:srgbClr val="1E3272"/>
+                    </a:solidFill>
+                  </a:rPr>
+                  <a:t>* 1 * 4 * 4 </a:t>
+                </a:r>
+                <a:r>
+                  <a:rPr lang="en-US" sz="3200" b="1">
+                    <a:solidFill>
+                      <a:srgbClr val="1E3272"/>
+                    </a:solidFill>
+                  </a:rPr>
+                  <a:t>= </a:t>
+                </a:r>
+                <a:r>
+                  <a:rPr lang="en-US" sz="3200" b="1" smtClean="0">
+                    <a:solidFill>
+                      <a:srgbClr val="1E3272"/>
+                    </a:solidFill>
+                  </a:rPr>
+                  <a:t>36 800 MFLOPS</a:t>
+                </a:r>
+                <a:endParaRPr lang="en-US" sz="3200" b="1">
+                  <a:solidFill>
+                    <a:srgbClr val="1E3272"/>
+                  </a:solidFill>
+                </a:endParaRPr>
+              </a:p>
+            </p:txBody>
+          </p:sp>
+        </mc:Choice>
+        <mc:Fallback>
+          <p:sp>
+            <p:nvSpPr>
+              <p:cNvPr id="6" name="Rectangle 5"/>
+              <p:cNvSpPr>
+                <a:spLocks noRot="1" noChangeAspect="1" noMove="1" noResize="1" noEditPoints="1" noAdjustHandles="1" noChangeArrowheads="1" noChangeShapeType="1" noTextEdit="1"/>
+              </p:cNvSpPr>
+              <p:nvPr/>
+            </p:nvSpPr>
+            <p:spPr>
+              <a:xfrm>
+                <a:off x="1981200" y="5818188"/>
+                <a:ext cx="8229600" cy="630173"/>
+              </a:xfrm>
+              <a:prstGeom prst="rect">
+                <a:avLst/>
+              </a:prstGeom>
+              <a:blipFill rotWithShape="0">
+                <a:blip r:embed="rId2"/>
+                <a:stretch>
+                  <a:fillRect l="-1185" t="-4808" r="-1185" b="-30769"/>
+                </a:stretch>
+              </a:blipFill>
+            </p:spPr>
+            <p:txBody>
+              <a:bodyPr/>
+              <a:lstStyle/>
+              <a:p>
+                <a:r>
+                  <a:rPr lang="en-US">
+                    <a:noFill/>
+                  </a:rPr>
+                  <a:t> </a:t>
+                </a:r>
+              </a:p>
+            </p:txBody>
+          </p:sp>
+        </mc:Fallback>
+      </mc:AlternateContent>
     </p:spTree>
+    <p:extLst>
+      <p:ext uri="{BB962C8B-B14F-4D97-AF65-F5344CB8AC3E}">
+        <p14:creationId xmlns:p14="http://schemas.microsoft.com/office/powerpoint/2010/main" val="1319878854"/>
+      </p:ext>
+    </p:extLst>
   </p:cSld>
   <p:clrMapOvr>
     <a:masterClrMapping/>
@@ -4338,6 +4902,25 @@
       </p:grpSpPr>
       <p:sp>
         <p:nvSpPr>
+          <p:cNvPr id="2" name="Содержимое 1"/>
+          <p:cNvSpPr>
+            <a:spLocks noGrp="1"/>
+          </p:cNvSpPr>
+          <p:nvPr>
+            <p:ph idx="1"/>
+          </p:nvPr>
+        </p:nvSpPr>
+        <p:spPr/>
+        <p:txBody>
+          <a:bodyPr/>
+          <a:lstStyle/>
+          <a:p>
+            <a:endParaRPr lang="ru-RU"/>
+          </a:p>
+        </p:txBody>
+      </p:sp>
+      <p:sp>
+        <p:nvSpPr>
           <p:cNvPr id="3" name="Номер слайда 2"/>
           <p:cNvSpPr>
             <a:spLocks noGrp="1"/>
@@ -4356,6 +4939,86 @@
               <a:rPr lang="ru-RU" smtClean="0"/>
               <a:pPr algn="ctr"/>
               <a:t>11</a:t>
+            </a:fld>
+            <a:endParaRPr lang="ru-RU" dirty="0"/>
+          </a:p>
+        </p:txBody>
+      </p:sp>
+      <p:sp>
+        <p:nvSpPr>
+          <p:cNvPr id="4" name="Заголовок 3"/>
+          <p:cNvSpPr>
+            <a:spLocks noGrp="1"/>
+          </p:cNvSpPr>
+          <p:nvPr>
+            <p:ph type="title"/>
+          </p:nvPr>
+        </p:nvSpPr>
+        <p:spPr/>
+        <p:txBody>
+          <a:bodyPr/>
+          <a:lstStyle/>
+          <a:p>
+            <a:r>
+              <a:rPr lang="en-US" dirty="0" smtClean="0"/>
+              <a:t>Brief History</a:t>
+            </a:r>
+            <a:endParaRPr lang="ru-RU" dirty="0"/>
+          </a:p>
+        </p:txBody>
+      </p:sp>
+    </p:spTree>
+  </p:cSld>
+  <p:clrMapOvr>
+    <a:masterClrMapping/>
+  </p:clrMapOvr>
+  <p:timing>
+    <p:tnLst>
+      <p:par>
+        <p:cTn id="1" dur="indefinite" restart="never" nodeType="tmRoot"/>
+      </p:par>
+    </p:tnLst>
+  </p:timing>
+</p:sld>
+</file>
+
+<file path=ppt/slides/slide12.xml><?xml version="1.0" encoding="utf-8"?>
+<p:sld xmlns:a="http://schemas.openxmlformats.org/drawingml/2006/main" xmlns:r="http://schemas.openxmlformats.org/officeDocument/2006/relationships" xmlns:p="http://schemas.openxmlformats.org/presentationml/2006/main">
+  <p:cSld>
+    <p:spTree>
+      <p:nvGrpSpPr>
+        <p:cNvPr id="1" name=""/>
+        <p:cNvGrpSpPr/>
+        <p:nvPr/>
+      </p:nvGrpSpPr>
+      <p:grpSpPr>
+        <a:xfrm>
+          <a:off x="0" y="0"/>
+          <a:ext cx="0" cy="0"/>
+          <a:chOff x="0" y="0"/>
+          <a:chExt cx="0" cy="0"/>
+        </a:xfrm>
+      </p:grpSpPr>
+      <p:sp>
+        <p:nvSpPr>
+          <p:cNvPr id="3" name="Номер слайда 2"/>
+          <p:cNvSpPr>
+            <a:spLocks noGrp="1"/>
+          </p:cNvSpPr>
+          <p:nvPr>
+            <p:ph type="sldNum" sz="quarter" idx="12"/>
+          </p:nvPr>
+        </p:nvSpPr>
+        <p:spPr/>
+        <p:txBody>
+          <a:bodyPr/>
+          <a:lstStyle/>
+          <a:p>
+            <a:pPr algn="ctr"/>
+            <a:fld id="{1397BFD8-F312-4EF2-A268-44FB4BDDBBB0}" type="slidenum">
+              <a:rPr lang="ru-RU" smtClean="0"/>
+              <a:pPr algn="ctr"/>
+              <a:t>12</a:t>
             </a:fld>
             <a:endParaRPr lang="ru-RU" dirty="0"/>
           </a:p>
@@ -4428,7 +5091,7 @@
 </p:sld>
 </file>
 
-<file path=ppt/slides/slide12.xml><?xml version="1.0" encoding="utf-8"?>
+<file path=ppt/slides/slide13.xml><?xml version="1.0" encoding="utf-8"?>
 <p:sld xmlns:a="http://schemas.openxmlformats.org/drawingml/2006/main" xmlns:r="http://schemas.openxmlformats.org/officeDocument/2006/relationships" xmlns:p="http://schemas.openxmlformats.org/presentationml/2006/main">
   <p:cSld>
     <p:spTree>
@@ -4663,7 +5326,7 @@
             <a:fld id="{1397BFD8-F312-4EF2-A268-44FB4BDDBBB0}" type="slidenum">
               <a:rPr lang="ru-RU" smtClean="0"/>
               <a:pPr algn="ctr"/>
-              <a:t>12</a:t>
+              <a:t>13</a:t>
             </a:fld>
             <a:endParaRPr lang="ru-RU" dirty="0"/>
           </a:p>
@@ -4963,7 +5626,7 @@
 </p:sld>
 </file>
 
-<file path=ppt/slides/slide13.xml><?xml version="1.0" encoding="utf-8"?>
+<file path=ppt/slides/slide14.xml><?xml version="1.0" encoding="utf-8"?>
 <p:sld xmlns:a="http://schemas.openxmlformats.org/drawingml/2006/main" xmlns:r="http://schemas.openxmlformats.org/officeDocument/2006/relationships" xmlns:p="http://schemas.openxmlformats.org/presentationml/2006/main">
   <p:cSld>
     <p:spTree>
@@ -4999,7 +5662,7 @@
             <a:fld id="{1397BFD8-F312-4EF2-A268-44FB4BDDBBB0}" type="slidenum">
               <a:rPr lang="ru-RU" smtClean="0"/>
               <a:pPr algn="ctr"/>
-              <a:t>13</a:t>
+              <a:t>14</a:t>
             </a:fld>
             <a:endParaRPr lang="ru-RU" dirty="0"/>
           </a:p>
@@ -5232,7 +5895,7 @@
 </p:sld>
 </file>
 
-<file path=ppt/slides/slide14.xml><?xml version="1.0" encoding="utf-8"?>
+<file path=ppt/slides/slide15.xml><?xml version="1.0" encoding="utf-8"?>
 <p:sld xmlns:a="http://schemas.openxmlformats.org/drawingml/2006/main" xmlns:r="http://schemas.openxmlformats.org/officeDocument/2006/relationships" xmlns:p="http://schemas.openxmlformats.org/presentationml/2006/main">
   <p:cSld>
     <p:spTree>
@@ -5787,7 +6450,7 @@
             <a:fld id="{1397BFD8-F312-4EF2-A268-44FB4BDDBBB0}" type="slidenum">
               <a:rPr lang="ru-RU" smtClean="0"/>
               <a:pPr algn="ctr"/>
-              <a:t>14</a:t>
+              <a:t>15</a:t>
             </a:fld>
             <a:endParaRPr lang="ru-RU" dirty="0"/>
           </a:p>
@@ -6307,31 +6970,7 @@
                   <a:srgbClr val="2F5CB5"/>
                 </a:solidFill>
               </a:rPr>
-              <a:t>see </a:t>
-            </a:r>
-            <a:r>
-              <a:rPr lang="en-US" sz="4400" smtClean="0">
-                <a:solidFill>
-                  <a:srgbClr val="2F5CB5"/>
-                </a:solidFill>
-              </a:rPr>
-              <a:t>the </a:t>
-            </a:r>
-            <a:r>
-              <a:rPr lang="en-US" sz="4400" smtClean="0">
-                <a:solidFill>
-                  <a:srgbClr val="2F5CB5"/>
-                </a:solidFill>
-              </a:rPr>
-              <a:t>web </a:t>
-            </a:r>
-            <a:r>
-              <a:rPr lang="en-US" sz="4400" smtClean="0">
-                <a:solidFill>
-                  <a:srgbClr val="2F5CB5"/>
-                </a:solidFill>
-              </a:rPr>
-              <a:t>site for details</a:t>
+              <a:t>see the web site for details</a:t>
             </a:r>
             <a:r>
               <a:rPr lang="en-US" sz="4400" smtClean="0"/>
@@ -6367,11 +7006,7 @@
             </a:r>
             <a:r>
               <a:rPr lang="en-US" smtClean="0"/>
-              <a:t>and </a:t>
-            </a:r>
-            <a:r>
-              <a:rPr lang="en-US" smtClean="0"/>
-              <a:t>test</a:t>
+              <a:t>and test</a:t>
             </a:r>
             <a:endParaRPr lang="en-US" dirty="0" smtClean="0"/>
           </a:p>
@@ -6692,11 +7327,7 @@
           <a:p>
             <a:r>
               <a:rPr lang="en-US"/>
-              <a:t>Performance</a:t>
-            </a:r>
-            <a:r>
-              <a:rPr lang="en-US"/>
-              <a:t>: </a:t>
+              <a:t>Performance: </a:t>
             </a:r>
             <a:r>
               <a:rPr lang="en-US" smtClean="0"/>
@@ -8164,20 +8795,7 @@
                 <a:effectLst/>
                 <a:latin typeface="Consolas" panose="020B0609020204030204" pitchFamily="49" charset="0"/>
               </a:rPr>
-              <a:t>start</a:t>
-            </a:r>
-            <a:r>
-              <a:rPr kumimoji="0" lang="en-US" altLang="en-US" sz="1400" b="0" i="0" u="none" strike="noStrike" cap="none" normalizeH="0" baseline="0" smtClean="0">
-                <a:ln>
-                  <a:noFill/>
-                </a:ln>
-                <a:solidFill>
-                  <a:srgbClr val="000000"/>
-                </a:solidFill>
-                <a:effectLst/>
-                <a:latin typeface="Consolas" panose="020B0609020204030204" pitchFamily="49" charset="0"/>
-              </a:rPr>
-              <a:t>))</a:t>
+              <a:t>start))</a:t>
             </a:r>
             <a:endParaRPr kumimoji="0" lang="en-US" altLang="en-US" sz="1400" b="0" i="0" u="none" strike="noStrike" cap="none" normalizeH="0" baseline="0" smtClean="0">
               <a:ln>
@@ -8662,6 +9280,10 @@
                   </a:lnSpc>
                   <a:buNone/>
                 </a:pPr>
+                <a:r>
+                  <a:rPr lang="en-US" sz="3200" smtClean="0"/>
+                  <a:t>503.130450 sec.</a:t>
+                </a:r>
                 <a:endParaRPr lang="en-US" sz="3200" smtClean="0"/>
               </a:p>
               <a:p>
@@ -8679,11 +9301,15 @@
               <a:p>
                 <a:pPr marL="0" indent="0">
                   <a:lnSpc>
-                    <a:spcPct val="150000"/>
+                    <a:spcPct val="100000"/>
                   </a:lnSpc>
                   <a:buNone/>
                 </a:pPr>
-                <a:endParaRPr lang="en-US"/>
+                <a:r>
+                  <a:rPr lang="en-US" sz="3200" smtClean="0"/>
+                  <a:t>~ 4,27 MFLOPS</a:t>
+                </a:r>
+                <a:endParaRPr lang="en-US" sz="3200"/>
               </a:p>
               <a:p>
                 <a:pPr marL="0" indent="0">
@@ -8836,11 +9462,7 @@
             </a:r>
             <a:r>
               <a:rPr lang="en-US"/>
-              <a:t>(</a:t>
-            </a:r>
-            <a:r>
-              <a:rPr lang="en-US"/>
-              <a:t>part </a:t>
+              <a:t>(part </a:t>
             </a:r>
             <a:r>
               <a:rPr lang="en-US" smtClean="0"/>
@@ -9361,15 +9983,6 @@
               </a:rPr>
               <a:t>];</a:t>
             </a:r>
-            <a:r>
-              <a:rPr lang="en-US" altLang="en-US" sz="1400">
-                <a:solidFill>
-                  <a:srgbClr val="000000"/>
-                </a:solidFill>
-                <a:latin typeface="Consolas" panose="020B0609020204030204" pitchFamily="49" charset="0"/>
-              </a:rPr>
-              <a:t/>
-            </a:r>
             <a:br>
               <a:rPr lang="en-US" altLang="en-US" sz="1400">
                 <a:solidFill>
@@ -10305,15 +10918,6 @@
                 <a:latin typeface="Consolas" panose="020B0609020204030204" pitchFamily="49" charset="0"/>
               </a:rPr>
               <a:t>();</a:t>
-            </a:r>
-            <a:r>
-              <a:rPr lang="en-US" altLang="en-US" sz="1400">
-                <a:solidFill>
-                  <a:srgbClr val="000000"/>
-                </a:solidFill>
-                <a:latin typeface="Consolas" panose="020B0609020204030204" pitchFamily="49" charset="0"/>
-              </a:rPr>
-              <a:t/>
             </a:r>
             <a:br>
               <a:rPr lang="en-US" altLang="en-US" sz="1400">
@@ -10831,6 +11435,10 @@
                   </a:lnSpc>
                   <a:buNone/>
                 </a:pPr>
+                <a:r>
+                  <a:rPr lang="en-US" sz="3200" smtClean="0"/>
+                  <a:t>12.946224 sec.</a:t>
+                </a:r>
                 <a:endParaRPr lang="en-US" sz="3200" smtClean="0"/>
               </a:p>
               <a:p>
@@ -10838,24 +11446,29 @@
                   <a:lnSpc>
                     <a:spcPct val="100000"/>
                   </a:lnSpc>
-                  <a:spcBef>
-                    <a:spcPts val="1800"/>
-                  </a:spcBef>
                   <a:buNone/>
                 </a:pPr>
                 <a:r>
                   <a:rPr lang="en-US" sz="3200" b="1" smtClean="0"/>
-                  <a:t>Performance:</a:t>
+                  <a:t>Performance</a:t>
+                </a:r>
+                <a:r>
+                  <a:rPr lang="en-US" sz="3200" b="1" smtClean="0"/>
+                  <a:t>:</a:t>
                 </a:r>
               </a:p>
               <a:p>
                 <a:pPr marL="0" indent="0">
                   <a:lnSpc>
-                    <a:spcPct val="150000"/>
+                    <a:spcPct val="100000"/>
                   </a:lnSpc>
                   <a:buNone/>
                 </a:pPr>
-                <a:endParaRPr lang="en-US"/>
+                <a:r>
+                  <a:rPr lang="en-US" sz="3200" smtClean="0"/>
+                  <a:t>~ 165 MFLOPS</a:t>
+                </a:r>
+                <a:endParaRPr lang="en-US" sz="3200"/>
               </a:p>
               <a:p>
                 <a:pPr marL="0" indent="0">
@@ -11004,11 +11617,7 @@
             </a:r>
             <a:r>
               <a:rPr lang="en-US"/>
-              <a:t>Multiplication (</a:t>
-            </a:r>
-            <a:r>
-              <a:rPr lang="en-US"/>
-              <a:t>part </a:t>
+              <a:t>Multiplication (part </a:t>
             </a:r>
             <a:r>
               <a:rPr lang="en-US" smtClean="0"/>
@@ -11115,16 +11724,7 @@
                 </a:solidFill>
                 <a:latin typeface="Consolas" panose="020B0609020204030204" pitchFamily="49" charset="0"/>
               </a:rPr>
-              <a:t>&lt;</a:t>
-            </a:r>
-            <a:r>
-              <a:rPr lang="en-US" altLang="en-US" sz="1100">
-                <a:solidFill>
-                  <a:srgbClr val="000000"/>
-                </a:solidFill>
-                <a:latin typeface="Consolas" panose="020B0609020204030204" pitchFamily="49" charset="0"/>
-              </a:rPr>
-              <a:t>sys/time.h</a:t>
+              <a:t>&lt;sys/time.h</a:t>
             </a:r>
             <a:r>
               <a:rPr lang="en-US" altLang="en-US" sz="1100" smtClean="0">
@@ -11276,15 +11876,6 @@
               </a:rPr>
               <a:t>C[n][n];</a:t>
             </a:r>
-            <a:r>
-              <a:rPr lang="en-US" altLang="en-US" sz="1100">
-                <a:solidFill>
-                  <a:srgbClr val="000000"/>
-                </a:solidFill>
-                <a:latin typeface="Consolas" panose="020B0609020204030204" pitchFamily="49" charset="0"/>
-              </a:rPr>
-              <a:t/>
-            </a:r>
             <a:br>
               <a:rPr lang="en-US" altLang="en-US" sz="1100">
                 <a:solidFill>
@@ -11432,16 +12023,7 @@
                 </a:solidFill>
                 <a:latin typeface="Consolas" panose="020B0609020204030204" pitchFamily="49" charset="0"/>
               </a:rPr>
-              <a:t>tv_sec</a:t>
-            </a:r>
-            <a:r>
-              <a:rPr lang="en-US" altLang="en-US" sz="1100">
-                <a:solidFill>
-                  <a:srgbClr val="000000"/>
-                </a:solidFill>
-                <a:latin typeface="Consolas" panose="020B0609020204030204" pitchFamily="49" charset="0"/>
-              </a:rPr>
-              <a:t>) </a:t>
+              <a:t>tv_sec) </a:t>
             </a:r>
             <a:r>
               <a:rPr lang="en-US" altLang="en-US" sz="1100" smtClean="0">
@@ -11450,7 +12032,7 @@
                 </a:solidFill>
                 <a:latin typeface="Consolas" panose="020B0609020204030204" pitchFamily="49" charset="0"/>
               </a:rPr>
-              <a:t>* </a:t>
+              <a:t>+ </a:t>
             </a:r>
             <a:r>
               <a:rPr lang="en-US" altLang="en-US" sz="1100" smtClean="0">
@@ -11531,15 +12113,6 @@
                 <a:latin typeface="Consolas" panose="020B0609020204030204" pitchFamily="49" charset="0"/>
               </a:rPr>
               <a:t>}</a:t>
-            </a:r>
-            <a:r>
-              <a:rPr lang="en-US" altLang="en-US" sz="1100">
-                <a:solidFill>
-                  <a:srgbClr val="000000"/>
-                </a:solidFill>
-                <a:latin typeface="Consolas" panose="020B0609020204030204" pitchFamily="49" charset="0"/>
-              </a:rPr>
-              <a:t/>
             </a:r>
             <a:br>
               <a:rPr lang="en-US" altLang="en-US" sz="1100">
@@ -12779,6 +13352,10 @@
                   </a:lnSpc>
                   <a:buNone/>
                 </a:pPr>
+                <a:r>
+                  <a:rPr lang="en-US" sz="3200" smtClean="0"/>
+                  <a:t>13.714264 sec.</a:t>
+                </a:r>
                 <a:endParaRPr lang="en-US" sz="3200" smtClean="0"/>
               </a:p>
               <a:p>
@@ -12786,15 +13363,32 @@
                   <a:lnSpc>
                     <a:spcPct val="100000"/>
                   </a:lnSpc>
+                  <a:buNone/>
+                </a:pPr>
+                <a:r>
+                  <a:rPr lang="en-US" sz="3200" b="1" smtClean="0"/>
+                  <a:t>Performance</a:t>
+                </a:r>
+                <a:r>
+                  <a:rPr lang="en-US" sz="3200" b="1" smtClean="0"/>
+                  <a:t>:</a:t>
+                </a:r>
+              </a:p>
+              <a:p>
+                <a:pPr marL="0" indent="0">
+                  <a:lnSpc>
+                    <a:spcPct val="100000"/>
+                  </a:lnSpc>
                   <a:spcBef>
-                    <a:spcPts val="1800"/>
+                    <a:spcPts val="1200"/>
                   </a:spcBef>
                   <a:buNone/>
                 </a:pPr>
                 <a:r>
-                  <a:rPr lang="en-US" sz="3200" b="1" smtClean="0"/>
-                  <a:t>Performance:</a:t>
+                  <a:rPr lang="en-US" sz="3200" smtClean="0"/>
+                  <a:t>~ 153 MFLOPS</a:t>
                 </a:r>
+                <a:endParaRPr lang="en-US" sz="3200" smtClean="0"/>
               </a:p>
               <a:p>
                 <a:pPr marL="0" indent="0">
@@ -12997,11 +13591,7 @@
           <a:p>
             <a:r>
               <a:rPr lang="en-US"/>
-              <a:t>Performance: Matrix Multiplication (</a:t>
-            </a:r>
-            <a:r>
-              <a:rPr lang="en-US"/>
-              <a:t>part </a:t>
+              <a:t>Performance: Matrix Multiplication (part </a:t>
             </a:r>
             <a:r>
               <a:rPr lang="en-US" smtClean="0"/>
@@ -13019,8 +13609,8 @@
         </p:nvSpPr>
         <p:spPr>
           <a:xfrm>
-            <a:off x="691896" y="2328363"/>
-            <a:ext cx="4739640" cy="2800767"/>
+            <a:off x="344424" y="2017467"/>
+            <a:ext cx="3742944" cy="2585323"/>
           </a:xfrm>
           <a:prstGeom prst="rect">
             <a:avLst/>
@@ -13043,8 +13633,21 @@
                   <a:srgbClr val="000080"/>
                 </a:solidFill>
               </a:rPr>
-              <a:t>Loop order: i, j, k</a:t>
-            </a:r>
+              <a:t>Loop order: i, j, </a:t>
+            </a:r>
+            <a:r>
+              <a:rPr lang="en-US" altLang="en-US" sz="3200" b="1" smtClean="0">
+                <a:solidFill>
+                  <a:srgbClr val="000080"/>
+                </a:solidFill>
+              </a:rPr>
+              <a:t>k</a:t>
+            </a:r>
+            <a:endParaRPr lang="en-US" altLang="en-US" sz="3200" b="1" smtClean="0">
+              <a:solidFill>
+                <a:srgbClr val="000080"/>
+              </a:solidFill>
+            </a:endParaRPr>
           </a:p>
           <a:p>
             <a:endParaRPr lang="en-US" altLang="en-US" b="1">
@@ -13056,7 +13659,7 @@
           </a:p>
           <a:p>
             <a:r>
-              <a:rPr lang="en-US" altLang="en-US" b="1" smtClean="0">
+              <a:rPr lang="en-US" altLang="en-US" sz="1600" b="1" smtClean="0">
                 <a:solidFill>
                   <a:srgbClr val="000080"/>
                 </a:solidFill>
@@ -13065,7 +13668,7 @@
               <a:t>for </a:t>
             </a:r>
             <a:r>
-              <a:rPr lang="en-US" altLang="en-US">
+              <a:rPr lang="en-US" altLang="en-US" sz="1600">
                 <a:solidFill>
                   <a:srgbClr val="000000"/>
                 </a:solidFill>
@@ -13074,7 +13677,7 @@
               <a:t>(</a:t>
             </a:r>
             <a:r>
-              <a:rPr lang="en-US" altLang="en-US" b="1">
+              <a:rPr lang="en-US" altLang="en-US" sz="1600" b="1">
                 <a:solidFill>
                   <a:srgbClr val="000080"/>
                 </a:solidFill>
@@ -13083,16 +13686,16 @@
               <a:t>int </a:t>
             </a:r>
             <a:r>
-              <a:rPr lang="en-US" altLang="en-US">
-                <a:solidFill>
-                  <a:srgbClr val="000000"/>
-                </a:solidFill>
-                <a:latin typeface="Consolas" panose="020B0609020204030204" pitchFamily="49" charset="0"/>
-              </a:rPr>
-              <a:t>i = </a:t>
-            </a:r>
-            <a:r>
-              <a:rPr lang="en-US" altLang="en-US">
+              <a:rPr lang="en-US" altLang="en-US" sz="1600" smtClean="0">
+                <a:solidFill>
+                  <a:srgbClr val="000000"/>
+                </a:solidFill>
+                <a:latin typeface="Consolas" panose="020B0609020204030204" pitchFamily="49" charset="0"/>
+              </a:rPr>
+              <a:t>i= </a:t>
+            </a:r>
+            <a:r>
+              <a:rPr lang="en-US" altLang="en-US" sz="1600">
                 <a:solidFill>
                   <a:srgbClr val="0000FF"/>
                 </a:solidFill>
@@ -13101,16 +13704,25 @@
               <a:t>0</a:t>
             </a:r>
             <a:r>
-              <a:rPr lang="en-US" altLang="en-US">
-                <a:solidFill>
-                  <a:srgbClr val="000000"/>
-                </a:solidFill>
-                <a:latin typeface="Consolas" panose="020B0609020204030204" pitchFamily="49" charset="0"/>
-              </a:rPr>
-              <a:t>; i &lt; </a:t>
-            </a:r>
-            <a:r>
-              <a:rPr lang="en-US" altLang="en-US" b="1" i="1">
+              <a:rPr lang="en-US" altLang="en-US" sz="1600">
+                <a:solidFill>
+                  <a:srgbClr val="000000"/>
+                </a:solidFill>
+                <a:latin typeface="Consolas" panose="020B0609020204030204" pitchFamily="49" charset="0"/>
+              </a:rPr>
+              <a:t>; </a:t>
+            </a:r>
+            <a:r>
+              <a:rPr lang="en-US" altLang="en-US" sz="1600" smtClean="0">
+                <a:solidFill>
+                  <a:srgbClr val="000000"/>
+                </a:solidFill>
+                <a:latin typeface="Consolas" panose="020B0609020204030204" pitchFamily="49" charset="0"/>
+              </a:rPr>
+              <a:t>i &lt; </a:t>
+            </a:r>
+            <a:r>
+              <a:rPr lang="en-US" altLang="en-US" sz="1600" b="1" i="1" smtClean="0">
                 <a:solidFill>
                   <a:srgbClr val="660E7A"/>
                 </a:solidFill>
@@ -13119,7 +13731,7 @@
               <a:t>n</a:t>
             </a:r>
             <a:r>
-              <a:rPr lang="en-US" altLang="en-US">
+              <a:rPr lang="en-US" altLang="en-US" sz="1600">
                 <a:solidFill>
                   <a:srgbClr val="000000"/>
                 </a:solidFill>
@@ -13128,7 +13740,7 @@
               <a:t>; i++) {</a:t>
             </a:r>
             <a:br>
-              <a:rPr lang="en-US" altLang="en-US">
+              <a:rPr lang="en-US" altLang="en-US" sz="1600">
                 <a:solidFill>
                   <a:srgbClr val="000000"/>
                 </a:solidFill>
@@ -13136,7 +13748,7 @@
               </a:rPr>
             </a:br>
             <a:r>
-              <a:rPr lang="en-US" altLang="en-US">
+              <a:rPr lang="en-US" altLang="en-US" sz="1600">
                 <a:solidFill>
                   <a:srgbClr val="000000"/>
                 </a:solidFill>
@@ -13145,7 +13757,7 @@
               <a:t> </a:t>
             </a:r>
             <a:r>
-              <a:rPr lang="en-US" altLang="en-US" smtClean="0">
+              <a:rPr lang="en-US" altLang="en-US" sz="1600" smtClean="0">
                 <a:solidFill>
                   <a:srgbClr val="000000"/>
                 </a:solidFill>
@@ -13154,7 +13766,7 @@
               <a:t> </a:t>
             </a:r>
             <a:r>
-              <a:rPr lang="en-US" altLang="en-US" b="1" smtClean="0">
+              <a:rPr lang="en-US" altLang="en-US" sz="1600" b="1" smtClean="0">
                 <a:solidFill>
                   <a:srgbClr val="000080"/>
                 </a:solidFill>
@@ -13163,7 +13775,7 @@
               <a:t>for </a:t>
             </a:r>
             <a:r>
-              <a:rPr lang="en-US" altLang="en-US">
+              <a:rPr lang="en-US" altLang="en-US" sz="1600">
                 <a:solidFill>
                   <a:srgbClr val="000000"/>
                 </a:solidFill>
@@ -13172,7 +13784,7 @@
               <a:t>(</a:t>
             </a:r>
             <a:r>
-              <a:rPr lang="en-US" altLang="en-US" b="1">
+              <a:rPr lang="en-US" altLang="en-US" sz="1600" b="1">
                 <a:solidFill>
                   <a:srgbClr val="000080"/>
                 </a:solidFill>
@@ -13181,16 +13793,16 @@
               <a:t>int </a:t>
             </a:r>
             <a:r>
-              <a:rPr lang="en-US" altLang="en-US">
-                <a:solidFill>
-                  <a:srgbClr val="000000"/>
-                </a:solidFill>
-                <a:latin typeface="Consolas" panose="020B0609020204030204" pitchFamily="49" charset="0"/>
-              </a:rPr>
-              <a:t>j = </a:t>
-            </a:r>
-            <a:r>
-              <a:rPr lang="en-US" altLang="en-US">
+              <a:rPr lang="en-US" altLang="en-US" sz="1600" smtClean="0">
+                <a:solidFill>
+                  <a:srgbClr val="000000"/>
+                </a:solidFill>
+                <a:latin typeface="Consolas" panose="020B0609020204030204" pitchFamily="49" charset="0"/>
+              </a:rPr>
+              <a:t>j= </a:t>
+            </a:r>
+            <a:r>
+              <a:rPr lang="en-US" altLang="en-US" sz="1600">
                 <a:solidFill>
                   <a:srgbClr val="0000FF"/>
                 </a:solidFill>
@@ -13199,16 +13811,25 @@
               <a:t>0</a:t>
             </a:r>
             <a:r>
-              <a:rPr lang="en-US" altLang="en-US">
-                <a:solidFill>
-                  <a:srgbClr val="000000"/>
-                </a:solidFill>
-                <a:latin typeface="Consolas" panose="020B0609020204030204" pitchFamily="49" charset="0"/>
-              </a:rPr>
-              <a:t>; j &lt; </a:t>
-            </a:r>
-            <a:r>
-              <a:rPr lang="en-US" altLang="en-US" b="1" i="1">
+              <a:rPr lang="en-US" altLang="en-US" sz="1600">
+                <a:solidFill>
+                  <a:srgbClr val="000000"/>
+                </a:solidFill>
+                <a:latin typeface="Consolas" panose="020B0609020204030204" pitchFamily="49" charset="0"/>
+              </a:rPr>
+              <a:t>; </a:t>
+            </a:r>
+            <a:r>
+              <a:rPr lang="en-US" altLang="en-US" sz="1600" smtClean="0">
+                <a:solidFill>
+                  <a:srgbClr val="000000"/>
+                </a:solidFill>
+                <a:latin typeface="Consolas" panose="020B0609020204030204" pitchFamily="49" charset="0"/>
+              </a:rPr>
+              <a:t>j &lt; </a:t>
+            </a:r>
+            <a:r>
+              <a:rPr lang="en-US" altLang="en-US" sz="1600" b="1" i="1" smtClean="0">
                 <a:solidFill>
                   <a:srgbClr val="660E7A"/>
                 </a:solidFill>
@@ -13217,7 +13838,7 @@
               <a:t>n</a:t>
             </a:r>
             <a:r>
-              <a:rPr lang="en-US" altLang="en-US">
+              <a:rPr lang="en-US" altLang="en-US" sz="1600">
                 <a:solidFill>
                   <a:srgbClr val="000000"/>
                 </a:solidFill>
@@ -13226,7 +13847,7 @@
               <a:t>; j++) {</a:t>
             </a:r>
             <a:br>
-              <a:rPr lang="en-US" altLang="en-US">
+              <a:rPr lang="en-US" altLang="en-US" sz="1600">
                 <a:solidFill>
                   <a:srgbClr val="000000"/>
                 </a:solidFill>
@@ -13234,7 +13855,7 @@
               </a:rPr>
             </a:br>
             <a:r>
-              <a:rPr lang="en-US" altLang="en-US">
+              <a:rPr lang="en-US" altLang="en-US" sz="1600">
                 <a:solidFill>
                   <a:srgbClr val="000000"/>
                 </a:solidFill>
@@ -13243,7 +13864,7 @@
               <a:t>   </a:t>
             </a:r>
             <a:r>
-              <a:rPr lang="en-US" altLang="en-US" smtClean="0">
+              <a:rPr lang="en-US" altLang="en-US" sz="1600" smtClean="0">
                 <a:solidFill>
                   <a:srgbClr val="000000"/>
                 </a:solidFill>
@@ -13252,7 +13873,7 @@
               <a:t> </a:t>
             </a:r>
             <a:r>
-              <a:rPr lang="en-US" altLang="en-US" b="1" smtClean="0">
+              <a:rPr lang="en-US" altLang="en-US" sz="1600" b="1" smtClean="0">
                 <a:solidFill>
                   <a:srgbClr val="000080"/>
                 </a:solidFill>
@@ -13261,7 +13882,7 @@
               <a:t>for </a:t>
             </a:r>
             <a:r>
-              <a:rPr lang="en-US" altLang="en-US">
+              <a:rPr lang="en-US" altLang="en-US" sz="1600">
                 <a:solidFill>
                   <a:srgbClr val="000000"/>
                 </a:solidFill>
@@ -13270,7 +13891,7 @@
               <a:t>(</a:t>
             </a:r>
             <a:r>
-              <a:rPr lang="en-US" altLang="en-US" b="1">
+              <a:rPr lang="en-US" altLang="en-US" sz="1600" b="1">
                 <a:solidFill>
                   <a:srgbClr val="000080"/>
                 </a:solidFill>
@@ -13279,16 +13900,16 @@
               <a:t>int </a:t>
             </a:r>
             <a:r>
-              <a:rPr lang="en-US" altLang="en-US">
-                <a:solidFill>
-                  <a:srgbClr val="000000"/>
-                </a:solidFill>
-                <a:latin typeface="Consolas" panose="020B0609020204030204" pitchFamily="49" charset="0"/>
-              </a:rPr>
-              <a:t>k = </a:t>
-            </a:r>
-            <a:r>
-              <a:rPr lang="en-US" altLang="en-US">
+              <a:rPr lang="en-US" altLang="en-US" sz="1600" smtClean="0">
+                <a:solidFill>
+                  <a:srgbClr val="000000"/>
+                </a:solidFill>
+                <a:latin typeface="Consolas" panose="020B0609020204030204" pitchFamily="49" charset="0"/>
+              </a:rPr>
+              <a:t>k= </a:t>
+            </a:r>
+            <a:r>
+              <a:rPr lang="en-US" altLang="en-US" sz="1600">
                 <a:solidFill>
                   <a:srgbClr val="0000FF"/>
                 </a:solidFill>
@@ -13297,16 +13918,25 @@
               <a:t>0</a:t>
             </a:r>
             <a:r>
-              <a:rPr lang="en-US" altLang="en-US">
-                <a:solidFill>
-                  <a:srgbClr val="000000"/>
-                </a:solidFill>
-                <a:latin typeface="Consolas" panose="020B0609020204030204" pitchFamily="49" charset="0"/>
-              </a:rPr>
-              <a:t>; k &lt; </a:t>
-            </a:r>
-            <a:r>
-              <a:rPr lang="en-US" altLang="en-US" b="1" i="1">
+              <a:rPr lang="en-US" altLang="en-US" sz="1600">
+                <a:solidFill>
+                  <a:srgbClr val="000000"/>
+                </a:solidFill>
+                <a:latin typeface="Consolas" panose="020B0609020204030204" pitchFamily="49" charset="0"/>
+              </a:rPr>
+              <a:t>; </a:t>
+            </a:r>
+            <a:r>
+              <a:rPr lang="en-US" altLang="en-US" sz="1600" smtClean="0">
+                <a:solidFill>
+                  <a:srgbClr val="000000"/>
+                </a:solidFill>
+                <a:latin typeface="Consolas" panose="020B0609020204030204" pitchFamily="49" charset="0"/>
+              </a:rPr>
+              <a:t>k &lt; </a:t>
+            </a:r>
+            <a:r>
+              <a:rPr lang="en-US" altLang="en-US" sz="1600" b="1" i="1" smtClean="0">
                 <a:solidFill>
                   <a:srgbClr val="660E7A"/>
                 </a:solidFill>
@@ -13315,7 +13945,7 @@
               <a:t>n</a:t>
             </a:r>
             <a:r>
-              <a:rPr lang="en-US" altLang="en-US">
+              <a:rPr lang="en-US" altLang="en-US" sz="1600">
                 <a:solidFill>
                   <a:srgbClr val="000000"/>
                 </a:solidFill>
@@ -13324,7 +13954,7 @@
               <a:t>; k++) {</a:t>
             </a:r>
             <a:br>
-              <a:rPr lang="en-US" altLang="en-US">
+              <a:rPr lang="en-US" altLang="en-US" sz="1600">
                 <a:solidFill>
                   <a:srgbClr val="000000"/>
                 </a:solidFill>
@@ -13332,7 +13962,7 @@
               </a:rPr>
             </a:br>
             <a:r>
-              <a:rPr lang="en-US" altLang="en-US">
+              <a:rPr lang="en-US" altLang="en-US" sz="1600">
                 <a:solidFill>
                   <a:srgbClr val="000000"/>
                 </a:solidFill>
@@ -13341,7 +13971,7 @@
               <a:t>      </a:t>
             </a:r>
             <a:r>
-              <a:rPr lang="en-US" altLang="en-US" b="1" i="1" smtClean="0">
+              <a:rPr lang="en-US" altLang="en-US" sz="1600" b="1" i="1" smtClean="0">
                 <a:solidFill>
                   <a:srgbClr val="660E7A"/>
                 </a:solidFill>
@@ -13350,7 +13980,7 @@
               <a:t>C</a:t>
             </a:r>
             <a:r>
-              <a:rPr lang="en-US" altLang="en-US" smtClean="0">
+              <a:rPr lang="en-US" altLang="en-US" sz="1600" smtClean="0">
                 <a:solidFill>
                   <a:srgbClr val="000000"/>
                 </a:solidFill>
@@ -13359,16 +13989,25 @@
               <a:t>[i</a:t>
             </a:r>
             <a:r>
-              <a:rPr lang="en-US" altLang="en-US">
-                <a:solidFill>
-                  <a:srgbClr val="000000"/>
-                </a:solidFill>
-                <a:latin typeface="Consolas" panose="020B0609020204030204" pitchFamily="49" charset="0"/>
-              </a:rPr>
-              <a:t>][j] += </a:t>
-            </a:r>
-            <a:r>
-              <a:rPr lang="en-US" altLang="en-US" b="1" i="1">
+              <a:rPr lang="en-US" altLang="en-US" sz="1600">
+                <a:solidFill>
+                  <a:srgbClr val="000000"/>
+                </a:solidFill>
+                <a:latin typeface="Consolas" panose="020B0609020204030204" pitchFamily="49" charset="0"/>
+              </a:rPr>
+              <a:t>][j</a:t>
+            </a:r>
+            <a:r>
+              <a:rPr lang="en-US" altLang="en-US" sz="1600" smtClean="0">
+                <a:solidFill>
+                  <a:srgbClr val="000000"/>
+                </a:solidFill>
+                <a:latin typeface="Consolas" panose="020B0609020204030204" pitchFamily="49" charset="0"/>
+              </a:rPr>
+              <a:t>]+= </a:t>
+            </a:r>
+            <a:r>
+              <a:rPr lang="en-US" altLang="en-US" sz="1600" b="1" i="1">
                 <a:solidFill>
                   <a:srgbClr val="660E7A"/>
                 </a:solidFill>
@@ -13377,16 +14016,25 @@
               <a:t>A</a:t>
             </a:r>
             <a:r>
-              <a:rPr lang="en-US" altLang="en-US">
-                <a:solidFill>
-                  <a:srgbClr val="000000"/>
-                </a:solidFill>
-                <a:latin typeface="Consolas" panose="020B0609020204030204" pitchFamily="49" charset="0"/>
-              </a:rPr>
-              <a:t>[i][k] * </a:t>
-            </a:r>
-            <a:r>
-              <a:rPr lang="en-US" altLang="en-US" b="1" i="1">
+              <a:rPr lang="en-US" altLang="en-US" sz="1600">
+                <a:solidFill>
+                  <a:srgbClr val="000000"/>
+                </a:solidFill>
+                <a:latin typeface="Consolas" panose="020B0609020204030204" pitchFamily="49" charset="0"/>
+              </a:rPr>
+              <a:t>[i][k</a:t>
+            </a:r>
+            <a:r>
+              <a:rPr lang="en-US" altLang="en-US" sz="1600" smtClean="0">
+                <a:solidFill>
+                  <a:srgbClr val="000000"/>
+                </a:solidFill>
+                <a:latin typeface="Consolas" panose="020B0609020204030204" pitchFamily="49" charset="0"/>
+              </a:rPr>
+              <a:t>]*</a:t>
+            </a:r>
+            <a:r>
+              <a:rPr lang="en-US" altLang="en-US" sz="1600" b="1" i="1" smtClean="0">
                 <a:solidFill>
                   <a:srgbClr val="660E7A"/>
                 </a:solidFill>
@@ -13395,16 +14043,25 @@
               <a:t>B</a:t>
             </a:r>
             <a:r>
-              <a:rPr lang="en-US" altLang="en-US">
-                <a:solidFill>
-                  <a:srgbClr val="000000"/>
-                </a:solidFill>
-                <a:latin typeface="Consolas" panose="020B0609020204030204" pitchFamily="49" charset="0"/>
-              </a:rPr>
-              <a:t>[k][j];</a:t>
+              <a:rPr lang="en-US" altLang="en-US" sz="1600" smtClean="0">
+                <a:solidFill>
+                  <a:srgbClr val="000000"/>
+                </a:solidFill>
+                <a:latin typeface="Consolas" panose="020B0609020204030204" pitchFamily="49" charset="0"/>
+              </a:rPr>
+              <a:t>[k</a:t>
+            </a:r>
+            <a:r>
+              <a:rPr lang="en-US" altLang="en-US" sz="1600">
+                <a:solidFill>
+                  <a:srgbClr val="000000"/>
+                </a:solidFill>
+                <a:latin typeface="Consolas" panose="020B0609020204030204" pitchFamily="49" charset="0"/>
+              </a:rPr>
+              <a:t>][j];</a:t>
             </a:r>
             <a:br>
-              <a:rPr lang="en-US" altLang="en-US">
+              <a:rPr lang="en-US" altLang="en-US" sz="1600">
                 <a:solidFill>
                   <a:srgbClr val="000000"/>
                 </a:solidFill>
@@ -13412,7 +14069,7 @@
               </a:rPr>
             </a:br>
             <a:r>
-              <a:rPr lang="en-US" altLang="en-US">
+              <a:rPr lang="en-US" altLang="en-US" sz="1600">
                 <a:solidFill>
                   <a:srgbClr val="000000"/>
                 </a:solidFill>
@@ -13421,7 +14078,7 @@
               <a:t>    </a:t>
             </a:r>
             <a:r>
-              <a:rPr lang="en-US" altLang="en-US" smtClean="0">
+              <a:rPr lang="en-US" altLang="en-US" sz="1600" smtClean="0">
                 <a:solidFill>
                   <a:srgbClr val="000000"/>
                 </a:solidFill>
@@ -13430,7 +14087,7 @@
               <a:t>}</a:t>
             </a:r>
             <a:r>
-              <a:rPr lang="en-US" altLang="en-US">
+              <a:rPr lang="en-US" altLang="en-US" sz="1600">
                 <a:solidFill>
                   <a:srgbClr val="000000"/>
                 </a:solidFill>
@@ -13439,7 +14096,7 @@
               <a:t/>
             </a:r>
             <a:br>
-              <a:rPr lang="en-US" altLang="en-US">
+              <a:rPr lang="en-US" altLang="en-US" sz="1600">
                 <a:solidFill>
                   <a:srgbClr val="000000"/>
                 </a:solidFill>
@@ -13447,7 +14104,7 @@
               </a:rPr>
             </a:br>
             <a:r>
-              <a:rPr lang="en-US" altLang="en-US">
+              <a:rPr lang="en-US" altLang="en-US" sz="1600">
                 <a:solidFill>
                   <a:srgbClr val="000000"/>
                 </a:solidFill>
@@ -13456,7 +14113,7 @@
               <a:t>  </a:t>
             </a:r>
             <a:r>
-              <a:rPr lang="en-US" altLang="en-US" smtClean="0">
+              <a:rPr lang="en-US" altLang="en-US" sz="1600" smtClean="0">
                 <a:solidFill>
                   <a:srgbClr val="000000"/>
                 </a:solidFill>
@@ -13465,7 +14122,7 @@
               <a:t>}</a:t>
             </a:r>
             <a:r>
-              <a:rPr lang="en-US" altLang="en-US">
+              <a:rPr lang="en-US" altLang="en-US" sz="1600">
                 <a:solidFill>
                   <a:srgbClr val="000000"/>
                 </a:solidFill>
@@ -13474,7 +14131,7 @@
               <a:t/>
             </a:r>
             <a:br>
-              <a:rPr lang="en-US" altLang="en-US">
+              <a:rPr lang="en-US" altLang="en-US" sz="1600">
                 <a:solidFill>
                   <a:srgbClr val="000000"/>
                 </a:solidFill>
@@ -13482,7 +14139,7 @@
               </a:rPr>
             </a:br>
             <a:r>
-              <a:rPr lang="en-US" altLang="en-US" smtClean="0">
+              <a:rPr lang="en-US" altLang="en-US" sz="1600" smtClean="0">
                 <a:solidFill>
                   <a:srgbClr val="000000"/>
                 </a:solidFill>
@@ -13490,7 +14147,1408 @@
               </a:rPr>
               <a:t>}</a:t>
             </a:r>
-            <a:endParaRPr lang="en-US"/>
+            <a:endParaRPr lang="en-US" sz="1600"/>
+          </a:p>
+        </p:txBody>
+      </p:sp>
+      <p:sp>
+        <p:nvSpPr>
+          <p:cNvPr id="6" name="Rectangle 5"/>
+          <p:cNvSpPr/>
+          <p:nvPr/>
+        </p:nvSpPr>
+        <p:spPr>
+          <a:xfrm>
+            <a:off x="4230624" y="2017467"/>
+            <a:ext cx="3742944" cy="2585323"/>
+          </a:xfrm>
+          <a:prstGeom prst="rect">
+            <a:avLst/>
+          </a:prstGeom>
+          <a:ln>
+            <a:solidFill>
+              <a:schemeClr val="accent1"/>
+            </a:solidFill>
+          </a:ln>
+        </p:spPr>
+        <p:txBody>
+          <a:bodyPr wrap="square">
+            <a:spAutoFit/>
+          </a:bodyPr>
+          <a:lstStyle/>
+          <a:p>
+            <a:r>
+              <a:rPr lang="en-US" altLang="en-US" sz="3200" b="1" smtClean="0">
+                <a:solidFill>
+                  <a:srgbClr val="00B050"/>
+                </a:solidFill>
+              </a:rPr>
+              <a:t>Loop order: </a:t>
+            </a:r>
+            <a:r>
+              <a:rPr lang="en-US" altLang="en-US" sz="3200" b="1" smtClean="0">
+                <a:solidFill>
+                  <a:srgbClr val="00B050"/>
+                </a:solidFill>
+              </a:rPr>
+              <a:t>i</a:t>
+            </a:r>
+            <a:r>
+              <a:rPr lang="en-US" altLang="en-US" sz="3200" b="1" smtClean="0">
+                <a:solidFill>
+                  <a:srgbClr val="00B050"/>
+                </a:solidFill>
+              </a:rPr>
+              <a:t>, k, </a:t>
+            </a:r>
+            <a:r>
+              <a:rPr lang="en-US" altLang="en-US" sz="3200" b="1">
+                <a:solidFill>
+                  <a:srgbClr val="00B050"/>
+                </a:solidFill>
+              </a:rPr>
+              <a:t>j</a:t>
+            </a:r>
+            <a:endParaRPr lang="en-US" altLang="en-US" sz="3200" b="1" smtClean="0">
+              <a:solidFill>
+                <a:srgbClr val="00B050"/>
+              </a:solidFill>
+            </a:endParaRPr>
+          </a:p>
+          <a:p>
+            <a:endParaRPr lang="en-US" altLang="en-US" b="1">
+              <a:solidFill>
+                <a:srgbClr val="000080"/>
+              </a:solidFill>
+              <a:latin typeface="Consolas" panose="020B0609020204030204" pitchFamily="49" charset="0"/>
+            </a:endParaRPr>
+          </a:p>
+          <a:p>
+            <a:r>
+              <a:rPr lang="en-US" altLang="en-US" sz="1600" b="1" smtClean="0">
+                <a:solidFill>
+                  <a:srgbClr val="000080"/>
+                </a:solidFill>
+                <a:latin typeface="Consolas" panose="020B0609020204030204" pitchFamily="49" charset="0"/>
+              </a:rPr>
+              <a:t>for </a:t>
+            </a:r>
+            <a:r>
+              <a:rPr lang="en-US" altLang="en-US" sz="1600">
+                <a:solidFill>
+                  <a:srgbClr val="000000"/>
+                </a:solidFill>
+                <a:latin typeface="Consolas" panose="020B0609020204030204" pitchFamily="49" charset="0"/>
+              </a:rPr>
+              <a:t>(</a:t>
+            </a:r>
+            <a:r>
+              <a:rPr lang="en-US" altLang="en-US" sz="1600" b="1">
+                <a:solidFill>
+                  <a:srgbClr val="000080"/>
+                </a:solidFill>
+                <a:latin typeface="Consolas" panose="020B0609020204030204" pitchFamily="49" charset="0"/>
+              </a:rPr>
+              <a:t>int </a:t>
+            </a:r>
+            <a:r>
+              <a:rPr lang="en-US" altLang="en-US" sz="1600" smtClean="0">
+                <a:solidFill>
+                  <a:srgbClr val="000000"/>
+                </a:solidFill>
+                <a:latin typeface="Consolas" panose="020B0609020204030204" pitchFamily="49" charset="0"/>
+              </a:rPr>
+              <a:t>i= </a:t>
+            </a:r>
+            <a:r>
+              <a:rPr lang="en-US" altLang="en-US" sz="1600">
+                <a:solidFill>
+                  <a:srgbClr val="0000FF"/>
+                </a:solidFill>
+                <a:latin typeface="Consolas" panose="020B0609020204030204" pitchFamily="49" charset="0"/>
+              </a:rPr>
+              <a:t>0</a:t>
+            </a:r>
+            <a:r>
+              <a:rPr lang="en-US" altLang="en-US" sz="1600">
+                <a:solidFill>
+                  <a:srgbClr val="000000"/>
+                </a:solidFill>
+                <a:latin typeface="Consolas" panose="020B0609020204030204" pitchFamily="49" charset="0"/>
+              </a:rPr>
+              <a:t>; </a:t>
+            </a:r>
+            <a:r>
+              <a:rPr lang="en-US" altLang="en-US" sz="1600" smtClean="0">
+                <a:solidFill>
+                  <a:srgbClr val="000000"/>
+                </a:solidFill>
+                <a:latin typeface="Consolas" panose="020B0609020204030204" pitchFamily="49" charset="0"/>
+              </a:rPr>
+              <a:t>i &lt; </a:t>
+            </a:r>
+            <a:r>
+              <a:rPr lang="en-US" altLang="en-US" sz="1600" b="1" i="1" smtClean="0">
+                <a:solidFill>
+                  <a:srgbClr val="660E7A"/>
+                </a:solidFill>
+                <a:latin typeface="Consolas" panose="020B0609020204030204" pitchFamily="49" charset="0"/>
+              </a:rPr>
+              <a:t>n</a:t>
+            </a:r>
+            <a:r>
+              <a:rPr lang="en-US" altLang="en-US" sz="1600">
+                <a:solidFill>
+                  <a:srgbClr val="000000"/>
+                </a:solidFill>
+                <a:latin typeface="Consolas" panose="020B0609020204030204" pitchFamily="49" charset="0"/>
+              </a:rPr>
+              <a:t>; i++) {</a:t>
+            </a:r>
+            <a:br>
+              <a:rPr lang="en-US" altLang="en-US" sz="1600">
+                <a:solidFill>
+                  <a:srgbClr val="000000"/>
+                </a:solidFill>
+                <a:latin typeface="Consolas" panose="020B0609020204030204" pitchFamily="49" charset="0"/>
+              </a:rPr>
+            </a:br>
+            <a:r>
+              <a:rPr lang="en-US" altLang="en-US" sz="1600">
+                <a:solidFill>
+                  <a:srgbClr val="000000"/>
+                </a:solidFill>
+                <a:latin typeface="Consolas" panose="020B0609020204030204" pitchFamily="49" charset="0"/>
+              </a:rPr>
+              <a:t> </a:t>
+            </a:r>
+            <a:r>
+              <a:rPr lang="en-US" altLang="en-US" sz="1600" smtClean="0">
+                <a:solidFill>
+                  <a:srgbClr val="000000"/>
+                </a:solidFill>
+                <a:latin typeface="Consolas" panose="020B0609020204030204" pitchFamily="49" charset="0"/>
+              </a:rPr>
+              <a:t> </a:t>
+            </a:r>
+            <a:r>
+              <a:rPr lang="en-US" altLang="en-US" sz="1600" b="1" smtClean="0">
+                <a:solidFill>
+                  <a:srgbClr val="000080"/>
+                </a:solidFill>
+                <a:latin typeface="Consolas" panose="020B0609020204030204" pitchFamily="49" charset="0"/>
+              </a:rPr>
+              <a:t>for </a:t>
+            </a:r>
+            <a:r>
+              <a:rPr lang="en-US" altLang="en-US" sz="1600">
+                <a:solidFill>
+                  <a:srgbClr val="000000"/>
+                </a:solidFill>
+                <a:latin typeface="Consolas" panose="020B0609020204030204" pitchFamily="49" charset="0"/>
+              </a:rPr>
+              <a:t>(</a:t>
+            </a:r>
+            <a:r>
+              <a:rPr lang="en-US" altLang="en-US" sz="1600" b="1">
+                <a:solidFill>
+                  <a:srgbClr val="000080"/>
+                </a:solidFill>
+                <a:latin typeface="Consolas" panose="020B0609020204030204" pitchFamily="49" charset="0"/>
+              </a:rPr>
+              <a:t>int </a:t>
+            </a:r>
+            <a:r>
+              <a:rPr lang="en-US" altLang="en-US" sz="1600" smtClean="0">
+                <a:solidFill>
+                  <a:srgbClr val="000000"/>
+                </a:solidFill>
+                <a:latin typeface="Consolas" panose="020B0609020204030204" pitchFamily="49" charset="0"/>
+              </a:rPr>
+              <a:t>k= </a:t>
+            </a:r>
+            <a:r>
+              <a:rPr lang="en-US" altLang="en-US" sz="1600">
+                <a:solidFill>
+                  <a:srgbClr val="0000FF"/>
+                </a:solidFill>
+                <a:latin typeface="Consolas" panose="020B0609020204030204" pitchFamily="49" charset="0"/>
+              </a:rPr>
+              <a:t>0</a:t>
+            </a:r>
+            <a:r>
+              <a:rPr lang="en-US" altLang="en-US" sz="1600">
+                <a:solidFill>
+                  <a:srgbClr val="000000"/>
+                </a:solidFill>
+                <a:latin typeface="Consolas" panose="020B0609020204030204" pitchFamily="49" charset="0"/>
+              </a:rPr>
+              <a:t>; </a:t>
+            </a:r>
+            <a:r>
+              <a:rPr lang="en-US" altLang="en-US" sz="1600" smtClean="0">
+                <a:solidFill>
+                  <a:srgbClr val="000000"/>
+                </a:solidFill>
+                <a:latin typeface="Consolas" panose="020B0609020204030204" pitchFamily="49" charset="0"/>
+              </a:rPr>
+              <a:t>k &lt; </a:t>
+            </a:r>
+            <a:r>
+              <a:rPr lang="en-US" altLang="en-US" sz="1600" b="1" i="1" smtClean="0">
+                <a:solidFill>
+                  <a:srgbClr val="660E7A"/>
+                </a:solidFill>
+                <a:latin typeface="Consolas" panose="020B0609020204030204" pitchFamily="49" charset="0"/>
+              </a:rPr>
+              <a:t>n</a:t>
+            </a:r>
+            <a:r>
+              <a:rPr lang="en-US" altLang="en-US" sz="1600">
+                <a:solidFill>
+                  <a:srgbClr val="000000"/>
+                </a:solidFill>
+                <a:latin typeface="Consolas" panose="020B0609020204030204" pitchFamily="49" charset="0"/>
+              </a:rPr>
+              <a:t>; </a:t>
+            </a:r>
+            <a:r>
+              <a:rPr lang="en-US" altLang="en-US" sz="1600" smtClean="0">
+                <a:solidFill>
+                  <a:srgbClr val="000000"/>
+                </a:solidFill>
+                <a:latin typeface="Consolas" panose="020B0609020204030204" pitchFamily="49" charset="0"/>
+              </a:rPr>
+              <a:t>k++) </a:t>
+            </a:r>
+            <a:r>
+              <a:rPr lang="en-US" altLang="en-US" sz="1600">
+                <a:solidFill>
+                  <a:srgbClr val="000000"/>
+                </a:solidFill>
+                <a:latin typeface="Consolas" panose="020B0609020204030204" pitchFamily="49" charset="0"/>
+              </a:rPr>
+              <a:t>{</a:t>
+            </a:r>
+            <a:br>
+              <a:rPr lang="en-US" altLang="en-US" sz="1600">
+                <a:solidFill>
+                  <a:srgbClr val="000000"/>
+                </a:solidFill>
+                <a:latin typeface="Consolas" panose="020B0609020204030204" pitchFamily="49" charset="0"/>
+              </a:rPr>
+            </a:br>
+            <a:r>
+              <a:rPr lang="en-US" altLang="en-US" sz="1600">
+                <a:solidFill>
+                  <a:srgbClr val="000000"/>
+                </a:solidFill>
+                <a:latin typeface="Consolas" panose="020B0609020204030204" pitchFamily="49" charset="0"/>
+              </a:rPr>
+              <a:t>   </a:t>
+            </a:r>
+            <a:r>
+              <a:rPr lang="en-US" altLang="en-US" sz="1600" smtClean="0">
+                <a:solidFill>
+                  <a:srgbClr val="000000"/>
+                </a:solidFill>
+                <a:latin typeface="Consolas" panose="020B0609020204030204" pitchFamily="49" charset="0"/>
+              </a:rPr>
+              <a:t> </a:t>
+            </a:r>
+            <a:r>
+              <a:rPr lang="en-US" altLang="en-US" sz="1600" b="1" smtClean="0">
+                <a:solidFill>
+                  <a:srgbClr val="000080"/>
+                </a:solidFill>
+                <a:latin typeface="Consolas" panose="020B0609020204030204" pitchFamily="49" charset="0"/>
+              </a:rPr>
+              <a:t>for </a:t>
+            </a:r>
+            <a:r>
+              <a:rPr lang="en-US" altLang="en-US" sz="1600">
+                <a:solidFill>
+                  <a:srgbClr val="000000"/>
+                </a:solidFill>
+                <a:latin typeface="Consolas" panose="020B0609020204030204" pitchFamily="49" charset="0"/>
+              </a:rPr>
+              <a:t>(</a:t>
+            </a:r>
+            <a:r>
+              <a:rPr lang="en-US" altLang="en-US" sz="1600" b="1">
+                <a:solidFill>
+                  <a:srgbClr val="000080"/>
+                </a:solidFill>
+                <a:latin typeface="Consolas" panose="020B0609020204030204" pitchFamily="49" charset="0"/>
+              </a:rPr>
+              <a:t>int </a:t>
+            </a:r>
+            <a:r>
+              <a:rPr lang="en-US" altLang="en-US" sz="1600" smtClean="0">
+                <a:solidFill>
+                  <a:srgbClr val="000000"/>
+                </a:solidFill>
+                <a:latin typeface="Consolas" panose="020B0609020204030204" pitchFamily="49" charset="0"/>
+              </a:rPr>
+              <a:t>j= </a:t>
+            </a:r>
+            <a:r>
+              <a:rPr lang="en-US" altLang="en-US" sz="1600">
+                <a:solidFill>
+                  <a:srgbClr val="0000FF"/>
+                </a:solidFill>
+                <a:latin typeface="Consolas" panose="020B0609020204030204" pitchFamily="49" charset="0"/>
+              </a:rPr>
+              <a:t>0</a:t>
+            </a:r>
+            <a:r>
+              <a:rPr lang="en-US" altLang="en-US" sz="1600">
+                <a:solidFill>
+                  <a:srgbClr val="000000"/>
+                </a:solidFill>
+                <a:latin typeface="Consolas" panose="020B0609020204030204" pitchFamily="49" charset="0"/>
+              </a:rPr>
+              <a:t>; </a:t>
+            </a:r>
+            <a:r>
+              <a:rPr lang="en-US" altLang="en-US" sz="1600" smtClean="0">
+                <a:solidFill>
+                  <a:srgbClr val="000000"/>
+                </a:solidFill>
+                <a:latin typeface="Consolas" panose="020B0609020204030204" pitchFamily="49" charset="0"/>
+              </a:rPr>
+              <a:t>j &lt; </a:t>
+            </a:r>
+            <a:r>
+              <a:rPr lang="en-US" altLang="en-US" sz="1600" b="1" i="1" smtClean="0">
+                <a:solidFill>
+                  <a:srgbClr val="660E7A"/>
+                </a:solidFill>
+                <a:latin typeface="Consolas" panose="020B0609020204030204" pitchFamily="49" charset="0"/>
+              </a:rPr>
+              <a:t>n</a:t>
+            </a:r>
+            <a:r>
+              <a:rPr lang="en-US" altLang="en-US" sz="1600">
+                <a:solidFill>
+                  <a:srgbClr val="000000"/>
+                </a:solidFill>
+                <a:latin typeface="Consolas" panose="020B0609020204030204" pitchFamily="49" charset="0"/>
+              </a:rPr>
+              <a:t>; </a:t>
+            </a:r>
+            <a:r>
+              <a:rPr lang="en-US" altLang="en-US" sz="1600" smtClean="0">
+                <a:solidFill>
+                  <a:srgbClr val="000000"/>
+                </a:solidFill>
+                <a:latin typeface="Consolas" panose="020B0609020204030204" pitchFamily="49" charset="0"/>
+              </a:rPr>
+              <a:t>j++) </a:t>
+            </a:r>
+            <a:r>
+              <a:rPr lang="en-US" altLang="en-US" sz="1600">
+                <a:solidFill>
+                  <a:srgbClr val="000000"/>
+                </a:solidFill>
+                <a:latin typeface="Consolas" panose="020B0609020204030204" pitchFamily="49" charset="0"/>
+              </a:rPr>
+              <a:t>{</a:t>
+            </a:r>
+            <a:br>
+              <a:rPr lang="en-US" altLang="en-US" sz="1600">
+                <a:solidFill>
+                  <a:srgbClr val="000000"/>
+                </a:solidFill>
+                <a:latin typeface="Consolas" panose="020B0609020204030204" pitchFamily="49" charset="0"/>
+              </a:rPr>
+            </a:br>
+            <a:r>
+              <a:rPr lang="en-US" altLang="en-US" sz="1600">
+                <a:solidFill>
+                  <a:srgbClr val="000000"/>
+                </a:solidFill>
+                <a:latin typeface="Consolas" panose="020B0609020204030204" pitchFamily="49" charset="0"/>
+              </a:rPr>
+              <a:t>      </a:t>
+            </a:r>
+            <a:r>
+              <a:rPr lang="en-US" altLang="en-US" sz="1600" b="1" i="1" smtClean="0">
+                <a:solidFill>
+                  <a:srgbClr val="660E7A"/>
+                </a:solidFill>
+                <a:latin typeface="Consolas" panose="020B0609020204030204" pitchFamily="49" charset="0"/>
+              </a:rPr>
+              <a:t>C</a:t>
+            </a:r>
+            <a:r>
+              <a:rPr lang="en-US" altLang="en-US" sz="1600" smtClean="0">
+                <a:solidFill>
+                  <a:srgbClr val="000000"/>
+                </a:solidFill>
+                <a:latin typeface="Consolas" panose="020B0609020204030204" pitchFamily="49" charset="0"/>
+              </a:rPr>
+              <a:t>[i</a:t>
+            </a:r>
+            <a:r>
+              <a:rPr lang="en-US" altLang="en-US" sz="1600">
+                <a:solidFill>
+                  <a:srgbClr val="000000"/>
+                </a:solidFill>
+                <a:latin typeface="Consolas" panose="020B0609020204030204" pitchFamily="49" charset="0"/>
+              </a:rPr>
+              <a:t>][j</a:t>
+            </a:r>
+            <a:r>
+              <a:rPr lang="en-US" altLang="en-US" sz="1600" smtClean="0">
+                <a:solidFill>
+                  <a:srgbClr val="000000"/>
+                </a:solidFill>
+                <a:latin typeface="Consolas" panose="020B0609020204030204" pitchFamily="49" charset="0"/>
+              </a:rPr>
+              <a:t>]+= </a:t>
+            </a:r>
+            <a:r>
+              <a:rPr lang="en-US" altLang="en-US" sz="1600" b="1" i="1">
+                <a:solidFill>
+                  <a:srgbClr val="660E7A"/>
+                </a:solidFill>
+                <a:latin typeface="Consolas" panose="020B0609020204030204" pitchFamily="49" charset="0"/>
+              </a:rPr>
+              <a:t>A</a:t>
+            </a:r>
+            <a:r>
+              <a:rPr lang="en-US" altLang="en-US" sz="1600">
+                <a:solidFill>
+                  <a:srgbClr val="000000"/>
+                </a:solidFill>
+                <a:latin typeface="Consolas" panose="020B0609020204030204" pitchFamily="49" charset="0"/>
+              </a:rPr>
+              <a:t>[i][k</a:t>
+            </a:r>
+            <a:r>
+              <a:rPr lang="en-US" altLang="en-US" sz="1600" smtClean="0">
+                <a:solidFill>
+                  <a:srgbClr val="000000"/>
+                </a:solidFill>
+                <a:latin typeface="Consolas" panose="020B0609020204030204" pitchFamily="49" charset="0"/>
+              </a:rPr>
+              <a:t>]*</a:t>
+            </a:r>
+            <a:r>
+              <a:rPr lang="en-US" altLang="en-US" sz="1600" b="1" i="1" smtClean="0">
+                <a:solidFill>
+                  <a:srgbClr val="660E7A"/>
+                </a:solidFill>
+                <a:latin typeface="Consolas" panose="020B0609020204030204" pitchFamily="49" charset="0"/>
+              </a:rPr>
+              <a:t>B</a:t>
+            </a:r>
+            <a:r>
+              <a:rPr lang="en-US" altLang="en-US" sz="1600" smtClean="0">
+                <a:solidFill>
+                  <a:srgbClr val="000000"/>
+                </a:solidFill>
+                <a:latin typeface="Consolas" panose="020B0609020204030204" pitchFamily="49" charset="0"/>
+              </a:rPr>
+              <a:t>[k</a:t>
+            </a:r>
+            <a:r>
+              <a:rPr lang="en-US" altLang="en-US" sz="1600">
+                <a:solidFill>
+                  <a:srgbClr val="000000"/>
+                </a:solidFill>
+                <a:latin typeface="Consolas" panose="020B0609020204030204" pitchFamily="49" charset="0"/>
+              </a:rPr>
+              <a:t>][j];</a:t>
+            </a:r>
+            <a:br>
+              <a:rPr lang="en-US" altLang="en-US" sz="1600">
+                <a:solidFill>
+                  <a:srgbClr val="000000"/>
+                </a:solidFill>
+                <a:latin typeface="Consolas" panose="020B0609020204030204" pitchFamily="49" charset="0"/>
+              </a:rPr>
+            </a:br>
+            <a:r>
+              <a:rPr lang="en-US" altLang="en-US" sz="1600">
+                <a:solidFill>
+                  <a:srgbClr val="000000"/>
+                </a:solidFill>
+                <a:latin typeface="Consolas" panose="020B0609020204030204" pitchFamily="49" charset="0"/>
+              </a:rPr>
+              <a:t>    </a:t>
+            </a:r>
+            <a:r>
+              <a:rPr lang="en-US" altLang="en-US" sz="1600" smtClean="0">
+                <a:solidFill>
+                  <a:srgbClr val="000000"/>
+                </a:solidFill>
+                <a:latin typeface="Consolas" panose="020B0609020204030204" pitchFamily="49" charset="0"/>
+              </a:rPr>
+              <a:t>}</a:t>
+            </a:r>
+            <a:r>
+              <a:rPr lang="en-US" altLang="en-US" sz="1600">
+                <a:solidFill>
+                  <a:srgbClr val="000000"/>
+                </a:solidFill>
+                <a:latin typeface="Consolas" panose="020B0609020204030204" pitchFamily="49" charset="0"/>
+              </a:rPr>
+              <a:t/>
+            </a:r>
+            <a:br>
+              <a:rPr lang="en-US" altLang="en-US" sz="1600">
+                <a:solidFill>
+                  <a:srgbClr val="000000"/>
+                </a:solidFill>
+                <a:latin typeface="Consolas" panose="020B0609020204030204" pitchFamily="49" charset="0"/>
+              </a:rPr>
+            </a:br>
+            <a:r>
+              <a:rPr lang="en-US" altLang="en-US" sz="1600">
+                <a:solidFill>
+                  <a:srgbClr val="000000"/>
+                </a:solidFill>
+                <a:latin typeface="Consolas" panose="020B0609020204030204" pitchFamily="49" charset="0"/>
+              </a:rPr>
+              <a:t>  </a:t>
+            </a:r>
+            <a:r>
+              <a:rPr lang="en-US" altLang="en-US" sz="1600" smtClean="0">
+                <a:solidFill>
+                  <a:srgbClr val="000000"/>
+                </a:solidFill>
+                <a:latin typeface="Consolas" panose="020B0609020204030204" pitchFamily="49" charset="0"/>
+              </a:rPr>
+              <a:t>}</a:t>
+            </a:r>
+            <a:r>
+              <a:rPr lang="en-US" altLang="en-US" sz="1600">
+                <a:solidFill>
+                  <a:srgbClr val="000000"/>
+                </a:solidFill>
+                <a:latin typeface="Consolas" panose="020B0609020204030204" pitchFamily="49" charset="0"/>
+              </a:rPr>
+              <a:t/>
+            </a:r>
+            <a:br>
+              <a:rPr lang="en-US" altLang="en-US" sz="1600">
+                <a:solidFill>
+                  <a:srgbClr val="000000"/>
+                </a:solidFill>
+                <a:latin typeface="Consolas" panose="020B0609020204030204" pitchFamily="49" charset="0"/>
+              </a:rPr>
+            </a:br>
+            <a:r>
+              <a:rPr lang="en-US" altLang="en-US" sz="1600" smtClean="0">
+                <a:solidFill>
+                  <a:srgbClr val="000000"/>
+                </a:solidFill>
+                <a:latin typeface="Consolas" panose="020B0609020204030204" pitchFamily="49" charset="0"/>
+              </a:rPr>
+              <a:t>}</a:t>
+            </a:r>
+            <a:endParaRPr lang="en-US" sz="1600"/>
+          </a:p>
+        </p:txBody>
+      </p:sp>
+      <p:sp>
+        <p:nvSpPr>
+          <p:cNvPr id="7" name="Rectangle 6"/>
+          <p:cNvSpPr/>
+          <p:nvPr/>
+        </p:nvSpPr>
+        <p:spPr>
+          <a:xfrm>
+            <a:off x="8129016" y="2023563"/>
+            <a:ext cx="3749040" cy="2585323"/>
+          </a:xfrm>
+          <a:prstGeom prst="rect">
+            <a:avLst/>
+          </a:prstGeom>
+          <a:ln>
+            <a:solidFill>
+              <a:schemeClr val="accent1"/>
+            </a:solidFill>
+          </a:ln>
+        </p:spPr>
+        <p:txBody>
+          <a:bodyPr wrap="square">
+            <a:spAutoFit/>
+          </a:bodyPr>
+          <a:lstStyle/>
+          <a:p>
+            <a:r>
+              <a:rPr lang="en-US" altLang="en-US" sz="3200" b="1" smtClean="0">
+                <a:solidFill>
+                  <a:srgbClr val="FF0000"/>
+                </a:solidFill>
+              </a:rPr>
+              <a:t>Loop </a:t>
+            </a:r>
+            <a:r>
+              <a:rPr lang="en-US" altLang="en-US" sz="3200" b="1" smtClean="0">
+                <a:solidFill>
+                  <a:srgbClr val="FF0000"/>
+                </a:solidFill>
+              </a:rPr>
+              <a:t>order: k, </a:t>
+            </a:r>
+            <a:r>
+              <a:rPr lang="en-US" altLang="en-US" sz="3200" b="1" smtClean="0">
+                <a:solidFill>
+                  <a:srgbClr val="FF0000"/>
+                </a:solidFill>
+              </a:rPr>
+              <a:t>j, </a:t>
+            </a:r>
+            <a:r>
+              <a:rPr lang="en-US" altLang="en-US" sz="3200" b="1" smtClean="0">
+                <a:solidFill>
+                  <a:srgbClr val="FF0000"/>
+                </a:solidFill>
+              </a:rPr>
+              <a:t>i</a:t>
+            </a:r>
+            <a:endParaRPr lang="en-US" altLang="en-US" sz="3200" b="1" smtClean="0">
+              <a:solidFill>
+                <a:srgbClr val="FF0000"/>
+              </a:solidFill>
+            </a:endParaRPr>
+          </a:p>
+          <a:p>
+            <a:endParaRPr lang="en-US" altLang="en-US" b="1">
+              <a:solidFill>
+                <a:srgbClr val="000080"/>
+              </a:solidFill>
+              <a:latin typeface="Consolas" panose="020B0609020204030204" pitchFamily="49" charset="0"/>
+            </a:endParaRPr>
+          </a:p>
+          <a:p>
+            <a:r>
+              <a:rPr lang="en-US" altLang="en-US" sz="1600" b="1" smtClean="0">
+                <a:solidFill>
+                  <a:srgbClr val="000080"/>
+                </a:solidFill>
+                <a:latin typeface="Consolas" panose="020B0609020204030204" pitchFamily="49" charset="0"/>
+              </a:rPr>
+              <a:t>for </a:t>
+            </a:r>
+            <a:r>
+              <a:rPr lang="en-US" altLang="en-US" sz="1600">
+                <a:solidFill>
+                  <a:srgbClr val="000000"/>
+                </a:solidFill>
+                <a:latin typeface="Consolas" panose="020B0609020204030204" pitchFamily="49" charset="0"/>
+              </a:rPr>
+              <a:t>(</a:t>
+            </a:r>
+            <a:r>
+              <a:rPr lang="en-US" altLang="en-US" sz="1600" b="1">
+                <a:solidFill>
+                  <a:srgbClr val="000080"/>
+                </a:solidFill>
+                <a:latin typeface="Consolas" panose="020B0609020204030204" pitchFamily="49" charset="0"/>
+              </a:rPr>
+              <a:t>int </a:t>
+            </a:r>
+            <a:r>
+              <a:rPr lang="en-US" altLang="en-US" sz="1600" smtClean="0">
+                <a:solidFill>
+                  <a:srgbClr val="000000"/>
+                </a:solidFill>
+                <a:latin typeface="Consolas" panose="020B0609020204030204" pitchFamily="49" charset="0"/>
+              </a:rPr>
+              <a:t>i= </a:t>
+            </a:r>
+            <a:r>
+              <a:rPr lang="en-US" altLang="en-US" sz="1600">
+                <a:solidFill>
+                  <a:srgbClr val="0000FF"/>
+                </a:solidFill>
+                <a:latin typeface="Consolas" panose="020B0609020204030204" pitchFamily="49" charset="0"/>
+              </a:rPr>
+              <a:t>0</a:t>
+            </a:r>
+            <a:r>
+              <a:rPr lang="en-US" altLang="en-US" sz="1600">
+                <a:solidFill>
+                  <a:srgbClr val="000000"/>
+                </a:solidFill>
+                <a:latin typeface="Consolas" panose="020B0609020204030204" pitchFamily="49" charset="0"/>
+              </a:rPr>
+              <a:t>; </a:t>
+            </a:r>
+            <a:r>
+              <a:rPr lang="en-US" altLang="en-US" sz="1600" smtClean="0">
+                <a:solidFill>
+                  <a:srgbClr val="000000"/>
+                </a:solidFill>
+                <a:latin typeface="Consolas" panose="020B0609020204030204" pitchFamily="49" charset="0"/>
+              </a:rPr>
+              <a:t>i &lt; </a:t>
+            </a:r>
+            <a:r>
+              <a:rPr lang="en-US" altLang="en-US" sz="1600" b="1" i="1" smtClean="0">
+                <a:solidFill>
+                  <a:srgbClr val="660E7A"/>
+                </a:solidFill>
+                <a:latin typeface="Consolas" panose="020B0609020204030204" pitchFamily="49" charset="0"/>
+              </a:rPr>
+              <a:t>n</a:t>
+            </a:r>
+            <a:r>
+              <a:rPr lang="en-US" altLang="en-US" sz="1600">
+                <a:solidFill>
+                  <a:srgbClr val="000000"/>
+                </a:solidFill>
+                <a:latin typeface="Consolas" panose="020B0609020204030204" pitchFamily="49" charset="0"/>
+              </a:rPr>
+              <a:t>; i++) {</a:t>
+            </a:r>
+            <a:br>
+              <a:rPr lang="en-US" altLang="en-US" sz="1600">
+                <a:solidFill>
+                  <a:srgbClr val="000000"/>
+                </a:solidFill>
+                <a:latin typeface="Consolas" panose="020B0609020204030204" pitchFamily="49" charset="0"/>
+              </a:rPr>
+            </a:br>
+            <a:r>
+              <a:rPr lang="en-US" altLang="en-US" sz="1600">
+                <a:solidFill>
+                  <a:srgbClr val="000000"/>
+                </a:solidFill>
+                <a:latin typeface="Consolas" panose="020B0609020204030204" pitchFamily="49" charset="0"/>
+              </a:rPr>
+              <a:t> </a:t>
+            </a:r>
+            <a:r>
+              <a:rPr lang="en-US" altLang="en-US" sz="1600" smtClean="0">
+                <a:solidFill>
+                  <a:srgbClr val="000000"/>
+                </a:solidFill>
+                <a:latin typeface="Consolas" panose="020B0609020204030204" pitchFamily="49" charset="0"/>
+              </a:rPr>
+              <a:t> </a:t>
+            </a:r>
+            <a:r>
+              <a:rPr lang="en-US" altLang="en-US" sz="1600" b="1" smtClean="0">
+                <a:solidFill>
+                  <a:srgbClr val="000080"/>
+                </a:solidFill>
+                <a:latin typeface="Consolas" panose="020B0609020204030204" pitchFamily="49" charset="0"/>
+              </a:rPr>
+              <a:t>for </a:t>
+            </a:r>
+            <a:r>
+              <a:rPr lang="en-US" altLang="en-US" sz="1600">
+                <a:solidFill>
+                  <a:srgbClr val="000000"/>
+                </a:solidFill>
+                <a:latin typeface="Consolas" panose="020B0609020204030204" pitchFamily="49" charset="0"/>
+              </a:rPr>
+              <a:t>(</a:t>
+            </a:r>
+            <a:r>
+              <a:rPr lang="en-US" altLang="en-US" sz="1600" b="1">
+                <a:solidFill>
+                  <a:srgbClr val="000080"/>
+                </a:solidFill>
+                <a:latin typeface="Consolas" panose="020B0609020204030204" pitchFamily="49" charset="0"/>
+              </a:rPr>
+              <a:t>int </a:t>
+            </a:r>
+            <a:r>
+              <a:rPr lang="en-US" altLang="en-US" sz="1600" smtClean="0">
+                <a:solidFill>
+                  <a:srgbClr val="000000"/>
+                </a:solidFill>
+                <a:latin typeface="Consolas" panose="020B0609020204030204" pitchFamily="49" charset="0"/>
+              </a:rPr>
+              <a:t>j= </a:t>
+            </a:r>
+            <a:r>
+              <a:rPr lang="en-US" altLang="en-US" sz="1600">
+                <a:solidFill>
+                  <a:srgbClr val="0000FF"/>
+                </a:solidFill>
+                <a:latin typeface="Consolas" panose="020B0609020204030204" pitchFamily="49" charset="0"/>
+              </a:rPr>
+              <a:t>0</a:t>
+            </a:r>
+            <a:r>
+              <a:rPr lang="en-US" altLang="en-US" sz="1600">
+                <a:solidFill>
+                  <a:srgbClr val="000000"/>
+                </a:solidFill>
+                <a:latin typeface="Consolas" panose="020B0609020204030204" pitchFamily="49" charset="0"/>
+              </a:rPr>
+              <a:t>; </a:t>
+            </a:r>
+            <a:r>
+              <a:rPr lang="en-US" altLang="en-US" sz="1600" smtClean="0">
+                <a:solidFill>
+                  <a:srgbClr val="000000"/>
+                </a:solidFill>
+                <a:latin typeface="Consolas" panose="020B0609020204030204" pitchFamily="49" charset="0"/>
+              </a:rPr>
+              <a:t>j &lt; </a:t>
+            </a:r>
+            <a:r>
+              <a:rPr lang="en-US" altLang="en-US" sz="1600" b="1" i="1" smtClean="0">
+                <a:solidFill>
+                  <a:srgbClr val="660E7A"/>
+                </a:solidFill>
+                <a:latin typeface="Consolas" panose="020B0609020204030204" pitchFamily="49" charset="0"/>
+              </a:rPr>
+              <a:t>n</a:t>
+            </a:r>
+            <a:r>
+              <a:rPr lang="en-US" altLang="en-US" sz="1600">
+                <a:solidFill>
+                  <a:srgbClr val="000000"/>
+                </a:solidFill>
+                <a:latin typeface="Consolas" panose="020B0609020204030204" pitchFamily="49" charset="0"/>
+              </a:rPr>
+              <a:t>; j++) {</a:t>
+            </a:r>
+            <a:br>
+              <a:rPr lang="en-US" altLang="en-US" sz="1600">
+                <a:solidFill>
+                  <a:srgbClr val="000000"/>
+                </a:solidFill>
+                <a:latin typeface="Consolas" panose="020B0609020204030204" pitchFamily="49" charset="0"/>
+              </a:rPr>
+            </a:br>
+            <a:r>
+              <a:rPr lang="en-US" altLang="en-US" sz="1600">
+                <a:solidFill>
+                  <a:srgbClr val="000000"/>
+                </a:solidFill>
+                <a:latin typeface="Consolas" panose="020B0609020204030204" pitchFamily="49" charset="0"/>
+              </a:rPr>
+              <a:t>   </a:t>
+            </a:r>
+            <a:r>
+              <a:rPr lang="en-US" altLang="en-US" sz="1600" smtClean="0">
+                <a:solidFill>
+                  <a:srgbClr val="000000"/>
+                </a:solidFill>
+                <a:latin typeface="Consolas" panose="020B0609020204030204" pitchFamily="49" charset="0"/>
+              </a:rPr>
+              <a:t> </a:t>
+            </a:r>
+            <a:r>
+              <a:rPr lang="en-US" altLang="en-US" sz="1600" b="1" smtClean="0">
+                <a:solidFill>
+                  <a:srgbClr val="000080"/>
+                </a:solidFill>
+                <a:latin typeface="Consolas" panose="020B0609020204030204" pitchFamily="49" charset="0"/>
+              </a:rPr>
+              <a:t>for </a:t>
+            </a:r>
+            <a:r>
+              <a:rPr lang="en-US" altLang="en-US" sz="1600">
+                <a:solidFill>
+                  <a:srgbClr val="000000"/>
+                </a:solidFill>
+                <a:latin typeface="Consolas" panose="020B0609020204030204" pitchFamily="49" charset="0"/>
+              </a:rPr>
+              <a:t>(</a:t>
+            </a:r>
+            <a:r>
+              <a:rPr lang="en-US" altLang="en-US" sz="1600" b="1">
+                <a:solidFill>
+                  <a:srgbClr val="000080"/>
+                </a:solidFill>
+                <a:latin typeface="Consolas" panose="020B0609020204030204" pitchFamily="49" charset="0"/>
+              </a:rPr>
+              <a:t>int </a:t>
+            </a:r>
+            <a:r>
+              <a:rPr lang="en-US" altLang="en-US" sz="1600" smtClean="0">
+                <a:solidFill>
+                  <a:srgbClr val="000000"/>
+                </a:solidFill>
+                <a:latin typeface="Consolas" panose="020B0609020204030204" pitchFamily="49" charset="0"/>
+              </a:rPr>
+              <a:t>k= </a:t>
+            </a:r>
+            <a:r>
+              <a:rPr lang="en-US" altLang="en-US" sz="1600">
+                <a:solidFill>
+                  <a:srgbClr val="0000FF"/>
+                </a:solidFill>
+                <a:latin typeface="Consolas" panose="020B0609020204030204" pitchFamily="49" charset="0"/>
+              </a:rPr>
+              <a:t>0</a:t>
+            </a:r>
+            <a:r>
+              <a:rPr lang="en-US" altLang="en-US" sz="1600">
+                <a:solidFill>
+                  <a:srgbClr val="000000"/>
+                </a:solidFill>
+                <a:latin typeface="Consolas" panose="020B0609020204030204" pitchFamily="49" charset="0"/>
+              </a:rPr>
+              <a:t>; </a:t>
+            </a:r>
+            <a:r>
+              <a:rPr lang="en-US" altLang="en-US" sz="1600" smtClean="0">
+                <a:solidFill>
+                  <a:srgbClr val="000000"/>
+                </a:solidFill>
+                <a:latin typeface="Consolas" panose="020B0609020204030204" pitchFamily="49" charset="0"/>
+              </a:rPr>
+              <a:t>k &lt; </a:t>
+            </a:r>
+            <a:r>
+              <a:rPr lang="en-US" altLang="en-US" sz="1600" b="1" i="1" smtClean="0">
+                <a:solidFill>
+                  <a:srgbClr val="660E7A"/>
+                </a:solidFill>
+                <a:latin typeface="Consolas" panose="020B0609020204030204" pitchFamily="49" charset="0"/>
+              </a:rPr>
+              <a:t>n</a:t>
+            </a:r>
+            <a:r>
+              <a:rPr lang="en-US" altLang="en-US" sz="1600">
+                <a:solidFill>
+                  <a:srgbClr val="000000"/>
+                </a:solidFill>
+                <a:latin typeface="Consolas" panose="020B0609020204030204" pitchFamily="49" charset="0"/>
+              </a:rPr>
+              <a:t>; k++) {</a:t>
+            </a:r>
+            <a:br>
+              <a:rPr lang="en-US" altLang="en-US" sz="1600">
+                <a:solidFill>
+                  <a:srgbClr val="000000"/>
+                </a:solidFill>
+                <a:latin typeface="Consolas" panose="020B0609020204030204" pitchFamily="49" charset="0"/>
+              </a:rPr>
+            </a:br>
+            <a:r>
+              <a:rPr lang="en-US" altLang="en-US" sz="1600">
+                <a:solidFill>
+                  <a:srgbClr val="000000"/>
+                </a:solidFill>
+                <a:latin typeface="Consolas" panose="020B0609020204030204" pitchFamily="49" charset="0"/>
+              </a:rPr>
+              <a:t>      </a:t>
+            </a:r>
+            <a:r>
+              <a:rPr lang="en-US" altLang="en-US" sz="1600" b="1" i="1" smtClean="0">
+                <a:solidFill>
+                  <a:srgbClr val="660E7A"/>
+                </a:solidFill>
+                <a:latin typeface="Consolas" panose="020B0609020204030204" pitchFamily="49" charset="0"/>
+              </a:rPr>
+              <a:t>C</a:t>
+            </a:r>
+            <a:r>
+              <a:rPr lang="en-US" altLang="en-US" sz="1600" smtClean="0">
+                <a:solidFill>
+                  <a:srgbClr val="000000"/>
+                </a:solidFill>
+                <a:latin typeface="Consolas" panose="020B0609020204030204" pitchFamily="49" charset="0"/>
+              </a:rPr>
+              <a:t>[i</a:t>
+            </a:r>
+            <a:r>
+              <a:rPr lang="en-US" altLang="en-US" sz="1600">
+                <a:solidFill>
+                  <a:srgbClr val="000000"/>
+                </a:solidFill>
+                <a:latin typeface="Consolas" panose="020B0609020204030204" pitchFamily="49" charset="0"/>
+              </a:rPr>
+              <a:t>][j</a:t>
+            </a:r>
+            <a:r>
+              <a:rPr lang="en-US" altLang="en-US" sz="1600" smtClean="0">
+                <a:solidFill>
+                  <a:srgbClr val="000000"/>
+                </a:solidFill>
+                <a:latin typeface="Consolas" panose="020B0609020204030204" pitchFamily="49" charset="0"/>
+              </a:rPr>
+              <a:t>]+= </a:t>
+            </a:r>
+            <a:r>
+              <a:rPr lang="en-US" altLang="en-US" sz="1600" b="1" i="1">
+                <a:solidFill>
+                  <a:srgbClr val="660E7A"/>
+                </a:solidFill>
+                <a:latin typeface="Consolas" panose="020B0609020204030204" pitchFamily="49" charset="0"/>
+              </a:rPr>
+              <a:t>A</a:t>
+            </a:r>
+            <a:r>
+              <a:rPr lang="en-US" altLang="en-US" sz="1600">
+                <a:solidFill>
+                  <a:srgbClr val="000000"/>
+                </a:solidFill>
+                <a:latin typeface="Consolas" panose="020B0609020204030204" pitchFamily="49" charset="0"/>
+              </a:rPr>
+              <a:t>[i][k</a:t>
+            </a:r>
+            <a:r>
+              <a:rPr lang="en-US" altLang="en-US" sz="1600" smtClean="0">
+                <a:solidFill>
+                  <a:srgbClr val="000000"/>
+                </a:solidFill>
+                <a:latin typeface="Consolas" panose="020B0609020204030204" pitchFamily="49" charset="0"/>
+              </a:rPr>
+              <a:t>]*</a:t>
+            </a:r>
+            <a:r>
+              <a:rPr lang="en-US" altLang="en-US" sz="1600" b="1" i="1" smtClean="0">
+                <a:solidFill>
+                  <a:srgbClr val="660E7A"/>
+                </a:solidFill>
+                <a:latin typeface="Consolas" panose="020B0609020204030204" pitchFamily="49" charset="0"/>
+              </a:rPr>
+              <a:t>B</a:t>
+            </a:r>
+            <a:r>
+              <a:rPr lang="en-US" altLang="en-US" sz="1600" smtClean="0">
+                <a:solidFill>
+                  <a:srgbClr val="000000"/>
+                </a:solidFill>
+                <a:latin typeface="Consolas" panose="020B0609020204030204" pitchFamily="49" charset="0"/>
+              </a:rPr>
+              <a:t>[k</a:t>
+            </a:r>
+            <a:r>
+              <a:rPr lang="en-US" altLang="en-US" sz="1600">
+                <a:solidFill>
+                  <a:srgbClr val="000000"/>
+                </a:solidFill>
+                <a:latin typeface="Consolas" panose="020B0609020204030204" pitchFamily="49" charset="0"/>
+              </a:rPr>
+              <a:t>][j];</a:t>
+            </a:r>
+            <a:br>
+              <a:rPr lang="en-US" altLang="en-US" sz="1600">
+                <a:solidFill>
+                  <a:srgbClr val="000000"/>
+                </a:solidFill>
+                <a:latin typeface="Consolas" panose="020B0609020204030204" pitchFamily="49" charset="0"/>
+              </a:rPr>
+            </a:br>
+            <a:r>
+              <a:rPr lang="en-US" altLang="en-US" sz="1600">
+                <a:solidFill>
+                  <a:srgbClr val="000000"/>
+                </a:solidFill>
+                <a:latin typeface="Consolas" panose="020B0609020204030204" pitchFamily="49" charset="0"/>
+              </a:rPr>
+              <a:t>    </a:t>
+            </a:r>
+            <a:r>
+              <a:rPr lang="en-US" altLang="en-US" sz="1600" smtClean="0">
+                <a:solidFill>
+                  <a:srgbClr val="000000"/>
+                </a:solidFill>
+                <a:latin typeface="Consolas" panose="020B0609020204030204" pitchFamily="49" charset="0"/>
+              </a:rPr>
+              <a:t>}</a:t>
+            </a:r>
+            <a:r>
+              <a:rPr lang="en-US" altLang="en-US" sz="1600">
+                <a:solidFill>
+                  <a:srgbClr val="000000"/>
+                </a:solidFill>
+                <a:latin typeface="Consolas" panose="020B0609020204030204" pitchFamily="49" charset="0"/>
+              </a:rPr>
+              <a:t/>
+            </a:r>
+            <a:br>
+              <a:rPr lang="en-US" altLang="en-US" sz="1600">
+                <a:solidFill>
+                  <a:srgbClr val="000000"/>
+                </a:solidFill>
+                <a:latin typeface="Consolas" panose="020B0609020204030204" pitchFamily="49" charset="0"/>
+              </a:rPr>
+            </a:br>
+            <a:r>
+              <a:rPr lang="en-US" altLang="en-US" sz="1600">
+                <a:solidFill>
+                  <a:srgbClr val="000000"/>
+                </a:solidFill>
+                <a:latin typeface="Consolas" panose="020B0609020204030204" pitchFamily="49" charset="0"/>
+              </a:rPr>
+              <a:t>  </a:t>
+            </a:r>
+            <a:r>
+              <a:rPr lang="en-US" altLang="en-US" sz="1600" smtClean="0">
+                <a:solidFill>
+                  <a:srgbClr val="000000"/>
+                </a:solidFill>
+                <a:latin typeface="Consolas" panose="020B0609020204030204" pitchFamily="49" charset="0"/>
+              </a:rPr>
+              <a:t>}</a:t>
+            </a:r>
+            <a:r>
+              <a:rPr lang="en-US" altLang="en-US" sz="1600">
+                <a:solidFill>
+                  <a:srgbClr val="000000"/>
+                </a:solidFill>
+                <a:latin typeface="Consolas" panose="020B0609020204030204" pitchFamily="49" charset="0"/>
+              </a:rPr>
+              <a:t/>
+            </a:r>
+            <a:br>
+              <a:rPr lang="en-US" altLang="en-US" sz="1600">
+                <a:solidFill>
+                  <a:srgbClr val="000000"/>
+                </a:solidFill>
+                <a:latin typeface="Consolas" panose="020B0609020204030204" pitchFamily="49" charset="0"/>
+              </a:rPr>
+            </a:br>
+            <a:r>
+              <a:rPr lang="en-US" altLang="en-US" sz="1600" smtClean="0">
+                <a:solidFill>
+                  <a:srgbClr val="000000"/>
+                </a:solidFill>
+                <a:latin typeface="Consolas" panose="020B0609020204030204" pitchFamily="49" charset="0"/>
+              </a:rPr>
+              <a:t>}</a:t>
+            </a:r>
+            <a:endParaRPr lang="en-US" sz="1600"/>
+          </a:p>
+        </p:txBody>
+      </p:sp>
+      <p:sp>
+        <p:nvSpPr>
+          <p:cNvPr id="8" name="Rectangle 7"/>
+          <p:cNvSpPr/>
+          <p:nvPr/>
+        </p:nvSpPr>
+        <p:spPr>
+          <a:xfrm>
+            <a:off x="1071372" y="4739792"/>
+            <a:ext cx="2289048" cy="1569660"/>
+          </a:xfrm>
+          <a:prstGeom prst="rect">
+            <a:avLst/>
+          </a:prstGeom>
+        </p:spPr>
+        <p:txBody>
+          <a:bodyPr wrap="square">
+            <a:spAutoFit/>
+          </a:bodyPr>
+          <a:lstStyle/>
+          <a:p>
+            <a:pPr>
+              <a:spcBef>
+                <a:spcPts val="1800"/>
+              </a:spcBef>
+            </a:pPr>
+            <a:r>
+              <a:rPr lang="en-US" sz="2400" b="1">
+                <a:solidFill>
+                  <a:srgbClr val="1E3272"/>
+                </a:solidFill>
+              </a:rPr>
+              <a:t>Running time:</a:t>
+            </a:r>
+          </a:p>
+          <a:p>
+            <a:r>
+              <a:rPr lang="en-US" sz="2400">
+                <a:solidFill>
+                  <a:srgbClr val="1E3272"/>
+                </a:solidFill>
+              </a:rPr>
+              <a:t>13.714264 sec.</a:t>
+            </a:r>
+          </a:p>
+          <a:p>
+            <a:r>
+              <a:rPr lang="en-US" sz="2400" b="1">
+                <a:solidFill>
+                  <a:srgbClr val="1E3272"/>
+                </a:solidFill>
+              </a:rPr>
+              <a:t>Performance</a:t>
+            </a:r>
+            <a:r>
+              <a:rPr lang="en-US" sz="2400" b="1" smtClean="0">
+                <a:solidFill>
+                  <a:srgbClr val="1E3272"/>
+                </a:solidFill>
+              </a:rPr>
+              <a:t>:</a:t>
+            </a:r>
+          </a:p>
+          <a:p>
+            <a:r>
+              <a:rPr lang="en-US" sz="2400" smtClean="0">
+                <a:solidFill>
+                  <a:srgbClr val="1E3272"/>
+                </a:solidFill>
+              </a:rPr>
+              <a:t>~ </a:t>
+            </a:r>
+            <a:r>
+              <a:rPr lang="en-US" sz="2400">
+                <a:solidFill>
+                  <a:srgbClr val="1E3272"/>
+                </a:solidFill>
+              </a:rPr>
+              <a:t>153 MFLOPS</a:t>
+            </a:r>
+          </a:p>
+        </p:txBody>
+      </p:sp>
+      <p:sp>
+        <p:nvSpPr>
+          <p:cNvPr id="9" name="Rectangle 8"/>
+          <p:cNvSpPr/>
+          <p:nvPr/>
+        </p:nvSpPr>
+        <p:spPr>
+          <a:xfrm>
+            <a:off x="5012436" y="4739792"/>
+            <a:ext cx="2167128" cy="1569660"/>
+          </a:xfrm>
+          <a:prstGeom prst="rect">
+            <a:avLst/>
+          </a:prstGeom>
+        </p:spPr>
+        <p:txBody>
+          <a:bodyPr wrap="square">
+            <a:spAutoFit/>
+          </a:bodyPr>
+          <a:lstStyle/>
+          <a:p>
+            <a:pPr>
+              <a:spcBef>
+                <a:spcPts val="1800"/>
+              </a:spcBef>
+            </a:pPr>
+            <a:r>
+              <a:rPr lang="en-US" sz="2400" b="1">
+                <a:solidFill>
+                  <a:srgbClr val="00B050"/>
+                </a:solidFill>
+              </a:rPr>
+              <a:t>Running time:</a:t>
+            </a:r>
+          </a:p>
+          <a:p>
+            <a:r>
+              <a:rPr lang="en-US" sz="2400">
+                <a:solidFill>
+                  <a:srgbClr val="00B050"/>
+                </a:solidFill>
+              </a:rPr>
+              <a:t>2.739385 sec.</a:t>
+            </a:r>
+          </a:p>
+          <a:p>
+            <a:r>
+              <a:rPr lang="en-US" sz="2400" b="1">
+                <a:solidFill>
+                  <a:srgbClr val="00B050"/>
+                </a:solidFill>
+              </a:rPr>
+              <a:t>Performance</a:t>
+            </a:r>
+            <a:r>
+              <a:rPr lang="en-US" sz="2400" b="1" smtClean="0">
+                <a:solidFill>
+                  <a:srgbClr val="00B050"/>
+                </a:solidFill>
+              </a:rPr>
+              <a:t>:</a:t>
+            </a:r>
+          </a:p>
+          <a:p>
+            <a:r>
+              <a:rPr lang="en-US" sz="2400">
+                <a:solidFill>
+                  <a:srgbClr val="00B050"/>
+                </a:solidFill>
+              </a:rPr>
+              <a:t>~ 795 MFLOPS</a:t>
+            </a:r>
+          </a:p>
+        </p:txBody>
+      </p:sp>
+      <p:sp>
+        <p:nvSpPr>
+          <p:cNvPr id="10" name="Rectangle 9"/>
+          <p:cNvSpPr/>
+          <p:nvPr/>
+        </p:nvSpPr>
+        <p:spPr>
+          <a:xfrm>
+            <a:off x="8811768" y="4757153"/>
+            <a:ext cx="2383536" cy="1569660"/>
+          </a:xfrm>
+          <a:prstGeom prst="rect">
+            <a:avLst/>
+          </a:prstGeom>
+        </p:spPr>
+        <p:txBody>
+          <a:bodyPr wrap="square">
+            <a:spAutoFit/>
+          </a:bodyPr>
+          <a:lstStyle/>
+          <a:p>
+            <a:pPr>
+              <a:spcBef>
+                <a:spcPts val="1800"/>
+              </a:spcBef>
+            </a:pPr>
+            <a:r>
+              <a:rPr lang="en-US" sz="2400" b="1">
+                <a:solidFill>
+                  <a:srgbClr val="FF0000"/>
+                </a:solidFill>
+              </a:rPr>
+              <a:t>Running time:</a:t>
+            </a:r>
+          </a:p>
+          <a:p>
+            <a:r>
+              <a:rPr lang="en-US" sz="2400">
+                <a:solidFill>
+                  <a:srgbClr val="FF0000"/>
+                </a:solidFill>
+              </a:rPr>
+              <a:t>19.074106 sec.</a:t>
+            </a:r>
+          </a:p>
+          <a:p>
+            <a:r>
+              <a:rPr lang="en-US" sz="2400" b="1">
+                <a:solidFill>
+                  <a:srgbClr val="FF0000"/>
+                </a:solidFill>
+              </a:rPr>
+              <a:t>Performance</a:t>
+            </a:r>
+            <a:r>
+              <a:rPr lang="en-US" sz="2400" b="1" smtClean="0">
+                <a:solidFill>
+                  <a:srgbClr val="FF0000"/>
+                </a:solidFill>
+              </a:rPr>
+              <a:t>:</a:t>
+            </a:r>
+          </a:p>
+          <a:p>
+            <a:r>
+              <a:rPr lang="en-US" sz="2400">
+                <a:solidFill>
+                  <a:srgbClr val="FF0000"/>
+                </a:solidFill>
+              </a:rPr>
+              <a:t>~ 113 MFLOPS</a:t>
+            </a:r>
           </a:p>
         </p:txBody>
       </p:sp>

--- a/docs/part1ca/01_Introduction/CA_Lecture_01.pptx
+++ b/docs/part1ca/01_Introduction/CA_Lecture_01.pptx
@@ -4248,7 +4248,7 @@
             <p:ph idx="1"/>
             <p:extLst>
               <p:ext uri="{D42A27DB-BD31-4B8C-83A1-F6EECF244321}">
-                <p14:modId xmlns:p14="http://schemas.microsoft.com/office/powerpoint/2010/main" val="1359259602"/>
+                <p14:modId xmlns:p14="http://schemas.microsoft.com/office/powerpoint/2010/main" val="4163480935"/>
               </p:ext>
             </p:extLst>
           </p:nvPr>
@@ -4288,7 +4288,11 @@
                       </a:endParaRPr>
                     </a:p>
                   </a:txBody>
-                  <a:tcPr/>
+                  <a:tcPr>
+                    <a:solidFill>
+                      <a:srgbClr val="2F5CB5"/>
+                    </a:solidFill>
+                  </a:tcPr>
                 </a:tc>
                 <a:tc>
                   <a:txBody>
@@ -4310,7 +4314,11 @@
                       </a:endParaRPr>
                     </a:p>
                   </a:txBody>
-                  <a:tcPr/>
+                  <a:tcPr>
+                    <a:solidFill>
+                      <a:srgbClr val="2F5CB5"/>
+                    </a:solidFill>
+                  </a:tcPr>
                 </a:tc>
               </a:tr>
               <a:tr h="319191">
@@ -4658,8 +4666,12 @@
           <a:lstStyle/>
           <a:p>
             <a:r>
+              <a:rPr lang="en-US" smtClean="0"/>
+              <a:t>Example: </a:t>
+            </a:r>
+            <a:r>
               <a:rPr lang="en-US"/>
-              <a:t>Performance: Matrix Multiplication (</a:t>
+              <a:t>Matrix Multiplication (</a:t>
             </a:r>
             <a:r>
               <a:rPr lang="en-US"/>
@@ -7326,8 +7338,8 @@
           <a:lstStyle/>
           <a:p>
             <a:r>
-              <a:rPr lang="en-US"/>
-              <a:t>Performance: </a:t>
+              <a:rPr lang="en-US" smtClean="0"/>
+              <a:t>Example: </a:t>
             </a:r>
             <a:r>
               <a:rPr lang="en-US" smtClean="0"/>
@@ -9450,7 +9462,7 @@
           <a:p>
             <a:r>
               <a:rPr lang="en-US" smtClean="0"/>
-              <a:t>Performance: </a:t>
+              <a:t>Example: </a:t>
             </a:r>
             <a:r>
               <a:rPr lang="en-US"/>
@@ -9484,8 +9496,8 @@
         </p:nvSpPr>
         <p:spPr bwMode="auto">
           <a:xfrm>
-            <a:off x="5465065" y="1150630"/>
-            <a:ext cx="5379719" cy="5133713"/>
+            <a:off x="5405431" y="1053681"/>
+            <a:ext cx="5379719" cy="5327612"/>
           </a:xfrm>
           <a:prstGeom prst="rect">
             <a:avLst/>
@@ -9975,13 +9987,33 @@
               <a:t>n</a:t>
             </a:r>
             <a:r>
+              <a:rPr lang="en-US" altLang="en-US" sz="1400" smtClean="0">
+                <a:solidFill>
+                  <a:srgbClr val="000000"/>
+                </a:solidFill>
+                <a:latin typeface="Consolas" panose="020B0609020204030204" pitchFamily="49" charset="0"/>
+              </a:rPr>
+              <a:t>];</a:t>
+            </a:r>
+          </a:p>
+          <a:p>
+            <a:pPr marL="0" lvl="0" indent="0" eaLnBrk="0" fontAlgn="base" hangingPunct="0">
+              <a:spcBef>
+                <a:spcPct val="0"/>
+              </a:spcBef>
+              <a:spcAft>
+                <a:spcPct val="0"/>
+              </a:spcAft>
+              <a:buNone/>
+            </a:pPr>
+            <a:r>
               <a:rPr lang="en-US" altLang="en-US" sz="1400">
                 <a:solidFill>
                   <a:srgbClr val="000000"/>
                 </a:solidFill>
                 <a:latin typeface="Consolas" panose="020B0609020204030204" pitchFamily="49" charset="0"/>
               </a:rPr>
-              <a:t>];</a:t>
+              <a:t/>
             </a:r>
             <a:br>
               <a:rPr lang="en-US" altLang="en-US" sz="1400">
@@ -11608,8 +11640,8 @@
           <a:lstStyle/>
           <a:p>
             <a:r>
-              <a:rPr lang="en-US"/>
-              <a:t>Performance: </a:t>
+              <a:rPr lang="en-US" smtClean="0"/>
+              <a:t>Example: </a:t>
             </a:r>
             <a:r>
               <a:rPr lang="en-US" smtClean="0"/>
@@ -13590,8 +13622,12 @@
           <a:lstStyle/>
           <a:p>
             <a:r>
+              <a:rPr lang="en-US" smtClean="0"/>
+              <a:t>Example: </a:t>
+            </a:r>
+            <a:r>
               <a:rPr lang="en-US"/>
-              <a:t>Performance: Matrix Multiplication (part </a:t>
+              <a:t>Matrix Multiplication (part </a:t>
             </a:r>
             <a:r>
               <a:rPr lang="en-US" smtClean="0"/>

--- a/docs/part1ca/01_Introduction/CA_Lecture_01.pptx
+++ b/docs/part1ca/01_Introduction/CA_Lecture_01.pptx
@@ -5,10 +5,10 @@
     <p:sldMasterId id="2147483648" r:id="rId1"/>
   </p:sldMasterIdLst>
   <p:notesMasterIdLst>
-    <p:notesMasterId r:id="rId17"/>
+    <p:notesMasterId r:id="rId20"/>
   </p:notesMasterIdLst>
   <p:handoutMasterIdLst>
-    <p:handoutMasterId r:id="rId18"/>
+    <p:handoutMasterId r:id="rId21"/>
   </p:handoutMasterIdLst>
   <p:sldIdLst>
     <p:sldId id="256" r:id="rId2"/>
@@ -21,11 +21,14 @@
     <p:sldId id="283" r:id="rId9"/>
     <p:sldId id="284" r:id="rId10"/>
     <p:sldId id="285" r:id="rId11"/>
-    <p:sldId id="279" r:id="rId12"/>
-    <p:sldId id="281" r:id="rId13"/>
-    <p:sldId id="278" r:id="rId14"/>
-    <p:sldId id="275" r:id="rId15"/>
-    <p:sldId id="272" r:id="rId16"/>
+    <p:sldId id="287" r:id="rId12"/>
+    <p:sldId id="279" r:id="rId13"/>
+    <p:sldId id="288" r:id="rId14"/>
+    <p:sldId id="286" r:id="rId15"/>
+    <p:sldId id="281" r:id="rId16"/>
+    <p:sldId id="278" r:id="rId17"/>
+    <p:sldId id="275" r:id="rId18"/>
+    <p:sldId id="272" r:id="rId19"/>
   </p:sldIdLst>
   <p:sldSz cx="12192000" cy="6858000"/>
   <p:notesSz cx="6858000" cy="9144000"/>
@@ -913,7 +916,7 @@
             <a:fld id="{5583B3A5-99BF-45D9-956B-DC57CC23AD97}" type="slidenum">
               <a:rPr lang="ru-RU" smtClean="0"/>
               <a:pPr/>
-              <a:t>15</a:t>
+              <a:t>18</a:t>
             </a:fld>
             <a:endParaRPr lang="ru-RU"/>
           </a:p>
@@ -4248,7 +4251,7 @@
             <p:ph idx="1"/>
             <p:extLst>
               <p:ext uri="{D42A27DB-BD31-4B8C-83A1-F6EECF244321}">
-                <p14:modId xmlns:p14="http://schemas.microsoft.com/office/powerpoint/2010/main" val="4163480935"/>
+                <p14:modId xmlns:p14="http://schemas.microsoft.com/office/powerpoint/2010/main" val="2853019934"/>
               </p:ext>
             </p:extLst>
           </p:nvPr>
@@ -4479,7 +4482,15 @@
                     <a:p>
                       <a:r>
                         <a:rPr lang="en-US" sz="2000" smtClean="0"/>
-                        <a:t>Floating-point operations per cycle</a:t>
+                        <a:t>Floating-Point Operations </a:t>
+                      </a:r>
+                      <a:r>
+                        <a:rPr lang="en-US" sz="2000" smtClean="0"/>
+                        <a:t>per </a:t>
+                      </a:r>
+                      <a:r>
+                        <a:rPr lang="en-US" sz="2000" smtClean="0"/>
+                        <a:t>Cycle</a:t>
                       </a:r>
                       <a:endParaRPr lang="en-US" sz="2000"/>
                     </a:p>
@@ -4671,11 +4682,7 @@
             </a:r>
             <a:r>
               <a:rPr lang="en-US"/>
-              <a:t>Matrix Multiplication (</a:t>
-            </a:r>
-            <a:r>
-              <a:rPr lang="en-US"/>
-              <a:t>part </a:t>
+              <a:t>Matrix Multiplication (part </a:t>
             </a:r>
             <a:r>
               <a:rPr lang="en-US" smtClean="0"/>
@@ -4685,8 +4692,8 @@
           </a:p>
         </p:txBody>
       </p:sp>
-      <mc:AlternateContent xmlns:mc="http://schemas.openxmlformats.org/markup-compatibility/2006">
-        <mc:Choice xmlns:a14="http://schemas.microsoft.com/office/drawing/2010/main" Requires="a14">
+      <mc:AlternateContent xmlns:mc="http://schemas.openxmlformats.org/markup-compatibility/2006" xmlns:a14="http://schemas.microsoft.com/office/drawing/2010/main">
+        <mc:Choice Requires="a14">
           <p:sp>
             <p:nvSpPr>
               <p:cNvPr id="6" name="Rectangle 5"/>
@@ -4718,15 +4725,7 @@
                       <a:srgbClr val="1E3272"/>
                     </a:solidFill>
                   </a:rPr>
-                  <a:t>Peak </a:t>
-                </a:r>
-                <a:r>
-                  <a:rPr lang="en-US" sz="3200" b="1" smtClean="0">
-                    <a:solidFill>
-                      <a:srgbClr val="1E3272"/>
-                    </a:solidFill>
-                  </a:rPr>
-                  <a:t>= (</a:t>
+                  <a:t>Peak = (</a:t>
                 </a:r>
                 <a14:m>
                   <m:oMath xmlns:m="http://schemas.openxmlformats.org/officeDocument/2006/math">
@@ -4737,6 +4736,7 @@
                             <a:solidFill>
                               <a:srgbClr val="1E3272"/>
                             </a:solidFill>
+                            <a:latin typeface="Cambria Math" panose="02040503050406030204" pitchFamily="18" charset="0"/>
                           </a:rPr>
                         </m:ctrlPr>
                       </m:sSupPr>
@@ -4746,6 +4746,7 @@
                             <a:solidFill>
                               <a:srgbClr val="1E3272"/>
                             </a:solidFill>
+                            <a:latin typeface="Cambria Math" panose="02040503050406030204" pitchFamily="18" charset="0"/>
                           </a:rPr>
                           <m:t>𝟐</m:t>
                         </m:r>
@@ -4754,6 +4755,7 @@
                             <a:solidFill>
                               <a:srgbClr val="1E3272"/>
                             </a:solidFill>
+                            <a:latin typeface="Cambria Math" panose="02040503050406030204" pitchFamily="18" charset="0"/>
                           </a:rPr>
                           <m:t>.</m:t>
                         </m:r>
@@ -4762,6 +4764,7 @@
                             <a:solidFill>
                               <a:srgbClr val="1E3272"/>
                             </a:solidFill>
+                            <a:latin typeface="Cambria Math" panose="02040503050406030204" pitchFamily="18" charset="0"/>
                           </a:rPr>
                           <m:t>𝟑</m:t>
                         </m:r>
@@ -4770,6 +4773,7 @@
                             <a:solidFill>
                               <a:srgbClr val="1E3272"/>
                             </a:solidFill>
+                            <a:latin typeface="Cambria Math" panose="02040503050406030204" pitchFamily="18" charset="0"/>
                           </a:rPr>
                           <m:t>∗</m:t>
                         </m:r>
@@ -4778,6 +4782,7 @@
                             <a:solidFill>
                               <a:srgbClr val="1E3272"/>
                             </a:solidFill>
+                            <a:latin typeface="Cambria Math" panose="02040503050406030204" pitchFamily="18" charset="0"/>
                           </a:rPr>
                           <m:t>𝟏𝟎</m:t>
                         </m:r>
@@ -4788,6 +4793,7 @@
                             <a:solidFill>
                               <a:srgbClr val="1E3272"/>
                             </a:solidFill>
+                            <a:latin typeface="Cambria Math" panose="02040503050406030204" pitchFamily="18" charset="0"/>
                           </a:rPr>
                           <m:t>𝟗</m:t>
                         </m:r>
@@ -4836,7 +4842,7 @@
             </p:txBody>
           </p:sp>
         </mc:Choice>
-        <mc:Fallback>
+        <mc:Fallback xmlns="">
           <p:sp>
             <p:nvSpPr>
               <p:cNvPr id="6" name="Rectangle 5"/>
@@ -4914,7 +4920,7 @@
       </p:grpSpPr>
       <p:sp>
         <p:nvSpPr>
-          <p:cNvPr id="2" name="Содержимое 1"/>
+          <p:cNvPr id="2" name="Content Placeholder 1"/>
           <p:cNvSpPr>
             <a:spLocks noGrp="1"/>
           </p:cNvSpPr>
@@ -4922,18 +4928,63 @@
             <p:ph idx="1"/>
           </p:nvPr>
         </p:nvSpPr>
-        <p:spPr/>
+        <p:spPr>
+          <a:xfrm>
+            <a:off x="838200" y="1178053"/>
+            <a:ext cx="7033591" cy="4997896"/>
+          </a:xfrm>
+        </p:spPr>
         <p:txBody>
-          <a:bodyPr/>
+          <a:bodyPr>
+            <a:noAutofit/>
+          </a:bodyPr>
           <a:lstStyle/>
           <a:p>
-            <a:endParaRPr lang="ru-RU"/>
+            <a:r>
+              <a:rPr lang="en-US" smtClean="0"/>
+              <a:t>Designed </a:t>
+            </a:r>
+            <a:r>
+              <a:rPr lang="en-US"/>
+              <a:t>by Charles Babbage from 1834 – 1871</a:t>
+            </a:r>
+          </a:p>
+          <a:p>
+            <a:r>
+              <a:rPr lang="en-US" smtClean="0"/>
+              <a:t>Built </a:t>
+            </a:r>
+            <a:r>
+              <a:rPr lang="en-US"/>
+              <a:t>from mechanical gears, where each gear represented a discrete value (</a:t>
+            </a:r>
+            <a:r>
+              <a:rPr lang="en-US"/>
+              <a:t>0-9</a:t>
+            </a:r>
+            <a:r>
+              <a:rPr lang="en-US" smtClean="0"/>
+              <a:t>)</a:t>
+            </a:r>
+          </a:p>
+          <a:p>
+            <a:r>
+              <a:rPr lang="en-US" smtClean="0"/>
+              <a:t>Programs provided as punched cards</a:t>
+            </a:r>
+            <a:endParaRPr lang="en-US"/>
+          </a:p>
+          <a:p>
+            <a:r>
+              <a:rPr lang="en-US" smtClean="0"/>
+              <a:t>Never finished due to technological restrictions</a:t>
+            </a:r>
           </a:p>
         </p:txBody>
       </p:sp>
       <p:sp>
         <p:nvSpPr>
-          <p:cNvPr id="3" name="Номер слайда 2"/>
+          <p:cNvPr id="3" name="Slide Number Placeholder 2"/>
           <p:cNvSpPr>
             <a:spLocks noGrp="1"/>
           </p:cNvSpPr>
@@ -4958,7 +5009,7 @@
       </p:sp>
       <p:sp>
         <p:nvSpPr>
-          <p:cNvPr id="4" name="Заголовок 3"/>
+          <p:cNvPr id="4" name="Title 3"/>
           <p:cNvSpPr>
             <a:spLocks noGrp="1"/>
           </p:cNvSpPr>
@@ -4972,14 +5023,76 @@
           <a:lstStyle/>
           <a:p>
             <a:r>
-              <a:rPr lang="en-US" dirty="0" smtClean="0"/>
-              <a:t>Brief History</a:t>
-            </a:r>
-            <a:endParaRPr lang="ru-RU" dirty="0"/>
+              <a:rPr lang="en-US" smtClean="0"/>
+              <a:t>History: </a:t>
+            </a:r>
+            <a:r>
+              <a:rPr lang="en-US"/>
+              <a:t>0</a:t>
+            </a:r>
+            <a:r>
+              <a:rPr lang="en-US" baseline="30000"/>
+              <a:t>th</a:t>
+            </a:r>
+            <a:r>
+              <a:rPr lang="en-US"/>
+              <a:t> </a:t>
+            </a:r>
+            <a:r>
+              <a:rPr lang="en-US" smtClean="0"/>
+              <a:t>Generation - Analytical Engine</a:t>
+            </a:r>
+            <a:endParaRPr lang="en-US"/>
           </a:p>
         </p:txBody>
       </p:sp>
+      <p:pic>
+        <p:nvPicPr>
+          <p:cNvPr id="1026" name="Picture 2" descr="https://upload.wikimedia.org/wikipedia/commons/thumb/a/ac/AnalyticalMachine_Babbage_London.jpg/800px-AnalyticalMachine_Babbage_London.jpg"/>
+          <p:cNvPicPr>
+            <a:picLocks noChangeAspect="1" noChangeArrowheads="1"/>
+          </p:cNvPicPr>
+          <p:nvPr/>
+        </p:nvPicPr>
+        <p:blipFill>
+          <a:blip r:embed="rId2">
+            <a:extLst>
+              <a:ext uri="{28A0092B-C50C-407E-A947-70E740481C1C}">
+                <a14:useLocalDpi xmlns:a14="http://schemas.microsoft.com/office/drawing/2010/main" val="0"/>
+              </a:ext>
+            </a:extLst>
+          </a:blip>
+          <a:srcRect/>
+          <a:stretch>
+            <a:fillRect/>
+          </a:stretch>
+        </p:blipFill>
+        <p:spPr bwMode="auto">
+          <a:xfrm>
+            <a:off x="7871791" y="1923590"/>
+            <a:ext cx="3429000" cy="3291840"/>
+          </a:xfrm>
+          <a:prstGeom prst="rect">
+            <a:avLst/>
+          </a:prstGeom>
+          <a:noFill/>
+          <a:extLst>
+            <a:ext uri="{909E8E84-426E-40DD-AFC4-6F175D3DCCD1}">
+              <a14:hiddenFill xmlns:a14="http://schemas.microsoft.com/office/drawing/2010/main">
+                <a:solidFill>
+                  <a:srgbClr val="FFFFFF"/>
+                </a:solidFill>
+              </a14:hiddenFill>
+            </a:ext>
+          </a:extLst>
+        </p:spPr>
+      </p:pic>
     </p:spTree>
+    <p:extLst>
+      <p:ext uri="{BB962C8B-B14F-4D97-AF65-F5344CB8AC3E}">
+        <p14:creationId xmlns:p14="http://schemas.microsoft.com/office/powerpoint/2010/main" val="1147934676"/>
+      </p:ext>
+    </p:extLst>
   </p:cSld>
   <p:clrMapOvr>
     <a:masterClrMapping/>
@@ -5013,6 +5126,50 @@
       </p:grpSpPr>
       <p:sp>
         <p:nvSpPr>
+          <p:cNvPr id="2" name="Содержимое 1"/>
+          <p:cNvSpPr>
+            <a:spLocks noGrp="1"/>
+          </p:cNvSpPr>
+          <p:nvPr>
+            <p:ph idx="1"/>
+          </p:nvPr>
+        </p:nvSpPr>
+        <p:spPr>
+          <a:xfrm>
+            <a:off x="838197" y="1178053"/>
+            <a:ext cx="5473151" cy="4997896"/>
+          </a:xfrm>
+        </p:spPr>
+        <p:txBody>
+          <a:bodyPr>
+            <a:normAutofit lnSpcReduction="10000"/>
+          </a:bodyPr>
+          <a:lstStyle/>
+          <a:p>
+            <a:r>
+              <a:rPr lang="en-US" smtClean="0"/>
+              <a:t>In 1945–55 first machines were created: Atanasoff–Berry computer, Z3, Colossus, ENIAC</a:t>
+            </a:r>
+          </a:p>
+          <a:p>
+            <a:r>
+              <a:rPr lang="en-US" smtClean="0"/>
+              <a:t>All programming was done in machine language by connecting boards and wires</a:t>
+            </a:r>
+          </a:p>
+          <a:p>
+            <a:r>
+              <a:rPr lang="en-US" smtClean="0"/>
+              <a:t>Stored program concept was formulated</a:t>
+            </a:r>
+          </a:p>
+          <a:p>
+            <a:endParaRPr lang="en-US" smtClean="0"/>
+          </a:p>
+        </p:txBody>
+      </p:sp>
+      <p:sp>
+        <p:nvSpPr>
           <p:cNvPr id="3" name="Номер слайда 2"/>
           <p:cNvSpPr>
             <a:spLocks noGrp="1"/>
@@ -5048,47 +5205,564 @@
         </p:nvSpPr>
         <p:spPr/>
         <p:txBody>
-          <a:bodyPr/>
+          <a:bodyPr>
+            <a:normAutofit/>
+          </a:bodyPr>
           <a:lstStyle/>
           <a:p>
             <a:r>
               <a:rPr lang="en-US" smtClean="0"/>
-              <a:t>Performance Growth Trend</a:t>
+              <a:t>History: </a:t>
+            </a:r>
+            <a:r>
+              <a:rPr lang="en-US"/>
+              <a:t>1</a:t>
+            </a:r>
+            <a:r>
+              <a:rPr lang="en-US" baseline="30000"/>
+              <a:t>st</a:t>
+            </a:r>
+            <a:r>
+              <a:rPr lang="en-US"/>
+              <a:t> </a:t>
+            </a:r>
+            <a:r>
+              <a:rPr lang="en-US" smtClean="0"/>
+              <a:t>Generation - </a:t>
+            </a:r>
+            <a:r>
+              <a:rPr lang="en-US"/>
+              <a:t>Vacuum </a:t>
+            </a:r>
+            <a:r>
+              <a:rPr lang="en-US" smtClean="0"/>
+              <a:t>Tubes</a:t>
             </a:r>
             <a:endParaRPr lang="ru-RU" dirty="0"/>
           </a:p>
         </p:txBody>
       </p:sp>
-      <p:pic>
-        <p:nvPicPr>
-          <p:cNvPr id="5" name="Picture 4"/>
-          <p:cNvPicPr>
-            <a:picLocks noChangeAspect="1"/>
-          </p:cNvPicPr>
+      <p:sp>
+        <p:nvSpPr>
+          <p:cNvPr id="6" name="Rectangle 5"/>
+          <p:cNvSpPr/>
           <p:nvPr/>
-        </p:nvPicPr>
-        <p:blipFill>
-          <a:blip r:embed="rId2"/>
-          <a:stretch>
-            <a:fillRect/>
-          </a:stretch>
-        </p:blipFill>
+        </p:nvSpPr>
         <p:spPr>
           <a:xfrm>
-            <a:off x="838200" y="1075020"/>
-            <a:ext cx="9893078" cy="5526947"/>
+            <a:off x="8142386" y="1289132"/>
+            <a:ext cx="1463065" cy="785192"/>
           </a:xfrm>
           <a:prstGeom prst="rect">
             <a:avLst/>
           </a:prstGeom>
+          <a:solidFill>
+            <a:srgbClr val="2F5CB5"/>
+          </a:solidFill>
         </p:spPr>
-      </p:pic>
+        <p:style>
+          <a:lnRef idx="2">
+            <a:schemeClr val="accent1">
+              <a:shade val="50000"/>
+            </a:schemeClr>
+          </a:lnRef>
+          <a:fillRef idx="1">
+            <a:schemeClr val="accent1"/>
+          </a:fillRef>
+          <a:effectRef idx="0">
+            <a:schemeClr val="accent1"/>
+          </a:effectRef>
+          <a:fontRef idx="minor">
+            <a:schemeClr val="lt1"/>
+          </a:fontRef>
+        </p:style>
+        <p:txBody>
+          <a:bodyPr rtlCol="0" anchor="ctr"/>
+          <a:lstStyle/>
+          <a:p>
+            <a:pPr algn="ctr"/>
+            <a:r>
+              <a:rPr lang="en-US" sz="3200" b="1" smtClean="0">
+                <a:solidFill>
+                  <a:srgbClr val="F7B217"/>
+                </a:solidFill>
+              </a:rPr>
+              <a:t>Input</a:t>
+            </a:r>
+            <a:endParaRPr lang="en-US" sz="3200" b="1">
+              <a:solidFill>
+                <a:srgbClr val="F7B217"/>
+              </a:solidFill>
+            </a:endParaRPr>
+          </a:p>
+        </p:txBody>
+      </p:sp>
+      <p:sp>
+        <p:nvSpPr>
+          <p:cNvPr id="8" name="Rectangle 7"/>
+          <p:cNvSpPr/>
+          <p:nvPr/>
+        </p:nvSpPr>
+        <p:spPr>
+          <a:xfrm>
+            <a:off x="8142387" y="5463909"/>
+            <a:ext cx="1463065" cy="785192"/>
+          </a:xfrm>
+          <a:prstGeom prst="rect">
+            <a:avLst/>
+          </a:prstGeom>
+          <a:solidFill>
+            <a:srgbClr val="2F5CB5"/>
+          </a:solidFill>
+        </p:spPr>
+        <p:style>
+          <a:lnRef idx="2">
+            <a:schemeClr val="accent1">
+              <a:shade val="50000"/>
+            </a:schemeClr>
+          </a:lnRef>
+          <a:fillRef idx="1">
+            <a:schemeClr val="accent1"/>
+          </a:fillRef>
+          <a:effectRef idx="0">
+            <a:schemeClr val="accent1"/>
+          </a:effectRef>
+          <a:fontRef idx="minor">
+            <a:schemeClr val="lt1"/>
+          </a:fontRef>
+        </p:style>
+        <p:txBody>
+          <a:bodyPr rtlCol="0" anchor="ctr"/>
+          <a:lstStyle/>
+          <a:p>
+            <a:pPr algn="ctr"/>
+            <a:r>
+              <a:rPr lang="en-US" sz="3200" b="1" smtClean="0">
+                <a:solidFill>
+                  <a:srgbClr val="F7B217"/>
+                </a:solidFill>
+              </a:rPr>
+              <a:t>Output</a:t>
+            </a:r>
+            <a:endParaRPr lang="en-US" sz="3200" b="1">
+              <a:solidFill>
+                <a:srgbClr val="F7B217"/>
+              </a:solidFill>
+            </a:endParaRPr>
+          </a:p>
+        </p:txBody>
+      </p:sp>
+      <p:sp>
+        <p:nvSpPr>
+          <p:cNvPr id="7" name="Rectangle 6"/>
+          <p:cNvSpPr/>
+          <p:nvPr/>
+        </p:nvSpPr>
+        <p:spPr>
+          <a:xfrm>
+            <a:off x="6391657" y="2506814"/>
+            <a:ext cx="4962144" cy="2504097"/>
+          </a:xfrm>
+          <a:prstGeom prst="rect">
+            <a:avLst/>
+          </a:prstGeom>
+          <a:noFill/>
+          <a:ln w="38100"/>
+        </p:spPr>
+        <p:style>
+          <a:lnRef idx="2">
+            <a:schemeClr val="accent1">
+              <a:shade val="50000"/>
+            </a:schemeClr>
+          </a:lnRef>
+          <a:fillRef idx="1">
+            <a:schemeClr val="accent1"/>
+          </a:fillRef>
+          <a:effectRef idx="0">
+            <a:schemeClr val="accent1"/>
+          </a:effectRef>
+          <a:fontRef idx="minor">
+            <a:schemeClr val="lt1"/>
+          </a:fontRef>
+        </p:style>
+        <p:txBody>
+          <a:bodyPr rtlCol="0" anchor="ctr"/>
+          <a:lstStyle/>
+          <a:p>
+            <a:pPr algn="ctr"/>
+            <a:endParaRPr lang="en-US"/>
+          </a:p>
+        </p:txBody>
+      </p:sp>
+      <p:cxnSp>
+        <p:nvCxnSpPr>
+          <p:cNvPr id="10" name="Straight Arrow Connector 9"/>
+          <p:cNvCxnSpPr>
+            <a:stCxn id="6" idx="2"/>
+            <a:endCxn id="7" idx="0"/>
+          </p:cNvCxnSpPr>
+          <p:nvPr/>
+        </p:nvCxnSpPr>
+        <p:spPr>
+          <a:xfrm flipH="1">
+            <a:off x="8872729" y="2074324"/>
+            <a:ext cx="1190" cy="432490"/>
+          </a:xfrm>
+          <a:prstGeom prst="straightConnector1">
+            <a:avLst/>
+          </a:prstGeom>
+          <a:ln w="38100">
+            <a:solidFill>
+              <a:srgbClr val="2F5CB5"/>
+            </a:solidFill>
+            <a:tailEnd type="triangle"/>
+          </a:ln>
+        </p:spPr>
+        <p:style>
+          <a:lnRef idx="1">
+            <a:schemeClr val="accent1"/>
+          </a:lnRef>
+          <a:fillRef idx="0">
+            <a:schemeClr val="accent1"/>
+          </a:fillRef>
+          <a:effectRef idx="0">
+            <a:schemeClr val="accent1"/>
+          </a:effectRef>
+          <a:fontRef idx="minor">
+            <a:schemeClr val="tx1"/>
+          </a:fontRef>
+        </p:style>
+      </p:cxnSp>
+      <p:cxnSp>
+        <p:nvCxnSpPr>
+          <p:cNvPr id="12" name="Straight Arrow Connector 11"/>
+          <p:cNvCxnSpPr>
+            <a:stCxn id="7" idx="2"/>
+            <a:endCxn id="8" idx="0"/>
+          </p:cNvCxnSpPr>
+          <p:nvPr/>
+        </p:nvCxnSpPr>
+        <p:spPr>
+          <a:xfrm>
+            <a:off x="8872729" y="5010911"/>
+            <a:ext cx="1191" cy="452998"/>
+          </a:xfrm>
+          <a:prstGeom prst="straightConnector1">
+            <a:avLst/>
+          </a:prstGeom>
+          <a:ln w="38100">
+            <a:solidFill>
+              <a:srgbClr val="2F5CB5"/>
+            </a:solidFill>
+            <a:tailEnd type="triangle"/>
+          </a:ln>
+        </p:spPr>
+        <p:style>
+          <a:lnRef idx="1">
+            <a:schemeClr val="accent1"/>
+          </a:lnRef>
+          <a:fillRef idx="0">
+            <a:schemeClr val="accent1"/>
+          </a:fillRef>
+          <a:effectRef idx="0">
+            <a:schemeClr val="accent1"/>
+          </a:effectRef>
+          <a:fontRef idx="minor">
+            <a:schemeClr val="tx1"/>
+          </a:fontRef>
+        </p:style>
+      </p:cxnSp>
+      <p:sp>
+        <p:nvSpPr>
+          <p:cNvPr id="14" name="Rectangle 13"/>
+          <p:cNvSpPr/>
+          <p:nvPr/>
+        </p:nvSpPr>
+        <p:spPr>
+          <a:xfrm>
+            <a:off x="9432233" y="2770632"/>
+            <a:ext cx="1749287" cy="2003729"/>
+          </a:xfrm>
+          <a:prstGeom prst="rect">
+            <a:avLst/>
+          </a:prstGeom>
+          <a:solidFill>
+            <a:srgbClr val="2F5CB5"/>
+          </a:solidFill>
+          <a:ln>
+            <a:solidFill>
+              <a:srgbClr val="2F5CB5"/>
+            </a:solidFill>
+          </a:ln>
+        </p:spPr>
+        <p:style>
+          <a:lnRef idx="2">
+            <a:schemeClr val="accent1">
+              <a:shade val="50000"/>
+            </a:schemeClr>
+          </a:lnRef>
+          <a:fillRef idx="1">
+            <a:schemeClr val="accent1"/>
+          </a:fillRef>
+          <a:effectRef idx="0">
+            <a:schemeClr val="accent1"/>
+          </a:effectRef>
+          <a:fontRef idx="minor">
+            <a:schemeClr val="lt1"/>
+          </a:fontRef>
+        </p:style>
+        <p:txBody>
+          <a:bodyPr rtlCol="0" anchor="ctr"/>
+          <a:lstStyle/>
+          <a:p>
+            <a:pPr algn="ctr"/>
+            <a:r>
+              <a:rPr lang="en-US" sz="3200" b="1" smtClean="0">
+                <a:solidFill>
+                  <a:srgbClr val="F7B217"/>
+                </a:solidFill>
+              </a:rPr>
+              <a:t>Memory</a:t>
+            </a:r>
+            <a:endParaRPr lang="en-US" sz="3200" b="1">
+              <a:solidFill>
+                <a:srgbClr val="F7B217"/>
+              </a:solidFill>
+            </a:endParaRPr>
+          </a:p>
+        </p:txBody>
+      </p:sp>
+      <p:sp>
+        <p:nvSpPr>
+          <p:cNvPr id="23" name="Rectangle 22"/>
+          <p:cNvSpPr/>
+          <p:nvPr/>
+        </p:nvSpPr>
+        <p:spPr>
+          <a:xfrm>
+            <a:off x="6599583" y="2770632"/>
+            <a:ext cx="2454965" cy="2003729"/>
+          </a:xfrm>
+          <a:prstGeom prst="rect">
+            <a:avLst/>
+          </a:prstGeom>
+          <a:solidFill>
+            <a:srgbClr val="2F5CB5"/>
+          </a:solidFill>
+          <a:ln>
+            <a:solidFill>
+              <a:srgbClr val="2F5CB5"/>
+            </a:solidFill>
+          </a:ln>
+        </p:spPr>
+        <p:style>
+          <a:lnRef idx="2">
+            <a:schemeClr val="accent1">
+              <a:shade val="50000"/>
+            </a:schemeClr>
+          </a:lnRef>
+          <a:fillRef idx="1">
+            <a:schemeClr val="accent1"/>
+          </a:fillRef>
+          <a:effectRef idx="0">
+            <a:schemeClr val="accent1"/>
+          </a:effectRef>
+          <a:fontRef idx="minor">
+            <a:schemeClr val="lt1"/>
+          </a:fontRef>
+        </p:style>
+        <p:txBody>
+          <a:bodyPr rtlCol="0" anchor="ctr"/>
+          <a:lstStyle/>
+          <a:p>
+            <a:pPr algn="ctr"/>
+            <a:endParaRPr lang="en-US"/>
+          </a:p>
+        </p:txBody>
+      </p:sp>
+      <p:cxnSp>
+        <p:nvCxnSpPr>
+          <p:cNvPr id="25" name="Straight Arrow Connector 24"/>
+          <p:cNvCxnSpPr/>
+          <p:nvPr/>
+        </p:nvCxnSpPr>
+        <p:spPr>
+          <a:xfrm flipV="1">
+            <a:off x="9054548" y="3339592"/>
+            <a:ext cx="377685" cy="3534"/>
+          </a:xfrm>
+          <a:prstGeom prst="straightConnector1">
+            <a:avLst/>
+          </a:prstGeom>
+          <a:ln w="38100">
+            <a:solidFill>
+              <a:srgbClr val="2F5CB5"/>
+            </a:solidFill>
+            <a:tailEnd type="triangle"/>
+          </a:ln>
+        </p:spPr>
+        <p:style>
+          <a:lnRef idx="1">
+            <a:schemeClr val="accent1"/>
+          </a:lnRef>
+          <a:fillRef idx="0">
+            <a:schemeClr val="accent1"/>
+          </a:fillRef>
+          <a:effectRef idx="0">
+            <a:schemeClr val="accent1"/>
+          </a:effectRef>
+          <a:fontRef idx="minor">
+            <a:schemeClr val="tx1"/>
+          </a:fontRef>
+        </p:style>
+      </p:cxnSp>
+      <p:cxnSp>
+        <p:nvCxnSpPr>
+          <p:cNvPr id="29" name="Straight Arrow Connector 28"/>
+          <p:cNvCxnSpPr/>
+          <p:nvPr/>
+        </p:nvCxnSpPr>
+        <p:spPr>
+          <a:xfrm flipH="1" flipV="1">
+            <a:off x="9054548" y="4187952"/>
+            <a:ext cx="377685" cy="5080"/>
+          </a:xfrm>
+          <a:prstGeom prst="straightConnector1">
+            <a:avLst/>
+          </a:prstGeom>
+          <a:ln w="38100">
+            <a:solidFill>
+              <a:srgbClr val="2F5CB5"/>
+            </a:solidFill>
+            <a:tailEnd type="triangle"/>
+          </a:ln>
+        </p:spPr>
+        <p:style>
+          <a:lnRef idx="1">
+            <a:schemeClr val="accent1"/>
+          </a:lnRef>
+          <a:fillRef idx="0">
+            <a:schemeClr val="accent1"/>
+          </a:fillRef>
+          <a:effectRef idx="0">
+            <a:schemeClr val="accent1"/>
+          </a:effectRef>
+          <a:fontRef idx="minor">
+            <a:schemeClr val="tx1"/>
+          </a:fontRef>
+        </p:style>
+      </p:cxnSp>
+      <p:sp>
+        <p:nvSpPr>
+          <p:cNvPr id="37" name="Rectangle 36"/>
+          <p:cNvSpPr/>
+          <p:nvPr/>
+        </p:nvSpPr>
+        <p:spPr>
+          <a:xfrm>
+            <a:off x="6894577" y="2916936"/>
+            <a:ext cx="1871736" cy="679544"/>
+          </a:xfrm>
+          <a:prstGeom prst="rect">
+            <a:avLst/>
+          </a:prstGeom>
+          <a:solidFill>
+            <a:srgbClr val="F7B217"/>
+          </a:solidFill>
+        </p:spPr>
+        <p:style>
+          <a:lnRef idx="2">
+            <a:schemeClr val="accent1">
+              <a:shade val="50000"/>
+            </a:schemeClr>
+          </a:lnRef>
+          <a:fillRef idx="1">
+            <a:schemeClr val="accent1"/>
+          </a:fillRef>
+          <a:effectRef idx="0">
+            <a:schemeClr val="accent1"/>
+          </a:effectRef>
+          <a:fontRef idx="minor">
+            <a:schemeClr val="lt1"/>
+          </a:fontRef>
+        </p:style>
+        <p:txBody>
+          <a:bodyPr rtlCol="0" anchor="ctr"/>
+          <a:lstStyle/>
+          <a:p>
+            <a:pPr algn="ctr"/>
+            <a:r>
+              <a:rPr lang="en-US" sz="2000" b="1" smtClean="0">
+                <a:solidFill>
+                  <a:srgbClr val="2F5CB5"/>
+                </a:solidFill>
+              </a:rPr>
+              <a:t>Arithmetical / Logic Unit</a:t>
+            </a:r>
+            <a:endParaRPr lang="en-US" sz="2000" b="1">
+              <a:solidFill>
+                <a:srgbClr val="2F5CB5"/>
+              </a:solidFill>
+            </a:endParaRPr>
+          </a:p>
+        </p:txBody>
+      </p:sp>
+      <p:sp>
+        <p:nvSpPr>
+          <p:cNvPr id="39" name="Rectangle 38"/>
+          <p:cNvSpPr/>
+          <p:nvPr/>
+        </p:nvSpPr>
+        <p:spPr>
+          <a:xfrm>
+            <a:off x="6891197" y="3851438"/>
+            <a:ext cx="1871736" cy="720562"/>
+          </a:xfrm>
+          <a:prstGeom prst="rect">
+            <a:avLst/>
+          </a:prstGeom>
+          <a:solidFill>
+            <a:srgbClr val="F7B217"/>
+          </a:solidFill>
+        </p:spPr>
+        <p:style>
+          <a:lnRef idx="2">
+            <a:schemeClr val="accent1">
+              <a:shade val="50000"/>
+            </a:schemeClr>
+          </a:lnRef>
+          <a:fillRef idx="1">
+            <a:schemeClr val="accent1"/>
+          </a:fillRef>
+          <a:effectRef idx="0">
+            <a:schemeClr val="accent1"/>
+          </a:effectRef>
+          <a:fontRef idx="minor">
+            <a:schemeClr val="lt1"/>
+          </a:fontRef>
+        </p:style>
+        <p:txBody>
+          <a:bodyPr rtlCol="0" anchor="ctr"/>
+          <a:lstStyle/>
+          <a:p>
+            <a:pPr algn="ctr"/>
+            <a:r>
+              <a:rPr lang="en-US" sz="2000" b="1" smtClean="0">
+                <a:solidFill>
+                  <a:srgbClr val="2F5CB5"/>
+                </a:solidFill>
+              </a:rPr>
+              <a:t>Control Unit</a:t>
+            </a:r>
+            <a:endParaRPr lang="en-US" sz="2000" b="1">
+              <a:solidFill>
+                <a:srgbClr val="2F5CB5"/>
+              </a:solidFill>
+            </a:endParaRPr>
+          </a:p>
+        </p:txBody>
+      </p:sp>
     </p:spTree>
-    <p:extLst>
-      <p:ext uri="{BB962C8B-B14F-4D97-AF65-F5344CB8AC3E}">
-        <p14:creationId xmlns:p14="http://schemas.microsoft.com/office/powerpoint/2010/main" val="1974197127"/>
-      </p:ext>
-    </p:extLst>
   </p:cSld>
   <p:clrMapOvr>
     <a:masterClrMapping/>
@@ -5122,6 +5796,698 @@
       </p:grpSpPr>
       <p:sp>
         <p:nvSpPr>
+          <p:cNvPr id="2" name="Content Placeholder 1"/>
+          <p:cNvSpPr>
+            <a:spLocks noGrp="1"/>
+          </p:cNvSpPr>
+          <p:nvPr>
+            <p:ph idx="1"/>
+          </p:nvPr>
+        </p:nvSpPr>
+        <p:spPr/>
+        <p:txBody>
+          <a:bodyPr/>
+          <a:lstStyle/>
+          <a:p>
+            <a:r>
+              <a:rPr lang="en-US" b="1"/>
+              <a:t>1955–65: 2</a:t>
+            </a:r>
+            <a:r>
+              <a:rPr lang="en-US" b="1" baseline="30000"/>
+              <a:t>nd</a:t>
+            </a:r>
+            <a:r>
+              <a:rPr lang="en-US" b="1"/>
+              <a:t> Generation. Transistors and Batch Systems.</a:t>
+            </a:r>
+          </a:p>
+          <a:p>
+            <a:r>
+              <a:rPr lang="en-US" b="1"/>
+              <a:t>1965–1980: 3</a:t>
+            </a:r>
+            <a:r>
+              <a:rPr lang="en-US" b="1" baseline="30000"/>
+              <a:t>rd</a:t>
+            </a:r>
+            <a:r>
+              <a:rPr lang="en-US" b="1"/>
+              <a:t> Generation. ICs and Multiprogramming.</a:t>
+            </a:r>
+          </a:p>
+          <a:p>
+            <a:r>
+              <a:rPr lang="en-US" b="1"/>
+              <a:t>1980–Present: 4</a:t>
+            </a:r>
+            <a:r>
+              <a:rPr lang="en-US" b="1" baseline="30000"/>
+              <a:t>th</a:t>
+            </a:r>
+            <a:r>
+              <a:rPr lang="en-US" b="1"/>
+              <a:t> Generation. Personal Computers.</a:t>
+            </a:r>
+          </a:p>
+          <a:p>
+            <a:r>
+              <a:rPr lang="en-US" b="1"/>
+              <a:t>1990–Present: 5</a:t>
+            </a:r>
+            <a:r>
+              <a:rPr lang="en-US" b="1" baseline="30000"/>
+              <a:t>th</a:t>
+            </a:r>
+            <a:r>
+              <a:rPr lang="en-US" b="1"/>
+              <a:t> Generation. Mobile Computers.</a:t>
+            </a:r>
+            <a:endParaRPr lang="ru-RU" b="1"/>
+          </a:p>
+          <a:p>
+            <a:endParaRPr lang="en-US"/>
+          </a:p>
+        </p:txBody>
+      </p:sp>
+      <p:sp>
+        <p:nvSpPr>
+          <p:cNvPr id="3" name="Slide Number Placeholder 2"/>
+          <p:cNvSpPr>
+            <a:spLocks noGrp="1"/>
+          </p:cNvSpPr>
+          <p:nvPr>
+            <p:ph type="sldNum" sz="quarter" idx="12"/>
+          </p:nvPr>
+        </p:nvSpPr>
+        <p:spPr/>
+        <p:txBody>
+          <a:bodyPr/>
+          <a:lstStyle/>
+          <a:p>
+            <a:pPr algn="ctr"/>
+            <a:fld id="{1397BFD8-F312-4EF2-A268-44FB4BDDBBB0}" type="slidenum">
+              <a:rPr lang="ru-RU" smtClean="0"/>
+              <a:pPr algn="ctr"/>
+              <a:t>13</a:t>
+            </a:fld>
+            <a:endParaRPr lang="ru-RU" dirty="0"/>
+          </a:p>
+        </p:txBody>
+      </p:sp>
+      <p:sp>
+        <p:nvSpPr>
+          <p:cNvPr id="4" name="Title 3"/>
+          <p:cNvSpPr>
+            <a:spLocks noGrp="1"/>
+          </p:cNvSpPr>
+          <p:nvPr>
+            <p:ph type="title"/>
+          </p:nvPr>
+        </p:nvSpPr>
+        <p:spPr/>
+        <p:txBody>
+          <a:bodyPr/>
+          <a:lstStyle/>
+          <a:p>
+            <a:endParaRPr lang="en-US"/>
+          </a:p>
+        </p:txBody>
+      </p:sp>
+    </p:spTree>
+    <p:extLst>
+      <p:ext uri="{BB962C8B-B14F-4D97-AF65-F5344CB8AC3E}">
+        <p14:creationId xmlns:p14="http://schemas.microsoft.com/office/powerpoint/2010/main" val="3856844071"/>
+      </p:ext>
+    </p:extLst>
+  </p:cSld>
+  <p:clrMapOvr>
+    <a:masterClrMapping/>
+  </p:clrMapOvr>
+</p:sld>
+</file>
+
+<file path=ppt/slides/slide14.xml><?xml version="1.0" encoding="utf-8"?>
+<p:sld xmlns:a="http://schemas.openxmlformats.org/drawingml/2006/main" xmlns:r="http://schemas.openxmlformats.org/officeDocument/2006/relationships" xmlns:p="http://schemas.openxmlformats.org/presentationml/2006/main">
+  <p:cSld>
+    <p:spTree>
+      <p:nvGrpSpPr>
+        <p:cNvPr id="1" name=""/>
+        <p:cNvGrpSpPr/>
+        <p:nvPr/>
+      </p:nvGrpSpPr>
+      <p:grpSpPr>
+        <a:xfrm>
+          <a:off x="0" y="0"/>
+          <a:ext cx="0" cy="0"/>
+          <a:chOff x="0" y="0"/>
+          <a:chExt cx="0" cy="0"/>
+        </a:xfrm>
+      </p:grpSpPr>
+      <p:sp>
+        <p:nvSpPr>
+          <p:cNvPr id="2" name="Content Placeholder 1"/>
+          <p:cNvSpPr>
+            <a:spLocks noGrp="1"/>
+          </p:cNvSpPr>
+          <p:nvPr>
+            <p:ph idx="1"/>
+          </p:nvPr>
+        </p:nvSpPr>
+        <p:spPr>
+          <a:xfrm>
+            <a:off x="838200" y="1178053"/>
+            <a:ext cx="6407426" cy="4997896"/>
+          </a:xfrm>
+        </p:spPr>
+        <p:txBody>
+          <a:bodyPr/>
+          <a:lstStyle/>
+          <a:p>
+            <a:pPr>
+              <a:spcBef>
+                <a:spcPct val="20000"/>
+              </a:spcBef>
+            </a:pPr>
+            <a:r>
+              <a:rPr lang="en-US"/>
+              <a:t>Cofounded Intel in 1968 with Robert Noyce. </a:t>
+            </a:r>
+          </a:p>
+          <a:p>
+            <a:pPr>
+              <a:spcBef>
+                <a:spcPct val="20000"/>
+              </a:spcBef>
+            </a:pPr>
+            <a:r>
+              <a:rPr lang="en-US" b="1"/>
+              <a:t>Moore’s Law:</a:t>
+            </a:r>
+            <a:r>
+              <a:rPr lang="en-US"/>
+              <a:t> number of transistors on a computer chip doubles every year (observed in 1965)</a:t>
+            </a:r>
+          </a:p>
+          <a:p>
+            <a:pPr>
+              <a:spcBef>
+                <a:spcPct val="20000"/>
+              </a:spcBef>
+            </a:pPr>
+            <a:r>
+              <a:rPr lang="en-US"/>
+              <a:t>Since 1975, transistor counts have doubled every two years.</a:t>
+            </a:r>
+          </a:p>
+          <a:p>
+            <a:endParaRPr lang="en-US"/>
+          </a:p>
+        </p:txBody>
+      </p:sp>
+      <p:sp>
+        <p:nvSpPr>
+          <p:cNvPr id="3" name="Slide Number Placeholder 2"/>
+          <p:cNvSpPr>
+            <a:spLocks noGrp="1"/>
+          </p:cNvSpPr>
+          <p:nvPr>
+            <p:ph type="sldNum" sz="quarter" idx="12"/>
+          </p:nvPr>
+        </p:nvSpPr>
+        <p:spPr/>
+        <p:txBody>
+          <a:bodyPr/>
+          <a:lstStyle/>
+          <a:p>
+            <a:pPr algn="ctr"/>
+            <a:fld id="{1397BFD8-F312-4EF2-A268-44FB4BDDBBB0}" type="slidenum">
+              <a:rPr lang="ru-RU" smtClean="0"/>
+              <a:pPr algn="ctr"/>
+              <a:t>14</a:t>
+            </a:fld>
+            <a:endParaRPr lang="ru-RU" dirty="0"/>
+          </a:p>
+        </p:txBody>
+      </p:sp>
+      <p:sp>
+        <p:nvSpPr>
+          <p:cNvPr id="4" name="Title 3"/>
+          <p:cNvSpPr>
+            <a:spLocks noGrp="1"/>
+          </p:cNvSpPr>
+          <p:nvPr>
+            <p:ph type="title"/>
+          </p:nvPr>
+        </p:nvSpPr>
+        <p:spPr/>
+        <p:txBody>
+          <a:bodyPr/>
+          <a:lstStyle/>
+          <a:p>
+            <a:r>
+              <a:rPr lang="en-US" smtClean="0"/>
+              <a:t>Gordon Moore</a:t>
+            </a:r>
+            <a:endParaRPr lang="en-US"/>
+          </a:p>
+        </p:txBody>
+      </p:sp>
+      <p:pic>
+        <p:nvPicPr>
+          <p:cNvPr id="5" name="Picture 7"/>
+          <p:cNvPicPr>
+            <a:picLocks noChangeAspect="1" noChangeArrowheads="1"/>
+          </p:cNvPicPr>
+          <p:nvPr>
+            <p:custDataLst>
+              <p:tags r:id="rId1"/>
+            </p:custDataLst>
+          </p:nvPr>
+        </p:nvPicPr>
+        <p:blipFill>
+          <a:blip r:embed="rId3">
+            <a:extLst>
+              <a:ext uri="{28A0092B-C50C-407E-A947-70E740481C1C}">
+                <a14:useLocalDpi xmlns:a14="http://schemas.microsoft.com/office/drawing/2010/main" val="0"/>
+              </a:ext>
+            </a:extLst>
+          </a:blip>
+          <a:srcRect/>
+          <a:stretch>
+            <a:fillRect/>
+          </a:stretch>
+        </p:blipFill>
+        <p:spPr bwMode="auto">
+          <a:xfrm>
+            <a:off x="7759781" y="1288774"/>
+            <a:ext cx="3016250" cy="4295775"/>
+          </a:xfrm>
+          <a:prstGeom prst="rect">
+            <a:avLst/>
+          </a:prstGeom>
+          <a:noFill/>
+          <a:ln>
+            <a:noFill/>
+          </a:ln>
+          <a:effectLst/>
+          <a:extLst>
+            <a:ext uri="{909E8E84-426E-40DD-AFC4-6F175D3DCCD1}">
+              <a14:hiddenFill xmlns:a14="http://schemas.microsoft.com/office/drawing/2010/main">
+                <a:solidFill>
+                  <a:schemeClr val="accent1"/>
+                </a:solidFill>
+              </a14:hiddenFill>
+            </a:ext>
+            <a:ext uri="{91240B29-F687-4F45-9708-019B960494DF}">
+              <a14:hiddenLine xmlns:a14="http://schemas.microsoft.com/office/drawing/2010/main" w="9525">
+                <a:solidFill>
+                  <a:schemeClr val="tx1"/>
+                </a:solidFill>
+                <a:miter lim="800000"/>
+                <a:headEnd/>
+                <a:tailEnd/>
+              </a14:hiddenLine>
+            </a:ext>
+            <a:ext uri="{AF507438-7753-43E0-B8FC-AC1667EBCBE1}">
+              <a14:hiddenEffects xmlns:a14="http://schemas.microsoft.com/office/drawing/2010/main">
+                <a:effectLst>
+                  <a:outerShdw dist="35921" dir="2700000" algn="ctr" rotWithShape="0">
+                    <a:schemeClr val="bg2"/>
+                  </a:outerShdw>
+                </a:effectLst>
+              </a14:hiddenEffects>
+            </a:ext>
+          </a:extLst>
+        </p:spPr>
+      </p:pic>
+    </p:spTree>
+    <p:extLst>
+      <p:ext uri="{BB962C8B-B14F-4D97-AF65-F5344CB8AC3E}">
+        <p14:creationId xmlns:p14="http://schemas.microsoft.com/office/powerpoint/2010/main" val="2257832631"/>
+      </p:ext>
+    </p:extLst>
+  </p:cSld>
+  <p:clrMapOvr>
+    <a:masterClrMapping/>
+  </p:clrMapOvr>
+  <p:timing>
+    <p:tnLst>
+      <p:par>
+        <p:cTn id="1" dur="indefinite" restart="never" nodeType="tmRoot"/>
+      </p:par>
+    </p:tnLst>
+  </p:timing>
+</p:sld>
+</file>
+
+<file path=ppt/slides/slide15.xml><?xml version="1.0" encoding="utf-8"?>
+<p:sld xmlns:a="http://schemas.openxmlformats.org/drawingml/2006/main" xmlns:r="http://schemas.openxmlformats.org/officeDocument/2006/relationships" xmlns:p="http://schemas.openxmlformats.org/presentationml/2006/main">
+  <p:cSld>
+    <p:spTree>
+      <p:nvGrpSpPr>
+        <p:cNvPr id="1" name=""/>
+        <p:cNvGrpSpPr/>
+        <p:nvPr/>
+      </p:nvGrpSpPr>
+      <p:grpSpPr>
+        <a:xfrm>
+          <a:off x="0" y="0"/>
+          <a:ext cx="0" cy="0"/>
+          <a:chOff x="0" y="0"/>
+          <a:chExt cx="0" cy="0"/>
+        </a:xfrm>
+      </p:grpSpPr>
+      <p:sp>
+        <p:nvSpPr>
+          <p:cNvPr id="3" name="Номер слайда 2"/>
+          <p:cNvSpPr>
+            <a:spLocks noGrp="1"/>
+          </p:cNvSpPr>
+          <p:nvPr>
+            <p:ph type="sldNum" sz="quarter" idx="12"/>
+          </p:nvPr>
+        </p:nvSpPr>
+        <p:spPr/>
+        <p:txBody>
+          <a:bodyPr/>
+          <a:lstStyle/>
+          <a:p>
+            <a:pPr algn="ctr"/>
+            <a:fld id="{1397BFD8-F312-4EF2-A268-44FB4BDDBBB0}" type="slidenum">
+              <a:rPr lang="ru-RU" smtClean="0"/>
+              <a:pPr algn="ctr"/>
+              <a:t>15</a:t>
+            </a:fld>
+            <a:endParaRPr lang="ru-RU" dirty="0"/>
+          </a:p>
+        </p:txBody>
+      </p:sp>
+      <p:sp>
+        <p:nvSpPr>
+          <p:cNvPr id="4" name="Заголовок 3"/>
+          <p:cNvSpPr>
+            <a:spLocks noGrp="1"/>
+          </p:cNvSpPr>
+          <p:nvPr>
+            <p:ph type="title"/>
+          </p:nvPr>
+        </p:nvSpPr>
+        <p:spPr/>
+        <p:txBody>
+          <a:bodyPr/>
+          <a:lstStyle/>
+          <a:p>
+            <a:r>
+              <a:rPr lang="en-US" smtClean="0"/>
+              <a:t>Single Core Performance</a:t>
+            </a:r>
+            <a:endParaRPr lang="ru-RU" dirty="0"/>
+          </a:p>
+        </p:txBody>
+      </p:sp>
+      <p:pic>
+        <p:nvPicPr>
+          <p:cNvPr id="5" name="Picture 4"/>
+          <p:cNvPicPr>
+            <a:picLocks noChangeAspect="1"/>
+          </p:cNvPicPr>
+          <p:nvPr/>
+        </p:nvPicPr>
+        <p:blipFill>
+          <a:blip r:embed="rId2"/>
+          <a:stretch>
+            <a:fillRect/>
+          </a:stretch>
+        </p:blipFill>
+        <p:spPr>
+          <a:xfrm>
+            <a:off x="1269160" y="1029301"/>
+            <a:ext cx="9371076" cy="5235321"/>
+          </a:xfrm>
+          <a:prstGeom prst="rect">
+            <a:avLst/>
+          </a:prstGeom>
+        </p:spPr>
+      </p:pic>
+      <p:sp>
+        <p:nvSpPr>
+          <p:cNvPr id="6" name="AutoShape 7"/>
+          <p:cNvSpPr>
+            <a:spLocks/>
+          </p:cNvSpPr>
+          <p:nvPr/>
+        </p:nvSpPr>
+        <p:spPr bwMode="auto">
+          <a:xfrm>
+            <a:off x="2508802" y="6371263"/>
+            <a:ext cx="7174395" cy="331969"/>
+          </a:xfrm>
+          <a:prstGeom prst="borderCallout1">
+            <a:avLst>
+              <a:gd name="adj1" fmla="val -18326"/>
+              <a:gd name="adj2" fmla="val 90883"/>
+              <a:gd name="adj3" fmla="val -468578"/>
+              <a:gd name="adj4" fmla="val 105938"/>
+            </a:avLst>
+          </a:prstGeom>
+          <a:solidFill>
+            <a:schemeClr val="accent1"/>
+          </a:solidFill>
+          <a:ln w="25400">
+            <a:solidFill>
+              <a:schemeClr val="tx1"/>
+            </a:solidFill>
+            <a:miter lim="800000"/>
+            <a:headEnd/>
+            <a:tailEnd type="triangle" w="med" len="med"/>
+          </a:ln>
+        </p:spPr>
+        <p:txBody>
+          <a:bodyPr/>
+          <a:lstStyle>
+            <a:lvl1pPr>
+              <a:spcBef>
+                <a:spcPct val="20000"/>
+              </a:spcBef>
+              <a:buClr>
+                <a:schemeClr val="folHlink"/>
+              </a:buClr>
+              <a:buSzPct val="60000"/>
+              <a:buFont typeface="Wingdings" panose="05000000000000000000" pitchFamily="2" charset="2"/>
+              <a:buChar char="n"/>
+              <a:defRPr sz="3200">
+                <a:solidFill>
+                  <a:schemeClr val="tx1"/>
+                </a:solidFill>
+                <a:latin typeface="Arial" panose="020B0604020202020204" pitchFamily="34" charset="0"/>
+              </a:defRPr>
+            </a:lvl1pPr>
+            <a:lvl2pPr marL="742950" indent="-285750">
+              <a:spcBef>
+                <a:spcPct val="20000"/>
+              </a:spcBef>
+              <a:buClr>
+                <a:schemeClr val="hlink"/>
+              </a:buClr>
+              <a:buSzPct val="55000"/>
+              <a:buFont typeface="Wingdings" panose="05000000000000000000" pitchFamily="2" charset="2"/>
+              <a:buChar char="n"/>
+              <a:defRPr sz="2800">
+                <a:solidFill>
+                  <a:schemeClr val="tx1"/>
+                </a:solidFill>
+                <a:latin typeface="Arial" panose="020B0604020202020204" pitchFamily="34" charset="0"/>
+              </a:defRPr>
+            </a:lvl2pPr>
+            <a:lvl3pPr marL="1143000" indent="-228600">
+              <a:spcBef>
+                <a:spcPct val="20000"/>
+              </a:spcBef>
+              <a:buClr>
+                <a:schemeClr val="folHlink"/>
+              </a:buClr>
+              <a:buSzPct val="50000"/>
+              <a:buFont typeface="Wingdings" panose="05000000000000000000" pitchFamily="2" charset="2"/>
+              <a:buChar char="n"/>
+              <a:defRPr sz="2400">
+                <a:solidFill>
+                  <a:schemeClr val="tx1"/>
+                </a:solidFill>
+                <a:latin typeface="Arial" panose="020B0604020202020204" pitchFamily="34" charset="0"/>
+              </a:defRPr>
+            </a:lvl3pPr>
+            <a:lvl4pPr marL="1600200" indent="-228600">
+              <a:spcBef>
+                <a:spcPct val="20000"/>
+              </a:spcBef>
+              <a:buClr>
+                <a:schemeClr val="accent2"/>
+              </a:buClr>
+              <a:buSzPct val="55000"/>
+              <a:buFont typeface="Wingdings" panose="05000000000000000000" pitchFamily="2" charset="2"/>
+              <a:buChar char="n"/>
+              <a:defRPr sz="2000">
+                <a:solidFill>
+                  <a:schemeClr val="tx1"/>
+                </a:solidFill>
+                <a:latin typeface="Arial" panose="020B0604020202020204" pitchFamily="34" charset="0"/>
+              </a:defRPr>
+            </a:lvl4pPr>
+            <a:lvl5pPr marL="2057400" indent="-228600">
+              <a:spcBef>
+                <a:spcPct val="20000"/>
+              </a:spcBef>
+              <a:buClr>
+                <a:schemeClr val="accent1"/>
+              </a:buClr>
+              <a:buSzPct val="50000"/>
+              <a:buFont typeface="Wingdings" panose="05000000000000000000" pitchFamily="2" charset="2"/>
+              <a:buChar char="n"/>
+              <a:defRPr sz="2000">
+                <a:solidFill>
+                  <a:schemeClr val="tx1"/>
+                </a:solidFill>
+                <a:latin typeface="Arial" panose="020B0604020202020204" pitchFamily="34" charset="0"/>
+              </a:defRPr>
+            </a:lvl5pPr>
+            <a:lvl6pPr marL="2514600" indent="-228600" eaLnBrk="0" fontAlgn="base" hangingPunct="0">
+              <a:spcBef>
+                <a:spcPct val="20000"/>
+              </a:spcBef>
+              <a:spcAft>
+                <a:spcPct val="0"/>
+              </a:spcAft>
+              <a:buClr>
+                <a:schemeClr val="accent1"/>
+              </a:buClr>
+              <a:buSzPct val="50000"/>
+              <a:buFont typeface="Wingdings" panose="05000000000000000000" pitchFamily="2" charset="2"/>
+              <a:buChar char="n"/>
+              <a:defRPr sz="2000">
+                <a:solidFill>
+                  <a:schemeClr val="tx1"/>
+                </a:solidFill>
+                <a:latin typeface="Arial" panose="020B0604020202020204" pitchFamily="34" charset="0"/>
+              </a:defRPr>
+            </a:lvl6pPr>
+            <a:lvl7pPr marL="2971800" indent="-228600" eaLnBrk="0" fontAlgn="base" hangingPunct="0">
+              <a:spcBef>
+                <a:spcPct val="20000"/>
+              </a:spcBef>
+              <a:spcAft>
+                <a:spcPct val="0"/>
+              </a:spcAft>
+              <a:buClr>
+                <a:schemeClr val="accent1"/>
+              </a:buClr>
+              <a:buSzPct val="50000"/>
+              <a:buFont typeface="Wingdings" panose="05000000000000000000" pitchFamily="2" charset="2"/>
+              <a:buChar char="n"/>
+              <a:defRPr sz="2000">
+                <a:solidFill>
+                  <a:schemeClr val="tx1"/>
+                </a:solidFill>
+                <a:latin typeface="Arial" panose="020B0604020202020204" pitchFamily="34" charset="0"/>
+              </a:defRPr>
+            </a:lvl7pPr>
+            <a:lvl8pPr marL="3429000" indent="-228600" eaLnBrk="0" fontAlgn="base" hangingPunct="0">
+              <a:spcBef>
+                <a:spcPct val="20000"/>
+              </a:spcBef>
+              <a:spcAft>
+                <a:spcPct val="0"/>
+              </a:spcAft>
+              <a:buClr>
+                <a:schemeClr val="accent1"/>
+              </a:buClr>
+              <a:buSzPct val="50000"/>
+              <a:buFont typeface="Wingdings" panose="05000000000000000000" pitchFamily="2" charset="2"/>
+              <a:buChar char="n"/>
+              <a:defRPr sz="2000">
+                <a:solidFill>
+                  <a:schemeClr val="tx1"/>
+                </a:solidFill>
+                <a:latin typeface="Arial" panose="020B0604020202020204" pitchFamily="34" charset="0"/>
+              </a:defRPr>
+            </a:lvl8pPr>
+            <a:lvl9pPr marL="3886200" indent="-228600" eaLnBrk="0" fontAlgn="base" hangingPunct="0">
+              <a:spcBef>
+                <a:spcPct val="20000"/>
+              </a:spcBef>
+              <a:spcAft>
+                <a:spcPct val="0"/>
+              </a:spcAft>
+              <a:buClr>
+                <a:schemeClr val="accent1"/>
+              </a:buClr>
+              <a:buSzPct val="50000"/>
+              <a:buFont typeface="Wingdings" panose="05000000000000000000" pitchFamily="2" charset="2"/>
+              <a:buChar char="n"/>
+              <a:defRPr sz="2000">
+                <a:solidFill>
+                  <a:schemeClr val="tx1"/>
+                </a:solidFill>
+                <a:latin typeface="Arial" panose="020B0604020202020204" pitchFamily="34" charset="0"/>
+              </a:defRPr>
+            </a:lvl9pPr>
+          </a:lstStyle>
+          <a:p>
+            <a:pPr algn="ctr">
+              <a:spcBef>
+                <a:spcPct val="50000"/>
+              </a:spcBef>
+              <a:buClrTx/>
+              <a:buSzTx/>
+              <a:buFontTx/>
+              <a:buNone/>
+            </a:pPr>
+            <a:r>
+              <a:rPr lang="en-AU" altLang="en-US" sz="1800"/>
+              <a:t>Constrained by power, instruction-level parallelism, memory latency</a:t>
+            </a:r>
+          </a:p>
+        </p:txBody>
+      </p:sp>
+    </p:spTree>
+    <p:extLst>
+      <p:ext uri="{BB962C8B-B14F-4D97-AF65-F5344CB8AC3E}">
+        <p14:creationId xmlns:p14="http://schemas.microsoft.com/office/powerpoint/2010/main" val="1974197127"/>
+      </p:ext>
+    </p:extLst>
+  </p:cSld>
+  <p:clrMapOvr>
+    <a:masterClrMapping/>
+  </p:clrMapOvr>
+  <p:timing>
+    <p:tnLst>
+      <p:par>
+        <p:cTn id="1" dur="indefinite" restart="never" nodeType="tmRoot"/>
+      </p:par>
+    </p:tnLst>
+  </p:timing>
+</p:sld>
+</file>
+
+<file path=ppt/slides/slide16.xml><?xml version="1.0" encoding="utf-8"?>
+<p:sld xmlns:a="http://schemas.openxmlformats.org/drawingml/2006/main" xmlns:r="http://schemas.openxmlformats.org/officeDocument/2006/relationships" xmlns:p="http://schemas.openxmlformats.org/presentationml/2006/main">
+  <p:cSld>
+    <p:spTree>
+      <p:nvGrpSpPr>
+        <p:cNvPr id="1" name=""/>
+        <p:cNvGrpSpPr/>
+        <p:nvPr/>
+      </p:nvGrpSpPr>
+      <p:grpSpPr>
+        <a:xfrm>
+          <a:off x="0" y="0"/>
+          <a:ext cx="0" cy="0"/>
+          <a:chOff x="0" y="0"/>
+          <a:chExt cx="0" cy="0"/>
+        </a:xfrm>
+      </p:grpSpPr>
+      <p:sp>
+        <p:nvSpPr>
           <p:cNvPr id="2" name="Содержимое 1"/>
           <p:cNvSpPr>
             <a:spLocks noGrp="1"/>
@@ -5338,7 +6704,7 @@
             <a:fld id="{1397BFD8-F312-4EF2-A268-44FB4BDDBBB0}" type="slidenum">
               <a:rPr lang="ru-RU" smtClean="0"/>
               <a:pPr algn="ctr"/>
-              <a:t>13</a:t>
+              <a:t>16</a:t>
             </a:fld>
             <a:endParaRPr lang="ru-RU" dirty="0"/>
           </a:p>
@@ -5638,7 +7004,7 @@
 </p:sld>
 </file>
 
-<file path=ppt/slides/slide14.xml><?xml version="1.0" encoding="utf-8"?>
+<file path=ppt/slides/slide17.xml><?xml version="1.0" encoding="utf-8"?>
 <p:sld xmlns:a="http://schemas.openxmlformats.org/drawingml/2006/main" xmlns:r="http://schemas.openxmlformats.org/officeDocument/2006/relationships" xmlns:p="http://schemas.openxmlformats.org/presentationml/2006/main">
   <p:cSld>
     <p:spTree>
@@ -5674,7 +7040,7 @@
             <a:fld id="{1397BFD8-F312-4EF2-A268-44FB4BDDBBB0}" type="slidenum">
               <a:rPr lang="ru-RU" smtClean="0"/>
               <a:pPr algn="ctr"/>
-              <a:t>14</a:t>
+              <a:t>17</a:t>
             </a:fld>
             <a:endParaRPr lang="ru-RU" dirty="0"/>
           </a:p>
@@ -5907,7 +7273,7 @@
 </p:sld>
 </file>
 
-<file path=ppt/slides/slide15.xml><?xml version="1.0" encoding="utf-8"?>
+<file path=ppt/slides/slide18.xml><?xml version="1.0" encoding="utf-8"?>
 <p:sld xmlns:a="http://schemas.openxmlformats.org/drawingml/2006/main" xmlns:r="http://schemas.openxmlformats.org/officeDocument/2006/relationships" xmlns:p="http://schemas.openxmlformats.org/presentationml/2006/main">
   <p:cSld>
     <p:spTree>
@@ -6462,7 +7828,7 @@
             <a:fld id="{1397BFD8-F312-4EF2-A268-44FB4BDDBBB0}" type="slidenum">
               <a:rPr lang="ru-RU" smtClean="0"/>
               <a:pPr algn="ctr"/>
-              <a:t>15</a:t>
+              <a:t>18</a:t>
             </a:fld>
             <a:endParaRPr lang="ru-RU" dirty="0"/>
           </a:p>
@@ -7339,11 +8705,7 @@
           <a:p>
             <a:r>
               <a:rPr lang="en-US" smtClean="0"/>
-              <a:t>Example: </a:t>
-            </a:r>
-            <a:r>
-              <a:rPr lang="en-US" smtClean="0"/>
-              <a:t>Matrix Multiplication (part 1)</a:t>
+              <a:t>Example: Matrix Multiplication (part 1)</a:t>
             </a:r>
             <a:endParaRPr lang="en-US"/>
           </a:p>
@@ -8905,8 +10267,8 @@
           </a:p>
         </p:txBody>
       </p:sp>
-      <mc:AlternateContent xmlns:mc="http://schemas.openxmlformats.org/markup-compatibility/2006">
-        <mc:Choice xmlns:a14="http://schemas.microsoft.com/office/drawing/2010/main" Requires="a14">
+      <mc:AlternateContent xmlns:mc="http://schemas.openxmlformats.org/markup-compatibility/2006" xmlns:a14="http://schemas.microsoft.com/office/drawing/2010/main">
+        <mc:Choice Requires="a14">
           <p:sp>
             <p:nvSpPr>
               <p:cNvPr id="8" name="Содержимое 1"/>
@@ -9296,7 +10658,6 @@
                   <a:rPr lang="en-US" sz="3200" smtClean="0"/>
                   <a:t>503.130450 sec.</a:t>
                 </a:r>
-                <a:endParaRPr lang="en-US" sz="3200" smtClean="0"/>
               </a:p>
               <a:p>
                 <a:pPr marL="0" indent="0">
@@ -9344,7 +10705,7 @@
             </p:txBody>
           </p:sp>
         </mc:Choice>
-        <mc:Fallback>
+        <mc:Fallback xmlns="">
           <p:sp>
             <p:nvSpPr>
               <p:cNvPr id="8" name="Содержимое 1"/>
@@ -11080,8 +12441,8 @@
           </a:p>
         </p:txBody>
       </p:sp>
-      <mc:AlternateContent xmlns:mc="http://schemas.openxmlformats.org/markup-compatibility/2006">
-        <mc:Choice xmlns:a14="http://schemas.microsoft.com/office/drawing/2010/main" Requires="a14">
+      <mc:AlternateContent xmlns:mc="http://schemas.openxmlformats.org/markup-compatibility/2006" xmlns:a14="http://schemas.microsoft.com/office/drawing/2010/main">
+        <mc:Choice Requires="a14">
           <p:sp>
             <p:nvSpPr>
               <p:cNvPr id="6" name="Содержимое 1"/>
@@ -11471,7 +12832,6 @@
                   <a:rPr lang="en-US" sz="3200" smtClean="0"/>
                   <a:t>12.946224 sec.</a:t>
                 </a:r>
-                <a:endParaRPr lang="en-US" sz="3200" smtClean="0"/>
               </a:p>
               <a:p>
                 <a:pPr marL="0" indent="0">
@@ -11482,11 +12842,7 @@
                 </a:pPr>
                 <a:r>
                   <a:rPr lang="en-US" sz="3200" b="1" smtClean="0"/>
-                  <a:t>Performance</a:t>
-                </a:r>
-                <a:r>
-                  <a:rPr lang="en-US" sz="3200" b="1" smtClean="0"/>
-                  <a:t>:</a:t>
+                  <a:t>Performance:</a:t>
                 </a:r>
               </a:p>
               <a:p>
@@ -11523,7 +12879,7 @@
             </p:txBody>
           </p:sp>
         </mc:Choice>
-        <mc:Fallback>
+        <mc:Fallback xmlns="">
           <p:sp>
             <p:nvSpPr>
               <p:cNvPr id="6" name="Содержимое 1"/>
@@ -11641,11 +12997,7 @@
           <a:p>
             <a:r>
               <a:rPr lang="en-US" smtClean="0"/>
-              <a:t>Example: </a:t>
-            </a:r>
-            <a:r>
-              <a:rPr lang="en-US" smtClean="0"/>
-              <a:t>Matrix </a:t>
+              <a:t>Example: Matrix </a:t>
             </a:r>
             <a:r>
               <a:rPr lang="en-US"/>
@@ -12995,8 +14347,8 @@
           </a:p>
         </p:txBody>
       </p:sp>
-      <mc:AlternateContent xmlns:mc="http://schemas.openxmlformats.org/markup-compatibility/2006">
-        <mc:Choice xmlns:a14="http://schemas.microsoft.com/office/drawing/2010/main" Requires="a14">
+      <mc:AlternateContent xmlns:mc="http://schemas.openxmlformats.org/markup-compatibility/2006" xmlns:a14="http://schemas.microsoft.com/office/drawing/2010/main">
+        <mc:Choice Requires="a14">
           <p:sp>
             <p:nvSpPr>
               <p:cNvPr id="8" name="Содержимое 1"/>
@@ -13388,7 +14740,6 @@
                   <a:rPr lang="en-US" sz="3200" smtClean="0"/>
                   <a:t>13.714264 sec.</a:t>
                 </a:r>
-                <a:endParaRPr lang="en-US" sz="3200" smtClean="0"/>
               </a:p>
               <a:p>
                 <a:pPr marL="0" indent="0">
@@ -13399,11 +14750,7 @@
                 </a:pPr>
                 <a:r>
                   <a:rPr lang="en-US" sz="3200" b="1" smtClean="0"/>
-                  <a:t>Performance</a:t>
-                </a:r>
-                <a:r>
-                  <a:rPr lang="en-US" sz="3200" b="1" smtClean="0"/>
-                  <a:t>:</a:t>
+                  <a:t>Performance:</a:t>
                 </a:r>
               </a:p>
               <a:p>
@@ -13420,7 +14767,6 @@
                   <a:rPr lang="en-US" sz="3200" smtClean="0"/>
                   <a:t>~ 153 MFLOPS</a:t>
                 </a:r>
-                <a:endParaRPr lang="en-US" sz="3200" smtClean="0"/>
               </a:p>
               <a:p>
                 <a:pPr marL="0" indent="0">
@@ -13452,7 +14798,7 @@
             </p:txBody>
           </p:sp>
         </mc:Choice>
-        <mc:Fallback>
+        <mc:Fallback xmlns="">
           <p:sp>
             <p:nvSpPr>
               <p:cNvPr id="8" name="Содержимое 1"/>
@@ -13669,21 +15015,8 @@
                   <a:srgbClr val="000080"/>
                 </a:solidFill>
               </a:rPr>
-              <a:t>Loop order: i, j, </a:t>
-            </a:r>
-            <a:r>
-              <a:rPr lang="en-US" altLang="en-US" sz="3200" b="1" smtClean="0">
-                <a:solidFill>
-                  <a:srgbClr val="000080"/>
-                </a:solidFill>
-              </a:rPr>
-              <a:t>k</a:t>
-            </a:r>
-            <a:endParaRPr lang="en-US" altLang="en-US" sz="3200" b="1" smtClean="0">
-              <a:solidFill>
-                <a:srgbClr val="000080"/>
-              </a:solidFill>
-            </a:endParaRPr>
+              <a:t>Loop order: i, j, k</a:t>
+            </a:r>
           </a:p>
           <a:p>
             <a:endParaRPr lang="en-US" altLang="en-US" b="1">
@@ -14219,23 +15552,7 @@
                   <a:srgbClr val="00B050"/>
                 </a:solidFill>
               </a:rPr>
-              <a:t>Loop order: </a:t>
-            </a:r>
-            <a:r>
-              <a:rPr lang="en-US" altLang="en-US" sz="3200" b="1" smtClean="0">
-                <a:solidFill>
-                  <a:srgbClr val="00B050"/>
-                </a:solidFill>
-              </a:rPr>
-              <a:t>i</a:t>
-            </a:r>
-            <a:r>
-              <a:rPr lang="en-US" altLang="en-US" sz="3200" b="1" smtClean="0">
-                <a:solidFill>
-                  <a:srgbClr val="00B050"/>
-                </a:solidFill>
-              </a:rPr>
-              <a:t>, k, </a:t>
+              <a:t>Loop order: i, k, </a:t>
             </a:r>
             <a:r>
               <a:rPr lang="en-US" altLang="en-US" sz="3200" b="1">
@@ -14821,37 +16138,8 @@
                   <a:srgbClr val="FF0000"/>
                 </a:solidFill>
               </a:rPr>
-              <a:t>Loop </a:t>
-            </a:r>
-            <a:r>
-              <a:rPr lang="en-US" altLang="en-US" sz="3200" b="1" smtClean="0">
-                <a:solidFill>
-                  <a:srgbClr val="FF0000"/>
-                </a:solidFill>
-              </a:rPr>
-              <a:t>order: k, </a:t>
-            </a:r>
-            <a:r>
-              <a:rPr lang="en-US" altLang="en-US" sz="3200" b="1" smtClean="0">
-                <a:solidFill>
-                  <a:srgbClr val="FF0000"/>
-                </a:solidFill>
-              </a:rPr>
-              <a:t>j, </a:t>
-            </a:r>
-            <a:r>
-              <a:rPr lang="en-US" altLang="en-US" sz="3200" b="1" smtClean="0">
-                <a:solidFill>
-                  <a:srgbClr val="FF0000"/>
-                </a:solidFill>
-              </a:rPr>
-              <a:t>i</a:t>
-            </a:r>
-            <a:endParaRPr lang="en-US" altLang="en-US" sz="3200" b="1" smtClean="0">
-              <a:solidFill>
-                <a:srgbClr val="FF0000"/>
-              </a:solidFill>
-            </a:endParaRPr>
+              <a:t>Loop order: k, j, i</a:t>
+            </a:r>
           </a:p>
           <a:p>
             <a:endParaRPr lang="en-US" altLang="en-US" b="1">
@@ -15606,6 +16894,12 @@
     </p:tnLst>
   </p:timing>
 </p:sld>
+</file>
+
+<file path=ppt/tags/tag1.xml><?xml version="1.0" encoding="utf-8"?>
+<p:tagLst xmlns:a="http://schemas.openxmlformats.org/drawingml/2006/main" xmlns:r="http://schemas.openxmlformats.org/officeDocument/2006/relationships" xmlns:p="http://schemas.openxmlformats.org/presentationml/2006/main">
+  <p:tag name="_INSTRUCTOR VIEW19C14C36-AC8E-43BC-9DB6-C2AAF774C7DC|PANE__TAG" val="_"/>
+</p:tagLst>
 </file>
 
 <file path=ppt/theme/theme1.xml><?xml version="1.0" encoding="utf-8"?>

--- a/docs/part1ca/01_Introduction/CA_Lecture_01.pptx
+++ b/docs/part1ca/01_Introduction/CA_Lecture_01.pptx
@@ -251,7 +251,7 @@
             <a:fld id="{D0106195-8D78-4F6F-B8E4-FA67975ACEF5}" type="datetimeFigureOut">
               <a:rPr lang="ru-RU" smtClean="0"/>
               <a:pPr/>
-              <a:t>18.10.2020</a:t>
+              <a:t>19.10.2020</a:t>
             </a:fld>
             <a:endParaRPr lang="ru-RU"/>
           </a:p>
@@ -419,7 +419,7 @@
             <a:fld id="{878212F1-C3D9-4F2B-8F42-5E960FE8BE51}" type="datetimeFigureOut">
               <a:rPr lang="ru-RU" smtClean="0"/>
               <a:pPr/>
-              <a:t>18.10.2020</a:t>
+              <a:t>19.10.2020</a:t>
             </a:fld>
             <a:endParaRPr lang="ru-RU"/>
           </a:p>
@@ -4482,15 +4482,7 @@
                     <a:p>
                       <a:r>
                         <a:rPr lang="en-US" sz="2000" smtClean="0"/>
-                        <a:t>Floating-Point Operations </a:t>
-                      </a:r>
-                      <a:r>
-                        <a:rPr lang="en-US" sz="2000" smtClean="0"/>
-                        <a:t>per </a:t>
-                      </a:r>
-                      <a:r>
-                        <a:rPr lang="en-US" sz="2000" smtClean="0"/>
-                        <a:t>Cycle</a:t>
+                        <a:t>Floating-Point Operations per Cycle</a:t>
                       </a:r>
                       <a:endParaRPr lang="en-US" sz="2000"/>
                     </a:p>
@@ -4956,11 +4948,7 @@
             </a:r>
             <a:r>
               <a:rPr lang="en-US"/>
-              <a:t>from mechanical gears, where each gear represented a discrete value (</a:t>
-            </a:r>
-            <a:r>
-              <a:rPr lang="en-US"/>
-              <a:t>0-9</a:t>
+              <a:t>from mechanical gears, where each gear represented a discrete value (0-9</a:t>
             </a:r>
             <a:r>
               <a:rPr lang="en-US" smtClean="0"/>
@@ -5148,7 +5136,7 @@
           <a:p>
             <a:r>
               <a:rPr lang="en-US" smtClean="0"/>
-              <a:t>In 1945–55 first machines were created: Atanasoff–Berry computer, Z3, Colossus, ENIAC</a:t>
+              <a:t>In 1945–55, first machines were created: Atanasoff–Berry computer, Z3, Colossus, ENIAC</a:t>
             </a:r>
           </a:p>
           <a:p>

--- a/docs/part1ca/01_Introduction/CA_Lecture_01.pptx
+++ b/docs/part1ca/01_Introduction/CA_Lecture_01.pptx
@@ -5,10 +5,10 @@
     <p:sldMasterId id="2147483648" r:id="rId1"/>
   </p:sldMasterIdLst>
   <p:notesMasterIdLst>
-    <p:notesMasterId r:id="rId20"/>
+    <p:notesMasterId r:id="rId23"/>
   </p:notesMasterIdLst>
   <p:handoutMasterIdLst>
-    <p:handoutMasterId r:id="rId21"/>
+    <p:handoutMasterId r:id="rId24"/>
   </p:handoutMasterIdLst>
   <p:sldIdLst>
     <p:sldId id="256" r:id="rId2"/>
@@ -23,12 +23,15 @@
     <p:sldId id="285" r:id="rId11"/>
     <p:sldId id="287" r:id="rId12"/>
     <p:sldId id="279" r:id="rId13"/>
-    <p:sldId id="288" r:id="rId14"/>
-    <p:sldId id="286" r:id="rId15"/>
-    <p:sldId id="281" r:id="rId16"/>
-    <p:sldId id="278" r:id="rId17"/>
-    <p:sldId id="275" r:id="rId18"/>
-    <p:sldId id="272" r:id="rId19"/>
+    <p:sldId id="289" r:id="rId14"/>
+    <p:sldId id="290" r:id="rId15"/>
+    <p:sldId id="291" r:id="rId16"/>
+    <p:sldId id="288" r:id="rId17"/>
+    <p:sldId id="286" r:id="rId18"/>
+    <p:sldId id="281" r:id="rId19"/>
+    <p:sldId id="278" r:id="rId20"/>
+    <p:sldId id="275" r:id="rId21"/>
+    <p:sldId id="272" r:id="rId22"/>
   </p:sldIdLst>
   <p:sldSz cx="12192000" cy="6858000"/>
   <p:notesSz cx="6858000" cy="9144000"/>
@@ -916,7 +919,7 @@
             <a:fld id="{5583B3A5-99BF-45D9-956B-DC57CC23AD97}" type="slidenum">
               <a:rPr lang="ru-RU" smtClean="0"/>
               <a:pPr/>
-              <a:t>18</a:t>
+              <a:t>21</a:t>
             </a:fld>
             <a:endParaRPr lang="ru-RU"/>
           </a:p>
@@ -4922,8 +4925,8 @@
         </p:nvSpPr>
         <p:spPr>
           <a:xfrm>
-            <a:off x="838200" y="1178053"/>
-            <a:ext cx="7033591" cy="4997896"/>
+            <a:off x="838202" y="1178053"/>
+            <a:ext cx="6119190" cy="5093538"/>
           </a:xfrm>
         </p:spPr>
         <p:txBody>
@@ -4933,38 +4936,46 @@
           <a:lstStyle/>
           <a:p>
             <a:r>
-              <a:rPr lang="en-US" smtClean="0"/>
-              <a:t>Designed </a:t>
-            </a:r>
-            <a:r>
-              <a:rPr lang="en-US"/>
-              <a:t>by Charles Babbage from 1834 – 1871</a:t>
-            </a:r>
-          </a:p>
-          <a:p>
-            <a:r>
-              <a:rPr lang="en-US" smtClean="0"/>
-              <a:t>Built </a:t>
-            </a:r>
-            <a:r>
-              <a:rPr lang="en-US"/>
-              <a:t>from mechanical gears, where each gear represented a discrete value (0-9</a:t>
-            </a:r>
-            <a:r>
-              <a:rPr lang="en-US" smtClean="0"/>
-              <a:t>)</a:t>
-            </a:r>
-          </a:p>
-          <a:p>
-            <a:r>
-              <a:rPr lang="en-US" smtClean="0"/>
-              <a:t>Programs provided as punched cards</a:t>
-            </a:r>
-            <a:endParaRPr lang="en-US"/>
-          </a:p>
-          <a:p>
-            <a:r>
-              <a:rPr lang="en-US" smtClean="0"/>
+              <a:rPr lang="en-US" dirty="0"/>
+              <a:t>1834 –</a:t>
+            </a:r>
+            <a:r>
+              <a:rPr lang="en-US" dirty="0" smtClean="0"/>
+              <a:t>71: </a:t>
+            </a:r>
+            <a:r>
+              <a:rPr lang="en-US" dirty="0" smtClean="0"/>
+              <a:t>Analytical Engine designed </a:t>
+            </a:r>
+            <a:r>
+              <a:rPr lang="en-US" dirty="0"/>
+              <a:t>by Charles </a:t>
+            </a:r>
+            <a:r>
+              <a:rPr lang="en-US" dirty="0" smtClean="0"/>
+              <a:t>Babbage</a:t>
+            </a:r>
+          </a:p>
+          <a:p>
+            <a:r>
+              <a:rPr lang="en-US" dirty="0" smtClean="0"/>
+              <a:t>Mechanical gears, where each gear represented a discrete value (0-9)</a:t>
+            </a:r>
+          </a:p>
+          <a:p>
+            <a:r>
+              <a:rPr lang="en-US" dirty="0" smtClean="0"/>
+              <a:t>Programs provided as </a:t>
+            </a:r>
+            <a:r>
+              <a:rPr lang="en-US" dirty="0" smtClean="0"/>
+              <a:t>punched cards</a:t>
+            </a:r>
+            <a:endParaRPr lang="en-US" dirty="0"/>
+          </a:p>
+          <a:p>
+            <a:r>
+              <a:rPr lang="en-US" dirty="0" smtClean="0"/>
               <a:t>Never finished due to technological restrictions</a:t>
             </a:r>
           </a:p>
@@ -5007,30 +5018,36 @@
         </p:nvSpPr>
         <p:spPr/>
         <p:txBody>
-          <a:bodyPr/>
+          <a:bodyPr>
+            <a:normAutofit/>
+          </a:bodyPr>
           <a:lstStyle/>
           <a:p>
             <a:r>
-              <a:rPr lang="en-US" smtClean="0"/>
+              <a:rPr lang="en-US" dirty="0" smtClean="0"/>
               <a:t>History: </a:t>
             </a:r>
             <a:r>
-              <a:rPr lang="en-US"/>
+              <a:rPr lang="en-US" dirty="0"/>
               <a:t>0</a:t>
             </a:r>
             <a:r>
-              <a:rPr lang="en-US" baseline="30000"/>
+              <a:rPr lang="en-US" baseline="30000" dirty="0"/>
               <a:t>th</a:t>
             </a:r>
             <a:r>
-              <a:rPr lang="en-US"/>
+              <a:rPr lang="en-US" dirty="0"/>
               <a:t> </a:t>
             </a:r>
             <a:r>
-              <a:rPr lang="en-US" smtClean="0"/>
-              <a:t>Generation - Analytical Engine</a:t>
-            </a:r>
-            <a:endParaRPr lang="en-US"/>
+              <a:rPr lang="en-US" dirty="0" smtClean="0"/>
+              <a:t>Generation </a:t>
+            </a:r>
+            <a:r>
+              <a:rPr lang="en-US" dirty="0" smtClean="0"/>
+              <a:t>– Mechanical</a:t>
+            </a:r>
+            <a:endParaRPr lang="en-US" dirty="0"/>
           </a:p>
         </p:txBody>
       </p:sp>
@@ -5057,8 +5074,8 @@
         </p:blipFill>
         <p:spPr bwMode="auto">
           <a:xfrm>
-            <a:off x="7871791" y="1923590"/>
-            <a:ext cx="3429000" cy="3291840"/>
+            <a:off x="7179704" y="1557830"/>
+            <a:ext cx="4191000" cy="4023360"/>
           </a:xfrm>
           <a:prstGeom prst="rect">
             <a:avLst/>
@@ -5125,34 +5142,102 @@
         <p:spPr>
           <a:xfrm>
             <a:off x="838197" y="1178053"/>
-            <a:ext cx="5473151" cy="4997896"/>
+            <a:ext cx="5473151" cy="5071048"/>
           </a:xfrm>
         </p:spPr>
         <p:txBody>
           <a:bodyPr>
-            <a:normAutofit lnSpcReduction="10000"/>
+            <a:normAutofit/>
           </a:bodyPr>
           <a:lstStyle/>
           <a:p>
             <a:r>
-              <a:rPr lang="en-US" smtClean="0"/>
-              <a:t>In 1945–55, first machines were created: Atanasoff–Berry computer, Z3, Colossus, ENIAC</a:t>
-            </a:r>
-          </a:p>
-          <a:p>
-            <a:r>
-              <a:rPr lang="en-US" smtClean="0"/>
-              <a:t>All programming was done in machine language by connecting boards and wires</a:t>
-            </a:r>
-          </a:p>
-          <a:p>
-            <a:r>
-              <a:rPr lang="en-US" smtClean="0"/>
-              <a:t>Stored program concept was formulated</a:t>
-            </a:r>
-          </a:p>
-          <a:p>
-            <a:endParaRPr lang="en-US" smtClean="0"/>
+              <a:rPr lang="en-US" dirty="0" smtClean="0"/>
+              <a:t>1945–55: </a:t>
+            </a:r>
+            <a:r>
+              <a:rPr lang="en-US" dirty="0" smtClean="0"/>
+              <a:t>first machines were </a:t>
+            </a:r>
+            <a:r>
+              <a:rPr lang="en-US" dirty="0" smtClean="0"/>
+              <a:t>created (</a:t>
+            </a:r>
+            <a:r>
+              <a:rPr lang="en-US" dirty="0" err="1" smtClean="0"/>
+              <a:t>Atanasoff</a:t>
+            </a:r>
+            <a:r>
+              <a:rPr lang="en-US" dirty="0" smtClean="0"/>
+              <a:t>–Berry, </a:t>
+            </a:r>
+            <a:r>
+              <a:rPr lang="en-US" dirty="0" smtClean="0"/>
+              <a:t>Z3, Colossus, </a:t>
+            </a:r>
+            <a:r>
+              <a:rPr lang="en-US" dirty="0" smtClean="0"/>
+              <a:t>ENIAC)</a:t>
+            </a:r>
+            <a:endParaRPr lang="en-US" dirty="0" smtClean="0"/>
+          </a:p>
+          <a:p>
+            <a:r>
+              <a:rPr lang="en-US" dirty="0" smtClean="0"/>
+              <a:t>All programming </a:t>
+            </a:r>
+            <a:r>
+              <a:rPr lang="en-US" dirty="0" smtClean="0"/>
+              <a:t>in pure </a:t>
+            </a:r>
+            <a:r>
+              <a:rPr lang="en-US" dirty="0" smtClean="0"/>
+              <a:t>machine </a:t>
+            </a:r>
+            <a:r>
+              <a:rPr lang="en-US" dirty="0" smtClean="0"/>
+              <a:t>language</a:t>
+            </a:r>
+          </a:p>
+          <a:p>
+            <a:r>
+              <a:rPr lang="en-US" dirty="0"/>
+              <a:t>C</a:t>
+            </a:r>
+            <a:r>
+              <a:rPr lang="en-US" dirty="0" smtClean="0"/>
+              <a:t>onnecting </a:t>
+            </a:r>
+            <a:r>
+              <a:rPr lang="en-US" dirty="0"/>
+              <a:t>boards and </a:t>
+            </a:r>
+            <a:r>
+              <a:rPr lang="en-US" dirty="0" smtClean="0"/>
+              <a:t>wires, punched cards</a:t>
+            </a:r>
+            <a:r>
+              <a:rPr lang="en-US" dirty="0" smtClean="0"/>
+              <a:t> (later)</a:t>
+            </a:r>
+          </a:p>
+          <a:p>
+            <a:r>
+              <a:rPr lang="en-US" dirty="0" smtClean="0"/>
+              <a:t>Stored </a:t>
+            </a:r>
+            <a:r>
+              <a:rPr lang="en-US" dirty="0" smtClean="0"/>
+              <a:t>program </a:t>
+            </a:r>
+            <a:r>
+              <a:rPr lang="en-US" dirty="0" smtClean="0"/>
+              <a:t>concept</a:t>
+            </a:r>
+            <a:endParaRPr lang="en-US" dirty="0" smtClean="0"/>
+          </a:p>
+          <a:p>
+            <a:endParaRPr lang="en-US" dirty="0" smtClean="0"/>
           </a:p>
         </p:txBody>
       </p:sp>
@@ -5199,31 +5284,31 @@
           <a:lstStyle/>
           <a:p>
             <a:r>
-              <a:rPr lang="en-US" smtClean="0"/>
+              <a:rPr lang="en-US" dirty="0" smtClean="0"/>
               <a:t>History: </a:t>
             </a:r>
             <a:r>
-              <a:rPr lang="en-US"/>
+              <a:rPr lang="en-US" dirty="0"/>
               <a:t>1</a:t>
             </a:r>
             <a:r>
-              <a:rPr lang="en-US" baseline="30000"/>
+              <a:rPr lang="en-US" baseline="30000" dirty="0"/>
               <a:t>st</a:t>
             </a:r>
             <a:r>
-              <a:rPr lang="en-US"/>
+              <a:rPr lang="en-US" dirty="0"/>
               <a:t> </a:t>
             </a:r>
             <a:r>
-              <a:rPr lang="en-US" smtClean="0"/>
+              <a:rPr lang="en-US" dirty="0" smtClean="0"/>
               <a:t>Generation - </a:t>
             </a:r>
             <a:r>
-              <a:rPr lang="en-US"/>
+              <a:rPr lang="en-US" dirty="0"/>
               <a:t>Vacuum </a:t>
             </a:r>
             <a:r>
-              <a:rPr lang="en-US" smtClean="0"/>
+              <a:rPr lang="en-US" dirty="0" smtClean="0"/>
               <a:t>Tubes</a:t>
             </a:r>
             <a:endParaRPr lang="ru-RU" dirty="0"/>
@@ -5270,14 +5355,14 @@
           <a:p>
             <a:pPr algn="ctr"/>
             <a:r>
-              <a:rPr lang="en-US" sz="3200" b="1" smtClean="0">
+              <a:rPr lang="en-US" sz="3200" b="1" dirty="0" smtClean="0">
                 <a:solidFill>
                   <a:srgbClr val="F7B217"/>
                 </a:solidFill>
               </a:rPr>
               <a:t>Input</a:t>
             </a:r>
-            <a:endParaRPr lang="en-US" sz="3200" b="1">
+            <a:endParaRPr lang="en-US" sz="3200" b="1" dirty="0">
               <a:solidFill>
                 <a:srgbClr val="F7B217"/>
               </a:solidFill>
@@ -5505,14 +5590,14 @@
           <a:p>
             <a:pPr algn="ctr"/>
             <a:r>
-              <a:rPr lang="en-US" sz="3200" b="1" smtClean="0">
+              <a:rPr lang="en-US" sz="3200" b="1" dirty="0" smtClean="0">
                 <a:solidFill>
                   <a:srgbClr val="F7B217"/>
                 </a:solidFill>
               </a:rPr>
               <a:t>Memory</a:t>
             </a:r>
-            <a:endParaRPr lang="en-US" sz="3200" b="1">
+            <a:endParaRPr lang="en-US" sz="3200" b="1" dirty="0">
               <a:solidFill>
                 <a:srgbClr val="F7B217"/>
               </a:solidFill>
@@ -5648,8 +5733,8 @@
         </p:nvSpPr>
         <p:spPr>
           <a:xfrm>
-            <a:off x="6894577" y="2916936"/>
-            <a:ext cx="1871736" cy="679544"/>
+            <a:off x="6821425" y="2980944"/>
+            <a:ext cx="2023872" cy="713232"/>
           </a:xfrm>
           <a:prstGeom prst="rect">
             <a:avLst/>
@@ -5680,14 +5765,38 @@
           <a:p>
             <a:pPr algn="ctr"/>
             <a:r>
-              <a:rPr lang="en-US" sz="2000" b="1" smtClean="0">
+              <a:rPr lang="en-US" sz="2400" b="1" dirty="0" smtClean="0">
                 <a:solidFill>
                   <a:srgbClr val="2F5CB5"/>
                 </a:solidFill>
               </a:rPr>
-              <a:t>Arithmetical / Logic Unit</a:t>
-            </a:r>
-            <a:endParaRPr lang="en-US" sz="2000" b="1">
+              <a:t>Arithmetical </a:t>
+            </a:r>
+            <a:r>
+              <a:rPr lang="en-US" sz="2400" b="1" dirty="0">
+                <a:solidFill>
+                  <a:srgbClr val="2F5CB5"/>
+                </a:solidFill>
+              </a:rPr>
+              <a:t>/</a:t>
+            </a:r>
+            <a:r>
+              <a:rPr lang="en-US" sz="2400" b="1" dirty="0" smtClean="0">
+                <a:solidFill>
+                  <a:srgbClr val="2F5CB5"/>
+                </a:solidFill>
+              </a:rPr>
+              <a:t> </a:t>
+            </a:r>
+            <a:r>
+              <a:rPr lang="en-US" sz="2400" b="1" dirty="0" smtClean="0">
+                <a:solidFill>
+                  <a:srgbClr val="2F5CB5"/>
+                </a:solidFill>
+              </a:rPr>
+              <a:t>Logic Unit</a:t>
+            </a:r>
+            <a:endParaRPr lang="en-US" sz="2400" b="1" dirty="0">
               <a:solidFill>
                 <a:srgbClr val="2F5CB5"/>
               </a:solidFill>
@@ -5703,8 +5812,8 @@
         </p:nvSpPr>
         <p:spPr>
           <a:xfrm>
-            <a:off x="6891197" y="3851438"/>
-            <a:ext cx="1871736" cy="720562"/>
+            <a:off x="6818045" y="3869726"/>
+            <a:ext cx="2023872" cy="720562"/>
           </a:xfrm>
           <a:prstGeom prst="rect">
             <a:avLst/>
@@ -5735,14 +5844,14 @@
           <a:p>
             <a:pPr algn="ctr"/>
             <a:r>
-              <a:rPr lang="en-US" sz="2000" b="1" smtClean="0">
+              <a:rPr lang="en-US" sz="2400" b="1" dirty="0" smtClean="0">
                 <a:solidFill>
                   <a:srgbClr val="2F5CB5"/>
                 </a:solidFill>
               </a:rPr>
               <a:t>Control Unit</a:t>
             </a:r>
-            <a:endParaRPr lang="en-US" sz="2000" b="1">
+            <a:endParaRPr lang="en-US" sz="2400" b="1" dirty="0">
               <a:solidFill>
                 <a:srgbClr val="2F5CB5"/>
               </a:solidFill>
@@ -5792,69 +5901,55 @@
             <p:ph idx="1"/>
           </p:nvPr>
         </p:nvSpPr>
-        <p:spPr/>
+        <p:spPr>
+          <a:xfrm>
+            <a:off x="838200" y="1178053"/>
+            <a:ext cx="5846064" cy="5222748"/>
+          </a:xfrm>
+        </p:spPr>
         <p:txBody>
-          <a:bodyPr/>
+          <a:bodyPr>
+            <a:normAutofit lnSpcReduction="10000"/>
+          </a:bodyPr>
           <a:lstStyle/>
           <a:p>
             <a:r>
-              <a:rPr lang="en-US" b="1"/>
-              <a:t>1955–65: 2</a:t>
-            </a:r>
-            <a:r>
-              <a:rPr lang="en-US" b="1" baseline="30000"/>
-              <a:t>nd</a:t>
-            </a:r>
-            <a:r>
-              <a:rPr lang="en-US" b="1"/>
-              <a:t> Generation. Transistors and Batch Systems.</a:t>
-            </a:r>
-          </a:p>
-          <a:p>
-            <a:r>
-              <a:rPr lang="en-US" b="1"/>
-              <a:t>1965–1980: 3</a:t>
-            </a:r>
-            <a:r>
-              <a:rPr lang="en-US" b="1" baseline="30000"/>
-              <a:t>rd</a:t>
-            </a:r>
-            <a:r>
-              <a:rPr lang="en-US" b="1"/>
-              <a:t> Generation. ICs and Multiprogramming.</a:t>
-            </a:r>
-          </a:p>
-          <a:p>
-            <a:r>
-              <a:rPr lang="en-US" b="1"/>
-              <a:t>1980–Present: 4</a:t>
-            </a:r>
-            <a:r>
-              <a:rPr lang="en-US" b="1" baseline="30000"/>
-              <a:t>th</a:t>
-            </a:r>
-            <a:r>
-              <a:rPr lang="en-US" b="1"/>
-              <a:t> Generation. Personal Computers.</a:t>
-            </a:r>
-          </a:p>
-          <a:p>
-            <a:r>
-              <a:rPr lang="en-US" b="1"/>
-              <a:t>1990–Present: 5</a:t>
-            </a:r>
-            <a:r>
-              <a:rPr lang="en-US" b="1" baseline="30000"/>
-              <a:t>th</a:t>
-            </a:r>
-            <a:r>
-              <a:rPr lang="en-US" b="1"/>
-              <a:t> Generation. Mobile Computers.</a:t>
-            </a:r>
-            <a:endParaRPr lang="ru-RU" b="1"/>
-          </a:p>
-          <a:p>
-            <a:endParaRPr lang="en-US"/>
+              <a:rPr lang="en-US" dirty="0" smtClean="0"/>
+              <a:t>1955-65: era of mainframes (e.g. IBM 7094)</a:t>
+            </a:r>
+            <a:r>
+              <a:rPr lang="ru-RU" dirty="0" smtClean="0"/>
+              <a:t> </a:t>
+            </a:r>
+            <a:r>
+              <a:rPr lang="en-US" dirty="0" smtClean="0"/>
+              <a:t>used in large companies</a:t>
+            </a:r>
+          </a:p>
+          <a:p>
+            <a:r>
+              <a:rPr lang="en-US" dirty="0" smtClean="0"/>
+              <a:t>Programming in assembly language and FORTRAN</a:t>
+            </a:r>
+          </a:p>
+          <a:p>
+            <a:r>
+              <a:rPr lang="en-US" dirty="0" smtClean="0"/>
+              <a:t>Batch systems (IO was separated from calculations)</a:t>
+            </a:r>
+          </a:p>
+          <a:p>
+            <a:r>
+              <a:rPr lang="en-US" dirty="0" smtClean="0"/>
+              <a:t>Punched cards and magnetic tape</a:t>
+            </a:r>
+          </a:p>
+          <a:p>
+            <a:r>
+              <a:rPr lang="en-US" dirty="0" smtClean="0"/>
+              <a:t>Loaders (OS ancestors)</a:t>
+            </a:r>
+            <a:endParaRPr lang="en-US" dirty="0"/>
           </a:p>
         </p:txBody>
       </p:sp>
@@ -5895,10 +5990,1050 @@
         </p:nvSpPr>
         <p:spPr/>
         <p:txBody>
+          <a:bodyPr>
+            <a:noAutofit/>
+          </a:bodyPr>
+          <a:lstStyle/>
+          <a:p>
+            <a:r>
+              <a:rPr lang="en-US" dirty="0"/>
+              <a:t>History: </a:t>
+            </a:r>
+            <a:r>
+              <a:rPr lang="en-US" dirty="0" smtClean="0"/>
+              <a:t>2</a:t>
+            </a:r>
+            <a:r>
+              <a:rPr lang="en-US" baseline="30000" dirty="0" smtClean="0"/>
+              <a:t>nd</a:t>
+            </a:r>
+            <a:r>
+              <a:rPr lang="en-US" dirty="0" smtClean="0"/>
+              <a:t> </a:t>
+            </a:r>
+            <a:r>
+              <a:rPr lang="en-US" dirty="0"/>
+              <a:t>Generation - </a:t>
+            </a:r>
+            <a:r>
+              <a:rPr lang="en-US" dirty="0" smtClean="0"/>
+              <a:t>Transistors</a:t>
+            </a:r>
+            <a:endParaRPr lang="en-US" dirty="0"/>
+          </a:p>
+        </p:txBody>
+      </p:sp>
+      <p:pic>
+        <p:nvPicPr>
+          <p:cNvPr id="1026" name="Picture 2" descr="https://upload.wikimedia.org/wikipedia/commons/thumb/f/fb/IBM_7094_console2.agr.JPG/1024px-IBM_7094_console2.agr.JPG"/>
+          <p:cNvPicPr>
+            <a:picLocks noChangeAspect="1" noChangeArrowheads="1"/>
+          </p:cNvPicPr>
+          <p:nvPr/>
+        </p:nvPicPr>
+        <p:blipFill>
+          <a:blip r:embed="rId2">
+            <a:extLst>
+              <a:ext uri="{28A0092B-C50C-407E-A947-70E740481C1C}">
+                <a14:useLocalDpi xmlns:a14="http://schemas.microsoft.com/office/drawing/2010/main" val="0"/>
+              </a:ext>
+            </a:extLst>
+          </a:blip>
+          <a:srcRect/>
+          <a:stretch>
+            <a:fillRect/>
+          </a:stretch>
+        </p:blipFill>
+        <p:spPr bwMode="auto">
+          <a:xfrm>
+            <a:off x="6819024" y="1862630"/>
+            <a:ext cx="4551680" cy="3413760"/>
+          </a:xfrm>
+          <a:prstGeom prst="rect">
+            <a:avLst/>
+          </a:prstGeom>
+          <a:noFill/>
+          <a:extLst>
+            <a:ext uri="{909E8E84-426E-40DD-AFC4-6F175D3DCCD1}">
+              <a14:hiddenFill xmlns:a14="http://schemas.microsoft.com/office/drawing/2010/main">
+                <a:solidFill>
+                  <a:srgbClr val="FFFFFF"/>
+                </a:solidFill>
+              </a14:hiddenFill>
+            </a:ext>
+          </a:extLst>
+        </p:spPr>
+      </p:pic>
+    </p:spTree>
+    <p:extLst>
+      <p:ext uri="{BB962C8B-B14F-4D97-AF65-F5344CB8AC3E}">
+        <p14:creationId xmlns:p14="http://schemas.microsoft.com/office/powerpoint/2010/main" val="2950914556"/>
+      </p:ext>
+    </p:extLst>
+  </p:cSld>
+  <p:clrMapOvr>
+    <a:masterClrMapping/>
+  </p:clrMapOvr>
+  <p:timing>
+    <p:tnLst>
+      <p:par>
+        <p:cTn id="1" dur="indefinite" restart="never" nodeType="tmRoot"/>
+      </p:par>
+    </p:tnLst>
+  </p:timing>
+</p:sld>
+</file>
+
+<file path=ppt/slides/slide14.xml><?xml version="1.0" encoding="utf-8"?>
+<p:sld xmlns:a="http://schemas.openxmlformats.org/drawingml/2006/main" xmlns:r="http://schemas.openxmlformats.org/officeDocument/2006/relationships" xmlns:p="http://schemas.openxmlformats.org/presentationml/2006/main">
+  <p:cSld>
+    <p:spTree>
+      <p:nvGrpSpPr>
+        <p:cNvPr id="1" name=""/>
+        <p:cNvGrpSpPr/>
+        <p:nvPr/>
+      </p:nvGrpSpPr>
+      <p:grpSpPr>
+        <a:xfrm>
+          <a:off x="0" y="0"/>
+          <a:ext cx="0" cy="0"/>
+          <a:chOff x="0" y="0"/>
+          <a:chExt cx="0" cy="0"/>
+        </a:xfrm>
+      </p:grpSpPr>
+      <p:pic>
+        <p:nvPicPr>
+          <p:cNvPr id="2050" name="Picture 2" descr="BP9927G  Integrated Circuits"/>
+          <p:cNvPicPr>
+            <a:picLocks noChangeAspect="1" noChangeArrowheads="1"/>
+          </p:cNvPicPr>
+          <p:nvPr/>
+        </p:nvPicPr>
+        <p:blipFill>
+          <a:blip r:embed="rId2">
+            <a:extLst>
+              <a:ext uri="{28A0092B-C50C-407E-A947-70E740481C1C}">
+                <a14:useLocalDpi xmlns:a14="http://schemas.microsoft.com/office/drawing/2010/main" val="0"/>
+              </a:ext>
+            </a:extLst>
+          </a:blip>
+          <a:srcRect/>
+          <a:stretch>
+            <a:fillRect/>
+          </a:stretch>
+        </p:blipFill>
+        <p:spPr bwMode="auto">
+          <a:xfrm>
+            <a:off x="8202544" y="1021305"/>
+            <a:ext cx="2143125" cy="2143125"/>
+          </a:xfrm>
+          <a:prstGeom prst="rect">
+            <a:avLst/>
+          </a:prstGeom>
+          <a:noFill/>
+          <a:extLst>
+            <a:ext uri="{909E8E84-426E-40DD-AFC4-6F175D3DCCD1}">
+              <a14:hiddenFill xmlns:a14="http://schemas.microsoft.com/office/drawing/2010/main">
+                <a:solidFill>
+                  <a:srgbClr val="FFFFFF"/>
+                </a:solidFill>
+              </a14:hiddenFill>
+            </a:ext>
+          </a:extLst>
+        </p:spPr>
+      </p:pic>
+      <p:sp>
+        <p:nvSpPr>
+          <p:cNvPr id="2" name="Content Placeholder 1"/>
+          <p:cNvSpPr>
+            <a:spLocks noGrp="1"/>
+          </p:cNvSpPr>
+          <p:nvPr>
+            <p:ph idx="1"/>
+          </p:nvPr>
+        </p:nvSpPr>
+        <p:spPr>
+          <a:xfrm>
+            <a:off x="838201" y="1178052"/>
+            <a:ext cx="6642100" cy="5273547"/>
+          </a:xfrm>
+        </p:spPr>
+        <p:txBody>
+          <a:bodyPr>
+            <a:normAutofit lnSpcReduction="10000"/>
+          </a:bodyPr>
+          <a:lstStyle/>
+          <a:p>
+            <a:r>
+              <a:rPr lang="en-US" dirty="0"/>
+              <a:t>1965–1980: </a:t>
+            </a:r>
+            <a:r>
+              <a:rPr lang="en-US" dirty="0" smtClean="0"/>
+              <a:t>computer lines using the same instruction set architecture (e.g. IBM 360)</a:t>
+            </a:r>
+          </a:p>
+          <a:p>
+            <a:r>
+              <a:rPr lang="en-US" dirty="0" smtClean="0"/>
+              <a:t>First operating systems (e.g. OS/360, MULTICS)</a:t>
+            </a:r>
+          </a:p>
+          <a:p>
+            <a:r>
+              <a:rPr lang="en-US" dirty="0"/>
+              <a:t>M</a:t>
+            </a:r>
+            <a:r>
+              <a:rPr lang="en-US" dirty="0" smtClean="0"/>
+              <a:t>ultiprogramming</a:t>
+            </a:r>
+            <a:r>
+              <a:rPr lang="ru-RU" dirty="0" smtClean="0"/>
+              <a:t> </a:t>
+            </a:r>
+            <a:r>
+              <a:rPr lang="en-US" dirty="0" smtClean="0"/>
+              <a:t>and timesharing</a:t>
+            </a:r>
+          </a:p>
+          <a:p>
+            <a:r>
+              <a:rPr lang="en-US" dirty="0" smtClean="0"/>
+              <a:t>Computer as utility</a:t>
+            </a:r>
+          </a:p>
+          <a:p>
+            <a:r>
+              <a:rPr lang="en-US" dirty="0" smtClean="0"/>
+              <a:t>Programming languages and compilers (LISP, BASIC, C)</a:t>
+            </a:r>
+            <a:endParaRPr lang="en-US" dirty="0"/>
+          </a:p>
+        </p:txBody>
+      </p:sp>
+      <p:sp>
+        <p:nvSpPr>
+          <p:cNvPr id="3" name="Slide Number Placeholder 2"/>
+          <p:cNvSpPr>
+            <a:spLocks noGrp="1"/>
+          </p:cNvSpPr>
+          <p:nvPr>
+            <p:ph type="sldNum" sz="quarter" idx="12"/>
+          </p:nvPr>
+        </p:nvSpPr>
+        <p:spPr/>
+        <p:txBody>
           <a:bodyPr/>
           <a:lstStyle/>
           <a:p>
-            <a:endParaRPr lang="en-US"/>
+            <a:pPr algn="ctr"/>
+            <a:fld id="{1397BFD8-F312-4EF2-A268-44FB4BDDBBB0}" type="slidenum">
+              <a:rPr lang="ru-RU" smtClean="0"/>
+              <a:pPr algn="ctr"/>
+              <a:t>14</a:t>
+            </a:fld>
+            <a:endParaRPr lang="ru-RU" dirty="0"/>
+          </a:p>
+        </p:txBody>
+      </p:sp>
+      <p:sp>
+        <p:nvSpPr>
+          <p:cNvPr id="4" name="Title 3"/>
+          <p:cNvSpPr>
+            <a:spLocks noGrp="1"/>
+          </p:cNvSpPr>
+          <p:nvPr>
+            <p:ph type="title"/>
+          </p:nvPr>
+        </p:nvSpPr>
+        <p:spPr/>
+        <p:txBody>
+          <a:bodyPr>
+            <a:normAutofit/>
+          </a:bodyPr>
+          <a:lstStyle/>
+          <a:p>
+            <a:r>
+              <a:rPr lang="en-US" dirty="0"/>
+              <a:t>History: </a:t>
+            </a:r>
+            <a:r>
+              <a:rPr lang="en-US" dirty="0" smtClean="0"/>
+              <a:t>3</a:t>
+            </a:r>
+            <a:r>
+              <a:rPr lang="en-US" baseline="30000" dirty="0" smtClean="0"/>
+              <a:t>rd</a:t>
+            </a:r>
+            <a:r>
+              <a:rPr lang="en-US" dirty="0" smtClean="0"/>
+              <a:t> </a:t>
+            </a:r>
+            <a:r>
+              <a:rPr lang="en-US" dirty="0"/>
+              <a:t>Generation </a:t>
+            </a:r>
+            <a:r>
+              <a:rPr lang="en-US" dirty="0" smtClean="0"/>
+              <a:t>– Integrated Circuits</a:t>
+            </a:r>
+            <a:endParaRPr lang="en-US" dirty="0"/>
+          </a:p>
+        </p:txBody>
+      </p:sp>
+      <p:sp>
+        <p:nvSpPr>
+          <p:cNvPr id="7" name="Rectangle 6"/>
+          <p:cNvSpPr/>
+          <p:nvPr/>
+        </p:nvSpPr>
+        <p:spPr>
+          <a:xfrm>
+            <a:off x="7344825" y="3177032"/>
+            <a:ext cx="2111513" cy="693093"/>
+          </a:xfrm>
+          <a:prstGeom prst="rect">
+            <a:avLst/>
+          </a:prstGeom>
+          <a:noFill/>
+          <a:ln w="38100"/>
+        </p:spPr>
+        <p:style>
+          <a:lnRef idx="2">
+            <a:schemeClr val="accent1">
+              <a:shade val="50000"/>
+            </a:schemeClr>
+          </a:lnRef>
+          <a:fillRef idx="1">
+            <a:schemeClr val="accent1"/>
+          </a:fillRef>
+          <a:effectRef idx="0">
+            <a:schemeClr val="accent1"/>
+          </a:effectRef>
+          <a:fontRef idx="minor">
+            <a:schemeClr val="lt1"/>
+          </a:fontRef>
+        </p:style>
+        <p:txBody>
+          <a:bodyPr rtlCol="0" anchor="ctr"/>
+          <a:lstStyle/>
+          <a:p>
+            <a:pPr algn="ctr"/>
+            <a:r>
+              <a:rPr lang="en-US" sz="3600" b="1" dirty="0" smtClean="0">
+                <a:solidFill>
+                  <a:srgbClr val="273272"/>
+                </a:solidFill>
+              </a:rPr>
+              <a:t>Job 3</a:t>
+            </a:r>
+            <a:endParaRPr lang="en-US" sz="3600" b="1" dirty="0">
+              <a:solidFill>
+                <a:srgbClr val="273272"/>
+              </a:solidFill>
+            </a:endParaRPr>
+          </a:p>
+        </p:txBody>
+      </p:sp>
+      <p:sp>
+        <p:nvSpPr>
+          <p:cNvPr id="8" name="Rectangle 7"/>
+          <p:cNvSpPr/>
+          <p:nvPr/>
+        </p:nvSpPr>
+        <p:spPr>
+          <a:xfrm>
+            <a:off x="7344825" y="3873876"/>
+            <a:ext cx="2111513" cy="690514"/>
+          </a:xfrm>
+          <a:prstGeom prst="rect">
+            <a:avLst/>
+          </a:prstGeom>
+          <a:noFill/>
+          <a:ln w="38100"/>
+        </p:spPr>
+        <p:style>
+          <a:lnRef idx="2">
+            <a:schemeClr val="accent1">
+              <a:shade val="50000"/>
+            </a:schemeClr>
+          </a:lnRef>
+          <a:fillRef idx="1">
+            <a:schemeClr val="accent1"/>
+          </a:fillRef>
+          <a:effectRef idx="0">
+            <a:schemeClr val="accent1"/>
+          </a:effectRef>
+          <a:fontRef idx="minor">
+            <a:schemeClr val="lt1"/>
+          </a:fontRef>
+        </p:style>
+        <p:txBody>
+          <a:bodyPr rtlCol="0" anchor="ctr"/>
+          <a:lstStyle/>
+          <a:p>
+            <a:pPr algn="ctr"/>
+            <a:r>
+              <a:rPr lang="en-US" sz="3600" b="1" dirty="0" smtClean="0">
+                <a:solidFill>
+                  <a:srgbClr val="273272"/>
+                </a:solidFill>
+              </a:rPr>
+              <a:t>Job 2</a:t>
+            </a:r>
+            <a:endParaRPr lang="en-US" sz="3600" b="1" dirty="0">
+              <a:solidFill>
+                <a:srgbClr val="273272"/>
+              </a:solidFill>
+            </a:endParaRPr>
+          </a:p>
+        </p:txBody>
+      </p:sp>
+      <p:sp>
+        <p:nvSpPr>
+          <p:cNvPr id="9" name="Rectangle 8"/>
+          <p:cNvSpPr/>
+          <p:nvPr/>
+        </p:nvSpPr>
+        <p:spPr>
+          <a:xfrm>
+            <a:off x="7344825" y="4570795"/>
+            <a:ext cx="2111513" cy="695939"/>
+          </a:xfrm>
+          <a:prstGeom prst="rect">
+            <a:avLst/>
+          </a:prstGeom>
+          <a:noFill/>
+          <a:ln w="38100"/>
+        </p:spPr>
+        <p:style>
+          <a:lnRef idx="2">
+            <a:schemeClr val="accent1">
+              <a:shade val="50000"/>
+            </a:schemeClr>
+          </a:lnRef>
+          <a:fillRef idx="1">
+            <a:schemeClr val="accent1"/>
+          </a:fillRef>
+          <a:effectRef idx="0">
+            <a:schemeClr val="accent1"/>
+          </a:effectRef>
+          <a:fontRef idx="minor">
+            <a:schemeClr val="lt1"/>
+          </a:fontRef>
+        </p:style>
+        <p:txBody>
+          <a:bodyPr rtlCol="0" anchor="ctr"/>
+          <a:lstStyle/>
+          <a:p>
+            <a:pPr algn="ctr"/>
+            <a:r>
+              <a:rPr lang="en-US" sz="3600" b="1" dirty="0" smtClean="0">
+                <a:solidFill>
+                  <a:srgbClr val="273272"/>
+                </a:solidFill>
+              </a:rPr>
+              <a:t>Job 1</a:t>
+            </a:r>
+            <a:endParaRPr lang="en-US" sz="3600" b="1" dirty="0">
+              <a:solidFill>
+                <a:srgbClr val="273272"/>
+              </a:solidFill>
+            </a:endParaRPr>
+          </a:p>
+        </p:txBody>
+      </p:sp>
+      <p:sp>
+        <p:nvSpPr>
+          <p:cNvPr id="10" name="Rectangle 9"/>
+          <p:cNvSpPr/>
+          <p:nvPr/>
+        </p:nvSpPr>
+        <p:spPr>
+          <a:xfrm>
+            <a:off x="7344825" y="5267561"/>
+            <a:ext cx="2111513" cy="1061280"/>
+          </a:xfrm>
+          <a:prstGeom prst="rect">
+            <a:avLst/>
+          </a:prstGeom>
+          <a:noFill/>
+          <a:ln w="38100"/>
+        </p:spPr>
+        <p:style>
+          <a:lnRef idx="2">
+            <a:schemeClr val="accent1">
+              <a:shade val="50000"/>
+            </a:schemeClr>
+          </a:lnRef>
+          <a:fillRef idx="1">
+            <a:schemeClr val="accent1"/>
+          </a:fillRef>
+          <a:effectRef idx="0">
+            <a:schemeClr val="accent1"/>
+          </a:effectRef>
+          <a:fontRef idx="minor">
+            <a:schemeClr val="lt1"/>
+          </a:fontRef>
+        </p:style>
+        <p:txBody>
+          <a:bodyPr rtlCol="0" anchor="ctr"/>
+          <a:lstStyle/>
+          <a:p>
+            <a:pPr algn="ctr"/>
+            <a:r>
+              <a:rPr lang="en-US" sz="3600" b="1" dirty="0" smtClean="0">
+                <a:solidFill>
+                  <a:srgbClr val="273272"/>
+                </a:solidFill>
+              </a:rPr>
+              <a:t>Operating</a:t>
+            </a:r>
+          </a:p>
+          <a:p>
+            <a:pPr algn="ctr"/>
+            <a:r>
+              <a:rPr lang="en-US" sz="3600" b="1" dirty="0" smtClean="0">
+                <a:solidFill>
+                  <a:srgbClr val="273272"/>
+                </a:solidFill>
+              </a:rPr>
+              <a:t>System</a:t>
+            </a:r>
+            <a:endParaRPr lang="en-US" sz="3600" b="1" dirty="0">
+              <a:solidFill>
+                <a:srgbClr val="273272"/>
+              </a:solidFill>
+            </a:endParaRPr>
+          </a:p>
+        </p:txBody>
+      </p:sp>
+      <p:cxnSp>
+        <p:nvCxnSpPr>
+          <p:cNvPr id="14" name="Straight Connector 13"/>
+          <p:cNvCxnSpPr>
+            <a:endCxn id="7" idx="3"/>
+          </p:cNvCxnSpPr>
+          <p:nvPr/>
+        </p:nvCxnSpPr>
+        <p:spPr>
+          <a:xfrm flipH="1" flipV="1">
+            <a:off x="9456338" y="3523579"/>
+            <a:ext cx="1094181" cy="1088744"/>
+          </a:xfrm>
+          <a:prstGeom prst="line">
+            <a:avLst/>
+          </a:prstGeom>
+          <a:ln w="50800">
+            <a:solidFill>
+              <a:srgbClr val="1E3272"/>
+            </a:solidFill>
+            <a:tailEnd type="triangle"/>
+          </a:ln>
+        </p:spPr>
+        <p:style>
+          <a:lnRef idx="1">
+            <a:schemeClr val="accent1"/>
+          </a:lnRef>
+          <a:fillRef idx="0">
+            <a:schemeClr val="accent1"/>
+          </a:fillRef>
+          <a:effectRef idx="0">
+            <a:schemeClr val="accent1"/>
+          </a:effectRef>
+          <a:fontRef idx="minor">
+            <a:schemeClr val="tx1"/>
+          </a:fontRef>
+        </p:style>
+      </p:cxnSp>
+      <p:cxnSp>
+        <p:nvCxnSpPr>
+          <p:cNvPr id="15" name="Straight Connector 14"/>
+          <p:cNvCxnSpPr>
+            <a:endCxn id="10" idx="3"/>
+          </p:cNvCxnSpPr>
+          <p:nvPr/>
+        </p:nvCxnSpPr>
+        <p:spPr>
+          <a:xfrm flipH="1">
+            <a:off x="9456338" y="4599513"/>
+            <a:ext cx="1071956" cy="1198688"/>
+          </a:xfrm>
+          <a:prstGeom prst="line">
+            <a:avLst/>
+          </a:prstGeom>
+          <a:ln w="50800">
+            <a:solidFill>
+              <a:srgbClr val="1E3272"/>
+            </a:solidFill>
+            <a:tailEnd type="triangle"/>
+          </a:ln>
+        </p:spPr>
+        <p:style>
+          <a:lnRef idx="1">
+            <a:schemeClr val="accent1"/>
+          </a:lnRef>
+          <a:fillRef idx="0">
+            <a:schemeClr val="accent1"/>
+          </a:fillRef>
+          <a:effectRef idx="0">
+            <a:schemeClr val="accent1"/>
+          </a:effectRef>
+          <a:fontRef idx="minor">
+            <a:schemeClr val="tx1"/>
+          </a:fontRef>
+        </p:style>
+      </p:cxnSp>
+      <p:cxnSp>
+        <p:nvCxnSpPr>
+          <p:cNvPr id="18" name="Straight Connector 17"/>
+          <p:cNvCxnSpPr>
+            <a:endCxn id="9" idx="3"/>
+          </p:cNvCxnSpPr>
+          <p:nvPr/>
+        </p:nvCxnSpPr>
+        <p:spPr>
+          <a:xfrm flipH="1">
+            <a:off x="9456338" y="4599513"/>
+            <a:ext cx="1071956" cy="319252"/>
+          </a:xfrm>
+          <a:prstGeom prst="line">
+            <a:avLst/>
+          </a:prstGeom>
+          <a:ln w="50800">
+            <a:solidFill>
+              <a:srgbClr val="1E3272"/>
+            </a:solidFill>
+            <a:tailEnd type="triangle"/>
+          </a:ln>
+        </p:spPr>
+        <p:style>
+          <a:lnRef idx="1">
+            <a:schemeClr val="accent1"/>
+          </a:lnRef>
+          <a:fillRef idx="0">
+            <a:schemeClr val="accent1"/>
+          </a:fillRef>
+          <a:effectRef idx="0">
+            <a:schemeClr val="accent1"/>
+          </a:effectRef>
+          <a:fontRef idx="minor">
+            <a:schemeClr val="tx1"/>
+          </a:fontRef>
+        </p:style>
+      </p:cxnSp>
+      <p:cxnSp>
+        <p:nvCxnSpPr>
+          <p:cNvPr id="21" name="Straight Connector 20"/>
+          <p:cNvCxnSpPr>
+            <a:endCxn id="8" idx="3"/>
+          </p:cNvCxnSpPr>
+          <p:nvPr/>
+        </p:nvCxnSpPr>
+        <p:spPr>
+          <a:xfrm flipH="1" flipV="1">
+            <a:off x="9456338" y="4219133"/>
+            <a:ext cx="1071956" cy="386785"/>
+          </a:xfrm>
+          <a:prstGeom prst="line">
+            <a:avLst/>
+          </a:prstGeom>
+          <a:ln w="50800">
+            <a:solidFill>
+              <a:srgbClr val="1E3272"/>
+            </a:solidFill>
+            <a:tailEnd type="triangle"/>
+          </a:ln>
+        </p:spPr>
+        <p:style>
+          <a:lnRef idx="1">
+            <a:schemeClr val="accent1"/>
+          </a:lnRef>
+          <a:fillRef idx="0">
+            <a:schemeClr val="accent1"/>
+          </a:fillRef>
+          <a:effectRef idx="0">
+            <a:schemeClr val="accent1"/>
+          </a:effectRef>
+          <a:fontRef idx="minor">
+            <a:schemeClr val="tx1"/>
+          </a:fontRef>
+        </p:style>
+      </p:cxnSp>
+      <p:sp>
+        <p:nvSpPr>
+          <p:cNvPr id="57" name="TextBox 56"/>
+          <p:cNvSpPr txBox="1"/>
+          <p:nvPr/>
+        </p:nvSpPr>
+        <p:spPr>
+          <a:xfrm>
+            <a:off x="10080183" y="3367486"/>
+            <a:ext cx="1636648" cy="894678"/>
+          </a:xfrm>
+          <a:prstGeom prst="rect">
+            <a:avLst/>
+          </a:prstGeom>
+          <a:noFill/>
+        </p:spPr>
+        <p:txBody>
+          <a:bodyPr wrap="square" lIns="72000" tIns="25200" rIns="0" bIns="25200" rtlCol="0" anchor="ctr" anchorCtr="0">
+            <a:noAutofit/>
+          </a:bodyPr>
+          <a:lstStyle/>
+          <a:p>
+            <a:pPr algn="ctr"/>
+            <a:r>
+              <a:rPr lang="en-US" sz="2800" b="1" dirty="0" smtClean="0">
+                <a:solidFill>
+                  <a:srgbClr val="1E3272"/>
+                </a:solidFill>
+              </a:rPr>
+              <a:t>Memory Partitions</a:t>
+            </a:r>
+            <a:endParaRPr lang="en-US" sz="2800" b="1" dirty="0" smtClean="0">
+              <a:solidFill>
+                <a:srgbClr val="1E3272"/>
+              </a:solidFill>
+            </a:endParaRPr>
+          </a:p>
+        </p:txBody>
+      </p:sp>
+    </p:spTree>
+    <p:extLst>
+      <p:ext uri="{BB962C8B-B14F-4D97-AF65-F5344CB8AC3E}">
+        <p14:creationId xmlns:p14="http://schemas.microsoft.com/office/powerpoint/2010/main" val="4087179089"/>
+      </p:ext>
+    </p:extLst>
+  </p:cSld>
+  <p:clrMapOvr>
+    <a:masterClrMapping/>
+  </p:clrMapOvr>
+  <p:timing>
+    <p:tnLst>
+      <p:par>
+        <p:cTn id="1" dur="indefinite" restart="never" nodeType="tmRoot"/>
+      </p:par>
+    </p:tnLst>
+  </p:timing>
+</p:sld>
+</file>
+
+<file path=ppt/slides/slide15.xml><?xml version="1.0" encoding="utf-8"?>
+<p:sld xmlns:a="http://schemas.openxmlformats.org/drawingml/2006/main" xmlns:r="http://schemas.openxmlformats.org/officeDocument/2006/relationships" xmlns:p="http://schemas.openxmlformats.org/presentationml/2006/main">
+  <p:cSld>
+    <p:spTree>
+      <p:nvGrpSpPr>
+        <p:cNvPr id="1" name=""/>
+        <p:cNvGrpSpPr/>
+        <p:nvPr/>
+      </p:nvGrpSpPr>
+      <p:grpSpPr>
+        <a:xfrm>
+          <a:off x="0" y="0"/>
+          <a:ext cx="0" cy="0"/>
+          <a:chOff x="0" y="0"/>
+          <a:chExt cx="0" cy="0"/>
+        </a:xfrm>
+      </p:grpSpPr>
+      <p:sp>
+        <p:nvSpPr>
+          <p:cNvPr id="2" name="Content Placeholder 1"/>
+          <p:cNvSpPr>
+            <a:spLocks noGrp="1"/>
+          </p:cNvSpPr>
+          <p:nvPr>
+            <p:ph idx="1"/>
+          </p:nvPr>
+        </p:nvSpPr>
+        <p:spPr>
+          <a:xfrm>
+            <a:off x="838200" y="1178053"/>
+            <a:ext cx="6515100" cy="4997896"/>
+          </a:xfrm>
+        </p:spPr>
+        <p:txBody>
+          <a:bodyPr/>
+          <a:lstStyle/>
+          <a:p>
+            <a:endParaRPr lang="en-US" dirty="0"/>
+          </a:p>
+        </p:txBody>
+      </p:sp>
+      <p:sp>
+        <p:nvSpPr>
+          <p:cNvPr id="3" name="Slide Number Placeholder 2"/>
+          <p:cNvSpPr>
+            <a:spLocks noGrp="1"/>
+          </p:cNvSpPr>
+          <p:nvPr>
+            <p:ph type="sldNum" sz="quarter" idx="12"/>
+          </p:nvPr>
+        </p:nvSpPr>
+        <p:spPr/>
+        <p:txBody>
+          <a:bodyPr/>
+          <a:lstStyle/>
+          <a:p>
+            <a:pPr algn="ctr"/>
+            <a:fld id="{1397BFD8-F312-4EF2-A268-44FB4BDDBBB0}" type="slidenum">
+              <a:rPr lang="ru-RU" smtClean="0"/>
+              <a:pPr algn="ctr"/>
+              <a:t>15</a:t>
+            </a:fld>
+            <a:endParaRPr lang="ru-RU" dirty="0"/>
+          </a:p>
+        </p:txBody>
+      </p:sp>
+      <p:sp>
+        <p:nvSpPr>
+          <p:cNvPr id="4" name="Title 3"/>
+          <p:cNvSpPr>
+            <a:spLocks noGrp="1"/>
+          </p:cNvSpPr>
+          <p:nvPr>
+            <p:ph type="title"/>
+          </p:nvPr>
+        </p:nvSpPr>
+        <p:spPr/>
+        <p:txBody>
+          <a:bodyPr/>
+          <a:lstStyle/>
+          <a:p>
+            <a:r>
+              <a:rPr lang="en-US" dirty="0"/>
+              <a:t>History: </a:t>
+            </a:r>
+            <a:r>
+              <a:rPr lang="en-US" dirty="0" smtClean="0"/>
+              <a:t>4</a:t>
+            </a:r>
+            <a:r>
+              <a:rPr lang="en-US" baseline="30000" dirty="0" smtClean="0"/>
+              <a:t>th</a:t>
+            </a:r>
+            <a:r>
+              <a:rPr lang="en-US" dirty="0" smtClean="0"/>
+              <a:t> </a:t>
+            </a:r>
+            <a:r>
+              <a:rPr lang="en-US" dirty="0"/>
+              <a:t>Generation </a:t>
+            </a:r>
+            <a:r>
+              <a:rPr lang="en-US" dirty="0" smtClean="0"/>
+              <a:t>– VLSI and PC </a:t>
+            </a:r>
+            <a:endParaRPr lang="en-US" dirty="0"/>
+          </a:p>
+        </p:txBody>
+      </p:sp>
+      <p:pic>
+        <p:nvPicPr>
+          <p:cNvPr id="3074" name="Picture 2" descr="The Lisa - MacStories"/>
+          <p:cNvPicPr>
+            <a:picLocks noChangeAspect="1" noChangeArrowheads="1"/>
+          </p:cNvPicPr>
+          <p:nvPr/>
+        </p:nvPicPr>
+        <p:blipFill>
+          <a:blip r:embed="rId2" cstate="print">
+            <a:extLst>
+              <a:ext uri="{28A0092B-C50C-407E-A947-70E740481C1C}">
+                <a14:useLocalDpi xmlns:a14="http://schemas.microsoft.com/office/drawing/2010/main" val="0"/>
+              </a:ext>
+            </a:extLst>
+          </a:blip>
+          <a:srcRect/>
+          <a:stretch>
+            <a:fillRect/>
+          </a:stretch>
+        </p:blipFill>
+        <p:spPr bwMode="auto">
+          <a:xfrm>
+            <a:off x="7786129" y="3574163"/>
+            <a:ext cx="3600450" cy="2364296"/>
+          </a:xfrm>
+          <a:prstGeom prst="rect">
+            <a:avLst/>
+          </a:prstGeom>
+          <a:noFill/>
+          <a:extLst>
+            <a:ext uri="{909E8E84-426E-40DD-AFC4-6F175D3DCCD1}">
+              <a14:hiddenFill xmlns:a14="http://schemas.microsoft.com/office/drawing/2010/main">
+                <a:solidFill>
+                  <a:srgbClr val="FFFFFF"/>
+                </a:solidFill>
+              </a14:hiddenFill>
+            </a:ext>
+          </a:extLst>
+        </p:spPr>
+      </p:pic>
+      <p:pic>
+        <p:nvPicPr>
+          <p:cNvPr id="3076" name="Picture 4" descr="Free VLSI Tutorial - IC Design Process: A Beginner's Overview to VLSI  Technology | Udemy"/>
+          <p:cNvPicPr>
+            <a:picLocks noChangeAspect="1" noChangeArrowheads="1"/>
+          </p:cNvPicPr>
+          <p:nvPr/>
+        </p:nvPicPr>
+        <p:blipFill>
+          <a:blip r:embed="rId3">
+            <a:extLst>
+              <a:ext uri="{28A0092B-C50C-407E-A947-70E740481C1C}">
+                <a14:useLocalDpi xmlns:a14="http://schemas.microsoft.com/office/drawing/2010/main" val="0"/>
+              </a:ext>
+            </a:extLst>
+          </a:blip>
+          <a:srcRect/>
+          <a:stretch>
+            <a:fillRect/>
+          </a:stretch>
+        </p:blipFill>
+        <p:spPr bwMode="auto">
+          <a:xfrm>
+            <a:off x="7798829" y="1210309"/>
+            <a:ext cx="3571875" cy="2009775"/>
+          </a:xfrm>
+          <a:prstGeom prst="rect">
+            <a:avLst/>
+          </a:prstGeom>
+          <a:noFill/>
+          <a:extLst>
+            <a:ext uri="{909E8E84-426E-40DD-AFC4-6F175D3DCCD1}">
+              <a14:hiddenFill xmlns:a14="http://schemas.microsoft.com/office/drawing/2010/main">
+                <a:solidFill>
+                  <a:srgbClr val="FFFFFF"/>
+                </a:solidFill>
+              </a14:hiddenFill>
+            </a:ext>
+          </a:extLst>
+        </p:spPr>
+      </p:pic>
+    </p:spTree>
+    <p:extLst>
+      <p:ext uri="{BB962C8B-B14F-4D97-AF65-F5344CB8AC3E}">
+        <p14:creationId xmlns:p14="http://schemas.microsoft.com/office/powerpoint/2010/main" val="4020093932"/>
+      </p:ext>
+    </p:extLst>
+  </p:cSld>
+  <p:clrMapOvr>
+    <a:masterClrMapping/>
+  </p:clrMapOvr>
+  <p:timing>
+    <p:tnLst>
+      <p:par>
+        <p:cTn id="1" dur="indefinite" restart="never" nodeType="tmRoot"/>
+      </p:par>
+    </p:tnLst>
+  </p:timing>
+</p:sld>
+</file>
+
+<file path=ppt/slides/slide16.xml><?xml version="1.0" encoding="utf-8"?>
+<p:sld xmlns:a="http://schemas.openxmlformats.org/drawingml/2006/main" xmlns:r="http://schemas.openxmlformats.org/officeDocument/2006/relationships" xmlns:p="http://schemas.openxmlformats.org/presentationml/2006/main">
+  <p:cSld>
+    <p:spTree>
+      <p:nvGrpSpPr>
+        <p:cNvPr id="1" name=""/>
+        <p:cNvGrpSpPr/>
+        <p:nvPr/>
+      </p:nvGrpSpPr>
+      <p:grpSpPr>
+        <a:xfrm>
+          <a:off x="0" y="0"/>
+          <a:ext cx="0" cy="0"/>
+          <a:chOff x="0" y="0"/>
+          <a:chExt cx="0" cy="0"/>
+        </a:xfrm>
+      </p:grpSpPr>
+      <p:sp>
+        <p:nvSpPr>
+          <p:cNvPr id="2" name="Content Placeholder 1"/>
+          <p:cNvSpPr>
+            <a:spLocks noGrp="1"/>
+          </p:cNvSpPr>
+          <p:nvPr>
+            <p:ph idx="1"/>
+          </p:nvPr>
+        </p:nvSpPr>
+        <p:spPr/>
+        <p:txBody>
+          <a:bodyPr/>
+          <a:lstStyle/>
+          <a:p>
+            <a:endParaRPr lang="en-US" dirty="0"/>
+          </a:p>
+        </p:txBody>
+      </p:sp>
+      <p:sp>
+        <p:nvSpPr>
+          <p:cNvPr id="3" name="Slide Number Placeholder 2"/>
+          <p:cNvSpPr>
+            <a:spLocks noGrp="1"/>
+          </p:cNvSpPr>
+          <p:nvPr>
+            <p:ph type="sldNum" sz="quarter" idx="12"/>
+          </p:nvPr>
+        </p:nvSpPr>
+        <p:spPr/>
+        <p:txBody>
+          <a:bodyPr/>
+          <a:lstStyle/>
+          <a:p>
+            <a:pPr algn="ctr"/>
+            <a:fld id="{1397BFD8-F312-4EF2-A268-44FB4BDDBBB0}" type="slidenum">
+              <a:rPr lang="ru-RU" smtClean="0"/>
+              <a:pPr algn="ctr"/>
+              <a:t>16</a:t>
+            </a:fld>
+            <a:endParaRPr lang="ru-RU" dirty="0"/>
+          </a:p>
+        </p:txBody>
+      </p:sp>
+      <p:sp>
+        <p:nvSpPr>
+          <p:cNvPr id="4" name="Title 3"/>
+          <p:cNvSpPr>
+            <a:spLocks noGrp="1"/>
+          </p:cNvSpPr>
+          <p:nvPr>
+            <p:ph type="title"/>
+          </p:nvPr>
+        </p:nvSpPr>
+        <p:spPr/>
+        <p:txBody>
+          <a:bodyPr>
+            <a:normAutofit/>
+          </a:bodyPr>
+          <a:lstStyle/>
+          <a:p>
+            <a:r>
+              <a:rPr lang="en-US" dirty="0"/>
+              <a:t>History: </a:t>
+            </a:r>
+            <a:r>
+              <a:rPr lang="en-US" dirty="0" smtClean="0"/>
+              <a:t>5</a:t>
+            </a:r>
+            <a:r>
+              <a:rPr lang="en-US" baseline="30000" dirty="0" smtClean="0"/>
+              <a:t>th</a:t>
+            </a:r>
+            <a:r>
+              <a:rPr lang="en-US" dirty="0" smtClean="0"/>
+              <a:t> </a:t>
+            </a:r>
+            <a:r>
+              <a:rPr lang="en-US" dirty="0"/>
+              <a:t>Generation – </a:t>
+            </a:r>
+            <a:r>
+              <a:rPr lang="en-US" dirty="0" smtClean="0"/>
+              <a:t>Mobile devices </a:t>
+            </a:r>
+            <a:endParaRPr lang="en-US" dirty="0"/>
           </a:p>
         </p:txBody>
       </p:sp>
@@ -5912,10 +7047,17 @@
   <p:clrMapOvr>
     <a:masterClrMapping/>
   </p:clrMapOvr>
+  <p:timing>
+    <p:tnLst>
+      <p:par>
+        <p:cTn id="1" dur="indefinite" restart="never" nodeType="tmRoot"/>
+      </p:par>
+    </p:tnLst>
+  </p:timing>
 </p:sld>
 </file>
 
-<file path=ppt/slides/slide14.xml><?xml version="1.0" encoding="utf-8"?>
+<file path=ppt/slides/slide17.xml><?xml version="1.0" encoding="utf-8"?>
 <p:sld xmlns:a="http://schemas.openxmlformats.org/drawingml/2006/main" xmlns:r="http://schemas.openxmlformats.org/officeDocument/2006/relationships" xmlns:p="http://schemas.openxmlformats.org/presentationml/2006/main">
   <p:cSld>
     <p:spTree>
@@ -6012,7 +7154,7 @@
             <a:fld id="{1397BFD8-F312-4EF2-A268-44FB4BDDBBB0}" type="slidenum">
               <a:rPr lang="ru-RU" smtClean="0"/>
               <a:pPr algn="ctr"/>
-              <a:t>14</a:t>
+              <a:t>17</a:t>
             </a:fld>
             <a:endParaRPr lang="ru-RU" dirty="0"/>
           </a:p>
@@ -6129,7 +7271,7 @@
 </p:sld>
 </file>
 
-<file path=ppt/slides/slide15.xml><?xml version="1.0" encoding="utf-8"?>
+<file path=ppt/slides/slide18.xml><?xml version="1.0" encoding="utf-8"?>
 <p:sld xmlns:a="http://schemas.openxmlformats.org/drawingml/2006/main" xmlns:r="http://schemas.openxmlformats.org/officeDocument/2006/relationships" xmlns:p="http://schemas.openxmlformats.org/presentationml/2006/main">
   <p:cSld>
     <p:spTree>
@@ -6165,7 +7307,7 @@
             <a:fld id="{1397BFD8-F312-4EF2-A268-44FB4BDDBBB0}" type="slidenum">
               <a:rPr lang="ru-RU" smtClean="0"/>
               <a:pPr algn="ctr"/>
-              <a:t>15</a:t>
+              <a:t>18</a:t>
             </a:fld>
             <a:endParaRPr lang="ru-RU" dirty="0"/>
           </a:p>
@@ -6457,7 +7599,7 @@
 </p:sld>
 </file>
 
-<file path=ppt/slides/slide16.xml><?xml version="1.0" encoding="utf-8"?>
+<file path=ppt/slides/slide19.xml><?xml version="1.0" encoding="utf-8"?>
 <p:sld xmlns:a="http://schemas.openxmlformats.org/drawingml/2006/main" xmlns:r="http://schemas.openxmlformats.org/officeDocument/2006/relationships" xmlns:p="http://schemas.openxmlformats.org/presentationml/2006/main">
   <p:cSld>
     <p:spTree>
@@ -6692,7 +7834,7 @@
             <a:fld id="{1397BFD8-F312-4EF2-A268-44FB4BDDBBB0}" type="slidenum">
               <a:rPr lang="ru-RU" smtClean="0"/>
               <a:pPr algn="ctr"/>
-              <a:t>16</a:t>
+              <a:t>19</a:t>
             </a:fld>
             <a:endParaRPr lang="ru-RU" dirty="0"/>
           </a:p>
@@ -6992,7 +8134,196 @@
 </p:sld>
 </file>
 
-<file path=ppt/slides/slide17.xml><?xml version="1.0" encoding="utf-8"?>
+<file path=ppt/slides/slide2.xml><?xml version="1.0" encoding="utf-8"?>
+<p:sld xmlns:a="http://schemas.openxmlformats.org/drawingml/2006/main" xmlns:r="http://schemas.openxmlformats.org/officeDocument/2006/relationships" xmlns:p="http://schemas.openxmlformats.org/presentationml/2006/main">
+  <p:cSld>
+    <p:spTree>
+      <p:nvGrpSpPr>
+        <p:cNvPr id="1" name=""/>
+        <p:cNvGrpSpPr/>
+        <p:nvPr/>
+      </p:nvGrpSpPr>
+      <p:grpSpPr>
+        <a:xfrm>
+          <a:off x="0" y="0"/>
+          <a:ext cx="0" cy="0"/>
+          <a:chOff x="0" y="0"/>
+          <a:chExt cx="0" cy="0"/>
+        </a:xfrm>
+      </p:grpSpPr>
+      <p:sp>
+        <p:nvSpPr>
+          <p:cNvPr id="2" name="Содержимое 1"/>
+          <p:cNvSpPr>
+            <a:spLocks noGrp="1"/>
+          </p:cNvSpPr>
+          <p:nvPr>
+            <p:ph idx="1"/>
+          </p:nvPr>
+        </p:nvSpPr>
+        <p:spPr>
+          <a:xfrm>
+            <a:off x="838200" y="3515100"/>
+            <a:ext cx="10515600" cy="3016329"/>
+          </a:xfrm>
+        </p:spPr>
+        <p:txBody>
+          <a:bodyPr>
+            <a:normAutofit fontScale="92500" lnSpcReduction="10000"/>
+          </a:bodyPr>
+          <a:lstStyle/>
+          <a:p>
+            <a:r>
+              <a:rPr lang="en-US" sz="3500" b="1" dirty="0" smtClean="0"/>
+              <a:t>Wiki</a:t>
+            </a:r>
+            <a:endParaRPr lang="en-US" sz="3500" b="1" dirty="0" smtClean="0">
+              <a:hlinkClick r:id="rId2"/>
+            </a:endParaRPr>
+          </a:p>
+          <a:p>
+            <a:pPr>
+              <a:buNone/>
+            </a:pPr>
+            <a:r>
+              <a:rPr lang="en-US" sz="3200" dirty="0" smtClean="0">
+                <a:hlinkClick r:id="rId2"/>
+              </a:rPr>
+              <a:t>http://wiki.cs.hse.ru/ACOS_DSBA_2020/2021</a:t>
+            </a:r>
+          </a:p>
+          <a:p>
+            <a:r>
+              <a:rPr lang="en-US" sz="3500" b="1" dirty="0" smtClean="0"/>
+              <a:t>Web site</a:t>
+            </a:r>
+            <a:endParaRPr lang="ru-RU" sz="3500" b="1" dirty="0" smtClean="0"/>
+          </a:p>
+          <a:p>
+            <a:pPr>
+              <a:buNone/>
+            </a:pPr>
+            <a:r>
+              <a:rPr lang="en-US" sz="3200" dirty="0" smtClean="0">
+                <a:hlinkClick r:id="rId2"/>
+              </a:rPr>
+              <a:t>https://andrewt0301.github.io/hse-acos-course/</a:t>
+            </a:r>
+            <a:endParaRPr lang="en-US" sz="3200" dirty="0" smtClean="0"/>
+          </a:p>
+          <a:p>
+            <a:r>
+              <a:rPr lang="en-US" sz="3500" b="1" dirty="0" smtClean="0"/>
+              <a:t>Telegram channel</a:t>
+            </a:r>
+          </a:p>
+          <a:p>
+            <a:pPr>
+              <a:buNone/>
+            </a:pPr>
+            <a:r>
+              <a:rPr lang="en-US" sz="3200" dirty="0" smtClean="0">
+                <a:hlinkClick r:id="rId2"/>
+              </a:rPr>
+              <a:t>https://t.me/joinchat/AAAAAFDXhCd-WvYYZwBPGQ</a:t>
+            </a:r>
+          </a:p>
+          <a:p>
+            <a:pPr>
+              <a:buNone/>
+            </a:pPr>
+            <a:endParaRPr lang="en-US" sz="3200" dirty="0" smtClean="0"/>
+          </a:p>
+        </p:txBody>
+      </p:sp>
+      <p:sp>
+        <p:nvSpPr>
+          <p:cNvPr id="3" name="Номер слайда 2"/>
+          <p:cNvSpPr>
+            <a:spLocks noGrp="1"/>
+          </p:cNvSpPr>
+          <p:nvPr>
+            <p:ph type="sldNum" sz="quarter" idx="12"/>
+          </p:nvPr>
+        </p:nvSpPr>
+        <p:spPr/>
+        <p:txBody>
+          <a:bodyPr/>
+          <a:lstStyle/>
+          <a:p>
+            <a:pPr algn="ctr"/>
+            <a:fld id="{1397BFD8-F312-4EF2-A268-44FB4BDDBBB0}" type="slidenum">
+              <a:rPr lang="ru-RU" smtClean="0"/>
+              <a:pPr algn="ctr"/>
+              <a:t>2</a:t>
+            </a:fld>
+            <a:endParaRPr lang="ru-RU" dirty="0"/>
+          </a:p>
+        </p:txBody>
+      </p:sp>
+      <p:sp>
+        <p:nvSpPr>
+          <p:cNvPr id="4" name="Заголовок 3"/>
+          <p:cNvSpPr>
+            <a:spLocks noGrp="1"/>
+          </p:cNvSpPr>
+          <p:nvPr>
+            <p:ph type="title"/>
+          </p:nvPr>
+        </p:nvSpPr>
+        <p:spPr/>
+        <p:txBody>
+          <a:bodyPr/>
+          <a:lstStyle/>
+          <a:p>
+            <a:r>
+              <a:rPr lang="en-US" dirty="0" smtClean="0"/>
+              <a:t>Course Resources</a:t>
+            </a:r>
+            <a:endParaRPr lang="ru-RU" dirty="0"/>
+          </a:p>
+        </p:txBody>
+      </p:sp>
+      <p:pic>
+        <p:nvPicPr>
+          <p:cNvPr id="6" name="Рисунок 5" descr="hifive-unleashed-logo.png"/>
+          <p:cNvPicPr>
+            <a:picLocks noChangeAspect="1"/>
+          </p:cNvPicPr>
+          <p:nvPr/>
+        </p:nvPicPr>
+        <p:blipFill>
+          <a:blip r:embed="rId3" cstate="print"/>
+          <a:stretch>
+            <a:fillRect/>
+          </a:stretch>
+        </p:blipFill>
+        <p:spPr>
+          <a:xfrm>
+            <a:off x="3083501" y="1079358"/>
+            <a:ext cx="6191250" cy="2371725"/>
+          </a:xfrm>
+          <a:prstGeom prst="rect">
+            <a:avLst/>
+          </a:prstGeom>
+        </p:spPr>
+      </p:pic>
+    </p:spTree>
+  </p:cSld>
+  <p:clrMapOvr>
+    <a:masterClrMapping/>
+  </p:clrMapOvr>
+  <p:timing>
+    <p:tnLst>
+      <p:par>
+        <p:cTn id="1" dur="indefinite" restart="never" nodeType="tmRoot"/>
+      </p:par>
+    </p:tnLst>
+  </p:timing>
+</p:sld>
+</file>
+
+<file path=ppt/slides/slide20.xml><?xml version="1.0" encoding="utf-8"?>
 <p:sld xmlns:a="http://schemas.openxmlformats.org/drawingml/2006/main" xmlns:r="http://schemas.openxmlformats.org/officeDocument/2006/relationships" xmlns:p="http://schemas.openxmlformats.org/presentationml/2006/main">
   <p:cSld>
     <p:spTree>
@@ -7028,7 +8359,7 @@
             <a:fld id="{1397BFD8-F312-4EF2-A268-44FB4BDDBBB0}" type="slidenum">
               <a:rPr lang="ru-RU" smtClean="0"/>
               <a:pPr algn="ctr"/>
-              <a:t>17</a:t>
+              <a:t>20</a:t>
             </a:fld>
             <a:endParaRPr lang="ru-RU" dirty="0"/>
           </a:p>
@@ -7261,7 +8592,7 @@
 </p:sld>
 </file>
 
-<file path=ppt/slides/slide18.xml><?xml version="1.0" encoding="utf-8"?>
+<file path=ppt/slides/slide21.xml><?xml version="1.0" encoding="utf-8"?>
 <p:sld xmlns:a="http://schemas.openxmlformats.org/drawingml/2006/main" xmlns:r="http://schemas.openxmlformats.org/officeDocument/2006/relationships" xmlns:p="http://schemas.openxmlformats.org/presentationml/2006/main">
   <p:cSld>
     <p:spTree>
@@ -7816,7 +9147,7 @@
             <a:fld id="{1397BFD8-F312-4EF2-A268-44FB4BDDBBB0}" type="slidenum">
               <a:rPr lang="ru-RU" smtClean="0"/>
               <a:pPr algn="ctr"/>
-              <a:t>18</a:t>
+              <a:t>21</a:t>
             </a:fld>
             <a:endParaRPr lang="ru-RU" dirty="0"/>
           </a:p>
@@ -7828,195 +9159,6 @@
         <p14:creationId xmlns:p14="http://schemas.microsoft.com/office/powerpoint/2010/main" val="4217875043"/>
       </p:ext>
     </p:extLst>
-  </p:cSld>
-  <p:clrMapOvr>
-    <a:masterClrMapping/>
-  </p:clrMapOvr>
-  <p:timing>
-    <p:tnLst>
-      <p:par>
-        <p:cTn id="1" dur="indefinite" restart="never" nodeType="tmRoot"/>
-      </p:par>
-    </p:tnLst>
-  </p:timing>
-</p:sld>
-</file>
-
-<file path=ppt/slides/slide2.xml><?xml version="1.0" encoding="utf-8"?>
-<p:sld xmlns:a="http://schemas.openxmlformats.org/drawingml/2006/main" xmlns:r="http://schemas.openxmlformats.org/officeDocument/2006/relationships" xmlns:p="http://schemas.openxmlformats.org/presentationml/2006/main">
-  <p:cSld>
-    <p:spTree>
-      <p:nvGrpSpPr>
-        <p:cNvPr id="1" name=""/>
-        <p:cNvGrpSpPr/>
-        <p:nvPr/>
-      </p:nvGrpSpPr>
-      <p:grpSpPr>
-        <a:xfrm>
-          <a:off x="0" y="0"/>
-          <a:ext cx="0" cy="0"/>
-          <a:chOff x="0" y="0"/>
-          <a:chExt cx="0" cy="0"/>
-        </a:xfrm>
-      </p:grpSpPr>
-      <p:sp>
-        <p:nvSpPr>
-          <p:cNvPr id="2" name="Содержимое 1"/>
-          <p:cNvSpPr>
-            <a:spLocks noGrp="1"/>
-          </p:cNvSpPr>
-          <p:nvPr>
-            <p:ph idx="1"/>
-          </p:nvPr>
-        </p:nvSpPr>
-        <p:spPr>
-          <a:xfrm>
-            <a:off x="838200" y="3515100"/>
-            <a:ext cx="10515600" cy="3016329"/>
-          </a:xfrm>
-        </p:spPr>
-        <p:txBody>
-          <a:bodyPr>
-            <a:normAutofit fontScale="92500" lnSpcReduction="10000"/>
-          </a:bodyPr>
-          <a:lstStyle/>
-          <a:p>
-            <a:r>
-              <a:rPr lang="en-US" sz="3500" b="1" dirty="0" smtClean="0"/>
-              <a:t>Wiki</a:t>
-            </a:r>
-            <a:endParaRPr lang="en-US" sz="3500" b="1" dirty="0" smtClean="0">
-              <a:hlinkClick r:id="rId2"/>
-            </a:endParaRPr>
-          </a:p>
-          <a:p>
-            <a:pPr>
-              <a:buNone/>
-            </a:pPr>
-            <a:r>
-              <a:rPr lang="en-US" sz="3200" dirty="0" smtClean="0">
-                <a:hlinkClick r:id="rId2"/>
-              </a:rPr>
-              <a:t>http://wiki.cs.hse.ru/ACOS_DSBA_2020/2021</a:t>
-            </a:r>
-          </a:p>
-          <a:p>
-            <a:r>
-              <a:rPr lang="en-US" sz="3500" b="1" dirty="0" smtClean="0"/>
-              <a:t>Web site</a:t>
-            </a:r>
-            <a:endParaRPr lang="ru-RU" sz="3500" b="1" dirty="0" smtClean="0"/>
-          </a:p>
-          <a:p>
-            <a:pPr>
-              <a:buNone/>
-            </a:pPr>
-            <a:r>
-              <a:rPr lang="en-US" sz="3200" dirty="0" smtClean="0">
-                <a:hlinkClick r:id="rId2"/>
-              </a:rPr>
-              <a:t>https://andrewt0301.github.io/hse-acos-course/</a:t>
-            </a:r>
-            <a:endParaRPr lang="en-US" sz="3200" dirty="0" smtClean="0"/>
-          </a:p>
-          <a:p>
-            <a:r>
-              <a:rPr lang="en-US" sz="3500" b="1" dirty="0" smtClean="0"/>
-              <a:t>Telegram channel</a:t>
-            </a:r>
-          </a:p>
-          <a:p>
-            <a:pPr>
-              <a:buNone/>
-            </a:pPr>
-            <a:r>
-              <a:rPr lang="en-US" sz="3200" dirty="0" smtClean="0">
-                <a:hlinkClick r:id="rId2"/>
-              </a:rPr>
-              <a:t>https://t.me/joinchat/AAAAAFDXhCd-WvYYZwBPGQ</a:t>
-            </a:r>
-          </a:p>
-          <a:p>
-            <a:pPr>
-              <a:buNone/>
-            </a:pPr>
-            <a:endParaRPr lang="en-US" sz="3200" dirty="0" smtClean="0"/>
-          </a:p>
-        </p:txBody>
-      </p:sp>
-      <p:sp>
-        <p:nvSpPr>
-          <p:cNvPr id="3" name="Номер слайда 2"/>
-          <p:cNvSpPr>
-            <a:spLocks noGrp="1"/>
-          </p:cNvSpPr>
-          <p:nvPr>
-            <p:ph type="sldNum" sz="quarter" idx="12"/>
-          </p:nvPr>
-        </p:nvSpPr>
-        <p:spPr/>
-        <p:txBody>
-          <a:bodyPr/>
-          <a:lstStyle/>
-          <a:p>
-            <a:pPr algn="ctr"/>
-            <a:fld id="{1397BFD8-F312-4EF2-A268-44FB4BDDBBB0}" type="slidenum">
-              <a:rPr lang="ru-RU" smtClean="0"/>
-              <a:pPr algn="ctr"/>
-              <a:t>2</a:t>
-            </a:fld>
-            <a:endParaRPr lang="ru-RU" dirty="0"/>
-          </a:p>
-        </p:txBody>
-      </p:sp>
-      <p:sp>
-        <p:nvSpPr>
-          <p:cNvPr id="4" name="Заголовок 3"/>
-          <p:cNvSpPr>
-            <a:spLocks noGrp="1"/>
-          </p:cNvSpPr>
-          <p:nvPr>
-            <p:ph type="title"/>
-          </p:nvPr>
-        </p:nvSpPr>
-        <p:spPr/>
-        <p:txBody>
-          <a:bodyPr/>
-          <a:lstStyle/>
-          <a:p>
-            <a:r>
-              <a:rPr lang="en-US" dirty="0" smtClean="0"/>
-              <a:t>Course Resources</a:t>
-            </a:r>
-            <a:endParaRPr lang="ru-RU" dirty="0"/>
-          </a:p>
-        </p:txBody>
-      </p:sp>
-      <p:pic>
-        <p:nvPicPr>
-          <p:cNvPr id="6" name="Рисунок 5" descr="hifive-unleashed-logo.png"/>
-          <p:cNvPicPr>
-            <a:picLocks noChangeAspect="1"/>
-          </p:cNvPicPr>
-          <p:nvPr/>
-        </p:nvPicPr>
-        <p:blipFill>
-          <a:blip r:embed="rId3" cstate="print"/>
-          <a:stretch>
-            <a:fillRect/>
-          </a:stretch>
-        </p:blipFill>
-        <p:spPr>
-          <a:xfrm>
-            <a:off x="3083501" y="1079358"/>
-            <a:ext cx="6191250" cy="2371725"/>
-          </a:xfrm>
-          <a:prstGeom prst="rect">
-            <a:avLst/>
-          </a:prstGeom>
-        </p:spPr>
-      </p:pic>
-    </p:spTree>
   </p:cSld>
   <p:clrMapOvr>
     <a:masterClrMapping/>
@@ -8313,17 +9455,23 @@
         </p:nvSpPr>
         <p:spPr>
           <a:xfrm>
-            <a:off x="838200" y="1178053"/>
-            <a:ext cx="10515600" cy="5246498"/>
+            <a:off x="838200" y="1054100"/>
+            <a:ext cx="10515600" cy="5616257"/>
           </a:xfrm>
         </p:spPr>
         <p:txBody>
           <a:bodyPr>
-            <a:normAutofit lnSpcReduction="10000"/>
+            <a:normAutofit fontScale="92500" lnSpcReduction="10000"/>
           </a:bodyPr>
           <a:lstStyle/>
           <a:p>
             <a:pPr algn="ctr">
+              <a:lnSpc>
+                <a:spcPct val="110000"/>
+              </a:lnSpc>
+              <a:spcAft>
+                <a:spcPts val="600"/>
+              </a:spcAft>
               <a:buNone/>
             </a:pPr>
             <a:r>
@@ -8331,7 +9479,7 @@
               <a:t>Syllabus (</a:t>
             </a:r>
             <a:r>
-              <a:rPr lang="en-US" sz="4400" smtClean="0">
+              <a:rPr lang="en-US" sz="4400" dirty="0" smtClean="0">
                 <a:solidFill>
                   <a:srgbClr val="2F5CB5"/>
                 </a:solidFill>
@@ -8339,73 +9487,133 @@
               <a:t>see the web site for details</a:t>
             </a:r>
             <a:r>
-              <a:rPr lang="en-US" sz="4400" smtClean="0"/>
+              <a:rPr lang="en-US" sz="4400" dirty="0" smtClean="0"/>
               <a:t>)</a:t>
             </a:r>
-            <a:endParaRPr lang="en-US" sz="4400" dirty="0" smtClean="0"/>
-          </a:p>
-          <a:p>
-            <a:r>
-              <a:rPr lang="en-US" dirty="0" smtClean="0"/>
+          </a:p>
+          <a:p>
+            <a:pPr>
+              <a:lnSpc>
+                <a:spcPct val="120000"/>
+              </a:lnSpc>
+              <a:spcBef>
+                <a:spcPts val="0"/>
+              </a:spcBef>
+            </a:pPr>
+            <a:r>
+              <a:rPr lang="en-US" sz="3900" dirty="0" smtClean="0"/>
               <a:t>Module 3: Computer Architecture</a:t>
             </a:r>
           </a:p>
           <a:p>
-            <a:pPr lvl="1"/>
-            <a:r>
-              <a:rPr lang="en-US" dirty="0" smtClean="0"/>
+            <a:pPr lvl="1">
+              <a:lnSpc>
+                <a:spcPct val="110000"/>
+              </a:lnSpc>
+              <a:spcBef>
+                <a:spcPts val="0"/>
+              </a:spcBef>
+            </a:pPr>
+            <a:r>
+              <a:rPr lang="en-US" sz="3500" dirty="0" smtClean="0"/>
               <a:t>Computer architecture</a:t>
             </a:r>
           </a:p>
           <a:p>
-            <a:pPr lvl="1"/>
-            <a:r>
-              <a:rPr lang="en-US" dirty="0" smtClean="0"/>
+            <a:pPr lvl="1">
+              <a:lnSpc>
+                <a:spcPct val="110000"/>
+              </a:lnSpc>
+              <a:spcBef>
+                <a:spcPts val="0"/>
+              </a:spcBef>
+            </a:pPr>
+            <a:r>
+              <a:rPr lang="en-US" sz="3500" dirty="0" smtClean="0"/>
               <a:t>Assembly language programming (RISC-V)</a:t>
             </a:r>
           </a:p>
           <a:p>
-            <a:pPr lvl="1"/>
-            <a:r>
-              <a:rPr lang="en-US" dirty="0" smtClean="0"/>
-              <a:t>Home works, quizzes, </a:t>
-            </a:r>
-            <a:r>
-              <a:rPr lang="en-US" smtClean="0"/>
-              <a:t>and test</a:t>
-            </a:r>
-            <a:endParaRPr lang="en-US" dirty="0" smtClean="0"/>
-          </a:p>
-          <a:p>
-            <a:r>
-              <a:rPr lang="en-US" dirty="0" smtClean="0"/>
+            <a:pPr lvl="1">
+              <a:lnSpc>
+                <a:spcPct val="110000"/>
+              </a:lnSpc>
+              <a:spcBef>
+                <a:spcPts val="0"/>
+              </a:spcBef>
+            </a:pPr>
+            <a:r>
+              <a:rPr lang="en-US" sz="3500" dirty="0" smtClean="0"/>
+              <a:t>Home works, quizzes, and test</a:t>
+            </a:r>
+          </a:p>
+          <a:p>
+            <a:pPr>
+              <a:lnSpc>
+                <a:spcPct val="120000"/>
+              </a:lnSpc>
+              <a:spcBef>
+                <a:spcPts val="0"/>
+              </a:spcBef>
+            </a:pPr>
+            <a:r>
+              <a:rPr lang="en-US" sz="3900" dirty="0" smtClean="0"/>
               <a:t>Module 4: Operating Systems</a:t>
             </a:r>
           </a:p>
           <a:p>
-            <a:pPr lvl="1"/>
-            <a:r>
-              <a:rPr lang="en-US" dirty="0" smtClean="0"/>
+            <a:pPr lvl="1">
+              <a:lnSpc>
+                <a:spcPct val="110000"/>
+              </a:lnSpc>
+              <a:spcBef>
+                <a:spcPts val="0"/>
+              </a:spcBef>
+            </a:pPr>
+            <a:r>
+              <a:rPr lang="en-US" sz="3500" dirty="0" smtClean="0"/>
               <a:t>Operating System Architecture (Linux)</a:t>
             </a:r>
           </a:p>
           <a:p>
-            <a:pPr lvl="1"/>
-            <a:r>
-              <a:rPr lang="en-US" dirty="0" smtClean="0"/>
+            <a:pPr lvl="1">
+              <a:lnSpc>
+                <a:spcPct val="110000"/>
+              </a:lnSpc>
+              <a:spcBef>
+                <a:spcPts val="0"/>
+              </a:spcBef>
+            </a:pPr>
+            <a:r>
+              <a:rPr lang="en-US" sz="3500" dirty="0" smtClean="0"/>
               <a:t>System programming in C</a:t>
             </a:r>
           </a:p>
           <a:p>
-            <a:pPr lvl="1"/>
-            <a:r>
-              <a:rPr lang="en-US" dirty="0" smtClean="0"/>
+            <a:pPr lvl="1">
+              <a:lnSpc>
+                <a:spcPct val="110000"/>
+              </a:lnSpc>
+              <a:spcBef>
+                <a:spcPts val="0"/>
+              </a:spcBef>
+            </a:pPr>
+            <a:r>
+              <a:rPr lang="en-US" sz="3500" dirty="0" smtClean="0"/>
               <a:t>Home works, quizzes, and test</a:t>
             </a:r>
           </a:p>
           <a:p>
-            <a:r>
-              <a:rPr lang="en-US" dirty="0" smtClean="0"/>
+            <a:pPr>
+              <a:lnSpc>
+                <a:spcPct val="120000"/>
+              </a:lnSpc>
+              <a:spcBef>
+                <a:spcPts val="0"/>
+              </a:spcBef>
+            </a:pPr>
+            <a:r>
+              <a:rPr lang="en-US" sz="3900" dirty="0" smtClean="0"/>
               <a:t>Final Exam</a:t>
             </a:r>
           </a:p>
@@ -8508,7 +9716,7 @@
         <p:spPr/>
         <p:txBody>
           <a:bodyPr>
-            <a:normAutofit/>
+            <a:noAutofit/>
           </a:bodyPr>
           <a:lstStyle/>
           <a:p>
@@ -8518,9 +9726,14 @@
               </a:lnSpc>
             </a:pPr>
             <a:r>
-              <a:rPr lang="en-US" smtClean="0"/>
-              <a:t>Increase your computer liretacy</a:t>
-            </a:r>
+              <a:rPr lang="en-US" sz="4000" dirty="0" smtClean="0"/>
+              <a:t>Increase your computer </a:t>
+            </a:r>
+            <a:r>
+              <a:rPr lang="en-US" sz="4000" dirty="0" smtClean="0"/>
+              <a:t>literacy</a:t>
+            </a:r>
+            <a:endParaRPr lang="en-US" sz="4000" dirty="0" smtClean="0"/>
           </a:p>
           <a:p>
             <a:pPr>
@@ -8529,7 +9742,7 @@
               </a:lnSpc>
             </a:pPr>
             <a:r>
-              <a:rPr lang="en-US" smtClean="0"/>
+              <a:rPr lang="en-US" sz="4000" dirty="0" smtClean="0"/>
               <a:t>Have an idea how computers under the hood</a:t>
             </a:r>
           </a:p>
@@ -8540,7 +9753,7 @@
               </a:lnSpc>
             </a:pPr>
             <a:r>
-              <a:rPr lang="en-US" smtClean="0"/>
+              <a:rPr lang="en-US" sz="4000" dirty="0" smtClean="0"/>
               <a:t>Better understand performance</a:t>
             </a:r>
           </a:p>
@@ -8551,7 +9764,7 @@
               </a:lnSpc>
             </a:pPr>
             <a:r>
-              <a:rPr lang="en-US" smtClean="0"/>
+              <a:rPr lang="en-US" sz="4000" dirty="0" smtClean="0"/>
               <a:t>Be familiar with system programming</a:t>
             </a:r>
           </a:p>
@@ -8562,10 +9775,10 @@
               </a:lnSpc>
             </a:pPr>
             <a:r>
-              <a:rPr lang="en-US" smtClean="0"/>
+              <a:rPr lang="en-US" sz="4000" dirty="0" smtClean="0"/>
               <a:t>Be familiar with system tools</a:t>
             </a:r>
-            <a:endParaRPr lang="ru-RU" dirty="0"/>
+            <a:endParaRPr lang="ru-RU" sz="4000" dirty="0"/>
           </a:p>
         </p:txBody>
       </p:sp>
@@ -8711,8 +9924,8 @@
         </p:nvSpPr>
         <p:spPr bwMode="auto">
           <a:xfrm>
-            <a:off x="6425184" y="1272105"/>
-            <a:ext cx="4160113" cy="5047536"/>
+            <a:off x="6056884" y="1201316"/>
+            <a:ext cx="4673074" cy="5189113"/>
           </a:xfrm>
           <a:prstGeom prst="rect">
             <a:avLst/>
@@ -8756,9 +9969,6 @@
           <a:lstStyle/>
           <a:p>
             <a:pPr marL="0" marR="0" lvl="0" indent="0" algn="l" defTabSz="914400" rtl="0" eaLnBrk="0" fontAlgn="base" latinLnBrk="0" hangingPunct="0">
-              <a:lnSpc>
-                <a:spcPct val="100000"/>
-              </a:lnSpc>
               <a:spcBef>
                 <a:spcPct val="0"/>
               </a:spcBef>
@@ -8772,7 +9982,7 @@
               <a:tabLst/>
             </a:pPr>
             <a:r>
-              <a:rPr kumimoji="0" lang="en-US" altLang="en-US" sz="1400" b="1" i="0" u="none" strike="noStrike" cap="none" normalizeH="0" baseline="0" smtClean="0">
+              <a:rPr kumimoji="0" lang="en-US" altLang="en-US" sz="1600" b="1" i="0" u="none" strike="noStrike" cap="none" normalizeH="0" baseline="0" dirty="0" smtClean="0">
                 <a:ln>
                   <a:noFill/>
                 </a:ln>
@@ -8785,7 +9995,7 @@
               <a:t>import </a:t>
             </a:r>
             <a:r>
-              <a:rPr kumimoji="0" lang="en-US" altLang="en-US" sz="1400" b="0" i="0" u="none" strike="noStrike" cap="none" normalizeH="0" baseline="0" smtClean="0">
+              <a:rPr kumimoji="0" lang="en-US" altLang="en-US" sz="1600" b="0" i="0" u="none" strike="noStrike" cap="none" normalizeH="0" baseline="0" dirty="0" smtClean="0">
                 <a:ln>
                   <a:noFill/>
                 </a:ln>
@@ -8798,7 +10008,7 @@
               <a:t>random</a:t>
             </a:r>
             <a:br>
-              <a:rPr kumimoji="0" lang="en-US" altLang="en-US" sz="1400" b="0" i="0" u="none" strike="noStrike" cap="none" normalizeH="0" baseline="0" smtClean="0">
+              <a:rPr kumimoji="0" lang="en-US" altLang="en-US" sz="1600" b="0" i="0" u="none" strike="noStrike" cap="none" normalizeH="0" baseline="0" dirty="0" smtClean="0">
                 <a:ln>
                   <a:noFill/>
                 </a:ln>
@@ -8810,7 +10020,7 @@
               </a:rPr>
             </a:br>
             <a:r>
-              <a:rPr kumimoji="0" lang="en-US" altLang="en-US" sz="1400" b="1" i="0" u="none" strike="noStrike" cap="none" normalizeH="0" baseline="0" smtClean="0">
+              <a:rPr kumimoji="0" lang="en-US" altLang="en-US" sz="1600" b="1" i="0" u="none" strike="noStrike" cap="none" normalizeH="0" baseline="0" dirty="0" smtClean="0">
                 <a:ln>
                   <a:noFill/>
                 </a:ln>
@@ -8823,7 +10033,7 @@
               <a:t>from </a:t>
             </a:r>
             <a:r>
-              <a:rPr kumimoji="0" lang="en-US" altLang="en-US" sz="1400" b="0" i="0" u="none" strike="noStrike" cap="none" normalizeH="0" baseline="0" smtClean="0">
+              <a:rPr kumimoji="0" lang="en-US" altLang="en-US" sz="1600" b="0" i="0" u="none" strike="noStrike" cap="none" normalizeH="0" baseline="0" dirty="0" smtClean="0">
                 <a:ln>
                   <a:noFill/>
                 </a:ln>
@@ -8836,7 +10046,7 @@
               <a:t>time </a:t>
             </a:r>
             <a:r>
-              <a:rPr kumimoji="0" lang="en-US" altLang="en-US" sz="1400" b="1" i="0" u="none" strike="noStrike" cap="none" normalizeH="0" baseline="0" smtClean="0">
+              <a:rPr kumimoji="0" lang="en-US" altLang="en-US" sz="1600" b="1" i="0" u="none" strike="noStrike" cap="none" normalizeH="0" baseline="0" dirty="0" smtClean="0">
                 <a:ln>
                   <a:noFill/>
                 </a:ln>
@@ -8849,7 +10059,7 @@
               <a:t>import </a:t>
             </a:r>
             <a:r>
-              <a:rPr kumimoji="0" lang="en-US" altLang="en-US" sz="1400" b="0" i="0" u="none" strike="noStrike" cap="none" normalizeH="0" baseline="0" smtClean="0">
+              <a:rPr kumimoji="0" lang="en-US" altLang="en-US" sz="1600" b="0" i="0" u="none" strike="noStrike" cap="none" normalizeH="0" baseline="0" dirty="0" smtClean="0">
                 <a:ln>
                   <a:noFill/>
                 </a:ln>
@@ -8862,7 +10072,7 @@
               <a:t>time</a:t>
             </a:r>
             <a:br>
-              <a:rPr kumimoji="0" lang="en-US" altLang="en-US" sz="1400" b="0" i="0" u="none" strike="noStrike" cap="none" normalizeH="0" baseline="0" smtClean="0">
+              <a:rPr kumimoji="0" lang="en-US" altLang="en-US" sz="1600" b="0" i="0" u="none" strike="noStrike" cap="none" normalizeH="0" baseline="0" dirty="0" smtClean="0">
                 <a:ln>
                   <a:noFill/>
                 </a:ln>
@@ -8874,7 +10084,7 @@
               </a:rPr>
             </a:br>
             <a:r>
-              <a:rPr kumimoji="0" lang="en-US" altLang="en-US" sz="1400" b="0" i="0" u="none" strike="noStrike" cap="none" normalizeH="0" baseline="0" smtClean="0">
+              <a:rPr kumimoji="0" lang="en-US" altLang="en-US" sz="1600" b="0" i="0" u="none" strike="noStrike" cap="none" normalizeH="0" baseline="0" dirty="0" smtClean="0">
                 <a:ln>
                   <a:noFill/>
                 </a:ln>
@@ -8887,7 +10097,7 @@
               <a:t/>
             </a:r>
             <a:br>
-              <a:rPr kumimoji="0" lang="en-US" altLang="en-US" sz="1400" b="0" i="0" u="none" strike="noStrike" cap="none" normalizeH="0" baseline="0" smtClean="0">
+              <a:rPr kumimoji="0" lang="en-US" altLang="en-US" sz="1600" b="0" i="0" u="none" strike="noStrike" cap="none" normalizeH="0" baseline="0" dirty="0" smtClean="0">
                 <a:ln>
                   <a:noFill/>
                 </a:ln>
@@ -8899,7 +10109,7 @@
               </a:rPr>
             </a:br>
             <a:r>
-              <a:rPr kumimoji="0" lang="en-US" altLang="en-US" sz="1400" b="0" i="0" u="none" strike="noStrike" cap="none" normalizeH="0" baseline="0" smtClean="0">
+              <a:rPr kumimoji="0" lang="en-US" altLang="en-US" sz="1600" b="0" i="0" u="none" strike="noStrike" cap="none" normalizeH="0" baseline="0" dirty="0" smtClean="0">
                 <a:ln>
                   <a:noFill/>
                 </a:ln>
@@ -8912,7 +10122,7 @@
               <a:t>n </a:t>
             </a:r>
             <a:r>
-              <a:rPr kumimoji="0" lang="en-US" altLang="en-US" sz="1400" b="1" i="0" u="none" strike="noStrike" cap="none" normalizeH="0" baseline="0" smtClean="0">
+              <a:rPr kumimoji="0" lang="en-US" altLang="en-US" sz="1600" b="1" i="0" u="none" strike="noStrike" cap="none" normalizeH="0" baseline="0" dirty="0" smtClean="0">
                 <a:ln>
                   <a:noFill/>
                 </a:ln>
@@ -8925,7 +10135,7 @@
               <a:t>= </a:t>
             </a:r>
             <a:r>
-              <a:rPr kumimoji="0" lang="en-US" altLang="en-US" sz="1400" b="1" i="1" u="none" strike="noStrike" cap="none" normalizeH="0" baseline="0" smtClean="0">
+              <a:rPr kumimoji="0" lang="en-US" altLang="en-US" sz="1600" b="1" i="1" u="none" strike="noStrike" cap="none" normalizeH="0" baseline="0" dirty="0" smtClean="0">
                 <a:ln>
                   <a:noFill/>
                 </a:ln>
@@ -8940,9 +10150,6 @@
           </a:p>
           <a:p>
             <a:pPr marL="0" marR="0" lvl="0" indent="0" algn="l" defTabSz="914400" rtl="0" eaLnBrk="0" fontAlgn="base" latinLnBrk="0" hangingPunct="0">
-              <a:lnSpc>
-                <a:spcPct val="100000"/>
-              </a:lnSpc>
               <a:spcBef>
                 <a:spcPct val="0"/>
               </a:spcBef>
@@ -8956,7 +10163,7 @@
               <a:tabLst/>
             </a:pPr>
             <a:r>
-              <a:rPr kumimoji="0" lang="en-US" altLang="en-US" sz="1400" b="1" i="1" u="none" strike="noStrike" cap="none" normalizeH="0" baseline="0" smtClean="0">
+              <a:rPr kumimoji="0" lang="en-US" altLang="en-US" sz="1600" b="1" i="1" u="none" strike="noStrike" cap="none" normalizeH="0" baseline="0" dirty="0" smtClean="0">
                 <a:ln>
                   <a:noFill/>
                 </a:ln>
@@ -8969,7 +10176,7 @@
               <a:t/>
             </a:r>
             <a:br>
-              <a:rPr kumimoji="0" lang="en-US" altLang="en-US" sz="1400" b="1" i="1" u="none" strike="noStrike" cap="none" normalizeH="0" baseline="0" smtClean="0">
+              <a:rPr kumimoji="0" lang="en-US" altLang="en-US" sz="1600" b="1" i="1" u="none" strike="noStrike" cap="none" normalizeH="0" baseline="0" dirty="0" smtClean="0">
                 <a:ln>
                   <a:noFill/>
                 </a:ln>
@@ -8981,7 +10188,7 @@
               </a:rPr>
             </a:br>
             <a:r>
-              <a:rPr kumimoji="0" lang="en-US" altLang="en-US" sz="1400" b="0" i="0" u="none" strike="noStrike" cap="none" normalizeH="0" baseline="0" smtClean="0">
+              <a:rPr kumimoji="0" lang="en-US" altLang="en-US" sz="1600" b="0" i="0" u="none" strike="noStrike" cap="none" normalizeH="0" baseline="0" dirty="0" smtClean="0">
                 <a:ln>
                   <a:noFill/>
                 </a:ln>
@@ -8994,7 +10201,7 @@
               <a:t>A </a:t>
             </a:r>
             <a:r>
-              <a:rPr kumimoji="0" lang="en-US" altLang="en-US" sz="1400" b="1" i="0" u="none" strike="noStrike" cap="none" normalizeH="0" baseline="0" smtClean="0">
+              <a:rPr kumimoji="0" lang="en-US" altLang="en-US" sz="1600" b="1" i="0" u="none" strike="noStrike" cap="none" normalizeH="0" baseline="0" dirty="0" smtClean="0">
                 <a:ln>
                   <a:noFill/>
                 </a:ln>
@@ -9007,7 +10214,7 @@
               <a:t>= </a:t>
             </a:r>
             <a:r>
-              <a:rPr kumimoji="0" lang="en-US" altLang="en-US" sz="1400" b="0" i="0" u="none" strike="noStrike" cap="none" normalizeH="0" baseline="0" smtClean="0">
+              <a:rPr kumimoji="0" lang="en-US" altLang="en-US" sz="1600" b="0" i="0" u="none" strike="noStrike" cap="none" normalizeH="0" baseline="0" dirty="0" smtClean="0">
                 <a:ln>
                   <a:noFill/>
                 </a:ln>
@@ -9017,10 +10224,10 @@
                 <a:effectLst/>
                 <a:latin typeface="Consolas" panose="020B0609020204030204" pitchFamily="49" charset="0"/>
               </a:rPr>
-              <a:t>[[random.random()</a:t>
-            </a:r>
-            <a:br>
-              <a:rPr kumimoji="0" lang="en-US" altLang="en-US" sz="1400" b="0" i="0" u="none" strike="noStrike" cap="none" normalizeH="0" baseline="0" smtClean="0">
+              <a:t>[[</a:t>
+            </a:r>
+            <a:r>
+              <a:rPr kumimoji="0" lang="en-US" altLang="en-US" sz="1600" b="0" i="0" u="none" strike="noStrike" cap="none" normalizeH="0" baseline="0" dirty="0" err="1" smtClean="0">
                 <a:ln>
                   <a:noFill/>
                 </a:ln>
@@ -9030,9 +10237,10 @@
                 <a:effectLst/>
                 <a:latin typeface="Consolas" panose="020B0609020204030204" pitchFamily="49" charset="0"/>
               </a:rPr>
-            </a:br>
-            <a:r>
-              <a:rPr kumimoji="0" lang="en-US" altLang="en-US" sz="1400" b="0" i="0" u="none" strike="noStrike" cap="none" normalizeH="0" baseline="0" smtClean="0">
+              <a:t>random.random</a:t>
+            </a:r>
+            <a:r>
+              <a:rPr kumimoji="0" lang="en-US" altLang="en-US" sz="1600" b="0" i="0" u="none" strike="noStrike" cap="none" normalizeH="0" baseline="0" dirty="0" smtClean="0">
                 <a:ln>
                   <a:noFill/>
                 </a:ln>
@@ -9042,23 +10250,22 @@
                 <a:effectLst/>
                 <a:latin typeface="Consolas" panose="020B0609020204030204" pitchFamily="49" charset="0"/>
               </a:rPr>
-              <a:t>      </a:t>
-            </a:r>
-            <a:r>
-              <a:rPr kumimoji="0" lang="en-US" altLang="en-US" sz="1400" b="1" i="0" u="none" strike="noStrike" cap="none" normalizeH="0" baseline="0" smtClean="0">
+              <a:t>()</a:t>
+            </a:r>
+            <a:br>
+              <a:rPr kumimoji="0" lang="en-US" altLang="en-US" sz="1600" b="0" i="0" u="none" strike="noStrike" cap="none" normalizeH="0" baseline="0" dirty="0" smtClean="0">
                 <a:ln>
                   <a:noFill/>
                 </a:ln>
                 <a:solidFill>
-                  <a:srgbClr val="000080"/>
+                  <a:srgbClr val="000000"/>
                 </a:solidFill>
                 <a:effectLst/>
                 <a:latin typeface="Consolas" panose="020B0609020204030204" pitchFamily="49" charset="0"/>
               </a:rPr>
-              <a:t>for </a:t>
-            </a:r>
-            <a:r>
-              <a:rPr kumimoji="0" lang="en-US" altLang="en-US" sz="1400" b="0" i="0" u="none" strike="noStrike" cap="none" normalizeH="0" baseline="0" smtClean="0">
+            </a:br>
+            <a:r>
+              <a:rPr kumimoji="0" lang="en-US" altLang="en-US" sz="1600" b="0" i="0" u="none" strike="noStrike" cap="none" normalizeH="0" baseline="0" dirty="0" smtClean="0">
                 <a:ln>
                   <a:noFill/>
                 </a:ln>
@@ -9068,10 +10275,10 @@
                 <a:effectLst/>
                 <a:latin typeface="Consolas" panose="020B0609020204030204" pitchFamily="49" charset="0"/>
               </a:rPr>
-              <a:t>row </a:t>
-            </a:r>
-            <a:r>
-              <a:rPr kumimoji="0" lang="en-US" altLang="en-US" sz="1400" b="1" i="0" u="none" strike="noStrike" cap="none" normalizeH="0" baseline="0" smtClean="0">
+              <a:t>      </a:t>
+            </a:r>
+            <a:r>
+              <a:rPr kumimoji="0" lang="en-US" altLang="en-US" sz="1600" b="1" i="0" u="none" strike="noStrike" cap="none" normalizeH="0" baseline="0" dirty="0" smtClean="0">
                 <a:ln>
                   <a:noFill/>
                 </a:ln>
@@ -9081,10 +10288,10 @@
                 <a:effectLst/>
                 <a:latin typeface="Consolas" panose="020B0609020204030204" pitchFamily="49" charset="0"/>
               </a:rPr>
-              <a:t>in </a:t>
-            </a:r>
-            <a:r>
-              <a:rPr kumimoji="0" lang="en-US" altLang="en-US" sz="1400" b="0" i="0" u="none" strike="noStrike" cap="none" normalizeH="0" baseline="0" smtClean="0">
+              <a:t>for </a:t>
+            </a:r>
+            <a:r>
+              <a:rPr kumimoji="0" lang="en-US" altLang="en-US" sz="1600" b="0" i="0" u="none" strike="noStrike" cap="none" normalizeH="0" baseline="0" dirty="0" smtClean="0">
                 <a:ln>
                   <a:noFill/>
                 </a:ln>
@@ -9094,22 +10301,23 @@
                 <a:effectLst/>
                 <a:latin typeface="Consolas" panose="020B0609020204030204" pitchFamily="49" charset="0"/>
               </a:rPr>
-              <a:t>range(n)]</a:t>
-            </a:r>
-            <a:br>
-              <a:rPr kumimoji="0" lang="en-US" altLang="en-US" sz="1400" b="0" i="0" u="none" strike="noStrike" cap="none" normalizeH="0" baseline="0" smtClean="0">
+              <a:t>row </a:t>
+            </a:r>
+            <a:r>
+              <a:rPr kumimoji="0" lang="en-US" altLang="en-US" sz="1600" b="1" i="0" u="none" strike="noStrike" cap="none" normalizeH="0" baseline="0" dirty="0" smtClean="0">
                 <a:ln>
                   <a:noFill/>
                 </a:ln>
                 <a:solidFill>
-                  <a:srgbClr val="000000"/>
+                  <a:srgbClr val="000080"/>
                 </a:solidFill>
                 <a:effectLst/>
                 <a:latin typeface="Consolas" panose="020B0609020204030204" pitchFamily="49" charset="0"/>
               </a:rPr>
-            </a:br>
-            <a:r>
-              <a:rPr kumimoji="0" lang="en-US" altLang="en-US" sz="1400" b="0" i="0" u="none" strike="noStrike" cap="none" normalizeH="0" baseline="0" smtClean="0">
+              <a:t>in </a:t>
+            </a:r>
+            <a:r>
+              <a:rPr kumimoji="0" lang="en-US" altLang="en-US" sz="1600" b="0" i="0" u="none" strike="noStrike" cap="none" normalizeH="0" baseline="0" dirty="0" smtClean="0">
                 <a:ln>
                   <a:noFill/>
                 </a:ln>
@@ -9119,23 +10327,22 @@
                 <a:effectLst/>
                 <a:latin typeface="Consolas" panose="020B0609020204030204" pitchFamily="49" charset="0"/>
               </a:rPr>
-              <a:t>      </a:t>
-            </a:r>
-            <a:r>
-              <a:rPr kumimoji="0" lang="en-US" altLang="en-US" sz="1400" b="1" i="0" u="none" strike="noStrike" cap="none" normalizeH="0" baseline="0" smtClean="0">
+              <a:t>range(n)]</a:t>
+            </a:r>
+            <a:br>
+              <a:rPr kumimoji="0" lang="en-US" altLang="en-US" sz="1600" b="0" i="0" u="none" strike="noStrike" cap="none" normalizeH="0" baseline="0" dirty="0" smtClean="0">
                 <a:ln>
                   <a:noFill/>
                 </a:ln>
                 <a:solidFill>
-                  <a:srgbClr val="000080"/>
+                  <a:srgbClr val="000000"/>
                 </a:solidFill>
                 <a:effectLst/>
                 <a:latin typeface="Consolas" panose="020B0609020204030204" pitchFamily="49" charset="0"/>
               </a:rPr>
-              <a:t>for </a:t>
-            </a:r>
-            <a:r>
-              <a:rPr kumimoji="0" lang="en-US" altLang="en-US" sz="1400" b="0" i="0" u="none" strike="noStrike" cap="none" normalizeH="0" baseline="0" smtClean="0">
+            </a:br>
+            <a:r>
+              <a:rPr kumimoji="0" lang="en-US" altLang="en-US" sz="1600" b="0" i="0" u="none" strike="noStrike" cap="none" normalizeH="0" baseline="0" dirty="0" smtClean="0">
                 <a:ln>
                   <a:noFill/>
                 </a:ln>
@@ -9145,10 +10352,10 @@
                 <a:effectLst/>
                 <a:latin typeface="Consolas" panose="020B0609020204030204" pitchFamily="49" charset="0"/>
               </a:rPr>
-              <a:t>col </a:t>
-            </a:r>
-            <a:r>
-              <a:rPr kumimoji="0" lang="en-US" altLang="en-US" sz="1400" b="1" i="0" u="none" strike="noStrike" cap="none" normalizeH="0" baseline="0" smtClean="0">
+              <a:t>      </a:t>
+            </a:r>
+            <a:r>
+              <a:rPr kumimoji="0" lang="en-US" altLang="en-US" sz="1600" b="1" i="0" u="none" strike="noStrike" cap="none" normalizeH="0" baseline="0" dirty="0" smtClean="0">
                 <a:ln>
                   <a:noFill/>
                 </a:ln>
@@ -9158,10 +10365,10 @@
                 <a:effectLst/>
                 <a:latin typeface="Consolas" panose="020B0609020204030204" pitchFamily="49" charset="0"/>
               </a:rPr>
-              <a:t>in </a:t>
-            </a:r>
-            <a:r>
-              <a:rPr kumimoji="0" lang="en-US" altLang="en-US" sz="1400" b="0" i="0" u="none" strike="noStrike" cap="none" normalizeH="0" baseline="0" smtClean="0">
+              <a:t>for </a:t>
+            </a:r>
+            <a:r>
+              <a:rPr kumimoji="0" lang="en-US" altLang="en-US" sz="1600" b="0" i="0" u="none" strike="noStrike" cap="none" normalizeH="0" baseline="0" dirty="0" smtClean="0">
                 <a:ln>
                   <a:noFill/>
                 </a:ln>
@@ -9171,22 +10378,23 @@
                 <a:effectLst/>
                 <a:latin typeface="Consolas" panose="020B0609020204030204" pitchFamily="49" charset="0"/>
               </a:rPr>
-              <a:t>range(n)]</a:t>
-            </a:r>
-            <a:br>
-              <a:rPr kumimoji="0" lang="en-US" altLang="en-US" sz="1400" b="0" i="0" u="none" strike="noStrike" cap="none" normalizeH="0" baseline="0" smtClean="0">
+              <a:t>col </a:t>
+            </a:r>
+            <a:r>
+              <a:rPr kumimoji="0" lang="en-US" altLang="en-US" sz="1600" b="1" i="0" u="none" strike="noStrike" cap="none" normalizeH="0" baseline="0" dirty="0" smtClean="0">
                 <a:ln>
                   <a:noFill/>
                 </a:ln>
                 <a:solidFill>
-                  <a:srgbClr val="000000"/>
+                  <a:srgbClr val="000080"/>
                 </a:solidFill>
                 <a:effectLst/>
                 <a:latin typeface="Consolas" panose="020B0609020204030204" pitchFamily="49" charset="0"/>
               </a:rPr>
-            </a:br>
-            <a:r>
-              <a:rPr kumimoji="0" lang="en-US" altLang="en-US" sz="1400" b="0" i="0" u="none" strike="noStrike" cap="none" normalizeH="0" baseline="0" smtClean="0">
+              <a:t>in </a:t>
+            </a:r>
+            <a:r>
+              <a:rPr kumimoji="0" lang="en-US" altLang="en-US" sz="1600" b="0" i="0" u="none" strike="noStrike" cap="none" normalizeH="0" baseline="0" dirty="0" smtClean="0">
                 <a:ln>
                   <a:noFill/>
                 </a:ln>
@@ -9196,23 +10404,22 @@
                 <a:effectLst/>
                 <a:latin typeface="Consolas" panose="020B0609020204030204" pitchFamily="49" charset="0"/>
               </a:rPr>
-              <a:t>B </a:t>
-            </a:r>
-            <a:r>
-              <a:rPr kumimoji="0" lang="en-US" altLang="en-US" sz="1400" b="1" i="0" u="none" strike="noStrike" cap="none" normalizeH="0" baseline="0" smtClean="0">
+              <a:t>range(n)]</a:t>
+            </a:r>
+            <a:br>
+              <a:rPr kumimoji="0" lang="en-US" altLang="en-US" sz="1600" b="0" i="0" u="none" strike="noStrike" cap="none" normalizeH="0" baseline="0" dirty="0" smtClean="0">
                 <a:ln>
                   <a:noFill/>
                 </a:ln>
                 <a:solidFill>
-                  <a:srgbClr val="000080"/>
+                  <a:srgbClr val="000000"/>
                 </a:solidFill>
                 <a:effectLst/>
                 <a:latin typeface="Consolas" panose="020B0609020204030204" pitchFamily="49" charset="0"/>
               </a:rPr>
-              <a:t>= </a:t>
-            </a:r>
-            <a:r>
-              <a:rPr kumimoji="0" lang="en-US" altLang="en-US" sz="1400" b="0" i="0" u="none" strike="noStrike" cap="none" normalizeH="0" baseline="0" smtClean="0">
+            </a:br>
+            <a:r>
+              <a:rPr kumimoji="0" lang="en-US" altLang="en-US" sz="1600" b="0" i="0" u="none" strike="noStrike" cap="none" normalizeH="0" baseline="0" dirty="0" smtClean="0">
                 <a:ln>
                   <a:noFill/>
                 </a:ln>
@@ -9222,22 +10429,23 @@
                 <a:effectLst/>
                 <a:latin typeface="Consolas" panose="020B0609020204030204" pitchFamily="49" charset="0"/>
               </a:rPr>
-              <a:t>[[random.random()</a:t>
-            </a:r>
-            <a:br>
-              <a:rPr kumimoji="0" lang="en-US" altLang="en-US" sz="1400" b="0" i="0" u="none" strike="noStrike" cap="none" normalizeH="0" baseline="0" smtClean="0">
+              <a:t>B </a:t>
+            </a:r>
+            <a:r>
+              <a:rPr kumimoji="0" lang="en-US" altLang="en-US" sz="1600" b="1" i="0" u="none" strike="noStrike" cap="none" normalizeH="0" baseline="0" dirty="0" smtClean="0">
                 <a:ln>
                   <a:noFill/>
                 </a:ln>
                 <a:solidFill>
-                  <a:srgbClr val="000000"/>
+                  <a:srgbClr val="000080"/>
                 </a:solidFill>
                 <a:effectLst/>
                 <a:latin typeface="Consolas" panose="020B0609020204030204" pitchFamily="49" charset="0"/>
               </a:rPr>
-            </a:br>
-            <a:r>
-              <a:rPr kumimoji="0" lang="en-US" altLang="en-US" sz="1400" b="0" i="0" u="none" strike="noStrike" cap="none" normalizeH="0" baseline="0" smtClean="0">
+              <a:t>= </a:t>
+            </a:r>
+            <a:r>
+              <a:rPr kumimoji="0" lang="en-US" altLang="en-US" sz="1600" b="0" i="0" u="none" strike="noStrike" cap="none" normalizeH="0" baseline="0" dirty="0" smtClean="0">
                 <a:ln>
                   <a:noFill/>
                 </a:ln>
@@ -9247,23 +10455,23 @@
                 <a:effectLst/>
                 <a:latin typeface="Consolas" panose="020B0609020204030204" pitchFamily="49" charset="0"/>
               </a:rPr>
-              <a:t>      </a:t>
-            </a:r>
-            <a:r>
-              <a:rPr kumimoji="0" lang="en-US" altLang="en-US" sz="1400" b="1" i="0" u="none" strike="noStrike" cap="none" normalizeH="0" baseline="0" smtClean="0">
+              <a:t>[[</a:t>
+            </a:r>
+            <a:r>
+              <a:rPr kumimoji="0" lang="en-US" altLang="en-US" sz="1600" b="0" i="0" u="none" strike="noStrike" cap="none" normalizeH="0" baseline="0" dirty="0" err="1" smtClean="0">
                 <a:ln>
                   <a:noFill/>
                 </a:ln>
                 <a:solidFill>
-                  <a:srgbClr val="000080"/>
+                  <a:srgbClr val="000000"/>
                 </a:solidFill>
                 <a:effectLst/>
                 <a:latin typeface="Consolas" panose="020B0609020204030204" pitchFamily="49" charset="0"/>
               </a:rPr>
-              <a:t>for </a:t>
-            </a:r>
-            <a:r>
-              <a:rPr kumimoji="0" lang="en-US" altLang="en-US" sz="1400" b="0" i="0" u="none" strike="noStrike" cap="none" normalizeH="0" baseline="0" smtClean="0">
+              <a:t>random.random</a:t>
+            </a:r>
+            <a:r>
+              <a:rPr kumimoji="0" lang="en-US" altLang="en-US" sz="1600" b="0" i="0" u="none" strike="noStrike" cap="none" normalizeH="0" baseline="0" dirty="0" smtClean="0">
                 <a:ln>
                   <a:noFill/>
                 </a:ln>
@@ -9273,23 +10481,22 @@
                 <a:effectLst/>
                 <a:latin typeface="Consolas" panose="020B0609020204030204" pitchFamily="49" charset="0"/>
               </a:rPr>
-              <a:t>row </a:t>
-            </a:r>
-            <a:r>
-              <a:rPr kumimoji="0" lang="en-US" altLang="en-US" sz="1400" b="1" i="0" u="none" strike="noStrike" cap="none" normalizeH="0" baseline="0" smtClean="0">
+              <a:t>()</a:t>
+            </a:r>
+            <a:br>
+              <a:rPr kumimoji="0" lang="en-US" altLang="en-US" sz="1600" b="0" i="0" u="none" strike="noStrike" cap="none" normalizeH="0" baseline="0" dirty="0" smtClean="0">
                 <a:ln>
                   <a:noFill/>
                 </a:ln>
                 <a:solidFill>
-                  <a:srgbClr val="000080"/>
+                  <a:srgbClr val="000000"/>
                 </a:solidFill>
                 <a:effectLst/>
                 <a:latin typeface="Consolas" panose="020B0609020204030204" pitchFamily="49" charset="0"/>
               </a:rPr>
-              <a:t>in </a:t>
-            </a:r>
-            <a:r>
-              <a:rPr kumimoji="0" lang="en-US" altLang="en-US" sz="1400" b="0" i="0" u="none" strike="noStrike" cap="none" normalizeH="0" baseline="0" smtClean="0">
+            </a:br>
+            <a:r>
+              <a:rPr kumimoji="0" lang="en-US" altLang="en-US" sz="1600" b="0" i="0" u="none" strike="noStrike" cap="none" normalizeH="0" baseline="0" dirty="0" smtClean="0">
                 <a:ln>
                   <a:noFill/>
                 </a:ln>
@@ -9299,22 +10506,23 @@
                 <a:effectLst/>
                 <a:latin typeface="Consolas" panose="020B0609020204030204" pitchFamily="49" charset="0"/>
               </a:rPr>
-              <a:t>range(n)]</a:t>
-            </a:r>
-            <a:br>
-              <a:rPr kumimoji="0" lang="en-US" altLang="en-US" sz="1400" b="0" i="0" u="none" strike="noStrike" cap="none" normalizeH="0" baseline="0" smtClean="0">
+              <a:t>      </a:t>
+            </a:r>
+            <a:r>
+              <a:rPr kumimoji="0" lang="en-US" altLang="en-US" sz="1600" b="1" i="0" u="none" strike="noStrike" cap="none" normalizeH="0" baseline="0" dirty="0" smtClean="0">
                 <a:ln>
                   <a:noFill/>
                 </a:ln>
                 <a:solidFill>
-                  <a:srgbClr val="000000"/>
+                  <a:srgbClr val="000080"/>
                 </a:solidFill>
                 <a:effectLst/>
                 <a:latin typeface="Consolas" panose="020B0609020204030204" pitchFamily="49" charset="0"/>
               </a:rPr>
-            </a:br>
-            <a:r>
-              <a:rPr kumimoji="0" lang="en-US" altLang="en-US" sz="1400" b="0" i="0" u="none" strike="noStrike" cap="none" normalizeH="0" baseline="0" smtClean="0">
+              <a:t>for </a:t>
+            </a:r>
+            <a:r>
+              <a:rPr kumimoji="0" lang="en-US" altLang="en-US" sz="1600" b="0" i="0" u="none" strike="noStrike" cap="none" normalizeH="0" baseline="0" dirty="0" smtClean="0">
                 <a:ln>
                   <a:noFill/>
                 </a:ln>
@@ -9324,10 +10532,10 @@
                 <a:effectLst/>
                 <a:latin typeface="Consolas" panose="020B0609020204030204" pitchFamily="49" charset="0"/>
               </a:rPr>
-              <a:t>      </a:t>
-            </a:r>
-            <a:r>
-              <a:rPr kumimoji="0" lang="en-US" altLang="en-US" sz="1400" b="1" i="0" u="none" strike="noStrike" cap="none" normalizeH="0" baseline="0" smtClean="0">
+              <a:t>row </a:t>
+            </a:r>
+            <a:r>
+              <a:rPr kumimoji="0" lang="en-US" altLang="en-US" sz="1600" b="1" i="0" u="none" strike="noStrike" cap="none" normalizeH="0" baseline="0" dirty="0" smtClean="0">
                 <a:ln>
                   <a:noFill/>
                 </a:ln>
@@ -9337,10 +10545,10 @@
                 <a:effectLst/>
                 <a:latin typeface="Consolas" panose="020B0609020204030204" pitchFamily="49" charset="0"/>
               </a:rPr>
-              <a:t>for </a:t>
-            </a:r>
-            <a:r>
-              <a:rPr kumimoji="0" lang="en-US" altLang="en-US" sz="1400" b="0" i="0" u="none" strike="noStrike" cap="none" normalizeH="0" baseline="0" smtClean="0">
+              <a:t>in </a:t>
+            </a:r>
+            <a:r>
+              <a:rPr kumimoji="0" lang="en-US" altLang="en-US" sz="1600" b="0" i="0" u="none" strike="noStrike" cap="none" normalizeH="0" baseline="0" dirty="0" smtClean="0">
                 <a:ln>
                   <a:noFill/>
                 </a:ln>
@@ -9350,23 +10558,22 @@
                 <a:effectLst/>
                 <a:latin typeface="Consolas" panose="020B0609020204030204" pitchFamily="49" charset="0"/>
               </a:rPr>
-              <a:t>col </a:t>
-            </a:r>
-            <a:r>
-              <a:rPr kumimoji="0" lang="en-US" altLang="en-US" sz="1400" b="1" i="0" u="none" strike="noStrike" cap="none" normalizeH="0" baseline="0" smtClean="0">
+              <a:t>range(n)]</a:t>
+            </a:r>
+            <a:br>
+              <a:rPr kumimoji="0" lang="en-US" altLang="en-US" sz="1600" b="0" i="0" u="none" strike="noStrike" cap="none" normalizeH="0" baseline="0" dirty="0" smtClean="0">
                 <a:ln>
                   <a:noFill/>
                 </a:ln>
                 <a:solidFill>
-                  <a:srgbClr val="000080"/>
+                  <a:srgbClr val="000000"/>
                 </a:solidFill>
                 <a:effectLst/>
                 <a:latin typeface="Consolas" panose="020B0609020204030204" pitchFamily="49" charset="0"/>
               </a:rPr>
-              <a:t>in </a:t>
-            </a:r>
-            <a:r>
-              <a:rPr kumimoji="0" lang="en-US" altLang="en-US" sz="1400" b="0" i="0" u="none" strike="noStrike" cap="none" normalizeH="0" baseline="0" smtClean="0">
+            </a:br>
+            <a:r>
+              <a:rPr kumimoji="0" lang="en-US" altLang="en-US" sz="1600" b="0" i="0" u="none" strike="noStrike" cap="none" normalizeH="0" baseline="0" dirty="0" smtClean="0">
                 <a:ln>
                   <a:noFill/>
                 </a:ln>
@@ -9376,22 +10583,23 @@
                 <a:effectLst/>
                 <a:latin typeface="Consolas" panose="020B0609020204030204" pitchFamily="49" charset="0"/>
               </a:rPr>
-              <a:t>range(n)]</a:t>
-            </a:r>
-            <a:br>
-              <a:rPr kumimoji="0" lang="en-US" altLang="en-US" sz="1400" b="0" i="0" u="none" strike="noStrike" cap="none" normalizeH="0" baseline="0" smtClean="0">
+              <a:t>      </a:t>
+            </a:r>
+            <a:r>
+              <a:rPr kumimoji="0" lang="en-US" altLang="en-US" sz="1600" b="1" i="0" u="none" strike="noStrike" cap="none" normalizeH="0" baseline="0" dirty="0" smtClean="0">
                 <a:ln>
                   <a:noFill/>
                 </a:ln>
                 <a:solidFill>
-                  <a:srgbClr val="000000"/>
+                  <a:srgbClr val="000080"/>
                 </a:solidFill>
                 <a:effectLst/>
                 <a:latin typeface="Consolas" panose="020B0609020204030204" pitchFamily="49" charset="0"/>
               </a:rPr>
-            </a:br>
-            <a:r>
-              <a:rPr kumimoji="0" lang="en-US" altLang="en-US" sz="1400" b="0" i="0" u="none" strike="noStrike" cap="none" normalizeH="0" baseline="0" smtClean="0">
+              <a:t>for </a:t>
+            </a:r>
+            <a:r>
+              <a:rPr kumimoji="0" lang="en-US" altLang="en-US" sz="1600" b="0" i="0" u="none" strike="noStrike" cap="none" normalizeH="0" baseline="0" dirty="0" smtClean="0">
                 <a:ln>
                   <a:noFill/>
                 </a:ln>
@@ -9401,10 +10609,10 @@
                 <a:effectLst/>
                 <a:latin typeface="Consolas" panose="020B0609020204030204" pitchFamily="49" charset="0"/>
               </a:rPr>
-              <a:t>C </a:t>
-            </a:r>
-            <a:r>
-              <a:rPr kumimoji="0" lang="en-US" altLang="en-US" sz="1400" b="1" i="0" u="none" strike="noStrike" cap="none" normalizeH="0" baseline="0" smtClean="0">
+              <a:t>col </a:t>
+            </a:r>
+            <a:r>
+              <a:rPr kumimoji="0" lang="en-US" altLang="en-US" sz="1600" b="1" i="0" u="none" strike="noStrike" cap="none" normalizeH="0" baseline="0" dirty="0" smtClean="0">
                 <a:ln>
                   <a:noFill/>
                 </a:ln>
@@ -9414,10 +10622,10 @@
                 <a:effectLst/>
                 <a:latin typeface="Consolas" panose="020B0609020204030204" pitchFamily="49" charset="0"/>
               </a:rPr>
-              <a:t>= </a:t>
-            </a:r>
-            <a:r>
-              <a:rPr kumimoji="0" lang="en-US" altLang="en-US" sz="1400" b="0" i="0" u="none" strike="noStrike" cap="none" normalizeH="0" baseline="0" smtClean="0">
+              <a:t>in </a:t>
+            </a:r>
+            <a:r>
+              <a:rPr kumimoji="0" lang="en-US" altLang="en-US" sz="1600" b="0" i="0" u="none" strike="noStrike" cap="none" normalizeH="0" baseline="0" dirty="0" smtClean="0">
                 <a:ln>
                   <a:noFill/>
                 </a:ln>
@@ -9427,112 +10635,112 @@
                 <a:effectLst/>
                 <a:latin typeface="Consolas" panose="020B0609020204030204" pitchFamily="49" charset="0"/>
               </a:rPr>
-              <a:t>[[</a:t>
-            </a:r>
-            <a:r>
-              <a:rPr kumimoji="0" lang="en-US" altLang="en-US" sz="1400" b="1" i="1" u="none" strike="noStrike" cap="none" normalizeH="0" baseline="0" smtClean="0">
+              <a:t>range(n)]</a:t>
+            </a:r>
+            <a:br>
+              <a:rPr kumimoji="0" lang="en-US" altLang="en-US" sz="1600" b="0" i="0" u="none" strike="noStrike" cap="none" normalizeH="0" baseline="0" dirty="0" smtClean="0">
                 <a:ln>
                   <a:noFill/>
                 </a:ln>
                 <a:solidFill>
-                  <a:srgbClr val="0000FF"/>
+                  <a:srgbClr val="000000"/>
                 </a:solidFill>
                 <a:effectLst/>
                 <a:latin typeface="Consolas" panose="020B0609020204030204" pitchFamily="49" charset="0"/>
               </a:rPr>
-              <a:t>0</a:t>
-            </a:r>
-            <a:br>
-              <a:rPr kumimoji="0" lang="en-US" altLang="en-US" sz="1400" b="1" i="1" u="none" strike="noStrike" cap="none" normalizeH="0" baseline="0" smtClean="0">
+            </a:br>
+            <a:r>
+              <a:rPr kumimoji="0" lang="en-US" altLang="en-US" sz="1600" b="0" i="0" u="none" strike="noStrike" cap="none" normalizeH="0" baseline="0" dirty="0" smtClean="0">
                 <a:ln>
                   <a:noFill/>
                 </a:ln>
                 <a:solidFill>
-                  <a:srgbClr val="0000FF"/>
+                  <a:srgbClr val="000000"/>
                 </a:solidFill>
                 <a:effectLst/>
                 <a:latin typeface="Consolas" panose="020B0609020204030204" pitchFamily="49" charset="0"/>
               </a:rPr>
-            </a:br>
-            <a:r>
-              <a:rPr kumimoji="0" lang="en-US" altLang="en-US" sz="1400" b="1" i="1" u="none" strike="noStrike" cap="none" normalizeH="0" baseline="0" smtClean="0">
+              <a:t>C </a:t>
+            </a:r>
+            <a:r>
+              <a:rPr kumimoji="0" lang="en-US" altLang="en-US" sz="1600" b="1" i="0" u="none" strike="noStrike" cap="none" normalizeH="0" baseline="0" dirty="0" smtClean="0">
                 <a:ln>
                   <a:noFill/>
                 </a:ln>
                 <a:solidFill>
-                  <a:srgbClr val="0000FF"/>
+                  <a:srgbClr val="000080"/>
                 </a:solidFill>
                 <a:effectLst/>
                 <a:latin typeface="Consolas" panose="020B0609020204030204" pitchFamily="49" charset="0"/>
               </a:rPr>
-              <a:t>      </a:t>
-            </a:r>
-            <a:r>
-              <a:rPr kumimoji="0" lang="en-US" altLang="en-US" sz="1400" b="1" i="0" u="none" strike="noStrike" cap="none" normalizeH="0" baseline="0" smtClean="0">
+              <a:t>= </a:t>
+            </a:r>
+            <a:r>
+              <a:rPr kumimoji="0" lang="en-US" altLang="en-US" sz="1600" b="0" i="0" u="none" strike="noStrike" cap="none" normalizeH="0" baseline="0" dirty="0" smtClean="0">
                 <a:ln>
                   <a:noFill/>
                 </a:ln>
                 <a:solidFill>
-                  <a:srgbClr val="000080"/>
+                  <a:srgbClr val="000000"/>
                 </a:solidFill>
                 <a:effectLst/>
                 <a:latin typeface="Consolas" panose="020B0609020204030204" pitchFamily="49" charset="0"/>
               </a:rPr>
-              <a:t>for </a:t>
-            </a:r>
-            <a:r>
-              <a:rPr kumimoji="0" lang="en-US" altLang="en-US" sz="1400" b="0" i="0" u="none" strike="noStrike" cap="none" normalizeH="0" baseline="0" smtClean="0">
+              <a:t>[[</a:t>
+            </a:r>
+            <a:r>
+              <a:rPr kumimoji="0" lang="en-US" altLang="en-US" sz="1600" b="1" i="1" u="none" strike="noStrike" cap="none" normalizeH="0" baseline="0" dirty="0" smtClean="0">
                 <a:ln>
                   <a:noFill/>
                 </a:ln>
                 <a:solidFill>
-                  <a:srgbClr val="000000"/>
+                  <a:srgbClr val="0000FF"/>
                 </a:solidFill>
                 <a:effectLst/>
                 <a:latin typeface="Consolas" panose="020B0609020204030204" pitchFamily="49" charset="0"/>
               </a:rPr>
-              <a:t>row </a:t>
-            </a:r>
-            <a:r>
-              <a:rPr kumimoji="0" lang="en-US" altLang="en-US" sz="1400" b="1" i="0" u="none" strike="noStrike" cap="none" normalizeH="0" baseline="0" smtClean="0">
+              <a:t>0</a:t>
+            </a:r>
+            <a:br>
+              <a:rPr kumimoji="0" lang="en-US" altLang="en-US" sz="1600" b="1" i="1" u="none" strike="noStrike" cap="none" normalizeH="0" baseline="0" dirty="0" smtClean="0">
                 <a:ln>
                   <a:noFill/>
                 </a:ln>
                 <a:solidFill>
-                  <a:srgbClr val="000080"/>
+                  <a:srgbClr val="0000FF"/>
                 </a:solidFill>
                 <a:effectLst/>
                 <a:latin typeface="Consolas" panose="020B0609020204030204" pitchFamily="49" charset="0"/>
               </a:rPr>
-              <a:t>in </a:t>
-            </a:r>
-            <a:r>
-              <a:rPr kumimoji="0" lang="en-US" altLang="en-US" sz="1400" b="0" i="0" u="none" strike="noStrike" cap="none" normalizeH="0" baseline="0" smtClean="0">
+            </a:br>
+            <a:r>
+              <a:rPr kumimoji="0" lang="en-US" altLang="en-US" sz="1600" b="1" i="1" u="none" strike="noStrike" cap="none" normalizeH="0" baseline="0" dirty="0" smtClean="0">
                 <a:ln>
                   <a:noFill/>
                 </a:ln>
                 <a:solidFill>
-                  <a:srgbClr val="000000"/>
+                  <a:srgbClr val="0000FF"/>
                 </a:solidFill>
                 <a:effectLst/>
                 <a:latin typeface="Consolas" panose="020B0609020204030204" pitchFamily="49" charset="0"/>
               </a:rPr>
-              <a:t>range(n)]</a:t>
-            </a:r>
-            <a:br>
-              <a:rPr kumimoji="0" lang="en-US" altLang="en-US" sz="1400" b="0" i="0" u="none" strike="noStrike" cap="none" normalizeH="0" baseline="0" smtClean="0">
+              <a:t>      </a:t>
+            </a:r>
+            <a:r>
+              <a:rPr kumimoji="0" lang="en-US" altLang="en-US" sz="1600" b="1" i="0" u="none" strike="noStrike" cap="none" normalizeH="0" baseline="0" dirty="0" smtClean="0">
                 <a:ln>
                   <a:noFill/>
                 </a:ln>
                 <a:solidFill>
-                  <a:srgbClr val="000000"/>
+                  <a:srgbClr val="000080"/>
                 </a:solidFill>
                 <a:effectLst/>
                 <a:latin typeface="Consolas" panose="020B0609020204030204" pitchFamily="49" charset="0"/>
               </a:rPr>
-            </a:br>
-            <a:r>
-              <a:rPr kumimoji="0" lang="en-US" altLang="en-US" sz="1400" b="0" i="0" u="none" strike="noStrike" cap="none" normalizeH="0" baseline="0" smtClean="0">
+              <a:t>for </a:t>
+            </a:r>
+            <a:r>
+              <a:rPr kumimoji="0" lang="en-US" altLang="en-US" sz="1600" b="0" i="0" u="none" strike="noStrike" cap="none" normalizeH="0" baseline="0" dirty="0" smtClean="0">
                 <a:ln>
                   <a:noFill/>
                 </a:ln>
@@ -9542,10 +10750,10 @@
                 <a:effectLst/>
                 <a:latin typeface="Consolas" panose="020B0609020204030204" pitchFamily="49" charset="0"/>
               </a:rPr>
-              <a:t>      </a:t>
-            </a:r>
-            <a:r>
-              <a:rPr kumimoji="0" lang="en-US" altLang="en-US" sz="1400" b="1" i="0" u="none" strike="noStrike" cap="none" normalizeH="0" baseline="0" smtClean="0">
+              <a:t>row </a:t>
+            </a:r>
+            <a:r>
+              <a:rPr kumimoji="0" lang="en-US" altLang="en-US" sz="1600" b="1" i="0" u="none" strike="noStrike" cap="none" normalizeH="0" baseline="0" dirty="0" smtClean="0">
                 <a:ln>
                   <a:noFill/>
                 </a:ln>
@@ -9555,10 +10763,10 @@
                 <a:effectLst/>
                 <a:latin typeface="Consolas" panose="020B0609020204030204" pitchFamily="49" charset="0"/>
               </a:rPr>
-              <a:t>for </a:t>
-            </a:r>
-            <a:r>
-              <a:rPr kumimoji="0" lang="en-US" altLang="en-US" sz="1400" b="0" i="0" u="none" strike="noStrike" cap="none" normalizeH="0" baseline="0" smtClean="0">
+              <a:t>in </a:t>
+            </a:r>
+            <a:r>
+              <a:rPr kumimoji="0" lang="en-US" altLang="en-US" sz="1600" b="0" i="0" u="none" strike="noStrike" cap="none" normalizeH="0" baseline="0" dirty="0" smtClean="0">
                 <a:ln>
                   <a:noFill/>
                 </a:ln>
@@ -9568,23 +10776,22 @@
                 <a:effectLst/>
                 <a:latin typeface="Consolas" panose="020B0609020204030204" pitchFamily="49" charset="0"/>
               </a:rPr>
-              <a:t>col </a:t>
-            </a:r>
-            <a:r>
-              <a:rPr kumimoji="0" lang="en-US" altLang="en-US" sz="1400" b="1" i="0" u="none" strike="noStrike" cap="none" normalizeH="0" baseline="0" smtClean="0">
+              <a:t>range(n)]</a:t>
+            </a:r>
+            <a:br>
+              <a:rPr kumimoji="0" lang="en-US" altLang="en-US" sz="1600" b="0" i="0" u="none" strike="noStrike" cap="none" normalizeH="0" baseline="0" dirty="0" smtClean="0">
                 <a:ln>
                   <a:noFill/>
                 </a:ln>
                 <a:solidFill>
-                  <a:srgbClr val="000080"/>
+                  <a:srgbClr val="000000"/>
                 </a:solidFill>
                 <a:effectLst/>
                 <a:latin typeface="Consolas" panose="020B0609020204030204" pitchFamily="49" charset="0"/>
               </a:rPr>
-              <a:t>in </a:t>
-            </a:r>
-            <a:r>
-              <a:rPr kumimoji="0" lang="en-US" altLang="en-US" sz="1400" b="0" i="0" u="none" strike="noStrike" cap="none" normalizeH="0" baseline="0" smtClean="0">
+            </a:br>
+            <a:r>
+              <a:rPr kumimoji="0" lang="en-US" altLang="en-US" sz="1600" b="0" i="0" u="none" strike="noStrike" cap="none" normalizeH="0" baseline="0" dirty="0" smtClean="0">
                 <a:ln>
                   <a:noFill/>
                 </a:ln>
@@ -9594,22 +10801,23 @@
                 <a:effectLst/>
                 <a:latin typeface="Consolas" panose="020B0609020204030204" pitchFamily="49" charset="0"/>
               </a:rPr>
-              <a:t>range(n)]</a:t>
-            </a:r>
-            <a:br>
-              <a:rPr kumimoji="0" lang="en-US" altLang="en-US" sz="1400" b="0" i="0" u="none" strike="noStrike" cap="none" normalizeH="0" baseline="0" smtClean="0">
+              <a:t>      </a:t>
+            </a:r>
+            <a:r>
+              <a:rPr kumimoji="0" lang="en-US" altLang="en-US" sz="1600" b="1" i="0" u="none" strike="noStrike" cap="none" normalizeH="0" baseline="0" dirty="0" smtClean="0">
                 <a:ln>
                   <a:noFill/>
                 </a:ln>
                 <a:solidFill>
-                  <a:srgbClr val="000000"/>
+                  <a:srgbClr val="000080"/>
                 </a:solidFill>
                 <a:effectLst/>
                 <a:latin typeface="Consolas" panose="020B0609020204030204" pitchFamily="49" charset="0"/>
               </a:rPr>
-            </a:br>
-            <a:r>
-              <a:rPr kumimoji="0" lang="en-US" altLang="en-US" sz="1400" b="0" i="0" u="none" strike="noStrike" cap="none" normalizeH="0" baseline="0" smtClean="0">
+              <a:t>for </a:t>
+            </a:r>
+            <a:r>
+              <a:rPr kumimoji="0" lang="en-US" altLang="en-US" sz="1600" b="0" i="0" u="none" strike="noStrike" cap="none" normalizeH="0" baseline="0" dirty="0" smtClean="0">
                 <a:ln>
                   <a:noFill/>
                 </a:ln>
@@ -9619,22 +10827,23 @@
                 <a:effectLst/>
                 <a:latin typeface="Consolas" panose="020B0609020204030204" pitchFamily="49" charset="0"/>
               </a:rPr>
-              <a:t/>
-            </a:r>
-            <a:br>
-              <a:rPr kumimoji="0" lang="en-US" altLang="en-US" sz="1400" b="0" i="0" u="none" strike="noStrike" cap="none" normalizeH="0" baseline="0" smtClean="0">
+              <a:t>col </a:t>
+            </a:r>
+            <a:r>
+              <a:rPr kumimoji="0" lang="en-US" altLang="en-US" sz="1600" b="1" i="0" u="none" strike="noStrike" cap="none" normalizeH="0" baseline="0" dirty="0" smtClean="0">
                 <a:ln>
                   <a:noFill/>
                 </a:ln>
                 <a:solidFill>
-                  <a:srgbClr val="000000"/>
+                  <a:srgbClr val="000080"/>
                 </a:solidFill>
                 <a:effectLst/>
                 <a:latin typeface="Consolas" panose="020B0609020204030204" pitchFamily="49" charset="0"/>
               </a:rPr>
-            </a:br>
-            <a:r>
-              <a:rPr kumimoji="0" lang="en-US" altLang="en-US" sz="1400" b="0" i="0" u="none" strike="noStrike" cap="none" normalizeH="0" baseline="0" smtClean="0">
+              <a:t>in </a:t>
+            </a:r>
+            <a:r>
+              <a:rPr kumimoji="0" lang="en-US" altLang="en-US" sz="1600" b="0" i="0" u="none" strike="noStrike" cap="none" normalizeH="0" baseline="0" dirty="0" smtClean="0">
                 <a:ln>
                   <a:noFill/>
                 </a:ln>
@@ -9644,23 +10853,22 @@
                 <a:effectLst/>
                 <a:latin typeface="Consolas" panose="020B0609020204030204" pitchFamily="49" charset="0"/>
               </a:rPr>
-              <a:t>start </a:t>
-            </a:r>
-            <a:r>
-              <a:rPr kumimoji="0" lang="en-US" altLang="en-US" sz="1400" b="1" i="0" u="none" strike="noStrike" cap="none" normalizeH="0" baseline="0" smtClean="0">
+              <a:t>range(n)]</a:t>
+            </a:r>
+            <a:br>
+              <a:rPr kumimoji="0" lang="en-US" altLang="en-US" sz="1600" b="0" i="0" u="none" strike="noStrike" cap="none" normalizeH="0" baseline="0" dirty="0" smtClean="0">
                 <a:ln>
                   <a:noFill/>
                 </a:ln>
                 <a:solidFill>
-                  <a:srgbClr val="000080"/>
+                  <a:srgbClr val="000000"/>
                 </a:solidFill>
                 <a:effectLst/>
                 <a:latin typeface="Consolas" panose="020B0609020204030204" pitchFamily="49" charset="0"/>
               </a:rPr>
-              <a:t>= </a:t>
-            </a:r>
-            <a:r>
-              <a:rPr kumimoji="0" lang="en-US" altLang="en-US" sz="1400" b="0" i="0" u="none" strike="noStrike" cap="none" normalizeH="0" baseline="0" smtClean="0">
+            </a:br>
+            <a:r>
+              <a:rPr kumimoji="0" lang="en-US" altLang="en-US" sz="1600" b="0" i="0" u="none" strike="noStrike" cap="none" normalizeH="0" baseline="0" dirty="0" smtClean="0">
                 <a:ln>
                   <a:noFill/>
                 </a:ln>
@@ -9670,10 +10878,10 @@
                 <a:effectLst/>
                 <a:latin typeface="Consolas" panose="020B0609020204030204" pitchFamily="49" charset="0"/>
               </a:rPr>
-              <a:t>time()</a:t>
+              <a:t/>
             </a:r>
             <a:br>
-              <a:rPr kumimoji="0" lang="en-US" altLang="en-US" sz="1400" b="0" i="0" u="none" strike="noStrike" cap="none" normalizeH="0" baseline="0" smtClean="0">
+              <a:rPr kumimoji="0" lang="en-US" altLang="en-US" sz="1600" b="0" i="0" u="none" strike="noStrike" cap="none" normalizeH="0" baseline="0" dirty="0" smtClean="0">
                 <a:ln>
                   <a:noFill/>
                 </a:ln>
@@ -9685,46 +10893,46 @@
               </a:rPr>
             </a:br>
             <a:r>
-              <a:rPr kumimoji="0" lang="en-US" altLang="en-US" sz="1400" b="1" i="0" u="none" strike="noStrike" cap="none" normalizeH="0" baseline="0" smtClean="0">
+              <a:rPr kumimoji="0" lang="en-US" altLang="en-US" sz="1600" b="0" i="0" u="none" strike="noStrike" cap="none" normalizeH="0" baseline="0" dirty="0" smtClean="0">
                 <a:ln>
                   <a:noFill/>
                 </a:ln>
                 <a:solidFill>
-                  <a:srgbClr val="000080"/>
+                  <a:srgbClr val="000000"/>
                 </a:solidFill>
                 <a:effectLst/>
                 <a:latin typeface="Consolas" panose="020B0609020204030204" pitchFamily="49" charset="0"/>
               </a:rPr>
-              <a:t>for </a:t>
-            </a:r>
-            <a:r>
-              <a:rPr kumimoji="0" lang="en-US" altLang="en-US" sz="1400" b="0" i="0" u="none" strike="noStrike" cap="none" normalizeH="0" baseline="0" smtClean="0">
+              <a:t>start </a:t>
+            </a:r>
+            <a:r>
+              <a:rPr kumimoji="0" lang="en-US" altLang="en-US" sz="1600" b="1" i="0" u="none" strike="noStrike" cap="none" normalizeH="0" baseline="0" dirty="0" smtClean="0">
                 <a:ln>
                   <a:noFill/>
                 </a:ln>
                 <a:solidFill>
-                  <a:srgbClr val="000000"/>
+                  <a:srgbClr val="000080"/>
                 </a:solidFill>
                 <a:effectLst/>
                 <a:latin typeface="Consolas" panose="020B0609020204030204" pitchFamily="49" charset="0"/>
               </a:rPr>
-              <a:t>i </a:t>
-            </a:r>
-            <a:r>
-              <a:rPr kumimoji="0" lang="en-US" altLang="en-US" sz="1400" b="1" i="0" u="none" strike="noStrike" cap="none" normalizeH="0" baseline="0" smtClean="0">
+              <a:t>= </a:t>
+            </a:r>
+            <a:r>
+              <a:rPr kumimoji="0" lang="en-US" altLang="en-US" sz="1600" b="0" i="0" u="none" strike="noStrike" cap="none" normalizeH="0" baseline="0" dirty="0" smtClean="0">
                 <a:ln>
                   <a:noFill/>
                 </a:ln>
                 <a:solidFill>
-                  <a:srgbClr val="000080"/>
+                  <a:srgbClr val="000000"/>
                 </a:solidFill>
                 <a:effectLst/>
                 <a:latin typeface="Consolas" panose="020B0609020204030204" pitchFamily="49" charset="0"/>
               </a:rPr>
-              <a:t>in </a:t>
-            </a:r>
-            <a:r>
-              <a:rPr kumimoji="0" lang="en-US" altLang="en-US" sz="1400" b="0" i="0" u="none" strike="noStrike" cap="none" normalizeH="0" baseline="0" smtClean="0">
+              <a:t>time()</a:t>
+            </a:r>
+            <a:br>
+              <a:rPr kumimoji="0" lang="en-US" altLang="en-US" sz="1600" b="0" i="0" u="none" strike="noStrike" cap="none" normalizeH="0" baseline="0" dirty="0" smtClean="0">
                 <a:ln>
                   <a:noFill/>
                 </a:ln>
@@ -9734,22 +10942,22 @@
                 <a:effectLst/>
                 <a:latin typeface="Consolas" panose="020B0609020204030204" pitchFamily="49" charset="0"/>
               </a:rPr>
-              <a:t>range(n):</a:t>
-            </a:r>
-            <a:br>
-              <a:rPr kumimoji="0" lang="en-US" altLang="en-US" sz="1400" b="0" i="0" u="none" strike="noStrike" cap="none" normalizeH="0" baseline="0" smtClean="0">
+            </a:br>
+            <a:r>
+              <a:rPr kumimoji="0" lang="en-US" altLang="en-US" sz="1600" b="1" i="0" u="none" strike="noStrike" cap="none" normalizeH="0" baseline="0" dirty="0" smtClean="0">
                 <a:ln>
                   <a:noFill/>
                 </a:ln>
                 <a:solidFill>
-                  <a:srgbClr val="000000"/>
+                  <a:srgbClr val="000080"/>
                 </a:solidFill>
                 <a:effectLst/>
                 <a:latin typeface="Consolas" panose="020B0609020204030204" pitchFamily="49" charset="0"/>
               </a:rPr>
-            </a:br>
-            <a:r>
-              <a:rPr kumimoji="0" lang="en-US" altLang="en-US" sz="1400" b="0" i="0" u="none" strike="noStrike" cap="none" normalizeH="0" baseline="0" smtClean="0">
+              <a:t>for </a:t>
+            </a:r>
+            <a:r>
+              <a:rPr kumimoji="0" lang="en-US" altLang="en-US" sz="1600" b="0" i="0" u="none" strike="noStrike" cap="none" normalizeH="0" baseline="0" dirty="0" err="1" smtClean="0">
                 <a:ln>
                   <a:noFill/>
                 </a:ln>
@@ -9759,49 +10967,49 @@
                 <a:effectLst/>
                 <a:latin typeface="Consolas" panose="020B0609020204030204" pitchFamily="49" charset="0"/>
               </a:rPr>
-              <a:t>    </a:t>
-            </a:r>
-            <a:r>
-              <a:rPr kumimoji="0" lang="en-US" altLang="en-US" sz="1400" b="1" i="0" u="none" strike="noStrike" cap="none" normalizeH="0" baseline="0" smtClean="0">
+              <a:t>i</a:t>
+            </a:r>
+            <a:r>
+              <a:rPr kumimoji="0" lang="en-US" altLang="en-US" sz="1600" b="0" i="0" u="none" strike="noStrike" cap="none" normalizeH="0" baseline="0" dirty="0" smtClean="0">
                 <a:ln>
                   <a:noFill/>
                 </a:ln>
                 <a:solidFill>
-                  <a:srgbClr val="000080"/>
+                  <a:srgbClr val="000000"/>
                 </a:solidFill>
                 <a:effectLst/>
                 <a:latin typeface="Consolas" panose="020B0609020204030204" pitchFamily="49" charset="0"/>
               </a:rPr>
-              <a:t>for </a:t>
-            </a:r>
-            <a:r>
-              <a:rPr kumimoji="0" lang="en-US" altLang="en-US" sz="1400" b="0" i="0" u="none" strike="noStrike" cap="none" normalizeH="0" baseline="0" smtClean="0">
+              <a:t> </a:t>
+            </a:r>
+            <a:r>
+              <a:rPr kumimoji="0" lang="en-US" altLang="en-US" sz="1600" b="1" i="0" u="none" strike="noStrike" cap="none" normalizeH="0" baseline="0" dirty="0" smtClean="0">
                 <a:ln>
                   <a:noFill/>
                 </a:ln>
                 <a:solidFill>
-                  <a:srgbClr val="000000"/>
+                  <a:srgbClr val="000080"/>
                 </a:solidFill>
                 <a:effectLst/>
                 <a:latin typeface="Consolas" panose="020B0609020204030204" pitchFamily="49" charset="0"/>
               </a:rPr>
-              <a:t>j </a:t>
-            </a:r>
-            <a:r>
-              <a:rPr kumimoji="0" lang="en-US" altLang="en-US" sz="1400" b="1" i="0" u="none" strike="noStrike" cap="none" normalizeH="0" baseline="0" smtClean="0">
+              <a:t>in </a:t>
+            </a:r>
+            <a:r>
+              <a:rPr kumimoji="0" lang="en-US" altLang="en-US" sz="1600" b="0" i="0" u="none" strike="noStrike" cap="none" normalizeH="0" baseline="0" dirty="0" smtClean="0">
                 <a:ln>
                   <a:noFill/>
                 </a:ln>
                 <a:solidFill>
-                  <a:srgbClr val="000080"/>
+                  <a:srgbClr val="000000"/>
                 </a:solidFill>
                 <a:effectLst/>
                 <a:latin typeface="Consolas" panose="020B0609020204030204" pitchFamily="49" charset="0"/>
               </a:rPr>
-              <a:t>in </a:t>
-            </a:r>
-            <a:r>
-              <a:rPr kumimoji="0" lang="en-US" altLang="en-US" sz="1400" b="0" i="0" u="none" strike="noStrike" cap="none" normalizeH="0" baseline="0" smtClean="0">
+              <a:t>range(n):</a:t>
+            </a:r>
+            <a:br>
+              <a:rPr kumimoji="0" lang="en-US" altLang="en-US" sz="1600" b="0" i="0" u="none" strike="noStrike" cap="none" normalizeH="0" baseline="0" dirty="0" smtClean="0">
                 <a:ln>
                   <a:noFill/>
                 </a:ln>
@@ -9811,10 +11019,9 @@
                 <a:effectLst/>
                 <a:latin typeface="Consolas" panose="020B0609020204030204" pitchFamily="49" charset="0"/>
               </a:rPr>
-              <a:t>range(n):</a:t>
-            </a:r>
-            <a:br>
-              <a:rPr kumimoji="0" lang="en-US" altLang="en-US" sz="1400" b="0" i="0" u="none" strike="noStrike" cap="none" normalizeH="0" baseline="0" smtClean="0">
+            </a:br>
+            <a:r>
+              <a:rPr kumimoji="0" lang="en-US" altLang="en-US" sz="1600" b="0" i="0" u="none" strike="noStrike" cap="none" normalizeH="0" baseline="0" dirty="0" smtClean="0">
                 <a:ln>
                   <a:noFill/>
                 </a:ln>
@@ -9824,61 +11031,62 @@
                 <a:effectLst/>
                 <a:latin typeface="Consolas" panose="020B0609020204030204" pitchFamily="49" charset="0"/>
               </a:rPr>
-            </a:br>
-            <a:r>
-              <a:rPr kumimoji="0" lang="en-US" altLang="en-US" sz="1400" b="0" i="0" u="none" strike="noStrike" cap="none" normalizeH="0" baseline="0" smtClean="0">
+              <a:t>    </a:t>
+            </a:r>
+            <a:r>
+              <a:rPr kumimoji="0" lang="en-US" altLang="en-US" sz="1600" b="1" i="0" u="none" strike="noStrike" cap="none" normalizeH="0" baseline="0" dirty="0" smtClean="0">
                 <a:ln>
                   <a:noFill/>
                 </a:ln>
                 <a:solidFill>
-                  <a:srgbClr val="000000"/>
+                  <a:srgbClr val="000080"/>
                 </a:solidFill>
                 <a:effectLst/>
                 <a:latin typeface="Consolas" panose="020B0609020204030204" pitchFamily="49" charset="0"/>
               </a:rPr>
-              <a:t>        </a:t>
-            </a:r>
-            <a:r>
-              <a:rPr kumimoji="0" lang="en-US" altLang="en-US" sz="1400" b="1" i="0" u="none" strike="noStrike" cap="none" normalizeH="0" baseline="0" smtClean="0">
+              <a:t>for </a:t>
+            </a:r>
+            <a:r>
+              <a:rPr kumimoji="0" lang="en-US" altLang="en-US" sz="1600" b="0" i="0" u="none" strike="noStrike" cap="none" normalizeH="0" baseline="0" dirty="0" smtClean="0">
                 <a:ln>
                   <a:noFill/>
                 </a:ln>
                 <a:solidFill>
-                  <a:srgbClr val="000080"/>
+                  <a:srgbClr val="000000"/>
                 </a:solidFill>
                 <a:effectLst/>
                 <a:latin typeface="Consolas" panose="020B0609020204030204" pitchFamily="49" charset="0"/>
               </a:rPr>
-              <a:t>for </a:t>
-            </a:r>
-            <a:r>
-              <a:rPr kumimoji="0" lang="en-US" altLang="en-US" sz="1400" b="0" i="0" u="none" strike="noStrike" cap="none" normalizeH="0" baseline="0" smtClean="0">
+              <a:t>j </a:t>
+            </a:r>
+            <a:r>
+              <a:rPr kumimoji="0" lang="en-US" altLang="en-US" sz="1600" b="1" i="0" u="none" strike="noStrike" cap="none" normalizeH="0" baseline="0" dirty="0" smtClean="0">
                 <a:ln>
                   <a:noFill/>
                 </a:ln>
                 <a:solidFill>
-                  <a:srgbClr val="000000"/>
+                  <a:srgbClr val="000080"/>
                 </a:solidFill>
                 <a:effectLst/>
                 <a:latin typeface="Consolas" panose="020B0609020204030204" pitchFamily="49" charset="0"/>
               </a:rPr>
-              <a:t>k </a:t>
-            </a:r>
-            <a:r>
-              <a:rPr kumimoji="0" lang="en-US" altLang="en-US" sz="1400" b="1" i="0" u="none" strike="noStrike" cap="none" normalizeH="0" baseline="0" smtClean="0">
+              <a:t>in </a:t>
+            </a:r>
+            <a:r>
+              <a:rPr kumimoji="0" lang="en-US" altLang="en-US" sz="1600" b="0" i="0" u="none" strike="noStrike" cap="none" normalizeH="0" baseline="0" dirty="0" smtClean="0">
                 <a:ln>
                   <a:noFill/>
                 </a:ln>
                 <a:solidFill>
-                  <a:srgbClr val="000080"/>
+                  <a:srgbClr val="000000"/>
                 </a:solidFill>
                 <a:effectLst/>
                 <a:latin typeface="Consolas" panose="020B0609020204030204" pitchFamily="49" charset="0"/>
               </a:rPr>
-              <a:t>in </a:t>
-            </a:r>
-            <a:r>
-              <a:rPr kumimoji="0" lang="en-US" altLang="en-US" sz="1400" b="0" i="0" u="none" strike="noStrike" cap="none" normalizeH="0" baseline="0" smtClean="0">
+              <a:t>range(n):</a:t>
+            </a:r>
+            <a:br>
+              <a:rPr kumimoji="0" lang="en-US" altLang="en-US" sz="1600" b="0" i="0" u="none" strike="noStrike" cap="none" normalizeH="0" baseline="0" dirty="0" smtClean="0">
                 <a:ln>
                   <a:noFill/>
                 </a:ln>
@@ -9888,10 +11096,9 @@
                 <a:effectLst/>
                 <a:latin typeface="Consolas" panose="020B0609020204030204" pitchFamily="49" charset="0"/>
               </a:rPr>
-              <a:t>range(n):</a:t>
-            </a:r>
-            <a:br>
-              <a:rPr kumimoji="0" lang="en-US" altLang="en-US" sz="1400" b="0" i="0" u="none" strike="noStrike" cap="none" normalizeH="0" baseline="0" smtClean="0">
+            </a:br>
+            <a:r>
+              <a:rPr kumimoji="0" lang="en-US" altLang="en-US" sz="1600" b="0" i="0" u="none" strike="noStrike" cap="none" normalizeH="0" baseline="0" dirty="0" smtClean="0">
                 <a:ln>
                   <a:noFill/>
                 </a:ln>
@@ -9901,61 +11108,62 @@
                 <a:effectLst/>
                 <a:latin typeface="Consolas" panose="020B0609020204030204" pitchFamily="49" charset="0"/>
               </a:rPr>
-            </a:br>
-            <a:r>
-              <a:rPr kumimoji="0" lang="en-US" altLang="en-US" sz="1400" b="0" i="0" u="none" strike="noStrike" cap="none" normalizeH="0" baseline="0" smtClean="0">
+              <a:t>        </a:t>
+            </a:r>
+            <a:r>
+              <a:rPr kumimoji="0" lang="en-US" altLang="en-US" sz="1600" b="1" i="0" u="none" strike="noStrike" cap="none" normalizeH="0" baseline="0" dirty="0" smtClean="0">
                 <a:ln>
                   <a:noFill/>
                 </a:ln>
                 <a:solidFill>
-                  <a:srgbClr val="000000"/>
+                  <a:srgbClr val="000080"/>
                 </a:solidFill>
                 <a:effectLst/>
                 <a:latin typeface="Consolas" panose="020B0609020204030204" pitchFamily="49" charset="0"/>
               </a:rPr>
-              <a:t>            C[i][j] </a:t>
-            </a:r>
-            <a:r>
-              <a:rPr kumimoji="0" lang="en-US" altLang="en-US" sz="1400" b="1" i="0" u="none" strike="noStrike" cap="none" normalizeH="0" baseline="0" smtClean="0">
+              <a:t>for </a:t>
+            </a:r>
+            <a:r>
+              <a:rPr kumimoji="0" lang="en-US" altLang="en-US" sz="1600" b="0" i="0" u="none" strike="noStrike" cap="none" normalizeH="0" baseline="0" dirty="0" smtClean="0">
                 <a:ln>
                   <a:noFill/>
                 </a:ln>
                 <a:solidFill>
-                  <a:srgbClr val="000080"/>
+                  <a:srgbClr val="000000"/>
                 </a:solidFill>
                 <a:effectLst/>
                 <a:latin typeface="Consolas" panose="020B0609020204030204" pitchFamily="49" charset="0"/>
               </a:rPr>
-              <a:t>+= </a:t>
-            </a:r>
-            <a:r>
-              <a:rPr kumimoji="0" lang="en-US" altLang="en-US" sz="1400" b="0" i="0" u="none" strike="noStrike" cap="none" normalizeH="0" baseline="0" smtClean="0">
+              <a:t>k </a:t>
+            </a:r>
+            <a:r>
+              <a:rPr kumimoji="0" lang="en-US" altLang="en-US" sz="1600" b="1" i="0" u="none" strike="noStrike" cap="none" normalizeH="0" baseline="0" dirty="0" smtClean="0">
                 <a:ln>
                   <a:noFill/>
                 </a:ln>
                 <a:solidFill>
-                  <a:srgbClr val="000000"/>
+                  <a:srgbClr val="000080"/>
                 </a:solidFill>
                 <a:effectLst/>
                 <a:latin typeface="Consolas" panose="020B0609020204030204" pitchFamily="49" charset="0"/>
               </a:rPr>
-              <a:t>A[i][k] </a:t>
-            </a:r>
-            <a:r>
-              <a:rPr kumimoji="0" lang="en-US" altLang="en-US" sz="1400" b="1" i="0" u="none" strike="noStrike" cap="none" normalizeH="0" baseline="0" smtClean="0">
+              <a:t>in </a:t>
+            </a:r>
+            <a:r>
+              <a:rPr kumimoji="0" lang="en-US" altLang="en-US" sz="1600" b="0" i="0" u="none" strike="noStrike" cap="none" normalizeH="0" baseline="0" dirty="0" smtClean="0">
                 <a:ln>
                   <a:noFill/>
                 </a:ln>
                 <a:solidFill>
-                  <a:srgbClr val="000080"/>
+                  <a:srgbClr val="000000"/>
                 </a:solidFill>
                 <a:effectLst/>
                 <a:latin typeface="Consolas" panose="020B0609020204030204" pitchFamily="49" charset="0"/>
               </a:rPr>
-              <a:t>* </a:t>
-            </a:r>
-            <a:r>
-              <a:rPr kumimoji="0" lang="en-US" altLang="en-US" sz="1400" b="0" i="0" u="none" strike="noStrike" cap="none" normalizeH="0" baseline="0" smtClean="0">
+              <a:t>range(n):</a:t>
+            </a:r>
+            <a:br>
+              <a:rPr kumimoji="0" lang="en-US" altLang="en-US" sz="1600" b="0" i="0" u="none" strike="noStrike" cap="none" normalizeH="0" baseline="0" dirty="0" smtClean="0">
                 <a:ln>
                   <a:noFill/>
                 </a:ln>
@@ -9965,10 +11173,9 @@
                 <a:effectLst/>
                 <a:latin typeface="Consolas" panose="020B0609020204030204" pitchFamily="49" charset="0"/>
               </a:rPr>
-              <a:t>B[k][j]</a:t>
-            </a:r>
-            <a:br>
-              <a:rPr kumimoji="0" lang="en-US" altLang="en-US" sz="1400" b="0" i="0" u="none" strike="noStrike" cap="none" normalizeH="0" baseline="0" smtClean="0">
+            </a:br>
+            <a:r>
+              <a:rPr kumimoji="0" lang="en-US" altLang="en-US" sz="1600" b="0" i="0" u="none" strike="noStrike" cap="none" normalizeH="0" baseline="0" dirty="0" smtClean="0">
                 <a:ln>
                   <a:noFill/>
                 </a:ln>
@@ -9978,9 +11185,10 @@
                 <a:effectLst/>
                 <a:latin typeface="Consolas" panose="020B0609020204030204" pitchFamily="49" charset="0"/>
               </a:rPr>
-            </a:br>
-            <a:r>
-              <a:rPr kumimoji="0" lang="en-US" altLang="en-US" sz="1400" b="0" i="0" u="none" strike="noStrike" cap="none" normalizeH="0" baseline="0" smtClean="0">
+              <a:t>            C[</a:t>
+            </a:r>
+            <a:r>
+              <a:rPr kumimoji="0" lang="en-US" altLang="en-US" sz="1600" b="0" i="0" u="none" strike="noStrike" cap="none" normalizeH="0" baseline="0" dirty="0" err="1" smtClean="0">
                 <a:ln>
                   <a:noFill/>
                 </a:ln>
@@ -9990,36 +11198,36 @@
                 <a:effectLst/>
                 <a:latin typeface="Consolas" panose="020B0609020204030204" pitchFamily="49" charset="0"/>
               </a:rPr>
-              <a:t>end </a:t>
-            </a:r>
-            <a:r>
-              <a:rPr kumimoji="0" lang="en-US" altLang="en-US" sz="1400" b="1" i="0" u="none" strike="noStrike" cap="none" normalizeH="0" baseline="0" smtClean="0">
+              <a:t>i</a:t>
+            </a:r>
+            <a:r>
+              <a:rPr kumimoji="0" lang="en-US" altLang="en-US" sz="1600" b="0" i="0" u="none" strike="noStrike" cap="none" normalizeH="0" baseline="0" dirty="0" smtClean="0">
                 <a:ln>
                   <a:noFill/>
                 </a:ln>
                 <a:solidFill>
-                  <a:srgbClr val="000080"/>
+                  <a:srgbClr val="000000"/>
                 </a:solidFill>
                 <a:effectLst/>
                 <a:latin typeface="Consolas" panose="020B0609020204030204" pitchFamily="49" charset="0"/>
               </a:rPr>
-              <a:t>= </a:t>
-            </a:r>
-            <a:r>
-              <a:rPr kumimoji="0" lang="en-US" altLang="en-US" sz="1400" b="0" i="0" u="none" strike="noStrike" cap="none" normalizeH="0" baseline="0" smtClean="0">
+              <a:t>][j] </a:t>
+            </a:r>
+            <a:r>
+              <a:rPr kumimoji="0" lang="en-US" altLang="en-US" sz="1600" b="1" i="0" u="none" strike="noStrike" cap="none" normalizeH="0" baseline="0" dirty="0" smtClean="0">
                 <a:ln>
                   <a:noFill/>
                 </a:ln>
                 <a:solidFill>
-                  <a:srgbClr val="000000"/>
+                  <a:srgbClr val="000080"/>
                 </a:solidFill>
                 <a:effectLst/>
                 <a:latin typeface="Consolas" panose="020B0609020204030204" pitchFamily="49" charset="0"/>
               </a:rPr>
-              <a:t>time()</a:t>
-            </a:r>
-            <a:br>
-              <a:rPr kumimoji="0" lang="en-US" altLang="en-US" sz="1400" b="0" i="0" u="none" strike="noStrike" cap="none" normalizeH="0" baseline="0" smtClean="0">
+              <a:t>+= </a:t>
+            </a:r>
+            <a:r>
+              <a:rPr kumimoji="0" lang="en-US" altLang="en-US" sz="1600" b="0" i="0" u="none" strike="noStrike" cap="none" normalizeH="0" baseline="0" dirty="0" smtClean="0">
                 <a:ln>
                   <a:noFill/>
                 </a:ln>
@@ -10029,9 +11237,10 @@
                 <a:effectLst/>
                 <a:latin typeface="Consolas" panose="020B0609020204030204" pitchFamily="49" charset="0"/>
               </a:rPr>
-            </a:br>
-            <a:r>
-              <a:rPr kumimoji="0" lang="en-US" altLang="en-US" sz="1400" b="0" i="0" u="none" strike="noStrike" cap="none" normalizeH="0" baseline="0" smtClean="0">
+              <a:t>A[</a:t>
+            </a:r>
+            <a:r>
+              <a:rPr kumimoji="0" lang="en-US" altLang="en-US" sz="1600" b="0" i="0" u="none" strike="noStrike" cap="none" normalizeH="0" baseline="0" dirty="0" err="1" smtClean="0">
                 <a:ln>
                   <a:noFill/>
                 </a:ln>
@@ -10041,10 +11250,10 @@
                 <a:effectLst/>
                 <a:latin typeface="Consolas" panose="020B0609020204030204" pitchFamily="49" charset="0"/>
               </a:rPr>
-              <a:t/>
-            </a:r>
-            <a:br>
-              <a:rPr kumimoji="0" lang="en-US" altLang="en-US" sz="1400" b="0" i="0" u="none" strike="noStrike" cap="none" normalizeH="0" baseline="0" smtClean="0">
+              <a:t>i</a:t>
+            </a:r>
+            <a:r>
+              <a:rPr kumimoji="0" lang="en-US" altLang="en-US" sz="1600" b="0" i="0" u="none" strike="noStrike" cap="none" normalizeH="0" baseline="0" dirty="0" smtClean="0">
                 <a:ln>
                   <a:noFill/>
                 </a:ln>
@@ -10054,61 +11263,61 @@
                 <a:effectLst/>
                 <a:latin typeface="Consolas" panose="020B0609020204030204" pitchFamily="49" charset="0"/>
               </a:rPr>
-            </a:br>
-            <a:r>
-              <a:rPr kumimoji="0" lang="en-US" altLang="en-US" sz="1400" b="0" i="0" u="none" strike="noStrike" cap="none" normalizeH="0" baseline="0" smtClean="0">
+              <a:t>][k] </a:t>
+            </a:r>
+            <a:r>
+              <a:rPr kumimoji="0" lang="en-US" altLang="en-US" sz="1600" b="1" i="0" u="none" strike="noStrike" cap="none" normalizeH="0" baseline="0" dirty="0" smtClean="0">
                 <a:ln>
                   <a:noFill/>
                 </a:ln>
                 <a:solidFill>
-                  <a:srgbClr val="000000"/>
+                  <a:srgbClr val="000080"/>
                 </a:solidFill>
                 <a:effectLst/>
                 <a:latin typeface="Consolas" panose="020B0609020204030204" pitchFamily="49" charset="0"/>
               </a:rPr>
-              <a:t>print(</a:t>
-            </a:r>
-            <a:r>
-              <a:rPr kumimoji="0" lang="en-US" altLang="en-US" sz="1400" b="1" i="0" u="none" strike="noStrike" cap="none" normalizeH="0" baseline="0" smtClean="0">
+              <a:t>* </a:t>
+            </a:r>
+            <a:r>
+              <a:rPr kumimoji="0" lang="en-US" altLang="en-US" sz="1600" b="0" i="0" u="none" strike="noStrike" cap="none" normalizeH="0" baseline="0" dirty="0" smtClean="0">
                 <a:ln>
                   <a:noFill/>
                 </a:ln>
                 <a:solidFill>
-                  <a:srgbClr val="008000"/>
+                  <a:srgbClr val="000000"/>
                 </a:solidFill>
                 <a:effectLst/>
                 <a:latin typeface="Consolas" panose="020B0609020204030204" pitchFamily="49" charset="0"/>
               </a:rPr>
-              <a:t>'</a:t>
-            </a:r>
-            <a:r>
-              <a:rPr kumimoji="0" lang="en-US" altLang="en-US" sz="1400" b="1" i="1" u="none" strike="noStrike" cap="none" normalizeH="0" baseline="0" smtClean="0">
+              <a:t>B[k][j]</a:t>
+            </a:r>
+            <a:br>
+              <a:rPr kumimoji="0" lang="en-US" altLang="en-US" sz="1600" b="0" i="0" u="none" strike="noStrike" cap="none" normalizeH="0" baseline="0" dirty="0" smtClean="0">
                 <a:ln>
                   <a:noFill/>
                 </a:ln>
                 <a:solidFill>
-                  <a:srgbClr val="660E7A"/>
+                  <a:srgbClr val="000000"/>
                 </a:solidFill>
                 <a:effectLst/>
                 <a:latin typeface="Consolas" panose="020B0609020204030204" pitchFamily="49" charset="0"/>
               </a:rPr>
-              <a:t>%0.6f</a:t>
-            </a:r>
-            <a:r>
-              <a:rPr kumimoji="0" lang="en-US" altLang="en-US" sz="1400" b="1" i="0" u="none" strike="noStrike" cap="none" normalizeH="0" baseline="0" smtClean="0">
+            </a:br>
+            <a:r>
+              <a:rPr kumimoji="0" lang="en-US" altLang="en-US" sz="1600" b="0" i="0" u="none" strike="noStrike" cap="none" normalizeH="0" baseline="0" dirty="0" smtClean="0">
                 <a:ln>
                   <a:noFill/>
                 </a:ln>
                 <a:solidFill>
-                  <a:srgbClr val="008000"/>
+                  <a:srgbClr val="000000"/>
                 </a:solidFill>
                 <a:effectLst/>
                 <a:latin typeface="Consolas" panose="020B0609020204030204" pitchFamily="49" charset="0"/>
               </a:rPr>
-              <a:t>' </a:t>
-            </a:r>
-            <a:r>
-              <a:rPr kumimoji="0" lang="en-US" altLang="en-US" sz="1400" b="1" i="0" u="none" strike="noStrike" cap="none" normalizeH="0" baseline="0" smtClean="0">
+              <a:t>end </a:t>
+            </a:r>
+            <a:r>
+              <a:rPr kumimoji="0" lang="en-US" altLang="en-US" sz="1600" b="1" i="0" u="none" strike="noStrike" cap="none" normalizeH="0" baseline="0" dirty="0" smtClean="0">
                 <a:ln>
                   <a:noFill/>
                 </a:ln>
@@ -10118,10 +11327,10 @@
                 <a:effectLst/>
                 <a:latin typeface="Consolas" panose="020B0609020204030204" pitchFamily="49" charset="0"/>
               </a:rPr>
-              <a:t>% </a:t>
-            </a:r>
-            <a:r>
-              <a:rPr kumimoji="0" lang="en-US" altLang="en-US" sz="1400" b="0" i="0" u="none" strike="noStrike" cap="none" normalizeH="0" baseline="0" smtClean="0">
+              <a:t>= </a:t>
+            </a:r>
+            <a:r>
+              <a:rPr kumimoji="0" lang="en-US" altLang="en-US" sz="1600" b="0" i="0" u="none" strike="noStrike" cap="none" normalizeH="0" baseline="0" dirty="0" smtClean="0">
                 <a:ln>
                   <a:noFill/>
                 </a:ln>
@@ -10131,23 +11340,22 @@
                 <a:effectLst/>
                 <a:latin typeface="Consolas" panose="020B0609020204030204" pitchFamily="49" charset="0"/>
               </a:rPr>
-              <a:t>(end </a:t>
-            </a:r>
-            <a:r>
-              <a:rPr kumimoji="0" lang="en-US" altLang="en-US" sz="1400" b="1" i="0" u="none" strike="noStrike" cap="none" normalizeH="0" baseline="0" smtClean="0">
+              <a:t>time()</a:t>
+            </a:r>
+            <a:br>
+              <a:rPr kumimoji="0" lang="en-US" altLang="en-US" sz="1600" b="0" i="0" u="none" strike="noStrike" cap="none" normalizeH="0" baseline="0" dirty="0" smtClean="0">
                 <a:ln>
                   <a:noFill/>
                 </a:ln>
                 <a:solidFill>
-                  <a:srgbClr val="000080"/>
+                  <a:srgbClr val="000000"/>
                 </a:solidFill>
                 <a:effectLst/>
                 <a:latin typeface="Consolas" panose="020B0609020204030204" pitchFamily="49" charset="0"/>
               </a:rPr>
-              <a:t>- </a:t>
-            </a:r>
-            <a:r>
-              <a:rPr kumimoji="0" lang="en-US" altLang="en-US" sz="1400" b="0" i="0" u="none" strike="noStrike" cap="none" normalizeH="0" baseline="0" smtClean="0">
+            </a:br>
+            <a:r>
+              <a:rPr kumimoji="0" lang="en-US" altLang="en-US" sz="1600" b="0" i="0" u="none" strike="noStrike" cap="none" normalizeH="0" baseline="0" dirty="0" smtClean="0">
                 <a:ln>
                   <a:noFill/>
                 </a:ln>
@@ -10157,9 +11365,125 @@
                 <a:effectLst/>
                 <a:latin typeface="Consolas" panose="020B0609020204030204" pitchFamily="49" charset="0"/>
               </a:rPr>
+              <a:t/>
+            </a:r>
+            <a:br>
+              <a:rPr kumimoji="0" lang="en-US" altLang="en-US" sz="1600" b="0" i="0" u="none" strike="noStrike" cap="none" normalizeH="0" baseline="0" dirty="0" smtClean="0">
+                <a:ln>
+                  <a:noFill/>
+                </a:ln>
+                <a:solidFill>
+                  <a:srgbClr val="000000"/>
+                </a:solidFill>
+                <a:effectLst/>
+                <a:latin typeface="Consolas" panose="020B0609020204030204" pitchFamily="49" charset="0"/>
+              </a:rPr>
+            </a:br>
+            <a:r>
+              <a:rPr kumimoji="0" lang="en-US" altLang="en-US" sz="1600" b="0" i="0" u="none" strike="noStrike" cap="none" normalizeH="0" baseline="0" dirty="0" smtClean="0">
+                <a:ln>
+                  <a:noFill/>
+                </a:ln>
+                <a:solidFill>
+                  <a:srgbClr val="000000"/>
+                </a:solidFill>
+                <a:effectLst/>
+                <a:latin typeface="Consolas" panose="020B0609020204030204" pitchFamily="49" charset="0"/>
+              </a:rPr>
+              <a:t>print(</a:t>
+            </a:r>
+            <a:r>
+              <a:rPr kumimoji="0" lang="en-US" altLang="en-US" sz="1600" b="1" i="0" u="none" strike="noStrike" cap="none" normalizeH="0" baseline="0" dirty="0" smtClean="0">
+                <a:ln>
+                  <a:noFill/>
+                </a:ln>
+                <a:solidFill>
+                  <a:srgbClr val="008000"/>
+                </a:solidFill>
+                <a:effectLst/>
+                <a:latin typeface="Consolas" panose="020B0609020204030204" pitchFamily="49" charset="0"/>
+              </a:rPr>
+              <a:t>'</a:t>
+            </a:r>
+            <a:r>
+              <a:rPr kumimoji="0" lang="en-US" altLang="en-US" sz="1600" b="1" i="1" u="none" strike="noStrike" cap="none" normalizeH="0" baseline="0" dirty="0" smtClean="0">
+                <a:ln>
+                  <a:noFill/>
+                </a:ln>
+                <a:solidFill>
+                  <a:srgbClr val="660E7A"/>
+                </a:solidFill>
+                <a:effectLst/>
+                <a:latin typeface="Consolas" panose="020B0609020204030204" pitchFamily="49" charset="0"/>
+              </a:rPr>
+              <a:t>%0.6f</a:t>
+            </a:r>
+            <a:r>
+              <a:rPr kumimoji="0" lang="en-US" altLang="en-US" sz="1600" b="1" i="0" u="none" strike="noStrike" cap="none" normalizeH="0" baseline="0" dirty="0" smtClean="0">
+                <a:ln>
+                  <a:noFill/>
+                </a:ln>
+                <a:solidFill>
+                  <a:srgbClr val="008000"/>
+                </a:solidFill>
+                <a:effectLst/>
+                <a:latin typeface="Consolas" panose="020B0609020204030204" pitchFamily="49" charset="0"/>
+              </a:rPr>
+              <a:t>' </a:t>
+            </a:r>
+            <a:r>
+              <a:rPr kumimoji="0" lang="en-US" altLang="en-US" sz="1600" b="1" i="0" u="none" strike="noStrike" cap="none" normalizeH="0" baseline="0" dirty="0" smtClean="0">
+                <a:ln>
+                  <a:noFill/>
+                </a:ln>
+                <a:solidFill>
+                  <a:srgbClr val="000080"/>
+                </a:solidFill>
+                <a:effectLst/>
+                <a:latin typeface="Consolas" panose="020B0609020204030204" pitchFamily="49" charset="0"/>
+              </a:rPr>
+              <a:t>% </a:t>
+            </a:r>
+            <a:r>
+              <a:rPr kumimoji="0" lang="en-US" altLang="en-US" sz="1600" b="0" i="0" u="none" strike="noStrike" cap="none" normalizeH="0" baseline="0" dirty="0" smtClean="0">
+                <a:ln>
+                  <a:noFill/>
+                </a:ln>
+                <a:solidFill>
+                  <a:srgbClr val="000000"/>
+                </a:solidFill>
+                <a:effectLst/>
+                <a:latin typeface="Consolas" panose="020B0609020204030204" pitchFamily="49" charset="0"/>
+              </a:rPr>
+              <a:t>(end </a:t>
+            </a:r>
+            <a:r>
+              <a:rPr kumimoji="0" lang="en-US" altLang="en-US" sz="1600" b="1" i="0" u="none" strike="noStrike" cap="none" normalizeH="0" baseline="0" dirty="0" smtClean="0">
+                <a:ln>
+                  <a:noFill/>
+                </a:ln>
+                <a:solidFill>
+                  <a:srgbClr val="000080"/>
+                </a:solidFill>
+                <a:effectLst/>
+                <a:latin typeface="Consolas" panose="020B0609020204030204" pitchFamily="49" charset="0"/>
+              </a:rPr>
+              <a:t>- </a:t>
+            </a:r>
+            <a:r>
+              <a:rPr kumimoji="0" lang="en-US" altLang="en-US" sz="1600" b="0" i="0" u="none" strike="noStrike" cap="none" normalizeH="0" baseline="0" dirty="0" smtClean="0">
+                <a:ln>
+                  <a:noFill/>
+                </a:ln>
+                <a:solidFill>
+                  <a:srgbClr val="000000"/>
+                </a:solidFill>
+                <a:effectLst/>
+                <a:latin typeface="Consolas" panose="020B0609020204030204" pitchFamily="49" charset="0"/>
+              </a:rPr>
               <a:t>start))</a:t>
             </a:r>
-            <a:endParaRPr kumimoji="0" lang="en-US" altLang="en-US" sz="1400" b="0" i="0" u="none" strike="noStrike" cap="none" normalizeH="0" baseline="0" smtClean="0">
+            <a:endParaRPr kumimoji="0" lang="en-US" altLang="en-US" sz="1600" b="0" i="0" u="none" strike="noStrike" cap="none" normalizeH="0" baseline="0" dirty="0" smtClean="0">
               <a:ln>
                 <a:noFill/>
               </a:ln>
@@ -10453,7 +11777,7 @@
                   <a:buNone/>
                 </a:pPr>
                 <a:r>
-                  <a:rPr lang="en-US" sz="4800" b="1" smtClean="0">
+                  <a:rPr lang="en-US" sz="4800" b="1" dirty="0" smtClean="0">
                     <a:solidFill>
                       <a:srgbClr val="F7B217"/>
                     </a:solidFill>
@@ -10469,7 +11793,7 @@
                   <a:buNone/>
                 </a:pPr>
                 <a:r>
-                  <a:rPr lang="en-US" sz="3200" b="1" smtClean="0"/>
+                  <a:rPr lang="en-US" sz="3200" b="1" dirty="0" smtClean="0"/>
                   <a:t>Floating-point operations:</a:t>
                 </a:r>
               </a:p>
@@ -10522,7 +11846,7 @@
                   </m:oMath>
                 </a14:m>
                 <a:r>
-                  <a:rPr lang="en-US" sz="3200" smtClean="0"/>
+                  <a:rPr lang="en-US" sz="3200" dirty="0" smtClean="0"/>
                   <a:t> </a:t>
                 </a:r>
                 <a14:m>
@@ -10586,7 +11910,7 @@
                   </m:oMath>
                 </a14:m>
                 <a:r>
-                  <a:rPr lang="en-US" sz="3200" smtClean="0"/>
+                  <a:rPr lang="en-US" sz="3200" dirty="0" smtClean="0"/>
                   <a:t> = </a:t>
                 </a:r>
                 <a14:m>
@@ -10618,7 +11942,7 @@
                     </m:sSup>
                   </m:oMath>
                 </a14:m>
-                <a:endParaRPr lang="en-US" sz="3200" smtClean="0"/>
+                <a:endParaRPr lang="en-US" sz="3200" dirty="0" smtClean="0"/>
               </a:p>
               <a:p>
                 <a:pPr marL="0" indent="0">
@@ -10631,7 +11955,7 @@
                   <a:buNone/>
                 </a:pPr>
                 <a:r>
-                  <a:rPr lang="en-US" sz="3200" b="1" smtClean="0"/>
+                  <a:rPr lang="en-US" sz="3200" b="1" dirty="0" smtClean="0"/>
                   <a:t>Running time:</a:t>
                 </a:r>
               </a:p>
@@ -10643,7 +11967,7 @@
                   <a:buNone/>
                 </a:pPr>
                 <a:r>
-                  <a:rPr lang="en-US" sz="3200" smtClean="0"/>
+                  <a:rPr lang="en-US" sz="3200" dirty="0" smtClean="0"/>
                   <a:t>503.130450 sec.</a:t>
                 </a:r>
               </a:p>
@@ -10655,7 +11979,7 @@
                   <a:buNone/>
                 </a:pPr>
                 <a:r>
-                  <a:rPr lang="en-US" sz="3200" b="1" smtClean="0"/>
+                  <a:rPr lang="en-US" sz="3200" b="1" dirty="0" smtClean="0"/>
                   <a:t>Performance:</a:t>
                 </a:r>
               </a:p>
@@ -10667,10 +11991,10 @@
                   <a:buNone/>
                 </a:pPr>
                 <a:r>
-                  <a:rPr lang="en-US" sz="3200" smtClean="0"/>
+                  <a:rPr lang="en-US" sz="3200" dirty="0" smtClean="0"/>
                   <a:t>~ 4,27 MFLOPS</a:t>
                 </a:r>
-                <a:endParaRPr lang="en-US" sz="3200"/>
+                <a:endParaRPr lang="en-US" sz="3200" dirty="0"/>
               </a:p>
               <a:p>
                 <a:pPr marL="0" indent="0">
@@ -10679,7 +12003,7 @@
                   </a:lnSpc>
                   <a:buNone/>
                 </a:pPr>
-                <a:endParaRPr lang="en-US" smtClean="0"/>
+                <a:endParaRPr lang="en-US" dirty="0" smtClean="0"/>
               </a:p>
               <a:p>
                 <a:pPr marL="0" indent="0">
@@ -10688,7 +12012,7 @@
                   </a:lnSpc>
                   <a:buNone/>
                 </a:pPr>
-                <a:endParaRPr lang="en-US"/>
+                <a:endParaRPr lang="en-US" dirty="0"/>
               </a:p>
             </p:txBody>
           </p:sp>
@@ -10899,7 +12223,7 @@
               <a:buNone/>
             </a:pPr>
             <a:r>
-              <a:rPr lang="en-US" altLang="en-US" sz="1400" b="1" smtClean="0">
+              <a:rPr lang="en-US" altLang="en-US" sz="1400" b="1" dirty="0" smtClean="0">
                 <a:solidFill>
                   <a:srgbClr val="000080"/>
                 </a:solidFill>
@@ -10908,7 +12232,7 @@
               <a:t>public </a:t>
             </a:r>
             <a:r>
-              <a:rPr lang="en-US" altLang="en-US" sz="1400" b="1">
+              <a:rPr lang="en-US" altLang="en-US" sz="1400" b="1" dirty="0">
                 <a:solidFill>
                   <a:srgbClr val="000080"/>
                 </a:solidFill>
@@ -10917,7 +12241,7 @@
               <a:t>class </a:t>
             </a:r>
             <a:r>
-              <a:rPr lang="en-US" altLang="en-US" sz="1400">
+              <a:rPr lang="en-US" altLang="en-US" sz="1400" dirty="0">
                 <a:solidFill>
                   <a:srgbClr val="000000"/>
                 </a:solidFill>
@@ -10926,7 +12250,7 @@
               <a:t>Matrix {</a:t>
             </a:r>
             <a:br>
-              <a:rPr lang="en-US" altLang="en-US" sz="1400">
+              <a:rPr lang="en-US" altLang="en-US" sz="1400" dirty="0">
                 <a:solidFill>
                   <a:srgbClr val="000000"/>
                 </a:solidFill>
@@ -10934,7 +12258,7 @@
               </a:rPr>
             </a:br>
             <a:r>
-              <a:rPr lang="en-US" altLang="en-US" sz="1400">
+              <a:rPr lang="en-US" altLang="en-US" sz="1400" dirty="0">
                 <a:solidFill>
                   <a:srgbClr val="000000"/>
                 </a:solidFill>
@@ -10943,7 +12267,7 @@
               <a:t>    </a:t>
             </a:r>
             <a:r>
-              <a:rPr lang="en-US" altLang="en-US" sz="1400" b="1">
+              <a:rPr lang="en-US" altLang="en-US" sz="1400" b="1" dirty="0">
                 <a:solidFill>
                   <a:srgbClr val="000080"/>
                 </a:solidFill>
@@ -10952,16 +12276,25 @@
               <a:t>static </a:t>
             </a:r>
             <a:r>
-              <a:rPr lang="en-US" altLang="en-US" sz="1400" b="1" smtClean="0">
+              <a:rPr lang="en-US" altLang="en-US" sz="1400" b="1" dirty="0" err="1" smtClean="0">
                 <a:solidFill>
                   <a:srgbClr val="000080"/>
                 </a:solidFill>
                 <a:latin typeface="Consolas" panose="020B0609020204030204" pitchFamily="49" charset="0"/>
               </a:rPr>
-              <a:t>int </a:t>
-            </a:r>
-            <a:r>
-              <a:rPr lang="en-US" altLang="en-US" sz="1400" b="1" i="1">
+              <a:t>int</a:t>
+            </a:r>
+            <a:r>
+              <a:rPr lang="en-US" altLang="en-US" sz="1400" b="1" dirty="0" smtClean="0">
+                <a:solidFill>
+                  <a:srgbClr val="000080"/>
+                </a:solidFill>
+                <a:latin typeface="Consolas" panose="020B0609020204030204" pitchFamily="49" charset="0"/>
+              </a:rPr>
+              <a:t> </a:t>
+            </a:r>
+            <a:r>
+              <a:rPr lang="en-US" altLang="en-US" sz="1400" b="1" i="1" dirty="0">
                 <a:solidFill>
                   <a:srgbClr val="660E7A"/>
                 </a:solidFill>
@@ -10970,7 +12303,7 @@
               <a:t>n </a:t>
             </a:r>
             <a:r>
-              <a:rPr lang="en-US" altLang="en-US" sz="1400">
+              <a:rPr lang="en-US" altLang="en-US" sz="1400" dirty="0">
                 <a:solidFill>
                   <a:srgbClr val="000000"/>
                 </a:solidFill>
@@ -10979,7 +12312,7 @@
               <a:t>= </a:t>
             </a:r>
             <a:r>
-              <a:rPr lang="en-US" altLang="en-US" sz="1400">
+              <a:rPr lang="en-US" altLang="en-US" sz="1400" dirty="0">
                 <a:solidFill>
                   <a:srgbClr val="0000FF"/>
                 </a:solidFill>
@@ -10988,7 +12321,7 @@
               <a:t>1024</a:t>
             </a:r>
             <a:r>
-              <a:rPr lang="en-US" altLang="en-US" sz="1400">
+              <a:rPr lang="en-US" altLang="en-US" sz="1400" dirty="0">
                 <a:solidFill>
                   <a:srgbClr val="000000"/>
                 </a:solidFill>
@@ -10997,7 +12330,7 @@
               <a:t>;</a:t>
             </a:r>
             <a:br>
-              <a:rPr lang="en-US" altLang="en-US" sz="1400">
+              <a:rPr lang="en-US" altLang="en-US" sz="1400" dirty="0">
                 <a:solidFill>
                   <a:srgbClr val="000000"/>
                 </a:solidFill>
@@ -11005,7 +12338,7 @@
               </a:rPr>
             </a:br>
             <a:r>
-              <a:rPr lang="en-US" altLang="en-US" sz="1400">
+              <a:rPr lang="en-US" altLang="en-US" sz="1400" dirty="0">
                 <a:solidFill>
                   <a:srgbClr val="000000"/>
                 </a:solidFill>
@@ -11014,7 +12347,7 @@
               <a:t>    </a:t>
             </a:r>
             <a:r>
-              <a:rPr lang="en-US" altLang="en-US" sz="1400" b="1">
+              <a:rPr lang="en-US" altLang="en-US" sz="1400" b="1" dirty="0">
                 <a:solidFill>
                   <a:srgbClr val="000080"/>
                 </a:solidFill>
@@ -11023,7 +12356,7 @@
               <a:t>static </a:t>
             </a:r>
             <a:r>
-              <a:rPr lang="en-US" altLang="en-US" sz="1400" b="1" smtClean="0">
+              <a:rPr lang="en-US" altLang="en-US" sz="1400" b="1" dirty="0" smtClean="0">
                 <a:solidFill>
                   <a:srgbClr val="000080"/>
                 </a:solidFill>
@@ -11032,7 +12365,7 @@
               <a:t>double</a:t>
             </a:r>
             <a:r>
-              <a:rPr lang="en-US" altLang="en-US" sz="1400">
+              <a:rPr lang="en-US" altLang="en-US" sz="1400" dirty="0">
                 <a:solidFill>
                   <a:srgbClr val="000000"/>
                 </a:solidFill>
@@ -11041,7 +12374,7 @@
               <a:t>[][] </a:t>
             </a:r>
             <a:r>
-              <a:rPr lang="en-US" altLang="en-US" sz="1400" b="1" i="1">
+              <a:rPr lang="en-US" altLang="en-US" sz="1400" b="1" i="1" dirty="0">
                 <a:solidFill>
                   <a:srgbClr val="660E7A"/>
                 </a:solidFill>
@@ -11050,7 +12383,7 @@
               <a:t>A </a:t>
             </a:r>
             <a:r>
-              <a:rPr lang="en-US" altLang="en-US" sz="1400">
+              <a:rPr lang="en-US" altLang="en-US" sz="1400" dirty="0">
                 <a:solidFill>
                   <a:srgbClr val="000000"/>
                 </a:solidFill>
@@ -11059,7 +12392,7 @@
               <a:t>= </a:t>
             </a:r>
             <a:r>
-              <a:rPr lang="en-US" altLang="en-US" sz="1400" b="1">
+              <a:rPr lang="en-US" altLang="en-US" sz="1400" b="1" dirty="0">
                 <a:solidFill>
                   <a:srgbClr val="000080"/>
                 </a:solidFill>
@@ -11068,7 +12401,7 @@
               <a:t>new double</a:t>
             </a:r>
             <a:r>
-              <a:rPr lang="en-US" altLang="en-US" sz="1400">
+              <a:rPr lang="en-US" altLang="en-US" sz="1400" dirty="0">
                 <a:solidFill>
                   <a:srgbClr val="000000"/>
                 </a:solidFill>
@@ -11077,7 +12410,7 @@
               <a:t>[</a:t>
             </a:r>
             <a:r>
-              <a:rPr lang="en-US" altLang="en-US" sz="1400" b="1" i="1">
+              <a:rPr lang="en-US" altLang="en-US" sz="1400" b="1" i="1" dirty="0">
                 <a:solidFill>
                   <a:srgbClr val="660E7A"/>
                 </a:solidFill>
@@ -11086,7 +12419,7 @@
               <a:t>n</a:t>
             </a:r>
             <a:r>
-              <a:rPr lang="en-US" altLang="en-US" sz="1400">
+              <a:rPr lang="en-US" altLang="en-US" sz="1400" dirty="0">
                 <a:solidFill>
                   <a:srgbClr val="000000"/>
                 </a:solidFill>
@@ -11095,7 +12428,7 @@
               <a:t>][</a:t>
             </a:r>
             <a:r>
-              <a:rPr lang="en-US" altLang="en-US" sz="1400" b="1" i="1">
+              <a:rPr lang="en-US" altLang="en-US" sz="1400" b="1" i="1" dirty="0">
                 <a:solidFill>
                   <a:srgbClr val="660E7A"/>
                 </a:solidFill>
@@ -11104,7 +12437,7 @@
               <a:t>n</a:t>
             </a:r>
             <a:r>
-              <a:rPr lang="en-US" altLang="en-US" sz="1400">
+              <a:rPr lang="en-US" altLang="en-US" sz="1400" dirty="0">
                 <a:solidFill>
                   <a:srgbClr val="000000"/>
                 </a:solidFill>
@@ -11113,7 +12446,7 @@
               <a:t>];</a:t>
             </a:r>
             <a:br>
-              <a:rPr lang="en-US" altLang="en-US" sz="1400">
+              <a:rPr lang="en-US" altLang="en-US" sz="1400" dirty="0">
                 <a:solidFill>
                   <a:srgbClr val="000000"/>
                 </a:solidFill>
@@ -11121,7 +12454,7 @@
               </a:rPr>
             </a:br>
             <a:r>
-              <a:rPr lang="en-US" altLang="en-US" sz="1400">
+              <a:rPr lang="en-US" altLang="en-US" sz="1400" dirty="0">
                 <a:solidFill>
                   <a:srgbClr val="000000"/>
                 </a:solidFill>
@@ -11130,7 +12463,7 @@
               <a:t>    </a:t>
             </a:r>
             <a:r>
-              <a:rPr lang="en-US" altLang="en-US" sz="1400" b="1">
+              <a:rPr lang="en-US" altLang="en-US" sz="1400" b="1" dirty="0">
                 <a:solidFill>
                   <a:srgbClr val="000080"/>
                 </a:solidFill>
@@ -11139,7 +12472,7 @@
               <a:t>static </a:t>
             </a:r>
             <a:r>
-              <a:rPr lang="en-US" altLang="en-US" sz="1400" b="1" smtClean="0">
+              <a:rPr lang="en-US" altLang="en-US" sz="1400" b="1" dirty="0" smtClean="0">
                 <a:solidFill>
                   <a:srgbClr val="000080"/>
                 </a:solidFill>
@@ -11148,7 +12481,7 @@
               <a:t>double</a:t>
             </a:r>
             <a:r>
-              <a:rPr lang="en-US" altLang="en-US" sz="1400">
+              <a:rPr lang="en-US" altLang="en-US" sz="1400" dirty="0">
                 <a:solidFill>
                   <a:srgbClr val="000000"/>
                 </a:solidFill>
@@ -11157,7 +12490,7 @@
               <a:t>[][] </a:t>
             </a:r>
             <a:r>
-              <a:rPr lang="en-US" altLang="en-US" sz="1400" b="1" i="1">
+              <a:rPr lang="en-US" altLang="en-US" sz="1400" b="1" i="1" dirty="0">
                 <a:solidFill>
                   <a:srgbClr val="660E7A"/>
                 </a:solidFill>
@@ -11166,7 +12499,7 @@
               <a:t>B </a:t>
             </a:r>
             <a:r>
-              <a:rPr lang="en-US" altLang="en-US" sz="1400">
+              <a:rPr lang="en-US" altLang="en-US" sz="1400" dirty="0">
                 <a:solidFill>
                   <a:srgbClr val="000000"/>
                 </a:solidFill>
@@ -11175,7 +12508,7 @@
               <a:t>= </a:t>
             </a:r>
             <a:r>
-              <a:rPr lang="en-US" altLang="en-US" sz="1400" b="1">
+              <a:rPr lang="en-US" altLang="en-US" sz="1400" b="1" dirty="0">
                 <a:solidFill>
                   <a:srgbClr val="000080"/>
                 </a:solidFill>
@@ -11184,7 +12517,7 @@
               <a:t>new double</a:t>
             </a:r>
             <a:r>
-              <a:rPr lang="en-US" altLang="en-US" sz="1400">
+              <a:rPr lang="en-US" altLang="en-US" sz="1400" dirty="0">
                 <a:solidFill>
                   <a:srgbClr val="000000"/>
                 </a:solidFill>
@@ -11193,7 +12526,7 @@
               <a:t>[</a:t>
             </a:r>
             <a:r>
-              <a:rPr lang="en-US" altLang="en-US" sz="1400" b="1" i="1">
+              <a:rPr lang="en-US" altLang="en-US" sz="1400" b="1" i="1" dirty="0">
                 <a:solidFill>
                   <a:srgbClr val="660E7A"/>
                 </a:solidFill>
@@ -11202,7 +12535,7 @@
               <a:t>n</a:t>
             </a:r>
             <a:r>
-              <a:rPr lang="en-US" altLang="en-US" sz="1400">
+              <a:rPr lang="en-US" altLang="en-US" sz="1400" dirty="0">
                 <a:solidFill>
                   <a:srgbClr val="000000"/>
                 </a:solidFill>
@@ -11211,7 +12544,7 @@
               <a:t>][</a:t>
             </a:r>
             <a:r>
-              <a:rPr lang="en-US" altLang="en-US" sz="1400" b="1" i="1">
+              <a:rPr lang="en-US" altLang="en-US" sz="1400" b="1" i="1" dirty="0">
                 <a:solidFill>
                   <a:srgbClr val="660E7A"/>
                 </a:solidFill>
@@ -11220,7 +12553,7 @@
               <a:t>n</a:t>
             </a:r>
             <a:r>
-              <a:rPr lang="en-US" altLang="en-US" sz="1400">
+              <a:rPr lang="en-US" altLang="en-US" sz="1400" dirty="0">
                 <a:solidFill>
                   <a:srgbClr val="000000"/>
                 </a:solidFill>
@@ -11229,7 +12562,7 @@
               <a:t>];</a:t>
             </a:r>
             <a:br>
-              <a:rPr lang="en-US" altLang="en-US" sz="1400">
+              <a:rPr lang="en-US" altLang="en-US" sz="1400" dirty="0">
                 <a:solidFill>
                   <a:srgbClr val="000000"/>
                 </a:solidFill>
@@ -11237,7 +12570,7 @@
               </a:rPr>
             </a:br>
             <a:r>
-              <a:rPr lang="en-US" altLang="en-US" sz="1400">
+              <a:rPr lang="en-US" altLang="en-US" sz="1400" dirty="0">
                 <a:solidFill>
                   <a:srgbClr val="000000"/>
                 </a:solidFill>
@@ -11246,7 +12579,7 @@
               <a:t>    </a:t>
             </a:r>
             <a:r>
-              <a:rPr lang="en-US" altLang="en-US" sz="1400" b="1">
+              <a:rPr lang="en-US" altLang="en-US" sz="1400" b="1" dirty="0">
                 <a:solidFill>
                   <a:srgbClr val="000080"/>
                 </a:solidFill>
@@ -11255,7 +12588,7 @@
               <a:t>static </a:t>
             </a:r>
             <a:r>
-              <a:rPr lang="en-US" altLang="en-US" sz="1400" b="1" smtClean="0">
+              <a:rPr lang="en-US" altLang="en-US" sz="1400" b="1" dirty="0" smtClean="0">
                 <a:solidFill>
                   <a:srgbClr val="000080"/>
                 </a:solidFill>
@@ -11264,7 +12597,7 @@
               <a:t>double</a:t>
             </a:r>
             <a:r>
-              <a:rPr lang="en-US" altLang="en-US" sz="1400">
+              <a:rPr lang="en-US" altLang="en-US" sz="1400" dirty="0">
                 <a:solidFill>
                   <a:srgbClr val="000000"/>
                 </a:solidFill>
@@ -11273,7 +12606,7 @@
               <a:t>[][] </a:t>
             </a:r>
             <a:r>
-              <a:rPr lang="en-US" altLang="en-US" sz="1400" b="1" i="1">
+              <a:rPr lang="en-US" altLang="en-US" sz="1400" b="1" i="1" dirty="0">
                 <a:solidFill>
                   <a:srgbClr val="660E7A"/>
                 </a:solidFill>
@@ -11282,7 +12615,7 @@
               <a:t>C </a:t>
             </a:r>
             <a:r>
-              <a:rPr lang="en-US" altLang="en-US" sz="1400">
+              <a:rPr lang="en-US" altLang="en-US" sz="1400" dirty="0">
                 <a:solidFill>
                   <a:srgbClr val="000000"/>
                 </a:solidFill>
@@ -11291,7 +12624,7 @@
               <a:t>= </a:t>
             </a:r>
             <a:r>
-              <a:rPr lang="en-US" altLang="en-US" sz="1400" b="1">
+              <a:rPr lang="en-US" altLang="en-US" sz="1400" b="1" dirty="0">
                 <a:solidFill>
                   <a:srgbClr val="000080"/>
                 </a:solidFill>
@@ -11300,7 +12633,7 @@
               <a:t>new double</a:t>
             </a:r>
             <a:r>
-              <a:rPr lang="en-US" altLang="en-US" sz="1400">
+              <a:rPr lang="en-US" altLang="en-US" sz="1400" dirty="0">
                 <a:solidFill>
                   <a:srgbClr val="000000"/>
                 </a:solidFill>
@@ -11309,7 +12642,7 @@
               <a:t>[</a:t>
             </a:r>
             <a:r>
-              <a:rPr lang="en-US" altLang="en-US" sz="1400" b="1" i="1">
+              <a:rPr lang="en-US" altLang="en-US" sz="1400" b="1" i="1" dirty="0">
                 <a:solidFill>
                   <a:srgbClr val="660E7A"/>
                 </a:solidFill>
@@ -11318,7 +12651,7 @@
               <a:t>n</a:t>
             </a:r>
             <a:r>
-              <a:rPr lang="en-US" altLang="en-US" sz="1400">
+              <a:rPr lang="en-US" altLang="en-US" sz="1400" dirty="0">
                 <a:solidFill>
                   <a:srgbClr val="000000"/>
                 </a:solidFill>
@@ -11327,7 +12660,7 @@
               <a:t>][</a:t>
             </a:r>
             <a:r>
-              <a:rPr lang="en-US" altLang="en-US" sz="1400" b="1" i="1">
+              <a:rPr lang="en-US" altLang="en-US" sz="1400" b="1" i="1" dirty="0">
                 <a:solidFill>
                   <a:srgbClr val="660E7A"/>
                 </a:solidFill>
@@ -11336,7 +12669,7 @@
               <a:t>n</a:t>
             </a:r>
             <a:r>
-              <a:rPr lang="en-US" altLang="en-US" sz="1400" smtClean="0">
+              <a:rPr lang="en-US" altLang="en-US" sz="1400" dirty="0" smtClean="0">
                 <a:solidFill>
                   <a:srgbClr val="000000"/>
                 </a:solidFill>
@@ -11356,7 +12689,7 @@
               <a:buNone/>
             </a:pPr>
             <a:r>
-              <a:rPr lang="en-US" altLang="en-US" sz="1400">
+              <a:rPr lang="en-US" altLang="en-US" sz="1400" dirty="0">
                 <a:solidFill>
                   <a:srgbClr val="000000"/>
                 </a:solidFill>
@@ -11365,7 +12698,7 @@
               <a:t/>
             </a:r>
             <a:br>
-              <a:rPr lang="en-US" altLang="en-US" sz="1400">
+              <a:rPr lang="en-US" altLang="en-US" sz="1400" dirty="0">
                 <a:solidFill>
                   <a:srgbClr val="000000"/>
                 </a:solidFill>
@@ -11373,7 +12706,7 @@
               </a:rPr>
             </a:br>
             <a:r>
-              <a:rPr lang="en-US" altLang="en-US" sz="1400" smtClean="0">
+              <a:rPr lang="en-US" altLang="en-US" sz="1400" dirty="0" smtClean="0">
                 <a:solidFill>
                   <a:srgbClr val="000000"/>
                 </a:solidFill>
@@ -11382,7 +12715,7 @@
               <a:t>    </a:t>
             </a:r>
             <a:r>
-              <a:rPr lang="en-US" altLang="en-US" sz="1400" b="1">
+              <a:rPr lang="en-US" altLang="en-US" sz="1400" b="1" dirty="0">
                 <a:solidFill>
                   <a:srgbClr val="000080"/>
                 </a:solidFill>
@@ -11391,16 +12724,34 @@
               <a:t>public static void </a:t>
             </a:r>
             <a:r>
-              <a:rPr lang="en-US" altLang="en-US" sz="1400">
-                <a:solidFill>
-                  <a:srgbClr val="000000"/>
-                </a:solidFill>
-                <a:latin typeface="Consolas" panose="020B0609020204030204" pitchFamily="49" charset="0"/>
-              </a:rPr>
-              <a:t>main(String[] args) {</a:t>
+              <a:rPr lang="en-US" altLang="en-US" sz="1400" dirty="0">
+                <a:solidFill>
+                  <a:srgbClr val="000000"/>
+                </a:solidFill>
+                <a:latin typeface="Consolas" panose="020B0609020204030204" pitchFamily="49" charset="0"/>
+              </a:rPr>
+              <a:t>main(String[] </a:t>
+            </a:r>
+            <a:r>
+              <a:rPr lang="en-US" altLang="en-US" sz="1400" dirty="0" err="1">
+                <a:solidFill>
+                  <a:srgbClr val="000000"/>
+                </a:solidFill>
+                <a:latin typeface="Consolas" panose="020B0609020204030204" pitchFamily="49" charset="0"/>
+              </a:rPr>
+              <a:t>args</a:t>
+            </a:r>
+            <a:r>
+              <a:rPr lang="en-US" altLang="en-US" sz="1400" dirty="0">
+                <a:solidFill>
+                  <a:srgbClr val="000000"/>
+                </a:solidFill>
+                <a:latin typeface="Consolas" panose="020B0609020204030204" pitchFamily="49" charset="0"/>
+              </a:rPr>
+              <a:t>) {</a:t>
             </a:r>
             <a:br>
-              <a:rPr lang="en-US" altLang="en-US" sz="1400">
+              <a:rPr lang="en-US" altLang="en-US" sz="1400" dirty="0">
                 <a:solidFill>
                   <a:srgbClr val="000000"/>
                 </a:solidFill>
@@ -11408,7 +12759,7 @@
               </a:rPr>
             </a:br>
             <a:r>
-              <a:rPr lang="en-US" altLang="en-US" sz="1400">
+              <a:rPr lang="en-US" altLang="en-US" sz="1400" dirty="0">
                 <a:solidFill>
                   <a:srgbClr val="000000"/>
                 </a:solidFill>
@@ -11417,16 +12768,34 @@
               <a:t> </a:t>
             </a:r>
             <a:r>
-              <a:rPr lang="en-US" altLang="en-US" sz="1400" smtClean="0">
-                <a:solidFill>
-                  <a:srgbClr val="000000"/>
-                </a:solidFill>
-                <a:latin typeface="Consolas" panose="020B0609020204030204" pitchFamily="49" charset="0"/>
-              </a:rPr>
-              <a:t>       java.util.Random r </a:t>
-            </a:r>
-            <a:r>
-              <a:rPr lang="en-US" altLang="en-US" sz="1400">
+              <a:rPr lang="en-US" altLang="en-US" sz="1400" dirty="0" smtClean="0">
+                <a:solidFill>
+                  <a:srgbClr val="000000"/>
+                </a:solidFill>
+                <a:latin typeface="Consolas" panose="020B0609020204030204" pitchFamily="49" charset="0"/>
+              </a:rPr>
+              <a:t>       </a:t>
+            </a:r>
+            <a:r>
+              <a:rPr lang="en-US" altLang="en-US" sz="1400" dirty="0" err="1" smtClean="0">
+                <a:solidFill>
+                  <a:srgbClr val="000000"/>
+                </a:solidFill>
+                <a:latin typeface="Consolas" panose="020B0609020204030204" pitchFamily="49" charset="0"/>
+              </a:rPr>
+              <a:t>java.util.Random</a:t>
+            </a:r>
+            <a:r>
+              <a:rPr lang="en-US" altLang="en-US" sz="1400" dirty="0" smtClean="0">
+                <a:solidFill>
+                  <a:srgbClr val="000000"/>
+                </a:solidFill>
+                <a:latin typeface="Consolas" panose="020B0609020204030204" pitchFamily="49" charset="0"/>
+              </a:rPr>
+              <a:t> r </a:t>
+            </a:r>
+            <a:r>
+              <a:rPr lang="en-US" altLang="en-US" sz="1400" dirty="0">
                 <a:solidFill>
                   <a:srgbClr val="000000"/>
                 </a:solidFill>
@@ -11435,7 +12804,7 @@
               <a:t>= </a:t>
             </a:r>
             <a:r>
-              <a:rPr lang="en-US" altLang="en-US" sz="1400" b="1">
+              <a:rPr lang="en-US" altLang="en-US" sz="1400" b="1" dirty="0">
                 <a:solidFill>
                   <a:srgbClr val="000080"/>
                 </a:solidFill>
@@ -11444,7 +12813,7 @@
               <a:t>new </a:t>
             </a:r>
             <a:r>
-              <a:rPr lang="en-US" altLang="en-US" sz="1400">
+              <a:rPr lang="en-US" altLang="en-US" sz="1400" dirty="0" err="1">
                 <a:solidFill>
                   <a:srgbClr val="000000"/>
                 </a:solidFill>
@@ -11453,7 +12822,7 @@
               <a:t>java.util.Random</a:t>
             </a:r>
             <a:r>
-              <a:rPr lang="en-US" altLang="en-US" sz="1400" smtClean="0">
+              <a:rPr lang="en-US" altLang="en-US" sz="1400" dirty="0" smtClean="0">
                 <a:solidFill>
                   <a:srgbClr val="000000"/>
                 </a:solidFill>
@@ -11462,7 +12831,7 @@
               <a:t>();</a:t>
             </a:r>
             <a:r>
-              <a:rPr lang="en-US" altLang="en-US" sz="1400">
+              <a:rPr lang="en-US" altLang="en-US" sz="1400" dirty="0">
                 <a:solidFill>
                   <a:srgbClr val="000000"/>
                 </a:solidFill>
@@ -11471,7 +12840,7 @@
               <a:t/>
             </a:r>
             <a:br>
-              <a:rPr lang="en-US" altLang="en-US" sz="1400">
+              <a:rPr lang="en-US" altLang="en-US" sz="1400" dirty="0">
                 <a:solidFill>
                   <a:srgbClr val="000000"/>
                 </a:solidFill>
@@ -11479,7 +12848,7 @@
               </a:rPr>
             </a:br>
             <a:r>
-              <a:rPr lang="en-US" altLang="en-US" sz="1400">
+              <a:rPr lang="en-US" altLang="en-US" sz="1400" dirty="0">
                 <a:solidFill>
                   <a:srgbClr val="000000"/>
                 </a:solidFill>
@@ -11488,7 +12857,7 @@
               <a:t>        </a:t>
             </a:r>
             <a:r>
-              <a:rPr lang="en-US" altLang="en-US" sz="1400" b="1">
+              <a:rPr lang="en-US" altLang="en-US" sz="1400" b="1" dirty="0">
                 <a:solidFill>
                   <a:srgbClr val="000080"/>
                 </a:solidFill>
@@ -11497,7 +12866,7 @@
               <a:t>for </a:t>
             </a:r>
             <a:r>
-              <a:rPr lang="en-US" altLang="en-US" sz="1400">
+              <a:rPr lang="en-US" altLang="en-US" sz="1400" dirty="0">
                 <a:solidFill>
                   <a:srgbClr val="000000"/>
                 </a:solidFill>
@@ -11506,25 +12875,43 @@
               <a:t>(</a:t>
             </a:r>
             <a:r>
-              <a:rPr lang="en-US" altLang="en-US" sz="1400" b="1">
+              <a:rPr lang="en-US" altLang="en-US" sz="1400" b="1" dirty="0" err="1">
                 <a:solidFill>
                   <a:srgbClr val="000080"/>
                 </a:solidFill>
                 <a:latin typeface="Consolas" panose="020B0609020204030204" pitchFamily="49" charset="0"/>
               </a:rPr>
-              <a:t>int </a:t>
-            </a:r>
-            <a:r>
-              <a:rPr lang="en-US" altLang="en-US" sz="1400">
-                <a:solidFill>
-                  <a:srgbClr val="000000"/>
-                </a:solidFill>
-                <a:latin typeface="Consolas" panose="020B0609020204030204" pitchFamily="49" charset="0"/>
-              </a:rPr>
-              <a:t>i = </a:t>
-            </a:r>
-            <a:r>
-              <a:rPr lang="en-US" altLang="en-US" sz="1400">
+              <a:t>int</a:t>
+            </a:r>
+            <a:r>
+              <a:rPr lang="en-US" altLang="en-US" sz="1400" b="1" dirty="0">
+                <a:solidFill>
+                  <a:srgbClr val="000080"/>
+                </a:solidFill>
+                <a:latin typeface="Consolas" panose="020B0609020204030204" pitchFamily="49" charset="0"/>
+              </a:rPr>
+              <a:t> </a:t>
+            </a:r>
+            <a:r>
+              <a:rPr lang="en-US" altLang="en-US" sz="1400" dirty="0" err="1">
+                <a:solidFill>
+                  <a:srgbClr val="000000"/>
+                </a:solidFill>
+                <a:latin typeface="Consolas" panose="020B0609020204030204" pitchFamily="49" charset="0"/>
+              </a:rPr>
+              <a:t>i</a:t>
+            </a:r>
+            <a:r>
+              <a:rPr lang="en-US" altLang="en-US" sz="1400" dirty="0">
+                <a:solidFill>
+                  <a:srgbClr val="000000"/>
+                </a:solidFill>
+                <a:latin typeface="Consolas" panose="020B0609020204030204" pitchFamily="49" charset="0"/>
+              </a:rPr>
+              <a:t> = </a:t>
+            </a:r>
+            <a:r>
+              <a:rPr lang="en-US" altLang="en-US" sz="1400" dirty="0">
                 <a:solidFill>
                   <a:srgbClr val="0000FF"/>
                 </a:solidFill>
@@ -11533,16 +12920,34 @@
               <a:t>0</a:t>
             </a:r>
             <a:r>
-              <a:rPr lang="en-US" altLang="en-US" sz="1400">
-                <a:solidFill>
-                  <a:srgbClr val="000000"/>
-                </a:solidFill>
-                <a:latin typeface="Consolas" panose="020B0609020204030204" pitchFamily="49" charset="0"/>
-              </a:rPr>
-              <a:t>; i &lt; </a:t>
-            </a:r>
-            <a:r>
-              <a:rPr lang="en-US" altLang="en-US" sz="1400" b="1" i="1">
+              <a:rPr lang="en-US" altLang="en-US" sz="1400" dirty="0">
+                <a:solidFill>
+                  <a:srgbClr val="000000"/>
+                </a:solidFill>
+                <a:latin typeface="Consolas" panose="020B0609020204030204" pitchFamily="49" charset="0"/>
+              </a:rPr>
+              <a:t>; </a:t>
+            </a:r>
+            <a:r>
+              <a:rPr lang="en-US" altLang="en-US" sz="1400" dirty="0" err="1">
+                <a:solidFill>
+                  <a:srgbClr val="000000"/>
+                </a:solidFill>
+                <a:latin typeface="Consolas" panose="020B0609020204030204" pitchFamily="49" charset="0"/>
+              </a:rPr>
+              <a:t>i</a:t>
+            </a:r>
+            <a:r>
+              <a:rPr lang="en-US" altLang="en-US" sz="1400" dirty="0">
+                <a:solidFill>
+                  <a:srgbClr val="000000"/>
+                </a:solidFill>
+                <a:latin typeface="Consolas" panose="020B0609020204030204" pitchFamily="49" charset="0"/>
+              </a:rPr>
+              <a:t> &lt; </a:t>
+            </a:r>
+            <a:r>
+              <a:rPr lang="en-US" altLang="en-US" sz="1400" b="1" i="1" dirty="0">
                 <a:solidFill>
                   <a:srgbClr val="660E7A"/>
                 </a:solidFill>
@@ -11551,16 +12956,34 @@
               <a:t>n</a:t>
             </a:r>
             <a:r>
-              <a:rPr lang="en-US" altLang="en-US" sz="1400">
-                <a:solidFill>
-                  <a:srgbClr val="000000"/>
-                </a:solidFill>
-                <a:latin typeface="Consolas" panose="020B0609020204030204" pitchFamily="49" charset="0"/>
-              </a:rPr>
-              <a:t>; i++) {</a:t>
+              <a:rPr lang="en-US" altLang="en-US" sz="1400" dirty="0">
+                <a:solidFill>
+                  <a:srgbClr val="000000"/>
+                </a:solidFill>
+                <a:latin typeface="Consolas" panose="020B0609020204030204" pitchFamily="49" charset="0"/>
+              </a:rPr>
+              <a:t>; </a:t>
+            </a:r>
+            <a:r>
+              <a:rPr lang="en-US" altLang="en-US" sz="1400" dirty="0" err="1">
+                <a:solidFill>
+                  <a:srgbClr val="000000"/>
+                </a:solidFill>
+                <a:latin typeface="Consolas" panose="020B0609020204030204" pitchFamily="49" charset="0"/>
+              </a:rPr>
+              <a:t>i</a:t>
+            </a:r>
+            <a:r>
+              <a:rPr lang="en-US" altLang="en-US" sz="1400" dirty="0">
+                <a:solidFill>
+                  <a:srgbClr val="000000"/>
+                </a:solidFill>
+                <a:latin typeface="Consolas" panose="020B0609020204030204" pitchFamily="49" charset="0"/>
+              </a:rPr>
+              <a:t>++) {</a:t>
             </a:r>
             <a:br>
-              <a:rPr lang="en-US" altLang="en-US" sz="1400">
+              <a:rPr lang="en-US" altLang="en-US" sz="1400" dirty="0">
                 <a:solidFill>
                   <a:srgbClr val="000000"/>
                 </a:solidFill>
@@ -11568,7 +12991,7 @@
               </a:rPr>
             </a:br>
             <a:r>
-              <a:rPr lang="en-US" altLang="en-US" sz="1400">
+              <a:rPr lang="en-US" altLang="en-US" sz="1400" dirty="0">
                 <a:solidFill>
                   <a:srgbClr val="000000"/>
                 </a:solidFill>
@@ -11577,7 +13000,7 @@
               <a:t>            </a:t>
             </a:r>
             <a:r>
-              <a:rPr lang="en-US" altLang="en-US" sz="1400" b="1">
+              <a:rPr lang="en-US" altLang="en-US" sz="1400" b="1" dirty="0">
                 <a:solidFill>
                   <a:srgbClr val="000080"/>
                 </a:solidFill>
@@ -11586,7 +13009,7 @@
               <a:t>for </a:t>
             </a:r>
             <a:r>
-              <a:rPr lang="en-US" altLang="en-US" sz="1400">
+              <a:rPr lang="en-US" altLang="en-US" sz="1400" dirty="0">
                 <a:solidFill>
                   <a:srgbClr val="000000"/>
                 </a:solidFill>
@@ -11595,16 +13018,25 @@
               <a:t>(</a:t>
             </a:r>
             <a:r>
-              <a:rPr lang="en-US" altLang="en-US" sz="1400" b="1">
+              <a:rPr lang="en-US" altLang="en-US" sz="1400" b="1" dirty="0" err="1">
                 <a:solidFill>
                   <a:srgbClr val="000080"/>
                 </a:solidFill>
                 <a:latin typeface="Consolas" panose="020B0609020204030204" pitchFamily="49" charset="0"/>
               </a:rPr>
-              <a:t>int </a:t>
-            </a:r>
-            <a:r>
-              <a:rPr lang="en-US" altLang="en-US" sz="1400">
+              <a:t>int</a:t>
+            </a:r>
+            <a:r>
+              <a:rPr lang="en-US" altLang="en-US" sz="1400" b="1" dirty="0">
+                <a:solidFill>
+                  <a:srgbClr val="000080"/>
+                </a:solidFill>
+                <a:latin typeface="Consolas" panose="020B0609020204030204" pitchFamily="49" charset="0"/>
+              </a:rPr>
+              <a:t> </a:t>
+            </a:r>
+            <a:r>
+              <a:rPr lang="en-US" altLang="en-US" sz="1400" dirty="0">
                 <a:solidFill>
                   <a:srgbClr val="000000"/>
                 </a:solidFill>
@@ -11613,7 +13045,7 @@
               <a:t>j = </a:t>
             </a:r>
             <a:r>
-              <a:rPr lang="en-US" altLang="en-US" sz="1400">
+              <a:rPr lang="en-US" altLang="en-US" sz="1400" dirty="0">
                 <a:solidFill>
                   <a:srgbClr val="0000FF"/>
                 </a:solidFill>
@@ -11622,7 +13054,7 @@
               <a:t>0</a:t>
             </a:r>
             <a:r>
-              <a:rPr lang="en-US" altLang="en-US" sz="1400">
+              <a:rPr lang="en-US" altLang="en-US" sz="1400" dirty="0">
                 <a:solidFill>
                   <a:srgbClr val="000000"/>
                 </a:solidFill>
@@ -11631,7 +13063,7 @@
               <a:t>; j &lt; </a:t>
             </a:r>
             <a:r>
-              <a:rPr lang="en-US" altLang="en-US" sz="1400" b="1" i="1">
+              <a:rPr lang="en-US" altLang="en-US" sz="1400" b="1" i="1" dirty="0">
                 <a:solidFill>
                   <a:srgbClr val="660E7A"/>
                 </a:solidFill>
@@ -11640,16 +13072,34 @@
               <a:t>n</a:t>
             </a:r>
             <a:r>
-              <a:rPr lang="en-US" altLang="en-US" sz="1400">
-                <a:solidFill>
-                  <a:srgbClr val="000000"/>
-                </a:solidFill>
-                <a:latin typeface="Consolas" panose="020B0609020204030204" pitchFamily="49" charset="0"/>
-              </a:rPr>
-              <a:t>; j++) {</a:t>
+              <a:rPr lang="en-US" altLang="en-US" sz="1400" dirty="0">
+                <a:solidFill>
+                  <a:srgbClr val="000000"/>
+                </a:solidFill>
+                <a:latin typeface="Consolas" panose="020B0609020204030204" pitchFamily="49" charset="0"/>
+              </a:rPr>
+              <a:t>; </a:t>
+            </a:r>
+            <a:r>
+              <a:rPr lang="en-US" altLang="en-US" sz="1400" dirty="0" err="1">
+                <a:solidFill>
+                  <a:srgbClr val="000000"/>
+                </a:solidFill>
+                <a:latin typeface="Consolas" panose="020B0609020204030204" pitchFamily="49" charset="0"/>
+              </a:rPr>
+              <a:t>j++</a:t>
+            </a:r>
+            <a:r>
+              <a:rPr lang="en-US" altLang="en-US" sz="1400" dirty="0">
+                <a:solidFill>
+                  <a:srgbClr val="000000"/>
+                </a:solidFill>
+                <a:latin typeface="Consolas" panose="020B0609020204030204" pitchFamily="49" charset="0"/>
+              </a:rPr>
+              <a:t>) {</a:t>
             </a:r>
             <a:br>
-              <a:rPr lang="en-US" altLang="en-US" sz="1400">
+              <a:rPr lang="en-US" altLang="en-US" sz="1400" dirty="0">
                 <a:solidFill>
                   <a:srgbClr val="000000"/>
                 </a:solidFill>
@@ -11657,7 +13107,7 @@
               </a:rPr>
             </a:br>
             <a:r>
-              <a:rPr lang="en-US" altLang="en-US" sz="1400">
+              <a:rPr lang="en-US" altLang="en-US" sz="1400" dirty="0">
                 <a:solidFill>
                   <a:srgbClr val="000000"/>
                 </a:solidFill>
@@ -11666,7 +13116,7 @@
               <a:t>                </a:t>
             </a:r>
             <a:r>
-              <a:rPr lang="en-US" altLang="en-US" sz="1400" b="1" i="1">
+              <a:rPr lang="en-US" altLang="en-US" sz="1400" b="1" i="1" dirty="0">
                 <a:solidFill>
                   <a:srgbClr val="660E7A"/>
                 </a:solidFill>
@@ -11675,16 +13125,52 @@
               <a:t>A</a:t>
             </a:r>
             <a:r>
-              <a:rPr lang="en-US" altLang="en-US" sz="1400">
-                <a:solidFill>
-                  <a:srgbClr val="000000"/>
-                </a:solidFill>
-                <a:latin typeface="Consolas" panose="020B0609020204030204" pitchFamily="49" charset="0"/>
-              </a:rPr>
-              <a:t>[i][j] = r.nextDouble();</a:t>
+              <a:rPr lang="en-US" altLang="en-US" sz="1400" dirty="0">
+                <a:solidFill>
+                  <a:srgbClr val="000000"/>
+                </a:solidFill>
+                <a:latin typeface="Consolas" panose="020B0609020204030204" pitchFamily="49" charset="0"/>
+              </a:rPr>
+              <a:t>[</a:t>
+            </a:r>
+            <a:r>
+              <a:rPr lang="en-US" altLang="en-US" sz="1400" dirty="0" err="1">
+                <a:solidFill>
+                  <a:srgbClr val="000000"/>
+                </a:solidFill>
+                <a:latin typeface="Consolas" panose="020B0609020204030204" pitchFamily="49" charset="0"/>
+              </a:rPr>
+              <a:t>i</a:t>
+            </a:r>
+            <a:r>
+              <a:rPr lang="en-US" altLang="en-US" sz="1400" dirty="0">
+                <a:solidFill>
+                  <a:srgbClr val="000000"/>
+                </a:solidFill>
+                <a:latin typeface="Consolas" panose="020B0609020204030204" pitchFamily="49" charset="0"/>
+              </a:rPr>
+              <a:t>][j] = </a:t>
+            </a:r>
+            <a:r>
+              <a:rPr lang="en-US" altLang="en-US" sz="1400" dirty="0" err="1">
+                <a:solidFill>
+                  <a:srgbClr val="000000"/>
+                </a:solidFill>
+                <a:latin typeface="Consolas" panose="020B0609020204030204" pitchFamily="49" charset="0"/>
+              </a:rPr>
+              <a:t>r.nextDouble</a:t>
+            </a:r>
+            <a:r>
+              <a:rPr lang="en-US" altLang="en-US" sz="1400" dirty="0">
+                <a:solidFill>
+                  <a:srgbClr val="000000"/>
+                </a:solidFill>
+                <a:latin typeface="Consolas" panose="020B0609020204030204" pitchFamily="49" charset="0"/>
+              </a:rPr>
+              <a:t>();</a:t>
             </a:r>
             <a:br>
-              <a:rPr lang="en-US" altLang="en-US" sz="1400">
+              <a:rPr lang="en-US" altLang="en-US" sz="1400" dirty="0">
                 <a:solidFill>
                   <a:srgbClr val="000000"/>
                 </a:solidFill>
@@ -11692,7 +13178,7 @@
               </a:rPr>
             </a:br>
             <a:r>
-              <a:rPr lang="en-US" altLang="en-US" sz="1400">
+              <a:rPr lang="en-US" altLang="en-US" sz="1400" dirty="0">
                 <a:solidFill>
                   <a:srgbClr val="000000"/>
                 </a:solidFill>
@@ -11701,7 +13187,7 @@
               <a:t>                </a:t>
             </a:r>
             <a:r>
-              <a:rPr lang="en-US" altLang="en-US" sz="1400" b="1" i="1">
+              <a:rPr lang="en-US" altLang="en-US" sz="1400" b="1" i="1" dirty="0">
                 <a:solidFill>
                   <a:srgbClr val="660E7A"/>
                 </a:solidFill>
@@ -11710,16 +13196,52 @@
               <a:t>B</a:t>
             </a:r>
             <a:r>
-              <a:rPr lang="en-US" altLang="en-US" sz="1400">
-                <a:solidFill>
-                  <a:srgbClr val="000000"/>
-                </a:solidFill>
-                <a:latin typeface="Consolas" panose="020B0609020204030204" pitchFamily="49" charset="0"/>
-              </a:rPr>
-              <a:t>[i][j] = r.nextDouble();</a:t>
+              <a:rPr lang="en-US" altLang="en-US" sz="1400" dirty="0">
+                <a:solidFill>
+                  <a:srgbClr val="000000"/>
+                </a:solidFill>
+                <a:latin typeface="Consolas" panose="020B0609020204030204" pitchFamily="49" charset="0"/>
+              </a:rPr>
+              <a:t>[</a:t>
+            </a:r>
+            <a:r>
+              <a:rPr lang="en-US" altLang="en-US" sz="1400" dirty="0" err="1">
+                <a:solidFill>
+                  <a:srgbClr val="000000"/>
+                </a:solidFill>
+                <a:latin typeface="Consolas" panose="020B0609020204030204" pitchFamily="49" charset="0"/>
+              </a:rPr>
+              <a:t>i</a:t>
+            </a:r>
+            <a:r>
+              <a:rPr lang="en-US" altLang="en-US" sz="1400" dirty="0">
+                <a:solidFill>
+                  <a:srgbClr val="000000"/>
+                </a:solidFill>
+                <a:latin typeface="Consolas" panose="020B0609020204030204" pitchFamily="49" charset="0"/>
+              </a:rPr>
+              <a:t>][j] = </a:t>
+            </a:r>
+            <a:r>
+              <a:rPr lang="en-US" altLang="en-US" sz="1400" dirty="0" err="1">
+                <a:solidFill>
+                  <a:srgbClr val="000000"/>
+                </a:solidFill>
+                <a:latin typeface="Consolas" panose="020B0609020204030204" pitchFamily="49" charset="0"/>
+              </a:rPr>
+              <a:t>r.nextDouble</a:t>
+            </a:r>
+            <a:r>
+              <a:rPr lang="en-US" altLang="en-US" sz="1400" dirty="0">
+                <a:solidFill>
+                  <a:srgbClr val="000000"/>
+                </a:solidFill>
+                <a:latin typeface="Consolas" panose="020B0609020204030204" pitchFamily="49" charset="0"/>
+              </a:rPr>
+              <a:t>();</a:t>
             </a:r>
             <a:br>
-              <a:rPr lang="en-US" altLang="en-US" sz="1400">
+              <a:rPr lang="en-US" altLang="en-US" sz="1400" dirty="0">
                 <a:solidFill>
                   <a:srgbClr val="000000"/>
                 </a:solidFill>
@@ -11727,7 +13249,7 @@
               </a:rPr>
             </a:br>
             <a:r>
-              <a:rPr lang="en-US" altLang="en-US" sz="1400">
+              <a:rPr lang="en-US" altLang="en-US" sz="1400" dirty="0">
                 <a:solidFill>
                   <a:srgbClr val="000000"/>
                 </a:solidFill>
@@ -11736,7 +13258,7 @@
               <a:t>                </a:t>
             </a:r>
             <a:r>
-              <a:rPr lang="en-US" altLang="en-US" sz="1400" b="1" i="1">
+              <a:rPr lang="en-US" altLang="en-US" sz="1400" b="1" i="1" dirty="0">
                 <a:solidFill>
                   <a:srgbClr val="660E7A"/>
                 </a:solidFill>
@@ -11745,16 +13267,34 @@
               <a:t>C</a:t>
             </a:r>
             <a:r>
-              <a:rPr lang="en-US" altLang="en-US" sz="1400">
-                <a:solidFill>
-                  <a:srgbClr val="000000"/>
-                </a:solidFill>
-                <a:latin typeface="Consolas" panose="020B0609020204030204" pitchFamily="49" charset="0"/>
-              </a:rPr>
-              <a:t>[i][j] = </a:t>
-            </a:r>
-            <a:r>
-              <a:rPr lang="en-US" altLang="en-US" sz="1400">
+              <a:rPr lang="en-US" altLang="en-US" sz="1400" dirty="0">
+                <a:solidFill>
+                  <a:srgbClr val="000000"/>
+                </a:solidFill>
+                <a:latin typeface="Consolas" panose="020B0609020204030204" pitchFamily="49" charset="0"/>
+              </a:rPr>
+              <a:t>[</a:t>
+            </a:r>
+            <a:r>
+              <a:rPr lang="en-US" altLang="en-US" sz="1400" dirty="0" err="1">
+                <a:solidFill>
+                  <a:srgbClr val="000000"/>
+                </a:solidFill>
+                <a:latin typeface="Consolas" panose="020B0609020204030204" pitchFamily="49" charset="0"/>
+              </a:rPr>
+              <a:t>i</a:t>
+            </a:r>
+            <a:r>
+              <a:rPr lang="en-US" altLang="en-US" sz="1400" dirty="0">
+                <a:solidFill>
+                  <a:srgbClr val="000000"/>
+                </a:solidFill>
+                <a:latin typeface="Consolas" panose="020B0609020204030204" pitchFamily="49" charset="0"/>
+              </a:rPr>
+              <a:t>][j] = </a:t>
+            </a:r>
+            <a:r>
+              <a:rPr lang="en-US" altLang="en-US" sz="1400" dirty="0">
                 <a:solidFill>
                   <a:srgbClr val="0000FF"/>
                 </a:solidFill>
@@ -11763,7 +13303,7 @@
               <a:t>0</a:t>
             </a:r>
             <a:r>
-              <a:rPr lang="en-US" altLang="en-US" sz="1400">
+              <a:rPr lang="en-US" altLang="en-US" sz="1400" dirty="0">
                 <a:solidFill>
                   <a:srgbClr val="000000"/>
                 </a:solidFill>
@@ -11772,7 +13312,7 @@
               <a:t>;</a:t>
             </a:r>
             <a:br>
-              <a:rPr lang="en-US" altLang="en-US" sz="1400">
+              <a:rPr lang="en-US" altLang="en-US" sz="1400" dirty="0">
                 <a:solidFill>
                   <a:srgbClr val="000000"/>
                 </a:solidFill>
@@ -11780,7 +13320,7 @@
               </a:rPr>
             </a:br>
             <a:r>
-              <a:rPr lang="en-US" altLang="en-US" sz="1400">
+              <a:rPr lang="en-US" altLang="en-US" sz="1400" dirty="0">
                 <a:solidFill>
                   <a:srgbClr val="000000"/>
                 </a:solidFill>
@@ -11789,7 +13329,7 @@
               <a:t>            }</a:t>
             </a:r>
             <a:br>
-              <a:rPr lang="en-US" altLang="en-US" sz="1400">
+              <a:rPr lang="en-US" altLang="en-US" sz="1400" dirty="0">
                 <a:solidFill>
                   <a:srgbClr val="000000"/>
                 </a:solidFill>
@@ -11797,7 +13337,7 @@
               </a:rPr>
             </a:br>
             <a:r>
-              <a:rPr lang="en-US" altLang="en-US" sz="1400">
+              <a:rPr lang="en-US" altLang="en-US" sz="1400" dirty="0">
                 <a:solidFill>
                   <a:srgbClr val="000000"/>
                 </a:solidFill>
@@ -11806,7 +13346,7 @@
               <a:t>        }</a:t>
             </a:r>
             <a:br>
-              <a:rPr lang="en-US" altLang="en-US" sz="1400">
+              <a:rPr lang="en-US" altLang="en-US" sz="1400" dirty="0">
                 <a:solidFill>
                   <a:srgbClr val="000000"/>
                 </a:solidFill>
@@ -11814,7 +13354,7 @@
               </a:rPr>
             </a:br>
             <a:r>
-              <a:rPr lang="en-US" altLang="en-US" sz="1400">
+              <a:rPr lang="en-US" altLang="en-US" sz="1400" dirty="0">
                 <a:solidFill>
                   <a:srgbClr val="000000"/>
                 </a:solidFill>
@@ -11823,7 +13363,7 @@
               <a:t>        </a:t>
             </a:r>
             <a:r>
-              <a:rPr lang="en-US" altLang="en-US" sz="1400" b="1">
+              <a:rPr lang="en-US" altLang="en-US" sz="1400" b="1" dirty="0">
                 <a:solidFill>
                   <a:srgbClr val="000080"/>
                 </a:solidFill>
@@ -11832,16 +13372,25 @@
               <a:t>long </a:t>
             </a:r>
             <a:r>
-              <a:rPr lang="en-US" altLang="en-US" sz="1400">
-                <a:solidFill>
-                  <a:srgbClr val="000000"/>
-                </a:solidFill>
-                <a:latin typeface="Consolas" panose="020B0609020204030204" pitchFamily="49" charset="0"/>
-              </a:rPr>
-              <a:t>start = System.</a:t>
-            </a:r>
-            <a:r>
-              <a:rPr lang="en-US" altLang="en-US" sz="1400" i="1">
+              <a:rPr lang="en-US" altLang="en-US" sz="1400" dirty="0">
+                <a:solidFill>
+                  <a:srgbClr val="000000"/>
+                </a:solidFill>
+                <a:latin typeface="Consolas" panose="020B0609020204030204" pitchFamily="49" charset="0"/>
+              </a:rPr>
+              <a:t>start = </a:t>
+            </a:r>
+            <a:r>
+              <a:rPr lang="en-US" altLang="en-US" sz="1400" dirty="0" err="1">
+                <a:solidFill>
+                  <a:srgbClr val="000000"/>
+                </a:solidFill>
+                <a:latin typeface="Consolas" panose="020B0609020204030204" pitchFamily="49" charset="0"/>
+              </a:rPr>
+              <a:t>System.</a:t>
+            </a:r>
+            <a:r>
+              <a:rPr lang="en-US" altLang="en-US" sz="1400" i="1" dirty="0" err="1">
                 <a:solidFill>
                   <a:srgbClr val="000000"/>
                 </a:solidFill>
@@ -11850,7 +13399,7 @@
               <a:t>nanoTime</a:t>
             </a:r>
             <a:r>
-              <a:rPr lang="en-US" altLang="en-US" sz="1400">
+              <a:rPr lang="en-US" altLang="en-US" sz="1400" dirty="0">
                 <a:solidFill>
                   <a:srgbClr val="000000"/>
                 </a:solidFill>
@@ -11859,7 +13408,7 @@
               <a:t>();</a:t>
             </a:r>
             <a:br>
-              <a:rPr lang="en-US" altLang="en-US" sz="1400">
+              <a:rPr lang="en-US" altLang="en-US" sz="1400" dirty="0">
                 <a:solidFill>
                   <a:srgbClr val="000000"/>
                 </a:solidFill>
@@ -11867,7 +13416,7 @@
               </a:rPr>
             </a:br>
             <a:r>
-              <a:rPr lang="en-US" altLang="en-US" sz="1400">
+              <a:rPr lang="en-US" altLang="en-US" sz="1400" dirty="0">
                 <a:solidFill>
                   <a:srgbClr val="000000"/>
                 </a:solidFill>
@@ -11876,7 +13425,7 @@
               <a:t>        </a:t>
             </a:r>
             <a:r>
-              <a:rPr lang="en-US" altLang="en-US" sz="1400" b="1">
+              <a:rPr lang="en-US" altLang="en-US" sz="1400" b="1" dirty="0">
                 <a:solidFill>
                   <a:srgbClr val="000080"/>
                 </a:solidFill>
@@ -11885,7 +13434,7 @@
               <a:t>for </a:t>
             </a:r>
             <a:r>
-              <a:rPr lang="en-US" altLang="en-US" sz="1400">
+              <a:rPr lang="en-US" altLang="en-US" sz="1400" dirty="0">
                 <a:solidFill>
                   <a:srgbClr val="000000"/>
                 </a:solidFill>
@@ -11894,25 +13443,43 @@
               <a:t>(</a:t>
             </a:r>
             <a:r>
-              <a:rPr lang="en-US" altLang="en-US" sz="1400" b="1">
+              <a:rPr lang="en-US" altLang="en-US" sz="1400" b="1" dirty="0" err="1">
                 <a:solidFill>
                   <a:srgbClr val="000080"/>
                 </a:solidFill>
                 <a:latin typeface="Consolas" panose="020B0609020204030204" pitchFamily="49" charset="0"/>
               </a:rPr>
-              <a:t>int </a:t>
-            </a:r>
-            <a:r>
-              <a:rPr lang="en-US" altLang="en-US" sz="1400">
-                <a:solidFill>
-                  <a:srgbClr val="000000"/>
-                </a:solidFill>
-                <a:latin typeface="Consolas" panose="020B0609020204030204" pitchFamily="49" charset="0"/>
-              </a:rPr>
-              <a:t>i = </a:t>
-            </a:r>
-            <a:r>
-              <a:rPr lang="en-US" altLang="en-US" sz="1400">
+              <a:t>int</a:t>
+            </a:r>
+            <a:r>
+              <a:rPr lang="en-US" altLang="en-US" sz="1400" b="1" dirty="0">
+                <a:solidFill>
+                  <a:srgbClr val="000080"/>
+                </a:solidFill>
+                <a:latin typeface="Consolas" panose="020B0609020204030204" pitchFamily="49" charset="0"/>
+              </a:rPr>
+              <a:t> </a:t>
+            </a:r>
+            <a:r>
+              <a:rPr lang="en-US" altLang="en-US" sz="1400" dirty="0" err="1">
+                <a:solidFill>
+                  <a:srgbClr val="000000"/>
+                </a:solidFill>
+                <a:latin typeface="Consolas" panose="020B0609020204030204" pitchFamily="49" charset="0"/>
+              </a:rPr>
+              <a:t>i</a:t>
+            </a:r>
+            <a:r>
+              <a:rPr lang="en-US" altLang="en-US" sz="1400" dirty="0">
+                <a:solidFill>
+                  <a:srgbClr val="000000"/>
+                </a:solidFill>
+                <a:latin typeface="Consolas" panose="020B0609020204030204" pitchFamily="49" charset="0"/>
+              </a:rPr>
+              <a:t> = </a:t>
+            </a:r>
+            <a:r>
+              <a:rPr lang="en-US" altLang="en-US" sz="1400" dirty="0">
                 <a:solidFill>
                   <a:srgbClr val="0000FF"/>
                 </a:solidFill>
@@ -11921,16 +13488,34 @@
               <a:t>0</a:t>
             </a:r>
             <a:r>
-              <a:rPr lang="en-US" altLang="en-US" sz="1400">
-                <a:solidFill>
-                  <a:srgbClr val="000000"/>
-                </a:solidFill>
-                <a:latin typeface="Consolas" panose="020B0609020204030204" pitchFamily="49" charset="0"/>
-              </a:rPr>
-              <a:t>; i &lt; </a:t>
-            </a:r>
-            <a:r>
-              <a:rPr lang="en-US" altLang="en-US" sz="1400" b="1" i="1">
+              <a:rPr lang="en-US" altLang="en-US" sz="1400" dirty="0">
+                <a:solidFill>
+                  <a:srgbClr val="000000"/>
+                </a:solidFill>
+                <a:latin typeface="Consolas" panose="020B0609020204030204" pitchFamily="49" charset="0"/>
+              </a:rPr>
+              <a:t>; </a:t>
+            </a:r>
+            <a:r>
+              <a:rPr lang="en-US" altLang="en-US" sz="1400" dirty="0" err="1">
+                <a:solidFill>
+                  <a:srgbClr val="000000"/>
+                </a:solidFill>
+                <a:latin typeface="Consolas" panose="020B0609020204030204" pitchFamily="49" charset="0"/>
+              </a:rPr>
+              <a:t>i</a:t>
+            </a:r>
+            <a:r>
+              <a:rPr lang="en-US" altLang="en-US" sz="1400" dirty="0">
+                <a:solidFill>
+                  <a:srgbClr val="000000"/>
+                </a:solidFill>
+                <a:latin typeface="Consolas" panose="020B0609020204030204" pitchFamily="49" charset="0"/>
+              </a:rPr>
+              <a:t> &lt; </a:t>
+            </a:r>
+            <a:r>
+              <a:rPr lang="en-US" altLang="en-US" sz="1400" b="1" i="1" dirty="0">
                 <a:solidFill>
                   <a:srgbClr val="660E7A"/>
                 </a:solidFill>
@@ -11939,16 +13524,34 @@
               <a:t>n</a:t>
             </a:r>
             <a:r>
-              <a:rPr lang="en-US" altLang="en-US" sz="1400">
-                <a:solidFill>
-                  <a:srgbClr val="000000"/>
-                </a:solidFill>
-                <a:latin typeface="Consolas" panose="020B0609020204030204" pitchFamily="49" charset="0"/>
-              </a:rPr>
-              <a:t>; i++) {</a:t>
+              <a:rPr lang="en-US" altLang="en-US" sz="1400" dirty="0">
+                <a:solidFill>
+                  <a:srgbClr val="000000"/>
+                </a:solidFill>
+                <a:latin typeface="Consolas" panose="020B0609020204030204" pitchFamily="49" charset="0"/>
+              </a:rPr>
+              <a:t>; </a:t>
+            </a:r>
+            <a:r>
+              <a:rPr lang="en-US" altLang="en-US" sz="1400" dirty="0" err="1">
+                <a:solidFill>
+                  <a:srgbClr val="000000"/>
+                </a:solidFill>
+                <a:latin typeface="Consolas" panose="020B0609020204030204" pitchFamily="49" charset="0"/>
+              </a:rPr>
+              <a:t>i</a:t>
+            </a:r>
+            <a:r>
+              <a:rPr lang="en-US" altLang="en-US" sz="1400" dirty="0">
+                <a:solidFill>
+                  <a:srgbClr val="000000"/>
+                </a:solidFill>
+                <a:latin typeface="Consolas" panose="020B0609020204030204" pitchFamily="49" charset="0"/>
+              </a:rPr>
+              <a:t>++) {</a:t>
             </a:r>
             <a:br>
-              <a:rPr lang="en-US" altLang="en-US" sz="1400">
+              <a:rPr lang="en-US" altLang="en-US" sz="1400" dirty="0">
                 <a:solidFill>
                   <a:srgbClr val="000000"/>
                 </a:solidFill>
@@ -11956,7 +13559,7 @@
               </a:rPr>
             </a:br>
             <a:r>
-              <a:rPr lang="en-US" altLang="en-US" sz="1400">
+              <a:rPr lang="en-US" altLang="en-US" sz="1400" dirty="0">
                 <a:solidFill>
                   <a:srgbClr val="000000"/>
                 </a:solidFill>
@@ -11965,7 +13568,7 @@
               <a:t>            </a:t>
             </a:r>
             <a:r>
-              <a:rPr lang="en-US" altLang="en-US" sz="1400" b="1">
+              <a:rPr lang="en-US" altLang="en-US" sz="1400" b="1" dirty="0">
                 <a:solidFill>
                   <a:srgbClr val="000080"/>
                 </a:solidFill>
@@ -11974,7 +13577,7 @@
               <a:t>for </a:t>
             </a:r>
             <a:r>
-              <a:rPr lang="en-US" altLang="en-US" sz="1400">
+              <a:rPr lang="en-US" altLang="en-US" sz="1400" dirty="0">
                 <a:solidFill>
                   <a:srgbClr val="000000"/>
                 </a:solidFill>
@@ -11983,16 +13586,25 @@
               <a:t>(</a:t>
             </a:r>
             <a:r>
-              <a:rPr lang="en-US" altLang="en-US" sz="1400" b="1">
+              <a:rPr lang="en-US" altLang="en-US" sz="1400" b="1" dirty="0" err="1">
                 <a:solidFill>
                   <a:srgbClr val="000080"/>
                 </a:solidFill>
                 <a:latin typeface="Consolas" panose="020B0609020204030204" pitchFamily="49" charset="0"/>
               </a:rPr>
-              <a:t>int </a:t>
-            </a:r>
-            <a:r>
-              <a:rPr lang="en-US" altLang="en-US" sz="1400">
+              <a:t>int</a:t>
+            </a:r>
+            <a:r>
+              <a:rPr lang="en-US" altLang="en-US" sz="1400" b="1" dirty="0">
+                <a:solidFill>
+                  <a:srgbClr val="000080"/>
+                </a:solidFill>
+                <a:latin typeface="Consolas" panose="020B0609020204030204" pitchFamily="49" charset="0"/>
+              </a:rPr>
+              <a:t> </a:t>
+            </a:r>
+            <a:r>
+              <a:rPr lang="en-US" altLang="en-US" sz="1400" dirty="0">
                 <a:solidFill>
                   <a:srgbClr val="000000"/>
                 </a:solidFill>
@@ -12001,7 +13613,7 @@
               <a:t>j = </a:t>
             </a:r>
             <a:r>
-              <a:rPr lang="en-US" altLang="en-US" sz="1400">
+              <a:rPr lang="en-US" altLang="en-US" sz="1400" dirty="0">
                 <a:solidFill>
                   <a:srgbClr val="0000FF"/>
                 </a:solidFill>
@@ -12010,7 +13622,7 @@
               <a:t>0</a:t>
             </a:r>
             <a:r>
-              <a:rPr lang="en-US" altLang="en-US" sz="1400">
+              <a:rPr lang="en-US" altLang="en-US" sz="1400" dirty="0">
                 <a:solidFill>
                   <a:srgbClr val="000000"/>
                 </a:solidFill>
@@ -12019,7 +13631,7 @@
               <a:t>; j &lt; </a:t>
             </a:r>
             <a:r>
-              <a:rPr lang="en-US" altLang="en-US" sz="1400" b="1" i="1">
+              <a:rPr lang="en-US" altLang="en-US" sz="1400" b="1" i="1" dirty="0">
                 <a:solidFill>
                   <a:srgbClr val="660E7A"/>
                 </a:solidFill>
@@ -12028,16 +13640,34 @@
               <a:t>n</a:t>
             </a:r>
             <a:r>
-              <a:rPr lang="en-US" altLang="en-US" sz="1400">
-                <a:solidFill>
-                  <a:srgbClr val="000000"/>
-                </a:solidFill>
-                <a:latin typeface="Consolas" panose="020B0609020204030204" pitchFamily="49" charset="0"/>
-              </a:rPr>
-              <a:t>; j++) {</a:t>
+              <a:rPr lang="en-US" altLang="en-US" sz="1400" dirty="0">
+                <a:solidFill>
+                  <a:srgbClr val="000000"/>
+                </a:solidFill>
+                <a:latin typeface="Consolas" panose="020B0609020204030204" pitchFamily="49" charset="0"/>
+              </a:rPr>
+              <a:t>; </a:t>
+            </a:r>
+            <a:r>
+              <a:rPr lang="en-US" altLang="en-US" sz="1400" dirty="0" err="1">
+                <a:solidFill>
+                  <a:srgbClr val="000000"/>
+                </a:solidFill>
+                <a:latin typeface="Consolas" panose="020B0609020204030204" pitchFamily="49" charset="0"/>
+              </a:rPr>
+              <a:t>j++</a:t>
+            </a:r>
+            <a:r>
+              <a:rPr lang="en-US" altLang="en-US" sz="1400" dirty="0">
+                <a:solidFill>
+                  <a:srgbClr val="000000"/>
+                </a:solidFill>
+                <a:latin typeface="Consolas" panose="020B0609020204030204" pitchFamily="49" charset="0"/>
+              </a:rPr>
+              <a:t>) {</a:t>
             </a:r>
             <a:br>
-              <a:rPr lang="en-US" altLang="en-US" sz="1400">
+              <a:rPr lang="en-US" altLang="en-US" sz="1400" dirty="0">
                 <a:solidFill>
                   <a:srgbClr val="000000"/>
                 </a:solidFill>
@@ -12045,7 +13675,7 @@
               </a:rPr>
             </a:br>
             <a:r>
-              <a:rPr lang="en-US" altLang="en-US" sz="1400">
+              <a:rPr lang="en-US" altLang="en-US" sz="1400" dirty="0">
                 <a:solidFill>
                   <a:srgbClr val="000000"/>
                 </a:solidFill>
@@ -12054,7 +13684,7 @@
               <a:t>                </a:t>
             </a:r>
             <a:r>
-              <a:rPr lang="en-US" altLang="en-US" sz="1400" b="1">
+              <a:rPr lang="en-US" altLang="en-US" sz="1400" b="1" dirty="0">
                 <a:solidFill>
                   <a:srgbClr val="000080"/>
                 </a:solidFill>
@@ -12063,7 +13693,7 @@
               <a:t>for </a:t>
             </a:r>
             <a:r>
-              <a:rPr lang="en-US" altLang="en-US" sz="1400">
+              <a:rPr lang="en-US" altLang="en-US" sz="1400" dirty="0">
                 <a:solidFill>
                   <a:srgbClr val="000000"/>
                 </a:solidFill>
@@ -12072,16 +13702,25 @@
               <a:t>(</a:t>
             </a:r>
             <a:r>
-              <a:rPr lang="en-US" altLang="en-US" sz="1400" b="1">
+              <a:rPr lang="en-US" altLang="en-US" sz="1400" b="1" dirty="0" err="1">
                 <a:solidFill>
                   <a:srgbClr val="000080"/>
                 </a:solidFill>
                 <a:latin typeface="Consolas" panose="020B0609020204030204" pitchFamily="49" charset="0"/>
               </a:rPr>
-              <a:t>int </a:t>
-            </a:r>
-            <a:r>
-              <a:rPr lang="en-US" altLang="en-US" sz="1400">
+              <a:t>int</a:t>
+            </a:r>
+            <a:r>
+              <a:rPr lang="en-US" altLang="en-US" sz="1400" b="1" dirty="0">
+                <a:solidFill>
+                  <a:srgbClr val="000080"/>
+                </a:solidFill>
+                <a:latin typeface="Consolas" panose="020B0609020204030204" pitchFamily="49" charset="0"/>
+              </a:rPr>
+              <a:t> </a:t>
+            </a:r>
+            <a:r>
+              <a:rPr lang="en-US" altLang="en-US" sz="1400" dirty="0">
                 <a:solidFill>
                   <a:srgbClr val="000000"/>
                 </a:solidFill>
@@ -12090,7 +13729,7 @@
               <a:t>k = </a:t>
             </a:r>
             <a:r>
-              <a:rPr lang="en-US" altLang="en-US" sz="1400">
+              <a:rPr lang="en-US" altLang="en-US" sz="1400" dirty="0">
                 <a:solidFill>
                   <a:srgbClr val="0000FF"/>
                 </a:solidFill>
@@ -12099,7 +13738,7 @@
               <a:t>0</a:t>
             </a:r>
             <a:r>
-              <a:rPr lang="en-US" altLang="en-US" sz="1400">
+              <a:rPr lang="en-US" altLang="en-US" sz="1400" dirty="0">
                 <a:solidFill>
                   <a:srgbClr val="000000"/>
                 </a:solidFill>
@@ -12108,7 +13747,7 @@
               <a:t>; k &lt; </a:t>
             </a:r>
             <a:r>
-              <a:rPr lang="en-US" altLang="en-US" sz="1400" b="1" i="1">
+              <a:rPr lang="en-US" altLang="en-US" sz="1400" b="1" i="1" dirty="0">
                 <a:solidFill>
                   <a:srgbClr val="660E7A"/>
                 </a:solidFill>
@@ -12117,7 +13756,7 @@
               <a:t>n</a:t>
             </a:r>
             <a:r>
-              <a:rPr lang="en-US" altLang="en-US" sz="1400">
+              <a:rPr lang="en-US" altLang="en-US" sz="1400" dirty="0">
                 <a:solidFill>
                   <a:srgbClr val="000000"/>
                 </a:solidFill>
@@ -12126,7 +13765,7 @@
               <a:t>; k++) {</a:t>
             </a:r>
             <a:br>
-              <a:rPr lang="en-US" altLang="en-US" sz="1400">
+              <a:rPr lang="en-US" altLang="en-US" sz="1400" dirty="0">
                 <a:solidFill>
                   <a:srgbClr val="000000"/>
                 </a:solidFill>
@@ -12134,7 +13773,7 @@
               </a:rPr>
             </a:br>
             <a:r>
-              <a:rPr lang="en-US" altLang="en-US" sz="1400">
+              <a:rPr lang="en-US" altLang="en-US" sz="1400" dirty="0">
                 <a:solidFill>
                   <a:srgbClr val="000000"/>
                 </a:solidFill>
@@ -12143,7 +13782,7 @@
               <a:t>                    </a:t>
             </a:r>
             <a:r>
-              <a:rPr lang="en-US" altLang="en-US" sz="1400" b="1" i="1">
+              <a:rPr lang="en-US" altLang="en-US" sz="1400" b="1" i="1" dirty="0">
                 <a:solidFill>
                   <a:srgbClr val="660E7A"/>
                 </a:solidFill>
@@ -12152,16 +13791,34 @@
               <a:t>C</a:t>
             </a:r>
             <a:r>
-              <a:rPr lang="en-US" altLang="en-US" sz="1400">
-                <a:solidFill>
-                  <a:srgbClr val="000000"/>
-                </a:solidFill>
-                <a:latin typeface="Consolas" panose="020B0609020204030204" pitchFamily="49" charset="0"/>
-              </a:rPr>
-              <a:t>[i][j] += </a:t>
-            </a:r>
-            <a:r>
-              <a:rPr lang="en-US" altLang="en-US" sz="1400" b="1" i="1">
+              <a:rPr lang="en-US" altLang="en-US" sz="1400" dirty="0">
+                <a:solidFill>
+                  <a:srgbClr val="000000"/>
+                </a:solidFill>
+                <a:latin typeface="Consolas" panose="020B0609020204030204" pitchFamily="49" charset="0"/>
+              </a:rPr>
+              <a:t>[</a:t>
+            </a:r>
+            <a:r>
+              <a:rPr lang="en-US" altLang="en-US" sz="1400" dirty="0" err="1">
+                <a:solidFill>
+                  <a:srgbClr val="000000"/>
+                </a:solidFill>
+                <a:latin typeface="Consolas" panose="020B0609020204030204" pitchFamily="49" charset="0"/>
+              </a:rPr>
+              <a:t>i</a:t>
+            </a:r>
+            <a:r>
+              <a:rPr lang="en-US" altLang="en-US" sz="1400" dirty="0">
+                <a:solidFill>
+                  <a:srgbClr val="000000"/>
+                </a:solidFill>
+                <a:latin typeface="Consolas" panose="020B0609020204030204" pitchFamily="49" charset="0"/>
+              </a:rPr>
+              <a:t>][j] += </a:t>
+            </a:r>
+            <a:r>
+              <a:rPr lang="en-US" altLang="en-US" sz="1400" b="1" i="1" dirty="0">
                 <a:solidFill>
                   <a:srgbClr val="660E7A"/>
                 </a:solidFill>
@@ -12170,16 +13827,34 @@
               <a:t>A</a:t>
             </a:r>
             <a:r>
-              <a:rPr lang="en-US" altLang="en-US" sz="1400">
-                <a:solidFill>
-                  <a:srgbClr val="000000"/>
-                </a:solidFill>
-                <a:latin typeface="Consolas" panose="020B0609020204030204" pitchFamily="49" charset="0"/>
-              </a:rPr>
-              <a:t>[i][k] * </a:t>
-            </a:r>
-            <a:r>
-              <a:rPr lang="en-US" altLang="en-US" sz="1400" b="1" i="1">
+              <a:rPr lang="en-US" altLang="en-US" sz="1400" dirty="0">
+                <a:solidFill>
+                  <a:srgbClr val="000000"/>
+                </a:solidFill>
+                <a:latin typeface="Consolas" panose="020B0609020204030204" pitchFamily="49" charset="0"/>
+              </a:rPr>
+              <a:t>[</a:t>
+            </a:r>
+            <a:r>
+              <a:rPr lang="en-US" altLang="en-US" sz="1400" dirty="0" err="1">
+                <a:solidFill>
+                  <a:srgbClr val="000000"/>
+                </a:solidFill>
+                <a:latin typeface="Consolas" panose="020B0609020204030204" pitchFamily="49" charset="0"/>
+              </a:rPr>
+              <a:t>i</a:t>
+            </a:r>
+            <a:r>
+              <a:rPr lang="en-US" altLang="en-US" sz="1400" dirty="0">
+                <a:solidFill>
+                  <a:srgbClr val="000000"/>
+                </a:solidFill>
+                <a:latin typeface="Consolas" panose="020B0609020204030204" pitchFamily="49" charset="0"/>
+              </a:rPr>
+              <a:t>][k] * </a:t>
+            </a:r>
+            <a:r>
+              <a:rPr lang="en-US" altLang="en-US" sz="1400" b="1" i="1" dirty="0">
                 <a:solidFill>
                   <a:srgbClr val="660E7A"/>
                 </a:solidFill>
@@ -12188,7 +13863,7 @@
               <a:t>B</a:t>
             </a:r>
             <a:r>
-              <a:rPr lang="en-US" altLang="en-US" sz="1400">
+              <a:rPr lang="en-US" altLang="en-US" sz="1400" dirty="0">
                 <a:solidFill>
                   <a:srgbClr val="000000"/>
                 </a:solidFill>
@@ -12197,7 +13872,7 @@
               <a:t>[k][j];</a:t>
             </a:r>
             <a:br>
-              <a:rPr lang="en-US" altLang="en-US" sz="1400">
+              <a:rPr lang="en-US" altLang="en-US" sz="1400" dirty="0">
                 <a:solidFill>
                   <a:srgbClr val="000000"/>
                 </a:solidFill>
@@ -12205,7 +13880,7 @@
               </a:rPr>
             </a:br>
             <a:r>
-              <a:rPr lang="en-US" altLang="en-US" sz="1400">
+              <a:rPr lang="en-US" altLang="en-US" sz="1400" dirty="0">
                 <a:solidFill>
                   <a:srgbClr val="000000"/>
                 </a:solidFill>
@@ -12214,7 +13889,7 @@
               <a:t>                }</a:t>
             </a:r>
             <a:br>
-              <a:rPr lang="en-US" altLang="en-US" sz="1400">
+              <a:rPr lang="en-US" altLang="en-US" sz="1400" dirty="0">
                 <a:solidFill>
                   <a:srgbClr val="000000"/>
                 </a:solidFill>
@@ -12222,7 +13897,7 @@
               </a:rPr>
             </a:br>
             <a:r>
-              <a:rPr lang="en-US" altLang="en-US" sz="1400">
+              <a:rPr lang="en-US" altLang="en-US" sz="1400" dirty="0">
                 <a:solidFill>
                   <a:srgbClr val="000000"/>
                 </a:solidFill>
@@ -12231,7 +13906,7 @@
               <a:t>            }</a:t>
             </a:r>
             <a:br>
-              <a:rPr lang="en-US" altLang="en-US" sz="1400">
+              <a:rPr lang="en-US" altLang="en-US" sz="1400" dirty="0">
                 <a:solidFill>
                   <a:srgbClr val="000000"/>
                 </a:solidFill>
@@ -12239,7 +13914,7 @@
               </a:rPr>
             </a:br>
             <a:r>
-              <a:rPr lang="en-US" altLang="en-US" sz="1400">
+              <a:rPr lang="en-US" altLang="en-US" sz="1400" dirty="0">
                 <a:solidFill>
                   <a:srgbClr val="000000"/>
                 </a:solidFill>
@@ -12248,7 +13923,7 @@
               <a:t>        }</a:t>
             </a:r>
             <a:br>
-              <a:rPr lang="en-US" altLang="en-US" sz="1400">
+              <a:rPr lang="en-US" altLang="en-US" sz="1400" dirty="0">
                 <a:solidFill>
                   <a:srgbClr val="000000"/>
                 </a:solidFill>
@@ -12256,7 +13931,7 @@
               </a:rPr>
             </a:br>
             <a:r>
-              <a:rPr lang="en-US" altLang="en-US" sz="1400">
+              <a:rPr lang="en-US" altLang="en-US" sz="1400" dirty="0">
                 <a:solidFill>
                   <a:srgbClr val="000000"/>
                 </a:solidFill>
@@ -12265,7 +13940,7 @@
               <a:t>        </a:t>
             </a:r>
             <a:r>
-              <a:rPr lang="en-US" altLang="en-US" sz="1400" b="1">
+              <a:rPr lang="en-US" altLang="en-US" sz="1400" b="1" dirty="0">
                 <a:solidFill>
                   <a:srgbClr val="000080"/>
                 </a:solidFill>
@@ -12274,16 +13949,25 @@
               <a:t>long </a:t>
             </a:r>
             <a:r>
-              <a:rPr lang="en-US" altLang="en-US" sz="1400">
-                <a:solidFill>
-                  <a:srgbClr val="000000"/>
-                </a:solidFill>
-                <a:latin typeface="Consolas" panose="020B0609020204030204" pitchFamily="49" charset="0"/>
-              </a:rPr>
-              <a:t>stop = System.</a:t>
-            </a:r>
-            <a:r>
-              <a:rPr lang="en-US" altLang="en-US" sz="1400" i="1">
+              <a:rPr lang="en-US" altLang="en-US" sz="1400" dirty="0">
+                <a:solidFill>
+                  <a:srgbClr val="000000"/>
+                </a:solidFill>
+                <a:latin typeface="Consolas" panose="020B0609020204030204" pitchFamily="49" charset="0"/>
+              </a:rPr>
+              <a:t>stop = </a:t>
+            </a:r>
+            <a:r>
+              <a:rPr lang="en-US" altLang="en-US" sz="1400" dirty="0" err="1">
+                <a:solidFill>
+                  <a:srgbClr val="000000"/>
+                </a:solidFill>
+                <a:latin typeface="Consolas" panose="020B0609020204030204" pitchFamily="49" charset="0"/>
+              </a:rPr>
+              <a:t>System.</a:t>
+            </a:r>
+            <a:r>
+              <a:rPr lang="en-US" altLang="en-US" sz="1400" i="1" dirty="0" err="1">
                 <a:solidFill>
                   <a:srgbClr val="000000"/>
                 </a:solidFill>
@@ -12292,7 +13976,7 @@
               <a:t>nanoTime</a:t>
             </a:r>
             <a:r>
-              <a:rPr lang="en-US" altLang="en-US" sz="1400">
+              <a:rPr lang="en-US" altLang="en-US" sz="1400" dirty="0">
                 <a:solidFill>
                   <a:srgbClr val="000000"/>
                 </a:solidFill>
@@ -12301,7 +13985,7 @@
               <a:t>();</a:t>
             </a:r>
             <a:br>
-              <a:rPr lang="en-US" altLang="en-US" sz="1400">
+              <a:rPr lang="en-US" altLang="en-US" sz="1400" dirty="0">
                 <a:solidFill>
                   <a:srgbClr val="000000"/>
                 </a:solidFill>
@@ -12309,7 +13993,7 @@
               </a:rPr>
             </a:br>
             <a:r>
-              <a:rPr lang="en-US" altLang="en-US" sz="1400" smtClean="0">
+              <a:rPr lang="en-US" altLang="en-US" sz="1400" dirty="0" smtClean="0">
                 <a:solidFill>
                   <a:srgbClr val="000000"/>
                 </a:solidFill>
@@ -12318,7 +14002,7 @@
               <a:t>        </a:t>
             </a:r>
             <a:r>
-              <a:rPr lang="en-US" altLang="en-US" sz="1400">
+              <a:rPr lang="en-US" altLang="en-US" sz="1400" dirty="0" err="1">
                 <a:solidFill>
                   <a:srgbClr val="000000"/>
                 </a:solidFill>
@@ -12327,7 +14011,7 @@
               <a:t>System.</a:t>
             </a:r>
             <a:r>
-              <a:rPr lang="en-US" altLang="en-US" sz="1400" b="1" i="1">
+              <a:rPr lang="en-US" altLang="en-US" sz="1400" b="1" i="1" dirty="0" err="1">
                 <a:solidFill>
                   <a:srgbClr val="660E7A"/>
                 </a:solidFill>
@@ -12336,7 +14020,7 @@
               <a:t>out</a:t>
             </a:r>
             <a:r>
-              <a:rPr lang="en-US" altLang="en-US" sz="1400">
+              <a:rPr lang="en-US" altLang="en-US" sz="1400" dirty="0" err="1">
                 <a:solidFill>
                   <a:srgbClr val="000000"/>
                 </a:solidFill>
@@ -12345,7 +14029,7 @@
               <a:t>.println</a:t>
             </a:r>
             <a:r>
-              <a:rPr lang="en-US" altLang="en-US" sz="1400" smtClean="0">
+              <a:rPr lang="en-US" altLang="en-US" sz="1400" dirty="0" smtClean="0">
                 <a:solidFill>
                   <a:srgbClr val="000000"/>
                 </a:solidFill>
@@ -12354,7 +14038,7 @@
               <a:t>(</a:t>
             </a:r>
             <a:r>
-              <a:rPr lang="en-US" altLang="en-US" sz="1400">
+              <a:rPr lang="en-US" altLang="en-US" sz="1400" dirty="0">
                 <a:solidFill>
                   <a:srgbClr val="000000"/>
                 </a:solidFill>
@@ -12363,7 +14047,7 @@
               <a:t>(stop - start) * </a:t>
             </a:r>
             <a:r>
-              <a:rPr lang="en-US" altLang="en-US" sz="1400">
+              <a:rPr lang="en-US" altLang="en-US" sz="1400" dirty="0">
                 <a:solidFill>
                   <a:srgbClr val="0000FF"/>
                 </a:solidFill>
@@ -12372,7 +14056,7 @@
               <a:t>1e-9</a:t>
             </a:r>
             <a:r>
-              <a:rPr lang="en-US" altLang="en-US" sz="1400" smtClean="0">
+              <a:rPr lang="en-US" altLang="en-US" sz="1400" dirty="0" smtClean="0">
                 <a:solidFill>
                   <a:srgbClr val="000000"/>
                 </a:solidFill>
@@ -12381,7 +14065,7 @@
               <a:t>);</a:t>
             </a:r>
             <a:r>
-              <a:rPr lang="en-US" altLang="en-US" sz="1400">
+              <a:rPr lang="en-US" altLang="en-US" sz="1400" dirty="0">
                 <a:solidFill>
                   <a:srgbClr val="000000"/>
                 </a:solidFill>
@@ -12390,7 +14074,7 @@
               <a:t/>
             </a:r>
             <a:br>
-              <a:rPr lang="en-US" altLang="en-US" sz="1400">
+              <a:rPr lang="en-US" altLang="en-US" sz="1400" dirty="0">
                 <a:solidFill>
                   <a:srgbClr val="000000"/>
                 </a:solidFill>
@@ -12398,7 +14082,7 @@
               </a:rPr>
             </a:br>
             <a:r>
-              <a:rPr lang="en-US" altLang="en-US" sz="1400">
+              <a:rPr lang="en-US" altLang="en-US" sz="1400" dirty="0">
                 <a:solidFill>
                   <a:srgbClr val="000000"/>
                 </a:solidFill>
@@ -12407,7 +14091,7 @@
               <a:t>    }</a:t>
             </a:r>
             <a:br>
-              <a:rPr lang="en-US" altLang="en-US" sz="1400">
+              <a:rPr lang="en-US" altLang="en-US" sz="1400" dirty="0">
                 <a:solidFill>
                   <a:srgbClr val="000000"/>
                 </a:solidFill>
@@ -12415,7 +14099,7 @@
               </a:rPr>
             </a:br>
             <a:r>
-              <a:rPr lang="en-US" altLang="en-US" sz="1400">
+              <a:rPr lang="en-US" altLang="en-US" sz="1400" dirty="0">
                 <a:solidFill>
                   <a:srgbClr val="000000"/>
                 </a:solidFill>
@@ -12423,7 +14107,7 @@
               </a:rPr>
               <a:t>}</a:t>
             </a:r>
-            <a:endParaRPr lang="en-US" altLang="en-US" sz="1400">
+            <a:endParaRPr lang="en-US" altLang="en-US" sz="1400" dirty="0">
               <a:latin typeface="Arial" panose="020B0604020202020204" pitchFamily="34" charset="0"/>
             </a:endParaRPr>
           </a:p>
@@ -12627,7 +14311,7 @@
                   <a:buNone/>
                 </a:pPr>
                 <a:r>
-                  <a:rPr lang="en-US" sz="4800" b="1" smtClean="0">
+                  <a:rPr lang="en-US" sz="4800" b="1" dirty="0" smtClean="0">
                     <a:solidFill>
                       <a:srgbClr val="F7B217"/>
                     </a:solidFill>
@@ -12643,7 +14327,7 @@
                   <a:buNone/>
                 </a:pPr>
                 <a:r>
-                  <a:rPr lang="en-US" sz="3200" b="1" smtClean="0"/>
+                  <a:rPr lang="en-US" sz="3200" b="1" dirty="0" smtClean="0"/>
                   <a:t>Floating-point operations:</a:t>
                 </a:r>
               </a:p>
@@ -12696,7 +14380,7 @@
                   </m:oMath>
                 </a14:m>
                 <a:r>
-                  <a:rPr lang="en-US" sz="3200" smtClean="0"/>
+                  <a:rPr lang="en-US" sz="3200" dirty="0" smtClean="0"/>
                   <a:t> </a:t>
                 </a:r>
                 <a14:m>
@@ -12760,7 +14444,7 @@
                   </m:oMath>
                 </a14:m>
                 <a:r>
-                  <a:rPr lang="en-US" sz="3200" smtClean="0"/>
+                  <a:rPr lang="en-US" sz="3200" dirty="0" smtClean="0"/>
                   <a:t> = </a:t>
                 </a:r>
                 <a14:m>
@@ -12792,7 +14476,7 @@
                     </m:sSup>
                   </m:oMath>
                 </a14:m>
-                <a:endParaRPr lang="en-US" sz="3200" smtClean="0"/>
+                <a:endParaRPr lang="en-US" sz="3200" dirty="0" smtClean="0"/>
               </a:p>
               <a:p>
                 <a:pPr marL="0" indent="0">
@@ -12805,7 +14489,7 @@
                   <a:buNone/>
                 </a:pPr>
                 <a:r>
-                  <a:rPr lang="en-US" sz="3200" b="1" smtClean="0"/>
+                  <a:rPr lang="en-US" sz="3200" b="1" dirty="0" smtClean="0"/>
                   <a:t>Running time:</a:t>
                 </a:r>
               </a:p>
@@ -12817,7 +14501,7 @@
                   <a:buNone/>
                 </a:pPr>
                 <a:r>
-                  <a:rPr lang="en-US" sz="3200" smtClean="0"/>
+                  <a:rPr lang="en-US" sz="3200" dirty="0" smtClean="0"/>
                   <a:t>12.946224 sec.</a:t>
                 </a:r>
               </a:p>
@@ -12829,7 +14513,7 @@
                   <a:buNone/>
                 </a:pPr>
                 <a:r>
-                  <a:rPr lang="en-US" sz="3200" b="1" smtClean="0"/>
+                  <a:rPr lang="en-US" sz="3200" b="1" dirty="0" smtClean="0"/>
                   <a:t>Performance:</a:t>
                 </a:r>
               </a:p>
@@ -12841,10 +14525,10 @@
                   <a:buNone/>
                 </a:pPr>
                 <a:r>
-                  <a:rPr lang="en-US" sz="3200" smtClean="0"/>
+                  <a:rPr lang="en-US" sz="3200" dirty="0" smtClean="0"/>
                   <a:t>~ 165 MFLOPS</a:t>
                 </a:r>
-                <a:endParaRPr lang="en-US" sz="3200"/>
+                <a:endParaRPr lang="en-US" sz="3200" dirty="0"/>
               </a:p>
               <a:p>
                 <a:pPr marL="0" indent="0">
@@ -12853,7 +14537,7 @@
                   </a:lnSpc>
                   <a:buNone/>
                 </a:pPr>
-                <a:endParaRPr lang="en-US" smtClean="0"/>
+                <a:endParaRPr lang="en-US" dirty="0" smtClean="0"/>
               </a:p>
               <a:p>
                 <a:pPr marL="0" indent="0">
@@ -12862,7 +14546,7 @@
                   </a:lnSpc>
                   <a:buNone/>
                 </a:pPr>
-                <a:endParaRPr lang="en-US"/>
+                <a:endParaRPr lang="en-US" dirty="0"/>
               </a:p>
             </p:txBody>
           </p:sp>
@@ -13008,7 +14692,7 @@
         <p:spPr>
           <a:xfrm>
             <a:off x="5477256" y="1048666"/>
-            <a:ext cx="6355080" cy="5678478"/>
+            <a:ext cx="6435344" cy="5743111"/>
           </a:xfrm>
           <a:prstGeom prst="rect">
             <a:avLst/>
@@ -13021,6 +14705,9 @@
           <a:lstStyle/>
           <a:p>
             <a:pPr lvl="0" eaLnBrk="0" fontAlgn="base" hangingPunct="0">
+              <a:lnSpc>
+                <a:spcPct val="90000"/>
+              </a:lnSpc>
               <a:spcBef>
                 <a:spcPct val="0"/>
               </a:spcBef>
@@ -13029,7 +14716,7 @@
               </a:spcAft>
             </a:pPr>
             <a:r>
-              <a:rPr lang="en-US" altLang="en-US" sz="1100" b="1">
+              <a:rPr lang="en-US" altLang="en-US" sz="1200" b="1" dirty="0">
                 <a:solidFill>
                   <a:srgbClr val="000080"/>
                 </a:solidFill>
@@ -13038,16 +14725,34 @@
               <a:t>#include </a:t>
             </a:r>
             <a:r>
-              <a:rPr lang="en-US" altLang="en-US" sz="1100">
-                <a:solidFill>
-                  <a:srgbClr val="000000"/>
-                </a:solidFill>
-                <a:latin typeface="Consolas" panose="020B0609020204030204" pitchFamily="49" charset="0"/>
-              </a:rPr>
-              <a:t>&lt;stdlib.h&gt;</a:t>
+              <a:rPr lang="en-US" altLang="en-US" sz="1200" dirty="0">
+                <a:solidFill>
+                  <a:srgbClr val="000000"/>
+                </a:solidFill>
+                <a:latin typeface="Consolas" panose="020B0609020204030204" pitchFamily="49" charset="0"/>
+              </a:rPr>
+              <a:t>&lt;</a:t>
+            </a:r>
+            <a:r>
+              <a:rPr lang="en-US" altLang="en-US" sz="1200" dirty="0" err="1">
+                <a:solidFill>
+                  <a:srgbClr val="000000"/>
+                </a:solidFill>
+                <a:latin typeface="Consolas" panose="020B0609020204030204" pitchFamily="49" charset="0"/>
+              </a:rPr>
+              <a:t>stdlib.h</a:t>
+            </a:r>
+            <a:r>
+              <a:rPr lang="en-US" altLang="en-US" sz="1200" dirty="0">
+                <a:solidFill>
+                  <a:srgbClr val="000000"/>
+                </a:solidFill>
+                <a:latin typeface="Consolas" panose="020B0609020204030204" pitchFamily="49" charset="0"/>
+              </a:rPr>
+              <a:t>&gt;</a:t>
             </a:r>
             <a:br>
-              <a:rPr lang="en-US" altLang="en-US" sz="1100">
+              <a:rPr lang="en-US" altLang="en-US" sz="1200" dirty="0">
                 <a:solidFill>
                   <a:srgbClr val="000000"/>
                 </a:solidFill>
@@ -13055,7 +14760,7 @@
               </a:rPr>
             </a:br>
             <a:r>
-              <a:rPr lang="en-US" altLang="en-US" sz="1100" b="1">
+              <a:rPr lang="en-US" altLang="en-US" sz="1200" b="1" dirty="0">
                 <a:solidFill>
                   <a:srgbClr val="000080"/>
                 </a:solidFill>
@@ -13064,16 +14769,34 @@
               <a:t>#include </a:t>
             </a:r>
             <a:r>
-              <a:rPr lang="en-US" altLang="en-US" sz="1100">
-                <a:solidFill>
-                  <a:srgbClr val="000000"/>
-                </a:solidFill>
-                <a:latin typeface="Consolas" panose="020B0609020204030204" pitchFamily="49" charset="0"/>
-              </a:rPr>
-              <a:t>&lt;stdio.h&gt;</a:t>
+              <a:rPr lang="en-US" altLang="en-US" sz="1200" dirty="0">
+                <a:solidFill>
+                  <a:srgbClr val="000000"/>
+                </a:solidFill>
+                <a:latin typeface="Consolas" panose="020B0609020204030204" pitchFamily="49" charset="0"/>
+              </a:rPr>
+              <a:t>&lt;</a:t>
+            </a:r>
+            <a:r>
+              <a:rPr lang="en-US" altLang="en-US" sz="1200" dirty="0" err="1">
+                <a:solidFill>
+                  <a:srgbClr val="000000"/>
+                </a:solidFill>
+                <a:latin typeface="Consolas" panose="020B0609020204030204" pitchFamily="49" charset="0"/>
+              </a:rPr>
+              <a:t>stdio.h</a:t>
+            </a:r>
+            <a:r>
+              <a:rPr lang="en-US" altLang="en-US" sz="1200" dirty="0">
+                <a:solidFill>
+                  <a:srgbClr val="000000"/>
+                </a:solidFill>
+                <a:latin typeface="Consolas" panose="020B0609020204030204" pitchFamily="49" charset="0"/>
+              </a:rPr>
+              <a:t>&gt;</a:t>
             </a:r>
             <a:br>
-              <a:rPr lang="en-US" altLang="en-US" sz="1100">
+              <a:rPr lang="en-US" altLang="en-US" sz="1200" dirty="0">
                 <a:solidFill>
                   <a:srgbClr val="000000"/>
                 </a:solidFill>
@@ -13081,7 +14804,7 @@
               </a:rPr>
             </a:br>
             <a:r>
-              <a:rPr lang="en-US" altLang="en-US" sz="1100" b="1">
+              <a:rPr lang="en-US" altLang="en-US" sz="1200" b="1" dirty="0">
                 <a:solidFill>
                   <a:srgbClr val="000080"/>
                 </a:solidFill>
@@ -13090,16 +14813,25 @@
               <a:t>#include </a:t>
             </a:r>
             <a:r>
-              <a:rPr lang="en-US" altLang="en-US" sz="1100">
-                <a:solidFill>
-                  <a:srgbClr val="000000"/>
-                </a:solidFill>
-                <a:latin typeface="Consolas" panose="020B0609020204030204" pitchFamily="49" charset="0"/>
-              </a:rPr>
-              <a:t>&lt;sys/time.h</a:t>
-            </a:r>
-            <a:r>
-              <a:rPr lang="en-US" altLang="en-US" sz="1100" smtClean="0">
+              <a:rPr lang="en-US" altLang="en-US" sz="1200" dirty="0">
+                <a:solidFill>
+                  <a:srgbClr val="000000"/>
+                </a:solidFill>
+                <a:latin typeface="Consolas" panose="020B0609020204030204" pitchFamily="49" charset="0"/>
+              </a:rPr>
+              <a:t>&lt;sys/</a:t>
+            </a:r>
+            <a:r>
+              <a:rPr lang="en-US" altLang="en-US" sz="1200" dirty="0" err="1">
+                <a:solidFill>
+                  <a:srgbClr val="000000"/>
+                </a:solidFill>
+                <a:latin typeface="Consolas" panose="020B0609020204030204" pitchFamily="49" charset="0"/>
+              </a:rPr>
+              <a:t>time.h</a:t>
+            </a:r>
+            <a:r>
+              <a:rPr lang="en-US" altLang="en-US" sz="1200" dirty="0" smtClean="0">
                 <a:solidFill>
                   <a:srgbClr val="000000"/>
                 </a:solidFill>
@@ -13110,6 +14842,9 @@
           </a:p>
           <a:p>
             <a:pPr lvl="0" eaLnBrk="0" fontAlgn="base" hangingPunct="0">
+              <a:lnSpc>
+                <a:spcPct val="90000"/>
+              </a:lnSpc>
               <a:spcBef>
                 <a:spcPct val="0"/>
               </a:spcBef>
@@ -13118,7 +14853,7 @@
               </a:spcAft>
             </a:pPr>
             <a:r>
-              <a:rPr lang="en-US" altLang="en-US" sz="1100">
+              <a:rPr lang="en-US" altLang="en-US" sz="1200" dirty="0">
                 <a:solidFill>
                   <a:srgbClr val="000000"/>
                 </a:solidFill>
@@ -13127,7 +14862,7 @@
               <a:t/>
             </a:r>
             <a:br>
-              <a:rPr lang="en-US" altLang="en-US" sz="1100">
+              <a:rPr lang="en-US" altLang="en-US" sz="1200" dirty="0">
                 <a:solidFill>
                   <a:srgbClr val="000000"/>
                 </a:solidFill>
@@ -13135,7 +14870,7 @@
               </a:rPr>
             </a:br>
             <a:r>
-              <a:rPr lang="en-US" altLang="en-US" sz="1100" b="1" smtClean="0">
+              <a:rPr lang="en-US" altLang="en-US" sz="1200" b="1" dirty="0" smtClean="0">
                 <a:solidFill>
                   <a:srgbClr val="000080"/>
                 </a:solidFill>
@@ -13144,7 +14879,7 @@
               <a:t>#</a:t>
             </a:r>
             <a:r>
-              <a:rPr lang="en-US" altLang="en-US" sz="1100" b="1">
+              <a:rPr lang="en-US" altLang="en-US" sz="1200" b="1" dirty="0">
                 <a:solidFill>
                   <a:srgbClr val="000080"/>
                 </a:solidFill>
@@ -13153,7 +14888,7 @@
               <a:t>define </a:t>
             </a:r>
             <a:r>
-              <a:rPr lang="en-US" altLang="en-US" sz="1100">
+              <a:rPr lang="en-US" altLang="en-US" sz="1200" dirty="0">
                 <a:solidFill>
                   <a:srgbClr val="000000"/>
                 </a:solidFill>
@@ -13162,7 +14897,7 @@
               <a:t>n </a:t>
             </a:r>
             <a:r>
-              <a:rPr lang="en-US" altLang="en-US" sz="1100">
+              <a:rPr lang="en-US" altLang="en-US" sz="1200" dirty="0">
                 <a:solidFill>
                   <a:srgbClr val="0000FF"/>
                 </a:solidFill>
@@ -13171,7 +14906,7 @@
               <a:t>1024</a:t>
             </a:r>
             <a:br>
-              <a:rPr lang="en-US" altLang="en-US" sz="1100">
+              <a:rPr lang="en-US" altLang="en-US" sz="1200" dirty="0">
                 <a:solidFill>
                   <a:srgbClr val="0000FF"/>
                 </a:solidFill>
@@ -13179,7 +14914,7 @@
               </a:rPr>
             </a:br>
             <a:r>
-              <a:rPr lang="en-US" altLang="en-US" sz="1100" b="1">
+              <a:rPr lang="en-US" altLang="en-US" sz="1200" b="1" dirty="0">
                 <a:solidFill>
                   <a:srgbClr val="000080"/>
                 </a:solidFill>
@@ -13188,7 +14923,7 @@
               <a:t>double </a:t>
             </a:r>
             <a:r>
-              <a:rPr lang="en-US" altLang="en-US" sz="1100">
+              <a:rPr lang="en-US" altLang="en-US" sz="1200" dirty="0">
                 <a:solidFill>
                   <a:srgbClr val="000000"/>
                 </a:solidFill>
@@ -13197,7 +14932,7 @@
               <a:t>A[n][n];</a:t>
             </a:r>
             <a:br>
-              <a:rPr lang="en-US" altLang="en-US" sz="1100">
+              <a:rPr lang="en-US" altLang="en-US" sz="1200" dirty="0">
                 <a:solidFill>
                   <a:srgbClr val="000000"/>
                 </a:solidFill>
@@ -13205,7 +14940,7 @@
               </a:rPr>
             </a:br>
             <a:r>
-              <a:rPr lang="en-US" altLang="en-US" sz="1100" b="1">
+              <a:rPr lang="en-US" altLang="en-US" sz="1200" b="1" dirty="0">
                 <a:solidFill>
                   <a:srgbClr val="000080"/>
                 </a:solidFill>
@@ -13214,7 +14949,7 @@
               <a:t>double </a:t>
             </a:r>
             <a:r>
-              <a:rPr lang="en-US" altLang="en-US" sz="1100">
+              <a:rPr lang="en-US" altLang="en-US" sz="1200" dirty="0">
                 <a:solidFill>
                   <a:srgbClr val="000000"/>
                 </a:solidFill>
@@ -13223,7 +14958,7 @@
               <a:t>B[n][n];</a:t>
             </a:r>
             <a:br>
-              <a:rPr lang="en-US" altLang="en-US" sz="1100">
+              <a:rPr lang="en-US" altLang="en-US" sz="1200" dirty="0">
                 <a:solidFill>
                   <a:srgbClr val="000000"/>
                 </a:solidFill>
@@ -13231,7 +14966,7 @@
               </a:rPr>
             </a:br>
             <a:r>
-              <a:rPr lang="en-US" altLang="en-US" sz="1100" b="1">
+              <a:rPr lang="en-US" altLang="en-US" sz="1200" b="1" dirty="0">
                 <a:solidFill>
                   <a:srgbClr val="000080"/>
                 </a:solidFill>
@@ -13240,7 +14975,7 @@
               <a:t>double </a:t>
             </a:r>
             <a:r>
-              <a:rPr lang="en-US" altLang="en-US" sz="1100">
+              <a:rPr lang="en-US" altLang="en-US" sz="1200" dirty="0">
                 <a:solidFill>
                   <a:srgbClr val="000000"/>
                 </a:solidFill>
@@ -13249,14 +14984,14 @@
               <a:t>C[n][n];</a:t>
             </a:r>
             <a:br>
-              <a:rPr lang="en-US" altLang="en-US" sz="1100">
+              <a:rPr lang="en-US" altLang="en-US" sz="1200" dirty="0">
                 <a:solidFill>
                   <a:srgbClr val="000000"/>
                 </a:solidFill>
                 <a:latin typeface="Consolas" panose="020B0609020204030204" pitchFamily="49" charset="0"/>
               </a:rPr>
             </a:br>
-            <a:endParaRPr lang="en-US" altLang="en-US" sz="1100" smtClean="0">
+            <a:endParaRPr lang="en-US" altLang="en-US" sz="1200" dirty="0" smtClean="0">
               <a:solidFill>
                 <a:srgbClr val="000000"/>
               </a:solidFill>
@@ -13265,6 +15000,9 @@
           </a:p>
           <a:p>
             <a:pPr lvl="0" eaLnBrk="0" fontAlgn="base" hangingPunct="0">
+              <a:lnSpc>
+                <a:spcPct val="90000"/>
+              </a:lnSpc>
               <a:spcBef>
                 <a:spcPct val="0"/>
               </a:spcBef>
@@ -13273,7 +15011,7 @@
               </a:spcAft>
             </a:pPr>
             <a:r>
-              <a:rPr lang="en-US" altLang="en-US" sz="1100" b="1" smtClean="0">
+              <a:rPr lang="en-US" altLang="en-US" sz="1200" b="1" dirty="0" smtClean="0">
                 <a:solidFill>
                   <a:srgbClr val="000080"/>
                 </a:solidFill>
@@ -13282,52 +15020,97 @@
               <a:t>float </a:t>
             </a:r>
             <a:r>
-              <a:rPr lang="en-US" altLang="en-US" sz="1100">
-                <a:solidFill>
-                  <a:srgbClr val="000000"/>
-                </a:solidFill>
-                <a:latin typeface="Consolas" panose="020B0609020204030204" pitchFamily="49" charset="0"/>
-              </a:rPr>
-              <a:t>tdiff(</a:t>
-            </a:r>
-            <a:r>
-              <a:rPr lang="en-US" altLang="en-US" sz="1100" b="1">
+              <a:rPr lang="en-US" altLang="en-US" sz="1200" dirty="0" err="1">
+                <a:solidFill>
+                  <a:srgbClr val="000000"/>
+                </a:solidFill>
+                <a:latin typeface="Consolas" panose="020B0609020204030204" pitchFamily="49" charset="0"/>
+              </a:rPr>
+              <a:t>tdiff</a:t>
+            </a:r>
+            <a:r>
+              <a:rPr lang="en-US" altLang="en-US" sz="1200" dirty="0">
+                <a:solidFill>
+                  <a:srgbClr val="000000"/>
+                </a:solidFill>
+                <a:latin typeface="Consolas" panose="020B0609020204030204" pitchFamily="49" charset="0"/>
+              </a:rPr>
+              <a:t>(</a:t>
+            </a:r>
+            <a:r>
+              <a:rPr lang="en-US" altLang="en-US" sz="1200" b="1" dirty="0" err="1">
                 <a:solidFill>
                   <a:srgbClr val="000080"/>
                 </a:solidFill>
                 <a:latin typeface="Consolas" panose="020B0609020204030204" pitchFamily="49" charset="0"/>
               </a:rPr>
-              <a:t>struct </a:t>
-            </a:r>
-            <a:r>
-              <a:rPr lang="en-US" altLang="en-US" sz="1100">
-                <a:solidFill>
-                  <a:srgbClr val="000000"/>
-                </a:solidFill>
-                <a:latin typeface="Consolas" panose="020B0609020204030204" pitchFamily="49" charset="0"/>
-              </a:rPr>
-              <a:t>timeval *start, </a:t>
-            </a:r>
-            <a:r>
-              <a:rPr lang="en-US" altLang="en-US" sz="1100" b="1">
+              <a:t>struct</a:t>
+            </a:r>
+            <a:r>
+              <a:rPr lang="en-US" altLang="en-US" sz="1200" b="1" dirty="0">
                 <a:solidFill>
                   <a:srgbClr val="000080"/>
                 </a:solidFill>
                 <a:latin typeface="Consolas" panose="020B0609020204030204" pitchFamily="49" charset="0"/>
               </a:rPr>
-              <a:t>struct </a:t>
-            </a:r>
-            <a:r>
-              <a:rPr lang="en-US" altLang="en-US" sz="1100">
-                <a:solidFill>
-                  <a:srgbClr val="000000"/>
-                </a:solidFill>
-                <a:latin typeface="Consolas" panose="020B0609020204030204" pitchFamily="49" charset="0"/>
-              </a:rPr>
-              <a:t>timeval *end) {</a:t>
+              <a:t> </a:t>
+            </a:r>
+            <a:r>
+              <a:rPr lang="en-US" altLang="en-US" sz="1200" dirty="0" err="1">
+                <a:solidFill>
+                  <a:srgbClr val="000000"/>
+                </a:solidFill>
+                <a:latin typeface="Consolas" panose="020B0609020204030204" pitchFamily="49" charset="0"/>
+              </a:rPr>
+              <a:t>timeval</a:t>
+            </a:r>
+            <a:r>
+              <a:rPr lang="en-US" altLang="en-US" sz="1200" dirty="0">
+                <a:solidFill>
+                  <a:srgbClr val="000000"/>
+                </a:solidFill>
+                <a:latin typeface="Consolas" panose="020B0609020204030204" pitchFamily="49" charset="0"/>
+              </a:rPr>
+              <a:t> *start, </a:t>
+            </a:r>
+            <a:r>
+              <a:rPr lang="en-US" altLang="en-US" sz="1200" b="1" dirty="0" err="1">
+                <a:solidFill>
+                  <a:srgbClr val="000080"/>
+                </a:solidFill>
+                <a:latin typeface="Consolas" panose="020B0609020204030204" pitchFamily="49" charset="0"/>
+              </a:rPr>
+              <a:t>struct</a:t>
+            </a:r>
+            <a:r>
+              <a:rPr lang="en-US" altLang="en-US" sz="1200" b="1" dirty="0">
+                <a:solidFill>
+                  <a:srgbClr val="000080"/>
+                </a:solidFill>
+                <a:latin typeface="Consolas" panose="020B0609020204030204" pitchFamily="49" charset="0"/>
+              </a:rPr>
+              <a:t> </a:t>
+            </a:r>
+            <a:r>
+              <a:rPr lang="en-US" altLang="en-US" sz="1200" dirty="0" err="1">
+                <a:solidFill>
+                  <a:srgbClr val="000000"/>
+                </a:solidFill>
+                <a:latin typeface="Consolas" panose="020B0609020204030204" pitchFamily="49" charset="0"/>
+              </a:rPr>
+              <a:t>timeval</a:t>
+            </a:r>
+            <a:r>
+              <a:rPr lang="en-US" altLang="en-US" sz="1200" dirty="0">
+                <a:solidFill>
+                  <a:srgbClr val="000000"/>
+                </a:solidFill>
+                <a:latin typeface="Consolas" panose="020B0609020204030204" pitchFamily="49" charset="0"/>
+              </a:rPr>
+              <a:t> *end) {</a:t>
             </a:r>
             <a:br>
-              <a:rPr lang="en-US" altLang="en-US" sz="1100">
+              <a:rPr lang="en-US" altLang="en-US" sz="1200" dirty="0">
                 <a:solidFill>
                   <a:srgbClr val="000000"/>
                 </a:solidFill>
@@ -13335,7 +15118,7 @@
               </a:rPr>
             </a:br>
             <a:r>
-              <a:rPr lang="en-US" altLang="en-US" sz="1100">
+              <a:rPr lang="en-US" altLang="en-US" sz="1200" dirty="0">
                 <a:solidFill>
                   <a:srgbClr val="000000"/>
                 </a:solidFill>
@@ -13344,7 +15127,7 @@
               <a:t>    </a:t>
             </a:r>
             <a:r>
-              <a:rPr lang="en-US" altLang="en-US" sz="1100" b="1">
+              <a:rPr lang="en-US" altLang="en-US" sz="1200" b="1" dirty="0">
                 <a:solidFill>
                   <a:srgbClr val="000080"/>
                 </a:solidFill>
@@ -13353,7 +15136,7 @@
               <a:t>return </a:t>
             </a:r>
             <a:r>
-              <a:rPr lang="en-US" altLang="en-US" sz="1100">
+              <a:rPr lang="en-US" altLang="en-US" sz="1200" dirty="0">
                 <a:solidFill>
                   <a:srgbClr val="000000"/>
                 </a:solidFill>
@@ -13362,7 +15145,7 @@
               <a:t>(end</a:t>
             </a:r>
             <a:r>
-              <a:rPr lang="en-US" altLang="en-US" sz="1100" b="1">
+              <a:rPr lang="en-US" altLang="en-US" sz="1200" b="1" dirty="0">
                 <a:solidFill>
                   <a:srgbClr val="006666"/>
                 </a:solidFill>
@@ -13371,16 +15154,25 @@
               <a:t>-&gt;</a:t>
             </a:r>
             <a:r>
-              <a:rPr lang="en-US" altLang="en-US" sz="1100">
-                <a:solidFill>
-                  <a:srgbClr val="000000"/>
-                </a:solidFill>
-                <a:latin typeface="Consolas" panose="020B0609020204030204" pitchFamily="49" charset="0"/>
-              </a:rPr>
-              <a:t>tv_sec - start</a:t>
-            </a:r>
-            <a:r>
-              <a:rPr lang="en-US" altLang="en-US" sz="1100" b="1">
+              <a:rPr lang="en-US" altLang="en-US" sz="1200" dirty="0" err="1">
+                <a:solidFill>
+                  <a:srgbClr val="000000"/>
+                </a:solidFill>
+                <a:latin typeface="Consolas" panose="020B0609020204030204" pitchFamily="49" charset="0"/>
+              </a:rPr>
+              <a:t>tv_sec</a:t>
+            </a:r>
+            <a:r>
+              <a:rPr lang="en-US" altLang="en-US" sz="1200" dirty="0">
+                <a:solidFill>
+                  <a:srgbClr val="000000"/>
+                </a:solidFill>
+                <a:latin typeface="Consolas" panose="020B0609020204030204" pitchFamily="49" charset="0"/>
+              </a:rPr>
+              <a:t> - start</a:t>
+            </a:r>
+            <a:r>
+              <a:rPr lang="en-US" altLang="en-US" sz="1200" b="1" dirty="0">
                 <a:solidFill>
                   <a:srgbClr val="006666"/>
                 </a:solidFill>
@@ -13389,25 +15181,74 @@
               <a:t>-&gt;</a:t>
             </a:r>
             <a:r>
-              <a:rPr lang="en-US" altLang="en-US" sz="1100">
-                <a:solidFill>
-                  <a:srgbClr val="000000"/>
-                </a:solidFill>
-                <a:latin typeface="Consolas" panose="020B0609020204030204" pitchFamily="49" charset="0"/>
-              </a:rPr>
-              <a:t>tv_sec) </a:t>
-            </a:r>
-            <a:r>
-              <a:rPr lang="en-US" altLang="en-US" sz="1100" smtClean="0">
-                <a:solidFill>
-                  <a:srgbClr val="000000"/>
-                </a:solidFill>
-                <a:latin typeface="Consolas" panose="020B0609020204030204" pitchFamily="49" charset="0"/>
-              </a:rPr>
-              <a:t>+ </a:t>
-            </a:r>
-            <a:r>
-              <a:rPr lang="en-US" altLang="en-US" sz="1100" smtClean="0">
+              <a:rPr lang="en-US" altLang="en-US" sz="1200" dirty="0" err="1">
+                <a:solidFill>
+                  <a:srgbClr val="000000"/>
+                </a:solidFill>
+                <a:latin typeface="Consolas" panose="020B0609020204030204" pitchFamily="49" charset="0"/>
+              </a:rPr>
+              <a:t>tv_sec</a:t>
+            </a:r>
+            <a:r>
+              <a:rPr lang="en-US" altLang="en-US" sz="1200" dirty="0">
+                <a:solidFill>
+                  <a:srgbClr val="000000"/>
+                </a:solidFill>
+                <a:latin typeface="Consolas" panose="020B0609020204030204" pitchFamily="49" charset="0"/>
+              </a:rPr>
+              <a:t>) </a:t>
+            </a:r>
+            <a:r>
+              <a:rPr lang="en-US" altLang="en-US" sz="1200" dirty="0" smtClean="0">
+                <a:solidFill>
+                  <a:srgbClr val="000000"/>
+                </a:solidFill>
+                <a:latin typeface="Consolas" panose="020B0609020204030204" pitchFamily="49" charset="0"/>
+              </a:rPr>
+              <a:t>+</a:t>
+            </a:r>
+          </a:p>
+          <a:p>
+            <a:pPr lvl="0" eaLnBrk="0" fontAlgn="base" hangingPunct="0">
+              <a:lnSpc>
+                <a:spcPct val="90000"/>
+              </a:lnSpc>
+              <a:spcBef>
+                <a:spcPct val="0"/>
+              </a:spcBef>
+              <a:spcAft>
+                <a:spcPct val="0"/>
+              </a:spcAft>
+            </a:pPr>
+            <a:r>
+              <a:rPr lang="en-US" altLang="en-US" sz="1200" dirty="0">
+                <a:solidFill>
+                  <a:srgbClr val="000000"/>
+                </a:solidFill>
+                <a:latin typeface="Consolas" panose="020B0609020204030204" pitchFamily="49" charset="0"/>
+              </a:rPr>
+              <a:t> </a:t>
+            </a:r>
+            <a:r>
+              <a:rPr lang="en-US" altLang="en-US" sz="1200" dirty="0" smtClean="0">
+                <a:solidFill>
+                  <a:srgbClr val="000000"/>
+                </a:solidFill>
+                <a:latin typeface="Consolas" panose="020B0609020204030204" pitchFamily="49" charset="0"/>
+              </a:rPr>
+              <a:t>         </a:t>
+            </a:r>
+            <a:r>
+              <a:rPr lang="en-US" altLang="en-US" sz="1200" dirty="0" smtClean="0">
+                <a:solidFill>
+                  <a:srgbClr val="000000"/>
+                </a:solidFill>
+                <a:latin typeface="Consolas" panose="020B0609020204030204" pitchFamily="49" charset="0"/>
+              </a:rPr>
+              <a:t> </a:t>
+            </a:r>
+            <a:r>
+              <a:rPr lang="en-US" altLang="en-US" sz="1200" dirty="0" smtClean="0">
                 <a:solidFill>
                   <a:srgbClr val="0000FF"/>
                 </a:solidFill>
@@ -13416,7 +15257,7 @@
               <a:t>1</a:t>
             </a:r>
             <a:r>
-              <a:rPr lang="en-US" altLang="en-US" sz="1100" smtClean="0">
+              <a:rPr lang="en-US" altLang="en-US" sz="1200" dirty="0" smtClean="0">
                 <a:solidFill>
                   <a:srgbClr val="000000"/>
                 </a:solidFill>
@@ -13425,7 +15266,7 @@
               <a:t>e-6*(</a:t>
             </a:r>
             <a:r>
-              <a:rPr lang="en-US" altLang="en-US" sz="1100">
+              <a:rPr lang="en-US" altLang="en-US" sz="1200" dirty="0">
                 <a:solidFill>
                   <a:srgbClr val="000000"/>
                 </a:solidFill>
@@ -13434,7 +15275,7 @@
               <a:t>end</a:t>
             </a:r>
             <a:r>
-              <a:rPr lang="en-US" altLang="en-US" sz="1100" b="1">
+              <a:rPr lang="en-US" altLang="en-US" sz="1200" b="1" dirty="0">
                 <a:solidFill>
                   <a:srgbClr val="006666"/>
                 </a:solidFill>
@@ -13443,16 +15284,25 @@
               <a:t>-&gt;</a:t>
             </a:r>
             <a:r>
-              <a:rPr lang="en-US" altLang="en-US" sz="1100">
-                <a:solidFill>
-                  <a:srgbClr val="000000"/>
-                </a:solidFill>
-                <a:latin typeface="Consolas" panose="020B0609020204030204" pitchFamily="49" charset="0"/>
-              </a:rPr>
-              <a:t>tv_usec - start</a:t>
-            </a:r>
-            <a:r>
-              <a:rPr lang="en-US" altLang="en-US" sz="1100" b="1">
+              <a:rPr lang="en-US" altLang="en-US" sz="1200" dirty="0" err="1">
+                <a:solidFill>
+                  <a:srgbClr val="000000"/>
+                </a:solidFill>
+                <a:latin typeface="Consolas" panose="020B0609020204030204" pitchFamily="49" charset="0"/>
+              </a:rPr>
+              <a:t>tv_usec</a:t>
+            </a:r>
+            <a:r>
+              <a:rPr lang="en-US" altLang="en-US" sz="1200" dirty="0">
+                <a:solidFill>
+                  <a:srgbClr val="000000"/>
+                </a:solidFill>
+                <a:latin typeface="Consolas" panose="020B0609020204030204" pitchFamily="49" charset="0"/>
+              </a:rPr>
+              <a:t> - start</a:t>
+            </a:r>
+            <a:r>
+              <a:rPr lang="en-US" altLang="en-US" sz="1200" b="1" dirty="0">
                 <a:solidFill>
                   <a:srgbClr val="006666"/>
                 </a:solidFill>
@@ -13461,16 +15311,25 @@
               <a:t>-&gt;</a:t>
             </a:r>
             <a:r>
-              <a:rPr lang="en-US" altLang="en-US" sz="1100">
-                <a:solidFill>
-                  <a:srgbClr val="000000"/>
-                </a:solidFill>
-                <a:latin typeface="Consolas" panose="020B0609020204030204" pitchFamily="49" charset="0"/>
-              </a:rPr>
-              <a:t>tv_usec);</a:t>
+              <a:rPr lang="en-US" altLang="en-US" sz="1200" dirty="0" err="1">
+                <a:solidFill>
+                  <a:srgbClr val="000000"/>
+                </a:solidFill>
+                <a:latin typeface="Consolas" panose="020B0609020204030204" pitchFamily="49" charset="0"/>
+              </a:rPr>
+              <a:t>tv_usec</a:t>
+            </a:r>
+            <a:r>
+              <a:rPr lang="en-US" altLang="en-US" sz="1200" dirty="0">
+                <a:solidFill>
+                  <a:srgbClr val="000000"/>
+                </a:solidFill>
+                <a:latin typeface="Consolas" panose="020B0609020204030204" pitchFamily="49" charset="0"/>
+              </a:rPr>
+              <a:t>);</a:t>
             </a:r>
             <a:br>
-              <a:rPr lang="en-US" altLang="en-US" sz="1100">
+              <a:rPr lang="en-US" altLang="en-US" sz="1200" dirty="0">
                 <a:solidFill>
                   <a:srgbClr val="000000"/>
                 </a:solidFill>
@@ -13478,7 +15337,7 @@
               </a:rPr>
             </a:br>
             <a:r>
-              <a:rPr lang="en-US" altLang="en-US" sz="1100">
+              <a:rPr lang="en-US" altLang="en-US" sz="1200" dirty="0">
                 <a:solidFill>
                   <a:srgbClr val="000000"/>
                 </a:solidFill>
@@ -13487,7 +15346,7 @@
               <a:t>}</a:t>
             </a:r>
             <a:br>
-              <a:rPr lang="en-US" altLang="en-US" sz="1100">
+              <a:rPr lang="en-US" altLang="en-US" sz="1200" dirty="0">
                 <a:solidFill>
                   <a:srgbClr val="000000"/>
                 </a:solidFill>
@@ -13495,16 +15354,25 @@
               </a:rPr>
             </a:br>
             <a:r>
-              <a:rPr lang="en-US" altLang="en-US" sz="1100" b="1" smtClean="0">
+              <a:rPr lang="en-US" altLang="en-US" sz="1200" b="1" dirty="0" err="1" smtClean="0">
                 <a:solidFill>
                   <a:srgbClr val="000080"/>
                 </a:solidFill>
                 <a:latin typeface="Consolas" panose="020B0609020204030204" pitchFamily="49" charset="0"/>
               </a:rPr>
-              <a:t>int </a:t>
-            </a:r>
-            <a:r>
-              <a:rPr lang="en-US" altLang="en-US" sz="1100">
+              <a:t>int</a:t>
+            </a:r>
+            <a:r>
+              <a:rPr lang="en-US" altLang="en-US" sz="1200" b="1" dirty="0" smtClean="0">
+                <a:solidFill>
+                  <a:srgbClr val="000080"/>
+                </a:solidFill>
+                <a:latin typeface="Consolas" panose="020B0609020204030204" pitchFamily="49" charset="0"/>
+              </a:rPr>
+              <a:t> </a:t>
+            </a:r>
+            <a:r>
+              <a:rPr lang="en-US" altLang="en-US" sz="1200" dirty="0">
                 <a:solidFill>
                   <a:srgbClr val="000000"/>
                 </a:solidFill>
@@ -13513,43 +15381,88 @@
               <a:t>main(</a:t>
             </a:r>
             <a:r>
-              <a:rPr lang="en-US" altLang="en-US" sz="1100" b="1">
+              <a:rPr lang="en-US" altLang="en-US" sz="1200" b="1" dirty="0" err="1">
                 <a:solidFill>
                   <a:srgbClr val="000080"/>
                 </a:solidFill>
                 <a:latin typeface="Consolas" panose="020B0609020204030204" pitchFamily="49" charset="0"/>
               </a:rPr>
-              <a:t>int </a:t>
-            </a:r>
-            <a:r>
-              <a:rPr lang="en-US" altLang="en-US" sz="1100">
-                <a:solidFill>
-                  <a:srgbClr val="000000"/>
-                </a:solidFill>
-                <a:latin typeface="Consolas" panose="020B0609020204030204" pitchFamily="49" charset="0"/>
-              </a:rPr>
-              <a:t>argc, </a:t>
-            </a:r>
-            <a:r>
-              <a:rPr lang="en-US" altLang="en-US" sz="1100" b="1">
+              <a:t>int</a:t>
+            </a:r>
+            <a:r>
+              <a:rPr lang="en-US" altLang="en-US" sz="1200" b="1" dirty="0">
                 <a:solidFill>
                   <a:srgbClr val="000080"/>
                 </a:solidFill>
                 <a:latin typeface="Consolas" panose="020B0609020204030204" pitchFamily="49" charset="0"/>
               </a:rPr>
-              <a:t>const char </a:t>
-            </a:r>
-            <a:r>
-              <a:rPr lang="en-US" altLang="en-US" sz="1100">
-                <a:solidFill>
-                  <a:srgbClr val="000000"/>
-                </a:solidFill>
-                <a:latin typeface="Consolas" panose="020B0609020204030204" pitchFamily="49" charset="0"/>
-              </a:rPr>
-              <a:t>*argv[]) {</a:t>
+              <a:t> </a:t>
+            </a:r>
+            <a:r>
+              <a:rPr lang="en-US" altLang="en-US" sz="1200" dirty="0" err="1">
+                <a:solidFill>
+                  <a:srgbClr val="000000"/>
+                </a:solidFill>
+                <a:latin typeface="Consolas" panose="020B0609020204030204" pitchFamily="49" charset="0"/>
+              </a:rPr>
+              <a:t>argc</a:t>
+            </a:r>
+            <a:r>
+              <a:rPr lang="en-US" altLang="en-US" sz="1200" dirty="0">
+                <a:solidFill>
+                  <a:srgbClr val="000000"/>
+                </a:solidFill>
+                <a:latin typeface="Consolas" panose="020B0609020204030204" pitchFamily="49" charset="0"/>
+              </a:rPr>
+              <a:t>, </a:t>
+            </a:r>
+            <a:r>
+              <a:rPr lang="en-US" altLang="en-US" sz="1200" b="1" dirty="0" err="1">
+                <a:solidFill>
+                  <a:srgbClr val="000080"/>
+                </a:solidFill>
+                <a:latin typeface="Consolas" panose="020B0609020204030204" pitchFamily="49" charset="0"/>
+              </a:rPr>
+              <a:t>const</a:t>
+            </a:r>
+            <a:r>
+              <a:rPr lang="en-US" altLang="en-US" sz="1200" b="1" dirty="0">
+                <a:solidFill>
+                  <a:srgbClr val="000080"/>
+                </a:solidFill>
+                <a:latin typeface="Consolas" panose="020B0609020204030204" pitchFamily="49" charset="0"/>
+              </a:rPr>
+              <a:t> char </a:t>
+            </a:r>
+            <a:r>
+              <a:rPr lang="en-US" altLang="en-US" sz="1200" dirty="0">
+                <a:solidFill>
+                  <a:srgbClr val="000000"/>
+                </a:solidFill>
+                <a:latin typeface="Consolas" panose="020B0609020204030204" pitchFamily="49" charset="0"/>
+              </a:rPr>
+              <a:t>*</a:t>
+            </a:r>
+            <a:r>
+              <a:rPr lang="en-US" altLang="en-US" sz="1200" dirty="0" err="1">
+                <a:solidFill>
+                  <a:srgbClr val="000000"/>
+                </a:solidFill>
+                <a:latin typeface="Consolas" panose="020B0609020204030204" pitchFamily="49" charset="0"/>
+              </a:rPr>
+              <a:t>argv</a:t>
+            </a:r>
+            <a:r>
+              <a:rPr lang="en-US" altLang="en-US" sz="1200" dirty="0">
+                <a:solidFill>
+                  <a:srgbClr val="000000"/>
+                </a:solidFill>
+                <a:latin typeface="Consolas" panose="020B0609020204030204" pitchFamily="49" charset="0"/>
+              </a:rPr>
+              <a:t>[]) {</a:t>
             </a:r>
             <a:br>
-              <a:rPr lang="en-US" altLang="en-US" sz="1100">
+              <a:rPr lang="en-US" altLang="en-US" sz="1200" dirty="0">
                 <a:solidFill>
                   <a:srgbClr val="000000"/>
                 </a:solidFill>
@@ -13557,7 +15470,7 @@
               </a:rPr>
             </a:br>
             <a:r>
-              <a:rPr lang="en-US" altLang="en-US" sz="1100">
+              <a:rPr lang="en-US" altLang="en-US" sz="1200" dirty="0">
                 <a:solidFill>
                   <a:srgbClr val="000000"/>
                 </a:solidFill>
@@ -13566,7 +15479,7 @@
               <a:t>    </a:t>
             </a:r>
             <a:r>
-              <a:rPr lang="en-US" altLang="en-US" sz="1100" b="1">
+              <a:rPr lang="en-US" altLang="en-US" sz="1200" b="1" dirty="0">
                 <a:solidFill>
                   <a:srgbClr val="000080"/>
                 </a:solidFill>
@@ -13575,7 +15488,7 @@
               <a:t>for </a:t>
             </a:r>
             <a:r>
-              <a:rPr lang="en-US" altLang="en-US" sz="1100">
+              <a:rPr lang="en-US" altLang="en-US" sz="1200" dirty="0">
                 <a:solidFill>
                   <a:srgbClr val="000000"/>
                 </a:solidFill>
@@ -13584,25 +15497,43 @@
               <a:t>(</a:t>
             </a:r>
             <a:r>
-              <a:rPr lang="en-US" altLang="en-US" sz="1100" b="1">
+              <a:rPr lang="en-US" altLang="en-US" sz="1200" b="1" dirty="0" err="1">
                 <a:solidFill>
                   <a:srgbClr val="000080"/>
                 </a:solidFill>
                 <a:latin typeface="Consolas" panose="020B0609020204030204" pitchFamily="49" charset="0"/>
               </a:rPr>
-              <a:t>int </a:t>
-            </a:r>
-            <a:r>
-              <a:rPr lang="en-US" altLang="en-US" sz="1100">
-                <a:solidFill>
-                  <a:srgbClr val="000000"/>
-                </a:solidFill>
-                <a:latin typeface="Consolas" panose="020B0609020204030204" pitchFamily="49" charset="0"/>
-              </a:rPr>
-              <a:t>i = </a:t>
-            </a:r>
-            <a:r>
-              <a:rPr lang="en-US" altLang="en-US" sz="1100">
+              <a:t>int</a:t>
+            </a:r>
+            <a:r>
+              <a:rPr lang="en-US" altLang="en-US" sz="1200" b="1" dirty="0">
+                <a:solidFill>
+                  <a:srgbClr val="000080"/>
+                </a:solidFill>
+                <a:latin typeface="Consolas" panose="020B0609020204030204" pitchFamily="49" charset="0"/>
+              </a:rPr>
+              <a:t> </a:t>
+            </a:r>
+            <a:r>
+              <a:rPr lang="en-US" altLang="en-US" sz="1200" dirty="0" err="1">
+                <a:solidFill>
+                  <a:srgbClr val="000000"/>
+                </a:solidFill>
+                <a:latin typeface="Consolas" panose="020B0609020204030204" pitchFamily="49" charset="0"/>
+              </a:rPr>
+              <a:t>i</a:t>
+            </a:r>
+            <a:r>
+              <a:rPr lang="en-US" altLang="en-US" sz="1200" dirty="0">
+                <a:solidFill>
+                  <a:srgbClr val="000000"/>
+                </a:solidFill>
+                <a:latin typeface="Consolas" panose="020B0609020204030204" pitchFamily="49" charset="0"/>
+              </a:rPr>
+              <a:t> = </a:t>
+            </a:r>
+            <a:r>
+              <a:rPr lang="en-US" altLang="en-US" sz="1200" dirty="0">
                 <a:solidFill>
                   <a:srgbClr val="0000FF"/>
                 </a:solidFill>
@@ -13611,16 +15542,52 @@
               <a:t>0</a:t>
             </a:r>
             <a:r>
-              <a:rPr lang="en-US" altLang="en-US" sz="1100">
-                <a:solidFill>
-                  <a:srgbClr val="000000"/>
-                </a:solidFill>
-                <a:latin typeface="Consolas" panose="020B0609020204030204" pitchFamily="49" charset="0"/>
-              </a:rPr>
-              <a:t>; i &lt; n; i++) {</a:t>
+              <a:rPr lang="en-US" altLang="en-US" sz="1200" dirty="0">
+                <a:solidFill>
+                  <a:srgbClr val="000000"/>
+                </a:solidFill>
+                <a:latin typeface="Consolas" panose="020B0609020204030204" pitchFamily="49" charset="0"/>
+              </a:rPr>
+              <a:t>; </a:t>
+            </a:r>
+            <a:r>
+              <a:rPr lang="en-US" altLang="en-US" sz="1200" dirty="0" err="1">
+                <a:solidFill>
+                  <a:srgbClr val="000000"/>
+                </a:solidFill>
+                <a:latin typeface="Consolas" panose="020B0609020204030204" pitchFamily="49" charset="0"/>
+              </a:rPr>
+              <a:t>i</a:t>
+            </a:r>
+            <a:r>
+              <a:rPr lang="en-US" altLang="en-US" sz="1200" dirty="0">
+                <a:solidFill>
+                  <a:srgbClr val="000000"/>
+                </a:solidFill>
+                <a:latin typeface="Consolas" panose="020B0609020204030204" pitchFamily="49" charset="0"/>
+              </a:rPr>
+              <a:t> &lt; n; </a:t>
+            </a:r>
+            <a:r>
+              <a:rPr lang="en-US" altLang="en-US" sz="1200" dirty="0" err="1">
+                <a:solidFill>
+                  <a:srgbClr val="000000"/>
+                </a:solidFill>
+                <a:latin typeface="Consolas" panose="020B0609020204030204" pitchFamily="49" charset="0"/>
+              </a:rPr>
+              <a:t>i</a:t>
+            </a:r>
+            <a:r>
+              <a:rPr lang="en-US" altLang="en-US" sz="1200" dirty="0">
+                <a:solidFill>
+                  <a:srgbClr val="000000"/>
+                </a:solidFill>
+                <a:latin typeface="Consolas" panose="020B0609020204030204" pitchFamily="49" charset="0"/>
+              </a:rPr>
+              <a:t>++) {</a:t>
             </a:r>
             <a:br>
-              <a:rPr lang="en-US" altLang="en-US" sz="1100">
+              <a:rPr lang="en-US" altLang="en-US" sz="1200" dirty="0">
                 <a:solidFill>
                   <a:srgbClr val="000000"/>
                 </a:solidFill>
@@ -13628,7 +15595,7 @@
               </a:rPr>
             </a:br>
             <a:r>
-              <a:rPr lang="en-US" altLang="en-US" sz="1100">
+              <a:rPr lang="en-US" altLang="en-US" sz="1200" dirty="0">
                 <a:solidFill>
                   <a:srgbClr val="000000"/>
                 </a:solidFill>
@@ -13637,7 +15604,7 @@
               <a:t>        </a:t>
             </a:r>
             <a:r>
-              <a:rPr lang="en-US" altLang="en-US" sz="1100" b="1">
+              <a:rPr lang="en-US" altLang="en-US" sz="1200" b="1" dirty="0">
                 <a:solidFill>
                   <a:srgbClr val="000080"/>
                 </a:solidFill>
@@ -13646,7 +15613,7 @@
               <a:t>for </a:t>
             </a:r>
             <a:r>
-              <a:rPr lang="en-US" altLang="en-US" sz="1100">
+              <a:rPr lang="en-US" altLang="en-US" sz="1200" dirty="0">
                 <a:solidFill>
                   <a:srgbClr val="000000"/>
                 </a:solidFill>
@@ -13655,16 +15622,25 @@
               <a:t>(</a:t>
             </a:r>
             <a:r>
-              <a:rPr lang="en-US" altLang="en-US" sz="1100" b="1">
+              <a:rPr lang="en-US" altLang="en-US" sz="1200" b="1" dirty="0" err="1">
                 <a:solidFill>
                   <a:srgbClr val="000080"/>
                 </a:solidFill>
                 <a:latin typeface="Consolas" panose="020B0609020204030204" pitchFamily="49" charset="0"/>
               </a:rPr>
-              <a:t>int </a:t>
-            </a:r>
-            <a:r>
-              <a:rPr lang="en-US" altLang="en-US" sz="1100">
+              <a:t>int</a:t>
+            </a:r>
+            <a:r>
+              <a:rPr lang="en-US" altLang="en-US" sz="1200" b="1" dirty="0">
+                <a:solidFill>
+                  <a:srgbClr val="000080"/>
+                </a:solidFill>
+                <a:latin typeface="Consolas" panose="020B0609020204030204" pitchFamily="49" charset="0"/>
+              </a:rPr>
+              <a:t> </a:t>
+            </a:r>
+            <a:r>
+              <a:rPr lang="en-US" altLang="en-US" sz="1200" dirty="0">
                 <a:solidFill>
                   <a:srgbClr val="000000"/>
                 </a:solidFill>
@@ -13673,7 +15649,7 @@
               <a:t>j = </a:t>
             </a:r>
             <a:r>
-              <a:rPr lang="en-US" altLang="en-US" sz="1100">
+              <a:rPr lang="en-US" altLang="en-US" sz="1200" dirty="0">
                 <a:solidFill>
                   <a:srgbClr val="0000FF"/>
                 </a:solidFill>
@@ -13682,16 +15658,34 @@
               <a:t>0</a:t>
             </a:r>
             <a:r>
-              <a:rPr lang="en-US" altLang="en-US" sz="1100">
-                <a:solidFill>
-                  <a:srgbClr val="000000"/>
-                </a:solidFill>
-                <a:latin typeface="Consolas" panose="020B0609020204030204" pitchFamily="49" charset="0"/>
-              </a:rPr>
-              <a:t>; j &lt; n; j++) {</a:t>
+              <a:rPr lang="en-US" altLang="en-US" sz="1200" dirty="0">
+                <a:solidFill>
+                  <a:srgbClr val="000000"/>
+                </a:solidFill>
+                <a:latin typeface="Consolas" panose="020B0609020204030204" pitchFamily="49" charset="0"/>
+              </a:rPr>
+              <a:t>; j &lt; n; </a:t>
+            </a:r>
+            <a:r>
+              <a:rPr lang="en-US" altLang="en-US" sz="1200" dirty="0" err="1">
+                <a:solidFill>
+                  <a:srgbClr val="000000"/>
+                </a:solidFill>
+                <a:latin typeface="Consolas" panose="020B0609020204030204" pitchFamily="49" charset="0"/>
+              </a:rPr>
+              <a:t>j++</a:t>
+            </a:r>
+            <a:r>
+              <a:rPr lang="en-US" altLang="en-US" sz="1200" dirty="0">
+                <a:solidFill>
+                  <a:srgbClr val="000000"/>
+                </a:solidFill>
+                <a:latin typeface="Consolas" panose="020B0609020204030204" pitchFamily="49" charset="0"/>
+              </a:rPr>
+              <a:t>) {</a:t>
             </a:r>
             <a:br>
-              <a:rPr lang="en-US" altLang="en-US" sz="1100">
+              <a:rPr lang="en-US" altLang="en-US" sz="1200" dirty="0">
                 <a:solidFill>
                   <a:srgbClr val="000000"/>
                 </a:solidFill>
@@ -13699,16 +15693,34 @@
               </a:rPr>
             </a:br>
             <a:r>
-              <a:rPr lang="en-US" altLang="en-US" sz="1100">
-                <a:solidFill>
-                  <a:srgbClr val="000000"/>
-                </a:solidFill>
-                <a:latin typeface="Consolas" panose="020B0609020204030204" pitchFamily="49" charset="0"/>
-              </a:rPr>
-              <a:t>            A[i][j] = (</a:t>
-            </a:r>
-            <a:r>
-              <a:rPr lang="en-US" altLang="en-US" sz="1100" b="1">
+              <a:rPr lang="en-US" altLang="en-US" sz="1200" dirty="0">
+                <a:solidFill>
+                  <a:srgbClr val="000000"/>
+                </a:solidFill>
+                <a:latin typeface="Consolas" panose="020B0609020204030204" pitchFamily="49" charset="0"/>
+              </a:rPr>
+              <a:t>            A[</a:t>
+            </a:r>
+            <a:r>
+              <a:rPr lang="en-US" altLang="en-US" sz="1200" dirty="0" err="1">
+                <a:solidFill>
+                  <a:srgbClr val="000000"/>
+                </a:solidFill>
+                <a:latin typeface="Consolas" panose="020B0609020204030204" pitchFamily="49" charset="0"/>
+              </a:rPr>
+              <a:t>i</a:t>
+            </a:r>
+            <a:r>
+              <a:rPr lang="en-US" altLang="en-US" sz="1200" dirty="0">
+                <a:solidFill>
+                  <a:srgbClr val="000000"/>
+                </a:solidFill>
+                <a:latin typeface="Consolas" panose="020B0609020204030204" pitchFamily="49" charset="0"/>
+              </a:rPr>
+              <a:t>][j] = (</a:t>
+            </a:r>
+            <a:r>
+              <a:rPr lang="en-US" altLang="en-US" sz="1200" b="1" dirty="0">
                 <a:solidFill>
                   <a:srgbClr val="000080"/>
                 </a:solidFill>
@@ -13717,7 +15729,7 @@
               <a:t>double</a:t>
             </a:r>
             <a:r>
-              <a:rPr lang="en-US" altLang="en-US" sz="1100">
+              <a:rPr lang="en-US" altLang="en-US" sz="1200" dirty="0">
                 <a:solidFill>
                   <a:srgbClr val="000000"/>
                 </a:solidFill>
@@ -13726,7 +15738,7 @@
               <a:t>)rand() / (</a:t>
             </a:r>
             <a:r>
-              <a:rPr lang="en-US" altLang="en-US" sz="1100" b="1">
+              <a:rPr lang="en-US" altLang="en-US" sz="1200" b="1" dirty="0">
                 <a:solidFill>
                   <a:srgbClr val="000080"/>
                 </a:solidFill>
@@ -13735,7 +15747,7 @@
               <a:t>double</a:t>
             </a:r>
             <a:r>
-              <a:rPr lang="en-US" altLang="en-US" sz="1100">
+              <a:rPr lang="en-US" altLang="en-US" sz="1200" dirty="0">
                 <a:solidFill>
                   <a:srgbClr val="000000"/>
                 </a:solidFill>
@@ -13744,7 +15756,7 @@
               <a:t>)RAND_MAX;</a:t>
             </a:r>
             <a:br>
-              <a:rPr lang="en-US" altLang="en-US" sz="1100">
+              <a:rPr lang="en-US" altLang="en-US" sz="1200" dirty="0">
                 <a:solidFill>
                   <a:srgbClr val="000000"/>
                 </a:solidFill>
@@ -13752,16 +15764,34 @@
               </a:rPr>
             </a:br>
             <a:r>
-              <a:rPr lang="en-US" altLang="en-US" sz="1100">
-                <a:solidFill>
-                  <a:srgbClr val="000000"/>
-                </a:solidFill>
-                <a:latin typeface="Consolas" panose="020B0609020204030204" pitchFamily="49" charset="0"/>
-              </a:rPr>
-              <a:t>            B[i][j] = (</a:t>
-            </a:r>
-            <a:r>
-              <a:rPr lang="en-US" altLang="en-US" sz="1100" b="1">
+              <a:rPr lang="en-US" altLang="en-US" sz="1200" dirty="0">
+                <a:solidFill>
+                  <a:srgbClr val="000000"/>
+                </a:solidFill>
+                <a:latin typeface="Consolas" panose="020B0609020204030204" pitchFamily="49" charset="0"/>
+              </a:rPr>
+              <a:t>            B[</a:t>
+            </a:r>
+            <a:r>
+              <a:rPr lang="en-US" altLang="en-US" sz="1200" dirty="0" err="1">
+                <a:solidFill>
+                  <a:srgbClr val="000000"/>
+                </a:solidFill>
+                <a:latin typeface="Consolas" panose="020B0609020204030204" pitchFamily="49" charset="0"/>
+              </a:rPr>
+              <a:t>i</a:t>
+            </a:r>
+            <a:r>
+              <a:rPr lang="en-US" altLang="en-US" sz="1200" dirty="0">
+                <a:solidFill>
+                  <a:srgbClr val="000000"/>
+                </a:solidFill>
+                <a:latin typeface="Consolas" panose="020B0609020204030204" pitchFamily="49" charset="0"/>
+              </a:rPr>
+              <a:t>][j] = (</a:t>
+            </a:r>
+            <a:r>
+              <a:rPr lang="en-US" altLang="en-US" sz="1200" b="1" dirty="0">
                 <a:solidFill>
                   <a:srgbClr val="000080"/>
                 </a:solidFill>
@@ -13770,7 +15800,7 @@
               <a:t>double</a:t>
             </a:r>
             <a:r>
-              <a:rPr lang="en-US" altLang="en-US" sz="1100">
+              <a:rPr lang="en-US" altLang="en-US" sz="1200" dirty="0">
                 <a:solidFill>
                   <a:srgbClr val="000000"/>
                 </a:solidFill>
@@ -13779,7 +15809,7 @@
               <a:t>)rand() / (</a:t>
             </a:r>
             <a:r>
-              <a:rPr lang="en-US" altLang="en-US" sz="1100" b="1">
+              <a:rPr lang="en-US" altLang="en-US" sz="1200" b="1" dirty="0">
                 <a:solidFill>
                   <a:srgbClr val="000080"/>
                 </a:solidFill>
@@ -13788,7 +15818,7 @@
               <a:t>double</a:t>
             </a:r>
             <a:r>
-              <a:rPr lang="en-US" altLang="en-US" sz="1100">
+              <a:rPr lang="en-US" altLang="en-US" sz="1200" dirty="0">
                 <a:solidFill>
                   <a:srgbClr val="000000"/>
                 </a:solidFill>
@@ -13797,7 +15827,7 @@
               <a:t>)RAND_MAX;</a:t>
             </a:r>
             <a:br>
-              <a:rPr lang="en-US" altLang="en-US" sz="1100">
+              <a:rPr lang="en-US" altLang="en-US" sz="1200" dirty="0">
                 <a:solidFill>
                   <a:srgbClr val="000000"/>
                 </a:solidFill>
@@ -13805,16 +15835,34 @@
               </a:rPr>
             </a:br>
             <a:r>
-              <a:rPr lang="en-US" altLang="en-US" sz="1100">
-                <a:solidFill>
-                  <a:srgbClr val="000000"/>
-                </a:solidFill>
-                <a:latin typeface="Consolas" panose="020B0609020204030204" pitchFamily="49" charset="0"/>
-              </a:rPr>
-              <a:t>            C[i][j] = </a:t>
-            </a:r>
-            <a:r>
-              <a:rPr lang="en-US" altLang="en-US" sz="1100">
+              <a:rPr lang="en-US" altLang="en-US" sz="1200" dirty="0">
+                <a:solidFill>
+                  <a:srgbClr val="000000"/>
+                </a:solidFill>
+                <a:latin typeface="Consolas" panose="020B0609020204030204" pitchFamily="49" charset="0"/>
+              </a:rPr>
+              <a:t>            C[</a:t>
+            </a:r>
+            <a:r>
+              <a:rPr lang="en-US" altLang="en-US" sz="1200" dirty="0" err="1">
+                <a:solidFill>
+                  <a:srgbClr val="000000"/>
+                </a:solidFill>
+                <a:latin typeface="Consolas" panose="020B0609020204030204" pitchFamily="49" charset="0"/>
+              </a:rPr>
+              <a:t>i</a:t>
+            </a:r>
+            <a:r>
+              <a:rPr lang="en-US" altLang="en-US" sz="1200" dirty="0">
+                <a:solidFill>
+                  <a:srgbClr val="000000"/>
+                </a:solidFill>
+                <a:latin typeface="Consolas" panose="020B0609020204030204" pitchFamily="49" charset="0"/>
+              </a:rPr>
+              <a:t>][j] = </a:t>
+            </a:r>
+            <a:r>
+              <a:rPr lang="en-US" altLang="en-US" sz="1200" dirty="0">
                 <a:solidFill>
                   <a:srgbClr val="0000FF"/>
                 </a:solidFill>
@@ -13823,7 +15871,7 @@
               <a:t>0</a:t>
             </a:r>
             <a:r>
-              <a:rPr lang="en-US" altLang="en-US" sz="1100">
+              <a:rPr lang="en-US" altLang="en-US" sz="1200" dirty="0">
                 <a:solidFill>
                   <a:srgbClr val="000000"/>
                 </a:solidFill>
@@ -13832,7 +15880,7 @@
               <a:t>;</a:t>
             </a:r>
             <a:br>
-              <a:rPr lang="en-US" altLang="en-US" sz="1100">
+              <a:rPr lang="en-US" altLang="en-US" sz="1200" dirty="0">
                 <a:solidFill>
                   <a:srgbClr val="000000"/>
                 </a:solidFill>
@@ -13840,7 +15888,7 @@
               </a:rPr>
             </a:br>
             <a:r>
-              <a:rPr lang="en-US" altLang="en-US" sz="1100">
+              <a:rPr lang="en-US" altLang="en-US" sz="1200" dirty="0">
                 <a:solidFill>
                   <a:srgbClr val="000000"/>
                 </a:solidFill>
@@ -13849,7 +15897,7 @@
               <a:t>        }</a:t>
             </a:r>
             <a:br>
-              <a:rPr lang="en-US" altLang="en-US" sz="1100">
+              <a:rPr lang="en-US" altLang="en-US" sz="1200" dirty="0">
                 <a:solidFill>
                   <a:srgbClr val="000000"/>
                 </a:solidFill>
@@ -13857,7 +15905,7 @@
               </a:rPr>
             </a:br>
             <a:r>
-              <a:rPr lang="en-US" altLang="en-US" sz="1100">
+              <a:rPr lang="en-US" altLang="en-US" sz="1200" dirty="0">
                 <a:solidFill>
                   <a:srgbClr val="000000"/>
                 </a:solidFill>
@@ -13866,7 +15914,7 @@
               <a:t>    }</a:t>
             </a:r>
             <a:br>
-              <a:rPr lang="en-US" altLang="en-US" sz="1100">
+              <a:rPr lang="en-US" altLang="en-US" sz="1200" dirty="0">
                 <a:solidFill>
                   <a:srgbClr val="000000"/>
                 </a:solidFill>
@@ -13874,7 +15922,7 @@
               </a:rPr>
             </a:br>
             <a:r>
-              <a:rPr lang="en-US" altLang="en-US" sz="1100">
+              <a:rPr lang="en-US" altLang="en-US" sz="1200" dirty="0">
                 <a:solidFill>
                   <a:srgbClr val="000000"/>
                 </a:solidFill>
@@ -13883,25 +15931,43 @@
               <a:t>    </a:t>
             </a:r>
             <a:r>
-              <a:rPr lang="en-US" altLang="en-US" sz="1100" b="1">
+              <a:rPr lang="en-US" altLang="en-US" sz="1200" b="1" dirty="0" err="1">
                 <a:solidFill>
                   <a:srgbClr val="000080"/>
                 </a:solidFill>
                 <a:latin typeface="Consolas" panose="020B0609020204030204" pitchFamily="49" charset="0"/>
               </a:rPr>
-              <a:t>struct </a:t>
-            </a:r>
-            <a:r>
-              <a:rPr lang="en-US" altLang="en-US" sz="1100">
-                <a:solidFill>
-                  <a:srgbClr val="000000"/>
-                </a:solidFill>
-                <a:latin typeface="Consolas" panose="020B0609020204030204" pitchFamily="49" charset="0"/>
-              </a:rPr>
-              <a:t>timeval start, end;</a:t>
+              <a:t>struct</a:t>
+            </a:r>
+            <a:r>
+              <a:rPr lang="en-US" altLang="en-US" sz="1200" b="1" dirty="0">
+                <a:solidFill>
+                  <a:srgbClr val="000080"/>
+                </a:solidFill>
+                <a:latin typeface="Consolas" panose="020B0609020204030204" pitchFamily="49" charset="0"/>
+              </a:rPr>
+              <a:t> </a:t>
+            </a:r>
+            <a:r>
+              <a:rPr lang="en-US" altLang="en-US" sz="1200" dirty="0" err="1">
+                <a:solidFill>
+                  <a:srgbClr val="000000"/>
+                </a:solidFill>
+                <a:latin typeface="Consolas" panose="020B0609020204030204" pitchFamily="49" charset="0"/>
+              </a:rPr>
+              <a:t>timeval</a:t>
+            </a:r>
+            <a:r>
+              <a:rPr lang="en-US" altLang="en-US" sz="1200" dirty="0">
+                <a:solidFill>
+                  <a:srgbClr val="000000"/>
+                </a:solidFill>
+                <a:latin typeface="Consolas" panose="020B0609020204030204" pitchFamily="49" charset="0"/>
+              </a:rPr>
+              <a:t> start, end;</a:t>
             </a:r>
             <a:br>
-              <a:rPr lang="en-US" altLang="en-US" sz="1100">
+              <a:rPr lang="en-US" altLang="en-US" sz="1200" dirty="0">
                 <a:solidFill>
                   <a:srgbClr val="000000"/>
                 </a:solidFill>
@@ -13909,16 +15975,34 @@
               </a:rPr>
             </a:br>
             <a:r>
-              <a:rPr lang="en-US" altLang="en-US" sz="1100">
-                <a:solidFill>
-                  <a:srgbClr val="000000"/>
-                </a:solidFill>
-                <a:latin typeface="Consolas" panose="020B0609020204030204" pitchFamily="49" charset="0"/>
-              </a:rPr>
-              <a:t>    gettimeofday(&amp;start, NULL);</a:t>
+              <a:rPr lang="en-US" altLang="en-US" sz="1200" dirty="0">
+                <a:solidFill>
+                  <a:srgbClr val="000000"/>
+                </a:solidFill>
+                <a:latin typeface="Consolas" panose="020B0609020204030204" pitchFamily="49" charset="0"/>
+              </a:rPr>
+              <a:t>    </a:t>
+            </a:r>
+            <a:r>
+              <a:rPr lang="en-US" altLang="en-US" sz="1200" dirty="0" err="1">
+                <a:solidFill>
+                  <a:srgbClr val="000000"/>
+                </a:solidFill>
+                <a:latin typeface="Consolas" panose="020B0609020204030204" pitchFamily="49" charset="0"/>
+              </a:rPr>
+              <a:t>gettimeofday</a:t>
+            </a:r>
+            <a:r>
+              <a:rPr lang="en-US" altLang="en-US" sz="1200" dirty="0">
+                <a:solidFill>
+                  <a:srgbClr val="000000"/>
+                </a:solidFill>
+                <a:latin typeface="Consolas" panose="020B0609020204030204" pitchFamily="49" charset="0"/>
+              </a:rPr>
+              <a:t>(&amp;start, NULL);</a:t>
             </a:r>
             <a:br>
-              <a:rPr lang="en-US" altLang="en-US" sz="1100">
+              <a:rPr lang="en-US" altLang="en-US" sz="1200" dirty="0">
                 <a:solidFill>
                   <a:srgbClr val="000000"/>
                 </a:solidFill>
@@ -13926,7 +16010,7 @@
               </a:rPr>
             </a:br>
             <a:r>
-              <a:rPr lang="en-US" altLang="en-US" sz="1100">
+              <a:rPr lang="en-US" altLang="en-US" sz="1200" dirty="0">
                 <a:solidFill>
                   <a:srgbClr val="000000"/>
                 </a:solidFill>
@@ -13935,7 +16019,7 @@
               <a:t>    </a:t>
             </a:r>
             <a:r>
-              <a:rPr lang="en-US" altLang="en-US" sz="1100" b="1">
+              <a:rPr lang="en-US" altLang="en-US" sz="1200" b="1" dirty="0">
                 <a:solidFill>
                   <a:srgbClr val="000080"/>
                 </a:solidFill>
@@ -13944,7 +16028,7 @@
               <a:t>for </a:t>
             </a:r>
             <a:r>
-              <a:rPr lang="en-US" altLang="en-US" sz="1100">
+              <a:rPr lang="en-US" altLang="en-US" sz="1200" dirty="0">
                 <a:solidFill>
                   <a:srgbClr val="000000"/>
                 </a:solidFill>
@@ -13953,25 +16037,43 @@
               <a:t>(</a:t>
             </a:r>
             <a:r>
-              <a:rPr lang="en-US" altLang="en-US" sz="1100" b="1">
+              <a:rPr lang="en-US" altLang="en-US" sz="1200" b="1" dirty="0" err="1">
                 <a:solidFill>
                   <a:srgbClr val="000080"/>
                 </a:solidFill>
                 <a:latin typeface="Consolas" panose="020B0609020204030204" pitchFamily="49" charset="0"/>
               </a:rPr>
-              <a:t>int </a:t>
-            </a:r>
-            <a:r>
-              <a:rPr lang="en-US" altLang="en-US" sz="1100">
-                <a:solidFill>
-                  <a:srgbClr val="000000"/>
-                </a:solidFill>
-                <a:latin typeface="Consolas" panose="020B0609020204030204" pitchFamily="49" charset="0"/>
-              </a:rPr>
-              <a:t>i = </a:t>
-            </a:r>
-            <a:r>
-              <a:rPr lang="en-US" altLang="en-US" sz="1100">
+              <a:t>int</a:t>
+            </a:r>
+            <a:r>
+              <a:rPr lang="en-US" altLang="en-US" sz="1200" b="1" dirty="0">
+                <a:solidFill>
+                  <a:srgbClr val="000080"/>
+                </a:solidFill>
+                <a:latin typeface="Consolas" panose="020B0609020204030204" pitchFamily="49" charset="0"/>
+              </a:rPr>
+              <a:t> </a:t>
+            </a:r>
+            <a:r>
+              <a:rPr lang="en-US" altLang="en-US" sz="1200" dirty="0" err="1">
+                <a:solidFill>
+                  <a:srgbClr val="000000"/>
+                </a:solidFill>
+                <a:latin typeface="Consolas" panose="020B0609020204030204" pitchFamily="49" charset="0"/>
+              </a:rPr>
+              <a:t>i</a:t>
+            </a:r>
+            <a:r>
+              <a:rPr lang="en-US" altLang="en-US" sz="1200" dirty="0">
+                <a:solidFill>
+                  <a:srgbClr val="000000"/>
+                </a:solidFill>
+                <a:latin typeface="Consolas" panose="020B0609020204030204" pitchFamily="49" charset="0"/>
+              </a:rPr>
+              <a:t> = </a:t>
+            </a:r>
+            <a:r>
+              <a:rPr lang="en-US" altLang="en-US" sz="1200" dirty="0">
                 <a:solidFill>
                   <a:srgbClr val="0000FF"/>
                 </a:solidFill>
@@ -13980,16 +16082,52 @@
               <a:t>0</a:t>
             </a:r>
             <a:r>
-              <a:rPr lang="en-US" altLang="en-US" sz="1100">
-                <a:solidFill>
-                  <a:srgbClr val="000000"/>
-                </a:solidFill>
-                <a:latin typeface="Consolas" panose="020B0609020204030204" pitchFamily="49" charset="0"/>
-              </a:rPr>
-              <a:t>; i &lt; n; i++) {</a:t>
+              <a:rPr lang="en-US" altLang="en-US" sz="1200" dirty="0">
+                <a:solidFill>
+                  <a:srgbClr val="000000"/>
+                </a:solidFill>
+                <a:latin typeface="Consolas" panose="020B0609020204030204" pitchFamily="49" charset="0"/>
+              </a:rPr>
+              <a:t>; </a:t>
+            </a:r>
+            <a:r>
+              <a:rPr lang="en-US" altLang="en-US" sz="1200" dirty="0" err="1">
+                <a:solidFill>
+                  <a:srgbClr val="000000"/>
+                </a:solidFill>
+                <a:latin typeface="Consolas" panose="020B0609020204030204" pitchFamily="49" charset="0"/>
+              </a:rPr>
+              <a:t>i</a:t>
+            </a:r>
+            <a:r>
+              <a:rPr lang="en-US" altLang="en-US" sz="1200" dirty="0">
+                <a:solidFill>
+                  <a:srgbClr val="000000"/>
+                </a:solidFill>
+                <a:latin typeface="Consolas" panose="020B0609020204030204" pitchFamily="49" charset="0"/>
+              </a:rPr>
+              <a:t> &lt; n; </a:t>
+            </a:r>
+            <a:r>
+              <a:rPr lang="en-US" altLang="en-US" sz="1200" dirty="0" err="1">
+                <a:solidFill>
+                  <a:srgbClr val="000000"/>
+                </a:solidFill>
+                <a:latin typeface="Consolas" panose="020B0609020204030204" pitchFamily="49" charset="0"/>
+              </a:rPr>
+              <a:t>i</a:t>
+            </a:r>
+            <a:r>
+              <a:rPr lang="en-US" altLang="en-US" sz="1200" dirty="0">
+                <a:solidFill>
+                  <a:srgbClr val="000000"/>
+                </a:solidFill>
+                <a:latin typeface="Consolas" panose="020B0609020204030204" pitchFamily="49" charset="0"/>
+              </a:rPr>
+              <a:t>++) {</a:t>
             </a:r>
             <a:br>
-              <a:rPr lang="en-US" altLang="en-US" sz="1100">
+              <a:rPr lang="en-US" altLang="en-US" sz="1200" dirty="0">
                 <a:solidFill>
                   <a:srgbClr val="000000"/>
                 </a:solidFill>
@@ -13997,7 +16135,7 @@
               </a:rPr>
             </a:br>
             <a:r>
-              <a:rPr lang="en-US" altLang="en-US" sz="1100">
+              <a:rPr lang="en-US" altLang="en-US" sz="1200" dirty="0">
                 <a:solidFill>
                   <a:srgbClr val="000000"/>
                 </a:solidFill>
@@ -14006,7 +16144,7 @@
               <a:t>        </a:t>
             </a:r>
             <a:r>
-              <a:rPr lang="en-US" altLang="en-US" sz="1100" b="1">
+              <a:rPr lang="en-US" altLang="en-US" sz="1200" b="1" dirty="0">
                 <a:solidFill>
                   <a:srgbClr val="000080"/>
                 </a:solidFill>
@@ -14015,7 +16153,7 @@
               <a:t>for </a:t>
             </a:r>
             <a:r>
-              <a:rPr lang="en-US" altLang="en-US" sz="1100">
+              <a:rPr lang="en-US" altLang="en-US" sz="1200" dirty="0">
                 <a:solidFill>
                   <a:srgbClr val="000000"/>
                 </a:solidFill>
@@ -14024,16 +16162,25 @@
               <a:t>(</a:t>
             </a:r>
             <a:r>
-              <a:rPr lang="en-US" altLang="en-US" sz="1100" b="1">
+              <a:rPr lang="en-US" altLang="en-US" sz="1200" b="1" dirty="0" err="1">
                 <a:solidFill>
                   <a:srgbClr val="000080"/>
                 </a:solidFill>
                 <a:latin typeface="Consolas" panose="020B0609020204030204" pitchFamily="49" charset="0"/>
               </a:rPr>
-              <a:t>int </a:t>
-            </a:r>
-            <a:r>
-              <a:rPr lang="en-US" altLang="en-US" sz="1100">
+              <a:t>int</a:t>
+            </a:r>
+            <a:r>
+              <a:rPr lang="en-US" altLang="en-US" sz="1200" b="1" dirty="0">
+                <a:solidFill>
+                  <a:srgbClr val="000080"/>
+                </a:solidFill>
+                <a:latin typeface="Consolas" panose="020B0609020204030204" pitchFamily="49" charset="0"/>
+              </a:rPr>
+              <a:t> </a:t>
+            </a:r>
+            <a:r>
+              <a:rPr lang="en-US" altLang="en-US" sz="1200" dirty="0">
                 <a:solidFill>
                   <a:srgbClr val="000000"/>
                 </a:solidFill>
@@ -14042,7 +16189,7 @@
               <a:t>j = </a:t>
             </a:r>
             <a:r>
-              <a:rPr lang="en-US" altLang="en-US" sz="1100">
+              <a:rPr lang="en-US" altLang="en-US" sz="1200" dirty="0">
                 <a:solidFill>
                   <a:srgbClr val="0000FF"/>
                 </a:solidFill>
@@ -14051,16 +16198,34 @@
               <a:t>0</a:t>
             </a:r>
             <a:r>
-              <a:rPr lang="en-US" altLang="en-US" sz="1100">
-                <a:solidFill>
-                  <a:srgbClr val="000000"/>
-                </a:solidFill>
-                <a:latin typeface="Consolas" panose="020B0609020204030204" pitchFamily="49" charset="0"/>
-              </a:rPr>
-              <a:t>; j &lt; n; j++) {</a:t>
+              <a:rPr lang="en-US" altLang="en-US" sz="1200" dirty="0">
+                <a:solidFill>
+                  <a:srgbClr val="000000"/>
+                </a:solidFill>
+                <a:latin typeface="Consolas" panose="020B0609020204030204" pitchFamily="49" charset="0"/>
+              </a:rPr>
+              <a:t>; j &lt; n; </a:t>
+            </a:r>
+            <a:r>
+              <a:rPr lang="en-US" altLang="en-US" sz="1200" dirty="0" err="1">
+                <a:solidFill>
+                  <a:srgbClr val="000000"/>
+                </a:solidFill>
+                <a:latin typeface="Consolas" panose="020B0609020204030204" pitchFamily="49" charset="0"/>
+              </a:rPr>
+              <a:t>j++</a:t>
+            </a:r>
+            <a:r>
+              <a:rPr lang="en-US" altLang="en-US" sz="1200" dirty="0">
+                <a:solidFill>
+                  <a:srgbClr val="000000"/>
+                </a:solidFill>
+                <a:latin typeface="Consolas" panose="020B0609020204030204" pitchFamily="49" charset="0"/>
+              </a:rPr>
+              <a:t>) {</a:t>
             </a:r>
             <a:br>
-              <a:rPr lang="en-US" altLang="en-US" sz="1100">
+              <a:rPr lang="en-US" altLang="en-US" sz="1200" dirty="0">
                 <a:solidFill>
                   <a:srgbClr val="000000"/>
                 </a:solidFill>
@@ -14068,7 +16233,7 @@
               </a:rPr>
             </a:br>
             <a:r>
-              <a:rPr lang="en-US" altLang="en-US" sz="1100">
+              <a:rPr lang="en-US" altLang="en-US" sz="1200" dirty="0">
                 <a:solidFill>
                   <a:srgbClr val="000000"/>
                 </a:solidFill>
@@ -14077,7 +16242,7 @@
               <a:t>            </a:t>
             </a:r>
             <a:r>
-              <a:rPr lang="en-US" altLang="en-US" sz="1100" b="1">
+              <a:rPr lang="en-US" altLang="en-US" sz="1200" b="1" dirty="0">
                 <a:solidFill>
                   <a:srgbClr val="000080"/>
                 </a:solidFill>
@@ -14086,7 +16251,7 @@
               <a:t>for </a:t>
             </a:r>
             <a:r>
-              <a:rPr lang="en-US" altLang="en-US" sz="1100">
+              <a:rPr lang="en-US" altLang="en-US" sz="1200" dirty="0">
                 <a:solidFill>
                   <a:srgbClr val="000000"/>
                 </a:solidFill>
@@ -14095,16 +16260,25 @@
               <a:t>(</a:t>
             </a:r>
             <a:r>
-              <a:rPr lang="en-US" altLang="en-US" sz="1100" b="1">
+              <a:rPr lang="en-US" altLang="en-US" sz="1200" b="1" dirty="0" err="1">
                 <a:solidFill>
                   <a:srgbClr val="000080"/>
                 </a:solidFill>
                 <a:latin typeface="Consolas" panose="020B0609020204030204" pitchFamily="49" charset="0"/>
               </a:rPr>
-              <a:t>int </a:t>
-            </a:r>
-            <a:r>
-              <a:rPr lang="en-US" altLang="en-US" sz="1100">
+              <a:t>int</a:t>
+            </a:r>
+            <a:r>
+              <a:rPr lang="en-US" altLang="en-US" sz="1200" b="1" dirty="0">
+                <a:solidFill>
+                  <a:srgbClr val="000080"/>
+                </a:solidFill>
+                <a:latin typeface="Consolas" panose="020B0609020204030204" pitchFamily="49" charset="0"/>
+              </a:rPr>
+              <a:t> </a:t>
+            </a:r>
+            <a:r>
+              <a:rPr lang="en-US" altLang="en-US" sz="1200" dirty="0">
                 <a:solidFill>
                   <a:srgbClr val="000000"/>
                 </a:solidFill>
@@ -14113,7 +16287,7 @@
               <a:t>k = </a:t>
             </a:r>
             <a:r>
-              <a:rPr lang="en-US" altLang="en-US" sz="1100">
+              <a:rPr lang="en-US" altLang="en-US" sz="1200" dirty="0">
                 <a:solidFill>
                   <a:srgbClr val="0000FF"/>
                 </a:solidFill>
@@ -14122,7 +16296,7 @@
               <a:t>0</a:t>
             </a:r>
             <a:r>
-              <a:rPr lang="en-US" altLang="en-US" sz="1100">
+              <a:rPr lang="en-US" altLang="en-US" sz="1200" dirty="0">
                 <a:solidFill>
                   <a:srgbClr val="000000"/>
                 </a:solidFill>
@@ -14131,7 +16305,7 @@
               <a:t>; k &lt; n; k++) {</a:t>
             </a:r>
             <a:br>
-              <a:rPr lang="en-US" altLang="en-US" sz="1100">
+              <a:rPr lang="en-US" altLang="en-US" sz="1200" dirty="0">
                 <a:solidFill>
                   <a:srgbClr val="000000"/>
                 </a:solidFill>
@@ -14139,16 +16313,52 @@
               </a:rPr>
             </a:br>
             <a:r>
-              <a:rPr lang="en-US" altLang="en-US" sz="1100">
-                <a:solidFill>
-                  <a:srgbClr val="000000"/>
-                </a:solidFill>
-                <a:latin typeface="Consolas" panose="020B0609020204030204" pitchFamily="49" charset="0"/>
-              </a:rPr>
-              <a:t>                C[i][j] += A[i][k] * B[k][j];</a:t>
+              <a:rPr lang="en-US" altLang="en-US" sz="1200" dirty="0">
+                <a:solidFill>
+                  <a:srgbClr val="000000"/>
+                </a:solidFill>
+                <a:latin typeface="Consolas" panose="020B0609020204030204" pitchFamily="49" charset="0"/>
+              </a:rPr>
+              <a:t>                C[</a:t>
+            </a:r>
+            <a:r>
+              <a:rPr lang="en-US" altLang="en-US" sz="1200" dirty="0" err="1">
+                <a:solidFill>
+                  <a:srgbClr val="000000"/>
+                </a:solidFill>
+                <a:latin typeface="Consolas" panose="020B0609020204030204" pitchFamily="49" charset="0"/>
+              </a:rPr>
+              <a:t>i</a:t>
+            </a:r>
+            <a:r>
+              <a:rPr lang="en-US" altLang="en-US" sz="1200" dirty="0">
+                <a:solidFill>
+                  <a:srgbClr val="000000"/>
+                </a:solidFill>
+                <a:latin typeface="Consolas" panose="020B0609020204030204" pitchFamily="49" charset="0"/>
+              </a:rPr>
+              <a:t>][j] += A[</a:t>
+            </a:r>
+            <a:r>
+              <a:rPr lang="en-US" altLang="en-US" sz="1200" dirty="0" err="1">
+                <a:solidFill>
+                  <a:srgbClr val="000000"/>
+                </a:solidFill>
+                <a:latin typeface="Consolas" panose="020B0609020204030204" pitchFamily="49" charset="0"/>
+              </a:rPr>
+              <a:t>i</a:t>
+            </a:r>
+            <a:r>
+              <a:rPr lang="en-US" altLang="en-US" sz="1200" dirty="0">
+                <a:solidFill>
+                  <a:srgbClr val="000000"/>
+                </a:solidFill>
+                <a:latin typeface="Consolas" panose="020B0609020204030204" pitchFamily="49" charset="0"/>
+              </a:rPr>
+              <a:t>][k] * B[k][j];</a:t>
             </a:r>
             <a:br>
-              <a:rPr lang="en-US" altLang="en-US" sz="1100">
+              <a:rPr lang="en-US" altLang="en-US" sz="1200" dirty="0">
                 <a:solidFill>
                   <a:srgbClr val="000000"/>
                 </a:solidFill>
@@ -14156,7 +16366,7 @@
               </a:rPr>
             </a:br>
             <a:r>
-              <a:rPr lang="en-US" altLang="en-US" sz="1100">
+              <a:rPr lang="en-US" altLang="en-US" sz="1200" dirty="0">
                 <a:solidFill>
                   <a:srgbClr val="000000"/>
                 </a:solidFill>
@@ -14165,7 +16375,7 @@
               <a:t>            }</a:t>
             </a:r>
             <a:br>
-              <a:rPr lang="en-US" altLang="en-US" sz="1100">
+              <a:rPr lang="en-US" altLang="en-US" sz="1200" dirty="0">
                 <a:solidFill>
                   <a:srgbClr val="000000"/>
                 </a:solidFill>
@@ -14173,7 +16383,7 @@
               </a:rPr>
             </a:br>
             <a:r>
-              <a:rPr lang="en-US" altLang="en-US" sz="1100">
+              <a:rPr lang="en-US" altLang="en-US" sz="1200" dirty="0">
                 <a:solidFill>
                   <a:srgbClr val="000000"/>
                 </a:solidFill>
@@ -14182,7 +16392,7 @@
               <a:t>        }</a:t>
             </a:r>
             <a:br>
-              <a:rPr lang="en-US" altLang="en-US" sz="1100">
+              <a:rPr lang="en-US" altLang="en-US" sz="1200" dirty="0">
                 <a:solidFill>
                   <a:srgbClr val="000000"/>
                 </a:solidFill>
@@ -14190,7 +16400,7 @@
               </a:rPr>
             </a:br>
             <a:r>
-              <a:rPr lang="en-US" altLang="en-US" sz="1100">
+              <a:rPr lang="en-US" altLang="en-US" sz="1200" dirty="0">
                 <a:solidFill>
                   <a:srgbClr val="000000"/>
                 </a:solidFill>
@@ -14199,7 +16409,7 @@
               <a:t>    }</a:t>
             </a:r>
             <a:br>
-              <a:rPr lang="en-US" altLang="en-US" sz="1100">
+              <a:rPr lang="en-US" altLang="en-US" sz="1200" dirty="0">
                 <a:solidFill>
                   <a:srgbClr val="000000"/>
                 </a:solidFill>
@@ -14207,16 +16417,34 @@
               </a:rPr>
             </a:br>
             <a:r>
-              <a:rPr lang="en-US" altLang="en-US" sz="1100">
-                <a:solidFill>
-                  <a:srgbClr val="000000"/>
-                </a:solidFill>
-                <a:latin typeface="Consolas" panose="020B0609020204030204" pitchFamily="49" charset="0"/>
-              </a:rPr>
-              <a:t>    gettimeofday(&amp;end, NULL);</a:t>
+              <a:rPr lang="en-US" altLang="en-US" sz="1200" dirty="0">
+                <a:solidFill>
+                  <a:srgbClr val="000000"/>
+                </a:solidFill>
+                <a:latin typeface="Consolas" panose="020B0609020204030204" pitchFamily="49" charset="0"/>
+              </a:rPr>
+              <a:t>    </a:t>
+            </a:r>
+            <a:r>
+              <a:rPr lang="en-US" altLang="en-US" sz="1200" dirty="0" err="1">
+                <a:solidFill>
+                  <a:srgbClr val="000000"/>
+                </a:solidFill>
+                <a:latin typeface="Consolas" panose="020B0609020204030204" pitchFamily="49" charset="0"/>
+              </a:rPr>
+              <a:t>gettimeofday</a:t>
+            </a:r>
+            <a:r>
+              <a:rPr lang="en-US" altLang="en-US" sz="1200" dirty="0">
+                <a:solidFill>
+                  <a:srgbClr val="000000"/>
+                </a:solidFill>
+                <a:latin typeface="Consolas" panose="020B0609020204030204" pitchFamily="49" charset="0"/>
+              </a:rPr>
+              <a:t>(&amp;end, NULL);</a:t>
             </a:r>
             <a:br>
-              <a:rPr lang="en-US" altLang="en-US" sz="1100">
+              <a:rPr lang="en-US" altLang="en-US" sz="1200" dirty="0">
                 <a:solidFill>
                   <a:srgbClr val="000000"/>
                 </a:solidFill>
@@ -14224,16 +16452,34 @@
               </a:rPr>
             </a:br>
             <a:r>
-              <a:rPr lang="en-US" altLang="en-US" sz="1100">
-                <a:solidFill>
-                  <a:srgbClr val="000000"/>
-                </a:solidFill>
-                <a:latin typeface="Consolas" panose="020B0609020204030204" pitchFamily="49" charset="0"/>
-              </a:rPr>
-              <a:t>    printf(</a:t>
-            </a:r>
-            <a:r>
-              <a:rPr lang="en-US" altLang="en-US" sz="1100" b="1">
+              <a:rPr lang="en-US" altLang="en-US" sz="1200" dirty="0">
+                <a:solidFill>
+                  <a:srgbClr val="000000"/>
+                </a:solidFill>
+                <a:latin typeface="Consolas" panose="020B0609020204030204" pitchFamily="49" charset="0"/>
+              </a:rPr>
+              <a:t>    </a:t>
+            </a:r>
+            <a:r>
+              <a:rPr lang="en-US" altLang="en-US" sz="1200" dirty="0" err="1">
+                <a:solidFill>
+                  <a:srgbClr val="000000"/>
+                </a:solidFill>
+                <a:latin typeface="Consolas" panose="020B0609020204030204" pitchFamily="49" charset="0"/>
+              </a:rPr>
+              <a:t>printf</a:t>
+            </a:r>
+            <a:r>
+              <a:rPr lang="en-US" altLang="en-US" sz="1200" dirty="0">
+                <a:solidFill>
+                  <a:srgbClr val="000000"/>
+                </a:solidFill>
+                <a:latin typeface="Consolas" panose="020B0609020204030204" pitchFamily="49" charset="0"/>
+              </a:rPr>
+              <a:t>(</a:t>
+            </a:r>
+            <a:r>
+              <a:rPr lang="en-US" altLang="en-US" sz="1200" b="1" dirty="0">
                 <a:solidFill>
                   <a:srgbClr val="008000"/>
                 </a:solidFill>
@@ -14242,7 +16488,7 @@
               <a:t>"%0.6f</a:t>
             </a:r>
             <a:r>
-              <a:rPr lang="en-US" altLang="en-US" sz="1100" b="1">
+              <a:rPr lang="en-US" altLang="en-US" sz="1200" b="1" dirty="0">
                 <a:solidFill>
                   <a:srgbClr val="000080"/>
                 </a:solidFill>
@@ -14251,7 +16497,7 @@
               <a:t>\n</a:t>
             </a:r>
             <a:r>
-              <a:rPr lang="en-US" altLang="en-US" sz="1100" b="1">
+              <a:rPr lang="en-US" altLang="en-US" sz="1200" b="1" dirty="0">
                 <a:solidFill>
                   <a:srgbClr val="008000"/>
                 </a:solidFill>
@@ -14260,16 +16506,34 @@
               <a:t>"</a:t>
             </a:r>
             <a:r>
-              <a:rPr lang="en-US" altLang="en-US" sz="1100">
-                <a:solidFill>
-                  <a:srgbClr val="000000"/>
-                </a:solidFill>
-                <a:latin typeface="Consolas" panose="020B0609020204030204" pitchFamily="49" charset="0"/>
-              </a:rPr>
-              <a:t>, tdiff(&amp;start, &amp;end));</a:t>
+              <a:rPr lang="en-US" altLang="en-US" sz="1200" dirty="0">
+                <a:solidFill>
+                  <a:srgbClr val="000000"/>
+                </a:solidFill>
+                <a:latin typeface="Consolas" panose="020B0609020204030204" pitchFamily="49" charset="0"/>
+              </a:rPr>
+              <a:t>, </a:t>
+            </a:r>
+            <a:r>
+              <a:rPr lang="en-US" altLang="en-US" sz="1200" dirty="0" err="1">
+                <a:solidFill>
+                  <a:srgbClr val="000000"/>
+                </a:solidFill>
+                <a:latin typeface="Consolas" panose="020B0609020204030204" pitchFamily="49" charset="0"/>
+              </a:rPr>
+              <a:t>tdiff</a:t>
+            </a:r>
+            <a:r>
+              <a:rPr lang="en-US" altLang="en-US" sz="1200" dirty="0">
+                <a:solidFill>
+                  <a:srgbClr val="000000"/>
+                </a:solidFill>
+                <a:latin typeface="Consolas" panose="020B0609020204030204" pitchFamily="49" charset="0"/>
+              </a:rPr>
+              <a:t>(&amp;start, &amp;end));</a:t>
             </a:r>
             <a:br>
-              <a:rPr lang="en-US" altLang="en-US" sz="1100">
+              <a:rPr lang="en-US" altLang="en-US" sz="1200" dirty="0">
                 <a:solidFill>
                   <a:srgbClr val="000000"/>
                 </a:solidFill>
@@ -14277,7 +16541,7 @@
               </a:rPr>
             </a:br>
             <a:r>
-              <a:rPr lang="en-US" altLang="en-US" sz="1100">
+              <a:rPr lang="en-US" altLang="en-US" sz="1200" dirty="0">
                 <a:solidFill>
                   <a:srgbClr val="000000"/>
                 </a:solidFill>
@@ -14286,7 +16550,7 @@
               <a:t>    </a:t>
             </a:r>
             <a:r>
-              <a:rPr lang="en-US" altLang="en-US" sz="1100" b="1">
+              <a:rPr lang="en-US" altLang="en-US" sz="1200" b="1" dirty="0">
                 <a:solidFill>
                   <a:srgbClr val="000080"/>
                 </a:solidFill>
@@ -14295,7 +16559,7 @@
               <a:t>return </a:t>
             </a:r>
             <a:r>
-              <a:rPr lang="en-US" altLang="en-US" sz="1100">
+              <a:rPr lang="en-US" altLang="en-US" sz="1200" dirty="0">
                 <a:solidFill>
                   <a:srgbClr val="0000FF"/>
                 </a:solidFill>
@@ -14304,7 +16568,7 @@
               <a:t>0</a:t>
             </a:r>
             <a:r>
-              <a:rPr lang="en-US" altLang="en-US" sz="1100">
+              <a:rPr lang="en-US" altLang="en-US" sz="1200" dirty="0">
                 <a:solidFill>
                   <a:srgbClr val="000000"/>
                 </a:solidFill>
@@ -14313,7 +16577,7 @@
               <a:t>;</a:t>
             </a:r>
             <a:br>
-              <a:rPr lang="en-US" altLang="en-US" sz="1100">
+              <a:rPr lang="en-US" altLang="en-US" sz="1200" dirty="0">
                 <a:solidFill>
                   <a:srgbClr val="000000"/>
                 </a:solidFill>
@@ -14321,7 +16585,7 @@
               </a:rPr>
             </a:br>
             <a:r>
-              <a:rPr lang="en-US" altLang="en-US" sz="1100">
+              <a:rPr lang="en-US" altLang="en-US" sz="1200" dirty="0">
                 <a:solidFill>
                   <a:srgbClr val="000000"/>
                 </a:solidFill>
@@ -14329,7 +16593,7 @@
               </a:rPr>
               <a:t>}</a:t>
             </a:r>
-            <a:endParaRPr lang="en-US" altLang="en-US" sz="1100">
+            <a:endParaRPr lang="en-US" altLang="en-US" sz="1200" dirty="0">
               <a:latin typeface="Arial" panose="020B0604020202020204" pitchFamily="34" charset="0"/>
             </a:endParaRPr>
           </a:p>
@@ -14535,7 +16799,7 @@
                   <a:buNone/>
                 </a:pPr>
                 <a:r>
-                  <a:rPr lang="en-US" sz="4800" b="1" smtClean="0">
+                  <a:rPr lang="en-US" sz="4800" b="1" dirty="0" smtClean="0">
                     <a:solidFill>
                       <a:srgbClr val="F7B217"/>
                     </a:solidFill>
@@ -14551,7 +16815,7 @@
                   <a:buNone/>
                 </a:pPr>
                 <a:r>
-                  <a:rPr lang="en-US" sz="3200" b="1" smtClean="0"/>
+                  <a:rPr lang="en-US" sz="3200" b="1" dirty="0" smtClean="0"/>
                   <a:t>Floating-point operations:</a:t>
                 </a:r>
               </a:p>
@@ -14604,7 +16868,7 @@
                   </m:oMath>
                 </a14:m>
                 <a:r>
-                  <a:rPr lang="en-US" sz="3200" smtClean="0"/>
+                  <a:rPr lang="en-US" sz="3200" dirty="0" smtClean="0"/>
                   <a:t> </a:t>
                 </a:r>
                 <a14:m>
@@ -14668,7 +16932,7 @@
                   </m:oMath>
                 </a14:m>
                 <a:r>
-                  <a:rPr lang="en-US" sz="3200" smtClean="0"/>
+                  <a:rPr lang="en-US" sz="3200" dirty="0" smtClean="0"/>
                   <a:t> = </a:t>
                 </a:r>
                 <a14:m>
@@ -14700,7 +16964,7 @@
                     </m:sSup>
                   </m:oMath>
                 </a14:m>
-                <a:endParaRPr lang="en-US" sz="3200" smtClean="0"/>
+                <a:endParaRPr lang="en-US" sz="3200" dirty="0" smtClean="0"/>
               </a:p>
               <a:p>
                 <a:pPr marL="0" indent="0">
@@ -14713,7 +16977,7 @@
                   <a:buNone/>
                 </a:pPr>
                 <a:r>
-                  <a:rPr lang="en-US" sz="3200" b="1" smtClean="0"/>
+                  <a:rPr lang="en-US" sz="3200" b="1" dirty="0" smtClean="0"/>
                   <a:t>Running time:</a:t>
                 </a:r>
               </a:p>
@@ -14725,7 +16989,7 @@
                   <a:buNone/>
                 </a:pPr>
                 <a:r>
-                  <a:rPr lang="en-US" sz="3200" smtClean="0"/>
+                  <a:rPr lang="en-US" sz="3200" dirty="0" smtClean="0"/>
                   <a:t>13.714264 sec.</a:t>
                 </a:r>
               </a:p>
@@ -14737,7 +17001,7 @@
                   <a:buNone/>
                 </a:pPr>
                 <a:r>
-                  <a:rPr lang="en-US" sz="3200" b="1" smtClean="0"/>
+                  <a:rPr lang="en-US" sz="3200" b="1" dirty="0" smtClean="0"/>
                   <a:t>Performance:</a:t>
                 </a:r>
               </a:p>
@@ -14752,7 +17016,7 @@
                   <a:buNone/>
                 </a:pPr>
                 <a:r>
-                  <a:rPr lang="en-US" sz="3200" smtClean="0"/>
+                  <a:rPr lang="en-US" sz="3200" dirty="0" smtClean="0"/>
                   <a:t>~ 153 MFLOPS</a:t>
                 </a:r>
               </a:p>
@@ -14763,7 +17027,7 @@
                   </a:lnSpc>
                   <a:buNone/>
                 </a:pPr>
-                <a:endParaRPr lang="en-US"/>
+                <a:endParaRPr lang="en-US" dirty="0"/>
               </a:p>
               <a:p>
                 <a:pPr marL="0" indent="0">
@@ -14772,7 +17036,7 @@
                   </a:lnSpc>
                   <a:buNone/>
                 </a:pPr>
-                <a:endParaRPr lang="en-US" smtClean="0"/>
+                <a:endParaRPr lang="en-US" dirty="0" smtClean="0"/>
               </a:p>
               <a:p>
                 <a:pPr marL="0" indent="0">
@@ -14781,7 +17045,7 @@
                   </a:lnSpc>
                   <a:buNone/>
                 </a:pPr>
-                <a:endParaRPr lang="en-US"/>
+                <a:endParaRPr lang="en-US" dirty="0"/>
               </a:p>
             </p:txBody>
           </p:sp>

--- a/docs/part1ca/01_Introduction/CA_Lecture_01.pptx
+++ b/docs/part1ca/01_Introduction/CA_Lecture_01.pptx
@@ -5,10 +5,10 @@
     <p:sldMasterId id="2147483648" r:id="rId1"/>
   </p:sldMasterIdLst>
   <p:notesMasterIdLst>
-    <p:notesMasterId r:id="rId23"/>
+    <p:notesMasterId r:id="rId25"/>
   </p:notesMasterIdLst>
   <p:handoutMasterIdLst>
-    <p:handoutMasterId r:id="rId24"/>
+    <p:handoutMasterId r:id="rId26"/>
   </p:handoutMasterIdLst>
   <p:sldIdLst>
     <p:sldId id="256" r:id="rId2"/>
@@ -27,11 +27,13 @@
     <p:sldId id="290" r:id="rId15"/>
     <p:sldId id="291" r:id="rId16"/>
     <p:sldId id="288" r:id="rId17"/>
-    <p:sldId id="286" r:id="rId18"/>
-    <p:sldId id="281" r:id="rId19"/>
-    <p:sldId id="278" r:id="rId20"/>
-    <p:sldId id="275" r:id="rId21"/>
-    <p:sldId id="272" r:id="rId22"/>
+    <p:sldId id="293" r:id="rId18"/>
+    <p:sldId id="295" r:id="rId19"/>
+    <p:sldId id="281" r:id="rId20"/>
+    <p:sldId id="294" r:id="rId21"/>
+    <p:sldId id="292" r:id="rId22"/>
+    <p:sldId id="296" r:id="rId23"/>
+    <p:sldId id="272" r:id="rId24"/>
   </p:sldIdLst>
   <p:sldSz cx="12192000" cy="6858000"/>
   <p:notesSz cx="6858000" cy="9144000"/>
@@ -254,7 +256,7 @@
             <a:fld id="{D0106195-8D78-4F6F-B8E4-FA67975ACEF5}" type="datetimeFigureOut">
               <a:rPr lang="ru-RU" smtClean="0"/>
               <a:pPr/>
-              <a:t>19.10.2020</a:t>
+              <a:t>21.10.2020</a:t>
             </a:fld>
             <a:endParaRPr lang="ru-RU"/>
           </a:p>
@@ -422,7 +424,7 @@
             <a:fld id="{878212F1-C3D9-4F2B-8F42-5E960FE8BE51}" type="datetimeFigureOut">
               <a:rPr lang="ru-RU" smtClean="0"/>
               <a:pPr/>
-              <a:t>19.10.2020</a:t>
+              <a:t>21.10.2020</a:t>
             </a:fld>
             <a:endParaRPr lang="ru-RU"/>
           </a:p>
@@ -919,7 +921,7 @@
             <a:fld id="{5583B3A5-99BF-45D9-956B-DC57CC23AD97}" type="slidenum">
               <a:rPr lang="ru-RU" smtClean="0"/>
               <a:pPr/>
-              <a:t>21</a:t>
+              <a:t>23</a:t>
             </a:fld>
             <a:endParaRPr lang="ru-RU"/>
           </a:p>
@@ -4936,16 +4938,8 @@
           <a:lstStyle/>
           <a:p>
             <a:r>
-              <a:rPr lang="en-US" dirty="0"/>
-              <a:t>1834 –</a:t>
-            </a:r>
-            <a:r>
               <a:rPr lang="en-US" dirty="0" smtClean="0"/>
-              <a:t>71: </a:t>
-            </a:r>
-            <a:r>
-              <a:rPr lang="en-US" dirty="0" smtClean="0"/>
-              <a:t>Analytical Engine designed </a:t>
+              <a:t>1834–71: Analytical Engine designed </a:t>
             </a:r>
             <a:r>
               <a:rPr lang="en-US" dirty="0"/>
@@ -4965,11 +4959,7 @@
           <a:p>
             <a:r>
               <a:rPr lang="en-US" dirty="0" smtClean="0"/>
-              <a:t>Programs provided as </a:t>
-            </a:r>
-            <a:r>
-              <a:rPr lang="en-US" dirty="0" smtClean="0"/>
-              <a:t>punched cards</a:t>
+              <a:t>Programs provided as punched cards</a:t>
             </a:r>
             <a:endParaRPr lang="en-US" dirty="0"/>
           </a:p>
@@ -5041,11 +5031,7 @@
             </a:r>
             <a:r>
               <a:rPr lang="en-US" dirty="0" smtClean="0"/>
-              <a:t>Generation </a:t>
-            </a:r>
-            <a:r>
-              <a:rPr lang="en-US" dirty="0" smtClean="0"/>
-              <a:t>– Mechanical</a:t>
+              <a:t>Generation – Mechanical</a:t>
             </a:r>
             <a:endParaRPr lang="en-US" dirty="0"/>
           </a:p>
@@ -5153,15 +5139,7 @@
           <a:p>
             <a:r>
               <a:rPr lang="en-US" dirty="0" smtClean="0"/>
-              <a:t>1945–55: </a:t>
-            </a:r>
-            <a:r>
-              <a:rPr lang="en-US" dirty="0" smtClean="0"/>
-              <a:t>first machines were </a:t>
-            </a:r>
-            <a:r>
-              <a:rPr lang="en-US" dirty="0" smtClean="0"/>
-              <a:t>created (</a:t>
+              <a:t>1945–55: first machines were created (</a:t>
             </a:r>
             <a:r>
               <a:rPr lang="en-US" dirty="0" err="1" smtClean="0"/>
@@ -5169,34 +5147,13 @@
             </a:r>
             <a:r>
               <a:rPr lang="en-US" dirty="0" smtClean="0"/>
-              <a:t>–Berry, </a:t>
-            </a:r>
+              <a:t>–Berry, Z3, Colossus, ENIAC)</a:t>
+            </a:r>
+          </a:p>
+          <a:p>
             <a:r>
               <a:rPr lang="en-US" dirty="0" smtClean="0"/>
-              <a:t>Z3, Colossus, </a:t>
-            </a:r>
-            <a:r>
-              <a:rPr lang="en-US" dirty="0" smtClean="0"/>
-              <a:t>ENIAC)</a:t>
-            </a:r>
-            <a:endParaRPr lang="en-US" dirty="0" smtClean="0"/>
-          </a:p>
-          <a:p>
-            <a:r>
-              <a:rPr lang="en-US" dirty="0" smtClean="0"/>
-              <a:t>All programming </a:t>
-            </a:r>
-            <a:r>
-              <a:rPr lang="en-US" dirty="0" smtClean="0"/>
-              <a:t>in pure </a:t>
-            </a:r>
-            <a:r>
-              <a:rPr lang="en-US" dirty="0" smtClean="0"/>
-              <a:t>machine </a:t>
-            </a:r>
-            <a:r>
-              <a:rPr lang="en-US" dirty="0" smtClean="0"/>
-              <a:t>language</a:t>
+              <a:t>All programming in pure machine language</a:t>
             </a:r>
           </a:p>
           <a:p>
@@ -5214,27 +5171,14 @@
             </a:r>
             <a:r>
               <a:rPr lang="en-US" dirty="0" smtClean="0"/>
-              <a:t>wires, punched cards</a:t>
-            </a:r>
+              <a:t>wires, punched cards (later)</a:t>
+            </a:r>
+          </a:p>
+          <a:p>
             <a:r>
               <a:rPr lang="en-US" dirty="0" smtClean="0"/>
-              <a:t> (later)</a:t>
-            </a:r>
-          </a:p>
-          <a:p>
-            <a:r>
-              <a:rPr lang="en-US" dirty="0" smtClean="0"/>
-              <a:t>Stored </a:t>
-            </a:r>
-            <a:r>
-              <a:rPr lang="en-US" dirty="0" smtClean="0"/>
-              <a:t>program </a:t>
-            </a:r>
-            <a:r>
-              <a:rPr lang="en-US" dirty="0" smtClean="0"/>
-              <a:t>concept</a:t>
-            </a:r>
-            <a:endParaRPr lang="en-US" dirty="0" smtClean="0"/>
+              <a:t>Stored program concept</a:t>
+            </a:r>
           </a:p>
           <a:p>
             <a:endParaRPr lang="en-US" dirty="0" smtClean="0"/>
@@ -5786,15 +5730,7 @@
                   <a:srgbClr val="2F5CB5"/>
                 </a:solidFill>
               </a:rPr>
-              <a:t> </a:t>
-            </a:r>
-            <a:r>
-              <a:rPr lang="en-US" sz="2400" b="1" dirty="0" smtClean="0">
-                <a:solidFill>
-                  <a:srgbClr val="2F5CB5"/>
-                </a:solidFill>
-              </a:rPr>
-              <a:t>Logic Unit</a:t>
+              <a:t> Logic Unit</a:t>
             </a:r>
             <a:endParaRPr lang="en-US" sz="2400" b="1" dirty="0">
               <a:solidFill>
@@ -5915,7 +5851,15 @@
           <a:p>
             <a:r>
               <a:rPr lang="en-US" dirty="0" smtClean="0"/>
-              <a:t>1955-65: era of mainframes (e.g. IBM 7094)</a:t>
+              <a:t>1955</a:t>
+            </a:r>
+            <a:r>
+              <a:rPr lang="en-US" dirty="0"/>
+              <a:t>–</a:t>
+            </a:r>
+            <a:r>
+              <a:rPr lang="en-US" dirty="0" smtClean="0"/>
+              <a:t>65: era of mainframes (e.g. IBM 7094)</a:t>
             </a:r>
             <a:r>
               <a:rPr lang="ru-RU" dirty="0" smtClean="0"/>
@@ -6155,7 +6099,7 @@
         <p:spPr>
           <a:xfrm>
             <a:off x="838201" y="1178052"/>
-            <a:ext cx="6642100" cy="5273547"/>
+            <a:ext cx="6362699" cy="5273547"/>
           </a:xfrm>
         </p:spPr>
         <p:txBody>
@@ -6296,7 +6240,9 @@
           <a:prstGeom prst="rect">
             <a:avLst/>
           </a:prstGeom>
-          <a:noFill/>
+          <a:solidFill>
+            <a:srgbClr val="F7B217"/>
+          </a:solidFill>
           <a:ln w="38100"/>
         </p:spPr>
         <p:style>
@@ -6350,7 +6296,9 @@
           <a:prstGeom prst="rect">
             <a:avLst/>
           </a:prstGeom>
-          <a:noFill/>
+          <a:solidFill>
+            <a:srgbClr val="F7B217"/>
+          </a:solidFill>
           <a:ln w="38100"/>
         </p:spPr>
         <p:style>
@@ -6404,7 +6352,9 @@
           <a:prstGeom prst="rect">
             <a:avLst/>
           </a:prstGeom>
-          <a:noFill/>
+          <a:solidFill>
+            <a:srgbClr val="F7B217"/>
+          </a:solidFill>
           <a:ln w="38100"/>
         </p:spPr>
         <p:style>
@@ -6458,7 +6408,9 @@
           <a:prstGeom prst="rect">
             <a:avLst/>
           </a:prstGeom>
-          <a:noFill/>
+          <a:solidFill>
+            <a:srgbClr val="F7B217"/>
+          </a:solidFill>
           <a:ln w="38100"/>
         </p:spPr>
         <p:style>
@@ -6692,11 +6644,6 @@
               </a:rPr>
               <a:t>Memory Partitions</a:t>
             </a:r>
-            <a:endParaRPr lang="en-US" sz="2800" b="1" dirty="0" smtClean="0">
-              <a:solidFill>
-                <a:srgbClr val="1E3272"/>
-              </a:solidFill>
-            </a:endParaRPr>
           </a:p>
         </p:txBody>
       </p:sp>
@@ -6749,14 +6696,82 @@
         </p:nvSpPr>
         <p:spPr>
           <a:xfrm>
-            <a:off x="838200" y="1178053"/>
-            <a:ext cx="6515100" cy="4997896"/>
+            <a:off x="838200" y="1178052"/>
+            <a:ext cx="7404100" cy="5492305"/>
           </a:xfrm>
         </p:spPr>
         <p:txBody>
-          <a:bodyPr/>
+          <a:bodyPr>
+            <a:normAutofit/>
+          </a:bodyPr>
           <a:lstStyle/>
           <a:p>
+            <a:r>
+              <a:rPr lang="en-US" dirty="0" smtClean="0"/>
+              <a:t>1980–Present: personal computers, laptops, servers (Apple, IBM, etc.)</a:t>
+            </a:r>
+          </a:p>
+          <a:p>
+            <a:r>
+              <a:rPr lang="en-US" dirty="0" smtClean="0"/>
+              <a:t>Architectures: x86-64</a:t>
+            </a:r>
+            <a:r>
+              <a:rPr lang="en-US" dirty="0"/>
+              <a:t>, </a:t>
+            </a:r>
+            <a:r>
+              <a:rPr lang="en-US" dirty="0" smtClean="0"/>
+              <a:t>Itanium, ARM, MIPS, PowerPC, SPARC, RISC-V, etc.</a:t>
+            </a:r>
+          </a:p>
+          <a:p>
+            <a:r>
+              <a:rPr lang="en-US" dirty="0" smtClean="0"/>
+              <a:t>Operating systems: UNIX (System V and BSD), MINIX, Linux, </a:t>
+            </a:r>
+            <a:r>
+              <a:rPr lang="en-US" dirty="0" err="1" smtClean="0"/>
+              <a:t>MacOS</a:t>
+            </a:r>
+            <a:r>
+              <a:rPr lang="en-US" dirty="0" smtClean="0"/>
+              <a:t>, </a:t>
+            </a:r>
+            <a:r>
+              <a:rPr lang="en-US" dirty="0"/>
+              <a:t>DOS, </a:t>
+            </a:r>
+            <a:r>
+              <a:rPr lang="en-US" dirty="0" smtClean="0"/>
+              <a:t>Windows (NT)</a:t>
+            </a:r>
+          </a:p>
+          <a:p>
+            <a:r>
+              <a:rPr lang="en-US" dirty="0" smtClean="0"/>
+              <a:t>ISA (CISC, RISC, VLIW), </a:t>
+            </a:r>
+            <a:r>
+              <a:rPr lang="en-US" dirty="0"/>
+              <a:t>caches, </a:t>
+            </a:r>
+            <a:r>
+              <a:rPr lang="en-US" dirty="0" smtClean="0"/>
+              <a:t>pipelines, SIMD</a:t>
+            </a:r>
+            <a:r>
+              <a:rPr lang="en-US" dirty="0"/>
+              <a:t>, vectors, </a:t>
+            </a:r>
+            <a:r>
+              <a:rPr lang="en-US" dirty="0" err="1" smtClean="0"/>
+              <a:t>hyperthreading</a:t>
+            </a:r>
+            <a:r>
+              <a:rPr lang="en-US" dirty="0" smtClean="0"/>
+              <a:t>, multicore</a:t>
+            </a:r>
             <a:endParaRPr lang="en-US" dirty="0"/>
           </a:p>
         </p:txBody>
@@ -6852,8 +6867,8 @@
         </p:blipFill>
         <p:spPr bwMode="auto">
           <a:xfrm>
-            <a:off x="7786129" y="3574163"/>
-            <a:ext cx="3600450" cy="2364296"/>
+            <a:off x="8052831" y="3586865"/>
+            <a:ext cx="3315282" cy="2175773"/>
           </a:xfrm>
           <a:prstGeom prst="rect">
             <a:avLst/>
@@ -6893,8 +6908,8 @@
         </p:blipFill>
         <p:spPr bwMode="auto">
           <a:xfrm>
-            <a:off x="7798829" y="1210309"/>
-            <a:ext cx="3571875" cy="2009775"/>
+            <a:off x="8078230" y="1286510"/>
+            <a:ext cx="3286125" cy="1848993"/>
           </a:xfrm>
           <a:prstGeom prst="rect">
             <a:avLst/>
@@ -6958,12 +6973,90 @@
             <p:ph idx="1"/>
           </p:nvPr>
         </p:nvSpPr>
-        <p:spPr/>
+        <p:spPr>
+          <a:xfrm>
+            <a:off x="838200" y="1266953"/>
+            <a:ext cx="6324600" cy="4997896"/>
+          </a:xfrm>
+        </p:spPr>
         <p:txBody>
           <a:bodyPr/>
           <a:lstStyle/>
           <a:p>
+            <a:pPr>
+              <a:lnSpc>
+                <a:spcPct val="100000"/>
+              </a:lnSpc>
+              <a:spcAft>
+                <a:spcPts val="600"/>
+              </a:spcAft>
+            </a:pPr>
+            <a:r>
+              <a:rPr lang="en-US" dirty="0" smtClean="0"/>
+              <a:t>1990–Present: </a:t>
+            </a:r>
+            <a:r>
+              <a:rPr lang="en-US" dirty="0"/>
+              <a:t>mobile devices, embedded </a:t>
+            </a:r>
+            <a:r>
+              <a:rPr lang="en-US" dirty="0" smtClean="0"/>
+              <a:t>systems, </a:t>
+            </a:r>
+            <a:r>
+              <a:rPr lang="en-US" dirty="0" err="1" smtClean="0"/>
+              <a:t>IoT</a:t>
+            </a:r>
+            <a:r>
+              <a:rPr lang="en-US" dirty="0" smtClean="0"/>
+              <a:t> devices</a:t>
+            </a:r>
+          </a:p>
+          <a:p>
+            <a:pPr>
+              <a:lnSpc>
+                <a:spcPct val="100000"/>
+              </a:lnSpc>
+              <a:spcAft>
+                <a:spcPts val="600"/>
+              </a:spcAft>
+            </a:pPr>
+            <a:r>
+              <a:rPr lang="en-US" dirty="0" smtClean="0"/>
+              <a:t>Custom processors and FPGAs</a:t>
+            </a:r>
+          </a:p>
+          <a:p>
+            <a:pPr>
+              <a:lnSpc>
+                <a:spcPct val="100000"/>
+              </a:lnSpc>
+              <a:spcAft>
+                <a:spcPts val="600"/>
+              </a:spcAft>
+            </a:pPr>
+            <a:r>
+              <a:rPr lang="en-US" dirty="0" smtClean="0"/>
+              <a:t>Mobile operating systems: Symbian, iOS, Android, Windows Mobile</a:t>
+            </a:r>
+          </a:p>
+          <a:p>
+            <a:pPr>
+              <a:lnSpc>
+                <a:spcPct val="100000"/>
+              </a:lnSpc>
+              <a:spcAft>
+                <a:spcPts val="600"/>
+              </a:spcAft>
+            </a:pPr>
+            <a:r>
+              <a:rPr lang="en-US" dirty="0" smtClean="0"/>
+              <a:t>Real-time operating systems</a:t>
+            </a:r>
             <a:endParaRPr lang="en-US" dirty="0"/>
+          </a:p>
+          <a:p>
+            <a:endParaRPr lang="en-US" dirty="0" smtClean="0"/>
           </a:p>
         </p:txBody>
       </p:sp>
@@ -7037,6 +7130,60 @@
           </a:p>
         </p:txBody>
       </p:sp>
+      <p:pic>
+        <p:nvPicPr>
+          <p:cNvPr id="5" name="Picture 14" descr="http://wrtassoc.com/wp-content/uploads/2010/01/iPad-w-hands.jpg"/>
+          <p:cNvPicPr>
+            <a:picLocks noChangeAspect="1" noChangeArrowheads="1"/>
+          </p:cNvPicPr>
+          <p:nvPr/>
+        </p:nvPicPr>
+        <p:blipFill>
+          <a:blip r:embed="rId2" cstate="print">
+            <a:extLst>
+              <a:ext uri="{28A0092B-C50C-407E-A947-70E740481C1C}">
+                <a14:useLocalDpi xmlns:a14="http://schemas.microsoft.com/office/drawing/2010/main" val="0"/>
+              </a:ext>
+            </a:extLst>
+          </a:blip>
+          <a:srcRect/>
+          <a:stretch>
+            <a:fillRect/>
+          </a:stretch>
+        </p:blipFill>
+        <p:spPr bwMode="auto">
+          <a:xfrm>
+            <a:off x="7840663" y="1697847"/>
+            <a:ext cx="3362325" cy="3743325"/>
+          </a:xfrm>
+          <a:prstGeom prst="rect">
+            <a:avLst/>
+          </a:prstGeom>
+          <a:noFill/>
+          <a:ln>
+            <a:noFill/>
+          </a:ln>
+          <a:extLst>
+            <a:ext uri="{909E8E84-426E-40DD-AFC4-6F175D3DCCD1}">
+              <a14:hiddenFill xmlns:a14="http://schemas.microsoft.com/office/drawing/2010/main">
+                <a:solidFill>
+                  <a:srgbClr val="FFFFFF"/>
+                </a:solidFill>
+              </a14:hiddenFill>
+            </a:ext>
+            <a:ext uri="{91240B29-F687-4F45-9708-019B960494DF}">
+              <a14:hiddenLine xmlns:a14="http://schemas.microsoft.com/office/drawing/2010/main" w="9525">
+                <a:solidFill>
+                  <a:srgbClr val="000000"/>
+                </a:solidFill>
+                <a:miter lim="800000"/>
+                <a:headEnd/>
+                <a:tailEnd/>
+              </a14:hiddenLine>
+            </a:ext>
+          </a:extLst>
+        </p:spPr>
+      </p:pic>
     </p:spTree>
     <p:extLst>
       <p:ext uri="{BB962C8B-B14F-4D97-AF65-F5344CB8AC3E}">
@@ -7074,67 +7221,60 @@
           <a:chExt cx="0" cy="0"/>
         </a:xfrm>
       </p:grpSpPr>
-      <p:sp>
-        <p:nvSpPr>
-          <p:cNvPr id="2" name="Content Placeholder 1"/>
-          <p:cNvSpPr>
-            <a:spLocks noGrp="1"/>
-          </p:cNvSpPr>
-          <p:nvPr>
-            <p:ph idx="1"/>
-          </p:nvPr>
-        </p:nvSpPr>
-        <p:spPr>
+      <p:pic>
+        <p:nvPicPr>
+          <p:cNvPr id="8" name="Picture 43"/>
+          <p:cNvPicPr>
+            <a:picLocks noChangeAspect="1" noChangeArrowheads="1"/>
+          </p:cNvPicPr>
+          <p:nvPr/>
+        </p:nvPicPr>
+        <p:blipFill>
+          <a:blip r:embed="rId2">
+            <a:extLst>
+              <a:ext uri="{28A0092B-C50C-407E-A947-70E740481C1C}">
+                <a14:useLocalDpi xmlns:a14="http://schemas.microsoft.com/office/drawing/2010/main" val="0"/>
+              </a:ext>
+            </a:extLst>
+          </a:blip>
+          <a:srcRect/>
+          <a:stretch>
+            <a:fillRect/>
+          </a:stretch>
+        </p:blipFill>
+        <p:spPr bwMode="auto">
           <a:xfrm>
-            <a:off x="838200" y="1178053"/>
-            <a:ext cx="6407426" cy="4997896"/>
+            <a:off x="5406521" y="1144614"/>
+            <a:ext cx="5962810" cy="2608606"/>
           </a:xfrm>
+          <a:prstGeom prst="rect">
+            <a:avLst/>
+          </a:prstGeom>
+          <a:noFill/>
+          <a:ln>
+            <a:noFill/>
+          </a:ln>
+          <a:extLst>
+            <a:ext uri="{909E8E84-426E-40DD-AFC4-6F175D3DCCD1}">
+              <a14:hiddenFill xmlns:a14="http://schemas.microsoft.com/office/drawing/2010/main">
+                <a:solidFill>
+                  <a:srgbClr val="FFFFFF"/>
+                </a:solidFill>
+              </a14:hiddenFill>
+            </a:ext>
+            <a:ext uri="{91240B29-F687-4F45-9708-019B960494DF}">
+              <a14:hiddenLine xmlns:a14="http://schemas.microsoft.com/office/drawing/2010/main" w="9525">
+                <a:solidFill>
+                  <a:srgbClr val="000000"/>
+                </a:solidFill>
+                <a:miter lim="800000"/>
+                <a:headEnd/>
+                <a:tailEnd/>
+              </a14:hiddenLine>
+            </a:ext>
+          </a:extLst>
         </p:spPr>
-        <p:txBody>
-          <a:bodyPr/>
-          <a:lstStyle/>
-          <a:p>
-            <a:pPr>
-              <a:spcBef>
-                <a:spcPct val="20000"/>
-              </a:spcBef>
-            </a:pPr>
-            <a:r>
-              <a:rPr lang="en-US"/>
-              <a:t>Cofounded Intel in 1968 with Robert Noyce. </a:t>
-            </a:r>
-          </a:p>
-          <a:p>
-            <a:pPr>
-              <a:spcBef>
-                <a:spcPct val="20000"/>
-              </a:spcBef>
-            </a:pPr>
-            <a:r>
-              <a:rPr lang="en-US" b="1"/>
-              <a:t>Moore’s Law:</a:t>
-            </a:r>
-            <a:r>
-              <a:rPr lang="en-US"/>
-              <a:t> number of transistors on a computer chip doubles every year (observed in 1965)</a:t>
-            </a:r>
-          </a:p>
-          <a:p>
-            <a:pPr>
-              <a:spcBef>
-                <a:spcPct val="20000"/>
-              </a:spcBef>
-            </a:pPr>
-            <a:r>
-              <a:rPr lang="en-US"/>
-              <a:t>Since 1975, transistor counts have doubled every two years.</a:t>
-            </a:r>
-          </a:p>
-          <a:p>
-            <a:endParaRPr lang="en-US"/>
-          </a:p>
-        </p:txBody>
-      </p:sp>
+      </p:pic>
       <p:sp>
         <p:nvSpPr>
           <p:cNvPr id="3" name="Slide Number Placeholder 2"/>
@@ -7176,85 +7316,2173 @@
           <a:lstStyle/>
           <a:p>
             <a:r>
-              <a:rPr lang="en-US" smtClean="0"/>
-              <a:t>Gordon Moore</a:t>
-            </a:r>
-            <a:endParaRPr lang="en-US"/>
+              <a:rPr lang="en-US" dirty="0" smtClean="0"/>
+              <a:t>Technology Trends</a:t>
+            </a:r>
+            <a:endParaRPr lang="en-US" dirty="0"/>
           </a:p>
         </p:txBody>
       </p:sp>
-      <p:pic>
-        <p:nvPicPr>
-          <p:cNvPr id="5" name="Picture 7"/>
-          <p:cNvPicPr>
-            <a:picLocks noChangeAspect="1" noChangeArrowheads="1"/>
-          </p:cNvPicPr>
-          <p:nvPr>
-            <p:custDataLst>
-              <p:tags r:id="rId1"/>
-            </p:custDataLst>
-          </p:nvPr>
-        </p:nvPicPr>
-        <p:blipFill>
-          <a:blip r:embed="rId3">
-            <a:extLst>
-              <a:ext uri="{28A0092B-C50C-407E-A947-70E740481C1C}">
-                <a14:useLocalDpi xmlns:a14="http://schemas.microsoft.com/office/drawing/2010/main" val="0"/>
-              </a:ext>
-            </a:extLst>
-          </a:blip>
-          <a:srcRect/>
-          <a:stretch>
-            <a:fillRect/>
-          </a:stretch>
-        </p:blipFill>
-        <p:spPr bwMode="auto">
+      <p:sp>
+        <p:nvSpPr>
+          <p:cNvPr id="5" name="Rectangle 3"/>
+          <p:cNvSpPr txBox="1">
+            <a:spLocks noChangeArrowheads="1"/>
+          </p:cNvSpPr>
+          <p:nvPr/>
+        </p:nvSpPr>
+        <p:spPr>
           <a:xfrm>
-            <a:off x="7759781" y="1288774"/>
-            <a:ext cx="3016250" cy="4295775"/>
+            <a:off x="798512" y="1074738"/>
+            <a:ext cx="4675187" cy="2905022"/>
           </a:xfrm>
           <a:prstGeom prst="rect">
             <a:avLst/>
           </a:prstGeom>
-          <a:noFill/>
-          <a:ln>
-            <a:noFill/>
+        </p:spPr>
+        <p:txBody>
+          <a:bodyPr vert="horz" lIns="91440" tIns="45720" rIns="91440" bIns="45720" rtlCol="0">
+            <a:normAutofit/>
+          </a:bodyPr>
+          <a:lstStyle>
+            <a:lvl1pPr marL="228600" indent="-228600" algn="l" defTabSz="914400" rtl="0" eaLnBrk="1" latinLnBrk="0" hangingPunct="1">
+              <a:lnSpc>
+                <a:spcPct val="90000"/>
+              </a:lnSpc>
+              <a:spcBef>
+                <a:spcPts val="1000"/>
+              </a:spcBef>
+              <a:buFont typeface="Wingdings" pitchFamily="2" charset="2"/>
+              <a:buChar char="§"/>
+              <a:defRPr sz="3600" kern="1200">
+                <a:solidFill>
+                  <a:srgbClr val="273272"/>
+                </a:solidFill>
+                <a:latin typeface="+mn-lt"/>
+                <a:ea typeface="+mn-ea"/>
+                <a:cs typeface="+mn-cs"/>
+              </a:defRPr>
+            </a:lvl1pPr>
+            <a:lvl2pPr marL="685800" indent="-228600" algn="l" defTabSz="914400" rtl="0" eaLnBrk="1" latinLnBrk="0" hangingPunct="1">
+              <a:lnSpc>
+                <a:spcPct val="90000"/>
+              </a:lnSpc>
+              <a:spcBef>
+                <a:spcPts val="500"/>
+              </a:spcBef>
+              <a:buClr>
+                <a:srgbClr val="F7B217"/>
+              </a:buClr>
+              <a:buFont typeface="Wingdings" pitchFamily="2" charset="2"/>
+              <a:buChar char="§"/>
+              <a:defRPr sz="3200" kern="1200">
+                <a:solidFill>
+                  <a:srgbClr val="273272"/>
+                </a:solidFill>
+                <a:latin typeface="+mn-lt"/>
+                <a:ea typeface="+mn-ea"/>
+                <a:cs typeface="+mn-cs"/>
+              </a:defRPr>
+            </a:lvl2pPr>
+            <a:lvl3pPr marL="1143000" indent="-228600" algn="l" defTabSz="914400" rtl="0" eaLnBrk="1" latinLnBrk="0" hangingPunct="1">
+              <a:lnSpc>
+                <a:spcPct val="90000"/>
+              </a:lnSpc>
+              <a:spcBef>
+                <a:spcPts val="500"/>
+              </a:spcBef>
+              <a:buFont typeface="Wingdings" pitchFamily="2" charset="2"/>
+              <a:buChar char="§"/>
+              <a:defRPr sz="2400" kern="1200">
+                <a:solidFill>
+                  <a:srgbClr val="273272"/>
+                </a:solidFill>
+                <a:latin typeface="+mn-lt"/>
+                <a:ea typeface="+mn-ea"/>
+                <a:cs typeface="+mn-cs"/>
+              </a:defRPr>
+            </a:lvl3pPr>
+            <a:lvl4pPr marL="1600200" indent="-228600" algn="l" defTabSz="914400" rtl="0" eaLnBrk="1" latinLnBrk="0" hangingPunct="1">
+              <a:lnSpc>
+                <a:spcPct val="90000"/>
+              </a:lnSpc>
+              <a:spcBef>
+                <a:spcPts val="500"/>
+              </a:spcBef>
+              <a:buFont typeface="Arial" panose="020B0604020202020204" pitchFamily="34" charset="0"/>
+              <a:buChar char="•"/>
+              <a:defRPr sz="2000" kern="1200">
+                <a:solidFill>
+                  <a:srgbClr val="273272"/>
+                </a:solidFill>
+                <a:latin typeface="+mn-lt"/>
+                <a:ea typeface="+mn-ea"/>
+                <a:cs typeface="+mn-cs"/>
+              </a:defRPr>
+            </a:lvl4pPr>
+            <a:lvl5pPr marL="2057400" indent="-228600" algn="l" defTabSz="914400" rtl="0" eaLnBrk="1" latinLnBrk="0" hangingPunct="1">
+              <a:lnSpc>
+                <a:spcPct val="90000"/>
+              </a:lnSpc>
+              <a:spcBef>
+                <a:spcPts val="500"/>
+              </a:spcBef>
+              <a:buFont typeface="Arial" panose="020B0604020202020204" pitchFamily="34" charset="0"/>
+              <a:buChar char="•"/>
+              <a:defRPr sz="1800" kern="1200">
+                <a:solidFill>
+                  <a:srgbClr val="273272"/>
+                </a:solidFill>
+                <a:latin typeface="+mn-lt"/>
+                <a:ea typeface="+mn-ea"/>
+                <a:cs typeface="+mn-cs"/>
+              </a:defRPr>
+            </a:lvl5pPr>
+            <a:lvl6pPr marL="2514600" indent="-228600" algn="l" defTabSz="914400" rtl="0" eaLnBrk="1" latinLnBrk="0" hangingPunct="1">
+              <a:lnSpc>
+                <a:spcPct val="90000"/>
+              </a:lnSpc>
+              <a:spcBef>
+                <a:spcPts val="500"/>
+              </a:spcBef>
+              <a:buFont typeface="Arial" panose="020B0604020202020204" pitchFamily="34" charset="0"/>
+              <a:buChar char="•"/>
+              <a:defRPr sz="1800" kern="1200">
+                <a:solidFill>
+                  <a:schemeClr val="tx1"/>
+                </a:solidFill>
+                <a:latin typeface="+mn-lt"/>
+                <a:ea typeface="+mn-ea"/>
+                <a:cs typeface="+mn-cs"/>
+              </a:defRPr>
+            </a:lvl6pPr>
+            <a:lvl7pPr marL="2971800" indent="-228600" algn="l" defTabSz="914400" rtl="0" eaLnBrk="1" latinLnBrk="0" hangingPunct="1">
+              <a:lnSpc>
+                <a:spcPct val="90000"/>
+              </a:lnSpc>
+              <a:spcBef>
+                <a:spcPts val="500"/>
+              </a:spcBef>
+              <a:buFont typeface="Arial" panose="020B0604020202020204" pitchFamily="34" charset="0"/>
+              <a:buChar char="•"/>
+              <a:defRPr sz="1800" kern="1200">
+                <a:solidFill>
+                  <a:schemeClr val="tx1"/>
+                </a:solidFill>
+                <a:latin typeface="+mn-lt"/>
+                <a:ea typeface="+mn-ea"/>
+                <a:cs typeface="+mn-cs"/>
+              </a:defRPr>
+            </a:lvl7pPr>
+            <a:lvl8pPr marL="3429000" indent="-228600" algn="l" defTabSz="914400" rtl="0" eaLnBrk="1" latinLnBrk="0" hangingPunct="1">
+              <a:lnSpc>
+                <a:spcPct val="90000"/>
+              </a:lnSpc>
+              <a:spcBef>
+                <a:spcPts val="500"/>
+              </a:spcBef>
+              <a:buFont typeface="Arial" panose="020B0604020202020204" pitchFamily="34" charset="0"/>
+              <a:buChar char="•"/>
+              <a:defRPr sz="1800" kern="1200">
+                <a:solidFill>
+                  <a:schemeClr val="tx1"/>
+                </a:solidFill>
+                <a:latin typeface="+mn-lt"/>
+                <a:ea typeface="+mn-ea"/>
+                <a:cs typeface="+mn-cs"/>
+              </a:defRPr>
+            </a:lvl8pPr>
+            <a:lvl9pPr marL="3886200" indent="-228600" algn="l" defTabSz="914400" rtl="0" eaLnBrk="1" latinLnBrk="0" hangingPunct="1">
+              <a:lnSpc>
+                <a:spcPct val="90000"/>
+              </a:lnSpc>
+              <a:spcBef>
+                <a:spcPts val="500"/>
+              </a:spcBef>
+              <a:buFont typeface="Arial" panose="020B0604020202020204" pitchFamily="34" charset="0"/>
+              <a:buChar char="•"/>
+              <a:defRPr sz="1800" kern="1200">
+                <a:solidFill>
+                  <a:schemeClr val="tx1"/>
+                </a:solidFill>
+                <a:latin typeface="+mn-lt"/>
+                <a:ea typeface="+mn-ea"/>
+                <a:cs typeface="+mn-cs"/>
+              </a:defRPr>
+            </a:lvl9pPr>
+          </a:lstStyle>
+          <a:p>
+            <a:r>
+              <a:rPr lang="en-AU" altLang="en-US" dirty="0" smtClean="0"/>
+              <a:t>Electronics technology continues to evolve</a:t>
+            </a:r>
+          </a:p>
+          <a:p>
+            <a:pPr lvl="1"/>
+            <a:r>
+              <a:rPr lang="en-AU" altLang="en-US" dirty="0" smtClean="0"/>
+              <a:t>Increased capacity and performance</a:t>
+            </a:r>
+          </a:p>
+          <a:p>
+            <a:pPr lvl="1"/>
+            <a:r>
+              <a:rPr lang="en-AU" altLang="en-US" dirty="0" smtClean="0"/>
+              <a:t>Reduced cost</a:t>
+            </a:r>
+          </a:p>
+        </p:txBody>
+      </p:sp>
+      <p:sp>
+        <p:nvSpPr>
+          <p:cNvPr id="7" name="Text Box 89"/>
+          <p:cNvSpPr txBox="1">
+            <a:spLocks noChangeArrowheads="1"/>
+          </p:cNvSpPr>
+          <p:nvPr/>
+        </p:nvSpPr>
+        <p:spPr bwMode="auto">
+          <a:xfrm>
+            <a:off x="7467982" y="1074738"/>
+            <a:ext cx="2450718" cy="461665"/>
+          </a:xfrm>
+          <a:prstGeom prst="rect">
+            <a:avLst/>
+          </a:prstGeom>
+          <a:solidFill>
+            <a:srgbClr val="2F5CB5"/>
+          </a:solidFill>
+          <a:ln w="9525">
+            <a:solidFill>
+              <a:schemeClr val="tx1"/>
+            </a:solidFill>
+            <a:miter lim="800000"/>
+            <a:headEnd/>
+            <a:tailEnd/>
           </a:ln>
-          <a:effectLst/>
-          <a:extLst>
-            <a:ext uri="{909E8E84-426E-40DD-AFC4-6F175D3DCCD1}">
-              <a14:hiddenFill xmlns:a14="http://schemas.microsoft.com/office/drawing/2010/main">
-                <a:solidFill>
-                  <a:schemeClr val="accent1"/>
-                </a:solidFill>
-              </a14:hiddenFill>
-            </a:ext>
-            <a:ext uri="{91240B29-F687-4F45-9708-019B960494DF}">
-              <a14:hiddenLine xmlns:a14="http://schemas.microsoft.com/office/drawing/2010/main" w="9525">
+        </p:spPr>
+        <p:txBody>
+          <a:bodyPr wrap="square">
+            <a:spAutoFit/>
+          </a:bodyPr>
+          <a:lstStyle>
+            <a:lvl1pPr>
+              <a:spcBef>
+                <a:spcPct val="20000"/>
+              </a:spcBef>
+              <a:buClr>
+                <a:schemeClr val="folHlink"/>
+              </a:buClr>
+              <a:buSzPct val="60000"/>
+              <a:buFont typeface="Wingdings" panose="05000000000000000000" pitchFamily="2" charset="2"/>
+              <a:buChar char="n"/>
+              <a:defRPr sz="3200">
                 <a:solidFill>
                   <a:schemeClr val="tx1"/>
                 </a:solidFill>
-                <a:miter lim="800000"/>
-                <a:headEnd/>
-                <a:tailEnd/>
-              </a14:hiddenLine>
-            </a:ext>
-            <a:ext uri="{AF507438-7753-43E0-B8FC-AC1667EBCBE1}">
-              <a14:hiddenEffects xmlns:a14="http://schemas.microsoft.com/office/drawing/2010/main">
-                <a:effectLst>
-                  <a:outerShdw dist="35921" dir="2700000" algn="ctr" rotWithShape="0">
-                    <a:schemeClr val="bg2"/>
-                  </a:outerShdw>
-                </a:effectLst>
-              </a14:hiddenEffects>
-            </a:ext>
-          </a:extLst>
-        </p:spPr>
-      </p:pic>
+                <a:latin typeface="Arial" panose="020B0604020202020204" pitchFamily="34" charset="0"/>
+              </a:defRPr>
+            </a:lvl1pPr>
+            <a:lvl2pPr marL="742950" indent="-285750">
+              <a:spcBef>
+                <a:spcPct val="20000"/>
+              </a:spcBef>
+              <a:buClr>
+                <a:schemeClr val="hlink"/>
+              </a:buClr>
+              <a:buSzPct val="55000"/>
+              <a:buFont typeface="Wingdings" panose="05000000000000000000" pitchFamily="2" charset="2"/>
+              <a:buChar char="n"/>
+              <a:defRPr sz="2800">
+                <a:solidFill>
+                  <a:schemeClr val="tx1"/>
+                </a:solidFill>
+                <a:latin typeface="Arial" panose="020B0604020202020204" pitchFamily="34" charset="0"/>
+              </a:defRPr>
+            </a:lvl2pPr>
+            <a:lvl3pPr marL="1143000" indent="-228600">
+              <a:spcBef>
+                <a:spcPct val="20000"/>
+              </a:spcBef>
+              <a:buClr>
+                <a:schemeClr val="folHlink"/>
+              </a:buClr>
+              <a:buSzPct val="50000"/>
+              <a:buFont typeface="Wingdings" panose="05000000000000000000" pitchFamily="2" charset="2"/>
+              <a:buChar char="n"/>
+              <a:defRPr sz="2400">
+                <a:solidFill>
+                  <a:schemeClr val="tx1"/>
+                </a:solidFill>
+                <a:latin typeface="Arial" panose="020B0604020202020204" pitchFamily="34" charset="0"/>
+              </a:defRPr>
+            </a:lvl3pPr>
+            <a:lvl4pPr marL="1600200" indent="-228600">
+              <a:spcBef>
+                <a:spcPct val="20000"/>
+              </a:spcBef>
+              <a:buClr>
+                <a:schemeClr val="accent2"/>
+              </a:buClr>
+              <a:buSzPct val="55000"/>
+              <a:buFont typeface="Wingdings" panose="05000000000000000000" pitchFamily="2" charset="2"/>
+              <a:buChar char="n"/>
+              <a:defRPr sz="2000">
+                <a:solidFill>
+                  <a:schemeClr val="tx1"/>
+                </a:solidFill>
+                <a:latin typeface="Arial" panose="020B0604020202020204" pitchFamily="34" charset="0"/>
+              </a:defRPr>
+            </a:lvl4pPr>
+            <a:lvl5pPr marL="2057400" indent="-228600">
+              <a:spcBef>
+                <a:spcPct val="20000"/>
+              </a:spcBef>
+              <a:buClr>
+                <a:schemeClr val="accent1"/>
+              </a:buClr>
+              <a:buSzPct val="50000"/>
+              <a:buFont typeface="Wingdings" panose="05000000000000000000" pitchFamily="2" charset="2"/>
+              <a:buChar char="n"/>
+              <a:defRPr sz="2000">
+                <a:solidFill>
+                  <a:schemeClr val="tx1"/>
+                </a:solidFill>
+                <a:latin typeface="Arial" panose="020B0604020202020204" pitchFamily="34" charset="0"/>
+              </a:defRPr>
+            </a:lvl5pPr>
+            <a:lvl6pPr marL="2514600" indent="-228600" eaLnBrk="0" fontAlgn="base" hangingPunct="0">
+              <a:spcBef>
+                <a:spcPct val="20000"/>
+              </a:spcBef>
+              <a:spcAft>
+                <a:spcPct val="0"/>
+              </a:spcAft>
+              <a:buClr>
+                <a:schemeClr val="accent1"/>
+              </a:buClr>
+              <a:buSzPct val="50000"/>
+              <a:buFont typeface="Wingdings" panose="05000000000000000000" pitchFamily="2" charset="2"/>
+              <a:buChar char="n"/>
+              <a:defRPr sz="2000">
+                <a:solidFill>
+                  <a:schemeClr val="tx1"/>
+                </a:solidFill>
+                <a:latin typeface="Arial" panose="020B0604020202020204" pitchFamily="34" charset="0"/>
+              </a:defRPr>
+            </a:lvl6pPr>
+            <a:lvl7pPr marL="2971800" indent="-228600" eaLnBrk="0" fontAlgn="base" hangingPunct="0">
+              <a:spcBef>
+                <a:spcPct val="20000"/>
+              </a:spcBef>
+              <a:spcAft>
+                <a:spcPct val="0"/>
+              </a:spcAft>
+              <a:buClr>
+                <a:schemeClr val="accent1"/>
+              </a:buClr>
+              <a:buSzPct val="50000"/>
+              <a:buFont typeface="Wingdings" panose="05000000000000000000" pitchFamily="2" charset="2"/>
+              <a:buChar char="n"/>
+              <a:defRPr sz="2000">
+                <a:solidFill>
+                  <a:schemeClr val="tx1"/>
+                </a:solidFill>
+                <a:latin typeface="Arial" panose="020B0604020202020204" pitchFamily="34" charset="0"/>
+              </a:defRPr>
+            </a:lvl7pPr>
+            <a:lvl8pPr marL="3429000" indent="-228600" eaLnBrk="0" fontAlgn="base" hangingPunct="0">
+              <a:spcBef>
+                <a:spcPct val="20000"/>
+              </a:spcBef>
+              <a:spcAft>
+                <a:spcPct val="0"/>
+              </a:spcAft>
+              <a:buClr>
+                <a:schemeClr val="accent1"/>
+              </a:buClr>
+              <a:buSzPct val="50000"/>
+              <a:buFont typeface="Wingdings" panose="05000000000000000000" pitchFamily="2" charset="2"/>
+              <a:buChar char="n"/>
+              <a:defRPr sz="2000">
+                <a:solidFill>
+                  <a:schemeClr val="tx1"/>
+                </a:solidFill>
+                <a:latin typeface="Arial" panose="020B0604020202020204" pitchFamily="34" charset="0"/>
+              </a:defRPr>
+            </a:lvl8pPr>
+            <a:lvl9pPr marL="3886200" indent="-228600" eaLnBrk="0" fontAlgn="base" hangingPunct="0">
+              <a:spcBef>
+                <a:spcPct val="20000"/>
+              </a:spcBef>
+              <a:spcAft>
+                <a:spcPct val="0"/>
+              </a:spcAft>
+              <a:buClr>
+                <a:schemeClr val="accent1"/>
+              </a:buClr>
+              <a:buSzPct val="50000"/>
+              <a:buFont typeface="Wingdings" panose="05000000000000000000" pitchFamily="2" charset="2"/>
+              <a:buChar char="n"/>
+              <a:defRPr sz="2000">
+                <a:solidFill>
+                  <a:schemeClr val="tx1"/>
+                </a:solidFill>
+                <a:latin typeface="Arial" panose="020B0604020202020204" pitchFamily="34" charset="0"/>
+              </a:defRPr>
+            </a:lvl9pPr>
+          </a:lstStyle>
+          <a:p>
+            <a:pPr algn="ctr">
+              <a:spcBef>
+                <a:spcPct val="0"/>
+              </a:spcBef>
+              <a:buClrTx/>
+              <a:buSzTx/>
+              <a:buFontTx/>
+              <a:buNone/>
+            </a:pPr>
+            <a:r>
+              <a:rPr lang="en-AU" altLang="en-US" sz="2400" b="1" dirty="0" smtClean="0">
+                <a:solidFill>
+                  <a:srgbClr val="F7B217"/>
+                </a:solidFill>
+                <a:latin typeface="+mn-lt"/>
+              </a:rPr>
+              <a:t>Memory capacity</a:t>
+            </a:r>
+            <a:endParaRPr lang="en-AU" altLang="en-US" sz="2400" b="1" dirty="0">
+              <a:solidFill>
+                <a:srgbClr val="F7B217"/>
+              </a:solidFill>
+              <a:latin typeface="+mn-lt"/>
+            </a:endParaRPr>
+          </a:p>
+        </p:txBody>
+      </p:sp>
+      <p:graphicFrame>
+        <p:nvGraphicFramePr>
+          <p:cNvPr id="10" name="Table 9"/>
+          <p:cNvGraphicFramePr>
+            <a:graphicFrameLocks noGrp="1"/>
+          </p:cNvGraphicFramePr>
+          <p:nvPr>
+            <p:extLst>
+              <p:ext uri="{D42A27DB-BD31-4B8C-83A1-F6EECF244321}">
+                <p14:modId xmlns:p14="http://schemas.microsoft.com/office/powerpoint/2010/main" val="1213753623"/>
+              </p:ext>
+            </p:extLst>
+          </p:nvPr>
+        </p:nvGraphicFramePr>
+        <p:xfrm>
+          <a:off x="2137778" y="3879876"/>
+          <a:ext cx="8365122" cy="2742612"/>
+        </p:xfrm>
+        <a:graphic>
+          <a:graphicData uri="http://schemas.openxmlformats.org/drawingml/2006/table">
+            <a:tbl>
+              <a:tblPr>
+                <a:tableStyleId>{2D5ABB26-0587-4C30-8999-92F81FD0307C}</a:tableStyleId>
+              </a:tblPr>
+              <a:tblGrid>
+                <a:gridCol w="1048717"/>
+                <a:gridCol w="3481005"/>
+                <a:gridCol w="3835400"/>
+              </a:tblGrid>
+              <a:tr h="415055">
+                <a:tc>
+                  <a:txBody>
+                    <a:bodyPr/>
+                    <a:lstStyle/>
+                    <a:p>
+                      <a:pPr marL="0" marR="0" lvl="0" indent="0" algn="l" defTabSz="914400" rtl="0" eaLnBrk="1" fontAlgn="base" latinLnBrk="0" hangingPunct="1">
+                        <a:lnSpc>
+                          <a:spcPct val="100000"/>
+                        </a:lnSpc>
+                        <a:spcBef>
+                          <a:spcPct val="20000"/>
+                        </a:spcBef>
+                        <a:spcAft>
+                          <a:spcPct val="0"/>
+                        </a:spcAft>
+                        <a:buClr>
+                          <a:schemeClr val="folHlink"/>
+                        </a:buClr>
+                        <a:buSzPct val="60000"/>
+                        <a:buFont typeface="Wingdings" pitchFamily="2" charset="2"/>
+                        <a:buNone/>
+                        <a:tabLst/>
+                      </a:pPr>
+                      <a:r>
+                        <a:rPr kumimoji="0" lang="en-AU" sz="2400" u="none" strike="noStrike" cap="none" normalizeH="0" baseline="0" dirty="0" smtClean="0">
+                          <a:ln>
+                            <a:solidFill>
+                              <a:srgbClr val="273272"/>
+                            </a:solidFill>
+                          </a:ln>
+                          <a:solidFill>
+                            <a:srgbClr val="1E3272"/>
+                          </a:solidFill>
+                          <a:effectLst/>
+                        </a:rPr>
+                        <a:t>Year</a:t>
+                      </a:r>
+                      <a:endParaRPr kumimoji="0" lang="en-AU" sz="2400" b="1" i="0" u="none" strike="noStrike" cap="none" normalizeH="0" baseline="0" dirty="0" smtClean="0">
+                        <a:ln>
+                          <a:solidFill>
+                            <a:srgbClr val="273272"/>
+                          </a:solidFill>
+                        </a:ln>
+                        <a:solidFill>
+                          <a:srgbClr val="1E3272"/>
+                        </a:solidFill>
+                        <a:effectLst/>
+                        <a:latin typeface="+mn-lt"/>
+                      </a:endParaRPr>
+                    </a:p>
+                  </a:txBody>
+                  <a:tcPr marT="45671" marB="45671" horzOverflow="overflow">
+                    <a:lnL w="38100" cap="flat" cmpd="sng" algn="ctr">
+                      <a:solidFill>
+                        <a:schemeClr val="tx1"/>
+                      </a:solidFill>
+                      <a:prstDash val="solid"/>
+                      <a:round/>
+                      <a:headEnd type="none" w="med" len="med"/>
+                      <a:tailEnd type="none" w="med" len="med"/>
+                    </a:lnL>
+                    <a:lnR w="38100" cap="flat" cmpd="sng" algn="ctr">
+                      <a:solidFill>
+                        <a:schemeClr val="tx1"/>
+                      </a:solidFill>
+                      <a:prstDash val="solid"/>
+                      <a:round/>
+                      <a:headEnd type="none" w="med" len="med"/>
+                      <a:tailEnd type="none" w="med" len="med"/>
+                    </a:lnR>
+                    <a:lnT w="38100" cap="flat" cmpd="sng" algn="ctr">
+                      <a:solidFill>
+                        <a:schemeClr val="tx1"/>
+                      </a:solidFill>
+                      <a:prstDash val="solid"/>
+                      <a:round/>
+                      <a:headEnd type="none" w="med" len="med"/>
+                      <a:tailEnd type="none" w="med" len="med"/>
+                    </a:lnT>
+                    <a:lnB w="38100" cap="flat" cmpd="sng" algn="ctr">
+                      <a:solidFill>
+                        <a:schemeClr val="tx1"/>
+                      </a:solidFill>
+                      <a:prstDash val="solid"/>
+                      <a:round/>
+                      <a:headEnd type="none" w="med" len="med"/>
+                      <a:tailEnd type="none" w="med" len="med"/>
+                    </a:lnB>
+                    <a:solidFill>
+                      <a:srgbClr val="F7B217"/>
+                    </a:solidFill>
+                  </a:tcPr>
+                </a:tc>
+                <a:tc>
+                  <a:txBody>
+                    <a:bodyPr/>
+                    <a:lstStyle/>
+                    <a:p>
+                      <a:pPr marL="0" marR="0" lvl="0" indent="0" algn="l" defTabSz="914400" rtl="0" eaLnBrk="1" fontAlgn="base" latinLnBrk="0" hangingPunct="1">
+                        <a:lnSpc>
+                          <a:spcPct val="100000"/>
+                        </a:lnSpc>
+                        <a:spcBef>
+                          <a:spcPct val="20000"/>
+                        </a:spcBef>
+                        <a:spcAft>
+                          <a:spcPct val="0"/>
+                        </a:spcAft>
+                        <a:buClr>
+                          <a:schemeClr val="folHlink"/>
+                        </a:buClr>
+                        <a:buSzPct val="60000"/>
+                        <a:buFont typeface="Wingdings" pitchFamily="2" charset="2"/>
+                        <a:buNone/>
+                        <a:tabLst/>
+                      </a:pPr>
+                      <a:r>
+                        <a:rPr kumimoji="0" lang="en-AU" sz="2400" u="none" strike="noStrike" cap="none" normalizeH="0" baseline="0" dirty="0" smtClean="0">
+                          <a:ln>
+                            <a:solidFill>
+                              <a:srgbClr val="273272"/>
+                            </a:solidFill>
+                          </a:ln>
+                          <a:solidFill>
+                            <a:srgbClr val="1E3272"/>
+                          </a:solidFill>
+                          <a:effectLst/>
+                        </a:rPr>
+                        <a:t>Technology</a:t>
+                      </a:r>
+                      <a:endParaRPr kumimoji="0" lang="en-AU" sz="2400" b="1" i="0" u="none" strike="noStrike" cap="none" normalizeH="0" baseline="0" dirty="0" smtClean="0">
+                        <a:ln>
+                          <a:solidFill>
+                            <a:srgbClr val="273272"/>
+                          </a:solidFill>
+                        </a:ln>
+                        <a:solidFill>
+                          <a:srgbClr val="1E3272"/>
+                        </a:solidFill>
+                        <a:effectLst/>
+                        <a:latin typeface="+mn-lt"/>
+                      </a:endParaRPr>
+                    </a:p>
+                  </a:txBody>
+                  <a:tcPr marT="45671" marB="45671" horzOverflow="overflow">
+                    <a:lnL w="38100" cap="flat" cmpd="sng" algn="ctr">
+                      <a:solidFill>
+                        <a:schemeClr val="tx1"/>
+                      </a:solidFill>
+                      <a:prstDash val="solid"/>
+                      <a:round/>
+                      <a:headEnd type="none" w="med" len="med"/>
+                      <a:tailEnd type="none" w="med" len="med"/>
+                    </a:lnL>
+                    <a:lnR w="38100" cap="flat" cmpd="sng" algn="ctr">
+                      <a:solidFill>
+                        <a:schemeClr val="tx1"/>
+                      </a:solidFill>
+                      <a:prstDash val="solid"/>
+                      <a:round/>
+                      <a:headEnd type="none" w="med" len="med"/>
+                      <a:tailEnd type="none" w="med" len="med"/>
+                    </a:lnR>
+                    <a:lnT w="38100" cap="flat" cmpd="sng" algn="ctr">
+                      <a:solidFill>
+                        <a:schemeClr val="tx1"/>
+                      </a:solidFill>
+                      <a:prstDash val="solid"/>
+                      <a:round/>
+                      <a:headEnd type="none" w="med" len="med"/>
+                      <a:tailEnd type="none" w="med" len="med"/>
+                    </a:lnT>
+                    <a:lnB w="38100" cap="flat" cmpd="sng" algn="ctr">
+                      <a:solidFill>
+                        <a:schemeClr val="tx1"/>
+                      </a:solidFill>
+                      <a:prstDash val="solid"/>
+                      <a:round/>
+                      <a:headEnd type="none" w="med" len="med"/>
+                      <a:tailEnd type="none" w="med" len="med"/>
+                    </a:lnB>
+                    <a:solidFill>
+                      <a:srgbClr val="F7B217"/>
+                    </a:solidFill>
+                  </a:tcPr>
+                </a:tc>
+                <a:tc>
+                  <a:txBody>
+                    <a:bodyPr/>
+                    <a:lstStyle/>
+                    <a:p>
+                      <a:pPr marL="0" marR="0" lvl="0" indent="0" algn="ctr" defTabSz="914400" rtl="0" eaLnBrk="1" fontAlgn="base" latinLnBrk="0" hangingPunct="1">
+                        <a:lnSpc>
+                          <a:spcPct val="100000"/>
+                        </a:lnSpc>
+                        <a:spcBef>
+                          <a:spcPct val="20000"/>
+                        </a:spcBef>
+                        <a:spcAft>
+                          <a:spcPct val="0"/>
+                        </a:spcAft>
+                        <a:buClr>
+                          <a:schemeClr val="folHlink"/>
+                        </a:buClr>
+                        <a:buSzPct val="60000"/>
+                        <a:buFont typeface="Wingdings" pitchFamily="2" charset="2"/>
+                        <a:buNone/>
+                        <a:tabLst/>
+                      </a:pPr>
+                      <a:r>
+                        <a:rPr kumimoji="0" lang="en-AU" sz="2400" u="none" strike="noStrike" cap="none" normalizeH="0" baseline="0" dirty="0" smtClean="0">
+                          <a:ln>
+                            <a:solidFill>
+                              <a:srgbClr val="273272"/>
+                            </a:solidFill>
+                          </a:ln>
+                          <a:solidFill>
+                            <a:srgbClr val="1E3272"/>
+                          </a:solidFill>
+                          <a:effectLst/>
+                        </a:rPr>
+                        <a:t>Relative performance/cost</a:t>
+                      </a:r>
+                      <a:endParaRPr kumimoji="0" lang="en-AU" sz="2400" b="1" i="0" u="none" strike="noStrike" cap="none" normalizeH="0" baseline="0" dirty="0" smtClean="0">
+                        <a:ln>
+                          <a:solidFill>
+                            <a:srgbClr val="273272"/>
+                          </a:solidFill>
+                        </a:ln>
+                        <a:solidFill>
+                          <a:srgbClr val="1E3272"/>
+                        </a:solidFill>
+                        <a:effectLst/>
+                        <a:latin typeface="+mn-lt"/>
+                      </a:endParaRPr>
+                    </a:p>
+                  </a:txBody>
+                  <a:tcPr marT="45671" marB="45671" horzOverflow="overflow">
+                    <a:lnL w="38100" cap="flat" cmpd="sng" algn="ctr">
+                      <a:solidFill>
+                        <a:schemeClr val="tx1"/>
+                      </a:solidFill>
+                      <a:prstDash val="solid"/>
+                      <a:round/>
+                      <a:headEnd type="none" w="med" len="med"/>
+                      <a:tailEnd type="none" w="med" len="med"/>
+                    </a:lnL>
+                    <a:lnR w="38100" cap="flat" cmpd="sng" algn="ctr">
+                      <a:solidFill>
+                        <a:schemeClr val="tx1"/>
+                      </a:solidFill>
+                      <a:prstDash val="solid"/>
+                      <a:round/>
+                      <a:headEnd type="none" w="med" len="med"/>
+                      <a:tailEnd type="none" w="med" len="med"/>
+                    </a:lnR>
+                    <a:lnT w="38100" cap="flat" cmpd="sng" algn="ctr">
+                      <a:solidFill>
+                        <a:schemeClr val="tx1"/>
+                      </a:solidFill>
+                      <a:prstDash val="solid"/>
+                      <a:round/>
+                      <a:headEnd type="none" w="med" len="med"/>
+                      <a:tailEnd type="none" w="med" len="med"/>
+                    </a:lnT>
+                    <a:lnB w="38100" cap="flat" cmpd="sng" algn="ctr">
+                      <a:solidFill>
+                        <a:schemeClr val="tx1"/>
+                      </a:solidFill>
+                      <a:prstDash val="solid"/>
+                      <a:round/>
+                      <a:headEnd type="none" w="med" len="med"/>
+                      <a:tailEnd type="none" w="med" len="med"/>
+                    </a:lnB>
+                    <a:solidFill>
+                      <a:srgbClr val="F7B217"/>
+                    </a:solidFill>
+                  </a:tcPr>
+                </a:tc>
+              </a:tr>
+              <a:tr h="415055">
+                <a:tc>
+                  <a:txBody>
+                    <a:bodyPr/>
+                    <a:lstStyle/>
+                    <a:p>
+                      <a:pPr marL="0" marR="0" lvl="0" indent="0" algn="l" defTabSz="914400" rtl="0" eaLnBrk="1" fontAlgn="base" latinLnBrk="0" hangingPunct="1">
+                        <a:lnSpc>
+                          <a:spcPct val="100000"/>
+                        </a:lnSpc>
+                        <a:spcBef>
+                          <a:spcPct val="20000"/>
+                        </a:spcBef>
+                        <a:spcAft>
+                          <a:spcPct val="0"/>
+                        </a:spcAft>
+                        <a:buClr>
+                          <a:schemeClr val="folHlink"/>
+                        </a:buClr>
+                        <a:buSzPct val="60000"/>
+                        <a:buFont typeface="Wingdings" pitchFamily="2" charset="2"/>
+                        <a:buNone/>
+                        <a:tabLst/>
+                      </a:pPr>
+                      <a:r>
+                        <a:rPr kumimoji="0" lang="en-AU" sz="2400" u="none" strike="noStrike" cap="none" normalizeH="0" baseline="0" dirty="0" smtClean="0">
+                          <a:ln>
+                            <a:solidFill>
+                              <a:srgbClr val="273272"/>
+                            </a:solidFill>
+                          </a:ln>
+                          <a:solidFill>
+                            <a:srgbClr val="1E3272"/>
+                          </a:solidFill>
+                          <a:effectLst/>
+                        </a:rPr>
+                        <a:t>1951</a:t>
+                      </a:r>
+                      <a:endParaRPr kumimoji="0" lang="en-AU" sz="2400" b="1" i="0" u="none" strike="noStrike" cap="none" normalizeH="0" baseline="0" dirty="0" smtClean="0">
+                        <a:ln>
+                          <a:solidFill>
+                            <a:srgbClr val="273272"/>
+                          </a:solidFill>
+                        </a:ln>
+                        <a:solidFill>
+                          <a:srgbClr val="1E3272"/>
+                        </a:solidFill>
+                        <a:effectLst/>
+                        <a:latin typeface="+mn-lt"/>
+                      </a:endParaRPr>
+                    </a:p>
+                  </a:txBody>
+                  <a:tcPr marT="45671" marB="45671" horzOverflow="overflow">
+                    <a:lnL w="38100" cap="flat" cmpd="sng" algn="ctr">
+                      <a:solidFill>
+                        <a:schemeClr val="tx1"/>
+                      </a:solidFill>
+                      <a:prstDash val="solid"/>
+                      <a:round/>
+                      <a:headEnd type="none" w="med" len="med"/>
+                      <a:tailEnd type="none" w="med" len="med"/>
+                    </a:lnL>
+                    <a:lnR w="38100" cap="flat" cmpd="sng" algn="ctr">
+                      <a:solidFill>
+                        <a:schemeClr val="tx1"/>
+                      </a:solidFill>
+                      <a:prstDash val="solid"/>
+                      <a:round/>
+                      <a:headEnd type="none" w="med" len="med"/>
+                      <a:tailEnd type="none" w="med" len="med"/>
+                    </a:lnR>
+                    <a:lnT w="38100" cap="flat" cmpd="sng" algn="ctr">
+                      <a:solidFill>
+                        <a:schemeClr val="tx1"/>
+                      </a:solidFill>
+                      <a:prstDash val="solid"/>
+                      <a:round/>
+                      <a:headEnd type="none" w="med" len="med"/>
+                      <a:tailEnd type="none" w="med" len="med"/>
+                    </a:lnT>
+                    <a:lnB w="38100" cap="flat" cmpd="sng" algn="ctr">
+                      <a:solidFill>
+                        <a:schemeClr val="tx1"/>
+                      </a:solidFill>
+                      <a:prstDash val="solid"/>
+                      <a:round/>
+                      <a:headEnd type="none" w="med" len="med"/>
+                      <a:tailEnd type="none" w="med" len="med"/>
+                    </a:lnB>
+                    <a:solidFill>
+                      <a:srgbClr val="F7B217"/>
+                    </a:solidFill>
+                  </a:tcPr>
+                </a:tc>
+                <a:tc>
+                  <a:txBody>
+                    <a:bodyPr/>
+                    <a:lstStyle/>
+                    <a:p>
+                      <a:pPr marL="0" marR="0" lvl="0" indent="0" algn="l" defTabSz="914400" rtl="0" eaLnBrk="1" fontAlgn="base" latinLnBrk="0" hangingPunct="1">
+                        <a:lnSpc>
+                          <a:spcPct val="100000"/>
+                        </a:lnSpc>
+                        <a:spcBef>
+                          <a:spcPct val="20000"/>
+                        </a:spcBef>
+                        <a:spcAft>
+                          <a:spcPct val="0"/>
+                        </a:spcAft>
+                        <a:buClr>
+                          <a:schemeClr val="folHlink"/>
+                        </a:buClr>
+                        <a:buSzPct val="60000"/>
+                        <a:buFont typeface="Wingdings" pitchFamily="2" charset="2"/>
+                        <a:buNone/>
+                        <a:tabLst/>
+                      </a:pPr>
+                      <a:r>
+                        <a:rPr kumimoji="0" lang="en-AU" sz="2400" u="none" strike="noStrike" cap="none" normalizeH="0" baseline="0" dirty="0" smtClean="0">
+                          <a:ln>
+                            <a:solidFill>
+                              <a:srgbClr val="273272"/>
+                            </a:solidFill>
+                          </a:ln>
+                          <a:solidFill>
+                            <a:srgbClr val="1E3272"/>
+                          </a:solidFill>
+                          <a:effectLst/>
+                        </a:rPr>
+                        <a:t>Vacuum tube</a:t>
+                      </a:r>
+                      <a:endParaRPr kumimoji="0" lang="en-AU" sz="2400" b="1" i="0" u="none" strike="noStrike" cap="none" normalizeH="0" baseline="0" dirty="0" smtClean="0">
+                        <a:ln>
+                          <a:solidFill>
+                            <a:srgbClr val="273272"/>
+                          </a:solidFill>
+                        </a:ln>
+                        <a:solidFill>
+                          <a:srgbClr val="1E3272"/>
+                        </a:solidFill>
+                        <a:effectLst/>
+                        <a:latin typeface="+mn-lt"/>
+                      </a:endParaRPr>
+                    </a:p>
+                  </a:txBody>
+                  <a:tcPr marT="45671" marB="45671" horzOverflow="overflow">
+                    <a:lnL w="38100" cap="flat" cmpd="sng" algn="ctr">
+                      <a:solidFill>
+                        <a:schemeClr val="tx1"/>
+                      </a:solidFill>
+                      <a:prstDash val="solid"/>
+                      <a:round/>
+                      <a:headEnd type="none" w="med" len="med"/>
+                      <a:tailEnd type="none" w="med" len="med"/>
+                    </a:lnL>
+                    <a:lnR w="38100" cap="flat" cmpd="sng" algn="ctr">
+                      <a:solidFill>
+                        <a:schemeClr val="tx1"/>
+                      </a:solidFill>
+                      <a:prstDash val="solid"/>
+                      <a:round/>
+                      <a:headEnd type="none" w="med" len="med"/>
+                      <a:tailEnd type="none" w="med" len="med"/>
+                    </a:lnR>
+                    <a:lnT w="38100" cap="flat" cmpd="sng" algn="ctr">
+                      <a:solidFill>
+                        <a:schemeClr val="tx1"/>
+                      </a:solidFill>
+                      <a:prstDash val="solid"/>
+                      <a:round/>
+                      <a:headEnd type="none" w="med" len="med"/>
+                      <a:tailEnd type="none" w="med" len="med"/>
+                    </a:lnT>
+                    <a:lnB w="38100" cap="flat" cmpd="sng" algn="ctr">
+                      <a:solidFill>
+                        <a:schemeClr val="tx1"/>
+                      </a:solidFill>
+                      <a:prstDash val="solid"/>
+                      <a:round/>
+                      <a:headEnd type="none" w="med" len="med"/>
+                      <a:tailEnd type="none" w="med" len="med"/>
+                    </a:lnB>
+                    <a:solidFill>
+                      <a:srgbClr val="F7B217"/>
+                    </a:solidFill>
+                  </a:tcPr>
+                </a:tc>
+                <a:tc>
+                  <a:txBody>
+                    <a:bodyPr/>
+                    <a:lstStyle/>
+                    <a:p>
+                      <a:pPr marL="0" marR="0" lvl="0" indent="0" algn="r" defTabSz="914400" rtl="0" eaLnBrk="1" fontAlgn="base" latinLnBrk="0" hangingPunct="1">
+                        <a:lnSpc>
+                          <a:spcPct val="100000"/>
+                        </a:lnSpc>
+                        <a:spcBef>
+                          <a:spcPct val="20000"/>
+                        </a:spcBef>
+                        <a:spcAft>
+                          <a:spcPct val="0"/>
+                        </a:spcAft>
+                        <a:buClr>
+                          <a:schemeClr val="folHlink"/>
+                        </a:buClr>
+                        <a:buSzPct val="60000"/>
+                        <a:buFont typeface="Wingdings" pitchFamily="2" charset="2"/>
+                        <a:buNone/>
+                        <a:tabLst/>
+                      </a:pPr>
+                      <a:r>
+                        <a:rPr kumimoji="0" lang="en-AU" sz="2400" u="none" strike="noStrike" cap="none" normalizeH="0" baseline="0" dirty="0" smtClean="0">
+                          <a:ln>
+                            <a:solidFill>
+                              <a:srgbClr val="273272"/>
+                            </a:solidFill>
+                          </a:ln>
+                          <a:solidFill>
+                            <a:srgbClr val="1E3272"/>
+                          </a:solidFill>
+                          <a:effectLst/>
+                        </a:rPr>
+                        <a:t>1</a:t>
+                      </a:r>
+                      <a:endParaRPr kumimoji="0" lang="en-AU" sz="2400" b="1" i="0" u="none" strike="noStrike" cap="none" normalizeH="0" baseline="0" dirty="0" smtClean="0">
+                        <a:ln>
+                          <a:solidFill>
+                            <a:srgbClr val="273272"/>
+                          </a:solidFill>
+                        </a:ln>
+                        <a:solidFill>
+                          <a:srgbClr val="1E3272"/>
+                        </a:solidFill>
+                        <a:effectLst/>
+                        <a:latin typeface="+mn-lt"/>
+                      </a:endParaRPr>
+                    </a:p>
+                  </a:txBody>
+                  <a:tcPr marT="45671" marB="45671" horzOverflow="overflow">
+                    <a:lnL w="38100" cap="flat" cmpd="sng" algn="ctr">
+                      <a:solidFill>
+                        <a:schemeClr val="tx1"/>
+                      </a:solidFill>
+                      <a:prstDash val="solid"/>
+                      <a:round/>
+                      <a:headEnd type="none" w="med" len="med"/>
+                      <a:tailEnd type="none" w="med" len="med"/>
+                    </a:lnL>
+                    <a:lnR w="38100" cap="flat" cmpd="sng" algn="ctr">
+                      <a:solidFill>
+                        <a:schemeClr val="tx1"/>
+                      </a:solidFill>
+                      <a:prstDash val="solid"/>
+                      <a:round/>
+                      <a:headEnd type="none" w="med" len="med"/>
+                      <a:tailEnd type="none" w="med" len="med"/>
+                    </a:lnR>
+                    <a:lnT w="38100" cap="flat" cmpd="sng" algn="ctr">
+                      <a:solidFill>
+                        <a:schemeClr val="tx1"/>
+                      </a:solidFill>
+                      <a:prstDash val="solid"/>
+                      <a:round/>
+                      <a:headEnd type="none" w="med" len="med"/>
+                      <a:tailEnd type="none" w="med" len="med"/>
+                    </a:lnT>
+                    <a:lnB w="38100" cap="flat" cmpd="sng" algn="ctr">
+                      <a:solidFill>
+                        <a:schemeClr val="tx1"/>
+                      </a:solidFill>
+                      <a:prstDash val="solid"/>
+                      <a:round/>
+                      <a:headEnd type="none" w="med" len="med"/>
+                      <a:tailEnd type="none" w="med" len="med"/>
+                    </a:lnB>
+                    <a:solidFill>
+                      <a:srgbClr val="F7B217"/>
+                    </a:solidFill>
+                  </a:tcPr>
+                </a:tc>
+              </a:tr>
+              <a:tr h="415055">
+                <a:tc>
+                  <a:txBody>
+                    <a:bodyPr/>
+                    <a:lstStyle/>
+                    <a:p>
+                      <a:pPr marL="0" marR="0" lvl="0" indent="0" algn="l" defTabSz="914400" rtl="0" eaLnBrk="1" fontAlgn="base" latinLnBrk="0" hangingPunct="1">
+                        <a:lnSpc>
+                          <a:spcPct val="100000"/>
+                        </a:lnSpc>
+                        <a:spcBef>
+                          <a:spcPct val="20000"/>
+                        </a:spcBef>
+                        <a:spcAft>
+                          <a:spcPct val="0"/>
+                        </a:spcAft>
+                        <a:buClr>
+                          <a:schemeClr val="folHlink"/>
+                        </a:buClr>
+                        <a:buSzPct val="60000"/>
+                        <a:buFont typeface="Wingdings" pitchFamily="2" charset="2"/>
+                        <a:buNone/>
+                        <a:tabLst/>
+                      </a:pPr>
+                      <a:r>
+                        <a:rPr kumimoji="0" lang="en-AU" sz="2400" u="none" strike="noStrike" cap="none" normalizeH="0" baseline="0" dirty="0" smtClean="0">
+                          <a:ln>
+                            <a:solidFill>
+                              <a:srgbClr val="273272"/>
+                            </a:solidFill>
+                          </a:ln>
+                          <a:solidFill>
+                            <a:srgbClr val="1E3272"/>
+                          </a:solidFill>
+                          <a:effectLst/>
+                        </a:rPr>
+                        <a:t>1965</a:t>
+                      </a:r>
+                      <a:endParaRPr kumimoji="0" lang="en-AU" sz="2400" b="1" i="0" u="none" strike="noStrike" cap="none" normalizeH="0" baseline="0" dirty="0" smtClean="0">
+                        <a:ln>
+                          <a:solidFill>
+                            <a:srgbClr val="273272"/>
+                          </a:solidFill>
+                        </a:ln>
+                        <a:solidFill>
+                          <a:srgbClr val="1E3272"/>
+                        </a:solidFill>
+                        <a:effectLst/>
+                        <a:latin typeface="+mn-lt"/>
+                      </a:endParaRPr>
+                    </a:p>
+                  </a:txBody>
+                  <a:tcPr marT="45671" marB="45671" horzOverflow="overflow">
+                    <a:lnL w="38100" cap="flat" cmpd="sng" algn="ctr">
+                      <a:solidFill>
+                        <a:schemeClr val="tx1"/>
+                      </a:solidFill>
+                      <a:prstDash val="solid"/>
+                      <a:round/>
+                      <a:headEnd type="none" w="med" len="med"/>
+                      <a:tailEnd type="none" w="med" len="med"/>
+                    </a:lnL>
+                    <a:lnR w="38100" cap="flat" cmpd="sng" algn="ctr">
+                      <a:solidFill>
+                        <a:schemeClr val="tx1"/>
+                      </a:solidFill>
+                      <a:prstDash val="solid"/>
+                      <a:round/>
+                      <a:headEnd type="none" w="med" len="med"/>
+                      <a:tailEnd type="none" w="med" len="med"/>
+                    </a:lnR>
+                    <a:lnT w="38100" cap="flat" cmpd="sng" algn="ctr">
+                      <a:solidFill>
+                        <a:schemeClr val="tx1"/>
+                      </a:solidFill>
+                      <a:prstDash val="solid"/>
+                      <a:round/>
+                      <a:headEnd type="none" w="med" len="med"/>
+                      <a:tailEnd type="none" w="med" len="med"/>
+                    </a:lnT>
+                    <a:lnB w="38100" cap="flat" cmpd="sng" algn="ctr">
+                      <a:solidFill>
+                        <a:schemeClr val="tx1"/>
+                      </a:solidFill>
+                      <a:prstDash val="solid"/>
+                      <a:round/>
+                      <a:headEnd type="none" w="med" len="med"/>
+                      <a:tailEnd type="none" w="med" len="med"/>
+                    </a:lnB>
+                    <a:solidFill>
+                      <a:srgbClr val="F7B217"/>
+                    </a:solidFill>
+                  </a:tcPr>
+                </a:tc>
+                <a:tc>
+                  <a:txBody>
+                    <a:bodyPr/>
+                    <a:lstStyle/>
+                    <a:p>
+                      <a:pPr marL="0" marR="0" lvl="0" indent="0" algn="l" defTabSz="914400" rtl="0" eaLnBrk="1" fontAlgn="base" latinLnBrk="0" hangingPunct="1">
+                        <a:lnSpc>
+                          <a:spcPct val="100000"/>
+                        </a:lnSpc>
+                        <a:spcBef>
+                          <a:spcPct val="20000"/>
+                        </a:spcBef>
+                        <a:spcAft>
+                          <a:spcPct val="0"/>
+                        </a:spcAft>
+                        <a:buClr>
+                          <a:schemeClr val="folHlink"/>
+                        </a:buClr>
+                        <a:buSzPct val="60000"/>
+                        <a:buFont typeface="Wingdings" pitchFamily="2" charset="2"/>
+                        <a:buNone/>
+                        <a:tabLst/>
+                      </a:pPr>
+                      <a:r>
+                        <a:rPr kumimoji="0" lang="en-AU" sz="2400" u="none" strike="noStrike" cap="none" normalizeH="0" baseline="0" dirty="0" smtClean="0">
+                          <a:ln>
+                            <a:solidFill>
+                              <a:srgbClr val="273272"/>
+                            </a:solidFill>
+                          </a:ln>
+                          <a:solidFill>
+                            <a:srgbClr val="1E3272"/>
+                          </a:solidFill>
+                          <a:effectLst/>
+                        </a:rPr>
+                        <a:t>Transistor</a:t>
+                      </a:r>
+                      <a:endParaRPr kumimoji="0" lang="en-AU" sz="2400" b="1" i="0" u="none" strike="noStrike" cap="none" normalizeH="0" baseline="0" dirty="0" smtClean="0">
+                        <a:ln>
+                          <a:solidFill>
+                            <a:srgbClr val="273272"/>
+                          </a:solidFill>
+                        </a:ln>
+                        <a:solidFill>
+                          <a:srgbClr val="1E3272"/>
+                        </a:solidFill>
+                        <a:effectLst/>
+                        <a:latin typeface="+mn-lt"/>
+                      </a:endParaRPr>
+                    </a:p>
+                  </a:txBody>
+                  <a:tcPr marT="45671" marB="45671" horzOverflow="overflow">
+                    <a:lnL w="38100" cap="flat" cmpd="sng" algn="ctr">
+                      <a:solidFill>
+                        <a:schemeClr val="tx1"/>
+                      </a:solidFill>
+                      <a:prstDash val="solid"/>
+                      <a:round/>
+                      <a:headEnd type="none" w="med" len="med"/>
+                      <a:tailEnd type="none" w="med" len="med"/>
+                    </a:lnL>
+                    <a:lnR w="38100" cap="flat" cmpd="sng" algn="ctr">
+                      <a:solidFill>
+                        <a:schemeClr val="tx1"/>
+                      </a:solidFill>
+                      <a:prstDash val="solid"/>
+                      <a:round/>
+                      <a:headEnd type="none" w="med" len="med"/>
+                      <a:tailEnd type="none" w="med" len="med"/>
+                    </a:lnR>
+                    <a:lnT w="38100" cap="flat" cmpd="sng" algn="ctr">
+                      <a:solidFill>
+                        <a:schemeClr val="tx1"/>
+                      </a:solidFill>
+                      <a:prstDash val="solid"/>
+                      <a:round/>
+                      <a:headEnd type="none" w="med" len="med"/>
+                      <a:tailEnd type="none" w="med" len="med"/>
+                    </a:lnT>
+                    <a:lnB w="38100" cap="flat" cmpd="sng" algn="ctr">
+                      <a:solidFill>
+                        <a:schemeClr val="tx1"/>
+                      </a:solidFill>
+                      <a:prstDash val="solid"/>
+                      <a:round/>
+                      <a:headEnd type="none" w="med" len="med"/>
+                      <a:tailEnd type="none" w="med" len="med"/>
+                    </a:lnB>
+                    <a:solidFill>
+                      <a:srgbClr val="F7B217"/>
+                    </a:solidFill>
+                  </a:tcPr>
+                </a:tc>
+                <a:tc>
+                  <a:txBody>
+                    <a:bodyPr/>
+                    <a:lstStyle/>
+                    <a:p>
+                      <a:pPr marL="0" marR="0" lvl="0" indent="0" algn="r" defTabSz="914400" rtl="0" eaLnBrk="1" fontAlgn="base" latinLnBrk="0" hangingPunct="1">
+                        <a:lnSpc>
+                          <a:spcPct val="100000"/>
+                        </a:lnSpc>
+                        <a:spcBef>
+                          <a:spcPct val="20000"/>
+                        </a:spcBef>
+                        <a:spcAft>
+                          <a:spcPct val="0"/>
+                        </a:spcAft>
+                        <a:buClr>
+                          <a:schemeClr val="folHlink"/>
+                        </a:buClr>
+                        <a:buSzPct val="60000"/>
+                        <a:buFont typeface="Wingdings" pitchFamily="2" charset="2"/>
+                        <a:buNone/>
+                        <a:tabLst/>
+                      </a:pPr>
+                      <a:r>
+                        <a:rPr kumimoji="0" lang="en-AU" sz="2400" u="none" strike="noStrike" cap="none" normalizeH="0" baseline="0" dirty="0" smtClean="0">
+                          <a:ln>
+                            <a:solidFill>
+                              <a:srgbClr val="273272"/>
+                            </a:solidFill>
+                          </a:ln>
+                          <a:solidFill>
+                            <a:srgbClr val="1E3272"/>
+                          </a:solidFill>
+                          <a:effectLst/>
+                        </a:rPr>
+                        <a:t>35</a:t>
+                      </a:r>
+                      <a:endParaRPr kumimoji="0" lang="en-AU" sz="2400" b="1" i="0" u="none" strike="noStrike" cap="none" normalizeH="0" baseline="0" dirty="0" smtClean="0">
+                        <a:ln>
+                          <a:solidFill>
+                            <a:srgbClr val="273272"/>
+                          </a:solidFill>
+                        </a:ln>
+                        <a:solidFill>
+                          <a:srgbClr val="1E3272"/>
+                        </a:solidFill>
+                        <a:effectLst/>
+                        <a:latin typeface="+mn-lt"/>
+                      </a:endParaRPr>
+                    </a:p>
+                  </a:txBody>
+                  <a:tcPr marT="45671" marB="45671" horzOverflow="overflow">
+                    <a:lnL w="38100" cap="flat" cmpd="sng" algn="ctr">
+                      <a:solidFill>
+                        <a:schemeClr val="tx1"/>
+                      </a:solidFill>
+                      <a:prstDash val="solid"/>
+                      <a:round/>
+                      <a:headEnd type="none" w="med" len="med"/>
+                      <a:tailEnd type="none" w="med" len="med"/>
+                    </a:lnL>
+                    <a:lnR w="38100" cap="flat" cmpd="sng" algn="ctr">
+                      <a:solidFill>
+                        <a:schemeClr val="tx1"/>
+                      </a:solidFill>
+                      <a:prstDash val="solid"/>
+                      <a:round/>
+                      <a:headEnd type="none" w="med" len="med"/>
+                      <a:tailEnd type="none" w="med" len="med"/>
+                    </a:lnR>
+                    <a:lnT w="38100" cap="flat" cmpd="sng" algn="ctr">
+                      <a:solidFill>
+                        <a:schemeClr val="tx1"/>
+                      </a:solidFill>
+                      <a:prstDash val="solid"/>
+                      <a:round/>
+                      <a:headEnd type="none" w="med" len="med"/>
+                      <a:tailEnd type="none" w="med" len="med"/>
+                    </a:lnT>
+                    <a:lnB w="38100" cap="flat" cmpd="sng" algn="ctr">
+                      <a:solidFill>
+                        <a:schemeClr val="tx1"/>
+                      </a:solidFill>
+                      <a:prstDash val="solid"/>
+                      <a:round/>
+                      <a:headEnd type="none" w="med" len="med"/>
+                      <a:tailEnd type="none" w="med" len="med"/>
+                    </a:lnB>
+                    <a:solidFill>
+                      <a:srgbClr val="F7B217"/>
+                    </a:solidFill>
+                  </a:tcPr>
+                </a:tc>
+              </a:tr>
+              <a:tr h="415055">
+                <a:tc>
+                  <a:txBody>
+                    <a:bodyPr/>
+                    <a:lstStyle/>
+                    <a:p>
+                      <a:pPr marL="0" marR="0" lvl="0" indent="0" algn="l" defTabSz="914400" rtl="0" eaLnBrk="1" fontAlgn="base" latinLnBrk="0" hangingPunct="1">
+                        <a:lnSpc>
+                          <a:spcPct val="100000"/>
+                        </a:lnSpc>
+                        <a:spcBef>
+                          <a:spcPct val="20000"/>
+                        </a:spcBef>
+                        <a:spcAft>
+                          <a:spcPct val="0"/>
+                        </a:spcAft>
+                        <a:buClr>
+                          <a:schemeClr val="folHlink"/>
+                        </a:buClr>
+                        <a:buSzPct val="60000"/>
+                        <a:buFont typeface="Wingdings" pitchFamily="2" charset="2"/>
+                        <a:buNone/>
+                        <a:tabLst/>
+                      </a:pPr>
+                      <a:r>
+                        <a:rPr kumimoji="0" lang="en-AU" sz="2400" u="none" strike="noStrike" cap="none" normalizeH="0" baseline="0" dirty="0" smtClean="0">
+                          <a:ln>
+                            <a:solidFill>
+                              <a:srgbClr val="273272"/>
+                            </a:solidFill>
+                          </a:ln>
+                          <a:solidFill>
+                            <a:srgbClr val="1E3272"/>
+                          </a:solidFill>
+                          <a:effectLst/>
+                        </a:rPr>
+                        <a:t>1975</a:t>
+                      </a:r>
+                      <a:endParaRPr kumimoji="0" lang="en-AU" sz="2400" b="1" i="0" u="none" strike="noStrike" cap="none" normalizeH="0" baseline="0" dirty="0" smtClean="0">
+                        <a:ln>
+                          <a:solidFill>
+                            <a:srgbClr val="273272"/>
+                          </a:solidFill>
+                        </a:ln>
+                        <a:solidFill>
+                          <a:srgbClr val="1E3272"/>
+                        </a:solidFill>
+                        <a:effectLst/>
+                        <a:latin typeface="+mn-lt"/>
+                      </a:endParaRPr>
+                    </a:p>
+                  </a:txBody>
+                  <a:tcPr marT="45671" marB="45671" horzOverflow="overflow">
+                    <a:lnL w="38100" cap="flat" cmpd="sng" algn="ctr">
+                      <a:solidFill>
+                        <a:schemeClr val="tx1"/>
+                      </a:solidFill>
+                      <a:prstDash val="solid"/>
+                      <a:round/>
+                      <a:headEnd type="none" w="med" len="med"/>
+                      <a:tailEnd type="none" w="med" len="med"/>
+                    </a:lnL>
+                    <a:lnR w="38100" cap="flat" cmpd="sng" algn="ctr">
+                      <a:solidFill>
+                        <a:schemeClr val="tx1"/>
+                      </a:solidFill>
+                      <a:prstDash val="solid"/>
+                      <a:round/>
+                      <a:headEnd type="none" w="med" len="med"/>
+                      <a:tailEnd type="none" w="med" len="med"/>
+                    </a:lnR>
+                    <a:lnT w="38100" cap="flat" cmpd="sng" algn="ctr">
+                      <a:solidFill>
+                        <a:schemeClr val="tx1"/>
+                      </a:solidFill>
+                      <a:prstDash val="solid"/>
+                      <a:round/>
+                      <a:headEnd type="none" w="med" len="med"/>
+                      <a:tailEnd type="none" w="med" len="med"/>
+                    </a:lnT>
+                    <a:lnB w="38100" cap="flat" cmpd="sng" algn="ctr">
+                      <a:solidFill>
+                        <a:schemeClr val="tx1"/>
+                      </a:solidFill>
+                      <a:prstDash val="solid"/>
+                      <a:round/>
+                      <a:headEnd type="none" w="med" len="med"/>
+                      <a:tailEnd type="none" w="med" len="med"/>
+                    </a:lnB>
+                    <a:solidFill>
+                      <a:srgbClr val="F7B217"/>
+                    </a:solidFill>
+                  </a:tcPr>
+                </a:tc>
+                <a:tc>
+                  <a:txBody>
+                    <a:bodyPr/>
+                    <a:lstStyle/>
+                    <a:p>
+                      <a:pPr marL="0" marR="0" lvl="0" indent="0" algn="l" defTabSz="914400" rtl="0" eaLnBrk="1" fontAlgn="base" latinLnBrk="0" hangingPunct="1">
+                        <a:lnSpc>
+                          <a:spcPct val="100000"/>
+                        </a:lnSpc>
+                        <a:spcBef>
+                          <a:spcPct val="20000"/>
+                        </a:spcBef>
+                        <a:spcAft>
+                          <a:spcPct val="0"/>
+                        </a:spcAft>
+                        <a:buClr>
+                          <a:schemeClr val="folHlink"/>
+                        </a:buClr>
+                        <a:buSzPct val="60000"/>
+                        <a:buFont typeface="Wingdings" pitchFamily="2" charset="2"/>
+                        <a:buNone/>
+                        <a:tabLst/>
+                      </a:pPr>
+                      <a:r>
+                        <a:rPr kumimoji="0" lang="en-AU" sz="2400" u="none" strike="noStrike" cap="none" normalizeH="0" baseline="0" dirty="0" smtClean="0">
+                          <a:ln>
+                            <a:solidFill>
+                              <a:srgbClr val="273272"/>
+                            </a:solidFill>
+                          </a:ln>
+                          <a:solidFill>
+                            <a:srgbClr val="1E3272"/>
+                          </a:solidFill>
+                          <a:effectLst/>
+                        </a:rPr>
+                        <a:t>Integrated circuit (IC)</a:t>
+                      </a:r>
+                      <a:endParaRPr kumimoji="0" lang="en-AU" sz="2400" b="1" i="0" u="none" strike="noStrike" cap="none" normalizeH="0" baseline="0" dirty="0" smtClean="0">
+                        <a:ln>
+                          <a:solidFill>
+                            <a:srgbClr val="273272"/>
+                          </a:solidFill>
+                        </a:ln>
+                        <a:solidFill>
+                          <a:srgbClr val="1E3272"/>
+                        </a:solidFill>
+                        <a:effectLst/>
+                        <a:latin typeface="+mn-lt"/>
+                      </a:endParaRPr>
+                    </a:p>
+                  </a:txBody>
+                  <a:tcPr marT="45671" marB="45671" horzOverflow="overflow">
+                    <a:lnL w="38100" cap="flat" cmpd="sng" algn="ctr">
+                      <a:solidFill>
+                        <a:schemeClr val="tx1"/>
+                      </a:solidFill>
+                      <a:prstDash val="solid"/>
+                      <a:round/>
+                      <a:headEnd type="none" w="med" len="med"/>
+                      <a:tailEnd type="none" w="med" len="med"/>
+                    </a:lnL>
+                    <a:lnR w="38100" cap="flat" cmpd="sng" algn="ctr">
+                      <a:solidFill>
+                        <a:schemeClr val="tx1"/>
+                      </a:solidFill>
+                      <a:prstDash val="solid"/>
+                      <a:round/>
+                      <a:headEnd type="none" w="med" len="med"/>
+                      <a:tailEnd type="none" w="med" len="med"/>
+                    </a:lnR>
+                    <a:lnT w="38100" cap="flat" cmpd="sng" algn="ctr">
+                      <a:solidFill>
+                        <a:schemeClr val="tx1"/>
+                      </a:solidFill>
+                      <a:prstDash val="solid"/>
+                      <a:round/>
+                      <a:headEnd type="none" w="med" len="med"/>
+                      <a:tailEnd type="none" w="med" len="med"/>
+                    </a:lnT>
+                    <a:lnB w="38100" cap="flat" cmpd="sng" algn="ctr">
+                      <a:solidFill>
+                        <a:schemeClr val="tx1"/>
+                      </a:solidFill>
+                      <a:prstDash val="solid"/>
+                      <a:round/>
+                      <a:headEnd type="none" w="med" len="med"/>
+                      <a:tailEnd type="none" w="med" len="med"/>
+                    </a:lnB>
+                    <a:solidFill>
+                      <a:srgbClr val="F7B217"/>
+                    </a:solidFill>
+                  </a:tcPr>
+                </a:tc>
+                <a:tc>
+                  <a:txBody>
+                    <a:bodyPr/>
+                    <a:lstStyle/>
+                    <a:p>
+                      <a:pPr marL="0" marR="0" lvl="0" indent="0" algn="r" defTabSz="914400" rtl="0" eaLnBrk="1" fontAlgn="base" latinLnBrk="0" hangingPunct="1">
+                        <a:lnSpc>
+                          <a:spcPct val="100000"/>
+                        </a:lnSpc>
+                        <a:spcBef>
+                          <a:spcPct val="20000"/>
+                        </a:spcBef>
+                        <a:spcAft>
+                          <a:spcPct val="0"/>
+                        </a:spcAft>
+                        <a:buClr>
+                          <a:schemeClr val="folHlink"/>
+                        </a:buClr>
+                        <a:buSzPct val="60000"/>
+                        <a:buFont typeface="Wingdings" pitchFamily="2" charset="2"/>
+                        <a:buNone/>
+                        <a:tabLst/>
+                      </a:pPr>
+                      <a:r>
+                        <a:rPr kumimoji="0" lang="en-AU" sz="2400" u="none" strike="noStrike" cap="none" normalizeH="0" baseline="0" dirty="0" smtClean="0">
+                          <a:ln>
+                            <a:solidFill>
+                              <a:srgbClr val="273272"/>
+                            </a:solidFill>
+                          </a:ln>
+                          <a:solidFill>
+                            <a:srgbClr val="1E3272"/>
+                          </a:solidFill>
+                          <a:effectLst/>
+                        </a:rPr>
+                        <a:t>900</a:t>
+                      </a:r>
+                      <a:endParaRPr kumimoji="0" lang="en-AU" sz="2400" b="1" i="0" u="none" strike="noStrike" cap="none" normalizeH="0" baseline="0" dirty="0" smtClean="0">
+                        <a:ln>
+                          <a:solidFill>
+                            <a:srgbClr val="273272"/>
+                          </a:solidFill>
+                        </a:ln>
+                        <a:solidFill>
+                          <a:srgbClr val="1E3272"/>
+                        </a:solidFill>
+                        <a:effectLst/>
+                        <a:latin typeface="+mn-lt"/>
+                      </a:endParaRPr>
+                    </a:p>
+                  </a:txBody>
+                  <a:tcPr marT="45671" marB="45671" horzOverflow="overflow">
+                    <a:lnL w="38100" cap="flat" cmpd="sng" algn="ctr">
+                      <a:solidFill>
+                        <a:schemeClr val="tx1"/>
+                      </a:solidFill>
+                      <a:prstDash val="solid"/>
+                      <a:round/>
+                      <a:headEnd type="none" w="med" len="med"/>
+                      <a:tailEnd type="none" w="med" len="med"/>
+                    </a:lnL>
+                    <a:lnR w="38100" cap="flat" cmpd="sng" algn="ctr">
+                      <a:solidFill>
+                        <a:schemeClr val="tx1"/>
+                      </a:solidFill>
+                      <a:prstDash val="solid"/>
+                      <a:round/>
+                      <a:headEnd type="none" w="med" len="med"/>
+                      <a:tailEnd type="none" w="med" len="med"/>
+                    </a:lnR>
+                    <a:lnT w="38100" cap="flat" cmpd="sng" algn="ctr">
+                      <a:solidFill>
+                        <a:schemeClr val="tx1"/>
+                      </a:solidFill>
+                      <a:prstDash val="solid"/>
+                      <a:round/>
+                      <a:headEnd type="none" w="med" len="med"/>
+                      <a:tailEnd type="none" w="med" len="med"/>
+                    </a:lnT>
+                    <a:lnB w="38100" cap="flat" cmpd="sng" algn="ctr">
+                      <a:solidFill>
+                        <a:schemeClr val="tx1"/>
+                      </a:solidFill>
+                      <a:prstDash val="solid"/>
+                      <a:round/>
+                      <a:headEnd type="none" w="med" len="med"/>
+                      <a:tailEnd type="none" w="med" len="med"/>
+                    </a:lnB>
+                    <a:solidFill>
+                      <a:srgbClr val="F7B217"/>
+                    </a:solidFill>
+                  </a:tcPr>
+                </a:tc>
+              </a:tr>
+              <a:tr h="415055">
+                <a:tc>
+                  <a:txBody>
+                    <a:bodyPr/>
+                    <a:lstStyle/>
+                    <a:p>
+                      <a:pPr marL="0" marR="0" lvl="0" indent="0" algn="l" defTabSz="914400" rtl="0" eaLnBrk="1" fontAlgn="base" latinLnBrk="0" hangingPunct="1">
+                        <a:lnSpc>
+                          <a:spcPct val="100000"/>
+                        </a:lnSpc>
+                        <a:spcBef>
+                          <a:spcPct val="20000"/>
+                        </a:spcBef>
+                        <a:spcAft>
+                          <a:spcPct val="0"/>
+                        </a:spcAft>
+                        <a:buClr>
+                          <a:schemeClr val="folHlink"/>
+                        </a:buClr>
+                        <a:buSzPct val="60000"/>
+                        <a:buFont typeface="Wingdings" pitchFamily="2" charset="2"/>
+                        <a:buNone/>
+                        <a:tabLst/>
+                      </a:pPr>
+                      <a:r>
+                        <a:rPr kumimoji="0" lang="en-AU" sz="2400" u="none" strike="noStrike" cap="none" normalizeH="0" baseline="0" dirty="0" smtClean="0">
+                          <a:ln>
+                            <a:solidFill>
+                              <a:srgbClr val="273272"/>
+                            </a:solidFill>
+                          </a:ln>
+                          <a:solidFill>
+                            <a:srgbClr val="1E3272"/>
+                          </a:solidFill>
+                          <a:effectLst/>
+                        </a:rPr>
+                        <a:t>1995</a:t>
+                      </a:r>
+                      <a:endParaRPr kumimoji="0" lang="en-AU" sz="2400" b="1" i="0" u="none" strike="noStrike" cap="none" normalizeH="0" baseline="0" dirty="0" smtClean="0">
+                        <a:ln>
+                          <a:solidFill>
+                            <a:srgbClr val="273272"/>
+                          </a:solidFill>
+                        </a:ln>
+                        <a:solidFill>
+                          <a:srgbClr val="1E3272"/>
+                        </a:solidFill>
+                        <a:effectLst/>
+                        <a:latin typeface="+mn-lt"/>
+                      </a:endParaRPr>
+                    </a:p>
+                  </a:txBody>
+                  <a:tcPr marT="45671" marB="45671" horzOverflow="overflow">
+                    <a:lnL w="38100" cap="flat" cmpd="sng" algn="ctr">
+                      <a:solidFill>
+                        <a:schemeClr val="tx1"/>
+                      </a:solidFill>
+                      <a:prstDash val="solid"/>
+                      <a:round/>
+                      <a:headEnd type="none" w="med" len="med"/>
+                      <a:tailEnd type="none" w="med" len="med"/>
+                    </a:lnL>
+                    <a:lnR w="38100" cap="flat" cmpd="sng" algn="ctr">
+                      <a:solidFill>
+                        <a:schemeClr val="tx1"/>
+                      </a:solidFill>
+                      <a:prstDash val="solid"/>
+                      <a:round/>
+                      <a:headEnd type="none" w="med" len="med"/>
+                      <a:tailEnd type="none" w="med" len="med"/>
+                    </a:lnR>
+                    <a:lnT w="38100" cap="flat" cmpd="sng" algn="ctr">
+                      <a:solidFill>
+                        <a:schemeClr val="tx1"/>
+                      </a:solidFill>
+                      <a:prstDash val="solid"/>
+                      <a:round/>
+                      <a:headEnd type="none" w="med" len="med"/>
+                      <a:tailEnd type="none" w="med" len="med"/>
+                    </a:lnT>
+                    <a:lnB w="38100" cap="flat" cmpd="sng" algn="ctr">
+                      <a:solidFill>
+                        <a:schemeClr val="tx1"/>
+                      </a:solidFill>
+                      <a:prstDash val="solid"/>
+                      <a:round/>
+                      <a:headEnd type="none" w="med" len="med"/>
+                      <a:tailEnd type="none" w="med" len="med"/>
+                    </a:lnB>
+                    <a:solidFill>
+                      <a:srgbClr val="F7B217"/>
+                    </a:solidFill>
+                  </a:tcPr>
+                </a:tc>
+                <a:tc>
+                  <a:txBody>
+                    <a:bodyPr/>
+                    <a:lstStyle/>
+                    <a:p>
+                      <a:pPr marL="0" marR="0" lvl="0" indent="0" algn="l" defTabSz="914400" rtl="0" eaLnBrk="1" fontAlgn="base" latinLnBrk="0" hangingPunct="1">
+                        <a:lnSpc>
+                          <a:spcPct val="100000"/>
+                        </a:lnSpc>
+                        <a:spcBef>
+                          <a:spcPct val="20000"/>
+                        </a:spcBef>
+                        <a:spcAft>
+                          <a:spcPct val="0"/>
+                        </a:spcAft>
+                        <a:buClr>
+                          <a:schemeClr val="folHlink"/>
+                        </a:buClr>
+                        <a:buSzPct val="60000"/>
+                        <a:buFont typeface="Wingdings" pitchFamily="2" charset="2"/>
+                        <a:buNone/>
+                        <a:tabLst/>
+                      </a:pPr>
+                      <a:r>
+                        <a:rPr kumimoji="0" lang="en-AU" sz="2400" u="none" strike="noStrike" cap="none" normalizeH="0" baseline="0" dirty="0" smtClean="0">
+                          <a:ln>
+                            <a:solidFill>
+                              <a:srgbClr val="273272"/>
+                            </a:solidFill>
+                          </a:ln>
+                          <a:solidFill>
+                            <a:srgbClr val="1E3272"/>
+                          </a:solidFill>
+                          <a:effectLst/>
+                        </a:rPr>
+                        <a:t>Very large scale IC (VLSI)</a:t>
+                      </a:r>
+                      <a:endParaRPr kumimoji="0" lang="en-AU" sz="2400" b="1" i="0" u="none" strike="noStrike" cap="none" normalizeH="0" baseline="0" dirty="0" smtClean="0">
+                        <a:ln>
+                          <a:solidFill>
+                            <a:srgbClr val="273272"/>
+                          </a:solidFill>
+                        </a:ln>
+                        <a:solidFill>
+                          <a:srgbClr val="1E3272"/>
+                        </a:solidFill>
+                        <a:effectLst/>
+                        <a:latin typeface="+mn-lt"/>
+                      </a:endParaRPr>
+                    </a:p>
+                  </a:txBody>
+                  <a:tcPr marT="45671" marB="45671" horzOverflow="overflow">
+                    <a:lnL w="38100" cap="flat" cmpd="sng" algn="ctr">
+                      <a:solidFill>
+                        <a:schemeClr val="tx1"/>
+                      </a:solidFill>
+                      <a:prstDash val="solid"/>
+                      <a:round/>
+                      <a:headEnd type="none" w="med" len="med"/>
+                      <a:tailEnd type="none" w="med" len="med"/>
+                    </a:lnL>
+                    <a:lnR w="38100" cap="flat" cmpd="sng" algn="ctr">
+                      <a:solidFill>
+                        <a:schemeClr val="tx1"/>
+                      </a:solidFill>
+                      <a:prstDash val="solid"/>
+                      <a:round/>
+                      <a:headEnd type="none" w="med" len="med"/>
+                      <a:tailEnd type="none" w="med" len="med"/>
+                    </a:lnR>
+                    <a:lnT w="38100" cap="flat" cmpd="sng" algn="ctr">
+                      <a:solidFill>
+                        <a:schemeClr val="tx1"/>
+                      </a:solidFill>
+                      <a:prstDash val="solid"/>
+                      <a:round/>
+                      <a:headEnd type="none" w="med" len="med"/>
+                      <a:tailEnd type="none" w="med" len="med"/>
+                    </a:lnT>
+                    <a:lnB w="38100" cap="flat" cmpd="sng" algn="ctr">
+                      <a:solidFill>
+                        <a:schemeClr val="tx1"/>
+                      </a:solidFill>
+                      <a:prstDash val="solid"/>
+                      <a:round/>
+                      <a:headEnd type="none" w="med" len="med"/>
+                      <a:tailEnd type="none" w="med" len="med"/>
+                    </a:lnB>
+                    <a:solidFill>
+                      <a:srgbClr val="F7B217"/>
+                    </a:solidFill>
+                  </a:tcPr>
+                </a:tc>
+                <a:tc>
+                  <a:txBody>
+                    <a:bodyPr/>
+                    <a:lstStyle/>
+                    <a:p>
+                      <a:pPr marL="0" marR="0" lvl="0" indent="0" algn="r" defTabSz="914400" rtl="0" eaLnBrk="1" fontAlgn="base" latinLnBrk="0" hangingPunct="1">
+                        <a:lnSpc>
+                          <a:spcPct val="100000"/>
+                        </a:lnSpc>
+                        <a:spcBef>
+                          <a:spcPct val="20000"/>
+                        </a:spcBef>
+                        <a:spcAft>
+                          <a:spcPct val="0"/>
+                        </a:spcAft>
+                        <a:buClr>
+                          <a:schemeClr val="folHlink"/>
+                        </a:buClr>
+                        <a:buSzPct val="60000"/>
+                        <a:buFont typeface="Wingdings" pitchFamily="2" charset="2"/>
+                        <a:buNone/>
+                        <a:tabLst/>
+                      </a:pPr>
+                      <a:r>
+                        <a:rPr kumimoji="0" lang="en-AU" sz="2400" u="none" strike="noStrike" cap="none" normalizeH="0" baseline="0" dirty="0" smtClean="0">
+                          <a:ln>
+                            <a:solidFill>
+                              <a:srgbClr val="273272"/>
+                            </a:solidFill>
+                          </a:ln>
+                          <a:solidFill>
+                            <a:srgbClr val="1E3272"/>
+                          </a:solidFill>
+                          <a:effectLst/>
+                        </a:rPr>
+                        <a:t>2,400,000</a:t>
+                      </a:r>
+                      <a:endParaRPr kumimoji="0" lang="en-AU" sz="2400" b="1" i="0" u="none" strike="noStrike" cap="none" normalizeH="0" baseline="0" dirty="0" smtClean="0">
+                        <a:ln>
+                          <a:solidFill>
+                            <a:srgbClr val="273272"/>
+                          </a:solidFill>
+                        </a:ln>
+                        <a:solidFill>
+                          <a:srgbClr val="1E3272"/>
+                        </a:solidFill>
+                        <a:effectLst/>
+                        <a:latin typeface="+mn-lt"/>
+                      </a:endParaRPr>
+                    </a:p>
+                  </a:txBody>
+                  <a:tcPr marT="45671" marB="45671" horzOverflow="overflow">
+                    <a:lnL w="38100" cap="flat" cmpd="sng" algn="ctr">
+                      <a:solidFill>
+                        <a:schemeClr val="tx1"/>
+                      </a:solidFill>
+                      <a:prstDash val="solid"/>
+                      <a:round/>
+                      <a:headEnd type="none" w="med" len="med"/>
+                      <a:tailEnd type="none" w="med" len="med"/>
+                    </a:lnL>
+                    <a:lnR w="38100" cap="flat" cmpd="sng" algn="ctr">
+                      <a:solidFill>
+                        <a:schemeClr val="tx1"/>
+                      </a:solidFill>
+                      <a:prstDash val="solid"/>
+                      <a:round/>
+                      <a:headEnd type="none" w="med" len="med"/>
+                      <a:tailEnd type="none" w="med" len="med"/>
+                    </a:lnR>
+                    <a:lnT w="38100" cap="flat" cmpd="sng" algn="ctr">
+                      <a:solidFill>
+                        <a:schemeClr val="tx1"/>
+                      </a:solidFill>
+                      <a:prstDash val="solid"/>
+                      <a:round/>
+                      <a:headEnd type="none" w="med" len="med"/>
+                      <a:tailEnd type="none" w="med" len="med"/>
+                    </a:lnT>
+                    <a:lnB w="38100" cap="flat" cmpd="sng" algn="ctr">
+                      <a:solidFill>
+                        <a:schemeClr val="tx1"/>
+                      </a:solidFill>
+                      <a:prstDash val="solid"/>
+                      <a:round/>
+                      <a:headEnd type="none" w="med" len="med"/>
+                      <a:tailEnd type="none" w="med" len="med"/>
+                    </a:lnB>
+                    <a:solidFill>
+                      <a:srgbClr val="F7B217"/>
+                    </a:solidFill>
+                  </a:tcPr>
+                </a:tc>
+              </a:tr>
+              <a:tr h="415055">
+                <a:tc>
+                  <a:txBody>
+                    <a:bodyPr/>
+                    <a:lstStyle/>
+                    <a:p>
+                      <a:pPr marL="0" marR="0" lvl="0" indent="0" algn="l" defTabSz="914400" rtl="0" eaLnBrk="1" fontAlgn="base" latinLnBrk="0" hangingPunct="1">
+                        <a:lnSpc>
+                          <a:spcPct val="100000"/>
+                        </a:lnSpc>
+                        <a:spcBef>
+                          <a:spcPct val="20000"/>
+                        </a:spcBef>
+                        <a:spcAft>
+                          <a:spcPct val="0"/>
+                        </a:spcAft>
+                        <a:buClr>
+                          <a:schemeClr val="folHlink"/>
+                        </a:buClr>
+                        <a:buSzPct val="60000"/>
+                        <a:buFont typeface="Wingdings" pitchFamily="2" charset="2"/>
+                        <a:buNone/>
+                        <a:tabLst/>
+                      </a:pPr>
+                      <a:r>
+                        <a:rPr kumimoji="0" lang="en-AU" sz="2400" u="none" strike="noStrike" cap="none" normalizeH="0" baseline="0" dirty="0" smtClean="0">
+                          <a:ln>
+                            <a:solidFill>
+                              <a:srgbClr val="273272"/>
+                            </a:solidFill>
+                          </a:ln>
+                          <a:solidFill>
+                            <a:srgbClr val="1E3272"/>
+                          </a:solidFill>
+                          <a:effectLst/>
+                        </a:rPr>
+                        <a:t>2013</a:t>
+                      </a:r>
+                      <a:endParaRPr kumimoji="0" lang="en-AU" sz="2400" b="1" i="0" u="none" strike="noStrike" cap="none" normalizeH="0" baseline="0" dirty="0" smtClean="0">
+                        <a:ln>
+                          <a:solidFill>
+                            <a:srgbClr val="273272"/>
+                          </a:solidFill>
+                        </a:ln>
+                        <a:solidFill>
+                          <a:srgbClr val="1E3272"/>
+                        </a:solidFill>
+                        <a:effectLst/>
+                        <a:latin typeface="+mn-lt"/>
+                      </a:endParaRPr>
+                    </a:p>
+                  </a:txBody>
+                  <a:tcPr marT="45671" marB="45671" horzOverflow="overflow">
+                    <a:lnL w="38100" cap="flat" cmpd="sng" algn="ctr">
+                      <a:solidFill>
+                        <a:schemeClr val="tx1"/>
+                      </a:solidFill>
+                      <a:prstDash val="solid"/>
+                      <a:round/>
+                      <a:headEnd type="none" w="med" len="med"/>
+                      <a:tailEnd type="none" w="med" len="med"/>
+                    </a:lnL>
+                    <a:lnR w="38100" cap="flat" cmpd="sng" algn="ctr">
+                      <a:solidFill>
+                        <a:schemeClr val="tx1"/>
+                      </a:solidFill>
+                      <a:prstDash val="solid"/>
+                      <a:round/>
+                      <a:headEnd type="none" w="med" len="med"/>
+                      <a:tailEnd type="none" w="med" len="med"/>
+                    </a:lnR>
+                    <a:lnT w="38100" cap="flat" cmpd="sng" algn="ctr">
+                      <a:solidFill>
+                        <a:schemeClr val="tx1"/>
+                      </a:solidFill>
+                      <a:prstDash val="solid"/>
+                      <a:round/>
+                      <a:headEnd type="none" w="med" len="med"/>
+                      <a:tailEnd type="none" w="med" len="med"/>
+                    </a:lnT>
+                    <a:lnB w="38100" cap="flat" cmpd="sng" algn="ctr">
+                      <a:solidFill>
+                        <a:schemeClr val="tx1"/>
+                      </a:solidFill>
+                      <a:prstDash val="solid"/>
+                      <a:round/>
+                      <a:headEnd type="none" w="med" len="med"/>
+                      <a:tailEnd type="none" w="med" len="med"/>
+                    </a:lnB>
+                    <a:solidFill>
+                      <a:srgbClr val="F7B217"/>
+                    </a:solidFill>
+                  </a:tcPr>
+                </a:tc>
+                <a:tc>
+                  <a:txBody>
+                    <a:bodyPr/>
+                    <a:lstStyle/>
+                    <a:p>
+                      <a:pPr marL="0" marR="0" lvl="0" indent="0" algn="l" defTabSz="914400" rtl="0" eaLnBrk="1" fontAlgn="base" latinLnBrk="0" hangingPunct="1">
+                        <a:lnSpc>
+                          <a:spcPct val="100000"/>
+                        </a:lnSpc>
+                        <a:spcBef>
+                          <a:spcPct val="20000"/>
+                        </a:spcBef>
+                        <a:spcAft>
+                          <a:spcPct val="0"/>
+                        </a:spcAft>
+                        <a:buClr>
+                          <a:schemeClr val="folHlink"/>
+                        </a:buClr>
+                        <a:buSzPct val="60000"/>
+                        <a:buFont typeface="Wingdings" pitchFamily="2" charset="2"/>
+                        <a:buNone/>
+                        <a:tabLst/>
+                      </a:pPr>
+                      <a:r>
+                        <a:rPr kumimoji="0" lang="en-AU" sz="2400" u="none" strike="noStrike" cap="none" normalizeH="0" baseline="0" dirty="0" smtClean="0">
+                          <a:ln>
+                            <a:solidFill>
+                              <a:srgbClr val="273272"/>
+                            </a:solidFill>
+                          </a:ln>
+                          <a:solidFill>
+                            <a:srgbClr val="1E3272"/>
+                          </a:solidFill>
+                          <a:effectLst/>
+                        </a:rPr>
+                        <a:t>Ultra large scale IC</a:t>
+                      </a:r>
+                      <a:endParaRPr kumimoji="0" lang="en-AU" sz="2400" b="1" i="0" u="none" strike="noStrike" cap="none" normalizeH="0" baseline="0" dirty="0" smtClean="0">
+                        <a:ln>
+                          <a:solidFill>
+                            <a:srgbClr val="273272"/>
+                          </a:solidFill>
+                        </a:ln>
+                        <a:solidFill>
+                          <a:srgbClr val="1E3272"/>
+                        </a:solidFill>
+                        <a:effectLst/>
+                        <a:latin typeface="+mn-lt"/>
+                      </a:endParaRPr>
+                    </a:p>
+                  </a:txBody>
+                  <a:tcPr marT="45671" marB="45671" horzOverflow="overflow">
+                    <a:lnL w="38100" cap="flat" cmpd="sng" algn="ctr">
+                      <a:solidFill>
+                        <a:schemeClr val="tx1"/>
+                      </a:solidFill>
+                      <a:prstDash val="solid"/>
+                      <a:round/>
+                      <a:headEnd type="none" w="med" len="med"/>
+                      <a:tailEnd type="none" w="med" len="med"/>
+                    </a:lnL>
+                    <a:lnR w="38100" cap="flat" cmpd="sng" algn="ctr">
+                      <a:solidFill>
+                        <a:schemeClr val="tx1"/>
+                      </a:solidFill>
+                      <a:prstDash val="solid"/>
+                      <a:round/>
+                      <a:headEnd type="none" w="med" len="med"/>
+                      <a:tailEnd type="none" w="med" len="med"/>
+                    </a:lnR>
+                    <a:lnT w="38100" cap="flat" cmpd="sng" algn="ctr">
+                      <a:solidFill>
+                        <a:schemeClr val="tx1"/>
+                      </a:solidFill>
+                      <a:prstDash val="solid"/>
+                      <a:round/>
+                      <a:headEnd type="none" w="med" len="med"/>
+                      <a:tailEnd type="none" w="med" len="med"/>
+                    </a:lnT>
+                    <a:lnB w="38100" cap="flat" cmpd="sng" algn="ctr">
+                      <a:solidFill>
+                        <a:schemeClr val="tx1"/>
+                      </a:solidFill>
+                      <a:prstDash val="solid"/>
+                      <a:round/>
+                      <a:headEnd type="none" w="med" len="med"/>
+                      <a:tailEnd type="none" w="med" len="med"/>
+                    </a:lnB>
+                    <a:solidFill>
+                      <a:srgbClr val="F7B217"/>
+                    </a:solidFill>
+                  </a:tcPr>
+                </a:tc>
+                <a:tc>
+                  <a:txBody>
+                    <a:bodyPr/>
+                    <a:lstStyle/>
+                    <a:p>
+                      <a:pPr marL="0" marR="0" lvl="0" indent="0" algn="r" defTabSz="914400" rtl="0" eaLnBrk="1" fontAlgn="base" latinLnBrk="0" hangingPunct="1">
+                        <a:lnSpc>
+                          <a:spcPct val="100000"/>
+                        </a:lnSpc>
+                        <a:spcBef>
+                          <a:spcPct val="20000"/>
+                        </a:spcBef>
+                        <a:spcAft>
+                          <a:spcPct val="0"/>
+                        </a:spcAft>
+                        <a:buClr>
+                          <a:schemeClr val="folHlink"/>
+                        </a:buClr>
+                        <a:buSzPct val="60000"/>
+                        <a:buFont typeface="Wingdings" pitchFamily="2" charset="2"/>
+                        <a:buNone/>
+                        <a:tabLst/>
+                      </a:pPr>
+                      <a:r>
+                        <a:rPr kumimoji="0" lang="en-AU" sz="2400" u="none" strike="noStrike" cap="none" normalizeH="0" baseline="0" dirty="0" smtClean="0">
+                          <a:ln>
+                            <a:solidFill>
+                              <a:srgbClr val="273272"/>
+                            </a:solidFill>
+                          </a:ln>
+                          <a:solidFill>
+                            <a:srgbClr val="1E3272"/>
+                          </a:solidFill>
+                          <a:effectLst/>
+                        </a:rPr>
+                        <a:t>250,000,000,000</a:t>
+                      </a:r>
+                      <a:endParaRPr kumimoji="0" lang="en-AU" sz="2400" b="1" i="0" u="none" strike="noStrike" cap="none" normalizeH="0" baseline="0" dirty="0" smtClean="0">
+                        <a:ln>
+                          <a:solidFill>
+                            <a:srgbClr val="273272"/>
+                          </a:solidFill>
+                        </a:ln>
+                        <a:solidFill>
+                          <a:srgbClr val="1E3272"/>
+                        </a:solidFill>
+                        <a:effectLst/>
+                        <a:latin typeface="+mn-lt"/>
+                      </a:endParaRPr>
+                    </a:p>
+                  </a:txBody>
+                  <a:tcPr marT="45671" marB="45671" horzOverflow="overflow">
+                    <a:lnL w="38100" cap="flat" cmpd="sng" algn="ctr">
+                      <a:solidFill>
+                        <a:schemeClr val="tx1"/>
+                      </a:solidFill>
+                      <a:prstDash val="solid"/>
+                      <a:round/>
+                      <a:headEnd type="none" w="med" len="med"/>
+                      <a:tailEnd type="none" w="med" len="med"/>
+                    </a:lnL>
+                    <a:lnR w="38100" cap="flat" cmpd="sng" algn="ctr">
+                      <a:solidFill>
+                        <a:schemeClr val="tx1"/>
+                      </a:solidFill>
+                      <a:prstDash val="solid"/>
+                      <a:round/>
+                      <a:headEnd type="none" w="med" len="med"/>
+                      <a:tailEnd type="none" w="med" len="med"/>
+                    </a:lnR>
+                    <a:lnT w="38100" cap="flat" cmpd="sng" algn="ctr">
+                      <a:solidFill>
+                        <a:schemeClr val="tx1"/>
+                      </a:solidFill>
+                      <a:prstDash val="solid"/>
+                      <a:round/>
+                      <a:headEnd type="none" w="med" len="med"/>
+                      <a:tailEnd type="none" w="med" len="med"/>
+                    </a:lnT>
+                    <a:lnB w="38100" cap="flat" cmpd="sng" algn="ctr">
+                      <a:solidFill>
+                        <a:schemeClr val="tx1"/>
+                      </a:solidFill>
+                      <a:prstDash val="solid"/>
+                      <a:round/>
+                      <a:headEnd type="none" w="med" len="med"/>
+                      <a:tailEnd type="none" w="med" len="med"/>
+                    </a:lnB>
+                    <a:solidFill>
+                      <a:srgbClr val="F7B217"/>
+                    </a:solidFill>
+                  </a:tcPr>
+                </a:tc>
+              </a:tr>
+            </a:tbl>
+          </a:graphicData>
+        </a:graphic>
+      </p:graphicFrame>
     </p:spTree>
     <p:extLst>
       <p:ext uri="{BB962C8B-B14F-4D97-AF65-F5344CB8AC3E}">
-        <p14:creationId xmlns:p14="http://schemas.microsoft.com/office/powerpoint/2010/main" val="2257832631"/>
+        <p14:creationId xmlns:p14="http://schemas.microsoft.com/office/powerpoint/2010/main" val="1153504515"/>
       </p:ext>
     </p:extLst>
   </p:cSld>
@@ -7290,6 +9518,171 @@
       </p:grpSpPr>
       <p:sp>
         <p:nvSpPr>
+          <p:cNvPr id="2" name="Content Placeholder 1"/>
+          <p:cNvSpPr>
+            <a:spLocks noGrp="1"/>
+          </p:cNvSpPr>
+          <p:nvPr>
+            <p:ph idx="1"/>
+          </p:nvPr>
+        </p:nvSpPr>
+        <p:spPr>
+          <a:xfrm>
+            <a:off x="838230" y="1178053"/>
+            <a:ext cx="10299670" cy="5492304"/>
+          </a:xfrm>
+        </p:spPr>
+        <p:txBody>
+          <a:bodyPr>
+            <a:noAutofit/>
+          </a:bodyPr>
+          <a:lstStyle/>
+          <a:p>
+            <a:pPr>
+              <a:lnSpc>
+                <a:spcPct val="150000"/>
+              </a:lnSpc>
+            </a:pPr>
+            <a:r>
+              <a:rPr lang="en-US" dirty="0"/>
+              <a:t>Gordon Moore (1929-...) cofounded Intel in 1968 with Robert Noyce.</a:t>
+            </a:r>
+          </a:p>
+          <a:p>
+            <a:pPr>
+              <a:lnSpc>
+                <a:spcPct val="150000"/>
+              </a:lnSpc>
+            </a:pPr>
+            <a:r>
+              <a:rPr lang="en-US" b="1" dirty="0" smtClean="0"/>
+              <a:t>Moore’s </a:t>
+            </a:r>
+            <a:r>
+              <a:rPr lang="en-US" b="1" dirty="0"/>
+              <a:t>Law: </a:t>
+            </a:r>
+            <a:r>
+              <a:rPr lang="en-US" dirty="0"/>
+              <a:t>number of transistors on a computer chip doubles every </a:t>
+            </a:r>
+            <a:r>
+              <a:rPr lang="en-US" dirty="0" smtClean="0"/>
+              <a:t>year (observed in 1965)</a:t>
+            </a:r>
+          </a:p>
+          <a:p>
+            <a:pPr>
+              <a:lnSpc>
+                <a:spcPct val="150000"/>
+              </a:lnSpc>
+            </a:pPr>
+            <a:r>
+              <a:rPr lang="en-US" dirty="0" smtClean="0"/>
+              <a:t>Limited by power consumption </a:t>
+            </a:r>
+          </a:p>
+          <a:p>
+            <a:pPr>
+              <a:lnSpc>
+                <a:spcPct val="150000"/>
+              </a:lnSpc>
+            </a:pPr>
+            <a:r>
+              <a:rPr lang="en-US" dirty="0" smtClean="0"/>
+              <a:t>Slowed down since 2010</a:t>
+            </a:r>
+            <a:endParaRPr lang="en-US" dirty="0"/>
+          </a:p>
+        </p:txBody>
+      </p:sp>
+      <p:sp>
+        <p:nvSpPr>
+          <p:cNvPr id="3" name="Slide Number Placeholder 2"/>
+          <p:cNvSpPr>
+            <a:spLocks noGrp="1"/>
+          </p:cNvSpPr>
+          <p:nvPr>
+            <p:ph type="sldNum" sz="quarter" idx="12"/>
+          </p:nvPr>
+        </p:nvSpPr>
+        <p:spPr/>
+        <p:txBody>
+          <a:bodyPr/>
+          <a:lstStyle/>
+          <a:p>
+            <a:pPr algn="ctr"/>
+            <a:fld id="{1397BFD8-F312-4EF2-A268-44FB4BDDBBB0}" type="slidenum">
+              <a:rPr lang="ru-RU" smtClean="0"/>
+              <a:pPr algn="ctr"/>
+              <a:t>18</a:t>
+            </a:fld>
+            <a:endParaRPr lang="ru-RU" dirty="0"/>
+          </a:p>
+        </p:txBody>
+      </p:sp>
+      <p:sp>
+        <p:nvSpPr>
+          <p:cNvPr id="4" name="Title 3"/>
+          <p:cNvSpPr>
+            <a:spLocks noGrp="1"/>
+          </p:cNvSpPr>
+          <p:nvPr>
+            <p:ph type="title"/>
+          </p:nvPr>
+        </p:nvSpPr>
+        <p:spPr/>
+        <p:txBody>
+          <a:bodyPr/>
+          <a:lstStyle/>
+          <a:p>
+            <a:r>
+              <a:rPr lang="en-US" dirty="0" smtClean="0"/>
+              <a:t>Moore’s Law</a:t>
+            </a:r>
+            <a:endParaRPr lang="en-US" dirty="0"/>
+          </a:p>
+        </p:txBody>
+      </p:sp>
+    </p:spTree>
+    <p:extLst>
+      <p:ext uri="{BB962C8B-B14F-4D97-AF65-F5344CB8AC3E}">
+        <p14:creationId xmlns:p14="http://schemas.microsoft.com/office/powerpoint/2010/main" val="664014649"/>
+      </p:ext>
+    </p:extLst>
+  </p:cSld>
+  <p:clrMapOvr>
+    <a:masterClrMapping/>
+  </p:clrMapOvr>
+  <p:timing>
+    <p:tnLst>
+      <p:par>
+        <p:cTn id="1" dur="indefinite" restart="never" nodeType="tmRoot"/>
+      </p:par>
+    </p:tnLst>
+  </p:timing>
+</p:sld>
+</file>
+
+<file path=ppt/slides/slide19.xml><?xml version="1.0" encoding="utf-8"?>
+<p:sld xmlns:a="http://schemas.openxmlformats.org/drawingml/2006/main" xmlns:r="http://schemas.openxmlformats.org/officeDocument/2006/relationships" xmlns:p="http://schemas.openxmlformats.org/presentationml/2006/main">
+  <p:cSld>
+    <p:spTree>
+      <p:nvGrpSpPr>
+        <p:cNvPr id="1" name=""/>
+        <p:cNvGrpSpPr/>
+        <p:nvPr/>
+      </p:nvGrpSpPr>
+      <p:grpSpPr>
+        <a:xfrm>
+          <a:off x="0" y="0"/>
+          <a:ext cx="0" cy="0"/>
+          <a:chOff x="0" y="0"/>
+          <a:chExt cx="0" cy="0"/>
+        </a:xfrm>
+      </p:grpSpPr>
+      <p:sp>
+        <p:nvSpPr>
           <p:cNvPr id="3" name="Номер слайда 2"/>
           <p:cNvSpPr>
             <a:spLocks noGrp="1"/>
@@ -7307,7 +9700,7 @@
             <a:fld id="{1397BFD8-F312-4EF2-A268-44FB4BDDBBB0}" type="slidenum">
               <a:rPr lang="ru-RU" smtClean="0"/>
               <a:pPr algn="ctr"/>
-              <a:t>18</a:t>
+              <a:t>19</a:t>
             </a:fld>
             <a:endParaRPr lang="ru-RU" dirty="0"/>
           </a:p>
@@ -7599,541 +9992,6 @@
 </p:sld>
 </file>
 
-<file path=ppt/slides/slide19.xml><?xml version="1.0" encoding="utf-8"?>
-<p:sld xmlns:a="http://schemas.openxmlformats.org/drawingml/2006/main" xmlns:r="http://schemas.openxmlformats.org/officeDocument/2006/relationships" xmlns:p="http://schemas.openxmlformats.org/presentationml/2006/main">
-  <p:cSld>
-    <p:spTree>
-      <p:nvGrpSpPr>
-        <p:cNvPr id="1" name=""/>
-        <p:cNvGrpSpPr/>
-        <p:nvPr/>
-      </p:nvGrpSpPr>
-      <p:grpSpPr>
-        <a:xfrm>
-          <a:off x="0" y="0"/>
-          <a:ext cx="0" cy="0"/>
-          <a:chOff x="0" y="0"/>
-          <a:chExt cx="0" cy="0"/>
-        </a:xfrm>
-      </p:grpSpPr>
-      <p:sp>
-        <p:nvSpPr>
-          <p:cNvPr id="2" name="Содержимое 1"/>
-          <p:cNvSpPr>
-            <a:spLocks noGrp="1"/>
-          </p:cNvSpPr>
-          <p:nvPr>
-            <p:ph idx="1"/>
-          </p:nvPr>
-        </p:nvSpPr>
-        <p:spPr/>
-        <p:txBody>
-          <a:bodyPr>
-            <a:noAutofit/>
-          </a:bodyPr>
-          <a:lstStyle/>
-          <a:p>
-            <a:pPr marL="0">
-              <a:lnSpc>
-                <a:spcPct val="100000"/>
-              </a:lnSpc>
-              <a:spcBef>
-                <a:spcPts val="1200"/>
-              </a:spcBef>
-            </a:pPr>
-            <a:r>
-              <a:rPr lang="en-US" altLang="en-US" sz="3200" dirty="0" smtClean="0"/>
-              <a:t>Design for </a:t>
-            </a:r>
-            <a:r>
-              <a:rPr lang="en-US" altLang="en-US" sz="3200" b="1" i="1" dirty="0" smtClean="0"/>
-              <a:t>Moore’s Law</a:t>
-            </a:r>
-          </a:p>
-          <a:p>
-            <a:pPr marL="0">
-              <a:lnSpc>
-                <a:spcPct val="100000"/>
-              </a:lnSpc>
-              <a:spcBef>
-                <a:spcPts val="1200"/>
-              </a:spcBef>
-            </a:pPr>
-            <a:r>
-              <a:rPr lang="en-US" altLang="en-US" sz="3200" dirty="0" smtClean="0"/>
-              <a:t>Use </a:t>
-            </a:r>
-            <a:r>
-              <a:rPr lang="en-US" altLang="en-US" sz="3200" b="1" i="1" dirty="0" smtClean="0"/>
-              <a:t>abstraction</a:t>
-            </a:r>
-            <a:r>
-              <a:rPr lang="en-US" altLang="en-US" sz="3200" dirty="0" smtClean="0"/>
-              <a:t> to simplify design</a:t>
-            </a:r>
-          </a:p>
-          <a:p>
-            <a:pPr marL="0">
-              <a:lnSpc>
-                <a:spcPct val="100000"/>
-              </a:lnSpc>
-              <a:spcBef>
-                <a:spcPts val="1200"/>
-              </a:spcBef>
-            </a:pPr>
-            <a:r>
-              <a:rPr lang="en-US" altLang="en-US" sz="3200" dirty="0" smtClean="0"/>
-              <a:t>Make the </a:t>
-            </a:r>
-            <a:r>
-              <a:rPr lang="en-US" altLang="en-US" sz="3200" b="1" i="1" dirty="0" smtClean="0"/>
-              <a:t>common case fast</a:t>
-            </a:r>
-          </a:p>
-          <a:p>
-            <a:pPr marL="0">
-              <a:lnSpc>
-                <a:spcPct val="100000"/>
-              </a:lnSpc>
-              <a:spcBef>
-                <a:spcPts val="1200"/>
-              </a:spcBef>
-            </a:pPr>
-            <a:r>
-              <a:rPr lang="en-US" altLang="en-US" sz="3200" dirty="0" smtClean="0"/>
-              <a:t>Performance </a:t>
-            </a:r>
-            <a:r>
-              <a:rPr lang="en-US" altLang="en-US" sz="3200" i="1" dirty="0" smtClean="0"/>
-              <a:t>via</a:t>
-            </a:r>
-            <a:r>
-              <a:rPr lang="en-US" altLang="en-US" sz="3200" dirty="0" smtClean="0"/>
-              <a:t> </a:t>
-            </a:r>
-            <a:r>
-              <a:rPr lang="en-US" altLang="en-US" sz="3200" b="1" i="1" dirty="0" smtClean="0"/>
-              <a:t>parallelism</a:t>
-            </a:r>
-          </a:p>
-          <a:p>
-            <a:pPr marL="0">
-              <a:lnSpc>
-                <a:spcPct val="100000"/>
-              </a:lnSpc>
-              <a:spcBef>
-                <a:spcPts val="1200"/>
-              </a:spcBef>
-            </a:pPr>
-            <a:r>
-              <a:rPr lang="en-US" altLang="en-US" sz="3200" dirty="0" smtClean="0"/>
-              <a:t>Performance </a:t>
-            </a:r>
-            <a:r>
-              <a:rPr lang="en-US" altLang="en-US" sz="3200" i="1" dirty="0" smtClean="0"/>
-              <a:t>via</a:t>
-            </a:r>
-            <a:r>
-              <a:rPr lang="en-US" altLang="en-US" sz="3200" dirty="0" smtClean="0"/>
-              <a:t> </a:t>
-            </a:r>
-            <a:r>
-              <a:rPr lang="en-US" altLang="en-US" sz="3200" b="1" i="1" dirty="0" smtClean="0"/>
-              <a:t>pipelining</a:t>
-            </a:r>
-          </a:p>
-          <a:p>
-            <a:pPr marL="0">
-              <a:lnSpc>
-                <a:spcPct val="100000"/>
-              </a:lnSpc>
-              <a:spcBef>
-                <a:spcPts val="1200"/>
-              </a:spcBef>
-            </a:pPr>
-            <a:r>
-              <a:rPr lang="en-US" altLang="en-US" sz="3200" dirty="0" smtClean="0"/>
-              <a:t>Performance </a:t>
-            </a:r>
-            <a:r>
-              <a:rPr lang="en-US" altLang="en-US" sz="3200" i="1" dirty="0" smtClean="0"/>
-              <a:t>via</a:t>
-            </a:r>
-            <a:r>
-              <a:rPr lang="en-US" altLang="en-US" sz="3200" dirty="0" smtClean="0"/>
-              <a:t> </a:t>
-            </a:r>
-            <a:r>
-              <a:rPr lang="en-US" altLang="en-US" sz="3200" b="1" i="1" dirty="0" smtClean="0"/>
-              <a:t>prediction</a:t>
-            </a:r>
-          </a:p>
-          <a:p>
-            <a:pPr marL="0">
-              <a:lnSpc>
-                <a:spcPct val="100000"/>
-              </a:lnSpc>
-              <a:spcBef>
-                <a:spcPts val="1200"/>
-              </a:spcBef>
-            </a:pPr>
-            <a:r>
-              <a:rPr lang="en-US" altLang="en-US" sz="3200" b="1" i="1" dirty="0" smtClean="0"/>
-              <a:t>Hierarchy</a:t>
-            </a:r>
-            <a:r>
-              <a:rPr lang="en-US" altLang="en-US" sz="3200" dirty="0" smtClean="0"/>
-              <a:t> of memories</a:t>
-            </a:r>
-          </a:p>
-          <a:p>
-            <a:pPr marL="0">
-              <a:lnSpc>
-                <a:spcPct val="100000"/>
-              </a:lnSpc>
-              <a:spcBef>
-                <a:spcPts val="1200"/>
-              </a:spcBef>
-            </a:pPr>
-            <a:r>
-              <a:rPr lang="en-US" altLang="en-US" sz="3200" b="1" i="1" dirty="0" smtClean="0"/>
-              <a:t>Dependability</a:t>
-            </a:r>
-            <a:r>
-              <a:rPr lang="en-US" altLang="en-US" sz="3200" dirty="0" smtClean="0"/>
-              <a:t> </a:t>
-            </a:r>
-            <a:r>
-              <a:rPr lang="en-US" altLang="en-US" sz="3200" i="1" dirty="0" smtClean="0"/>
-              <a:t>via</a:t>
-            </a:r>
-            <a:r>
-              <a:rPr lang="en-US" altLang="en-US" sz="3200" dirty="0" smtClean="0"/>
-              <a:t> redundancy</a:t>
-            </a:r>
-            <a:endParaRPr lang="ru-RU" sz="3200" dirty="0"/>
-          </a:p>
-        </p:txBody>
-      </p:sp>
-      <p:sp>
-        <p:nvSpPr>
-          <p:cNvPr id="3" name="Номер слайда 2"/>
-          <p:cNvSpPr>
-            <a:spLocks noGrp="1"/>
-          </p:cNvSpPr>
-          <p:nvPr>
-            <p:ph type="sldNum" sz="quarter" idx="12"/>
-          </p:nvPr>
-        </p:nvSpPr>
-        <p:spPr/>
-        <p:txBody>
-          <a:bodyPr/>
-          <a:lstStyle/>
-          <a:p>
-            <a:pPr algn="ctr"/>
-            <a:fld id="{1397BFD8-F312-4EF2-A268-44FB4BDDBBB0}" type="slidenum">
-              <a:rPr lang="ru-RU" smtClean="0"/>
-              <a:pPr algn="ctr"/>
-              <a:t>19</a:t>
-            </a:fld>
-            <a:endParaRPr lang="ru-RU" dirty="0"/>
-          </a:p>
-        </p:txBody>
-      </p:sp>
-      <p:sp>
-        <p:nvSpPr>
-          <p:cNvPr id="4" name="Заголовок 3"/>
-          <p:cNvSpPr>
-            <a:spLocks noGrp="1"/>
-          </p:cNvSpPr>
-          <p:nvPr>
-            <p:ph type="title"/>
-          </p:nvPr>
-        </p:nvSpPr>
-        <p:spPr/>
-        <p:txBody>
-          <a:bodyPr/>
-          <a:lstStyle/>
-          <a:p>
-            <a:r>
-              <a:rPr lang="en-US" altLang="en-US" dirty="0" smtClean="0"/>
-              <a:t>Eight Great Ideas</a:t>
-            </a:r>
-            <a:endParaRPr lang="ru-RU" dirty="0"/>
-          </a:p>
-        </p:txBody>
-      </p:sp>
-      <p:pic>
-        <p:nvPicPr>
-          <p:cNvPr id="5" name="Picture 6"/>
-          <p:cNvPicPr>
-            <a:picLocks noChangeAspect="1" noChangeArrowheads="1"/>
-          </p:cNvPicPr>
-          <p:nvPr/>
-        </p:nvPicPr>
-        <p:blipFill>
-          <a:blip r:embed="rId2" cstate="print"/>
-          <a:srcRect/>
-          <a:stretch>
-            <a:fillRect/>
-          </a:stretch>
-        </p:blipFill>
-        <p:spPr bwMode="auto">
-          <a:xfrm>
-            <a:off x="7901787" y="1077212"/>
-            <a:ext cx="1211580" cy="1363980"/>
-          </a:xfrm>
-          <a:prstGeom prst="rect">
-            <a:avLst/>
-          </a:prstGeom>
-          <a:noFill/>
-          <a:ln w="9525">
-            <a:noFill/>
-            <a:miter lim="800000"/>
-            <a:headEnd/>
-            <a:tailEnd/>
-          </a:ln>
-        </p:spPr>
-      </p:pic>
-      <p:pic>
-        <p:nvPicPr>
-          <p:cNvPr id="6" name="Picture 7"/>
-          <p:cNvPicPr>
-            <a:picLocks noChangeAspect="1" noChangeArrowheads="1"/>
-          </p:cNvPicPr>
-          <p:nvPr/>
-        </p:nvPicPr>
-        <p:blipFill>
-          <a:blip r:embed="rId3" cstate="print"/>
-          <a:srcRect/>
-          <a:stretch>
-            <a:fillRect/>
-          </a:stretch>
-        </p:blipFill>
-        <p:spPr bwMode="auto">
-          <a:xfrm>
-            <a:off x="9348348" y="1428021"/>
-            <a:ext cx="1092994" cy="1493044"/>
-          </a:xfrm>
-          <a:prstGeom prst="rect">
-            <a:avLst/>
-          </a:prstGeom>
-          <a:noFill/>
-          <a:ln w="9525">
-            <a:noFill/>
-            <a:miter lim="800000"/>
-            <a:headEnd/>
-            <a:tailEnd/>
-          </a:ln>
-        </p:spPr>
-      </p:pic>
-      <p:pic>
-        <p:nvPicPr>
-          <p:cNvPr id="7" name="Picture 8"/>
-          <p:cNvPicPr>
-            <a:picLocks noChangeAspect="1" noChangeArrowheads="1"/>
-          </p:cNvPicPr>
-          <p:nvPr/>
-        </p:nvPicPr>
-        <p:blipFill>
-          <a:blip r:embed="rId4" cstate="print"/>
-          <a:srcRect/>
-          <a:stretch>
-            <a:fillRect/>
-          </a:stretch>
-        </p:blipFill>
-        <p:spPr bwMode="auto">
-          <a:xfrm>
-            <a:off x="7922894" y="2709813"/>
-            <a:ext cx="1257300" cy="1013460"/>
-          </a:xfrm>
-          <a:prstGeom prst="rect">
-            <a:avLst/>
-          </a:prstGeom>
-          <a:noFill/>
-          <a:ln w="9525">
-            <a:noFill/>
-            <a:miter lim="800000"/>
-            <a:headEnd/>
-            <a:tailEnd/>
-          </a:ln>
-        </p:spPr>
-      </p:pic>
-      <p:pic>
-        <p:nvPicPr>
-          <p:cNvPr id="8" name="Picture 9"/>
-          <p:cNvPicPr>
-            <a:picLocks noChangeAspect="1" noChangeArrowheads="1"/>
-          </p:cNvPicPr>
-          <p:nvPr/>
-        </p:nvPicPr>
-        <p:blipFill>
-          <a:blip r:embed="rId5" cstate="print"/>
-          <a:srcRect/>
-          <a:stretch>
-            <a:fillRect/>
-          </a:stretch>
-        </p:blipFill>
-        <p:spPr bwMode="auto">
-          <a:xfrm>
-            <a:off x="9383779" y="3044682"/>
-            <a:ext cx="1171575" cy="1250156"/>
-          </a:xfrm>
-          <a:prstGeom prst="rect">
-            <a:avLst/>
-          </a:prstGeom>
-          <a:noFill/>
-          <a:ln w="9525">
-            <a:noFill/>
-            <a:miter lim="800000"/>
-            <a:headEnd/>
-            <a:tailEnd/>
-          </a:ln>
-        </p:spPr>
-      </p:pic>
-      <p:pic>
-        <p:nvPicPr>
-          <p:cNvPr id="9" name="Picture 10"/>
-          <p:cNvPicPr>
-            <a:picLocks noChangeAspect="1" noChangeArrowheads="1"/>
-          </p:cNvPicPr>
-          <p:nvPr/>
-        </p:nvPicPr>
-        <p:blipFill>
-          <a:blip r:embed="rId6" cstate="print"/>
-          <a:srcRect/>
-          <a:stretch>
-            <a:fillRect/>
-          </a:stretch>
-        </p:blipFill>
-        <p:spPr bwMode="auto">
-          <a:xfrm>
-            <a:off x="7874813" y="3917900"/>
-            <a:ext cx="1257300" cy="1424940"/>
-          </a:xfrm>
-          <a:prstGeom prst="rect">
-            <a:avLst/>
-          </a:prstGeom>
-          <a:noFill/>
-          <a:ln w="9525">
-            <a:noFill/>
-            <a:miter lim="800000"/>
-            <a:headEnd/>
-            <a:tailEnd/>
-          </a:ln>
-        </p:spPr>
-      </p:pic>
-      <p:pic>
-        <p:nvPicPr>
-          <p:cNvPr id="10" name="Picture 11"/>
-          <p:cNvPicPr>
-            <a:picLocks noChangeAspect="1" noChangeArrowheads="1"/>
-          </p:cNvPicPr>
-          <p:nvPr/>
-        </p:nvPicPr>
-        <p:blipFill>
-          <a:blip r:embed="rId7" cstate="print"/>
-          <a:srcRect/>
-          <a:stretch>
-            <a:fillRect/>
-          </a:stretch>
-        </p:blipFill>
-        <p:spPr bwMode="auto">
-          <a:xfrm>
-            <a:off x="9323676" y="4327957"/>
-            <a:ext cx="1143000" cy="1493044"/>
-          </a:xfrm>
-          <a:prstGeom prst="rect">
-            <a:avLst/>
-          </a:prstGeom>
-          <a:noFill/>
-          <a:ln w="9525">
-            <a:noFill/>
-            <a:miter lim="800000"/>
-            <a:headEnd/>
-            <a:tailEnd/>
-          </a:ln>
-        </p:spPr>
-      </p:pic>
-      <p:pic>
-        <p:nvPicPr>
-          <p:cNvPr id="11" name="Picture 12"/>
-          <p:cNvPicPr>
-            <a:picLocks noChangeAspect="1" noChangeArrowheads="1"/>
-          </p:cNvPicPr>
-          <p:nvPr/>
-        </p:nvPicPr>
-        <p:blipFill>
-          <a:blip r:embed="rId8" cstate="print"/>
-          <a:srcRect/>
-          <a:stretch>
-            <a:fillRect/>
-          </a:stretch>
-        </p:blipFill>
-        <p:spPr bwMode="auto">
-          <a:xfrm>
-            <a:off x="7911908" y="5390405"/>
-            <a:ext cx="1257300" cy="1264920"/>
-          </a:xfrm>
-          <a:prstGeom prst="rect">
-            <a:avLst/>
-          </a:prstGeom>
-          <a:noFill/>
-          <a:ln w="9525">
-            <a:noFill/>
-            <a:miter lim="800000"/>
-            <a:headEnd/>
-            <a:tailEnd/>
-          </a:ln>
-        </p:spPr>
-      </p:pic>
-      <p:pic>
-        <p:nvPicPr>
-          <p:cNvPr id="12" name="Picture 13"/>
-          <p:cNvPicPr>
-            <a:picLocks noChangeAspect="1" noChangeArrowheads="1"/>
-          </p:cNvPicPr>
-          <p:nvPr/>
-        </p:nvPicPr>
-        <p:blipFill>
-          <a:blip r:embed="rId9" cstate="print"/>
-          <a:srcRect/>
-          <a:stretch>
-            <a:fillRect/>
-          </a:stretch>
-        </p:blipFill>
-        <p:spPr bwMode="auto">
-          <a:xfrm>
-            <a:off x="9274257" y="5913080"/>
-            <a:ext cx="1376363" cy="882491"/>
-          </a:xfrm>
-          <a:prstGeom prst="rect">
-            <a:avLst/>
-          </a:prstGeom>
-          <a:noFill/>
-          <a:ln w="9525">
-            <a:noFill/>
-            <a:miter lim="800000"/>
-            <a:headEnd/>
-            <a:tailEnd/>
-          </a:ln>
-        </p:spPr>
-      </p:pic>
-    </p:spTree>
-  </p:cSld>
-  <p:clrMapOvr>
-    <a:masterClrMapping/>
-  </p:clrMapOvr>
-  <p:timing>
-    <p:tnLst>
-      <p:par>
-        <p:cTn id="1" dur="indefinite" restart="never" nodeType="tmRoot"/>
-      </p:par>
-    </p:tnLst>
-  </p:timing>
-</p:sld>
-</file>
-
 <file path=ppt/slides/slide2.xml><?xml version="1.0" encoding="utf-8"?>
 <p:sld xmlns:a="http://schemas.openxmlformats.org/drawingml/2006/main" xmlns:r="http://schemas.openxmlformats.org/officeDocument/2006/relationships" xmlns:p="http://schemas.openxmlformats.org/presentationml/2006/main">
   <p:cSld>
@@ -8342,7 +10200,7 @@
       </p:grpSpPr>
       <p:sp>
         <p:nvSpPr>
-          <p:cNvPr id="3" name="Номер слайда 2"/>
+          <p:cNvPr id="3" name="Slide Number Placeholder 2"/>
           <p:cNvSpPr>
             <a:spLocks noGrp="1"/>
           </p:cNvSpPr>
@@ -8367,7 +10225,7 @@
       </p:sp>
       <p:sp>
         <p:nvSpPr>
-          <p:cNvPr id="4" name="Заголовок 3"/>
+          <p:cNvPr id="4" name="Title 3"/>
           <p:cNvSpPr>
             <a:spLocks noGrp="1"/>
           </p:cNvSpPr>
@@ -8382,68 +10240,37 @@
           <a:p>
             <a:r>
               <a:rPr lang="en-US" dirty="0" smtClean="0"/>
-              <a:t>Abstraction</a:t>
-            </a:r>
-            <a:endParaRPr lang="ru-RU" dirty="0"/>
-          </a:p>
-        </p:txBody>
-      </p:sp>
-      <p:sp>
-        <p:nvSpPr>
-          <p:cNvPr id="8" name="Содержимое 7"/>
-          <p:cNvSpPr>
-            <a:spLocks noGrp="1"/>
-          </p:cNvSpPr>
-          <p:nvPr>
-            <p:ph idx="1"/>
-          </p:nvPr>
-        </p:nvSpPr>
-        <p:spPr>
-          <a:xfrm>
-            <a:off x="838199" y="1178053"/>
-            <a:ext cx="5289469" cy="5282124"/>
-          </a:xfrm>
-        </p:spPr>
-        <p:txBody>
-          <a:bodyPr>
-            <a:normAutofit/>
-          </a:bodyPr>
-          <a:lstStyle/>
-          <a:p>
-            <a:r>
-              <a:rPr lang="en-US" sz="4000" dirty="0" smtClean="0"/>
-              <a:t>Hiding details when  they are</a:t>
-            </a:r>
-            <a:r>
-              <a:rPr lang="ru-RU" sz="4000" dirty="0" smtClean="0"/>
-              <a:t> </a:t>
-            </a:r>
-            <a:r>
-              <a:rPr lang="en-US" sz="4000" dirty="0" smtClean="0"/>
-              <a:t>not important</a:t>
-            </a:r>
-            <a:endParaRPr lang="ru-RU" sz="4000" dirty="0"/>
+              <a:t>Power Trends</a:t>
+            </a:r>
+            <a:endParaRPr lang="en-US" dirty="0"/>
           </a:p>
         </p:txBody>
       </p:sp>
       <p:pic>
         <p:nvPicPr>
-          <p:cNvPr id="9" name="Picture 11"/>
+          <p:cNvPr id="5" name="Picture 11"/>
           <p:cNvPicPr>
             <a:picLocks noChangeAspect="1" noChangeArrowheads="1"/>
           </p:cNvPicPr>
           <p:nvPr/>
         </p:nvPicPr>
         <p:blipFill>
-          <a:blip r:embed="rId2" cstate="print"/>
+          <a:blip r:embed="rId2">
+            <a:extLst>
+              <a:ext uri="{28A0092B-C50C-407E-A947-70E740481C1C}">
+                <a14:useLocalDpi xmlns:a14="http://schemas.microsoft.com/office/drawing/2010/main" val="0"/>
+              </a:ext>
+            </a:extLst>
+          </a:blip>
+          <a:srcRect/>
           <a:stretch>
             <a:fillRect/>
           </a:stretch>
         </p:blipFill>
         <p:spPr bwMode="auto">
           <a:xfrm>
-            <a:off x="8324597" y="1036120"/>
-            <a:ext cx="2268187" cy="5542043"/>
+            <a:off x="838201" y="1295416"/>
+            <a:ext cx="10532504" cy="4622784"/>
           </a:xfrm>
           <a:prstGeom prst="rect">
             <a:avLst/>
@@ -8452,132 +10279,33 @@
           <a:ln>
             <a:noFill/>
           </a:ln>
-          <a:effectLst/>
           <a:extLst>
             <a:ext uri="{909E8E84-426E-40DD-AFC4-6F175D3DCCD1}">
               <a14:hiddenFill xmlns:a14="http://schemas.microsoft.com/office/drawing/2010/main">
                 <a:solidFill>
-                  <a:schemeClr val="accent1"/>
+                  <a:srgbClr val="FFFFFF"/>
                 </a:solidFill>
               </a14:hiddenFill>
             </a:ext>
             <a:ext uri="{91240B29-F687-4F45-9708-019B960494DF}">
               <a14:hiddenLine xmlns:a14="http://schemas.microsoft.com/office/drawing/2010/main" w="9525">
                 <a:solidFill>
-                  <a:schemeClr val="tx1"/>
+                  <a:srgbClr val="000000"/>
                 </a:solidFill>
                 <a:miter lim="800000"/>
                 <a:headEnd/>
                 <a:tailEnd/>
               </a14:hiddenLine>
             </a:ext>
-            <a:ext uri="{AF507438-7753-43E0-B8FC-AC1667EBCBE1}">
-              <a14:hiddenEffects xmlns:a14="http://schemas.microsoft.com/office/drawing/2010/main">
-                <a:effectLst>
-                  <a:outerShdw dist="35921" dir="2700000" algn="ctr" rotWithShape="0">
-                    <a:schemeClr val="bg2"/>
-                  </a:outerShdw>
-                </a:effectLst>
-              </a14:hiddenEffects>
-            </a:ext>
           </a:extLst>
         </p:spPr>
       </p:pic>
-      <p:sp>
-        <p:nvSpPr>
-          <p:cNvPr id="10" name="Левая фигурная скобка 9"/>
-          <p:cNvSpPr/>
-          <p:nvPr/>
-        </p:nvSpPr>
-        <p:spPr>
-          <a:xfrm>
-            <a:off x="7600203" y="1080655"/>
-            <a:ext cx="570015" cy="2410690"/>
-          </a:xfrm>
-          <a:prstGeom prst="leftBrace">
-            <a:avLst/>
-          </a:prstGeom>
-          <a:ln w="50800">
-            <a:solidFill>
-              <a:srgbClr val="F7B217"/>
-            </a:solidFill>
-          </a:ln>
-        </p:spPr>
-        <p:style>
-          <a:lnRef idx="1">
-            <a:schemeClr val="accent1"/>
-          </a:lnRef>
-          <a:fillRef idx="0">
-            <a:schemeClr val="accent1"/>
-          </a:fillRef>
-          <a:effectRef idx="0">
-            <a:schemeClr val="accent1"/>
-          </a:effectRef>
-          <a:fontRef idx="minor">
-            <a:schemeClr val="tx1"/>
-          </a:fontRef>
-        </p:style>
-        <p:txBody>
-          <a:bodyPr rtlCol="0" anchor="ctr"/>
-          <a:lstStyle/>
-          <a:p>
-            <a:pPr algn="ctr"/>
-            <a:endParaRPr lang="ru-RU"/>
-          </a:p>
-        </p:txBody>
-      </p:sp>
-      <p:sp>
-        <p:nvSpPr>
-          <p:cNvPr id="11" name="TextBox 10"/>
-          <p:cNvSpPr txBox="1"/>
-          <p:nvPr/>
-        </p:nvSpPr>
-        <p:spPr>
-          <a:xfrm>
-            <a:off x="6448286" y="1674423"/>
-            <a:ext cx="1674421" cy="1128156"/>
-          </a:xfrm>
-          <a:prstGeom prst="rect">
-            <a:avLst/>
-          </a:prstGeom>
-          <a:noFill/>
-        </p:spPr>
-        <p:txBody>
-          <a:bodyPr wrap="square" lIns="72000" tIns="25200" rIns="0" bIns="25200" rtlCol="0" anchor="ctr" anchorCtr="0">
-            <a:noAutofit/>
-          </a:bodyPr>
-          <a:lstStyle/>
-          <a:p>
-            <a:r>
-              <a:rPr lang="en-US" sz="2800" b="1" dirty="0" smtClean="0">
-                <a:solidFill>
-                  <a:srgbClr val="2F5CB5"/>
-                </a:solidFill>
-                <a:cs typeface="Times New Roman" pitchFamily="18" charset="0"/>
-              </a:rPr>
-              <a:t>Focus</a:t>
-            </a:r>
-          </a:p>
-          <a:p>
-            <a:r>
-              <a:rPr lang="en-US" sz="2800" b="1" dirty="0" smtClean="0">
-                <a:solidFill>
-                  <a:srgbClr val="2F5CB5"/>
-                </a:solidFill>
-                <a:cs typeface="Times New Roman" pitchFamily="18" charset="0"/>
-              </a:rPr>
-              <a:t>of this course</a:t>
-            </a:r>
-            <a:endParaRPr lang="ru-RU" sz="2800" b="1" dirty="0" smtClean="0">
-              <a:solidFill>
-                <a:srgbClr val="2F5CB5"/>
-              </a:solidFill>
-              <a:cs typeface="Times New Roman" pitchFamily="18" charset="0"/>
-            </a:endParaRPr>
-          </a:p>
-        </p:txBody>
-      </p:sp>
     </p:spTree>
+    <p:extLst>
+      <p:ext uri="{BB962C8B-B14F-4D97-AF65-F5344CB8AC3E}">
+        <p14:creationId xmlns:p14="http://schemas.microsoft.com/office/powerpoint/2010/main" val="2270459329"/>
+      </p:ext>
+    </p:extLst>
   </p:cSld>
   <p:clrMapOvr>
     <a:masterClrMapping/>
@@ -8593,6 +10321,279 @@
 </file>
 
 <file path=ppt/slides/slide21.xml><?xml version="1.0" encoding="utf-8"?>
+<p:sld xmlns:a="http://schemas.openxmlformats.org/drawingml/2006/main" xmlns:r="http://schemas.openxmlformats.org/officeDocument/2006/relationships" xmlns:p="http://schemas.openxmlformats.org/presentationml/2006/main">
+  <p:cSld>
+    <p:spTree>
+      <p:nvGrpSpPr>
+        <p:cNvPr id="1" name=""/>
+        <p:cNvGrpSpPr/>
+        <p:nvPr/>
+      </p:nvGrpSpPr>
+      <p:grpSpPr>
+        <a:xfrm>
+          <a:off x="0" y="0"/>
+          <a:ext cx="0" cy="0"/>
+          <a:chOff x="0" y="0"/>
+          <a:chExt cx="0" cy="0"/>
+        </a:xfrm>
+      </p:grpSpPr>
+      <p:sp>
+        <p:nvSpPr>
+          <p:cNvPr id="3" name="Slide Number Placeholder 2"/>
+          <p:cNvSpPr>
+            <a:spLocks noGrp="1"/>
+          </p:cNvSpPr>
+          <p:nvPr>
+            <p:ph type="sldNum" sz="quarter" idx="12"/>
+          </p:nvPr>
+        </p:nvSpPr>
+        <p:spPr/>
+        <p:txBody>
+          <a:bodyPr/>
+          <a:lstStyle/>
+          <a:p>
+            <a:pPr algn="ctr"/>
+            <a:fld id="{1397BFD8-F312-4EF2-A268-44FB4BDDBBB0}" type="slidenum">
+              <a:rPr lang="ru-RU" smtClean="0"/>
+              <a:pPr algn="ctr"/>
+              <a:t>21</a:t>
+            </a:fld>
+            <a:endParaRPr lang="ru-RU" dirty="0"/>
+          </a:p>
+        </p:txBody>
+      </p:sp>
+      <p:sp>
+        <p:nvSpPr>
+          <p:cNvPr id="4" name="Title 3"/>
+          <p:cNvSpPr>
+            <a:spLocks noGrp="1"/>
+          </p:cNvSpPr>
+          <p:nvPr>
+            <p:ph type="title"/>
+          </p:nvPr>
+        </p:nvSpPr>
+        <p:spPr/>
+        <p:txBody>
+          <a:bodyPr/>
+          <a:lstStyle/>
+          <a:p>
+            <a:r>
+              <a:rPr lang="en-US" dirty="0" smtClean="0"/>
+              <a:t>Memory Performance Gap</a:t>
+            </a:r>
+            <a:endParaRPr lang="en-US" dirty="0"/>
+          </a:p>
+        </p:txBody>
+      </p:sp>
+      <p:pic>
+        <p:nvPicPr>
+          <p:cNvPr id="5" name="Picture 4"/>
+          <p:cNvPicPr>
+            <a:picLocks noChangeAspect="1"/>
+          </p:cNvPicPr>
+          <p:nvPr/>
+        </p:nvPicPr>
+        <p:blipFill>
+          <a:blip r:embed="rId2"/>
+          <a:stretch>
+            <a:fillRect/>
+          </a:stretch>
+        </p:blipFill>
+        <p:spPr>
+          <a:xfrm>
+            <a:off x="1160219" y="1372715"/>
+            <a:ext cx="9615812" cy="4818223"/>
+          </a:xfrm>
+          <a:prstGeom prst="rect">
+            <a:avLst/>
+          </a:prstGeom>
+        </p:spPr>
+      </p:pic>
+    </p:spTree>
+    <p:extLst>
+      <p:ext uri="{BB962C8B-B14F-4D97-AF65-F5344CB8AC3E}">
+        <p14:creationId xmlns:p14="http://schemas.microsoft.com/office/powerpoint/2010/main" val="4095291685"/>
+      </p:ext>
+    </p:extLst>
+  </p:cSld>
+  <p:clrMapOvr>
+    <a:masterClrMapping/>
+  </p:clrMapOvr>
+  <p:timing>
+    <p:tnLst>
+      <p:par>
+        <p:cTn id="1" dur="indefinite" restart="never" nodeType="tmRoot"/>
+      </p:par>
+    </p:tnLst>
+  </p:timing>
+</p:sld>
+</file>
+
+<file path=ppt/slides/slide22.xml><?xml version="1.0" encoding="utf-8"?>
+<p:sld xmlns:a="http://schemas.openxmlformats.org/drawingml/2006/main" xmlns:r="http://schemas.openxmlformats.org/officeDocument/2006/relationships" xmlns:p="http://schemas.openxmlformats.org/presentationml/2006/main">
+  <p:cSld>
+    <p:spTree>
+      <p:nvGrpSpPr>
+        <p:cNvPr id="1" name=""/>
+        <p:cNvGrpSpPr/>
+        <p:nvPr/>
+      </p:nvGrpSpPr>
+      <p:grpSpPr>
+        <a:xfrm>
+          <a:off x="0" y="0"/>
+          <a:ext cx="0" cy="0"/>
+          <a:chOff x="0" y="0"/>
+          <a:chExt cx="0" cy="0"/>
+        </a:xfrm>
+      </p:grpSpPr>
+      <p:sp>
+        <p:nvSpPr>
+          <p:cNvPr id="2" name="Content Placeholder 1"/>
+          <p:cNvSpPr>
+            <a:spLocks noGrp="1"/>
+          </p:cNvSpPr>
+          <p:nvPr>
+            <p:ph idx="1"/>
+          </p:nvPr>
+        </p:nvSpPr>
+        <p:spPr>
+          <a:xfrm>
+            <a:off x="838200" y="1178053"/>
+            <a:ext cx="10515600" cy="5492304"/>
+          </a:xfrm>
+        </p:spPr>
+        <p:txBody>
+          <a:bodyPr>
+            <a:normAutofit fontScale="92500" lnSpcReduction="10000"/>
+          </a:bodyPr>
+          <a:lstStyle/>
+          <a:p>
+            <a:pPr>
+              <a:lnSpc>
+                <a:spcPct val="150000"/>
+              </a:lnSpc>
+            </a:pPr>
+            <a:r>
+              <a:rPr lang="en-US" sz="3900" dirty="0" smtClean="0"/>
+              <a:t>To create software that efficiently deals with big data, you need to understand how hardware is organized and managed by operating system </a:t>
+            </a:r>
+          </a:p>
+          <a:p>
+            <a:pPr lvl="1">
+              <a:lnSpc>
+                <a:spcPct val="150000"/>
+              </a:lnSpc>
+            </a:pPr>
+            <a:r>
+              <a:rPr lang="en-US" sz="3500" dirty="0" smtClean="0"/>
+              <a:t>Computer architecture</a:t>
+            </a:r>
+          </a:p>
+          <a:p>
+            <a:pPr lvl="1">
+              <a:lnSpc>
+                <a:spcPct val="150000"/>
+              </a:lnSpc>
+            </a:pPr>
+            <a:r>
+              <a:rPr lang="en-US" sz="3500" dirty="0" smtClean="0"/>
+              <a:t>Assembly language</a:t>
+            </a:r>
+          </a:p>
+          <a:p>
+            <a:pPr lvl="1">
+              <a:lnSpc>
+                <a:spcPct val="150000"/>
+              </a:lnSpc>
+            </a:pPr>
+            <a:r>
+              <a:rPr lang="en-US" sz="3500" dirty="0" smtClean="0"/>
+              <a:t>Compiler basics</a:t>
+            </a:r>
+          </a:p>
+          <a:p>
+            <a:pPr lvl="1">
+              <a:lnSpc>
+                <a:spcPct val="150000"/>
+              </a:lnSpc>
+            </a:pPr>
+            <a:r>
+              <a:rPr lang="en-US" sz="3500" dirty="0" smtClean="0"/>
+              <a:t>Operating systems</a:t>
+            </a:r>
+            <a:endParaRPr lang="en-US" sz="3500" dirty="0"/>
+          </a:p>
+        </p:txBody>
+      </p:sp>
+      <p:sp>
+        <p:nvSpPr>
+          <p:cNvPr id="3" name="Slide Number Placeholder 2"/>
+          <p:cNvSpPr>
+            <a:spLocks noGrp="1"/>
+          </p:cNvSpPr>
+          <p:nvPr>
+            <p:ph type="sldNum" sz="quarter" idx="12"/>
+          </p:nvPr>
+        </p:nvSpPr>
+        <p:spPr/>
+        <p:txBody>
+          <a:bodyPr/>
+          <a:lstStyle/>
+          <a:p>
+            <a:pPr algn="ctr"/>
+            <a:fld id="{1397BFD8-F312-4EF2-A268-44FB4BDDBBB0}" type="slidenum">
+              <a:rPr lang="ru-RU" smtClean="0"/>
+              <a:pPr algn="ctr"/>
+              <a:t>22</a:t>
+            </a:fld>
+            <a:endParaRPr lang="ru-RU" dirty="0"/>
+          </a:p>
+        </p:txBody>
+      </p:sp>
+      <p:sp>
+        <p:nvSpPr>
+          <p:cNvPr id="4" name="Title 3"/>
+          <p:cNvSpPr>
+            <a:spLocks noGrp="1"/>
+          </p:cNvSpPr>
+          <p:nvPr>
+            <p:ph type="title"/>
+          </p:nvPr>
+        </p:nvSpPr>
+        <p:spPr/>
+        <p:txBody>
+          <a:bodyPr/>
+          <a:lstStyle/>
+          <a:p>
+            <a:r>
+              <a:rPr lang="en-US" dirty="0" smtClean="0"/>
+              <a:t>Conclusion</a:t>
+            </a:r>
+            <a:endParaRPr lang="en-US" dirty="0"/>
+          </a:p>
+        </p:txBody>
+      </p:sp>
+    </p:spTree>
+    <p:extLst>
+      <p:ext uri="{BB962C8B-B14F-4D97-AF65-F5344CB8AC3E}">
+        <p14:creationId xmlns:p14="http://schemas.microsoft.com/office/powerpoint/2010/main" val="3293126798"/>
+      </p:ext>
+    </p:extLst>
+  </p:cSld>
+  <p:clrMapOvr>
+    <a:masterClrMapping/>
+  </p:clrMapOvr>
+  <p:timing>
+    <p:tnLst>
+      <p:par>
+        <p:cTn id="1" dur="indefinite" restart="never" nodeType="tmRoot"/>
+      </p:par>
+    </p:tnLst>
+  </p:timing>
+</p:sld>
+</file>
+
+<file path=ppt/slides/slide23.xml><?xml version="1.0" encoding="utf-8"?>
 <p:sld xmlns:a="http://schemas.openxmlformats.org/drawingml/2006/main" xmlns:r="http://schemas.openxmlformats.org/officeDocument/2006/relationships" xmlns:p="http://schemas.openxmlformats.org/presentationml/2006/main">
   <p:cSld>
     <p:spTree>
@@ -9147,7 +11148,7 @@
             <a:fld id="{1397BFD8-F312-4EF2-A268-44FB4BDDBBB0}" type="slidenum">
               <a:rPr lang="ru-RU" smtClean="0"/>
               <a:pPr algn="ctr"/>
-              <a:t>21</a:t>
+              <a:t>23</a:t>
             </a:fld>
             <a:endParaRPr lang="ru-RU" dirty="0"/>
           </a:p>
@@ -9727,13 +11728,8 @@
             </a:pPr>
             <a:r>
               <a:rPr lang="en-US" sz="4000" dirty="0" smtClean="0"/>
-              <a:t>Increase your computer </a:t>
-            </a:r>
-            <a:r>
-              <a:rPr lang="en-US" sz="4000" dirty="0" smtClean="0"/>
-              <a:t>literacy</a:t>
-            </a:r>
-            <a:endParaRPr lang="en-US" sz="4000" dirty="0" smtClean="0"/>
+              <a:t>Increase your computer literacy</a:t>
+            </a:r>
           </a:p>
           <a:p>
             <a:pPr>
@@ -15236,16 +17232,7 @@
                 </a:solidFill>
                 <a:latin typeface="Consolas" panose="020B0609020204030204" pitchFamily="49" charset="0"/>
               </a:rPr>
-              <a:t>         </a:t>
-            </a:r>
-            <a:r>
-              <a:rPr lang="en-US" altLang="en-US" sz="1200" dirty="0" smtClean="0">
-                <a:solidFill>
-                  <a:srgbClr val="000000"/>
-                </a:solidFill>
-                <a:latin typeface="Consolas" panose="020B0609020204030204" pitchFamily="49" charset="0"/>
-              </a:rPr>
-              <a:t> </a:t>
+              <a:t>          </a:t>
             </a:r>
             <a:r>
               <a:rPr lang="en-US" altLang="en-US" sz="1200" dirty="0" smtClean="0">
@@ -19146,12 +21133,6 @@
     </p:tnLst>
   </p:timing>
 </p:sld>
-</file>
-
-<file path=ppt/tags/tag1.xml><?xml version="1.0" encoding="utf-8"?>
-<p:tagLst xmlns:a="http://schemas.openxmlformats.org/drawingml/2006/main" xmlns:r="http://schemas.openxmlformats.org/officeDocument/2006/relationships" xmlns:p="http://schemas.openxmlformats.org/presentationml/2006/main">
-  <p:tag name="_INSTRUCTOR VIEW19C14C36-AC8E-43BC-9DB6-C2AAF774C7DC|PANE__TAG" val="_"/>
-</p:tagLst>
 </file>
 
 <file path=ppt/theme/theme1.xml><?xml version="1.0" encoding="utf-8"?>

--- a/docs/part1ca/01_Introduction/CA_Lecture_01.pptx
+++ b/docs/part1ca/01_Introduction/CA_Lecture_01.pptx
@@ -5,10 +5,10 @@
     <p:sldMasterId id="2147483648" r:id="rId1"/>
   </p:sldMasterIdLst>
   <p:notesMasterIdLst>
-    <p:notesMasterId r:id="rId25"/>
+    <p:notesMasterId r:id="rId26"/>
   </p:notesMasterIdLst>
   <p:handoutMasterIdLst>
-    <p:handoutMasterId r:id="rId26"/>
+    <p:handoutMasterId r:id="rId27"/>
   </p:handoutMasterIdLst>
   <p:sldIdLst>
     <p:sldId id="256" r:id="rId2"/>
@@ -21,19 +21,20 @@
     <p:sldId id="283" r:id="rId9"/>
     <p:sldId id="284" r:id="rId10"/>
     <p:sldId id="285" r:id="rId11"/>
-    <p:sldId id="287" r:id="rId12"/>
-    <p:sldId id="279" r:id="rId13"/>
-    <p:sldId id="289" r:id="rId14"/>
-    <p:sldId id="290" r:id="rId15"/>
-    <p:sldId id="291" r:id="rId16"/>
-    <p:sldId id="288" r:id="rId17"/>
-    <p:sldId id="293" r:id="rId18"/>
-    <p:sldId id="295" r:id="rId19"/>
-    <p:sldId id="281" r:id="rId20"/>
-    <p:sldId id="294" r:id="rId21"/>
-    <p:sldId id="292" r:id="rId22"/>
-    <p:sldId id="296" r:id="rId23"/>
-    <p:sldId id="272" r:id="rId24"/>
+    <p:sldId id="297" r:id="rId12"/>
+    <p:sldId id="287" r:id="rId13"/>
+    <p:sldId id="279" r:id="rId14"/>
+    <p:sldId id="289" r:id="rId15"/>
+    <p:sldId id="290" r:id="rId16"/>
+    <p:sldId id="291" r:id="rId17"/>
+    <p:sldId id="288" r:id="rId18"/>
+    <p:sldId id="293" r:id="rId19"/>
+    <p:sldId id="295" r:id="rId20"/>
+    <p:sldId id="281" r:id="rId21"/>
+    <p:sldId id="294" r:id="rId22"/>
+    <p:sldId id="292" r:id="rId23"/>
+    <p:sldId id="296" r:id="rId24"/>
+    <p:sldId id="272" r:id="rId25"/>
   </p:sldIdLst>
   <p:sldSz cx="12192000" cy="6858000"/>
   <p:notesSz cx="6858000" cy="9144000"/>
@@ -921,7 +922,7 @@
             <a:fld id="{5583B3A5-99BF-45D9-956B-DC57CC23AD97}" type="slidenum">
               <a:rPr lang="ru-RU" smtClean="0"/>
               <a:pPr/>
-              <a:t>23</a:t>
+              <a:t>24</a:t>
             </a:fld>
             <a:endParaRPr lang="ru-RU"/>
           </a:p>
@@ -4620,10 +4621,10 @@
                     <a:lstStyle/>
                     <a:p>
                       <a:r>
-                        <a:rPr lang="en-US" sz="2000" smtClean="0"/>
+                        <a:rPr lang="en-US" sz="2000" dirty="0" smtClean="0"/>
                         <a:t>8 GB</a:t>
                       </a:r>
-                      <a:endParaRPr lang="en-US" sz="2000"/>
+                      <a:endParaRPr lang="en-US" sz="2000" dirty="0"/>
                     </a:p>
                   </a:txBody>
                   <a:tcPr/>
@@ -4917,6 +4918,402 @@
       </p:grpSpPr>
       <p:sp>
         <p:nvSpPr>
+          <p:cNvPr id="3" name="Slide Number Placeholder 2"/>
+          <p:cNvSpPr>
+            <a:spLocks noGrp="1"/>
+          </p:cNvSpPr>
+          <p:nvPr>
+            <p:ph type="sldNum" sz="quarter" idx="12"/>
+          </p:nvPr>
+        </p:nvSpPr>
+        <p:spPr/>
+        <p:txBody>
+          <a:bodyPr/>
+          <a:lstStyle/>
+          <a:p>
+            <a:pPr algn="ctr"/>
+            <a:fld id="{1397BFD8-F312-4EF2-A268-44FB4BDDBBB0}" type="slidenum">
+              <a:rPr lang="ru-RU" smtClean="0"/>
+              <a:pPr algn="ctr"/>
+              <a:t>11</a:t>
+            </a:fld>
+            <a:endParaRPr lang="ru-RU" dirty="0"/>
+          </a:p>
+        </p:txBody>
+      </p:sp>
+      <p:sp>
+        <p:nvSpPr>
+          <p:cNvPr id="4" name="Title 3"/>
+          <p:cNvSpPr>
+            <a:spLocks noGrp="1"/>
+          </p:cNvSpPr>
+          <p:nvPr>
+            <p:ph type="title"/>
+          </p:nvPr>
+        </p:nvSpPr>
+        <p:spPr/>
+        <p:txBody>
+          <a:bodyPr/>
+          <a:lstStyle/>
+          <a:p>
+            <a:r>
+              <a:rPr lang="en-US" dirty="0" smtClean="0"/>
+              <a:t>What affects performance?</a:t>
+            </a:r>
+            <a:endParaRPr lang="en-US" dirty="0"/>
+          </a:p>
+        </p:txBody>
+      </p:sp>
+      <p:graphicFrame>
+        <p:nvGraphicFramePr>
+          <p:cNvPr id="5" name="Content Placeholder 4"/>
+          <p:cNvGraphicFramePr>
+            <a:graphicFrameLocks noGrp="1"/>
+          </p:cNvGraphicFramePr>
+          <p:nvPr>
+            <p:ph idx="1"/>
+            <p:extLst>
+              <p:ext uri="{D42A27DB-BD31-4B8C-83A1-F6EECF244321}">
+                <p14:modId xmlns:p14="http://schemas.microsoft.com/office/powerpoint/2010/main" val="895195415"/>
+              </p:ext>
+            </p:extLst>
+          </p:nvPr>
+        </p:nvGraphicFramePr>
+        <p:xfrm>
+          <a:off x="1206333" y="1298448"/>
+          <a:ext cx="9766467" cy="4541520"/>
+        </p:xfrm>
+        <a:graphic>
+          <a:graphicData uri="http://schemas.openxmlformats.org/drawingml/2006/table">
+            <a:tbl>
+              <a:tblPr firstRow="1" bandRow="1">
+                <a:tableStyleId>{5C22544A-7EE6-4342-B048-85BDC9FD1C3A}</a:tableStyleId>
+              </a:tblPr>
+              <a:tblGrid>
+                <a:gridCol w="5130459"/>
+                <a:gridCol w="4636008"/>
+              </a:tblGrid>
+              <a:tr h="393193">
+                <a:tc>
+                  <a:txBody>
+                    <a:bodyPr/>
+                    <a:lstStyle/>
+                    <a:p>
+                      <a:r>
+                        <a:rPr lang="en-US" sz="2800" dirty="0" smtClean="0">
+                          <a:solidFill>
+                            <a:srgbClr val="F7B217"/>
+                          </a:solidFill>
+                        </a:rPr>
+                        <a:t>Hardware/</a:t>
+                      </a:r>
+                      <a:r>
+                        <a:rPr lang="en-US" sz="2800" baseline="0" dirty="0" smtClean="0">
+                          <a:solidFill>
+                            <a:srgbClr val="F7B217"/>
+                          </a:solidFill>
+                        </a:rPr>
+                        <a:t>Software Component</a:t>
+                      </a:r>
+                      <a:endParaRPr lang="en-US" sz="2800" dirty="0">
+                        <a:solidFill>
+                          <a:srgbClr val="F7B217"/>
+                        </a:solidFill>
+                      </a:endParaRPr>
+                    </a:p>
+                  </a:txBody>
+                  <a:tcPr>
+                    <a:solidFill>
+                      <a:srgbClr val="2F5CB5"/>
+                    </a:solidFill>
+                  </a:tcPr>
+                </a:tc>
+                <a:tc>
+                  <a:txBody>
+                    <a:bodyPr/>
+                    <a:lstStyle/>
+                    <a:p>
+                      <a:r>
+                        <a:rPr lang="en-US" sz="2800" dirty="0" smtClean="0">
+                          <a:solidFill>
+                            <a:srgbClr val="F7B217"/>
+                          </a:solidFill>
+                        </a:rPr>
+                        <a:t>How It Affects Performance</a:t>
+                      </a:r>
+                      <a:endParaRPr lang="en-US" sz="2800" dirty="0">
+                        <a:solidFill>
+                          <a:srgbClr val="F7B217"/>
+                        </a:solidFill>
+                      </a:endParaRPr>
+                    </a:p>
+                  </a:txBody>
+                  <a:tcPr>
+                    <a:solidFill>
+                      <a:srgbClr val="2F5CB5"/>
+                    </a:solidFill>
+                  </a:tcPr>
+                </a:tc>
+              </a:tr>
+              <a:tr h="1187149">
+                <a:tc>
+                  <a:txBody>
+                    <a:bodyPr/>
+                    <a:lstStyle/>
+                    <a:p>
+                      <a:r>
+                        <a:rPr lang="en-US" sz="2400" b="1" dirty="0" smtClean="0">
+                          <a:solidFill>
+                            <a:srgbClr val="273272"/>
+                          </a:solidFill>
+                        </a:rPr>
+                        <a:t>Algorithm</a:t>
+                      </a:r>
+                      <a:endParaRPr lang="en-US" sz="2400" b="1" dirty="0">
+                        <a:solidFill>
+                          <a:srgbClr val="273272"/>
+                        </a:solidFill>
+                      </a:endParaRPr>
+                    </a:p>
+                  </a:txBody>
+                  <a:tcPr/>
+                </a:tc>
+                <a:tc>
+                  <a:txBody>
+                    <a:bodyPr/>
+                    <a:lstStyle/>
+                    <a:p>
+                      <a:r>
+                        <a:rPr lang="en-US" sz="2400" dirty="0" smtClean="0">
+                          <a:solidFill>
+                            <a:srgbClr val="273272"/>
+                          </a:solidFill>
+                        </a:rPr>
+                        <a:t>Determines</a:t>
+                      </a:r>
+                      <a:r>
+                        <a:rPr lang="en-US" sz="2400" baseline="0" dirty="0" smtClean="0">
+                          <a:solidFill>
+                            <a:srgbClr val="273272"/>
+                          </a:solidFill>
+                        </a:rPr>
+                        <a:t> both the number of source-level statements and the number of I/O operations executed</a:t>
+                      </a:r>
+                      <a:endParaRPr lang="en-US" sz="2400" dirty="0" smtClean="0">
+                        <a:solidFill>
+                          <a:srgbClr val="273272"/>
+                        </a:solidFill>
+                      </a:endParaRPr>
+                    </a:p>
+                  </a:txBody>
+                  <a:tcPr/>
+                </a:tc>
+              </a:tr>
+              <a:tr h="1187149">
+                <a:tc>
+                  <a:txBody>
+                    <a:bodyPr/>
+                    <a:lstStyle/>
+                    <a:p>
+                      <a:r>
+                        <a:rPr lang="en-US" sz="2400" b="1" dirty="0" smtClean="0">
+                          <a:solidFill>
+                            <a:srgbClr val="273272"/>
+                          </a:solidFill>
+                        </a:rPr>
+                        <a:t>Programming</a:t>
+                      </a:r>
+                      <a:r>
+                        <a:rPr lang="en-US" sz="2400" b="1" baseline="0" dirty="0" smtClean="0">
+                          <a:solidFill>
+                            <a:srgbClr val="273272"/>
+                          </a:solidFill>
+                        </a:rPr>
+                        <a:t> Language, Compiler, and Architecture</a:t>
+                      </a:r>
+                      <a:endParaRPr lang="en-US" sz="2400" b="1" dirty="0">
+                        <a:solidFill>
+                          <a:srgbClr val="273272"/>
+                        </a:solidFill>
+                      </a:endParaRPr>
+                    </a:p>
+                  </a:txBody>
+                  <a:tcPr/>
+                </a:tc>
+                <a:tc>
+                  <a:txBody>
+                    <a:bodyPr/>
+                    <a:lstStyle/>
+                    <a:p>
+                      <a:r>
+                        <a:rPr lang="en-US" sz="2400" dirty="0" smtClean="0">
+                          <a:solidFill>
+                            <a:srgbClr val="273272"/>
+                          </a:solidFill>
+                        </a:rPr>
+                        <a:t>Determines the number of computer instructions for each source-level statement</a:t>
+                      </a:r>
+                      <a:endParaRPr lang="en-US" sz="2400" dirty="0">
+                        <a:solidFill>
+                          <a:srgbClr val="273272"/>
+                        </a:solidFill>
+                      </a:endParaRPr>
+                    </a:p>
+                  </a:txBody>
+                  <a:tcPr/>
+                </a:tc>
+              </a:tr>
+              <a:tr h="821872">
+                <a:tc>
+                  <a:txBody>
+                    <a:bodyPr/>
+                    <a:lstStyle/>
+                    <a:p>
+                      <a:r>
+                        <a:rPr lang="en-US" sz="2400" b="1" dirty="0" smtClean="0">
+                          <a:solidFill>
+                            <a:srgbClr val="273272"/>
+                          </a:solidFill>
+                        </a:rPr>
+                        <a:t>Processor and Memory System</a:t>
+                      </a:r>
+                      <a:endParaRPr lang="en-US" sz="2400" b="1" dirty="0">
+                        <a:solidFill>
+                          <a:srgbClr val="273272"/>
+                        </a:solidFill>
+                      </a:endParaRPr>
+                    </a:p>
+                  </a:txBody>
+                  <a:tcPr/>
+                </a:tc>
+                <a:tc>
+                  <a:txBody>
+                    <a:bodyPr/>
+                    <a:lstStyle/>
+                    <a:p>
+                      <a:r>
+                        <a:rPr lang="en-US" sz="2400" dirty="0" smtClean="0">
+                          <a:solidFill>
+                            <a:srgbClr val="273272"/>
+                          </a:solidFill>
+                        </a:rPr>
+                        <a:t>Determines</a:t>
+                      </a:r>
+                      <a:r>
+                        <a:rPr lang="en-US" sz="2400" baseline="0" dirty="0" smtClean="0">
+                          <a:solidFill>
+                            <a:srgbClr val="273272"/>
+                          </a:solidFill>
+                        </a:rPr>
+                        <a:t> how fast instructions can be executed</a:t>
+                      </a:r>
+                      <a:endParaRPr lang="en-US" sz="2400" dirty="0">
+                        <a:solidFill>
+                          <a:srgbClr val="273272"/>
+                        </a:solidFill>
+                      </a:endParaRPr>
+                    </a:p>
+                  </a:txBody>
+                  <a:tcPr/>
+                </a:tc>
+              </a:tr>
+              <a:tr h="821872">
+                <a:tc>
+                  <a:txBody>
+                    <a:bodyPr/>
+                    <a:lstStyle/>
+                    <a:p>
+                      <a:r>
+                        <a:rPr lang="en-US" sz="2400" b="1" dirty="0" smtClean="0">
+                          <a:solidFill>
+                            <a:srgbClr val="273272"/>
+                          </a:solidFill>
+                        </a:rPr>
+                        <a:t>I/O System (Hardware and Operating System)</a:t>
+                      </a:r>
+                      <a:endParaRPr lang="en-US" sz="2400" b="1" dirty="0">
+                        <a:solidFill>
+                          <a:srgbClr val="273272"/>
+                        </a:solidFill>
+                      </a:endParaRPr>
+                    </a:p>
+                  </a:txBody>
+                  <a:tcPr/>
+                </a:tc>
+                <a:tc>
+                  <a:txBody>
+                    <a:bodyPr/>
+                    <a:lstStyle/>
+                    <a:p>
+                      <a:r>
+                        <a:rPr lang="en-US" sz="2400" dirty="0" smtClean="0">
+                          <a:solidFill>
+                            <a:srgbClr val="273272"/>
+                          </a:solidFill>
+                        </a:rPr>
+                        <a:t>Determines</a:t>
+                      </a:r>
+                      <a:r>
+                        <a:rPr lang="en-US" sz="2400" baseline="0" dirty="0" smtClean="0">
+                          <a:solidFill>
+                            <a:srgbClr val="273272"/>
+                          </a:solidFill>
+                        </a:rPr>
+                        <a:t> how fast I/O operations may be executed</a:t>
+                      </a:r>
+                      <a:endParaRPr lang="en-US" sz="2400" dirty="0">
+                        <a:solidFill>
+                          <a:srgbClr val="273272"/>
+                        </a:solidFill>
+                      </a:endParaRPr>
+                    </a:p>
+                  </a:txBody>
+                  <a:tcPr/>
+                </a:tc>
+              </a:tr>
+            </a:tbl>
+          </a:graphicData>
+        </a:graphic>
+      </p:graphicFrame>
+    </p:spTree>
+    <p:extLst>
+      <p:ext uri="{BB962C8B-B14F-4D97-AF65-F5344CB8AC3E}">
+        <p14:creationId xmlns:p14="http://schemas.microsoft.com/office/powerpoint/2010/main" val="1991606056"/>
+      </p:ext>
+    </p:extLst>
+  </p:cSld>
+  <p:clrMapOvr>
+    <a:masterClrMapping/>
+  </p:clrMapOvr>
+  <p:timing>
+    <p:tnLst>
+      <p:par>
+        <p:cTn id="1" dur="indefinite" restart="never" nodeType="tmRoot"/>
+      </p:par>
+    </p:tnLst>
+  </p:timing>
+</p:sld>
+</file>
+
+<file path=ppt/slides/slide12.xml><?xml version="1.0" encoding="utf-8"?>
+<p:sld xmlns:a="http://schemas.openxmlformats.org/drawingml/2006/main" xmlns:r="http://schemas.openxmlformats.org/officeDocument/2006/relationships" xmlns:p="http://schemas.openxmlformats.org/presentationml/2006/main">
+  <p:cSld>
+    <p:spTree>
+      <p:nvGrpSpPr>
+        <p:cNvPr id="1" name=""/>
+        <p:cNvGrpSpPr/>
+        <p:nvPr/>
+      </p:nvGrpSpPr>
+      <p:grpSpPr>
+        <a:xfrm>
+          <a:off x="0" y="0"/>
+          <a:ext cx="0" cy="0"/>
+          <a:chOff x="0" y="0"/>
+          <a:chExt cx="0" cy="0"/>
+        </a:xfrm>
+      </p:grpSpPr>
+      <p:sp>
+        <p:nvSpPr>
           <p:cNvPr id="2" name="Content Placeholder 1"/>
           <p:cNvSpPr>
             <a:spLocks noGrp="1"/>
@@ -4990,7 +5387,7 @@
             <a:fld id="{1397BFD8-F312-4EF2-A268-44FB4BDDBBB0}" type="slidenum">
               <a:rPr lang="ru-RU" smtClean="0"/>
               <a:pPr algn="ctr"/>
-              <a:t>11</a:t>
+              <a:t>12</a:t>
             </a:fld>
             <a:endParaRPr lang="ru-RU" dirty="0"/>
           </a:p>
@@ -5098,7 +5495,7 @@
 </p:sld>
 </file>
 
-<file path=ppt/slides/slide12.xml><?xml version="1.0" encoding="utf-8"?>
+<file path=ppt/slides/slide13.xml><?xml version="1.0" encoding="utf-8"?>
 <p:sld xmlns:a="http://schemas.openxmlformats.org/drawingml/2006/main" xmlns:r="http://schemas.openxmlformats.org/officeDocument/2006/relationships" xmlns:p="http://schemas.openxmlformats.org/presentationml/2006/main">
   <p:cSld>
     <p:spTree>
@@ -5204,7 +5601,7 @@
             <a:fld id="{1397BFD8-F312-4EF2-A268-44FB4BDDBBB0}" type="slidenum">
               <a:rPr lang="ru-RU" smtClean="0"/>
               <a:pPr algn="ctr"/>
-              <a:t>12</a:t>
+              <a:t>13</a:t>
             </a:fld>
             <a:endParaRPr lang="ru-RU" dirty="0"/>
           </a:p>
@@ -5810,7 +6207,7 @@
 </p:sld>
 </file>
 
-<file path=ppt/slides/slide13.xml><?xml version="1.0" encoding="utf-8"?>
+<file path=ppt/slides/slide14.xml><?xml version="1.0" encoding="utf-8"?>
 <p:sld xmlns:a="http://schemas.openxmlformats.org/drawingml/2006/main" xmlns:r="http://schemas.openxmlformats.org/officeDocument/2006/relationships" xmlns:p="http://schemas.openxmlformats.org/presentationml/2006/main">
   <p:cSld>
     <p:spTree>
@@ -5916,7 +6313,7 @@
             <a:fld id="{1397BFD8-F312-4EF2-A268-44FB4BDDBBB0}" type="slidenum">
               <a:rPr lang="ru-RU" smtClean="0"/>
               <a:pPr algn="ctr"/>
-              <a:t>13</a:t>
+              <a:t>14</a:t>
             </a:fld>
             <a:endParaRPr lang="ru-RU" dirty="0"/>
           </a:p>
@@ -6028,7 +6425,7 @@
 </p:sld>
 </file>
 
-<file path=ppt/slides/slide14.xml><?xml version="1.0" encoding="utf-8"?>
+<file path=ppt/slides/slide15.xml><?xml version="1.0" encoding="utf-8"?>
 <p:sld xmlns:a="http://schemas.openxmlformats.org/drawingml/2006/main" xmlns:r="http://schemas.openxmlformats.org/officeDocument/2006/relationships" xmlns:p="http://schemas.openxmlformats.org/presentationml/2006/main">
   <p:cSld>
     <p:spTree>
@@ -6175,7 +6572,7 @@
             <a:fld id="{1397BFD8-F312-4EF2-A268-44FB4BDDBBB0}" type="slidenum">
               <a:rPr lang="ru-RU" smtClean="0"/>
               <a:pPr algn="ctr"/>
-              <a:t>14</a:t>
+              <a:t>15</a:t>
             </a:fld>
             <a:endParaRPr lang="ru-RU" dirty="0"/>
           </a:p>
@@ -6667,7 +7064,7 @@
 </p:sld>
 </file>
 
-<file path=ppt/slides/slide15.xml><?xml version="1.0" encoding="utf-8"?>
+<file path=ppt/slides/slide16.xml><?xml version="1.0" encoding="utf-8"?>
 <p:sld xmlns:a="http://schemas.openxmlformats.org/drawingml/2006/main" xmlns:r="http://schemas.openxmlformats.org/officeDocument/2006/relationships" xmlns:p="http://schemas.openxmlformats.org/presentationml/2006/main">
   <p:cSld>
     <p:spTree>
@@ -6795,7 +7192,7 @@
             <a:fld id="{1397BFD8-F312-4EF2-A268-44FB4BDDBBB0}" type="slidenum">
               <a:rPr lang="ru-RU" smtClean="0"/>
               <a:pPr algn="ctr"/>
-              <a:t>15</a:t>
+              <a:t>16</a:t>
             </a:fld>
             <a:endParaRPr lang="ru-RU" dirty="0"/>
           </a:p>
@@ -6946,7 +7343,7 @@
 </p:sld>
 </file>
 
-<file path=ppt/slides/slide16.xml><?xml version="1.0" encoding="utf-8"?>
+<file path=ppt/slides/slide17.xml><?xml version="1.0" encoding="utf-8"?>
 <p:sld xmlns:a="http://schemas.openxmlformats.org/drawingml/2006/main" xmlns:r="http://schemas.openxmlformats.org/officeDocument/2006/relationships" xmlns:p="http://schemas.openxmlformats.org/presentationml/2006/main">
   <p:cSld>
     <p:spTree>
@@ -7079,7 +7476,7 @@
             <a:fld id="{1397BFD8-F312-4EF2-A268-44FB4BDDBBB0}" type="slidenum">
               <a:rPr lang="ru-RU" smtClean="0"/>
               <a:pPr algn="ctr"/>
-              <a:t>16</a:t>
+              <a:t>17</a:t>
             </a:fld>
             <a:endParaRPr lang="ru-RU" dirty="0"/>
           </a:p>
@@ -7204,7 +7601,7 @@
 </p:sld>
 </file>
 
-<file path=ppt/slides/slide17.xml><?xml version="1.0" encoding="utf-8"?>
+<file path=ppt/slides/slide18.xml><?xml version="1.0" encoding="utf-8"?>
 <p:sld xmlns:a="http://schemas.openxmlformats.org/drawingml/2006/main" xmlns:r="http://schemas.openxmlformats.org/officeDocument/2006/relationships" xmlns:p="http://schemas.openxmlformats.org/presentationml/2006/main">
   <p:cSld>
     <p:spTree>
@@ -7294,7 +7691,7 @@
             <a:fld id="{1397BFD8-F312-4EF2-A268-44FB4BDDBBB0}" type="slidenum">
               <a:rPr lang="ru-RU" smtClean="0"/>
               <a:pPr algn="ctr"/>
-              <a:t>17</a:t>
+              <a:t>18</a:t>
             </a:fld>
             <a:endParaRPr lang="ru-RU" dirty="0"/>
           </a:p>
@@ -9499,7 +9896,7 @@
 </p:sld>
 </file>
 
-<file path=ppt/slides/slide18.xml><?xml version="1.0" encoding="utf-8"?>
+<file path=ppt/slides/slide19.xml><?xml version="1.0" encoding="utf-8"?>
 <p:sld xmlns:a="http://schemas.openxmlformats.org/drawingml/2006/main" xmlns:r="http://schemas.openxmlformats.org/officeDocument/2006/relationships" xmlns:p="http://schemas.openxmlformats.org/presentationml/2006/main">
   <p:cSld>
     <p:spTree>
@@ -9615,7 +10012,7 @@
             <a:fld id="{1397BFD8-F312-4EF2-A268-44FB4BDDBBB0}" type="slidenum">
               <a:rPr lang="ru-RU" smtClean="0"/>
               <a:pPr algn="ctr"/>
-              <a:t>18</a:t>
+              <a:t>19</a:t>
             </a:fld>
             <a:endParaRPr lang="ru-RU" dirty="0"/>
           </a:p>
@@ -9664,7 +10061,196 @@
 </p:sld>
 </file>
 
-<file path=ppt/slides/slide19.xml><?xml version="1.0" encoding="utf-8"?>
+<file path=ppt/slides/slide2.xml><?xml version="1.0" encoding="utf-8"?>
+<p:sld xmlns:a="http://schemas.openxmlformats.org/drawingml/2006/main" xmlns:r="http://schemas.openxmlformats.org/officeDocument/2006/relationships" xmlns:p="http://schemas.openxmlformats.org/presentationml/2006/main">
+  <p:cSld>
+    <p:spTree>
+      <p:nvGrpSpPr>
+        <p:cNvPr id="1" name=""/>
+        <p:cNvGrpSpPr/>
+        <p:nvPr/>
+      </p:nvGrpSpPr>
+      <p:grpSpPr>
+        <a:xfrm>
+          <a:off x="0" y="0"/>
+          <a:ext cx="0" cy="0"/>
+          <a:chOff x="0" y="0"/>
+          <a:chExt cx="0" cy="0"/>
+        </a:xfrm>
+      </p:grpSpPr>
+      <p:sp>
+        <p:nvSpPr>
+          <p:cNvPr id="2" name="Содержимое 1"/>
+          <p:cNvSpPr>
+            <a:spLocks noGrp="1"/>
+          </p:cNvSpPr>
+          <p:nvPr>
+            <p:ph idx="1"/>
+          </p:nvPr>
+        </p:nvSpPr>
+        <p:spPr>
+          <a:xfrm>
+            <a:off x="838200" y="3515100"/>
+            <a:ext cx="10515600" cy="3016329"/>
+          </a:xfrm>
+        </p:spPr>
+        <p:txBody>
+          <a:bodyPr>
+            <a:normAutofit fontScale="92500" lnSpcReduction="10000"/>
+          </a:bodyPr>
+          <a:lstStyle/>
+          <a:p>
+            <a:r>
+              <a:rPr lang="en-US" sz="3500" b="1" dirty="0" smtClean="0"/>
+              <a:t>Wiki</a:t>
+            </a:r>
+            <a:endParaRPr lang="en-US" sz="3500" b="1" dirty="0" smtClean="0">
+              <a:hlinkClick r:id="rId2"/>
+            </a:endParaRPr>
+          </a:p>
+          <a:p>
+            <a:pPr>
+              <a:buNone/>
+            </a:pPr>
+            <a:r>
+              <a:rPr lang="en-US" sz="3200" dirty="0" smtClean="0">
+                <a:hlinkClick r:id="rId2"/>
+              </a:rPr>
+              <a:t>http://wiki.cs.hse.ru/ACOS_DSBA_2020/2021</a:t>
+            </a:r>
+          </a:p>
+          <a:p>
+            <a:r>
+              <a:rPr lang="en-US" sz="3500" b="1" dirty="0" smtClean="0"/>
+              <a:t>Web site</a:t>
+            </a:r>
+            <a:endParaRPr lang="ru-RU" sz="3500" b="1" dirty="0" smtClean="0"/>
+          </a:p>
+          <a:p>
+            <a:pPr>
+              <a:buNone/>
+            </a:pPr>
+            <a:r>
+              <a:rPr lang="en-US" sz="3200" dirty="0" smtClean="0">
+                <a:hlinkClick r:id="rId2"/>
+              </a:rPr>
+              <a:t>https://andrewt0301.github.io/hse-acos-course/</a:t>
+            </a:r>
+            <a:endParaRPr lang="en-US" sz="3200" dirty="0" smtClean="0"/>
+          </a:p>
+          <a:p>
+            <a:r>
+              <a:rPr lang="en-US" sz="3500" b="1" dirty="0" smtClean="0"/>
+              <a:t>Telegram channel</a:t>
+            </a:r>
+          </a:p>
+          <a:p>
+            <a:pPr>
+              <a:buNone/>
+            </a:pPr>
+            <a:r>
+              <a:rPr lang="en-US" sz="3200" dirty="0" smtClean="0">
+                <a:hlinkClick r:id="rId2"/>
+              </a:rPr>
+              <a:t>https://t.me/joinchat/AAAAAFDXhCd-WvYYZwBPGQ</a:t>
+            </a:r>
+          </a:p>
+          <a:p>
+            <a:pPr>
+              <a:buNone/>
+            </a:pPr>
+            <a:endParaRPr lang="en-US" sz="3200" dirty="0" smtClean="0"/>
+          </a:p>
+        </p:txBody>
+      </p:sp>
+      <p:sp>
+        <p:nvSpPr>
+          <p:cNvPr id="3" name="Номер слайда 2"/>
+          <p:cNvSpPr>
+            <a:spLocks noGrp="1"/>
+          </p:cNvSpPr>
+          <p:nvPr>
+            <p:ph type="sldNum" sz="quarter" idx="12"/>
+          </p:nvPr>
+        </p:nvSpPr>
+        <p:spPr/>
+        <p:txBody>
+          <a:bodyPr/>
+          <a:lstStyle/>
+          <a:p>
+            <a:pPr algn="ctr"/>
+            <a:fld id="{1397BFD8-F312-4EF2-A268-44FB4BDDBBB0}" type="slidenum">
+              <a:rPr lang="ru-RU" smtClean="0"/>
+              <a:pPr algn="ctr"/>
+              <a:t>2</a:t>
+            </a:fld>
+            <a:endParaRPr lang="ru-RU" dirty="0"/>
+          </a:p>
+        </p:txBody>
+      </p:sp>
+      <p:sp>
+        <p:nvSpPr>
+          <p:cNvPr id="4" name="Заголовок 3"/>
+          <p:cNvSpPr>
+            <a:spLocks noGrp="1"/>
+          </p:cNvSpPr>
+          <p:nvPr>
+            <p:ph type="title"/>
+          </p:nvPr>
+        </p:nvSpPr>
+        <p:spPr/>
+        <p:txBody>
+          <a:bodyPr/>
+          <a:lstStyle/>
+          <a:p>
+            <a:r>
+              <a:rPr lang="en-US" dirty="0" smtClean="0"/>
+              <a:t>Course Resources</a:t>
+            </a:r>
+            <a:endParaRPr lang="ru-RU" dirty="0"/>
+          </a:p>
+        </p:txBody>
+      </p:sp>
+      <p:pic>
+        <p:nvPicPr>
+          <p:cNvPr id="6" name="Рисунок 5" descr="hifive-unleashed-logo.png"/>
+          <p:cNvPicPr>
+            <a:picLocks noChangeAspect="1"/>
+          </p:cNvPicPr>
+          <p:nvPr/>
+        </p:nvPicPr>
+        <p:blipFill>
+          <a:blip r:embed="rId3" cstate="print"/>
+          <a:stretch>
+            <a:fillRect/>
+          </a:stretch>
+        </p:blipFill>
+        <p:spPr>
+          <a:xfrm>
+            <a:off x="3083501" y="1079358"/>
+            <a:ext cx="6191250" cy="2371725"/>
+          </a:xfrm>
+          <a:prstGeom prst="rect">
+            <a:avLst/>
+          </a:prstGeom>
+        </p:spPr>
+      </p:pic>
+    </p:spTree>
+  </p:cSld>
+  <p:clrMapOvr>
+    <a:masterClrMapping/>
+  </p:clrMapOvr>
+  <p:timing>
+    <p:tnLst>
+      <p:par>
+        <p:cTn id="1" dur="indefinite" restart="never" nodeType="tmRoot"/>
+      </p:par>
+    </p:tnLst>
+  </p:timing>
+</p:sld>
+</file>
+
+<file path=ppt/slides/slide20.xml><?xml version="1.0" encoding="utf-8"?>
 <p:sld xmlns:a="http://schemas.openxmlformats.org/drawingml/2006/main" xmlns:r="http://schemas.openxmlformats.org/officeDocument/2006/relationships" xmlns:p="http://schemas.openxmlformats.org/presentationml/2006/main">
   <p:cSld>
     <p:spTree>
@@ -9700,7 +10286,7 @@
             <a:fld id="{1397BFD8-F312-4EF2-A268-44FB4BDDBBB0}" type="slidenum">
               <a:rPr lang="ru-RU" smtClean="0"/>
               <a:pPr algn="ctr"/>
-              <a:t>19</a:t>
+              <a:t>20</a:t>
             </a:fld>
             <a:endParaRPr lang="ru-RU" dirty="0"/>
           </a:p>
@@ -9992,196 +10578,7 @@
 </p:sld>
 </file>
 
-<file path=ppt/slides/slide2.xml><?xml version="1.0" encoding="utf-8"?>
-<p:sld xmlns:a="http://schemas.openxmlformats.org/drawingml/2006/main" xmlns:r="http://schemas.openxmlformats.org/officeDocument/2006/relationships" xmlns:p="http://schemas.openxmlformats.org/presentationml/2006/main">
-  <p:cSld>
-    <p:spTree>
-      <p:nvGrpSpPr>
-        <p:cNvPr id="1" name=""/>
-        <p:cNvGrpSpPr/>
-        <p:nvPr/>
-      </p:nvGrpSpPr>
-      <p:grpSpPr>
-        <a:xfrm>
-          <a:off x="0" y="0"/>
-          <a:ext cx="0" cy="0"/>
-          <a:chOff x="0" y="0"/>
-          <a:chExt cx="0" cy="0"/>
-        </a:xfrm>
-      </p:grpSpPr>
-      <p:sp>
-        <p:nvSpPr>
-          <p:cNvPr id="2" name="Содержимое 1"/>
-          <p:cNvSpPr>
-            <a:spLocks noGrp="1"/>
-          </p:cNvSpPr>
-          <p:nvPr>
-            <p:ph idx="1"/>
-          </p:nvPr>
-        </p:nvSpPr>
-        <p:spPr>
-          <a:xfrm>
-            <a:off x="838200" y="3515100"/>
-            <a:ext cx="10515600" cy="3016329"/>
-          </a:xfrm>
-        </p:spPr>
-        <p:txBody>
-          <a:bodyPr>
-            <a:normAutofit fontScale="92500" lnSpcReduction="10000"/>
-          </a:bodyPr>
-          <a:lstStyle/>
-          <a:p>
-            <a:r>
-              <a:rPr lang="en-US" sz="3500" b="1" dirty="0" smtClean="0"/>
-              <a:t>Wiki</a:t>
-            </a:r>
-            <a:endParaRPr lang="en-US" sz="3500" b="1" dirty="0" smtClean="0">
-              <a:hlinkClick r:id="rId2"/>
-            </a:endParaRPr>
-          </a:p>
-          <a:p>
-            <a:pPr>
-              <a:buNone/>
-            </a:pPr>
-            <a:r>
-              <a:rPr lang="en-US" sz="3200" dirty="0" smtClean="0">
-                <a:hlinkClick r:id="rId2"/>
-              </a:rPr>
-              <a:t>http://wiki.cs.hse.ru/ACOS_DSBA_2020/2021</a:t>
-            </a:r>
-          </a:p>
-          <a:p>
-            <a:r>
-              <a:rPr lang="en-US" sz="3500" b="1" dirty="0" smtClean="0"/>
-              <a:t>Web site</a:t>
-            </a:r>
-            <a:endParaRPr lang="ru-RU" sz="3500" b="1" dirty="0" smtClean="0"/>
-          </a:p>
-          <a:p>
-            <a:pPr>
-              <a:buNone/>
-            </a:pPr>
-            <a:r>
-              <a:rPr lang="en-US" sz="3200" dirty="0" smtClean="0">
-                <a:hlinkClick r:id="rId2"/>
-              </a:rPr>
-              <a:t>https://andrewt0301.github.io/hse-acos-course/</a:t>
-            </a:r>
-            <a:endParaRPr lang="en-US" sz="3200" dirty="0" smtClean="0"/>
-          </a:p>
-          <a:p>
-            <a:r>
-              <a:rPr lang="en-US" sz="3500" b="1" dirty="0" smtClean="0"/>
-              <a:t>Telegram channel</a:t>
-            </a:r>
-          </a:p>
-          <a:p>
-            <a:pPr>
-              <a:buNone/>
-            </a:pPr>
-            <a:r>
-              <a:rPr lang="en-US" sz="3200" dirty="0" smtClean="0">
-                <a:hlinkClick r:id="rId2"/>
-              </a:rPr>
-              <a:t>https://t.me/joinchat/AAAAAFDXhCd-WvYYZwBPGQ</a:t>
-            </a:r>
-          </a:p>
-          <a:p>
-            <a:pPr>
-              <a:buNone/>
-            </a:pPr>
-            <a:endParaRPr lang="en-US" sz="3200" dirty="0" smtClean="0"/>
-          </a:p>
-        </p:txBody>
-      </p:sp>
-      <p:sp>
-        <p:nvSpPr>
-          <p:cNvPr id="3" name="Номер слайда 2"/>
-          <p:cNvSpPr>
-            <a:spLocks noGrp="1"/>
-          </p:cNvSpPr>
-          <p:nvPr>
-            <p:ph type="sldNum" sz="quarter" idx="12"/>
-          </p:nvPr>
-        </p:nvSpPr>
-        <p:spPr/>
-        <p:txBody>
-          <a:bodyPr/>
-          <a:lstStyle/>
-          <a:p>
-            <a:pPr algn="ctr"/>
-            <a:fld id="{1397BFD8-F312-4EF2-A268-44FB4BDDBBB0}" type="slidenum">
-              <a:rPr lang="ru-RU" smtClean="0"/>
-              <a:pPr algn="ctr"/>
-              <a:t>2</a:t>
-            </a:fld>
-            <a:endParaRPr lang="ru-RU" dirty="0"/>
-          </a:p>
-        </p:txBody>
-      </p:sp>
-      <p:sp>
-        <p:nvSpPr>
-          <p:cNvPr id="4" name="Заголовок 3"/>
-          <p:cNvSpPr>
-            <a:spLocks noGrp="1"/>
-          </p:cNvSpPr>
-          <p:nvPr>
-            <p:ph type="title"/>
-          </p:nvPr>
-        </p:nvSpPr>
-        <p:spPr/>
-        <p:txBody>
-          <a:bodyPr/>
-          <a:lstStyle/>
-          <a:p>
-            <a:r>
-              <a:rPr lang="en-US" dirty="0" smtClean="0"/>
-              <a:t>Course Resources</a:t>
-            </a:r>
-            <a:endParaRPr lang="ru-RU" dirty="0"/>
-          </a:p>
-        </p:txBody>
-      </p:sp>
-      <p:pic>
-        <p:nvPicPr>
-          <p:cNvPr id="6" name="Рисунок 5" descr="hifive-unleashed-logo.png"/>
-          <p:cNvPicPr>
-            <a:picLocks noChangeAspect="1"/>
-          </p:cNvPicPr>
-          <p:nvPr/>
-        </p:nvPicPr>
-        <p:blipFill>
-          <a:blip r:embed="rId3" cstate="print"/>
-          <a:stretch>
-            <a:fillRect/>
-          </a:stretch>
-        </p:blipFill>
-        <p:spPr>
-          <a:xfrm>
-            <a:off x="3083501" y="1079358"/>
-            <a:ext cx="6191250" cy="2371725"/>
-          </a:xfrm>
-          <a:prstGeom prst="rect">
-            <a:avLst/>
-          </a:prstGeom>
-        </p:spPr>
-      </p:pic>
-    </p:spTree>
-  </p:cSld>
-  <p:clrMapOvr>
-    <a:masterClrMapping/>
-  </p:clrMapOvr>
-  <p:timing>
-    <p:tnLst>
-      <p:par>
-        <p:cTn id="1" dur="indefinite" restart="never" nodeType="tmRoot"/>
-      </p:par>
-    </p:tnLst>
-  </p:timing>
-</p:sld>
-</file>
-
-<file path=ppt/slides/slide20.xml><?xml version="1.0" encoding="utf-8"?>
+<file path=ppt/slides/slide21.xml><?xml version="1.0" encoding="utf-8"?>
 <p:sld xmlns:a="http://schemas.openxmlformats.org/drawingml/2006/main" xmlns:r="http://schemas.openxmlformats.org/officeDocument/2006/relationships" xmlns:p="http://schemas.openxmlformats.org/presentationml/2006/main">
   <p:cSld>
     <p:spTree>
@@ -10217,7 +10614,7 @@
             <a:fld id="{1397BFD8-F312-4EF2-A268-44FB4BDDBBB0}" type="slidenum">
               <a:rPr lang="ru-RU" smtClean="0"/>
               <a:pPr algn="ctr"/>
-              <a:t>20</a:t>
+              <a:t>21</a:t>
             </a:fld>
             <a:endParaRPr lang="ru-RU" dirty="0"/>
           </a:p>
@@ -10320,7 +10717,7 @@
 </p:sld>
 </file>
 
-<file path=ppt/slides/slide21.xml><?xml version="1.0" encoding="utf-8"?>
+<file path=ppt/slides/slide22.xml><?xml version="1.0" encoding="utf-8"?>
 <p:sld xmlns:a="http://schemas.openxmlformats.org/drawingml/2006/main" xmlns:r="http://schemas.openxmlformats.org/officeDocument/2006/relationships" xmlns:p="http://schemas.openxmlformats.org/presentationml/2006/main">
   <p:cSld>
     <p:spTree>
@@ -10356,7 +10753,7 @@
             <a:fld id="{1397BFD8-F312-4EF2-A268-44FB4BDDBBB0}" type="slidenum">
               <a:rPr lang="ru-RU" smtClean="0"/>
               <a:pPr algn="ctr"/>
-              <a:t>21</a:t>
+              <a:t>22</a:t>
             </a:fld>
             <a:endParaRPr lang="ru-RU" dirty="0"/>
           </a:p>
@@ -10429,7 +10826,7 @@
 </p:sld>
 </file>
 
-<file path=ppt/slides/slide22.xml><?xml version="1.0" encoding="utf-8"?>
+<file path=ppt/slides/slide23.xml><?xml version="1.0" encoding="utf-8"?>
 <p:sld xmlns:a="http://schemas.openxmlformats.org/drawingml/2006/main" xmlns:r="http://schemas.openxmlformats.org/officeDocument/2006/relationships" xmlns:p="http://schemas.openxmlformats.org/presentationml/2006/main">
   <p:cSld>
     <p:spTree>
@@ -10475,7 +10872,15 @@
             </a:pPr>
             <a:r>
               <a:rPr lang="en-US" sz="3900" dirty="0" smtClean="0"/>
-              <a:t>To create software that efficiently deals with big data, you need to understand how hardware is organized and managed by operating system </a:t>
+              <a:t>To create software that efficiently deals with big data, </a:t>
+            </a:r>
+            <a:r>
+              <a:rPr lang="en-US" sz="3900" dirty="0" smtClean="0"/>
+              <a:t>we </a:t>
+            </a:r>
+            <a:r>
+              <a:rPr lang="en-US" sz="3900" dirty="0" smtClean="0"/>
+              <a:t>need to understand how hardware is organized and managed by operating system </a:t>
             </a:r>
           </a:p>
           <a:p>
@@ -10544,7 +10949,7 @@
             <a:fld id="{1397BFD8-F312-4EF2-A268-44FB4BDDBBB0}" type="slidenum">
               <a:rPr lang="ru-RU" smtClean="0"/>
               <a:pPr algn="ctr"/>
-              <a:t>22</a:t>
+              <a:t>23</a:t>
             </a:fld>
             <a:endParaRPr lang="ru-RU" dirty="0"/>
           </a:p>
@@ -10593,7 +10998,7 @@
 </p:sld>
 </file>
 
-<file path=ppt/slides/slide23.xml><?xml version="1.0" encoding="utf-8"?>
+<file path=ppt/slides/slide24.xml><?xml version="1.0" encoding="utf-8"?>
 <p:sld xmlns:a="http://schemas.openxmlformats.org/drawingml/2006/main" xmlns:r="http://schemas.openxmlformats.org/officeDocument/2006/relationships" xmlns:p="http://schemas.openxmlformats.org/presentationml/2006/main">
   <p:cSld>
     <p:spTree>
@@ -11148,7 +11553,7 @@
             <a:fld id="{1397BFD8-F312-4EF2-A268-44FB4BDDBBB0}" type="slidenum">
               <a:rPr lang="ru-RU" smtClean="0"/>
               <a:pPr algn="ctr"/>
-              <a:t>23</a:t>
+              <a:t>24</a:t>
             </a:fld>
             <a:endParaRPr lang="ru-RU" dirty="0"/>
           </a:p>

--- a/docs/part1ca/01_Introduction/CA_Lecture_01.pptx
+++ b/docs/part1ca/01_Introduction/CA_Lecture_01.pptx
@@ -5,10 +5,10 @@
     <p:sldMasterId id="2147483648" r:id="rId1"/>
   </p:sldMasterIdLst>
   <p:notesMasterIdLst>
-    <p:notesMasterId r:id="rId26"/>
+    <p:notesMasterId r:id="rId27"/>
   </p:notesMasterIdLst>
   <p:handoutMasterIdLst>
-    <p:handoutMasterId r:id="rId27"/>
+    <p:handoutMasterId r:id="rId28"/>
   </p:handoutMasterIdLst>
   <p:sldIdLst>
     <p:sldId id="256" r:id="rId2"/>
@@ -33,8 +33,9 @@
     <p:sldId id="281" r:id="rId21"/>
     <p:sldId id="294" r:id="rId22"/>
     <p:sldId id="292" r:id="rId23"/>
-    <p:sldId id="296" r:id="rId24"/>
-    <p:sldId id="272" r:id="rId25"/>
+    <p:sldId id="298" r:id="rId24"/>
+    <p:sldId id="296" r:id="rId25"/>
+    <p:sldId id="272" r:id="rId26"/>
   </p:sldIdLst>
   <p:sldSz cx="12192000" cy="6858000"/>
   <p:notesSz cx="6858000" cy="9144000"/>
@@ -257,7 +258,7 @@
             <a:fld id="{D0106195-8D78-4F6F-B8E4-FA67975ACEF5}" type="datetimeFigureOut">
               <a:rPr lang="ru-RU" smtClean="0"/>
               <a:pPr/>
-              <a:t>21.10.2020</a:t>
+              <a:t>22.10.2020</a:t>
             </a:fld>
             <a:endParaRPr lang="ru-RU"/>
           </a:p>
@@ -425,7 +426,7 @@
             <a:fld id="{878212F1-C3D9-4F2B-8F42-5E960FE8BE51}" type="datetimeFigureOut">
               <a:rPr lang="ru-RU" smtClean="0"/>
               <a:pPr/>
-              <a:t>21.10.2020</a:t>
+              <a:t>22.10.2020</a:t>
             </a:fld>
             <a:endParaRPr lang="ru-RU"/>
           </a:p>
@@ -922,7 +923,7 @@
             <a:fld id="{5583B3A5-99BF-45D9-956B-DC57CC23AD97}" type="slidenum">
               <a:rPr lang="ru-RU" smtClean="0"/>
               <a:pPr/>
-              <a:t>24</a:t>
+              <a:t>25</a:t>
             </a:fld>
             <a:endParaRPr lang="ru-RU"/>
           </a:p>
@@ -7094,7 +7095,7 @@
         <p:spPr>
           <a:xfrm>
             <a:off x="838200" y="1178052"/>
-            <a:ext cx="7404100" cy="5492305"/>
+            <a:ext cx="7341704" cy="5492305"/>
           </a:xfrm>
         </p:spPr>
         <p:txBody>
@@ -9942,8 +9943,13 @@
             </a:pPr>
             <a:r>
               <a:rPr lang="en-US" dirty="0"/>
-              <a:t>Gordon Moore (1929-...) cofounded Intel in 1968 with Robert Noyce.</a:t>
-            </a:r>
+              <a:t>Gordon Moore (1929-...) cofounded Intel in 1968 with Robert </a:t>
+            </a:r>
+            <a:r>
+              <a:rPr lang="en-US" dirty="0" smtClean="0"/>
+              <a:t>Noyce</a:t>
+            </a:r>
+            <a:endParaRPr lang="en-US" dirty="0"/>
           </a:p>
           <a:p>
             <a:pPr>
@@ -10349,8 +10355,8 @@
         </p:nvSpPr>
         <p:spPr bwMode="auto">
           <a:xfrm>
-            <a:off x="2508802" y="6371263"/>
-            <a:ext cx="7174395" cy="331969"/>
+            <a:off x="2196548" y="6301690"/>
+            <a:ext cx="7486649" cy="387346"/>
           </a:xfrm>
           <a:prstGeom prst="borderCallout1">
             <a:avLst>
@@ -10365,7 +10371,7 @@
           </a:solidFill>
           <a:ln w="25400">
             <a:solidFill>
-              <a:schemeClr val="tx1"/>
+              <a:srgbClr val="273272"/>
             </a:solidFill>
             <a:miter lim="800000"/>
             <a:headEnd/>
@@ -10552,12 +10558,97 @@
               <a:buNone/>
             </a:pPr>
             <a:r>
-              <a:rPr lang="en-AU" altLang="en-US" sz="1800"/>
+              <a:rPr lang="en-AU" altLang="en-US" sz="2000" dirty="0">
+                <a:latin typeface="+mn-lt"/>
+              </a:rPr>
               <a:t>Constrained by power, instruction-level parallelism, memory latency</a:t>
             </a:r>
           </a:p>
         </p:txBody>
       </p:sp>
+      <p:sp>
+        <p:nvSpPr>
+          <p:cNvPr id="7" name="Text Box 8"/>
+          <p:cNvSpPr txBox="1">
+            <a:spLocks noChangeArrowheads="1"/>
+          </p:cNvSpPr>
+          <p:nvPr/>
+        </p:nvSpPr>
+        <p:spPr bwMode="auto">
+          <a:xfrm>
+            <a:off x="4177680" y="1016124"/>
+            <a:ext cx="3240360" cy="400110"/>
+          </a:xfrm>
+          <a:prstGeom prst="rect">
+            <a:avLst/>
+          </a:prstGeom>
+          <a:noFill/>
+          <a:ln w="9525" algn="ctr">
+            <a:noFill/>
+            <a:miter lim="800000"/>
+            <a:headEnd/>
+            <a:tailEnd/>
+          </a:ln>
+          <a:effectLst/>
+        </p:spPr>
+        <p:txBody>
+          <a:bodyPr wrap="square">
+            <a:spAutoFit/>
+          </a:bodyPr>
+          <a:lstStyle/>
+          <a:p>
+            <a:pPr algn="ctr"/>
+            <a:r>
+              <a:rPr lang="en-US" sz="2000" dirty="0" smtClean="0">
+                <a:solidFill>
+                  <a:srgbClr val="FF0000"/>
+                </a:solidFill>
+              </a:rPr>
+              <a:t>Move to </a:t>
+            </a:r>
+            <a:r>
+              <a:rPr lang="en-US" sz="2000" dirty="0" smtClean="0">
+                <a:solidFill>
+                  <a:srgbClr val="FF0000"/>
+                </a:solidFill>
+              </a:rPr>
+              <a:t>multicore</a:t>
+            </a:r>
+            <a:endParaRPr lang="en-GB" sz="2000" dirty="0">
+              <a:solidFill>
+                <a:srgbClr val="FF0000"/>
+              </a:solidFill>
+            </a:endParaRPr>
+          </a:p>
+        </p:txBody>
+      </p:sp>
+      <p:cxnSp>
+        <p:nvCxnSpPr>
+          <p:cNvPr id="8" name="Straight Arrow Connector 7"/>
+          <p:cNvCxnSpPr/>
+          <p:nvPr/>
+        </p:nvCxnSpPr>
+        <p:spPr bwMode="auto">
+          <a:xfrm>
+            <a:off x="6464688" y="1399594"/>
+            <a:ext cx="1152132" cy="864096"/>
+          </a:xfrm>
+          <a:prstGeom prst="straightConnector1">
+            <a:avLst/>
+          </a:prstGeom>
+          <a:noFill/>
+          <a:ln w="25400" cap="flat" cmpd="sng" algn="ctr">
+            <a:solidFill>
+              <a:srgbClr val="FF0000"/>
+            </a:solidFill>
+            <a:prstDash val="solid"/>
+            <a:round/>
+            <a:headEnd type="none" w="med" len="med"/>
+            <a:tailEnd type="arrow"/>
+          </a:ln>
+          <a:effectLst/>
+        </p:spPr>
+      </p:cxnSp>
     </p:spTree>
     <p:extLst>
       <p:ext uri="{BB962C8B-B14F-4D97-AF65-F5344CB8AC3E}">
@@ -10855,78 +10946,169 @@
         </p:nvSpPr>
         <p:spPr>
           <a:xfrm>
-            <a:off x="838200" y="1178053"/>
-            <a:ext cx="10515600" cy="5492304"/>
+            <a:off x="855104" y="1019056"/>
+            <a:ext cx="10515600" cy="5282353"/>
           </a:xfrm>
         </p:spPr>
         <p:txBody>
           <a:bodyPr>
-            <a:normAutofit fontScale="92500" lnSpcReduction="10000"/>
+            <a:noAutofit/>
           </a:bodyPr>
           <a:lstStyle/>
           <a:p>
             <a:pPr>
               <a:lnSpc>
-                <a:spcPct val="150000"/>
+                <a:spcPct val="100000"/>
               </a:lnSpc>
+              <a:spcBef>
+                <a:spcPts val="0"/>
+              </a:spcBef>
             </a:pPr>
             <a:r>
-              <a:rPr lang="en-US" sz="3900" dirty="0" smtClean="0"/>
-              <a:t>To create software that efficiently deals with big data, </a:t>
-            </a:r>
-            <a:r>
-              <a:rPr lang="en-US" sz="3900" dirty="0" smtClean="0"/>
-              <a:t>we </a:t>
-            </a:r>
-            <a:r>
-              <a:rPr lang="en-US" sz="3900" dirty="0" smtClean="0"/>
-              <a:t>need to understand how hardware is organized and managed by operating system </a:t>
+              <a:rPr lang="en-US" dirty="0" smtClean="0"/>
+              <a:t>Single core performance </a:t>
+            </a:r>
+            <a:r>
+              <a:rPr lang="en-US" dirty="0"/>
+              <a:t>improvement </a:t>
+            </a:r>
+            <a:r>
+              <a:rPr lang="en-US" dirty="0" smtClean="0"/>
+              <a:t>has ended</a:t>
             </a:r>
           </a:p>
           <a:p>
             <a:pPr lvl="1">
               <a:lnSpc>
-                <a:spcPct val="150000"/>
+                <a:spcPct val="100000"/>
               </a:lnSpc>
+              <a:spcBef>
+                <a:spcPts val="0"/>
+              </a:spcBef>
             </a:pPr>
             <a:r>
-              <a:rPr lang="en-US" sz="3500" dirty="0" smtClean="0"/>
-              <a:t>Computer architecture</a:t>
+              <a:rPr lang="en-US" dirty="0" smtClean="0"/>
+              <a:t>More powerful microprocessor might not help</a:t>
+            </a:r>
+            <a:endParaRPr lang="en-US" sz="3200" dirty="0"/>
+          </a:p>
+          <a:p>
+            <a:pPr>
+              <a:lnSpc>
+                <a:spcPct val="100000"/>
+              </a:lnSpc>
+              <a:spcBef>
+                <a:spcPts val="0"/>
+              </a:spcBef>
+            </a:pPr>
+            <a:r>
+              <a:rPr lang="en-US" dirty="0" smtClean="0"/>
+              <a:t>Memory-efficient programming</a:t>
             </a:r>
           </a:p>
           <a:p>
             <a:pPr lvl="1">
               <a:lnSpc>
-                <a:spcPct val="150000"/>
+                <a:spcPct val="100000"/>
               </a:lnSpc>
+              <a:spcBef>
+                <a:spcPts val="0"/>
+              </a:spcBef>
             </a:pPr>
             <a:r>
-              <a:rPr lang="en-US" sz="3500" dirty="0" smtClean="0"/>
-              <a:t>Assembly language</a:t>
+              <a:rPr lang="en-US" dirty="0" smtClean="0"/>
+              <a:t>Temporal locality</a:t>
             </a:r>
           </a:p>
           <a:p>
             <a:pPr lvl="1">
               <a:lnSpc>
-                <a:spcPct val="150000"/>
+                <a:spcPct val="100000"/>
               </a:lnSpc>
+              <a:spcBef>
+                <a:spcPts val="0"/>
+              </a:spcBef>
             </a:pPr>
             <a:r>
-              <a:rPr lang="en-US" sz="3500" dirty="0" smtClean="0"/>
-              <a:t>Compiler basics</a:t>
+              <a:rPr lang="en-US" dirty="0" smtClean="0"/>
+              <a:t>Spatial locality</a:t>
+            </a:r>
+          </a:p>
+          <a:p>
+            <a:pPr>
+              <a:lnSpc>
+                <a:spcPct val="100000"/>
+              </a:lnSpc>
+              <a:spcBef>
+                <a:spcPts val="0"/>
+              </a:spcBef>
+            </a:pPr>
+            <a:r>
+              <a:rPr lang="en-US" dirty="0" smtClean="0"/>
+              <a:t>Parallelism to improve performance</a:t>
             </a:r>
           </a:p>
           <a:p>
             <a:pPr lvl="1">
               <a:lnSpc>
-                <a:spcPct val="150000"/>
+                <a:spcPct val="100000"/>
               </a:lnSpc>
+              <a:spcBef>
+                <a:spcPts val="0"/>
+              </a:spcBef>
             </a:pPr>
             <a:r>
-              <a:rPr lang="en-US" sz="3500" dirty="0" smtClean="0"/>
-              <a:t>Operating systems</a:t>
-            </a:r>
-            <a:endParaRPr lang="en-US" sz="3500" dirty="0"/>
+              <a:rPr lang="en-US" dirty="0" smtClean="0"/>
+              <a:t>Data-level parallelism</a:t>
+            </a:r>
+            <a:endParaRPr lang="en-US" dirty="0"/>
+          </a:p>
+          <a:p>
+            <a:pPr lvl="1">
+              <a:lnSpc>
+                <a:spcPct val="100000"/>
+              </a:lnSpc>
+              <a:spcBef>
+                <a:spcPts val="0"/>
+              </a:spcBef>
+            </a:pPr>
+            <a:r>
+              <a:rPr lang="en-US" dirty="0"/>
+              <a:t>Thread-level </a:t>
+            </a:r>
+            <a:r>
+              <a:rPr lang="en-US" dirty="0" smtClean="0"/>
+              <a:t>parallelism</a:t>
+            </a:r>
+          </a:p>
+          <a:p>
+            <a:pPr lvl="1">
+              <a:lnSpc>
+                <a:spcPct val="100000"/>
+              </a:lnSpc>
+              <a:spcBef>
+                <a:spcPts val="0"/>
+              </a:spcBef>
+            </a:pPr>
+            <a:r>
+              <a:rPr lang="en-US" dirty="0" smtClean="0"/>
+              <a:t>Request-level parallelism</a:t>
+            </a:r>
+          </a:p>
+          <a:p>
+            <a:pPr>
+              <a:lnSpc>
+                <a:spcPct val="100000"/>
+              </a:lnSpc>
+              <a:spcBef>
+                <a:spcPts val="0"/>
+              </a:spcBef>
+            </a:pPr>
+            <a:r>
+              <a:rPr lang="en-US" dirty="0" smtClean="0"/>
+              <a:t>Performance tuning require changes in the application</a:t>
+            </a:r>
+            <a:endParaRPr lang="en-US" dirty="0"/>
           </a:p>
         </p:txBody>
       </p:sp>
@@ -10972,9 +11154,327 @@
           <a:p>
             <a:r>
               <a:rPr lang="en-US" dirty="0" smtClean="0"/>
+              <a:t>Current Challenges</a:t>
+            </a:r>
+            <a:endParaRPr lang="en-US" dirty="0"/>
+          </a:p>
+        </p:txBody>
+      </p:sp>
+    </p:spTree>
+    <p:extLst>
+      <p:ext uri="{BB962C8B-B14F-4D97-AF65-F5344CB8AC3E}">
+        <p14:creationId xmlns:p14="http://schemas.microsoft.com/office/powerpoint/2010/main" val="1324819286"/>
+      </p:ext>
+    </p:extLst>
+  </p:cSld>
+  <p:clrMapOvr>
+    <a:masterClrMapping/>
+  </p:clrMapOvr>
+  <p:timing>
+    <p:tnLst>
+      <p:par>
+        <p:cTn id="1" dur="indefinite" restart="never" nodeType="tmRoot"/>
+      </p:par>
+    </p:tnLst>
+  </p:timing>
+</p:sld>
+</file>
+
+<file path=ppt/slides/slide24.xml><?xml version="1.0" encoding="utf-8"?>
+<p:sld xmlns:a="http://schemas.openxmlformats.org/drawingml/2006/main" xmlns:r="http://schemas.openxmlformats.org/officeDocument/2006/relationships" xmlns:p="http://schemas.openxmlformats.org/presentationml/2006/main">
+  <p:cSld>
+    <p:spTree>
+      <p:nvGrpSpPr>
+        <p:cNvPr id="1" name=""/>
+        <p:cNvGrpSpPr/>
+        <p:nvPr/>
+      </p:nvGrpSpPr>
+      <p:grpSpPr>
+        <a:xfrm>
+          <a:off x="0" y="0"/>
+          <a:ext cx="0" cy="0"/>
+          <a:chOff x="0" y="0"/>
+          <a:chExt cx="0" cy="0"/>
+        </a:xfrm>
+      </p:grpSpPr>
+      <p:sp>
+        <p:nvSpPr>
+          <p:cNvPr id="2" name="Content Placeholder 1"/>
+          <p:cNvSpPr>
+            <a:spLocks noGrp="1"/>
+          </p:cNvSpPr>
+          <p:nvPr>
+            <p:ph idx="1"/>
+          </p:nvPr>
+        </p:nvSpPr>
+        <p:spPr>
+          <a:xfrm>
+            <a:off x="838200" y="1070928"/>
+            <a:ext cx="6314742" cy="5492304"/>
+          </a:xfrm>
+        </p:spPr>
+        <p:txBody>
+          <a:bodyPr>
+            <a:normAutofit fontScale="85000" lnSpcReduction="20000"/>
+          </a:bodyPr>
+          <a:lstStyle/>
+          <a:p>
+            <a:pPr>
+              <a:lnSpc>
+                <a:spcPct val="120000"/>
+              </a:lnSpc>
+              <a:spcBef>
+                <a:spcPts val="0"/>
+              </a:spcBef>
+            </a:pPr>
+            <a:r>
+              <a:rPr lang="en-US" sz="3900" dirty="0" smtClean="0"/>
+              <a:t>To create software that efficiently deals with big data, we need to understand how hardware is organized and managed by operating system </a:t>
+            </a:r>
+          </a:p>
+          <a:p>
+            <a:pPr lvl="1">
+              <a:lnSpc>
+                <a:spcPct val="150000"/>
+              </a:lnSpc>
+            </a:pPr>
+            <a:r>
+              <a:rPr lang="en-US" sz="3800" dirty="0" smtClean="0"/>
+              <a:t>Computer architecture</a:t>
+            </a:r>
+          </a:p>
+          <a:p>
+            <a:pPr lvl="1">
+              <a:lnSpc>
+                <a:spcPct val="150000"/>
+              </a:lnSpc>
+            </a:pPr>
+            <a:r>
+              <a:rPr lang="en-US" sz="3800" dirty="0" smtClean="0"/>
+              <a:t>Assembly language</a:t>
+            </a:r>
+          </a:p>
+          <a:p>
+            <a:pPr lvl="1">
+              <a:lnSpc>
+                <a:spcPct val="150000"/>
+              </a:lnSpc>
+            </a:pPr>
+            <a:r>
+              <a:rPr lang="en-US" sz="3800" dirty="0" smtClean="0"/>
+              <a:t>Compiler basics</a:t>
+            </a:r>
+          </a:p>
+          <a:p>
+            <a:pPr lvl="1">
+              <a:lnSpc>
+                <a:spcPct val="150000"/>
+              </a:lnSpc>
+            </a:pPr>
+            <a:r>
+              <a:rPr lang="en-US" sz="3800" dirty="0" smtClean="0"/>
+              <a:t>Operating systems</a:t>
+            </a:r>
+            <a:endParaRPr lang="en-US" sz="3800" dirty="0"/>
+          </a:p>
+        </p:txBody>
+      </p:sp>
+      <p:sp>
+        <p:nvSpPr>
+          <p:cNvPr id="3" name="Slide Number Placeholder 2"/>
+          <p:cNvSpPr>
+            <a:spLocks noGrp="1"/>
+          </p:cNvSpPr>
+          <p:nvPr>
+            <p:ph type="sldNum" sz="quarter" idx="12"/>
+          </p:nvPr>
+        </p:nvSpPr>
+        <p:spPr/>
+        <p:txBody>
+          <a:bodyPr/>
+          <a:lstStyle/>
+          <a:p>
+            <a:pPr algn="ctr"/>
+            <a:fld id="{1397BFD8-F312-4EF2-A268-44FB4BDDBBB0}" type="slidenum">
+              <a:rPr lang="ru-RU" smtClean="0"/>
+              <a:pPr algn="ctr"/>
+              <a:t>24</a:t>
+            </a:fld>
+            <a:endParaRPr lang="ru-RU" dirty="0"/>
+          </a:p>
+        </p:txBody>
+      </p:sp>
+      <p:sp>
+        <p:nvSpPr>
+          <p:cNvPr id="4" name="Title 3"/>
+          <p:cNvSpPr>
+            <a:spLocks noGrp="1"/>
+          </p:cNvSpPr>
+          <p:nvPr>
+            <p:ph type="title"/>
+          </p:nvPr>
+        </p:nvSpPr>
+        <p:spPr/>
+        <p:txBody>
+          <a:bodyPr/>
+          <a:lstStyle/>
+          <a:p>
+            <a:r>
+              <a:rPr lang="en-US" dirty="0" smtClean="0"/>
               <a:t>Conclusion</a:t>
             </a:r>
             <a:endParaRPr lang="en-US" dirty="0"/>
+          </a:p>
+        </p:txBody>
+      </p:sp>
+      <p:pic>
+        <p:nvPicPr>
+          <p:cNvPr id="5" name="Picture 11"/>
+          <p:cNvPicPr>
+            <a:picLocks noChangeAspect="1" noChangeArrowheads="1"/>
+          </p:cNvPicPr>
+          <p:nvPr/>
+        </p:nvPicPr>
+        <p:blipFill>
+          <a:blip r:embed="rId2" cstate="print"/>
+          <a:stretch>
+            <a:fillRect/>
+          </a:stretch>
+        </p:blipFill>
+        <p:spPr bwMode="auto">
+          <a:xfrm>
+            <a:off x="7420142" y="1095754"/>
+            <a:ext cx="2268187" cy="5542043"/>
+          </a:xfrm>
+          <a:prstGeom prst="rect">
+            <a:avLst/>
+          </a:prstGeom>
+          <a:noFill/>
+          <a:ln>
+            <a:noFill/>
+          </a:ln>
+          <a:effectLst/>
+          <a:extLst>
+            <a:ext uri="{909E8E84-426E-40DD-AFC4-6F175D3DCCD1}">
+              <a14:hiddenFill xmlns:a14="http://schemas.microsoft.com/office/drawing/2010/main">
+                <a:solidFill>
+                  <a:schemeClr val="accent1"/>
+                </a:solidFill>
+              </a14:hiddenFill>
+            </a:ext>
+            <a:ext uri="{91240B29-F687-4F45-9708-019B960494DF}">
+              <a14:hiddenLine xmlns:a14="http://schemas.microsoft.com/office/drawing/2010/main" w="9525">
+                <a:solidFill>
+                  <a:schemeClr val="tx1"/>
+                </a:solidFill>
+                <a:miter lim="800000"/>
+                <a:headEnd/>
+                <a:tailEnd/>
+              </a14:hiddenLine>
+            </a:ext>
+            <a:ext uri="{AF507438-7753-43E0-B8FC-AC1667EBCBE1}">
+              <a14:hiddenEffects xmlns:a14="http://schemas.microsoft.com/office/drawing/2010/main">
+                <a:effectLst>
+                  <a:outerShdw dist="35921" dir="2700000" algn="ctr" rotWithShape="0">
+                    <a:schemeClr val="bg2"/>
+                  </a:outerShdw>
+                </a:effectLst>
+              </a14:hiddenEffects>
+            </a:ext>
+          </a:extLst>
+        </p:spPr>
+      </p:pic>
+      <p:sp>
+        <p:nvSpPr>
+          <p:cNvPr id="6" name="Левая фигурная скобка 9"/>
+          <p:cNvSpPr/>
+          <p:nvPr/>
+        </p:nvSpPr>
+        <p:spPr>
+          <a:xfrm rot="10800000">
+            <a:off x="9795067" y="1110684"/>
+            <a:ext cx="570015" cy="2410690"/>
+          </a:xfrm>
+          <a:prstGeom prst="leftBrace">
+            <a:avLst/>
+          </a:prstGeom>
+          <a:ln w="50800">
+            <a:solidFill>
+              <a:srgbClr val="F7B217"/>
+            </a:solidFill>
+          </a:ln>
+        </p:spPr>
+        <p:style>
+          <a:lnRef idx="1">
+            <a:schemeClr val="accent1"/>
+          </a:lnRef>
+          <a:fillRef idx="0">
+            <a:schemeClr val="accent1"/>
+          </a:fillRef>
+          <a:effectRef idx="0">
+            <a:schemeClr val="accent1"/>
+          </a:effectRef>
+          <a:fontRef idx="minor">
+            <a:schemeClr val="tx1"/>
+          </a:fontRef>
+        </p:style>
+        <p:txBody>
+          <a:bodyPr rtlCol="0" anchor="ctr"/>
+          <a:lstStyle/>
+          <a:p>
+            <a:pPr algn="ctr"/>
+            <a:endParaRPr lang="ru-RU"/>
+          </a:p>
+        </p:txBody>
+      </p:sp>
+      <p:sp>
+        <p:nvSpPr>
+          <p:cNvPr id="7" name="TextBox 6"/>
+          <p:cNvSpPr txBox="1"/>
+          <p:nvPr/>
+        </p:nvSpPr>
+        <p:spPr>
+          <a:xfrm>
+            <a:off x="10277649" y="2506124"/>
+            <a:ext cx="1058462" cy="1128156"/>
+          </a:xfrm>
+          <a:prstGeom prst="rect">
+            <a:avLst/>
+          </a:prstGeom>
+          <a:noFill/>
+        </p:spPr>
+        <p:txBody>
+          <a:bodyPr wrap="square" lIns="72000" tIns="25200" rIns="0" bIns="25200" rtlCol="0" anchor="ctr" anchorCtr="0">
+            <a:noAutofit/>
+          </a:bodyPr>
+          <a:lstStyle/>
+          <a:p>
+            <a:r>
+              <a:rPr lang="en-US" sz="2800" b="1" dirty="0" smtClean="0">
+                <a:solidFill>
+                  <a:srgbClr val="273272"/>
+                </a:solidFill>
+                <a:cs typeface="Times New Roman" pitchFamily="18" charset="0"/>
+              </a:rPr>
+              <a:t>Focus</a:t>
+            </a:r>
+          </a:p>
+          <a:p>
+            <a:r>
+              <a:rPr lang="en-US" sz="2800" b="1" dirty="0" smtClean="0">
+                <a:solidFill>
+                  <a:srgbClr val="273272"/>
+                </a:solidFill>
+                <a:cs typeface="Times New Roman" pitchFamily="18" charset="0"/>
+              </a:rPr>
+              <a:t>of this course</a:t>
+            </a:r>
+            <a:endParaRPr lang="ru-RU" sz="2800" b="1" dirty="0" smtClean="0">
+              <a:solidFill>
+                <a:srgbClr val="273272"/>
+              </a:solidFill>
+              <a:cs typeface="Times New Roman" pitchFamily="18" charset="0"/>
+            </a:endParaRPr>
           </a:p>
         </p:txBody>
       </p:sp>
@@ -10998,7 +11498,7 @@
 </p:sld>
 </file>
 
-<file path=ppt/slides/slide24.xml><?xml version="1.0" encoding="utf-8"?>
+<file path=ppt/slides/slide25.xml><?xml version="1.0" encoding="utf-8"?>
 <p:sld xmlns:a="http://schemas.openxmlformats.org/drawingml/2006/main" xmlns:r="http://schemas.openxmlformats.org/officeDocument/2006/relationships" xmlns:p="http://schemas.openxmlformats.org/presentationml/2006/main">
   <p:cSld>
     <p:spTree>
@@ -11553,7 +12053,7 @@
             <a:fld id="{1397BFD8-F312-4EF2-A268-44FB4BDDBBB0}" type="slidenum">
               <a:rPr lang="ru-RU" smtClean="0"/>
               <a:pPr algn="ctr"/>
-              <a:t>24</a:t>
+              <a:t>25</a:t>
             </a:fld>
             <a:endParaRPr lang="ru-RU" dirty="0"/>
           </a:p>

--- a/docs/part1ca/01_Introduction/CA_Lecture_01.pptx
+++ b/docs/part1ca/01_Introduction/CA_Lecture_01.pptx
@@ -258,7 +258,7 @@
             <a:fld id="{D0106195-8D78-4F6F-B8E4-FA67975ACEF5}" type="datetimeFigureOut">
               <a:rPr lang="ru-RU" smtClean="0"/>
               <a:pPr/>
-              <a:t>22.10.2020</a:t>
+              <a:t>25.10.2020</a:t>
             </a:fld>
             <a:endParaRPr lang="ru-RU"/>
           </a:p>
@@ -426,7 +426,7 @@
             <a:fld id="{878212F1-C3D9-4F2B-8F42-5E960FE8BE51}" type="datetimeFigureOut">
               <a:rPr lang="ru-RU" smtClean="0"/>
               <a:pPr/>
-              <a:t>22.10.2020</a:t>
+              <a:t>25.10.2020</a:t>
             </a:fld>
             <a:endParaRPr lang="ru-RU"/>
           </a:p>
@@ -10604,15 +10604,7 @@
                   <a:srgbClr val="FF0000"/>
                 </a:solidFill>
               </a:rPr>
-              <a:t>Move to </a:t>
-            </a:r>
-            <a:r>
-              <a:rPr lang="en-US" sz="2000" dirty="0" smtClean="0">
-                <a:solidFill>
-                  <a:srgbClr val="FF0000"/>
-                </a:solidFill>
-              </a:rPr>
-              <a:t>multicore</a:t>
+              <a:t>Move to multicore</a:t>
             </a:r>
             <a:endParaRPr lang="en-GB" sz="2000" dirty="0">
               <a:solidFill>
@@ -11320,8 +11312,8 @@
           <a:lstStyle/>
           <a:p>
             <a:r>
-              <a:rPr lang="en-US" dirty="0" smtClean="0"/>
-              <a:t>Conclusion</a:t>
+              <a:rPr lang="en-US" smtClean="0"/>
+              <a:t>Concluding Remarks</a:t>
             </a:r>
             <a:endParaRPr lang="en-US" dirty="0"/>
           </a:p>

--- a/docs/part1ca/01_Introduction/CA_Lecture_01.pptx
+++ b/docs/part1ca/01_Introduction/CA_Lecture_01.pptx
@@ -136,7 +136,7 @@
   </p:defaultTextStyle>
   <p:extLst>
     <p:ext uri="{EFAFB233-063F-42B5-8137-9DF3F51BA10A}">
-      <p15:sldGuideLst xmlns:p15="http://schemas.microsoft.com/office/powerpoint/2012/main">
+      <p15:sldGuideLst xmlns:p15="http://schemas.microsoft.com/office/powerpoint/2012/main" xmlns="">
         <p15:guide id="1" orient="horz" pos="2160">
           <p15:clr>
             <a:srgbClr val="A4A3A4"/>
@@ -150,7 +150,7 @@
       </p15:sldGuideLst>
     </p:ext>
     <p:ext uri="{2D200454-40CA-4A62-9FC3-DE9A4176ACB9}">
-      <p15:notesGuideLst xmlns:p15="http://schemas.microsoft.com/office/powerpoint/2012/main">
+      <p15:notesGuideLst xmlns:p15="http://schemas.microsoft.com/office/powerpoint/2012/main" xmlns="">
         <p15:guide id="1" orient="horz" pos="2880">
           <p15:clr>
             <a:srgbClr val="A4A3A4"/>
@@ -258,7 +258,7 @@
             <a:fld id="{D0106195-8D78-4F6F-B8E4-FA67975ACEF5}" type="datetimeFigureOut">
               <a:rPr lang="ru-RU" smtClean="0"/>
               <a:pPr/>
-              <a:t>25.10.2020</a:t>
+              <a:t>16.11.2020</a:t>
             </a:fld>
             <a:endParaRPr lang="ru-RU"/>
           </a:p>
@@ -334,7 +334,7 @@
     </p:spTree>
     <p:extLst>
       <p:ext uri="{BB962C8B-B14F-4D97-AF65-F5344CB8AC3E}">
-        <p14:creationId xmlns:p14="http://schemas.microsoft.com/office/powerpoint/2010/main" val="827279973"/>
+        <p14:creationId xmlns:p14="http://schemas.microsoft.com/office/powerpoint/2010/main" xmlns="" val="827279973"/>
       </p:ext>
     </p:extLst>
   </p:cSld>
@@ -426,7 +426,7 @@
             <a:fld id="{878212F1-C3D9-4F2B-8F42-5E960FE8BE51}" type="datetimeFigureOut">
               <a:rPr lang="ru-RU" smtClean="0"/>
               <a:pPr/>
-              <a:t>25.10.2020</a:t>
+              <a:t>16.11.2020</a:t>
             </a:fld>
             <a:endParaRPr lang="ru-RU"/>
           </a:p>
@@ -595,7 +595,7 @@
     </p:spTree>
     <p:extLst>
       <p:ext uri="{BB962C8B-B14F-4D97-AF65-F5344CB8AC3E}">
-        <p14:creationId xmlns:p14="http://schemas.microsoft.com/office/powerpoint/2010/main" val="3865021395"/>
+        <p14:creationId xmlns:p14="http://schemas.microsoft.com/office/powerpoint/2010/main" xmlns="" val="3865021395"/>
       </p:ext>
     </p:extLst>
   </p:cSld>
@@ -809,7 +809,7 @@
     </p:spTree>
     <p:extLst>
       <p:ext uri="{BB962C8B-B14F-4D97-AF65-F5344CB8AC3E}">
-        <p14:creationId xmlns:p14="http://schemas.microsoft.com/office/powerpoint/2010/main" val="2381791527"/>
+        <p14:creationId xmlns:p14="http://schemas.microsoft.com/office/powerpoint/2010/main" xmlns="" val="2381791527"/>
       </p:ext>
     </p:extLst>
   </p:cSld>
@@ -932,7 +932,7 @@
     </p:spTree>
     <p:extLst>
       <p:ext uri="{BB962C8B-B14F-4D97-AF65-F5344CB8AC3E}">
-        <p14:creationId xmlns:p14="http://schemas.microsoft.com/office/powerpoint/2010/main" val="1915950851"/>
+        <p14:creationId xmlns:p14="http://schemas.microsoft.com/office/powerpoint/2010/main" xmlns="" val="1915950851"/>
       </p:ext>
     </p:extLst>
   </p:cSld>
@@ -1192,7 +1192,7 @@
     </p:spTree>
     <p:extLst>
       <p:ext uri="{BB962C8B-B14F-4D97-AF65-F5344CB8AC3E}">
-        <p14:creationId xmlns:p14="http://schemas.microsoft.com/office/powerpoint/2010/main" val="322455162"/>
+        <p14:creationId xmlns:p14="http://schemas.microsoft.com/office/powerpoint/2010/main" xmlns="" val="322455162"/>
       </p:ext>
     </p:extLst>
   </p:cSld>
@@ -1366,7 +1366,7 @@
     </p:spTree>
     <p:extLst>
       <p:ext uri="{BB962C8B-B14F-4D97-AF65-F5344CB8AC3E}">
-        <p14:creationId xmlns:p14="http://schemas.microsoft.com/office/powerpoint/2010/main" val="971117636"/>
+        <p14:creationId xmlns:p14="http://schemas.microsoft.com/office/powerpoint/2010/main" xmlns="" val="971117636"/>
       </p:ext>
     </p:extLst>
   </p:cSld>
@@ -1543,7 +1543,7 @@
     </p:spTree>
     <p:extLst>
       <p:ext uri="{BB962C8B-B14F-4D97-AF65-F5344CB8AC3E}">
-        <p14:creationId xmlns:p14="http://schemas.microsoft.com/office/powerpoint/2010/main" val="3348877825"/>
+        <p14:creationId xmlns:p14="http://schemas.microsoft.com/office/powerpoint/2010/main" xmlns="" val="3348877825"/>
       </p:ext>
     </p:extLst>
   </p:cSld>
@@ -1868,7 +1868,7 @@
     </p:spTree>
     <p:extLst>
       <p:ext uri="{BB962C8B-B14F-4D97-AF65-F5344CB8AC3E}">
-        <p14:creationId xmlns:p14="http://schemas.microsoft.com/office/powerpoint/2010/main" val="3256953994"/>
+        <p14:creationId xmlns:p14="http://schemas.microsoft.com/office/powerpoint/2010/main" xmlns="" val="3256953994"/>
       </p:ext>
     </p:extLst>
   </p:cSld>
@@ -2118,7 +2118,7 @@
     </p:spTree>
     <p:extLst>
       <p:ext uri="{BB962C8B-B14F-4D97-AF65-F5344CB8AC3E}">
-        <p14:creationId xmlns:p14="http://schemas.microsoft.com/office/powerpoint/2010/main" val="3067076846"/>
+        <p14:creationId xmlns:p14="http://schemas.microsoft.com/office/powerpoint/2010/main" xmlns="" val="3067076846"/>
       </p:ext>
     </p:extLst>
   </p:cSld>
@@ -2354,7 +2354,7 @@
     </p:spTree>
     <p:extLst>
       <p:ext uri="{BB962C8B-B14F-4D97-AF65-F5344CB8AC3E}">
-        <p14:creationId xmlns:p14="http://schemas.microsoft.com/office/powerpoint/2010/main" val="3710015975"/>
+        <p14:creationId xmlns:p14="http://schemas.microsoft.com/office/powerpoint/2010/main" xmlns="" val="3710015975"/>
       </p:ext>
     </p:extLst>
   </p:cSld>
@@ -2725,7 +2725,7 @@
     </p:spTree>
     <p:extLst>
       <p:ext uri="{BB962C8B-B14F-4D97-AF65-F5344CB8AC3E}">
-        <p14:creationId xmlns:p14="http://schemas.microsoft.com/office/powerpoint/2010/main" val="4075590966"/>
+        <p14:creationId xmlns:p14="http://schemas.microsoft.com/office/powerpoint/2010/main" xmlns="" val="4075590966"/>
       </p:ext>
     </p:extLst>
   </p:cSld>
@@ -2847,7 +2847,7 @@
     </p:spTree>
     <p:extLst>
       <p:ext uri="{BB962C8B-B14F-4D97-AF65-F5344CB8AC3E}">
-        <p14:creationId xmlns:p14="http://schemas.microsoft.com/office/powerpoint/2010/main" val="2889604898"/>
+        <p14:creationId xmlns:p14="http://schemas.microsoft.com/office/powerpoint/2010/main" xmlns="" val="2889604898"/>
       </p:ext>
     </p:extLst>
   </p:cSld>
@@ -2946,7 +2946,7 @@
     </p:spTree>
     <p:extLst>
       <p:ext uri="{BB962C8B-B14F-4D97-AF65-F5344CB8AC3E}">
-        <p14:creationId xmlns:p14="http://schemas.microsoft.com/office/powerpoint/2010/main" val="152384765"/>
+        <p14:creationId xmlns:p14="http://schemas.microsoft.com/office/powerpoint/2010/main" xmlns="" val="152384765"/>
       </p:ext>
     </p:extLst>
   </p:cSld>
@@ -3227,7 +3227,7 @@
     </p:spTree>
     <p:extLst>
       <p:ext uri="{BB962C8B-B14F-4D97-AF65-F5344CB8AC3E}">
-        <p14:creationId xmlns:p14="http://schemas.microsoft.com/office/powerpoint/2010/main" val="2127791886"/>
+        <p14:creationId xmlns:p14="http://schemas.microsoft.com/office/powerpoint/2010/main" xmlns="" val="2127791886"/>
       </p:ext>
     </p:extLst>
   </p:cSld>
@@ -3484,7 +3484,7 @@
     </p:spTree>
     <p:extLst>
       <p:ext uri="{BB962C8B-B14F-4D97-AF65-F5344CB8AC3E}">
-        <p14:creationId xmlns:p14="http://schemas.microsoft.com/office/powerpoint/2010/main" val="1752705130"/>
+        <p14:creationId xmlns:p14="http://schemas.microsoft.com/office/powerpoint/2010/main" xmlns="" val="1752705130"/>
       </p:ext>
     </p:extLst>
   </p:cSld>
@@ -3737,7 +3737,7 @@
     </p:spTree>
     <p:extLst>
       <p:ext uri="{BB962C8B-B14F-4D97-AF65-F5344CB8AC3E}">
-        <p14:creationId xmlns:p14="http://schemas.microsoft.com/office/powerpoint/2010/main" val="968833914"/>
+        <p14:creationId xmlns:p14="http://schemas.microsoft.com/office/powerpoint/2010/main" xmlns="" val="968833914"/>
       </p:ext>
     </p:extLst>
   </p:cSld>
@@ -4214,7 +4214,7 @@
     </p:spTree>
     <p:extLst>
       <p:ext uri="{BB962C8B-B14F-4D97-AF65-F5344CB8AC3E}">
-        <p14:creationId xmlns:p14="http://schemas.microsoft.com/office/powerpoint/2010/main" val="2492894732"/>
+        <p14:creationId xmlns:p14="http://schemas.microsoft.com/office/powerpoint/2010/main" xmlns="" val="2492894732"/>
       </p:ext>
     </p:extLst>
   </p:cSld>
@@ -4258,7 +4258,7 @@
             <p:ph idx="1"/>
             <p:extLst>
               <p:ext uri="{D42A27DB-BD31-4B8C-83A1-F6EECF244321}">
-                <p14:modId xmlns:p14="http://schemas.microsoft.com/office/powerpoint/2010/main" val="2853019934"/>
+                <p14:modId xmlns:p14="http://schemas.microsoft.com/office/powerpoint/2010/main" xmlns="" val="2853019934"/>
               </p:ext>
             </p:extLst>
           </p:nvPr>
@@ -4691,8 +4691,8 @@
           </a:p>
         </p:txBody>
       </p:sp>
-      <mc:AlternateContent xmlns:mc="http://schemas.openxmlformats.org/markup-compatibility/2006" xmlns:a14="http://schemas.microsoft.com/office/drawing/2010/main">
-        <mc:Choice Requires="a14">
+      <mc:AlternateContent xmlns:mc="http://schemas.openxmlformats.org/markup-compatibility/2006">
+        <mc:Choice xmlns:a14="http://schemas.microsoft.com/office/drawing/2010/main" xmlns="" Requires="a14">
           <p:sp>
             <p:nvSpPr>
               <p:cNvPr id="6" name="Rectangle 5"/>
@@ -4841,7 +4841,7 @@
             </p:txBody>
           </p:sp>
         </mc:Choice>
-        <mc:Fallback xmlns="">
+        <mc:Fallback>
           <p:sp>
             <p:nvSpPr>
               <p:cNvPr id="6" name="Rectangle 5"/>
@@ -4859,7 +4859,7 @@
                 <a:avLst/>
               </a:prstGeom>
               <a:blipFill rotWithShape="0">
-                <a:blip r:embed="rId2"/>
+                <a:blip r:embed="rId2" cstate="print"/>
                 <a:stretch>
                   <a:fillRect l="-1185" t="-4808" r="-1185" b="-30769"/>
                 </a:stretch>
@@ -4883,7 +4883,7 @@
     </p:spTree>
     <p:extLst>
       <p:ext uri="{BB962C8B-B14F-4D97-AF65-F5344CB8AC3E}">
-        <p14:creationId xmlns:p14="http://schemas.microsoft.com/office/powerpoint/2010/main" val="1319878854"/>
+        <p14:creationId xmlns:p14="http://schemas.microsoft.com/office/powerpoint/2010/main" xmlns="" val="1319878854"/>
       </p:ext>
     </p:extLst>
   </p:cSld>
@@ -4975,7 +4975,7 @@
             <p:ph idx="1"/>
             <p:extLst>
               <p:ext uri="{D42A27DB-BD31-4B8C-83A1-F6EECF244321}">
-                <p14:modId xmlns:p14="http://schemas.microsoft.com/office/powerpoint/2010/main" val="895195415"/>
+                <p14:modId xmlns:p14="http://schemas.microsoft.com/office/powerpoint/2010/main" xmlns="" val="895195415"/>
               </p:ext>
             </p:extLst>
           </p:nvPr>
@@ -5279,7 +5279,7 @@
     </p:spTree>
     <p:extLst>
       <p:ext uri="{BB962C8B-B14F-4D97-AF65-F5344CB8AC3E}">
-        <p14:creationId xmlns:p14="http://schemas.microsoft.com/office/powerpoint/2010/main" val="1991606056"/>
+        <p14:creationId xmlns:p14="http://schemas.microsoft.com/office/powerpoint/2010/main" xmlns="" val="1991606056"/>
       </p:ext>
     </p:extLst>
   </p:cSld>
@@ -5444,10 +5444,10 @@
           <p:nvPr/>
         </p:nvPicPr>
         <p:blipFill>
-          <a:blip r:embed="rId2">
+          <a:blip r:embed="rId2" cstate="print">
             <a:extLst>
               <a:ext uri="{28A0092B-C50C-407E-A947-70E740481C1C}">
-                <a14:useLocalDpi xmlns:a14="http://schemas.microsoft.com/office/drawing/2010/main" val="0"/>
+                <a14:useLocalDpi xmlns:a14="http://schemas.microsoft.com/office/drawing/2010/main" xmlns="" val="0"/>
               </a:ext>
             </a:extLst>
           </a:blip>
@@ -5467,7 +5467,7 @@
           <a:noFill/>
           <a:extLst>
             <a:ext uri="{909E8E84-426E-40DD-AFC4-6F175D3DCCD1}">
-              <a14:hiddenFill xmlns:a14="http://schemas.microsoft.com/office/drawing/2010/main">
+              <a14:hiddenFill xmlns:a14="http://schemas.microsoft.com/office/drawing/2010/main" xmlns="">
                 <a:solidFill>
                   <a:srgbClr val="FFFFFF"/>
                 </a:solidFill>
@@ -5479,7 +5479,7 @@
     </p:spTree>
     <p:extLst>
       <p:ext uri="{BB962C8B-B14F-4D97-AF65-F5344CB8AC3E}">
-        <p14:creationId xmlns:p14="http://schemas.microsoft.com/office/powerpoint/2010/main" val="1147934676"/>
+        <p14:creationId xmlns:p14="http://schemas.microsoft.com/office/powerpoint/2010/main" xmlns="" val="1147934676"/>
       </p:ext>
     </p:extLst>
   </p:cSld>
@@ -6374,10 +6374,10 @@
           <p:nvPr/>
         </p:nvPicPr>
         <p:blipFill>
-          <a:blip r:embed="rId2">
+          <a:blip r:embed="rId2" cstate="print">
             <a:extLst>
               <a:ext uri="{28A0092B-C50C-407E-A947-70E740481C1C}">
-                <a14:useLocalDpi xmlns:a14="http://schemas.microsoft.com/office/drawing/2010/main" val="0"/>
+                <a14:useLocalDpi xmlns:a14="http://schemas.microsoft.com/office/drawing/2010/main" xmlns="" val="0"/>
               </a:ext>
             </a:extLst>
           </a:blip>
@@ -6397,7 +6397,7 @@
           <a:noFill/>
           <a:extLst>
             <a:ext uri="{909E8E84-426E-40DD-AFC4-6F175D3DCCD1}">
-              <a14:hiddenFill xmlns:a14="http://schemas.microsoft.com/office/drawing/2010/main">
+              <a14:hiddenFill xmlns:a14="http://schemas.microsoft.com/office/drawing/2010/main" xmlns="">
                 <a:solidFill>
                   <a:srgbClr val="FFFFFF"/>
                 </a:solidFill>
@@ -6409,7 +6409,7 @@
     </p:spTree>
     <p:extLst>
       <p:ext uri="{BB962C8B-B14F-4D97-AF65-F5344CB8AC3E}">
-        <p14:creationId xmlns:p14="http://schemas.microsoft.com/office/powerpoint/2010/main" val="2950914556"/>
+        <p14:creationId xmlns:p14="http://schemas.microsoft.com/office/powerpoint/2010/main" xmlns="" val="2950914556"/>
       </p:ext>
     </p:extLst>
   </p:cSld>
@@ -6452,10 +6452,10 @@
           <p:nvPr/>
         </p:nvPicPr>
         <p:blipFill>
-          <a:blip r:embed="rId2">
+          <a:blip r:embed="rId2" cstate="print">
             <a:extLst>
               <a:ext uri="{28A0092B-C50C-407E-A947-70E740481C1C}">
-                <a14:useLocalDpi xmlns:a14="http://schemas.microsoft.com/office/drawing/2010/main" val="0"/>
+                <a14:useLocalDpi xmlns:a14="http://schemas.microsoft.com/office/drawing/2010/main" xmlns="" val="0"/>
               </a:ext>
             </a:extLst>
           </a:blip>
@@ -6475,7 +6475,7 @@
           <a:noFill/>
           <a:extLst>
             <a:ext uri="{909E8E84-426E-40DD-AFC4-6F175D3DCCD1}">
-              <a14:hiddenFill xmlns:a14="http://schemas.microsoft.com/office/drawing/2010/main">
+              <a14:hiddenFill xmlns:a14="http://schemas.microsoft.com/office/drawing/2010/main" xmlns="">
                 <a:solidFill>
                   <a:srgbClr val="FFFFFF"/>
                 </a:solidFill>
@@ -7048,7 +7048,7 @@
     </p:spTree>
     <p:extLst>
       <p:ext uri="{BB962C8B-B14F-4D97-AF65-F5344CB8AC3E}">
-        <p14:creationId xmlns:p14="http://schemas.microsoft.com/office/powerpoint/2010/main" val="4087179089"/>
+        <p14:creationId xmlns:p14="http://schemas.microsoft.com/office/powerpoint/2010/main" xmlns="" val="4087179089"/>
       </p:ext>
     </p:extLst>
   </p:cSld>
@@ -7254,7 +7254,7 @@
           <a:blip r:embed="rId2" cstate="print">
             <a:extLst>
               <a:ext uri="{28A0092B-C50C-407E-A947-70E740481C1C}">
-                <a14:useLocalDpi xmlns:a14="http://schemas.microsoft.com/office/drawing/2010/main" val="0"/>
+                <a14:useLocalDpi xmlns:a14="http://schemas.microsoft.com/office/drawing/2010/main" xmlns="" val="0"/>
               </a:ext>
             </a:extLst>
           </a:blip>
@@ -7274,7 +7274,7 @@
           <a:noFill/>
           <a:extLst>
             <a:ext uri="{909E8E84-426E-40DD-AFC4-6F175D3DCCD1}">
-              <a14:hiddenFill xmlns:a14="http://schemas.microsoft.com/office/drawing/2010/main">
+              <a14:hiddenFill xmlns:a14="http://schemas.microsoft.com/office/drawing/2010/main" xmlns="">
                 <a:solidFill>
                   <a:srgbClr val="FFFFFF"/>
                 </a:solidFill>
@@ -7292,10 +7292,10 @@
           <p:nvPr/>
         </p:nvPicPr>
         <p:blipFill>
-          <a:blip r:embed="rId3">
+          <a:blip r:embed="rId3" cstate="print">
             <a:extLst>
               <a:ext uri="{28A0092B-C50C-407E-A947-70E740481C1C}">
-                <a14:useLocalDpi xmlns:a14="http://schemas.microsoft.com/office/drawing/2010/main" val="0"/>
+                <a14:useLocalDpi xmlns:a14="http://schemas.microsoft.com/office/drawing/2010/main" xmlns="" val="0"/>
               </a:ext>
             </a:extLst>
           </a:blip>
@@ -7315,7 +7315,7 @@
           <a:noFill/>
           <a:extLst>
             <a:ext uri="{909E8E84-426E-40DD-AFC4-6F175D3DCCD1}">
-              <a14:hiddenFill xmlns:a14="http://schemas.microsoft.com/office/drawing/2010/main">
+              <a14:hiddenFill xmlns:a14="http://schemas.microsoft.com/office/drawing/2010/main" xmlns="">
                 <a:solidFill>
                   <a:srgbClr val="FFFFFF"/>
                 </a:solidFill>
@@ -7327,7 +7327,7 @@
     </p:spTree>
     <p:extLst>
       <p:ext uri="{BB962C8B-B14F-4D97-AF65-F5344CB8AC3E}">
-        <p14:creationId xmlns:p14="http://schemas.microsoft.com/office/powerpoint/2010/main" val="4020093932"/>
+        <p14:creationId xmlns:p14="http://schemas.microsoft.com/office/powerpoint/2010/main" xmlns="" val="4020093932"/>
       </p:ext>
     </p:extLst>
   </p:cSld>
@@ -7540,7 +7540,7 @@
           <a:blip r:embed="rId2" cstate="print">
             <a:extLst>
               <a:ext uri="{28A0092B-C50C-407E-A947-70E740481C1C}">
-                <a14:useLocalDpi xmlns:a14="http://schemas.microsoft.com/office/drawing/2010/main" val="0"/>
+                <a14:useLocalDpi xmlns:a14="http://schemas.microsoft.com/office/drawing/2010/main" xmlns="" val="0"/>
               </a:ext>
             </a:extLst>
           </a:blip>
@@ -7563,14 +7563,14 @@
           </a:ln>
           <a:extLst>
             <a:ext uri="{909E8E84-426E-40DD-AFC4-6F175D3DCCD1}">
-              <a14:hiddenFill xmlns:a14="http://schemas.microsoft.com/office/drawing/2010/main">
+              <a14:hiddenFill xmlns:a14="http://schemas.microsoft.com/office/drawing/2010/main" xmlns="">
                 <a:solidFill>
                   <a:srgbClr val="FFFFFF"/>
                 </a:solidFill>
               </a14:hiddenFill>
             </a:ext>
             <a:ext uri="{91240B29-F687-4F45-9708-019B960494DF}">
-              <a14:hiddenLine xmlns:a14="http://schemas.microsoft.com/office/drawing/2010/main" w="9525">
+              <a14:hiddenLine xmlns:a14="http://schemas.microsoft.com/office/drawing/2010/main" xmlns="" w="9525">
                 <a:solidFill>
                   <a:srgbClr val="000000"/>
                 </a:solidFill>
@@ -7585,7 +7585,7 @@
     </p:spTree>
     <p:extLst>
       <p:ext uri="{BB962C8B-B14F-4D97-AF65-F5344CB8AC3E}">
-        <p14:creationId xmlns:p14="http://schemas.microsoft.com/office/powerpoint/2010/main" val="3856844071"/>
+        <p14:creationId xmlns:p14="http://schemas.microsoft.com/office/powerpoint/2010/main" xmlns="" val="3856844071"/>
       </p:ext>
     </p:extLst>
   </p:cSld>
@@ -7628,10 +7628,10 @@
           <p:nvPr/>
         </p:nvPicPr>
         <p:blipFill>
-          <a:blip r:embed="rId2">
+          <a:blip r:embed="rId2" cstate="print">
             <a:extLst>
               <a:ext uri="{28A0092B-C50C-407E-A947-70E740481C1C}">
-                <a14:useLocalDpi xmlns:a14="http://schemas.microsoft.com/office/drawing/2010/main" val="0"/>
+                <a14:useLocalDpi xmlns:a14="http://schemas.microsoft.com/office/drawing/2010/main" xmlns="" val="0"/>
               </a:ext>
             </a:extLst>
           </a:blip>
@@ -7654,14 +7654,14 @@
           </a:ln>
           <a:extLst>
             <a:ext uri="{909E8E84-426E-40DD-AFC4-6F175D3DCCD1}">
-              <a14:hiddenFill xmlns:a14="http://schemas.microsoft.com/office/drawing/2010/main">
+              <a14:hiddenFill xmlns:a14="http://schemas.microsoft.com/office/drawing/2010/main" xmlns="">
                 <a:solidFill>
                   <a:srgbClr val="FFFFFF"/>
                 </a:solidFill>
               </a14:hiddenFill>
             </a:ext>
             <a:ext uri="{91240B29-F687-4F45-9708-019B960494DF}">
-              <a14:hiddenLine xmlns:a14="http://schemas.microsoft.com/office/drawing/2010/main" w="9525">
+              <a14:hiddenLine xmlns:a14="http://schemas.microsoft.com/office/drawing/2010/main" xmlns="" w="9525">
                 <a:solidFill>
                   <a:srgbClr val="000000"/>
                 </a:solidFill>
@@ -8167,7 +8167,7 @@
           <p:nvPr>
             <p:extLst>
               <p:ext uri="{D42A27DB-BD31-4B8C-83A1-F6EECF244321}">
-                <p14:modId xmlns:p14="http://schemas.microsoft.com/office/powerpoint/2010/main" val="1213753623"/>
+                <p14:modId xmlns:p14="http://schemas.microsoft.com/office/powerpoint/2010/main" xmlns="" val="1213753623"/>
               </p:ext>
             </p:extLst>
           </p:nvPr>
@@ -9880,7 +9880,7 @@
     </p:spTree>
     <p:extLst>
       <p:ext uri="{BB962C8B-B14F-4D97-AF65-F5344CB8AC3E}">
-        <p14:creationId xmlns:p14="http://schemas.microsoft.com/office/powerpoint/2010/main" val="1153504515"/>
+        <p14:creationId xmlns:p14="http://schemas.microsoft.com/office/powerpoint/2010/main" xmlns="" val="1153504515"/>
       </p:ext>
     </p:extLst>
   </p:cSld>
@@ -10050,7 +10050,7 @@
     </p:spTree>
     <p:extLst>
       <p:ext uri="{BB962C8B-B14F-4D97-AF65-F5344CB8AC3E}">
-        <p14:creationId xmlns:p14="http://schemas.microsoft.com/office/powerpoint/2010/main" val="664014649"/>
+        <p14:creationId xmlns:p14="http://schemas.microsoft.com/office/powerpoint/2010/main" xmlns="" val="664014649"/>
       </p:ext>
     </p:extLst>
   </p:cSld>
@@ -10147,8 +10147,13 @@
           <a:p>
             <a:r>
               <a:rPr lang="en-US" sz="3500" b="1" dirty="0" smtClean="0"/>
-              <a:t>Telegram channel</a:t>
-            </a:r>
+              <a:t>Telegram </a:t>
+            </a:r>
+            <a:r>
+              <a:rPr lang="en-US" sz="3500" b="1" dirty="0" smtClean="0"/>
+              <a:t>group</a:t>
+            </a:r>
+            <a:endParaRPr lang="en-US" sz="3500" b="1" dirty="0" smtClean="0"/>
           </a:p>
           <a:p>
             <a:pPr>
@@ -10158,8 +10163,11 @@
               <a:rPr lang="en-US" sz="3200" dirty="0" smtClean="0">
                 <a:hlinkClick r:id="rId2"/>
               </a:rPr>
-              <a:t>https://t.me/joinchat/AAAAAFDXhCd-WvYYZwBPGQ</a:t>
-            </a:r>
+              <a:t>https://t.me/joinchat/KNIiWh0pCrpZ11XkuwnxnQ</a:t>
+            </a:r>
+            <a:endParaRPr lang="en-US" sz="3200" dirty="0" smtClean="0">
+              <a:hlinkClick r:id="rId2"/>
+            </a:endParaRPr>
           </a:p>
           <a:p>
             <a:pPr>
@@ -10330,7 +10338,7 @@
           <p:nvPr/>
         </p:nvPicPr>
         <p:blipFill>
-          <a:blip r:embed="rId2"/>
+          <a:blip r:embed="rId2" cstate="print"/>
           <a:stretch>
             <a:fillRect/>
           </a:stretch>
@@ -10644,7 +10652,7 @@
     </p:spTree>
     <p:extLst>
       <p:ext uri="{BB962C8B-B14F-4D97-AF65-F5344CB8AC3E}">
-        <p14:creationId xmlns:p14="http://schemas.microsoft.com/office/powerpoint/2010/main" val="1974197127"/>
+        <p14:creationId xmlns:p14="http://schemas.microsoft.com/office/powerpoint/2010/main" xmlns="" val="1974197127"/>
       </p:ext>
     </p:extLst>
   </p:cSld>
@@ -10735,10 +10743,10 @@
           <p:nvPr/>
         </p:nvPicPr>
         <p:blipFill>
-          <a:blip r:embed="rId2">
+          <a:blip r:embed="rId2" cstate="print">
             <a:extLst>
               <a:ext uri="{28A0092B-C50C-407E-A947-70E740481C1C}">
-                <a14:useLocalDpi xmlns:a14="http://schemas.microsoft.com/office/drawing/2010/main" val="0"/>
+                <a14:useLocalDpi xmlns:a14="http://schemas.microsoft.com/office/drawing/2010/main" xmlns="" val="0"/>
               </a:ext>
             </a:extLst>
           </a:blip>
@@ -10761,14 +10769,14 @@
           </a:ln>
           <a:extLst>
             <a:ext uri="{909E8E84-426E-40DD-AFC4-6F175D3DCCD1}">
-              <a14:hiddenFill xmlns:a14="http://schemas.microsoft.com/office/drawing/2010/main">
+              <a14:hiddenFill xmlns:a14="http://schemas.microsoft.com/office/drawing/2010/main" xmlns="">
                 <a:solidFill>
                   <a:srgbClr val="FFFFFF"/>
                 </a:solidFill>
               </a14:hiddenFill>
             </a:ext>
             <a:ext uri="{91240B29-F687-4F45-9708-019B960494DF}">
-              <a14:hiddenLine xmlns:a14="http://schemas.microsoft.com/office/drawing/2010/main" w="9525">
+              <a14:hiddenLine xmlns:a14="http://schemas.microsoft.com/office/drawing/2010/main" xmlns="" w="9525">
                 <a:solidFill>
                   <a:srgbClr val="000000"/>
                 </a:solidFill>
@@ -10783,7 +10791,7 @@
     </p:spTree>
     <p:extLst>
       <p:ext uri="{BB962C8B-B14F-4D97-AF65-F5344CB8AC3E}">
-        <p14:creationId xmlns:p14="http://schemas.microsoft.com/office/powerpoint/2010/main" val="2270459329"/>
+        <p14:creationId xmlns:p14="http://schemas.microsoft.com/office/powerpoint/2010/main" xmlns="" val="2270459329"/>
       </p:ext>
     </p:extLst>
   </p:cSld>
@@ -10874,7 +10882,7 @@
           <p:nvPr/>
         </p:nvPicPr>
         <p:blipFill>
-          <a:blip r:embed="rId2"/>
+          <a:blip r:embed="rId2" cstate="print"/>
           <a:stretch>
             <a:fillRect/>
           </a:stretch>
@@ -10892,7 +10900,7 @@
     </p:spTree>
     <p:extLst>
       <p:ext uri="{BB962C8B-B14F-4D97-AF65-F5344CB8AC3E}">
-        <p14:creationId xmlns:p14="http://schemas.microsoft.com/office/powerpoint/2010/main" val="4095291685"/>
+        <p14:creationId xmlns:p14="http://schemas.microsoft.com/office/powerpoint/2010/main" xmlns="" val="4095291685"/>
       </p:ext>
     </p:extLst>
   </p:cSld>
@@ -11155,7 +11163,7 @@
     </p:spTree>
     <p:extLst>
       <p:ext uri="{BB962C8B-B14F-4D97-AF65-F5344CB8AC3E}">
-        <p14:creationId xmlns:p14="http://schemas.microsoft.com/office/powerpoint/2010/main" val="1324819286"/>
+        <p14:creationId xmlns:p14="http://schemas.microsoft.com/office/powerpoint/2010/main" xmlns="" val="1324819286"/>
       </p:ext>
     </p:extLst>
   </p:cSld>
@@ -11348,14 +11356,14 @@
           <a:effectLst/>
           <a:extLst>
             <a:ext uri="{909E8E84-426E-40DD-AFC4-6F175D3DCCD1}">
-              <a14:hiddenFill xmlns:a14="http://schemas.microsoft.com/office/drawing/2010/main">
+              <a14:hiddenFill xmlns:a14="http://schemas.microsoft.com/office/drawing/2010/main" xmlns="">
                 <a:solidFill>
                   <a:schemeClr val="accent1"/>
                 </a:solidFill>
               </a14:hiddenFill>
             </a:ext>
             <a:ext uri="{91240B29-F687-4F45-9708-019B960494DF}">
-              <a14:hiddenLine xmlns:a14="http://schemas.microsoft.com/office/drawing/2010/main" w="9525">
+              <a14:hiddenLine xmlns:a14="http://schemas.microsoft.com/office/drawing/2010/main" xmlns="" w="9525">
                 <a:solidFill>
                   <a:schemeClr val="tx1"/>
                 </a:solidFill>
@@ -11365,7 +11373,7 @@
               </a14:hiddenLine>
             </a:ext>
             <a:ext uri="{AF507438-7753-43E0-B8FC-AC1667EBCBE1}">
-              <a14:hiddenEffects xmlns:a14="http://schemas.microsoft.com/office/drawing/2010/main">
+              <a14:hiddenEffects xmlns:a14="http://schemas.microsoft.com/office/drawing/2010/main" xmlns="">
                 <a:effectLst>
                   <a:outerShdw dist="35921" dir="2700000" algn="ctr" rotWithShape="0">
                     <a:schemeClr val="bg2"/>
@@ -11473,7 +11481,7 @@
     </p:spTree>
     <p:extLst>
       <p:ext uri="{BB962C8B-B14F-4D97-AF65-F5344CB8AC3E}">
-        <p14:creationId xmlns:p14="http://schemas.microsoft.com/office/powerpoint/2010/main" val="3293126798"/>
+        <p14:creationId xmlns:p14="http://schemas.microsoft.com/office/powerpoint/2010/main" xmlns="" val="3293126798"/>
       </p:ext>
     </p:extLst>
   </p:cSld>
@@ -12054,7 +12062,7 @@
     </p:spTree>
     <p:extLst>
       <p:ext uri="{BB962C8B-B14F-4D97-AF65-F5344CB8AC3E}">
-        <p14:creationId xmlns:p14="http://schemas.microsoft.com/office/powerpoint/2010/main" val="4217875043"/>
+        <p14:creationId xmlns:p14="http://schemas.microsoft.com/office/powerpoint/2010/main" xmlns="" val="4217875043"/>
       </p:ext>
     </p:extLst>
   </p:cSld>
@@ -12141,7 +12149,7 @@
         </p:nvSpPr>
         <p:spPr>
           <a:xfrm>
-            <a:off x="873826" y="4229935"/>
+            <a:off x="873826" y="4306135"/>
             <a:ext cx="10515600" cy="2372746"/>
           </a:xfrm>
         </p:spPr>
@@ -12306,6 +12314,85 @@
               </a:rPr>
               <a:t>Instructors</a:t>
             </a:r>
+          </a:p>
+        </p:txBody>
+      </p:sp>
+      <p:pic>
+        <p:nvPicPr>
+          <p:cNvPr id="9" name="Рисунок 8" descr="photo_2020-11-16 20.23.40.jpeg"/>
+          <p:cNvPicPr>
+            <a:picLocks noChangeAspect="1"/>
+          </p:cNvPicPr>
+          <p:nvPr/>
+        </p:nvPicPr>
+        <p:blipFill>
+          <a:blip r:embed="rId3" cstate="print"/>
+          <a:stretch>
+            <a:fillRect/>
+          </a:stretch>
+        </p:blipFill>
+        <p:spPr>
+          <a:xfrm>
+            <a:off x="5003800" y="1562100"/>
+            <a:ext cx="2194560" cy="2194560"/>
+          </a:xfrm>
+          <a:prstGeom prst="rect">
+            <a:avLst/>
+          </a:prstGeom>
+        </p:spPr>
+      </p:pic>
+      <p:sp>
+        <p:nvSpPr>
+          <p:cNvPr id="10" name="TextBox 9"/>
+          <p:cNvSpPr txBox="1"/>
+          <p:nvPr/>
+        </p:nvSpPr>
+        <p:spPr>
+          <a:xfrm>
+            <a:off x="4866738" y="3682190"/>
+            <a:ext cx="2422568" cy="629392"/>
+          </a:xfrm>
+          <a:prstGeom prst="rect">
+            <a:avLst/>
+          </a:prstGeom>
+          <a:noFill/>
+        </p:spPr>
+        <p:txBody>
+          <a:bodyPr wrap="square" lIns="72000" tIns="25200" rIns="0" bIns="25200" rtlCol="0" anchor="ctr" anchorCtr="0">
+            <a:noAutofit/>
+          </a:bodyPr>
+          <a:lstStyle/>
+          <a:p>
+            <a:pPr algn="ctr"/>
+            <a:r>
+              <a:rPr lang="en-US" sz="2400" b="1" dirty="0" err="1" smtClean="0">
+                <a:solidFill>
+                  <a:srgbClr val="1E3272"/>
+                </a:solidFill>
+              </a:rPr>
+              <a:t>Alexey</a:t>
+            </a:r>
+            <a:r>
+              <a:rPr lang="en-US" sz="2400" b="1" dirty="0" smtClean="0">
+                <a:solidFill>
+                  <a:srgbClr val="1E3272"/>
+                </a:solidFill>
+              </a:rPr>
+              <a:t> </a:t>
+            </a:r>
+            <a:r>
+              <a:rPr lang="en-US" sz="2400" b="1" dirty="0" err="1" smtClean="0">
+                <a:solidFill>
+                  <a:srgbClr val="1E3272"/>
+                </a:solidFill>
+              </a:rPr>
+              <a:t>Kanakhin</a:t>
+            </a:r>
+            <a:endParaRPr lang="ru-RU" sz="2400" b="1" dirty="0" smtClean="0">
+              <a:solidFill>
+                <a:srgbClr val="1E3272"/>
+              </a:solidFill>
+            </a:endParaRPr>
           </a:p>
         </p:txBody>
       </p:sp>
@@ -12832,7 +12919,7 @@
           <a:effectLst/>
           <a:extLst>
             <a:ext uri="{91240B29-F687-4F45-9708-019B960494DF}">
-              <a14:hiddenLine xmlns:a14="http://schemas.microsoft.com/office/drawing/2010/main" w="9525">
+              <a14:hiddenLine xmlns:a14="http://schemas.microsoft.com/office/drawing/2010/main" xmlns="" w="9525">
                 <a:solidFill>
                   <a:schemeClr val="tx1"/>
                 </a:solidFill>
@@ -12842,7 +12929,7 @@
               </a14:hiddenLine>
             </a:ext>
             <a:ext uri="{AF507438-7753-43E0-B8FC-AC1667EBCBE1}">
-              <a14:hiddenEffects xmlns:a14="http://schemas.microsoft.com/office/drawing/2010/main">
+              <a14:hiddenEffects xmlns:a14="http://schemas.microsoft.com/office/drawing/2010/main" xmlns="">
                 <a:effectLst>
                   <a:outerShdw dist="35921" dir="2700000" algn="ctr" rotWithShape="0">
                     <a:schemeClr val="bg2"/>
@@ -14414,7 +14501,7 @@
           <a:effectLst/>
           <a:extLst>
             <a:ext uri="{91240B29-F687-4F45-9708-019B960494DF}">
-              <a14:hiddenLine xmlns:a14="http://schemas.microsoft.com/office/drawing/2010/main" w="9525">
+              <a14:hiddenLine xmlns:a14="http://schemas.microsoft.com/office/drawing/2010/main" xmlns="" w="9525">
                 <a:solidFill>
                   <a:schemeClr val="tx1"/>
                 </a:solidFill>
@@ -14424,7 +14511,7 @@
               </a14:hiddenLine>
             </a:ext>
             <a:ext uri="{AF507438-7753-43E0-B8FC-AC1667EBCBE1}">
-              <a14:hiddenEffects xmlns:a14="http://schemas.microsoft.com/office/drawing/2010/main">
+              <a14:hiddenEffects xmlns:a14="http://schemas.microsoft.com/office/drawing/2010/main" xmlns="">
                 <a:effectLst>
                   <a:outerShdw dist="35921" dir="2700000" algn="ctr" rotWithShape="0">
                     <a:schemeClr val="bg2"/>
@@ -14472,8 +14559,8 @@
           </a:p>
         </p:txBody>
       </p:sp>
-      <mc:AlternateContent xmlns:mc="http://schemas.openxmlformats.org/markup-compatibility/2006" xmlns:a14="http://schemas.microsoft.com/office/drawing/2010/main">
-        <mc:Choice Requires="a14">
+      <mc:AlternateContent xmlns:mc="http://schemas.openxmlformats.org/markup-compatibility/2006">
+        <mc:Choice xmlns:a14="http://schemas.microsoft.com/office/drawing/2010/main" xmlns="" Requires="a14">
           <p:sp>
             <p:nvSpPr>
               <p:cNvPr id="8" name="Содержимое 1"/>
@@ -14910,7 +14997,7 @@
             </p:txBody>
           </p:sp>
         </mc:Choice>
-        <mc:Fallback xmlns="">
+        <mc:Fallback>
           <p:sp>
             <p:nvSpPr>
               <p:cNvPr id="8" name="Содержимое 1"/>
@@ -14928,7 +15015,7 @@
                 <a:avLst/>
               </a:prstGeom>
               <a:blipFill rotWithShape="0">
-                <a:blip r:embed="rId2"/>
+                <a:blip r:embed="rId2" cstate="print"/>
                 <a:stretch>
                   <a:fillRect l="-3295" t="-2683"/>
                 </a:stretch>
@@ -14952,7 +15039,7 @@
     </p:spTree>
     <p:extLst>
       <p:ext uri="{BB962C8B-B14F-4D97-AF65-F5344CB8AC3E}">
-        <p14:creationId xmlns:p14="http://schemas.microsoft.com/office/powerpoint/2010/main" val="611271091"/>
+        <p14:creationId xmlns:p14="http://schemas.microsoft.com/office/powerpoint/2010/main" xmlns="" val="611271091"/>
       </p:ext>
     </p:extLst>
   </p:cSld>
@@ -15077,7 +15164,7 @@
           <a:effectLst/>
           <a:extLst>
             <a:ext uri="{91240B29-F687-4F45-9708-019B960494DF}">
-              <a14:hiddenLine xmlns:a14="http://schemas.microsoft.com/office/drawing/2010/main" w="9525">
+              <a14:hiddenLine xmlns:a14="http://schemas.microsoft.com/office/drawing/2010/main" xmlns="" w="9525">
                 <a:solidFill>
                   <a:schemeClr val="tx1"/>
                 </a:solidFill>
@@ -15087,7 +15174,7 @@
               </a14:hiddenLine>
             </a:ext>
             <a:ext uri="{AF507438-7753-43E0-B8FC-AC1667EBCBE1}">
-              <a14:hiddenEffects xmlns:a14="http://schemas.microsoft.com/office/drawing/2010/main">
+              <a14:hiddenEffects xmlns:a14="http://schemas.microsoft.com/office/drawing/2010/main" xmlns="">
                 <a:effectLst>
                   <a:outerShdw dist="35921" dir="2700000" algn="ctr" rotWithShape="0">
                     <a:schemeClr val="bg2"/>
@@ -17006,8 +17093,8 @@
           </a:p>
         </p:txBody>
       </p:sp>
-      <mc:AlternateContent xmlns:mc="http://schemas.openxmlformats.org/markup-compatibility/2006" xmlns:a14="http://schemas.microsoft.com/office/drawing/2010/main">
-        <mc:Choice Requires="a14">
+      <mc:AlternateContent xmlns:mc="http://schemas.openxmlformats.org/markup-compatibility/2006">
+        <mc:Choice xmlns:a14="http://schemas.microsoft.com/office/drawing/2010/main" xmlns="" Requires="a14">
           <p:sp>
             <p:nvSpPr>
               <p:cNvPr id="6" name="Содержимое 1"/>
@@ -17444,7 +17531,7 @@
             </p:txBody>
           </p:sp>
         </mc:Choice>
-        <mc:Fallback xmlns="">
+        <mc:Fallback>
           <p:sp>
             <p:nvSpPr>
               <p:cNvPr id="6" name="Содержимое 1"/>
@@ -17462,7 +17549,7 @@
                 <a:avLst/>
               </a:prstGeom>
               <a:blipFill rotWithShape="0">
-                <a:blip r:embed="rId2"/>
+                <a:blip r:embed="rId2" cstate="print"/>
                 <a:stretch>
                   <a:fillRect l="-3295" t="-2683"/>
                 </a:stretch>
@@ -17486,7 +17573,7 @@
     </p:spTree>
     <p:extLst>
       <p:ext uri="{BB962C8B-B14F-4D97-AF65-F5344CB8AC3E}">
-        <p14:creationId xmlns:p14="http://schemas.microsoft.com/office/powerpoint/2010/main" val="476216845"/>
+        <p14:creationId xmlns:p14="http://schemas.microsoft.com/office/powerpoint/2010/main" xmlns="" val="476216845"/>
       </p:ext>
     </p:extLst>
   </p:cSld>
@@ -19483,8 +19570,8 @@
           </a:p>
         </p:txBody>
       </p:sp>
-      <mc:AlternateContent xmlns:mc="http://schemas.openxmlformats.org/markup-compatibility/2006" xmlns:a14="http://schemas.microsoft.com/office/drawing/2010/main">
-        <mc:Choice Requires="a14">
+      <mc:AlternateContent xmlns:mc="http://schemas.openxmlformats.org/markup-compatibility/2006">
+        <mc:Choice xmlns:a14="http://schemas.microsoft.com/office/drawing/2010/main" xmlns="" Requires="a14">
           <p:sp>
             <p:nvSpPr>
               <p:cNvPr id="8" name="Содержимое 1"/>
@@ -19934,7 +20021,7 @@
             </p:txBody>
           </p:sp>
         </mc:Choice>
-        <mc:Fallback xmlns="">
+        <mc:Fallback>
           <p:sp>
             <p:nvSpPr>
               <p:cNvPr id="8" name="Содержимое 1"/>
@@ -19954,7 +20041,7 @@
                 <a:avLst/>
               </a:prstGeom>
               <a:blipFill rotWithShape="0">
-                <a:blip r:embed="rId2"/>
+                <a:blip r:embed="rId2" cstate="print"/>
                 <a:stretch>
                   <a:fillRect l="-3287" t="-2683"/>
                 </a:stretch>
@@ -19978,7 +20065,7 @@
     </p:spTree>
     <p:extLst>
       <p:ext uri="{BB962C8B-B14F-4D97-AF65-F5344CB8AC3E}">
-        <p14:creationId xmlns:p14="http://schemas.microsoft.com/office/powerpoint/2010/main" val="3690992376"/>
+        <p14:creationId xmlns:p14="http://schemas.microsoft.com/office/powerpoint/2010/main" xmlns="" val="3690992376"/>
       </p:ext>
     </p:extLst>
   </p:cSld>
@@ -22015,7 +22102,7 @@
     </p:spTree>
     <p:extLst>
       <p:ext uri="{BB962C8B-B14F-4D97-AF65-F5344CB8AC3E}">
-        <p14:creationId xmlns:p14="http://schemas.microsoft.com/office/powerpoint/2010/main" val="2808821390"/>
+        <p14:creationId xmlns:p14="http://schemas.microsoft.com/office/powerpoint/2010/main" xmlns="" val="2808821390"/>
       </p:ext>
     </p:extLst>
   </p:cSld>
@@ -22307,7 +22394,7 @@
   <a:extraClrSchemeLst/>
   <a:extLst>
     <a:ext uri="{05A4C25C-085E-4340-85A3-A5531E510DB2}">
-      <thm15:themeFamily xmlns:thm15="http://schemas.microsoft.com/office/thememl/2012/main" name="Office Theme" id="{62F939B6-93AF-4DB8-9C6B-D6C7DFDC589F}" vid="{4A3C46E8-61CC-4603-A589-7422A47A8E4A}"/>
+      <thm15:themeFamily xmlns:thm15="http://schemas.microsoft.com/office/thememl/2012/main" xmlns="" name="Office Theme" id="{62F939B6-93AF-4DB8-9C6B-D6C7DFDC589F}" vid="{4A3C46E8-61CC-4603-A589-7422A47A8E4A}"/>
     </a:ext>
   </a:extLst>
 </a:theme>
@@ -22568,7 +22655,7 @@
   <a:extraClrSchemeLst/>
   <a:extLst>
     <a:ext uri="{05A4C25C-085E-4340-85A3-A5531E510DB2}">
-      <thm15:themeFamily xmlns:thm15="http://schemas.microsoft.com/office/thememl/2012/main" name="Office Theme" id="{62F939B6-93AF-4DB8-9C6B-D6C7DFDC589F}" vid="{4A3C46E8-61CC-4603-A589-7422A47A8E4A}"/>
+      <thm15:themeFamily xmlns:thm15="http://schemas.microsoft.com/office/thememl/2012/main" xmlns="" name="Office Theme" id="{62F939B6-93AF-4DB8-9C6B-D6C7DFDC589F}" vid="{4A3C46E8-61CC-4603-A589-7422A47A8E4A}"/>
     </a:ext>
   </a:extLst>
 </a:theme>
@@ -22829,7 +22916,7 @@
   <a:extraClrSchemeLst/>
   <a:extLst>
     <a:ext uri="{05A4C25C-085E-4340-85A3-A5531E510DB2}">
-      <thm15:themeFamily xmlns:thm15="http://schemas.microsoft.com/office/thememl/2012/main" name="Office Theme" id="{62F939B6-93AF-4DB8-9C6B-D6C7DFDC589F}" vid="{4A3C46E8-61CC-4603-A589-7422A47A8E4A}"/>
+      <thm15:themeFamily xmlns:thm15="http://schemas.microsoft.com/office/thememl/2012/main" xmlns="" name="Office Theme" id="{62F939B6-93AF-4DB8-9C6B-D6C7DFDC589F}" vid="{4A3C46E8-61CC-4603-A589-7422A47A8E4A}"/>
     </a:ext>
   </a:extLst>
 </a:theme>

--- a/docs/part1ca/01_Introduction/CA_Lecture_01.pptx
+++ b/docs/part1ca/01_Introduction/CA_Lecture_01.pptx
@@ -136,7 +136,7 @@
   </p:defaultTextStyle>
   <p:extLst>
     <p:ext uri="{EFAFB233-063F-42B5-8137-9DF3F51BA10A}">
-      <p15:sldGuideLst xmlns:p15="http://schemas.microsoft.com/office/powerpoint/2012/main" xmlns="">
+      <p15:sldGuideLst xmlns="" xmlns:p15="http://schemas.microsoft.com/office/powerpoint/2012/main">
         <p15:guide id="1" orient="horz" pos="2160">
           <p15:clr>
             <a:srgbClr val="A4A3A4"/>
@@ -150,7 +150,7 @@
       </p15:sldGuideLst>
     </p:ext>
     <p:ext uri="{2D200454-40CA-4A62-9FC3-DE9A4176ACB9}">
-      <p15:notesGuideLst xmlns:p15="http://schemas.microsoft.com/office/powerpoint/2012/main" xmlns="">
+      <p15:notesGuideLst xmlns="" xmlns:p15="http://schemas.microsoft.com/office/powerpoint/2012/main">
         <p15:guide id="1" orient="horz" pos="2880">
           <p15:clr>
             <a:srgbClr val="A4A3A4"/>
@@ -258,7 +258,7 @@
             <a:fld id="{D0106195-8D78-4F6F-B8E4-FA67975ACEF5}" type="datetimeFigureOut">
               <a:rPr lang="ru-RU" smtClean="0"/>
               <a:pPr/>
-              <a:t>16.11.2020</a:t>
+              <a:t>22.11.2020</a:t>
             </a:fld>
             <a:endParaRPr lang="ru-RU"/>
           </a:p>
@@ -334,7 +334,7 @@
     </p:spTree>
     <p:extLst>
       <p:ext uri="{BB962C8B-B14F-4D97-AF65-F5344CB8AC3E}">
-        <p14:creationId xmlns:p14="http://schemas.microsoft.com/office/powerpoint/2010/main" xmlns="" val="827279973"/>
+        <p14:creationId xmlns="" xmlns:p14="http://schemas.microsoft.com/office/powerpoint/2010/main" val="827279973"/>
       </p:ext>
     </p:extLst>
   </p:cSld>
@@ -426,7 +426,7 @@
             <a:fld id="{878212F1-C3D9-4F2B-8F42-5E960FE8BE51}" type="datetimeFigureOut">
               <a:rPr lang="ru-RU" smtClean="0"/>
               <a:pPr/>
-              <a:t>16.11.2020</a:t>
+              <a:t>22.11.2020</a:t>
             </a:fld>
             <a:endParaRPr lang="ru-RU"/>
           </a:p>
@@ -595,7 +595,7 @@
     </p:spTree>
     <p:extLst>
       <p:ext uri="{BB962C8B-B14F-4D97-AF65-F5344CB8AC3E}">
-        <p14:creationId xmlns:p14="http://schemas.microsoft.com/office/powerpoint/2010/main" xmlns="" val="3865021395"/>
+        <p14:creationId xmlns="" xmlns:p14="http://schemas.microsoft.com/office/powerpoint/2010/main" val="3865021395"/>
       </p:ext>
     </p:extLst>
   </p:cSld>
@@ -809,7 +809,7 @@
     </p:spTree>
     <p:extLst>
       <p:ext uri="{BB962C8B-B14F-4D97-AF65-F5344CB8AC3E}">
-        <p14:creationId xmlns:p14="http://schemas.microsoft.com/office/powerpoint/2010/main" xmlns="" val="2381791527"/>
+        <p14:creationId xmlns="" xmlns:p14="http://schemas.microsoft.com/office/powerpoint/2010/main" val="2381791527"/>
       </p:ext>
     </p:extLst>
   </p:cSld>
@@ -932,7 +932,7 @@
     </p:spTree>
     <p:extLst>
       <p:ext uri="{BB962C8B-B14F-4D97-AF65-F5344CB8AC3E}">
-        <p14:creationId xmlns:p14="http://schemas.microsoft.com/office/powerpoint/2010/main" xmlns="" val="1915950851"/>
+        <p14:creationId xmlns="" xmlns:p14="http://schemas.microsoft.com/office/powerpoint/2010/main" val="1915950851"/>
       </p:ext>
     </p:extLst>
   </p:cSld>
@@ -1192,7 +1192,7 @@
     </p:spTree>
     <p:extLst>
       <p:ext uri="{BB962C8B-B14F-4D97-AF65-F5344CB8AC3E}">
-        <p14:creationId xmlns:p14="http://schemas.microsoft.com/office/powerpoint/2010/main" xmlns="" val="322455162"/>
+        <p14:creationId xmlns="" xmlns:p14="http://schemas.microsoft.com/office/powerpoint/2010/main" val="322455162"/>
       </p:ext>
     </p:extLst>
   </p:cSld>
@@ -1366,7 +1366,7 @@
     </p:spTree>
     <p:extLst>
       <p:ext uri="{BB962C8B-B14F-4D97-AF65-F5344CB8AC3E}">
-        <p14:creationId xmlns:p14="http://schemas.microsoft.com/office/powerpoint/2010/main" xmlns="" val="971117636"/>
+        <p14:creationId xmlns="" xmlns:p14="http://schemas.microsoft.com/office/powerpoint/2010/main" val="971117636"/>
       </p:ext>
     </p:extLst>
   </p:cSld>
@@ -1543,7 +1543,7 @@
     </p:spTree>
     <p:extLst>
       <p:ext uri="{BB962C8B-B14F-4D97-AF65-F5344CB8AC3E}">
-        <p14:creationId xmlns:p14="http://schemas.microsoft.com/office/powerpoint/2010/main" xmlns="" val="3348877825"/>
+        <p14:creationId xmlns="" xmlns:p14="http://schemas.microsoft.com/office/powerpoint/2010/main" val="3348877825"/>
       </p:ext>
     </p:extLst>
   </p:cSld>
@@ -1868,7 +1868,7 @@
     </p:spTree>
     <p:extLst>
       <p:ext uri="{BB962C8B-B14F-4D97-AF65-F5344CB8AC3E}">
-        <p14:creationId xmlns:p14="http://schemas.microsoft.com/office/powerpoint/2010/main" xmlns="" val="3256953994"/>
+        <p14:creationId xmlns="" xmlns:p14="http://schemas.microsoft.com/office/powerpoint/2010/main" val="3256953994"/>
       </p:ext>
     </p:extLst>
   </p:cSld>
@@ -2118,7 +2118,7 @@
     </p:spTree>
     <p:extLst>
       <p:ext uri="{BB962C8B-B14F-4D97-AF65-F5344CB8AC3E}">
-        <p14:creationId xmlns:p14="http://schemas.microsoft.com/office/powerpoint/2010/main" xmlns="" val="3067076846"/>
+        <p14:creationId xmlns="" xmlns:p14="http://schemas.microsoft.com/office/powerpoint/2010/main" val="3067076846"/>
       </p:ext>
     </p:extLst>
   </p:cSld>
@@ -2354,7 +2354,7 @@
     </p:spTree>
     <p:extLst>
       <p:ext uri="{BB962C8B-B14F-4D97-AF65-F5344CB8AC3E}">
-        <p14:creationId xmlns:p14="http://schemas.microsoft.com/office/powerpoint/2010/main" xmlns="" val="3710015975"/>
+        <p14:creationId xmlns="" xmlns:p14="http://schemas.microsoft.com/office/powerpoint/2010/main" val="3710015975"/>
       </p:ext>
     </p:extLst>
   </p:cSld>
@@ -2725,7 +2725,7 @@
     </p:spTree>
     <p:extLst>
       <p:ext uri="{BB962C8B-B14F-4D97-AF65-F5344CB8AC3E}">
-        <p14:creationId xmlns:p14="http://schemas.microsoft.com/office/powerpoint/2010/main" xmlns="" val="4075590966"/>
+        <p14:creationId xmlns="" xmlns:p14="http://schemas.microsoft.com/office/powerpoint/2010/main" val="4075590966"/>
       </p:ext>
     </p:extLst>
   </p:cSld>
@@ -2847,7 +2847,7 @@
     </p:spTree>
     <p:extLst>
       <p:ext uri="{BB962C8B-B14F-4D97-AF65-F5344CB8AC3E}">
-        <p14:creationId xmlns:p14="http://schemas.microsoft.com/office/powerpoint/2010/main" xmlns="" val="2889604898"/>
+        <p14:creationId xmlns="" xmlns:p14="http://schemas.microsoft.com/office/powerpoint/2010/main" val="2889604898"/>
       </p:ext>
     </p:extLst>
   </p:cSld>
@@ -2946,7 +2946,7 @@
     </p:spTree>
     <p:extLst>
       <p:ext uri="{BB962C8B-B14F-4D97-AF65-F5344CB8AC3E}">
-        <p14:creationId xmlns:p14="http://schemas.microsoft.com/office/powerpoint/2010/main" xmlns="" val="152384765"/>
+        <p14:creationId xmlns="" xmlns:p14="http://schemas.microsoft.com/office/powerpoint/2010/main" val="152384765"/>
       </p:ext>
     </p:extLst>
   </p:cSld>
@@ -3227,7 +3227,7 @@
     </p:spTree>
     <p:extLst>
       <p:ext uri="{BB962C8B-B14F-4D97-AF65-F5344CB8AC3E}">
-        <p14:creationId xmlns:p14="http://schemas.microsoft.com/office/powerpoint/2010/main" xmlns="" val="2127791886"/>
+        <p14:creationId xmlns="" xmlns:p14="http://schemas.microsoft.com/office/powerpoint/2010/main" val="2127791886"/>
       </p:ext>
     </p:extLst>
   </p:cSld>
@@ -3484,7 +3484,7 @@
     </p:spTree>
     <p:extLst>
       <p:ext uri="{BB962C8B-B14F-4D97-AF65-F5344CB8AC3E}">
-        <p14:creationId xmlns:p14="http://schemas.microsoft.com/office/powerpoint/2010/main" xmlns="" val="1752705130"/>
+        <p14:creationId xmlns="" xmlns:p14="http://schemas.microsoft.com/office/powerpoint/2010/main" val="1752705130"/>
       </p:ext>
     </p:extLst>
   </p:cSld>
@@ -3737,7 +3737,7 @@
     </p:spTree>
     <p:extLst>
       <p:ext uri="{BB962C8B-B14F-4D97-AF65-F5344CB8AC3E}">
-        <p14:creationId xmlns:p14="http://schemas.microsoft.com/office/powerpoint/2010/main" xmlns="" val="968833914"/>
+        <p14:creationId xmlns="" xmlns:p14="http://schemas.microsoft.com/office/powerpoint/2010/main" val="968833914"/>
       </p:ext>
     </p:extLst>
   </p:cSld>
@@ -4214,7 +4214,7 @@
     </p:spTree>
     <p:extLst>
       <p:ext uri="{BB962C8B-B14F-4D97-AF65-F5344CB8AC3E}">
-        <p14:creationId xmlns:p14="http://schemas.microsoft.com/office/powerpoint/2010/main" xmlns="" val="2492894732"/>
+        <p14:creationId xmlns="" xmlns:p14="http://schemas.microsoft.com/office/powerpoint/2010/main" val="2492894732"/>
       </p:ext>
     </p:extLst>
   </p:cSld>
@@ -4258,7 +4258,7 @@
             <p:ph idx="1"/>
             <p:extLst>
               <p:ext uri="{D42A27DB-BD31-4B8C-83A1-F6EECF244321}">
-                <p14:modId xmlns:p14="http://schemas.microsoft.com/office/powerpoint/2010/main" xmlns="" val="2853019934"/>
+                <p14:modId xmlns="" xmlns:p14="http://schemas.microsoft.com/office/powerpoint/2010/main" val="2853019934"/>
               </p:ext>
             </p:extLst>
           </p:nvPr>
@@ -4692,7 +4692,7 @@
         </p:txBody>
       </p:sp>
       <mc:AlternateContent xmlns:mc="http://schemas.openxmlformats.org/markup-compatibility/2006">
-        <mc:Choice xmlns:a14="http://schemas.microsoft.com/office/drawing/2010/main" xmlns="" Requires="a14">
+        <mc:Choice xmlns="" xmlns:a14="http://schemas.microsoft.com/office/drawing/2010/main" Requires="a14">
           <p:sp>
             <p:nvSpPr>
               <p:cNvPr id="6" name="Rectangle 5"/>
@@ -4883,7 +4883,7 @@
     </p:spTree>
     <p:extLst>
       <p:ext uri="{BB962C8B-B14F-4D97-AF65-F5344CB8AC3E}">
-        <p14:creationId xmlns:p14="http://schemas.microsoft.com/office/powerpoint/2010/main" xmlns="" val="1319878854"/>
+        <p14:creationId xmlns="" xmlns:p14="http://schemas.microsoft.com/office/powerpoint/2010/main" val="1319878854"/>
       </p:ext>
     </p:extLst>
   </p:cSld>
@@ -4975,7 +4975,7 @@
             <p:ph idx="1"/>
             <p:extLst>
               <p:ext uri="{D42A27DB-BD31-4B8C-83A1-F6EECF244321}">
-                <p14:modId xmlns:p14="http://schemas.microsoft.com/office/powerpoint/2010/main" xmlns="" val="895195415"/>
+                <p14:modId xmlns="" xmlns:p14="http://schemas.microsoft.com/office/powerpoint/2010/main" val="895195415"/>
               </p:ext>
             </p:extLst>
           </p:nvPr>
@@ -5279,7 +5279,7 @@
     </p:spTree>
     <p:extLst>
       <p:ext uri="{BB962C8B-B14F-4D97-AF65-F5344CB8AC3E}">
-        <p14:creationId xmlns:p14="http://schemas.microsoft.com/office/powerpoint/2010/main" xmlns="" val="1991606056"/>
+        <p14:creationId xmlns="" xmlns:p14="http://schemas.microsoft.com/office/powerpoint/2010/main" val="1991606056"/>
       </p:ext>
     </p:extLst>
   </p:cSld>
@@ -5447,7 +5447,7 @@
           <a:blip r:embed="rId2" cstate="print">
             <a:extLst>
               <a:ext uri="{28A0092B-C50C-407E-A947-70E740481C1C}">
-                <a14:useLocalDpi xmlns:a14="http://schemas.microsoft.com/office/drawing/2010/main" xmlns="" val="0"/>
+                <a14:useLocalDpi xmlns="" xmlns:a14="http://schemas.microsoft.com/office/drawing/2010/main" val="0"/>
               </a:ext>
             </a:extLst>
           </a:blip>
@@ -5467,7 +5467,7 @@
           <a:noFill/>
           <a:extLst>
             <a:ext uri="{909E8E84-426E-40DD-AFC4-6F175D3DCCD1}">
-              <a14:hiddenFill xmlns:a14="http://schemas.microsoft.com/office/drawing/2010/main" xmlns="">
+              <a14:hiddenFill xmlns="" xmlns:a14="http://schemas.microsoft.com/office/drawing/2010/main">
                 <a:solidFill>
                   <a:srgbClr val="FFFFFF"/>
                 </a:solidFill>
@@ -5479,7 +5479,7 @@
     </p:spTree>
     <p:extLst>
       <p:ext uri="{BB962C8B-B14F-4D97-AF65-F5344CB8AC3E}">
-        <p14:creationId xmlns:p14="http://schemas.microsoft.com/office/powerpoint/2010/main" xmlns="" val="1147934676"/>
+        <p14:creationId xmlns="" xmlns:p14="http://schemas.microsoft.com/office/powerpoint/2010/main" val="1147934676"/>
       </p:ext>
     </p:extLst>
   </p:cSld>
@@ -6377,7 +6377,7 @@
           <a:blip r:embed="rId2" cstate="print">
             <a:extLst>
               <a:ext uri="{28A0092B-C50C-407E-A947-70E740481C1C}">
-                <a14:useLocalDpi xmlns:a14="http://schemas.microsoft.com/office/drawing/2010/main" xmlns="" val="0"/>
+                <a14:useLocalDpi xmlns="" xmlns:a14="http://schemas.microsoft.com/office/drawing/2010/main" val="0"/>
               </a:ext>
             </a:extLst>
           </a:blip>
@@ -6397,7 +6397,7 @@
           <a:noFill/>
           <a:extLst>
             <a:ext uri="{909E8E84-426E-40DD-AFC4-6F175D3DCCD1}">
-              <a14:hiddenFill xmlns:a14="http://schemas.microsoft.com/office/drawing/2010/main" xmlns="">
+              <a14:hiddenFill xmlns="" xmlns:a14="http://schemas.microsoft.com/office/drawing/2010/main">
                 <a:solidFill>
                   <a:srgbClr val="FFFFFF"/>
                 </a:solidFill>
@@ -6409,7 +6409,7 @@
     </p:spTree>
     <p:extLst>
       <p:ext uri="{BB962C8B-B14F-4D97-AF65-F5344CB8AC3E}">
-        <p14:creationId xmlns:p14="http://schemas.microsoft.com/office/powerpoint/2010/main" xmlns="" val="2950914556"/>
+        <p14:creationId xmlns="" xmlns:p14="http://schemas.microsoft.com/office/powerpoint/2010/main" val="2950914556"/>
       </p:ext>
     </p:extLst>
   </p:cSld>
@@ -6455,7 +6455,7 @@
           <a:blip r:embed="rId2" cstate="print">
             <a:extLst>
               <a:ext uri="{28A0092B-C50C-407E-A947-70E740481C1C}">
-                <a14:useLocalDpi xmlns:a14="http://schemas.microsoft.com/office/drawing/2010/main" xmlns="" val="0"/>
+                <a14:useLocalDpi xmlns="" xmlns:a14="http://schemas.microsoft.com/office/drawing/2010/main" val="0"/>
               </a:ext>
             </a:extLst>
           </a:blip>
@@ -6475,7 +6475,7 @@
           <a:noFill/>
           <a:extLst>
             <a:ext uri="{909E8E84-426E-40DD-AFC4-6F175D3DCCD1}">
-              <a14:hiddenFill xmlns:a14="http://schemas.microsoft.com/office/drawing/2010/main" xmlns="">
+              <a14:hiddenFill xmlns="" xmlns:a14="http://schemas.microsoft.com/office/drawing/2010/main">
                 <a:solidFill>
                   <a:srgbClr val="FFFFFF"/>
                 </a:solidFill>
@@ -7048,7 +7048,7 @@
     </p:spTree>
     <p:extLst>
       <p:ext uri="{BB962C8B-B14F-4D97-AF65-F5344CB8AC3E}">
-        <p14:creationId xmlns:p14="http://schemas.microsoft.com/office/powerpoint/2010/main" xmlns="" val="4087179089"/>
+        <p14:creationId xmlns="" xmlns:p14="http://schemas.microsoft.com/office/powerpoint/2010/main" val="4087179089"/>
       </p:ext>
     </p:extLst>
   </p:cSld>
@@ -7254,7 +7254,7 @@
           <a:blip r:embed="rId2" cstate="print">
             <a:extLst>
               <a:ext uri="{28A0092B-C50C-407E-A947-70E740481C1C}">
-                <a14:useLocalDpi xmlns:a14="http://schemas.microsoft.com/office/drawing/2010/main" xmlns="" val="0"/>
+                <a14:useLocalDpi xmlns="" xmlns:a14="http://schemas.microsoft.com/office/drawing/2010/main" val="0"/>
               </a:ext>
             </a:extLst>
           </a:blip>
@@ -7274,7 +7274,7 @@
           <a:noFill/>
           <a:extLst>
             <a:ext uri="{909E8E84-426E-40DD-AFC4-6F175D3DCCD1}">
-              <a14:hiddenFill xmlns:a14="http://schemas.microsoft.com/office/drawing/2010/main" xmlns="">
+              <a14:hiddenFill xmlns="" xmlns:a14="http://schemas.microsoft.com/office/drawing/2010/main">
                 <a:solidFill>
                   <a:srgbClr val="FFFFFF"/>
                 </a:solidFill>
@@ -7295,7 +7295,7 @@
           <a:blip r:embed="rId3" cstate="print">
             <a:extLst>
               <a:ext uri="{28A0092B-C50C-407E-A947-70E740481C1C}">
-                <a14:useLocalDpi xmlns:a14="http://schemas.microsoft.com/office/drawing/2010/main" xmlns="" val="0"/>
+                <a14:useLocalDpi xmlns="" xmlns:a14="http://schemas.microsoft.com/office/drawing/2010/main" val="0"/>
               </a:ext>
             </a:extLst>
           </a:blip>
@@ -7315,7 +7315,7 @@
           <a:noFill/>
           <a:extLst>
             <a:ext uri="{909E8E84-426E-40DD-AFC4-6F175D3DCCD1}">
-              <a14:hiddenFill xmlns:a14="http://schemas.microsoft.com/office/drawing/2010/main" xmlns="">
+              <a14:hiddenFill xmlns="" xmlns:a14="http://schemas.microsoft.com/office/drawing/2010/main">
                 <a:solidFill>
                   <a:srgbClr val="FFFFFF"/>
                 </a:solidFill>
@@ -7327,7 +7327,7 @@
     </p:spTree>
     <p:extLst>
       <p:ext uri="{BB962C8B-B14F-4D97-AF65-F5344CB8AC3E}">
-        <p14:creationId xmlns:p14="http://schemas.microsoft.com/office/powerpoint/2010/main" xmlns="" val="4020093932"/>
+        <p14:creationId xmlns="" xmlns:p14="http://schemas.microsoft.com/office/powerpoint/2010/main" val="4020093932"/>
       </p:ext>
     </p:extLst>
   </p:cSld>
@@ -7540,7 +7540,7 @@
           <a:blip r:embed="rId2" cstate="print">
             <a:extLst>
               <a:ext uri="{28A0092B-C50C-407E-A947-70E740481C1C}">
-                <a14:useLocalDpi xmlns:a14="http://schemas.microsoft.com/office/drawing/2010/main" xmlns="" val="0"/>
+                <a14:useLocalDpi xmlns="" xmlns:a14="http://schemas.microsoft.com/office/drawing/2010/main" val="0"/>
               </a:ext>
             </a:extLst>
           </a:blip>
@@ -7563,14 +7563,14 @@
           </a:ln>
           <a:extLst>
             <a:ext uri="{909E8E84-426E-40DD-AFC4-6F175D3DCCD1}">
-              <a14:hiddenFill xmlns:a14="http://schemas.microsoft.com/office/drawing/2010/main" xmlns="">
+              <a14:hiddenFill xmlns="" xmlns:a14="http://schemas.microsoft.com/office/drawing/2010/main">
                 <a:solidFill>
                   <a:srgbClr val="FFFFFF"/>
                 </a:solidFill>
               </a14:hiddenFill>
             </a:ext>
             <a:ext uri="{91240B29-F687-4F45-9708-019B960494DF}">
-              <a14:hiddenLine xmlns:a14="http://schemas.microsoft.com/office/drawing/2010/main" xmlns="" w="9525">
+              <a14:hiddenLine xmlns="" xmlns:a14="http://schemas.microsoft.com/office/drawing/2010/main" w="9525">
                 <a:solidFill>
                   <a:srgbClr val="000000"/>
                 </a:solidFill>
@@ -7585,7 +7585,7 @@
     </p:spTree>
     <p:extLst>
       <p:ext uri="{BB962C8B-B14F-4D97-AF65-F5344CB8AC3E}">
-        <p14:creationId xmlns:p14="http://schemas.microsoft.com/office/powerpoint/2010/main" xmlns="" val="3856844071"/>
+        <p14:creationId xmlns="" xmlns:p14="http://schemas.microsoft.com/office/powerpoint/2010/main" val="3856844071"/>
       </p:ext>
     </p:extLst>
   </p:cSld>
@@ -7631,7 +7631,7 @@
           <a:blip r:embed="rId2" cstate="print">
             <a:extLst>
               <a:ext uri="{28A0092B-C50C-407E-A947-70E740481C1C}">
-                <a14:useLocalDpi xmlns:a14="http://schemas.microsoft.com/office/drawing/2010/main" xmlns="" val="0"/>
+                <a14:useLocalDpi xmlns="" xmlns:a14="http://schemas.microsoft.com/office/drawing/2010/main" val="0"/>
               </a:ext>
             </a:extLst>
           </a:blip>
@@ -7654,14 +7654,14 @@
           </a:ln>
           <a:extLst>
             <a:ext uri="{909E8E84-426E-40DD-AFC4-6F175D3DCCD1}">
-              <a14:hiddenFill xmlns:a14="http://schemas.microsoft.com/office/drawing/2010/main" xmlns="">
+              <a14:hiddenFill xmlns="" xmlns:a14="http://schemas.microsoft.com/office/drawing/2010/main">
                 <a:solidFill>
                   <a:srgbClr val="FFFFFF"/>
                 </a:solidFill>
               </a14:hiddenFill>
             </a:ext>
             <a:ext uri="{91240B29-F687-4F45-9708-019B960494DF}">
-              <a14:hiddenLine xmlns:a14="http://schemas.microsoft.com/office/drawing/2010/main" xmlns="" w="9525">
+              <a14:hiddenLine xmlns="" xmlns:a14="http://schemas.microsoft.com/office/drawing/2010/main" w="9525">
                 <a:solidFill>
                   <a:srgbClr val="000000"/>
                 </a:solidFill>
@@ -8167,7 +8167,7 @@
           <p:nvPr>
             <p:extLst>
               <p:ext uri="{D42A27DB-BD31-4B8C-83A1-F6EECF244321}">
-                <p14:modId xmlns:p14="http://schemas.microsoft.com/office/powerpoint/2010/main" xmlns="" val="1213753623"/>
+                <p14:modId xmlns="" xmlns:p14="http://schemas.microsoft.com/office/powerpoint/2010/main" val="1213753623"/>
               </p:ext>
             </p:extLst>
           </p:nvPr>
@@ -9880,7 +9880,7 @@
     </p:spTree>
     <p:extLst>
       <p:ext uri="{BB962C8B-B14F-4D97-AF65-F5344CB8AC3E}">
-        <p14:creationId xmlns:p14="http://schemas.microsoft.com/office/powerpoint/2010/main" xmlns="" val="1153504515"/>
+        <p14:creationId xmlns="" xmlns:p14="http://schemas.microsoft.com/office/powerpoint/2010/main" val="1153504515"/>
       </p:ext>
     </p:extLst>
   </p:cSld>
@@ -10050,7 +10050,7 @@
     </p:spTree>
     <p:extLst>
       <p:ext uri="{BB962C8B-B14F-4D97-AF65-F5344CB8AC3E}">
-        <p14:creationId xmlns:p14="http://schemas.microsoft.com/office/powerpoint/2010/main" xmlns="" val="664014649"/>
+        <p14:creationId xmlns="" xmlns:p14="http://schemas.microsoft.com/office/powerpoint/2010/main" val="664014649"/>
       </p:ext>
     </p:extLst>
   </p:cSld>
@@ -10147,13 +10147,8 @@
           <a:p>
             <a:r>
               <a:rPr lang="en-US" sz="3500" b="1" dirty="0" smtClean="0"/>
-              <a:t>Telegram </a:t>
-            </a:r>
-            <a:r>
-              <a:rPr lang="en-US" sz="3500" b="1" dirty="0" smtClean="0"/>
-              <a:t>group</a:t>
-            </a:r>
-            <a:endParaRPr lang="en-US" sz="3500" b="1" dirty="0" smtClean="0"/>
+              <a:t>Telegram group</a:t>
+            </a:r>
           </a:p>
           <a:p>
             <a:pPr>
@@ -10165,9 +10160,6 @@
               </a:rPr>
               <a:t>https://t.me/joinchat/KNIiWh0pCrpZ11XkuwnxnQ</a:t>
             </a:r>
-            <a:endParaRPr lang="en-US" sz="3200" dirty="0" smtClean="0">
-              <a:hlinkClick r:id="rId2"/>
-            </a:endParaRPr>
           </a:p>
           <a:p>
             <a:pPr>
@@ -10652,7 +10644,7 @@
     </p:spTree>
     <p:extLst>
       <p:ext uri="{BB962C8B-B14F-4D97-AF65-F5344CB8AC3E}">
-        <p14:creationId xmlns:p14="http://schemas.microsoft.com/office/powerpoint/2010/main" xmlns="" val="1974197127"/>
+        <p14:creationId xmlns="" xmlns:p14="http://schemas.microsoft.com/office/powerpoint/2010/main" val="1974197127"/>
       </p:ext>
     </p:extLst>
   </p:cSld>
@@ -10746,7 +10738,7 @@
           <a:blip r:embed="rId2" cstate="print">
             <a:extLst>
               <a:ext uri="{28A0092B-C50C-407E-A947-70E740481C1C}">
-                <a14:useLocalDpi xmlns:a14="http://schemas.microsoft.com/office/drawing/2010/main" xmlns="" val="0"/>
+                <a14:useLocalDpi xmlns="" xmlns:a14="http://schemas.microsoft.com/office/drawing/2010/main" val="0"/>
               </a:ext>
             </a:extLst>
           </a:blip>
@@ -10769,14 +10761,14 @@
           </a:ln>
           <a:extLst>
             <a:ext uri="{909E8E84-426E-40DD-AFC4-6F175D3DCCD1}">
-              <a14:hiddenFill xmlns:a14="http://schemas.microsoft.com/office/drawing/2010/main" xmlns="">
+              <a14:hiddenFill xmlns="" xmlns:a14="http://schemas.microsoft.com/office/drawing/2010/main">
                 <a:solidFill>
                   <a:srgbClr val="FFFFFF"/>
                 </a:solidFill>
               </a14:hiddenFill>
             </a:ext>
             <a:ext uri="{91240B29-F687-4F45-9708-019B960494DF}">
-              <a14:hiddenLine xmlns:a14="http://schemas.microsoft.com/office/drawing/2010/main" xmlns="" w="9525">
+              <a14:hiddenLine xmlns="" xmlns:a14="http://schemas.microsoft.com/office/drawing/2010/main" w="9525">
                 <a:solidFill>
                   <a:srgbClr val="000000"/>
                 </a:solidFill>
@@ -10791,7 +10783,7 @@
     </p:spTree>
     <p:extLst>
       <p:ext uri="{BB962C8B-B14F-4D97-AF65-F5344CB8AC3E}">
-        <p14:creationId xmlns:p14="http://schemas.microsoft.com/office/powerpoint/2010/main" xmlns="" val="2270459329"/>
+        <p14:creationId xmlns="" xmlns:p14="http://schemas.microsoft.com/office/powerpoint/2010/main" val="2270459329"/>
       </p:ext>
     </p:extLst>
   </p:cSld>
@@ -10900,7 +10892,7 @@
     </p:spTree>
     <p:extLst>
       <p:ext uri="{BB962C8B-B14F-4D97-AF65-F5344CB8AC3E}">
-        <p14:creationId xmlns:p14="http://schemas.microsoft.com/office/powerpoint/2010/main" xmlns="" val="4095291685"/>
+        <p14:creationId xmlns="" xmlns:p14="http://schemas.microsoft.com/office/powerpoint/2010/main" val="4095291685"/>
       </p:ext>
     </p:extLst>
   </p:cSld>
@@ -11163,7 +11155,7 @@
     </p:spTree>
     <p:extLst>
       <p:ext uri="{BB962C8B-B14F-4D97-AF65-F5344CB8AC3E}">
-        <p14:creationId xmlns:p14="http://schemas.microsoft.com/office/powerpoint/2010/main" xmlns="" val="1324819286"/>
+        <p14:creationId xmlns="" xmlns:p14="http://schemas.microsoft.com/office/powerpoint/2010/main" val="1324819286"/>
       </p:ext>
     </p:extLst>
   </p:cSld>
@@ -11356,14 +11348,14 @@
           <a:effectLst/>
           <a:extLst>
             <a:ext uri="{909E8E84-426E-40DD-AFC4-6F175D3DCCD1}">
-              <a14:hiddenFill xmlns:a14="http://schemas.microsoft.com/office/drawing/2010/main" xmlns="">
+              <a14:hiddenFill xmlns="" xmlns:a14="http://schemas.microsoft.com/office/drawing/2010/main">
                 <a:solidFill>
                   <a:schemeClr val="accent1"/>
                 </a:solidFill>
               </a14:hiddenFill>
             </a:ext>
             <a:ext uri="{91240B29-F687-4F45-9708-019B960494DF}">
-              <a14:hiddenLine xmlns:a14="http://schemas.microsoft.com/office/drawing/2010/main" xmlns="" w="9525">
+              <a14:hiddenLine xmlns="" xmlns:a14="http://schemas.microsoft.com/office/drawing/2010/main" w="9525">
                 <a:solidFill>
                   <a:schemeClr val="tx1"/>
                 </a:solidFill>
@@ -11373,7 +11365,7 @@
               </a14:hiddenLine>
             </a:ext>
             <a:ext uri="{AF507438-7753-43E0-B8FC-AC1667EBCBE1}">
-              <a14:hiddenEffects xmlns:a14="http://schemas.microsoft.com/office/drawing/2010/main" xmlns="">
+              <a14:hiddenEffects xmlns="" xmlns:a14="http://schemas.microsoft.com/office/drawing/2010/main">
                 <a:effectLst>
                   <a:outerShdw dist="35921" dir="2700000" algn="ctr" rotWithShape="0">
                     <a:schemeClr val="bg2"/>
@@ -11481,7 +11473,7 @@
     </p:spTree>
     <p:extLst>
       <p:ext uri="{BB962C8B-B14F-4D97-AF65-F5344CB8AC3E}">
-        <p14:creationId xmlns:p14="http://schemas.microsoft.com/office/powerpoint/2010/main" xmlns="" val="3293126798"/>
+        <p14:creationId xmlns="" xmlns:p14="http://schemas.microsoft.com/office/powerpoint/2010/main" val="3293126798"/>
       </p:ext>
     </p:extLst>
   </p:cSld>
@@ -12062,7 +12054,7 @@
     </p:spTree>
     <p:extLst>
       <p:ext uri="{BB962C8B-B14F-4D97-AF65-F5344CB8AC3E}">
-        <p14:creationId xmlns:p14="http://schemas.microsoft.com/office/powerpoint/2010/main" xmlns="" val="4217875043"/>
+        <p14:creationId xmlns="" xmlns:p14="http://schemas.microsoft.com/office/powerpoint/2010/main" val="4217875043"/>
       </p:ext>
     </p:extLst>
   </p:cSld>
@@ -12396,6 +12388,86 @@
           </a:p>
         </p:txBody>
       </p:sp>
+      <p:pic>
+        <p:nvPicPr>
+          <p:cNvPr id="13" name="Рисунок 12" descr="photo_2020-11-22 22.25.36.jpeg"/>
+          <p:cNvPicPr>
+            <a:picLocks noChangeAspect="1"/>
+          </p:cNvPicPr>
+          <p:nvPr/>
+        </p:nvPicPr>
+        <p:blipFill>
+          <a:blip r:embed="rId4" cstate="print"/>
+          <a:srcRect t="5315" b="12106"/>
+          <a:stretch>
+            <a:fillRect/>
+          </a:stretch>
+        </p:blipFill>
+        <p:spPr>
+          <a:xfrm>
+            <a:off x="8648571" y="1516571"/>
+            <a:ext cx="1577340" cy="2315598"/>
+          </a:xfrm>
+          <a:prstGeom prst="rect">
+            <a:avLst/>
+          </a:prstGeom>
+        </p:spPr>
+      </p:pic>
+      <p:sp>
+        <p:nvSpPr>
+          <p:cNvPr id="14" name="TextBox 13"/>
+          <p:cNvSpPr txBox="1"/>
+          <p:nvPr/>
+        </p:nvSpPr>
+        <p:spPr>
+          <a:xfrm>
+            <a:off x="8100149" y="3678068"/>
+            <a:ext cx="2600797" cy="629392"/>
+          </a:xfrm>
+          <a:prstGeom prst="rect">
+            <a:avLst/>
+          </a:prstGeom>
+          <a:noFill/>
+        </p:spPr>
+        <p:txBody>
+          <a:bodyPr wrap="square" lIns="72000" tIns="25200" rIns="0" bIns="25200" rtlCol="0" anchor="ctr" anchorCtr="0">
+            <a:noAutofit/>
+          </a:bodyPr>
+          <a:lstStyle/>
+          <a:p>
+            <a:pPr algn="ctr"/>
+            <a:r>
+              <a:rPr lang="en-US" sz="2400" b="1" dirty="0" err="1" smtClean="0">
+                <a:solidFill>
+                  <a:srgbClr val="1E3272"/>
+                </a:solidFill>
+              </a:rPr>
+              <a:t>Evgeny</a:t>
+            </a:r>
+            <a:r>
+              <a:rPr lang="en-US" sz="2400" b="1" dirty="0" smtClean="0">
+                <a:solidFill>
+                  <a:srgbClr val="1E3272"/>
+                </a:solidFill>
+              </a:rPr>
+              <a:t> </a:t>
+            </a:r>
+            <a:r>
+              <a:rPr lang="en-US" sz="2400" b="1" dirty="0" err="1" smtClean="0">
+                <a:solidFill>
+                  <a:srgbClr val="1E3272"/>
+                </a:solidFill>
+              </a:rPr>
+              <a:t>Chugunnyy</a:t>
+            </a:r>
+            <a:endParaRPr lang="ru-RU" sz="2400" b="1" dirty="0" smtClean="0">
+              <a:solidFill>
+                <a:srgbClr val="1E3272"/>
+              </a:solidFill>
+            </a:endParaRPr>
+          </a:p>
+        </p:txBody>
+      </p:sp>
     </p:spTree>
   </p:cSld>
   <p:clrMapOvr>
@@ -12919,7 +12991,7 @@
           <a:effectLst/>
           <a:extLst>
             <a:ext uri="{91240B29-F687-4F45-9708-019B960494DF}">
-              <a14:hiddenLine xmlns:a14="http://schemas.microsoft.com/office/drawing/2010/main" xmlns="" w="9525">
+              <a14:hiddenLine xmlns="" xmlns:a14="http://schemas.microsoft.com/office/drawing/2010/main" w="9525">
                 <a:solidFill>
                   <a:schemeClr val="tx1"/>
                 </a:solidFill>
@@ -12929,7 +13001,7 @@
               </a14:hiddenLine>
             </a:ext>
             <a:ext uri="{AF507438-7753-43E0-B8FC-AC1667EBCBE1}">
-              <a14:hiddenEffects xmlns:a14="http://schemas.microsoft.com/office/drawing/2010/main" xmlns="">
+              <a14:hiddenEffects xmlns="" xmlns:a14="http://schemas.microsoft.com/office/drawing/2010/main">
                 <a:effectLst>
                   <a:outerShdw dist="35921" dir="2700000" algn="ctr" rotWithShape="0">
                     <a:schemeClr val="bg2"/>
@@ -14501,7 +14573,7 @@
           <a:effectLst/>
           <a:extLst>
             <a:ext uri="{91240B29-F687-4F45-9708-019B960494DF}">
-              <a14:hiddenLine xmlns:a14="http://schemas.microsoft.com/office/drawing/2010/main" xmlns="" w="9525">
+              <a14:hiddenLine xmlns="" xmlns:a14="http://schemas.microsoft.com/office/drawing/2010/main" w="9525">
                 <a:solidFill>
                   <a:schemeClr val="tx1"/>
                 </a:solidFill>
@@ -14511,7 +14583,7 @@
               </a14:hiddenLine>
             </a:ext>
             <a:ext uri="{AF507438-7753-43E0-B8FC-AC1667EBCBE1}">
-              <a14:hiddenEffects xmlns:a14="http://schemas.microsoft.com/office/drawing/2010/main" xmlns="">
+              <a14:hiddenEffects xmlns="" xmlns:a14="http://schemas.microsoft.com/office/drawing/2010/main">
                 <a:effectLst>
                   <a:outerShdw dist="35921" dir="2700000" algn="ctr" rotWithShape="0">
                     <a:schemeClr val="bg2"/>
@@ -14560,7 +14632,7 @@
         </p:txBody>
       </p:sp>
       <mc:AlternateContent xmlns:mc="http://schemas.openxmlformats.org/markup-compatibility/2006">
-        <mc:Choice xmlns:a14="http://schemas.microsoft.com/office/drawing/2010/main" xmlns="" Requires="a14">
+        <mc:Choice xmlns="" xmlns:a14="http://schemas.microsoft.com/office/drawing/2010/main" Requires="a14">
           <p:sp>
             <p:nvSpPr>
               <p:cNvPr id="8" name="Содержимое 1"/>
@@ -15039,7 +15111,7 @@
     </p:spTree>
     <p:extLst>
       <p:ext uri="{BB962C8B-B14F-4D97-AF65-F5344CB8AC3E}">
-        <p14:creationId xmlns:p14="http://schemas.microsoft.com/office/powerpoint/2010/main" xmlns="" val="611271091"/>
+        <p14:creationId xmlns="" xmlns:p14="http://schemas.microsoft.com/office/powerpoint/2010/main" val="611271091"/>
       </p:ext>
     </p:extLst>
   </p:cSld>
@@ -15164,7 +15236,7 @@
           <a:effectLst/>
           <a:extLst>
             <a:ext uri="{91240B29-F687-4F45-9708-019B960494DF}">
-              <a14:hiddenLine xmlns:a14="http://schemas.microsoft.com/office/drawing/2010/main" xmlns="" w="9525">
+              <a14:hiddenLine xmlns="" xmlns:a14="http://schemas.microsoft.com/office/drawing/2010/main" w="9525">
                 <a:solidFill>
                   <a:schemeClr val="tx1"/>
                 </a:solidFill>
@@ -15174,7 +15246,7 @@
               </a14:hiddenLine>
             </a:ext>
             <a:ext uri="{AF507438-7753-43E0-B8FC-AC1667EBCBE1}">
-              <a14:hiddenEffects xmlns:a14="http://schemas.microsoft.com/office/drawing/2010/main" xmlns="">
+              <a14:hiddenEffects xmlns="" xmlns:a14="http://schemas.microsoft.com/office/drawing/2010/main">
                 <a:effectLst>
                   <a:outerShdw dist="35921" dir="2700000" algn="ctr" rotWithShape="0">
                     <a:schemeClr val="bg2"/>
@@ -17094,7 +17166,7 @@
         </p:txBody>
       </p:sp>
       <mc:AlternateContent xmlns:mc="http://schemas.openxmlformats.org/markup-compatibility/2006">
-        <mc:Choice xmlns:a14="http://schemas.microsoft.com/office/drawing/2010/main" xmlns="" Requires="a14">
+        <mc:Choice xmlns="" xmlns:a14="http://schemas.microsoft.com/office/drawing/2010/main" Requires="a14">
           <p:sp>
             <p:nvSpPr>
               <p:cNvPr id="6" name="Содержимое 1"/>
@@ -17573,7 +17645,7 @@
     </p:spTree>
     <p:extLst>
       <p:ext uri="{BB962C8B-B14F-4D97-AF65-F5344CB8AC3E}">
-        <p14:creationId xmlns:p14="http://schemas.microsoft.com/office/powerpoint/2010/main" xmlns="" val="476216845"/>
+        <p14:creationId xmlns="" xmlns:p14="http://schemas.microsoft.com/office/powerpoint/2010/main" val="476216845"/>
       </p:ext>
     </p:extLst>
   </p:cSld>
@@ -19571,7 +19643,7 @@
         </p:txBody>
       </p:sp>
       <mc:AlternateContent xmlns:mc="http://schemas.openxmlformats.org/markup-compatibility/2006">
-        <mc:Choice xmlns:a14="http://schemas.microsoft.com/office/drawing/2010/main" xmlns="" Requires="a14">
+        <mc:Choice xmlns="" xmlns:a14="http://schemas.microsoft.com/office/drawing/2010/main" Requires="a14">
           <p:sp>
             <p:nvSpPr>
               <p:cNvPr id="8" name="Содержимое 1"/>
@@ -20065,7 +20137,7 @@
     </p:spTree>
     <p:extLst>
       <p:ext uri="{BB962C8B-B14F-4D97-AF65-F5344CB8AC3E}">
-        <p14:creationId xmlns:p14="http://schemas.microsoft.com/office/powerpoint/2010/main" xmlns="" val="3690992376"/>
+        <p14:creationId xmlns="" xmlns:p14="http://schemas.microsoft.com/office/powerpoint/2010/main" val="3690992376"/>
       </p:ext>
     </p:extLst>
   </p:cSld>
@@ -22102,7 +22174,7 @@
     </p:spTree>
     <p:extLst>
       <p:ext uri="{BB962C8B-B14F-4D97-AF65-F5344CB8AC3E}">
-        <p14:creationId xmlns:p14="http://schemas.microsoft.com/office/powerpoint/2010/main" xmlns="" val="2808821390"/>
+        <p14:creationId xmlns="" xmlns:p14="http://schemas.microsoft.com/office/powerpoint/2010/main" val="2808821390"/>
       </p:ext>
     </p:extLst>
   </p:cSld>
@@ -22394,7 +22466,7 @@
   <a:extraClrSchemeLst/>
   <a:extLst>
     <a:ext uri="{05A4C25C-085E-4340-85A3-A5531E510DB2}">
-      <thm15:themeFamily xmlns:thm15="http://schemas.microsoft.com/office/thememl/2012/main" xmlns="" name="Office Theme" id="{62F939B6-93AF-4DB8-9C6B-D6C7DFDC589F}" vid="{4A3C46E8-61CC-4603-A589-7422A47A8E4A}"/>
+      <thm15:themeFamily xmlns="" xmlns:thm15="http://schemas.microsoft.com/office/thememl/2012/main" name="Office Theme" id="{62F939B6-93AF-4DB8-9C6B-D6C7DFDC589F}" vid="{4A3C46E8-61CC-4603-A589-7422A47A8E4A}"/>
     </a:ext>
   </a:extLst>
 </a:theme>
@@ -22655,7 +22727,7 @@
   <a:extraClrSchemeLst/>
   <a:extLst>
     <a:ext uri="{05A4C25C-085E-4340-85A3-A5531E510DB2}">
-      <thm15:themeFamily xmlns:thm15="http://schemas.microsoft.com/office/thememl/2012/main" xmlns="" name="Office Theme" id="{62F939B6-93AF-4DB8-9C6B-D6C7DFDC589F}" vid="{4A3C46E8-61CC-4603-A589-7422A47A8E4A}"/>
+      <thm15:themeFamily xmlns="" xmlns:thm15="http://schemas.microsoft.com/office/thememl/2012/main" name="Office Theme" id="{62F939B6-93AF-4DB8-9C6B-D6C7DFDC589F}" vid="{4A3C46E8-61CC-4603-A589-7422A47A8E4A}"/>
     </a:ext>
   </a:extLst>
 </a:theme>
@@ -22916,7 +22988,7 @@
   <a:extraClrSchemeLst/>
   <a:extLst>
     <a:ext uri="{05A4C25C-085E-4340-85A3-A5531E510DB2}">
-      <thm15:themeFamily xmlns:thm15="http://schemas.microsoft.com/office/thememl/2012/main" xmlns="" name="Office Theme" id="{62F939B6-93AF-4DB8-9C6B-D6C7DFDC589F}" vid="{4A3C46E8-61CC-4603-A589-7422A47A8E4A}"/>
+      <thm15:themeFamily xmlns="" xmlns:thm15="http://schemas.microsoft.com/office/thememl/2012/main" name="Office Theme" id="{62F939B6-93AF-4DB8-9C6B-D6C7DFDC589F}" vid="{4A3C46E8-61CC-4603-A589-7422A47A8E4A}"/>
     </a:ext>
   </a:extLst>
 </a:theme>

--- a/docs/part1ca/01_Introduction/CA_Lecture_01.pptx
+++ b/docs/part1ca/01_Introduction/CA_Lecture_01.pptx
@@ -136,7 +136,7 @@
   </p:defaultTextStyle>
   <p:extLst>
     <p:ext uri="{EFAFB233-063F-42B5-8137-9DF3F51BA10A}">
-      <p15:sldGuideLst xmlns="" xmlns:p15="http://schemas.microsoft.com/office/powerpoint/2012/main">
+      <p15:sldGuideLst xmlns:p15="http://schemas.microsoft.com/office/powerpoint/2012/main" xmlns="">
         <p15:guide id="1" orient="horz" pos="2160">
           <p15:clr>
             <a:srgbClr val="A4A3A4"/>
@@ -150,7 +150,7 @@
       </p15:sldGuideLst>
     </p:ext>
     <p:ext uri="{2D200454-40CA-4A62-9FC3-DE9A4176ACB9}">
-      <p15:notesGuideLst xmlns="" xmlns:p15="http://schemas.microsoft.com/office/powerpoint/2012/main">
+      <p15:notesGuideLst xmlns:p15="http://schemas.microsoft.com/office/powerpoint/2012/main" xmlns="">
         <p15:guide id="1" orient="horz" pos="2880">
           <p15:clr>
             <a:srgbClr val="A4A3A4"/>
@@ -334,7 +334,7 @@
     </p:spTree>
     <p:extLst>
       <p:ext uri="{BB962C8B-B14F-4D97-AF65-F5344CB8AC3E}">
-        <p14:creationId xmlns="" xmlns:p14="http://schemas.microsoft.com/office/powerpoint/2010/main" val="827279973"/>
+        <p14:creationId xmlns:p14="http://schemas.microsoft.com/office/powerpoint/2010/main" xmlns="" val="827279973"/>
       </p:ext>
     </p:extLst>
   </p:cSld>
@@ -595,7 +595,7 @@
     </p:spTree>
     <p:extLst>
       <p:ext uri="{BB962C8B-B14F-4D97-AF65-F5344CB8AC3E}">
-        <p14:creationId xmlns="" xmlns:p14="http://schemas.microsoft.com/office/powerpoint/2010/main" val="3865021395"/>
+        <p14:creationId xmlns:p14="http://schemas.microsoft.com/office/powerpoint/2010/main" xmlns="" val="3865021395"/>
       </p:ext>
     </p:extLst>
   </p:cSld>
@@ -809,7 +809,7 @@
     </p:spTree>
     <p:extLst>
       <p:ext uri="{BB962C8B-B14F-4D97-AF65-F5344CB8AC3E}">
-        <p14:creationId xmlns="" xmlns:p14="http://schemas.microsoft.com/office/powerpoint/2010/main" val="2381791527"/>
+        <p14:creationId xmlns:p14="http://schemas.microsoft.com/office/powerpoint/2010/main" xmlns="" val="2381791527"/>
       </p:ext>
     </p:extLst>
   </p:cSld>
@@ -932,7 +932,7 @@
     </p:spTree>
     <p:extLst>
       <p:ext uri="{BB962C8B-B14F-4D97-AF65-F5344CB8AC3E}">
-        <p14:creationId xmlns="" xmlns:p14="http://schemas.microsoft.com/office/powerpoint/2010/main" val="1915950851"/>
+        <p14:creationId xmlns:p14="http://schemas.microsoft.com/office/powerpoint/2010/main" xmlns="" val="1915950851"/>
       </p:ext>
     </p:extLst>
   </p:cSld>
@@ -1192,7 +1192,7 @@
     </p:spTree>
     <p:extLst>
       <p:ext uri="{BB962C8B-B14F-4D97-AF65-F5344CB8AC3E}">
-        <p14:creationId xmlns="" xmlns:p14="http://schemas.microsoft.com/office/powerpoint/2010/main" val="322455162"/>
+        <p14:creationId xmlns:p14="http://schemas.microsoft.com/office/powerpoint/2010/main" xmlns="" val="322455162"/>
       </p:ext>
     </p:extLst>
   </p:cSld>
@@ -1366,7 +1366,7 @@
     </p:spTree>
     <p:extLst>
       <p:ext uri="{BB962C8B-B14F-4D97-AF65-F5344CB8AC3E}">
-        <p14:creationId xmlns="" xmlns:p14="http://schemas.microsoft.com/office/powerpoint/2010/main" val="971117636"/>
+        <p14:creationId xmlns:p14="http://schemas.microsoft.com/office/powerpoint/2010/main" xmlns="" val="971117636"/>
       </p:ext>
     </p:extLst>
   </p:cSld>
@@ -1543,7 +1543,7 @@
     </p:spTree>
     <p:extLst>
       <p:ext uri="{BB962C8B-B14F-4D97-AF65-F5344CB8AC3E}">
-        <p14:creationId xmlns="" xmlns:p14="http://schemas.microsoft.com/office/powerpoint/2010/main" val="3348877825"/>
+        <p14:creationId xmlns:p14="http://schemas.microsoft.com/office/powerpoint/2010/main" xmlns="" val="3348877825"/>
       </p:ext>
     </p:extLst>
   </p:cSld>
@@ -1868,7 +1868,7 @@
     </p:spTree>
     <p:extLst>
       <p:ext uri="{BB962C8B-B14F-4D97-AF65-F5344CB8AC3E}">
-        <p14:creationId xmlns="" xmlns:p14="http://schemas.microsoft.com/office/powerpoint/2010/main" val="3256953994"/>
+        <p14:creationId xmlns:p14="http://schemas.microsoft.com/office/powerpoint/2010/main" xmlns="" val="3256953994"/>
       </p:ext>
     </p:extLst>
   </p:cSld>
@@ -2118,7 +2118,7 @@
     </p:spTree>
     <p:extLst>
       <p:ext uri="{BB962C8B-B14F-4D97-AF65-F5344CB8AC3E}">
-        <p14:creationId xmlns="" xmlns:p14="http://schemas.microsoft.com/office/powerpoint/2010/main" val="3067076846"/>
+        <p14:creationId xmlns:p14="http://schemas.microsoft.com/office/powerpoint/2010/main" xmlns="" val="3067076846"/>
       </p:ext>
     </p:extLst>
   </p:cSld>
@@ -2354,7 +2354,7 @@
     </p:spTree>
     <p:extLst>
       <p:ext uri="{BB962C8B-B14F-4D97-AF65-F5344CB8AC3E}">
-        <p14:creationId xmlns="" xmlns:p14="http://schemas.microsoft.com/office/powerpoint/2010/main" val="3710015975"/>
+        <p14:creationId xmlns:p14="http://schemas.microsoft.com/office/powerpoint/2010/main" xmlns="" val="3710015975"/>
       </p:ext>
     </p:extLst>
   </p:cSld>
@@ -2725,7 +2725,7 @@
     </p:spTree>
     <p:extLst>
       <p:ext uri="{BB962C8B-B14F-4D97-AF65-F5344CB8AC3E}">
-        <p14:creationId xmlns="" xmlns:p14="http://schemas.microsoft.com/office/powerpoint/2010/main" val="4075590966"/>
+        <p14:creationId xmlns:p14="http://schemas.microsoft.com/office/powerpoint/2010/main" xmlns="" val="4075590966"/>
       </p:ext>
     </p:extLst>
   </p:cSld>
@@ -2847,7 +2847,7 @@
     </p:spTree>
     <p:extLst>
       <p:ext uri="{BB962C8B-B14F-4D97-AF65-F5344CB8AC3E}">
-        <p14:creationId xmlns="" xmlns:p14="http://schemas.microsoft.com/office/powerpoint/2010/main" val="2889604898"/>
+        <p14:creationId xmlns:p14="http://schemas.microsoft.com/office/powerpoint/2010/main" xmlns="" val="2889604898"/>
       </p:ext>
     </p:extLst>
   </p:cSld>
@@ -2946,7 +2946,7 @@
     </p:spTree>
     <p:extLst>
       <p:ext uri="{BB962C8B-B14F-4D97-AF65-F5344CB8AC3E}">
-        <p14:creationId xmlns="" xmlns:p14="http://schemas.microsoft.com/office/powerpoint/2010/main" val="152384765"/>
+        <p14:creationId xmlns:p14="http://schemas.microsoft.com/office/powerpoint/2010/main" xmlns="" val="152384765"/>
       </p:ext>
     </p:extLst>
   </p:cSld>
@@ -3227,7 +3227,7 @@
     </p:spTree>
     <p:extLst>
       <p:ext uri="{BB962C8B-B14F-4D97-AF65-F5344CB8AC3E}">
-        <p14:creationId xmlns="" xmlns:p14="http://schemas.microsoft.com/office/powerpoint/2010/main" val="2127791886"/>
+        <p14:creationId xmlns:p14="http://schemas.microsoft.com/office/powerpoint/2010/main" xmlns="" val="2127791886"/>
       </p:ext>
     </p:extLst>
   </p:cSld>
@@ -3484,7 +3484,7 @@
     </p:spTree>
     <p:extLst>
       <p:ext uri="{BB962C8B-B14F-4D97-AF65-F5344CB8AC3E}">
-        <p14:creationId xmlns="" xmlns:p14="http://schemas.microsoft.com/office/powerpoint/2010/main" val="1752705130"/>
+        <p14:creationId xmlns:p14="http://schemas.microsoft.com/office/powerpoint/2010/main" xmlns="" val="1752705130"/>
       </p:ext>
     </p:extLst>
   </p:cSld>
@@ -3737,7 +3737,7 @@
     </p:spTree>
     <p:extLst>
       <p:ext uri="{BB962C8B-B14F-4D97-AF65-F5344CB8AC3E}">
-        <p14:creationId xmlns="" xmlns:p14="http://schemas.microsoft.com/office/powerpoint/2010/main" val="968833914"/>
+        <p14:creationId xmlns:p14="http://schemas.microsoft.com/office/powerpoint/2010/main" xmlns="" val="968833914"/>
       </p:ext>
     </p:extLst>
   </p:cSld>
@@ -4214,7 +4214,7 @@
     </p:spTree>
     <p:extLst>
       <p:ext uri="{BB962C8B-B14F-4D97-AF65-F5344CB8AC3E}">
-        <p14:creationId xmlns="" xmlns:p14="http://schemas.microsoft.com/office/powerpoint/2010/main" val="2492894732"/>
+        <p14:creationId xmlns:p14="http://schemas.microsoft.com/office/powerpoint/2010/main" xmlns="" val="2492894732"/>
       </p:ext>
     </p:extLst>
   </p:cSld>
@@ -4258,7 +4258,7 @@
             <p:ph idx="1"/>
             <p:extLst>
               <p:ext uri="{D42A27DB-BD31-4B8C-83A1-F6EECF244321}">
-                <p14:modId xmlns="" xmlns:p14="http://schemas.microsoft.com/office/powerpoint/2010/main" val="2853019934"/>
+                <p14:modId xmlns:p14="http://schemas.microsoft.com/office/powerpoint/2010/main" xmlns="" val="2853019934"/>
               </p:ext>
             </p:extLst>
           </p:nvPr>
@@ -4692,7 +4692,7 @@
         </p:txBody>
       </p:sp>
       <mc:AlternateContent xmlns:mc="http://schemas.openxmlformats.org/markup-compatibility/2006">
-        <mc:Choice xmlns="" xmlns:a14="http://schemas.microsoft.com/office/drawing/2010/main" Requires="a14">
+        <mc:Choice xmlns:a14="http://schemas.microsoft.com/office/drawing/2010/main" xmlns="" Requires="a14">
           <p:sp>
             <p:nvSpPr>
               <p:cNvPr id="6" name="Rectangle 5"/>
@@ -4883,7 +4883,7 @@
     </p:spTree>
     <p:extLst>
       <p:ext uri="{BB962C8B-B14F-4D97-AF65-F5344CB8AC3E}">
-        <p14:creationId xmlns="" xmlns:p14="http://schemas.microsoft.com/office/powerpoint/2010/main" val="1319878854"/>
+        <p14:creationId xmlns:p14="http://schemas.microsoft.com/office/powerpoint/2010/main" xmlns="" val="1319878854"/>
       </p:ext>
     </p:extLst>
   </p:cSld>
@@ -4975,7 +4975,7 @@
             <p:ph idx="1"/>
             <p:extLst>
               <p:ext uri="{D42A27DB-BD31-4B8C-83A1-F6EECF244321}">
-                <p14:modId xmlns="" xmlns:p14="http://schemas.microsoft.com/office/powerpoint/2010/main" val="895195415"/>
+                <p14:modId xmlns:p14="http://schemas.microsoft.com/office/powerpoint/2010/main" xmlns="" val="895195415"/>
               </p:ext>
             </p:extLst>
           </p:nvPr>
@@ -5279,7 +5279,7 @@
     </p:spTree>
     <p:extLst>
       <p:ext uri="{BB962C8B-B14F-4D97-AF65-F5344CB8AC3E}">
-        <p14:creationId xmlns="" xmlns:p14="http://schemas.microsoft.com/office/powerpoint/2010/main" val="1991606056"/>
+        <p14:creationId xmlns:p14="http://schemas.microsoft.com/office/powerpoint/2010/main" xmlns="" val="1991606056"/>
       </p:ext>
     </p:extLst>
   </p:cSld>
@@ -5447,7 +5447,7 @@
           <a:blip r:embed="rId2" cstate="print">
             <a:extLst>
               <a:ext uri="{28A0092B-C50C-407E-A947-70E740481C1C}">
-                <a14:useLocalDpi xmlns="" xmlns:a14="http://schemas.microsoft.com/office/drawing/2010/main" val="0"/>
+                <a14:useLocalDpi xmlns:a14="http://schemas.microsoft.com/office/drawing/2010/main" xmlns="" val="0"/>
               </a:ext>
             </a:extLst>
           </a:blip>
@@ -5467,7 +5467,7 @@
           <a:noFill/>
           <a:extLst>
             <a:ext uri="{909E8E84-426E-40DD-AFC4-6F175D3DCCD1}">
-              <a14:hiddenFill xmlns="" xmlns:a14="http://schemas.microsoft.com/office/drawing/2010/main">
+              <a14:hiddenFill xmlns:a14="http://schemas.microsoft.com/office/drawing/2010/main" xmlns="">
                 <a:solidFill>
                   <a:srgbClr val="FFFFFF"/>
                 </a:solidFill>
@@ -5479,7 +5479,7 @@
     </p:spTree>
     <p:extLst>
       <p:ext uri="{BB962C8B-B14F-4D97-AF65-F5344CB8AC3E}">
-        <p14:creationId xmlns="" xmlns:p14="http://schemas.microsoft.com/office/powerpoint/2010/main" val="1147934676"/>
+        <p14:creationId xmlns:p14="http://schemas.microsoft.com/office/powerpoint/2010/main" xmlns="" val="1147934676"/>
       </p:ext>
     </p:extLst>
   </p:cSld>
@@ -6377,7 +6377,7 @@
           <a:blip r:embed="rId2" cstate="print">
             <a:extLst>
               <a:ext uri="{28A0092B-C50C-407E-A947-70E740481C1C}">
-                <a14:useLocalDpi xmlns="" xmlns:a14="http://schemas.microsoft.com/office/drawing/2010/main" val="0"/>
+                <a14:useLocalDpi xmlns:a14="http://schemas.microsoft.com/office/drawing/2010/main" xmlns="" val="0"/>
               </a:ext>
             </a:extLst>
           </a:blip>
@@ -6397,7 +6397,7 @@
           <a:noFill/>
           <a:extLst>
             <a:ext uri="{909E8E84-426E-40DD-AFC4-6F175D3DCCD1}">
-              <a14:hiddenFill xmlns="" xmlns:a14="http://schemas.microsoft.com/office/drawing/2010/main">
+              <a14:hiddenFill xmlns:a14="http://schemas.microsoft.com/office/drawing/2010/main" xmlns="">
                 <a:solidFill>
                   <a:srgbClr val="FFFFFF"/>
                 </a:solidFill>
@@ -6409,7 +6409,7 @@
     </p:spTree>
     <p:extLst>
       <p:ext uri="{BB962C8B-B14F-4D97-AF65-F5344CB8AC3E}">
-        <p14:creationId xmlns="" xmlns:p14="http://schemas.microsoft.com/office/powerpoint/2010/main" val="2950914556"/>
+        <p14:creationId xmlns:p14="http://schemas.microsoft.com/office/powerpoint/2010/main" xmlns="" val="2950914556"/>
       </p:ext>
     </p:extLst>
   </p:cSld>
@@ -6455,7 +6455,7 @@
           <a:blip r:embed="rId2" cstate="print">
             <a:extLst>
               <a:ext uri="{28A0092B-C50C-407E-A947-70E740481C1C}">
-                <a14:useLocalDpi xmlns="" xmlns:a14="http://schemas.microsoft.com/office/drawing/2010/main" val="0"/>
+                <a14:useLocalDpi xmlns:a14="http://schemas.microsoft.com/office/drawing/2010/main" xmlns="" val="0"/>
               </a:ext>
             </a:extLst>
           </a:blip>
@@ -6475,7 +6475,7 @@
           <a:noFill/>
           <a:extLst>
             <a:ext uri="{909E8E84-426E-40DD-AFC4-6F175D3DCCD1}">
-              <a14:hiddenFill xmlns="" xmlns:a14="http://schemas.microsoft.com/office/drawing/2010/main">
+              <a14:hiddenFill xmlns:a14="http://schemas.microsoft.com/office/drawing/2010/main" xmlns="">
                 <a:solidFill>
                   <a:srgbClr val="FFFFFF"/>
                 </a:solidFill>
@@ -7048,7 +7048,7 @@
     </p:spTree>
     <p:extLst>
       <p:ext uri="{BB962C8B-B14F-4D97-AF65-F5344CB8AC3E}">
-        <p14:creationId xmlns="" xmlns:p14="http://schemas.microsoft.com/office/powerpoint/2010/main" val="4087179089"/>
+        <p14:creationId xmlns:p14="http://schemas.microsoft.com/office/powerpoint/2010/main" xmlns="" val="4087179089"/>
       </p:ext>
     </p:extLst>
   </p:cSld>
@@ -7254,7 +7254,7 @@
           <a:blip r:embed="rId2" cstate="print">
             <a:extLst>
               <a:ext uri="{28A0092B-C50C-407E-A947-70E740481C1C}">
-                <a14:useLocalDpi xmlns="" xmlns:a14="http://schemas.microsoft.com/office/drawing/2010/main" val="0"/>
+                <a14:useLocalDpi xmlns:a14="http://schemas.microsoft.com/office/drawing/2010/main" xmlns="" val="0"/>
               </a:ext>
             </a:extLst>
           </a:blip>
@@ -7274,7 +7274,7 @@
           <a:noFill/>
           <a:extLst>
             <a:ext uri="{909E8E84-426E-40DD-AFC4-6F175D3DCCD1}">
-              <a14:hiddenFill xmlns="" xmlns:a14="http://schemas.microsoft.com/office/drawing/2010/main">
+              <a14:hiddenFill xmlns:a14="http://schemas.microsoft.com/office/drawing/2010/main" xmlns="">
                 <a:solidFill>
                   <a:srgbClr val="FFFFFF"/>
                 </a:solidFill>
@@ -7295,7 +7295,7 @@
           <a:blip r:embed="rId3" cstate="print">
             <a:extLst>
               <a:ext uri="{28A0092B-C50C-407E-A947-70E740481C1C}">
-                <a14:useLocalDpi xmlns="" xmlns:a14="http://schemas.microsoft.com/office/drawing/2010/main" val="0"/>
+                <a14:useLocalDpi xmlns:a14="http://schemas.microsoft.com/office/drawing/2010/main" xmlns="" val="0"/>
               </a:ext>
             </a:extLst>
           </a:blip>
@@ -7315,7 +7315,7 @@
           <a:noFill/>
           <a:extLst>
             <a:ext uri="{909E8E84-426E-40DD-AFC4-6F175D3DCCD1}">
-              <a14:hiddenFill xmlns="" xmlns:a14="http://schemas.microsoft.com/office/drawing/2010/main">
+              <a14:hiddenFill xmlns:a14="http://schemas.microsoft.com/office/drawing/2010/main" xmlns="">
                 <a:solidFill>
                   <a:srgbClr val="FFFFFF"/>
                 </a:solidFill>
@@ -7327,7 +7327,7 @@
     </p:spTree>
     <p:extLst>
       <p:ext uri="{BB962C8B-B14F-4D97-AF65-F5344CB8AC3E}">
-        <p14:creationId xmlns="" xmlns:p14="http://schemas.microsoft.com/office/powerpoint/2010/main" val="4020093932"/>
+        <p14:creationId xmlns:p14="http://schemas.microsoft.com/office/powerpoint/2010/main" xmlns="" val="4020093932"/>
       </p:ext>
     </p:extLst>
   </p:cSld>
@@ -7540,7 +7540,7 @@
           <a:blip r:embed="rId2" cstate="print">
             <a:extLst>
               <a:ext uri="{28A0092B-C50C-407E-A947-70E740481C1C}">
-                <a14:useLocalDpi xmlns="" xmlns:a14="http://schemas.microsoft.com/office/drawing/2010/main" val="0"/>
+                <a14:useLocalDpi xmlns:a14="http://schemas.microsoft.com/office/drawing/2010/main" xmlns="" val="0"/>
               </a:ext>
             </a:extLst>
           </a:blip>
@@ -7563,14 +7563,14 @@
           </a:ln>
           <a:extLst>
             <a:ext uri="{909E8E84-426E-40DD-AFC4-6F175D3DCCD1}">
-              <a14:hiddenFill xmlns="" xmlns:a14="http://schemas.microsoft.com/office/drawing/2010/main">
+              <a14:hiddenFill xmlns:a14="http://schemas.microsoft.com/office/drawing/2010/main" xmlns="">
                 <a:solidFill>
                   <a:srgbClr val="FFFFFF"/>
                 </a:solidFill>
               </a14:hiddenFill>
             </a:ext>
             <a:ext uri="{91240B29-F687-4F45-9708-019B960494DF}">
-              <a14:hiddenLine xmlns="" xmlns:a14="http://schemas.microsoft.com/office/drawing/2010/main" w="9525">
+              <a14:hiddenLine xmlns:a14="http://schemas.microsoft.com/office/drawing/2010/main" xmlns="" w="9525">
                 <a:solidFill>
                   <a:srgbClr val="000000"/>
                 </a:solidFill>
@@ -7585,7 +7585,7 @@
     </p:spTree>
     <p:extLst>
       <p:ext uri="{BB962C8B-B14F-4D97-AF65-F5344CB8AC3E}">
-        <p14:creationId xmlns="" xmlns:p14="http://schemas.microsoft.com/office/powerpoint/2010/main" val="3856844071"/>
+        <p14:creationId xmlns:p14="http://schemas.microsoft.com/office/powerpoint/2010/main" xmlns="" val="3856844071"/>
       </p:ext>
     </p:extLst>
   </p:cSld>
@@ -7631,7 +7631,7 @@
           <a:blip r:embed="rId2" cstate="print">
             <a:extLst>
               <a:ext uri="{28A0092B-C50C-407E-A947-70E740481C1C}">
-                <a14:useLocalDpi xmlns="" xmlns:a14="http://schemas.microsoft.com/office/drawing/2010/main" val="0"/>
+                <a14:useLocalDpi xmlns:a14="http://schemas.microsoft.com/office/drawing/2010/main" xmlns="" val="0"/>
               </a:ext>
             </a:extLst>
           </a:blip>
@@ -7654,14 +7654,14 @@
           </a:ln>
           <a:extLst>
             <a:ext uri="{909E8E84-426E-40DD-AFC4-6F175D3DCCD1}">
-              <a14:hiddenFill xmlns="" xmlns:a14="http://schemas.microsoft.com/office/drawing/2010/main">
+              <a14:hiddenFill xmlns:a14="http://schemas.microsoft.com/office/drawing/2010/main" xmlns="">
                 <a:solidFill>
                   <a:srgbClr val="FFFFFF"/>
                 </a:solidFill>
               </a14:hiddenFill>
             </a:ext>
             <a:ext uri="{91240B29-F687-4F45-9708-019B960494DF}">
-              <a14:hiddenLine xmlns="" xmlns:a14="http://schemas.microsoft.com/office/drawing/2010/main" w="9525">
+              <a14:hiddenLine xmlns:a14="http://schemas.microsoft.com/office/drawing/2010/main" xmlns="" w="9525">
                 <a:solidFill>
                   <a:srgbClr val="000000"/>
                 </a:solidFill>
@@ -8167,7 +8167,7 @@
           <p:nvPr>
             <p:extLst>
               <p:ext uri="{D42A27DB-BD31-4B8C-83A1-F6EECF244321}">
-                <p14:modId xmlns="" xmlns:p14="http://schemas.microsoft.com/office/powerpoint/2010/main" val="1213753623"/>
+                <p14:modId xmlns:p14="http://schemas.microsoft.com/office/powerpoint/2010/main" xmlns="" val="1213753623"/>
               </p:ext>
             </p:extLst>
           </p:nvPr>
@@ -9880,7 +9880,7 @@
     </p:spTree>
     <p:extLst>
       <p:ext uri="{BB962C8B-B14F-4D97-AF65-F5344CB8AC3E}">
-        <p14:creationId xmlns="" xmlns:p14="http://schemas.microsoft.com/office/powerpoint/2010/main" val="1153504515"/>
+        <p14:creationId xmlns:p14="http://schemas.microsoft.com/office/powerpoint/2010/main" xmlns="" val="1153504515"/>
       </p:ext>
     </p:extLst>
   </p:cSld>
@@ -10050,7 +10050,7 @@
     </p:spTree>
     <p:extLst>
       <p:ext uri="{BB962C8B-B14F-4D97-AF65-F5344CB8AC3E}">
-        <p14:creationId xmlns="" xmlns:p14="http://schemas.microsoft.com/office/powerpoint/2010/main" val="664014649"/>
+        <p14:creationId xmlns:p14="http://schemas.microsoft.com/office/powerpoint/2010/main" xmlns="" val="664014649"/>
       </p:ext>
     </p:extLst>
   </p:cSld>
@@ -10644,7 +10644,7 @@
     </p:spTree>
     <p:extLst>
       <p:ext uri="{BB962C8B-B14F-4D97-AF65-F5344CB8AC3E}">
-        <p14:creationId xmlns="" xmlns:p14="http://schemas.microsoft.com/office/powerpoint/2010/main" val="1974197127"/>
+        <p14:creationId xmlns:p14="http://schemas.microsoft.com/office/powerpoint/2010/main" xmlns="" val="1974197127"/>
       </p:ext>
     </p:extLst>
   </p:cSld>
@@ -10738,7 +10738,7 @@
           <a:blip r:embed="rId2" cstate="print">
             <a:extLst>
               <a:ext uri="{28A0092B-C50C-407E-A947-70E740481C1C}">
-                <a14:useLocalDpi xmlns="" xmlns:a14="http://schemas.microsoft.com/office/drawing/2010/main" val="0"/>
+                <a14:useLocalDpi xmlns:a14="http://schemas.microsoft.com/office/drawing/2010/main" xmlns="" val="0"/>
               </a:ext>
             </a:extLst>
           </a:blip>
@@ -10761,14 +10761,14 @@
           </a:ln>
           <a:extLst>
             <a:ext uri="{909E8E84-426E-40DD-AFC4-6F175D3DCCD1}">
-              <a14:hiddenFill xmlns="" xmlns:a14="http://schemas.microsoft.com/office/drawing/2010/main">
+              <a14:hiddenFill xmlns:a14="http://schemas.microsoft.com/office/drawing/2010/main" xmlns="">
                 <a:solidFill>
                   <a:srgbClr val="FFFFFF"/>
                 </a:solidFill>
               </a14:hiddenFill>
             </a:ext>
             <a:ext uri="{91240B29-F687-4F45-9708-019B960494DF}">
-              <a14:hiddenLine xmlns="" xmlns:a14="http://schemas.microsoft.com/office/drawing/2010/main" w="9525">
+              <a14:hiddenLine xmlns:a14="http://schemas.microsoft.com/office/drawing/2010/main" xmlns="" w="9525">
                 <a:solidFill>
                   <a:srgbClr val="000000"/>
                 </a:solidFill>
@@ -10783,7 +10783,7 @@
     </p:spTree>
     <p:extLst>
       <p:ext uri="{BB962C8B-B14F-4D97-AF65-F5344CB8AC3E}">
-        <p14:creationId xmlns="" xmlns:p14="http://schemas.microsoft.com/office/powerpoint/2010/main" val="2270459329"/>
+        <p14:creationId xmlns:p14="http://schemas.microsoft.com/office/powerpoint/2010/main" xmlns="" val="2270459329"/>
       </p:ext>
     </p:extLst>
   </p:cSld>
@@ -10892,7 +10892,7 @@
     </p:spTree>
     <p:extLst>
       <p:ext uri="{BB962C8B-B14F-4D97-AF65-F5344CB8AC3E}">
-        <p14:creationId xmlns="" xmlns:p14="http://schemas.microsoft.com/office/powerpoint/2010/main" val="4095291685"/>
+        <p14:creationId xmlns:p14="http://schemas.microsoft.com/office/powerpoint/2010/main" xmlns="" val="4095291685"/>
       </p:ext>
     </p:extLst>
   </p:cSld>
@@ -11155,7 +11155,7 @@
     </p:spTree>
     <p:extLst>
       <p:ext uri="{BB962C8B-B14F-4D97-AF65-F5344CB8AC3E}">
-        <p14:creationId xmlns="" xmlns:p14="http://schemas.microsoft.com/office/powerpoint/2010/main" val="1324819286"/>
+        <p14:creationId xmlns:p14="http://schemas.microsoft.com/office/powerpoint/2010/main" xmlns="" val="1324819286"/>
       </p:ext>
     </p:extLst>
   </p:cSld>
@@ -11348,14 +11348,14 @@
           <a:effectLst/>
           <a:extLst>
             <a:ext uri="{909E8E84-426E-40DD-AFC4-6F175D3DCCD1}">
-              <a14:hiddenFill xmlns="" xmlns:a14="http://schemas.microsoft.com/office/drawing/2010/main">
+              <a14:hiddenFill xmlns:a14="http://schemas.microsoft.com/office/drawing/2010/main" xmlns="">
                 <a:solidFill>
                   <a:schemeClr val="accent1"/>
                 </a:solidFill>
               </a14:hiddenFill>
             </a:ext>
             <a:ext uri="{91240B29-F687-4F45-9708-019B960494DF}">
-              <a14:hiddenLine xmlns="" xmlns:a14="http://schemas.microsoft.com/office/drawing/2010/main" w="9525">
+              <a14:hiddenLine xmlns:a14="http://schemas.microsoft.com/office/drawing/2010/main" xmlns="" w="9525">
                 <a:solidFill>
                   <a:schemeClr val="tx1"/>
                 </a:solidFill>
@@ -11365,7 +11365,7 @@
               </a14:hiddenLine>
             </a:ext>
             <a:ext uri="{AF507438-7753-43E0-B8FC-AC1667EBCBE1}">
-              <a14:hiddenEffects xmlns="" xmlns:a14="http://schemas.microsoft.com/office/drawing/2010/main">
+              <a14:hiddenEffects xmlns:a14="http://schemas.microsoft.com/office/drawing/2010/main" xmlns="">
                 <a:effectLst>
                   <a:outerShdw dist="35921" dir="2700000" algn="ctr" rotWithShape="0">
                     <a:schemeClr val="bg2"/>
@@ -11473,7 +11473,7 @@
     </p:spTree>
     <p:extLst>
       <p:ext uri="{BB962C8B-B14F-4D97-AF65-F5344CB8AC3E}">
-        <p14:creationId xmlns="" xmlns:p14="http://schemas.microsoft.com/office/powerpoint/2010/main" val="3293126798"/>
+        <p14:creationId xmlns:p14="http://schemas.microsoft.com/office/powerpoint/2010/main" xmlns="" val="3293126798"/>
       </p:ext>
     </p:extLst>
   </p:cSld>
@@ -12054,7 +12054,7 @@
     </p:spTree>
     <p:extLst>
       <p:ext uri="{BB962C8B-B14F-4D97-AF65-F5344CB8AC3E}">
-        <p14:creationId xmlns="" xmlns:p14="http://schemas.microsoft.com/office/powerpoint/2010/main" val="4217875043"/>
+        <p14:creationId xmlns:p14="http://schemas.microsoft.com/office/powerpoint/2010/main" xmlns="" val="4217875043"/>
       </p:ext>
     </p:extLst>
   </p:cSld>
@@ -12392,7 +12392,7 @@
         <p:nvPicPr>
           <p:cNvPr id="13" name="Рисунок 12" descr="photo_2020-11-22 22.25.36.jpeg"/>
           <p:cNvPicPr>
-            <a:picLocks noChangeAspect="1"/>
+            <a:picLocks/>
           </p:cNvPicPr>
           <p:nvPr/>
         </p:nvPicPr>
@@ -12405,8 +12405,8 @@
         </p:blipFill>
         <p:spPr>
           <a:xfrm>
-            <a:off x="8648571" y="1516571"/>
-            <a:ext cx="1577340" cy="2315598"/>
+            <a:off x="8516762" y="1500095"/>
+            <a:ext cx="1816331" cy="2315598"/>
           </a:xfrm>
           <a:prstGeom prst="rect">
             <a:avLst/>
@@ -12991,7 +12991,7 @@
           <a:effectLst/>
           <a:extLst>
             <a:ext uri="{91240B29-F687-4F45-9708-019B960494DF}">
-              <a14:hiddenLine xmlns="" xmlns:a14="http://schemas.microsoft.com/office/drawing/2010/main" w="9525">
+              <a14:hiddenLine xmlns:a14="http://schemas.microsoft.com/office/drawing/2010/main" xmlns="" w="9525">
                 <a:solidFill>
                   <a:schemeClr val="tx1"/>
                 </a:solidFill>
@@ -13001,7 +13001,7 @@
               </a14:hiddenLine>
             </a:ext>
             <a:ext uri="{AF507438-7753-43E0-B8FC-AC1667EBCBE1}">
-              <a14:hiddenEffects xmlns="" xmlns:a14="http://schemas.microsoft.com/office/drawing/2010/main">
+              <a14:hiddenEffects xmlns:a14="http://schemas.microsoft.com/office/drawing/2010/main" xmlns="">
                 <a:effectLst>
                   <a:outerShdw dist="35921" dir="2700000" algn="ctr" rotWithShape="0">
                     <a:schemeClr val="bg2"/>
@@ -14573,7 +14573,7 @@
           <a:effectLst/>
           <a:extLst>
             <a:ext uri="{91240B29-F687-4F45-9708-019B960494DF}">
-              <a14:hiddenLine xmlns="" xmlns:a14="http://schemas.microsoft.com/office/drawing/2010/main" w="9525">
+              <a14:hiddenLine xmlns:a14="http://schemas.microsoft.com/office/drawing/2010/main" xmlns="" w="9525">
                 <a:solidFill>
                   <a:schemeClr val="tx1"/>
                 </a:solidFill>
@@ -14583,7 +14583,7 @@
               </a14:hiddenLine>
             </a:ext>
             <a:ext uri="{AF507438-7753-43E0-B8FC-AC1667EBCBE1}">
-              <a14:hiddenEffects xmlns="" xmlns:a14="http://schemas.microsoft.com/office/drawing/2010/main">
+              <a14:hiddenEffects xmlns:a14="http://schemas.microsoft.com/office/drawing/2010/main" xmlns="">
                 <a:effectLst>
                   <a:outerShdw dist="35921" dir="2700000" algn="ctr" rotWithShape="0">
                     <a:schemeClr val="bg2"/>
@@ -14632,7 +14632,7 @@
         </p:txBody>
       </p:sp>
       <mc:AlternateContent xmlns:mc="http://schemas.openxmlformats.org/markup-compatibility/2006">
-        <mc:Choice xmlns="" xmlns:a14="http://schemas.microsoft.com/office/drawing/2010/main" Requires="a14">
+        <mc:Choice xmlns:a14="http://schemas.microsoft.com/office/drawing/2010/main" xmlns="" Requires="a14">
           <p:sp>
             <p:nvSpPr>
               <p:cNvPr id="8" name="Содержимое 1"/>
@@ -15111,7 +15111,7 @@
     </p:spTree>
     <p:extLst>
       <p:ext uri="{BB962C8B-B14F-4D97-AF65-F5344CB8AC3E}">
-        <p14:creationId xmlns="" xmlns:p14="http://schemas.microsoft.com/office/powerpoint/2010/main" val="611271091"/>
+        <p14:creationId xmlns:p14="http://schemas.microsoft.com/office/powerpoint/2010/main" xmlns="" val="611271091"/>
       </p:ext>
     </p:extLst>
   </p:cSld>
@@ -15236,7 +15236,7 @@
           <a:effectLst/>
           <a:extLst>
             <a:ext uri="{91240B29-F687-4F45-9708-019B960494DF}">
-              <a14:hiddenLine xmlns="" xmlns:a14="http://schemas.microsoft.com/office/drawing/2010/main" w="9525">
+              <a14:hiddenLine xmlns:a14="http://schemas.microsoft.com/office/drawing/2010/main" xmlns="" w="9525">
                 <a:solidFill>
                   <a:schemeClr val="tx1"/>
                 </a:solidFill>
@@ -15246,7 +15246,7 @@
               </a14:hiddenLine>
             </a:ext>
             <a:ext uri="{AF507438-7753-43E0-B8FC-AC1667EBCBE1}">
-              <a14:hiddenEffects xmlns="" xmlns:a14="http://schemas.microsoft.com/office/drawing/2010/main">
+              <a14:hiddenEffects xmlns:a14="http://schemas.microsoft.com/office/drawing/2010/main" xmlns="">
                 <a:effectLst>
                   <a:outerShdw dist="35921" dir="2700000" algn="ctr" rotWithShape="0">
                     <a:schemeClr val="bg2"/>
@@ -17166,7 +17166,7 @@
         </p:txBody>
       </p:sp>
       <mc:AlternateContent xmlns:mc="http://schemas.openxmlformats.org/markup-compatibility/2006">
-        <mc:Choice xmlns="" xmlns:a14="http://schemas.microsoft.com/office/drawing/2010/main" Requires="a14">
+        <mc:Choice xmlns:a14="http://schemas.microsoft.com/office/drawing/2010/main" xmlns="" Requires="a14">
           <p:sp>
             <p:nvSpPr>
               <p:cNvPr id="6" name="Содержимое 1"/>
@@ -17645,7 +17645,7 @@
     </p:spTree>
     <p:extLst>
       <p:ext uri="{BB962C8B-B14F-4D97-AF65-F5344CB8AC3E}">
-        <p14:creationId xmlns="" xmlns:p14="http://schemas.microsoft.com/office/powerpoint/2010/main" val="476216845"/>
+        <p14:creationId xmlns:p14="http://schemas.microsoft.com/office/powerpoint/2010/main" xmlns="" val="476216845"/>
       </p:ext>
     </p:extLst>
   </p:cSld>
@@ -19643,7 +19643,7 @@
         </p:txBody>
       </p:sp>
       <mc:AlternateContent xmlns:mc="http://schemas.openxmlformats.org/markup-compatibility/2006">
-        <mc:Choice xmlns="" xmlns:a14="http://schemas.microsoft.com/office/drawing/2010/main" Requires="a14">
+        <mc:Choice xmlns:a14="http://schemas.microsoft.com/office/drawing/2010/main" xmlns="" Requires="a14">
           <p:sp>
             <p:nvSpPr>
               <p:cNvPr id="8" name="Содержимое 1"/>
@@ -20137,7 +20137,7 @@
     </p:spTree>
     <p:extLst>
       <p:ext uri="{BB962C8B-B14F-4D97-AF65-F5344CB8AC3E}">
-        <p14:creationId xmlns="" xmlns:p14="http://schemas.microsoft.com/office/powerpoint/2010/main" val="3690992376"/>
+        <p14:creationId xmlns:p14="http://schemas.microsoft.com/office/powerpoint/2010/main" xmlns="" val="3690992376"/>
       </p:ext>
     </p:extLst>
   </p:cSld>
@@ -22174,7 +22174,7 @@
     </p:spTree>
     <p:extLst>
       <p:ext uri="{BB962C8B-B14F-4D97-AF65-F5344CB8AC3E}">
-        <p14:creationId xmlns="" xmlns:p14="http://schemas.microsoft.com/office/powerpoint/2010/main" val="2808821390"/>
+        <p14:creationId xmlns:p14="http://schemas.microsoft.com/office/powerpoint/2010/main" xmlns="" val="2808821390"/>
       </p:ext>
     </p:extLst>
   </p:cSld>
@@ -22466,7 +22466,7 @@
   <a:extraClrSchemeLst/>
   <a:extLst>
     <a:ext uri="{05A4C25C-085E-4340-85A3-A5531E510DB2}">
-      <thm15:themeFamily xmlns="" xmlns:thm15="http://schemas.microsoft.com/office/thememl/2012/main" name="Office Theme" id="{62F939B6-93AF-4DB8-9C6B-D6C7DFDC589F}" vid="{4A3C46E8-61CC-4603-A589-7422A47A8E4A}"/>
+      <thm15:themeFamily xmlns:thm15="http://schemas.microsoft.com/office/thememl/2012/main" xmlns="" name="Office Theme" id="{62F939B6-93AF-4DB8-9C6B-D6C7DFDC589F}" vid="{4A3C46E8-61CC-4603-A589-7422A47A8E4A}"/>
     </a:ext>
   </a:extLst>
 </a:theme>
@@ -22727,7 +22727,7 @@
   <a:extraClrSchemeLst/>
   <a:extLst>
     <a:ext uri="{05A4C25C-085E-4340-85A3-A5531E510DB2}">
-      <thm15:themeFamily xmlns="" xmlns:thm15="http://schemas.microsoft.com/office/thememl/2012/main" name="Office Theme" id="{62F939B6-93AF-4DB8-9C6B-D6C7DFDC589F}" vid="{4A3C46E8-61CC-4603-A589-7422A47A8E4A}"/>
+      <thm15:themeFamily xmlns:thm15="http://schemas.microsoft.com/office/thememl/2012/main" xmlns="" name="Office Theme" id="{62F939B6-93AF-4DB8-9C6B-D6C7DFDC589F}" vid="{4A3C46E8-61CC-4603-A589-7422A47A8E4A}"/>
     </a:ext>
   </a:extLst>
 </a:theme>
@@ -22988,7 +22988,7 @@
   <a:extraClrSchemeLst/>
   <a:extLst>
     <a:ext uri="{05A4C25C-085E-4340-85A3-A5531E510DB2}">
-      <thm15:themeFamily xmlns="" xmlns:thm15="http://schemas.microsoft.com/office/thememl/2012/main" name="Office Theme" id="{62F939B6-93AF-4DB8-9C6B-D6C7DFDC589F}" vid="{4A3C46E8-61CC-4603-A589-7422A47A8E4A}"/>
+      <thm15:themeFamily xmlns:thm15="http://schemas.microsoft.com/office/thememl/2012/main" xmlns="" name="Office Theme" id="{62F939B6-93AF-4DB8-9C6B-D6C7DFDC589F}" vid="{4A3C46E8-61CC-4603-A589-7422A47A8E4A}"/>
     </a:ext>
   </a:extLst>
 </a:theme>

--- a/docs/part1ca/01_Introduction/CA_Lecture_01.pptx
+++ b/docs/part1ca/01_Introduction/CA_Lecture_01.pptx
@@ -136,7 +136,7 @@
   </p:defaultTextStyle>
   <p:extLst>
     <p:ext uri="{EFAFB233-063F-42B5-8137-9DF3F51BA10A}">
-      <p15:sldGuideLst xmlns:p15="http://schemas.microsoft.com/office/powerpoint/2012/main" xmlns="">
+      <p15:sldGuideLst xmlns="" xmlns:p15="http://schemas.microsoft.com/office/powerpoint/2012/main">
         <p15:guide id="1" orient="horz" pos="2160">
           <p15:clr>
             <a:srgbClr val="A4A3A4"/>
@@ -150,7 +150,7 @@
       </p15:sldGuideLst>
     </p:ext>
     <p:ext uri="{2D200454-40CA-4A62-9FC3-DE9A4176ACB9}">
-      <p15:notesGuideLst xmlns:p15="http://schemas.microsoft.com/office/powerpoint/2012/main" xmlns="">
+      <p15:notesGuideLst xmlns="" xmlns:p15="http://schemas.microsoft.com/office/powerpoint/2012/main">
         <p15:guide id="1" orient="horz" pos="2880">
           <p15:clr>
             <a:srgbClr val="A4A3A4"/>
@@ -258,7 +258,7 @@
             <a:fld id="{D0106195-8D78-4F6F-B8E4-FA67975ACEF5}" type="datetimeFigureOut">
               <a:rPr lang="ru-RU" smtClean="0"/>
               <a:pPr/>
-              <a:t>22.11.2020</a:t>
+              <a:t>23.11.2020</a:t>
             </a:fld>
             <a:endParaRPr lang="ru-RU"/>
           </a:p>
@@ -334,7 +334,7 @@
     </p:spTree>
     <p:extLst>
       <p:ext uri="{BB962C8B-B14F-4D97-AF65-F5344CB8AC3E}">
-        <p14:creationId xmlns:p14="http://schemas.microsoft.com/office/powerpoint/2010/main" xmlns="" val="827279973"/>
+        <p14:creationId xmlns="" xmlns:p14="http://schemas.microsoft.com/office/powerpoint/2010/main" val="827279973"/>
       </p:ext>
     </p:extLst>
   </p:cSld>
@@ -426,7 +426,7 @@
             <a:fld id="{878212F1-C3D9-4F2B-8F42-5E960FE8BE51}" type="datetimeFigureOut">
               <a:rPr lang="ru-RU" smtClean="0"/>
               <a:pPr/>
-              <a:t>22.11.2020</a:t>
+              <a:t>23.11.2020</a:t>
             </a:fld>
             <a:endParaRPr lang="ru-RU"/>
           </a:p>
@@ -595,7 +595,7 @@
     </p:spTree>
     <p:extLst>
       <p:ext uri="{BB962C8B-B14F-4D97-AF65-F5344CB8AC3E}">
-        <p14:creationId xmlns:p14="http://schemas.microsoft.com/office/powerpoint/2010/main" xmlns="" val="3865021395"/>
+        <p14:creationId xmlns="" xmlns:p14="http://schemas.microsoft.com/office/powerpoint/2010/main" val="3865021395"/>
       </p:ext>
     </p:extLst>
   </p:cSld>
@@ -809,7 +809,7 @@
     </p:spTree>
     <p:extLst>
       <p:ext uri="{BB962C8B-B14F-4D97-AF65-F5344CB8AC3E}">
-        <p14:creationId xmlns:p14="http://schemas.microsoft.com/office/powerpoint/2010/main" xmlns="" val="2381791527"/>
+        <p14:creationId xmlns="" xmlns:p14="http://schemas.microsoft.com/office/powerpoint/2010/main" val="2381791527"/>
       </p:ext>
     </p:extLst>
   </p:cSld>
@@ -932,7 +932,7 @@
     </p:spTree>
     <p:extLst>
       <p:ext uri="{BB962C8B-B14F-4D97-AF65-F5344CB8AC3E}">
-        <p14:creationId xmlns:p14="http://schemas.microsoft.com/office/powerpoint/2010/main" xmlns="" val="1915950851"/>
+        <p14:creationId xmlns="" xmlns:p14="http://schemas.microsoft.com/office/powerpoint/2010/main" val="1915950851"/>
       </p:ext>
     </p:extLst>
   </p:cSld>
@@ -1192,7 +1192,7 @@
     </p:spTree>
     <p:extLst>
       <p:ext uri="{BB962C8B-B14F-4D97-AF65-F5344CB8AC3E}">
-        <p14:creationId xmlns:p14="http://schemas.microsoft.com/office/powerpoint/2010/main" xmlns="" val="322455162"/>
+        <p14:creationId xmlns="" xmlns:p14="http://schemas.microsoft.com/office/powerpoint/2010/main" val="322455162"/>
       </p:ext>
     </p:extLst>
   </p:cSld>
@@ -1366,7 +1366,7 @@
     </p:spTree>
     <p:extLst>
       <p:ext uri="{BB962C8B-B14F-4D97-AF65-F5344CB8AC3E}">
-        <p14:creationId xmlns:p14="http://schemas.microsoft.com/office/powerpoint/2010/main" xmlns="" val="971117636"/>
+        <p14:creationId xmlns="" xmlns:p14="http://schemas.microsoft.com/office/powerpoint/2010/main" val="971117636"/>
       </p:ext>
     </p:extLst>
   </p:cSld>
@@ -1543,7 +1543,7 @@
     </p:spTree>
     <p:extLst>
       <p:ext uri="{BB962C8B-B14F-4D97-AF65-F5344CB8AC3E}">
-        <p14:creationId xmlns:p14="http://schemas.microsoft.com/office/powerpoint/2010/main" xmlns="" val="3348877825"/>
+        <p14:creationId xmlns="" xmlns:p14="http://schemas.microsoft.com/office/powerpoint/2010/main" val="3348877825"/>
       </p:ext>
     </p:extLst>
   </p:cSld>
@@ -1868,7 +1868,7 @@
     </p:spTree>
     <p:extLst>
       <p:ext uri="{BB962C8B-B14F-4D97-AF65-F5344CB8AC3E}">
-        <p14:creationId xmlns:p14="http://schemas.microsoft.com/office/powerpoint/2010/main" xmlns="" val="3256953994"/>
+        <p14:creationId xmlns="" xmlns:p14="http://schemas.microsoft.com/office/powerpoint/2010/main" val="3256953994"/>
       </p:ext>
     </p:extLst>
   </p:cSld>
@@ -2118,7 +2118,7 @@
     </p:spTree>
     <p:extLst>
       <p:ext uri="{BB962C8B-B14F-4D97-AF65-F5344CB8AC3E}">
-        <p14:creationId xmlns:p14="http://schemas.microsoft.com/office/powerpoint/2010/main" xmlns="" val="3067076846"/>
+        <p14:creationId xmlns="" xmlns:p14="http://schemas.microsoft.com/office/powerpoint/2010/main" val="3067076846"/>
       </p:ext>
     </p:extLst>
   </p:cSld>
@@ -2354,7 +2354,7 @@
     </p:spTree>
     <p:extLst>
       <p:ext uri="{BB962C8B-B14F-4D97-AF65-F5344CB8AC3E}">
-        <p14:creationId xmlns:p14="http://schemas.microsoft.com/office/powerpoint/2010/main" xmlns="" val="3710015975"/>
+        <p14:creationId xmlns="" xmlns:p14="http://schemas.microsoft.com/office/powerpoint/2010/main" val="3710015975"/>
       </p:ext>
     </p:extLst>
   </p:cSld>
@@ -2725,7 +2725,7 @@
     </p:spTree>
     <p:extLst>
       <p:ext uri="{BB962C8B-B14F-4D97-AF65-F5344CB8AC3E}">
-        <p14:creationId xmlns:p14="http://schemas.microsoft.com/office/powerpoint/2010/main" xmlns="" val="4075590966"/>
+        <p14:creationId xmlns="" xmlns:p14="http://schemas.microsoft.com/office/powerpoint/2010/main" val="4075590966"/>
       </p:ext>
     </p:extLst>
   </p:cSld>
@@ -2847,7 +2847,7 @@
     </p:spTree>
     <p:extLst>
       <p:ext uri="{BB962C8B-B14F-4D97-AF65-F5344CB8AC3E}">
-        <p14:creationId xmlns:p14="http://schemas.microsoft.com/office/powerpoint/2010/main" xmlns="" val="2889604898"/>
+        <p14:creationId xmlns="" xmlns:p14="http://schemas.microsoft.com/office/powerpoint/2010/main" val="2889604898"/>
       </p:ext>
     </p:extLst>
   </p:cSld>
@@ -2946,7 +2946,7 @@
     </p:spTree>
     <p:extLst>
       <p:ext uri="{BB962C8B-B14F-4D97-AF65-F5344CB8AC3E}">
-        <p14:creationId xmlns:p14="http://schemas.microsoft.com/office/powerpoint/2010/main" xmlns="" val="152384765"/>
+        <p14:creationId xmlns="" xmlns:p14="http://schemas.microsoft.com/office/powerpoint/2010/main" val="152384765"/>
       </p:ext>
     </p:extLst>
   </p:cSld>
@@ -3227,7 +3227,7 @@
     </p:spTree>
     <p:extLst>
       <p:ext uri="{BB962C8B-B14F-4D97-AF65-F5344CB8AC3E}">
-        <p14:creationId xmlns:p14="http://schemas.microsoft.com/office/powerpoint/2010/main" xmlns="" val="2127791886"/>
+        <p14:creationId xmlns="" xmlns:p14="http://schemas.microsoft.com/office/powerpoint/2010/main" val="2127791886"/>
       </p:ext>
     </p:extLst>
   </p:cSld>
@@ -3484,7 +3484,7 @@
     </p:spTree>
     <p:extLst>
       <p:ext uri="{BB962C8B-B14F-4D97-AF65-F5344CB8AC3E}">
-        <p14:creationId xmlns:p14="http://schemas.microsoft.com/office/powerpoint/2010/main" xmlns="" val="1752705130"/>
+        <p14:creationId xmlns="" xmlns:p14="http://schemas.microsoft.com/office/powerpoint/2010/main" val="1752705130"/>
       </p:ext>
     </p:extLst>
   </p:cSld>
@@ -3737,7 +3737,7 @@
     </p:spTree>
     <p:extLst>
       <p:ext uri="{BB962C8B-B14F-4D97-AF65-F5344CB8AC3E}">
-        <p14:creationId xmlns:p14="http://schemas.microsoft.com/office/powerpoint/2010/main" xmlns="" val="968833914"/>
+        <p14:creationId xmlns="" xmlns:p14="http://schemas.microsoft.com/office/powerpoint/2010/main" val="968833914"/>
       </p:ext>
     </p:extLst>
   </p:cSld>
@@ -4214,7 +4214,7 @@
     </p:spTree>
     <p:extLst>
       <p:ext uri="{BB962C8B-B14F-4D97-AF65-F5344CB8AC3E}">
-        <p14:creationId xmlns:p14="http://schemas.microsoft.com/office/powerpoint/2010/main" xmlns="" val="2492894732"/>
+        <p14:creationId xmlns="" xmlns:p14="http://schemas.microsoft.com/office/powerpoint/2010/main" val="2492894732"/>
       </p:ext>
     </p:extLst>
   </p:cSld>
@@ -4258,7 +4258,7 @@
             <p:ph idx="1"/>
             <p:extLst>
               <p:ext uri="{D42A27DB-BD31-4B8C-83A1-F6EECF244321}">
-                <p14:modId xmlns:p14="http://schemas.microsoft.com/office/powerpoint/2010/main" xmlns="" val="2853019934"/>
+                <p14:modId xmlns="" xmlns:p14="http://schemas.microsoft.com/office/powerpoint/2010/main" val="2853019934"/>
               </p:ext>
             </p:extLst>
           </p:nvPr>
@@ -4692,7 +4692,7 @@
         </p:txBody>
       </p:sp>
       <mc:AlternateContent xmlns:mc="http://schemas.openxmlformats.org/markup-compatibility/2006">
-        <mc:Choice xmlns:a14="http://schemas.microsoft.com/office/drawing/2010/main" xmlns="" Requires="a14">
+        <mc:Choice xmlns="" xmlns:a14="http://schemas.microsoft.com/office/drawing/2010/main" Requires="a14">
           <p:sp>
             <p:nvSpPr>
               <p:cNvPr id="6" name="Rectangle 5"/>
@@ -4883,7 +4883,7 @@
     </p:spTree>
     <p:extLst>
       <p:ext uri="{BB962C8B-B14F-4D97-AF65-F5344CB8AC3E}">
-        <p14:creationId xmlns:p14="http://schemas.microsoft.com/office/powerpoint/2010/main" xmlns="" val="1319878854"/>
+        <p14:creationId xmlns="" xmlns:p14="http://schemas.microsoft.com/office/powerpoint/2010/main" val="1319878854"/>
       </p:ext>
     </p:extLst>
   </p:cSld>
@@ -4975,7 +4975,7 @@
             <p:ph idx="1"/>
             <p:extLst>
               <p:ext uri="{D42A27DB-BD31-4B8C-83A1-F6EECF244321}">
-                <p14:modId xmlns:p14="http://schemas.microsoft.com/office/powerpoint/2010/main" xmlns="" val="895195415"/>
+                <p14:modId xmlns="" xmlns:p14="http://schemas.microsoft.com/office/powerpoint/2010/main" val="895195415"/>
               </p:ext>
             </p:extLst>
           </p:nvPr>
@@ -5279,7 +5279,7 @@
     </p:spTree>
     <p:extLst>
       <p:ext uri="{BB962C8B-B14F-4D97-AF65-F5344CB8AC3E}">
-        <p14:creationId xmlns:p14="http://schemas.microsoft.com/office/powerpoint/2010/main" xmlns="" val="1991606056"/>
+        <p14:creationId xmlns="" xmlns:p14="http://schemas.microsoft.com/office/powerpoint/2010/main" val="1991606056"/>
       </p:ext>
     </p:extLst>
   </p:cSld>
@@ -5447,7 +5447,7 @@
           <a:blip r:embed="rId2" cstate="print">
             <a:extLst>
               <a:ext uri="{28A0092B-C50C-407E-A947-70E740481C1C}">
-                <a14:useLocalDpi xmlns:a14="http://schemas.microsoft.com/office/drawing/2010/main" xmlns="" val="0"/>
+                <a14:useLocalDpi xmlns="" xmlns:a14="http://schemas.microsoft.com/office/drawing/2010/main" val="0"/>
               </a:ext>
             </a:extLst>
           </a:blip>
@@ -5467,7 +5467,7 @@
           <a:noFill/>
           <a:extLst>
             <a:ext uri="{909E8E84-426E-40DD-AFC4-6F175D3DCCD1}">
-              <a14:hiddenFill xmlns:a14="http://schemas.microsoft.com/office/drawing/2010/main" xmlns="">
+              <a14:hiddenFill xmlns="" xmlns:a14="http://schemas.microsoft.com/office/drawing/2010/main">
                 <a:solidFill>
                   <a:srgbClr val="FFFFFF"/>
                 </a:solidFill>
@@ -5479,7 +5479,7 @@
     </p:spTree>
     <p:extLst>
       <p:ext uri="{BB962C8B-B14F-4D97-AF65-F5344CB8AC3E}">
-        <p14:creationId xmlns:p14="http://schemas.microsoft.com/office/powerpoint/2010/main" xmlns="" val="1147934676"/>
+        <p14:creationId xmlns="" xmlns:p14="http://schemas.microsoft.com/office/powerpoint/2010/main" val="1147934676"/>
       </p:ext>
     </p:extLst>
   </p:cSld>
@@ -6377,7 +6377,7 @@
           <a:blip r:embed="rId2" cstate="print">
             <a:extLst>
               <a:ext uri="{28A0092B-C50C-407E-A947-70E740481C1C}">
-                <a14:useLocalDpi xmlns:a14="http://schemas.microsoft.com/office/drawing/2010/main" xmlns="" val="0"/>
+                <a14:useLocalDpi xmlns="" xmlns:a14="http://schemas.microsoft.com/office/drawing/2010/main" val="0"/>
               </a:ext>
             </a:extLst>
           </a:blip>
@@ -6397,7 +6397,7 @@
           <a:noFill/>
           <a:extLst>
             <a:ext uri="{909E8E84-426E-40DD-AFC4-6F175D3DCCD1}">
-              <a14:hiddenFill xmlns:a14="http://schemas.microsoft.com/office/drawing/2010/main" xmlns="">
+              <a14:hiddenFill xmlns="" xmlns:a14="http://schemas.microsoft.com/office/drawing/2010/main">
                 <a:solidFill>
                   <a:srgbClr val="FFFFFF"/>
                 </a:solidFill>
@@ -6409,7 +6409,7 @@
     </p:spTree>
     <p:extLst>
       <p:ext uri="{BB962C8B-B14F-4D97-AF65-F5344CB8AC3E}">
-        <p14:creationId xmlns:p14="http://schemas.microsoft.com/office/powerpoint/2010/main" xmlns="" val="2950914556"/>
+        <p14:creationId xmlns="" xmlns:p14="http://schemas.microsoft.com/office/powerpoint/2010/main" val="2950914556"/>
       </p:ext>
     </p:extLst>
   </p:cSld>
@@ -6455,7 +6455,7 @@
           <a:blip r:embed="rId2" cstate="print">
             <a:extLst>
               <a:ext uri="{28A0092B-C50C-407E-A947-70E740481C1C}">
-                <a14:useLocalDpi xmlns:a14="http://schemas.microsoft.com/office/drawing/2010/main" xmlns="" val="0"/>
+                <a14:useLocalDpi xmlns="" xmlns:a14="http://schemas.microsoft.com/office/drawing/2010/main" val="0"/>
               </a:ext>
             </a:extLst>
           </a:blip>
@@ -6475,7 +6475,7 @@
           <a:noFill/>
           <a:extLst>
             <a:ext uri="{909E8E84-426E-40DD-AFC4-6F175D3DCCD1}">
-              <a14:hiddenFill xmlns:a14="http://schemas.microsoft.com/office/drawing/2010/main" xmlns="">
+              <a14:hiddenFill xmlns="" xmlns:a14="http://schemas.microsoft.com/office/drawing/2010/main">
                 <a:solidFill>
                   <a:srgbClr val="FFFFFF"/>
                 </a:solidFill>
@@ -7048,7 +7048,7 @@
     </p:spTree>
     <p:extLst>
       <p:ext uri="{BB962C8B-B14F-4D97-AF65-F5344CB8AC3E}">
-        <p14:creationId xmlns:p14="http://schemas.microsoft.com/office/powerpoint/2010/main" xmlns="" val="4087179089"/>
+        <p14:creationId xmlns="" xmlns:p14="http://schemas.microsoft.com/office/powerpoint/2010/main" val="4087179089"/>
       </p:ext>
     </p:extLst>
   </p:cSld>
@@ -7254,7 +7254,7 @@
           <a:blip r:embed="rId2" cstate="print">
             <a:extLst>
               <a:ext uri="{28A0092B-C50C-407E-A947-70E740481C1C}">
-                <a14:useLocalDpi xmlns:a14="http://schemas.microsoft.com/office/drawing/2010/main" xmlns="" val="0"/>
+                <a14:useLocalDpi xmlns="" xmlns:a14="http://schemas.microsoft.com/office/drawing/2010/main" val="0"/>
               </a:ext>
             </a:extLst>
           </a:blip>
@@ -7274,7 +7274,7 @@
           <a:noFill/>
           <a:extLst>
             <a:ext uri="{909E8E84-426E-40DD-AFC4-6F175D3DCCD1}">
-              <a14:hiddenFill xmlns:a14="http://schemas.microsoft.com/office/drawing/2010/main" xmlns="">
+              <a14:hiddenFill xmlns="" xmlns:a14="http://schemas.microsoft.com/office/drawing/2010/main">
                 <a:solidFill>
                   <a:srgbClr val="FFFFFF"/>
                 </a:solidFill>
@@ -7295,7 +7295,7 @@
           <a:blip r:embed="rId3" cstate="print">
             <a:extLst>
               <a:ext uri="{28A0092B-C50C-407E-A947-70E740481C1C}">
-                <a14:useLocalDpi xmlns:a14="http://schemas.microsoft.com/office/drawing/2010/main" xmlns="" val="0"/>
+                <a14:useLocalDpi xmlns="" xmlns:a14="http://schemas.microsoft.com/office/drawing/2010/main" val="0"/>
               </a:ext>
             </a:extLst>
           </a:blip>
@@ -7315,7 +7315,7 @@
           <a:noFill/>
           <a:extLst>
             <a:ext uri="{909E8E84-426E-40DD-AFC4-6F175D3DCCD1}">
-              <a14:hiddenFill xmlns:a14="http://schemas.microsoft.com/office/drawing/2010/main" xmlns="">
+              <a14:hiddenFill xmlns="" xmlns:a14="http://schemas.microsoft.com/office/drawing/2010/main">
                 <a:solidFill>
                   <a:srgbClr val="FFFFFF"/>
                 </a:solidFill>
@@ -7327,7 +7327,7 @@
     </p:spTree>
     <p:extLst>
       <p:ext uri="{BB962C8B-B14F-4D97-AF65-F5344CB8AC3E}">
-        <p14:creationId xmlns:p14="http://schemas.microsoft.com/office/powerpoint/2010/main" xmlns="" val="4020093932"/>
+        <p14:creationId xmlns="" xmlns:p14="http://schemas.microsoft.com/office/powerpoint/2010/main" val="4020093932"/>
       </p:ext>
     </p:extLst>
   </p:cSld>
@@ -7540,7 +7540,7 @@
           <a:blip r:embed="rId2" cstate="print">
             <a:extLst>
               <a:ext uri="{28A0092B-C50C-407E-A947-70E740481C1C}">
-                <a14:useLocalDpi xmlns:a14="http://schemas.microsoft.com/office/drawing/2010/main" xmlns="" val="0"/>
+                <a14:useLocalDpi xmlns="" xmlns:a14="http://schemas.microsoft.com/office/drawing/2010/main" val="0"/>
               </a:ext>
             </a:extLst>
           </a:blip>
@@ -7563,14 +7563,14 @@
           </a:ln>
           <a:extLst>
             <a:ext uri="{909E8E84-426E-40DD-AFC4-6F175D3DCCD1}">
-              <a14:hiddenFill xmlns:a14="http://schemas.microsoft.com/office/drawing/2010/main" xmlns="">
+              <a14:hiddenFill xmlns="" xmlns:a14="http://schemas.microsoft.com/office/drawing/2010/main">
                 <a:solidFill>
                   <a:srgbClr val="FFFFFF"/>
                 </a:solidFill>
               </a14:hiddenFill>
             </a:ext>
             <a:ext uri="{91240B29-F687-4F45-9708-019B960494DF}">
-              <a14:hiddenLine xmlns:a14="http://schemas.microsoft.com/office/drawing/2010/main" xmlns="" w="9525">
+              <a14:hiddenLine xmlns="" xmlns:a14="http://schemas.microsoft.com/office/drawing/2010/main" w="9525">
                 <a:solidFill>
                   <a:srgbClr val="000000"/>
                 </a:solidFill>
@@ -7585,7 +7585,7 @@
     </p:spTree>
     <p:extLst>
       <p:ext uri="{BB962C8B-B14F-4D97-AF65-F5344CB8AC3E}">
-        <p14:creationId xmlns:p14="http://schemas.microsoft.com/office/powerpoint/2010/main" xmlns="" val="3856844071"/>
+        <p14:creationId xmlns="" xmlns:p14="http://schemas.microsoft.com/office/powerpoint/2010/main" val="3856844071"/>
       </p:ext>
     </p:extLst>
   </p:cSld>
@@ -7631,7 +7631,7 @@
           <a:blip r:embed="rId2" cstate="print">
             <a:extLst>
               <a:ext uri="{28A0092B-C50C-407E-A947-70E740481C1C}">
-                <a14:useLocalDpi xmlns:a14="http://schemas.microsoft.com/office/drawing/2010/main" xmlns="" val="0"/>
+                <a14:useLocalDpi xmlns="" xmlns:a14="http://schemas.microsoft.com/office/drawing/2010/main" val="0"/>
               </a:ext>
             </a:extLst>
           </a:blip>
@@ -7654,14 +7654,14 @@
           </a:ln>
           <a:extLst>
             <a:ext uri="{909E8E84-426E-40DD-AFC4-6F175D3DCCD1}">
-              <a14:hiddenFill xmlns:a14="http://schemas.microsoft.com/office/drawing/2010/main" xmlns="">
+              <a14:hiddenFill xmlns="" xmlns:a14="http://schemas.microsoft.com/office/drawing/2010/main">
                 <a:solidFill>
                   <a:srgbClr val="FFFFFF"/>
                 </a:solidFill>
               </a14:hiddenFill>
             </a:ext>
             <a:ext uri="{91240B29-F687-4F45-9708-019B960494DF}">
-              <a14:hiddenLine xmlns:a14="http://schemas.microsoft.com/office/drawing/2010/main" xmlns="" w="9525">
+              <a14:hiddenLine xmlns="" xmlns:a14="http://schemas.microsoft.com/office/drawing/2010/main" w="9525">
                 <a:solidFill>
                   <a:srgbClr val="000000"/>
                 </a:solidFill>
@@ -8167,7 +8167,7 @@
           <p:nvPr>
             <p:extLst>
               <p:ext uri="{D42A27DB-BD31-4B8C-83A1-F6EECF244321}">
-                <p14:modId xmlns:p14="http://schemas.microsoft.com/office/powerpoint/2010/main" xmlns="" val="1213753623"/>
+                <p14:modId xmlns="" xmlns:p14="http://schemas.microsoft.com/office/powerpoint/2010/main" val="1213753623"/>
               </p:ext>
             </p:extLst>
           </p:nvPr>
@@ -9880,7 +9880,7 @@
     </p:spTree>
     <p:extLst>
       <p:ext uri="{BB962C8B-B14F-4D97-AF65-F5344CB8AC3E}">
-        <p14:creationId xmlns:p14="http://schemas.microsoft.com/office/powerpoint/2010/main" xmlns="" val="1153504515"/>
+        <p14:creationId xmlns="" xmlns:p14="http://schemas.microsoft.com/office/powerpoint/2010/main" val="1153504515"/>
       </p:ext>
     </p:extLst>
   </p:cSld>
@@ -10050,7 +10050,7 @@
     </p:spTree>
     <p:extLst>
       <p:ext uri="{BB962C8B-B14F-4D97-AF65-F5344CB8AC3E}">
-        <p14:creationId xmlns:p14="http://schemas.microsoft.com/office/powerpoint/2010/main" xmlns="" val="664014649"/>
+        <p14:creationId xmlns="" xmlns:p14="http://schemas.microsoft.com/office/powerpoint/2010/main" val="664014649"/>
       </p:ext>
     </p:extLst>
   </p:cSld>
@@ -10644,7 +10644,7 @@
     </p:spTree>
     <p:extLst>
       <p:ext uri="{BB962C8B-B14F-4D97-AF65-F5344CB8AC3E}">
-        <p14:creationId xmlns:p14="http://schemas.microsoft.com/office/powerpoint/2010/main" xmlns="" val="1974197127"/>
+        <p14:creationId xmlns="" xmlns:p14="http://schemas.microsoft.com/office/powerpoint/2010/main" val="1974197127"/>
       </p:ext>
     </p:extLst>
   </p:cSld>
@@ -10738,7 +10738,7 @@
           <a:blip r:embed="rId2" cstate="print">
             <a:extLst>
               <a:ext uri="{28A0092B-C50C-407E-A947-70E740481C1C}">
-                <a14:useLocalDpi xmlns:a14="http://schemas.microsoft.com/office/drawing/2010/main" xmlns="" val="0"/>
+                <a14:useLocalDpi xmlns="" xmlns:a14="http://schemas.microsoft.com/office/drawing/2010/main" val="0"/>
               </a:ext>
             </a:extLst>
           </a:blip>
@@ -10761,14 +10761,14 @@
           </a:ln>
           <a:extLst>
             <a:ext uri="{909E8E84-426E-40DD-AFC4-6F175D3DCCD1}">
-              <a14:hiddenFill xmlns:a14="http://schemas.microsoft.com/office/drawing/2010/main" xmlns="">
+              <a14:hiddenFill xmlns="" xmlns:a14="http://schemas.microsoft.com/office/drawing/2010/main">
                 <a:solidFill>
                   <a:srgbClr val="FFFFFF"/>
                 </a:solidFill>
               </a14:hiddenFill>
             </a:ext>
             <a:ext uri="{91240B29-F687-4F45-9708-019B960494DF}">
-              <a14:hiddenLine xmlns:a14="http://schemas.microsoft.com/office/drawing/2010/main" xmlns="" w="9525">
+              <a14:hiddenLine xmlns="" xmlns:a14="http://schemas.microsoft.com/office/drawing/2010/main" w="9525">
                 <a:solidFill>
                   <a:srgbClr val="000000"/>
                 </a:solidFill>
@@ -10783,7 +10783,7 @@
     </p:spTree>
     <p:extLst>
       <p:ext uri="{BB962C8B-B14F-4D97-AF65-F5344CB8AC3E}">
-        <p14:creationId xmlns:p14="http://schemas.microsoft.com/office/powerpoint/2010/main" xmlns="" val="2270459329"/>
+        <p14:creationId xmlns="" xmlns:p14="http://schemas.microsoft.com/office/powerpoint/2010/main" val="2270459329"/>
       </p:ext>
     </p:extLst>
   </p:cSld>
@@ -10892,7 +10892,7 @@
     </p:spTree>
     <p:extLst>
       <p:ext uri="{BB962C8B-B14F-4D97-AF65-F5344CB8AC3E}">
-        <p14:creationId xmlns:p14="http://schemas.microsoft.com/office/powerpoint/2010/main" xmlns="" val="4095291685"/>
+        <p14:creationId xmlns="" xmlns:p14="http://schemas.microsoft.com/office/powerpoint/2010/main" val="4095291685"/>
       </p:ext>
     </p:extLst>
   </p:cSld>
@@ -11155,7 +11155,7 @@
     </p:spTree>
     <p:extLst>
       <p:ext uri="{BB962C8B-B14F-4D97-AF65-F5344CB8AC3E}">
-        <p14:creationId xmlns:p14="http://schemas.microsoft.com/office/powerpoint/2010/main" xmlns="" val="1324819286"/>
+        <p14:creationId xmlns="" xmlns:p14="http://schemas.microsoft.com/office/powerpoint/2010/main" val="1324819286"/>
       </p:ext>
     </p:extLst>
   </p:cSld>
@@ -11348,14 +11348,14 @@
           <a:effectLst/>
           <a:extLst>
             <a:ext uri="{909E8E84-426E-40DD-AFC4-6F175D3DCCD1}">
-              <a14:hiddenFill xmlns:a14="http://schemas.microsoft.com/office/drawing/2010/main" xmlns="">
+              <a14:hiddenFill xmlns="" xmlns:a14="http://schemas.microsoft.com/office/drawing/2010/main">
                 <a:solidFill>
                   <a:schemeClr val="accent1"/>
                 </a:solidFill>
               </a14:hiddenFill>
             </a:ext>
             <a:ext uri="{91240B29-F687-4F45-9708-019B960494DF}">
-              <a14:hiddenLine xmlns:a14="http://schemas.microsoft.com/office/drawing/2010/main" xmlns="" w="9525">
+              <a14:hiddenLine xmlns="" xmlns:a14="http://schemas.microsoft.com/office/drawing/2010/main" w="9525">
                 <a:solidFill>
                   <a:schemeClr val="tx1"/>
                 </a:solidFill>
@@ -11365,7 +11365,7 @@
               </a14:hiddenLine>
             </a:ext>
             <a:ext uri="{AF507438-7753-43E0-B8FC-AC1667EBCBE1}">
-              <a14:hiddenEffects xmlns:a14="http://schemas.microsoft.com/office/drawing/2010/main" xmlns="">
+              <a14:hiddenEffects xmlns="" xmlns:a14="http://schemas.microsoft.com/office/drawing/2010/main">
                 <a:effectLst>
                   <a:outerShdw dist="35921" dir="2700000" algn="ctr" rotWithShape="0">
                     <a:schemeClr val="bg2"/>
@@ -11473,7 +11473,7 @@
     </p:spTree>
     <p:extLst>
       <p:ext uri="{BB962C8B-B14F-4D97-AF65-F5344CB8AC3E}">
-        <p14:creationId xmlns:p14="http://schemas.microsoft.com/office/powerpoint/2010/main" xmlns="" val="3293126798"/>
+        <p14:creationId xmlns="" xmlns:p14="http://schemas.microsoft.com/office/powerpoint/2010/main" val="3293126798"/>
       </p:ext>
     </p:extLst>
   </p:cSld>
@@ -12054,7 +12054,7 @@
     </p:spTree>
     <p:extLst>
       <p:ext uri="{BB962C8B-B14F-4D97-AF65-F5344CB8AC3E}">
-        <p14:creationId xmlns:p14="http://schemas.microsoft.com/office/powerpoint/2010/main" xmlns="" val="4217875043"/>
+        <p14:creationId xmlns="" xmlns:p14="http://schemas.microsoft.com/office/powerpoint/2010/main" val="4217875043"/>
       </p:ext>
     </p:extLst>
   </p:cSld>
@@ -12096,7 +12096,7 @@
         </p:nvSpPr>
         <p:spPr>
           <a:xfrm>
-            <a:off x="1425038" y="3669490"/>
+            <a:off x="1425038" y="3606430"/>
             <a:ext cx="2422568" cy="629392"/>
           </a:xfrm>
           <a:prstGeom prst="rect">
@@ -12241,7 +12241,7 @@
         </p:blipFill>
         <p:spPr>
           <a:xfrm>
-            <a:off x="1613327" y="1547041"/>
+            <a:off x="1613327" y="1483981"/>
             <a:ext cx="2190750" cy="2190750"/>
           </a:xfrm>
           <a:prstGeom prst="rect">
@@ -12259,7 +12259,7 @@
         </p:nvSpPr>
         <p:spPr>
           <a:xfrm>
-            <a:off x="848100" y="1009828"/>
+            <a:off x="848100" y="946768"/>
             <a:ext cx="10515600" cy="700228"/>
           </a:xfrm>
           <a:prstGeom prst="rect">
@@ -12325,7 +12325,7 @@
         </p:blipFill>
         <p:spPr>
           <a:xfrm>
-            <a:off x="5003800" y="1562100"/>
+            <a:off x="5003800" y="1499040"/>
             <a:ext cx="2194560" cy="2194560"/>
           </a:xfrm>
           <a:prstGeom prst="rect">
@@ -12341,7 +12341,7 @@
         </p:nvSpPr>
         <p:spPr>
           <a:xfrm>
-            <a:off x="4866738" y="3682190"/>
+            <a:off x="4866738" y="3619130"/>
             <a:ext cx="2422568" cy="629392"/>
           </a:xfrm>
           <a:prstGeom prst="rect">
@@ -12392,7 +12392,7 @@
         <p:nvPicPr>
           <p:cNvPr id="13" name="Рисунок 12" descr="photo_2020-11-22 22.25.36.jpeg"/>
           <p:cNvPicPr>
-            <a:picLocks/>
+            <a:picLocks noChangeAspect="1"/>
           </p:cNvPicPr>
           <p:nvPr/>
         </p:nvPicPr>
@@ -12405,8 +12405,8 @@
         </p:blipFill>
         <p:spPr>
           <a:xfrm>
-            <a:off x="8516762" y="1500095"/>
-            <a:ext cx="1816331" cy="2315598"/>
+            <a:off x="8590332" y="1437036"/>
+            <a:ext cx="1579418" cy="2316791"/>
           </a:xfrm>
           <a:prstGeom prst="rect">
             <a:avLst/>
@@ -12421,7 +12421,7 @@
         </p:nvSpPr>
         <p:spPr>
           <a:xfrm>
-            <a:off x="8100149" y="3678068"/>
+            <a:off x="8100149" y="3615008"/>
             <a:ext cx="2600797" cy="629392"/>
           </a:xfrm>
           <a:prstGeom prst="rect">
@@ -12991,7 +12991,7 @@
           <a:effectLst/>
           <a:extLst>
             <a:ext uri="{91240B29-F687-4F45-9708-019B960494DF}">
-              <a14:hiddenLine xmlns:a14="http://schemas.microsoft.com/office/drawing/2010/main" xmlns="" w="9525">
+              <a14:hiddenLine xmlns="" xmlns:a14="http://schemas.microsoft.com/office/drawing/2010/main" w="9525">
                 <a:solidFill>
                   <a:schemeClr val="tx1"/>
                 </a:solidFill>
@@ -13001,7 +13001,7 @@
               </a14:hiddenLine>
             </a:ext>
             <a:ext uri="{AF507438-7753-43E0-B8FC-AC1667EBCBE1}">
-              <a14:hiddenEffects xmlns:a14="http://schemas.microsoft.com/office/drawing/2010/main" xmlns="">
+              <a14:hiddenEffects xmlns="" xmlns:a14="http://schemas.microsoft.com/office/drawing/2010/main">
                 <a:effectLst>
                   <a:outerShdw dist="35921" dir="2700000" algn="ctr" rotWithShape="0">
                     <a:schemeClr val="bg2"/>
@@ -14573,7 +14573,7 @@
           <a:effectLst/>
           <a:extLst>
             <a:ext uri="{91240B29-F687-4F45-9708-019B960494DF}">
-              <a14:hiddenLine xmlns:a14="http://schemas.microsoft.com/office/drawing/2010/main" xmlns="" w="9525">
+              <a14:hiddenLine xmlns="" xmlns:a14="http://schemas.microsoft.com/office/drawing/2010/main" w="9525">
                 <a:solidFill>
                   <a:schemeClr val="tx1"/>
                 </a:solidFill>
@@ -14583,7 +14583,7 @@
               </a14:hiddenLine>
             </a:ext>
             <a:ext uri="{AF507438-7753-43E0-B8FC-AC1667EBCBE1}">
-              <a14:hiddenEffects xmlns:a14="http://schemas.microsoft.com/office/drawing/2010/main" xmlns="">
+              <a14:hiddenEffects xmlns="" xmlns:a14="http://schemas.microsoft.com/office/drawing/2010/main">
                 <a:effectLst>
                   <a:outerShdw dist="35921" dir="2700000" algn="ctr" rotWithShape="0">
                     <a:schemeClr val="bg2"/>
@@ -14632,7 +14632,7 @@
         </p:txBody>
       </p:sp>
       <mc:AlternateContent xmlns:mc="http://schemas.openxmlformats.org/markup-compatibility/2006">
-        <mc:Choice xmlns:a14="http://schemas.microsoft.com/office/drawing/2010/main" xmlns="" Requires="a14">
+        <mc:Choice xmlns="" xmlns:a14="http://schemas.microsoft.com/office/drawing/2010/main" Requires="a14">
           <p:sp>
             <p:nvSpPr>
               <p:cNvPr id="8" name="Содержимое 1"/>
@@ -15111,7 +15111,7 @@
     </p:spTree>
     <p:extLst>
       <p:ext uri="{BB962C8B-B14F-4D97-AF65-F5344CB8AC3E}">
-        <p14:creationId xmlns:p14="http://schemas.microsoft.com/office/powerpoint/2010/main" xmlns="" val="611271091"/>
+        <p14:creationId xmlns="" xmlns:p14="http://schemas.microsoft.com/office/powerpoint/2010/main" val="611271091"/>
       </p:ext>
     </p:extLst>
   </p:cSld>
@@ -15236,7 +15236,7 @@
           <a:effectLst/>
           <a:extLst>
             <a:ext uri="{91240B29-F687-4F45-9708-019B960494DF}">
-              <a14:hiddenLine xmlns:a14="http://schemas.microsoft.com/office/drawing/2010/main" xmlns="" w="9525">
+              <a14:hiddenLine xmlns="" xmlns:a14="http://schemas.microsoft.com/office/drawing/2010/main" w="9525">
                 <a:solidFill>
                   <a:schemeClr val="tx1"/>
                 </a:solidFill>
@@ -15246,7 +15246,7 @@
               </a14:hiddenLine>
             </a:ext>
             <a:ext uri="{AF507438-7753-43E0-B8FC-AC1667EBCBE1}">
-              <a14:hiddenEffects xmlns:a14="http://schemas.microsoft.com/office/drawing/2010/main" xmlns="">
+              <a14:hiddenEffects xmlns="" xmlns:a14="http://schemas.microsoft.com/office/drawing/2010/main">
                 <a:effectLst>
                   <a:outerShdw dist="35921" dir="2700000" algn="ctr" rotWithShape="0">
                     <a:schemeClr val="bg2"/>
@@ -17166,7 +17166,7 @@
         </p:txBody>
       </p:sp>
       <mc:AlternateContent xmlns:mc="http://schemas.openxmlformats.org/markup-compatibility/2006">
-        <mc:Choice xmlns:a14="http://schemas.microsoft.com/office/drawing/2010/main" xmlns="" Requires="a14">
+        <mc:Choice xmlns="" xmlns:a14="http://schemas.microsoft.com/office/drawing/2010/main" Requires="a14">
           <p:sp>
             <p:nvSpPr>
               <p:cNvPr id="6" name="Содержимое 1"/>
@@ -17645,7 +17645,7 @@
     </p:spTree>
     <p:extLst>
       <p:ext uri="{BB962C8B-B14F-4D97-AF65-F5344CB8AC3E}">
-        <p14:creationId xmlns:p14="http://schemas.microsoft.com/office/powerpoint/2010/main" xmlns="" val="476216845"/>
+        <p14:creationId xmlns="" xmlns:p14="http://schemas.microsoft.com/office/powerpoint/2010/main" val="476216845"/>
       </p:ext>
     </p:extLst>
   </p:cSld>
@@ -19643,7 +19643,7 @@
         </p:txBody>
       </p:sp>
       <mc:AlternateContent xmlns:mc="http://schemas.openxmlformats.org/markup-compatibility/2006">
-        <mc:Choice xmlns:a14="http://schemas.microsoft.com/office/drawing/2010/main" xmlns="" Requires="a14">
+        <mc:Choice xmlns="" xmlns:a14="http://schemas.microsoft.com/office/drawing/2010/main" Requires="a14">
           <p:sp>
             <p:nvSpPr>
               <p:cNvPr id="8" name="Содержимое 1"/>
@@ -20137,7 +20137,7 @@
     </p:spTree>
     <p:extLst>
       <p:ext uri="{BB962C8B-B14F-4D97-AF65-F5344CB8AC3E}">
-        <p14:creationId xmlns:p14="http://schemas.microsoft.com/office/powerpoint/2010/main" xmlns="" val="3690992376"/>
+        <p14:creationId xmlns="" xmlns:p14="http://schemas.microsoft.com/office/powerpoint/2010/main" val="3690992376"/>
       </p:ext>
     </p:extLst>
   </p:cSld>
@@ -22174,7 +22174,7 @@
     </p:spTree>
     <p:extLst>
       <p:ext uri="{BB962C8B-B14F-4D97-AF65-F5344CB8AC3E}">
-        <p14:creationId xmlns:p14="http://schemas.microsoft.com/office/powerpoint/2010/main" xmlns="" val="2808821390"/>
+        <p14:creationId xmlns="" xmlns:p14="http://schemas.microsoft.com/office/powerpoint/2010/main" val="2808821390"/>
       </p:ext>
     </p:extLst>
   </p:cSld>
@@ -22466,7 +22466,7 @@
   <a:extraClrSchemeLst/>
   <a:extLst>
     <a:ext uri="{05A4C25C-085E-4340-85A3-A5531E510DB2}">
-      <thm15:themeFamily xmlns:thm15="http://schemas.microsoft.com/office/thememl/2012/main" xmlns="" name="Office Theme" id="{62F939B6-93AF-4DB8-9C6B-D6C7DFDC589F}" vid="{4A3C46E8-61CC-4603-A589-7422A47A8E4A}"/>
+      <thm15:themeFamily xmlns="" xmlns:thm15="http://schemas.microsoft.com/office/thememl/2012/main" name="Office Theme" id="{62F939B6-93AF-4DB8-9C6B-D6C7DFDC589F}" vid="{4A3C46E8-61CC-4603-A589-7422A47A8E4A}"/>
     </a:ext>
   </a:extLst>
 </a:theme>
@@ -22727,7 +22727,7 @@
   <a:extraClrSchemeLst/>
   <a:extLst>
     <a:ext uri="{05A4C25C-085E-4340-85A3-A5531E510DB2}">
-      <thm15:themeFamily xmlns:thm15="http://schemas.microsoft.com/office/thememl/2012/main" xmlns="" name="Office Theme" id="{62F939B6-93AF-4DB8-9C6B-D6C7DFDC589F}" vid="{4A3C46E8-61CC-4603-A589-7422A47A8E4A}"/>
+      <thm15:themeFamily xmlns="" xmlns:thm15="http://schemas.microsoft.com/office/thememl/2012/main" name="Office Theme" id="{62F939B6-93AF-4DB8-9C6B-D6C7DFDC589F}" vid="{4A3C46E8-61CC-4603-A589-7422A47A8E4A}"/>
     </a:ext>
   </a:extLst>
 </a:theme>
@@ -22988,7 +22988,7 @@
   <a:extraClrSchemeLst/>
   <a:extLst>
     <a:ext uri="{05A4C25C-085E-4340-85A3-A5531E510DB2}">
-      <thm15:themeFamily xmlns:thm15="http://schemas.microsoft.com/office/thememl/2012/main" xmlns="" name="Office Theme" id="{62F939B6-93AF-4DB8-9C6B-D6C7DFDC589F}" vid="{4A3C46E8-61CC-4603-A589-7422A47A8E4A}"/>
+      <thm15:themeFamily xmlns="" xmlns:thm15="http://schemas.microsoft.com/office/thememl/2012/main" name="Office Theme" id="{62F939B6-93AF-4DB8-9C6B-D6C7DFDC589F}" vid="{4A3C46E8-61CC-4603-A589-7422A47A8E4A}"/>
     </a:ext>
   </a:extLst>
 </a:theme>

--- a/docs/part1ca/01_Introduction/CA_Lecture_01.pptx
+++ b/docs/part1ca/01_Introduction/CA_Lecture_01.pptx
@@ -136,7 +136,7 @@
   </p:defaultTextStyle>
   <p:extLst>
     <p:ext uri="{EFAFB233-063F-42B5-8137-9DF3F51BA10A}">
-      <p15:sldGuideLst xmlns="" xmlns:p15="http://schemas.microsoft.com/office/powerpoint/2012/main">
+      <p15:sldGuideLst xmlns:p15="http://schemas.microsoft.com/office/powerpoint/2012/main" xmlns="">
         <p15:guide id="1" orient="horz" pos="2160">
           <p15:clr>
             <a:srgbClr val="A4A3A4"/>
@@ -150,7 +150,7 @@
       </p15:sldGuideLst>
     </p:ext>
     <p:ext uri="{2D200454-40CA-4A62-9FC3-DE9A4176ACB9}">
-      <p15:notesGuideLst xmlns="" xmlns:p15="http://schemas.microsoft.com/office/powerpoint/2012/main">
+      <p15:notesGuideLst xmlns:p15="http://schemas.microsoft.com/office/powerpoint/2012/main" xmlns="">
         <p15:guide id="1" orient="horz" pos="2880">
           <p15:clr>
             <a:srgbClr val="A4A3A4"/>
@@ -258,7 +258,7 @@
             <a:fld id="{D0106195-8D78-4F6F-B8E4-FA67975ACEF5}" type="datetimeFigureOut">
               <a:rPr lang="ru-RU" smtClean="0"/>
               <a:pPr/>
-              <a:t>23.11.2020</a:t>
+              <a:t>12.01.2021</a:t>
             </a:fld>
             <a:endParaRPr lang="ru-RU"/>
           </a:p>
@@ -334,7 +334,7 @@
     </p:spTree>
     <p:extLst>
       <p:ext uri="{BB962C8B-B14F-4D97-AF65-F5344CB8AC3E}">
-        <p14:creationId xmlns="" xmlns:p14="http://schemas.microsoft.com/office/powerpoint/2010/main" val="827279973"/>
+        <p14:creationId xmlns:p14="http://schemas.microsoft.com/office/powerpoint/2010/main" xmlns="" val="827279973"/>
       </p:ext>
     </p:extLst>
   </p:cSld>
@@ -426,7 +426,7 @@
             <a:fld id="{878212F1-C3D9-4F2B-8F42-5E960FE8BE51}" type="datetimeFigureOut">
               <a:rPr lang="ru-RU" smtClean="0"/>
               <a:pPr/>
-              <a:t>23.11.2020</a:t>
+              <a:t>12.01.2021</a:t>
             </a:fld>
             <a:endParaRPr lang="ru-RU"/>
           </a:p>
@@ -595,7 +595,7 @@
     </p:spTree>
     <p:extLst>
       <p:ext uri="{BB962C8B-B14F-4D97-AF65-F5344CB8AC3E}">
-        <p14:creationId xmlns="" xmlns:p14="http://schemas.microsoft.com/office/powerpoint/2010/main" val="3865021395"/>
+        <p14:creationId xmlns:p14="http://schemas.microsoft.com/office/powerpoint/2010/main" xmlns="" val="3865021395"/>
       </p:ext>
     </p:extLst>
   </p:cSld>
@@ -809,7 +809,7 @@
     </p:spTree>
     <p:extLst>
       <p:ext uri="{BB962C8B-B14F-4D97-AF65-F5344CB8AC3E}">
-        <p14:creationId xmlns="" xmlns:p14="http://schemas.microsoft.com/office/powerpoint/2010/main" val="2381791527"/>
+        <p14:creationId xmlns:p14="http://schemas.microsoft.com/office/powerpoint/2010/main" xmlns="" val="2381791527"/>
       </p:ext>
     </p:extLst>
   </p:cSld>
@@ -932,7 +932,7 @@
     </p:spTree>
     <p:extLst>
       <p:ext uri="{BB962C8B-B14F-4D97-AF65-F5344CB8AC3E}">
-        <p14:creationId xmlns="" xmlns:p14="http://schemas.microsoft.com/office/powerpoint/2010/main" val="1915950851"/>
+        <p14:creationId xmlns:p14="http://schemas.microsoft.com/office/powerpoint/2010/main" xmlns="" val="1915950851"/>
       </p:ext>
     </p:extLst>
   </p:cSld>
@@ -1192,7 +1192,7 @@
     </p:spTree>
     <p:extLst>
       <p:ext uri="{BB962C8B-B14F-4D97-AF65-F5344CB8AC3E}">
-        <p14:creationId xmlns="" xmlns:p14="http://schemas.microsoft.com/office/powerpoint/2010/main" val="322455162"/>
+        <p14:creationId xmlns:p14="http://schemas.microsoft.com/office/powerpoint/2010/main" xmlns="" val="322455162"/>
       </p:ext>
     </p:extLst>
   </p:cSld>
@@ -1366,7 +1366,7 @@
     </p:spTree>
     <p:extLst>
       <p:ext uri="{BB962C8B-B14F-4D97-AF65-F5344CB8AC3E}">
-        <p14:creationId xmlns="" xmlns:p14="http://schemas.microsoft.com/office/powerpoint/2010/main" val="971117636"/>
+        <p14:creationId xmlns:p14="http://schemas.microsoft.com/office/powerpoint/2010/main" xmlns="" val="971117636"/>
       </p:ext>
     </p:extLst>
   </p:cSld>
@@ -1543,7 +1543,7 @@
     </p:spTree>
     <p:extLst>
       <p:ext uri="{BB962C8B-B14F-4D97-AF65-F5344CB8AC3E}">
-        <p14:creationId xmlns="" xmlns:p14="http://schemas.microsoft.com/office/powerpoint/2010/main" val="3348877825"/>
+        <p14:creationId xmlns:p14="http://schemas.microsoft.com/office/powerpoint/2010/main" xmlns="" val="3348877825"/>
       </p:ext>
     </p:extLst>
   </p:cSld>
@@ -1868,7 +1868,7 @@
     </p:spTree>
     <p:extLst>
       <p:ext uri="{BB962C8B-B14F-4D97-AF65-F5344CB8AC3E}">
-        <p14:creationId xmlns="" xmlns:p14="http://schemas.microsoft.com/office/powerpoint/2010/main" val="3256953994"/>
+        <p14:creationId xmlns:p14="http://schemas.microsoft.com/office/powerpoint/2010/main" xmlns="" val="3256953994"/>
       </p:ext>
     </p:extLst>
   </p:cSld>
@@ -2118,7 +2118,7 @@
     </p:spTree>
     <p:extLst>
       <p:ext uri="{BB962C8B-B14F-4D97-AF65-F5344CB8AC3E}">
-        <p14:creationId xmlns="" xmlns:p14="http://schemas.microsoft.com/office/powerpoint/2010/main" val="3067076846"/>
+        <p14:creationId xmlns:p14="http://schemas.microsoft.com/office/powerpoint/2010/main" xmlns="" val="3067076846"/>
       </p:ext>
     </p:extLst>
   </p:cSld>
@@ -2354,7 +2354,7 @@
     </p:spTree>
     <p:extLst>
       <p:ext uri="{BB962C8B-B14F-4D97-AF65-F5344CB8AC3E}">
-        <p14:creationId xmlns="" xmlns:p14="http://schemas.microsoft.com/office/powerpoint/2010/main" val="3710015975"/>
+        <p14:creationId xmlns:p14="http://schemas.microsoft.com/office/powerpoint/2010/main" xmlns="" val="3710015975"/>
       </p:ext>
     </p:extLst>
   </p:cSld>
@@ -2725,7 +2725,7 @@
     </p:spTree>
     <p:extLst>
       <p:ext uri="{BB962C8B-B14F-4D97-AF65-F5344CB8AC3E}">
-        <p14:creationId xmlns="" xmlns:p14="http://schemas.microsoft.com/office/powerpoint/2010/main" val="4075590966"/>
+        <p14:creationId xmlns:p14="http://schemas.microsoft.com/office/powerpoint/2010/main" xmlns="" val="4075590966"/>
       </p:ext>
     </p:extLst>
   </p:cSld>
@@ -2847,7 +2847,7 @@
     </p:spTree>
     <p:extLst>
       <p:ext uri="{BB962C8B-B14F-4D97-AF65-F5344CB8AC3E}">
-        <p14:creationId xmlns="" xmlns:p14="http://schemas.microsoft.com/office/powerpoint/2010/main" val="2889604898"/>
+        <p14:creationId xmlns:p14="http://schemas.microsoft.com/office/powerpoint/2010/main" xmlns="" val="2889604898"/>
       </p:ext>
     </p:extLst>
   </p:cSld>
@@ -2946,7 +2946,7 @@
     </p:spTree>
     <p:extLst>
       <p:ext uri="{BB962C8B-B14F-4D97-AF65-F5344CB8AC3E}">
-        <p14:creationId xmlns="" xmlns:p14="http://schemas.microsoft.com/office/powerpoint/2010/main" val="152384765"/>
+        <p14:creationId xmlns:p14="http://schemas.microsoft.com/office/powerpoint/2010/main" xmlns="" val="152384765"/>
       </p:ext>
     </p:extLst>
   </p:cSld>
@@ -3227,7 +3227,7 @@
     </p:spTree>
     <p:extLst>
       <p:ext uri="{BB962C8B-B14F-4D97-AF65-F5344CB8AC3E}">
-        <p14:creationId xmlns="" xmlns:p14="http://schemas.microsoft.com/office/powerpoint/2010/main" val="2127791886"/>
+        <p14:creationId xmlns:p14="http://schemas.microsoft.com/office/powerpoint/2010/main" xmlns="" val="2127791886"/>
       </p:ext>
     </p:extLst>
   </p:cSld>
@@ -3484,7 +3484,7 @@
     </p:spTree>
     <p:extLst>
       <p:ext uri="{BB962C8B-B14F-4D97-AF65-F5344CB8AC3E}">
-        <p14:creationId xmlns="" xmlns:p14="http://schemas.microsoft.com/office/powerpoint/2010/main" val="1752705130"/>
+        <p14:creationId xmlns:p14="http://schemas.microsoft.com/office/powerpoint/2010/main" xmlns="" val="1752705130"/>
       </p:ext>
     </p:extLst>
   </p:cSld>
@@ -3737,7 +3737,7 @@
     </p:spTree>
     <p:extLst>
       <p:ext uri="{BB962C8B-B14F-4D97-AF65-F5344CB8AC3E}">
-        <p14:creationId xmlns="" xmlns:p14="http://schemas.microsoft.com/office/powerpoint/2010/main" val="968833914"/>
+        <p14:creationId xmlns:p14="http://schemas.microsoft.com/office/powerpoint/2010/main" xmlns="" val="968833914"/>
       </p:ext>
     </p:extLst>
   </p:cSld>
@@ -4214,7 +4214,7 @@
     </p:spTree>
     <p:extLst>
       <p:ext uri="{BB962C8B-B14F-4D97-AF65-F5344CB8AC3E}">
-        <p14:creationId xmlns="" xmlns:p14="http://schemas.microsoft.com/office/powerpoint/2010/main" val="2492894732"/>
+        <p14:creationId xmlns:p14="http://schemas.microsoft.com/office/powerpoint/2010/main" xmlns="" val="2492894732"/>
       </p:ext>
     </p:extLst>
   </p:cSld>
@@ -4258,7 +4258,7 @@
             <p:ph idx="1"/>
             <p:extLst>
               <p:ext uri="{D42A27DB-BD31-4B8C-83A1-F6EECF244321}">
-                <p14:modId xmlns="" xmlns:p14="http://schemas.microsoft.com/office/powerpoint/2010/main" val="2853019934"/>
+                <p14:modId xmlns:p14="http://schemas.microsoft.com/office/powerpoint/2010/main" xmlns="" val="2853019934"/>
               </p:ext>
             </p:extLst>
           </p:nvPr>
@@ -4692,7 +4692,7 @@
         </p:txBody>
       </p:sp>
       <mc:AlternateContent xmlns:mc="http://schemas.openxmlformats.org/markup-compatibility/2006">
-        <mc:Choice xmlns="" xmlns:a14="http://schemas.microsoft.com/office/drawing/2010/main" Requires="a14">
+        <mc:Choice xmlns:a14="http://schemas.microsoft.com/office/drawing/2010/main" xmlns="" Requires="a14">
           <p:sp>
             <p:nvSpPr>
               <p:cNvPr id="6" name="Rectangle 5"/>
@@ -4883,7 +4883,7 @@
     </p:spTree>
     <p:extLst>
       <p:ext uri="{BB962C8B-B14F-4D97-AF65-F5344CB8AC3E}">
-        <p14:creationId xmlns="" xmlns:p14="http://schemas.microsoft.com/office/powerpoint/2010/main" val="1319878854"/>
+        <p14:creationId xmlns:p14="http://schemas.microsoft.com/office/powerpoint/2010/main" xmlns="" val="1319878854"/>
       </p:ext>
     </p:extLst>
   </p:cSld>
@@ -4975,7 +4975,7 @@
             <p:ph idx="1"/>
             <p:extLst>
               <p:ext uri="{D42A27DB-BD31-4B8C-83A1-F6EECF244321}">
-                <p14:modId xmlns="" xmlns:p14="http://schemas.microsoft.com/office/powerpoint/2010/main" val="895195415"/>
+                <p14:modId xmlns:p14="http://schemas.microsoft.com/office/powerpoint/2010/main" xmlns="" val="895195415"/>
               </p:ext>
             </p:extLst>
           </p:nvPr>
@@ -5279,7 +5279,7 @@
     </p:spTree>
     <p:extLst>
       <p:ext uri="{BB962C8B-B14F-4D97-AF65-F5344CB8AC3E}">
-        <p14:creationId xmlns="" xmlns:p14="http://schemas.microsoft.com/office/powerpoint/2010/main" val="1991606056"/>
+        <p14:creationId xmlns:p14="http://schemas.microsoft.com/office/powerpoint/2010/main" xmlns="" val="1991606056"/>
       </p:ext>
     </p:extLst>
   </p:cSld>
@@ -5447,7 +5447,7 @@
           <a:blip r:embed="rId2" cstate="print">
             <a:extLst>
               <a:ext uri="{28A0092B-C50C-407E-A947-70E740481C1C}">
-                <a14:useLocalDpi xmlns="" xmlns:a14="http://schemas.microsoft.com/office/drawing/2010/main" val="0"/>
+                <a14:useLocalDpi xmlns:a14="http://schemas.microsoft.com/office/drawing/2010/main" xmlns="" val="0"/>
               </a:ext>
             </a:extLst>
           </a:blip>
@@ -5467,7 +5467,7 @@
           <a:noFill/>
           <a:extLst>
             <a:ext uri="{909E8E84-426E-40DD-AFC4-6F175D3DCCD1}">
-              <a14:hiddenFill xmlns="" xmlns:a14="http://schemas.microsoft.com/office/drawing/2010/main">
+              <a14:hiddenFill xmlns:a14="http://schemas.microsoft.com/office/drawing/2010/main" xmlns="">
                 <a:solidFill>
                   <a:srgbClr val="FFFFFF"/>
                 </a:solidFill>
@@ -5479,7 +5479,7 @@
     </p:spTree>
     <p:extLst>
       <p:ext uri="{BB962C8B-B14F-4D97-AF65-F5344CB8AC3E}">
-        <p14:creationId xmlns="" xmlns:p14="http://schemas.microsoft.com/office/powerpoint/2010/main" val="1147934676"/>
+        <p14:creationId xmlns:p14="http://schemas.microsoft.com/office/powerpoint/2010/main" xmlns="" val="1147934676"/>
       </p:ext>
     </p:extLst>
   </p:cSld>
@@ -6377,7 +6377,7 @@
           <a:blip r:embed="rId2" cstate="print">
             <a:extLst>
               <a:ext uri="{28A0092B-C50C-407E-A947-70E740481C1C}">
-                <a14:useLocalDpi xmlns="" xmlns:a14="http://schemas.microsoft.com/office/drawing/2010/main" val="0"/>
+                <a14:useLocalDpi xmlns:a14="http://schemas.microsoft.com/office/drawing/2010/main" xmlns="" val="0"/>
               </a:ext>
             </a:extLst>
           </a:blip>
@@ -6397,7 +6397,7 @@
           <a:noFill/>
           <a:extLst>
             <a:ext uri="{909E8E84-426E-40DD-AFC4-6F175D3DCCD1}">
-              <a14:hiddenFill xmlns="" xmlns:a14="http://schemas.microsoft.com/office/drawing/2010/main">
+              <a14:hiddenFill xmlns:a14="http://schemas.microsoft.com/office/drawing/2010/main" xmlns="">
                 <a:solidFill>
                   <a:srgbClr val="FFFFFF"/>
                 </a:solidFill>
@@ -6409,7 +6409,7 @@
     </p:spTree>
     <p:extLst>
       <p:ext uri="{BB962C8B-B14F-4D97-AF65-F5344CB8AC3E}">
-        <p14:creationId xmlns="" xmlns:p14="http://schemas.microsoft.com/office/powerpoint/2010/main" val="2950914556"/>
+        <p14:creationId xmlns:p14="http://schemas.microsoft.com/office/powerpoint/2010/main" xmlns="" val="2950914556"/>
       </p:ext>
     </p:extLst>
   </p:cSld>
@@ -6455,7 +6455,7 @@
           <a:blip r:embed="rId2" cstate="print">
             <a:extLst>
               <a:ext uri="{28A0092B-C50C-407E-A947-70E740481C1C}">
-                <a14:useLocalDpi xmlns="" xmlns:a14="http://schemas.microsoft.com/office/drawing/2010/main" val="0"/>
+                <a14:useLocalDpi xmlns:a14="http://schemas.microsoft.com/office/drawing/2010/main" xmlns="" val="0"/>
               </a:ext>
             </a:extLst>
           </a:blip>
@@ -6475,7 +6475,7 @@
           <a:noFill/>
           <a:extLst>
             <a:ext uri="{909E8E84-426E-40DD-AFC4-6F175D3DCCD1}">
-              <a14:hiddenFill xmlns="" xmlns:a14="http://schemas.microsoft.com/office/drawing/2010/main">
+              <a14:hiddenFill xmlns:a14="http://schemas.microsoft.com/office/drawing/2010/main" xmlns="">
                 <a:solidFill>
                   <a:srgbClr val="FFFFFF"/>
                 </a:solidFill>
@@ -7048,7 +7048,7 @@
     </p:spTree>
     <p:extLst>
       <p:ext uri="{BB962C8B-B14F-4D97-AF65-F5344CB8AC3E}">
-        <p14:creationId xmlns="" xmlns:p14="http://schemas.microsoft.com/office/powerpoint/2010/main" val="4087179089"/>
+        <p14:creationId xmlns:p14="http://schemas.microsoft.com/office/powerpoint/2010/main" xmlns="" val="4087179089"/>
       </p:ext>
     </p:extLst>
   </p:cSld>
@@ -7254,7 +7254,7 @@
           <a:blip r:embed="rId2" cstate="print">
             <a:extLst>
               <a:ext uri="{28A0092B-C50C-407E-A947-70E740481C1C}">
-                <a14:useLocalDpi xmlns="" xmlns:a14="http://schemas.microsoft.com/office/drawing/2010/main" val="0"/>
+                <a14:useLocalDpi xmlns:a14="http://schemas.microsoft.com/office/drawing/2010/main" xmlns="" val="0"/>
               </a:ext>
             </a:extLst>
           </a:blip>
@@ -7274,7 +7274,7 @@
           <a:noFill/>
           <a:extLst>
             <a:ext uri="{909E8E84-426E-40DD-AFC4-6F175D3DCCD1}">
-              <a14:hiddenFill xmlns="" xmlns:a14="http://schemas.microsoft.com/office/drawing/2010/main">
+              <a14:hiddenFill xmlns:a14="http://schemas.microsoft.com/office/drawing/2010/main" xmlns="">
                 <a:solidFill>
                   <a:srgbClr val="FFFFFF"/>
                 </a:solidFill>
@@ -7295,7 +7295,7 @@
           <a:blip r:embed="rId3" cstate="print">
             <a:extLst>
               <a:ext uri="{28A0092B-C50C-407E-A947-70E740481C1C}">
-                <a14:useLocalDpi xmlns="" xmlns:a14="http://schemas.microsoft.com/office/drawing/2010/main" val="0"/>
+                <a14:useLocalDpi xmlns:a14="http://schemas.microsoft.com/office/drawing/2010/main" xmlns="" val="0"/>
               </a:ext>
             </a:extLst>
           </a:blip>
@@ -7315,7 +7315,7 @@
           <a:noFill/>
           <a:extLst>
             <a:ext uri="{909E8E84-426E-40DD-AFC4-6F175D3DCCD1}">
-              <a14:hiddenFill xmlns="" xmlns:a14="http://schemas.microsoft.com/office/drawing/2010/main">
+              <a14:hiddenFill xmlns:a14="http://schemas.microsoft.com/office/drawing/2010/main" xmlns="">
                 <a:solidFill>
                   <a:srgbClr val="FFFFFF"/>
                 </a:solidFill>
@@ -7327,7 +7327,7 @@
     </p:spTree>
     <p:extLst>
       <p:ext uri="{BB962C8B-B14F-4D97-AF65-F5344CB8AC3E}">
-        <p14:creationId xmlns="" xmlns:p14="http://schemas.microsoft.com/office/powerpoint/2010/main" val="4020093932"/>
+        <p14:creationId xmlns:p14="http://schemas.microsoft.com/office/powerpoint/2010/main" xmlns="" val="4020093932"/>
       </p:ext>
     </p:extLst>
   </p:cSld>
@@ -7540,7 +7540,7 @@
           <a:blip r:embed="rId2" cstate="print">
             <a:extLst>
               <a:ext uri="{28A0092B-C50C-407E-A947-70E740481C1C}">
-                <a14:useLocalDpi xmlns="" xmlns:a14="http://schemas.microsoft.com/office/drawing/2010/main" val="0"/>
+                <a14:useLocalDpi xmlns:a14="http://schemas.microsoft.com/office/drawing/2010/main" xmlns="" val="0"/>
               </a:ext>
             </a:extLst>
           </a:blip>
@@ -7563,14 +7563,14 @@
           </a:ln>
           <a:extLst>
             <a:ext uri="{909E8E84-426E-40DD-AFC4-6F175D3DCCD1}">
-              <a14:hiddenFill xmlns="" xmlns:a14="http://schemas.microsoft.com/office/drawing/2010/main">
+              <a14:hiddenFill xmlns:a14="http://schemas.microsoft.com/office/drawing/2010/main" xmlns="">
                 <a:solidFill>
                   <a:srgbClr val="FFFFFF"/>
                 </a:solidFill>
               </a14:hiddenFill>
             </a:ext>
             <a:ext uri="{91240B29-F687-4F45-9708-019B960494DF}">
-              <a14:hiddenLine xmlns="" xmlns:a14="http://schemas.microsoft.com/office/drawing/2010/main" w="9525">
+              <a14:hiddenLine xmlns:a14="http://schemas.microsoft.com/office/drawing/2010/main" xmlns="" w="9525">
                 <a:solidFill>
                   <a:srgbClr val="000000"/>
                 </a:solidFill>
@@ -7585,7 +7585,7 @@
     </p:spTree>
     <p:extLst>
       <p:ext uri="{BB962C8B-B14F-4D97-AF65-F5344CB8AC3E}">
-        <p14:creationId xmlns="" xmlns:p14="http://schemas.microsoft.com/office/powerpoint/2010/main" val="3856844071"/>
+        <p14:creationId xmlns:p14="http://schemas.microsoft.com/office/powerpoint/2010/main" xmlns="" val="3856844071"/>
       </p:ext>
     </p:extLst>
   </p:cSld>
@@ -7631,7 +7631,7 @@
           <a:blip r:embed="rId2" cstate="print">
             <a:extLst>
               <a:ext uri="{28A0092B-C50C-407E-A947-70E740481C1C}">
-                <a14:useLocalDpi xmlns="" xmlns:a14="http://schemas.microsoft.com/office/drawing/2010/main" val="0"/>
+                <a14:useLocalDpi xmlns:a14="http://schemas.microsoft.com/office/drawing/2010/main" xmlns="" val="0"/>
               </a:ext>
             </a:extLst>
           </a:blip>
@@ -7654,14 +7654,14 @@
           </a:ln>
           <a:extLst>
             <a:ext uri="{909E8E84-426E-40DD-AFC4-6F175D3DCCD1}">
-              <a14:hiddenFill xmlns="" xmlns:a14="http://schemas.microsoft.com/office/drawing/2010/main">
+              <a14:hiddenFill xmlns:a14="http://schemas.microsoft.com/office/drawing/2010/main" xmlns="">
                 <a:solidFill>
                   <a:srgbClr val="FFFFFF"/>
                 </a:solidFill>
               </a14:hiddenFill>
             </a:ext>
             <a:ext uri="{91240B29-F687-4F45-9708-019B960494DF}">
-              <a14:hiddenLine xmlns="" xmlns:a14="http://schemas.microsoft.com/office/drawing/2010/main" w="9525">
+              <a14:hiddenLine xmlns:a14="http://schemas.microsoft.com/office/drawing/2010/main" xmlns="" w="9525">
                 <a:solidFill>
                   <a:srgbClr val="000000"/>
                 </a:solidFill>
@@ -8167,7 +8167,7 @@
           <p:nvPr>
             <p:extLst>
               <p:ext uri="{D42A27DB-BD31-4B8C-83A1-F6EECF244321}">
-                <p14:modId xmlns="" xmlns:p14="http://schemas.microsoft.com/office/powerpoint/2010/main" val="1213753623"/>
+                <p14:modId xmlns:p14="http://schemas.microsoft.com/office/powerpoint/2010/main" xmlns="" val="1213753623"/>
               </p:ext>
             </p:extLst>
           </p:nvPr>
@@ -9880,7 +9880,7 @@
     </p:spTree>
     <p:extLst>
       <p:ext uri="{BB962C8B-B14F-4D97-AF65-F5344CB8AC3E}">
-        <p14:creationId xmlns="" xmlns:p14="http://schemas.microsoft.com/office/powerpoint/2010/main" val="1153504515"/>
+        <p14:creationId xmlns:p14="http://schemas.microsoft.com/office/powerpoint/2010/main" xmlns="" val="1153504515"/>
       </p:ext>
     </p:extLst>
   </p:cSld>
@@ -10050,7 +10050,7 @@
     </p:spTree>
     <p:extLst>
       <p:ext uri="{BB962C8B-B14F-4D97-AF65-F5344CB8AC3E}">
-        <p14:creationId xmlns="" xmlns:p14="http://schemas.microsoft.com/office/powerpoint/2010/main" val="664014649"/>
+        <p14:creationId xmlns:p14="http://schemas.microsoft.com/office/powerpoint/2010/main" xmlns="" val="664014649"/>
       </p:ext>
     </p:extLst>
   </p:cSld>
@@ -10644,7 +10644,7 @@
     </p:spTree>
     <p:extLst>
       <p:ext uri="{BB962C8B-B14F-4D97-AF65-F5344CB8AC3E}">
-        <p14:creationId xmlns="" xmlns:p14="http://schemas.microsoft.com/office/powerpoint/2010/main" val="1974197127"/>
+        <p14:creationId xmlns:p14="http://schemas.microsoft.com/office/powerpoint/2010/main" xmlns="" val="1974197127"/>
       </p:ext>
     </p:extLst>
   </p:cSld>
@@ -10738,7 +10738,7 @@
           <a:blip r:embed="rId2" cstate="print">
             <a:extLst>
               <a:ext uri="{28A0092B-C50C-407E-A947-70E740481C1C}">
-                <a14:useLocalDpi xmlns="" xmlns:a14="http://schemas.microsoft.com/office/drawing/2010/main" val="0"/>
+                <a14:useLocalDpi xmlns:a14="http://schemas.microsoft.com/office/drawing/2010/main" xmlns="" val="0"/>
               </a:ext>
             </a:extLst>
           </a:blip>
@@ -10761,14 +10761,14 @@
           </a:ln>
           <a:extLst>
             <a:ext uri="{909E8E84-426E-40DD-AFC4-6F175D3DCCD1}">
-              <a14:hiddenFill xmlns="" xmlns:a14="http://schemas.microsoft.com/office/drawing/2010/main">
+              <a14:hiddenFill xmlns:a14="http://schemas.microsoft.com/office/drawing/2010/main" xmlns="">
                 <a:solidFill>
                   <a:srgbClr val="FFFFFF"/>
                 </a:solidFill>
               </a14:hiddenFill>
             </a:ext>
             <a:ext uri="{91240B29-F687-4F45-9708-019B960494DF}">
-              <a14:hiddenLine xmlns="" xmlns:a14="http://schemas.microsoft.com/office/drawing/2010/main" w="9525">
+              <a14:hiddenLine xmlns:a14="http://schemas.microsoft.com/office/drawing/2010/main" xmlns="" w="9525">
                 <a:solidFill>
                   <a:srgbClr val="000000"/>
                 </a:solidFill>
@@ -10783,7 +10783,7 @@
     </p:spTree>
     <p:extLst>
       <p:ext uri="{BB962C8B-B14F-4D97-AF65-F5344CB8AC3E}">
-        <p14:creationId xmlns="" xmlns:p14="http://schemas.microsoft.com/office/powerpoint/2010/main" val="2270459329"/>
+        <p14:creationId xmlns:p14="http://schemas.microsoft.com/office/powerpoint/2010/main" xmlns="" val="2270459329"/>
       </p:ext>
     </p:extLst>
   </p:cSld>
@@ -10892,7 +10892,7 @@
     </p:spTree>
     <p:extLst>
       <p:ext uri="{BB962C8B-B14F-4D97-AF65-F5344CB8AC3E}">
-        <p14:creationId xmlns="" xmlns:p14="http://schemas.microsoft.com/office/powerpoint/2010/main" val="4095291685"/>
+        <p14:creationId xmlns:p14="http://schemas.microsoft.com/office/powerpoint/2010/main" xmlns="" val="4095291685"/>
       </p:ext>
     </p:extLst>
   </p:cSld>
@@ -11155,7 +11155,7 @@
     </p:spTree>
     <p:extLst>
       <p:ext uri="{BB962C8B-B14F-4D97-AF65-F5344CB8AC3E}">
-        <p14:creationId xmlns="" xmlns:p14="http://schemas.microsoft.com/office/powerpoint/2010/main" val="1324819286"/>
+        <p14:creationId xmlns:p14="http://schemas.microsoft.com/office/powerpoint/2010/main" xmlns="" val="1324819286"/>
       </p:ext>
     </p:extLst>
   </p:cSld>
@@ -11348,14 +11348,14 @@
           <a:effectLst/>
           <a:extLst>
             <a:ext uri="{909E8E84-426E-40DD-AFC4-6F175D3DCCD1}">
-              <a14:hiddenFill xmlns="" xmlns:a14="http://schemas.microsoft.com/office/drawing/2010/main">
+              <a14:hiddenFill xmlns:a14="http://schemas.microsoft.com/office/drawing/2010/main" xmlns="">
                 <a:solidFill>
                   <a:schemeClr val="accent1"/>
                 </a:solidFill>
               </a14:hiddenFill>
             </a:ext>
             <a:ext uri="{91240B29-F687-4F45-9708-019B960494DF}">
-              <a14:hiddenLine xmlns="" xmlns:a14="http://schemas.microsoft.com/office/drawing/2010/main" w="9525">
+              <a14:hiddenLine xmlns:a14="http://schemas.microsoft.com/office/drawing/2010/main" xmlns="" w="9525">
                 <a:solidFill>
                   <a:schemeClr val="tx1"/>
                 </a:solidFill>
@@ -11365,7 +11365,7 @@
               </a14:hiddenLine>
             </a:ext>
             <a:ext uri="{AF507438-7753-43E0-B8FC-AC1667EBCBE1}">
-              <a14:hiddenEffects xmlns="" xmlns:a14="http://schemas.microsoft.com/office/drawing/2010/main">
+              <a14:hiddenEffects xmlns:a14="http://schemas.microsoft.com/office/drawing/2010/main" xmlns="">
                 <a:effectLst>
                   <a:outerShdw dist="35921" dir="2700000" algn="ctr" rotWithShape="0">
                     <a:schemeClr val="bg2"/>
@@ -11473,7 +11473,7 @@
     </p:spTree>
     <p:extLst>
       <p:ext uri="{BB962C8B-B14F-4D97-AF65-F5344CB8AC3E}">
-        <p14:creationId xmlns="" xmlns:p14="http://schemas.microsoft.com/office/powerpoint/2010/main" val="3293126798"/>
+        <p14:creationId xmlns:p14="http://schemas.microsoft.com/office/powerpoint/2010/main" xmlns="" val="3293126798"/>
       </p:ext>
     </p:extLst>
   </p:cSld>
@@ -12054,7 +12054,7 @@
     </p:spTree>
     <p:extLst>
       <p:ext uri="{BB962C8B-B14F-4D97-AF65-F5344CB8AC3E}">
-        <p14:creationId xmlns="" xmlns:p14="http://schemas.microsoft.com/office/powerpoint/2010/main" val="4217875043"/>
+        <p14:creationId xmlns:p14="http://schemas.microsoft.com/office/powerpoint/2010/main" xmlns="" val="4217875043"/>
       </p:ext>
     </p:extLst>
   </p:cSld>
@@ -12096,7 +12096,7 @@
         </p:nvSpPr>
         <p:spPr>
           <a:xfrm>
-            <a:off x="1425038" y="3606430"/>
+            <a:off x="1425038" y="3543370"/>
             <a:ext cx="2422568" cy="629392"/>
           </a:xfrm>
           <a:prstGeom prst="rect">
@@ -12141,13 +12141,13 @@
         </p:nvSpPr>
         <p:spPr>
           <a:xfrm>
-            <a:off x="873826" y="4306135"/>
-            <a:ext cx="10515600" cy="2372746"/>
+            <a:off x="873826" y="4064405"/>
+            <a:ext cx="10515600" cy="560155"/>
           </a:xfrm>
         </p:spPr>
         <p:txBody>
           <a:bodyPr>
-            <a:normAutofit/>
+            <a:normAutofit lnSpcReduction="10000"/>
           </a:bodyPr>
           <a:lstStyle/>
           <a:p>
@@ -12164,16 +12164,6 @@
               <a:buNone/>
             </a:pPr>
             <a:endParaRPr lang="en-US" dirty="0" smtClean="0"/>
-          </a:p>
-          <a:p>
-            <a:pPr>
-              <a:buNone/>
-            </a:pPr>
-            <a:r>
-              <a:rPr lang="en-US" dirty="0" smtClean="0"/>
-              <a:t>TODO</a:t>
-            </a:r>
-            <a:endParaRPr lang="ru-RU" dirty="0"/>
           </a:p>
         </p:txBody>
       </p:sp>
@@ -12241,8 +12231,8 @@
         </p:blipFill>
         <p:spPr>
           <a:xfrm>
-            <a:off x="1613327" y="1483981"/>
-            <a:ext cx="2190750" cy="2190750"/>
+            <a:off x="1613328" y="1452452"/>
+            <a:ext cx="2103120" cy="2103120"/>
           </a:xfrm>
           <a:prstGeom prst="rect">
             <a:avLst/>
@@ -12259,7 +12249,7 @@
         </p:nvSpPr>
         <p:spPr>
           <a:xfrm>
-            <a:off x="848100" y="946768"/>
+            <a:off x="848100" y="925748"/>
             <a:ext cx="10515600" cy="700228"/>
           </a:xfrm>
           <a:prstGeom prst="rect">
@@ -12325,8 +12315,8 @@
         </p:blipFill>
         <p:spPr>
           <a:xfrm>
-            <a:off x="5003800" y="1499040"/>
-            <a:ext cx="2194560" cy="2194560"/>
+            <a:off x="5003801" y="1457001"/>
+            <a:ext cx="2150669" cy="2150669"/>
           </a:xfrm>
           <a:prstGeom prst="rect">
             <a:avLst/>
@@ -12341,7 +12331,7 @@
         </p:nvSpPr>
         <p:spPr>
           <a:xfrm>
-            <a:off x="4866738" y="3619130"/>
+            <a:off x="4866738" y="3566580"/>
             <a:ext cx="2422568" cy="629392"/>
           </a:xfrm>
           <a:prstGeom prst="rect">
@@ -12405,7 +12395,7 @@
         </p:blipFill>
         <p:spPr>
           <a:xfrm>
-            <a:off x="8590332" y="1437036"/>
+            <a:off x="8590332" y="1373976"/>
             <a:ext cx="1579418" cy="2316791"/>
           </a:xfrm>
           <a:prstGeom prst="rect">
@@ -12421,7 +12411,7 @@
         </p:nvSpPr>
         <p:spPr>
           <a:xfrm>
-            <a:off x="8100149" y="3615008"/>
+            <a:off x="8100149" y="3583478"/>
             <a:ext cx="2600797" cy="629392"/>
           </a:xfrm>
           <a:prstGeom prst="rect">
@@ -12468,6 +12458,244 @@
           </a:p>
         </p:txBody>
       </p:sp>
+      <p:sp>
+        <p:nvSpPr>
+          <p:cNvPr id="12" name="TextBox 11"/>
+          <p:cNvSpPr txBox="1"/>
+          <p:nvPr/>
+        </p:nvSpPr>
+        <p:spPr>
+          <a:xfrm>
+            <a:off x="7999263" y="6323327"/>
+            <a:ext cx="2752824" cy="497860"/>
+          </a:xfrm>
+          <a:prstGeom prst="rect">
+            <a:avLst/>
+          </a:prstGeom>
+          <a:solidFill>
+            <a:schemeClr val="bg1"/>
+          </a:solidFill>
+        </p:spPr>
+        <p:txBody>
+          <a:bodyPr wrap="square" lIns="72000" tIns="25200" rIns="0" bIns="25200" rtlCol="0" anchor="ctr" anchorCtr="0">
+            <a:noAutofit/>
+          </a:bodyPr>
+          <a:lstStyle/>
+          <a:p>
+            <a:pPr algn="ctr"/>
+            <a:r>
+              <a:rPr lang="en-US" sz="2400" b="1" dirty="0" err="1" smtClean="0">
+                <a:solidFill>
+                  <a:srgbClr val="1E3272"/>
+                </a:solidFill>
+              </a:rPr>
+              <a:t>Vladislav</a:t>
+            </a:r>
+            <a:r>
+              <a:rPr lang="en-US" sz="2400" b="1" dirty="0" smtClean="0">
+                <a:solidFill>
+                  <a:srgbClr val="1E3272"/>
+                </a:solidFill>
+              </a:rPr>
+              <a:t> </a:t>
+            </a:r>
+            <a:r>
+              <a:rPr lang="en-US" sz="2400" b="1" dirty="0" err="1" smtClean="0">
+                <a:solidFill>
+                  <a:srgbClr val="1E3272"/>
+                </a:solidFill>
+              </a:rPr>
+              <a:t>Abramov</a:t>
+            </a:r>
+            <a:endParaRPr lang="ru-RU" sz="2400" b="1" dirty="0" smtClean="0">
+              <a:solidFill>
+                <a:srgbClr val="1E3272"/>
+              </a:solidFill>
+            </a:endParaRPr>
+          </a:p>
+        </p:txBody>
+      </p:sp>
+      <p:sp>
+        <p:nvSpPr>
+          <p:cNvPr id="15" name="TextBox 14"/>
+          <p:cNvSpPr txBox="1"/>
+          <p:nvPr/>
+        </p:nvSpPr>
+        <p:spPr>
+          <a:xfrm>
+            <a:off x="4725283" y="6349625"/>
+            <a:ext cx="2673997" cy="408521"/>
+          </a:xfrm>
+          <a:prstGeom prst="rect">
+            <a:avLst/>
+          </a:prstGeom>
+          <a:solidFill>
+            <a:schemeClr val="bg1"/>
+          </a:solidFill>
+        </p:spPr>
+        <p:txBody>
+          <a:bodyPr wrap="square" lIns="72000" tIns="25200" rIns="0" bIns="25200" rtlCol="0" anchor="ctr" anchorCtr="0">
+            <a:noAutofit/>
+          </a:bodyPr>
+          <a:lstStyle/>
+          <a:p>
+            <a:pPr algn="ctr"/>
+            <a:r>
+              <a:rPr lang="en-US" sz="2400" b="1" dirty="0" smtClean="0">
+                <a:solidFill>
+                  <a:srgbClr val="1E3272"/>
+                </a:solidFill>
+              </a:rPr>
+              <a:t>Dmitry </a:t>
+            </a:r>
+            <a:r>
+              <a:rPr lang="en-US" sz="2400" b="1" dirty="0" err="1" smtClean="0">
+                <a:solidFill>
+                  <a:srgbClr val="1E3272"/>
+                </a:solidFill>
+              </a:rPr>
+              <a:t>Voronetskiy</a:t>
+            </a:r>
+            <a:endParaRPr lang="ru-RU" sz="2400" b="1" dirty="0" smtClean="0">
+              <a:solidFill>
+                <a:srgbClr val="1E3272"/>
+              </a:solidFill>
+            </a:endParaRPr>
+          </a:p>
+        </p:txBody>
+      </p:sp>
+      <p:sp>
+        <p:nvSpPr>
+          <p:cNvPr id="16" name="TextBox 15"/>
+          <p:cNvSpPr txBox="1"/>
+          <p:nvPr/>
+        </p:nvSpPr>
+        <p:spPr>
+          <a:xfrm>
+            <a:off x="1325199" y="6307530"/>
+            <a:ext cx="2422568" cy="445370"/>
+          </a:xfrm>
+          <a:prstGeom prst="rect">
+            <a:avLst/>
+          </a:prstGeom>
+          <a:solidFill>
+            <a:schemeClr val="bg1"/>
+          </a:solidFill>
+        </p:spPr>
+        <p:txBody>
+          <a:bodyPr wrap="square" lIns="72000" tIns="25200" rIns="0" bIns="25200" rtlCol="0" anchor="ctr" anchorCtr="0">
+            <a:noAutofit/>
+          </a:bodyPr>
+          <a:lstStyle/>
+          <a:p>
+            <a:pPr algn="ctr"/>
+            <a:r>
+              <a:rPr lang="en-US" sz="2400" b="1" dirty="0" err="1" smtClean="0">
+                <a:solidFill>
+                  <a:srgbClr val="1E3272"/>
+                </a:solidFill>
+              </a:rPr>
+              <a:t>Fedor</a:t>
+            </a:r>
+            <a:r>
+              <a:rPr lang="en-US" sz="2400" b="1" dirty="0" smtClean="0">
+                <a:solidFill>
+                  <a:srgbClr val="1E3272"/>
+                </a:solidFill>
+              </a:rPr>
+              <a:t> </a:t>
+            </a:r>
+            <a:r>
+              <a:rPr lang="en-US" sz="2400" b="1" dirty="0" err="1" smtClean="0">
+                <a:solidFill>
+                  <a:srgbClr val="1E3272"/>
+                </a:solidFill>
+              </a:rPr>
+              <a:t>Ushakov</a:t>
+            </a:r>
+            <a:endParaRPr lang="ru-RU" sz="2400" b="1" dirty="0" smtClean="0">
+              <a:solidFill>
+                <a:srgbClr val="1E3272"/>
+              </a:solidFill>
+            </a:endParaRPr>
+          </a:p>
+        </p:txBody>
+      </p:sp>
+      <p:pic>
+        <p:nvPicPr>
+          <p:cNvPr id="17" name="Рисунок 16" descr="2021-01-12 08.19.41.jpg"/>
+          <p:cNvPicPr>
+            <a:picLocks noChangeAspect="1"/>
+          </p:cNvPicPr>
+          <p:nvPr/>
+        </p:nvPicPr>
+        <p:blipFill>
+          <a:blip r:embed="rId5" cstate="print"/>
+          <a:srcRect t="3986"/>
+          <a:stretch>
+            <a:fillRect/>
+          </a:stretch>
+        </p:blipFill>
+        <p:spPr>
+          <a:xfrm>
+            <a:off x="1742085" y="4622259"/>
+            <a:ext cx="1788160" cy="1716866"/>
+          </a:xfrm>
+          <a:prstGeom prst="rect">
+            <a:avLst/>
+          </a:prstGeom>
+        </p:spPr>
+      </p:pic>
+      <p:pic>
+        <p:nvPicPr>
+          <p:cNvPr id="18" name="Рисунок 17" descr="2021-01-12 08.17.54.jpg"/>
+          <p:cNvPicPr>
+            <a:picLocks noChangeAspect="1"/>
+          </p:cNvPicPr>
+          <p:nvPr/>
+        </p:nvPicPr>
+        <p:blipFill>
+          <a:blip r:embed="rId6" cstate="print"/>
+          <a:srcRect t="9744" b="27165"/>
+          <a:stretch>
+            <a:fillRect/>
+          </a:stretch>
+        </p:blipFill>
+        <p:spPr>
+          <a:xfrm>
+            <a:off x="5437688" y="4558960"/>
+            <a:ext cx="1351026" cy="1846093"/>
+          </a:xfrm>
+          <a:prstGeom prst="rect">
+            <a:avLst/>
+          </a:prstGeom>
+        </p:spPr>
+      </p:pic>
+      <p:pic>
+        <p:nvPicPr>
+          <p:cNvPr id="19" name="Рисунок 18" descr="2021-01-12 08.20.07.jpg"/>
+          <p:cNvPicPr>
+            <a:picLocks noChangeAspect="1"/>
+          </p:cNvPicPr>
+          <p:nvPr/>
+        </p:nvPicPr>
+        <p:blipFill>
+          <a:blip r:embed="rId7" cstate="print"/>
+          <a:srcRect l="15502" t="18602" r="16388" b="15945"/>
+          <a:stretch>
+            <a:fillRect/>
+          </a:stretch>
+        </p:blipFill>
+        <p:spPr>
+          <a:xfrm>
+            <a:off x="8463987" y="4586682"/>
+            <a:ext cx="1882242" cy="1808807"/>
+          </a:xfrm>
+          <a:prstGeom prst="rect">
+            <a:avLst/>
+          </a:prstGeom>
+        </p:spPr>
+      </p:pic>
     </p:spTree>
   </p:cSld>
   <p:clrMapOvr>
@@ -12991,7 +13219,7 @@
           <a:effectLst/>
           <a:extLst>
             <a:ext uri="{91240B29-F687-4F45-9708-019B960494DF}">
-              <a14:hiddenLine xmlns="" xmlns:a14="http://schemas.microsoft.com/office/drawing/2010/main" w="9525">
+              <a14:hiddenLine xmlns:a14="http://schemas.microsoft.com/office/drawing/2010/main" xmlns="" w="9525">
                 <a:solidFill>
                   <a:schemeClr val="tx1"/>
                 </a:solidFill>
@@ -13001,7 +13229,7 @@
               </a14:hiddenLine>
             </a:ext>
             <a:ext uri="{AF507438-7753-43E0-B8FC-AC1667EBCBE1}">
-              <a14:hiddenEffects xmlns="" xmlns:a14="http://schemas.microsoft.com/office/drawing/2010/main">
+              <a14:hiddenEffects xmlns:a14="http://schemas.microsoft.com/office/drawing/2010/main" xmlns="">
                 <a:effectLst>
                   <a:outerShdw dist="35921" dir="2700000" algn="ctr" rotWithShape="0">
                     <a:schemeClr val="bg2"/>
@@ -14573,7 +14801,7 @@
           <a:effectLst/>
           <a:extLst>
             <a:ext uri="{91240B29-F687-4F45-9708-019B960494DF}">
-              <a14:hiddenLine xmlns="" xmlns:a14="http://schemas.microsoft.com/office/drawing/2010/main" w="9525">
+              <a14:hiddenLine xmlns:a14="http://schemas.microsoft.com/office/drawing/2010/main" xmlns="" w="9525">
                 <a:solidFill>
                   <a:schemeClr val="tx1"/>
                 </a:solidFill>
@@ -14583,7 +14811,7 @@
               </a14:hiddenLine>
             </a:ext>
             <a:ext uri="{AF507438-7753-43E0-B8FC-AC1667EBCBE1}">
-              <a14:hiddenEffects xmlns="" xmlns:a14="http://schemas.microsoft.com/office/drawing/2010/main">
+              <a14:hiddenEffects xmlns:a14="http://schemas.microsoft.com/office/drawing/2010/main" xmlns="">
                 <a:effectLst>
                   <a:outerShdw dist="35921" dir="2700000" algn="ctr" rotWithShape="0">
                     <a:schemeClr val="bg2"/>
@@ -14632,7 +14860,7 @@
         </p:txBody>
       </p:sp>
       <mc:AlternateContent xmlns:mc="http://schemas.openxmlformats.org/markup-compatibility/2006">
-        <mc:Choice xmlns="" xmlns:a14="http://schemas.microsoft.com/office/drawing/2010/main" Requires="a14">
+        <mc:Choice xmlns:a14="http://schemas.microsoft.com/office/drawing/2010/main" xmlns="" Requires="a14">
           <p:sp>
             <p:nvSpPr>
               <p:cNvPr id="8" name="Содержимое 1"/>
@@ -15111,7 +15339,7 @@
     </p:spTree>
     <p:extLst>
       <p:ext uri="{BB962C8B-B14F-4D97-AF65-F5344CB8AC3E}">
-        <p14:creationId xmlns="" xmlns:p14="http://schemas.microsoft.com/office/powerpoint/2010/main" val="611271091"/>
+        <p14:creationId xmlns:p14="http://schemas.microsoft.com/office/powerpoint/2010/main" xmlns="" val="611271091"/>
       </p:ext>
     </p:extLst>
   </p:cSld>
@@ -15236,7 +15464,7 @@
           <a:effectLst/>
           <a:extLst>
             <a:ext uri="{91240B29-F687-4F45-9708-019B960494DF}">
-              <a14:hiddenLine xmlns="" xmlns:a14="http://schemas.microsoft.com/office/drawing/2010/main" w="9525">
+              <a14:hiddenLine xmlns:a14="http://schemas.microsoft.com/office/drawing/2010/main" xmlns="" w="9525">
                 <a:solidFill>
                   <a:schemeClr val="tx1"/>
                 </a:solidFill>
@@ -15246,7 +15474,7 @@
               </a14:hiddenLine>
             </a:ext>
             <a:ext uri="{AF507438-7753-43E0-B8FC-AC1667EBCBE1}">
-              <a14:hiddenEffects xmlns="" xmlns:a14="http://schemas.microsoft.com/office/drawing/2010/main">
+              <a14:hiddenEffects xmlns:a14="http://schemas.microsoft.com/office/drawing/2010/main" xmlns="">
                 <a:effectLst>
                   <a:outerShdw dist="35921" dir="2700000" algn="ctr" rotWithShape="0">
                     <a:schemeClr val="bg2"/>
@@ -17166,7 +17394,7 @@
         </p:txBody>
       </p:sp>
       <mc:AlternateContent xmlns:mc="http://schemas.openxmlformats.org/markup-compatibility/2006">
-        <mc:Choice xmlns="" xmlns:a14="http://schemas.microsoft.com/office/drawing/2010/main" Requires="a14">
+        <mc:Choice xmlns:a14="http://schemas.microsoft.com/office/drawing/2010/main" xmlns="" Requires="a14">
           <p:sp>
             <p:nvSpPr>
               <p:cNvPr id="6" name="Содержимое 1"/>
@@ -17645,7 +17873,7 @@
     </p:spTree>
     <p:extLst>
       <p:ext uri="{BB962C8B-B14F-4D97-AF65-F5344CB8AC3E}">
-        <p14:creationId xmlns="" xmlns:p14="http://schemas.microsoft.com/office/powerpoint/2010/main" val="476216845"/>
+        <p14:creationId xmlns:p14="http://schemas.microsoft.com/office/powerpoint/2010/main" xmlns="" val="476216845"/>
       </p:ext>
     </p:extLst>
   </p:cSld>
@@ -19643,7 +19871,7 @@
         </p:txBody>
       </p:sp>
       <mc:AlternateContent xmlns:mc="http://schemas.openxmlformats.org/markup-compatibility/2006">
-        <mc:Choice xmlns="" xmlns:a14="http://schemas.microsoft.com/office/drawing/2010/main" Requires="a14">
+        <mc:Choice xmlns:a14="http://schemas.microsoft.com/office/drawing/2010/main" xmlns="" Requires="a14">
           <p:sp>
             <p:nvSpPr>
               <p:cNvPr id="8" name="Содержимое 1"/>
@@ -20137,7 +20365,7 @@
     </p:spTree>
     <p:extLst>
       <p:ext uri="{BB962C8B-B14F-4D97-AF65-F5344CB8AC3E}">
-        <p14:creationId xmlns="" xmlns:p14="http://schemas.microsoft.com/office/powerpoint/2010/main" val="3690992376"/>
+        <p14:creationId xmlns:p14="http://schemas.microsoft.com/office/powerpoint/2010/main" xmlns="" val="3690992376"/>
       </p:ext>
     </p:extLst>
   </p:cSld>
@@ -22174,7 +22402,7 @@
     </p:spTree>
     <p:extLst>
       <p:ext uri="{BB962C8B-B14F-4D97-AF65-F5344CB8AC3E}">
-        <p14:creationId xmlns="" xmlns:p14="http://schemas.microsoft.com/office/powerpoint/2010/main" val="2808821390"/>
+        <p14:creationId xmlns:p14="http://schemas.microsoft.com/office/powerpoint/2010/main" xmlns="" val="2808821390"/>
       </p:ext>
     </p:extLst>
   </p:cSld>
@@ -22466,7 +22694,7 @@
   <a:extraClrSchemeLst/>
   <a:extLst>
     <a:ext uri="{05A4C25C-085E-4340-85A3-A5531E510DB2}">
-      <thm15:themeFamily xmlns="" xmlns:thm15="http://schemas.microsoft.com/office/thememl/2012/main" name="Office Theme" id="{62F939B6-93AF-4DB8-9C6B-D6C7DFDC589F}" vid="{4A3C46E8-61CC-4603-A589-7422A47A8E4A}"/>
+      <thm15:themeFamily xmlns:thm15="http://schemas.microsoft.com/office/thememl/2012/main" xmlns="" name="Office Theme" id="{62F939B6-93AF-4DB8-9C6B-D6C7DFDC589F}" vid="{4A3C46E8-61CC-4603-A589-7422A47A8E4A}"/>
     </a:ext>
   </a:extLst>
 </a:theme>
@@ -22727,7 +22955,7 @@
   <a:extraClrSchemeLst/>
   <a:extLst>
     <a:ext uri="{05A4C25C-085E-4340-85A3-A5531E510DB2}">
-      <thm15:themeFamily xmlns="" xmlns:thm15="http://schemas.microsoft.com/office/thememl/2012/main" name="Office Theme" id="{62F939B6-93AF-4DB8-9C6B-D6C7DFDC589F}" vid="{4A3C46E8-61CC-4603-A589-7422A47A8E4A}"/>
+      <thm15:themeFamily xmlns:thm15="http://schemas.microsoft.com/office/thememl/2012/main" xmlns="" name="Office Theme" id="{62F939B6-93AF-4DB8-9C6B-D6C7DFDC589F}" vid="{4A3C46E8-61CC-4603-A589-7422A47A8E4A}"/>
     </a:ext>
   </a:extLst>
 </a:theme>
@@ -22988,7 +23216,7 @@
   <a:extraClrSchemeLst/>
   <a:extLst>
     <a:ext uri="{05A4C25C-085E-4340-85A3-A5531E510DB2}">
-      <thm15:themeFamily xmlns="" xmlns:thm15="http://schemas.microsoft.com/office/thememl/2012/main" name="Office Theme" id="{62F939B6-93AF-4DB8-9C6B-D6C7DFDC589F}" vid="{4A3C46E8-61CC-4603-A589-7422A47A8E4A}"/>
+      <thm15:themeFamily xmlns:thm15="http://schemas.microsoft.com/office/thememl/2012/main" xmlns="" name="Office Theme" id="{62F939B6-93AF-4DB8-9C6B-D6C7DFDC589F}" vid="{4A3C46E8-61CC-4603-A589-7422A47A8E4A}"/>
     </a:ext>
   </a:extLst>
 </a:theme>

--- a/docs/part1ca/01_Introduction/CA_Lecture_01.pptx
+++ b/docs/part1ca/01_Introduction/CA_Lecture_01.pptx
@@ -136,7 +136,7 @@
   </p:defaultTextStyle>
   <p:extLst>
     <p:ext uri="{EFAFB233-063F-42B5-8137-9DF3F51BA10A}">
-      <p15:sldGuideLst xmlns:p15="http://schemas.microsoft.com/office/powerpoint/2012/main" xmlns="">
+      <p15:sldGuideLst xmlns="" xmlns:p15="http://schemas.microsoft.com/office/powerpoint/2012/main">
         <p15:guide id="1" orient="horz" pos="2160">
           <p15:clr>
             <a:srgbClr val="A4A3A4"/>
@@ -150,7 +150,7 @@
       </p15:sldGuideLst>
     </p:ext>
     <p:ext uri="{2D200454-40CA-4A62-9FC3-DE9A4176ACB9}">
-      <p15:notesGuideLst xmlns:p15="http://schemas.microsoft.com/office/powerpoint/2012/main" xmlns="">
+      <p15:notesGuideLst xmlns="" xmlns:p15="http://schemas.microsoft.com/office/powerpoint/2012/main">
         <p15:guide id="1" orient="horz" pos="2880">
           <p15:clr>
             <a:srgbClr val="A4A3A4"/>
@@ -334,7 +334,7 @@
     </p:spTree>
     <p:extLst>
       <p:ext uri="{BB962C8B-B14F-4D97-AF65-F5344CB8AC3E}">
-        <p14:creationId xmlns:p14="http://schemas.microsoft.com/office/powerpoint/2010/main" xmlns="" val="827279973"/>
+        <p14:creationId xmlns="" xmlns:p14="http://schemas.microsoft.com/office/powerpoint/2010/main" val="827279973"/>
       </p:ext>
     </p:extLst>
   </p:cSld>
@@ -595,7 +595,7 @@
     </p:spTree>
     <p:extLst>
       <p:ext uri="{BB962C8B-B14F-4D97-AF65-F5344CB8AC3E}">
-        <p14:creationId xmlns:p14="http://schemas.microsoft.com/office/powerpoint/2010/main" xmlns="" val="3865021395"/>
+        <p14:creationId xmlns="" xmlns:p14="http://schemas.microsoft.com/office/powerpoint/2010/main" val="3865021395"/>
       </p:ext>
     </p:extLst>
   </p:cSld>
@@ -809,7 +809,7 @@
     </p:spTree>
     <p:extLst>
       <p:ext uri="{BB962C8B-B14F-4D97-AF65-F5344CB8AC3E}">
-        <p14:creationId xmlns:p14="http://schemas.microsoft.com/office/powerpoint/2010/main" xmlns="" val="2381791527"/>
+        <p14:creationId xmlns="" xmlns:p14="http://schemas.microsoft.com/office/powerpoint/2010/main" val="2381791527"/>
       </p:ext>
     </p:extLst>
   </p:cSld>
@@ -932,7 +932,7 @@
     </p:spTree>
     <p:extLst>
       <p:ext uri="{BB962C8B-B14F-4D97-AF65-F5344CB8AC3E}">
-        <p14:creationId xmlns:p14="http://schemas.microsoft.com/office/powerpoint/2010/main" xmlns="" val="1915950851"/>
+        <p14:creationId xmlns="" xmlns:p14="http://schemas.microsoft.com/office/powerpoint/2010/main" val="1915950851"/>
       </p:ext>
     </p:extLst>
   </p:cSld>
@@ -1192,7 +1192,7 @@
     </p:spTree>
     <p:extLst>
       <p:ext uri="{BB962C8B-B14F-4D97-AF65-F5344CB8AC3E}">
-        <p14:creationId xmlns:p14="http://schemas.microsoft.com/office/powerpoint/2010/main" xmlns="" val="322455162"/>
+        <p14:creationId xmlns="" xmlns:p14="http://schemas.microsoft.com/office/powerpoint/2010/main" val="322455162"/>
       </p:ext>
     </p:extLst>
   </p:cSld>
@@ -1366,7 +1366,7 @@
     </p:spTree>
     <p:extLst>
       <p:ext uri="{BB962C8B-B14F-4D97-AF65-F5344CB8AC3E}">
-        <p14:creationId xmlns:p14="http://schemas.microsoft.com/office/powerpoint/2010/main" xmlns="" val="971117636"/>
+        <p14:creationId xmlns="" xmlns:p14="http://schemas.microsoft.com/office/powerpoint/2010/main" val="971117636"/>
       </p:ext>
     </p:extLst>
   </p:cSld>
@@ -1543,7 +1543,7 @@
     </p:spTree>
     <p:extLst>
       <p:ext uri="{BB962C8B-B14F-4D97-AF65-F5344CB8AC3E}">
-        <p14:creationId xmlns:p14="http://schemas.microsoft.com/office/powerpoint/2010/main" xmlns="" val="3348877825"/>
+        <p14:creationId xmlns="" xmlns:p14="http://schemas.microsoft.com/office/powerpoint/2010/main" val="3348877825"/>
       </p:ext>
     </p:extLst>
   </p:cSld>
@@ -1868,7 +1868,7 @@
     </p:spTree>
     <p:extLst>
       <p:ext uri="{BB962C8B-B14F-4D97-AF65-F5344CB8AC3E}">
-        <p14:creationId xmlns:p14="http://schemas.microsoft.com/office/powerpoint/2010/main" xmlns="" val="3256953994"/>
+        <p14:creationId xmlns="" xmlns:p14="http://schemas.microsoft.com/office/powerpoint/2010/main" val="3256953994"/>
       </p:ext>
     </p:extLst>
   </p:cSld>
@@ -2118,7 +2118,7 @@
     </p:spTree>
     <p:extLst>
       <p:ext uri="{BB962C8B-B14F-4D97-AF65-F5344CB8AC3E}">
-        <p14:creationId xmlns:p14="http://schemas.microsoft.com/office/powerpoint/2010/main" xmlns="" val="3067076846"/>
+        <p14:creationId xmlns="" xmlns:p14="http://schemas.microsoft.com/office/powerpoint/2010/main" val="3067076846"/>
       </p:ext>
     </p:extLst>
   </p:cSld>
@@ -2354,7 +2354,7 @@
     </p:spTree>
     <p:extLst>
       <p:ext uri="{BB962C8B-B14F-4D97-AF65-F5344CB8AC3E}">
-        <p14:creationId xmlns:p14="http://schemas.microsoft.com/office/powerpoint/2010/main" xmlns="" val="3710015975"/>
+        <p14:creationId xmlns="" xmlns:p14="http://schemas.microsoft.com/office/powerpoint/2010/main" val="3710015975"/>
       </p:ext>
     </p:extLst>
   </p:cSld>
@@ -2725,7 +2725,7 @@
     </p:spTree>
     <p:extLst>
       <p:ext uri="{BB962C8B-B14F-4D97-AF65-F5344CB8AC3E}">
-        <p14:creationId xmlns:p14="http://schemas.microsoft.com/office/powerpoint/2010/main" xmlns="" val="4075590966"/>
+        <p14:creationId xmlns="" xmlns:p14="http://schemas.microsoft.com/office/powerpoint/2010/main" val="4075590966"/>
       </p:ext>
     </p:extLst>
   </p:cSld>
@@ -2847,7 +2847,7 @@
     </p:spTree>
     <p:extLst>
       <p:ext uri="{BB962C8B-B14F-4D97-AF65-F5344CB8AC3E}">
-        <p14:creationId xmlns:p14="http://schemas.microsoft.com/office/powerpoint/2010/main" xmlns="" val="2889604898"/>
+        <p14:creationId xmlns="" xmlns:p14="http://schemas.microsoft.com/office/powerpoint/2010/main" val="2889604898"/>
       </p:ext>
     </p:extLst>
   </p:cSld>
@@ -2946,7 +2946,7 @@
     </p:spTree>
     <p:extLst>
       <p:ext uri="{BB962C8B-B14F-4D97-AF65-F5344CB8AC3E}">
-        <p14:creationId xmlns:p14="http://schemas.microsoft.com/office/powerpoint/2010/main" xmlns="" val="152384765"/>
+        <p14:creationId xmlns="" xmlns:p14="http://schemas.microsoft.com/office/powerpoint/2010/main" val="152384765"/>
       </p:ext>
     </p:extLst>
   </p:cSld>
@@ -3227,7 +3227,7 @@
     </p:spTree>
     <p:extLst>
       <p:ext uri="{BB962C8B-B14F-4D97-AF65-F5344CB8AC3E}">
-        <p14:creationId xmlns:p14="http://schemas.microsoft.com/office/powerpoint/2010/main" xmlns="" val="2127791886"/>
+        <p14:creationId xmlns="" xmlns:p14="http://schemas.microsoft.com/office/powerpoint/2010/main" val="2127791886"/>
       </p:ext>
     </p:extLst>
   </p:cSld>
@@ -3484,7 +3484,7 @@
     </p:spTree>
     <p:extLst>
       <p:ext uri="{BB962C8B-B14F-4D97-AF65-F5344CB8AC3E}">
-        <p14:creationId xmlns:p14="http://schemas.microsoft.com/office/powerpoint/2010/main" xmlns="" val="1752705130"/>
+        <p14:creationId xmlns="" xmlns:p14="http://schemas.microsoft.com/office/powerpoint/2010/main" val="1752705130"/>
       </p:ext>
     </p:extLst>
   </p:cSld>
@@ -3737,7 +3737,7 @@
     </p:spTree>
     <p:extLst>
       <p:ext uri="{BB962C8B-B14F-4D97-AF65-F5344CB8AC3E}">
-        <p14:creationId xmlns:p14="http://schemas.microsoft.com/office/powerpoint/2010/main" xmlns="" val="968833914"/>
+        <p14:creationId xmlns="" xmlns:p14="http://schemas.microsoft.com/office/powerpoint/2010/main" val="968833914"/>
       </p:ext>
     </p:extLst>
   </p:cSld>
@@ -4214,7 +4214,7 @@
     </p:spTree>
     <p:extLst>
       <p:ext uri="{BB962C8B-B14F-4D97-AF65-F5344CB8AC3E}">
-        <p14:creationId xmlns:p14="http://schemas.microsoft.com/office/powerpoint/2010/main" xmlns="" val="2492894732"/>
+        <p14:creationId xmlns="" xmlns:p14="http://schemas.microsoft.com/office/powerpoint/2010/main" val="2492894732"/>
       </p:ext>
     </p:extLst>
   </p:cSld>
@@ -4258,7 +4258,7 @@
             <p:ph idx="1"/>
             <p:extLst>
               <p:ext uri="{D42A27DB-BD31-4B8C-83A1-F6EECF244321}">
-                <p14:modId xmlns:p14="http://schemas.microsoft.com/office/powerpoint/2010/main" xmlns="" val="2853019934"/>
+                <p14:modId xmlns="" xmlns:p14="http://schemas.microsoft.com/office/powerpoint/2010/main" val="2853019934"/>
               </p:ext>
             </p:extLst>
           </p:nvPr>
@@ -4692,7 +4692,7 @@
         </p:txBody>
       </p:sp>
       <mc:AlternateContent xmlns:mc="http://schemas.openxmlformats.org/markup-compatibility/2006">
-        <mc:Choice xmlns:a14="http://schemas.microsoft.com/office/drawing/2010/main" xmlns="" Requires="a14">
+        <mc:Choice xmlns="" xmlns:a14="http://schemas.microsoft.com/office/drawing/2010/main" Requires="a14">
           <p:sp>
             <p:nvSpPr>
               <p:cNvPr id="6" name="Rectangle 5"/>
@@ -4883,7 +4883,7 @@
     </p:spTree>
     <p:extLst>
       <p:ext uri="{BB962C8B-B14F-4D97-AF65-F5344CB8AC3E}">
-        <p14:creationId xmlns:p14="http://schemas.microsoft.com/office/powerpoint/2010/main" xmlns="" val="1319878854"/>
+        <p14:creationId xmlns="" xmlns:p14="http://schemas.microsoft.com/office/powerpoint/2010/main" val="1319878854"/>
       </p:ext>
     </p:extLst>
   </p:cSld>
@@ -4975,7 +4975,7 @@
             <p:ph idx="1"/>
             <p:extLst>
               <p:ext uri="{D42A27DB-BD31-4B8C-83A1-F6EECF244321}">
-                <p14:modId xmlns:p14="http://schemas.microsoft.com/office/powerpoint/2010/main" xmlns="" val="895195415"/>
+                <p14:modId xmlns="" xmlns:p14="http://schemas.microsoft.com/office/powerpoint/2010/main" val="895195415"/>
               </p:ext>
             </p:extLst>
           </p:nvPr>
@@ -5279,7 +5279,7 @@
     </p:spTree>
     <p:extLst>
       <p:ext uri="{BB962C8B-B14F-4D97-AF65-F5344CB8AC3E}">
-        <p14:creationId xmlns:p14="http://schemas.microsoft.com/office/powerpoint/2010/main" xmlns="" val="1991606056"/>
+        <p14:creationId xmlns="" xmlns:p14="http://schemas.microsoft.com/office/powerpoint/2010/main" val="1991606056"/>
       </p:ext>
     </p:extLst>
   </p:cSld>
@@ -5447,7 +5447,7 @@
           <a:blip r:embed="rId2" cstate="print">
             <a:extLst>
               <a:ext uri="{28A0092B-C50C-407E-A947-70E740481C1C}">
-                <a14:useLocalDpi xmlns:a14="http://schemas.microsoft.com/office/drawing/2010/main" xmlns="" val="0"/>
+                <a14:useLocalDpi xmlns="" xmlns:a14="http://schemas.microsoft.com/office/drawing/2010/main" val="0"/>
               </a:ext>
             </a:extLst>
           </a:blip>
@@ -5467,7 +5467,7 @@
           <a:noFill/>
           <a:extLst>
             <a:ext uri="{909E8E84-426E-40DD-AFC4-6F175D3DCCD1}">
-              <a14:hiddenFill xmlns:a14="http://schemas.microsoft.com/office/drawing/2010/main" xmlns="">
+              <a14:hiddenFill xmlns="" xmlns:a14="http://schemas.microsoft.com/office/drawing/2010/main">
                 <a:solidFill>
                   <a:srgbClr val="FFFFFF"/>
                 </a:solidFill>
@@ -5479,7 +5479,7 @@
     </p:spTree>
     <p:extLst>
       <p:ext uri="{BB962C8B-B14F-4D97-AF65-F5344CB8AC3E}">
-        <p14:creationId xmlns:p14="http://schemas.microsoft.com/office/powerpoint/2010/main" xmlns="" val="1147934676"/>
+        <p14:creationId xmlns="" xmlns:p14="http://schemas.microsoft.com/office/powerpoint/2010/main" val="1147934676"/>
       </p:ext>
     </p:extLst>
   </p:cSld>
@@ -6377,7 +6377,7 @@
           <a:blip r:embed="rId2" cstate="print">
             <a:extLst>
               <a:ext uri="{28A0092B-C50C-407E-A947-70E740481C1C}">
-                <a14:useLocalDpi xmlns:a14="http://schemas.microsoft.com/office/drawing/2010/main" xmlns="" val="0"/>
+                <a14:useLocalDpi xmlns="" xmlns:a14="http://schemas.microsoft.com/office/drawing/2010/main" val="0"/>
               </a:ext>
             </a:extLst>
           </a:blip>
@@ -6397,7 +6397,7 @@
           <a:noFill/>
           <a:extLst>
             <a:ext uri="{909E8E84-426E-40DD-AFC4-6F175D3DCCD1}">
-              <a14:hiddenFill xmlns:a14="http://schemas.microsoft.com/office/drawing/2010/main" xmlns="">
+              <a14:hiddenFill xmlns="" xmlns:a14="http://schemas.microsoft.com/office/drawing/2010/main">
                 <a:solidFill>
                   <a:srgbClr val="FFFFFF"/>
                 </a:solidFill>
@@ -6409,7 +6409,7 @@
     </p:spTree>
     <p:extLst>
       <p:ext uri="{BB962C8B-B14F-4D97-AF65-F5344CB8AC3E}">
-        <p14:creationId xmlns:p14="http://schemas.microsoft.com/office/powerpoint/2010/main" xmlns="" val="2950914556"/>
+        <p14:creationId xmlns="" xmlns:p14="http://schemas.microsoft.com/office/powerpoint/2010/main" val="2950914556"/>
       </p:ext>
     </p:extLst>
   </p:cSld>
@@ -6455,7 +6455,7 @@
           <a:blip r:embed="rId2" cstate="print">
             <a:extLst>
               <a:ext uri="{28A0092B-C50C-407E-A947-70E740481C1C}">
-                <a14:useLocalDpi xmlns:a14="http://schemas.microsoft.com/office/drawing/2010/main" xmlns="" val="0"/>
+                <a14:useLocalDpi xmlns="" xmlns:a14="http://schemas.microsoft.com/office/drawing/2010/main" val="0"/>
               </a:ext>
             </a:extLst>
           </a:blip>
@@ -6475,7 +6475,7 @@
           <a:noFill/>
           <a:extLst>
             <a:ext uri="{909E8E84-426E-40DD-AFC4-6F175D3DCCD1}">
-              <a14:hiddenFill xmlns:a14="http://schemas.microsoft.com/office/drawing/2010/main" xmlns="">
+              <a14:hiddenFill xmlns="" xmlns:a14="http://schemas.microsoft.com/office/drawing/2010/main">
                 <a:solidFill>
                   <a:srgbClr val="FFFFFF"/>
                 </a:solidFill>
@@ -7048,7 +7048,7 @@
     </p:spTree>
     <p:extLst>
       <p:ext uri="{BB962C8B-B14F-4D97-AF65-F5344CB8AC3E}">
-        <p14:creationId xmlns:p14="http://schemas.microsoft.com/office/powerpoint/2010/main" xmlns="" val="4087179089"/>
+        <p14:creationId xmlns="" xmlns:p14="http://schemas.microsoft.com/office/powerpoint/2010/main" val="4087179089"/>
       </p:ext>
     </p:extLst>
   </p:cSld>
@@ -7254,7 +7254,7 @@
           <a:blip r:embed="rId2" cstate="print">
             <a:extLst>
               <a:ext uri="{28A0092B-C50C-407E-A947-70E740481C1C}">
-                <a14:useLocalDpi xmlns:a14="http://schemas.microsoft.com/office/drawing/2010/main" xmlns="" val="0"/>
+                <a14:useLocalDpi xmlns="" xmlns:a14="http://schemas.microsoft.com/office/drawing/2010/main" val="0"/>
               </a:ext>
             </a:extLst>
           </a:blip>
@@ -7274,7 +7274,7 @@
           <a:noFill/>
           <a:extLst>
             <a:ext uri="{909E8E84-426E-40DD-AFC4-6F175D3DCCD1}">
-              <a14:hiddenFill xmlns:a14="http://schemas.microsoft.com/office/drawing/2010/main" xmlns="">
+              <a14:hiddenFill xmlns="" xmlns:a14="http://schemas.microsoft.com/office/drawing/2010/main">
                 <a:solidFill>
                   <a:srgbClr val="FFFFFF"/>
                 </a:solidFill>
@@ -7295,7 +7295,7 @@
           <a:blip r:embed="rId3" cstate="print">
             <a:extLst>
               <a:ext uri="{28A0092B-C50C-407E-A947-70E740481C1C}">
-                <a14:useLocalDpi xmlns:a14="http://schemas.microsoft.com/office/drawing/2010/main" xmlns="" val="0"/>
+                <a14:useLocalDpi xmlns="" xmlns:a14="http://schemas.microsoft.com/office/drawing/2010/main" val="0"/>
               </a:ext>
             </a:extLst>
           </a:blip>
@@ -7315,7 +7315,7 @@
           <a:noFill/>
           <a:extLst>
             <a:ext uri="{909E8E84-426E-40DD-AFC4-6F175D3DCCD1}">
-              <a14:hiddenFill xmlns:a14="http://schemas.microsoft.com/office/drawing/2010/main" xmlns="">
+              <a14:hiddenFill xmlns="" xmlns:a14="http://schemas.microsoft.com/office/drawing/2010/main">
                 <a:solidFill>
                   <a:srgbClr val="FFFFFF"/>
                 </a:solidFill>
@@ -7327,7 +7327,7 @@
     </p:spTree>
     <p:extLst>
       <p:ext uri="{BB962C8B-B14F-4D97-AF65-F5344CB8AC3E}">
-        <p14:creationId xmlns:p14="http://schemas.microsoft.com/office/powerpoint/2010/main" xmlns="" val="4020093932"/>
+        <p14:creationId xmlns="" xmlns:p14="http://schemas.microsoft.com/office/powerpoint/2010/main" val="4020093932"/>
       </p:ext>
     </p:extLst>
   </p:cSld>
@@ -7540,7 +7540,7 @@
           <a:blip r:embed="rId2" cstate="print">
             <a:extLst>
               <a:ext uri="{28A0092B-C50C-407E-A947-70E740481C1C}">
-                <a14:useLocalDpi xmlns:a14="http://schemas.microsoft.com/office/drawing/2010/main" xmlns="" val="0"/>
+                <a14:useLocalDpi xmlns="" xmlns:a14="http://schemas.microsoft.com/office/drawing/2010/main" val="0"/>
               </a:ext>
             </a:extLst>
           </a:blip>
@@ -7563,14 +7563,14 @@
           </a:ln>
           <a:extLst>
             <a:ext uri="{909E8E84-426E-40DD-AFC4-6F175D3DCCD1}">
-              <a14:hiddenFill xmlns:a14="http://schemas.microsoft.com/office/drawing/2010/main" xmlns="">
+              <a14:hiddenFill xmlns="" xmlns:a14="http://schemas.microsoft.com/office/drawing/2010/main">
                 <a:solidFill>
                   <a:srgbClr val="FFFFFF"/>
                 </a:solidFill>
               </a14:hiddenFill>
             </a:ext>
             <a:ext uri="{91240B29-F687-4F45-9708-019B960494DF}">
-              <a14:hiddenLine xmlns:a14="http://schemas.microsoft.com/office/drawing/2010/main" xmlns="" w="9525">
+              <a14:hiddenLine xmlns="" xmlns:a14="http://schemas.microsoft.com/office/drawing/2010/main" w="9525">
                 <a:solidFill>
                   <a:srgbClr val="000000"/>
                 </a:solidFill>
@@ -7585,7 +7585,7 @@
     </p:spTree>
     <p:extLst>
       <p:ext uri="{BB962C8B-B14F-4D97-AF65-F5344CB8AC3E}">
-        <p14:creationId xmlns:p14="http://schemas.microsoft.com/office/powerpoint/2010/main" xmlns="" val="3856844071"/>
+        <p14:creationId xmlns="" xmlns:p14="http://schemas.microsoft.com/office/powerpoint/2010/main" val="3856844071"/>
       </p:ext>
     </p:extLst>
   </p:cSld>
@@ -7631,7 +7631,7 @@
           <a:blip r:embed="rId2" cstate="print">
             <a:extLst>
               <a:ext uri="{28A0092B-C50C-407E-A947-70E740481C1C}">
-                <a14:useLocalDpi xmlns:a14="http://schemas.microsoft.com/office/drawing/2010/main" xmlns="" val="0"/>
+                <a14:useLocalDpi xmlns="" xmlns:a14="http://schemas.microsoft.com/office/drawing/2010/main" val="0"/>
               </a:ext>
             </a:extLst>
           </a:blip>
@@ -7654,14 +7654,14 @@
           </a:ln>
           <a:extLst>
             <a:ext uri="{909E8E84-426E-40DD-AFC4-6F175D3DCCD1}">
-              <a14:hiddenFill xmlns:a14="http://schemas.microsoft.com/office/drawing/2010/main" xmlns="">
+              <a14:hiddenFill xmlns="" xmlns:a14="http://schemas.microsoft.com/office/drawing/2010/main">
                 <a:solidFill>
                   <a:srgbClr val="FFFFFF"/>
                 </a:solidFill>
               </a14:hiddenFill>
             </a:ext>
             <a:ext uri="{91240B29-F687-4F45-9708-019B960494DF}">
-              <a14:hiddenLine xmlns:a14="http://schemas.microsoft.com/office/drawing/2010/main" xmlns="" w="9525">
+              <a14:hiddenLine xmlns="" xmlns:a14="http://schemas.microsoft.com/office/drawing/2010/main" w="9525">
                 <a:solidFill>
                   <a:srgbClr val="000000"/>
                 </a:solidFill>
@@ -8167,7 +8167,7 @@
           <p:nvPr>
             <p:extLst>
               <p:ext uri="{D42A27DB-BD31-4B8C-83A1-F6EECF244321}">
-                <p14:modId xmlns:p14="http://schemas.microsoft.com/office/powerpoint/2010/main" xmlns="" val="1213753623"/>
+                <p14:modId xmlns="" xmlns:p14="http://schemas.microsoft.com/office/powerpoint/2010/main" val="1213753623"/>
               </p:ext>
             </p:extLst>
           </p:nvPr>
@@ -9880,7 +9880,7 @@
     </p:spTree>
     <p:extLst>
       <p:ext uri="{BB962C8B-B14F-4D97-AF65-F5344CB8AC3E}">
-        <p14:creationId xmlns:p14="http://schemas.microsoft.com/office/powerpoint/2010/main" xmlns="" val="1153504515"/>
+        <p14:creationId xmlns="" xmlns:p14="http://schemas.microsoft.com/office/powerpoint/2010/main" val="1153504515"/>
       </p:ext>
     </p:extLst>
   </p:cSld>
@@ -10050,7 +10050,7 @@
     </p:spTree>
     <p:extLst>
       <p:ext uri="{BB962C8B-B14F-4D97-AF65-F5344CB8AC3E}">
-        <p14:creationId xmlns:p14="http://schemas.microsoft.com/office/powerpoint/2010/main" xmlns="" val="664014649"/>
+        <p14:creationId xmlns="" xmlns:p14="http://schemas.microsoft.com/office/powerpoint/2010/main" val="664014649"/>
       </p:ext>
     </p:extLst>
   </p:cSld>
@@ -10644,7 +10644,7 @@
     </p:spTree>
     <p:extLst>
       <p:ext uri="{BB962C8B-B14F-4D97-AF65-F5344CB8AC3E}">
-        <p14:creationId xmlns:p14="http://schemas.microsoft.com/office/powerpoint/2010/main" xmlns="" val="1974197127"/>
+        <p14:creationId xmlns="" xmlns:p14="http://schemas.microsoft.com/office/powerpoint/2010/main" val="1974197127"/>
       </p:ext>
     </p:extLst>
   </p:cSld>
@@ -10738,7 +10738,7 @@
           <a:blip r:embed="rId2" cstate="print">
             <a:extLst>
               <a:ext uri="{28A0092B-C50C-407E-A947-70E740481C1C}">
-                <a14:useLocalDpi xmlns:a14="http://schemas.microsoft.com/office/drawing/2010/main" xmlns="" val="0"/>
+                <a14:useLocalDpi xmlns="" xmlns:a14="http://schemas.microsoft.com/office/drawing/2010/main" val="0"/>
               </a:ext>
             </a:extLst>
           </a:blip>
@@ -10761,14 +10761,14 @@
           </a:ln>
           <a:extLst>
             <a:ext uri="{909E8E84-426E-40DD-AFC4-6F175D3DCCD1}">
-              <a14:hiddenFill xmlns:a14="http://schemas.microsoft.com/office/drawing/2010/main" xmlns="">
+              <a14:hiddenFill xmlns="" xmlns:a14="http://schemas.microsoft.com/office/drawing/2010/main">
                 <a:solidFill>
                   <a:srgbClr val="FFFFFF"/>
                 </a:solidFill>
               </a14:hiddenFill>
             </a:ext>
             <a:ext uri="{91240B29-F687-4F45-9708-019B960494DF}">
-              <a14:hiddenLine xmlns:a14="http://schemas.microsoft.com/office/drawing/2010/main" xmlns="" w="9525">
+              <a14:hiddenLine xmlns="" xmlns:a14="http://schemas.microsoft.com/office/drawing/2010/main" w="9525">
                 <a:solidFill>
                   <a:srgbClr val="000000"/>
                 </a:solidFill>
@@ -10783,7 +10783,7 @@
     </p:spTree>
     <p:extLst>
       <p:ext uri="{BB962C8B-B14F-4D97-AF65-F5344CB8AC3E}">
-        <p14:creationId xmlns:p14="http://schemas.microsoft.com/office/powerpoint/2010/main" xmlns="" val="2270459329"/>
+        <p14:creationId xmlns="" xmlns:p14="http://schemas.microsoft.com/office/powerpoint/2010/main" val="2270459329"/>
       </p:ext>
     </p:extLst>
   </p:cSld>
@@ -10892,7 +10892,7 @@
     </p:spTree>
     <p:extLst>
       <p:ext uri="{BB962C8B-B14F-4D97-AF65-F5344CB8AC3E}">
-        <p14:creationId xmlns:p14="http://schemas.microsoft.com/office/powerpoint/2010/main" xmlns="" val="4095291685"/>
+        <p14:creationId xmlns="" xmlns:p14="http://schemas.microsoft.com/office/powerpoint/2010/main" val="4095291685"/>
       </p:ext>
     </p:extLst>
   </p:cSld>
@@ -11155,7 +11155,7 @@
     </p:spTree>
     <p:extLst>
       <p:ext uri="{BB962C8B-B14F-4D97-AF65-F5344CB8AC3E}">
-        <p14:creationId xmlns:p14="http://schemas.microsoft.com/office/powerpoint/2010/main" xmlns="" val="1324819286"/>
+        <p14:creationId xmlns="" xmlns:p14="http://schemas.microsoft.com/office/powerpoint/2010/main" val="1324819286"/>
       </p:ext>
     </p:extLst>
   </p:cSld>
@@ -11348,14 +11348,14 @@
           <a:effectLst/>
           <a:extLst>
             <a:ext uri="{909E8E84-426E-40DD-AFC4-6F175D3DCCD1}">
-              <a14:hiddenFill xmlns:a14="http://schemas.microsoft.com/office/drawing/2010/main" xmlns="">
+              <a14:hiddenFill xmlns="" xmlns:a14="http://schemas.microsoft.com/office/drawing/2010/main">
                 <a:solidFill>
                   <a:schemeClr val="accent1"/>
                 </a:solidFill>
               </a14:hiddenFill>
             </a:ext>
             <a:ext uri="{91240B29-F687-4F45-9708-019B960494DF}">
-              <a14:hiddenLine xmlns:a14="http://schemas.microsoft.com/office/drawing/2010/main" xmlns="" w="9525">
+              <a14:hiddenLine xmlns="" xmlns:a14="http://schemas.microsoft.com/office/drawing/2010/main" w="9525">
                 <a:solidFill>
                   <a:schemeClr val="tx1"/>
                 </a:solidFill>
@@ -11365,7 +11365,7 @@
               </a14:hiddenLine>
             </a:ext>
             <a:ext uri="{AF507438-7753-43E0-B8FC-AC1667EBCBE1}">
-              <a14:hiddenEffects xmlns:a14="http://schemas.microsoft.com/office/drawing/2010/main" xmlns="">
+              <a14:hiddenEffects xmlns="" xmlns:a14="http://schemas.microsoft.com/office/drawing/2010/main">
                 <a:effectLst>
                   <a:outerShdw dist="35921" dir="2700000" algn="ctr" rotWithShape="0">
                     <a:schemeClr val="bg2"/>
@@ -11473,7 +11473,7 @@
     </p:spTree>
     <p:extLst>
       <p:ext uri="{BB962C8B-B14F-4D97-AF65-F5344CB8AC3E}">
-        <p14:creationId xmlns:p14="http://schemas.microsoft.com/office/powerpoint/2010/main" xmlns="" val="3293126798"/>
+        <p14:creationId xmlns="" xmlns:p14="http://schemas.microsoft.com/office/powerpoint/2010/main" val="3293126798"/>
       </p:ext>
     </p:extLst>
   </p:cSld>
@@ -12054,7 +12054,7 @@
     </p:spTree>
     <p:extLst>
       <p:ext uri="{BB962C8B-B14F-4D97-AF65-F5344CB8AC3E}">
-        <p14:creationId xmlns:p14="http://schemas.microsoft.com/office/powerpoint/2010/main" xmlns="" val="4217875043"/>
+        <p14:creationId xmlns="" xmlns:p14="http://schemas.microsoft.com/office/powerpoint/2010/main" val="4217875043"/>
       </p:ext>
     </p:extLst>
   </p:cSld>
@@ -13219,7 +13219,7 @@
           <a:effectLst/>
           <a:extLst>
             <a:ext uri="{91240B29-F687-4F45-9708-019B960494DF}">
-              <a14:hiddenLine xmlns:a14="http://schemas.microsoft.com/office/drawing/2010/main" xmlns="" w="9525">
+              <a14:hiddenLine xmlns="" xmlns:a14="http://schemas.microsoft.com/office/drawing/2010/main" w="9525">
                 <a:solidFill>
                   <a:schemeClr val="tx1"/>
                 </a:solidFill>
@@ -13229,7 +13229,7 @@
               </a14:hiddenLine>
             </a:ext>
             <a:ext uri="{AF507438-7753-43E0-B8FC-AC1667EBCBE1}">
-              <a14:hiddenEffects xmlns:a14="http://schemas.microsoft.com/office/drawing/2010/main" xmlns="">
+              <a14:hiddenEffects xmlns="" xmlns:a14="http://schemas.microsoft.com/office/drawing/2010/main">
                 <a:effectLst>
                   <a:outerShdw dist="35921" dir="2700000" algn="ctr" rotWithShape="0">
                     <a:schemeClr val="bg2"/>
@@ -14801,7 +14801,7 @@
           <a:effectLst/>
           <a:extLst>
             <a:ext uri="{91240B29-F687-4F45-9708-019B960494DF}">
-              <a14:hiddenLine xmlns:a14="http://schemas.microsoft.com/office/drawing/2010/main" xmlns="" w="9525">
+              <a14:hiddenLine xmlns="" xmlns:a14="http://schemas.microsoft.com/office/drawing/2010/main" w="9525">
                 <a:solidFill>
                   <a:schemeClr val="tx1"/>
                 </a:solidFill>
@@ -14811,7 +14811,7 @@
               </a14:hiddenLine>
             </a:ext>
             <a:ext uri="{AF507438-7753-43E0-B8FC-AC1667EBCBE1}">
-              <a14:hiddenEffects xmlns:a14="http://schemas.microsoft.com/office/drawing/2010/main" xmlns="">
+              <a14:hiddenEffects xmlns="" xmlns:a14="http://schemas.microsoft.com/office/drawing/2010/main">
                 <a:effectLst>
                   <a:outerShdw dist="35921" dir="2700000" algn="ctr" rotWithShape="0">
                     <a:schemeClr val="bg2"/>
@@ -14860,7 +14860,7 @@
         </p:txBody>
       </p:sp>
       <mc:AlternateContent xmlns:mc="http://schemas.openxmlformats.org/markup-compatibility/2006">
-        <mc:Choice xmlns:a14="http://schemas.microsoft.com/office/drawing/2010/main" xmlns="" Requires="a14">
+        <mc:Choice xmlns="" xmlns:a14="http://schemas.microsoft.com/office/drawing/2010/main" Requires="a14">
           <p:sp>
             <p:nvSpPr>
               <p:cNvPr id="8" name="Содержимое 1"/>
@@ -15339,7 +15339,7 @@
     </p:spTree>
     <p:extLst>
       <p:ext uri="{BB962C8B-B14F-4D97-AF65-F5344CB8AC3E}">
-        <p14:creationId xmlns:p14="http://schemas.microsoft.com/office/powerpoint/2010/main" xmlns="" val="611271091"/>
+        <p14:creationId xmlns="" xmlns:p14="http://schemas.microsoft.com/office/powerpoint/2010/main" val="611271091"/>
       </p:ext>
     </p:extLst>
   </p:cSld>
@@ -15464,7 +15464,7 @@
           <a:effectLst/>
           <a:extLst>
             <a:ext uri="{91240B29-F687-4F45-9708-019B960494DF}">
-              <a14:hiddenLine xmlns:a14="http://schemas.microsoft.com/office/drawing/2010/main" xmlns="" w="9525">
+              <a14:hiddenLine xmlns="" xmlns:a14="http://schemas.microsoft.com/office/drawing/2010/main" w="9525">
                 <a:solidFill>
                   <a:schemeClr val="tx1"/>
                 </a:solidFill>
@@ -15474,7 +15474,7 @@
               </a14:hiddenLine>
             </a:ext>
             <a:ext uri="{AF507438-7753-43E0-B8FC-AC1667EBCBE1}">
-              <a14:hiddenEffects xmlns:a14="http://schemas.microsoft.com/office/drawing/2010/main" xmlns="">
+              <a14:hiddenEffects xmlns="" xmlns:a14="http://schemas.microsoft.com/office/drawing/2010/main">
                 <a:effectLst>
                   <a:outerShdw dist="35921" dir="2700000" algn="ctr" rotWithShape="0">
                     <a:schemeClr val="bg2"/>
@@ -17394,7 +17394,7 @@
         </p:txBody>
       </p:sp>
       <mc:AlternateContent xmlns:mc="http://schemas.openxmlformats.org/markup-compatibility/2006">
-        <mc:Choice xmlns:a14="http://schemas.microsoft.com/office/drawing/2010/main" xmlns="" Requires="a14">
+        <mc:Choice xmlns="" xmlns:a14="http://schemas.microsoft.com/office/drawing/2010/main" Requires="a14">
           <p:sp>
             <p:nvSpPr>
               <p:cNvPr id="6" name="Содержимое 1"/>
@@ -17873,7 +17873,7 @@
     </p:spTree>
     <p:extLst>
       <p:ext uri="{BB962C8B-B14F-4D97-AF65-F5344CB8AC3E}">
-        <p14:creationId xmlns:p14="http://schemas.microsoft.com/office/powerpoint/2010/main" xmlns="" val="476216845"/>
+        <p14:creationId xmlns="" xmlns:p14="http://schemas.microsoft.com/office/powerpoint/2010/main" val="476216845"/>
       </p:ext>
     </p:extLst>
   </p:cSld>
@@ -19871,7 +19871,7 @@
         </p:txBody>
       </p:sp>
       <mc:AlternateContent xmlns:mc="http://schemas.openxmlformats.org/markup-compatibility/2006">
-        <mc:Choice xmlns:a14="http://schemas.microsoft.com/office/drawing/2010/main" xmlns="" Requires="a14">
+        <mc:Choice xmlns="" xmlns:a14="http://schemas.microsoft.com/office/drawing/2010/main" Requires="a14">
           <p:sp>
             <p:nvSpPr>
               <p:cNvPr id="8" name="Содержимое 1"/>
@@ -20365,7 +20365,7 @@
     </p:spTree>
     <p:extLst>
       <p:ext uri="{BB962C8B-B14F-4D97-AF65-F5344CB8AC3E}">
-        <p14:creationId xmlns:p14="http://schemas.microsoft.com/office/powerpoint/2010/main" xmlns="" val="3690992376"/>
+        <p14:creationId xmlns="" xmlns:p14="http://schemas.microsoft.com/office/powerpoint/2010/main" val="3690992376"/>
       </p:ext>
     </p:extLst>
   </p:cSld>
@@ -20533,16 +20533,32 @@
           <a:lstStyle/>
           <a:p>
             <a:r>
-              <a:rPr lang="en-US" altLang="en-US" sz="3200" b="1" smtClean="0">
+              <a:rPr lang="en-US" altLang="en-US" sz="3200" b="1" dirty="0" smtClean="0">
                 <a:solidFill>
                   <a:srgbClr val="000080"/>
                 </a:solidFill>
               </a:rPr>
-              <a:t>Loop order: i, j, k</a:t>
-            </a:r>
-          </a:p>
-          <a:p>
-            <a:endParaRPr lang="en-US" altLang="en-US" b="1">
+              <a:t>Loop order: </a:t>
+            </a:r>
+            <a:r>
+              <a:rPr lang="en-US" altLang="en-US" sz="3200" b="1" dirty="0" err="1" smtClean="0">
+                <a:solidFill>
+                  <a:srgbClr val="000080"/>
+                </a:solidFill>
+              </a:rPr>
+              <a:t>i</a:t>
+            </a:r>
+            <a:r>
+              <a:rPr lang="en-US" altLang="en-US" sz="3200" b="1" dirty="0" smtClean="0">
+                <a:solidFill>
+                  <a:srgbClr val="000080"/>
+                </a:solidFill>
+              </a:rPr>
+              <a:t>, j, k</a:t>
+            </a:r>
+          </a:p>
+          <a:p>
+            <a:endParaRPr lang="en-US" altLang="en-US" b="1" dirty="0">
               <a:solidFill>
                 <a:srgbClr val="000080"/>
               </a:solidFill>
@@ -20551,7 +20567,7 @@
           </a:p>
           <a:p>
             <a:r>
-              <a:rPr lang="en-US" altLang="en-US" sz="1600" b="1" smtClean="0">
+              <a:rPr lang="en-US" altLang="en-US" sz="1600" b="1" dirty="0" smtClean="0">
                 <a:solidFill>
                   <a:srgbClr val="000080"/>
                 </a:solidFill>
@@ -20560,7 +20576,7 @@
               <a:t>for </a:t>
             </a:r>
             <a:r>
-              <a:rPr lang="en-US" altLang="en-US" sz="1600">
+              <a:rPr lang="en-US" altLang="en-US" sz="1600" dirty="0">
                 <a:solidFill>
                   <a:srgbClr val="000000"/>
                 </a:solidFill>
@@ -20569,25 +20585,43 @@
               <a:t>(</a:t>
             </a:r>
             <a:r>
-              <a:rPr lang="en-US" altLang="en-US" sz="1600" b="1">
+              <a:rPr lang="en-US" altLang="en-US" sz="1600" b="1" dirty="0" err="1">
                 <a:solidFill>
                   <a:srgbClr val="000080"/>
                 </a:solidFill>
                 <a:latin typeface="Consolas" panose="020B0609020204030204" pitchFamily="49" charset="0"/>
               </a:rPr>
-              <a:t>int </a:t>
-            </a:r>
-            <a:r>
-              <a:rPr lang="en-US" altLang="en-US" sz="1600" smtClean="0">
-                <a:solidFill>
-                  <a:srgbClr val="000000"/>
-                </a:solidFill>
-                <a:latin typeface="Consolas" panose="020B0609020204030204" pitchFamily="49" charset="0"/>
-              </a:rPr>
-              <a:t>i= </a:t>
-            </a:r>
-            <a:r>
-              <a:rPr lang="en-US" altLang="en-US" sz="1600">
+              <a:t>int</a:t>
+            </a:r>
+            <a:r>
+              <a:rPr lang="en-US" altLang="en-US" sz="1600" b="1" dirty="0">
+                <a:solidFill>
+                  <a:srgbClr val="000080"/>
+                </a:solidFill>
+                <a:latin typeface="Consolas" panose="020B0609020204030204" pitchFamily="49" charset="0"/>
+              </a:rPr>
+              <a:t> </a:t>
+            </a:r>
+            <a:r>
+              <a:rPr lang="en-US" altLang="en-US" sz="1600" dirty="0" err="1" smtClean="0">
+                <a:solidFill>
+                  <a:srgbClr val="000000"/>
+                </a:solidFill>
+                <a:latin typeface="Consolas" panose="020B0609020204030204" pitchFamily="49" charset="0"/>
+              </a:rPr>
+              <a:t>i</a:t>
+            </a:r>
+            <a:r>
+              <a:rPr lang="en-US" altLang="en-US" sz="1600" dirty="0" smtClean="0">
+                <a:solidFill>
+                  <a:srgbClr val="000000"/>
+                </a:solidFill>
+                <a:latin typeface="Consolas" panose="020B0609020204030204" pitchFamily="49" charset="0"/>
+              </a:rPr>
+              <a:t>= </a:t>
+            </a:r>
+            <a:r>
+              <a:rPr lang="en-US" altLang="en-US" sz="1600" dirty="0">
                 <a:solidFill>
                   <a:srgbClr val="0000FF"/>
                 </a:solidFill>
@@ -20596,7 +20630,7 @@
               <a:t>0</a:t>
             </a:r>
             <a:r>
-              <a:rPr lang="en-US" altLang="en-US" sz="1600">
+              <a:rPr lang="en-US" altLang="en-US" sz="1600" dirty="0">
                 <a:solidFill>
                   <a:srgbClr val="000000"/>
                 </a:solidFill>
@@ -20605,16 +20639,25 @@
               <a:t>; </a:t>
             </a:r>
             <a:r>
-              <a:rPr lang="en-US" altLang="en-US" sz="1600" smtClean="0">
-                <a:solidFill>
-                  <a:srgbClr val="000000"/>
-                </a:solidFill>
-                <a:latin typeface="Consolas" panose="020B0609020204030204" pitchFamily="49" charset="0"/>
-              </a:rPr>
-              <a:t>i &lt; </a:t>
-            </a:r>
-            <a:r>
-              <a:rPr lang="en-US" altLang="en-US" sz="1600" b="1" i="1" smtClean="0">
+              <a:rPr lang="en-US" altLang="en-US" sz="1600" dirty="0" err="1" smtClean="0">
+                <a:solidFill>
+                  <a:srgbClr val="000000"/>
+                </a:solidFill>
+                <a:latin typeface="Consolas" panose="020B0609020204030204" pitchFamily="49" charset="0"/>
+              </a:rPr>
+              <a:t>i</a:t>
+            </a:r>
+            <a:r>
+              <a:rPr lang="en-US" altLang="en-US" sz="1600" dirty="0" smtClean="0">
+                <a:solidFill>
+                  <a:srgbClr val="000000"/>
+                </a:solidFill>
+                <a:latin typeface="Consolas" panose="020B0609020204030204" pitchFamily="49" charset="0"/>
+              </a:rPr>
+              <a:t> &lt; </a:t>
+            </a:r>
+            <a:r>
+              <a:rPr lang="en-US" altLang="en-US" sz="1600" b="1" i="1" dirty="0" smtClean="0">
                 <a:solidFill>
                   <a:srgbClr val="660E7A"/>
                 </a:solidFill>
@@ -20623,16 +20666,34 @@
               <a:t>n</a:t>
             </a:r>
             <a:r>
-              <a:rPr lang="en-US" altLang="en-US" sz="1600">
-                <a:solidFill>
-                  <a:srgbClr val="000000"/>
-                </a:solidFill>
-                <a:latin typeface="Consolas" panose="020B0609020204030204" pitchFamily="49" charset="0"/>
-              </a:rPr>
-              <a:t>; i++) {</a:t>
+              <a:rPr lang="en-US" altLang="en-US" sz="1600" dirty="0">
+                <a:solidFill>
+                  <a:srgbClr val="000000"/>
+                </a:solidFill>
+                <a:latin typeface="Consolas" panose="020B0609020204030204" pitchFamily="49" charset="0"/>
+              </a:rPr>
+              <a:t>; </a:t>
+            </a:r>
+            <a:r>
+              <a:rPr lang="en-US" altLang="en-US" sz="1600" dirty="0" err="1">
+                <a:solidFill>
+                  <a:srgbClr val="000000"/>
+                </a:solidFill>
+                <a:latin typeface="Consolas" panose="020B0609020204030204" pitchFamily="49" charset="0"/>
+              </a:rPr>
+              <a:t>i</a:t>
+            </a:r>
+            <a:r>
+              <a:rPr lang="en-US" altLang="en-US" sz="1600" dirty="0">
+                <a:solidFill>
+                  <a:srgbClr val="000000"/>
+                </a:solidFill>
+                <a:latin typeface="Consolas" panose="020B0609020204030204" pitchFamily="49" charset="0"/>
+              </a:rPr>
+              <a:t>++) {</a:t>
             </a:r>
             <a:br>
-              <a:rPr lang="en-US" altLang="en-US" sz="1600">
+              <a:rPr lang="en-US" altLang="en-US" sz="1600" dirty="0">
                 <a:solidFill>
                   <a:srgbClr val="000000"/>
                 </a:solidFill>
@@ -20640,7 +20701,7 @@
               </a:rPr>
             </a:br>
             <a:r>
-              <a:rPr lang="en-US" altLang="en-US" sz="1600">
+              <a:rPr lang="en-US" altLang="en-US" sz="1600" dirty="0">
                 <a:solidFill>
                   <a:srgbClr val="000000"/>
                 </a:solidFill>
@@ -20649,7 +20710,7 @@
               <a:t> </a:t>
             </a:r>
             <a:r>
-              <a:rPr lang="en-US" altLang="en-US" sz="1600" smtClean="0">
+              <a:rPr lang="en-US" altLang="en-US" sz="1600" dirty="0" smtClean="0">
                 <a:solidFill>
                   <a:srgbClr val="000000"/>
                 </a:solidFill>
@@ -20658,7 +20719,7 @@
               <a:t> </a:t>
             </a:r>
             <a:r>
-              <a:rPr lang="en-US" altLang="en-US" sz="1600" b="1" smtClean="0">
+              <a:rPr lang="en-US" altLang="en-US" sz="1600" b="1" dirty="0" smtClean="0">
                 <a:solidFill>
                   <a:srgbClr val="000080"/>
                 </a:solidFill>
@@ -20667,7 +20728,7 @@
               <a:t>for </a:t>
             </a:r>
             <a:r>
-              <a:rPr lang="en-US" altLang="en-US" sz="1600">
+              <a:rPr lang="en-US" altLang="en-US" sz="1600" dirty="0">
                 <a:solidFill>
                   <a:srgbClr val="000000"/>
                 </a:solidFill>
@@ -20676,16 +20737,25 @@
               <a:t>(</a:t>
             </a:r>
             <a:r>
-              <a:rPr lang="en-US" altLang="en-US" sz="1600" b="1">
+              <a:rPr lang="en-US" altLang="en-US" sz="1600" b="1" dirty="0" err="1">
                 <a:solidFill>
                   <a:srgbClr val="000080"/>
                 </a:solidFill>
                 <a:latin typeface="Consolas" panose="020B0609020204030204" pitchFamily="49" charset="0"/>
               </a:rPr>
-              <a:t>int </a:t>
-            </a:r>
-            <a:r>
-              <a:rPr lang="en-US" altLang="en-US" sz="1600" smtClean="0">
+              <a:t>int</a:t>
+            </a:r>
+            <a:r>
+              <a:rPr lang="en-US" altLang="en-US" sz="1600" b="1" dirty="0">
+                <a:solidFill>
+                  <a:srgbClr val="000080"/>
+                </a:solidFill>
+                <a:latin typeface="Consolas" panose="020B0609020204030204" pitchFamily="49" charset="0"/>
+              </a:rPr>
+              <a:t> </a:t>
+            </a:r>
+            <a:r>
+              <a:rPr lang="en-US" altLang="en-US" sz="1600" dirty="0" smtClean="0">
                 <a:solidFill>
                   <a:srgbClr val="000000"/>
                 </a:solidFill>
@@ -20694,7 +20764,7 @@
               <a:t>j= </a:t>
             </a:r>
             <a:r>
-              <a:rPr lang="en-US" altLang="en-US" sz="1600">
+              <a:rPr lang="en-US" altLang="en-US" sz="1600" dirty="0">
                 <a:solidFill>
                   <a:srgbClr val="0000FF"/>
                 </a:solidFill>
@@ -20703,7 +20773,7 @@
               <a:t>0</a:t>
             </a:r>
             <a:r>
-              <a:rPr lang="en-US" altLang="en-US" sz="1600">
+              <a:rPr lang="en-US" altLang="en-US" sz="1600" dirty="0">
                 <a:solidFill>
                   <a:srgbClr val="000000"/>
                 </a:solidFill>
@@ -20712,7 +20782,7 @@
               <a:t>; </a:t>
             </a:r>
             <a:r>
-              <a:rPr lang="en-US" altLang="en-US" sz="1600" smtClean="0">
+              <a:rPr lang="en-US" altLang="en-US" sz="1600" dirty="0" smtClean="0">
                 <a:solidFill>
                   <a:srgbClr val="000000"/>
                 </a:solidFill>
@@ -20721,7 +20791,7 @@
               <a:t>j &lt; </a:t>
             </a:r>
             <a:r>
-              <a:rPr lang="en-US" altLang="en-US" sz="1600" b="1" i="1" smtClean="0">
+              <a:rPr lang="en-US" altLang="en-US" sz="1600" b="1" i="1" dirty="0" smtClean="0">
                 <a:solidFill>
                   <a:srgbClr val="660E7A"/>
                 </a:solidFill>
@@ -20730,7 +20800,7 @@
               <a:t>n</a:t>
             </a:r>
             <a:r>
-              <a:rPr lang="en-US" altLang="en-US" sz="1600">
+              <a:rPr lang="en-US" altLang="en-US" sz="1600" dirty="0">
                 <a:solidFill>
                   <a:srgbClr val="000000"/>
                 </a:solidFill>
@@ -20739,7 +20809,7 @@
               <a:t>; j++) {</a:t>
             </a:r>
             <a:br>
-              <a:rPr lang="en-US" altLang="en-US" sz="1600">
+              <a:rPr lang="en-US" altLang="en-US" sz="1600" dirty="0">
                 <a:solidFill>
                   <a:srgbClr val="000000"/>
                 </a:solidFill>
@@ -20747,7 +20817,7 @@
               </a:rPr>
             </a:br>
             <a:r>
-              <a:rPr lang="en-US" altLang="en-US" sz="1600">
+              <a:rPr lang="en-US" altLang="en-US" sz="1600" dirty="0">
                 <a:solidFill>
                   <a:srgbClr val="000000"/>
                 </a:solidFill>
@@ -20756,7 +20826,7 @@
               <a:t>   </a:t>
             </a:r>
             <a:r>
-              <a:rPr lang="en-US" altLang="en-US" sz="1600" smtClean="0">
+              <a:rPr lang="en-US" altLang="en-US" sz="1600" dirty="0" smtClean="0">
                 <a:solidFill>
                   <a:srgbClr val="000000"/>
                 </a:solidFill>
@@ -20765,7 +20835,7 @@
               <a:t> </a:t>
             </a:r>
             <a:r>
-              <a:rPr lang="en-US" altLang="en-US" sz="1600" b="1" smtClean="0">
+              <a:rPr lang="en-US" altLang="en-US" sz="1600" b="1" dirty="0" smtClean="0">
                 <a:solidFill>
                   <a:srgbClr val="000080"/>
                 </a:solidFill>
@@ -20774,7 +20844,7 @@
               <a:t>for </a:t>
             </a:r>
             <a:r>
-              <a:rPr lang="en-US" altLang="en-US" sz="1600">
+              <a:rPr lang="en-US" altLang="en-US" sz="1600" dirty="0">
                 <a:solidFill>
                   <a:srgbClr val="000000"/>
                 </a:solidFill>
@@ -20783,16 +20853,25 @@
               <a:t>(</a:t>
             </a:r>
             <a:r>
-              <a:rPr lang="en-US" altLang="en-US" sz="1600" b="1">
+              <a:rPr lang="en-US" altLang="en-US" sz="1600" b="1" dirty="0" err="1">
                 <a:solidFill>
                   <a:srgbClr val="000080"/>
                 </a:solidFill>
                 <a:latin typeface="Consolas" panose="020B0609020204030204" pitchFamily="49" charset="0"/>
               </a:rPr>
-              <a:t>int </a:t>
-            </a:r>
-            <a:r>
-              <a:rPr lang="en-US" altLang="en-US" sz="1600" smtClean="0">
+              <a:t>int</a:t>
+            </a:r>
+            <a:r>
+              <a:rPr lang="en-US" altLang="en-US" sz="1600" b="1" dirty="0">
+                <a:solidFill>
+                  <a:srgbClr val="000080"/>
+                </a:solidFill>
+                <a:latin typeface="Consolas" panose="020B0609020204030204" pitchFamily="49" charset="0"/>
+              </a:rPr>
+              <a:t> </a:t>
+            </a:r>
+            <a:r>
+              <a:rPr lang="en-US" altLang="en-US" sz="1600" dirty="0" smtClean="0">
                 <a:solidFill>
                   <a:srgbClr val="000000"/>
                 </a:solidFill>
@@ -20801,7 +20880,7 @@
               <a:t>k= </a:t>
             </a:r>
             <a:r>
-              <a:rPr lang="en-US" altLang="en-US" sz="1600">
+              <a:rPr lang="en-US" altLang="en-US" sz="1600" dirty="0">
                 <a:solidFill>
                   <a:srgbClr val="0000FF"/>
                 </a:solidFill>
@@ -20810,7 +20889,7 @@
               <a:t>0</a:t>
             </a:r>
             <a:r>
-              <a:rPr lang="en-US" altLang="en-US" sz="1600">
+              <a:rPr lang="en-US" altLang="en-US" sz="1600" dirty="0">
                 <a:solidFill>
                   <a:srgbClr val="000000"/>
                 </a:solidFill>
@@ -20819,7 +20898,7 @@
               <a:t>; </a:t>
             </a:r>
             <a:r>
-              <a:rPr lang="en-US" altLang="en-US" sz="1600" smtClean="0">
+              <a:rPr lang="en-US" altLang="en-US" sz="1600" dirty="0" smtClean="0">
                 <a:solidFill>
                   <a:srgbClr val="000000"/>
                 </a:solidFill>
@@ -20828,7 +20907,7 @@
               <a:t>k &lt; </a:t>
             </a:r>
             <a:r>
-              <a:rPr lang="en-US" altLang="en-US" sz="1600" b="1" i="1" smtClean="0">
+              <a:rPr lang="en-US" altLang="en-US" sz="1600" b="1" i="1" dirty="0" smtClean="0">
                 <a:solidFill>
                   <a:srgbClr val="660E7A"/>
                 </a:solidFill>
@@ -20837,7 +20916,7 @@
               <a:t>n</a:t>
             </a:r>
             <a:r>
-              <a:rPr lang="en-US" altLang="en-US" sz="1600">
+              <a:rPr lang="en-US" altLang="en-US" sz="1600" dirty="0">
                 <a:solidFill>
                   <a:srgbClr val="000000"/>
                 </a:solidFill>
@@ -20846,7 +20925,7 @@
               <a:t>; k++) {</a:t>
             </a:r>
             <a:br>
-              <a:rPr lang="en-US" altLang="en-US" sz="1600">
+              <a:rPr lang="en-US" altLang="en-US" sz="1600" dirty="0">
                 <a:solidFill>
                   <a:srgbClr val="000000"/>
                 </a:solidFill>
@@ -20854,7 +20933,7 @@
               </a:rPr>
             </a:br>
             <a:r>
-              <a:rPr lang="en-US" altLang="en-US" sz="1600">
+              <a:rPr lang="en-US" altLang="en-US" sz="1600" dirty="0">
                 <a:solidFill>
                   <a:srgbClr val="000000"/>
                 </a:solidFill>
@@ -20863,7 +20942,7 @@
               <a:t>      </a:t>
             </a:r>
             <a:r>
-              <a:rPr lang="en-US" altLang="en-US" sz="1600" b="1" i="1" smtClean="0">
+              <a:rPr lang="en-US" altLang="en-US" sz="1600" b="1" i="1" dirty="0" smtClean="0">
                 <a:solidFill>
                   <a:srgbClr val="660E7A"/>
                 </a:solidFill>
@@ -20872,16 +20951,25 @@
               <a:t>C</a:t>
             </a:r>
             <a:r>
-              <a:rPr lang="en-US" altLang="en-US" sz="1600" smtClean="0">
-                <a:solidFill>
-                  <a:srgbClr val="000000"/>
-                </a:solidFill>
-                <a:latin typeface="Consolas" panose="020B0609020204030204" pitchFamily="49" charset="0"/>
-              </a:rPr>
-              <a:t>[i</a:t>
-            </a:r>
-            <a:r>
-              <a:rPr lang="en-US" altLang="en-US" sz="1600">
+              <a:rPr lang="en-US" altLang="en-US" sz="1600" dirty="0" smtClean="0">
+                <a:solidFill>
+                  <a:srgbClr val="000000"/>
+                </a:solidFill>
+                <a:latin typeface="Consolas" panose="020B0609020204030204" pitchFamily="49" charset="0"/>
+              </a:rPr>
+              <a:t>[</a:t>
+            </a:r>
+            <a:r>
+              <a:rPr lang="en-US" altLang="en-US" sz="1600" dirty="0" err="1" smtClean="0">
+                <a:solidFill>
+                  <a:srgbClr val="000000"/>
+                </a:solidFill>
+                <a:latin typeface="Consolas" panose="020B0609020204030204" pitchFamily="49" charset="0"/>
+              </a:rPr>
+              <a:t>i</a:t>
+            </a:r>
+            <a:r>
+              <a:rPr lang="en-US" altLang="en-US" sz="1600" dirty="0">
                 <a:solidFill>
                   <a:srgbClr val="000000"/>
                 </a:solidFill>
@@ -20890,7 +20978,7 @@
               <a:t>][j</a:t>
             </a:r>
             <a:r>
-              <a:rPr lang="en-US" altLang="en-US" sz="1600" smtClean="0">
+              <a:rPr lang="en-US" altLang="en-US" sz="1600" dirty="0" smtClean="0">
                 <a:solidFill>
                   <a:srgbClr val="000000"/>
                 </a:solidFill>
@@ -20899,7 +20987,7 @@
               <a:t>]+= </a:t>
             </a:r>
             <a:r>
-              <a:rPr lang="en-US" altLang="en-US" sz="1600" b="1" i="1">
+              <a:rPr lang="en-US" altLang="en-US" sz="1600" b="1" i="1" dirty="0">
                 <a:solidFill>
                   <a:srgbClr val="660E7A"/>
                 </a:solidFill>
@@ -20908,16 +20996,34 @@
               <a:t>A</a:t>
             </a:r>
             <a:r>
-              <a:rPr lang="en-US" altLang="en-US" sz="1600">
-                <a:solidFill>
-                  <a:srgbClr val="000000"/>
-                </a:solidFill>
-                <a:latin typeface="Consolas" panose="020B0609020204030204" pitchFamily="49" charset="0"/>
-              </a:rPr>
-              <a:t>[i][k</a:t>
-            </a:r>
-            <a:r>
-              <a:rPr lang="en-US" altLang="en-US" sz="1600" smtClean="0">
+              <a:rPr lang="en-US" altLang="en-US" sz="1600" dirty="0">
+                <a:solidFill>
+                  <a:srgbClr val="000000"/>
+                </a:solidFill>
+                <a:latin typeface="Consolas" panose="020B0609020204030204" pitchFamily="49" charset="0"/>
+              </a:rPr>
+              <a:t>[</a:t>
+            </a:r>
+            <a:r>
+              <a:rPr lang="en-US" altLang="en-US" sz="1600" dirty="0" err="1">
+                <a:solidFill>
+                  <a:srgbClr val="000000"/>
+                </a:solidFill>
+                <a:latin typeface="Consolas" panose="020B0609020204030204" pitchFamily="49" charset="0"/>
+              </a:rPr>
+              <a:t>i</a:t>
+            </a:r>
+            <a:r>
+              <a:rPr lang="en-US" altLang="en-US" sz="1600" dirty="0">
+                <a:solidFill>
+                  <a:srgbClr val="000000"/>
+                </a:solidFill>
+                <a:latin typeface="Consolas" panose="020B0609020204030204" pitchFamily="49" charset="0"/>
+              </a:rPr>
+              <a:t>][k</a:t>
+            </a:r>
+            <a:r>
+              <a:rPr lang="en-US" altLang="en-US" sz="1600" dirty="0" smtClean="0">
                 <a:solidFill>
                   <a:srgbClr val="000000"/>
                 </a:solidFill>
@@ -20926,7 +21032,7 @@
               <a:t>]*</a:t>
             </a:r>
             <a:r>
-              <a:rPr lang="en-US" altLang="en-US" sz="1600" b="1" i="1" smtClean="0">
+              <a:rPr lang="en-US" altLang="en-US" sz="1600" b="1" i="1" dirty="0" smtClean="0">
                 <a:solidFill>
                   <a:srgbClr val="660E7A"/>
                 </a:solidFill>
@@ -20935,7 +21041,7 @@
               <a:t>B</a:t>
             </a:r>
             <a:r>
-              <a:rPr lang="en-US" altLang="en-US" sz="1600" smtClean="0">
+              <a:rPr lang="en-US" altLang="en-US" sz="1600" dirty="0" smtClean="0">
                 <a:solidFill>
                   <a:srgbClr val="000000"/>
                 </a:solidFill>
@@ -20944,7 +21050,7 @@
               <a:t>[k</a:t>
             </a:r>
             <a:r>
-              <a:rPr lang="en-US" altLang="en-US" sz="1600">
+              <a:rPr lang="en-US" altLang="en-US" sz="1600" dirty="0">
                 <a:solidFill>
                   <a:srgbClr val="000000"/>
                 </a:solidFill>
@@ -20953,7 +21059,7 @@
               <a:t>][j];</a:t>
             </a:r>
             <a:br>
-              <a:rPr lang="en-US" altLang="en-US" sz="1600">
+              <a:rPr lang="en-US" altLang="en-US" sz="1600" dirty="0">
                 <a:solidFill>
                   <a:srgbClr val="000000"/>
                 </a:solidFill>
@@ -20961,7 +21067,7 @@
               </a:rPr>
             </a:br>
             <a:r>
-              <a:rPr lang="en-US" altLang="en-US" sz="1600">
+              <a:rPr lang="en-US" altLang="en-US" sz="1600" dirty="0">
                 <a:solidFill>
                   <a:srgbClr val="000000"/>
                 </a:solidFill>
@@ -20970,7 +21076,7 @@
               <a:t>    </a:t>
             </a:r>
             <a:r>
-              <a:rPr lang="en-US" altLang="en-US" sz="1600" smtClean="0">
+              <a:rPr lang="en-US" altLang="en-US" sz="1600" dirty="0" smtClean="0">
                 <a:solidFill>
                   <a:srgbClr val="000000"/>
                 </a:solidFill>
@@ -20979,7 +21085,7 @@
               <a:t>}</a:t>
             </a:r>
             <a:r>
-              <a:rPr lang="en-US" altLang="en-US" sz="1600">
+              <a:rPr lang="en-US" altLang="en-US" sz="1600" dirty="0">
                 <a:solidFill>
                   <a:srgbClr val="000000"/>
                 </a:solidFill>
@@ -20988,7 +21094,7 @@
               <a:t/>
             </a:r>
             <a:br>
-              <a:rPr lang="en-US" altLang="en-US" sz="1600">
+              <a:rPr lang="en-US" altLang="en-US" sz="1600" dirty="0">
                 <a:solidFill>
                   <a:srgbClr val="000000"/>
                 </a:solidFill>
@@ -20996,7 +21102,7 @@
               </a:rPr>
             </a:br>
             <a:r>
-              <a:rPr lang="en-US" altLang="en-US" sz="1600">
+              <a:rPr lang="en-US" altLang="en-US" sz="1600" dirty="0">
                 <a:solidFill>
                   <a:srgbClr val="000000"/>
                 </a:solidFill>
@@ -21005,7 +21111,7 @@
               <a:t>  </a:t>
             </a:r>
             <a:r>
-              <a:rPr lang="en-US" altLang="en-US" sz="1600" smtClean="0">
+              <a:rPr lang="en-US" altLang="en-US" sz="1600" dirty="0" smtClean="0">
                 <a:solidFill>
                   <a:srgbClr val="000000"/>
                 </a:solidFill>
@@ -21014,7 +21120,7 @@
               <a:t>}</a:t>
             </a:r>
             <a:r>
-              <a:rPr lang="en-US" altLang="en-US" sz="1600">
+              <a:rPr lang="en-US" altLang="en-US" sz="1600" dirty="0">
                 <a:solidFill>
                   <a:srgbClr val="000000"/>
                 </a:solidFill>
@@ -21023,7 +21129,7 @@
               <a:t/>
             </a:r>
             <a:br>
-              <a:rPr lang="en-US" altLang="en-US" sz="1600">
+              <a:rPr lang="en-US" altLang="en-US" sz="1600" dirty="0">
                 <a:solidFill>
                   <a:srgbClr val="000000"/>
                 </a:solidFill>
@@ -21031,7 +21137,7 @@
               </a:rPr>
             </a:br>
             <a:r>
-              <a:rPr lang="en-US" altLang="en-US" sz="1600" smtClean="0">
+              <a:rPr lang="en-US" altLang="en-US" sz="1600" dirty="0" smtClean="0">
                 <a:solidFill>
                   <a:srgbClr val="000000"/>
                 </a:solidFill>
@@ -21039,7 +21145,7 @@
               </a:rPr>
               <a:t>}</a:t>
             </a:r>
-            <a:endParaRPr lang="en-US" sz="1600"/>
+            <a:endParaRPr lang="en-US" sz="1600" dirty="0"/>
           </a:p>
         </p:txBody>
       </p:sp>
@@ -21656,16 +21762,29 @@
           <a:lstStyle/>
           <a:p>
             <a:r>
-              <a:rPr lang="en-US" altLang="en-US" sz="3200" b="1" smtClean="0">
+              <a:rPr lang="en-US" altLang="en-US" sz="3200" b="1" dirty="0" smtClean="0">
                 <a:solidFill>
                   <a:srgbClr val="FF0000"/>
                 </a:solidFill>
               </a:rPr>
-              <a:t>Loop order: k, j, i</a:t>
-            </a:r>
-          </a:p>
-          <a:p>
-            <a:endParaRPr lang="en-US" altLang="en-US" b="1">
+              <a:t>Loop order: k, j, </a:t>
+            </a:r>
+            <a:r>
+              <a:rPr lang="en-US" altLang="en-US" sz="3200" b="1" dirty="0" err="1" smtClean="0">
+                <a:solidFill>
+                  <a:srgbClr val="FF0000"/>
+                </a:solidFill>
+              </a:rPr>
+              <a:t>i</a:t>
+            </a:r>
+            <a:endParaRPr lang="en-US" altLang="en-US" sz="3200" b="1" dirty="0" smtClean="0">
+              <a:solidFill>
+                <a:srgbClr val="FF0000"/>
+              </a:solidFill>
+            </a:endParaRPr>
+          </a:p>
+          <a:p>
+            <a:endParaRPr lang="en-US" altLang="en-US" b="1" dirty="0">
               <a:solidFill>
                 <a:srgbClr val="000080"/>
               </a:solidFill>
@@ -21674,7 +21793,7 @@
           </a:p>
           <a:p>
             <a:r>
-              <a:rPr lang="en-US" altLang="en-US" sz="1600" b="1" smtClean="0">
+              <a:rPr lang="en-US" altLang="en-US" sz="1600" b="1" dirty="0" smtClean="0">
                 <a:solidFill>
                   <a:srgbClr val="000080"/>
                 </a:solidFill>
@@ -21683,34 +21802,186 @@
               <a:t>for </a:t>
             </a:r>
             <a:r>
+              <a:rPr lang="en-US" altLang="en-US" sz="1600" dirty="0">
+                <a:solidFill>
+                  <a:srgbClr val="000000"/>
+                </a:solidFill>
+                <a:latin typeface="Consolas" panose="020B0609020204030204" pitchFamily="49" charset="0"/>
+              </a:rPr>
+              <a:t>(</a:t>
+            </a:r>
+            <a:r>
+              <a:rPr lang="en-US" altLang="en-US" sz="1600" b="1" dirty="0" err="1">
+                <a:solidFill>
+                  <a:srgbClr val="000080"/>
+                </a:solidFill>
+                <a:latin typeface="Consolas" panose="020B0609020204030204" pitchFamily="49" charset="0"/>
+              </a:rPr>
+              <a:t>int</a:t>
+            </a:r>
+            <a:r>
+              <a:rPr lang="en-US" altLang="en-US" sz="1600" b="1" dirty="0">
+                <a:solidFill>
+                  <a:srgbClr val="000080"/>
+                </a:solidFill>
+                <a:latin typeface="Consolas" panose="020B0609020204030204" pitchFamily="49" charset="0"/>
+              </a:rPr>
+              <a:t> </a:t>
+            </a:r>
+            <a:r>
+              <a:rPr lang="en-US" altLang="en-US" sz="1600" dirty="0" smtClean="0">
+                <a:solidFill>
+                  <a:srgbClr val="000000"/>
+                </a:solidFill>
+                <a:latin typeface="Consolas" panose="020B0609020204030204" pitchFamily="49" charset="0"/>
+              </a:rPr>
+              <a:t>k= </a:t>
+            </a:r>
+            <a:r>
+              <a:rPr lang="en-US" altLang="en-US" sz="1600" dirty="0">
+                <a:solidFill>
+                  <a:srgbClr val="0000FF"/>
+                </a:solidFill>
+                <a:latin typeface="Consolas" panose="020B0609020204030204" pitchFamily="49" charset="0"/>
+              </a:rPr>
+              <a:t>0</a:t>
+            </a:r>
+            <a:r>
               <a:rPr lang="en-US" altLang="en-US" sz="1600">
                 <a:solidFill>
                   <a:srgbClr val="000000"/>
                 </a:solidFill>
                 <a:latin typeface="Consolas" panose="020B0609020204030204" pitchFamily="49" charset="0"/>
               </a:rPr>
+              <a:t>; </a:t>
+            </a:r>
+            <a:r>
+              <a:rPr lang="en-US" altLang="en-US" sz="1600" smtClean="0">
+                <a:solidFill>
+                  <a:srgbClr val="000000"/>
+                </a:solidFill>
+                <a:latin typeface="Consolas" panose="020B0609020204030204" pitchFamily="49" charset="0"/>
+              </a:rPr>
+              <a:t>k </a:t>
+            </a:r>
+            <a:r>
+              <a:rPr lang="en-US" altLang="en-US" sz="1600" dirty="0" smtClean="0">
+                <a:solidFill>
+                  <a:srgbClr val="000000"/>
+                </a:solidFill>
+                <a:latin typeface="Consolas" panose="020B0609020204030204" pitchFamily="49" charset="0"/>
+              </a:rPr>
+              <a:t>&lt; </a:t>
+            </a:r>
+            <a:r>
+              <a:rPr lang="en-US" altLang="en-US" sz="1600" b="1" i="1" dirty="0" smtClean="0">
+                <a:solidFill>
+                  <a:srgbClr val="660E7A"/>
+                </a:solidFill>
+                <a:latin typeface="Consolas" panose="020B0609020204030204" pitchFamily="49" charset="0"/>
+              </a:rPr>
+              <a:t>n</a:t>
+            </a:r>
+            <a:r>
+              <a:rPr lang="en-US" altLang="en-US" sz="1600" dirty="0">
+                <a:solidFill>
+                  <a:srgbClr val="000000"/>
+                </a:solidFill>
+                <a:latin typeface="Consolas" panose="020B0609020204030204" pitchFamily="49" charset="0"/>
+              </a:rPr>
+              <a:t>; </a:t>
+            </a:r>
+            <a:r>
+              <a:rPr lang="en-US" altLang="en-US" sz="1600" dirty="0" smtClean="0">
+                <a:solidFill>
+                  <a:srgbClr val="000000"/>
+                </a:solidFill>
+                <a:latin typeface="Consolas" panose="020B0609020204030204" pitchFamily="49" charset="0"/>
+              </a:rPr>
+              <a:t>k++) </a:t>
+            </a:r>
+            <a:r>
+              <a:rPr lang="en-US" altLang="en-US" sz="1600" dirty="0">
+                <a:solidFill>
+                  <a:srgbClr val="000000"/>
+                </a:solidFill>
+                <a:latin typeface="Consolas" panose="020B0609020204030204" pitchFamily="49" charset="0"/>
+              </a:rPr>
+              <a:t>{</a:t>
+            </a:r>
+            <a:br>
+              <a:rPr lang="en-US" altLang="en-US" sz="1600" dirty="0">
+                <a:solidFill>
+                  <a:srgbClr val="000000"/>
+                </a:solidFill>
+                <a:latin typeface="Consolas" panose="020B0609020204030204" pitchFamily="49" charset="0"/>
+              </a:rPr>
+            </a:br>
+            <a:r>
+              <a:rPr lang="en-US" altLang="en-US" sz="1600" dirty="0">
+                <a:solidFill>
+                  <a:srgbClr val="000000"/>
+                </a:solidFill>
+                <a:latin typeface="Consolas" panose="020B0609020204030204" pitchFamily="49" charset="0"/>
+              </a:rPr>
+              <a:t> </a:t>
+            </a:r>
+            <a:r>
+              <a:rPr lang="en-US" altLang="en-US" sz="1600" dirty="0" smtClean="0">
+                <a:solidFill>
+                  <a:srgbClr val="000000"/>
+                </a:solidFill>
+                <a:latin typeface="Consolas" panose="020B0609020204030204" pitchFamily="49" charset="0"/>
+              </a:rPr>
+              <a:t> </a:t>
+            </a:r>
+            <a:r>
+              <a:rPr lang="en-US" altLang="en-US" sz="1600" b="1" dirty="0" smtClean="0">
+                <a:solidFill>
+                  <a:srgbClr val="000080"/>
+                </a:solidFill>
+                <a:latin typeface="Consolas" panose="020B0609020204030204" pitchFamily="49" charset="0"/>
+              </a:rPr>
+              <a:t>for </a:t>
+            </a:r>
+            <a:r>
+              <a:rPr lang="en-US" altLang="en-US" sz="1600" dirty="0">
+                <a:solidFill>
+                  <a:srgbClr val="000000"/>
+                </a:solidFill>
+                <a:latin typeface="Consolas" panose="020B0609020204030204" pitchFamily="49" charset="0"/>
+              </a:rPr>
               <a:t>(</a:t>
             </a:r>
             <a:r>
-              <a:rPr lang="en-US" altLang="en-US" sz="1600" b="1">
+              <a:rPr lang="en-US" altLang="en-US" sz="1600" b="1" dirty="0" err="1">
                 <a:solidFill>
                   <a:srgbClr val="000080"/>
                 </a:solidFill>
                 <a:latin typeface="Consolas" panose="020B0609020204030204" pitchFamily="49" charset="0"/>
               </a:rPr>
-              <a:t>int </a:t>
-            </a:r>
-            <a:r>
-              <a:rPr lang="en-US" altLang="en-US" sz="1600" smtClean="0">
-                <a:solidFill>
-                  <a:srgbClr val="000000"/>
-                </a:solidFill>
-                <a:latin typeface="Consolas" panose="020B0609020204030204" pitchFamily="49" charset="0"/>
-              </a:rPr>
-              <a:t>i= </a:t>
-            </a:r>
-            <a:r>
-              <a:rPr lang="en-US" altLang="en-US" sz="1600">
+              <a:t>int</a:t>
+            </a:r>
+            <a:r>
+              <a:rPr lang="en-US" altLang="en-US" sz="1600" b="1" dirty="0">
+                <a:solidFill>
+                  <a:srgbClr val="000080"/>
+                </a:solidFill>
+                <a:latin typeface="Consolas" panose="020B0609020204030204" pitchFamily="49" charset="0"/>
+              </a:rPr>
+              <a:t> </a:t>
+            </a:r>
+            <a:r>
+              <a:rPr lang="en-US" altLang="en-US" sz="1600" dirty="0" smtClean="0">
+                <a:solidFill>
+                  <a:srgbClr val="000000"/>
+                </a:solidFill>
+                <a:latin typeface="Consolas" panose="020B0609020204030204" pitchFamily="49" charset="0"/>
+              </a:rPr>
+              <a:t>j= </a:t>
+            </a:r>
+            <a:r>
+              <a:rPr lang="en-US" altLang="en-US" sz="1600" dirty="0">
                 <a:solidFill>
                   <a:srgbClr val="0000FF"/>
                 </a:solidFill>
@@ -21719,7 +21990,7 @@
               <a:t>0</a:t>
             </a:r>
             <a:r>
-              <a:rPr lang="en-US" altLang="en-US" sz="1600">
+              <a:rPr lang="en-US" altLang="en-US" sz="1600" dirty="0">
                 <a:solidFill>
                   <a:srgbClr val="000000"/>
                 </a:solidFill>
@@ -21728,16 +21999,16 @@
               <a:t>; </a:t>
             </a:r>
             <a:r>
-              <a:rPr lang="en-US" altLang="en-US" sz="1600" smtClean="0">
-                <a:solidFill>
-                  <a:srgbClr val="000000"/>
-                </a:solidFill>
-                <a:latin typeface="Consolas" panose="020B0609020204030204" pitchFamily="49" charset="0"/>
-              </a:rPr>
-              <a:t>i &lt; </a:t>
-            </a:r>
-            <a:r>
-              <a:rPr lang="en-US" altLang="en-US" sz="1600" b="1" i="1" smtClean="0">
+              <a:rPr lang="en-US" altLang="en-US" sz="1600" dirty="0" smtClean="0">
+                <a:solidFill>
+                  <a:srgbClr val="000000"/>
+                </a:solidFill>
+                <a:latin typeface="Consolas" panose="020B0609020204030204" pitchFamily="49" charset="0"/>
+              </a:rPr>
+              <a:t>j &lt; </a:t>
+            </a:r>
+            <a:r>
+              <a:rPr lang="en-US" altLang="en-US" sz="1600" b="1" i="1" dirty="0" smtClean="0">
                 <a:solidFill>
                   <a:srgbClr val="660E7A"/>
                 </a:solidFill>
@@ -21746,16 +22017,16 @@
               <a:t>n</a:t>
             </a:r>
             <a:r>
-              <a:rPr lang="en-US" altLang="en-US" sz="1600">
-                <a:solidFill>
-                  <a:srgbClr val="000000"/>
-                </a:solidFill>
-                <a:latin typeface="Consolas" panose="020B0609020204030204" pitchFamily="49" charset="0"/>
-              </a:rPr>
-              <a:t>; i++) {</a:t>
+              <a:rPr lang="en-US" altLang="en-US" sz="1600" dirty="0">
+                <a:solidFill>
+                  <a:srgbClr val="000000"/>
+                </a:solidFill>
+                <a:latin typeface="Consolas" panose="020B0609020204030204" pitchFamily="49" charset="0"/>
+              </a:rPr>
+              <a:t>; j++) {</a:t>
             </a:r>
             <a:br>
-              <a:rPr lang="en-US" altLang="en-US" sz="1600">
+              <a:rPr lang="en-US" altLang="en-US" sz="1600" dirty="0">
                 <a:solidFill>
                   <a:srgbClr val="000000"/>
                 </a:solidFill>
@@ -21763,7 +22034,16 @@
               </a:rPr>
             </a:br>
             <a:r>
-              <a:rPr lang="en-US" altLang="en-US" sz="1600">
+              <a:rPr lang="en-US" altLang="en-US" sz="1600" dirty="0">
+                <a:solidFill>
+                  <a:srgbClr val="000000"/>
+                </a:solidFill>
+                <a:latin typeface="Consolas" panose="020B0609020204030204" pitchFamily="49" charset="0"/>
+              </a:rPr>
+              <a:t>   </a:t>
+            </a:r>
+            <a:r>
+              <a:rPr lang="en-US" altLang="en-US" sz="1600" dirty="0" smtClean="0">
                 <a:solidFill>
                   <a:srgbClr val="000000"/>
                 </a:solidFill>
@@ -21772,52 +22052,61 @@
               <a:t> </a:t>
             </a:r>
             <a:r>
-              <a:rPr lang="en-US" altLang="en-US" sz="1600" smtClean="0">
-                <a:solidFill>
-                  <a:srgbClr val="000000"/>
+              <a:rPr lang="en-US" altLang="en-US" sz="1600" b="1" dirty="0" smtClean="0">
+                <a:solidFill>
+                  <a:srgbClr val="000080"/>
+                </a:solidFill>
+                <a:latin typeface="Consolas" panose="020B0609020204030204" pitchFamily="49" charset="0"/>
+              </a:rPr>
+              <a:t>for </a:t>
+            </a:r>
+            <a:r>
+              <a:rPr lang="en-US" altLang="en-US" sz="1600" dirty="0">
+                <a:solidFill>
+                  <a:srgbClr val="000000"/>
+                </a:solidFill>
+                <a:latin typeface="Consolas" panose="020B0609020204030204" pitchFamily="49" charset="0"/>
+              </a:rPr>
+              <a:t>(</a:t>
+            </a:r>
+            <a:r>
+              <a:rPr lang="en-US" altLang="en-US" sz="1600" b="1" dirty="0" err="1">
+                <a:solidFill>
+                  <a:srgbClr val="000080"/>
+                </a:solidFill>
+                <a:latin typeface="Consolas" panose="020B0609020204030204" pitchFamily="49" charset="0"/>
+              </a:rPr>
+              <a:t>int</a:t>
+            </a:r>
+            <a:r>
+              <a:rPr lang="en-US" altLang="en-US" sz="1600" b="1" dirty="0">
+                <a:solidFill>
+                  <a:srgbClr val="000080"/>
                 </a:solidFill>
                 <a:latin typeface="Consolas" panose="020B0609020204030204" pitchFamily="49" charset="0"/>
               </a:rPr>
               <a:t> </a:t>
             </a:r>
             <a:r>
-              <a:rPr lang="en-US" altLang="en-US" sz="1600" b="1" smtClean="0">
-                <a:solidFill>
-                  <a:srgbClr val="000080"/>
-                </a:solidFill>
-                <a:latin typeface="Consolas" panose="020B0609020204030204" pitchFamily="49" charset="0"/>
-              </a:rPr>
-              <a:t>for </a:t>
-            </a:r>
-            <a:r>
-              <a:rPr lang="en-US" altLang="en-US" sz="1600">
-                <a:solidFill>
-                  <a:srgbClr val="000000"/>
-                </a:solidFill>
-                <a:latin typeface="Consolas" panose="020B0609020204030204" pitchFamily="49" charset="0"/>
-              </a:rPr>
-              <a:t>(</a:t>
-            </a:r>
-            <a:r>
-              <a:rPr lang="en-US" altLang="en-US" sz="1600" b="1">
-                <a:solidFill>
-                  <a:srgbClr val="000080"/>
-                </a:solidFill>
-                <a:latin typeface="Consolas" panose="020B0609020204030204" pitchFamily="49" charset="0"/>
-              </a:rPr>
-              <a:t>int </a:t>
-            </a:r>
-            <a:r>
-              <a:rPr lang="en-US" altLang="en-US" sz="1600" smtClean="0">
-                <a:solidFill>
-                  <a:srgbClr val="000000"/>
-                </a:solidFill>
-                <a:latin typeface="Consolas" panose="020B0609020204030204" pitchFamily="49" charset="0"/>
-              </a:rPr>
-              <a:t>j= </a:t>
-            </a:r>
-            <a:r>
-              <a:rPr lang="en-US" altLang="en-US" sz="1600">
+              <a:rPr lang="en-US" altLang="en-US" sz="1600" dirty="0" err="1" smtClean="0">
+                <a:solidFill>
+                  <a:srgbClr val="000000"/>
+                </a:solidFill>
+                <a:latin typeface="Consolas" panose="020B0609020204030204" pitchFamily="49" charset="0"/>
+              </a:rPr>
+              <a:t>i</a:t>
+            </a:r>
+            <a:r>
+              <a:rPr lang="en-US" altLang="en-US" sz="1600" dirty="0" smtClean="0">
+                <a:solidFill>
+                  <a:srgbClr val="000000"/>
+                </a:solidFill>
+                <a:latin typeface="Consolas" panose="020B0609020204030204" pitchFamily="49" charset="0"/>
+              </a:rPr>
+              <a:t>= </a:t>
+            </a:r>
+            <a:r>
+              <a:rPr lang="en-US" altLang="en-US" sz="1600" dirty="0">
                 <a:solidFill>
                   <a:srgbClr val="0000FF"/>
                 </a:solidFill>
@@ -21826,7 +22115,7 @@
               <a:t>0</a:t>
             </a:r>
             <a:r>
-              <a:rPr lang="en-US" altLang="en-US" sz="1600">
+              <a:rPr lang="en-US" altLang="en-US" sz="1600" dirty="0">
                 <a:solidFill>
                   <a:srgbClr val="000000"/>
                 </a:solidFill>
@@ -21835,16 +22124,34 @@
               <a:t>; </a:t>
             </a:r>
             <a:r>
-              <a:rPr lang="en-US" altLang="en-US" sz="1600" smtClean="0">
-                <a:solidFill>
-                  <a:srgbClr val="000000"/>
-                </a:solidFill>
-                <a:latin typeface="Consolas" panose="020B0609020204030204" pitchFamily="49" charset="0"/>
-              </a:rPr>
-              <a:t>j &lt; </a:t>
-            </a:r>
-            <a:r>
-              <a:rPr lang="en-US" altLang="en-US" sz="1600" b="1" i="1" smtClean="0">
+              <a:rPr lang="en-US" altLang="en-US" sz="1600" dirty="0" err="1" smtClean="0">
+                <a:solidFill>
+                  <a:srgbClr val="000000"/>
+                </a:solidFill>
+                <a:latin typeface="Consolas" panose="020B0609020204030204" pitchFamily="49" charset="0"/>
+              </a:rPr>
+              <a:t>i</a:t>
+            </a:r>
+            <a:r>
+              <a:rPr lang="en-US" altLang="en-US" sz="1600" dirty="0" smtClean="0">
+                <a:solidFill>
+                  <a:srgbClr val="000000"/>
+                </a:solidFill>
+                <a:latin typeface="Consolas" panose="020B0609020204030204" pitchFamily="49" charset="0"/>
+              </a:rPr>
+              <a:t> </a:t>
+            </a:r>
+            <a:r>
+              <a:rPr lang="en-US" altLang="en-US" sz="1600" dirty="0" smtClean="0">
+                <a:solidFill>
+                  <a:srgbClr val="000000"/>
+                </a:solidFill>
+                <a:latin typeface="Consolas" panose="020B0609020204030204" pitchFamily="49" charset="0"/>
+              </a:rPr>
+              <a:t>&lt; </a:t>
+            </a:r>
+            <a:r>
+              <a:rPr lang="en-US" altLang="en-US" sz="1600" b="1" i="1" dirty="0" smtClean="0">
                 <a:solidFill>
                   <a:srgbClr val="660E7A"/>
                 </a:solidFill>
@@ -21853,16 +22160,43 @@
               <a:t>n</a:t>
             </a:r>
             <a:r>
-              <a:rPr lang="en-US" altLang="en-US" sz="1600">
-                <a:solidFill>
-                  <a:srgbClr val="000000"/>
-                </a:solidFill>
-                <a:latin typeface="Consolas" panose="020B0609020204030204" pitchFamily="49" charset="0"/>
-              </a:rPr>
-              <a:t>; j++) {</a:t>
+              <a:rPr lang="en-US" altLang="en-US" sz="1600" dirty="0">
+                <a:solidFill>
+                  <a:srgbClr val="000000"/>
+                </a:solidFill>
+                <a:latin typeface="Consolas" panose="020B0609020204030204" pitchFamily="49" charset="0"/>
+              </a:rPr>
+              <a:t>; </a:t>
+            </a:r>
+            <a:r>
+              <a:rPr lang="en-US" altLang="en-US" sz="1600" dirty="0" err="1" smtClean="0">
+                <a:solidFill>
+                  <a:srgbClr val="000000"/>
+                </a:solidFill>
+                <a:latin typeface="Consolas" panose="020B0609020204030204" pitchFamily="49" charset="0"/>
+              </a:rPr>
+              <a:t>i</a:t>
+            </a:r>
+            <a:r>
+              <a:rPr lang="en-US" altLang="en-US" sz="1600" dirty="0" smtClean="0">
+                <a:solidFill>
+                  <a:srgbClr val="000000"/>
+                </a:solidFill>
+                <a:latin typeface="Consolas" panose="020B0609020204030204" pitchFamily="49" charset="0"/>
+              </a:rPr>
+              <a:t>++) </a:t>
+            </a:r>
+            <a:r>
+              <a:rPr lang="en-US" altLang="en-US" sz="1600" dirty="0">
+                <a:solidFill>
+                  <a:srgbClr val="000000"/>
+                </a:solidFill>
+                <a:latin typeface="Consolas" panose="020B0609020204030204" pitchFamily="49" charset="0"/>
+              </a:rPr>
+              <a:t>{</a:t>
             </a:r>
             <a:br>
-              <a:rPr lang="en-US" altLang="en-US" sz="1600">
+              <a:rPr lang="en-US" altLang="en-US" sz="1600" dirty="0">
                 <a:solidFill>
                   <a:srgbClr val="000000"/>
                 </a:solidFill>
@@ -21870,106 +22204,133 @@
               </a:rPr>
             </a:br>
             <a:r>
-              <a:rPr lang="en-US" altLang="en-US" sz="1600">
-                <a:solidFill>
-                  <a:srgbClr val="000000"/>
-                </a:solidFill>
-                <a:latin typeface="Consolas" panose="020B0609020204030204" pitchFamily="49" charset="0"/>
-              </a:rPr>
-              <a:t>   </a:t>
-            </a:r>
-            <a:r>
-              <a:rPr lang="en-US" altLang="en-US" sz="1600" smtClean="0">
-                <a:solidFill>
-                  <a:srgbClr val="000000"/>
-                </a:solidFill>
-                <a:latin typeface="Consolas" panose="020B0609020204030204" pitchFamily="49" charset="0"/>
-              </a:rPr>
-              <a:t> </a:t>
-            </a:r>
-            <a:r>
-              <a:rPr lang="en-US" altLang="en-US" sz="1600" b="1" smtClean="0">
-                <a:solidFill>
-                  <a:srgbClr val="000080"/>
-                </a:solidFill>
-                <a:latin typeface="Consolas" panose="020B0609020204030204" pitchFamily="49" charset="0"/>
-              </a:rPr>
-              <a:t>for </a:t>
-            </a:r>
-            <a:r>
-              <a:rPr lang="en-US" altLang="en-US" sz="1600">
-                <a:solidFill>
-                  <a:srgbClr val="000000"/>
-                </a:solidFill>
-                <a:latin typeface="Consolas" panose="020B0609020204030204" pitchFamily="49" charset="0"/>
-              </a:rPr>
-              <a:t>(</a:t>
-            </a:r>
-            <a:r>
-              <a:rPr lang="en-US" altLang="en-US" sz="1600" b="1">
-                <a:solidFill>
-                  <a:srgbClr val="000080"/>
-                </a:solidFill>
-                <a:latin typeface="Consolas" panose="020B0609020204030204" pitchFamily="49" charset="0"/>
-              </a:rPr>
-              <a:t>int </a:t>
-            </a:r>
-            <a:r>
-              <a:rPr lang="en-US" altLang="en-US" sz="1600" smtClean="0">
-                <a:solidFill>
-                  <a:srgbClr val="000000"/>
-                </a:solidFill>
-                <a:latin typeface="Consolas" panose="020B0609020204030204" pitchFamily="49" charset="0"/>
-              </a:rPr>
-              <a:t>k= </a:t>
-            </a:r>
-            <a:r>
-              <a:rPr lang="en-US" altLang="en-US" sz="1600">
-                <a:solidFill>
-                  <a:srgbClr val="0000FF"/>
-                </a:solidFill>
-                <a:latin typeface="Consolas" panose="020B0609020204030204" pitchFamily="49" charset="0"/>
-              </a:rPr>
-              <a:t>0</a:t>
-            </a:r>
-            <a:r>
-              <a:rPr lang="en-US" altLang="en-US" sz="1600">
-                <a:solidFill>
-                  <a:srgbClr val="000000"/>
-                </a:solidFill>
-                <a:latin typeface="Consolas" panose="020B0609020204030204" pitchFamily="49" charset="0"/>
-              </a:rPr>
-              <a:t>; </a:t>
-            </a:r>
-            <a:r>
-              <a:rPr lang="en-US" altLang="en-US" sz="1600" smtClean="0">
-                <a:solidFill>
-                  <a:srgbClr val="000000"/>
-                </a:solidFill>
-                <a:latin typeface="Consolas" panose="020B0609020204030204" pitchFamily="49" charset="0"/>
-              </a:rPr>
-              <a:t>k &lt; </a:t>
-            </a:r>
-            <a:r>
-              <a:rPr lang="en-US" altLang="en-US" sz="1600" b="1" i="1" smtClean="0">
+              <a:rPr lang="en-US" altLang="en-US" sz="1600" dirty="0">
+                <a:solidFill>
+                  <a:srgbClr val="000000"/>
+                </a:solidFill>
+                <a:latin typeface="Consolas" panose="020B0609020204030204" pitchFamily="49" charset="0"/>
+              </a:rPr>
+              <a:t>      </a:t>
+            </a:r>
+            <a:r>
+              <a:rPr lang="en-US" altLang="en-US" sz="1600" b="1" i="1" dirty="0" smtClean="0">
                 <a:solidFill>
                   <a:srgbClr val="660E7A"/>
                 </a:solidFill>
                 <a:latin typeface="Consolas" panose="020B0609020204030204" pitchFamily="49" charset="0"/>
               </a:rPr>
-              <a:t>n</a:t>
-            </a:r>
-            <a:r>
-              <a:rPr lang="en-US" altLang="en-US" sz="1600">
-                <a:solidFill>
-                  <a:srgbClr val="000000"/>
-                </a:solidFill>
-                <a:latin typeface="Consolas" panose="020B0609020204030204" pitchFamily="49" charset="0"/>
-              </a:rPr>
-              <a:t>; k++) {</a:t>
+              <a:t>C</a:t>
+            </a:r>
+            <a:r>
+              <a:rPr lang="en-US" altLang="en-US" sz="1600" dirty="0" smtClean="0">
+                <a:solidFill>
+                  <a:srgbClr val="000000"/>
+                </a:solidFill>
+                <a:latin typeface="Consolas" panose="020B0609020204030204" pitchFamily="49" charset="0"/>
+              </a:rPr>
+              <a:t>[</a:t>
+            </a:r>
+            <a:r>
+              <a:rPr lang="en-US" altLang="en-US" sz="1600" dirty="0" err="1" smtClean="0">
+                <a:solidFill>
+                  <a:srgbClr val="000000"/>
+                </a:solidFill>
+                <a:latin typeface="Consolas" panose="020B0609020204030204" pitchFamily="49" charset="0"/>
+              </a:rPr>
+              <a:t>i</a:t>
+            </a:r>
+            <a:r>
+              <a:rPr lang="en-US" altLang="en-US" sz="1600" dirty="0">
+                <a:solidFill>
+                  <a:srgbClr val="000000"/>
+                </a:solidFill>
+                <a:latin typeface="Consolas" panose="020B0609020204030204" pitchFamily="49" charset="0"/>
+              </a:rPr>
+              <a:t>][j</a:t>
+            </a:r>
+            <a:r>
+              <a:rPr lang="en-US" altLang="en-US" sz="1600" dirty="0" smtClean="0">
+                <a:solidFill>
+                  <a:srgbClr val="000000"/>
+                </a:solidFill>
+                <a:latin typeface="Consolas" panose="020B0609020204030204" pitchFamily="49" charset="0"/>
+              </a:rPr>
+              <a:t>]+= </a:t>
+            </a:r>
+            <a:r>
+              <a:rPr lang="en-US" altLang="en-US" sz="1600" b="1" i="1" dirty="0">
+                <a:solidFill>
+                  <a:srgbClr val="660E7A"/>
+                </a:solidFill>
+                <a:latin typeface="Consolas" panose="020B0609020204030204" pitchFamily="49" charset="0"/>
+              </a:rPr>
+              <a:t>A</a:t>
+            </a:r>
+            <a:r>
+              <a:rPr lang="en-US" altLang="en-US" sz="1600" dirty="0">
+                <a:solidFill>
+                  <a:srgbClr val="000000"/>
+                </a:solidFill>
+                <a:latin typeface="Consolas" panose="020B0609020204030204" pitchFamily="49" charset="0"/>
+              </a:rPr>
+              <a:t>[</a:t>
+            </a:r>
+            <a:r>
+              <a:rPr lang="en-US" altLang="en-US" sz="1600" dirty="0" err="1">
+                <a:solidFill>
+                  <a:srgbClr val="000000"/>
+                </a:solidFill>
+                <a:latin typeface="Consolas" panose="020B0609020204030204" pitchFamily="49" charset="0"/>
+              </a:rPr>
+              <a:t>i</a:t>
+            </a:r>
+            <a:r>
+              <a:rPr lang="en-US" altLang="en-US" sz="1600" dirty="0">
+                <a:solidFill>
+                  <a:srgbClr val="000000"/>
+                </a:solidFill>
+                <a:latin typeface="Consolas" panose="020B0609020204030204" pitchFamily="49" charset="0"/>
+              </a:rPr>
+              <a:t>][k</a:t>
+            </a:r>
+            <a:r>
+              <a:rPr lang="en-US" altLang="en-US" sz="1600" dirty="0" smtClean="0">
+                <a:solidFill>
+                  <a:srgbClr val="000000"/>
+                </a:solidFill>
+                <a:latin typeface="Consolas" panose="020B0609020204030204" pitchFamily="49" charset="0"/>
+              </a:rPr>
+              <a:t>]*</a:t>
+            </a:r>
+            <a:r>
+              <a:rPr lang="en-US" altLang="en-US" sz="1600" b="1" i="1" dirty="0" smtClean="0">
+                <a:solidFill>
+                  <a:srgbClr val="660E7A"/>
+                </a:solidFill>
+                <a:latin typeface="Consolas" panose="020B0609020204030204" pitchFamily="49" charset="0"/>
+              </a:rPr>
+              <a:t>B</a:t>
+            </a:r>
+            <a:r>
+              <a:rPr lang="en-US" altLang="en-US" sz="1600" dirty="0" smtClean="0">
+                <a:solidFill>
+                  <a:srgbClr val="000000"/>
+                </a:solidFill>
+                <a:latin typeface="Consolas" panose="020B0609020204030204" pitchFamily="49" charset="0"/>
+              </a:rPr>
+              <a:t>[k</a:t>
+            </a:r>
+            <a:r>
+              <a:rPr lang="en-US" altLang="en-US" sz="1600" dirty="0">
+                <a:solidFill>
+                  <a:srgbClr val="000000"/>
+                </a:solidFill>
+                <a:latin typeface="Consolas" panose="020B0609020204030204" pitchFamily="49" charset="0"/>
+              </a:rPr>
+              <a:t>][j];</a:t>
             </a:r>
             <a:br>
-              <a:rPr lang="en-US" altLang="en-US" sz="1600">
+              <a:rPr lang="en-US" altLang="en-US" sz="1600" dirty="0">
                 <a:solidFill>
                   <a:srgbClr val="000000"/>
                 </a:solidFill>
@@ -21977,106 +22338,34 @@
               </a:rPr>
             </a:br>
             <a:r>
-              <a:rPr lang="en-US" altLang="en-US" sz="1600">
-                <a:solidFill>
-                  <a:srgbClr val="000000"/>
-                </a:solidFill>
-                <a:latin typeface="Consolas" panose="020B0609020204030204" pitchFamily="49" charset="0"/>
-              </a:rPr>
-              <a:t>      </a:t>
-            </a:r>
-            <a:r>
-              <a:rPr lang="en-US" altLang="en-US" sz="1600" b="1" i="1" smtClean="0">
-                <a:solidFill>
-                  <a:srgbClr val="660E7A"/>
-                </a:solidFill>
-                <a:latin typeface="Consolas" panose="020B0609020204030204" pitchFamily="49" charset="0"/>
-              </a:rPr>
-              <a:t>C</a:t>
-            </a:r>
-            <a:r>
-              <a:rPr lang="en-US" altLang="en-US" sz="1600" smtClean="0">
-                <a:solidFill>
-                  <a:srgbClr val="000000"/>
-                </a:solidFill>
-                <a:latin typeface="Consolas" panose="020B0609020204030204" pitchFamily="49" charset="0"/>
-              </a:rPr>
-              <a:t>[i</a:t>
-            </a:r>
-            <a:r>
-              <a:rPr lang="en-US" altLang="en-US" sz="1600">
-                <a:solidFill>
-                  <a:srgbClr val="000000"/>
-                </a:solidFill>
-                <a:latin typeface="Consolas" panose="020B0609020204030204" pitchFamily="49" charset="0"/>
-              </a:rPr>
-              <a:t>][j</a:t>
-            </a:r>
-            <a:r>
-              <a:rPr lang="en-US" altLang="en-US" sz="1600" smtClean="0">
-                <a:solidFill>
-                  <a:srgbClr val="000000"/>
-                </a:solidFill>
-                <a:latin typeface="Consolas" panose="020B0609020204030204" pitchFamily="49" charset="0"/>
-              </a:rPr>
-              <a:t>]+= </a:t>
-            </a:r>
-            <a:r>
-              <a:rPr lang="en-US" altLang="en-US" sz="1600" b="1" i="1">
-                <a:solidFill>
-                  <a:srgbClr val="660E7A"/>
-                </a:solidFill>
-                <a:latin typeface="Consolas" panose="020B0609020204030204" pitchFamily="49" charset="0"/>
-              </a:rPr>
-              <a:t>A</a:t>
-            </a:r>
-            <a:r>
-              <a:rPr lang="en-US" altLang="en-US" sz="1600">
-                <a:solidFill>
-                  <a:srgbClr val="000000"/>
-                </a:solidFill>
-                <a:latin typeface="Consolas" panose="020B0609020204030204" pitchFamily="49" charset="0"/>
-              </a:rPr>
-              <a:t>[i][k</a:t>
-            </a:r>
-            <a:r>
-              <a:rPr lang="en-US" altLang="en-US" sz="1600" smtClean="0">
-                <a:solidFill>
-                  <a:srgbClr val="000000"/>
-                </a:solidFill>
-                <a:latin typeface="Consolas" panose="020B0609020204030204" pitchFamily="49" charset="0"/>
-              </a:rPr>
-              <a:t>]*</a:t>
-            </a:r>
-            <a:r>
-              <a:rPr lang="en-US" altLang="en-US" sz="1600" b="1" i="1" smtClean="0">
-                <a:solidFill>
-                  <a:srgbClr val="660E7A"/>
-                </a:solidFill>
-                <a:latin typeface="Consolas" panose="020B0609020204030204" pitchFamily="49" charset="0"/>
-              </a:rPr>
-              <a:t>B</a:t>
-            </a:r>
-            <a:r>
-              <a:rPr lang="en-US" altLang="en-US" sz="1600" smtClean="0">
-                <a:solidFill>
-                  <a:srgbClr val="000000"/>
-                </a:solidFill>
-                <a:latin typeface="Consolas" panose="020B0609020204030204" pitchFamily="49" charset="0"/>
-              </a:rPr>
-              <a:t>[k</a:t>
-            </a:r>
-            <a:r>
-              <a:rPr lang="en-US" altLang="en-US" sz="1600">
-                <a:solidFill>
-                  <a:srgbClr val="000000"/>
-                </a:solidFill>
-                <a:latin typeface="Consolas" panose="020B0609020204030204" pitchFamily="49" charset="0"/>
-              </a:rPr>
-              <a:t>][j];</a:t>
+              <a:rPr lang="en-US" altLang="en-US" sz="1600" dirty="0">
+                <a:solidFill>
+                  <a:srgbClr val="000000"/>
+                </a:solidFill>
+                <a:latin typeface="Consolas" panose="020B0609020204030204" pitchFamily="49" charset="0"/>
+              </a:rPr>
+              <a:t>    </a:t>
+            </a:r>
+            <a:r>
+              <a:rPr lang="en-US" altLang="en-US" sz="1600" dirty="0" smtClean="0">
+                <a:solidFill>
+                  <a:srgbClr val="000000"/>
+                </a:solidFill>
+                <a:latin typeface="Consolas" panose="020B0609020204030204" pitchFamily="49" charset="0"/>
+              </a:rPr>
+              <a:t>}</a:t>
+            </a:r>
+            <a:r>
+              <a:rPr lang="en-US" altLang="en-US" sz="1600" dirty="0">
+                <a:solidFill>
+                  <a:srgbClr val="000000"/>
+                </a:solidFill>
+                <a:latin typeface="Consolas" panose="020B0609020204030204" pitchFamily="49" charset="0"/>
+              </a:rPr>
+              <a:t/>
             </a:r>
             <a:br>
-              <a:rPr lang="en-US" altLang="en-US" sz="1600">
+              <a:rPr lang="en-US" altLang="en-US" sz="1600" dirty="0">
                 <a:solidFill>
                   <a:srgbClr val="000000"/>
                 </a:solidFill>
@@ -22084,16 +22373,16 @@
               </a:rPr>
             </a:br>
             <a:r>
-              <a:rPr lang="en-US" altLang="en-US" sz="1600">
-                <a:solidFill>
-                  <a:srgbClr val="000000"/>
-                </a:solidFill>
-                <a:latin typeface="Consolas" panose="020B0609020204030204" pitchFamily="49" charset="0"/>
-              </a:rPr>
-              <a:t>    </a:t>
-            </a:r>
-            <a:r>
-              <a:rPr lang="en-US" altLang="en-US" sz="1600" smtClean="0">
+              <a:rPr lang="en-US" altLang="en-US" sz="1600" dirty="0">
+                <a:solidFill>
+                  <a:srgbClr val="000000"/>
+                </a:solidFill>
+                <a:latin typeface="Consolas" panose="020B0609020204030204" pitchFamily="49" charset="0"/>
+              </a:rPr>
+              <a:t>  </a:t>
+            </a:r>
+            <a:r>
+              <a:rPr lang="en-US" altLang="en-US" sz="1600" dirty="0" smtClean="0">
                 <a:solidFill>
                   <a:srgbClr val="000000"/>
                 </a:solidFill>
@@ -22102,7 +22391,7 @@
               <a:t>}</a:t>
             </a:r>
             <a:r>
-              <a:rPr lang="en-US" altLang="en-US" sz="1600">
+              <a:rPr lang="en-US" altLang="en-US" sz="1600" dirty="0">
                 <a:solidFill>
                   <a:srgbClr val="000000"/>
                 </a:solidFill>
@@ -22111,7 +22400,7 @@
               <a:t/>
             </a:r>
             <a:br>
-              <a:rPr lang="en-US" altLang="en-US" sz="1600">
+              <a:rPr lang="en-US" altLang="en-US" sz="1600" dirty="0">
                 <a:solidFill>
                   <a:srgbClr val="000000"/>
                 </a:solidFill>
@@ -22119,16 +22408,7 @@
               </a:rPr>
             </a:br>
             <a:r>
-              <a:rPr lang="en-US" altLang="en-US" sz="1600">
-                <a:solidFill>
-                  <a:srgbClr val="000000"/>
-                </a:solidFill>
-                <a:latin typeface="Consolas" panose="020B0609020204030204" pitchFamily="49" charset="0"/>
-              </a:rPr>
-              <a:t>  </a:t>
-            </a:r>
-            <a:r>
-              <a:rPr lang="en-US" altLang="en-US" sz="1600" smtClean="0">
+              <a:rPr lang="en-US" altLang="en-US" sz="1600" dirty="0" smtClean="0">
                 <a:solidFill>
                   <a:srgbClr val="000000"/>
                 </a:solidFill>
@@ -22136,33 +22416,7 @@
               </a:rPr>
               <a:t>}</a:t>
             </a:r>
-            <a:r>
-              <a:rPr lang="en-US" altLang="en-US" sz="1600">
-                <a:solidFill>
-                  <a:srgbClr val="000000"/>
-                </a:solidFill>
-                <a:latin typeface="Consolas" panose="020B0609020204030204" pitchFamily="49" charset="0"/>
-              </a:rPr>
-              <a:t/>
-            </a:r>
-            <a:br>
-              <a:rPr lang="en-US" altLang="en-US" sz="1600">
-                <a:solidFill>
-                  <a:srgbClr val="000000"/>
-                </a:solidFill>
-                <a:latin typeface="Consolas" panose="020B0609020204030204" pitchFamily="49" charset="0"/>
-              </a:rPr>
-            </a:br>
-            <a:r>
-              <a:rPr lang="en-US" altLang="en-US" sz="1600" smtClean="0">
-                <a:solidFill>
-                  <a:srgbClr val="000000"/>
-                </a:solidFill>
-                <a:latin typeface="Consolas" panose="020B0609020204030204" pitchFamily="49" charset="0"/>
-              </a:rPr>
-              <a:t>}</a:t>
-            </a:r>
-            <a:endParaRPr lang="en-US" sz="1600"/>
+            <a:endParaRPr lang="en-US" sz="1600" dirty="0"/>
           </a:p>
         </p:txBody>
       </p:sp>
@@ -22402,7 +22656,7 @@
     </p:spTree>
     <p:extLst>
       <p:ext uri="{BB962C8B-B14F-4D97-AF65-F5344CB8AC3E}">
-        <p14:creationId xmlns:p14="http://schemas.microsoft.com/office/powerpoint/2010/main" xmlns="" val="2808821390"/>
+        <p14:creationId xmlns="" xmlns:p14="http://schemas.microsoft.com/office/powerpoint/2010/main" val="2808821390"/>
       </p:ext>
     </p:extLst>
   </p:cSld>
@@ -22694,7 +22948,7 @@
   <a:extraClrSchemeLst/>
   <a:extLst>
     <a:ext uri="{05A4C25C-085E-4340-85A3-A5531E510DB2}">
-      <thm15:themeFamily xmlns:thm15="http://schemas.microsoft.com/office/thememl/2012/main" xmlns="" name="Office Theme" id="{62F939B6-93AF-4DB8-9C6B-D6C7DFDC589F}" vid="{4A3C46E8-61CC-4603-A589-7422A47A8E4A}"/>
+      <thm15:themeFamily xmlns="" xmlns:thm15="http://schemas.microsoft.com/office/thememl/2012/main" name="Office Theme" id="{62F939B6-93AF-4DB8-9C6B-D6C7DFDC589F}" vid="{4A3C46E8-61CC-4603-A589-7422A47A8E4A}"/>
     </a:ext>
   </a:extLst>
 </a:theme>
@@ -22955,7 +23209,7 @@
   <a:extraClrSchemeLst/>
   <a:extLst>
     <a:ext uri="{05A4C25C-085E-4340-85A3-A5531E510DB2}">
-      <thm15:themeFamily xmlns:thm15="http://schemas.microsoft.com/office/thememl/2012/main" xmlns="" name="Office Theme" id="{62F939B6-93AF-4DB8-9C6B-D6C7DFDC589F}" vid="{4A3C46E8-61CC-4603-A589-7422A47A8E4A}"/>
+      <thm15:themeFamily xmlns="" xmlns:thm15="http://schemas.microsoft.com/office/thememl/2012/main" name="Office Theme" id="{62F939B6-93AF-4DB8-9C6B-D6C7DFDC589F}" vid="{4A3C46E8-61CC-4603-A589-7422A47A8E4A}"/>
     </a:ext>
   </a:extLst>
 </a:theme>
@@ -23216,7 +23470,7 @@
   <a:extraClrSchemeLst/>
   <a:extLst>
     <a:ext uri="{05A4C25C-085E-4340-85A3-A5531E510DB2}">
-      <thm15:themeFamily xmlns:thm15="http://schemas.microsoft.com/office/thememl/2012/main" xmlns="" name="Office Theme" id="{62F939B6-93AF-4DB8-9C6B-D6C7DFDC589F}" vid="{4A3C46E8-61CC-4603-A589-7422A47A8E4A}"/>
+      <thm15:themeFamily xmlns="" xmlns:thm15="http://schemas.microsoft.com/office/thememl/2012/main" name="Office Theme" id="{62F939B6-93AF-4DB8-9C6B-D6C7DFDC589F}" vid="{4A3C46E8-61CC-4603-A589-7422A47A8E4A}"/>
     </a:ext>
   </a:extLst>
 </a:theme>

--- a/docs/part1ca/01_Introduction/CA_Lecture_01.pptx
+++ b/docs/part1ca/01_Introduction/CA_Lecture_01.pptx
@@ -136,7 +136,7 @@
   </p:defaultTextStyle>
   <p:extLst>
     <p:ext uri="{EFAFB233-063F-42B5-8137-9DF3F51BA10A}">
-      <p15:sldGuideLst xmlns="" xmlns:p15="http://schemas.microsoft.com/office/powerpoint/2012/main">
+      <p15:sldGuideLst xmlns:p15="http://schemas.microsoft.com/office/powerpoint/2012/main" xmlns="">
         <p15:guide id="1" orient="horz" pos="2160">
           <p15:clr>
             <a:srgbClr val="A4A3A4"/>
@@ -150,7 +150,7 @@
       </p15:sldGuideLst>
     </p:ext>
     <p:ext uri="{2D200454-40CA-4A62-9FC3-DE9A4176ACB9}">
-      <p15:notesGuideLst xmlns="" xmlns:p15="http://schemas.microsoft.com/office/powerpoint/2012/main">
+      <p15:notesGuideLst xmlns:p15="http://schemas.microsoft.com/office/powerpoint/2012/main" xmlns="">
         <p15:guide id="1" orient="horz" pos="2880">
           <p15:clr>
             <a:srgbClr val="A4A3A4"/>
@@ -334,7 +334,7 @@
     </p:spTree>
     <p:extLst>
       <p:ext uri="{BB962C8B-B14F-4D97-AF65-F5344CB8AC3E}">
-        <p14:creationId xmlns="" xmlns:p14="http://schemas.microsoft.com/office/powerpoint/2010/main" val="827279973"/>
+        <p14:creationId xmlns:p14="http://schemas.microsoft.com/office/powerpoint/2010/main" xmlns="" val="827279973"/>
       </p:ext>
     </p:extLst>
   </p:cSld>
@@ -595,7 +595,7 @@
     </p:spTree>
     <p:extLst>
       <p:ext uri="{BB962C8B-B14F-4D97-AF65-F5344CB8AC3E}">
-        <p14:creationId xmlns="" xmlns:p14="http://schemas.microsoft.com/office/powerpoint/2010/main" val="3865021395"/>
+        <p14:creationId xmlns:p14="http://schemas.microsoft.com/office/powerpoint/2010/main" xmlns="" val="3865021395"/>
       </p:ext>
     </p:extLst>
   </p:cSld>
@@ -809,7 +809,7 @@
     </p:spTree>
     <p:extLst>
       <p:ext uri="{BB962C8B-B14F-4D97-AF65-F5344CB8AC3E}">
-        <p14:creationId xmlns="" xmlns:p14="http://schemas.microsoft.com/office/powerpoint/2010/main" val="2381791527"/>
+        <p14:creationId xmlns:p14="http://schemas.microsoft.com/office/powerpoint/2010/main" xmlns="" val="2381791527"/>
       </p:ext>
     </p:extLst>
   </p:cSld>
@@ -932,7 +932,7 @@
     </p:spTree>
     <p:extLst>
       <p:ext uri="{BB962C8B-B14F-4D97-AF65-F5344CB8AC3E}">
-        <p14:creationId xmlns="" xmlns:p14="http://schemas.microsoft.com/office/powerpoint/2010/main" val="1915950851"/>
+        <p14:creationId xmlns:p14="http://schemas.microsoft.com/office/powerpoint/2010/main" xmlns="" val="1915950851"/>
       </p:ext>
     </p:extLst>
   </p:cSld>
@@ -1192,7 +1192,7 @@
     </p:spTree>
     <p:extLst>
       <p:ext uri="{BB962C8B-B14F-4D97-AF65-F5344CB8AC3E}">
-        <p14:creationId xmlns="" xmlns:p14="http://schemas.microsoft.com/office/powerpoint/2010/main" val="322455162"/>
+        <p14:creationId xmlns:p14="http://schemas.microsoft.com/office/powerpoint/2010/main" xmlns="" val="322455162"/>
       </p:ext>
     </p:extLst>
   </p:cSld>
@@ -1366,7 +1366,7 @@
     </p:spTree>
     <p:extLst>
       <p:ext uri="{BB962C8B-B14F-4D97-AF65-F5344CB8AC3E}">
-        <p14:creationId xmlns="" xmlns:p14="http://schemas.microsoft.com/office/powerpoint/2010/main" val="971117636"/>
+        <p14:creationId xmlns:p14="http://schemas.microsoft.com/office/powerpoint/2010/main" xmlns="" val="971117636"/>
       </p:ext>
     </p:extLst>
   </p:cSld>
@@ -1543,7 +1543,7 @@
     </p:spTree>
     <p:extLst>
       <p:ext uri="{BB962C8B-B14F-4D97-AF65-F5344CB8AC3E}">
-        <p14:creationId xmlns="" xmlns:p14="http://schemas.microsoft.com/office/powerpoint/2010/main" val="3348877825"/>
+        <p14:creationId xmlns:p14="http://schemas.microsoft.com/office/powerpoint/2010/main" xmlns="" val="3348877825"/>
       </p:ext>
     </p:extLst>
   </p:cSld>
@@ -1868,7 +1868,7 @@
     </p:spTree>
     <p:extLst>
       <p:ext uri="{BB962C8B-B14F-4D97-AF65-F5344CB8AC3E}">
-        <p14:creationId xmlns="" xmlns:p14="http://schemas.microsoft.com/office/powerpoint/2010/main" val="3256953994"/>
+        <p14:creationId xmlns:p14="http://schemas.microsoft.com/office/powerpoint/2010/main" xmlns="" val="3256953994"/>
       </p:ext>
     </p:extLst>
   </p:cSld>
@@ -2118,7 +2118,7 @@
     </p:spTree>
     <p:extLst>
       <p:ext uri="{BB962C8B-B14F-4D97-AF65-F5344CB8AC3E}">
-        <p14:creationId xmlns="" xmlns:p14="http://schemas.microsoft.com/office/powerpoint/2010/main" val="3067076846"/>
+        <p14:creationId xmlns:p14="http://schemas.microsoft.com/office/powerpoint/2010/main" xmlns="" val="3067076846"/>
       </p:ext>
     </p:extLst>
   </p:cSld>
@@ -2354,7 +2354,7 @@
     </p:spTree>
     <p:extLst>
       <p:ext uri="{BB962C8B-B14F-4D97-AF65-F5344CB8AC3E}">
-        <p14:creationId xmlns="" xmlns:p14="http://schemas.microsoft.com/office/powerpoint/2010/main" val="3710015975"/>
+        <p14:creationId xmlns:p14="http://schemas.microsoft.com/office/powerpoint/2010/main" xmlns="" val="3710015975"/>
       </p:ext>
     </p:extLst>
   </p:cSld>
@@ -2725,7 +2725,7 @@
     </p:spTree>
     <p:extLst>
       <p:ext uri="{BB962C8B-B14F-4D97-AF65-F5344CB8AC3E}">
-        <p14:creationId xmlns="" xmlns:p14="http://schemas.microsoft.com/office/powerpoint/2010/main" val="4075590966"/>
+        <p14:creationId xmlns:p14="http://schemas.microsoft.com/office/powerpoint/2010/main" xmlns="" val="4075590966"/>
       </p:ext>
     </p:extLst>
   </p:cSld>
@@ -2847,7 +2847,7 @@
     </p:spTree>
     <p:extLst>
       <p:ext uri="{BB962C8B-B14F-4D97-AF65-F5344CB8AC3E}">
-        <p14:creationId xmlns="" xmlns:p14="http://schemas.microsoft.com/office/powerpoint/2010/main" val="2889604898"/>
+        <p14:creationId xmlns:p14="http://schemas.microsoft.com/office/powerpoint/2010/main" xmlns="" val="2889604898"/>
       </p:ext>
     </p:extLst>
   </p:cSld>
@@ -2946,7 +2946,7 @@
     </p:spTree>
     <p:extLst>
       <p:ext uri="{BB962C8B-B14F-4D97-AF65-F5344CB8AC3E}">
-        <p14:creationId xmlns="" xmlns:p14="http://schemas.microsoft.com/office/powerpoint/2010/main" val="152384765"/>
+        <p14:creationId xmlns:p14="http://schemas.microsoft.com/office/powerpoint/2010/main" xmlns="" val="152384765"/>
       </p:ext>
     </p:extLst>
   </p:cSld>
@@ -3227,7 +3227,7 @@
     </p:spTree>
     <p:extLst>
       <p:ext uri="{BB962C8B-B14F-4D97-AF65-F5344CB8AC3E}">
-        <p14:creationId xmlns="" xmlns:p14="http://schemas.microsoft.com/office/powerpoint/2010/main" val="2127791886"/>
+        <p14:creationId xmlns:p14="http://schemas.microsoft.com/office/powerpoint/2010/main" xmlns="" val="2127791886"/>
       </p:ext>
     </p:extLst>
   </p:cSld>
@@ -3484,7 +3484,7 @@
     </p:spTree>
     <p:extLst>
       <p:ext uri="{BB962C8B-B14F-4D97-AF65-F5344CB8AC3E}">
-        <p14:creationId xmlns="" xmlns:p14="http://schemas.microsoft.com/office/powerpoint/2010/main" val="1752705130"/>
+        <p14:creationId xmlns:p14="http://schemas.microsoft.com/office/powerpoint/2010/main" xmlns="" val="1752705130"/>
       </p:ext>
     </p:extLst>
   </p:cSld>
@@ -3737,7 +3737,7 @@
     </p:spTree>
     <p:extLst>
       <p:ext uri="{BB962C8B-B14F-4D97-AF65-F5344CB8AC3E}">
-        <p14:creationId xmlns="" xmlns:p14="http://schemas.microsoft.com/office/powerpoint/2010/main" val="968833914"/>
+        <p14:creationId xmlns:p14="http://schemas.microsoft.com/office/powerpoint/2010/main" xmlns="" val="968833914"/>
       </p:ext>
     </p:extLst>
   </p:cSld>
@@ -4214,7 +4214,7 @@
     </p:spTree>
     <p:extLst>
       <p:ext uri="{BB962C8B-B14F-4D97-AF65-F5344CB8AC3E}">
-        <p14:creationId xmlns="" xmlns:p14="http://schemas.microsoft.com/office/powerpoint/2010/main" val="2492894732"/>
+        <p14:creationId xmlns:p14="http://schemas.microsoft.com/office/powerpoint/2010/main" xmlns="" val="2492894732"/>
       </p:ext>
     </p:extLst>
   </p:cSld>
@@ -4258,7 +4258,7 @@
             <p:ph idx="1"/>
             <p:extLst>
               <p:ext uri="{D42A27DB-BD31-4B8C-83A1-F6EECF244321}">
-                <p14:modId xmlns="" xmlns:p14="http://schemas.microsoft.com/office/powerpoint/2010/main" val="2853019934"/>
+                <p14:modId xmlns:p14="http://schemas.microsoft.com/office/powerpoint/2010/main" xmlns="" val="2853019934"/>
               </p:ext>
             </p:extLst>
           </p:nvPr>
@@ -4692,7 +4692,7 @@
         </p:txBody>
       </p:sp>
       <mc:AlternateContent xmlns:mc="http://schemas.openxmlformats.org/markup-compatibility/2006">
-        <mc:Choice xmlns="" xmlns:a14="http://schemas.microsoft.com/office/drawing/2010/main" Requires="a14">
+        <mc:Choice xmlns:a14="http://schemas.microsoft.com/office/drawing/2010/main" xmlns="" Requires="a14">
           <p:sp>
             <p:nvSpPr>
               <p:cNvPr id="6" name="Rectangle 5"/>
@@ -4883,7 +4883,7 @@
     </p:spTree>
     <p:extLst>
       <p:ext uri="{BB962C8B-B14F-4D97-AF65-F5344CB8AC3E}">
-        <p14:creationId xmlns="" xmlns:p14="http://schemas.microsoft.com/office/powerpoint/2010/main" val="1319878854"/>
+        <p14:creationId xmlns:p14="http://schemas.microsoft.com/office/powerpoint/2010/main" xmlns="" val="1319878854"/>
       </p:ext>
     </p:extLst>
   </p:cSld>
@@ -4975,7 +4975,7 @@
             <p:ph idx="1"/>
             <p:extLst>
               <p:ext uri="{D42A27DB-BD31-4B8C-83A1-F6EECF244321}">
-                <p14:modId xmlns="" xmlns:p14="http://schemas.microsoft.com/office/powerpoint/2010/main" val="895195415"/>
+                <p14:modId xmlns:p14="http://schemas.microsoft.com/office/powerpoint/2010/main" xmlns="" val="895195415"/>
               </p:ext>
             </p:extLst>
           </p:nvPr>
@@ -5279,7 +5279,7 @@
     </p:spTree>
     <p:extLst>
       <p:ext uri="{BB962C8B-B14F-4D97-AF65-F5344CB8AC3E}">
-        <p14:creationId xmlns="" xmlns:p14="http://schemas.microsoft.com/office/powerpoint/2010/main" val="1991606056"/>
+        <p14:creationId xmlns:p14="http://schemas.microsoft.com/office/powerpoint/2010/main" xmlns="" val="1991606056"/>
       </p:ext>
     </p:extLst>
   </p:cSld>
@@ -5447,7 +5447,7 @@
           <a:blip r:embed="rId2" cstate="print">
             <a:extLst>
               <a:ext uri="{28A0092B-C50C-407E-A947-70E740481C1C}">
-                <a14:useLocalDpi xmlns="" xmlns:a14="http://schemas.microsoft.com/office/drawing/2010/main" val="0"/>
+                <a14:useLocalDpi xmlns:a14="http://schemas.microsoft.com/office/drawing/2010/main" xmlns="" val="0"/>
               </a:ext>
             </a:extLst>
           </a:blip>
@@ -5467,7 +5467,7 @@
           <a:noFill/>
           <a:extLst>
             <a:ext uri="{909E8E84-426E-40DD-AFC4-6F175D3DCCD1}">
-              <a14:hiddenFill xmlns="" xmlns:a14="http://schemas.microsoft.com/office/drawing/2010/main">
+              <a14:hiddenFill xmlns:a14="http://schemas.microsoft.com/office/drawing/2010/main" xmlns="">
                 <a:solidFill>
                   <a:srgbClr val="FFFFFF"/>
                 </a:solidFill>
@@ -5479,7 +5479,7 @@
     </p:spTree>
     <p:extLst>
       <p:ext uri="{BB962C8B-B14F-4D97-AF65-F5344CB8AC3E}">
-        <p14:creationId xmlns="" xmlns:p14="http://schemas.microsoft.com/office/powerpoint/2010/main" val="1147934676"/>
+        <p14:creationId xmlns:p14="http://schemas.microsoft.com/office/powerpoint/2010/main" xmlns="" val="1147934676"/>
       </p:ext>
     </p:extLst>
   </p:cSld>
@@ -6377,7 +6377,7 @@
           <a:blip r:embed="rId2" cstate="print">
             <a:extLst>
               <a:ext uri="{28A0092B-C50C-407E-A947-70E740481C1C}">
-                <a14:useLocalDpi xmlns="" xmlns:a14="http://schemas.microsoft.com/office/drawing/2010/main" val="0"/>
+                <a14:useLocalDpi xmlns:a14="http://schemas.microsoft.com/office/drawing/2010/main" xmlns="" val="0"/>
               </a:ext>
             </a:extLst>
           </a:blip>
@@ -6397,7 +6397,7 @@
           <a:noFill/>
           <a:extLst>
             <a:ext uri="{909E8E84-426E-40DD-AFC4-6F175D3DCCD1}">
-              <a14:hiddenFill xmlns="" xmlns:a14="http://schemas.microsoft.com/office/drawing/2010/main">
+              <a14:hiddenFill xmlns:a14="http://schemas.microsoft.com/office/drawing/2010/main" xmlns="">
                 <a:solidFill>
                   <a:srgbClr val="FFFFFF"/>
                 </a:solidFill>
@@ -6409,7 +6409,7 @@
     </p:spTree>
     <p:extLst>
       <p:ext uri="{BB962C8B-B14F-4D97-AF65-F5344CB8AC3E}">
-        <p14:creationId xmlns="" xmlns:p14="http://schemas.microsoft.com/office/powerpoint/2010/main" val="2950914556"/>
+        <p14:creationId xmlns:p14="http://schemas.microsoft.com/office/powerpoint/2010/main" xmlns="" val="2950914556"/>
       </p:ext>
     </p:extLst>
   </p:cSld>
@@ -6455,7 +6455,7 @@
           <a:blip r:embed="rId2" cstate="print">
             <a:extLst>
               <a:ext uri="{28A0092B-C50C-407E-A947-70E740481C1C}">
-                <a14:useLocalDpi xmlns="" xmlns:a14="http://schemas.microsoft.com/office/drawing/2010/main" val="0"/>
+                <a14:useLocalDpi xmlns:a14="http://schemas.microsoft.com/office/drawing/2010/main" xmlns="" val="0"/>
               </a:ext>
             </a:extLst>
           </a:blip>
@@ -6475,7 +6475,7 @@
           <a:noFill/>
           <a:extLst>
             <a:ext uri="{909E8E84-426E-40DD-AFC4-6F175D3DCCD1}">
-              <a14:hiddenFill xmlns="" xmlns:a14="http://schemas.microsoft.com/office/drawing/2010/main">
+              <a14:hiddenFill xmlns:a14="http://schemas.microsoft.com/office/drawing/2010/main" xmlns="">
                 <a:solidFill>
                   <a:srgbClr val="FFFFFF"/>
                 </a:solidFill>
@@ -7048,7 +7048,7 @@
     </p:spTree>
     <p:extLst>
       <p:ext uri="{BB962C8B-B14F-4D97-AF65-F5344CB8AC3E}">
-        <p14:creationId xmlns="" xmlns:p14="http://schemas.microsoft.com/office/powerpoint/2010/main" val="4087179089"/>
+        <p14:creationId xmlns:p14="http://schemas.microsoft.com/office/powerpoint/2010/main" xmlns="" val="4087179089"/>
       </p:ext>
     </p:extLst>
   </p:cSld>
@@ -7254,7 +7254,7 @@
           <a:blip r:embed="rId2" cstate="print">
             <a:extLst>
               <a:ext uri="{28A0092B-C50C-407E-A947-70E740481C1C}">
-                <a14:useLocalDpi xmlns="" xmlns:a14="http://schemas.microsoft.com/office/drawing/2010/main" val="0"/>
+                <a14:useLocalDpi xmlns:a14="http://schemas.microsoft.com/office/drawing/2010/main" xmlns="" val="0"/>
               </a:ext>
             </a:extLst>
           </a:blip>
@@ -7274,7 +7274,7 @@
           <a:noFill/>
           <a:extLst>
             <a:ext uri="{909E8E84-426E-40DD-AFC4-6F175D3DCCD1}">
-              <a14:hiddenFill xmlns="" xmlns:a14="http://schemas.microsoft.com/office/drawing/2010/main">
+              <a14:hiddenFill xmlns:a14="http://schemas.microsoft.com/office/drawing/2010/main" xmlns="">
                 <a:solidFill>
                   <a:srgbClr val="FFFFFF"/>
                 </a:solidFill>
@@ -7295,7 +7295,7 @@
           <a:blip r:embed="rId3" cstate="print">
             <a:extLst>
               <a:ext uri="{28A0092B-C50C-407E-A947-70E740481C1C}">
-                <a14:useLocalDpi xmlns="" xmlns:a14="http://schemas.microsoft.com/office/drawing/2010/main" val="0"/>
+                <a14:useLocalDpi xmlns:a14="http://schemas.microsoft.com/office/drawing/2010/main" xmlns="" val="0"/>
               </a:ext>
             </a:extLst>
           </a:blip>
@@ -7315,7 +7315,7 @@
           <a:noFill/>
           <a:extLst>
             <a:ext uri="{909E8E84-426E-40DD-AFC4-6F175D3DCCD1}">
-              <a14:hiddenFill xmlns="" xmlns:a14="http://schemas.microsoft.com/office/drawing/2010/main">
+              <a14:hiddenFill xmlns:a14="http://schemas.microsoft.com/office/drawing/2010/main" xmlns="">
                 <a:solidFill>
                   <a:srgbClr val="FFFFFF"/>
                 </a:solidFill>
@@ -7327,7 +7327,7 @@
     </p:spTree>
     <p:extLst>
       <p:ext uri="{BB962C8B-B14F-4D97-AF65-F5344CB8AC3E}">
-        <p14:creationId xmlns="" xmlns:p14="http://schemas.microsoft.com/office/powerpoint/2010/main" val="4020093932"/>
+        <p14:creationId xmlns:p14="http://schemas.microsoft.com/office/powerpoint/2010/main" xmlns="" val="4020093932"/>
       </p:ext>
     </p:extLst>
   </p:cSld>
@@ -7540,7 +7540,7 @@
           <a:blip r:embed="rId2" cstate="print">
             <a:extLst>
               <a:ext uri="{28A0092B-C50C-407E-A947-70E740481C1C}">
-                <a14:useLocalDpi xmlns="" xmlns:a14="http://schemas.microsoft.com/office/drawing/2010/main" val="0"/>
+                <a14:useLocalDpi xmlns:a14="http://schemas.microsoft.com/office/drawing/2010/main" xmlns="" val="0"/>
               </a:ext>
             </a:extLst>
           </a:blip>
@@ -7563,14 +7563,14 @@
           </a:ln>
           <a:extLst>
             <a:ext uri="{909E8E84-426E-40DD-AFC4-6F175D3DCCD1}">
-              <a14:hiddenFill xmlns="" xmlns:a14="http://schemas.microsoft.com/office/drawing/2010/main">
+              <a14:hiddenFill xmlns:a14="http://schemas.microsoft.com/office/drawing/2010/main" xmlns="">
                 <a:solidFill>
                   <a:srgbClr val="FFFFFF"/>
                 </a:solidFill>
               </a14:hiddenFill>
             </a:ext>
             <a:ext uri="{91240B29-F687-4F45-9708-019B960494DF}">
-              <a14:hiddenLine xmlns="" xmlns:a14="http://schemas.microsoft.com/office/drawing/2010/main" w="9525">
+              <a14:hiddenLine xmlns:a14="http://schemas.microsoft.com/office/drawing/2010/main" xmlns="" w="9525">
                 <a:solidFill>
                   <a:srgbClr val="000000"/>
                 </a:solidFill>
@@ -7585,7 +7585,7 @@
     </p:spTree>
     <p:extLst>
       <p:ext uri="{BB962C8B-B14F-4D97-AF65-F5344CB8AC3E}">
-        <p14:creationId xmlns="" xmlns:p14="http://schemas.microsoft.com/office/powerpoint/2010/main" val="3856844071"/>
+        <p14:creationId xmlns:p14="http://schemas.microsoft.com/office/powerpoint/2010/main" xmlns="" val="3856844071"/>
       </p:ext>
     </p:extLst>
   </p:cSld>
@@ -7631,7 +7631,7 @@
           <a:blip r:embed="rId2" cstate="print">
             <a:extLst>
               <a:ext uri="{28A0092B-C50C-407E-A947-70E740481C1C}">
-                <a14:useLocalDpi xmlns="" xmlns:a14="http://schemas.microsoft.com/office/drawing/2010/main" val="0"/>
+                <a14:useLocalDpi xmlns:a14="http://schemas.microsoft.com/office/drawing/2010/main" xmlns="" val="0"/>
               </a:ext>
             </a:extLst>
           </a:blip>
@@ -7654,14 +7654,14 @@
           </a:ln>
           <a:extLst>
             <a:ext uri="{909E8E84-426E-40DD-AFC4-6F175D3DCCD1}">
-              <a14:hiddenFill xmlns="" xmlns:a14="http://schemas.microsoft.com/office/drawing/2010/main">
+              <a14:hiddenFill xmlns:a14="http://schemas.microsoft.com/office/drawing/2010/main" xmlns="">
                 <a:solidFill>
                   <a:srgbClr val="FFFFFF"/>
                 </a:solidFill>
               </a14:hiddenFill>
             </a:ext>
             <a:ext uri="{91240B29-F687-4F45-9708-019B960494DF}">
-              <a14:hiddenLine xmlns="" xmlns:a14="http://schemas.microsoft.com/office/drawing/2010/main" w="9525">
+              <a14:hiddenLine xmlns:a14="http://schemas.microsoft.com/office/drawing/2010/main" xmlns="" w="9525">
                 <a:solidFill>
                   <a:srgbClr val="000000"/>
                 </a:solidFill>
@@ -8167,7 +8167,7 @@
           <p:nvPr>
             <p:extLst>
               <p:ext uri="{D42A27DB-BD31-4B8C-83A1-F6EECF244321}">
-                <p14:modId xmlns="" xmlns:p14="http://schemas.microsoft.com/office/powerpoint/2010/main" val="1213753623"/>
+                <p14:modId xmlns:p14="http://schemas.microsoft.com/office/powerpoint/2010/main" xmlns="" val="1213753623"/>
               </p:ext>
             </p:extLst>
           </p:nvPr>
@@ -9880,7 +9880,7 @@
     </p:spTree>
     <p:extLst>
       <p:ext uri="{BB962C8B-B14F-4D97-AF65-F5344CB8AC3E}">
-        <p14:creationId xmlns="" xmlns:p14="http://schemas.microsoft.com/office/powerpoint/2010/main" val="1153504515"/>
+        <p14:creationId xmlns:p14="http://schemas.microsoft.com/office/powerpoint/2010/main" xmlns="" val="1153504515"/>
       </p:ext>
     </p:extLst>
   </p:cSld>
@@ -10050,7 +10050,7 @@
     </p:spTree>
     <p:extLst>
       <p:ext uri="{BB962C8B-B14F-4D97-AF65-F5344CB8AC3E}">
-        <p14:creationId xmlns="" xmlns:p14="http://schemas.microsoft.com/office/powerpoint/2010/main" val="664014649"/>
+        <p14:creationId xmlns:p14="http://schemas.microsoft.com/office/powerpoint/2010/main" xmlns="" val="664014649"/>
       </p:ext>
     </p:extLst>
   </p:cSld>
@@ -10644,7 +10644,7 @@
     </p:spTree>
     <p:extLst>
       <p:ext uri="{BB962C8B-B14F-4D97-AF65-F5344CB8AC3E}">
-        <p14:creationId xmlns="" xmlns:p14="http://schemas.microsoft.com/office/powerpoint/2010/main" val="1974197127"/>
+        <p14:creationId xmlns:p14="http://schemas.microsoft.com/office/powerpoint/2010/main" xmlns="" val="1974197127"/>
       </p:ext>
     </p:extLst>
   </p:cSld>
@@ -10738,7 +10738,7 @@
           <a:blip r:embed="rId2" cstate="print">
             <a:extLst>
               <a:ext uri="{28A0092B-C50C-407E-A947-70E740481C1C}">
-                <a14:useLocalDpi xmlns="" xmlns:a14="http://schemas.microsoft.com/office/drawing/2010/main" val="0"/>
+                <a14:useLocalDpi xmlns:a14="http://schemas.microsoft.com/office/drawing/2010/main" xmlns="" val="0"/>
               </a:ext>
             </a:extLst>
           </a:blip>
@@ -10761,14 +10761,14 @@
           </a:ln>
           <a:extLst>
             <a:ext uri="{909E8E84-426E-40DD-AFC4-6F175D3DCCD1}">
-              <a14:hiddenFill xmlns="" xmlns:a14="http://schemas.microsoft.com/office/drawing/2010/main">
+              <a14:hiddenFill xmlns:a14="http://schemas.microsoft.com/office/drawing/2010/main" xmlns="">
                 <a:solidFill>
                   <a:srgbClr val="FFFFFF"/>
                 </a:solidFill>
               </a14:hiddenFill>
             </a:ext>
             <a:ext uri="{91240B29-F687-4F45-9708-019B960494DF}">
-              <a14:hiddenLine xmlns="" xmlns:a14="http://schemas.microsoft.com/office/drawing/2010/main" w="9525">
+              <a14:hiddenLine xmlns:a14="http://schemas.microsoft.com/office/drawing/2010/main" xmlns="" w="9525">
                 <a:solidFill>
                   <a:srgbClr val="000000"/>
                 </a:solidFill>
@@ -10783,7 +10783,7 @@
     </p:spTree>
     <p:extLst>
       <p:ext uri="{BB962C8B-B14F-4D97-AF65-F5344CB8AC3E}">
-        <p14:creationId xmlns="" xmlns:p14="http://schemas.microsoft.com/office/powerpoint/2010/main" val="2270459329"/>
+        <p14:creationId xmlns:p14="http://schemas.microsoft.com/office/powerpoint/2010/main" xmlns="" val="2270459329"/>
       </p:ext>
     </p:extLst>
   </p:cSld>
@@ -10892,7 +10892,7 @@
     </p:spTree>
     <p:extLst>
       <p:ext uri="{BB962C8B-B14F-4D97-AF65-F5344CB8AC3E}">
-        <p14:creationId xmlns="" xmlns:p14="http://schemas.microsoft.com/office/powerpoint/2010/main" val="4095291685"/>
+        <p14:creationId xmlns:p14="http://schemas.microsoft.com/office/powerpoint/2010/main" xmlns="" val="4095291685"/>
       </p:ext>
     </p:extLst>
   </p:cSld>
@@ -11155,7 +11155,7 @@
     </p:spTree>
     <p:extLst>
       <p:ext uri="{BB962C8B-B14F-4D97-AF65-F5344CB8AC3E}">
-        <p14:creationId xmlns="" xmlns:p14="http://schemas.microsoft.com/office/powerpoint/2010/main" val="1324819286"/>
+        <p14:creationId xmlns:p14="http://schemas.microsoft.com/office/powerpoint/2010/main" xmlns="" val="1324819286"/>
       </p:ext>
     </p:extLst>
   </p:cSld>
@@ -11348,14 +11348,14 @@
           <a:effectLst/>
           <a:extLst>
             <a:ext uri="{909E8E84-426E-40DD-AFC4-6F175D3DCCD1}">
-              <a14:hiddenFill xmlns="" xmlns:a14="http://schemas.microsoft.com/office/drawing/2010/main">
+              <a14:hiddenFill xmlns:a14="http://schemas.microsoft.com/office/drawing/2010/main" xmlns="">
                 <a:solidFill>
                   <a:schemeClr val="accent1"/>
                 </a:solidFill>
               </a14:hiddenFill>
             </a:ext>
             <a:ext uri="{91240B29-F687-4F45-9708-019B960494DF}">
-              <a14:hiddenLine xmlns="" xmlns:a14="http://schemas.microsoft.com/office/drawing/2010/main" w="9525">
+              <a14:hiddenLine xmlns:a14="http://schemas.microsoft.com/office/drawing/2010/main" xmlns="" w="9525">
                 <a:solidFill>
                   <a:schemeClr val="tx1"/>
                 </a:solidFill>
@@ -11365,7 +11365,7 @@
               </a14:hiddenLine>
             </a:ext>
             <a:ext uri="{AF507438-7753-43E0-B8FC-AC1667EBCBE1}">
-              <a14:hiddenEffects xmlns="" xmlns:a14="http://schemas.microsoft.com/office/drawing/2010/main">
+              <a14:hiddenEffects xmlns:a14="http://schemas.microsoft.com/office/drawing/2010/main" xmlns="">
                 <a:effectLst>
                   <a:outerShdw dist="35921" dir="2700000" algn="ctr" rotWithShape="0">
                     <a:schemeClr val="bg2"/>
@@ -11473,7 +11473,7 @@
     </p:spTree>
     <p:extLst>
       <p:ext uri="{BB962C8B-B14F-4D97-AF65-F5344CB8AC3E}">
-        <p14:creationId xmlns="" xmlns:p14="http://schemas.microsoft.com/office/powerpoint/2010/main" val="3293126798"/>
+        <p14:creationId xmlns:p14="http://schemas.microsoft.com/office/powerpoint/2010/main" xmlns="" val="3293126798"/>
       </p:ext>
     </p:extLst>
   </p:cSld>
@@ -12054,7 +12054,7 @@
     </p:spTree>
     <p:extLst>
       <p:ext uri="{BB962C8B-B14F-4D97-AF65-F5344CB8AC3E}">
-        <p14:creationId xmlns="" xmlns:p14="http://schemas.microsoft.com/office/powerpoint/2010/main" val="4217875043"/>
+        <p14:creationId xmlns:p14="http://schemas.microsoft.com/office/powerpoint/2010/main" xmlns="" val="4217875043"/>
       </p:ext>
     </p:extLst>
   </p:cSld>
@@ -13219,7 +13219,7 @@
           <a:effectLst/>
           <a:extLst>
             <a:ext uri="{91240B29-F687-4F45-9708-019B960494DF}">
-              <a14:hiddenLine xmlns="" xmlns:a14="http://schemas.microsoft.com/office/drawing/2010/main" w="9525">
+              <a14:hiddenLine xmlns:a14="http://schemas.microsoft.com/office/drawing/2010/main" xmlns="" w="9525">
                 <a:solidFill>
                   <a:schemeClr val="tx1"/>
                 </a:solidFill>
@@ -13229,7 +13229,7 @@
               </a14:hiddenLine>
             </a:ext>
             <a:ext uri="{AF507438-7753-43E0-B8FC-AC1667EBCBE1}">
-              <a14:hiddenEffects xmlns="" xmlns:a14="http://schemas.microsoft.com/office/drawing/2010/main">
+              <a14:hiddenEffects xmlns:a14="http://schemas.microsoft.com/office/drawing/2010/main" xmlns="">
                 <a:effectLst>
                   <a:outerShdw dist="35921" dir="2700000" algn="ctr" rotWithShape="0">
                     <a:schemeClr val="bg2"/>
@@ -14801,7 +14801,7 @@
           <a:effectLst/>
           <a:extLst>
             <a:ext uri="{91240B29-F687-4F45-9708-019B960494DF}">
-              <a14:hiddenLine xmlns="" xmlns:a14="http://schemas.microsoft.com/office/drawing/2010/main" w="9525">
+              <a14:hiddenLine xmlns:a14="http://schemas.microsoft.com/office/drawing/2010/main" xmlns="" w="9525">
                 <a:solidFill>
                   <a:schemeClr val="tx1"/>
                 </a:solidFill>
@@ -14811,7 +14811,7 @@
               </a14:hiddenLine>
             </a:ext>
             <a:ext uri="{AF507438-7753-43E0-B8FC-AC1667EBCBE1}">
-              <a14:hiddenEffects xmlns="" xmlns:a14="http://schemas.microsoft.com/office/drawing/2010/main">
+              <a14:hiddenEffects xmlns:a14="http://schemas.microsoft.com/office/drawing/2010/main" xmlns="">
                 <a:effectLst>
                   <a:outerShdw dist="35921" dir="2700000" algn="ctr" rotWithShape="0">
                     <a:schemeClr val="bg2"/>
@@ -14860,7 +14860,7 @@
         </p:txBody>
       </p:sp>
       <mc:AlternateContent xmlns:mc="http://schemas.openxmlformats.org/markup-compatibility/2006">
-        <mc:Choice xmlns="" xmlns:a14="http://schemas.microsoft.com/office/drawing/2010/main" Requires="a14">
+        <mc:Choice xmlns:a14="http://schemas.microsoft.com/office/drawing/2010/main" xmlns="" Requires="a14">
           <p:sp>
             <p:nvSpPr>
               <p:cNvPr id="8" name="Содержимое 1"/>
@@ -15339,7 +15339,7 @@
     </p:spTree>
     <p:extLst>
       <p:ext uri="{BB962C8B-B14F-4D97-AF65-F5344CB8AC3E}">
-        <p14:creationId xmlns="" xmlns:p14="http://schemas.microsoft.com/office/powerpoint/2010/main" val="611271091"/>
+        <p14:creationId xmlns:p14="http://schemas.microsoft.com/office/powerpoint/2010/main" xmlns="" val="611271091"/>
       </p:ext>
     </p:extLst>
   </p:cSld>
@@ -15464,7 +15464,7 @@
           <a:effectLst/>
           <a:extLst>
             <a:ext uri="{91240B29-F687-4F45-9708-019B960494DF}">
-              <a14:hiddenLine xmlns="" xmlns:a14="http://schemas.microsoft.com/office/drawing/2010/main" w="9525">
+              <a14:hiddenLine xmlns:a14="http://schemas.microsoft.com/office/drawing/2010/main" xmlns="" w="9525">
                 <a:solidFill>
                   <a:schemeClr val="tx1"/>
                 </a:solidFill>
@@ -15474,7 +15474,7 @@
               </a14:hiddenLine>
             </a:ext>
             <a:ext uri="{AF507438-7753-43E0-B8FC-AC1667EBCBE1}">
-              <a14:hiddenEffects xmlns="" xmlns:a14="http://schemas.microsoft.com/office/drawing/2010/main">
+              <a14:hiddenEffects xmlns:a14="http://schemas.microsoft.com/office/drawing/2010/main" xmlns="">
                 <a:effectLst>
                   <a:outerShdw dist="35921" dir="2700000" algn="ctr" rotWithShape="0">
                     <a:schemeClr val="bg2"/>
@@ -17394,7 +17394,7 @@
         </p:txBody>
       </p:sp>
       <mc:AlternateContent xmlns:mc="http://schemas.openxmlformats.org/markup-compatibility/2006">
-        <mc:Choice xmlns="" xmlns:a14="http://schemas.microsoft.com/office/drawing/2010/main" Requires="a14">
+        <mc:Choice xmlns:a14="http://schemas.microsoft.com/office/drawing/2010/main" xmlns="" Requires="a14">
           <p:sp>
             <p:nvSpPr>
               <p:cNvPr id="6" name="Содержимое 1"/>
@@ -17873,7 +17873,7 @@
     </p:spTree>
     <p:extLst>
       <p:ext uri="{BB962C8B-B14F-4D97-AF65-F5344CB8AC3E}">
-        <p14:creationId xmlns="" xmlns:p14="http://schemas.microsoft.com/office/powerpoint/2010/main" val="476216845"/>
+        <p14:creationId xmlns:p14="http://schemas.microsoft.com/office/powerpoint/2010/main" xmlns="" val="476216845"/>
       </p:ext>
     </p:extLst>
   </p:cSld>
@@ -19871,7 +19871,7 @@
         </p:txBody>
       </p:sp>
       <mc:AlternateContent xmlns:mc="http://schemas.openxmlformats.org/markup-compatibility/2006">
-        <mc:Choice xmlns="" xmlns:a14="http://schemas.microsoft.com/office/drawing/2010/main" Requires="a14">
+        <mc:Choice xmlns:a14="http://schemas.microsoft.com/office/drawing/2010/main" xmlns="" Requires="a14">
           <p:sp>
             <p:nvSpPr>
               <p:cNvPr id="8" name="Содержимое 1"/>
@@ -20365,7 +20365,7 @@
     </p:spTree>
     <p:extLst>
       <p:ext uri="{BB962C8B-B14F-4D97-AF65-F5344CB8AC3E}">
-        <p14:creationId xmlns="" xmlns:p14="http://schemas.microsoft.com/office/powerpoint/2010/main" val="3690992376"/>
+        <p14:creationId xmlns:p14="http://schemas.microsoft.com/office/powerpoint/2010/main" xmlns="" val="3690992376"/>
       </p:ext>
     </p:extLst>
   </p:cSld>
@@ -21767,7 +21767,31 @@
                   <a:srgbClr val="FF0000"/>
                 </a:solidFill>
               </a:rPr>
-              <a:t>Loop order: k, j, </a:t>
+              <a:t>Loop order: </a:t>
+            </a:r>
+            <a:r>
+              <a:rPr lang="en-US" altLang="en-US" sz="3200" b="1" dirty="0" smtClean="0">
+                <a:solidFill>
+                  <a:srgbClr val="FF0000"/>
+                </a:solidFill>
+              </a:rPr>
+              <a:t>j</a:t>
+            </a:r>
+            <a:r>
+              <a:rPr lang="en-US" altLang="en-US" sz="3200" b="1" dirty="0" smtClean="0">
+                <a:solidFill>
+                  <a:srgbClr val="FF0000"/>
+                </a:solidFill>
+              </a:rPr>
+              <a:t>, </a:t>
+            </a:r>
+            <a:r>
+              <a:rPr lang="en-US" altLang="en-US" sz="3200" b="1" dirty="0" smtClean="0">
+                <a:solidFill>
+                  <a:srgbClr val="FF0000"/>
+                </a:solidFill>
+              </a:rPr>
+              <a:t>k, </a:t>
             </a:r>
             <a:r>
               <a:rPr lang="en-US" altLang="en-US" sz="3200" b="1" dirty="0" err="1" smtClean="0">
@@ -21835,7 +21859,7 @@
                 </a:solidFill>
                 <a:latin typeface="Consolas" panose="020B0609020204030204" pitchFamily="49" charset="0"/>
               </a:rPr>
-              <a:t>k= </a:t>
+              <a:t>j= </a:t>
             </a:r>
             <a:r>
               <a:rPr lang="en-US" altLang="en-US" sz="1600" dirty="0">
@@ -21847,7 +21871,7 @@
               <a:t>0</a:t>
             </a:r>
             <a:r>
-              <a:rPr lang="en-US" altLang="en-US" sz="1600">
+              <a:rPr lang="en-US" altLang="en-US" sz="1600" dirty="0">
                 <a:solidFill>
                   <a:srgbClr val="000000"/>
                 </a:solidFill>
@@ -21856,21 +21880,21 @@
               <a:t>; </a:t>
             </a:r>
             <a:r>
-              <a:rPr lang="en-US" altLang="en-US" sz="1600" smtClean="0">
-                <a:solidFill>
-                  <a:srgbClr val="000000"/>
-                </a:solidFill>
-                <a:latin typeface="Consolas" panose="020B0609020204030204" pitchFamily="49" charset="0"/>
-              </a:rPr>
-              <a:t>k </a:t>
-            </a:r>
-            <a:r>
               <a:rPr lang="en-US" altLang="en-US" sz="1600" dirty="0" smtClean="0">
                 <a:solidFill>
                   <a:srgbClr val="000000"/>
                 </a:solidFill>
                 <a:latin typeface="Consolas" panose="020B0609020204030204" pitchFamily="49" charset="0"/>
               </a:rPr>
+              <a:t>j </a:t>
+            </a:r>
+            <a:r>
+              <a:rPr lang="en-US" altLang="en-US" sz="1600" dirty="0" smtClean="0">
+                <a:solidFill>
+                  <a:srgbClr val="000000"/>
+                </a:solidFill>
+                <a:latin typeface="Consolas" panose="020B0609020204030204" pitchFamily="49" charset="0"/>
+              </a:rPr>
               <a:t>&lt; </a:t>
             </a:r>
             <a:r>
@@ -21898,7 +21922,7 @@
                 </a:solidFill>
                 <a:latin typeface="Consolas" panose="020B0609020204030204" pitchFamily="49" charset="0"/>
               </a:rPr>
-              <a:t>k++) </a:t>
+              <a:t>j++) </a:t>
             </a:r>
             <a:r>
               <a:rPr lang="en-US" altLang="en-US" sz="1600" dirty="0">
@@ -21963,7 +21987,7 @@
               <a:t>int</a:t>
             </a:r>
             <a:r>
-              <a:rPr lang="en-US" altLang="en-US" sz="1600" b="1" dirty="0">
+              <a:rPr lang="en-US" altLang="en-US" sz="1600" b="1">
                 <a:solidFill>
                   <a:srgbClr val="000080"/>
                 </a:solidFill>
@@ -21972,58 +21996,85 @@
               <a:t> </a:t>
             </a:r>
             <a:r>
+              <a:rPr lang="en-US" altLang="en-US" sz="1600" smtClean="0">
+                <a:solidFill>
+                  <a:srgbClr val="000000"/>
+                </a:solidFill>
+                <a:latin typeface="Consolas" panose="020B0609020204030204" pitchFamily="49" charset="0"/>
+              </a:rPr>
+              <a:t>k= </a:t>
+            </a:r>
+            <a:r>
+              <a:rPr lang="en-US" altLang="en-US" sz="1600" dirty="0">
+                <a:solidFill>
+                  <a:srgbClr val="0000FF"/>
+                </a:solidFill>
+                <a:latin typeface="Consolas" panose="020B0609020204030204" pitchFamily="49" charset="0"/>
+              </a:rPr>
+              <a:t>0</a:t>
+            </a:r>
+            <a:r>
+              <a:rPr lang="en-US" altLang="en-US" sz="1600">
+                <a:solidFill>
+                  <a:srgbClr val="000000"/>
+                </a:solidFill>
+                <a:latin typeface="Consolas" panose="020B0609020204030204" pitchFamily="49" charset="0"/>
+              </a:rPr>
+              <a:t>; </a:t>
+            </a:r>
+            <a:r>
+              <a:rPr lang="en-US" altLang="en-US" sz="1600" smtClean="0">
+                <a:solidFill>
+                  <a:srgbClr val="000000"/>
+                </a:solidFill>
+                <a:latin typeface="Consolas" panose="020B0609020204030204" pitchFamily="49" charset="0"/>
+              </a:rPr>
+              <a:t>k </a:t>
+            </a:r>
+            <a:r>
               <a:rPr lang="en-US" altLang="en-US" sz="1600" dirty="0" smtClean="0">
                 <a:solidFill>
                   <a:srgbClr val="000000"/>
                 </a:solidFill>
                 <a:latin typeface="Consolas" panose="020B0609020204030204" pitchFamily="49" charset="0"/>
               </a:rPr>
-              <a:t>j= </a:t>
+              <a:t>&lt; </a:t>
+            </a:r>
+            <a:r>
+              <a:rPr lang="en-US" altLang="en-US" sz="1600" b="1" i="1" dirty="0" smtClean="0">
+                <a:solidFill>
+                  <a:srgbClr val="660E7A"/>
+                </a:solidFill>
+                <a:latin typeface="Consolas" panose="020B0609020204030204" pitchFamily="49" charset="0"/>
+              </a:rPr>
+              <a:t>n</a:t>
+            </a:r>
+            <a:r>
+              <a:rPr lang="en-US" altLang="en-US" sz="1600">
+                <a:solidFill>
+                  <a:srgbClr val="000000"/>
+                </a:solidFill>
+                <a:latin typeface="Consolas" panose="020B0609020204030204" pitchFamily="49" charset="0"/>
+              </a:rPr>
+              <a:t>; </a:t>
+            </a:r>
+            <a:r>
+              <a:rPr lang="en-US" altLang="en-US" sz="1600" smtClean="0">
+                <a:solidFill>
+                  <a:srgbClr val="000000"/>
+                </a:solidFill>
+                <a:latin typeface="Consolas" panose="020B0609020204030204" pitchFamily="49" charset="0"/>
+              </a:rPr>
+              <a:t>k++) </a:t>
             </a:r>
             <a:r>
               <a:rPr lang="en-US" altLang="en-US" sz="1600" dirty="0">
                 <a:solidFill>
-                  <a:srgbClr val="0000FF"/>
-                </a:solidFill>
-                <a:latin typeface="Consolas" panose="020B0609020204030204" pitchFamily="49" charset="0"/>
-              </a:rPr>
-              <a:t>0</a:t>
-            </a:r>
-            <a:r>
-              <a:rPr lang="en-US" altLang="en-US" sz="1600" dirty="0">
-                <a:solidFill>
-                  <a:srgbClr val="000000"/>
-                </a:solidFill>
-                <a:latin typeface="Consolas" panose="020B0609020204030204" pitchFamily="49" charset="0"/>
-              </a:rPr>
-              <a:t>; </a:t>
-            </a:r>
-            <a:r>
-              <a:rPr lang="en-US" altLang="en-US" sz="1600" dirty="0" smtClean="0">
-                <a:solidFill>
-                  <a:srgbClr val="000000"/>
-                </a:solidFill>
-                <a:latin typeface="Consolas" panose="020B0609020204030204" pitchFamily="49" charset="0"/>
-              </a:rPr>
-              <a:t>j &lt; </a:t>
-            </a:r>
-            <a:r>
-              <a:rPr lang="en-US" altLang="en-US" sz="1600" b="1" i="1" dirty="0" smtClean="0">
-                <a:solidFill>
-                  <a:srgbClr val="660E7A"/>
-                </a:solidFill>
-                <a:latin typeface="Consolas" panose="020B0609020204030204" pitchFamily="49" charset="0"/>
-              </a:rPr>
-              <a:t>n</a:t>
-            </a:r>
-            <a:r>
-              <a:rPr lang="en-US" altLang="en-US" sz="1600" dirty="0">
-                <a:solidFill>
-                  <a:srgbClr val="000000"/>
-                </a:solidFill>
-                <a:latin typeface="Consolas" panose="020B0609020204030204" pitchFamily="49" charset="0"/>
-              </a:rPr>
-              <a:t>; j++) {</a:t>
+                  <a:srgbClr val="000000"/>
+                </a:solidFill>
+                <a:latin typeface="Consolas" panose="020B0609020204030204" pitchFamily="49" charset="0"/>
+              </a:rPr>
+              <a:t>{</a:t>
             </a:r>
             <a:br>
               <a:rPr lang="en-US" altLang="en-US" sz="1600" dirty="0">
@@ -22139,16 +22190,7 @@
                 </a:solidFill>
                 <a:latin typeface="Consolas" panose="020B0609020204030204" pitchFamily="49" charset="0"/>
               </a:rPr>
-              <a:t> </a:t>
-            </a:r>
-            <a:r>
-              <a:rPr lang="en-US" altLang="en-US" sz="1600" dirty="0" smtClean="0">
-                <a:solidFill>
-                  <a:srgbClr val="000000"/>
-                </a:solidFill>
-                <a:latin typeface="Consolas" panose="020B0609020204030204" pitchFamily="49" charset="0"/>
-              </a:rPr>
-              <a:t>&lt; </a:t>
+              <a:t> &lt; </a:t>
             </a:r>
             <a:r>
               <a:rPr lang="en-US" altLang="en-US" sz="1600" b="1" i="1" dirty="0" smtClean="0">
@@ -22656,7 +22698,7 @@
     </p:spTree>
     <p:extLst>
       <p:ext uri="{BB962C8B-B14F-4D97-AF65-F5344CB8AC3E}">
-        <p14:creationId xmlns="" xmlns:p14="http://schemas.microsoft.com/office/powerpoint/2010/main" val="2808821390"/>
+        <p14:creationId xmlns:p14="http://schemas.microsoft.com/office/powerpoint/2010/main" xmlns="" val="2808821390"/>
       </p:ext>
     </p:extLst>
   </p:cSld>
@@ -22948,7 +22990,7 @@
   <a:extraClrSchemeLst/>
   <a:extLst>
     <a:ext uri="{05A4C25C-085E-4340-85A3-A5531E510DB2}">
-      <thm15:themeFamily xmlns="" xmlns:thm15="http://schemas.microsoft.com/office/thememl/2012/main" name="Office Theme" id="{62F939B6-93AF-4DB8-9C6B-D6C7DFDC589F}" vid="{4A3C46E8-61CC-4603-A589-7422A47A8E4A}"/>
+      <thm15:themeFamily xmlns:thm15="http://schemas.microsoft.com/office/thememl/2012/main" xmlns="" name="Office Theme" id="{62F939B6-93AF-4DB8-9C6B-D6C7DFDC589F}" vid="{4A3C46E8-61CC-4603-A589-7422A47A8E4A}"/>
     </a:ext>
   </a:extLst>
 </a:theme>
@@ -23209,7 +23251,7 @@
   <a:extraClrSchemeLst/>
   <a:extLst>
     <a:ext uri="{05A4C25C-085E-4340-85A3-A5531E510DB2}">
-      <thm15:themeFamily xmlns="" xmlns:thm15="http://schemas.microsoft.com/office/thememl/2012/main" name="Office Theme" id="{62F939B6-93AF-4DB8-9C6B-D6C7DFDC589F}" vid="{4A3C46E8-61CC-4603-A589-7422A47A8E4A}"/>
+      <thm15:themeFamily xmlns:thm15="http://schemas.microsoft.com/office/thememl/2012/main" xmlns="" name="Office Theme" id="{62F939B6-93AF-4DB8-9C6B-D6C7DFDC589F}" vid="{4A3C46E8-61CC-4603-A589-7422A47A8E4A}"/>
     </a:ext>
   </a:extLst>
 </a:theme>
@@ -23470,7 +23512,7 @@
   <a:extraClrSchemeLst/>
   <a:extLst>
     <a:ext uri="{05A4C25C-085E-4340-85A3-A5531E510DB2}">
-      <thm15:themeFamily xmlns="" xmlns:thm15="http://schemas.microsoft.com/office/thememl/2012/main" name="Office Theme" id="{62F939B6-93AF-4DB8-9C6B-D6C7DFDC589F}" vid="{4A3C46E8-61CC-4603-A589-7422A47A8E4A}"/>
+      <thm15:themeFamily xmlns:thm15="http://schemas.microsoft.com/office/thememl/2012/main" xmlns="" name="Office Theme" id="{62F939B6-93AF-4DB8-9C6B-D6C7DFDC589F}" vid="{4A3C46E8-61CC-4603-A589-7422A47A8E4A}"/>
     </a:ext>
   </a:extLst>
 </a:theme>

--- a/docs/part1ca/01_Introduction/CA_Lecture_01.pptx
+++ b/docs/part1ca/01_Introduction/CA_Lecture_01.pptx
@@ -136,7 +136,7 @@
   </p:defaultTextStyle>
   <p:extLst>
     <p:ext uri="{EFAFB233-063F-42B5-8137-9DF3F51BA10A}">
-      <p15:sldGuideLst xmlns:p15="http://schemas.microsoft.com/office/powerpoint/2012/main" xmlns="">
+      <p15:sldGuideLst xmlns="" xmlns:p15="http://schemas.microsoft.com/office/powerpoint/2012/main">
         <p15:guide id="1" orient="horz" pos="2160">
           <p15:clr>
             <a:srgbClr val="A4A3A4"/>
@@ -150,7 +150,7 @@
       </p15:sldGuideLst>
     </p:ext>
     <p:ext uri="{2D200454-40CA-4A62-9FC3-DE9A4176ACB9}">
-      <p15:notesGuideLst xmlns:p15="http://schemas.microsoft.com/office/powerpoint/2012/main" xmlns="">
+      <p15:notesGuideLst xmlns="" xmlns:p15="http://schemas.microsoft.com/office/powerpoint/2012/main">
         <p15:guide id="1" orient="horz" pos="2880">
           <p15:clr>
             <a:srgbClr val="A4A3A4"/>
@@ -258,7 +258,7 @@
             <a:fld id="{D0106195-8D78-4F6F-B8E4-FA67975ACEF5}" type="datetimeFigureOut">
               <a:rPr lang="ru-RU" smtClean="0"/>
               <a:pPr/>
-              <a:t>12.01.2021</a:t>
+              <a:t>06.01.2022</a:t>
             </a:fld>
             <a:endParaRPr lang="ru-RU"/>
           </a:p>
@@ -334,7 +334,7 @@
     </p:spTree>
     <p:extLst>
       <p:ext uri="{BB962C8B-B14F-4D97-AF65-F5344CB8AC3E}">
-        <p14:creationId xmlns:p14="http://schemas.microsoft.com/office/powerpoint/2010/main" xmlns="" val="827279973"/>
+        <p14:creationId xmlns="" xmlns:p14="http://schemas.microsoft.com/office/powerpoint/2010/main" val="827279973"/>
       </p:ext>
     </p:extLst>
   </p:cSld>
@@ -426,7 +426,7 @@
             <a:fld id="{878212F1-C3D9-4F2B-8F42-5E960FE8BE51}" type="datetimeFigureOut">
               <a:rPr lang="ru-RU" smtClean="0"/>
               <a:pPr/>
-              <a:t>12.01.2021</a:t>
+              <a:t>06.01.2022</a:t>
             </a:fld>
             <a:endParaRPr lang="ru-RU"/>
           </a:p>
@@ -595,7 +595,7 @@
     </p:spTree>
     <p:extLst>
       <p:ext uri="{BB962C8B-B14F-4D97-AF65-F5344CB8AC3E}">
-        <p14:creationId xmlns:p14="http://schemas.microsoft.com/office/powerpoint/2010/main" xmlns="" val="3865021395"/>
+        <p14:creationId xmlns="" xmlns:p14="http://schemas.microsoft.com/office/powerpoint/2010/main" val="3865021395"/>
       </p:ext>
     </p:extLst>
   </p:cSld>
@@ -809,7 +809,7 @@
     </p:spTree>
     <p:extLst>
       <p:ext uri="{BB962C8B-B14F-4D97-AF65-F5344CB8AC3E}">
-        <p14:creationId xmlns:p14="http://schemas.microsoft.com/office/powerpoint/2010/main" xmlns="" val="2381791527"/>
+        <p14:creationId xmlns="" xmlns:p14="http://schemas.microsoft.com/office/powerpoint/2010/main" val="2381791527"/>
       </p:ext>
     </p:extLst>
   </p:cSld>
@@ -932,7 +932,7 @@
     </p:spTree>
     <p:extLst>
       <p:ext uri="{BB962C8B-B14F-4D97-AF65-F5344CB8AC3E}">
-        <p14:creationId xmlns:p14="http://schemas.microsoft.com/office/powerpoint/2010/main" xmlns="" val="1915950851"/>
+        <p14:creationId xmlns="" xmlns:p14="http://schemas.microsoft.com/office/powerpoint/2010/main" val="1915950851"/>
       </p:ext>
     </p:extLst>
   </p:cSld>
@@ -1192,7 +1192,7 @@
     </p:spTree>
     <p:extLst>
       <p:ext uri="{BB962C8B-B14F-4D97-AF65-F5344CB8AC3E}">
-        <p14:creationId xmlns:p14="http://schemas.microsoft.com/office/powerpoint/2010/main" xmlns="" val="322455162"/>
+        <p14:creationId xmlns="" xmlns:p14="http://schemas.microsoft.com/office/powerpoint/2010/main" val="322455162"/>
       </p:ext>
     </p:extLst>
   </p:cSld>
@@ -1366,7 +1366,7 @@
     </p:spTree>
     <p:extLst>
       <p:ext uri="{BB962C8B-B14F-4D97-AF65-F5344CB8AC3E}">
-        <p14:creationId xmlns:p14="http://schemas.microsoft.com/office/powerpoint/2010/main" xmlns="" val="971117636"/>
+        <p14:creationId xmlns="" xmlns:p14="http://schemas.microsoft.com/office/powerpoint/2010/main" val="971117636"/>
       </p:ext>
     </p:extLst>
   </p:cSld>
@@ -1543,7 +1543,7 @@
     </p:spTree>
     <p:extLst>
       <p:ext uri="{BB962C8B-B14F-4D97-AF65-F5344CB8AC3E}">
-        <p14:creationId xmlns:p14="http://schemas.microsoft.com/office/powerpoint/2010/main" xmlns="" val="3348877825"/>
+        <p14:creationId xmlns="" xmlns:p14="http://schemas.microsoft.com/office/powerpoint/2010/main" val="3348877825"/>
       </p:ext>
     </p:extLst>
   </p:cSld>
@@ -1868,7 +1868,7 @@
     </p:spTree>
     <p:extLst>
       <p:ext uri="{BB962C8B-B14F-4D97-AF65-F5344CB8AC3E}">
-        <p14:creationId xmlns:p14="http://schemas.microsoft.com/office/powerpoint/2010/main" xmlns="" val="3256953994"/>
+        <p14:creationId xmlns="" xmlns:p14="http://schemas.microsoft.com/office/powerpoint/2010/main" val="3256953994"/>
       </p:ext>
     </p:extLst>
   </p:cSld>
@@ -2118,7 +2118,7 @@
     </p:spTree>
     <p:extLst>
       <p:ext uri="{BB962C8B-B14F-4D97-AF65-F5344CB8AC3E}">
-        <p14:creationId xmlns:p14="http://schemas.microsoft.com/office/powerpoint/2010/main" xmlns="" val="3067076846"/>
+        <p14:creationId xmlns="" xmlns:p14="http://schemas.microsoft.com/office/powerpoint/2010/main" val="3067076846"/>
       </p:ext>
     </p:extLst>
   </p:cSld>
@@ -2354,7 +2354,7 @@
     </p:spTree>
     <p:extLst>
       <p:ext uri="{BB962C8B-B14F-4D97-AF65-F5344CB8AC3E}">
-        <p14:creationId xmlns:p14="http://schemas.microsoft.com/office/powerpoint/2010/main" xmlns="" val="3710015975"/>
+        <p14:creationId xmlns="" xmlns:p14="http://schemas.microsoft.com/office/powerpoint/2010/main" val="3710015975"/>
       </p:ext>
     </p:extLst>
   </p:cSld>
@@ -2725,7 +2725,7 @@
     </p:spTree>
     <p:extLst>
       <p:ext uri="{BB962C8B-B14F-4D97-AF65-F5344CB8AC3E}">
-        <p14:creationId xmlns:p14="http://schemas.microsoft.com/office/powerpoint/2010/main" xmlns="" val="4075590966"/>
+        <p14:creationId xmlns="" xmlns:p14="http://schemas.microsoft.com/office/powerpoint/2010/main" val="4075590966"/>
       </p:ext>
     </p:extLst>
   </p:cSld>
@@ -2847,7 +2847,7 @@
     </p:spTree>
     <p:extLst>
       <p:ext uri="{BB962C8B-B14F-4D97-AF65-F5344CB8AC3E}">
-        <p14:creationId xmlns:p14="http://schemas.microsoft.com/office/powerpoint/2010/main" xmlns="" val="2889604898"/>
+        <p14:creationId xmlns="" xmlns:p14="http://schemas.microsoft.com/office/powerpoint/2010/main" val="2889604898"/>
       </p:ext>
     </p:extLst>
   </p:cSld>
@@ -2946,7 +2946,7 @@
     </p:spTree>
     <p:extLst>
       <p:ext uri="{BB962C8B-B14F-4D97-AF65-F5344CB8AC3E}">
-        <p14:creationId xmlns:p14="http://schemas.microsoft.com/office/powerpoint/2010/main" xmlns="" val="152384765"/>
+        <p14:creationId xmlns="" xmlns:p14="http://schemas.microsoft.com/office/powerpoint/2010/main" val="152384765"/>
       </p:ext>
     </p:extLst>
   </p:cSld>
@@ -3227,7 +3227,7 @@
     </p:spTree>
     <p:extLst>
       <p:ext uri="{BB962C8B-B14F-4D97-AF65-F5344CB8AC3E}">
-        <p14:creationId xmlns:p14="http://schemas.microsoft.com/office/powerpoint/2010/main" xmlns="" val="2127791886"/>
+        <p14:creationId xmlns="" xmlns:p14="http://schemas.microsoft.com/office/powerpoint/2010/main" val="2127791886"/>
       </p:ext>
     </p:extLst>
   </p:cSld>
@@ -3484,7 +3484,7 @@
     </p:spTree>
     <p:extLst>
       <p:ext uri="{BB962C8B-B14F-4D97-AF65-F5344CB8AC3E}">
-        <p14:creationId xmlns:p14="http://schemas.microsoft.com/office/powerpoint/2010/main" xmlns="" val="1752705130"/>
+        <p14:creationId xmlns="" xmlns:p14="http://schemas.microsoft.com/office/powerpoint/2010/main" val="1752705130"/>
       </p:ext>
     </p:extLst>
   </p:cSld>
@@ -3737,7 +3737,7 @@
     </p:spTree>
     <p:extLst>
       <p:ext uri="{BB962C8B-B14F-4D97-AF65-F5344CB8AC3E}">
-        <p14:creationId xmlns:p14="http://schemas.microsoft.com/office/powerpoint/2010/main" xmlns="" val="968833914"/>
+        <p14:creationId xmlns="" xmlns:p14="http://schemas.microsoft.com/office/powerpoint/2010/main" val="968833914"/>
       </p:ext>
     </p:extLst>
   </p:cSld>
@@ -4214,7 +4214,7 @@
     </p:spTree>
     <p:extLst>
       <p:ext uri="{BB962C8B-B14F-4D97-AF65-F5344CB8AC3E}">
-        <p14:creationId xmlns:p14="http://schemas.microsoft.com/office/powerpoint/2010/main" xmlns="" val="2492894732"/>
+        <p14:creationId xmlns="" xmlns:p14="http://schemas.microsoft.com/office/powerpoint/2010/main" val="2492894732"/>
       </p:ext>
     </p:extLst>
   </p:cSld>
@@ -4258,7 +4258,7 @@
             <p:ph idx="1"/>
             <p:extLst>
               <p:ext uri="{D42A27DB-BD31-4B8C-83A1-F6EECF244321}">
-                <p14:modId xmlns:p14="http://schemas.microsoft.com/office/powerpoint/2010/main" xmlns="" val="2853019934"/>
+                <p14:modId xmlns="" xmlns:p14="http://schemas.microsoft.com/office/powerpoint/2010/main" val="2853019934"/>
               </p:ext>
             </p:extLst>
           </p:nvPr>
@@ -4692,7 +4692,7 @@
         </p:txBody>
       </p:sp>
       <mc:AlternateContent xmlns:mc="http://schemas.openxmlformats.org/markup-compatibility/2006">
-        <mc:Choice xmlns:a14="http://schemas.microsoft.com/office/drawing/2010/main" xmlns="" Requires="a14">
+        <mc:Choice xmlns="" xmlns:a14="http://schemas.microsoft.com/office/drawing/2010/main" Requires="a14">
           <p:sp>
             <p:nvSpPr>
               <p:cNvPr id="6" name="Rectangle 5"/>
@@ -4883,7 +4883,7 @@
     </p:spTree>
     <p:extLst>
       <p:ext uri="{BB962C8B-B14F-4D97-AF65-F5344CB8AC3E}">
-        <p14:creationId xmlns:p14="http://schemas.microsoft.com/office/powerpoint/2010/main" xmlns="" val="1319878854"/>
+        <p14:creationId xmlns="" xmlns:p14="http://schemas.microsoft.com/office/powerpoint/2010/main" val="1319878854"/>
       </p:ext>
     </p:extLst>
   </p:cSld>
@@ -4975,7 +4975,7 @@
             <p:ph idx="1"/>
             <p:extLst>
               <p:ext uri="{D42A27DB-BD31-4B8C-83A1-F6EECF244321}">
-                <p14:modId xmlns:p14="http://schemas.microsoft.com/office/powerpoint/2010/main" xmlns="" val="895195415"/>
+                <p14:modId xmlns="" xmlns:p14="http://schemas.microsoft.com/office/powerpoint/2010/main" val="895195415"/>
               </p:ext>
             </p:extLst>
           </p:nvPr>
@@ -5279,7 +5279,7 @@
     </p:spTree>
     <p:extLst>
       <p:ext uri="{BB962C8B-B14F-4D97-AF65-F5344CB8AC3E}">
-        <p14:creationId xmlns:p14="http://schemas.microsoft.com/office/powerpoint/2010/main" xmlns="" val="1991606056"/>
+        <p14:creationId xmlns="" xmlns:p14="http://schemas.microsoft.com/office/powerpoint/2010/main" val="1991606056"/>
       </p:ext>
     </p:extLst>
   </p:cSld>
@@ -5447,7 +5447,7 @@
           <a:blip r:embed="rId2" cstate="print">
             <a:extLst>
               <a:ext uri="{28A0092B-C50C-407E-A947-70E740481C1C}">
-                <a14:useLocalDpi xmlns:a14="http://schemas.microsoft.com/office/drawing/2010/main" xmlns="" val="0"/>
+                <a14:useLocalDpi xmlns="" xmlns:a14="http://schemas.microsoft.com/office/drawing/2010/main" val="0"/>
               </a:ext>
             </a:extLst>
           </a:blip>
@@ -5467,7 +5467,7 @@
           <a:noFill/>
           <a:extLst>
             <a:ext uri="{909E8E84-426E-40DD-AFC4-6F175D3DCCD1}">
-              <a14:hiddenFill xmlns:a14="http://schemas.microsoft.com/office/drawing/2010/main" xmlns="">
+              <a14:hiddenFill xmlns="" xmlns:a14="http://schemas.microsoft.com/office/drawing/2010/main">
                 <a:solidFill>
                   <a:srgbClr val="FFFFFF"/>
                 </a:solidFill>
@@ -5479,7 +5479,7 @@
     </p:spTree>
     <p:extLst>
       <p:ext uri="{BB962C8B-B14F-4D97-AF65-F5344CB8AC3E}">
-        <p14:creationId xmlns:p14="http://schemas.microsoft.com/office/powerpoint/2010/main" xmlns="" val="1147934676"/>
+        <p14:creationId xmlns="" xmlns:p14="http://schemas.microsoft.com/office/powerpoint/2010/main" val="1147934676"/>
       </p:ext>
     </p:extLst>
   </p:cSld>
@@ -6377,7 +6377,7 @@
           <a:blip r:embed="rId2" cstate="print">
             <a:extLst>
               <a:ext uri="{28A0092B-C50C-407E-A947-70E740481C1C}">
-                <a14:useLocalDpi xmlns:a14="http://schemas.microsoft.com/office/drawing/2010/main" xmlns="" val="0"/>
+                <a14:useLocalDpi xmlns="" xmlns:a14="http://schemas.microsoft.com/office/drawing/2010/main" val="0"/>
               </a:ext>
             </a:extLst>
           </a:blip>
@@ -6397,7 +6397,7 @@
           <a:noFill/>
           <a:extLst>
             <a:ext uri="{909E8E84-426E-40DD-AFC4-6F175D3DCCD1}">
-              <a14:hiddenFill xmlns:a14="http://schemas.microsoft.com/office/drawing/2010/main" xmlns="">
+              <a14:hiddenFill xmlns="" xmlns:a14="http://schemas.microsoft.com/office/drawing/2010/main">
                 <a:solidFill>
                   <a:srgbClr val="FFFFFF"/>
                 </a:solidFill>
@@ -6409,7 +6409,7 @@
     </p:spTree>
     <p:extLst>
       <p:ext uri="{BB962C8B-B14F-4D97-AF65-F5344CB8AC3E}">
-        <p14:creationId xmlns:p14="http://schemas.microsoft.com/office/powerpoint/2010/main" xmlns="" val="2950914556"/>
+        <p14:creationId xmlns="" xmlns:p14="http://schemas.microsoft.com/office/powerpoint/2010/main" val="2950914556"/>
       </p:ext>
     </p:extLst>
   </p:cSld>
@@ -6455,7 +6455,7 @@
           <a:blip r:embed="rId2" cstate="print">
             <a:extLst>
               <a:ext uri="{28A0092B-C50C-407E-A947-70E740481C1C}">
-                <a14:useLocalDpi xmlns:a14="http://schemas.microsoft.com/office/drawing/2010/main" xmlns="" val="0"/>
+                <a14:useLocalDpi xmlns="" xmlns:a14="http://schemas.microsoft.com/office/drawing/2010/main" val="0"/>
               </a:ext>
             </a:extLst>
           </a:blip>
@@ -6475,7 +6475,7 @@
           <a:noFill/>
           <a:extLst>
             <a:ext uri="{909E8E84-426E-40DD-AFC4-6F175D3DCCD1}">
-              <a14:hiddenFill xmlns:a14="http://schemas.microsoft.com/office/drawing/2010/main" xmlns="">
+              <a14:hiddenFill xmlns="" xmlns:a14="http://schemas.microsoft.com/office/drawing/2010/main">
                 <a:solidFill>
                   <a:srgbClr val="FFFFFF"/>
                 </a:solidFill>
@@ -7048,7 +7048,7 @@
     </p:spTree>
     <p:extLst>
       <p:ext uri="{BB962C8B-B14F-4D97-AF65-F5344CB8AC3E}">
-        <p14:creationId xmlns:p14="http://schemas.microsoft.com/office/powerpoint/2010/main" xmlns="" val="4087179089"/>
+        <p14:creationId xmlns="" xmlns:p14="http://schemas.microsoft.com/office/powerpoint/2010/main" val="4087179089"/>
       </p:ext>
     </p:extLst>
   </p:cSld>
@@ -7254,7 +7254,7 @@
           <a:blip r:embed="rId2" cstate="print">
             <a:extLst>
               <a:ext uri="{28A0092B-C50C-407E-A947-70E740481C1C}">
-                <a14:useLocalDpi xmlns:a14="http://schemas.microsoft.com/office/drawing/2010/main" xmlns="" val="0"/>
+                <a14:useLocalDpi xmlns="" xmlns:a14="http://schemas.microsoft.com/office/drawing/2010/main" val="0"/>
               </a:ext>
             </a:extLst>
           </a:blip>
@@ -7274,7 +7274,7 @@
           <a:noFill/>
           <a:extLst>
             <a:ext uri="{909E8E84-426E-40DD-AFC4-6F175D3DCCD1}">
-              <a14:hiddenFill xmlns:a14="http://schemas.microsoft.com/office/drawing/2010/main" xmlns="">
+              <a14:hiddenFill xmlns="" xmlns:a14="http://schemas.microsoft.com/office/drawing/2010/main">
                 <a:solidFill>
                   <a:srgbClr val="FFFFFF"/>
                 </a:solidFill>
@@ -7295,7 +7295,7 @@
           <a:blip r:embed="rId3" cstate="print">
             <a:extLst>
               <a:ext uri="{28A0092B-C50C-407E-A947-70E740481C1C}">
-                <a14:useLocalDpi xmlns:a14="http://schemas.microsoft.com/office/drawing/2010/main" xmlns="" val="0"/>
+                <a14:useLocalDpi xmlns="" xmlns:a14="http://schemas.microsoft.com/office/drawing/2010/main" val="0"/>
               </a:ext>
             </a:extLst>
           </a:blip>
@@ -7315,7 +7315,7 @@
           <a:noFill/>
           <a:extLst>
             <a:ext uri="{909E8E84-426E-40DD-AFC4-6F175D3DCCD1}">
-              <a14:hiddenFill xmlns:a14="http://schemas.microsoft.com/office/drawing/2010/main" xmlns="">
+              <a14:hiddenFill xmlns="" xmlns:a14="http://schemas.microsoft.com/office/drawing/2010/main">
                 <a:solidFill>
                   <a:srgbClr val="FFFFFF"/>
                 </a:solidFill>
@@ -7327,7 +7327,7 @@
     </p:spTree>
     <p:extLst>
       <p:ext uri="{BB962C8B-B14F-4D97-AF65-F5344CB8AC3E}">
-        <p14:creationId xmlns:p14="http://schemas.microsoft.com/office/powerpoint/2010/main" xmlns="" val="4020093932"/>
+        <p14:creationId xmlns="" xmlns:p14="http://schemas.microsoft.com/office/powerpoint/2010/main" val="4020093932"/>
       </p:ext>
     </p:extLst>
   </p:cSld>
@@ -7540,7 +7540,7 @@
           <a:blip r:embed="rId2" cstate="print">
             <a:extLst>
               <a:ext uri="{28A0092B-C50C-407E-A947-70E740481C1C}">
-                <a14:useLocalDpi xmlns:a14="http://schemas.microsoft.com/office/drawing/2010/main" xmlns="" val="0"/>
+                <a14:useLocalDpi xmlns="" xmlns:a14="http://schemas.microsoft.com/office/drawing/2010/main" val="0"/>
               </a:ext>
             </a:extLst>
           </a:blip>
@@ -7563,14 +7563,14 @@
           </a:ln>
           <a:extLst>
             <a:ext uri="{909E8E84-426E-40DD-AFC4-6F175D3DCCD1}">
-              <a14:hiddenFill xmlns:a14="http://schemas.microsoft.com/office/drawing/2010/main" xmlns="">
+              <a14:hiddenFill xmlns="" xmlns:a14="http://schemas.microsoft.com/office/drawing/2010/main">
                 <a:solidFill>
                   <a:srgbClr val="FFFFFF"/>
                 </a:solidFill>
               </a14:hiddenFill>
             </a:ext>
             <a:ext uri="{91240B29-F687-4F45-9708-019B960494DF}">
-              <a14:hiddenLine xmlns:a14="http://schemas.microsoft.com/office/drawing/2010/main" xmlns="" w="9525">
+              <a14:hiddenLine xmlns="" xmlns:a14="http://schemas.microsoft.com/office/drawing/2010/main" w="9525">
                 <a:solidFill>
                   <a:srgbClr val="000000"/>
                 </a:solidFill>
@@ -7585,7 +7585,7 @@
     </p:spTree>
     <p:extLst>
       <p:ext uri="{BB962C8B-B14F-4D97-AF65-F5344CB8AC3E}">
-        <p14:creationId xmlns:p14="http://schemas.microsoft.com/office/powerpoint/2010/main" xmlns="" val="3856844071"/>
+        <p14:creationId xmlns="" xmlns:p14="http://schemas.microsoft.com/office/powerpoint/2010/main" val="3856844071"/>
       </p:ext>
     </p:extLst>
   </p:cSld>
@@ -7631,7 +7631,7 @@
           <a:blip r:embed="rId2" cstate="print">
             <a:extLst>
               <a:ext uri="{28A0092B-C50C-407E-A947-70E740481C1C}">
-                <a14:useLocalDpi xmlns:a14="http://schemas.microsoft.com/office/drawing/2010/main" xmlns="" val="0"/>
+                <a14:useLocalDpi xmlns="" xmlns:a14="http://schemas.microsoft.com/office/drawing/2010/main" val="0"/>
               </a:ext>
             </a:extLst>
           </a:blip>
@@ -7654,14 +7654,14 @@
           </a:ln>
           <a:extLst>
             <a:ext uri="{909E8E84-426E-40DD-AFC4-6F175D3DCCD1}">
-              <a14:hiddenFill xmlns:a14="http://schemas.microsoft.com/office/drawing/2010/main" xmlns="">
+              <a14:hiddenFill xmlns="" xmlns:a14="http://schemas.microsoft.com/office/drawing/2010/main">
                 <a:solidFill>
                   <a:srgbClr val="FFFFFF"/>
                 </a:solidFill>
               </a14:hiddenFill>
             </a:ext>
             <a:ext uri="{91240B29-F687-4F45-9708-019B960494DF}">
-              <a14:hiddenLine xmlns:a14="http://schemas.microsoft.com/office/drawing/2010/main" xmlns="" w="9525">
+              <a14:hiddenLine xmlns="" xmlns:a14="http://schemas.microsoft.com/office/drawing/2010/main" w="9525">
                 <a:solidFill>
                   <a:srgbClr val="000000"/>
                 </a:solidFill>
@@ -8167,7 +8167,7 @@
           <p:nvPr>
             <p:extLst>
               <p:ext uri="{D42A27DB-BD31-4B8C-83A1-F6EECF244321}">
-                <p14:modId xmlns:p14="http://schemas.microsoft.com/office/powerpoint/2010/main" xmlns="" val="1213753623"/>
+                <p14:modId xmlns="" xmlns:p14="http://schemas.microsoft.com/office/powerpoint/2010/main" val="1213753623"/>
               </p:ext>
             </p:extLst>
           </p:nvPr>
@@ -9880,7 +9880,7 @@
     </p:spTree>
     <p:extLst>
       <p:ext uri="{BB962C8B-B14F-4D97-AF65-F5344CB8AC3E}">
-        <p14:creationId xmlns:p14="http://schemas.microsoft.com/office/powerpoint/2010/main" xmlns="" val="1153504515"/>
+        <p14:creationId xmlns="" xmlns:p14="http://schemas.microsoft.com/office/powerpoint/2010/main" val="1153504515"/>
       </p:ext>
     </p:extLst>
   </p:cSld>
@@ -10050,7 +10050,7 @@
     </p:spTree>
     <p:extLst>
       <p:ext uri="{BB962C8B-B14F-4D97-AF65-F5344CB8AC3E}">
-        <p14:creationId xmlns:p14="http://schemas.microsoft.com/office/powerpoint/2010/main" xmlns="" val="664014649"/>
+        <p14:creationId xmlns="" xmlns:p14="http://schemas.microsoft.com/office/powerpoint/2010/main" val="664014649"/>
       </p:ext>
     </p:extLst>
   </p:cSld>
@@ -10644,7 +10644,7 @@
     </p:spTree>
     <p:extLst>
       <p:ext uri="{BB962C8B-B14F-4D97-AF65-F5344CB8AC3E}">
-        <p14:creationId xmlns:p14="http://schemas.microsoft.com/office/powerpoint/2010/main" xmlns="" val="1974197127"/>
+        <p14:creationId xmlns="" xmlns:p14="http://schemas.microsoft.com/office/powerpoint/2010/main" val="1974197127"/>
       </p:ext>
     </p:extLst>
   </p:cSld>
@@ -10738,7 +10738,7 @@
           <a:blip r:embed="rId2" cstate="print">
             <a:extLst>
               <a:ext uri="{28A0092B-C50C-407E-A947-70E740481C1C}">
-                <a14:useLocalDpi xmlns:a14="http://schemas.microsoft.com/office/drawing/2010/main" xmlns="" val="0"/>
+                <a14:useLocalDpi xmlns="" xmlns:a14="http://schemas.microsoft.com/office/drawing/2010/main" val="0"/>
               </a:ext>
             </a:extLst>
           </a:blip>
@@ -10761,14 +10761,14 @@
           </a:ln>
           <a:extLst>
             <a:ext uri="{909E8E84-426E-40DD-AFC4-6F175D3DCCD1}">
-              <a14:hiddenFill xmlns:a14="http://schemas.microsoft.com/office/drawing/2010/main" xmlns="">
+              <a14:hiddenFill xmlns="" xmlns:a14="http://schemas.microsoft.com/office/drawing/2010/main">
                 <a:solidFill>
                   <a:srgbClr val="FFFFFF"/>
                 </a:solidFill>
               </a14:hiddenFill>
             </a:ext>
             <a:ext uri="{91240B29-F687-4F45-9708-019B960494DF}">
-              <a14:hiddenLine xmlns:a14="http://schemas.microsoft.com/office/drawing/2010/main" xmlns="" w="9525">
+              <a14:hiddenLine xmlns="" xmlns:a14="http://schemas.microsoft.com/office/drawing/2010/main" w="9525">
                 <a:solidFill>
                   <a:srgbClr val="000000"/>
                 </a:solidFill>
@@ -10783,7 +10783,7 @@
     </p:spTree>
     <p:extLst>
       <p:ext uri="{BB962C8B-B14F-4D97-AF65-F5344CB8AC3E}">
-        <p14:creationId xmlns:p14="http://schemas.microsoft.com/office/powerpoint/2010/main" xmlns="" val="2270459329"/>
+        <p14:creationId xmlns="" xmlns:p14="http://schemas.microsoft.com/office/powerpoint/2010/main" val="2270459329"/>
       </p:ext>
     </p:extLst>
   </p:cSld>
@@ -10892,7 +10892,7 @@
     </p:spTree>
     <p:extLst>
       <p:ext uri="{BB962C8B-B14F-4D97-AF65-F5344CB8AC3E}">
-        <p14:creationId xmlns:p14="http://schemas.microsoft.com/office/powerpoint/2010/main" xmlns="" val="4095291685"/>
+        <p14:creationId xmlns="" xmlns:p14="http://schemas.microsoft.com/office/powerpoint/2010/main" val="4095291685"/>
       </p:ext>
     </p:extLst>
   </p:cSld>
@@ -11155,7 +11155,7 @@
     </p:spTree>
     <p:extLst>
       <p:ext uri="{BB962C8B-B14F-4D97-AF65-F5344CB8AC3E}">
-        <p14:creationId xmlns:p14="http://schemas.microsoft.com/office/powerpoint/2010/main" xmlns="" val="1324819286"/>
+        <p14:creationId xmlns="" xmlns:p14="http://schemas.microsoft.com/office/powerpoint/2010/main" val="1324819286"/>
       </p:ext>
     </p:extLst>
   </p:cSld>
@@ -11348,14 +11348,14 @@
           <a:effectLst/>
           <a:extLst>
             <a:ext uri="{909E8E84-426E-40DD-AFC4-6F175D3DCCD1}">
-              <a14:hiddenFill xmlns:a14="http://schemas.microsoft.com/office/drawing/2010/main" xmlns="">
+              <a14:hiddenFill xmlns="" xmlns:a14="http://schemas.microsoft.com/office/drawing/2010/main">
                 <a:solidFill>
                   <a:schemeClr val="accent1"/>
                 </a:solidFill>
               </a14:hiddenFill>
             </a:ext>
             <a:ext uri="{91240B29-F687-4F45-9708-019B960494DF}">
-              <a14:hiddenLine xmlns:a14="http://schemas.microsoft.com/office/drawing/2010/main" xmlns="" w="9525">
+              <a14:hiddenLine xmlns="" xmlns:a14="http://schemas.microsoft.com/office/drawing/2010/main" w="9525">
                 <a:solidFill>
                   <a:schemeClr val="tx1"/>
                 </a:solidFill>
@@ -11365,7 +11365,7 @@
               </a14:hiddenLine>
             </a:ext>
             <a:ext uri="{AF507438-7753-43E0-B8FC-AC1667EBCBE1}">
-              <a14:hiddenEffects xmlns:a14="http://schemas.microsoft.com/office/drawing/2010/main" xmlns="">
+              <a14:hiddenEffects xmlns="" xmlns:a14="http://schemas.microsoft.com/office/drawing/2010/main">
                 <a:effectLst>
                   <a:outerShdw dist="35921" dir="2700000" algn="ctr" rotWithShape="0">
                     <a:schemeClr val="bg2"/>
@@ -11473,7 +11473,7 @@
     </p:spTree>
     <p:extLst>
       <p:ext uri="{BB962C8B-B14F-4D97-AF65-F5344CB8AC3E}">
-        <p14:creationId xmlns:p14="http://schemas.microsoft.com/office/powerpoint/2010/main" xmlns="" val="3293126798"/>
+        <p14:creationId xmlns="" xmlns:p14="http://schemas.microsoft.com/office/powerpoint/2010/main" val="3293126798"/>
       </p:ext>
     </p:extLst>
   </p:cSld>
@@ -12054,7 +12054,7 @@
     </p:spTree>
     <p:extLst>
       <p:ext uri="{BB962C8B-B14F-4D97-AF65-F5344CB8AC3E}">
-        <p14:creationId xmlns:p14="http://schemas.microsoft.com/office/powerpoint/2010/main" xmlns="" val="4217875043"/>
+        <p14:creationId xmlns="" xmlns:p14="http://schemas.microsoft.com/office/powerpoint/2010/main" val="4217875043"/>
       </p:ext>
     </p:extLst>
   </p:cSld>
@@ -12096,7 +12096,7 @@
         </p:nvSpPr>
         <p:spPr>
           <a:xfrm>
-            <a:off x="1425038" y="3543370"/>
+            <a:off x="960348" y="3558360"/>
             <a:ext cx="2422568" cy="629392"/>
           </a:xfrm>
           <a:prstGeom prst="rect">
@@ -12114,14 +12114,14 @@
           <a:p>
             <a:pPr algn="ctr"/>
             <a:r>
-              <a:rPr lang="en-US" sz="2400" b="1" dirty="0" smtClean="0">
+              <a:rPr lang="en-US" sz="2300" b="1" dirty="0" smtClean="0">
                 <a:solidFill>
                   <a:srgbClr val="1E3272"/>
                 </a:solidFill>
               </a:rPr>
               <a:t>Andrei Tatarnikov</a:t>
             </a:r>
-            <a:endParaRPr lang="ru-RU" sz="2400" b="1" dirty="0" smtClean="0">
+            <a:endParaRPr lang="ru-RU" sz="2300" b="1" dirty="0" smtClean="0">
               <a:solidFill>
                 <a:srgbClr val="1E3272"/>
               </a:solidFill>
@@ -12225,14 +12225,15 @@
         </p:nvPicPr>
         <p:blipFill>
           <a:blip r:embed="rId2" cstate="print"/>
+          <a:srcRect l="4108" t="6573" r="7395" b="3287"/>
           <a:stretch>
             <a:fillRect/>
           </a:stretch>
         </p:blipFill>
         <p:spPr>
           <a:xfrm>
-            <a:off x="1613328" y="1452452"/>
-            <a:ext cx="2103120" cy="2103120"/>
+            <a:off x="1176505" y="1534362"/>
+            <a:ext cx="2093848" cy="2132721"/>
           </a:xfrm>
           <a:prstGeom prst="rect">
             <a:avLst/>
@@ -12315,7 +12316,7 @@
         </p:blipFill>
         <p:spPr>
           <a:xfrm>
-            <a:off x="5003801" y="1457001"/>
+            <a:off x="3639711" y="1486981"/>
             <a:ext cx="2150669" cy="2150669"/>
           </a:xfrm>
           <a:prstGeom prst="rect">
@@ -12331,7 +12332,7 @@
         </p:nvSpPr>
         <p:spPr>
           <a:xfrm>
-            <a:off x="4866738" y="3566580"/>
+            <a:off x="3457678" y="3551590"/>
             <a:ext cx="2422568" cy="629392"/>
           </a:xfrm>
           <a:prstGeom prst="rect">
@@ -12347,7 +12348,7 @@
           <a:p>
             <a:pPr algn="ctr"/>
             <a:r>
-              <a:rPr lang="en-US" sz="2400" b="1" dirty="0" err="1" smtClean="0">
+              <a:rPr lang="en-US" sz="2300" b="1" dirty="0" err="1" smtClean="0">
                 <a:solidFill>
                   <a:srgbClr val="1E3272"/>
                 </a:solidFill>
@@ -12355,7 +12356,7 @@
               <a:t>Alexey</a:t>
             </a:r>
             <a:r>
-              <a:rPr lang="en-US" sz="2400" b="1" dirty="0" smtClean="0">
+              <a:rPr lang="en-US" sz="2300" b="1" dirty="0" smtClean="0">
                 <a:solidFill>
                   <a:srgbClr val="1E3272"/>
                 </a:solidFill>
@@ -12363,14 +12364,14 @@
               <a:t> </a:t>
             </a:r>
             <a:r>
-              <a:rPr lang="en-US" sz="2400" b="1" dirty="0" err="1" smtClean="0">
+              <a:rPr lang="en-US" sz="2300" b="1" dirty="0" err="1" smtClean="0">
                 <a:solidFill>
                   <a:srgbClr val="1E3272"/>
                 </a:solidFill>
               </a:rPr>
               <a:t>Kanakhin</a:t>
             </a:r>
-            <a:endParaRPr lang="ru-RU" sz="2400" b="1" dirty="0" smtClean="0">
+            <a:endParaRPr lang="ru-RU" sz="2300" b="1" dirty="0" smtClean="0">
               <a:solidFill>
                 <a:srgbClr val="1E3272"/>
               </a:solidFill>
@@ -12388,15 +12389,15 @@
         </p:nvPicPr>
         <p:blipFill>
           <a:blip r:embed="rId4" cstate="print"/>
-          <a:srcRect t="5315" b="12106"/>
+          <a:srcRect t="6416" b="12832"/>
           <a:stretch>
             <a:fillRect/>
           </a:stretch>
         </p:blipFill>
         <p:spPr>
           <a:xfrm>
-            <a:off x="8590332" y="1373976"/>
-            <a:ext cx="1579418" cy="2316791"/>
+            <a:off x="6461752" y="1464821"/>
+            <a:ext cx="1579418" cy="2265545"/>
           </a:xfrm>
           <a:prstGeom prst="rect">
             <a:avLst/>
@@ -12411,7 +12412,7 @@
         </p:nvSpPr>
         <p:spPr>
           <a:xfrm>
-            <a:off x="8100149" y="3583478"/>
+            <a:off x="5836659" y="3598468"/>
             <a:ext cx="2600797" cy="629392"/>
           </a:xfrm>
           <a:prstGeom prst="rect">
@@ -12427,7 +12428,7 @@
           <a:p>
             <a:pPr algn="ctr"/>
             <a:r>
-              <a:rPr lang="en-US" sz="2400" b="1" dirty="0" err="1" smtClean="0">
+              <a:rPr lang="en-US" sz="2300" b="1" dirty="0" err="1" smtClean="0">
                 <a:solidFill>
                   <a:srgbClr val="1E3272"/>
                 </a:solidFill>
@@ -12435,7 +12436,7 @@
               <a:t>Evgeny</a:t>
             </a:r>
             <a:r>
-              <a:rPr lang="en-US" sz="2400" b="1" dirty="0" smtClean="0">
+              <a:rPr lang="en-US" sz="2300" b="1" dirty="0" smtClean="0">
                 <a:solidFill>
                   <a:srgbClr val="1E3272"/>
                 </a:solidFill>
@@ -12443,14 +12444,14 @@
               <a:t> </a:t>
             </a:r>
             <a:r>
-              <a:rPr lang="en-US" sz="2400" b="1" dirty="0" err="1" smtClean="0">
+              <a:rPr lang="en-US" sz="2300" b="1" dirty="0" err="1" smtClean="0">
                 <a:solidFill>
                   <a:srgbClr val="1E3272"/>
                 </a:solidFill>
               </a:rPr>
               <a:t>Chugunnyy</a:t>
             </a:r>
-            <a:endParaRPr lang="ru-RU" sz="2400" b="1" dirty="0" smtClean="0">
+            <a:endParaRPr lang="ru-RU" sz="2300" b="1" dirty="0" smtClean="0">
               <a:solidFill>
                 <a:srgbClr val="1E3272"/>
               </a:solidFill>
@@ -12466,15 +12467,13 @@
         </p:nvSpPr>
         <p:spPr>
           <a:xfrm>
-            <a:off x="7999263" y="6323327"/>
+            <a:off x="2377963" y="6300180"/>
             <a:ext cx="2752824" cy="497860"/>
           </a:xfrm>
           <a:prstGeom prst="rect">
             <a:avLst/>
           </a:prstGeom>
-          <a:solidFill>
-            <a:schemeClr val="bg1"/>
-          </a:solidFill>
+          <a:noFill/>
         </p:spPr>
         <p:txBody>
           <a:bodyPr wrap="square" lIns="72000" tIns="25200" rIns="0" bIns="25200" rtlCol="0" anchor="ctr" anchorCtr="0">
@@ -12484,7 +12483,7 @@
           <a:p>
             <a:pPr algn="ctr"/>
             <a:r>
-              <a:rPr lang="en-US" sz="2400" b="1" dirty="0" err="1" smtClean="0">
+              <a:rPr lang="en-US" sz="2000" b="1" dirty="0" err="1" smtClean="0">
                 <a:solidFill>
                   <a:srgbClr val="1E3272"/>
                 </a:solidFill>
@@ -12492,7 +12491,7 @@
               <a:t>Vladislav</a:t>
             </a:r>
             <a:r>
-              <a:rPr lang="en-US" sz="2400" b="1" dirty="0" smtClean="0">
+              <a:rPr lang="en-US" sz="2000" b="1" dirty="0" smtClean="0">
                 <a:solidFill>
                   <a:srgbClr val="1E3272"/>
                 </a:solidFill>
@@ -12500,14 +12499,14 @@
               <a:t> </a:t>
             </a:r>
             <a:r>
-              <a:rPr lang="en-US" sz="2400" b="1" dirty="0" err="1" smtClean="0">
+              <a:rPr lang="en-US" sz="2000" b="1" dirty="0" err="1" smtClean="0">
                 <a:solidFill>
                   <a:srgbClr val="1E3272"/>
                 </a:solidFill>
               </a:rPr>
               <a:t>Abramov</a:t>
             </a:r>
-            <a:endParaRPr lang="ru-RU" sz="2400" b="1" dirty="0" smtClean="0">
+            <a:endParaRPr lang="ru-RU" sz="2000" b="1" dirty="0" smtClean="0">
               <a:solidFill>
                 <a:srgbClr val="1E3272"/>
               </a:solidFill>
@@ -12523,15 +12522,13 @@
         </p:nvSpPr>
         <p:spPr>
           <a:xfrm>
-            <a:off x="4725283" y="6349625"/>
+            <a:off x="4545403" y="6349625"/>
             <a:ext cx="2673997" cy="408521"/>
           </a:xfrm>
           <a:prstGeom prst="rect">
             <a:avLst/>
           </a:prstGeom>
-          <a:solidFill>
-            <a:schemeClr val="bg1"/>
-          </a:solidFill>
+          <a:noFill/>
         </p:spPr>
         <p:txBody>
           <a:bodyPr wrap="square" lIns="72000" tIns="25200" rIns="0" bIns="25200" rtlCol="0" anchor="ctr" anchorCtr="0">
@@ -12541,22 +12538,22 @@
           <a:p>
             <a:pPr algn="ctr"/>
             <a:r>
-              <a:rPr lang="en-US" sz="2400" b="1" dirty="0" smtClean="0">
+              <a:rPr lang="en-US" sz="2000" b="1" dirty="0" smtClean="0">
                 <a:solidFill>
                   <a:srgbClr val="1E3272"/>
                 </a:solidFill>
               </a:rPr>
-              <a:t>Dmitry </a:t>
-            </a:r>
-            <a:r>
-              <a:rPr lang="en-US" sz="2400" b="1" dirty="0" err="1" smtClean="0">
+              <a:t>Michael </a:t>
+            </a:r>
+            <a:r>
+              <a:rPr lang="en-US" sz="2000" b="1" dirty="0" err="1" smtClean="0">
                 <a:solidFill>
                   <a:srgbClr val="1E3272"/>
                 </a:solidFill>
               </a:rPr>
-              <a:t>Voronetskiy</a:t>
-            </a:r>
-            <a:endParaRPr lang="ru-RU" sz="2400" b="1" dirty="0" smtClean="0">
+              <a:t>Vinogradov</a:t>
+            </a:r>
+            <a:endParaRPr lang="ru-RU" sz="2000" b="1" dirty="0" smtClean="0">
               <a:solidFill>
                 <a:srgbClr val="1E3272"/>
               </a:solidFill>
@@ -12572,15 +12569,13 @@
         </p:nvSpPr>
         <p:spPr>
           <a:xfrm>
-            <a:off x="1325199" y="6307530"/>
+            <a:off x="560706" y="6307700"/>
             <a:ext cx="2422568" cy="445370"/>
           </a:xfrm>
           <a:prstGeom prst="rect">
             <a:avLst/>
           </a:prstGeom>
-          <a:solidFill>
-            <a:schemeClr val="bg1"/>
-          </a:solidFill>
+          <a:noFill/>
         </p:spPr>
         <p:txBody>
           <a:bodyPr wrap="square" lIns="72000" tIns="25200" rIns="0" bIns="25200" rtlCol="0" anchor="ctr" anchorCtr="0">
@@ -12590,7 +12585,7 @@
           <a:p>
             <a:pPr algn="ctr"/>
             <a:r>
-              <a:rPr lang="en-US" sz="2400" b="1" dirty="0" err="1" smtClean="0">
+              <a:rPr lang="en-US" sz="2000" b="1" dirty="0" err="1" smtClean="0">
                 <a:solidFill>
                   <a:srgbClr val="1E3272"/>
                 </a:solidFill>
@@ -12598,7 +12593,7 @@
               <a:t>Fedor</a:t>
             </a:r>
             <a:r>
-              <a:rPr lang="en-US" sz="2400" b="1" dirty="0" smtClean="0">
+              <a:rPr lang="en-US" sz="2000" b="1" dirty="0" smtClean="0">
                 <a:solidFill>
                   <a:srgbClr val="1E3272"/>
                 </a:solidFill>
@@ -12606,14 +12601,14 @@
               <a:t> </a:t>
             </a:r>
             <a:r>
-              <a:rPr lang="en-US" sz="2400" b="1" dirty="0" err="1" smtClean="0">
+              <a:rPr lang="en-US" sz="2000" b="1" dirty="0" err="1" smtClean="0">
                 <a:solidFill>
                   <a:srgbClr val="1E3272"/>
                 </a:solidFill>
               </a:rPr>
               <a:t>Ushakov</a:t>
             </a:r>
-            <a:endParaRPr lang="ru-RU" sz="2400" b="1" dirty="0" smtClean="0">
+            <a:endParaRPr lang="ru-RU" sz="2000" b="1" dirty="0" smtClean="0">
               <a:solidFill>
                 <a:srgbClr val="1E3272"/>
               </a:solidFill>
@@ -12638,33 +12633,8 @@
         </p:blipFill>
         <p:spPr>
           <a:xfrm>
-            <a:off x="1742085" y="4622259"/>
+            <a:off x="887651" y="4592278"/>
             <a:ext cx="1788160" cy="1716866"/>
-          </a:xfrm>
-          <a:prstGeom prst="rect">
-            <a:avLst/>
-          </a:prstGeom>
-        </p:spPr>
-      </p:pic>
-      <p:pic>
-        <p:nvPicPr>
-          <p:cNvPr id="18" name="Рисунок 17" descr="2021-01-12 08.17.54.jpg"/>
-          <p:cNvPicPr>
-            <a:picLocks noChangeAspect="1"/>
-          </p:cNvPicPr>
-          <p:nvPr/>
-        </p:nvPicPr>
-        <p:blipFill>
-          <a:blip r:embed="rId6" cstate="print"/>
-          <a:srcRect t="9744" b="27165"/>
-          <a:stretch>
-            <a:fillRect/>
-          </a:stretch>
-        </p:blipFill>
-        <p:spPr>
-          <a:xfrm>
-            <a:off x="5437688" y="4558960"/>
-            <a:ext cx="1351026" cy="1846093"/>
           </a:xfrm>
           <a:prstGeom prst="rect">
             <a:avLst/>
@@ -12680,7 +12650,7 @@
           <p:nvPr/>
         </p:nvPicPr>
         <p:blipFill>
-          <a:blip r:embed="rId7" cstate="print"/>
+          <a:blip r:embed="rId6" cstate="print"/>
           <a:srcRect l="15502" t="18602" r="16388" b="15945"/>
           <a:stretch>
             <a:fillRect/>
@@ -12688,14 +12658,254 @@
         </p:blipFill>
         <p:spPr>
           <a:xfrm>
-            <a:off x="8463987" y="4586682"/>
-            <a:ext cx="1882242" cy="1808807"/>
+            <a:off x="2917637" y="4586683"/>
+            <a:ext cx="1826874" cy="1755607"/>
           </a:xfrm>
           <a:prstGeom prst="rect">
             <a:avLst/>
           </a:prstGeom>
         </p:spPr>
       </p:pic>
+      <p:pic>
+        <p:nvPicPr>
+          <p:cNvPr id="20" name="Рисунок 19" descr="photo_2021-12-27_19-36-46.jpg"/>
+          <p:cNvPicPr>
+            <a:picLocks noChangeAspect="1"/>
+          </p:cNvPicPr>
+          <p:nvPr/>
+        </p:nvPicPr>
+        <p:blipFill>
+          <a:blip r:embed="rId7" cstate="print"/>
+          <a:stretch>
+            <a:fillRect/>
+          </a:stretch>
+        </p:blipFill>
+        <p:spPr>
+          <a:xfrm>
+            <a:off x="5035448" y="4601980"/>
+            <a:ext cx="1706880" cy="1706880"/>
+          </a:xfrm>
+          <a:prstGeom prst="rect">
+            <a:avLst/>
+          </a:prstGeom>
+        </p:spPr>
+      </p:pic>
+      <p:sp>
+        <p:nvSpPr>
+          <p:cNvPr id="21" name="TextBox 20"/>
+          <p:cNvSpPr txBox="1"/>
+          <p:nvPr/>
+        </p:nvSpPr>
+        <p:spPr>
+          <a:xfrm>
+            <a:off x="8267566" y="3615957"/>
+            <a:ext cx="2600797" cy="629392"/>
+          </a:xfrm>
+          <a:prstGeom prst="rect">
+            <a:avLst/>
+          </a:prstGeom>
+          <a:noFill/>
+        </p:spPr>
+        <p:txBody>
+          <a:bodyPr wrap="square" lIns="72000" tIns="25200" rIns="0" bIns="25200" rtlCol="0" anchor="ctr" anchorCtr="0">
+            <a:noAutofit/>
+          </a:bodyPr>
+          <a:lstStyle/>
+          <a:p>
+            <a:pPr algn="ctr"/>
+            <a:r>
+              <a:rPr lang="en-US" sz="2300" b="1" dirty="0" smtClean="0">
+                <a:solidFill>
+                  <a:srgbClr val="1E3272"/>
+                </a:solidFill>
+              </a:rPr>
+              <a:t>Alexandra </a:t>
+            </a:r>
+            <a:r>
+              <a:rPr lang="en-US" sz="2300" b="1" dirty="0" err="1" smtClean="0">
+                <a:solidFill>
+                  <a:srgbClr val="1E3272"/>
+                </a:solidFill>
+              </a:rPr>
+              <a:t>Borisova</a:t>
+            </a:r>
+            <a:endParaRPr lang="ru-RU" sz="2300" b="1" dirty="0" smtClean="0">
+              <a:solidFill>
+                <a:srgbClr val="1E3272"/>
+              </a:solidFill>
+            </a:endParaRPr>
+          </a:p>
+        </p:txBody>
+      </p:sp>
+      <p:pic>
+        <p:nvPicPr>
+          <p:cNvPr id="26" name="Рисунок 25" descr="IMG_8245.JPG"/>
+          <p:cNvPicPr>
+            <a:picLocks noChangeAspect="1"/>
+          </p:cNvPicPr>
+          <p:nvPr/>
+        </p:nvPicPr>
+        <p:blipFill>
+          <a:blip r:embed="rId8" cstate="print"/>
+          <a:srcRect t="973" b="21786"/>
+          <a:stretch>
+            <a:fillRect/>
+          </a:stretch>
+        </p:blipFill>
+        <p:spPr>
+          <a:xfrm>
+            <a:off x="8561891" y="1461565"/>
+            <a:ext cx="1974129" cy="2287255"/>
+          </a:xfrm>
+          <a:prstGeom prst="rect">
+            <a:avLst/>
+          </a:prstGeom>
+        </p:spPr>
+      </p:pic>
+      <p:pic>
+        <p:nvPicPr>
+          <p:cNvPr id="27" name="Рисунок 26" descr="photo_2022-01-06_22-10-39.jpg"/>
+          <p:cNvPicPr>
+            <a:picLocks noChangeAspect="1"/>
+          </p:cNvPicPr>
+          <p:nvPr/>
+        </p:nvPicPr>
+        <p:blipFill>
+          <a:blip r:embed="rId9" cstate="print"/>
+          <a:srcRect l="16416" t="2657" r="15536" b="46063"/>
+          <a:stretch>
+            <a:fillRect/>
+          </a:stretch>
+        </p:blipFill>
+        <p:spPr>
+          <a:xfrm>
+            <a:off x="8986227" y="4604487"/>
+            <a:ext cx="1754950" cy="1750576"/>
+          </a:xfrm>
+          <a:prstGeom prst="rect">
+            <a:avLst/>
+          </a:prstGeom>
+        </p:spPr>
+      </p:pic>
+      <p:sp>
+        <p:nvSpPr>
+          <p:cNvPr id="28" name="TextBox 27"/>
+          <p:cNvSpPr txBox="1"/>
+          <p:nvPr/>
+        </p:nvSpPr>
+        <p:spPr>
+          <a:xfrm>
+            <a:off x="8625226" y="6359539"/>
+            <a:ext cx="2257640" cy="408521"/>
+          </a:xfrm>
+          <a:prstGeom prst="rect">
+            <a:avLst/>
+          </a:prstGeom>
+          <a:noFill/>
+        </p:spPr>
+        <p:txBody>
+          <a:bodyPr wrap="square" lIns="72000" tIns="25200" rIns="0" bIns="25200" rtlCol="0" anchor="ctr" anchorCtr="0">
+            <a:noAutofit/>
+          </a:bodyPr>
+          <a:lstStyle/>
+          <a:p>
+            <a:pPr algn="ctr"/>
+            <a:r>
+              <a:rPr lang="en-US" sz="2000" b="1" dirty="0" smtClean="0">
+                <a:solidFill>
+                  <a:srgbClr val="1E3272"/>
+                </a:solidFill>
+              </a:rPr>
+              <a:t>Oleg </a:t>
+            </a:r>
+            <a:r>
+              <a:rPr lang="en-US" sz="2000" b="1" dirty="0" err="1" smtClean="0">
+                <a:solidFill>
+                  <a:srgbClr val="1E3272"/>
+                </a:solidFill>
+              </a:rPr>
+              <a:t>Malchenko</a:t>
+            </a:r>
+            <a:endParaRPr lang="ru-RU" sz="2000" b="1" dirty="0" smtClean="0">
+              <a:solidFill>
+                <a:srgbClr val="1E3272"/>
+              </a:solidFill>
+            </a:endParaRPr>
+          </a:p>
+        </p:txBody>
+      </p:sp>
+      <p:pic>
+        <p:nvPicPr>
+          <p:cNvPr id="30" name="Рисунок 29" descr="IMG_4493.jpg"/>
+          <p:cNvPicPr>
+            <a:picLocks noChangeAspect="1"/>
+          </p:cNvPicPr>
+          <p:nvPr/>
+        </p:nvPicPr>
+        <p:blipFill>
+          <a:blip r:embed="rId10" cstate="print"/>
+          <a:srcRect l="19179" t="20997" r="21455" b="25663"/>
+          <a:stretch>
+            <a:fillRect/>
+          </a:stretch>
+        </p:blipFill>
+        <p:spPr>
+          <a:xfrm>
+            <a:off x="7038961" y="4608639"/>
+            <a:ext cx="1709351" cy="1711971"/>
+          </a:xfrm>
+          <a:prstGeom prst="rect">
+            <a:avLst/>
+          </a:prstGeom>
+        </p:spPr>
+      </p:pic>
+      <p:sp>
+        <p:nvSpPr>
+          <p:cNvPr id="31" name="TextBox 30"/>
+          <p:cNvSpPr txBox="1"/>
+          <p:nvPr/>
+        </p:nvSpPr>
+        <p:spPr>
+          <a:xfrm>
+            <a:off x="7015405" y="6359539"/>
+            <a:ext cx="1588958" cy="408521"/>
+          </a:xfrm>
+          <a:prstGeom prst="rect">
+            <a:avLst/>
+          </a:prstGeom>
+          <a:noFill/>
+        </p:spPr>
+        <p:txBody>
+          <a:bodyPr wrap="square" lIns="72000" tIns="25200" rIns="0" bIns="25200" rtlCol="0" anchor="ctr" anchorCtr="0">
+            <a:noAutofit/>
+          </a:bodyPr>
+          <a:lstStyle/>
+          <a:p>
+            <a:pPr algn="ctr"/>
+            <a:r>
+              <a:rPr lang="en-US" sz="2000" b="1" dirty="0" smtClean="0">
+                <a:solidFill>
+                  <a:srgbClr val="1E3272"/>
+                </a:solidFill>
+              </a:rPr>
+              <a:t>Andy </a:t>
+            </a:r>
+            <a:r>
+              <a:rPr lang="en-US" sz="2000" b="1" dirty="0" err="1" smtClean="0">
+                <a:solidFill>
+                  <a:srgbClr val="1E3272"/>
+                </a:solidFill>
+              </a:rPr>
+              <a:t>Xu</a:t>
+            </a:r>
+            <a:endParaRPr lang="ru-RU" sz="2000" b="1" dirty="0" smtClean="0">
+              <a:solidFill>
+                <a:srgbClr val="1E3272"/>
+              </a:solidFill>
+            </a:endParaRPr>
+          </a:p>
+        </p:txBody>
+      </p:sp>
     </p:spTree>
   </p:cSld>
   <p:clrMapOvr>
@@ -13219,7 +13429,7 @@
           <a:effectLst/>
           <a:extLst>
             <a:ext uri="{91240B29-F687-4F45-9708-019B960494DF}">
-              <a14:hiddenLine xmlns:a14="http://schemas.microsoft.com/office/drawing/2010/main" xmlns="" w="9525">
+              <a14:hiddenLine xmlns="" xmlns:a14="http://schemas.microsoft.com/office/drawing/2010/main" w="9525">
                 <a:solidFill>
                   <a:schemeClr val="tx1"/>
                 </a:solidFill>
@@ -13229,7 +13439,7 @@
               </a14:hiddenLine>
             </a:ext>
             <a:ext uri="{AF507438-7753-43E0-B8FC-AC1667EBCBE1}">
-              <a14:hiddenEffects xmlns:a14="http://schemas.microsoft.com/office/drawing/2010/main" xmlns="">
+              <a14:hiddenEffects xmlns="" xmlns:a14="http://schemas.microsoft.com/office/drawing/2010/main">
                 <a:effectLst>
                   <a:outerShdw dist="35921" dir="2700000" algn="ctr" rotWithShape="0">
                     <a:schemeClr val="bg2"/>
@@ -14801,7 +15011,7 @@
           <a:effectLst/>
           <a:extLst>
             <a:ext uri="{91240B29-F687-4F45-9708-019B960494DF}">
-              <a14:hiddenLine xmlns:a14="http://schemas.microsoft.com/office/drawing/2010/main" xmlns="" w="9525">
+              <a14:hiddenLine xmlns="" xmlns:a14="http://schemas.microsoft.com/office/drawing/2010/main" w="9525">
                 <a:solidFill>
                   <a:schemeClr val="tx1"/>
                 </a:solidFill>
@@ -14811,7 +15021,7 @@
               </a14:hiddenLine>
             </a:ext>
             <a:ext uri="{AF507438-7753-43E0-B8FC-AC1667EBCBE1}">
-              <a14:hiddenEffects xmlns:a14="http://schemas.microsoft.com/office/drawing/2010/main" xmlns="">
+              <a14:hiddenEffects xmlns="" xmlns:a14="http://schemas.microsoft.com/office/drawing/2010/main">
                 <a:effectLst>
                   <a:outerShdw dist="35921" dir="2700000" algn="ctr" rotWithShape="0">
                     <a:schemeClr val="bg2"/>
@@ -14860,7 +15070,7 @@
         </p:txBody>
       </p:sp>
       <mc:AlternateContent xmlns:mc="http://schemas.openxmlformats.org/markup-compatibility/2006">
-        <mc:Choice xmlns:a14="http://schemas.microsoft.com/office/drawing/2010/main" xmlns="" Requires="a14">
+        <mc:Choice xmlns="" xmlns:a14="http://schemas.microsoft.com/office/drawing/2010/main" Requires="a14">
           <p:sp>
             <p:nvSpPr>
               <p:cNvPr id="8" name="Содержимое 1"/>
@@ -15339,7 +15549,7 @@
     </p:spTree>
     <p:extLst>
       <p:ext uri="{BB962C8B-B14F-4D97-AF65-F5344CB8AC3E}">
-        <p14:creationId xmlns:p14="http://schemas.microsoft.com/office/powerpoint/2010/main" xmlns="" val="611271091"/>
+        <p14:creationId xmlns="" xmlns:p14="http://schemas.microsoft.com/office/powerpoint/2010/main" val="611271091"/>
       </p:ext>
     </p:extLst>
   </p:cSld>
@@ -15464,7 +15674,7 @@
           <a:effectLst/>
           <a:extLst>
             <a:ext uri="{91240B29-F687-4F45-9708-019B960494DF}">
-              <a14:hiddenLine xmlns:a14="http://schemas.microsoft.com/office/drawing/2010/main" xmlns="" w="9525">
+              <a14:hiddenLine xmlns="" xmlns:a14="http://schemas.microsoft.com/office/drawing/2010/main" w="9525">
                 <a:solidFill>
                   <a:schemeClr val="tx1"/>
                 </a:solidFill>
@@ -15474,7 +15684,7 @@
               </a14:hiddenLine>
             </a:ext>
             <a:ext uri="{AF507438-7753-43E0-B8FC-AC1667EBCBE1}">
-              <a14:hiddenEffects xmlns:a14="http://schemas.microsoft.com/office/drawing/2010/main" xmlns="">
+              <a14:hiddenEffects xmlns="" xmlns:a14="http://schemas.microsoft.com/office/drawing/2010/main">
                 <a:effectLst>
                   <a:outerShdw dist="35921" dir="2700000" algn="ctr" rotWithShape="0">
                     <a:schemeClr val="bg2"/>
@@ -17394,7 +17604,7 @@
         </p:txBody>
       </p:sp>
       <mc:AlternateContent xmlns:mc="http://schemas.openxmlformats.org/markup-compatibility/2006">
-        <mc:Choice xmlns:a14="http://schemas.microsoft.com/office/drawing/2010/main" xmlns="" Requires="a14">
+        <mc:Choice xmlns="" xmlns:a14="http://schemas.microsoft.com/office/drawing/2010/main" Requires="a14">
           <p:sp>
             <p:nvSpPr>
               <p:cNvPr id="6" name="Содержимое 1"/>
@@ -17873,7 +18083,7 @@
     </p:spTree>
     <p:extLst>
       <p:ext uri="{BB962C8B-B14F-4D97-AF65-F5344CB8AC3E}">
-        <p14:creationId xmlns:p14="http://schemas.microsoft.com/office/powerpoint/2010/main" xmlns="" val="476216845"/>
+        <p14:creationId xmlns="" xmlns:p14="http://schemas.microsoft.com/office/powerpoint/2010/main" val="476216845"/>
       </p:ext>
     </p:extLst>
   </p:cSld>
@@ -19871,7 +20081,7 @@
         </p:txBody>
       </p:sp>
       <mc:AlternateContent xmlns:mc="http://schemas.openxmlformats.org/markup-compatibility/2006">
-        <mc:Choice xmlns:a14="http://schemas.microsoft.com/office/drawing/2010/main" xmlns="" Requires="a14">
+        <mc:Choice xmlns="" xmlns:a14="http://schemas.microsoft.com/office/drawing/2010/main" Requires="a14">
           <p:sp>
             <p:nvSpPr>
               <p:cNvPr id="8" name="Содержимое 1"/>
@@ -20365,7 +20575,7 @@
     </p:spTree>
     <p:extLst>
       <p:ext uri="{BB962C8B-B14F-4D97-AF65-F5344CB8AC3E}">
-        <p14:creationId xmlns:p14="http://schemas.microsoft.com/office/powerpoint/2010/main" xmlns="" val="3690992376"/>
+        <p14:creationId xmlns="" xmlns:p14="http://schemas.microsoft.com/office/powerpoint/2010/main" val="3690992376"/>
       </p:ext>
     </p:extLst>
   </p:cSld>
@@ -21767,31 +21977,7 @@
                   <a:srgbClr val="FF0000"/>
                 </a:solidFill>
               </a:rPr>
-              <a:t>Loop order: </a:t>
-            </a:r>
-            <a:r>
-              <a:rPr lang="en-US" altLang="en-US" sz="3200" b="1" dirty="0" smtClean="0">
-                <a:solidFill>
-                  <a:srgbClr val="FF0000"/>
-                </a:solidFill>
-              </a:rPr>
-              <a:t>j</a:t>
-            </a:r>
-            <a:r>
-              <a:rPr lang="en-US" altLang="en-US" sz="3200" b="1" dirty="0" smtClean="0">
-                <a:solidFill>
-                  <a:srgbClr val="FF0000"/>
-                </a:solidFill>
-              </a:rPr>
-              <a:t>, </a:t>
-            </a:r>
-            <a:r>
-              <a:rPr lang="en-US" altLang="en-US" sz="3200" b="1" dirty="0" smtClean="0">
-                <a:solidFill>
-                  <a:srgbClr val="FF0000"/>
-                </a:solidFill>
-              </a:rPr>
-              <a:t>k, </a:t>
+              <a:t>Loop order: j, k, </a:t>
             </a:r>
             <a:r>
               <a:rPr lang="en-US" altLang="en-US" sz="3200" b="1" dirty="0" err="1" smtClean="0">
@@ -21886,16 +22072,7 @@
                 </a:solidFill>
                 <a:latin typeface="Consolas" panose="020B0609020204030204" pitchFamily="49" charset="0"/>
               </a:rPr>
-              <a:t>j </a:t>
-            </a:r>
-            <a:r>
-              <a:rPr lang="en-US" altLang="en-US" sz="1600" dirty="0" smtClean="0">
-                <a:solidFill>
-                  <a:srgbClr val="000000"/>
-                </a:solidFill>
-                <a:latin typeface="Consolas" panose="020B0609020204030204" pitchFamily="49" charset="0"/>
-              </a:rPr>
-              <a:t>&lt; </a:t>
+              <a:t>j &lt; </a:t>
             </a:r>
             <a:r>
               <a:rPr lang="en-US" altLang="en-US" sz="1600" b="1" i="1" dirty="0" smtClean="0">
@@ -22698,7 +22875,7 @@
     </p:spTree>
     <p:extLst>
       <p:ext uri="{BB962C8B-B14F-4D97-AF65-F5344CB8AC3E}">
-        <p14:creationId xmlns:p14="http://schemas.microsoft.com/office/powerpoint/2010/main" xmlns="" val="2808821390"/>
+        <p14:creationId xmlns="" xmlns:p14="http://schemas.microsoft.com/office/powerpoint/2010/main" val="2808821390"/>
       </p:ext>
     </p:extLst>
   </p:cSld>
@@ -22990,7 +23167,7 @@
   <a:extraClrSchemeLst/>
   <a:extLst>
     <a:ext uri="{05A4C25C-085E-4340-85A3-A5531E510DB2}">
-      <thm15:themeFamily xmlns:thm15="http://schemas.microsoft.com/office/thememl/2012/main" xmlns="" name="Office Theme" id="{62F939B6-93AF-4DB8-9C6B-D6C7DFDC589F}" vid="{4A3C46E8-61CC-4603-A589-7422A47A8E4A}"/>
+      <thm15:themeFamily xmlns="" xmlns:thm15="http://schemas.microsoft.com/office/thememl/2012/main" name="Office Theme" id="{62F939B6-93AF-4DB8-9C6B-D6C7DFDC589F}" vid="{4A3C46E8-61CC-4603-A589-7422A47A8E4A}"/>
     </a:ext>
   </a:extLst>
 </a:theme>
@@ -23251,7 +23428,7 @@
   <a:extraClrSchemeLst/>
   <a:extLst>
     <a:ext uri="{05A4C25C-085E-4340-85A3-A5531E510DB2}">
-      <thm15:themeFamily xmlns:thm15="http://schemas.microsoft.com/office/thememl/2012/main" xmlns="" name="Office Theme" id="{62F939B6-93AF-4DB8-9C6B-D6C7DFDC589F}" vid="{4A3C46E8-61CC-4603-A589-7422A47A8E4A}"/>
+      <thm15:themeFamily xmlns="" xmlns:thm15="http://schemas.microsoft.com/office/thememl/2012/main" name="Office Theme" id="{62F939B6-93AF-4DB8-9C6B-D6C7DFDC589F}" vid="{4A3C46E8-61CC-4603-A589-7422A47A8E4A}"/>
     </a:ext>
   </a:extLst>
 </a:theme>
@@ -23512,7 +23689,7 @@
   <a:extraClrSchemeLst/>
   <a:extLst>
     <a:ext uri="{05A4C25C-085E-4340-85A3-A5531E510DB2}">
-      <thm15:themeFamily xmlns:thm15="http://schemas.microsoft.com/office/thememl/2012/main" xmlns="" name="Office Theme" id="{62F939B6-93AF-4DB8-9C6B-D6C7DFDC589F}" vid="{4A3C46E8-61CC-4603-A589-7422A47A8E4A}"/>
+      <thm15:themeFamily xmlns="" xmlns:thm15="http://schemas.microsoft.com/office/thememl/2012/main" name="Office Theme" id="{62F939B6-93AF-4DB8-9C6B-D6C7DFDC589F}" vid="{4A3C46E8-61CC-4603-A589-7422A47A8E4A}"/>
     </a:ext>
   </a:extLst>
 </a:theme>

--- a/docs/part1ca/01_Introduction/CA_Lecture_01.pptx
+++ b/docs/part1ca/01_Introduction/CA_Lecture_01.pptx
@@ -136,7 +136,7 @@
   </p:defaultTextStyle>
   <p:extLst>
     <p:ext uri="{EFAFB233-063F-42B5-8137-9DF3F51BA10A}">
-      <p15:sldGuideLst xmlns="" xmlns:p15="http://schemas.microsoft.com/office/powerpoint/2012/main">
+      <p15:sldGuideLst xmlns:p15="http://schemas.microsoft.com/office/powerpoint/2012/main" xmlns="">
         <p15:guide id="1" orient="horz" pos="2160">
           <p15:clr>
             <a:srgbClr val="A4A3A4"/>
@@ -150,7 +150,7 @@
       </p15:sldGuideLst>
     </p:ext>
     <p:ext uri="{2D200454-40CA-4A62-9FC3-DE9A4176ACB9}">
-      <p15:notesGuideLst xmlns="" xmlns:p15="http://schemas.microsoft.com/office/powerpoint/2012/main">
+      <p15:notesGuideLst xmlns:p15="http://schemas.microsoft.com/office/powerpoint/2012/main" xmlns="">
         <p15:guide id="1" orient="horz" pos="2880">
           <p15:clr>
             <a:srgbClr val="A4A3A4"/>
@@ -258,7 +258,7 @@
             <a:fld id="{D0106195-8D78-4F6F-B8E4-FA67975ACEF5}" type="datetimeFigureOut">
               <a:rPr lang="ru-RU" smtClean="0"/>
               <a:pPr/>
-              <a:t>06.01.2022</a:t>
+              <a:t>11.01.2022</a:t>
             </a:fld>
             <a:endParaRPr lang="ru-RU"/>
           </a:p>
@@ -334,7 +334,7 @@
     </p:spTree>
     <p:extLst>
       <p:ext uri="{BB962C8B-B14F-4D97-AF65-F5344CB8AC3E}">
-        <p14:creationId xmlns="" xmlns:p14="http://schemas.microsoft.com/office/powerpoint/2010/main" val="827279973"/>
+        <p14:creationId xmlns:p14="http://schemas.microsoft.com/office/powerpoint/2010/main" xmlns="" val="827279973"/>
       </p:ext>
     </p:extLst>
   </p:cSld>
@@ -426,7 +426,7 @@
             <a:fld id="{878212F1-C3D9-4F2B-8F42-5E960FE8BE51}" type="datetimeFigureOut">
               <a:rPr lang="ru-RU" smtClean="0"/>
               <a:pPr/>
-              <a:t>06.01.2022</a:t>
+              <a:t>11.01.2022</a:t>
             </a:fld>
             <a:endParaRPr lang="ru-RU"/>
           </a:p>
@@ -595,7 +595,7 @@
     </p:spTree>
     <p:extLst>
       <p:ext uri="{BB962C8B-B14F-4D97-AF65-F5344CB8AC3E}">
-        <p14:creationId xmlns="" xmlns:p14="http://schemas.microsoft.com/office/powerpoint/2010/main" val="3865021395"/>
+        <p14:creationId xmlns:p14="http://schemas.microsoft.com/office/powerpoint/2010/main" xmlns="" val="3865021395"/>
       </p:ext>
     </p:extLst>
   </p:cSld>
@@ -809,7 +809,7 @@
     </p:spTree>
     <p:extLst>
       <p:ext uri="{BB962C8B-B14F-4D97-AF65-F5344CB8AC3E}">
-        <p14:creationId xmlns="" xmlns:p14="http://schemas.microsoft.com/office/powerpoint/2010/main" val="2381791527"/>
+        <p14:creationId xmlns:p14="http://schemas.microsoft.com/office/powerpoint/2010/main" xmlns="" val="2381791527"/>
       </p:ext>
     </p:extLst>
   </p:cSld>
@@ -932,7 +932,7 @@
     </p:spTree>
     <p:extLst>
       <p:ext uri="{BB962C8B-B14F-4D97-AF65-F5344CB8AC3E}">
-        <p14:creationId xmlns="" xmlns:p14="http://schemas.microsoft.com/office/powerpoint/2010/main" val="1915950851"/>
+        <p14:creationId xmlns:p14="http://schemas.microsoft.com/office/powerpoint/2010/main" xmlns="" val="1915950851"/>
       </p:ext>
     </p:extLst>
   </p:cSld>
@@ -1192,7 +1192,7 @@
     </p:spTree>
     <p:extLst>
       <p:ext uri="{BB962C8B-B14F-4D97-AF65-F5344CB8AC3E}">
-        <p14:creationId xmlns="" xmlns:p14="http://schemas.microsoft.com/office/powerpoint/2010/main" val="322455162"/>
+        <p14:creationId xmlns:p14="http://schemas.microsoft.com/office/powerpoint/2010/main" xmlns="" val="322455162"/>
       </p:ext>
     </p:extLst>
   </p:cSld>
@@ -1366,7 +1366,7 @@
     </p:spTree>
     <p:extLst>
       <p:ext uri="{BB962C8B-B14F-4D97-AF65-F5344CB8AC3E}">
-        <p14:creationId xmlns="" xmlns:p14="http://schemas.microsoft.com/office/powerpoint/2010/main" val="971117636"/>
+        <p14:creationId xmlns:p14="http://schemas.microsoft.com/office/powerpoint/2010/main" xmlns="" val="971117636"/>
       </p:ext>
     </p:extLst>
   </p:cSld>
@@ -1543,7 +1543,7 @@
     </p:spTree>
     <p:extLst>
       <p:ext uri="{BB962C8B-B14F-4D97-AF65-F5344CB8AC3E}">
-        <p14:creationId xmlns="" xmlns:p14="http://schemas.microsoft.com/office/powerpoint/2010/main" val="3348877825"/>
+        <p14:creationId xmlns:p14="http://schemas.microsoft.com/office/powerpoint/2010/main" xmlns="" val="3348877825"/>
       </p:ext>
     </p:extLst>
   </p:cSld>
@@ -1868,7 +1868,7 @@
     </p:spTree>
     <p:extLst>
       <p:ext uri="{BB962C8B-B14F-4D97-AF65-F5344CB8AC3E}">
-        <p14:creationId xmlns="" xmlns:p14="http://schemas.microsoft.com/office/powerpoint/2010/main" val="3256953994"/>
+        <p14:creationId xmlns:p14="http://schemas.microsoft.com/office/powerpoint/2010/main" xmlns="" val="3256953994"/>
       </p:ext>
     </p:extLst>
   </p:cSld>
@@ -2118,7 +2118,7 @@
     </p:spTree>
     <p:extLst>
       <p:ext uri="{BB962C8B-B14F-4D97-AF65-F5344CB8AC3E}">
-        <p14:creationId xmlns="" xmlns:p14="http://schemas.microsoft.com/office/powerpoint/2010/main" val="3067076846"/>
+        <p14:creationId xmlns:p14="http://schemas.microsoft.com/office/powerpoint/2010/main" xmlns="" val="3067076846"/>
       </p:ext>
     </p:extLst>
   </p:cSld>
@@ -2354,7 +2354,7 @@
     </p:spTree>
     <p:extLst>
       <p:ext uri="{BB962C8B-B14F-4D97-AF65-F5344CB8AC3E}">
-        <p14:creationId xmlns="" xmlns:p14="http://schemas.microsoft.com/office/powerpoint/2010/main" val="3710015975"/>
+        <p14:creationId xmlns:p14="http://schemas.microsoft.com/office/powerpoint/2010/main" xmlns="" val="3710015975"/>
       </p:ext>
     </p:extLst>
   </p:cSld>
@@ -2725,7 +2725,7 @@
     </p:spTree>
     <p:extLst>
       <p:ext uri="{BB962C8B-B14F-4D97-AF65-F5344CB8AC3E}">
-        <p14:creationId xmlns="" xmlns:p14="http://schemas.microsoft.com/office/powerpoint/2010/main" val="4075590966"/>
+        <p14:creationId xmlns:p14="http://schemas.microsoft.com/office/powerpoint/2010/main" xmlns="" val="4075590966"/>
       </p:ext>
     </p:extLst>
   </p:cSld>
@@ -2847,7 +2847,7 @@
     </p:spTree>
     <p:extLst>
       <p:ext uri="{BB962C8B-B14F-4D97-AF65-F5344CB8AC3E}">
-        <p14:creationId xmlns="" xmlns:p14="http://schemas.microsoft.com/office/powerpoint/2010/main" val="2889604898"/>
+        <p14:creationId xmlns:p14="http://schemas.microsoft.com/office/powerpoint/2010/main" xmlns="" val="2889604898"/>
       </p:ext>
     </p:extLst>
   </p:cSld>
@@ -2946,7 +2946,7 @@
     </p:spTree>
     <p:extLst>
       <p:ext uri="{BB962C8B-B14F-4D97-AF65-F5344CB8AC3E}">
-        <p14:creationId xmlns="" xmlns:p14="http://schemas.microsoft.com/office/powerpoint/2010/main" val="152384765"/>
+        <p14:creationId xmlns:p14="http://schemas.microsoft.com/office/powerpoint/2010/main" xmlns="" val="152384765"/>
       </p:ext>
     </p:extLst>
   </p:cSld>
@@ -3227,7 +3227,7 @@
     </p:spTree>
     <p:extLst>
       <p:ext uri="{BB962C8B-B14F-4D97-AF65-F5344CB8AC3E}">
-        <p14:creationId xmlns="" xmlns:p14="http://schemas.microsoft.com/office/powerpoint/2010/main" val="2127791886"/>
+        <p14:creationId xmlns:p14="http://schemas.microsoft.com/office/powerpoint/2010/main" xmlns="" val="2127791886"/>
       </p:ext>
     </p:extLst>
   </p:cSld>
@@ -3484,7 +3484,7 @@
     </p:spTree>
     <p:extLst>
       <p:ext uri="{BB962C8B-B14F-4D97-AF65-F5344CB8AC3E}">
-        <p14:creationId xmlns="" xmlns:p14="http://schemas.microsoft.com/office/powerpoint/2010/main" val="1752705130"/>
+        <p14:creationId xmlns:p14="http://schemas.microsoft.com/office/powerpoint/2010/main" xmlns="" val="1752705130"/>
       </p:ext>
     </p:extLst>
   </p:cSld>
@@ -3737,7 +3737,7 @@
     </p:spTree>
     <p:extLst>
       <p:ext uri="{BB962C8B-B14F-4D97-AF65-F5344CB8AC3E}">
-        <p14:creationId xmlns="" xmlns:p14="http://schemas.microsoft.com/office/powerpoint/2010/main" val="968833914"/>
+        <p14:creationId xmlns:p14="http://schemas.microsoft.com/office/powerpoint/2010/main" xmlns="" val="968833914"/>
       </p:ext>
     </p:extLst>
   </p:cSld>
@@ -4184,8 +4184,25 @@
                 <a:latin typeface="+mj-lt"/>
                 <a:cs typeface="Calibri" pitchFamily="34" charset="0"/>
               </a:rPr>
-              <a:t>atatarnikov@hse.ru </a:t>
-            </a:r>
+              <a:t>andrewt0301</a:t>
+            </a:r>
+            <a:r>
+              <a:rPr lang="en-US" sz="2800" b="1" u="sng" dirty="0" smtClean="0">
+                <a:solidFill>
+                  <a:srgbClr val="0070C0"/>
+                </a:solidFill>
+                <a:latin typeface="+mj-lt"/>
+                <a:cs typeface="Calibri" pitchFamily="34" charset="0"/>
+              </a:rPr>
+              <a:t>@gmail.com </a:t>
+            </a:r>
+            <a:endParaRPr lang="en-US" sz="2800" b="1" u="sng" dirty="0" smtClean="0">
+              <a:solidFill>
+                <a:srgbClr val="0070C0"/>
+              </a:solidFill>
+              <a:latin typeface="+mj-lt"/>
+              <a:cs typeface="Calibri" pitchFamily="34" charset="0"/>
+            </a:endParaRPr>
           </a:p>
           <a:p>
             <a:pPr algn="ctr">
@@ -4214,7 +4231,7 @@
     </p:spTree>
     <p:extLst>
       <p:ext uri="{BB962C8B-B14F-4D97-AF65-F5344CB8AC3E}">
-        <p14:creationId xmlns="" xmlns:p14="http://schemas.microsoft.com/office/powerpoint/2010/main" val="2492894732"/>
+        <p14:creationId xmlns:p14="http://schemas.microsoft.com/office/powerpoint/2010/main" xmlns="" val="2492894732"/>
       </p:ext>
     </p:extLst>
   </p:cSld>
@@ -4258,7 +4275,7 @@
             <p:ph idx="1"/>
             <p:extLst>
               <p:ext uri="{D42A27DB-BD31-4B8C-83A1-F6EECF244321}">
-                <p14:modId xmlns="" xmlns:p14="http://schemas.microsoft.com/office/powerpoint/2010/main" val="2853019934"/>
+                <p14:modId xmlns:p14="http://schemas.microsoft.com/office/powerpoint/2010/main" xmlns="" val="2853019934"/>
               </p:ext>
             </p:extLst>
           </p:nvPr>
@@ -4692,7 +4709,7 @@
         </p:txBody>
       </p:sp>
       <mc:AlternateContent xmlns:mc="http://schemas.openxmlformats.org/markup-compatibility/2006">
-        <mc:Choice xmlns="" xmlns:a14="http://schemas.microsoft.com/office/drawing/2010/main" Requires="a14">
+        <mc:Choice xmlns:a14="http://schemas.microsoft.com/office/drawing/2010/main" xmlns="" Requires="a14">
           <p:sp>
             <p:nvSpPr>
               <p:cNvPr id="6" name="Rectangle 5"/>
@@ -4883,7 +4900,7 @@
     </p:spTree>
     <p:extLst>
       <p:ext uri="{BB962C8B-B14F-4D97-AF65-F5344CB8AC3E}">
-        <p14:creationId xmlns="" xmlns:p14="http://schemas.microsoft.com/office/powerpoint/2010/main" val="1319878854"/>
+        <p14:creationId xmlns:p14="http://schemas.microsoft.com/office/powerpoint/2010/main" xmlns="" val="1319878854"/>
       </p:ext>
     </p:extLst>
   </p:cSld>
@@ -4975,7 +4992,7 @@
             <p:ph idx="1"/>
             <p:extLst>
               <p:ext uri="{D42A27DB-BD31-4B8C-83A1-F6EECF244321}">
-                <p14:modId xmlns="" xmlns:p14="http://schemas.microsoft.com/office/powerpoint/2010/main" val="895195415"/>
+                <p14:modId xmlns:p14="http://schemas.microsoft.com/office/powerpoint/2010/main" xmlns="" val="895195415"/>
               </p:ext>
             </p:extLst>
           </p:nvPr>
@@ -5279,7 +5296,7 @@
     </p:spTree>
     <p:extLst>
       <p:ext uri="{BB962C8B-B14F-4D97-AF65-F5344CB8AC3E}">
-        <p14:creationId xmlns="" xmlns:p14="http://schemas.microsoft.com/office/powerpoint/2010/main" val="1991606056"/>
+        <p14:creationId xmlns:p14="http://schemas.microsoft.com/office/powerpoint/2010/main" xmlns="" val="1991606056"/>
       </p:ext>
     </p:extLst>
   </p:cSld>
@@ -5447,7 +5464,7 @@
           <a:blip r:embed="rId2" cstate="print">
             <a:extLst>
               <a:ext uri="{28A0092B-C50C-407E-A947-70E740481C1C}">
-                <a14:useLocalDpi xmlns="" xmlns:a14="http://schemas.microsoft.com/office/drawing/2010/main" val="0"/>
+                <a14:useLocalDpi xmlns:a14="http://schemas.microsoft.com/office/drawing/2010/main" xmlns="" val="0"/>
               </a:ext>
             </a:extLst>
           </a:blip>
@@ -5467,7 +5484,7 @@
           <a:noFill/>
           <a:extLst>
             <a:ext uri="{909E8E84-426E-40DD-AFC4-6F175D3DCCD1}">
-              <a14:hiddenFill xmlns="" xmlns:a14="http://schemas.microsoft.com/office/drawing/2010/main">
+              <a14:hiddenFill xmlns:a14="http://schemas.microsoft.com/office/drawing/2010/main" xmlns="">
                 <a:solidFill>
                   <a:srgbClr val="FFFFFF"/>
                 </a:solidFill>
@@ -5479,7 +5496,7 @@
     </p:spTree>
     <p:extLst>
       <p:ext uri="{BB962C8B-B14F-4D97-AF65-F5344CB8AC3E}">
-        <p14:creationId xmlns="" xmlns:p14="http://schemas.microsoft.com/office/powerpoint/2010/main" val="1147934676"/>
+        <p14:creationId xmlns:p14="http://schemas.microsoft.com/office/powerpoint/2010/main" xmlns="" val="1147934676"/>
       </p:ext>
     </p:extLst>
   </p:cSld>
@@ -6377,7 +6394,7 @@
           <a:blip r:embed="rId2" cstate="print">
             <a:extLst>
               <a:ext uri="{28A0092B-C50C-407E-A947-70E740481C1C}">
-                <a14:useLocalDpi xmlns="" xmlns:a14="http://schemas.microsoft.com/office/drawing/2010/main" val="0"/>
+                <a14:useLocalDpi xmlns:a14="http://schemas.microsoft.com/office/drawing/2010/main" xmlns="" val="0"/>
               </a:ext>
             </a:extLst>
           </a:blip>
@@ -6397,7 +6414,7 @@
           <a:noFill/>
           <a:extLst>
             <a:ext uri="{909E8E84-426E-40DD-AFC4-6F175D3DCCD1}">
-              <a14:hiddenFill xmlns="" xmlns:a14="http://schemas.microsoft.com/office/drawing/2010/main">
+              <a14:hiddenFill xmlns:a14="http://schemas.microsoft.com/office/drawing/2010/main" xmlns="">
                 <a:solidFill>
                   <a:srgbClr val="FFFFFF"/>
                 </a:solidFill>
@@ -6409,7 +6426,7 @@
     </p:spTree>
     <p:extLst>
       <p:ext uri="{BB962C8B-B14F-4D97-AF65-F5344CB8AC3E}">
-        <p14:creationId xmlns="" xmlns:p14="http://schemas.microsoft.com/office/powerpoint/2010/main" val="2950914556"/>
+        <p14:creationId xmlns:p14="http://schemas.microsoft.com/office/powerpoint/2010/main" xmlns="" val="2950914556"/>
       </p:ext>
     </p:extLst>
   </p:cSld>
@@ -6455,7 +6472,7 @@
           <a:blip r:embed="rId2" cstate="print">
             <a:extLst>
               <a:ext uri="{28A0092B-C50C-407E-A947-70E740481C1C}">
-                <a14:useLocalDpi xmlns="" xmlns:a14="http://schemas.microsoft.com/office/drawing/2010/main" val="0"/>
+                <a14:useLocalDpi xmlns:a14="http://schemas.microsoft.com/office/drawing/2010/main" xmlns="" val="0"/>
               </a:ext>
             </a:extLst>
           </a:blip>
@@ -6475,7 +6492,7 @@
           <a:noFill/>
           <a:extLst>
             <a:ext uri="{909E8E84-426E-40DD-AFC4-6F175D3DCCD1}">
-              <a14:hiddenFill xmlns="" xmlns:a14="http://schemas.microsoft.com/office/drawing/2010/main">
+              <a14:hiddenFill xmlns:a14="http://schemas.microsoft.com/office/drawing/2010/main" xmlns="">
                 <a:solidFill>
                   <a:srgbClr val="FFFFFF"/>
                 </a:solidFill>
@@ -7048,7 +7065,7 @@
     </p:spTree>
     <p:extLst>
       <p:ext uri="{BB962C8B-B14F-4D97-AF65-F5344CB8AC3E}">
-        <p14:creationId xmlns="" xmlns:p14="http://schemas.microsoft.com/office/powerpoint/2010/main" val="4087179089"/>
+        <p14:creationId xmlns:p14="http://schemas.microsoft.com/office/powerpoint/2010/main" xmlns="" val="4087179089"/>
       </p:ext>
     </p:extLst>
   </p:cSld>
@@ -7254,7 +7271,7 @@
           <a:blip r:embed="rId2" cstate="print">
             <a:extLst>
               <a:ext uri="{28A0092B-C50C-407E-A947-70E740481C1C}">
-                <a14:useLocalDpi xmlns="" xmlns:a14="http://schemas.microsoft.com/office/drawing/2010/main" val="0"/>
+                <a14:useLocalDpi xmlns:a14="http://schemas.microsoft.com/office/drawing/2010/main" xmlns="" val="0"/>
               </a:ext>
             </a:extLst>
           </a:blip>
@@ -7274,7 +7291,7 @@
           <a:noFill/>
           <a:extLst>
             <a:ext uri="{909E8E84-426E-40DD-AFC4-6F175D3DCCD1}">
-              <a14:hiddenFill xmlns="" xmlns:a14="http://schemas.microsoft.com/office/drawing/2010/main">
+              <a14:hiddenFill xmlns:a14="http://schemas.microsoft.com/office/drawing/2010/main" xmlns="">
                 <a:solidFill>
                   <a:srgbClr val="FFFFFF"/>
                 </a:solidFill>
@@ -7295,7 +7312,7 @@
           <a:blip r:embed="rId3" cstate="print">
             <a:extLst>
               <a:ext uri="{28A0092B-C50C-407E-A947-70E740481C1C}">
-                <a14:useLocalDpi xmlns="" xmlns:a14="http://schemas.microsoft.com/office/drawing/2010/main" val="0"/>
+                <a14:useLocalDpi xmlns:a14="http://schemas.microsoft.com/office/drawing/2010/main" xmlns="" val="0"/>
               </a:ext>
             </a:extLst>
           </a:blip>
@@ -7315,7 +7332,7 @@
           <a:noFill/>
           <a:extLst>
             <a:ext uri="{909E8E84-426E-40DD-AFC4-6F175D3DCCD1}">
-              <a14:hiddenFill xmlns="" xmlns:a14="http://schemas.microsoft.com/office/drawing/2010/main">
+              <a14:hiddenFill xmlns:a14="http://schemas.microsoft.com/office/drawing/2010/main" xmlns="">
                 <a:solidFill>
                   <a:srgbClr val="FFFFFF"/>
                 </a:solidFill>
@@ -7327,7 +7344,7 @@
     </p:spTree>
     <p:extLst>
       <p:ext uri="{BB962C8B-B14F-4D97-AF65-F5344CB8AC3E}">
-        <p14:creationId xmlns="" xmlns:p14="http://schemas.microsoft.com/office/powerpoint/2010/main" val="4020093932"/>
+        <p14:creationId xmlns:p14="http://schemas.microsoft.com/office/powerpoint/2010/main" xmlns="" val="4020093932"/>
       </p:ext>
     </p:extLst>
   </p:cSld>
@@ -7540,7 +7557,7 @@
           <a:blip r:embed="rId2" cstate="print">
             <a:extLst>
               <a:ext uri="{28A0092B-C50C-407E-A947-70E740481C1C}">
-                <a14:useLocalDpi xmlns="" xmlns:a14="http://schemas.microsoft.com/office/drawing/2010/main" val="0"/>
+                <a14:useLocalDpi xmlns:a14="http://schemas.microsoft.com/office/drawing/2010/main" xmlns="" val="0"/>
               </a:ext>
             </a:extLst>
           </a:blip>
@@ -7563,14 +7580,14 @@
           </a:ln>
           <a:extLst>
             <a:ext uri="{909E8E84-426E-40DD-AFC4-6F175D3DCCD1}">
-              <a14:hiddenFill xmlns="" xmlns:a14="http://schemas.microsoft.com/office/drawing/2010/main">
+              <a14:hiddenFill xmlns:a14="http://schemas.microsoft.com/office/drawing/2010/main" xmlns="">
                 <a:solidFill>
                   <a:srgbClr val="FFFFFF"/>
                 </a:solidFill>
               </a14:hiddenFill>
             </a:ext>
             <a:ext uri="{91240B29-F687-4F45-9708-019B960494DF}">
-              <a14:hiddenLine xmlns="" xmlns:a14="http://schemas.microsoft.com/office/drawing/2010/main" w="9525">
+              <a14:hiddenLine xmlns:a14="http://schemas.microsoft.com/office/drawing/2010/main" xmlns="" w="9525">
                 <a:solidFill>
                   <a:srgbClr val="000000"/>
                 </a:solidFill>
@@ -7585,7 +7602,7 @@
     </p:spTree>
     <p:extLst>
       <p:ext uri="{BB962C8B-B14F-4D97-AF65-F5344CB8AC3E}">
-        <p14:creationId xmlns="" xmlns:p14="http://schemas.microsoft.com/office/powerpoint/2010/main" val="3856844071"/>
+        <p14:creationId xmlns:p14="http://schemas.microsoft.com/office/powerpoint/2010/main" xmlns="" val="3856844071"/>
       </p:ext>
     </p:extLst>
   </p:cSld>
@@ -7631,7 +7648,7 @@
           <a:blip r:embed="rId2" cstate="print">
             <a:extLst>
               <a:ext uri="{28A0092B-C50C-407E-A947-70E740481C1C}">
-                <a14:useLocalDpi xmlns="" xmlns:a14="http://schemas.microsoft.com/office/drawing/2010/main" val="0"/>
+                <a14:useLocalDpi xmlns:a14="http://schemas.microsoft.com/office/drawing/2010/main" xmlns="" val="0"/>
               </a:ext>
             </a:extLst>
           </a:blip>
@@ -7654,14 +7671,14 @@
           </a:ln>
           <a:extLst>
             <a:ext uri="{909E8E84-426E-40DD-AFC4-6F175D3DCCD1}">
-              <a14:hiddenFill xmlns="" xmlns:a14="http://schemas.microsoft.com/office/drawing/2010/main">
+              <a14:hiddenFill xmlns:a14="http://schemas.microsoft.com/office/drawing/2010/main" xmlns="">
                 <a:solidFill>
                   <a:srgbClr val="FFFFFF"/>
                 </a:solidFill>
               </a14:hiddenFill>
             </a:ext>
             <a:ext uri="{91240B29-F687-4F45-9708-019B960494DF}">
-              <a14:hiddenLine xmlns="" xmlns:a14="http://schemas.microsoft.com/office/drawing/2010/main" w="9525">
+              <a14:hiddenLine xmlns:a14="http://schemas.microsoft.com/office/drawing/2010/main" xmlns="" w="9525">
                 <a:solidFill>
                   <a:srgbClr val="000000"/>
                 </a:solidFill>
@@ -8167,7 +8184,7 @@
           <p:nvPr>
             <p:extLst>
               <p:ext uri="{D42A27DB-BD31-4B8C-83A1-F6EECF244321}">
-                <p14:modId xmlns="" xmlns:p14="http://schemas.microsoft.com/office/powerpoint/2010/main" val="1213753623"/>
+                <p14:modId xmlns:p14="http://schemas.microsoft.com/office/powerpoint/2010/main" xmlns="" val="1213753623"/>
               </p:ext>
             </p:extLst>
           </p:nvPr>
@@ -9880,7 +9897,7 @@
     </p:spTree>
     <p:extLst>
       <p:ext uri="{BB962C8B-B14F-4D97-AF65-F5344CB8AC3E}">
-        <p14:creationId xmlns="" xmlns:p14="http://schemas.microsoft.com/office/powerpoint/2010/main" val="1153504515"/>
+        <p14:creationId xmlns:p14="http://schemas.microsoft.com/office/powerpoint/2010/main" xmlns="" val="1153504515"/>
       </p:ext>
     </p:extLst>
   </p:cSld>
@@ -10050,7 +10067,7 @@
     </p:spTree>
     <p:extLst>
       <p:ext uri="{BB962C8B-B14F-4D97-AF65-F5344CB8AC3E}">
-        <p14:creationId xmlns="" xmlns:p14="http://schemas.microsoft.com/office/powerpoint/2010/main" val="664014649"/>
+        <p14:creationId xmlns:p14="http://schemas.microsoft.com/office/powerpoint/2010/main" xmlns="" val="664014649"/>
       </p:ext>
     </p:extLst>
   </p:cSld>
@@ -10122,8 +10139,35 @@
               <a:rPr lang="en-US" sz="3200" dirty="0" smtClean="0">
                 <a:hlinkClick r:id="rId2"/>
               </a:rPr>
-              <a:t>http://wiki.cs.hse.ru/ACOS_DSBA_2020/2021</a:t>
-            </a:r>
+              <a:t>http://</a:t>
+            </a:r>
+            <a:r>
+              <a:rPr lang="en-US" sz="3200" dirty="0" smtClean="0">
+                <a:hlinkClick r:id="rId2"/>
+              </a:rPr>
+              <a:t>wiki.cs.hse.ru/ACOS_DSBA_202</a:t>
+            </a:r>
+            <a:r>
+              <a:rPr lang="ru-RU" sz="3200" dirty="0" smtClean="0">
+                <a:hlinkClick r:id="rId2"/>
+              </a:rPr>
+              <a:t>1</a:t>
+            </a:r>
+            <a:r>
+              <a:rPr lang="en-US" sz="3200" dirty="0" smtClean="0">
+                <a:hlinkClick r:id="rId2"/>
+              </a:rPr>
+              <a:t>/202</a:t>
+            </a:r>
+            <a:r>
+              <a:rPr lang="ru-RU" sz="3200" dirty="0" smtClean="0">
+                <a:hlinkClick r:id="rId2"/>
+              </a:rPr>
+              <a:t>2</a:t>
+            </a:r>
+            <a:endParaRPr lang="en-US" sz="3200" dirty="0" smtClean="0">
+              <a:hlinkClick r:id="rId2"/>
+            </a:endParaRPr>
           </a:p>
           <a:p>
             <a:r>
@@ -10158,8 +10202,17 @@
               <a:rPr lang="en-US" sz="3200" dirty="0" smtClean="0">
                 <a:hlinkClick r:id="rId2"/>
               </a:rPr>
-              <a:t>https://t.me/joinchat/KNIiWh0pCrpZ11XkuwnxnQ</a:t>
-            </a:r>
+              <a:t>https://t.me/+</a:t>
+            </a:r>
+            <a:r>
+              <a:rPr lang="en-US" sz="3200" dirty="0" smtClean="0">
+                <a:hlinkClick r:id="rId2"/>
+              </a:rPr>
+              <a:t>yCC6bVYEJ1RkYmRi</a:t>
+            </a:r>
+            <a:endParaRPr lang="en-US" sz="3200" dirty="0" smtClean="0">
+              <a:hlinkClick r:id="rId2"/>
+            </a:endParaRPr>
           </a:p>
           <a:p>
             <a:pPr>
@@ -10644,7 +10697,7 @@
     </p:spTree>
     <p:extLst>
       <p:ext uri="{BB962C8B-B14F-4D97-AF65-F5344CB8AC3E}">
-        <p14:creationId xmlns="" xmlns:p14="http://schemas.microsoft.com/office/powerpoint/2010/main" val="1974197127"/>
+        <p14:creationId xmlns:p14="http://schemas.microsoft.com/office/powerpoint/2010/main" xmlns="" val="1974197127"/>
       </p:ext>
     </p:extLst>
   </p:cSld>
@@ -10738,7 +10791,7 @@
           <a:blip r:embed="rId2" cstate="print">
             <a:extLst>
               <a:ext uri="{28A0092B-C50C-407E-A947-70E740481C1C}">
-                <a14:useLocalDpi xmlns="" xmlns:a14="http://schemas.microsoft.com/office/drawing/2010/main" val="0"/>
+                <a14:useLocalDpi xmlns:a14="http://schemas.microsoft.com/office/drawing/2010/main" xmlns="" val="0"/>
               </a:ext>
             </a:extLst>
           </a:blip>
@@ -10761,14 +10814,14 @@
           </a:ln>
           <a:extLst>
             <a:ext uri="{909E8E84-426E-40DD-AFC4-6F175D3DCCD1}">
-              <a14:hiddenFill xmlns="" xmlns:a14="http://schemas.microsoft.com/office/drawing/2010/main">
+              <a14:hiddenFill xmlns:a14="http://schemas.microsoft.com/office/drawing/2010/main" xmlns="">
                 <a:solidFill>
                   <a:srgbClr val="FFFFFF"/>
                 </a:solidFill>
               </a14:hiddenFill>
             </a:ext>
             <a:ext uri="{91240B29-F687-4F45-9708-019B960494DF}">
-              <a14:hiddenLine xmlns="" xmlns:a14="http://schemas.microsoft.com/office/drawing/2010/main" w="9525">
+              <a14:hiddenLine xmlns:a14="http://schemas.microsoft.com/office/drawing/2010/main" xmlns="" w="9525">
                 <a:solidFill>
                   <a:srgbClr val="000000"/>
                 </a:solidFill>
@@ -10783,7 +10836,7 @@
     </p:spTree>
     <p:extLst>
       <p:ext uri="{BB962C8B-B14F-4D97-AF65-F5344CB8AC3E}">
-        <p14:creationId xmlns="" xmlns:p14="http://schemas.microsoft.com/office/powerpoint/2010/main" val="2270459329"/>
+        <p14:creationId xmlns:p14="http://schemas.microsoft.com/office/powerpoint/2010/main" xmlns="" val="2270459329"/>
       </p:ext>
     </p:extLst>
   </p:cSld>
@@ -10892,7 +10945,7 @@
     </p:spTree>
     <p:extLst>
       <p:ext uri="{BB962C8B-B14F-4D97-AF65-F5344CB8AC3E}">
-        <p14:creationId xmlns="" xmlns:p14="http://schemas.microsoft.com/office/powerpoint/2010/main" val="4095291685"/>
+        <p14:creationId xmlns:p14="http://schemas.microsoft.com/office/powerpoint/2010/main" xmlns="" val="4095291685"/>
       </p:ext>
     </p:extLst>
   </p:cSld>
@@ -11155,7 +11208,7 @@
     </p:spTree>
     <p:extLst>
       <p:ext uri="{BB962C8B-B14F-4D97-AF65-F5344CB8AC3E}">
-        <p14:creationId xmlns="" xmlns:p14="http://schemas.microsoft.com/office/powerpoint/2010/main" val="1324819286"/>
+        <p14:creationId xmlns:p14="http://schemas.microsoft.com/office/powerpoint/2010/main" xmlns="" val="1324819286"/>
       </p:ext>
     </p:extLst>
   </p:cSld>
@@ -11348,14 +11401,14 @@
           <a:effectLst/>
           <a:extLst>
             <a:ext uri="{909E8E84-426E-40DD-AFC4-6F175D3DCCD1}">
-              <a14:hiddenFill xmlns="" xmlns:a14="http://schemas.microsoft.com/office/drawing/2010/main">
+              <a14:hiddenFill xmlns:a14="http://schemas.microsoft.com/office/drawing/2010/main" xmlns="">
                 <a:solidFill>
                   <a:schemeClr val="accent1"/>
                 </a:solidFill>
               </a14:hiddenFill>
             </a:ext>
             <a:ext uri="{91240B29-F687-4F45-9708-019B960494DF}">
-              <a14:hiddenLine xmlns="" xmlns:a14="http://schemas.microsoft.com/office/drawing/2010/main" w="9525">
+              <a14:hiddenLine xmlns:a14="http://schemas.microsoft.com/office/drawing/2010/main" xmlns="" w="9525">
                 <a:solidFill>
                   <a:schemeClr val="tx1"/>
                 </a:solidFill>
@@ -11365,7 +11418,7 @@
               </a14:hiddenLine>
             </a:ext>
             <a:ext uri="{AF507438-7753-43E0-B8FC-AC1667EBCBE1}">
-              <a14:hiddenEffects xmlns="" xmlns:a14="http://schemas.microsoft.com/office/drawing/2010/main">
+              <a14:hiddenEffects xmlns:a14="http://schemas.microsoft.com/office/drawing/2010/main" xmlns="">
                 <a:effectLst>
                   <a:outerShdw dist="35921" dir="2700000" algn="ctr" rotWithShape="0">
                     <a:schemeClr val="bg2"/>
@@ -11473,7 +11526,7 @@
     </p:spTree>
     <p:extLst>
       <p:ext uri="{BB962C8B-B14F-4D97-AF65-F5344CB8AC3E}">
-        <p14:creationId xmlns="" xmlns:p14="http://schemas.microsoft.com/office/powerpoint/2010/main" val="3293126798"/>
+        <p14:creationId xmlns:p14="http://schemas.microsoft.com/office/powerpoint/2010/main" xmlns="" val="3293126798"/>
       </p:ext>
     </p:extLst>
   </p:cSld>
@@ -12054,7 +12107,7 @@
     </p:spTree>
     <p:extLst>
       <p:ext uri="{BB962C8B-B14F-4D97-AF65-F5344CB8AC3E}">
-        <p14:creationId xmlns="" xmlns:p14="http://schemas.microsoft.com/office/powerpoint/2010/main" val="4217875043"/>
+        <p14:creationId xmlns:p14="http://schemas.microsoft.com/office/powerpoint/2010/main" xmlns="" val="4217875043"/>
       </p:ext>
     </p:extLst>
   </p:cSld>
@@ -13429,7 +13482,7 @@
           <a:effectLst/>
           <a:extLst>
             <a:ext uri="{91240B29-F687-4F45-9708-019B960494DF}">
-              <a14:hiddenLine xmlns="" xmlns:a14="http://schemas.microsoft.com/office/drawing/2010/main" w="9525">
+              <a14:hiddenLine xmlns:a14="http://schemas.microsoft.com/office/drawing/2010/main" xmlns="" w="9525">
                 <a:solidFill>
                   <a:schemeClr val="tx1"/>
                 </a:solidFill>
@@ -13439,7 +13492,7 @@
               </a14:hiddenLine>
             </a:ext>
             <a:ext uri="{AF507438-7753-43E0-B8FC-AC1667EBCBE1}">
-              <a14:hiddenEffects xmlns="" xmlns:a14="http://schemas.microsoft.com/office/drawing/2010/main">
+              <a14:hiddenEffects xmlns:a14="http://schemas.microsoft.com/office/drawing/2010/main" xmlns="">
                 <a:effectLst>
                   <a:outerShdw dist="35921" dir="2700000" algn="ctr" rotWithShape="0">
                     <a:schemeClr val="bg2"/>
@@ -15011,7 +15064,7 @@
           <a:effectLst/>
           <a:extLst>
             <a:ext uri="{91240B29-F687-4F45-9708-019B960494DF}">
-              <a14:hiddenLine xmlns="" xmlns:a14="http://schemas.microsoft.com/office/drawing/2010/main" w="9525">
+              <a14:hiddenLine xmlns:a14="http://schemas.microsoft.com/office/drawing/2010/main" xmlns="" w="9525">
                 <a:solidFill>
                   <a:schemeClr val="tx1"/>
                 </a:solidFill>
@@ -15021,7 +15074,7 @@
               </a14:hiddenLine>
             </a:ext>
             <a:ext uri="{AF507438-7753-43E0-B8FC-AC1667EBCBE1}">
-              <a14:hiddenEffects xmlns="" xmlns:a14="http://schemas.microsoft.com/office/drawing/2010/main">
+              <a14:hiddenEffects xmlns:a14="http://schemas.microsoft.com/office/drawing/2010/main" xmlns="">
                 <a:effectLst>
                   <a:outerShdw dist="35921" dir="2700000" algn="ctr" rotWithShape="0">
                     <a:schemeClr val="bg2"/>
@@ -15070,7 +15123,7 @@
         </p:txBody>
       </p:sp>
       <mc:AlternateContent xmlns:mc="http://schemas.openxmlformats.org/markup-compatibility/2006">
-        <mc:Choice xmlns="" xmlns:a14="http://schemas.microsoft.com/office/drawing/2010/main" Requires="a14">
+        <mc:Choice xmlns:a14="http://schemas.microsoft.com/office/drawing/2010/main" xmlns="" Requires="a14">
           <p:sp>
             <p:nvSpPr>
               <p:cNvPr id="8" name="Содержимое 1"/>
@@ -15549,7 +15602,7 @@
     </p:spTree>
     <p:extLst>
       <p:ext uri="{BB962C8B-B14F-4D97-AF65-F5344CB8AC3E}">
-        <p14:creationId xmlns="" xmlns:p14="http://schemas.microsoft.com/office/powerpoint/2010/main" val="611271091"/>
+        <p14:creationId xmlns:p14="http://schemas.microsoft.com/office/powerpoint/2010/main" xmlns="" val="611271091"/>
       </p:ext>
     </p:extLst>
   </p:cSld>
@@ -15674,7 +15727,7 @@
           <a:effectLst/>
           <a:extLst>
             <a:ext uri="{91240B29-F687-4F45-9708-019B960494DF}">
-              <a14:hiddenLine xmlns="" xmlns:a14="http://schemas.microsoft.com/office/drawing/2010/main" w="9525">
+              <a14:hiddenLine xmlns:a14="http://schemas.microsoft.com/office/drawing/2010/main" xmlns="" w="9525">
                 <a:solidFill>
                   <a:schemeClr val="tx1"/>
                 </a:solidFill>
@@ -15684,7 +15737,7 @@
               </a14:hiddenLine>
             </a:ext>
             <a:ext uri="{AF507438-7753-43E0-B8FC-AC1667EBCBE1}">
-              <a14:hiddenEffects xmlns="" xmlns:a14="http://schemas.microsoft.com/office/drawing/2010/main">
+              <a14:hiddenEffects xmlns:a14="http://schemas.microsoft.com/office/drawing/2010/main" xmlns="">
                 <a:effectLst>
                   <a:outerShdw dist="35921" dir="2700000" algn="ctr" rotWithShape="0">
                     <a:schemeClr val="bg2"/>
@@ -17604,7 +17657,7 @@
         </p:txBody>
       </p:sp>
       <mc:AlternateContent xmlns:mc="http://schemas.openxmlformats.org/markup-compatibility/2006">
-        <mc:Choice xmlns="" xmlns:a14="http://schemas.microsoft.com/office/drawing/2010/main" Requires="a14">
+        <mc:Choice xmlns:a14="http://schemas.microsoft.com/office/drawing/2010/main" xmlns="" Requires="a14">
           <p:sp>
             <p:nvSpPr>
               <p:cNvPr id="6" name="Содержимое 1"/>
@@ -18083,7 +18136,7 @@
     </p:spTree>
     <p:extLst>
       <p:ext uri="{BB962C8B-B14F-4D97-AF65-F5344CB8AC3E}">
-        <p14:creationId xmlns="" xmlns:p14="http://schemas.microsoft.com/office/powerpoint/2010/main" val="476216845"/>
+        <p14:creationId xmlns:p14="http://schemas.microsoft.com/office/powerpoint/2010/main" xmlns="" val="476216845"/>
       </p:ext>
     </p:extLst>
   </p:cSld>
@@ -20081,7 +20134,7 @@
         </p:txBody>
       </p:sp>
       <mc:AlternateContent xmlns:mc="http://schemas.openxmlformats.org/markup-compatibility/2006">
-        <mc:Choice xmlns="" xmlns:a14="http://schemas.microsoft.com/office/drawing/2010/main" Requires="a14">
+        <mc:Choice xmlns:a14="http://schemas.microsoft.com/office/drawing/2010/main" xmlns="" Requires="a14">
           <p:sp>
             <p:nvSpPr>
               <p:cNvPr id="8" name="Содержимое 1"/>
@@ -20575,7 +20628,7 @@
     </p:spTree>
     <p:extLst>
       <p:ext uri="{BB962C8B-B14F-4D97-AF65-F5344CB8AC3E}">
-        <p14:creationId xmlns="" xmlns:p14="http://schemas.microsoft.com/office/powerpoint/2010/main" val="3690992376"/>
+        <p14:creationId xmlns:p14="http://schemas.microsoft.com/office/powerpoint/2010/main" xmlns="" val="3690992376"/>
       </p:ext>
     </p:extLst>
   </p:cSld>
@@ -22875,7 +22928,7 @@
     </p:spTree>
     <p:extLst>
       <p:ext uri="{BB962C8B-B14F-4D97-AF65-F5344CB8AC3E}">
-        <p14:creationId xmlns="" xmlns:p14="http://schemas.microsoft.com/office/powerpoint/2010/main" val="2808821390"/>
+        <p14:creationId xmlns:p14="http://schemas.microsoft.com/office/powerpoint/2010/main" xmlns="" val="2808821390"/>
       </p:ext>
     </p:extLst>
   </p:cSld>
@@ -23167,7 +23220,7 @@
   <a:extraClrSchemeLst/>
   <a:extLst>
     <a:ext uri="{05A4C25C-085E-4340-85A3-A5531E510DB2}">
-      <thm15:themeFamily xmlns="" xmlns:thm15="http://schemas.microsoft.com/office/thememl/2012/main" name="Office Theme" id="{62F939B6-93AF-4DB8-9C6B-D6C7DFDC589F}" vid="{4A3C46E8-61CC-4603-A589-7422A47A8E4A}"/>
+      <thm15:themeFamily xmlns:thm15="http://schemas.microsoft.com/office/thememl/2012/main" xmlns="" name="Office Theme" id="{62F939B6-93AF-4DB8-9C6B-D6C7DFDC589F}" vid="{4A3C46E8-61CC-4603-A589-7422A47A8E4A}"/>
     </a:ext>
   </a:extLst>
 </a:theme>
@@ -23428,7 +23481,7 @@
   <a:extraClrSchemeLst/>
   <a:extLst>
     <a:ext uri="{05A4C25C-085E-4340-85A3-A5531E510DB2}">
-      <thm15:themeFamily xmlns="" xmlns:thm15="http://schemas.microsoft.com/office/thememl/2012/main" name="Office Theme" id="{62F939B6-93AF-4DB8-9C6B-D6C7DFDC589F}" vid="{4A3C46E8-61CC-4603-A589-7422A47A8E4A}"/>
+      <thm15:themeFamily xmlns:thm15="http://schemas.microsoft.com/office/thememl/2012/main" xmlns="" name="Office Theme" id="{62F939B6-93AF-4DB8-9C6B-D6C7DFDC589F}" vid="{4A3C46E8-61CC-4603-A589-7422A47A8E4A}"/>
     </a:ext>
   </a:extLst>
 </a:theme>
@@ -23689,7 +23742,7 @@
   <a:extraClrSchemeLst/>
   <a:extLst>
     <a:ext uri="{05A4C25C-085E-4340-85A3-A5531E510DB2}">
-      <thm15:themeFamily xmlns="" xmlns:thm15="http://schemas.microsoft.com/office/thememl/2012/main" name="Office Theme" id="{62F939B6-93AF-4DB8-9C6B-D6C7DFDC589F}" vid="{4A3C46E8-61CC-4603-A589-7422A47A8E4A}"/>
+      <thm15:themeFamily xmlns:thm15="http://schemas.microsoft.com/office/thememl/2012/main" xmlns="" name="Office Theme" id="{62F939B6-93AF-4DB8-9C6B-D6C7DFDC589F}" vid="{4A3C46E8-61CC-4603-A589-7422A47A8E4A}"/>
     </a:ext>
   </a:extLst>
 </a:theme>

--- a/docs/part1ca/01_Introduction/CA_Lecture_01.pptx
+++ b/docs/part1ca/01_Introduction/CA_Lecture_01.pptx
@@ -136,7 +136,7 @@
   </p:defaultTextStyle>
   <p:extLst>
     <p:ext uri="{EFAFB233-063F-42B5-8137-9DF3F51BA10A}">
-      <p15:sldGuideLst xmlns:p15="http://schemas.microsoft.com/office/powerpoint/2012/main" xmlns="">
+      <p15:sldGuideLst xmlns="" xmlns:p15="http://schemas.microsoft.com/office/powerpoint/2012/main">
         <p15:guide id="1" orient="horz" pos="2160">
           <p15:clr>
             <a:srgbClr val="A4A3A4"/>
@@ -150,7 +150,7 @@
       </p15:sldGuideLst>
     </p:ext>
     <p:ext uri="{2D200454-40CA-4A62-9FC3-DE9A4176ACB9}">
-      <p15:notesGuideLst xmlns:p15="http://schemas.microsoft.com/office/powerpoint/2012/main" xmlns="">
+      <p15:notesGuideLst xmlns="" xmlns:p15="http://schemas.microsoft.com/office/powerpoint/2012/main">
         <p15:guide id="1" orient="horz" pos="2880">
           <p15:clr>
             <a:srgbClr val="A4A3A4"/>
@@ -334,7 +334,7 @@
     </p:spTree>
     <p:extLst>
       <p:ext uri="{BB962C8B-B14F-4D97-AF65-F5344CB8AC3E}">
-        <p14:creationId xmlns:p14="http://schemas.microsoft.com/office/powerpoint/2010/main" xmlns="" val="827279973"/>
+        <p14:creationId xmlns="" xmlns:p14="http://schemas.microsoft.com/office/powerpoint/2010/main" val="827279973"/>
       </p:ext>
     </p:extLst>
   </p:cSld>
@@ -595,7 +595,7 @@
     </p:spTree>
     <p:extLst>
       <p:ext uri="{BB962C8B-B14F-4D97-AF65-F5344CB8AC3E}">
-        <p14:creationId xmlns:p14="http://schemas.microsoft.com/office/powerpoint/2010/main" xmlns="" val="3865021395"/>
+        <p14:creationId xmlns="" xmlns:p14="http://schemas.microsoft.com/office/powerpoint/2010/main" val="3865021395"/>
       </p:ext>
     </p:extLst>
   </p:cSld>
@@ -809,7 +809,7 @@
     </p:spTree>
     <p:extLst>
       <p:ext uri="{BB962C8B-B14F-4D97-AF65-F5344CB8AC3E}">
-        <p14:creationId xmlns:p14="http://schemas.microsoft.com/office/powerpoint/2010/main" xmlns="" val="2381791527"/>
+        <p14:creationId xmlns="" xmlns:p14="http://schemas.microsoft.com/office/powerpoint/2010/main" val="2381791527"/>
       </p:ext>
     </p:extLst>
   </p:cSld>
@@ -932,7 +932,7 @@
     </p:spTree>
     <p:extLst>
       <p:ext uri="{BB962C8B-B14F-4D97-AF65-F5344CB8AC3E}">
-        <p14:creationId xmlns:p14="http://schemas.microsoft.com/office/powerpoint/2010/main" xmlns="" val="1915950851"/>
+        <p14:creationId xmlns="" xmlns:p14="http://schemas.microsoft.com/office/powerpoint/2010/main" val="1915950851"/>
       </p:ext>
     </p:extLst>
   </p:cSld>
@@ -1192,7 +1192,7 @@
     </p:spTree>
     <p:extLst>
       <p:ext uri="{BB962C8B-B14F-4D97-AF65-F5344CB8AC3E}">
-        <p14:creationId xmlns:p14="http://schemas.microsoft.com/office/powerpoint/2010/main" xmlns="" val="322455162"/>
+        <p14:creationId xmlns="" xmlns:p14="http://schemas.microsoft.com/office/powerpoint/2010/main" val="322455162"/>
       </p:ext>
     </p:extLst>
   </p:cSld>
@@ -1366,7 +1366,7 @@
     </p:spTree>
     <p:extLst>
       <p:ext uri="{BB962C8B-B14F-4D97-AF65-F5344CB8AC3E}">
-        <p14:creationId xmlns:p14="http://schemas.microsoft.com/office/powerpoint/2010/main" xmlns="" val="971117636"/>
+        <p14:creationId xmlns="" xmlns:p14="http://schemas.microsoft.com/office/powerpoint/2010/main" val="971117636"/>
       </p:ext>
     </p:extLst>
   </p:cSld>
@@ -1543,7 +1543,7 @@
     </p:spTree>
     <p:extLst>
       <p:ext uri="{BB962C8B-B14F-4D97-AF65-F5344CB8AC3E}">
-        <p14:creationId xmlns:p14="http://schemas.microsoft.com/office/powerpoint/2010/main" xmlns="" val="3348877825"/>
+        <p14:creationId xmlns="" xmlns:p14="http://schemas.microsoft.com/office/powerpoint/2010/main" val="3348877825"/>
       </p:ext>
     </p:extLst>
   </p:cSld>
@@ -1868,7 +1868,7 @@
     </p:spTree>
     <p:extLst>
       <p:ext uri="{BB962C8B-B14F-4D97-AF65-F5344CB8AC3E}">
-        <p14:creationId xmlns:p14="http://schemas.microsoft.com/office/powerpoint/2010/main" xmlns="" val="3256953994"/>
+        <p14:creationId xmlns="" xmlns:p14="http://schemas.microsoft.com/office/powerpoint/2010/main" val="3256953994"/>
       </p:ext>
     </p:extLst>
   </p:cSld>
@@ -2118,7 +2118,7 @@
     </p:spTree>
     <p:extLst>
       <p:ext uri="{BB962C8B-B14F-4D97-AF65-F5344CB8AC3E}">
-        <p14:creationId xmlns:p14="http://schemas.microsoft.com/office/powerpoint/2010/main" xmlns="" val="3067076846"/>
+        <p14:creationId xmlns="" xmlns:p14="http://schemas.microsoft.com/office/powerpoint/2010/main" val="3067076846"/>
       </p:ext>
     </p:extLst>
   </p:cSld>
@@ -2354,7 +2354,7 @@
     </p:spTree>
     <p:extLst>
       <p:ext uri="{BB962C8B-B14F-4D97-AF65-F5344CB8AC3E}">
-        <p14:creationId xmlns:p14="http://schemas.microsoft.com/office/powerpoint/2010/main" xmlns="" val="3710015975"/>
+        <p14:creationId xmlns="" xmlns:p14="http://schemas.microsoft.com/office/powerpoint/2010/main" val="3710015975"/>
       </p:ext>
     </p:extLst>
   </p:cSld>
@@ -2725,7 +2725,7 @@
     </p:spTree>
     <p:extLst>
       <p:ext uri="{BB962C8B-B14F-4D97-AF65-F5344CB8AC3E}">
-        <p14:creationId xmlns:p14="http://schemas.microsoft.com/office/powerpoint/2010/main" xmlns="" val="4075590966"/>
+        <p14:creationId xmlns="" xmlns:p14="http://schemas.microsoft.com/office/powerpoint/2010/main" val="4075590966"/>
       </p:ext>
     </p:extLst>
   </p:cSld>
@@ -2847,7 +2847,7 @@
     </p:spTree>
     <p:extLst>
       <p:ext uri="{BB962C8B-B14F-4D97-AF65-F5344CB8AC3E}">
-        <p14:creationId xmlns:p14="http://schemas.microsoft.com/office/powerpoint/2010/main" xmlns="" val="2889604898"/>
+        <p14:creationId xmlns="" xmlns:p14="http://schemas.microsoft.com/office/powerpoint/2010/main" val="2889604898"/>
       </p:ext>
     </p:extLst>
   </p:cSld>
@@ -2946,7 +2946,7 @@
     </p:spTree>
     <p:extLst>
       <p:ext uri="{BB962C8B-B14F-4D97-AF65-F5344CB8AC3E}">
-        <p14:creationId xmlns:p14="http://schemas.microsoft.com/office/powerpoint/2010/main" xmlns="" val="152384765"/>
+        <p14:creationId xmlns="" xmlns:p14="http://schemas.microsoft.com/office/powerpoint/2010/main" val="152384765"/>
       </p:ext>
     </p:extLst>
   </p:cSld>
@@ -3227,7 +3227,7 @@
     </p:spTree>
     <p:extLst>
       <p:ext uri="{BB962C8B-B14F-4D97-AF65-F5344CB8AC3E}">
-        <p14:creationId xmlns:p14="http://schemas.microsoft.com/office/powerpoint/2010/main" xmlns="" val="2127791886"/>
+        <p14:creationId xmlns="" xmlns:p14="http://schemas.microsoft.com/office/powerpoint/2010/main" val="2127791886"/>
       </p:ext>
     </p:extLst>
   </p:cSld>
@@ -3484,7 +3484,7 @@
     </p:spTree>
     <p:extLst>
       <p:ext uri="{BB962C8B-B14F-4D97-AF65-F5344CB8AC3E}">
-        <p14:creationId xmlns:p14="http://schemas.microsoft.com/office/powerpoint/2010/main" xmlns="" val="1752705130"/>
+        <p14:creationId xmlns="" xmlns:p14="http://schemas.microsoft.com/office/powerpoint/2010/main" val="1752705130"/>
       </p:ext>
     </p:extLst>
   </p:cSld>
@@ -3737,7 +3737,7 @@
     </p:spTree>
     <p:extLst>
       <p:ext uri="{BB962C8B-B14F-4D97-AF65-F5344CB8AC3E}">
-        <p14:creationId xmlns:p14="http://schemas.microsoft.com/office/powerpoint/2010/main" xmlns="" val="968833914"/>
+        <p14:creationId xmlns="" xmlns:p14="http://schemas.microsoft.com/office/powerpoint/2010/main" val="968833914"/>
       </p:ext>
     </p:extLst>
   </p:cSld>
@@ -4184,25 +4184,8 @@
                 <a:latin typeface="+mj-lt"/>
                 <a:cs typeface="Calibri" pitchFamily="34" charset="0"/>
               </a:rPr>
-              <a:t>andrewt0301</a:t>
-            </a:r>
-            <a:r>
-              <a:rPr lang="en-US" sz="2800" b="1" u="sng" dirty="0" smtClean="0">
-                <a:solidFill>
-                  <a:srgbClr val="0070C0"/>
-                </a:solidFill>
-                <a:latin typeface="+mj-lt"/>
-                <a:cs typeface="Calibri" pitchFamily="34" charset="0"/>
-              </a:rPr>
-              <a:t>@gmail.com </a:t>
-            </a:r>
-            <a:endParaRPr lang="en-US" sz="2800" b="1" u="sng" dirty="0" smtClean="0">
-              <a:solidFill>
-                <a:srgbClr val="0070C0"/>
-              </a:solidFill>
-              <a:latin typeface="+mj-lt"/>
-              <a:cs typeface="Calibri" pitchFamily="34" charset="0"/>
-            </a:endParaRPr>
+              <a:t>andrewt0301@gmail.com </a:t>
+            </a:r>
           </a:p>
           <a:p>
             <a:pPr algn="ctr">
@@ -4231,7 +4214,7 @@
     </p:spTree>
     <p:extLst>
       <p:ext uri="{BB962C8B-B14F-4D97-AF65-F5344CB8AC3E}">
-        <p14:creationId xmlns:p14="http://schemas.microsoft.com/office/powerpoint/2010/main" xmlns="" val="2492894732"/>
+        <p14:creationId xmlns="" xmlns:p14="http://schemas.microsoft.com/office/powerpoint/2010/main" val="2492894732"/>
       </p:ext>
     </p:extLst>
   </p:cSld>
@@ -4275,7 +4258,7 @@
             <p:ph idx="1"/>
             <p:extLst>
               <p:ext uri="{D42A27DB-BD31-4B8C-83A1-F6EECF244321}">
-                <p14:modId xmlns:p14="http://schemas.microsoft.com/office/powerpoint/2010/main" xmlns="" val="2853019934"/>
+                <p14:modId xmlns="" xmlns:p14="http://schemas.microsoft.com/office/powerpoint/2010/main" val="2853019934"/>
               </p:ext>
             </p:extLst>
           </p:nvPr>
@@ -4709,7 +4692,7 @@
         </p:txBody>
       </p:sp>
       <mc:AlternateContent xmlns:mc="http://schemas.openxmlformats.org/markup-compatibility/2006">
-        <mc:Choice xmlns:a14="http://schemas.microsoft.com/office/drawing/2010/main" xmlns="" Requires="a14">
+        <mc:Choice xmlns="" xmlns:a14="http://schemas.microsoft.com/office/drawing/2010/main" Requires="a14">
           <p:sp>
             <p:nvSpPr>
               <p:cNvPr id="6" name="Rectangle 5"/>
@@ -4900,7 +4883,7 @@
     </p:spTree>
     <p:extLst>
       <p:ext uri="{BB962C8B-B14F-4D97-AF65-F5344CB8AC3E}">
-        <p14:creationId xmlns:p14="http://schemas.microsoft.com/office/powerpoint/2010/main" xmlns="" val="1319878854"/>
+        <p14:creationId xmlns="" xmlns:p14="http://schemas.microsoft.com/office/powerpoint/2010/main" val="1319878854"/>
       </p:ext>
     </p:extLst>
   </p:cSld>
@@ -4992,7 +4975,7 @@
             <p:ph idx="1"/>
             <p:extLst>
               <p:ext uri="{D42A27DB-BD31-4B8C-83A1-F6EECF244321}">
-                <p14:modId xmlns:p14="http://schemas.microsoft.com/office/powerpoint/2010/main" xmlns="" val="895195415"/>
+                <p14:modId xmlns="" xmlns:p14="http://schemas.microsoft.com/office/powerpoint/2010/main" val="895195415"/>
               </p:ext>
             </p:extLst>
           </p:nvPr>
@@ -5296,7 +5279,7 @@
     </p:spTree>
     <p:extLst>
       <p:ext uri="{BB962C8B-B14F-4D97-AF65-F5344CB8AC3E}">
-        <p14:creationId xmlns:p14="http://schemas.microsoft.com/office/powerpoint/2010/main" xmlns="" val="1991606056"/>
+        <p14:creationId xmlns="" xmlns:p14="http://schemas.microsoft.com/office/powerpoint/2010/main" val="1991606056"/>
       </p:ext>
     </p:extLst>
   </p:cSld>
@@ -5464,7 +5447,7 @@
           <a:blip r:embed="rId2" cstate="print">
             <a:extLst>
               <a:ext uri="{28A0092B-C50C-407E-A947-70E740481C1C}">
-                <a14:useLocalDpi xmlns:a14="http://schemas.microsoft.com/office/drawing/2010/main" xmlns="" val="0"/>
+                <a14:useLocalDpi xmlns="" xmlns:a14="http://schemas.microsoft.com/office/drawing/2010/main" val="0"/>
               </a:ext>
             </a:extLst>
           </a:blip>
@@ -5484,7 +5467,7 @@
           <a:noFill/>
           <a:extLst>
             <a:ext uri="{909E8E84-426E-40DD-AFC4-6F175D3DCCD1}">
-              <a14:hiddenFill xmlns:a14="http://schemas.microsoft.com/office/drawing/2010/main" xmlns="">
+              <a14:hiddenFill xmlns="" xmlns:a14="http://schemas.microsoft.com/office/drawing/2010/main">
                 <a:solidFill>
                   <a:srgbClr val="FFFFFF"/>
                 </a:solidFill>
@@ -5496,7 +5479,7 @@
     </p:spTree>
     <p:extLst>
       <p:ext uri="{BB962C8B-B14F-4D97-AF65-F5344CB8AC3E}">
-        <p14:creationId xmlns:p14="http://schemas.microsoft.com/office/powerpoint/2010/main" xmlns="" val="1147934676"/>
+        <p14:creationId xmlns="" xmlns:p14="http://schemas.microsoft.com/office/powerpoint/2010/main" val="1147934676"/>
       </p:ext>
     </p:extLst>
   </p:cSld>
@@ -6394,7 +6377,7 @@
           <a:blip r:embed="rId2" cstate="print">
             <a:extLst>
               <a:ext uri="{28A0092B-C50C-407E-A947-70E740481C1C}">
-                <a14:useLocalDpi xmlns:a14="http://schemas.microsoft.com/office/drawing/2010/main" xmlns="" val="0"/>
+                <a14:useLocalDpi xmlns="" xmlns:a14="http://schemas.microsoft.com/office/drawing/2010/main" val="0"/>
               </a:ext>
             </a:extLst>
           </a:blip>
@@ -6414,7 +6397,7 @@
           <a:noFill/>
           <a:extLst>
             <a:ext uri="{909E8E84-426E-40DD-AFC4-6F175D3DCCD1}">
-              <a14:hiddenFill xmlns:a14="http://schemas.microsoft.com/office/drawing/2010/main" xmlns="">
+              <a14:hiddenFill xmlns="" xmlns:a14="http://schemas.microsoft.com/office/drawing/2010/main">
                 <a:solidFill>
                   <a:srgbClr val="FFFFFF"/>
                 </a:solidFill>
@@ -6426,7 +6409,7 @@
     </p:spTree>
     <p:extLst>
       <p:ext uri="{BB962C8B-B14F-4D97-AF65-F5344CB8AC3E}">
-        <p14:creationId xmlns:p14="http://schemas.microsoft.com/office/powerpoint/2010/main" xmlns="" val="2950914556"/>
+        <p14:creationId xmlns="" xmlns:p14="http://schemas.microsoft.com/office/powerpoint/2010/main" val="2950914556"/>
       </p:ext>
     </p:extLst>
   </p:cSld>
@@ -6472,7 +6455,7 @@
           <a:blip r:embed="rId2" cstate="print">
             <a:extLst>
               <a:ext uri="{28A0092B-C50C-407E-A947-70E740481C1C}">
-                <a14:useLocalDpi xmlns:a14="http://schemas.microsoft.com/office/drawing/2010/main" xmlns="" val="0"/>
+                <a14:useLocalDpi xmlns="" xmlns:a14="http://schemas.microsoft.com/office/drawing/2010/main" val="0"/>
               </a:ext>
             </a:extLst>
           </a:blip>
@@ -6492,7 +6475,7 @@
           <a:noFill/>
           <a:extLst>
             <a:ext uri="{909E8E84-426E-40DD-AFC4-6F175D3DCCD1}">
-              <a14:hiddenFill xmlns:a14="http://schemas.microsoft.com/office/drawing/2010/main" xmlns="">
+              <a14:hiddenFill xmlns="" xmlns:a14="http://schemas.microsoft.com/office/drawing/2010/main">
                 <a:solidFill>
                   <a:srgbClr val="FFFFFF"/>
                 </a:solidFill>
@@ -7065,7 +7048,7 @@
     </p:spTree>
     <p:extLst>
       <p:ext uri="{BB962C8B-B14F-4D97-AF65-F5344CB8AC3E}">
-        <p14:creationId xmlns:p14="http://schemas.microsoft.com/office/powerpoint/2010/main" xmlns="" val="4087179089"/>
+        <p14:creationId xmlns="" xmlns:p14="http://schemas.microsoft.com/office/powerpoint/2010/main" val="4087179089"/>
       </p:ext>
     </p:extLst>
   </p:cSld>
@@ -7271,7 +7254,7 @@
           <a:blip r:embed="rId2" cstate="print">
             <a:extLst>
               <a:ext uri="{28A0092B-C50C-407E-A947-70E740481C1C}">
-                <a14:useLocalDpi xmlns:a14="http://schemas.microsoft.com/office/drawing/2010/main" xmlns="" val="0"/>
+                <a14:useLocalDpi xmlns="" xmlns:a14="http://schemas.microsoft.com/office/drawing/2010/main" val="0"/>
               </a:ext>
             </a:extLst>
           </a:blip>
@@ -7291,7 +7274,7 @@
           <a:noFill/>
           <a:extLst>
             <a:ext uri="{909E8E84-426E-40DD-AFC4-6F175D3DCCD1}">
-              <a14:hiddenFill xmlns:a14="http://schemas.microsoft.com/office/drawing/2010/main" xmlns="">
+              <a14:hiddenFill xmlns="" xmlns:a14="http://schemas.microsoft.com/office/drawing/2010/main">
                 <a:solidFill>
                   <a:srgbClr val="FFFFFF"/>
                 </a:solidFill>
@@ -7312,7 +7295,7 @@
           <a:blip r:embed="rId3" cstate="print">
             <a:extLst>
               <a:ext uri="{28A0092B-C50C-407E-A947-70E740481C1C}">
-                <a14:useLocalDpi xmlns:a14="http://schemas.microsoft.com/office/drawing/2010/main" xmlns="" val="0"/>
+                <a14:useLocalDpi xmlns="" xmlns:a14="http://schemas.microsoft.com/office/drawing/2010/main" val="0"/>
               </a:ext>
             </a:extLst>
           </a:blip>
@@ -7332,7 +7315,7 @@
           <a:noFill/>
           <a:extLst>
             <a:ext uri="{909E8E84-426E-40DD-AFC4-6F175D3DCCD1}">
-              <a14:hiddenFill xmlns:a14="http://schemas.microsoft.com/office/drawing/2010/main" xmlns="">
+              <a14:hiddenFill xmlns="" xmlns:a14="http://schemas.microsoft.com/office/drawing/2010/main">
                 <a:solidFill>
                   <a:srgbClr val="FFFFFF"/>
                 </a:solidFill>
@@ -7344,7 +7327,7 @@
     </p:spTree>
     <p:extLst>
       <p:ext uri="{BB962C8B-B14F-4D97-AF65-F5344CB8AC3E}">
-        <p14:creationId xmlns:p14="http://schemas.microsoft.com/office/powerpoint/2010/main" xmlns="" val="4020093932"/>
+        <p14:creationId xmlns="" xmlns:p14="http://schemas.microsoft.com/office/powerpoint/2010/main" val="4020093932"/>
       </p:ext>
     </p:extLst>
   </p:cSld>
@@ -7557,7 +7540,7 @@
           <a:blip r:embed="rId2" cstate="print">
             <a:extLst>
               <a:ext uri="{28A0092B-C50C-407E-A947-70E740481C1C}">
-                <a14:useLocalDpi xmlns:a14="http://schemas.microsoft.com/office/drawing/2010/main" xmlns="" val="0"/>
+                <a14:useLocalDpi xmlns="" xmlns:a14="http://schemas.microsoft.com/office/drawing/2010/main" val="0"/>
               </a:ext>
             </a:extLst>
           </a:blip>
@@ -7580,14 +7563,14 @@
           </a:ln>
           <a:extLst>
             <a:ext uri="{909E8E84-426E-40DD-AFC4-6F175D3DCCD1}">
-              <a14:hiddenFill xmlns:a14="http://schemas.microsoft.com/office/drawing/2010/main" xmlns="">
+              <a14:hiddenFill xmlns="" xmlns:a14="http://schemas.microsoft.com/office/drawing/2010/main">
                 <a:solidFill>
                   <a:srgbClr val="FFFFFF"/>
                 </a:solidFill>
               </a14:hiddenFill>
             </a:ext>
             <a:ext uri="{91240B29-F687-4F45-9708-019B960494DF}">
-              <a14:hiddenLine xmlns:a14="http://schemas.microsoft.com/office/drawing/2010/main" xmlns="" w="9525">
+              <a14:hiddenLine xmlns="" xmlns:a14="http://schemas.microsoft.com/office/drawing/2010/main" w="9525">
                 <a:solidFill>
                   <a:srgbClr val="000000"/>
                 </a:solidFill>
@@ -7602,7 +7585,7 @@
     </p:spTree>
     <p:extLst>
       <p:ext uri="{BB962C8B-B14F-4D97-AF65-F5344CB8AC3E}">
-        <p14:creationId xmlns:p14="http://schemas.microsoft.com/office/powerpoint/2010/main" xmlns="" val="3856844071"/>
+        <p14:creationId xmlns="" xmlns:p14="http://schemas.microsoft.com/office/powerpoint/2010/main" val="3856844071"/>
       </p:ext>
     </p:extLst>
   </p:cSld>
@@ -7648,7 +7631,7 @@
           <a:blip r:embed="rId2" cstate="print">
             <a:extLst>
               <a:ext uri="{28A0092B-C50C-407E-A947-70E740481C1C}">
-                <a14:useLocalDpi xmlns:a14="http://schemas.microsoft.com/office/drawing/2010/main" xmlns="" val="0"/>
+                <a14:useLocalDpi xmlns="" xmlns:a14="http://schemas.microsoft.com/office/drawing/2010/main" val="0"/>
               </a:ext>
             </a:extLst>
           </a:blip>
@@ -7671,14 +7654,14 @@
           </a:ln>
           <a:extLst>
             <a:ext uri="{909E8E84-426E-40DD-AFC4-6F175D3DCCD1}">
-              <a14:hiddenFill xmlns:a14="http://schemas.microsoft.com/office/drawing/2010/main" xmlns="">
+              <a14:hiddenFill xmlns="" xmlns:a14="http://schemas.microsoft.com/office/drawing/2010/main">
                 <a:solidFill>
                   <a:srgbClr val="FFFFFF"/>
                 </a:solidFill>
               </a14:hiddenFill>
             </a:ext>
             <a:ext uri="{91240B29-F687-4F45-9708-019B960494DF}">
-              <a14:hiddenLine xmlns:a14="http://schemas.microsoft.com/office/drawing/2010/main" xmlns="" w="9525">
+              <a14:hiddenLine xmlns="" xmlns:a14="http://schemas.microsoft.com/office/drawing/2010/main" w="9525">
                 <a:solidFill>
                   <a:srgbClr val="000000"/>
                 </a:solidFill>
@@ -8184,7 +8167,7 @@
           <p:nvPr>
             <p:extLst>
               <p:ext uri="{D42A27DB-BD31-4B8C-83A1-F6EECF244321}">
-                <p14:modId xmlns:p14="http://schemas.microsoft.com/office/powerpoint/2010/main" xmlns="" val="1213753623"/>
+                <p14:modId xmlns="" xmlns:p14="http://schemas.microsoft.com/office/powerpoint/2010/main" val="1213753623"/>
               </p:ext>
             </p:extLst>
           </p:nvPr>
@@ -9897,7 +9880,7 @@
     </p:spTree>
     <p:extLst>
       <p:ext uri="{BB962C8B-B14F-4D97-AF65-F5344CB8AC3E}">
-        <p14:creationId xmlns:p14="http://schemas.microsoft.com/office/powerpoint/2010/main" xmlns="" val="1153504515"/>
+        <p14:creationId xmlns="" xmlns:p14="http://schemas.microsoft.com/office/powerpoint/2010/main" val="1153504515"/>
       </p:ext>
     </p:extLst>
   </p:cSld>
@@ -10067,7 +10050,7 @@
     </p:spTree>
     <p:extLst>
       <p:ext uri="{BB962C8B-B14F-4D97-AF65-F5344CB8AC3E}">
-        <p14:creationId xmlns:p14="http://schemas.microsoft.com/office/powerpoint/2010/main" xmlns="" val="664014649"/>
+        <p14:creationId xmlns="" xmlns:p14="http://schemas.microsoft.com/office/powerpoint/2010/main" val="664014649"/>
       </p:ext>
     </p:extLst>
   </p:cSld>
@@ -10137,31 +10120,25 @@
             </a:pPr>
             <a:r>
               <a:rPr lang="en-US" sz="3200" dirty="0" smtClean="0">
-                <a:hlinkClick r:id="rId2"/>
-              </a:rPr>
-              <a:t>http://</a:t>
+                <a:hlinkClick r:id="rId3"/>
+              </a:rPr>
+              <a:t>http://wiki.cs.hse.ru/ACOS_DSBA_202</a:t>
+            </a:r>
+            <a:r>
+              <a:rPr lang="ru-RU" sz="3200" dirty="0" smtClean="0">
+                <a:hlinkClick r:id="rId3"/>
+              </a:rPr>
+              <a:t>1</a:t>
             </a:r>
             <a:r>
               <a:rPr lang="en-US" sz="3200" dirty="0" smtClean="0">
-                <a:hlinkClick r:id="rId2"/>
-              </a:rPr>
-              <a:t>wiki.cs.hse.ru/ACOS_DSBA_202</a:t>
+                <a:hlinkClick r:id="rId3"/>
+              </a:rPr>
+              <a:t>/202</a:t>
             </a:r>
             <a:r>
               <a:rPr lang="ru-RU" sz="3200" dirty="0" smtClean="0">
-                <a:hlinkClick r:id="rId2"/>
-              </a:rPr>
-              <a:t>1</a:t>
-            </a:r>
-            <a:r>
-              <a:rPr lang="en-US" sz="3200" dirty="0" smtClean="0">
-                <a:hlinkClick r:id="rId2"/>
-              </a:rPr>
-              <a:t>/202</a:t>
-            </a:r>
-            <a:r>
-              <a:rPr lang="ru-RU" sz="3200" dirty="0" smtClean="0">
-                <a:hlinkClick r:id="rId2"/>
+                <a:hlinkClick r:id="rId3"/>
               </a:rPr>
               <a:t>2</a:t>
             </a:r>
@@ -10202,17 +10179,8 @@
               <a:rPr lang="en-US" sz="3200" dirty="0" smtClean="0">
                 <a:hlinkClick r:id="rId2"/>
               </a:rPr>
-              <a:t>https://t.me/+</a:t>
-            </a:r>
-            <a:r>
-              <a:rPr lang="en-US" sz="3200" dirty="0" smtClean="0">
-                <a:hlinkClick r:id="rId2"/>
-              </a:rPr>
-              <a:t>yCC6bVYEJ1RkYmRi</a:t>
-            </a:r>
-            <a:endParaRPr lang="en-US" sz="3200" dirty="0" smtClean="0">
-              <a:hlinkClick r:id="rId2"/>
-            </a:endParaRPr>
+              <a:t>https://t.me/+yCC6bVYEJ1RkYmRi</a:t>
+            </a:r>
           </a:p>
           <a:p>
             <a:pPr>
@@ -10279,7 +10247,7 @@
           <p:nvPr/>
         </p:nvPicPr>
         <p:blipFill>
-          <a:blip r:embed="rId3" cstate="print"/>
+          <a:blip r:embed="rId4" cstate="print"/>
           <a:stretch>
             <a:fillRect/>
           </a:stretch>
@@ -10697,7 +10665,7 @@
     </p:spTree>
     <p:extLst>
       <p:ext uri="{BB962C8B-B14F-4D97-AF65-F5344CB8AC3E}">
-        <p14:creationId xmlns:p14="http://schemas.microsoft.com/office/powerpoint/2010/main" xmlns="" val="1974197127"/>
+        <p14:creationId xmlns="" xmlns:p14="http://schemas.microsoft.com/office/powerpoint/2010/main" val="1974197127"/>
       </p:ext>
     </p:extLst>
   </p:cSld>
@@ -10791,7 +10759,7 @@
           <a:blip r:embed="rId2" cstate="print">
             <a:extLst>
               <a:ext uri="{28A0092B-C50C-407E-A947-70E740481C1C}">
-                <a14:useLocalDpi xmlns:a14="http://schemas.microsoft.com/office/drawing/2010/main" xmlns="" val="0"/>
+                <a14:useLocalDpi xmlns="" xmlns:a14="http://schemas.microsoft.com/office/drawing/2010/main" val="0"/>
               </a:ext>
             </a:extLst>
           </a:blip>
@@ -10814,14 +10782,14 @@
           </a:ln>
           <a:extLst>
             <a:ext uri="{909E8E84-426E-40DD-AFC4-6F175D3DCCD1}">
-              <a14:hiddenFill xmlns:a14="http://schemas.microsoft.com/office/drawing/2010/main" xmlns="">
+              <a14:hiddenFill xmlns="" xmlns:a14="http://schemas.microsoft.com/office/drawing/2010/main">
                 <a:solidFill>
                   <a:srgbClr val="FFFFFF"/>
                 </a:solidFill>
               </a14:hiddenFill>
             </a:ext>
             <a:ext uri="{91240B29-F687-4F45-9708-019B960494DF}">
-              <a14:hiddenLine xmlns:a14="http://schemas.microsoft.com/office/drawing/2010/main" xmlns="" w="9525">
+              <a14:hiddenLine xmlns="" xmlns:a14="http://schemas.microsoft.com/office/drawing/2010/main" w="9525">
                 <a:solidFill>
                   <a:srgbClr val="000000"/>
                 </a:solidFill>
@@ -10836,7 +10804,7 @@
     </p:spTree>
     <p:extLst>
       <p:ext uri="{BB962C8B-B14F-4D97-AF65-F5344CB8AC3E}">
-        <p14:creationId xmlns:p14="http://schemas.microsoft.com/office/powerpoint/2010/main" xmlns="" val="2270459329"/>
+        <p14:creationId xmlns="" xmlns:p14="http://schemas.microsoft.com/office/powerpoint/2010/main" val="2270459329"/>
       </p:ext>
     </p:extLst>
   </p:cSld>
@@ -10945,7 +10913,7 @@
     </p:spTree>
     <p:extLst>
       <p:ext uri="{BB962C8B-B14F-4D97-AF65-F5344CB8AC3E}">
-        <p14:creationId xmlns:p14="http://schemas.microsoft.com/office/powerpoint/2010/main" xmlns="" val="4095291685"/>
+        <p14:creationId xmlns="" xmlns:p14="http://schemas.microsoft.com/office/powerpoint/2010/main" val="4095291685"/>
       </p:ext>
     </p:extLst>
   </p:cSld>
@@ -11208,7 +11176,7 @@
     </p:spTree>
     <p:extLst>
       <p:ext uri="{BB962C8B-B14F-4D97-AF65-F5344CB8AC3E}">
-        <p14:creationId xmlns:p14="http://schemas.microsoft.com/office/powerpoint/2010/main" xmlns="" val="1324819286"/>
+        <p14:creationId xmlns="" xmlns:p14="http://schemas.microsoft.com/office/powerpoint/2010/main" val="1324819286"/>
       </p:ext>
     </p:extLst>
   </p:cSld>
@@ -11401,14 +11369,14 @@
           <a:effectLst/>
           <a:extLst>
             <a:ext uri="{909E8E84-426E-40DD-AFC4-6F175D3DCCD1}">
-              <a14:hiddenFill xmlns:a14="http://schemas.microsoft.com/office/drawing/2010/main" xmlns="">
+              <a14:hiddenFill xmlns="" xmlns:a14="http://schemas.microsoft.com/office/drawing/2010/main">
                 <a:solidFill>
                   <a:schemeClr val="accent1"/>
                 </a:solidFill>
               </a14:hiddenFill>
             </a:ext>
             <a:ext uri="{91240B29-F687-4F45-9708-019B960494DF}">
-              <a14:hiddenLine xmlns:a14="http://schemas.microsoft.com/office/drawing/2010/main" xmlns="" w="9525">
+              <a14:hiddenLine xmlns="" xmlns:a14="http://schemas.microsoft.com/office/drawing/2010/main" w="9525">
                 <a:solidFill>
                   <a:schemeClr val="tx1"/>
                 </a:solidFill>
@@ -11418,7 +11386,7 @@
               </a14:hiddenLine>
             </a:ext>
             <a:ext uri="{AF507438-7753-43E0-B8FC-AC1667EBCBE1}">
-              <a14:hiddenEffects xmlns:a14="http://schemas.microsoft.com/office/drawing/2010/main" xmlns="">
+              <a14:hiddenEffects xmlns="" xmlns:a14="http://schemas.microsoft.com/office/drawing/2010/main">
                 <a:effectLst>
                   <a:outerShdw dist="35921" dir="2700000" algn="ctr" rotWithShape="0">
                     <a:schemeClr val="bg2"/>
@@ -11526,7 +11494,7 @@
     </p:spTree>
     <p:extLst>
       <p:ext uri="{BB962C8B-B14F-4D97-AF65-F5344CB8AC3E}">
-        <p14:creationId xmlns:p14="http://schemas.microsoft.com/office/powerpoint/2010/main" xmlns="" val="3293126798"/>
+        <p14:creationId xmlns="" xmlns:p14="http://schemas.microsoft.com/office/powerpoint/2010/main" val="3293126798"/>
       </p:ext>
     </p:extLst>
   </p:cSld>
@@ -12107,7 +12075,7 @@
     </p:spTree>
     <p:extLst>
       <p:ext uri="{BB962C8B-B14F-4D97-AF65-F5344CB8AC3E}">
-        <p14:creationId xmlns:p14="http://schemas.microsoft.com/office/powerpoint/2010/main" xmlns="" val="4217875043"/>
+        <p14:creationId xmlns="" xmlns:p14="http://schemas.microsoft.com/office/powerpoint/2010/main" val="4217875043"/>
       </p:ext>
     </p:extLst>
   </p:cSld>
@@ -13482,7 +13450,7 @@
           <a:effectLst/>
           <a:extLst>
             <a:ext uri="{91240B29-F687-4F45-9708-019B960494DF}">
-              <a14:hiddenLine xmlns:a14="http://schemas.microsoft.com/office/drawing/2010/main" xmlns="" w="9525">
+              <a14:hiddenLine xmlns="" xmlns:a14="http://schemas.microsoft.com/office/drawing/2010/main" w="9525">
                 <a:solidFill>
                   <a:schemeClr val="tx1"/>
                 </a:solidFill>
@@ -13492,7 +13460,7 @@
               </a14:hiddenLine>
             </a:ext>
             <a:ext uri="{AF507438-7753-43E0-B8FC-AC1667EBCBE1}">
-              <a14:hiddenEffects xmlns:a14="http://schemas.microsoft.com/office/drawing/2010/main" xmlns="">
+              <a14:hiddenEffects xmlns="" xmlns:a14="http://schemas.microsoft.com/office/drawing/2010/main">
                 <a:effectLst>
                   <a:outerShdw dist="35921" dir="2700000" algn="ctr" rotWithShape="0">
                     <a:schemeClr val="bg2"/>
@@ -15064,7 +15032,7 @@
           <a:effectLst/>
           <a:extLst>
             <a:ext uri="{91240B29-F687-4F45-9708-019B960494DF}">
-              <a14:hiddenLine xmlns:a14="http://schemas.microsoft.com/office/drawing/2010/main" xmlns="" w="9525">
+              <a14:hiddenLine xmlns="" xmlns:a14="http://schemas.microsoft.com/office/drawing/2010/main" w="9525">
                 <a:solidFill>
                   <a:schemeClr val="tx1"/>
                 </a:solidFill>
@@ -15074,7 +15042,7 @@
               </a14:hiddenLine>
             </a:ext>
             <a:ext uri="{AF507438-7753-43E0-B8FC-AC1667EBCBE1}">
-              <a14:hiddenEffects xmlns:a14="http://schemas.microsoft.com/office/drawing/2010/main" xmlns="">
+              <a14:hiddenEffects xmlns="" xmlns:a14="http://schemas.microsoft.com/office/drawing/2010/main">
                 <a:effectLst>
                   <a:outerShdw dist="35921" dir="2700000" algn="ctr" rotWithShape="0">
                     <a:schemeClr val="bg2"/>
@@ -15123,7 +15091,7 @@
         </p:txBody>
       </p:sp>
       <mc:AlternateContent xmlns:mc="http://schemas.openxmlformats.org/markup-compatibility/2006">
-        <mc:Choice xmlns:a14="http://schemas.microsoft.com/office/drawing/2010/main" xmlns="" Requires="a14">
+        <mc:Choice xmlns="" xmlns:a14="http://schemas.microsoft.com/office/drawing/2010/main" Requires="a14">
           <p:sp>
             <p:nvSpPr>
               <p:cNvPr id="8" name="Содержимое 1"/>
@@ -15602,7 +15570,7 @@
     </p:spTree>
     <p:extLst>
       <p:ext uri="{BB962C8B-B14F-4D97-AF65-F5344CB8AC3E}">
-        <p14:creationId xmlns:p14="http://schemas.microsoft.com/office/powerpoint/2010/main" xmlns="" val="611271091"/>
+        <p14:creationId xmlns="" xmlns:p14="http://schemas.microsoft.com/office/powerpoint/2010/main" val="611271091"/>
       </p:ext>
     </p:extLst>
   </p:cSld>
@@ -15727,7 +15695,7 @@
           <a:effectLst/>
           <a:extLst>
             <a:ext uri="{91240B29-F687-4F45-9708-019B960494DF}">
-              <a14:hiddenLine xmlns:a14="http://schemas.microsoft.com/office/drawing/2010/main" xmlns="" w="9525">
+              <a14:hiddenLine xmlns="" xmlns:a14="http://schemas.microsoft.com/office/drawing/2010/main" w="9525">
                 <a:solidFill>
                   <a:schemeClr val="tx1"/>
                 </a:solidFill>
@@ -15737,7 +15705,7 @@
               </a14:hiddenLine>
             </a:ext>
             <a:ext uri="{AF507438-7753-43E0-B8FC-AC1667EBCBE1}">
-              <a14:hiddenEffects xmlns:a14="http://schemas.microsoft.com/office/drawing/2010/main" xmlns="">
+              <a14:hiddenEffects xmlns="" xmlns:a14="http://schemas.microsoft.com/office/drawing/2010/main">
                 <a:effectLst>
                   <a:outerShdw dist="35921" dir="2700000" algn="ctr" rotWithShape="0">
                     <a:schemeClr val="bg2"/>
@@ -17657,7 +17625,7 @@
         </p:txBody>
       </p:sp>
       <mc:AlternateContent xmlns:mc="http://schemas.openxmlformats.org/markup-compatibility/2006">
-        <mc:Choice xmlns:a14="http://schemas.microsoft.com/office/drawing/2010/main" xmlns="" Requires="a14">
+        <mc:Choice xmlns="" xmlns:a14="http://schemas.microsoft.com/office/drawing/2010/main" Requires="a14">
           <p:sp>
             <p:nvSpPr>
               <p:cNvPr id="6" name="Содержимое 1"/>
@@ -18136,7 +18104,7 @@
     </p:spTree>
     <p:extLst>
       <p:ext uri="{BB962C8B-B14F-4D97-AF65-F5344CB8AC3E}">
-        <p14:creationId xmlns:p14="http://schemas.microsoft.com/office/powerpoint/2010/main" xmlns="" val="476216845"/>
+        <p14:creationId xmlns="" xmlns:p14="http://schemas.microsoft.com/office/powerpoint/2010/main" val="476216845"/>
       </p:ext>
     </p:extLst>
   </p:cSld>
@@ -20134,7 +20102,7 @@
         </p:txBody>
       </p:sp>
       <mc:AlternateContent xmlns:mc="http://schemas.openxmlformats.org/markup-compatibility/2006">
-        <mc:Choice xmlns:a14="http://schemas.microsoft.com/office/drawing/2010/main" xmlns="" Requires="a14">
+        <mc:Choice xmlns="" xmlns:a14="http://schemas.microsoft.com/office/drawing/2010/main" Requires="a14">
           <p:sp>
             <p:nvSpPr>
               <p:cNvPr id="8" name="Содержимое 1"/>
@@ -20628,7 +20596,7 @@
     </p:spTree>
     <p:extLst>
       <p:ext uri="{BB962C8B-B14F-4D97-AF65-F5344CB8AC3E}">
-        <p14:creationId xmlns:p14="http://schemas.microsoft.com/office/powerpoint/2010/main" xmlns="" val="3690992376"/>
+        <p14:creationId xmlns="" xmlns:p14="http://schemas.microsoft.com/office/powerpoint/2010/main" val="3690992376"/>
       </p:ext>
     </p:extLst>
   </p:cSld>
@@ -22928,7 +22896,7 @@
     </p:spTree>
     <p:extLst>
       <p:ext uri="{BB962C8B-B14F-4D97-AF65-F5344CB8AC3E}">
-        <p14:creationId xmlns:p14="http://schemas.microsoft.com/office/powerpoint/2010/main" xmlns="" val="2808821390"/>
+        <p14:creationId xmlns="" xmlns:p14="http://schemas.microsoft.com/office/powerpoint/2010/main" val="2808821390"/>
       </p:ext>
     </p:extLst>
   </p:cSld>
@@ -23220,7 +23188,7 @@
   <a:extraClrSchemeLst/>
   <a:extLst>
     <a:ext uri="{05A4C25C-085E-4340-85A3-A5531E510DB2}">
-      <thm15:themeFamily xmlns:thm15="http://schemas.microsoft.com/office/thememl/2012/main" xmlns="" name="Office Theme" id="{62F939B6-93AF-4DB8-9C6B-D6C7DFDC589F}" vid="{4A3C46E8-61CC-4603-A589-7422A47A8E4A}"/>
+      <thm15:themeFamily xmlns="" xmlns:thm15="http://schemas.microsoft.com/office/thememl/2012/main" name="Office Theme" id="{62F939B6-93AF-4DB8-9C6B-D6C7DFDC589F}" vid="{4A3C46E8-61CC-4603-A589-7422A47A8E4A}"/>
     </a:ext>
   </a:extLst>
 </a:theme>
@@ -23481,7 +23449,7 @@
   <a:extraClrSchemeLst/>
   <a:extLst>
     <a:ext uri="{05A4C25C-085E-4340-85A3-A5531E510DB2}">
-      <thm15:themeFamily xmlns:thm15="http://schemas.microsoft.com/office/thememl/2012/main" xmlns="" name="Office Theme" id="{62F939B6-93AF-4DB8-9C6B-D6C7DFDC589F}" vid="{4A3C46E8-61CC-4603-A589-7422A47A8E4A}"/>
+      <thm15:themeFamily xmlns="" xmlns:thm15="http://schemas.microsoft.com/office/thememl/2012/main" name="Office Theme" id="{62F939B6-93AF-4DB8-9C6B-D6C7DFDC589F}" vid="{4A3C46E8-61CC-4603-A589-7422A47A8E4A}"/>
     </a:ext>
   </a:extLst>
 </a:theme>
@@ -23742,7 +23710,7 @@
   <a:extraClrSchemeLst/>
   <a:extLst>
     <a:ext uri="{05A4C25C-085E-4340-85A3-A5531E510DB2}">
-      <thm15:themeFamily xmlns:thm15="http://schemas.microsoft.com/office/thememl/2012/main" xmlns="" name="Office Theme" id="{62F939B6-93AF-4DB8-9C6B-D6C7DFDC589F}" vid="{4A3C46E8-61CC-4603-A589-7422A47A8E4A}"/>
+      <thm15:themeFamily xmlns="" xmlns:thm15="http://schemas.microsoft.com/office/thememl/2012/main" name="Office Theme" id="{62F939B6-93AF-4DB8-9C6B-D6C7DFDC589F}" vid="{4A3C46E8-61CC-4603-A589-7422A47A8E4A}"/>
     </a:ext>
   </a:extLst>
 </a:theme>

--- a/docs/part1ca/01_Introduction/CA_Lecture_01.pptx
+++ b/docs/part1ca/01_Introduction/CA_Lecture_01.pptx
@@ -136,7 +136,7 @@
   </p:defaultTextStyle>
   <p:extLst>
     <p:ext uri="{EFAFB233-063F-42B5-8137-9DF3F51BA10A}">
-      <p15:sldGuideLst xmlns="" xmlns:p15="http://schemas.microsoft.com/office/powerpoint/2012/main">
+      <p15:sldGuideLst xmlns:p15="http://schemas.microsoft.com/office/powerpoint/2012/main">
         <p15:guide id="1" orient="horz" pos="2160">
           <p15:clr>
             <a:srgbClr val="A4A3A4"/>
@@ -150,7 +150,7 @@
       </p15:sldGuideLst>
     </p:ext>
     <p:ext uri="{2D200454-40CA-4A62-9FC3-DE9A4176ACB9}">
-      <p15:notesGuideLst xmlns="" xmlns:p15="http://schemas.microsoft.com/office/powerpoint/2012/main">
+      <p15:notesGuideLst xmlns:p15="http://schemas.microsoft.com/office/powerpoint/2012/main">
         <p15:guide id="1" orient="horz" pos="2880">
           <p15:clr>
             <a:srgbClr val="A4A3A4"/>
@@ -258,7 +258,7 @@
             <a:fld id="{D0106195-8D78-4F6F-B8E4-FA67975ACEF5}" type="datetimeFigureOut">
               <a:rPr lang="ru-RU" smtClean="0"/>
               <a:pPr/>
-              <a:t>11.01.2022</a:t>
+              <a:t>09.01.2023</a:t>
             </a:fld>
             <a:endParaRPr lang="ru-RU"/>
           </a:p>
@@ -334,7 +334,7 @@
     </p:spTree>
     <p:extLst>
       <p:ext uri="{BB962C8B-B14F-4D97-AF65-F5344CB8AC3E}">
-        <p14:creationId xmlns="" xmlns:p14="http://schemas.microsoft.com/office/powerpoint/2010/main" val="827279973"/>
+        <p14:creationId xmlns:p14="http://schemas.microsoft.com/office/powerpoint/2010/main" val="827279973"/>
       </p:ext>
     </p:extLst>
   </p:cSld>
@@ -426,7 +426,7 @@
             <a:fld id="{878212F1-C3D9-4F2B-8F42-5E960FE8BE51}" type="datetimeFigureOut">
               <a:rPr lang="ru-RU" smtClean="0"/>
               <a:pPr/>
-              <a:t>11.01.2022</a:t>
+              <a:t>09.01.2023</a:t>
             </a:fld>
             <a:endParaRPr lang="ru-RU"/>
           </a:p>
@@ -595,7 +595,7 @@
     </p:spTree>
     <p:extLst>
       <p:ext uri="{BB962C8B-B14F-4D97-AF65-F5344CB8AC3E}">
-        <p14:creationId xmlns="" xmlns:p14="http://schemas.microsoft.com/office/powerpoint/2010/main" val="3865021395"/>
+        <p14:creationId xmlns:p14="http://schemas.microsoft.com/office/powerpoint/2010/main" val="3865021395"/>
       </p:ext>
     </p:extLst>
   </p:cSld>
@@ -809,7 +809,7 @@
     </p:spTree>
     <p:extLst>
       <p:ext uri="{BB962C8B-B14F-4D97-AF65-F5344CB8AC3E}">
-        <p14:creationId xmlns="" xmlns:p14="http://schemas.microsoft.com/office/powerpoint/2010/main" val="2381791527"/>
+        <p14:creationId xmlns:p14="http://schemas.microsoft.com/office/powerpoint/2010/main" val="2381791527"/>
       </p:ext>
     </p:extLst>
   </p:cSld>
@@ -932,7 +932,7 @@
     </p:spTree>
     <p:extLst>
       <p:ext uri="{BB962C8B-B14F-4D97-AF65-F5344CB8AC3E}">
-        <p14:creationId xmlns="" xmlns:p14="http://schemas.microsoft.com/office/powerpoint/2010/main" val="1915950851"/>
+        <p14:creationId xmlns:p14="http://schemas.microsoft.com/office/powerpoint/2010/main" val="1915950851"/>
       </p:ext>
     </p:extLst>
   </p:cSld>
@@ -1192,7 +1192,7 @@
     </p:spTree>
     <p:extLst>
       <p:ext uri="{BB962C8B-B14F-4D97-AF65-F5344CB8AC3E}">
-        <p14:creationId xmlns="" xmlns:p14="http://schemas.microsoft.com/office/powerpoint/2010/main" val="322455162"/>
+        <p14:creationId xmlns:p14="http://schemas.microsoft.com/office/powerpoint/2010/main" val="322455162"/>
       </p:ext>
     </p:extLst>
   </p:cSld>
@@ -1366,7 +1366,7 @@
     </p:spTree>
     <p:extLst>
       <p:ext uri="{BB962C8B-B14F-4D97-AF65-F5344CB8AC3E}">
-        <p14:creationId xmlns="" xmlns:p14="http://schemas.microsoft.com/office/powerpoint/2010/main" val="971117636"/>
+        <p14:creationId xmlns:p14="http://schemas.microsoft.com/office/powerpoint/2010/main" val="971117636"/>
       </p:ext>
     </p:extLst>
   </p:cSld>
@@ -1543,7 +1543,7 @@
     </p:spTree>
     <p:extLst>
       <p:ext uri="{BB962C8B-B14F-4D97-AF65-F5344CB8AC3E}">
-        <p14:creationId xmlns="" xmlns:p14="http://schemas.microsoft.com/office/powerpoint/2010/main" val="3348877825"/>
+        <p14:creationId xmlns:p14="http://schemas.microsoft.com/office/powerpoint/2010/main" val="3348877825"/>
       </p:ext>
     </p:extLst>
   </p:cSld>
@@ -1868,7 +1868,7 @@
     </p:spTree>
     <p:extLst>
       <p:ext uri="{BB962C8B-B14F-4D97-AF65-F5344CB8AC3E}">
-        <p14:creationId xmlns="" xmlns:p14="http://schemas.microsoft.com/office/powerpoint/2010/main" val="3256953994"/>
+        <p14:creationId xmlns:p14="http://schemas.microsoft.com/office/powerpoint/2010/main" val="3256953994"/>
       </p:ext>
     </p:extLst>
   </p:cSld>
@@ -2118,7 +2118,7 @@
     </p:spTree>
     <p:extLst>
       <p:ext uri="{BB962C8B-B14F-4D97-AF65-F5344CB8AC3E}">
-        <p14:creationId xmlns="" xmlns:p14="http://schemas.microsoft.com/office/powerpoint/2010/main" val="3067076846"/>
+        <p14:creationId xmlns:p14="http://schemas.microsoft.com/office/powerpoint/2010/main" val="3067076846"/>
       </p:ext>
     </p:extLst>
   </p:cSld>
@@ -2354,7 +2354,7 @@
     </p:spTree>
     <p:extLst>
       <p:ext uri="{BB962C8B-B14F-4D97-AF65-F5344CB8AC3E}">
-        <p14:creationId xmlns="" xmlns:p14="http://schemas.microsoft.com/office/powerpoint/2010/main" val="3710015975"/>
+        <p14:creationId xmlns:p14="http://schemas.microsoft.com/office/powerpoint/2010/main" val="3710015975"/>
       </p:ext>
     </p:extLst>
   </p:cSld>
@@ -2725,7 +2725,7 @@
     </p:spTree>
     <p:extLst>
       <p:ext uri="{BB962C8B-B14F-4D97-AF65-F5344CB8AC3E}">
-        <p14:creationId xmlns="" xmlns:p14="http://schemas.microsoft.com/office/powerpoint/2010/main" val="4075590966"/>
+        <p14:creationId xmlns:p14="http://schemas.microsoft.com/office/powerpoint/2010/main" val="4075590966"/>
       </p:ext>
     </p:extLst>
   </p:cSld>
@@ -2847,7 +2847,7 @@
     </p:spTree>
     <p:extLst>
       <p:ext uri="{BB962C8B-B14F-4D97-AF65-F5344CB8AC3E}">
-        <p14:creationId xmlns="" xmlns:p14="http://schemas.microsoft.com/office/powerpoint/2010/main" val="2889604898"/>
+        <p14:creationId xmlns:p14="http://schemas.microsoft.com/office/powerpoint/2010/main" val="2889604898"/>
       </p:ext>
     </p:extLst>
   </p:cSld>
@@ -2946,7 +2946,7 @@
     </p:spTree>
     <p:extLst>
       <p:ext uri="{BB962C8B-B14F-4D97-AF65-F5344CB8AC3E}">
-        <p14:creationId xmlns="" xmlns:p14="http://schemas.microsoft.com/office/powerpoint/2010/main" val="152384765"/>
+        <p14:creationId xmlns:p14="http://schemas.microsoft.com/office/powerpoint/2010/main" val="152384765"/>
       </p:ext>
     </p:extLst>
   </p:cSld>
@@ -3227,7 +3227,7 @@
     </p:spTree>
     <p:extLst>
       <p:ext uri="{BB962C8B-B14F-4D97-AF65-F5344CB8AC3E}">
-        <p14:creationId xmlns="" xmlns:p14="http://schemas.microsoft.com/office/powerpoint/2010/main" val="2127791886"/>
+        <p14:creationId xmlns:p14="http://schemas.microsoft.com/office/powerpoint/2010/main" val="2127791886"/>
       </p:ext>
     </p:extLst>
   </p:cSld>
@@ -3484,7 +3484,7 @@
     </p:spTree>
     <p:extLst>
       <p:ext uri="{BB962C8B-B14F-4D97-AF65-F5344CB8AC3E}">
-        <p14:creationId xmlns="" xmlns:p14="http://schemas.microsoft.com/office/powerpoint/2010/main" val="1752705130"/>
+        <p14:creationId xmlns:p14="http://schemas.microsoft.com/office/powerpoint/2010/main" val="1752705130"/>
       </p:ext>
     </p:extLst>
   </p:cSld>
@@ -3737,7 +3737,7 @@
     </p:spTree>
     <p:extLst>
       <p:ext uri="{BB962C8B-B14F-4D97-AF65-F5344CB8AC3E}">
-        <p14:creationId xmlns="" xmlns:p14="http://schemas.microsoft.com/office/powerpoint/2010/main" val="968833914"/>
+        <p14:creationId xmlns:p14="http://schemas.microsoft.com/office/powerpoint/2010/main" val="968833914"/>
       </p:ext>
     </p:extLst>
   </p:cSld>
@@ -4214,7 +4214,7 @@
     </p:spTree>
     <p:extLst>
       <p:ext uri="{BB962C8B-B14F-4D97-AF65-F5344CB8AC3E}">
-        <p14:creationId xmlns="" xmlns:p14="http://schemas.microsoft.com/office/powerpoint/2010/main" val="2492894732"/>
+        <p14:creationId xmlns:p14="http://schemas.microsoft.com/office/powerpoint/2010/main" val="2492894732"/>
       </p:ext>
     </p:extLst>
   </p:cSld>
@@ -4258,7 +4258,7 @@
             <p:ph idx="1"/>
             <p:extLst>
               <p:ext uri="{D42A27DB-BD31-4B8C-83A1-F6EECF244321}">
-                <p14:modId xmlns="" xmlns:p14="http://schemas.microsoft.com/office/powerpoint/2010/main" val="2853019934"/>
+                <p14:modId xmlns:p14="http://schemas.microsoft.com/office/powerpoint/2010/main" val="2853019934"/>
               </p:ext>
             </p:extLst>
           </p:nvPr>
@@ -4691,8 +4691,8 @@
           </a:p>
         </p:txBody>
       </p:sp>
-      <mc:AlternateContent xmlns:mc="http://schemas.openxmlformats.org/markup-compatibility/2006">
-        <mc:Choice xmlns="" xmlns:a14="http://schemas.microsoft.com/office/drawing/2010/main" Requires="a14">
+      <mc:AlternateContent xmlns:mc="http://schemas.openxmlformats.org/markup-compatibility/2006" xmlns:a14="http://schemas.microsoft.com/office/drawing/2010/main">
+        <mc:Choice Requires="a14">
           <p:sp>
             <p:nvSpPr>
               <p:cNvPr id="6" name="Rectangle 5"/>
@@ -4841,7 +4841,7 @@
             </p:txBody>
           </p:sp>
         </mc:Choice>
-        <mc:Fallback>
+        <mc:Fallback xmlns="">
           <p:sp>
             <p:nvSpPr>
               <p:cNvPr id="6" name="Rectangle 5"/>
@@ -4883,7 +4883,7 @@
     </p:spTree>
     <p:extLst>
       <p:ext uri="{BB962C8B-B14F-4D97-AF65-F5344CB8AC3E}">
-        <p14:creationId xmlns="" xmlns:p14="http://schemas.microsoft.com/office/powerpoint/2010/main" val="1319878854"/>
+        <p14:creationId xmlns:p14="http://schemas.microsoft.com/office/powerpoint/2010/main" val="1319878854"/>
       </p:ext>
     </p:extLst>
   </p:cSld>
@@ -4975,7 +4975,7 @@
             <p:ph idx="1"/>
             <p:extLst>
               <p:ext uri="{D42A27DB-BD31-4B8C-83A1-F6EECF244321}">
-                <p14:modId xmlns="" xmlns:p14="http://schemas.microsoft.com/office/powerpoint/2010/main" val="895195415"/>
+                <p14:modId xmlns:p14="http://schemas.microsoft.com/office/powerpoint/2010/main" val="895195415"/>
               </p:ext>
             </p:extLst>
           </p:nvPr>
@@ -5279,7 +5279,7 @@
     </p:spTree>
     <p:extLst>
       <p:ext uri="{BB962C8B-B14F-4D97-AF65-F5344CB8AC3E}">
-        <p14:creationId xmlns="" xmlns:p14="http://schemas.microsoft.com/office/powerpoint/2010/main" val="1991606056"/>
+        <p14:creationId xmlns:p14="http://schemas.microsoft.com/office/powerpoint/2010/main" val="1991606056"/>
       </p:ext>
     </p:extLst>
   </p:cSld>
@@ -5447,7 +5447,7 @@
           <a:blip r:embed="rId2" cstate="print">
             <a:extLst>
               <a:ext uri="{28A0092B-C50C-407E-A947-70E740481C1C}">
-                <a14:useLocalDpi xmlns="" xmlns:a14="http://schemas.microsoft.com/office/drawing/2010/main" val="0"/>
+                <a14:useLocalDpi xmlns:a14="http://schemas.microsoft.com/office/drawing/2010/main" val="0"/>
               </a:ext>
             </a:extLst>
           </a:blip>
@@ -5467,7 +5467,7 @@
           <a:noFill/>
           <a:extLst>
             <a:ext uri="{909E8E84-426E-40DD-AFC4-6F175D3DCCD1}">
-              <a14:hiddenFill xmlns="" xmlns:a14="http://schemas.microsoft.com/office/drawing/2010/main">
+              <a14:hiddenFill xmlns:a14="http://schemas.microsoft.com/office/drawing/2010/main">
                 <a:solidFill>
                   <a:srgbClr val="FFFFFF"/>
                 </a:solidFill>
@@ -5479,7 +5479,7 @@
     </p:spTree>
     <p:extLst>
       <p:ext uri="{BB962C8B-B14F-4D97-AF65-F5344CB8AC3E}">
-        <p14:creationId xmlns="" xmlns:p14="http://schemas.microsoft.com/office/powerpoint/2010/main" val="1147934676"/>
+        <p14:creationId xmlns:p14="http://schemas.microsoft.com/office/powerpoint/2010/main" val="1147934676"/>
       </p:ext>
     </p:extLst>
   </p:cSld>
@@ -6377,7 +6377,7 @@
           <a:blip r:embed="rId2" cstate="print">
             <a:extLst>
               <a:ext uri="{28A0092B-C50C-407E-A947-70E740481C1C}">
-                <a14:useLocalDpi xmlns="" xmlns:a14="http://schemas.microsoft.com/office/drawing/2010/main" val="0"/>
+                <a14:useLocalDpi xmlns:a14="http://schemas.microsoft.com/office/drawing/2010/main" val="0"/>
               </a:ext>
             </a:extLst>
           </a:blip>
@@ -6397,7 +6397,7 @@
           <a:noFill/>
           <a:extLst>
             <a:ext uri="{909E8E84-426E-40DD-AFC4-6F175D3DCCD1}">
-              <a14:hiddenFill xmlns="" xmlns:a14="http://schemas.microsoft.com/office/drawing/2010/main">
+              <a14:hiddenFill xmlns:a14="http://schemas.microsoft.com/office/drawing/2010/main">
                 <a:solidFill>
                   <a:srgbClr val="FFFFFF"/>
                 </a:solidFill>
@@ -6409,7 +6409,7 @@
     </p:spTree>
     <p:extLst>
       <p:ext uri="{BB962C8B-B14F-4D97-AF65-F5344CB8AC3E}">
-        <p14:creationId xmlns="" xmlns:p14="http://schemas.microsoft.com/office/powerpoint/2010/main" val="2950914556"/>
+        <p14:creationId xmlns:p14="http://schemas.microsoft.com/office/powerpoint/2010/main" val="2950914556"/>
       </p:ext>
     </p:extLst>
   </p:cSld>
@@ -6455,7 +6455,7 @@
           <a:blip r:embed="rId2" cstate="print">
             <a:extLst>
               <a:ext uri="{28A0092B-C50C-407E-A947-70E740481C1C}">
-                <a14:useLocalDpi xmlns="" xmlns:a14="http://schemas.microsoft.com/office/drawing/2010/main" val="0"/>
+                <a14:useLocalDpi xmlns:a14="http://schemas.microsoft.com/office/drawing/2010/main" val="0"/>
               </a:ext>
             </a:extLst>
           </a:blip>
@@ -6475,7 +6475,7 @@
           <a:noFill/>
           <a:extLst>
             <a:ext uri="{909E8E84-426E-40DD-AFC4-6F175D3DCCD1}">
-              <a14:hiddenFill xmlns="" xmlns:a14="http://schemas.microsoft.com/office/drawing/2010/main">
+              <a14:hiddenFill xmlns:a14="http://schemas.microsoft.com/office/drawing/2010/main">
                 <a:solidFill>
                   <a:srgbClr val="FFFFFF"/>
                 </a:solidFill>
@@ -7048,7 +7048,7 @@
     </p:spTree>
     <p:extLst>
       <p:ext uri="{BB962C8B-B14F-4D97-AF65-F5344CB8AC3E}">
-        <p14:creationId xmlns="" xmlns:p14="http://schemas.microsoft.com/office/powerpoint/2010/main" val="4087179089"/>
+        <p14:creationId xmlns:p14="http://schemas.microsoft.com/office/powerpoint/2010/main" val="4087179089"/>
       </p:ext>
     </p:extLst>
   </p:cSld>
@@ -7254,7 +7254,7 @@
           <a:blip r:embed="rId2" cstate="print">
             <a:extLst>
               <a:ext uri="{28A0092B-C50C-407E-A947-70E740481C1C}">
-                <a14:useLocalDpi xmlns="" xmlns:a14="http://schemas.microsoft.com/office/drawing/2010/main" val="0"/>
+                <a14:useLocalDpi xmlns:a14="http://schemas.microsoft.com/office/drawing/2010/main" val="0"/>
               </a:ext>
             </a:extLst>
           </a:blip>
@@ -7274,7 +7274,7 @@
           <a:noFill/>
           <a:extLst>
             <a:ext uri="{909E8E84-426E-40DD-AFC4-6F175D3DCCD1}">
-              <a14:hiddenFill xmlns="" xmlns:a14="http://schemas.microsoft.com/office/drawing/2010/main">
+              <a14:hiddenFill xmlns:a14="http://schemas.microsoft.com/office/drawing/2010/main">
                 <a:solidFill>
                   <a:srgbClr val="FFFFFF"/>
                 </a:solidFill>
@@ -7295,7 +7295,7 @@
           <a:blip r:embed="rId3" cstate="print">
             <a:extLst>
               <a:ext uri="{28A0092B-C50C-407E-A947-70E740481C1C}">
-                <a14:useLocalDpi xmlns="" xmlns:a14="http://schemas.microsoft.com/office/drawing/2010/main" val="0"/>
+                <a14:useLocalDpi xmlns:a14="http://schemas.microsoft.com/office/drawing/2010/main" val="0"/>
               </a:ext>
             </a:extLst>
           </a:blip>
@@ -7315,7 +7315,7 @@
           <a:noFill/>
           <a:extLst>
             <a:ext uri="{909E8E84-426E-40DD-AFC4-6F175D3DCCD1}">
-              <a14:hiddenFill xmlns="" xmlns:a14="http://schemas.microsoft.com/office/drawing/2010/main">
+              <a14:hiddenFill xmlns:a14="http://schemas.microsoft.com/office/drawing/2010/main">
                 <a:solidFill>
                   <a:srgbClr val="FFFFFF"/>
                 </a:solidFill>
@@ -7327,7 +7327,7 @@
     </p:spTree>
     <p:extLst>
       <p:ext uri="{BB962C8B-B14F-4D97-AF65-F5344CB8AC3E}">
-        <p14:creationId xmlns="" xmlns:p14="http://schemas.microsoft.com/office/powerpoint/2010/main" val="4020093932"/>
+        <p14:creationId xmlns:p14="http://schemas.microsoft.com/office/powerpoint/2010/main" val="4020093932"/>
       </p:ext>
     </p:extLst>
   </p:cSld>
@@ -7540,7 +7540,7 @@
           <a:blip r:embed="rId2" cstate="print">
             <a:extLst>
               <a:ext uri="{28A0092B-C50C-407E-A947-70E740481C1C}">
-                <a14:useLocalDpi xmlns="" xmlns:a14="http://schemas.microsoft.com/office/drawing/2010/main" val="0"/>
+                <a14:useLocalDpi xmlns:a14="http://schemas.microsoft.com/office/drawing/2010/main" val="0"/>
               </a:ext>
             </a:extLst>
           </a:blip>
@@ -7563,14 +7563,14 @@
           </a:ln>
           <a:extLst>
             <a:ext uri="{909E8E84-426E-40DD-AFC4-6F175D3DCCD1}">
-              <a14:hiddenFill xmlns="" xmlns:a14="http://schemas.microsoft.com/office/drawing/2010/main">
+              <a14:hiddenFill xmlns:a14="http://schemas.microsoft.com/office/drawing/2010/main">
                 <a:solidFill>
                   <a:srgbClr val="FFFFFF"/>
                 </a:solidFill>
               </a14:hiddenFill>
             </a:ext>
             <a:ext uri="{91240B29-F687-4F45-9708-019B960494DF}">
-              <a14:hiddenLine xmlns="" xmlns:a14="http://schemas.microsoft.com/office/drawing/2010/main" w="9525">
+              <a14:hiddenLine xmlns:a14="http://schemas.microsoft.com/office/drawing/2010/main" w="9525">
                 <a:solidFill>
                   <a:srgbClr val="000000"/>
                 </a:solidFill>
@@ -7585,7 +7585,7 @@
     </p:spTree>
     <p:extLst>
       <p:ext uri="{BB962C8B-B14F-4D97-AF65-F5344CB8AC3E}">
-        <p14:creationId xmlns="" xmlns:p14="http://schemas.microsoft.com/office/powerpoint/2010/main" val="3856844071"/>
+        <p14:creationId xmlns:p14="http://schemas.microsoft.com/office/powerpoint/2010/main" val="3856844071"/>
       </p:ext>
     </p:extLst>
   </p:cSld>
@@ -7631,7 +7631,7 @@
           <a:blip r:embed="rId2" cstate="print">
             <a:extLst>
               <a:ext uri="{28A0092B-C50C-407E-A947-70E740481C1C}">
-                <a14:useLocalDpi xmlns="" xmlns:a14="http://schemas.microsoft.com/office/drawing/2010/main" val="0"/>
+                <a14:useLocalDpi xmlns:a14="http://schemas.microsoft.com/office/drawing/2010/main" val="0"/>
               </a:ext>
             </a:extLst>
           </a:blip>
@@ -7654,14 +7654,14 @@
           </a:ln>
           <a:extLst>
             <a:ext uri="{909E8E84-426E-40DD-AFC4-6F175D3DCCD1}">
-              <a14:hiddenFill xmlns="" xmlns:a14="http://schemas.microsoft.com/office/drawing/2010/main">
+              <a14:hiddenFill xmlns:a14="http://schemas.microsoft.com/office/drawing/2010/main">
                 <a:solidFill>
                   <a:srgbClr val="FFFFFF"/>
                 </a:solidFill>
               </a14:hiddenFill>
             </a:ext>
             <a:ext uri="{91240B29-F687-4F45-9708-019B960494DF}">
-              <a14:hiddenLine xmlns="" xmlns:a14="http://schemas.microsoft.com/office/drawing/2010/main" w="9525">
+              <a14:hiddenLine xmlns:a14="http://schemas.microsoft.com/office/drawing/2010/main" w="9525">
                 <a:solidFill>
                   <a:srgbClr val="000000"/>
                 </a:solidFill>
@@ -8167,7 +8167,7 @@
           <p:nvPr>
             <p:extLst>
               <p:ext uri="{D42A27DB-BD31-4B8C-83A1-F6EECF244321}">
-                <p14:modId xmlns="" xmlns:p14="http://schemas.microsoft.com/office/powerpoint/2010/main" val="1213753623"/>
+                <p14:modId xmlns:p14="http://schemas.microsoft.com/office/powerpoint/2010/main" val="1213753623"/>
               </p:ext>
             </p:extLst>
           </p:nvPr>
@@ -9880,7 +9880,7 @@
     </p:spTree>
     <p:extLst>
       <p:ext uri="{BB962C8B-B14F-4D97-AF65-F5344CB8AC3E}">
-        <p14:creationId xmlns="" xmlns:p14="http://schemas.microsoft.com/office/powerpoint/2010/main" val="1153504515"/>
+        <p14:creationId xmlns:p14="http://schemas.microsoft.com/office/powerpoint/2010/main" val="1153504515"/>
       </p:ext>
     </p:extLst>
   </p:cSld>
@@ -10050,7 +10050,7 @@
     </p:spTree>
     <p:extLst>
       <p:ext uri="{BB962C8B-B14F-4D97-AF65-F5344CB8AC3E}">
-        <p14:creationId xmlns="" xmlns:p14="http://schemas.microsoft.com/office/powerpoint/2010/main" val="664014649"/>
+        <p14:creationId xmlns:p14="http://schemas.microsoft.com/office/powerpoint/2010/main" val="664014649"/>
       </p:ext>
     </p:extLst>
   </p:cSld>
@@ -10665,7 +10665,7 @@
     </p:spTree>
     <p:extLst>
       <p:ext uri="{BB962C8B-B14F-4D97-AF65-F5344CB8AC3E}">
-        <p14:creationId xmlns="" xmlns:p14="http://schemas.microsoft.com/office/powerpoint/2010/main" val="1974197127"/>
+        <p14:creationId xmlns:p14="http://schemas.microsoft.com/office/powerpoint/2010/main" val="1974197127"/>
       </p:ext>
     </p:extLst>
   </p:cSld>
@@ -10759,7 +10759,7 @@
           <a:blip r:embed="rId2" cstate="print">
             <a:extLst>
               <a:ext uri="{28A0092B-C50C-407E-A947-70E740481C1C}">
-                <a14:useLocalDpi xmlns="" xmlns:a14="http://schemas.microsoft.com/office/drawing/2010/main" val="0"/>
+                <a14:useLocalDpi xmlns:a14="http://schemas.microsoft.com/office/drawing/2010/main" val="0"/>
               </a:ext>
             </a:extLst>
           </a:blip>
@@ -10782,14 +10782,14 @@
           </a:ln>
           <a:extLst>
             <a:ext uri="{909E8E84-426E-40DD-AFC4-6F175D3DCCD1}">
-              <a14:hiddenFill xmlns="" xmlns:a14="http://schemas.microsoft.com/office/drawing/2010/main">
+              <a14:hiddenFill xmlns:a14="http://schemas.microsoft.com/office/drawing/2010/main">
                 <a:solidFill>
                   <a:srgbClr val="FFFFFF"/>
                 </a:solidFill>
               </a14:hiddenFill>
             </a:ext>
             <a:ext uri="{91240B29-F687-4F45-9708-019B960494DF}">
-              <a14:hiddenLine xmlns="" xmlns:a14="http://schemas.microsoft.com/office/drawing/2010/main" w="9525">
+              <a14:hiddenLine xmlns:a14="http://schemas.microsoft.com/office/drawing/2010/main" w="9525">
                 <a:solidFill>
                   <a:srgbClr val="000000"/>
                 </a:solidFill>
@@ -10804,7 +10804,7 @@
     </p:spTree>
     <p:extLst>
       <p:ext uri="{BB962C8B-B14F-4D97-AF65-F5344CB8AC3E}">
-        <p14:creationId xmlns="" xmlns:p14="http://schemas.microsoft.com/office/powerpoint/2010/main" val="2270459329"/>
+        <p14:creationId xmlns:p14="http://schemas.microsoft.com/office/powerpoint/2010/main" val="2270459329"/>
       </p:ext>
     </p:extLst>
   </p:cSld>
@@ -10913,7 +10913,7 @@
     </p:spTree>
     <p:extLst>
       <p:ext uri="{BB962C8B-B14F-4D97-AF65-F5344CB8AC3E}">
-        <p14:creationId xmlns="" xmlns:p14="http://schemas.microsoft.com/office/powerpoint/2010/main" val="4095291685"/>
+        <p14:creationId xmlns:p14="http://schemas.microsoft.com/office/powerpoint/2010/main" val="4095291685"/>
       </p:ext>
     </p:extLst>
   </p:cSld>
@@ -11176,7 +11176,7 @@
     </p:spTree>
     <p:extLst>
       <p:ext uri="{BB962C8B-B14F-4D97-AF65-F5344CB8AC3E}">
-        <p14:creationId xmlns="" xmlns:p14="http://schemas.microsoft.com/office/powerpoint/2010/main" val="1324819286"/>
+        <p14:creationId xmlns:p14="http://schemas.microsoft.com/office/powerpoint/2010/main" val="1324819286"/>
       </p:ext>
     </p:extLst>
   </p:cSld>
@@ -11369,14 +11369,14 @@
           <a:effectLst/>
           <a:extLst>
             <a:ext uri="{909E8E84-426E-40DD-AFC4-6F175D3DCCD1}">
-              <a14:hiddenFill xmlns="" xmlns:a14="http://schemas.microsoft.com/office/drawing/2010/main">
+              <a14:hiddenFill xmlns:a14="http://schemas.microsoft.com/office/drawing/2010/main">
                 <a:solidFill>
                   <a:schemeClr val="accent1"/>
                 </a:solidFill>
               </a14:hiddenFill>
             </a:ext>
             <a:ext uri="{91240B29-F687-4F45-9708-019B960494DF}">
-              <a14:hiddenLine xmlns="" xmlns:a14="http://schemas.microsoft.com/office/drawing/2010/main" w="9525">
+              <a14:hiddenLine xmlns:a14="http://schemas.microsoft.com/office/drawing/2010/main" w="9525">
                 <a:solidFill>
                   <a:schemeClr val="tx1"/>
                 </a:solidFill>
@@ -11386,7 +11386,7 @@
               </a14:hiddenLine>
             </a:ext>
             <a:ext uri="{AF507438-7753-43E0-B8FC-AC1667EBCBE1}">
-              <a14:hiddenEffects xmlns="" xmlns:a14="http://schemas.microsoft.com/office/drawing/2010/main">
+              <a14:hiddenEffects xmlns:a14="http://schemas.microsoft.com/office/drawing/2010/main">
                 <a:effectLst>
                   <a:outerShdw dist="35921" dir="2700000" algn="ctr" rotWithShape="0">
                     <a:schemeClr val="bg2"/>
@@ -11494,7 +11494,7 @@
     </p:spTree>
     <p:extLst>
       <p:ext uri="{BB962C8B-B14F-4D97-AF65-F5344CB8AC3E}">
-        <p14:creationId xmlns="" xmlns:p14="http://schemas.microsoft.com/office/powerpoint/2010/main" val="3293126798"/>
+        <p14:creationId xmlns:p14="http://schemas.microsoft.com/office/powerpoint/2010/main" val="3293126798"/>
       </p:ext>
     </p:extLst>
   </p:cSld>
@@ -12075,7 +12075,7 @@
     </p:spTree>
     <p:extLst>
       <p:ext uri="{BB962C8B-B14F-4D97-AF65-F5344CB8AC3E}">
-        <p14:creationId xmlns="" xmlns:p14="http://schemas.microsoft.com/office/powerpoint/2010/main" val="4217875043"/>
+        <p14:creationId xmlns:p14="http://schemas.microsoft.com/office/powerpoint/2010/main" val="4217875043"/>
       </p:ext>
     </p:extLst>
   </p:cSld>
@@ -12109,6 +12109,35 @@
           <a:chExt cx="0" cy="0"/>
         </a:xfrm>
       </p:grpSpPr>
+      <p:pic>
+        <p:nvPicPr>
+          <p:cNvPr id="5" name="Picture 4"/>
+          <p:cNvPicPr>
+            <a:picLocks noChangeAspect="1"/>
+          </p:cNvPicPr>
+          <p:nvPr/>
+        </p:nvPicPr>
+        <p:blipFill rotWithShape="1">
+          <a:blip r:embed="rId2">
+            <a:extLst>
+              <a:ext uri="{28A0092B-C50C-407E-A947-70E740481C1C}">
+                <a14:useLocalDpi xmlns:a14="http://schemas.microsoft.com/office/drawing/2010/main" val="0"/>
+              </a:ext>
+            </a:extLst>
+          </a:blip>
+          <a:srcRect l="6690" t="10352" r="5695"/>
+          <a:stretch/>
+        </p:blipFill>
+        <p:spPr>
+          <a:xfrm>
+            <a:off x="9551618" y="4225045"/>
+            <a:ext cx="1689100" cy="1728290"/>
+          </a:xfrm>
+          <a:prstGeom prst="rect">
+            <a:avLst/>
+          </a:prstGeom>
+        </p:spPr>
+      </p:pic>
       <p:sp>
         <p:nvSpPr>
           <p:cNvPr id="8" name="TextBox 7"/>
@@ -12117,7 +12146,7 @@
         </p:nvSpPr>
         <p:spPr>
           <a:xfrm>
-            <a:off x="960348" y="3558360"/>
+            <a:off x="891403" y="3284774"/>
             <a:ext cx="2422568" cy="629392"/>
           </a:xfrm>
           <a:prstGeom prst="rect">
@@ -12162,13 +12191,13 @@
         </p:nvSpPr>
         <p:spPr>
           <a:xfrm>
-            <a:off x="873826" y="4064405"/>
+            <a:off x="873826" y="3761316"/>
             <a:ext cx="10515600" cy="560155"/>
           </a:xfrm>
         </p:spPr>
         <p:txBody>
           <a:bodyPr>
-            <a:normAutofit lnSpcReduction="10000"/>
+            <a:normAutofit/>
           </a:bodyPr>
           <a:lstStyle/>
           <a:p>
@@ -12176,7 +12205,7 @@
               <a:buNone/>
             </a:pPr>
             <a:r>
-              <a:rPr lang="en-US" b="1" dirty="0" smtClean="0"/>
+              <a:rPr lang="en-US" sz="3200" b="1" dirty="0" smtClean="0"/>
               <a:t>Assistants</a:t>
             </a:r>
           </a:p>
@@ -12184,7 +12213,7 @@
             <a:pPr>
               <a:buNone/>
             </a:pPr>
-            <a:endParaRPr lang="en-US" dirty="0" smtClean="0"/>
+            <a:endParaRPr lang="en-US" sz="3200" dirty="0" smtClean="0"/>
           </a:p>
         </p:txBody>
       </p:sp>
@@ -12245,7 +12274,7 @@
           <p:nvPr/>
         </p:nvPicPr>
         <p:blipFill>
-          <a:blip r:embed="rId2" cstate="print"/>
+          <a:blip r:embed="rId3" cstate="print"/>
           <a:srcRect l="4108" t="6573" r="7395" b="3287"/>
           <a:stretch>
             <a:fillRect/>
@@ -12253,8 +12282,8 @@
         </p:blipFill>
         <p:spPr>
           <a:xfrm>
-            <a:off x="1176505" y="1534362"/>
-            <a:ext cx="2093848" cy="2132721"/>
+            <a:off x="1176507" y="1428488"/>
+            <a:ext cx="1938748" cy="1974742"/>
           </a:xfrm>
           <a:prstGeom prst="rect">
             <a:avLst/>
@@ -12302,7 +12331,7 @@
               <a:defRPr/>
             </a:pPr>
             <a:r>
-              <a:rPr kumimoji="0" lang="en-US" sz="3600" b="1" i="0" u="none" strike="noStrike" kern="1200" cap="none" spc="0" normalizeH="0" baseline="0" noProof="0" dirty="0" smtClean="0">
+              <a:rPr kumimoji="0" lang="en-US" sz="3200" b="1" i="0" u="none" strike="noStrike" kern="1200" cap="none" spc="0" normalizeH="0" baseline="0" noProof="0" dirty="0" smtClean="0">
                 <a:ln>
                   <a:noFill/>
                 </a:ln>
@@ -12330,15 +12359,15 @@
           <p:nvPr/>
         </p:nvPicPr>
         <p:blipFill>
-          <a:blip r:embed="rId3" cstate="print"/>
+          <a:blip r:embed="rId4" cstate="print"/>
           <a:stretch>
             <a:fillRect/>
           </a:stretch>
         </p:blipFill>
         <p:spPr>
           <a:xfrm>
-            <a:off x="3639711" y="1486981"/>
-            <a:ext cx="2150669" cy="2150669"/>
+            <a:off x="3639712" y="1381107"/>
+            <a:ext cx="2018995" cy="2018995"/>
           </a:xfrm>
           <a:prstGeom prst="rect">
             <a:avLst/>
@@ -12353,7 +12382,7 @@
         </p:nvSpPr>
         <p:spPr>
           <a:xfrm>
-            <a:off x="3457678" y="3551590"/>
+            <a:off x="3438428" y="3278004"/>
             <a:ext cx="2422568" cy="629392"/>
           </a:xfrm>
           <a:prstGeom prst="rect">
@@ -12400,40 +12429,15 @@
           </a:p>
         </p:txBody>
       </p:sp>
-      <p:pic>
-        <p:nvPicPr>
-          <p:cNvPr id="13" name="Рисунок 12" descr="photo_2020-11-22 22.25.36.jpeg"/>
-          <p:cNvPicPr>
-            <a:picLocks noChangeAspect="1"/>
-          </p:cNvPicPr>
-          <p:nvPr/>
-        </p:nvPicPr>
-        <p:blipFill>
-          <a:blip r:embed="rId4" cstate="print"/>
-          <a:srcRect t="6416" b="12832"/>
-          <a:stretch>
-            <a:fillRect/>
-          </a:stretch>
-        </p:blipFill>
-        <p:spPr>
-          <a:xfrm>
-            <a:off x="6461752" y="1464821"/>
-            <a:ext cx="1579418" cy="2265545"/>
-          </a:xfrm>
-          <a:prstGeom prst="rect">
-            <a:avLst/>
-          </a:prstGeom>
-        </p:spPr>
-      </p:pic>
       <p:sp>
         <p:nvSpPr>
-          <p:cNvPr id="14" name="TextBox 13"/>
+          <p:cNvPr id="21" name="TextBox 20"/>
           <p:cNvSpPr txBox="1"/>
           <p:nvPr/>
         </p:nvSpPr>
         <p:spPr>
           <a:xfrm>
-            <a:off x="5836659" y="3598468"/>
+            <a:off x="6005651" y="3282737"/>
             <a:ext cx="2600797" cy="629392"/>
           </a:xfrm>
           <a:prstGeom prst="rect">
@@ -12449,292 +12453,6 @@
           <a:p>
             <a:pPr algn="ctr"/>
             <a:r>
-              <a:rPr lang="en-US" sz="2300" b="1" dirty="0" err="1" smtClean="0">
-                <a:solidFill>
-                  <a:srgbClr val="1E3272"/>
-                </a:solidFill>
-              </a:rPr>
-              <a:t>Evgeny</a:t>
-            </a:r>
-            <a:r>
-              <a:rPr lang="en-US" sz="2300" b="1" dirty="0" smtClean="0">
-                <a:solidFill>
-                  <a:srgbClr val="1E3272"/>
-                </a:solidFill>
-              </a:rPr>
-              <a:t> </a:t>
-            </a:r>
-            <a:r>
-              <a:rPr lang="en-US" sz="2300" b="1" dirty="0" err="1" smtClean="0">
-                <a:solidFill>
-                  <a:srgbClr val="1E3272"/>
-                </a:solidFill>
-              </a:rPr>
-              <a:t>Chugunnyy</a:t>
-            </a:r>
-            <a:endParaRPr lang="ru-RU" sz="2300" b="1" dirty="0" smtClean="0">
-              <a:solidFill>
-                <a:srgbClr val="1E3272"/>
-              </a:solidFill>
-            </a:endParaRPr>
-          </a:p>
-        </p:txBody>
-      </p:sp>
-      <p:sp>
-        <p:nvSpPr>
-          <p:cNvPr id="12" name="TextBox 11"/>
-          <p:cNvSpPr txBox="1"/>
-          <p:nvPr/>
-        </p:nvSpPr>
-        <p:spPr>
-          <a:xfrm>
-            <a:off x="2377963" y="6300180"/>
-            <a:ext cx="2752824" cy="497860"/>
-          </a:xfrm>
-          <a:prstGeom prst="rect">
-            <a:avLst/>
-          </a:prstGeom>
-          <a:noFill/>
-        </p:spPr>
-        <p:txBody>
-          <a:bodyPr wrap="square" lIns="72000" tIns="25200" rIns="0" bIns="25200" rtlCol="0" anchor="ctr" anchorCtr="0">
-            <a:noAutofit/>
-          </a:bodyPr>
-          <a:lstStyle/>
-          <a:p>
-            <a:pPr algn="ctr"/>
-            <a:r>
-              <a:rPr lang="en-US" sz="2000" b="1" dirty="0" err="1" smtClean="0">
-                <a:solidFill>
-                  <a:srgbClr val="1E3272"/>
-                </a:solidFill>
-              </a:rPr>
-              <a:t>Vladislav</a:t>
-            </a:r>
-            <a:r>
-              <a:rPr lang="en-US" sz="2000" b="1" dirty="0" smtClean="0">
-                <a:solidFill>
-                  <a:srgbClr val="1E3272"/>
-                </a:solidFill>
-              </a:rPr>
-              <a:t> </a:t>
-            </a:r>
-            <a:r>
-              <a:rPr lang="en-US" sz="2000" b="1" dirty="0" err="1" smtClean="0">
-                <a:solidFill>
-                  <a:srgbClr val="1E3272"/>
-                </a:solidFill>
-              </a:rPr>
-              <a:t>Abramov</a:t>
-            </a:r>
-            <a:endParaRPr lang="ru-RU" sz="2000" b="1" dirty="0" smtClean="0">
-              <a:solidFill>
-                <a:srgbClr val="1E3272"/>
-              </a:solidFill>
-            </a:endParaRPr>
-          </a:p>
-        </p:txBody>
-      </p:sp>
-      <p:sp>
-        <p:nvSpPr>
-          <p:cNvPr id="15" name="TextBox 14"/>
-          <p:cNvSpPr txBox="1"/>
-          <p:nvPr/>
-        </p:nvSpPr>
-        <p:spPr>
-          <a:xfrm>
-            <a:off x="4545403" y="6349625"/>
-            <a:ext cx="2673997" cy="408521"/>
-          </a:xfrm>
-          <a:prstGeom prst="rect">
-            <a:avLst/>
-          </a:prstGeom>
-          <a:noFill/>
-        </p:spPr>
-        <p:txBody>
-          <a:bodyPr wrap="square" lIns="72000" tIns="25200" rIns="0" bIns="25200" rtlCol="0" anchor="ctr" anchorCtr="0">
-            <a:noAutofit/>
-          </a:bodyPr>
-          <a:lstStyle/>
-          <a:p>
-            <a:pPr algn="ctr"/>
-            <a:r>
-              <a:rPr lang="en-US" sz="2000" b="1" dirty="0" smtClean="0">
-                <a:solidFill>
-                  <a:srgbClr val="1E3272"/>
-                </a:solidFill>
-              </a:rPr>
-              <a:t>Michael </a:t>
-            </a:r>
-            <a:r>
-              <a:rPr lang="en-US" sz="2000" b="1" dirty="0" err="1" smtClean="0">
-                <a:solidFill>
-                  <a:srgbClr val="1E3272"/>
-                </a:solidFill>
-              </a:rPr>
-              <a:t>Vinogradov</a:t>
-            </a:r>
-            <a:endParaRPr lang="ru-RU" sz="2000" b="1" dirty="0" smtClean="0">
-              <a:solidFill>
-                <a:srgbClr val="1E3272"/>
-              </a:solidFill>
-            </a:endParaRPr>
-          </a:p>
-        </p:txBody>
-      </p:sp>
-      <p:sp>
-        <p:nvSpPr>
-          <p:cNvPr id="16" name="TextBox 15"/>
-          <p:cNvSpPr txBox="1"/>
-          <p:nvPr/>
-        </p:nvSpPr>
-        <p:spPr>
-          <a:xfrm>
-            <a:off x="560706" y="6307700"/>
-            <a:ext cx="2422568" cy="445370"/>
-          </a:xfrm>
-          <a:prstGeom prst="rect">
-            <a:avLst/>
-          </a:prstGeom>
-          <a:noFill/>
-        </p:spPr>
-        <p:txBody>
-          <a:bodyPr wrap="square" lIns="72000" tIns="25200" rIns="0" bIns="25200" rtlCol="0" anchor="ctr" anchorCtr="0">
-            <a:noAutofit/>
-          </a:bodyPr>
-          <a:lstStyle/>
-          <a:p>
-            <a:pPr algn="ctr"/>
-            <a:r>
-              <a:rPr lang="en-US" sz="2000" b="1" dirty="0" err="1" smtClean="0">
-                <a:solidFill>
-                  <a:srgbClr val="1E3272"/>
-                </a:solidFill>
-              </a:rPr>
-              <a:t>Fedor</a:t>
-            </a:r>
-            <a:r>
-              <a:rPr lang="en-US" sz="2000" b="1" dirty="0" smtClean="0">
-                <a:solidFill>
-                  <a:srgbClr val="1E3272"/>
-                </a:solidFill>
-              </a:rPr>
-              <a:t> </a:t>
-            </a:r>
-            <a:r>
-              <a:rPr lang="en-US" sz="2000" b="1" dirty="0" err="1" smtClean="0">
-                <a:solidFill>
-                  <a:srgbClr val="1E3272"/>
-                </a:solidFill>
-              </a:rPr>
-              <a:t>Ushakov</a:t>
-            </a:r>
-            <a:endParaRPr lang="ru-RU" sz="2000" b="1" dirty="0" smtClean="0">
-              <a:solidFill>
-                <a:srgbClr val="1E3272"/>
-              </a:solidFill>
-            </a:endParaRPr>
-          </a:p>
-        </p:txBody>
-      </p:sp>
-      <p:pic>
-        <p:nvPicPr>
-          <p:cNvPr id="17" name="Рисунок 16" descr="2021-01-12 08.19.41.jpg"/>
-          <p:cNvPicPr>
-            <a:picLocks noChangeAspect="1"/>
-          </p:cNvPicPr>
-          <p:nvPr/>
-        </p:nvPicPr>
-        <p:blipFill>
-          <a:blip r:embed="rId5" cstate="print"/>
-          <a:srcRect t="3986"/>
-          <a:stretch>
-            <a:fillRect/>
-          </a:stretch>
-        </p:blipFill>
-        <p:spPr>
-          <a:xfrm>
-            <a:off x="887651" y="4592278"/>
-            <a:ext cx="1788160" cy="1716866"/>
-          </a:xfrm>
-          <a:prstGeom prst="rect">
-            <a:avLst/>
-          </a:prstGeom>
-        </p:spPr>
-      </p:pic>
-      <p:pic>
-        <p:nvPicPr>
-          <p:cNvPr id="19" name="Рисунок 18" descr="2021-01-12 08.20.07.jpg"/>
-          <p:cNvPicPr>
-            <a:picLocks noChangeAspect="1"/>
-          </p:cNvPicPr>
-          <p:nvPr/>
-        </p:nvPicPr>
-        <p:blipFill>
-          <a:blip r:embed="rId6" cstate="print"/>
-          <a:srcRect l="15502" t="18602" r="16388" b="15945"/>
-          <a:stretch>
-            <a:fillRect/>
-          </a:stretch>
-        </p:blipFill>
-        <p:spPr>
-          <a:xfrm>
-            <a:off x="2917637" y="4586683"/>
-            <a:ext cx="1826874" cy="1755607"/>
-          </a:xfrm>
-          <a:prstGeom prst="rect">
-            <a:avLst/>
-          </a:prstGeom>
-        </p:spPr>
-      </p:pic>
-      <p:pic>
-        <p:nvPicPr>
-          <p:cNvPr id="20" name="Рисунок 19" descr="photo_2021-12-27_19-36-46.jpg"/>
-          <p:cNvPicPr>
-            <a:picLocks noChangeAspect="1"/>
-          </p:cNvPicPr>
-          <p:nvPr/>
-        </p:nvPicPr>
-        <p:blipFill>
-          <a:blip r:embed="rId7" cstate="print"/>
-          <a:stretch>
-            <a:fillRect/>
-          </a:stretch>
-        </p:blipFill>
-        <p:spPr>
-          <a:xfrm>
-            <a:off x="5035448" y="4601980"/>
-            <a:ext cx="1706880" cy="1706880"/>
-          </a:xfrm>
-          <a:prstGeom prst="rect">
-            <a:avLst/>
-          </a:prstGeom>
-        </p:spPr>
-      </p:pic>
-      <p:sp>
-        <p:nvSpPr>
-          <p:cNvPr id="21" name="TextBox 20"/>
-          <p:cNvSpPr txBox="1"/>
-          <p:nvPr/>
-        </p:nvSpPr>
-        <p:spPr>
-          <a:xfrm>
-            <a:off x="8267566" y="3615957"/>
-            <a:ext cx="2600797" cy="629392"/>
-          </a:xfrm>
-          <a:prstGeom prst="rect">
-            <a:avLst/>
-          </a:prstGeom>
-          <a:noFill/>
-        </p:spPr>
-        <p:txBody>
-          <a:bodyPr wrap="square" lIns="72000" tIns="25200" rIns="0" bIns="25200" rtlCol="0" anchor="ctr" anchorCtr="0">
-            <a:noAutofit/>
-          </a:bodyPr>
-          <a:lstStyle/>
-          <a:p>
-            <a:pPr algn="ctr"/>
-            <a:r>
               <a:rPr lang="en-US" sz="2300" b="1" dirty="0" smtClean="0">
                 <a:solidFill>
                   <a:srgbClr val="1E3272"/>
@@ -12767,7 +12485,7 @@
           <p:nvPr/>
         </p:nvPicPr>
         <p:blipFill>
-          <a:blip r:embed="rId8" cstate="print"/>
+          <a:blip r:embed="rId5" cstate="print"/>
           <a:srcRect t="973" b="21786"/>
           <a:stretch>
             <a:fillRect/>
@@ -12775,8 +12493,8 @@
         </p:blipFill>
         <p:spPr>
           <a:xfrm>
-            <a:off x="8561891" y="1461565"/>
-            <a:ext cx="1974129" cy="2287255"/>
+            <a:off x="6364949" y="1397061"/>
+            <a:ext cx="1757103" cy="2034377"/>
           </a:xfrm>
           <a:prstGeom prst="rect">
             <a:avLst/>
@@ -12792,7 +12510,7 @@
           <p:nvPr/>
         </p:nvPicPr>
         <p:blipFill>
-          <a:blip r:embed="rId9" cstate="print"/>
+          <a:blip r:embed="rId6" cstate="print"/>
           <a:srcRect l="16416" t="2657" r="15536" b="46063"/>
           <a:stretch>
             <a:fillRect/>
@@ -12800,7 +12518,7 @@
         </p:blipFill>
         <p:spPr>
           <a:xfrm>
-            <a:off x="8986227" y="4604487"/>
+            <a:off x="2134177" y="4242393"/>
             <a:ext cx="1754950" cy="1750576"/>
           </a:xfrm>
           <a:prstGeom prst="rect">
@@ -12816,7 +12534,7 @@
         </p:nvSpPr>
         <p:spPr>
           <a:xfrm>
-            <a:off x="8625226" y="6359539"/>
+            <a:off x="1880935" y="5978195"/>
             <a:ext cx="2257640" cy="408521"/>
           </a:xfrm>
           <a:prstGeom prst="rect">
@@ -12864,7 +12582,7 @@
           <p:nvPr/>
         </p:nvPicPr>
         <p:blipFill>
-          <a:blip r:embed="rId10" cstate="print"/>
+          <a:blip r:embed="rId7" cstate="print"/>
           <a:srcRect l="19179" t="20997" r="21455" b="25663"/>
           <a:stretch>
             <a:fillRect/>
@@ -12872,7 +12590,7 @@
         </p:blipFill>
         <p:spPr>
           <a:xfrm>
-            <a:off x="7038961" y="4608639"/>
+            <a:off x="364243" y="4275420"/>
             <a:ext cx="1709351" cy="1711971"/>
           </a:xfrm>
           <a:prstGeom prst="rect">
@@ -12888,7 +12606,7 @@
         </p:nvSpPr>
         <p:spPr>
           <a:xfrm>
-            <a:off x="7015405" y="6359539"/>
+            <a:off x="340687" y="5939695"/>
             <a:ext cx="1588958" cy="408521"/>
           </a:xfrm>
           <a:prstGeom prst="rect">
@@ -12920,6 +12638,336 @@
               <a:t>Xu</a:t>
             </a:r>
             <a:endParaRPr lang="ru-RU" sz="2000" b="1" dirty="0" smtClean="0">
+              <a:solidFill>
+                <a:srgbClr val="1E3272"/>
+              </a:solidFill>
+            </a:endParaRPr>
+          </a:p>
+        </p:txBody>
+      </p:sp>
+      <p:sp>
+        <p:nvSpPr>
+          <p:cNvPr id="25" name="TextBox 24"/>
+          <p:cNvSpPr txBox="1"/>
+          <p:nvPr/>
+        </p:nvSpPr>
+        <p:spPr>
+          <a:xfrm>
+            <a:off x="9297921" y="5874840"/>
+            <a:ext cx="2257640" cy="408521"/>
+          </a:xfrm>
+          <a:prstGeom prst="rect">
+            <a:avLst/>
+          </a:prstGeom>
+          <a:noFill/>
+        </p:spPr>
+        <p:txBody>
+          <a:bodyPr wrap="square" lIns="72000" tIns="25200" rIns="0" bIns="25200" rtlCol="0" anchor="ctr" anchorCtr="0">
+            <a:noAutofit/>
+          </a:bodyPr>
+          <a:lstStyle/>
+          <a:p>
+            <a:pPr algn="ctr"/>
+            <a:r>
+              <a:rPr lang="en-US" sz="2000" b="1" dirty="0">
+                <a:solidFill>
+                  <a:srgbClr val="1E3272"/>
+                </a:solidFill>
+              </a:rPr>
+              <a:t>Nikolay </a:t>
+            </a:r>
+            <a:r>
+              <a:rPr lang="en-US" sz="2000" b="1" dirty="0" err="1">
+                <a:solidFill>
+                  <a:srgbClr val="1E3272"/>
+                </a:solidFill>
+              </a:rPr>
+              <a:t>Chechulin</a:t>
+            </a:r>
+            <a:endParaRPr lang="ru-RU" sz="2000" b="1" dirty="0" smtClean="0">
+              <a:solidFill>
+                <a:srgbClr val="1E3272"/>
+              </a:solidFill>
+            </a:endParaRPr>
+          </a:p>
+        </p:txBody>
+      </p:sp>
+      <p:pic>
+        <p:nvPicPr>
+          <p:cNvPr id="11" name="Picture 10"/>
+          <p:cNvPicPr>
+            <a:picLocks noChangeAspect="1"/>
+          </p:cNvPicPr>
+          <p:nvPr/>
+        </p:nvPicPr>
+        <p:blipFill rotWithShape="1">
+          <a:blip r:embed="rId8" cstate="print">
+            <a:extLst>
+              <a:ext uri="{28A0092B-C50C-407E-A947-70E740481C1C}">
+                <a14:useLocalDpi xmlns:a14="http://schemas.microsoft.com/office/drawing/2010/main" val="0"/>
+              </a:ext>
+            </a:extLst>
+          </a:blip>
+          <a:srcRect l="14290" t="5784" r="12472" b="33611"/>
+          <a:stretch/>
+        </p:blipFill>
+        <p:spPr>
+          <a:xfrm>
+            <a:off x="3991573" y="4229414"/>
+            <a:ext cx="1833819" cy="1787205"/>
+          </a:xfrm>
+          <a:prstGeom prst="rect">
+            <a:avLst/>
+          </a:prstGeom>
+        </p:spPr>
+      </p:pic>
+      <p:sp>
+        <p:nvSpPr>
+          <p:cNvPr id="29" name="TextBox 28"/>
+          <p:cNvSpPr txBox="1"/>
+          <p:nvPr/>
+        </p:nvSpPr>
+        <p:spPr>
+          <a:xfrm>
+            <a:off x="3961463" y="5941224"/>
+            <a:ext cx="1984191" cy="408521"/>
+          </a:xfrm>
+          <a:prstGeom prst="rect">
+            <a:avLst/>
+          </a:prstGeom>
+          <a:noFill/>
+        </p:spPr>
+        <p:txBody>
+          <a:bodyPr wrap="square" lIns="72000" tIns="25200" rIns="0" bIns="25200" rtlCol="0" anchor="ctr" anchorCtr="0">
+            <a:noAutofit/>
+          </a:bodyPr>
+          <a:lstStyle/>
+          <a:p>
+            <a:pPr algn="ctr"/>
+            <a:r>
+              <a:rPr lang="en-US" sz="2000" b="1" dirty="0" smtClean="0">
+                <a:solidFill>
+                  <a:srgbClr val="1E3272"/>
+                </a:solidFill>
+              </a:rPr>
+              <a:t>Vladislav </a:t>
+            </a:r>
+            <a:r>
+              <a:rPr lang="en-US" sz="2000" b="1" dirty="0" err="1">
+                <a:solidFill>
+                  <a:srgbClr val="1E3272"/>
+                </a:solidFill>
+              </a:rPr>
+              <a:t>Kirichok</a:t>
+            </a:r>
+            <a:endParaRPr lang="ru-RU" sz="2000" b="1" dirty="0" smtClean="0">
+              <a:solidFill>
+                <a:srgbClr val="1E3272"/>
+              </a:solidFill>
+            </a:endParaRPr>
+          </a:p>
+        </p:txBody>
+      </p:sp>
+      <p:pic>
+        <p:nvPicPr>
+          <p:cNvPr id="18" name="Picture 17"/>
+          <p:cNvPicPr>
+            <a:picLocks noChangeAspect="1"/>
+          </p:cNvPicPr>
+          <p:nvPr/>
+        </p:nvPicPr>
+        <p:blipFill rotWithShape="1">
+          <a:blip r:embed="rId9" cstate="print">
+            <a:extLst>
+              <a:ext uri="{28A0092B-C50C-407E-A947-70E740481C1C}">
+                <a14:useLocalDpi xmlns:a14="http://schemas.microsoft.com/office/drawing/2010/main" val="0"/>
+              </a:ext>
+            </a:extLst>
+          </a:blip>
+          <a:srcRect l="4501" t="18266" r="14497" b="22112"/>
+          <a:stretch/>
+        </p:blipFill>
+        <p:spPr>
+          <a:xfrm>
+            <a:off x="5921819" y="4229414"/>
+            <a:ext cx="1789905" cy="1756002"/>
+          </a:xfrm>
+          <a:prstGeom prst="rect">
+            <a:avLst/>
+          </a:prstGeom>
+        </p:spPr>
+      </p:pic>
+      <p:sp>
+        <p:nvSpPr>
+          <p:cNvPr id="32" name="TextBox 31"/>
+          <p:cNvSpPr txBox="1"/>
+          <p:nvPr/>
+        </p:nvSpPr>
+        <p:spPr>
+          <a:xfrm>
+            <a:off x="5831291" y="5912778"/>
+            <a:ext cx="1928227" cy="408521"/>
+          </a:xfrm>
+          <a:prstGeom prst="rect">
+            <a:avLst/>
+          </a:prstGeom>
+          <a:noFill/>
+        </p:spPr>
+        <p:txBody>
+          <a:bodyPr wrap="square" lIns="72000" tIns="25200" rIns="0" bIns="25200" rtlCol="0" anchor="ctr" anchorCtr="0">
+            <a:noAutofit/>
+          </a:bodyPr>
+          <a:lstStyle/>
+          <a:p>
+            <a:pPr algn="ctr"/>
+            <a:r>
+              <a:rPr lang="en-US" sz="2000" b="1" dirty="0">
+                <a:solidFill>
+                  <a:srgbClr val="1E3272"/>
+                </a:solidFill>
+              </a:rPr>
+              <a:t>Daria </a:t>
+            </a:r>
+            <a:r>
+              <a:rPr lang="en-US" sz="2000" b="1" dirty="0" err="1">
+                <a:solidFill>
+                  <a:srgbClr val="1E3272"/>
+                </a:solidFill>
+              </a:rPr>
+              <a:t>Lapko</a:t>
+            </a:r>
+            <a:endParaRPr lang="ru-RU" sz="2000" b="1" dirty="0" smtClean="0">
+              <a:solidFill>
+                <a:srgbClr val="1E3272"/>
+              </a:solidFill>
+            </a:endParaRPr>
+          </a:p>
+        </p:txBody>
+      </p:sp>
+      <p:pic>
+        <p:nvPicPr>
+          <p:cNvPr id="22" name="Picture 21"/>
+          <p:cNvPicPr>
+            <a:picLocks noChangeAspect="1"/>
+          </p:cNvPicPr>
+          <p:nvPr/>
+        </p:nvPicPr>
+        <p:blipFill rotWithShape="1">
+          <a:blip r:embed="rId10" cstate="print">
+            <a:extLst>
+              <a:ext uri="{28A0092B-C50C-407E-A947-70E740481C1C}">
+                <a14:useLocalDpi xmlns:a14="http://schemas.microsoft.com/office/drawing/2010/main" val="0"/>
+              </a:ext>
+            </a:extLst>
+          </a:blip>
+          <a:srcRect l="18490" t="12419" r="11204" b="16416"/>
+          <a:stretch/>
+        </p:blipFill>
+        <p:spPr>
+          <a:xfrm>
+            <a:off x="7821313" y="4234309"/>
+            <a:ext cx="1658090" cy="1735287"/>
+          </a:xfrm>
+          <a:prstGeom prst="rect">
+            <a:avLst/>
+          </a:prstGeom>
+        </p:spPr>
+      </p:pic>
+      <p:sp>
+        <p:nvSpPr>
+          <p:cNvPr id="33" name="TextBox 32"/>
+          <p:cNvSpPr txBox="1"/>
+          <p:nvPr/>
+        </p:nvSpPr>
+        <p:spPr>
+          <a:xfrm>
+            <a:off x="7626786" y="5905211"/>
+            <a:ext cx="1928227" cy="408521"/>
+          </a:xfrm>
+          <a:prstGeom prst="rect">
+            <a:avLst/>
+          </a:prstGeom>
+          <a:noFill/>
+        </p:spPr>
+        <p:txBody>
+          <a:bodyPr wrap="square" lIns="72000" tIns="25200" rIns="0" bIns="25200" rtlCol="0" anchor="ctr" anchorCtr="0">
+            <a:noAutofit/>
+          </a:bodyPr>
+          <a:lstStyle/>
+          <a:p>
+            <a:pPr algn="ctr"/>
+            <a:r>
+              <a:rPr lang="en-US" sz="2000" b="1" dirty="0" err="1">
+                <a:solidFill>
+                  <a:srgbClr val="1E3272"/>
+                </a:solidFill>
+              </a:rPr>
+              <a:t>Artem</a:t>
+            </a:r>
+            <a:r>
+              <a:rPr lang="en-US" sz="2000" b="1" dirty="0">
+                <a:solidFill>
+                  <a:srgbClr val="1E3272"/>
+                </a:solidFill>
+              </a:rPr>
+              <a:t> </a:t>
+            </a:r>
+            <a:r>
+              <a:rPr lang="en-US" sz="2000" b="1" dirty="0" err="1">
+                <a:solidFill>
+                  <a:srgbClr val="1E3272"/>
+                </a:solidFill>
+              </a:rPr>
+              <a:t>Borisov</a:t>
+            </a:r>
+            <a:endParaRPr lang="ru-RU" sz="2000" b="1" dirty="0" smtClean="0">
+              <a:solidFill>
+                <a:srgbClr val="1E3272"/>
+              </a:solidFill>
+            </a:endParaRPr>
+          </a:p>
+        </p:txBody>
+      </p:sp>
+      <p:sp>
+        <p:nvSpPr>
+          <p:cNvPr id="34" name="TextBox 33"/>
+          <p:cNvSpPr txBox="1"/>
+          <p:nvPr/>
+        </p:nvSpPr>
+        <p:spPr>
+          <a:xfrm>
+            <a:off x="8251219" y="3271156"/>
+            <a:ext cx="2600797" cy="629392"/>
+          </a:xfrm>
+          <a:prstGeom prst="rect">
+            <a:avLst/>
+          </a:prstGeom>
+          <a:noFill/>
+        </p:spPr>
+        <p:txBody>
+          <a:bodyPr wrap="square" lIns="72000" tIns="25200" rIns="0" bIns="25200" rtlCol="0" anchor="ctr" anchorCtr="0">
+            <a:noAutofit/>
+          </a:bodyPr>
+          <a:lstStyle/>
+          <a:p>
+            <a:pPr algn="ctr"/>
+            <a:r>
+              <a:rPr lang="en-US" sz="2300" b="1" dirty="0" smtClean="0">
+                <a:solidFill>
+                  <a:srgbClr val="1E3272"/>
+                </a:solidFill>
+              </a:rPr>
+              <a:t>Igor </a:t>
+            </a:r>
+            <a:r>
+              <a:rPr lang="en-US" sz="2300" b="1" dirty="0" err="1" smtClean="0">
+                <a:solidFill>
+                  <a:srgbClr val="1E3272"/>
+                </a:solidFill>
+              </a:rPr>
+              <a:t>Mineev</a:t>
+            </a:r>
+            <a:endParaRPr lang="ru-RU" sz="2300" b="1" dirty="0" smtClean="0">
               <a:solidFill>
                 <a:srgbClr val="1E3272"/>
               </a:solidFill>
@@ -13450,7 +13498,7 @@
           <a:effectLst/>
           <a:extLst>
             <a:ext uri="{91240B29-F687-4F45-9708-019B960494DF}">
-              <a14:hiddenLine xmlns="" xmlns:a14="http://schemas.microsoft.com/office/drawing/2010/main" w="9525">
+              <a14:hiddenLine xmlns:a14="http://schemas.microsoft.com/office/drawing/2010/main" w="9525">
                 <a:solidFill>
                   <a:schemeClr val="tx1"/>
                 </a:solidFill>
@@ -13460,7 +13508,7 @@
               </a14:hiddenLine>
             </a:ext>
             <a:ext uri="{AF507438-7753-43E0-B8FC-AC1667EBCBE1}">
-              <a14:hiddenEffects xmlns="" xmlns:a14="http://schemas.microsoft.com/office/drawing/2010/main">
+              <a14:hiddenEffects xmlns:a14="http://schemas.microsoft.com/office/drawing/2010/main">
                 <a:effectLst>
                   <a:outerShdw dist="35921" dir="2700000" algn="ctr" rotWithShape="0">
                     <a:schemeClr val="bg2"/>
@@ -15032,7 +15080,7 @@
           <a:effectLst/>
           <a:extLst>
             <a:ext uri="{91240B29-F687-4F45-9708-019B960494DF}">
-              <a14:hiddenLine xmlns="" xmlns:a14="http://schemas.microsoft.com/office/drawing/2010/main" w="9525">
+              <a14:hiddenLine xmlns:a14="http://schemas.microsoft.com/office/drawing/2010/main" w="9525">
                 <a:solidFill>
                   <a:schemeClr val="tx1"/>
                 </a:solidFill>
@@ -15042,7 +15090,7 @@
               </a14:hiddenLine>
             </a:ext>
             <a:ext uri="{AF507438-7753-43E0-B8FC-AC1667EBCBE1}">
-              <a14:hiddenEffects xmlns="" xmlns:a14="http://schemas.microsoft.com/office/drawing/2010/main">
+              <a14:hiddenEffects xmlns:a14="http://schemas.microsoft.com/office/drawing/2010/main">
                 <a:effectLst>
                   <a:outerShdw dist="35921" dir="2700000" algn="ctr" rotWithShape="0">
                     <a:schemeClr val="bg2"/>
@@ -15090,8 +15138,8 @@
           </a:p>
         </p:txBody>
       </p:sp>
-      <mc:AlternateContent xmlns:mc="http://schemas.openxmlformats.org/markup-compatibility/2006">
-        <mc:Choice xmlns="" xmlns:a14="http://schemas.microsoft.com/office/drawing/2010/main" Requires="a14">
+      <mc:AlternateContent xmlns:mc="http://schemas.openxmlformats.org/markup-compatibility/2006" xmlns:a14="http://schemas.microsoft.com/office/drawing/2010/main">
+        <mc:Choice Requires="a14">
           <p:sp>
             <p:nvSpPr>
               <p:cNvPr id="8" name="Содержимое 1"/>
@@ -15528,7 +15576,7 @@
             </p:txBody>
           </p:sp>
         </mc:Choice>
-        <mc:Fallback>
+        <mc:Fallback xmlns="">
           <p:sp>
             <p:nvSpPr>
               <p:cNvPr id="8" name="Содержимое 1"/>
@@ -15570,7 +15618,7 @@
     </p:spTree>
     <p:extLst>
       <p:ext uri="{BB962C8B-B14F-4D97-AF65-F5344CB8AC3E}">
-        <p14:creationId xmlns="" xmlns:p14="http://schemas.microsoft.com/office/powerpoint/2010/main" val="611271091"/>
+        <p14:creationId xmlns:p14="http://schemas.microsoft.com/office/powerpoint/2010/main" val="611271091"/>
       </p:ext>
     </p:extLst>
   </p:cSld>
@@ -15695,7 +15743,7 @@
           <a:effectLst/>
           <a:extLst>
             <a:ext uri="{91240B29-F687-4F45-9708-019B960494DF}">
-              <a14:hiddenLine xmlns="" xmlns:a14="http://schemas.microsoft.com/office/drawing/2010/main" w="9525">
+              <a14:hiddenLine xmlns:a14="http://schemas.microsoft.com/office/drawing/2010/main" w="9525">
                 <a:solidFill>
                   <a:schemeClr val="tx1"/>
                 </a:solidFill>
@@ -15705,7 +15753,7 @@
               </a14:hiddenLine>
             </a:ext>
             <a:ext uri="{AF507438-7753-43E0-B8FC-AC1667EBCBE1}">
-              <a14:hiddenEffects xmlns="" xmlns:a14="http://schemas.microsoft.com/office/drawing/2010/main">
+              <a14:hiddenEffects xmlns:a14="http://schemas.microsoft.com/office/drawing/2010/main">
                 <a:effectLst>
                   <a:outerShdw dist="35921" dir="2700000" algn="ctr" rotWithShape="0">
                     <a:schemeClr val="bg2"/>
@@ -17624,8 +17672,8 @@
           </a:p>
         </p:txBody>
       </p:sp>
-      <mc:AlternateContent xmlns:mc="http://schemas.openxmlformats.org/markup-compatibility/2006">
-        <mc:Choice xmlns="" xmlns:a14="http://schemas.microsoft.com/office/drawing/2010/main" Requires="a14">
+      <mc:AlternateContent xmlns:mc="http://schemas.openxmlformats.org/markup-compatibility/2006" xmlns:a14="http://schemas.microsoft.com/office/drawing/2010/main">
+        <mc:Choice Requires="a14">
           <p:sp>
             <p:nvSpPr>
               <p:cNvPr id="6" name="Содержимое 1"/>
@@ -18062,7 +18110,7 @@
             </p:txBody>
           </p:sp>
         </mc:Choice>
-        <mc:Fallback>
+        <mc:Fallback xmlns="">
           <p:sp>
             <p:nvSpPr>
               <p:cNvPr id="6" name="Содержимое 1"/>
@@ -18104,7 +18152,7 @@
     </p:spTree>
     <p:extLst>
       <p:ext uri="{BB962C8B-B14F-4D97-AF65-F5344CB8AC3E}">
-        <p14:creationId xmlns="" xmlns:p14="http://schemas.microsoft.com/office/powerpoint/2010/main" val="476216845"/>
+        <p14:creationId xmlns:p14="http://schemas.microsoft.com/office/powerpoint/2010/main" val="476216845"/>
       </p:ext>
     </p:extLst>
   </p:cSld>
@@ -20101,8 +20149,8 @@
           </a:p>
         </p:txBody>
       </p:sp>
-      <mc:AlternateContent xmlns:mc="http://schemas.openxmlformats.org/markup-compatibility/2006">
-        <mc:Choice xmlns="" xmlns:a14="http://schemas.microsoft.com/office/drawing/2010/main" Requires="a14">
+      <mc:AlternateContent xmlns:mc="http://schemas.openxmlformats.org/markup-compatibility/2006" xmlns:a14="http://schemas.microsoft.com/office/drawing/2010/main">
+        <mc:Choice Requires="a14">
           <p:sp>
             <p:nvSpPr>
               <p:cNvPr id="8" name="Содержимое 1"/>
@@ -20552,7 +20600,7 @@
             </p:txBody>
           </p:sp>
         </mc:Choice>
-        <mc:Fallback>
+        <mc:Fallback xmlns="">
           <p:sp>
             <p:nvSpPr>
               <p:cNvPr id="8" name="Содержимое 1"/>
@@ -20596,7 +20644,7 @@
     </p:spTree>
     <p:extLst>
       <p:ext uri="{BB962C8B-B14F-4D97-AF65-F5344CB8AC3E}">
-        <p14:creationId xmlns="" xmlns:p14="http://schemas.microsoft.com/office/powerpoint/2010/main" val="3690992376"/>
+        <p14:creationId xmlns:p14="http://schemas.microsoft.com/office/powerpoint/2010/main" val="3690992376"/>
       </p:ext>
     </p:extLst>
   </p:cSld>
@@ -22896,7 +22944,7 @@
     </p:spTree>
     <p:extLst>
       <p:ext uri="{BB962C8B-B14F-4D97-AF65-F5344CB8AC3E}">
-        <p14:creationId xmlns="" xmlns:p14="http://schemas.microsoft.com/office/powerpoint/2010/main" val="2808821390"/>
+        <p14:creationId xmlns:p14="http://schemas.microsoft.com/office/powerpoint/2010/main" val="2808821390"/>
       </p:ext>
     </p:extLst>
   </p:cSld>
@@ -23188,7 +23236,7 @@
   <a:extraClrSchemeLst/>
   <a:extLst>
     <a:ext uri="{05A4C25C-085E-4340-85A3-A5531E510DB2}">
-      <thm15:themeFamily xmlns="" xmlns:thm15="http://schemas.microsoft.com/office/thememl/2012/main" name="Office Theme" id="{62F939B6-93AF-4DB8-9C6B-D6C7DFDC589F}" vid="{4A3C46E8-61CC-4603-A589-7422A47A8E4A}"/>
+      <thm15:themeFamily xmlns:thm15="http://schemas.microsoft.com/office/thememl/2012/main" name="Office Theme" id="{62F939B6-93AF-4DB8-9C6B-D6C7DFDC589F}" vid="{4A3C46E8-61CC-4603-A589-7422A47A8E4A}"/>
     </a:ext>
   </a:extLst>
 </a:theme>
@@ -23449,7 +23497,7 @@
   <a:extraClrSchemeLst/>
   <a:extLst>
     <a:ext uri="{05A4C25C-085E-4340-85A3-A5531E510DB2}">
-      <thm15:themeFamily xmlns="" xmlns:thm15="http://schemas.microsoft.com/office/thememl/2012/main" name="Office Theme" id="{62F939B6-93AF-4DB8-9C6B-D6C7DFDC589F}" vid="{4A3C46E8-61CC-4603-A589-7422A47A8E4A}"/>
+      <thm15:themeFamily xmlns:thm15="http://schemas.microsoft.com/office/thememl/2012/main" name="Office Theme" id="{62F939B6-93AF-4DB8-9C6B-D6C7DFDC589F}" vid="{4A3C46E8-61CC-4603-A589-7422A47A8E4A}"/>
     </a:ext>
   </a:extLst>
 </a:theme>
@@ -23710,7 +23758,7 @@
   <a:extraClrSchemeLst/>
   <a:extLst>
     <a:ext uri="{05A4C25C-085E-4340-85A3-A5531E510DB2}">
-      <thm15:themeFamily xmlns="" xmlns:thm15="http://schemas.microsoft.com/office/thememl/2012/main" name="Office Theme" id="{62F939B6-93AF-4DB8-9C6B-D6C7DFDC589F}" vid="{4A3C46E8-61CC-4603-A589-7422A47A8E4A}"/>
+      <thm15:themeFamily xmlns:thm15="http://schemas.microsoft.com/office/thememl/2012/main" name="Office Theme" id="{62F939B6-93AF-4DB8-9C6B-D6C7DFDC589F}" vid="{4A3C46E8-61CC-4603-A589-7422A47A8E4A}"/>
     </a:ext>
   </a:extLst>
 </a:theme>

--- a/docs/part1ca/01_Introduction/CA_Lecture_01.pptx
+++ b/docs/part1ca/01_Introduction/CA_Lecture_01.pptx
@@ -258,7 +258,7 @@
             <a:fld id="{D0106195-8D78-4F6F-B8E4-FA67975ACEF5}" type="datetimeFigureOut">
               <a:rPr lang="ru-RU" smtClean="0"/>
               <a:pPr/>
-              <a:t>09.01.2023</a:t>
+              <a:t>10.01.2023</a:t>
             </a:fld>
             <a:endParaRPr lang="ru-RU"/>
           </a:p>
@@ -426,7 +426,7 @@
             <a:fld id="{878212F1-C3D9-4F2B-8F42-5E960FE8BE51}" type="datetimeFigureOut">
               <a:rPr lang="ru-RU" smtClean="0"/>
               <a:pPr/>
-              <a:t>09.01.2023</a:t>
+              <a:t>10.01.2023</a:t>
             </a:fld>
             <a:endParaRPr lang="ru-RU"/>
           </a:p>
@@ -10096,97 +10096,172 @@
         </p:nvSpPr>
         <p:spPr>
           <a:xfrm>
-            <a:off x="838200" y="3515100"/>
-            <a:ext cx="10515600" cy="3016329"/>
+            <a:off x="838200" y="2986684"/>
+            <a:ext cx="10515600" cy="3544745"/>
           </a:xfrm>
         </p:spPr>
         <p:txBody>
           <a:bodyPr>
-            <a:normAutofit fontScale="92500" lnSpcReduction="10000"/>
+            <a:normAutofit fontScale="77500" lnSpcReduction="20000"/>
           </a:bodyPr>
           <a:lstStyle/>
           <a:p>
-            <a:r>
-              <a:rPr lang="en-US" sz="3500" b="1" dirty="0" smtClean="0"/>
+            <a:pPr>
+              <a:lnSpc>
+                <a:spcPct val="120000"/>
+              </a:lnSpc>
+              <a:spcBef>
+                <a:spcPts val="0"/>
+              </a:spcBef>
+            </a:pPr>
+            <a:r>
+              <a:rPr lang="en-US" sz="4200" b="1" dirty="0" smtClean="0"/>
+              <a:t>Website</a:t>
+            </a:r>
+            <a:endParaRPr lang="ru-RU" sz="4200" b="1" dirty="0"/>
+          </a:p>
+          <a:p>
+            <a:pPr>
+              <a:lnSpc>
+                <a:spcPct val="120000"/>
+              </a:lnSpc>
+              <a:spcBef>
+                <a:spcPts val="0"/>
+              </a:spcBef>
+              <a:buNone/>
+            </a:pPr>
+            <a:r>
+              <a:rPr lang="en-US" sz="2800" dirty="0">
+                <a:hlinkClick r:id="rId2"/>
+              </a:rPr>
+              <a:t>https://andrewt0301.github.io/hse-acos-course/</a:t>
+            </a:r>
+            <a:endParaRPr lang="en-US" sz="2800" dirty="0"/>
+          </a:p>
+          <a:p>
+            <a:pPr>
+              <a:lnSpc>
+                <a:spcPct val="120000"/>
+              </a:lnSpc>
+              <a:spcBef>
+                <a:spcPts val="600"/>
+              </a:spcBef>
+            </a:pPr>
+            <a:r>
+              <a:rPr lang="en-US" sz="4200" b="1" dirty="0" smtClean="0"/>
               <a:t>Wiki</a:t>
             </a:r>
-            <a:endParaRPr lang="en-US" sz="3500" b="1" dirty="0" smtClean="0">
+            <a:endParaRPr lang="en-US" sz="4200" b="1" dirty="0">
               <a:hlinkClick r:id="rId2"/>
             </a:endParaRPr>
           </a:p>
           <a:p>
             <a:pPr>
+              <a:lnSpc>
+                <a:spcPct val="120000"/>
+              </a:lnSpc>
+              <a:spcBef>
+                <a:spcPts val="0"/>
+              </a:spcBef>
               <a:buNone/>
             </a:pPr>
             <a:r>
-              <a:rPr lang="en-US" sz="3200" dirty="0" smtClean="0">
+              <a:rPr lang="en-US" sz="2800" dirty="0">
                 <a:hlinkClick r:id="rId3"/>
               </a:rPr>
-              <a:t>http://wiki.cs.hse.ru/ACOS_DSBA_202</a:t>
-            </a:r>
-            <a:r>
-              <a:rPr lang="ru-RU" sz="3200" dirty="0" smtClean="0">
-                <a:hlinkClick r:id="rId3"/>
-              </a:rPr>
-              <a:t>1</a:t>
-            </a:r>
-            <a:r>
-              <a:rPr lang="en-US" sz="3200" dirty="0" smtClean="0">
-                <a:hlinkClick r:id="rId3"/>
-              </a:rPr>
-              <a:t>/202</a:t>
-            </a:r>
-            <a:r>
-              <a:rPr lang="ru-RU" sz="3200" dirty="0" smtClean="0">
-                <a:hlinkClick r:id="rId3"/>
-              </a:rPr>
-              <a:t>2</a:t>
-            </a:r>
-            <a:endParaRPr lang="en-US" sz="3200" dirty="0" smtClean="0">
-              <a:hlinkClick r:id="rId2"/>
-            </a:endParaRPr>
-          </a:p>
-          <a:p>
-            <a:r>
-              <a:rPr lang="en-US" sz="3500" b="1" dirty="0" smtClean="0"/>
-              <a:t>Web site</a:t>
-            </a:r>
-            <a:endParaRPr lang="ru-RU" sz="3500" b="1" dirty="0" smtClean="0"/>
+              <a:t>http://wiki.cs.hse.ru/ACOS_DSBA_2022/2023</a:t>
+            </a:r>
+            <a:endParaRPr lang="en-US" sz="2800" dirty="0"/>
           </a:p>
           <a:p>
             <a:pPr>
+              <a:lnSpc>
+                <a:spcPct val="120000"/>
+              </a:lnSpc>
+              <a:spcBef>
+                <a:spcPts val="0"/>
+              </a:spcBef>
               <a:buNone/>
             </a:pPr>
             <a:r>
-              <a:rPr lang="en-US" sz="3200" dirty="0" smtClean="0">
+              <a:rPr lang="en-US" sz="2800" dirty="0">
                 <a:hlinkClick r:id="rId2"/>
               </a:rPr>
-              <a:t>https://andrewt0301.github.io/hse-acos-course/</a:t>
-            </a:r>
-            <a:endParaRPr lang="en-US" sz="3200" dirty="0" smtClean="0"/>
-          </a:p>
-          <a:p>
-            <a:r>
-              <a:rPr lang="en-US" sz="3500" b="1" dirty="0" smtClean="0"/>
-              <a:t>Telegram group</a:t>
+              <a:t>http://wiki.cs.hse.ru/ACOS_COMPDS_2022/2023</a:t>
             </a:r>
           </a:p>
           <a:p>
             <a:pPr>
+              <a:lnSpc>
+                <a:spcPct val="120000"/>
+              </a:lnSpc>
+              <a:spcBef>
+                <a:spcPts val="600"/>
+              </a:spcBef>
+            </a:pPr>
+            <a:r>
+              <a:rPr lang="en-US" sz="4200" b="1" dirty="0" smtClean="0"/>
+              <a:t>Telegram</a:t>
+            </a:r>
+          </a:p>
+          <a:p>
+            <a:pPr>
+              <a:lnSpc>
+                <a:spcPct val="120000"/>
+              </a:lnSpc>
+              <a:spcBef>
+                <a:spcPts val="0"/>
+              </a:spcBef>
               <a:buNone/>
             </a:pPr>
             <a:r>
-              <a:rPr lang="en-US" sz="3200" dirty="0" smtClean="0">
-                <a:hlinkClick r:id="rId2"/>
-              </a:rPr>
-              <a:t>https://t.me/+yCC6bVYEJ1RkYmRi</a:t>
+              <a:rPr lang="en-US" sz="2800" dirty="0" smtClean="0">
+                <a:hlinkClick r:id="rId4"/>
+              </a:rPr>
+              <a:t>https</a:t>
+            </a:r>
+            <a:r>
+              <a:rPr lang="en-US" sz="2800" dirty="0">
+                <a:hlinkClick r:id="rId4"/>
+              </a:rPr>
+              <a:t>://t.me/+</a:t>
+            </a:r>
+            <a:r>
+              <a:rPr lang="en-US" sz="2800" dirty="0" smtClean="0">
+                <a:hlinkClick r:id="rId4"/>
+              </a:rPr>
+              <a:t>8sj1n_GbjBFjYWUy</a:t>
+            </a:r>
+            <a:r>
+              <a:rPr lang="en-US" sz="2800" dirty="0" smtClean="0"/>
+              <a:t> (DSBA)</a:t>
             </a:r>
           </a:p>
           <a:p>
             <a:pPr>
+              <a:lnSpc>
+                <a:spcPct val="120000"/>
+              </a:lnSpc>
+              <a:spcBef>
+                <a:spcPts val="0"/>
+              </a:spcBef>
               <a:buNone/>
             </a:pPr>
-            <a:endParaRPr lang="en-US" sz="3200" dirty="0" smtClean="0"/>
+            <a:r>
+              <a:rPr lang="en-US" sz="2800" dirty="0">
+                <a:hlinkClick r:id="rId5"/>
+              </a:rPr>
+              <a:t>https://t.me/+fFSXHDh_nP8wNTM6</a:t>
+            </a:r>
+            <a:r>
+              <a:rPr lang="en-US" sz="2800" dirty="0"/>
+              <a:t> (COMPDS</a:t>
+            </a:r>
+            <a:r>
+              <a:rPr lang="en-US" sz="2800" dirty="0" smtClean="0"/>
+              <a:t>)</a:t>
+            </a:r>
+            <a:endParaRPr lang="en-US" sz="2800" dirty="0"/>
           </a:p>
         </p:txBody>
       </p:sp>
@@ -10247,15 +10322,15 @@
           <p:nvPr/>
         </p:nvPicPr>
         <p:blipFill>
-          <a:blip r:embed="rId4" cstate="print"/>
+          <a:blip r:embed="rId6" cstate="print"/>
           <a:stretch>
             <a:fillRect/>
           </a:stretch>
         </p:blipFill>
         <p:spPr>
           <a:xfrm>
-            <a:off x="3083501" y="1079358"/>
-            <a:ext cx="6191250" cy="2371725"/>
+            <a:off x="3433762" y="1050801"/>
+            <a:ext cx="5324475" cy="2039684"/>
           </a:xfrm>
           <a:prstGeom prst="rect">
             <a:avLst/>
@@ -12130,7 +12205,7 @@
         </p:blipFill>
         <p:spPr>
           <a:xfrm>
-            <a:off x="9551618" y="4225045"/>
+            <a:off x="9810032" y="4195228"/>
             <a:ext cx="1689100" cy="1728290"/>
           </a:xfrm>
           <a:prstGeom prst="rect">
@@ -12146,7 +12221,7 @@
         </p:nvSpPr>
         <p:spPr>
           <a:xfrm>
-            <a:off x="891403" y="3284774"/>
+            <a:off x="1159758" y="3264896"/>
             <a:ext cx="2422568" cy="629392"/>
           </a:xfrm>
           <a:prstGeom prst="rect">
@@ -12191,7 +12266,7 @@
         </p:nvSpPr>
         <p:spPr>
           <a:xfrm>
-            <a:off x="873826" y="3761316"/>
+            <a:off x="873826" y="3731499"/>
             <a:ext cx="10515600" cy="560155"/>
           </a:xfrm>
         </p:spPr>
@@ -12282,7 +12357,7 @@
         </p:blipFill>
         <p:spPr>
           <a:xfrm>
-            <a:off x="1176507" y="1428488"/>
+            <a:off x="1444862" y="1428488"/>
             <a:ext cx="1938748" cy="1974742"/>
           </a:xfrm>
           <a:prstGeom prst="rect">
@@ -12366,7 +12441,7 @@
         </p:blipFill>
         <p:spPr>
           <a:xfrm>
-            <a:off x="3639712" y="1381107"/>
+            <a:off x="3908067" y="1381107"/>
             <a:ext cx="2018995" cy="2018995"/>
           </a:xfrm>
           <a:prstGeom prst="rect">
@@ -12382,7 +12457,7 @@
         </p:nvSpPr>
         <p:spPr>
           <a:xfrm>
-            <a:off x="3438428" y="3278004"/>
+            <a:off x="3706783" y="3258126"/>
             <a:ext cx="2422568" cy="629392"/>
           </a:xfrm>
           <a:prstGeom prst="rect">
@@ -12437,7 +12512,7 @@
         </p:nvSpPr>
         <p:spPr>
           <a:xfrm>
-            <a:off x="6005651" y="3282737"/>
+            <a:off x="6085165" y="3262859"/>
             <a:ext cx="2600797" cy="629392"/>
           </a:xfrm>
           <a:prstGeom prst="rect">
@@ -12493,7 +12568,7 @@
         </p:blipFill>
         <p:spPr>
           <a:xfrm>
-            <a:off x="6364949" y="1397061"/>
+            <a:off x="6444463" y="1397061"/>
             <a:ext cx="1757103" cy="2034377"/>
           </a:xfrm>
           <a:prstGeom prst="rect">
@@ -12518,7 +12593,7 @@
         </p:blipFill>
         <p:spPr>
           <a:xfrm>
-            <a:off x="2134177" y="4242393"/>
+            <a:off x="2392591" y="4212576"/>
             <a:ext cx="1754950" cy="1750576"/>
           </a:xfrm>
           <a:prstGeom prst="rect">
@@ -12534,7 +12609,7 @@
         </p:nvSpPr>
         <p:spPr>
           <a:xfrm>
-            <a:off x="1880935" y="5978195"/>
+            <a:off x="2139349" y="5908622"/>
             <a:ext cx="2257640" cy="408521"/>
           </a:xfrm>
           <a:prstGeom prst="rect">
@@ -12590,7 +12665,7 @@
         </p:blipFill>
         <p:spPr>
           <a:xfrm>
-            <a:off x="364243" y="4275420"/>
+            <a:off x="622657" y="4245603"/>
             <a:ext cx="1709351" cy="1711971"/>
           </a:xfrm>
           <a:prstGeom prst="rect">
@@ -12606,7 +12681,7 @@
         </p:nvSpPr>
         <p:spPr>
           <a:xfrm>
-            <a:off x="340687" y="5939695"/>
+            <a:off x="599101" y="5909878"/>
             <a:ext cx="1588958" cy="408521"/>
           </a:xfrm>
           <a:prstGeom prst="rect">
@@ -12653,7 +12728,7 @@
         </p:nvSpPr>
         <p:spPr>
           <a:xfrm>
-            <a:off x="9297921" y="5874840"/>
+            <a:off x="9556335" y="5845023"/>
             <a:ext cx="2257640" cy="408521"/>
           </a:xfrm>
           <a:prstGeom prst="rect">
@@ -12713,7 +12788,7 @@
         </p:blipFill>
         <p:spPr>
           <a:xfrm>
-            <a:off x="3991573" y="4229414"/>
+            <a:off x="4249987" y="4199597"/>
             <a:ext cx="1833819" cy="1787205"/>
           </a:xfrm>
           <a:prstGeom prst="rect">
@@ -12729,7 +12804,7 @@
         </p:nvSpPr>
         <p:spPr>
           <a:xfrm>
-            <a:off x="3961463" y="5941224"/>
+            <a:off x="4219877" y="5911407"/>
             <a:ext cx="1984191" cy="408521"/>
           </a:xfrm>
           <a:prstGeom prst="rect">
@@ -12789,7 +12864,7 @@
         </p:blipFill>
         <p:spPr>
           <a:xfrm>
-            <a:off x="5921819" y="4229414"/>
+            <a:off x="6180233" y="4199597"/>
             <a:ext cx="1789905" cy="1756002"/>
           </a:xfrm>
           <a:prstGeom prst="rect">
@@ -12805,7 +12880,7 @@
         </p:nvSpPr>
         <p:spPr>
           <a:xfrm>
-            <a:off x="5831291" y="5912778"/>
+            <a:off x="6089705" y="5882961"/>
             <a:ext cx="1928227" cy="408521"/>
           </a:xfrm>
           <a:prstGeom prst="rect">
@@ -12865,7 +12940,7 @@
         </p:blipFill>
         <p:spPr>
           <a:xfrm>
-            <a:off x="7821313" y="4234309"/>
+            <a:off x="8079727" y="4204492"/>
             <a:ext cx="1658090" cy="1735287"/>
           </a:xfrm>
           <a:prstGeom prst="rect">
@@ -12881,7 +12956,7 @@
         </p:nvSpPr>
         <p:spPr>
           <a:xfrm>
-            <a:off x="7626786" y="5905211"/>
+            <a:off x="7885200" y="5875394"/>
             <a:ext cx="1928227" cy="408521"/>
           </a:xfrm>
           <a:prstGeom prst="rect">
@@ -12936,7 +13011,7 @@
         </p:nvSpPr>
         <p:spPr>
           <a:xfrm>
-            <a:off x="8251219" y="3271156"/>
+            <a:off x="8330733" y="3251278"/>
             <a:ext cx="2600797" cy="629392"/>
           </a:xfrm>
           <a:prstGeom prst="rect">
@@ -12975,6 +13050,35 @@
           </a:p>
         </p:txBody>
       </p:sp>
+      <p:pic>
+        <p:nvPicPr>
+          <p:cNvPr id="12" name="Picture 11"/>
+          <p:cNvPicPr>
+            <a:picLocks noChangeAspect="1"/>
+          </p:cNvPicPr>
+          <p:nvPr/>
+        </p:nvPicPr>
+        <p:blipFill rotWithShape="1">
+          <a:blip r:embed="rId11">
+            <a:extLst>
+              <a:ext uri="{28A0092B-C50C-407E-A947-70E740481C1C}">
+                <a14:useLocalDpi xmlns:a14="http://schemas.microsoft.com/office/drawing/2010/main" val="0"/>
+              </a:ext>
+            </a:extLst>
+          </a:blip>
+          <a:srcRect l="14242" t="10570" r="15769" b="25593"/>
+          <a:stretch/>
+        </p:blipFill>
+        <p:spPr>
+          <a:xfrm>
+            <a:off x="8639913" y="1398061"/>
+            <a:ext cx="2175933" cy="1984667"/>
+          </a:xfrm>
+          <a:prstGeom prst="rect">
+            <a:avLst/>
+          </a:prstGeom>
+        </p:spPr>
+      </p:pic>
     </p:spTree>
   </p:cSld>
   <p:clrMapOvr>

--- a/docs/part1ca/01_Introduction/CA_Lecture_01.pptx
+++ b/docs/part1ca/01_Introduction/CA_Lecture_01.pptx
@@ -5,37 +5,38 @@
     <p:sldMasterId id="2147483648" r:id="rId1"/>
   </p:sldMasterIdLst>
   <p:notesMasterIdLst>
-    <p:notesMasterId r:id="rId27"/>
+    <p:notesMasterId r:id="rId28"/>
   </p:notesMasterIdLst>
   <p:handoutMasterIdLst>
-    <p:handoutMasterId r:id="rId28"/>
+    <p:handoutMasterId r:id="rId29"/>
   </p:handoutMasterIdLst>
   <p:sldIdLst>
     <p:sldId id="256" r:id="rId2"/>
     <p:sldId id="276" r:id="rId3"/>
     <p:sldId id="273" r:id="rId4"/>
-    <p:sldId id="274" r:id="rId5"/>
-    <p:sldId id="277" r:id="rId6"/>
-    <p:sldId id="280" r:id="rId7"/>
-    <p:sldId id="282" r:id="rId8"/>
-    <p:sldId id="283" r:id="rId9"/>
-    <p:sldId id="284" r:id="rId10"/>
-    <p:sldId id="285" r:id="rId11"/>
-    <p:sldId id="297" r:id="rId12"/>
-    <p:sldId id="287" r:id="rId13"/>
-    <p:sldId id="279" r:id="rId14"/>
-    <p:sldId id="289" r:id="rId15"/>
-    <p:sldId id="290" r:id="rId16"/>
-    <p:sldId id="291" r:id="rId17"/>
-    <p:sldId id="288" r:id="rId18"/>
-    <p:sldId id="293" r:id="rId19"/>
-    <p:sldId id="295" r:id="rId20"/>
-    <p:sldId id="281" r:id="rId21"/>
-    <p:sldId id="294" r:id="rId22"/>
-    <p:sldId id="292" r:id="rId23"/>
-    <p:sldId id="298" r:id="rId24"/>
-    <p:sldId id="296" r:id="rId25"/>
-    <p:sldId id="272" r:id="rId26"/>
+    <p:sldId id="299" r:id="rId5"/>
+    <p:sldId id="274" r:id="rId6"/>
+    <p:sldId id="277" r:id="rId7"/>
+    <p:sldId id="280" r:id="rId8"/>
+    <p:sldId id="282" r:id="rId9"/>
+    <p:sldId id="283" r:id="rId10"/>
+    <p:sldId id="284" r:id="rId11"/>
+    <p:sldId id="285" r:id="rId12"/>
+    <p:sldId id="297" r:id="rId13"/>
+    <p:sldId id="287" r:id="rId14"/>
+    <p:sldId id="279" r:id="rId15"/>
+    <p:sldId id="289" r:id="rId16"/>
+    <p:sldId id="290" r:id="rId17"/>
+    <p:sldId id="291" r:id="rId18"/>
+    <p:sldId id="288" r:id="rId19"/>
+    <p:sldId id="293" r:id="rId20"/>
+    <p:sldId id="295" r:id="rId21"/>
+    <p:sldId id="281" r:id="rId22"/>
+    <p:sldId id="294" r:id="rId23"/>
+    <p:sldId id="292" r:id="rId24"/>
+    <p:sldId id="298" r:id="rId25"/>
+    <p:sldId id="296" r:id="rId26"/>
+    <p:sldId id="272" r:id="rId27"/>
   </p:sldIdLst>
   <p:sldSz cx="12192000" cy="6858000"/>
   <p:notesSz cx="6858000" cy="9144000"/>
@@ -136,7 +137,7 @@
   </p:defaultTextStyle>
   <p:extLst>
     <p:ext uri="{EFAFB233-063F-42B5-8137-9DF3F51BA10A}">
-      <p15:sldGuideLst xmlns:p15="http://schemas.microsoft.com/office/powerpoint/2012/main">
+      <p15:sldGuideLst xmlns:p15="http://schemas.microsoft.com/office/powerpoint/2012/main" xmlns="">
         <p15:guide id="1" orient="horz" pos="2160">
           <p15:clr>
             <a:srgbClr val="A4A3A4"/>
@@ -150,7 +151,7 @@
       </p15:sldGuideLst>
     </p:ext>
     <p:ext uri="{2D200454-40CA-4A62-9FC3-DE9A4176ACB9}">
-      <p15:notesGuideLst xmlns:p15="http://schemas.microsoft.com/office/powerpoint/2012/main">
+      <p15:notesGuideLst xmlns:p15="http://schemas.microsoft.com/office/powerpoint/2012/main" xmlns="">
         <p15:guide id="1" orient="horz" pos="2880">
           <p15:clr>
             <a:srgbClr val="A4A3A4"/>
@@ -258,7 +259,7 @@
             <a:fld id="{D0106195-8D78-4F6F-B8E4-FA67975ACEF5}" type="datetimeFigureOut">
               <a:rPr lang="ru-RU" smtClean="0"/>
               <a:pPr/>
-              <a:t>10.01.2023</a:t>
+              <a:t>07.01.2024</a:t>
             </a:fld>
             <a:endParaRPr lang="ru-RU"/>
           </a:p>
@@ -334,7 +335,7 @@
     </p:spTree>
     <p:extLst>
       <p:ext uri="{BB962C8B-B14F-4D97-AF65-F5344CB8AC3E}">
-        <p14:creationId xmlns:p14="http://schemas.microsoft.com/office/powerpoint/2010/main" val="827279973"/>
+        <p14:creationId xmlns:p14="http://schemas.microsoft.com/office/powerpoint/2010/main" xmlns="" val="827279973"/>
       </p:ext>
     </p:extLst>
   </p:cSld>
@@ -426,7 +427,7 @@
             <a:fld id="{878212F1-C3D9-4F2B-8F42-5E960FE8BE51}" type="datetimeFigureOut">
               <a:rPr lang="ru-RU" smtClean="0"/>
               <a:pPr/>
-              <a:t>10.01.2023</a:t>
+              <a:t>07.01.2024</a:t>
             </a:fld>
             <a:endParaRPr lang="ru-RU"/>
           </a:p>
@@ -595,7 +596,7 @@
     </p:spTree>
     <p:extLst>
       <p:ext uri="{BB962C8B-B14F-4D97-AF65-F5344CB8AC3E}">
-        <p14:creationId xmlns:p14="http://schemas.microsoft.com/office/powerpoint/2010/main" val="3865021395"/>
+        <p14:creationId xmlns:p14="http://schemas.microsoft.com/office/powerpoint/2010/main" xmlns="" val="3865021395"/>
       </p:ext>
     </p:extLst>
   </p:cSld>
@@ -809,7 +810,7 @@
     </p:spTree>
     <p:extLst>
       <p:ext uri="{BB962C8B-B14F-4D97-AF65-F5344CB8AC3E}">
-        <p14:creationId xmlns:p14="http://schemas.microsoft.com/office/powerpoint/2010/main" val="2381791527"/>
+        <p14:creationId xmlns:p14="http://schemas.microsoft.com/office/powerpoint/2010/main" xmlns="" val="2381791527"/>
       </p:ext>
     </p:extLst>
   </p:cSld>
@@ -923,7 +924,7 @@
             <a:fld id="{5583B3A5-99BF-45D9-956B-DC57CC23AD97}" type="slidenum">
               <a:rPr lang="ru-RU" smtClean="0"/>
               <a:pPr/>
-              <a:t>25</a:t>
+              <a:t>26</a:t>
             </a:fld>
             <a:endParaRPr lang="ru-RU"/>
           </a:p>
@@ -932,7 +933,7 @@
     </p:spTree>
     <p:extLst>
       <p:ext uri="{BB962C8B-B14F-4D97-AF65-F5344CB8AC3E}">
-        <p14:creationId xmlns:p14="http://schemas.microsoft.com/office/powerpoint/2010/main" val="1915950851"/>
+        <p14:creationId xmlns:p14="http://schemas.microsoft.com/office/powerpoint/2010/main" xmlns="" val="1915950851"/>
       </p:ext>
     </p:extLst>
   </p:cSld>
@@ -1192,7 +1193,7 @@
     </p:spTree>
     <p:extLst>
       <p:ext uri="{BB962C8B-B14F-4D97-AF65-F5344CB8AC3E}">
-        <p14:creationId xmlns:p14="http://schemas.microsoft.com/office/powerpoint/2010/main" val="322455162"/>
+        <p14:creationId xmlns:p14="http://schemas.microsoft.com/office/powerpoint/2010/main" xmlns="" val="322455162"/>
       </p:ext>
     </p:extLst>
   </p:cSld>
@@ -1366,7 +1367,7 @@
     </p:spTree>
     <p:extLst>
       <p:ext uri="{BB962C8B-B14F-4D97-AF65-F5344CB8AC3E}">
-        <p14:creationId xmlns:p14="http://schemas.microsoft.com/office/powerpoint/2010/main" val="971117636"/>
+        <p14:creationId xmlns:p14="http://schemas.microsoft.com/office/powerpoint/2010/main" xmlns="" val="971117636"/>
       </p:ext>
     </p:extLst>
   </p:cSld>
@@ -1543,7 +1544,7 @@
     </p:spTree>
     <p:extLst>
       <p:ext uri="{BB962C8B-B14F-4D97-AF65-F5344CB8AC3E}">
-        <p14:creationId xmlns:p14="http://schemas.microsoft.com/office/powerpoint/2010/main" val="3348877825"/>
+        <p14:creationId xmlns:p14="http://schemas.microsoft.com/office/powerpoint/2010/main" xmlns="" val="3348877825"/>
       </p:ext>
     </p:extLst>
   </p:cSld>
@@ -1868,7 +1869,7 @@
     </p:spTree>
     <p:extLst>
       <p:ext uri="{BB962C8B-B14F-4D97-AF65-F5344CB8AC3E}">
-        <p14:creationId xmlns:p14="http://schemas.microsoft.com/office/powerpoint/2010/main" val="3256953994"/>
+        <p14:creationId xmlns:p14="http://schemas.microsoft.com/office/powerpoint/2010/main" xmlns="" val="3256953994"/>
       </p:ext>
     </p:extLst>
   </p:cSld>
@@ -2118,7 +2119,7 @@
     </p:spTree>
     <p:extLst>
       <p:ext uri="{BB962C8B-B14F-4D97-AF65-F5344CB8AC3E}">
-        <p14:creationId xmlns:p14="http://schemas.microsoft.com/office/powerpoint/2010/main" val="3067076846"/>
+        <p14:creationId xmlns:p14="http://schemas.microsoft.com/office/powerpoint/2010/main" xmlns="" val="3067076846"/>
       </p:ext>
     </p:extLst>
   </p:cSld>
@@ -2354,7 +2355,7 @@
     </p:spTree>
     <p:extLst>
       <p:ext uri="{BB962C8B-B14F-4D97-AF65-F5344CB8AC3E}">
-        <p14:creationId xmlns:p14="http://schemas.microsoft.com/office/powerpoint/2010/main" val="3710015975"/>
+        <p14:creationId xmlns:p14="http://schemas.microsoft.com/office/powerpoint/2010/main" xmlns="" val="3710015975"/>
       </p:ext>
     </p:extLst>
   </p:cSld>
@@ -2725,7 +2726,7 @@
     </p:spTree>
     <p:extLst>
       <p:ext uri="{BB962C8B-B14F-4D97-AF65-F5344CB8AC3E}">
-        <p14:creationId xmlns:p14="http://schemas.microsoft.com/office/powerpoint/2010/main" val="4075590966"/>
+        <p14:creationId xmlns:p14="http://schemas.microsoft.com/office/powerpoint/2010/main" xmlns="" val="4075590966"/>
       </p:ext>
     </p:extLst>
   </p:cSld>
@@ -2847,7 +2848,7 @@
     </p:spTree>
     <p:extLst>
       <p:ext uri="{BB962C8B-B14F-4D97-AF65-F5344CB8AC3E}">
-        <p14:creationId xmlns:p14="http://schemas.microsoft.com/office/powerpoint/2010/main" val="2889604898"/>
+        <p14:creationId xmlns:p14="http://schemas.microsoft.com/office/powerpoint/2010/main" xmlns="" val="2889604898"/>
       </p:ext>
     </p:extLst>
   </p:cSld>
@@ -2946,7 +2947,7 @@
     </p:spTree>
     <p:extLst>
       <p:ext uri="{BB962C8B-B14F-4D97-AF65-F5344CB8AC3E}">
-        <p14:creationId xmlns:p14="http://schemas.microsoft.com/office/powerpoint/2010/main" val="152384765"/>
+        <p14:creationId xmlns:p14="http://schemas.microsoft.com/office/powerpoint/2010/main" xmlns="" val="152384765"/>
       </p:ext>
     </p:extLst>
   </p:cSld>
@@ -3227,7 +3228,7 @@
     </p:spTree>
     <p:extLst>
       <p:ext uri="{BB962C8B-B14F-4D97-AF65-F5344CB8AC3E}">
-        <p14:creationId xmlns:p14="http://schemas.microsoft.com/office/powerpoint/2010/main" val="2127791886"/>
+        <p14:creationId xmlns:p14="http://schemas.microsoft.com/office/powerpoint/2010/main" xmlns="" val="2127791886"/>
       </p:ext>
     </p:extLst>
   </p:cSld>
@@ -3484,7 +3485,7 @@
     </p:spTree>
     <p:extLst>
       <p:ext uri="{BB962C8B-B14F-4D97-AF65-F5344CB8AC3E}">
-        <p14:creationId xmlns:p14="http://schemas.microsoft.com/office/powerpoint/2010/main" val="1752705130"/>
+        <p14:creationId xmlns:p14="http://schemas.microsoft.com/office/powerpoint/2010/main" xmlns="" val="1752705130"/>
       </p:ext>
     </p:extLst>
   </p:cSld>
@@ -3737,7 +3738,7 @@
     </p:spTree>
     <p:extLst>
       <p:ext uri="{BB962C8B-B14F-4D97-AF65-F5344CB8AC3E}">
-        <p14:creationId xmlns:p14="http://schemas.microsoft.com/office/powerpoint/2010/main" val="968833914"/>
+        <p14:creationId xmlns:p14="http://schemas.microsoft.com/office/powerpoint/2010/main" xmlns="" val="968833914"/>
       </p:ext>
     </p:extLst>
   </p:cSld>
@@ -4214,7 +4215,7 @@
     </p:spTree>
     <p:extLst>
       <p:ext uri="{BB962C8B-B14F-4D97-AF65-F5344CB8AC3E}">
-        <p14:creationId xmlns:p14="http://schemas.microsoft.com/office/powerpoint/2010/main" val="2492894732"/>
+        <p14:creationId xmlns:p14="http://schemas.microsoft.com/office/powerpoint/2010/main" xmlns="" val="2492894732"/>
       </p:ext>
     </p:extLst>
   </p:cSld>
@@ -4248,6 +4249,2306 @@
           <a:chExt cx="0" cy="0"/>
         </a:xfrm>
       </p:grpSpPr>
+      <p:sp>
+        <p:nvSpPr>
+          <p:cNvPr id="2" name="Content Placeholder 1"/>
+          <p:cNvSpPr>
+            <a:spLocks noGrp="1"/>
+          </p:cNvSpPr>
+          <p:nvPr>
+            <p:ph idx="1"/>
+          </p:nvPr>
+        </p:nvSpPr>
+        <p:spPr>
+          <a:xfrm>
+            <a:off x="838200" y="1178053"/>
+            <a:ext cx="10515600" cy="700443"/>
+          </a:xfrm>
+        </p:spPr>
+        <p:txBody>
+          <a:bodyPr/>
+          <a:lstStyle/>
+          <a:p>
+            <a:pPr marL="0" indent="0" algn="ctr">
+              <a:buNone/>
+            </a:pPr>
+            <a:r>
+              <a:rPr lang="en-US" sz="4400" b="1" smtClean="0">
+                <a:solidFill>
+                  <a:srgbClr val="F7B217"/>
+                </a:solidFill>
+              </a:rPr>
+              <a:t>C Language: Optimizations</a:t>
+            </a:r>
+            <a:endParaRPr lang="en-US" sz="4400" b="1">
+              <a:solidFill>
+                <a:srgbClr val="F7B217"/>
+              </a:solidFill>
+            </a:endParaRPr>
+          </a:p>
+          <a:p>
+            <a:pPr marL="0" indent="0">
+              <a:buNone/>
+            </a:pPr>
+            <a:endParaRPr lang="en-US" smtClean="0"/>
+          </a:p>
+          <a:p>
+            <a:pPr marL="0" indent="0">
+              <a:buNone/>
+            </a:pPr>
+            <a:endParaRPr lang="en-US"/>
+          </a:p>
+        </p:txBody>
+      </p:sp>
+      <p:sp>
+        <p:nvSpPr>
+          <p:cNvPr id="3" name="Slide Number Placeholder 2"/>
+          <p:cNvSpPr>
+            <a:spLocks noGrp="1"/>
+          </p:cNvSpPr>
+          <p:nvPr>
+            <p:ph type="sldNum" sz="quarter" idx="12"/>
+          </p:nvPr>
+        </p:nvSpPr>
+        <p:spPr/>
+        <p:txBody>
+          <a:bodyPr/>
+          <a:lstStyle/>
+          <a:p>
+            <a:pPr algn="ctr"/>
+            <a:fld id="{1397BFD8-F312-4EF2-A268-44FB4BDDBBB0}" type="slidenum">
+              <a:rPr lang="ru-RU" smtClean="0"/>
+              <a:pPr algn="ctr"/>
+              <a:t>10</a:t>
+            </a:fld>
+            <a:endParaRPr lang="ru-RU" dirty="0"/>
+          </a:p>
+        </p:txBody>
+      </p:sp>
+      <p:sp>
+        <p:nvSpPr>
+          <p:cNvPr id="4" name="Title 3"/>
+          <p:cNvSpPr>
+            <a:spLocks noGrp="1"/>
+          </p:cNvSpPr>
+          <p:nvPr>
+            <p:ph type="title"/>
+          </p:nvPr>
+        </p:nvSpPr>
+        <p:spPr/>
+        <p:txBody>
+          <a:bodyPr/>
+          <a:lstStyle/>
+          <a:p>
+            <a:r>
+              <a:rPr lang="en-US" smtClean="0"/>
+              <a:t>Example: </a:t>
+            </a:r>
+            <a:r>
+              <a:rPr lang="en-US"/>
+              <a:t>Matrix Multiplication (part </a:t>
+            </a:r>
+            <a:r>
+              <a:rPr lang="en-US" smtClean="0"/>
+              <a:t>4)</a:t>
+            </a:r>
+            <a:endParaRPr lang="en-US"/>
+          </a:p>
+        </p:txBody>
+      </p:sp>
+      <p:sp>
+        <p:nvSpPr>
+          <p:cNvPr id="5" name="Rectangle 4"/>
+          <p:cNvSpPr/>
+          <p:nvPr/>
+        </p:nvSpPr>
+        <p:spPr>
+          <a:xfrm>
+            <a:off x="344424" y="2017467"/>
+            <a:ext cx="3742944" cy="2585323"/>
+          </a:xfrm>
+          <a:prstGeom prst="rect">
+            <a:avLst/>
+          </a:prstGeom>
+          <a:ln>
+            <a:solidFill>
+              <a:schemeClr val="accent1"/>
+            </a:solidFill>
+          </a:ln>
+        </p:spPr>
+        <p:txBody>
+          <a:bodyPr wrap="square">
+            <a:spAutoFit/>
+          </a:bodyPr>
+          <a:lstStyle/>
+          <a:p>
+            <a:r>
+              <a:rPr lang="en-US" altLang="en-US" sz="3200" b="1" dirty="0" smtClean="0">
+                <a:solidFill>
+                  <a:srgbClr val="000080"/>
+                </a:solidFill>
+              </a:rPr>
+              <a:t>Loop order: </a:t>
+            </a:r>
+            <a:r>
+              <a:rPr lang="en-US" altLang="en-US" sz="3200" b="1" dirty="0" err="1" smtClean="0">
+                <a:solidFill>
+                  <a:srgbClr val="000080"/>
+                </a:solidFill>
+              </a:rPr>
+              <a:t>i</a:t>
+            </a:r>
+            <a:r>
+              <a:rPr lang="en-US" altLang="en-US" sz="3200" b="1" dirty="0" smtClean="0">
+                <a:solidFill>
+                  <a:srgbClr val="000080"/>
+                </a:solidFill>
+              </a:rPr>
+              <a:t>, j, k</a:t>
+            </a:r>
+          </a:p>
+          <a:p>
+            <a:endParaRPr lang="en-US" altLang="en-US" b="1" dirty="0">
+              <a:solidFill>
+                <a:srgbClr val="000080"/>
+              </a:solidFill>
+              <a:latin typeface="Consolas" panose="020B0609020204030204" pitchFamily="49" charset="0"/>
+            </a:endParaRPr>
+          </a:p>
+          <a:p>
+            <a:r>
+              <a:rPr lang="en-US" altLang="en-US" sz="1600" b="1" dirty="0" smtClean="0">
+                <a:solidFill>
+                  <a:srgbClr val="000080"/>
+                </a:solidFill>
+                <a:latin typeface="Consolas" panose="020B0609020204030204" pitchFamily="49" charset="0"/>
+              </a:rPr>
+              <a:t>for </a:t>
+            </a:r>
+            <a:r>
+              <a:rPr lang="en-US" altLang="en-US" sz="1600" dirty="0">
+                <a:solidFill>
+                  <a:srgbClr val="000000"/>
+                </a:solidFill>
+                <a:latin typeface="Consolas" panose="020B0609020204030204" pitchFamily="49" charset="0"/>
+              </a:rPr>
+              <a:t>(</a:t>
+            </a:r>
+            <a:r>
+              <a:rPr lang="en-US" altLang="en-US" sz="1600" b="1" dirty="0" err="1">
+                <a:solidFill>
+                  <a:srgbClr val="000080"/>
+                </a:solidFill>
+                <a:latin typeface="Consolas" panose="020B0609020204030204" pitchFamily="49" charset="0"/>
+              </a:rPr>
+              <a:t>int</a:t>
+            </a:r>
+            <a:r>
+              <a:rPr lang="en-US" altLang="en-US" sz="1600" b="1" dirty="0">
+                <a:solidFill>
+                  <a:srgbClr val="000080"/>
+                </a:solidFill>
+                <a:latin typeface="Consolas" panose="020B0609020204030204" pitchFamily="49" charset="0"/>
+              </a:rPr>
+              <a:t> </a:t>
+            </a:r>
+            <a:r>
+              <a:rPr lang="en-US" altLang="en-US" sz="1600" dirty="0" err="1" smtClean="0">
+                <a:solidFill>
+                  <a:srgbClr val="000000"/>
+                </a:solidFill>
+                <a:latin typeface="Consolas" panose="020B0609020204030204" pitchFamily="49" charset="0"/>
+              </a:rPr>
+              <a:t>i</a:t>
+            </a:r>
+            <a:r>
+              <a:rPr lang="en-US" altLang="en-US" sz="1600" dirty="0" smtClean="0">
+                <a:solidFill>
+                  <a:srgbClr val="000000"/>
+                </a:solidFill>
+                <a:latin typeface="Consolas" panose="020B0609020204030204" pitchFamily="49" charset="0"/>
+              </a:rPr>
+              <a:t>= </a:t>
+            </a:r>
+            <a:r>
+              <a:rPr lang="en-US" altLang="en-US" sz="1600" dirty="0">
+                <a:solidFill>
+                  <a:srgbClr val="0000FF"/>
+                </a:solidFill>
+                <a:latin typeface="Consolas" panose="020B0609020204030204" pitchFamily="49" charset="0"/>
+              </a:rPr>
+              <a:t>0</a:t>
+            </a:r>
+            <a:r>
+              <a:rPr lang="en-US" altLang="en-US" sz="1600" dirty="0">
+                <a:solidFill>
+                  <a:srgbClr val="000000"/>
+                </a:solidFill>
+                <a:latin typeface="Consolas" panose="020B0609020204030204" pitchFamily="49" charset="0"/>
+              </a:rPr>
+              <a:t>; </a:t>
+            </a:r>
+            <a:r>
+              <a:rPr lang="en-US" altLang="en-US" sz="1600" dirty="0" err="1" smtClean="0">
+                <a:solidFill>
+                  <a:srgbClr val="000000"/>
+                </a:solidFill>
+                <a:latin typeface="Consolas" panose="020B0609020204030204" pitchFamily="49" charset="0"/>
+              </a:rPr>
+              <a:t>i</a:t>
+            </a:r>
+            <a:r>
+              <a:rPr lang="en-US" altLang="en-US" sz="1600" dirty="0" smtClean="0">
+                <a:solidFill>
+                  <a:srgbClr val="000000"/>
+                </a:solidFill>
+                <a:latin typeface="Consolas" panose="020B0609020204030204" pitchFamily="49" charset="0"/>
+              </a:rPr>
+              <a:t> &lt; </a:t>
+            </a:r>
+            <a:r>
+              <a:rPr lang="en-US" altLang="en-US" sz="1600" b="1" i="1" dirty="0" smtClean="0">
+                <a:solidFill>
+                  <a:srgbClr val="660E7A"/>
+                </a:solidFill>
+                <a:latin typeface="Consolas" panose="020B0609020204030204" pitchFamily="49" charset="0"/>
+              </a:rPr>
+              <a:t>n</a:t>
+            </a:r>
+            <a:r>
+              <a:rPr lang="en-US" altLang="en-US" sz="1600" dirty="0">
+                <a:solidFill>
+                  <a:srgbClr val="000000"/>
+                </a:solidFill>
+                <a:latin typeface="Consolas" panose="020B0609020204030204" pitchFamily="49" charset="0"/>
+              </a:rPr>
+              <a:t>; </a:t>
+            </a:r>
+            <a:r>
+              <a:rPr lang="en-US" altLang="en-US" sz="1600" dirty="0" err="1">
+                <a:solidFill>
+                  <a:srgbClr val="000000"/>
+                </a:solidFill>
+                <a:latin typeface="Consolas" panose="020B0609020204030204" pitchFamily="49" charset="0"/>
+              </a:rPr>
+              <a:t>i</a:t>
+            </a:r>
+            <a:r>
+              <a:rPr lang="en-US" altLang="en-US" sz="1600" dirty="0">
+                <a:solidFill>
+                  <a:srgbClr val="000000"/>
+                </a:solidFill>
+                <a:latin typeface="Consolas" panose="020B0609020204030204" pitchFamily="49" charset="0"/>
+              </a:rPr>
+              <a:t>++) {</a:t>
+            </a:r>
+            <a:br>
+              <a:rPr lang="en-US" altLang="en-US" sz="1600" dirty="0">
+                <a:solidFill>
+                  <a:srgbClr val="000000"/>
+                </a:solidFill>
+                <a:latin typeface="Consolas" panose="020B0609020204030204" pitchFamily="49" charset="0"/>
+              </a:rPr>
+            </a:br>
+            <a:r>
+              <a:rPr lang="en-US" altLang="en-US" sz="1600" dirty="0">
+                <a:solidFill>
+                  <a:srgbClr val="000000"/>
+                </a:solidFill>
+                <a:latin typeface="Consolas" panose="020B0609020204030204" pitchFamily="49" charset="0"/>
+              </a:rPr>
+              <a:t> </a:t>
+            </a:r>
+            <a:r>
+              <a:rPr lang="en-US" altLang="en-US" sz="1600" dirty="0" smtClean="0">
+                <a:solidFill>
+                  <a:srgbClr val="000000"/>
+                </a:solidFill>
+                <a:latin typeface="Consolas" panose="020B0609020204030204" pitchFamily="49" charset="0"/>
+              </a:rPr>
+              <a:t> </a:t>
+            </a:r>
+            <a:r>
+              <a:rPr lang="en-US" altLang="en-US" sz="1600" b="1" dirty="0" smtClean="0">
+                <a:solidFill>
+                  <a:srgbClr val="000080"/>
+                </a:solidFill>
+                <a:latin typeface="Consolas" panose="020B0609020204030204" pitchFamily="49" charset="0"/>
+              </a:rPr>
+              <a:t>for </a:t>
+            </a:r>
+            <a:r>
+              <a:rPr lang="en-US" altLang="en-US" sz="1600" dirty="0">
+                <a:solidFill>
+                  <a:srgbClr val="000000"/>
+                </a:solidFill>
+                <a:latin typeface="Consolas" panose="020B0609020204030204" pitchFamily="49" charset="0"/>
+              </a:rPr>
+              <a:t>(</a:t>
+            </a:r>
+            <a:r>
+              <a:rPr lang="en-US" altLang="en-US" sz="1600" b="1" dirty="0" err="1">
+                <a:solidFill>
+                  <a:srgbClr val="000080"/>
+                </a:solidFill>
+                <a:latin typeface="Consolas" panose="020B0609020204030204" pitchFamily="49" charset="0"/>
+              </a:rPr>
+              <a:t>int</a:t>
+            </a:r>
+            <a:r>
+              <a:rPr lang="en-US" altLang="en-US" sz="1600" b="1" dirty="0">
+                <a:solidFill>
+                  <a:srgbClr val="000080"/>
+                </a:solidFill>
+                <a:latin typeface="Consolas" panose="020B0609020204030204" pitchFamily="49" charset="0"/>
+              </a:rPr>
+              <a:t> </a:t>
+            </a:r>
+            <a:r>
+              <a:rPr lang="en-US" altLang="en-US" sz="1600" dirty="0" smtClean="0">
+                <a:solidFill>
+                  <a:srgbClr val="000000"/>
+                </a:solidFill>
+                <a:latin typeface="Consolas" panose="020B0609020204030204" pitchFamily="49" charset="0"/>
+              </a:rPr>
+              <a:t>j= </a:t>
+            </a:r>
+            <a:r>
+              <a:rPr lang="en-US" altLang="en-US" sz="1600" dirty="0">
+                <a:solidFill>
+                  <a:srgbClr val="0000FF"/>
+                </a:solidFill>
+                <a:latin typeface="Consolas" panose="020B0609020204030204" pitchFamily="49" charset="0"/>
+              </a:rPr>
+              <a:t>0</a:t>
+            </a:r>
+            <a:r>
+              <a:rPr lang="en-US" altLang="en-US" sz="1600" dirty="0">
+                <a:solidFill>
+                  <a:srgbClr val="000000"/>
+                </a:solidFill>
+                <a:latin typeface="Consolas" panose="020B0609020204030204" pitchFamily="49" charset="0"/>
+              </a:rPr>
+              <a:t>; </a:t>
+            </a:r>
+            <a:r>
+              <a:rPr lang="en-US" altLang="en-US" sz="1600" dirty="0" smtClean="0">
+                <a:solidFill>
+                  <a:srgbClr val="000000"/>
+                </a:solidFill>
+                <a:latin typeface="Consolas" panose="020B0609020204030204" pitchFamily="49" charset="0"/>
+              </a:rPr>
+              <a:t>j &lt; </a:t>
+            </a:r>
+            <a:r>
+              <a:rPr lang="en-US" altLang="en-US" sz="1600" b="1" i="1" dirty="0" smtClean="0">
+                <a:solidFill>
+                  <a:srgbClr val="660E7A"/>
+                </a:solidFill>
+                <a:latin typeface="Consolas" panose="020B0609020204030204" pitchFamily="49" charset="0"/>
+              </a:rPr>
+              <a:t>n</a:t>
+            </a:r>
+            <a:r>
+              <a:rPr lang="en-US" altLang="en-US" sz="1600" dirty="0">
+                <a:solidFill>
+                  <a:srgbClr val="000000"/>
+                </a:solidFill>
+                <a:latin typeface="Consolas" panose="020B0609020204030204" pitchFamily="49" charset="0"/>
+              </a:rPr>
+              <a:t>; j++) {</a:t>
+            </a:r>
+            <a:br>
+              <a:rPr lang="en-US" altLang="en-US" sz="1600" dirty="0">
+                <a:solidFill>
+                  <a:srgbClr val="000000"/>
+                </a:solidFill>
+                <a:latin typeface="Consolas" panose="020B0609020204030204" pitchFamily="49" charset="0"/>
+              </a:rPr>
+            </a:br>
+            <a:r>
+              <a:rPr lang="en-US" altLang="en-US" sz="1600" dirty="0">
+                <a:solidFill>
+                  <a:srgbClr val="000000"/>
+                </a:solidFill>
+                <a:latin typeface="Consolas" panose="020B0609020204030204" pitchFamily="49" charset="0"/>
+              </a:rPr>
+              <a:t>   </a:t>
+            </a:r>
+            <a:r>
+              <a:rPr lang="en-US" altLang="en-US" sz="1600" dirty="0" smtClean="0">
+                <a:solidFill>
+                  <a:srgbClr val="000000"/>
+                </a:solidFill>
+                <a:latin typeface="Consolas" panose="020B0609020204030204" pitchFamily="49" charset="0"/>
+              </a:rPr>
+              <a:t> </a:t>
+            </a:r>
+            <a:r>
+              <a:rPr lang="en-US" altLang="en-US" sz="1600" b="1" dirty="0" smtClean="0">
+                <a:solidFill>
+                  <a:srgbClr val="000080"/>
+                </a:solidFill>
+                <a:latin typeface="Consolas" panose="020B0609020204030204" pitchFamily="49" charset="0"/>
+              </a:rPr>
+              <a:t>for </a:t>
+            </a:r>
+            <a:r>
+              <a:rPr lang="en-US" altLang="en-US" sz="1600" dirty="0">
+                <a:solidFill>
+                  <a:srgbClr val="000000"/>
+                </a:solidFill>
+                <a:latin typeface="Consolas" panose="020B0609020204030204" pitchFamily="49" charset="0"/>
+              </a:rPr>
+              <a:t>(</a:t>
+            </a:r>
+            <a:r>
+              <a:rPr lang="en-US" altLang="en-US" sz="1600" b="1" dirty="0" err="1">
+                <a:solidFill>
+                  <a:srgbClr val="000080"/>
+                </a:solidFill>
+                <a:latin typeface="Consolas" panose="020B0609020204030204" pitchFamily="49" charset="0"/>
+              </a:rPr>
+              <a:t>int</a:t>
+            </a:r>
+            <a:r>
+              <a:rPr lang="en-US" altLang="en-US" sz="1600" b="1" dirty="0">
+                <a:solidFill>
+                  <a:srgbClr val="000080"/>
+                </a:solidFill>
+                <a:latin typeface="Consolas" panose="020B0609020204030204" pitchFamily="49" charset="0"/>
+              </a:rPr>
+              <a:t> </a:t>
+            </a:r>
+            <a:r>
+              <a:rPr lang="en-US" altLang="en-US" sz="1600" dirty="0" smtClean="0">
+                <a:solidFill>
+                  <a:srgbClr val="000000"/>
+                </a:solidFill>
+                <a:latin typeface="Consolas" panose="020B0609020204030204" pitchFamily="49" charset="0"/>
+              </a:rPr>
+              <a:t>k= </a:t>
+            </a:r>
+            <a:r>
+              <a:rPr lang="en-US" altLang="en-US" sz="1600" dirty="0">
+                <a:solidFill>
+                  <a:srgbClr val="0000FF"/>
+                </a:solidFill>
+                <a:latin typeface="Consolas" panose="020B0609020204030204" pitchFamily="49" charset="0"/>
+              </a:rPr>
+              <a:t>0</a:t>
+            </a:r>
+            <a:r>
+              <a:rPr lang="en-US" altLang="en-US" sz="1600" dirty="0">
+                <a:solidFill>
+                  <a:srgbClr val="000000"/>
+                </a:solidFill>
+                <a:latin typeface="Consolas" panose="020B0609020204030204" pitchFamily="49" charset="0"/>
+              </a:rPr>
+              <a:t>; </a:t>
+            </a:r>
+            <a:r>
+              <a:rPr lang="en-US" altLang="en-US" sz="1600" dirty="0" smtClean="0">
+                <a:solidFill>
+                  <a:srgbClr val="000000"/>
+                </a:solidFill>
+                <a:latin typeface="Consolas" panose="020B0609020204030204" pitchFamily="49" charset="0"/>
+              </a:rPr>
+              <a:t>k &lt; </a:t>
+            </a:r>
+            <a:r>
+              <a:rPr lang="en-US" altLang="en-US" sz="1600" b="1" i="1" dirty="0" smtClean="0">
+                <a:solidFill>
+                  <a:srgbClr val="660E7A"/>
+                </a:solidFill>
+                <a:latin typeface="Consolas" panose="020B0609020204030204" pitchFamily="49" charset="0"/>
+              </a:rPr>
+              <a:t>n</a:t>
+            </a:r>
+            <a:r>
+              <a:rPr lang="en-US" altLang="en-US" sz="1600" dirty="0">
+                <a:solidFill>
+                  <a:srgbClr val="000000"/>
+                </a:solidFill>
+                <a:latin typeface="Consolas" panose="020B0609020204030204" pitchFamily="49" charset="0"/>
+              </a:rPr>
+              <a:t>; k++) {</a:t>
+            </a:r>
+            <a:br>
+              <a:rPr lang="en-US" altLang="en-US" sz="1600" dirty="0">
+                <a:solidFill>
+                  <a:srgbClr val="000000"/>
+                </a:solidFill>
+                <a:latin typeface="Consolas" panose="020B0609020204030204" pitchFamily="49" charset="0"/>
+              </a:rPr>
+            </a:br>
+            <a:r>
+              <a:rPr lang="en-US" altLang="en-US" sz="1600" dirty="0">
+                <a:solidFill>
+                  <a:srgbClr val="000000"/>
+                </a:solidFill>
+                <a:latin typeface="Consolas" panose="020B0609020204030204" pitchFamily="49" charset="0"/>
+              </a:rPr>
+              <a:t>      </a:t>
+            </a:r>
+            <a:r>
+              <a:rPr lang="en-US" altLang="en-US" sz="1600" b="1" i="1" dirty="0" smtClean="0">
+                <a:solidFill>
+                  <a:srgbClr val="660E7A"/>
+                </a:solidFill>
+                <a:latin typeface="Consolas" panose="020B0609020204030204" pitchFamily="49" charset="0"/>
+              </a:rPr>
+              <a:t>C</a:t>
+            </a:r>
+            <a:r>
+              <a:rPr lang="en-US" altLang="en-US" sz="1600" dirty="0" smtClean="0">
+                <a:solidFill>
+                  <a:srgbClr val="000000"/>
+                </a:solidFill>
+                <a:latin typeface="Consolas" panose="020B0609020204030204" pitchFamily="49" charset="0"/>
+              </a:rPr>
+              <a:t>[</a:t>
+            </a:r>
+            <a:r>
+              <a:rPr lang="en-US" altLang="en-US" sz="1600" dirty="0" err="1" smtClean="0">
+                <a:solidFill>
+                  <a:srgbClr val="000000"/>
+                </a:solidFill>
+                <a:latin typeface="Consolas" panose="020B0609020204030204" pitchFamily="49" charset="0"/>
+              </a:rPr>
+              <a:t>i</a:t>
+            </a:r>
+            <a:r>
+              <a:rPr lang="en-US" altLang="en-US" sz="1600" dirty="0">
+                <a:solidFill>
+                  <a:srgbClr val="000000"/>
+                </a:solidFill>
+                <a:latin typeface="Consolas" panose="020B0609020204030204" pitchFamily="49" charset="0"/>
+              </a:rPr>
+              <a:t>][j</a:t>
+            </a:r>
+            <a:r>
+              <a:rPr lang="en-US" altLang="en-US" sz="1600" dirty="0" smtClean="0">
+                <a:solidFill>
+                  <a:srgbClr val="000000"/>
+                </a:solidFill>
+                <a:latin typeface="Consolas" panose="020B0609020204030204" pitchFamily="49" charset="0"/>
+              </a:rPr>
+              <a:t>]+= </a:t>
+            </a:r>
+            <a:r>
+              <a:rPr lang="en-US" altLang="en-US" sz="1600" b="1" i="1" dirty="0">
+                <a:solidFill>
+                  <a:srgbClr val="660E7A"/>
+                </a:solidFill>
+                <a:latin typeface="Consolas" panose="020B0609020204030204" pitchFamily="49" charset="0"/>
+              </a:rPr>
+              <a:t>A</a:t>
+            </a:r>
+            <a:r>
+              <a:rPr lang="en-US" altLang="en-US" sz="1600" dirty="0">
+                <a:solidFill>
+                  <a:srgbClr val="000000"/>
+                </a:solidFill>
+                <a:latin typeface="Consolas" panose="020B0609020204030204" pitchFamily="49" charset="0"/>
+              </a:rPr>
+              <a:t>[</a:t>
+            </a:r>
+            <a:r>
+              <a:rPr lang="en-US" altLang="en-US" sz="1600" dirty="0" err="1">
+                <a:solidFill>
+                  <a:srgbClr val="000000"/>
+                </a:solidFill>
+                <a:latin typeface="Consolas" panose="020B0609020204030204" pitchFamily="49" charset="0"/>
+              </a:rPr>
+              <a:t>i</a:t>
+            </a:r>
+            <a:r>
+              <a:rPr lang="en-US" altLang="en-US" sz="1600" dirty="0">
+                <a:solidFill>
+                  <a:srgbClr val="000000"/>
+                </a:solidFill>
+                <a:latin typeface="Consolas" panose="020B0609020204030204" pitchFamily="49" charset="0"/>
+              </a:rPr>
+              <a:t>][k</a:t>
+            </a:r>
+            <a:r>
+              <a:rPr lang="en-US" altLang="en-US" sz="1600" dirty="0" smtClean="0">
+                <a:solidFill>
+                  <a:srgbClr val="000000"/>
+                </a:solidFill>
+                <a:latin typeface="Consolas" panose="020B0609020204030204" pitchFamily="49" charset="0"/>
+              </a:rPr>
+              <a:t>]*</a:t>
+            </a:r>
+            <a:r>
+              <a:rPr lang="en-US" altLang="en-US" sz="1600" b="1" i="1" dirty="0" smtClean="0">
+                <a:solidFill>
+                  <a:srgbClr val="660E7A"/>
+                </a:solidFill>
+                <a:latin typeface="Consolas" panose="020B0609020204030204" pitchFamily="49" charset="0"/>
+              </a:rPr>
+              <a:t>B</a:t>
+            </a:r>
+            <a:r>
+              <a:rPr lang="en-US" altLang="en-US" sz="1600" dirty="0" smtClean="0">
+                <a:solidFill>
+                  <a:srgbClr val="000000"/>
+                </a:solidFill>
+                <a:latin typeface="Consolas" panose="020B0609020204030204" pitchFamily="49" charset="0"/>
+              </a:rPr>
+              <a:t>[k</a:t>
+            </a:r>
+            <a:r>
+              <a:rPr lang="en-US" altLang="en-US" sz="1600" dirty="0">
+                <a:solidFill>
+                  <a:srgbClr val="000000"/>
+                </a:solidFill>
+                <a:latin typeface="Consolas" panose="020B0609020204030204" pitchFamily="49" charset="0"/>
+              </a:rPr>
+              <a:t>][j];</a:t>
+            </a:r>
+            <a:br>
+              <a:rPr lang="en-US" altLang="en-US" sz="1600" dirty="0">
+                <a:solidFill>
+                  <a:srgbClr val="000000"/>
+                </a:solidFill>
+                <a:latin typeface="Consolas" panose="020B0609020204030204" pitchFamily="49" charset="0"/>
+              </a:rPr>
+            </a:br>
+            <a:r>
+              <a:rPr lang="en-US" altLang="en-US" sz="1600" dirty="0">
+                <a:solidFill>
+                  <a:srgbClr val="000000"/>
+                </a:solidFill>
+                <a:latin typeface="Consolas" panose="020B0609020204030204" pitchFamily="49" charset="0"/>
+              </a:rPr>
+              <a:t>    </a:t>
+            </a:r>
+            <a:r>
+              <a:rPr lang="en-US" altLang="en-US" sz="1600" dirty="0" smtClean="0">
+                <a:solidFill>
+                  <a:srgbClr val="000000"/>
+                </a:solidFill>
+                <a:latin typeface="Consolas" panose="020B0609020204030204" pitchFamily="49" charset="0"/>
+              </a:rPr>
+              <a:t>}</a:t>
+            </a:r>
+            <a:r>
+              <a:rPr lang="en-US" altLang="en-US" sz="1600" dirty="0">
+                <a:solidFill>
+                  <a:srgbClr val="000000"/>
+                </a:solidFill>
+                <a:latin typeface="Consolas" panose="020B0609020204030204" pitchFamily="49" charset="0"/>
+              </a:rPr>
+              <a:t/>
+            </a:r>
+            <a:br>
+              <a:rPr lang="en-US" altLang="en-US" sz="1600" dirty="0">
+                <a:solidFill>
+                  <a:srgbClr val="000000"/>
+                </a:solidFill>
+                <a:latin typeface="Consolas" panose="020B0609020204030204" pitchFamily="49" charset="0"/>
+              </a:rPr>
+            </a:br>
+            <a:r>
+              <a:rPr lang="en-US" altLang="en-US" sz="1600" dirty="0">
+                <a:solidFill>
+                  <a:srgbClr val="000000"/>
+                </a:solidFill>
+                <a:latin typeface="Consolas" panose="020B0609020204030204" pitchFamily="49" charset="0"/>
+              </a:rPr>
+              <a:t>  </a:t>
+            </a:r>
+            <a:r>
+              <a:rPr lang="en-US" altLang="en-US" sz="1600" dirty="0" smtClean="0">
+                <a:solidFill>
+                  <a:srgbClr val="000000"/>
+                </a:solidFill>
+                <a:latin typeface="Consolas" panose="020B0609020204030204" pitchFamily="49" charset="0"/>
+              </a:rPr>
+              <a:t>}</a:t>
+            </a:r>
+            <a:r>
+              <a:rPr lang="en-US" altLang="en-US" sz="1600" dirty="0">
+                <a:solidFill>
+                  <a:srgbClr val="000000"/>
+                </a:solidFill>
+                <a:latin typeface="Consolas" panose="020B0609020204030204" pitchFamily="49" charset="0"/>
+              </a:rPr>
+              <a:t/>
+            </a:r>
+            <a:br>
+              <a:rPr lang="en-US" altLang="en-US" sz="1600" dirty="0">
+                <a:solidFill>
+                  <a:srgbClr val="000000"/>
+                </a:solidFill>
+                <a:latin typeface="Consolas" panose="020B0609020204030204" pitchFamily="49" charset="0"/>
+              </a:rPr>
+            </a:br>
+            <a:r>
+              <a:rPr lang="en-US" altLang="en-US" sz="1600" dirty="0" smtClean="0">
+                <a:solidFill>
+                  <a:srgbClr val="000000"/>
+                </a:solidFill>
+                <a:latin typeface="Consolas" panose="020B0609020204030204" pitchFamily="49" charset="0"/>
+              </a:rPr>
+              <a:t>}</a:t>
+            </a:r>
+            <a:endParaRPr lang="en-US" sz="1600" dirty="0"/>
+          </a:p>
+        </p:txBody>
+      </p:sp>
+      <p:sp>
+        <p:nvSpPr>
+          <p:cNvPr id="6" name="Rectangle 5"/>
+          <p:cNvSpPr/>
+          <p:nvPr/>
+        </p:nvSpPr>
+        <p:spPr>
+          <a:xfrm>
+            <a:off x="4230624" y="2017467"/>
+            <a:ext cx="3742944" cy="2585323"/>
+          </a:xfrm>
+          <a:prstGeom prst="rect">
+            <a:avLst/>
+          </a:prstGeom>
+          <a:ln>
+            <a:solidFill>
+              <a:schemeClr val="accent1"/>
+            </a:solidFill>
+          </a:ln>
+        </p:spPr>
+        <p:txBody>
+          <a:bodyPr wrap="square">
+            <a:spAutoFit/>
+          </a:bodyPr>
+          <a:lstStyle/>
+          <a:p>
+            <a:r>
+              <a:rPr lang="en-US" altLang="en-US" sz="3200" b="1" smtClean="0">
+                <a:solidFill>
+                  <a:srgbClr val="00B050"/>
+                </a:solidFill>
+              </a:rPr>
+              <a:t>Loop order: i, k, </a:t>
+            </a:r>
+            <a:r>
+              <a:rPr lang="en-US" altLang="en-US" sz="3200" b="1">
+                <a:solidFill>
+                  <a:srgbClr val="00B050"/>
+                </a:solidFill>
+              </a:rPr>
+              <a:t>j</a:t>
+            </a:r>
+            <a:endParaRPr lang="en-US" altLang="en-US" sz="3200" b="1" smtClean="0">
+              <a:solidFill>
+                <a:srgbClr val="00B050"/>
+              </a:solidFill>
+            </a:endParaRPr>
+          </a:p>
+          <a:p>
+            <a:endParaRPr lang="en-US" altLang="en-US" b="1">
+              <a:solidFill>
+                <a:srgbClr val="000080"/>
+              </a:solidFill>
+              <a:latin typeface="Consolas" panose="020B0609020204030204" pitchFamily="49" charset="0"/>
+            </a:endParaRPr>
+          </a:p>
+          <a:p>
+            <a:r>
+              <a:rPr lang="en-US" altLang="en-US" sz="1600" b="1" smtClean="0">
+                <a:solidFill>
+                  <a:srgbClr val="000080"/>
+                </a:solidFill>
+                <a:latin typeface="Consolas" panose="020B0609020204030204" pitchFamily="49" charset="0"/>
+              </a:rPr>
+              <a:t>for </a:t>
+            </a:r>
+            <a:r>
+              <a:rPr lang="en-US" altLang="en-US" sz="1600">
+                <a:solidFill>
+                  <a:srgbClr val="000000"/>
+                </a:solidFill>
+                <a:latin typeface="Consolas" panose="020B0609020204030204" pitchFamily="49" charset="0"/>
+              </a:rPr>
+              <a:t>(</a:t>
+            </a:r>
+            <a:r>
+              <a:rPr lang="en-US" altLang="en-US" sz="1600" b="1">
+                <a:solidFill>
+                  <a:srgbClr val="000080"/>
+                </a:solidFill>
+                <a:latin typeface="Consolas" panose="020B0609020204030204" pitchFamily="49" charset="0"/>
+              </a:rPr>
+              <a:t>int </a:t>
+            </a:r>
+            <a:r>
+              <a:rPr lang="en-US" altLang="en-US" sz="1600" smtClean="0">
+                <a:solidFill>
+                  <a:srgbClr val="000000"/>
+                </a:solidFill>
+                <a:latin typeface="Consolas" panose="020B0609020204030204" pitchFamily="49" charset="0"/>
+              </a:rPr>
+              <a:t>i= </a:t>
+            </a:r>
+            <a:r>
+              <a:rPr lang="en-US" altLang="en-US" sz="1600">
+                <a:solidFill>
+                  <a:srgbClr val="0000FF"/>
+                </a:solidFill>
+                <a:latin typeface="Consolas" panose="020B0609020204030204" pitchFamily="49" charset="0"/>
+              </a:rPr>
+              <a:t>0</a:t>
+            </a:r>
+            <a:r>
+              <a:rPr lang="en-US" altLang="en-US" sz="1600">
+                <a:solidFill>
+                  <a:srgbClr val="000000"/>
+                </a:solidFill>
+                <a:latin typeface="Consolas" panose="020B0609020204030204" pitchFamily="49" charset="0"/>
+              </a:rPr>
+              <a:t>; </a:t>
+            </a:r>
+            <a:r>
+              <a:rPr lang="en-US" altLang="en-US" sz="1600" smtClean="0">
+                <a:solidFill>
+                  <a:srgbClr val="000000"/>
+                </a:solidFill>
+                <a:latin typeface="Consolas" panose="020B0609020204030204" pitchFamily="49" charset="0"/>
+              </a:rPr>
+              <a:t>i &lt; </a:t>
+            </a:r>
+            <a:r>
+              <a:rPr lang="en-US" altLang="en-US" sz="1600" b="1" i="1" smtClean="0">
+                <a:solidFill>
+                  <a:srgbClr val="660E7A"/>
+                </a:solidFill>
+                <a:latin typeface="Consolas" panose="020B0609020204030204" pitchFamily="49" charset="0"/>
+              </a:rPr>
+              <a:t>n</a:t>
+            </a:r>
+            <a:r>
+              <a:rPr lang="en-US" altLang="en-US" sz="1600">
+                <a:solidFill>
+                  <a:srgbClr val="000000"/>
+                </a:solidFill>
+                <a:latin typeface="Consolas" panose="020B0609020204030204" pitchFamily="49" charset="0"/>
+              </a:rPr>
+              <a:t>; i++) {</a:t>
+            </a:r>
+            <a:br>
+              <a:rPr lang="en-US" altLang="en-US" sz="1600">
+                <a:solidFill>
+                  <a:srgbClr val="000000"/>
+                </a:solidFill>
+                <a:latin typeface="Consolas" panose="020B0609020204030204" pitchFamily="49" charset="0"/>
+              </a:rPr>
+            </a:br>
+            <a:r>
+              <a:rPr lang="en-US" altLang="en-US" sz="1600">
+                <a:solidFill>
+                  <a:srgbClr val="000000"/>
+                </a:solidFill>
+                <a:latin typeface="Consolas" panose="020B0609020204030204" pitchFamily="49" charset="0"/>
+              </a:rPr>
+              <a:t> </a:t>
+            </a:r>
+            <a:r>
+              <a:rPr lang="en-US" altLang="en-US" sz="1600" smtClean="0">
+                <a:solidFill>
+                  <a:srgbClr val="000000"/>
+                </a:solidFill>
+                <a:latin typeface="Consolas" panose="020B0609020204030204" pitchFamily="49" charset="0"/>
+              </a:rPr>
+              <a:t> </a:t>
+            </a:r>
+            <a:r>
+              <a:rPr lang="en-US" altLang="en-US" sz="1600" b="1" smtClean="0">
+                <a:solidFill>
+                  <a:srgbClr val="000080"/>
+                </a:solidFill>
+                <a:latin typeface="Consolas" panose="020B0609020204030204" pitchFamily="49" charset="0"/>
+              </a:rPr>
+              <a:t>for </a:t>
+            </a:r>
+            <a:r>
+              <a:rPr lang="en-US" altLang="en-US" sz="1600">
+                <a:solidFill>
+                  <a:srgbClr val="000000"/>
+                </a:solidFill>
+                <a:latin typeface="Consolas" panose="020B0609020204030204" pitchFamily="49" charset="0"/>
+              </a:rPr>
+              <a:t>(</a:t>
+            </a:r>
+            <a:r>
+              <a:rPr lang="en-US" altLang="en-US" sz="1600" b="1">
+                <a:solidFill>
+                  <a:srgbClr val="000080"/>
+                </a:solidFill>
+                <a:latin typeface="Consolas" panose="020B0609020204030204" pitchFamily="49" charset="0"/>
+              </a:rPr>
+              <a:t>int </a:t>
+            </a:r>
+            <a:r>
+              <a:rPr lang="en-US" altLang="en-US" sz="1600" smtClean="0">
+                <a:solidFill>
+                  <a:srgbClr val="000000"/>
+                </a:solidFill>
+                <a:latin typeface="Consolas" panose="020B0609020204030204" pitchFamily="49" charset="0"/>
+              </a:rPr>
+              <a:t>k= </a:t>
+            </a:r>
+            <a:r>
+              <a:rPr lang="en-US" altLang="en-US" sz="1600">
+                <a:solidFill>
+                  <a:srgbClr val="0000FF"/>
+                </a:solidFill>
+                <a:latin typeface="Consolas" panose="020B0609020204030204" pitchFamily="49" charset="0"/>
+              </a:rPr>
+              <a:t>0</a:t>
+            </a:r>
+            <a:r>
+              <a:rPr lang="en-US" altLang="en-US" sz="1600">
+                <a:solidFill>
+                  <a:srgbClr val="000000"/>
+                </a:solidFill>
+                <a:latin typeface="Consolas" panose="020B0609020204030204" pitchFamily="49" charset="0"/>
+              </a:rPr>
+              <a:t>; </a:t>
+            </a:r>
+            <a:r>
+              <a:rPr lang="en-US" altLang="en-US" sz="1600" smtClean="0">
+                <a:solidFill>
+                  <a:srgbClr val="000000"/>
+                </a:solidFill>
+                <a:latin typeface="Consolas" panose="020B0609020204030204" pitchFamily="49" charset="0"/>
+              </a:rPr>
+              <a:t>k &lt; </a:t>
+            </a:r>
+            <a:r>
+              <a:rPr lang="en-US" altLang="en-US" sz="1600" b="1" i="1" smtClean="0">
+                <a:solidFill>
+                  <a:srgbClr val="660E7A"/>
+                </a:solidFill>
+                <a:latin typeface="Consolas" panose="020B0609020204030204" pitchFamily="49" charset="0"/>
+              </a:rPr>
+              <a:t>n</a:t>
+            </a:r>
+            <a:r>
+              <a:rPr lang="en-US" altLang="en-US" sz="1600">
+                <a:solidFill>
+                  <a:srgbClr val="000000"/>
+                </a:solidFill>
+                <a:latin typeface="Consolas" panose="020B0609020204030204" pitchFamily="49" charset="0"/>
+              </a:rPr>
+              <a:t>; </a:t>
+            </a:r>
+            <a:r>
+              <a:rPr lang="en-US" altLang="en-US" sz="1600" smtClean="0">
+                <a:solidFill>
+                  <a:srgbClr val="000000"/>
+                </a:solidFill>
+                <a:latin typeface="Consolas" panose="020B0609020204030204" pitchFamily="49" charset="0"/>
+              </a:rPr>
+              <a:t>k++) </a:t>
+            </a:r>
+            <a:r>
+              <a:rPr lang="en-US" altLang="en-US" sz="1600">
+                <a:solidFill>
+                  <a:srgbClr val="000000"/>
+                </a:solidFill>
+                <a:latin typeface="Consolas" panose="020B0609020204030204" pitchFamily="49" charset="0"/>
+              </a:rPr>
+              <a:t>{</a:t>
+            </a:r>
+            <a:br>
+              <a:rPr lang="en-US" altLang="en-US" sz="1600">
+                <a:solidFill>
+                  <a:srgbClr val="000000"/>
+                </a:solidFill>
+                <a:latin typeface="Consolas" panose="020B0609020204030204" pitchFamily="49" charset="0"/>
+              </a:rPr>
+            </a:br>
+            <a:r>
+              <a:rPr lang="en-US" altLang="en-US" sz="1600">
+                <a:solidFill>
+                  <a:srgbClr val="000000"/>
+                </a:solidFill>
+                <a:latin typeface="Consolas" panose="020B0609020204030204" pitchFamily="49" charset="0"/>
+              </a:rPr>
+              <a:t>   </a:t>
+            </a:r>
+            <a:r>
+              <a:rPr lang="en-US" altLang="en-US" sz="1600" smtClean="0">
+                <a:solidFill>
+                  <a:srgbClr val="000000"/>
+                </a:solidFill>
+                <a:latin typeface="Consolas" panose="020B0609020204030204" pitchFamily="49" charset="0"/>
+              </a:rPr>
+              <a:t> </a:t>
+            </a:r>
+            <a:r>
+              <a:rPr lang="en-US" altLang="en-US" sz="1600" b="1" smtClean="0">
+                <a:solidFill>
+                  <a:srgbClr val="000080"/>
+                </a:solidFill>
+                <a:latin typeface="Consolas" panose="020B0609020204030204" pitchFamily="49" charset="0"/>
+              </a:rPr>
+              <a:t>for </a:t>
+            </a:r>
+            <a:r>
+              <a:rPr lang="en-US" altLang="en-US" sz="1600">
+                <a:solidFill>
+                  <a:srgbClr val="000000"/>
+                </a:solidFill>
+                <a:latin typeface="Consolas" panose="020B0609020204030204" pitchFamily="49" charset="0"/>
+              </a:rPr>
+              <a:t>(</a:t>
+            </a:r>
+            <a:r>
+              <a:rPr lang="en-US" altLang="en-US" sz="1600" b="1">
+                <a:solidFill>
+                  <a:srgbClr val="000080"/>
+                </a:solidFill>
+                <a:latin typeface="Consolas" panose="020B0609020204030204" pitchFamily="49" charset="0"/>
+              </a:rPr>
+              <a:t>int </a:t>
+            </a:r>
+            <a:r>
+              <a:rPr lang="en-US" altLang="en-US" sz="1600" smtClean="0">
+                <a:solidFill>
+                  <a:srgbClr val="000000"/>
+                </a:solidFill>
+                <a:latin typeface="Consolas" panose="020B0609020204030204" pitchFamily="49" charset="0"/>
+              </a:rPr>
+              <a:t>j= </a:t>
+            </a:r>
+            <a:r>
+              <a:rPr lang="en-US" altLang="en-US" sz="1600">
+                <a:solidFill>
+                  <a:srgbClr val="0000FF"/>
+                </a:solidFill>
+                <a:latin typeface="Consolas" panose="020B0609020204030204" pitchFamily="49" charset="0"/>
+              </a:rPr>
+              <a:t>0</a:t>
+            </a:r>
+            <a:r>
+              <a:rPr lang="en-US" altLang="en-US" sz="1600">
+                <a:solidFill>
+                  <a:srgbClr val="000000"/>
+                </a:solidFill>
+                <a:latin typeface="Consolas" panose="020B0609020204030204" pitchFamily="49" charset="0"/>
+              </a:rPr>
+              <a:t>; </a:t>
+            </a:r>
+            <a:r>
+              <a:rPr lang="en-US" altLang="en-US" sz="1600" smtClean="0">
+                <a:solidFill>
+                  <a:srgbClr val="000000"/>
+                </a:solidFill>
+                <a:latin typeface="Consolas" panose="020B0609020204030204" pitchFamily="49" charset="0"/>
+              </a:rPr>
+              <a:t>j &lt; </a:t>
+            </a:r>
+            <a:r>
+              <a:rPr lang="en-US" altLang="en-US" sz="1600" b="1" i="1" smtClean="0">
+                <a:solidFill>
+                  <a:srgbClr val="660E7A"/>
+                </a:solidFill>
+                <a:latin typeface="Consolas" panose="020B0609020204030204" pitchFamily="49" charset="0"/>
+              </a:rPr>
+              <a:t>n</a:t>
+            </a:r>
+            <a:r>
+              <a:rPr lang="en-US" altLang="en-US" sz="1600">
+                <a:solidFill>
+                  <a:srgbClr val="000000"/>
+                </a:solidFill>
+                <a:latin typeface="Consolas" panose="020B0609020204030204" pitchFamily="49" charset="0"/>
+              </a:rPr>
+              <a:t>; </a:t>
+            </a:r>
+            <a:r>
+              <a:rPr lang="en-US" altLang="en-US" sz="1600" smtClean="0">
+                <a:solidFill>
+                  <a:srgbClr val="000000"/>
+                </a:solidFill>
+                <a:latin typeface="Consolas" panose="020B0609020204030204" pitchFamily="49" charset="0"/>
+              </a:rPr>
+              <a:t>j++) </a:t>
+            </a:r>
+            <a:r>
+              <a:rPr lang="en-US" altLang="en-US" sz="1600">
+                <a:solidFill>
+                  <a:srgbClr val="000000"/>
+                </a:solidFill>
+                <a:latin typeface="Consolas" panose="020B0609020204030204" pitchFamily="49" charset="0"/>
+              </a:rPr>
+              <a:t>{</a:t>
+            </a:r>
+            <a:br>
+              <a:rPr lang="en-US" altLang="en-US" sz="1600">
+                <a:solidFill>
+                  <a:srgbClr val="000000"/>
+                </a:solidFill>
+                <a:latin typeface="Consolas" panose="020B0609020204030204" pitchFamily="49" charset="0"/>
+              </a:rPr>
+            </a:br>
+            <a:r>
+              <a:rPr lang="en-US" altLang="en-US" sz="1600">
+                <a:solidFill>
+                  <a:srgbClr val="000000"/>
+                </a:solidFill>
+                <a:latin typeface="Consolas" panose="020B0609020204030204" pitchFamily="49" charset="0"/>
+              </a:rPr>
+              <a:t>      </a:t>
+            </a:r>
+            <a:r>
+              <a:rPr lang="en-US" altLang="en-US" sz="1600" b="1" i="1" smtClean="0">
+                <a:solidFill>
+                  <a:srgbClr val="660E7A"/>
+                </a:solidFill>
+                <a:latin typeface="Consolas" panose="020B0609020204030204" pitchFamily="49" charset="0"/>
+              </a:rPr>
+              <a:t>C</a:t>
+            </a:r>
+            <a:r>
+              <a:rPr lang="en-US" altLang="en-US" sz="1600" smtClean="0">
+                <a:solidFill>
+                  <a:srgbClr val="000000"/>
+                </a:solidFill>
+                <a:latin typeface="Consolas" panose="020B0609020204030204" pitchFamily="49" charset="0"/>
+              </a:rPr>
+              <a:t>[i</a:t>
+            </a:r>
+            <a:r>
+              <a:rPr lang="en-US" altLang="en-US" sz="1600">
+                <a:solidFill>
+                  <a:srgbClr val="000000"/>
+                </a:solidFill>
+                <a:latin typeface="Consolas" panose="020B0609020204030204" pitchFamily="49" charset="0"/>
+              </a:rPr>
+              <a:t>][j</a:t>
+            </a:r>
+            <a:r>
+              <a:rPr lang="en-US" altLang="en-US" sz="1600" smtClean="0">
+                <a:solidFill>
+                  <a:srgbClr val="000000"/>
+                </a:solidFill>
+                <a:latin typeface="Consolas" panose="020B0609020204030204" pitchFamily="49" charset="0"/>
+              </a:rPr>
+              <a:t>]+= </a:t>
+            </a:r>
+            <a:r>
+              <a:rPr lang="en-US" altLang="en-US" sz="1600" b="1" i="1">
+                <a:solidFill>
+                  <a:srgbClr val="660E7A"/>
+                </a:solidFill>
+                <a:latin typeface="Consolas" panose="020B0609020204030204" pitchFamily="49" charset="0"/>
+              </a:rPr>
+              <a:t>A</a:t>
+            </a:r>
+            <a:r>
+              <a:rPr lang="en-US" altLang="en-US" sz="1600">
+                <a:solidFill>
+                  <a:srgbClr val="000000"/>
+                </a:solidFill>
+                <a:latin typeface="Consolas" panose="020B0609020204030204" pitchFamily="49" charset="0"/>
+              </a:rPr>
+              <a:t>[i][k</a:t>
+            </a:r>
+            <a:r>
+              <a:rPr lang="en-US" altLang="en-US" sz="1600" smtClean="0">
+                <a:solidFill>
+                  <a:srgbClr val="000000"/>
+                </a:solidFill>
+                <a:latin typeface="Consolas" panose="020B0609020204030204" pitchFamily="49" charset="0"/>
+              </a:rPr>
+              <a:t>]*</a:t>
+            </a:r>
+            <a:r>
+              <a:rPr lang="en-US" altLang="en-US" sz="1600" b="1" i="1" smtClean="0">
+                <a:solidFill>
+                  <a:srgbClr val="660E7A"/>
+                </a:solidFill>
+                <a:latin typeface="Consolas" panose="020B0609020204030204" pitchFamily="49" charset="0"/>
+              </a:rPr>
+              <a:t>B</a:t>
+            </a:r>
+            <a:r>
+              <a:rPr lang="en-US" altLang="en-US" sz="1600" smtClean="0">
+                <a:solidFill>
+                  <a:srgbClr val="000000"/>
+                </a:solidFill>
+                <a:latin typeface="Consolas" panose="020B0609020204030204" pitchFamily="49" charset="0"/>
+              </a:rPr>
+              <a:t>[k</a:t>
+            </a:r>
+            <a:r>
+              <a:rPr lang="en-US" altLang="en-US" sz="1600">
+                <a:solidFill>
+                  <a:srgbClr val="000000"/>
+                </a:solidFill>
+                <a:latin typeface="Consolas" panose="020B0609020204030204" pitchFamily="49" charset="0"/>
+              </a:rPr>
+              <a:t>][j];</a:t>
+            </a:r>
+            <a:br>
+              <a:rPr lang="en-US" altLang="en-US" sz="1600">
+                <a:solidFill>
+                  <a:srgbClr val="000000"/>
+                </a:solidFill>
+                <a:latin typeface="Consolas" panose="020B0609020204030204" pitchFamily="49" charset="0"/>
+              </a:rPr>
+            </a:br>
+            <a:r>
+              <a:rPr lang="en-US" altLang="en-US" sz="1600">
+                <a:solidFill>
+                  <a:srgbClr val="000000"/>
+                </a:solidFill>
+                <a:latin typeface="Consolas" panose="020B0609020204030204" pitchFamily="49" charset="0"/>
+              </a:rPr>
+              <a:t>    </a:t>
+            </a:r>
+            <a:r>
+              <a:rPr lang="en-US" altLang="en-US" sz="1600" smtClean="0">
+                <a:solidFill>
+                  <a:srgbClr val="000000"/>
+                </a:solidFill>
+                <a:latin typeface="Consolas" panose="020B0609020204030204" pitchFamily="49" charset="0"/>
+              </a:rPr>
+              <a:t>}</a:t>
+            </a:r>
+            <a:r>
+              <a:rPr lang="en-US" altLang="en-US" sz="1600">
+                <a:solidFill>
+                  <a:srgbClr val="000000"/>
+                </a:solidFill>
+                <a:latin typeface="Consolas" panose="020B0609020204030204" pitchFamily="49" charset="0"/>
+              </a:rPr>
+              <a:t/>
+            </a:r>
+            <a:br>
+              <a:rPr lang="en-US" altLang="en-US" sz="1600">
+                <a:solidFill>
+                  <a:srgbClr val="000000"/>
+                </a:solidFill>
+                <a:latin typeface="Consolas" panose="020B0609020204030204" pitchFamily="49" charset="0"/>
+              </a:rPr>
+            </a:br>
+            <a:r>
+              <a:rPr lang="en-US" altLang="en-US" sz="1600">
+                <a:solidFill>
+                  <a:srgbClr val="000000"/>
+                </a:solidFill>
+                <a:latin typeface="Consolas" panose="020B0609020204030204" pitchFamily="49" charset="0"/>
+              </a:rPr>
+              <a:t>  </a:t>
+            </a:r>
+            <a:r>
+              <a:rPr lang="en-US" altLang="en-US" sz="1600" smtClean="0">
+                <a:solidFill>
+                  <a:srgbClr val="000000"/>
+                </a:solidFill>
+                <a:latin typeface="Consolas" panose="020B0609020204030204" pitchFamily="49" charset="0"/>
+              </a:rPr>
+              <a:t>}</a:t>
+            </a:r>
+            <a:r>
+              <a:rPr lang="en-US" altLang="en-US" sz="1600">
+                <a:solidFill>
+                  <a:srgbClr val="000000"/>
+                </a:solidFill>
+                <a:latin typeface="Consolas" panose="020B0609020204030204" pitchFamily="49" charset="0"/>
+              </a:rPr>
+              <a:t/>
+            </a:r>
+            <a:br>
+              <a:rPr lang="en-US" altLang="en-US" sz="1600">
+                <a:solidFill>
+                  <a:srgbClr val="000000"/>
+                </a:solidFill>
+                <a:latin typeface="Consolas" panose="020B0609020204030204" pitchFamily="49" charset="0"/>
+              </a:rPr>
+            </a:br>
+            <a:r>
+              <a:rPr lang="en-US" altLang="en-US" sz="1600" smtClean="0">
+                <a:solidFill>
+                  <a:srgbClr val="000000"/>
+                </a:solidFill>
+                <a:latin typeface="Consolas" panose="020B0609020204030204" pitchFamily="49" charset="0"/>
+              </a:rPr>
+              <a:t>}</a:t>
+            </a:r>
+            <a:endParaRPr lang="en-US" sz="1600"/>
+          </a:p>
+        </p:txBody>
+      </p:sp>
+      <p:sp>
+        <p:nvSpPr>
+          <p:cNvPr id="7" name="Rectangle 6"/>
+          <p:cNvSpPr/>
+          <p:nvPr/>
+        </p:nvSpPr>
+        <p:spPr>
+          <a:xfrm>
+            <a:off x="8129016" y="2023563"/>
+            <a:ext cx="3749040" cy="2585323"/>
+          </a:xfrm>
+          <a:prstGeom prst="rect">
+            <a:avLst/>
+          </a:prstGeom>
+          <a:ln>
+            <a:solidFill>
+              <a:schemeClr val="accent1"/>
+            </a:solidFill>
+          </a:ln>
+        </p:spPr>
+        <p:txBody>
+          <a:bodyPr wrap="square">
+            <a:spAutoFit/>
+          </a:bodyPr>
+          <a:lstStyle/>
+          <a:p>
+            <a:r>
+              <a:rPr lang="en-US" altLang="en-US" sz="3200" b="1" dirty="0" smtClean="0">
+                <a:solidFill>
+                  <a:srgbClr val="FF0000"/>
+                </a:solidFill>
+              </a:rPr>
+              <a:t>Loop order: j, k, </a:t>
+            </a:r>
+            <a:r>
+              <a:rPr lang="en-US" altLang="en-US" sz="3200" b="1" dirty="0" err="1" smtClean="0">
+                <a:solidFill>
+                  <a:srgbClr val="FF0000"/>
+                </a:solidFill>
+              </a:rPr>
+              <a:t>i</a:t>
+            </a:r>
+            <a:endParaRPr lang="en-US" altLang="en-US" sz="3200" b="1" dirty="0" smtClean="0">
+              <a:solidFill>
+                <a:srgbClr val="FF0000"/>
+              </a:solidFill>
+            </a:endParaRPr>
+          </a:p>
+          <a:p>
+            <a:endParaRPr lang="en-US" altLang="en-US" b="1" dirty="0">
+              <a:solidFill>
+                <a:srgbClr val="000080"/>
+              </a:solidFill>
+              <a:latin typeface="Consolas" panose="020B0609020204030204" pitchFamily="49" charset="0"/>
+            </a:endParaRPr>
+          </a:p>
+          <a:p>
+            <a:r>
+              <a:rPr lang="en-US" altLang="en-US" sz="1600" b="1" dirty="0" smtClean="0">
+                <a:solidFill>
+                  <a:srgbClr val="000080"/>
+                </a:solidFill>
+                <a:latin typeface="Consolas" panose="020B0609020204030204" pitchFamily="49" charset="0"/>
+              </a:rPr>
+              <a:t>for </a:t>
+            </a:r>
+            <a:r>
+              <a:rPr lang="en-US" altLang="en-US" sz="1600" dirty="0">
+                <a:solidFill>
+                  <a:srgbClr val="000000"/>
+                </a:solidFill>
+                <a:latin typeface="Consolas" panose="020B0609020204030204" pitchFamily="49" charset="0"/>
+              </a:rPr>
+              <a:t>(</a:t>
+            </a:r>
+            <a:r>
+              <a:rPr lang="en-US" altLang="en-US" sz="1600" b="1" dirty="0" err="1">
+                <a:solidFill>
+                  <a:srgbClr val="000080"/>
+                </a:solidFill>
+                <a:latin typeface="Consolas" panose="020B0609020204030204" pitchFamily="49" charset="0"/>
+              </a:rPr>
+              <a:t>int</a:t>
+            </a:r>
+            <a:r>
+              <a:rPr lang="en-US" altLang="en-US" sz="1600" b="1" dirty="0">
+                <a:solidFill>
+                  <a:srgbClr val="000080"/>
+                </a:solidFill>
+                <a:latin typeface="Consolas" panose="020B0609020204030204" pitchFamily="49" charset="0"/>
+              </a:rPr>
+              <a:t> </a:t>
+            </a:r>
+            <a:r>
+              <a:rPr lang="en-US" altLang="en-US" sz="1600" dirty="0" smtClean="0">
+                <a:solidFill>
+                  <a:srgbClr val="000000"/>
+                </a:solidFill>
+                <a:latin typeface="Consolas" panose="020B0609020204030204" pitchFamily="49" charset="0"/>
+              </a:rPr>
+              <a:t>j= </a:t>
+            </a:r>
+            <a:r>
+              <a:rPr lang="en-US" altLang="en-US" sz="1600" dirty="0">
+                <a:solidFill>
+                  <a:srgbClr val="0000FF"/>
+                </a:solidFill>
+                <a:latin typeface="Consolas" panose="020B0609020204030204" pitchFamily="49" charset="0"/>
+              </a:rPr>
+              <a:t>0</a:t>
+            </a:r>
+            <a:r>
+              <a:rPr lang="en-US" altLang="en-US" sz="1600" dirty="0">
+                <a:solidFill>
+                  <a:srgbClr val="000000"/>
+                </a:solidFill>
+                <a:latin typeface="Consolas" panose="020B0609020204030204" pitchFamily="49" charset="0"/>
+              </a:rPr>
+              <a:t>; </a:t>
+            </a:r>
+            <a:r>
+              <a:rPr lang="en-US" altLang="en-US" sz="1600" dirty="0" smtClean="0">
+                <a:solidFill>
+                  <a:srgbClr val="000000"/>
+                </a:solidFill>
+                <a:latin typeface="Consolas" panose="020B0609020204030204" pitchFamily="49" charset="0"/>
+              </a:rPr>
+              <a:t>j &lt; </a:t>
+            </a:r>
+            <a:r>
+              <a:rPr lang="en-US" altLang="en-US" sz="1600" b="1" i="1" dirty="0" smtClean="0">
+                <a:solidFill>
+                  <a:srgbClr val="660E7A"/>
+                </a:solidFill>
+                <a:latin typeface="Consolas" panose="020B0609020204030204" pitchFamily="49" charset="0"/>
+              </a:rPr>
+              <a:t>n</a:t>
+            </a:r>
+            <a:r>
+              <a:rPr lang="en-US" altLang="en-US" sz="1600" dirty="0">
+                <a:solidFill>
+                  <a:srgbClr val="000000"/>
+                </a:solidFill>
+                <a:latin typeface="Consolas" panose="020B0609020204030204" pitchFamily="49" charset="0"/>
+              </a:rPr>
+              <a:t>; </a:t>
+            </a:r>
+            <a:r>
+              <a:rPr lang="en-US" altLang="en-US" sz="1600" dirty="0" smtClean="0">
+                <a:solidFill>
+                  <a:srgbClr val="000000"/>
+                </a:solidFill>
+                <a:latin typeface="Consolas" panose="020B0609020204030204" pitchFamily="49" charset="0"/>
+              </a:rPr>
+              <a:t>j++) </a:t>
+            </a:r>
+            <a:r>
+              <a:rPr lang="en-US" altLang="en-US" sz="1600" dirty="0">
+                <a:solidFill>
+                  <a:srgbClr val="000000"/>
+                </a:solidFill>
+                <a:latin typeface="Consolas" panose="020B0609020204030204" pitchFamily="49" charset="0"/>
+              </a:rPr>
+              <a:t>{</a:t>
+            </a:r>
+            <a:br>
+              <a:rPr lang="en-US" altLang="en-US" sz="1600" dirty="0">
+                <a:solidFill>
+                  <a:srgbClr val="000000"/>
+                </a:solidFill>
+                <a:latin typeface="Consolas" panose="020B0609020204030204" pitchFamily="49" charset="0"/>
+              </a:rPr>
+            </a:br>
+            <a:r>
+              <a:rPr lang="en-US" altLang="en-US" sz="1600" dirty="0">
+                <a:solidFill>
+                  <a:srgbClr val="000000"/>
+                </a:solidFill>
+                <a:latin typeface="Consolas" panose="020B0609020204030204" pitchFamily="49" charset="0"/>
+              </a:rPr>
+              <a:t> </a:t>
+            </a:r>
+            <a:r>
+              <a:rPr lang="en-US" altLang="en-US" sz="1600" dirty="0" smtClean="0">
+                <a:solidFill>
+                  <a:srgbClr val="000000"/>
+                </a:solidFill>
+                <a:latin typeface="Consolas" panose="020B0609020204030204" pitchFamily="49" charset="0"/>
+              </a:rPr>
+              <a:t> </a:t>
+            </a:r>
+            <a:r>
+              <a:rPr lang="en-US" altLang="en-US" sz="1600" b="1" dirty="0" smtClean="0">
+                <a:solidFill>
+                  <a:srgbClr val="000080"/>
+                </a:solidFill>
+                <a:latin typeface="Consolas" panose="020B0609020204030204" pitchFamily="49" charset="0"/>
+              </a:rPr>
+              <a:t>for </a:t>
+            </a:r>
+            <a:r>
+              <a:rPr lang="en-US" altLang="en-US" sz="1600" dirty="0">
+                <a:solidFill>
+                  <a:srgbClr val="000000"/>
+                </a:solidFill>
+                <a:latin typeface="Consolas" panose="020B0609020204030204" pitchFamily="49" charset="0"/>
+              </a:rPr>
+              <a:t>(</a:t>
+            </a:r>
+            <a:r>
+              <a:rPr lang="en-US" altLang="en-US" sz="1600" b="1" dirty="0" err="1">
+                <a:solidFill>
+                  <a:srgbClr val="000080"/>
+                </a:solidFill>
+                <a:latin typeface="Consolas" panose="020B0609020204030204" pitchFamily="49" charset="0"/>
+              </a:rPr>
+              <a:t>int</a:t>
+            </a:r>
+            <a:r>
+              <a:rPr lang="en-US" altLang="en-US" sz="1600" b="1">
+                <a:solidFill>
+                  <a:srgbClr val="000080"/>
+                </a:solidFill>
+                <a:latin typeface="Consolas" panose="020B0609020204030204" pitchFamily="49" charset="0"/>
+              </a:rPr>
+              <a:t> </a:t>
+            </a:r>
+            <a:r>
+              <a:rPr lang="en-US" altLang="en-US" sz="1600" smtClean="0">
+                <a:solidFill>
+                  <a:srgbClr val="000000"/>
+                </a:solidFill>
+                <a:latin typeface="Consolas" panose="020B0609020204030204" pitchFamily="49" charset="0"/>
+              </a:rPr>
+              <a:t>k= </a:t>
+            </a:r>
+            <a:r>
+              <a:rPr lang="en-US" altLang="en-US" sz="1600" dirty="0">
+                <a:solidFill>
+                  <a:srgbClr val="0000FF"/>
+                </a:solidFill>
+                <a:latin typeface="Consolas" panose="020B0609020204030204" pitchFamily="49" charset="0"/>
+              </a:rPr>
+              <a:t>0</a:t>
+            </a:r>
+            <a:r>
+              <a:rPr lang="en-US" altLang="en-US" sz="1600">
+                <a:solidFill>
+                  <a:srgbClr val="000000"/>
+                </a:solidFill>
+                <a:latin typeface="Consolas" panose="020B0609020204030204" pitchFamily="49" charset="0"/>
+              </a:rPr>
+              <a:t>; </a:t>
+            </a:r>
+            <a:r>
+              <a:rPr lang="en-US" altLang="en-US" sz="1600" smtClean="0">
+                <a:solidFill>
+                  <a:srgbClr val="000000"/>
+                </a:solidFill>
+                <a:latin typeface="Consolas" panose="020B0609020204030204" pitchFamily="49" charset="0"/>
+              </a:rPr>
+              <a:t>k </a:t>
+            </a:r>
+            <a:r>
+              <a:rPr lang="en-US" altLang="en-US" sz="1600" dirty="0" smtClean="0">
+                <a:solidFill>
+                  <a:srgbClr val="000000"/>
+                </a:solidFill>
+                <a:latin typeface="Consolas" panose="020B0609020204030204" pitchFamily="49" charset="0"/>
+              </a:rPr>
+              <a:t>&lt; </a:t>
+            </a:r>
+            <a:r>
+              <a:rPr lang="en-US" altLang="en-US" sz="1600" b="1" i="1" dirty="0" smtClean="0">
+                <a:solidFill>
+                  <a:srgbClr val="660E7A"/>
+                </a:solidFill>
+                <a:latin typeface="Consolas" panose="020B0609020204030204" pitchFamily="49" charset="0"/>
+              </a:rPr>
+              <a:t>n</a:t>
+            </a:r>
+            <a:r>
+              <a:rPr lang="en-US" altLang="en-US" sz="1600">
+                <a:solidFill>
+                  <a:srgbClr val="000000"/>
+                </a:solidFill>
+                <a:latin typeface="Consolas" panose="020B0609020204030204" pitchFamily="49" charset="0"/>
+              </a:rPr>
+              <a:t>; </a:t>
+            </a:r>
+            <a:r>
+              <a:rPr lang="en-US" altLang="en-US" sz="1600" smtClean="0">
+                <a:solidFill>
+                  <a:srgbClr val="000000"/>
+                </a:solidFill>
+                <a:latin typeface="Consolas" panose="020B0609020204030204" pitchFamily="49" charset="0"/>
+              </a:rPr>
+              <a:t>k++) </a:t>
+            </a:r>
+            <a:r>
+              <a:rPr lang="en-US" altLang="en-US" sz="1600" dirty="0">
+                <a:solidFill>
+                  <a:srgbClr val="000000"/>
+                </a:solidFill>
+                <a:latin typeface="Consolas" panose="020B0609020204030204" pitchFamily="49" charset="0"/>
+              </a:rPr>
+              <a:t>{</a:t>
+            </a:r>
+            <a:br>
+              <a:rPr lang="en-US" altLang="en-US" sz="1600" dirty="0">
+                <a:solidFill>
+                  <a:srgbClr val="000000"/>
+                </a:solidFill>
+                <a:latin typeface="Consolas" panose="020B0609020204030204" pitchFamily="49" charset="0"/>
+              </a:rPr>
+            </a:br>
+            <a:r>
+              <a:rPr lang="en-US" altLang="en-US" sz="1600" dirty="0">
+                <a:solidFill>
+                  <a:srgbClr val="000000"/>
+                </a:solidFill>
+                <a:latin typeface="Consolas" panose="020B0609020204030204" pitchFamily="49" charset="0"/>
+              </a:rPr>
+              <a:t>   </a:t>
+            </a:r>
+            <a:r>
+              <a:rPr lang="en-US" altLang="en-US" sz="1600" dirty="0" smtClean="0">
+                <a:solidFill>
+                  <a:srgbClr val="000000"/>
+                </a:solidFill>
+                <a:latin typeface="Consolas" panose="020B0609020204030204" pitchFamily="49" charset="0"/>
+              </a:rPr>
+              <a:t> </a:t>
+            </a:r>
+            <a:r>
+              <a:rPr lang="en-US" altLang="en-US" sz="1600" b="1" dirty="0" smtClean="0">
+                <a:solidFill>
+                  <a:srgbClr val="000080"/>
+                </a:solidFill>
+                <a:latin typeface="Consolas" panose="020B0609020204030204" pitchFamily="49" charset="0"/>
+              </a:rPr>
+              <a:t>for </a:t>
+            </a:r>
+            <a:r>
+              <a:rPr lang="en-US" altLang="en-US" sz="1600" dirty="0">
+                <a:solidFill>
+                  <a:srgbClr val="000000"/>
+                </a:solidFill>
+                <a:latin typeface="Consolas" panose="020B0609020204030204" pitchFamily="49" charset="0"/>
+              </a:rPr>
+              <a:t>(</a:t>
+            </a:r>
+            <a:r>
+              <a:rPr lang="en-US" altLang="en-US" sz="1600" b="1" dirty="0" err="1">
+                <a:solidFill>
+                  <a:srgbClr val="000080"/>
+                </a:solidFill>
+                <a:latin typeface="Consolas" panose="020B0609020204030204" pitchFamily="49" charset="0"/>
+              </a:rPr>
+              <a:t>int</a:t>
+            </a:r>
+            <a:r>
+              <a:rPr lang="en-US" altLang="en-US" sz="1600" b="1" dirty="0">
+                <a:solidFill>
+                  <a:srgbClr val="000080"/>
+                </a:solidFill>
+                <a:latin typeface="Consolas" panose="020B0609020204030204" pitchFamily="49" charset="0"/>
+              </a:rPr>
+              <a:t> </a:t>
+            </a:r>
+            <a:r>
+              <a:rPr lang="en-US" altLang="en-US" sz="1600" dirty="0" err="1" smtClean="0">
+                <a:solidFill>
+                  <a:srgbClr val="000000"/>
+                </a:solidFill>
+                <a:latin typeface="Consolas" panose="020B0609020204030204" pitchFamily="49" charset="0"/>
+              </a:rPr>
+              <a:t>i</a:t>
+            </a:r>
+            <a:r>
+              <a:rPr lang="en-US" altLang="en-US" sz="1600" dirty="0" smtClean="0">
+                <a:solidFill>
+                  <a:srgbClr val="000000"/>
+                </a:solidFill>
+                <a:latin typeface="Consolas" panose="020B0609020204030204" pitchFamily="49" charset="0"/>
+              </a:rPr>
+              <a:t>= </a:t>
+            </a:r>
+            <a:r>
+              <a:rPr lang="en-US" altLang="en-US" sz="1600" dirty="0">
+                <a:solidFill>
+                  <a:srgbClr val="0000FF"/>
+                </a:solidFill>
+                <a:latin typeface="Consolas" panose="020B0609020204030204" pitchFamily="49" charset="0"/>
+              </a:rPr>
+              <a:t>0</a:t>
+            </a:r>
+            <a:r>
+              <a:rPr lang="en-US" altLang="en-US" sz="1600" dirty="0">
+                <a:solidFill>
+                  <a:srgbClr val="000000"/>
+                </a:solidFill>
+                <a:latin typeface="Consolas" panose="020B0609020204030204" pitchFamily="49" charset="0"/>
+              </a:rPr>
+              <a:t>; </a:t>
+            </a:r>
+            <a:r>
+              <a:rPr lang="en-US" altLang="en-US" sz="1600" dirty="0" err="1" smtClean="0">
+                <a:solidFill>
+                  <a:srgbClr val="000000"/>
+                </a:solidFill>
+                <a:latin typeface="Consolas" panose="020B0609020204030204" pitchFamily="49" charset="0"/>
+              </a:rPr>
+              <a:t>i</a:t>
+            </a:r>
+            <a:r>
+              <a:rPr lang="en-US" altLang="en-US" sz="1600" dirty="0" smtClean="0">
+                <a:solidFill>
+                  <a:srgbClr val="000000"/>
+                </a:solidFill>
+                <a:latin typeface="Consolas" panose="020B0609020204030204" pitchFamily="49" charset="0"/>
+              </a:rPr>
+              <a:t> &lt; </a:t>
+            </a:r>
+            <a:r>
+              <a:rPr lang="en-US" altLang="en-US" sz="1600" b="1" i="1" dirty="0" smtClean="0">
+                <a:solidFill>
+                  <a:srgbClr val="660E7A"/>
+                </a:solidFill>
+                <a:latin typeface="Consolas" panose="020B0609020204030204" pitchFamily="49" charset="0"/>
+              </a:rPr>
+              <a:t>n</a:t>
+            </a:r>
+            <a:r>
+              <a:rPr lang="en-US" altLang="en-US" sz="1600" dirty="0">
+                <a:solidFill>
+                  <a:srgbClr val="000000"/>
+                </a:solidFill>
+                <a:latin typeface="Consolas" panose="020B0609020204030204" pitchFamily="49" charset="0"/>
+              </a:rPr>
+              <a:t>; </a:t>
+            </a:r>
+            <a:r>
+              <a:rPr lang="en-US" altLang="en-US" sz="1600" dirty="0" err="1" smtClean="0">
+                <a:solidFill>
+                  <a:srgbClr val="000000"/>
+                </a:solidFill>
+                <a:latin typeface="Consolas" panose="020B0609020204030204" pitchFamily="49" charset="0"/>
+              </a:rPr>
+              <a:t>i</a:t>
+            </a:r>
+            <a:r>
+              <a:rPr lang="en-US" altLang="en-US" sz="1600" dirty="0" smtClean="0">
+                <a:solidFill>
+                  <a:srgbClr val="000000"/>
+                </a:solidFill>
+                <a:latin typeface="Consolas" panose="020B0609020204030204" pitchFamily="49" charset="0"/>
+              </a:rPr>
+              <a:t>++) </a:t>
+            </a:r>
+            <a:r>
+              <a:rPr lang="en-US" altLang="en-US" sz="1600" dirty="0">
+                <a:solidFill>
+                  <a:srgbClr val="000000"/>
+                </a:solidFill>
+                <a:latin typeface="Consolas" panose="020B0609020204030204" pitchFamily="49" charset="0"/>
+              </a:rPr>
+              <a:t>{</a:t>
+            </a:r>
+            <a:br>
+              <a:rPr lang="en-US" altLang="en-US" sz="1600" dirty="0">
+                <a:solidFill>
+                  <a:srgbClr val="000000"/>
+                </a:solidFill>
+                <a:latin typeface="Consolas" panose="020B0609020204030204" pitchFamily="49" charset="0"/>
+              </a:rPr>
+            </a:br>
+            <a:r>
+              <a:rPr lang="en-US" altLang="en-US" sz="1600" dirty="0">
+                <a:solidFill>
+                  <a:srgbClr val="000000"/>
+                </a:solidFill>
+                <a:latin typeface="Consolas" panose="020B0609020204030204" pitchFamily="49" charset="0"/>
+              </a:rPr>
+              <a:t>      </a:t>
+            </a:r>
+            <a:r>
+              <a:rPr lang="en-US" altLang="en-US" sz="1600" b="1" i="1" dirty="0" smtClean="0">
+                <a:solidFill>
+                  <a:srgbClr val="660E7A"/>
+                </a:solidFill>
+                <a:latin typeface="Consolas" panose="020B0609020204030204" pitchFamily="49" charset="0"/>
+              </a:rPr>
+              <a:t>C</a:t>
+            </a:r>
+            <a:r>
+              <a:rPr lang="en-US" altLang="en-US" sz="1600" dirty="0" smtClean="0">
+                <a:solidFill>
+                  <a:srgbClr val="000000"/>
+                </a:solidFill>
+                <a:latin typeface="Consolas" panose="020B0609020204030204" pitchFamily="49" charset="0"/>
+              </a:rPr>
+              <a:t>[</a:t>
+            </a:r>
+            <a:r>
+              <a:rPr lang="en-US" altLang="en-US" sz="1600" dirty="0" err="1" smtClean="0">
+                <a:solidFill>
+                  <a:srgbClr val="000000"/>
+                </a:solidFill>
+                <a:latin typeface="Consolas" panose="020B0609020204030204" pitchFamily="49" charset="0"/>
+              </a:rPr>
+              <a:t>i</a:t>
+            </a:r>
+            <a:r>
+              <a:rPr lang="en-US" altLang="en-US" sz="1600" dirty="0">
+                <a:solidFill>
+                  <a:srgbClr val="000000"/>
+                </a:solidFill>
+                <a:latin typeface="Consolas" panose="020B0609020204030204" pitchFamily="49" charset="0"/>
+              </a:rPr>
+              <a:t>][j</a:t>
+            </a:r>
+            <a:r>
+              <a:rPr lang="en-US" altLang="en-US" sz="1600" dirty="0" smtClean="0">
+                <a:solidFill>
+                  <a:srgbClr val="000000"/>
+                </a:solidFill>
+                <a:latin typeface="Consolas" panose="020B0609020204030204" pitchFamily="49" charset="0"/>
+              </a:rPr>
+              <a:t>]+= </a:t>
+            </a:r>
+            <a:r>
+              <a:rPr lang="en-US" altLang="en-US" sz="1600" b="1" i="1" dirty="0">
+                <a:solidFill>
+                  <a:srgbClr val="660E7A"/>
+                </a:solidFill>
+                <a:latin typeface="Consolas" panose="020B0609020204030204" pitchFamily="49" charset="0"/>
+              </a:rPr>
+              <a:t>A</a:t>
+            </a:r>
+            <a:r>
+              <a:rPr lang="en-US" altLang="en-US" sz="1600" dirty="0">
+                <a:solidFill>
+                  <a:srgbClr val="000000"/>
+                </a:solidFill>
+                <a:latin typeface="Consolas" panose="020B0609020204030204" pitchFamily="49" charset="0"/>
+              </a:rPr>
+              <a:t>[</a:t>
+            </a:r>
+            <a:r>
+              <a:rPr lang="en-US" altLang="en-US" sz="1600" dirty="0" err="1">
+                <a:solidFill>
+                  <a:srgbClr val="000000"/>
+                </a:solidFill>
+                <a:latin typeface="Consolas" panose="020B0609020204030204" pitchFamily="49" charset="0"/>
+              </a:rPr>
+              <a:t>i</a:t>
+            </a:r>
+            <a:r>
+              <a:rPr lang="en-US" altLang="en-US" sz="1600" dirty="0">
+                <a:solidFill>
+                  <a:srgbClr val="000000"/>
+                </a:solidFill>
+                <a:latin typeface="Consolas" panose="020B0609020204030204" pitchFamily="49" charset="0"/>
+              </a:rPr>
+              <a:t>][k</a:t>
+            </a:r>
+            <a:r>
+              <a:rPr lang="en-US" altLang="en-US" sz="1600" dirty="0" smtClean="0">
+                <a:solidFill>
+                  <a:srgbClr val="000000"/>
+                </a:solidFill>
+                <a:latin typeface="Consolas" panose="020B0609020204030204" pitchFamily="49" charset="0"/>
+              </a:rPr>
+              <a:t>]*</a:t>
+            </a:r>
+            <a:r>
+              <a:rPr lang="en-US" altLang="en-US" sz="1600" b="1" i="1" dirty="0" smtClean="0">
+                <a:solidFill>
+                  <a:srgbClr val="660E7A"/>
+                </a:solidFill>
+                <a:latin typeface="Consolas" panose="020B0609020204030204" pitchFamily="49" charset="0"/>
+              </a:rPr>
+              <a:t>B</a:t>
+            </a:r>
+            <a:r>
+              <a:rPr lang="en-US" altLang="en-US" sz="1600" dirty="0" smtClean="0">
+                <a:solidFill>
+                  <a:srgbClr val="000000"/>
+                </a:solidFill>
+                <a:latin typeface="Consolas" panose="020B0609020204030204" pitchFamily="49" charset="0"/>
+              </a:rPr>
+              <a:t>[k</a:t>
+            </a:r>
+            <a:r>
+              <a:rPr lang="en-US" altLang="en-US" sz="1600" dirty="0">
+                <a:solidFill>
+                  <a:srgbClr val="000000"/>
+                </a:solidFill>
+                <a:latin typeface="Consolas" panose="020B0609020204030204" pitchFamily="49" charset="0"/>
+              </a:rPr>
+              <a:t>][j];</a:t>
+            </a:r>
+            <a:br>
+              <a:rPr lang="en-US" altLang="en-US" sz="1600" dirty="0">
+                <a:solidFill>
+                  <a:srgbClr val="000000"/>
+                </a:solidFill>
+                <a:latin typeface="Consolas" panose="020B0609020204030204" pitchFamily="49" charset="0"/>
+              </a:rPr>
+            </a:br>
+            <a:r>
+              <a:rPr lang="en-US" altLang="en-US" sz="1600" dirty="0">
+                <a:solidFill>
+                  <a:srgbClr val="000000"/>
+                </a:solidFill>
+                <a:latin typeface="Consolas" panose="020B0609020204030204" pitchFamily="49" charset="0"/>
+              </a:rPr>
+              <a:t>    </a:t>
+            </a:r>
+            <a:r>
+              <a:rPr lang="en-US" altLang="en-US" sz="1600" dirty="0" smtClean="0">
+                <a:solidFill>
+                  <a:srgbClr val="000000"/>
+                </a:solidFill>
+                <a:latin typeface="Consolas" panose="020B0609020204030204" pitchFamily="49" charset="0"/>
+              </a:rPr>
+              <a:t>}</a:t>
+            </a:r>
+            <a:r>
+              <a:rPr lang="en-US" altLang="en-US" sz="1600" dirty="0">
+                <a:solidFill>
+                  <a:srgbClr val="000000"/>
+                </a:solidFill>
+                <a:latin typeface="Consolas" panose="020B0609020204030204" pitchFamily="49" charset="0"/>
+              </a:rPr>
+              <a:t/>
+            </a:r>
+            <a:br>
+              <a:rPr lang="en-US" altLang="en-US" sz="1600" dirty="0">
+                <a:solidFill>
+                  <a:srgbClr val="000000"/>
+                </a:solidFill>
+                <a:latin typeface="Consolas" panose="020B0609020204030204" pitchFamily="49" charset="0"/>
+              </a:rPr>
+            </a:br>
+            <a:r>
+              <a:rPr lang="en-US" altLang="en-US" sz="1600" dirty="0">
+                <a:solidFill>
+                  <a:srgbClr val="000000"/>
+                </a:solidFill>
+                <a:latin typeface="Consolas" panose="020B0609020204030204" pitchFamily="49" charset="0"/>
+              </a:rPr>
+              <a:t>  </a:t>
+            </a:r>
+            <a:r>
+              <a:rPr lang="en-US" altLang="en-US" sz="1600" dirty="0" smtClean="0">
+                <a:solidFill>
+                  <a:srgbClr val="000000"/>
+                </a:solidFill>
+                <a:latin typeface="Consolas" panose="020B0609020204030204" pitchFamily="49" charset="0"/>
+              </a:rPr>
+              <a:t>}</a:t>
+            </a:r>
+            <a:r>
+              <a:rPr lang="en-US" altLang="en-US" sz="1600" dirty="0">
+                <a:solidFill>
+                  <a:srgbClr val="000000"/>
+                </a:solidFill>
+                <a:latin typeface="Consolas" panose="020B0609020204030204" pitchFamily="49" charset="0"/>
+              </a:rPr>
+              <a:t/>
+            </a:r>
+            <a:br>
+              <a:rPr lang="en-US" altLang="en-US" sz="1600" dirty="0">
+                <a:solidFill>
+                  <a:srgbClr val="000000"/>
+                </a:solidFill>
+                <a:latin typeface="Consolas" panose="020B0609020204030204" pitchFamily="49" charset="0"/>
+              </a:rPr>
+            </a:br>
+            <a:r>
+              <a:rPr lang="en-US" altLang="en-US" sz="1600" dirty="0" smtClean="0">
+                <a:solidFill>
+                  <a:srgbClr val="000000"/>
+                </a:solidFill>
+                <a:latin typeface="Consolas" panose="020B0609020204030204" pitchFamily="49" charset="0"/>
+              </a:rPr>
+              <a:t>}</a:t>
+            </a:r>
+            <a:endParaRPr lang="en-US" sz="1600" dirty="0"/>
+          </a:p>
+        </p:txBody>
+      </p:sp>
+      <p:sp>
+        <p:nvSpPr>
+          <p:cNvPr id="8" name="Rectangle 7"/>
+          <p:cNvSpPr/>
+          <p:nvPr/>
+        </p:nvSpPr>
+        <p:spPr>
+          <a:xfrm>
+            <a:off x="1071372" y="4739792"/>
+            <a:ext cx="2289048" cy="1569660"/>
+          </a:xfrm>
+          <a:prstGeom prst="rect">
+            <a:avLst/>
+          </a:prstGeom>
+        </p:spPr>
+        <p:txBody>
+          <a:bodyPr wrap="square">
+            <a:spAutoFit/>
+          </a:bodyPr>
+          <a:lstStyle/>
+          <a:p>
+            <a:pPr>
+              <a:spcBef>
+                <a:spcPts val="1800"/>
+              </a:spcBef>
+            </a:pPr>
+            <a:r>
+              <a:rPr lang="en-US" sz="2400" b="1">
+                <a:solidFill>
+                  <a:srgbClr val="1E3272"/>
+                </a:solidFill>
+              </a:rPr>
+              <a:t>Running time:</a:t>
+            </a:r>
+          </a:p>
+          <a:p>
+            <a:r>
+              <a:rPr lang="en-US" sz="2400">
+                <a:solidFill>
+                  <a:srgbClr val="1E3272"/>
+                </a:solidFill>
+              </a:rPr>
+              <a:t>13.714264 sec.</a:t>
+            </a:r>
+          </a:p>
+          <a:p>
+            <a:r>
+              <a:rPr lang="en-US" sz="2400" b="1">
+                <a:solidFill>
+                  <a:srgbClr val="1E3272"/>
+                </a:solidFill>
+              </a:rPr>
+              <a:t>Performance</a:t>
+            </a:r>
+            <a:r>
+              <a:rPr lang="en-US" sz="2400" b="1" smtClean="0">
+                <a:solidFill>
+                  <a:srgbClr val="1E3272"/>
+                </a:solidFill>
+              </a:rPr>
+              <a:t>:</a:t>
+            </a:r>
+          </a:p>
+          <a:p>
+            <a:r>
+              <a:rPr lang="en-US" sz="2400" smtClean="0">
+                <a:solidFill>
+                  <a:srgbClr val="1E3272"/>
+                </a:solidFill>
+              </a:rPr>
+              <a:t>~ </a:t>
+            </a:r>
+            <a:r>
+              <a:rPr lang="en-US" sz="2400">
+                <a:solidFill>
+                  <a:srgbClr val="1E3272"/>
+                </a:solidFill>
+              </a:rPr>
+              <a:t>153 MFLOPS</a:t>
+            </a:r>
+          </a:p>
+        </p:txBody>
+      </p:sp>
+      <p:sp>
+        <p:nvSpPr>
+          <p:cNvPr id="9" name="Rectangle 8"/>
+          <p:cNvSpPr/>
+          <p:nvPr/>
+        </p:nvSpPr>
+        <p:spPr>
+          <a:xfrm>
+            <a:off x="5012436" y="4739792"/>
+            <a:ext cx="2167128" cy="1569660"/>
+          </a:xfrm>
+          <a:prstGeom prst="rect">
+            <a:avLst/>
+          </a:prstGeom>
+        </p:spPr>
+        <p:txBody>
+          <a:bodyPr wrap="square">
+            <a:spAutoFit/>
+          </a:bodyPr>
+          <a:lstStyle/>
+          <a:p>
+            <a:pPr>
+              <a:spcBef>
+                <a:spcPts val="1800"/>
+              </a:spcBef>
+            </a:pPr>
+            <a:r>
+              <a:rPr lang="en-US" sz="2400" b="1">
+                <a:solidFill>
+                  <a:srgbClr val="00B050"/>
+                </a:solidFill>
+              </a:rPr>
+              <a:t>Running time:</a:t>
+            </a:r>
+          </a:p>
+          <a:p>
+            <a:r>
+              <a:rPr lang="en-US" sz="2400">
+                <a:solidFill>
+                  <a:srgbClr val="00B050"/>
+                </a:solidFill>
+              </a:rPr>
+              <a:t>2.739385 sec.</a:t>
+            </a:r>
+          </a:p>
+          <a:p>
+            <a:r>
+              <a:rPr lang="en-US" sz="2400" b="1">
+                <a:solidFill>
+                  <a:srgbClr val="00B050"/>
+                </a:solidFill>
+              </a:rPr>
+              <a:t>Performance</a:t>
+            </a:r>
+            <a:r>
+              <a:rPr lang="en-US" sz="2400" b="1" smtClean="0">
+                <a:solidFill>
+                  <a:srgbClr val="00B050"/>
+                </a:solidFill>
+              </a:rPr>
+              <a:t>:</a:t>
+            </a:r>
+          </a:p>
+          <a:p>
+            <a:r>
+              <a:rPr lang="en-US" sz="2400">
+                <a:solidFill>
+                  <a:srgbClr val="00B050"/>
+                </a:solidFill>
+              </a:rPr>
+              <a:t>~ 795 MFLOPS</a:t>
+            </a:r>
+          </a:p>
+        </p:txBody>
+      </p:sp>
+      <p:sp>
+        <p:nvSpPr>
+          <p:cNvPr id="10" name="Rectangle 9"/>
+          <p:cNvSpPr/>
+          <p:nvPr/>
+        </p:nvSpPr>
+        <p:spPr>
+          <a:xfrm>
+            <a:off x="8811768" y="4757153"/>
+            <a:ext cx="2383536" cy="1569660"/>
+          </a:xfrm>
+          <a:prstGeom prst="rect">
+            <a:avLst/>
+          </a:prstGeom>
+        </p:spPr>
+        <p:txBody>
+          <a:bodyPr wrap="square">
+            <a:spAutoFit/>
+          </a:bodyPr>
+          <a:lstStyle/>
+          <a:p>
+            <a:pPr>
+              <a:spcBef>
+                <a:spcPts val="1800"/>
+              </a:spcBef>
+            </a:pPr>
+            <a:r>
+              <a:rPr lang="en-US" sz="2400" b="1">
+                <a:solidFill>
+                  <a:srgbClr val="FF0000"/>
+                </a:solidFill>
+              </a:rPr>
+              <a:t>Running time:</a:t>
+            </a:r>
+          </a:p>
+          <a:p>
+            <a:r>
+              <a:rPr lang="en-US" sz="2400">
+                <a:solidFill>
+                  <a:srgbClr val="FF0000"/>
+                </a:solidFill>
+              </a:rPr>
+              <a:t>19.074106 sec.</a:t>
+            </a:r>
+          </a:p>
+          <a:p>
+            <a:r>
+              <a:rPr lang="en-US" sz="2400" b="1">
+                <a:solidFill>
+                  <a:srgbClr val="FF0000"/>
+                </a:solidFill>
+              </a:rPr>
+              <a:t>Performance</a:t>
+            </a:r>
+            <a:r>
+              <a:rPr lang="en-US" sz="2400" b="1" smtClean="0">
+                <a:solidFill>
+                  <a:srgbClr val="FF0000"/>
+                </a:solidFill>
+              </a:rPr>
+              <a:t>:</a:t>
+            </a:r>
+          </a:p>
+          <a:p>
+            <a:r>
+              <a:rPr lang="en-US" sz="2400">
+                <a:solidFill>
+                  <a:srgbClr val="FF0000"/>
+                </a:solidFill>
+              </a:rPr>
+              <a:t>~ 113 MFLOPS</a:t>
+            </a:r>
+          </a:p>
+        </p:txBody>
+      </p:sp>
+    </p:spTree>
+    <p:extLst>
+      <p:ext uri="{BB962C8B-B14F-4D97-AF65-F5344CB8AC3E}">
+        <p14:creationId xmlns:p14="http://schemas.microsoft.com/office/powerpoint/2010/main" xmlns="" val="2808821390"/>
+      </p:ext>
+    </p:extLst>
+  </p:cSld>
+  <p:clrMapOvr>
+    <a:masterClrMapping/>
+  </p:clrMapOvr>
+  <p:timing>
+    <p:tnLst>
+      <p:par>
+        <p:cTn id="1" dur="indefinite" restart="never" nodeType="tmRoot"/>
+      </p:par>
+    </p:tnLst>
+  </p:timing>
+</p:sld>
+</file>
+
+<file path=ppt/slides/slide11.xml><?xml version="1.0" encoding="utf-8"?>
+<p:sld xmlns:a="http://schemas.openxmlformats.org/drawingml/2006/main" xmlns:r="http://schemas.openxmlformats.org/officeDocument/2006/relationships" xmlns:p="http://schemas.openxmlformats.org/presentationml/2006/main">
+  <p:cSld>
+    <p:spTree>
+      <p:nvGrpSpPr>
+        <p:cNvPr id="1" name=""/>
+        <p:cNvGrpSpPr/>
+        <p:nvPr/>
+      </p:nvGrpSpPr>
+      <p:grpSpPr>
+        <a:xfrm>
+          <a:off x="0" y="0"/>
+          <a:ext cx="0" cy="0"/>
+          <a:chOff x="0" y="0"/>
+          <a:chExt cx="0" cy="0"/>
+        </a:xfrm>
+      </p:grpSpPr>
       <p:graphicFrame>
         <p:nvGraphicFramePr>
           <p:cNvPr id="5" name="Content Placeholder 4"/>
@@ -4258,7 +6559,7 @@
             <p:ph idx="1"/>
             <p:extLst>
               <p:ext uri="{D42A27DB-BD31-4B8C-83A1-F6EECF244321}">
-                <p14:modId xmlns:p14="http://schemas.microsoft.com/office/powerpoint/2010/main" val="2853019934"/>
+                <p14:modId xmlns:p14="http://schemas.microsoft.com/office/powerpoint/2010/main" xmlns="" val="2853019934"/>
               </p:ext>
             </p:extLst>
           </p:nvPr>
@@ -4654,7 +6955,7 @@
             <a:fld id="{1397BFD8-F312-4EF2-A268-44FB4BDDBBB0}" type="slidenum">
               <a:rPr lang="ru-RU" smtClean="0"/>
               <a:pPr algn="ctr"/>
-              <a:t>10</a:t>
+              <a:t>11</a:t>
             </a:fld>
             <a:endParaRPr lang="ru-RU" dirty="0"/>
           </a:p>
@@ -4691,8 +6992,8 @@
           </a:p>
         </p:txBody>
       </p:sp>
-      <mc:AlternateContent xmlns:mc="http://schemas.openxmlformats.org/markup-compatibility/2006" xmlns:a14="http://schemas.microsoft.com/office/drawing/2010/main">
-        <mc:Choice Requires="a14">
+      <mc:AlternateContent xmlns:mc="http://schemas.openxmlformats.org/markup-compatibility/2006">
+        <mc:Choice xmlns:a14="http://schemas.microsoft.com/office/drawing/2010/main" xmlns="" Requires="a14">
           <p:sp>
             <p:nvSpPr>
               <p:cNvPr id="6" name="Rectangle 5"/>
@@ -4841,7 +7142,7 @@
             </p:txBody>
           </p:sp>
         </mc:Choice>
-        <mc:Fallback xmlns="">
+        <mc:Fallback>
           <p:sp>
             <p:nvSpPr>
               <p:cNvPr id="6" name="Rectangle 5"/>
@@ -4883,7 +7184,7 @@
     </p:spTree>
     <p:extLst>
       <p:ext uri="{BB962C8B-B14F-4D97-AF65-F5344CB8AC3E}">
-        <p14:creationId xmlns:p14="http://schemas.microsoft.com/office/powerpoint/2010/main" val="1319878854"/>
+        <p14:creationId xmlns:p14="http://schemas.microsoft.com/office/powerpoint/2010/main" xmlns="" val="1319878854"/>
       </p:ext>
     </p:extLst>
   </p:cSld>
@@ -4900,7 +7201,7 @@
 </p:sld>
 </file>
 
-<file path=ppt/slides/slide11.xml><?xml version="1.0" encoding="utf-8"?>
+<file path=ppt/slides/slide12.xml><?xml version="1.0" encoding="utf-8"?>
 <p:sld xmlns:a="http://schemas.openxmlformats.org/drawingml/2006/main" xmlns:r="http://schemas.openxmlformats.org/officeDocument/2006/relationships" xmlns:p="http://schemas.openxmlformats.org/presentationml/2006/main">
   <p:cSld>
     <p:spTree>
@@ -4936,7 +7237,7 @@
             <a:fld id="{1397BFD8-F312-4EF2-A268-44FB4BDDBBB0}" type="slidenum">
               <a:rPr lang="ru-RU" smtClean="0"/>
               <a:pPr algn="ctr"/>
-              <a:t>11</a:t>
+              <a:t>12</a:t>
             </a:fld>
             <a:endParaRPr lang="ru-RU" dirty="0"/>
           </a:p>
@@ -4975,7 +7276,7 @@
             <p:ph idx="1"/>
             <p:extLst>
               <p:ext uri="{D42A27DB-BD31-4B8C-83A1-F6EECF244321}">
-                <p14:modId xmlns:p14="http://schemas.microsoft.com/office/powerpoint/2010/main" val="895195415"/>
+                <p14:modId xmlns:p14="http://schemas.microsoft.com/office/powerpoint/2010/main" xmlns="" val="895195415"/>
               </p:ext>
             </p:extLst>
           </p:nvPr>
@@ -5279,7 +7580,7 @@
     </p:spTree>
     <p:extLst>
       <p:ext uri="{BB962C8B-B14F-4D97-AF65-F5344CB8AC3E}">
-        <p14:creationId xmlns:p14="http://schemas.microsoft.com/office/powerpoint/2010/main" val="1991606056"/>
+        <p14:creationId xmlns:p14="http://schemas.microsoft.com/office/powerpoint/2010/main" xmlns="" val="1991606056"/>
       </p:ext>
     </p:extLst>
   </p:cSld>
@@ -5296,7 +7597,7 @@
 </p:sld>
 </file>
 
-<file path=ppt/slides/slide12.xml><?xml version="1.0" encoding="utf-8"?>
+<file path=ppt/slides/slide13.xml><?xml version="1.0" encoding="utf-8"?>
 <p:sld xmlns:a="http://schemas.openxmlformats.org/drawingml/2006/main" xmlns:r="http://schemas.openxmlformats.org/officeDocument/2006/relationships" xmlns:p="http://schemas.openxmlformats.org/presentationml/2006/main">
   <p:cSld>
     <p:spTree>
@@ -5388,7 +7689,7 @@
             <a:fld id="{1397BFD8-F312-4EF2-A268-44FB4BDDBBB0}" type="slidenum">
               <a:rPr lang="ru-RU" smtClean="0"/>
               <a:pPr algn="ctr"/>
-              <a:t>12</a:t>
+              <a:t>13</a:t>
             </a:fld>
             <a:endParaRPr lang="ru-RU" dirty="0"/>
           </a:p>
@@ -5447,7 +7748,7 @@
           <a:blip r:embed="rId2" cstate="print">
             <a:extLst>
               <a:ext uri="{28A0092B-C50C-407E-A947-70E740481C1C}">
-                <a14:useLocalDpi xmlns:a14="http://schemas.microsoft.com/office/drawing/2010/main" val="0"/>
+                <a14:useLocalDpi xmlns:a14="http://schemas.microsoft.com/office/drawing/2010/main" xmlns="" val="0"/>
               </a:ext>
             </a:extLst>
           </a:blip>
@@ -5467,7 +7768,7 @@
           <a:noFill/>
           <a:extLst>
             <a:ext uri="{909E8E84-426E-40DD-AFC4-6F175D3DCCD1}">
-              <a14:hiddenFill xmlns:a14="http://schemas.microsoft.com/office/drawing/2010/main">
+              <a14:hiddenFill xmlns:a14="http://schemas.microsoft.com/office/drawing/2010/main" xmlns="">
                 <a:solidFill>
                   <a:srgbClr val="FFFFFF"/>
                 </a:solidFill>
@@ -5479,7 +7780,7 @@
     </p:spTree>
     <p:extLst>
       <p:ext uri="{BB962C8B-B14F-4D97-AF65-F5344CB8AC3E}">
-        <p14:creationId xmlns:p14="http://schemas.microsoft.com/office/powerpoint/2010/main" val="1147934676"/>
+        <p14:creationId xmlns:p14="http://schemas.microsoft.com/office/powerpoint/2010/main" xmlns="" val="1147934676"/>
       </p:ext>
     </p:extLst>
   </p:cSld>
@@ -5496,7 +7797,7 @@
 </p:sld>
 </file>
 
-<file path=ppt/slides/slide13.xml><?xml version="1.0" encoding="utf-8"?>
+<file path=ppt/slides/slide14.xml><?xml version="1.0" encoding="utf-8"?>
 <p:sld xmlns:a="http://schemas.openxmlformats.org/drawingml/2006/main" xmlns:r="http://schemas.openxmlformats.org/officeDocument/2006/relationships" xmlns:p="http://schemas.openxmlformats.org/presentationml/2006/main">
   <p:cSld>
     <p:spTree>
@@ -5602,7 +7903,7 @@
             <a:fld id="{1397BFD8-F312-4EF2-A268-44FB4BDDBBB0}" type="slidenum">
               <a:rPr lang="ru-RU" smtClean="0"/>
               <a:pPr algn="ctr"/>
-              <a:t>13</a:t>
+              <a:t>14</a:t>
             </a:fld>
             <a:endParaRPr lang="ru-RU" dirty="0"/>
           </a:p>
@@ -6208,7 +8509,7 @@
 </p:sld>
 </file>
 
-<file path=ppt/slides/slide14.xml><?xml version="1.0" encoding="utf-8"?>
+<file path=ppt/slides/slide15.xml><?xml version="1.0" encoding="utf-8"?>
 <p:sld xmlns:a="http://schemas.openxmlformats.org/drawingml/2006/main" xmlns:r="http://schemas.openxmlformats.org/officeDocument/2006/relationships" xmlns:p="http://schemas.openxmlformats.org/presentationml/2006/main">
   <p:cSld>
     <p:spTree>
@@ -6314,7 +8615,7 @@
             <a:fld id="{1397BFD8-F312-4EF2-A268-44FB4BDDBBB0}" type="slidenum">
               <a:rPr lang="ru-RU" smtClean="0"/>
               <a:pPr algn="ctr"/>
-              <a:t>14</a:t>
+              <a:t>15</a:t>
             </a:fld>
             <a:endParaRPr lang="ru-RU" dirty="0"/>
           </a:p>
@@ -6377,7 +8678,7 @@
           <a:blip r:embed="rId2" cstate="print">
             <a:extLst>
               <a:ext uri="{28A0092B-C50C-407E-A947-70E740481C1C}">
-                <a14:useLocalDpi xmlns:a14="http://schemas.microsoft.com/office/drawing/2010/main" val="0"/>
+                <a14:useLocalDpi xmlns:a14="http://schemas.microsoft.com/office/drawing/2010/main" xmlns="" val="0"/>
               </a:ext>
             </a:extLst>
           </a:blip>
@@ -6397,7 +8698,7 @@
           <a:noFill/>
           <a:extLst>
             <a:ext uri="{909E8E84-426E-40DD-AFC4-6F175D3DCCD1}">
-              <a14:hiddenFill xmlns:a14="http://schemas.microsoft.com/office/drawing/2010/main">
+              <a14:hiddenFill xmlns:a14="http://schemas.microsoft.com/office/drawing/2010/main" xmlns="">
                 <a:solidFill>
                   <a:srgbClr val="FFFFFF"/>
                 </a:solidFill>
@@ -6409,7 +8710,7 @@
     </p:spTree>
     <p:extLst>
       <p:ext uri="{BB962C8B-B14F-4D97-AF65-F5344CB8AC3E}">
-        <p14:creationId xmlns:p14="http://schemas.microsoft.com/office/powerpoint/2010/main" val="2950914556"/>
+        <p14:creationId xmlns:p14="http://schemas.microsoft.com/office/powerpoint/2010/main" xmlns="" val="2950914556"/>
       </p:ext>
     </p:extLst>
   </p:cSld>
@@ -6426,7 +8727,7 @@
 </p:sld>
 </file>
 
-<file path=ppt/slides/slide15.xml><?xml version="1.0" encoding="utf-8"?>
+<file path=ppt/slides/slide16.xml><?xml version="1.0" encoding="utf-8"?>
 <p:sld xmlns:a="http://schemas.openxmlformats.org/drawingml/2006/main" xmlns:r="http://schemas.openxmlformats.org/officeDocument/2006/relationships" xmlns:p="http://schemas.openxmlformats.org/presentationml/2006/main">
   <p:cSld>
     <p:spTree>
@@ -6455,7 +8756,7 @@
           <a:blip r:embed="rId2" cstate="print">
             <a:extLst>
               <a:ext uri="{28A0092B-C50C-407E-A947-70E740481C1C}">
-                <a14:useLocalDpi xmlns:a14="http://schemas.microsoft.com/office/drawing/2010/main" val="0"/>
+                <a14:useLocalDpi xmlns:a14="http://schemas.microsoft.com/office/drawing/2010/main" xmlns="" val="0"/>
               </a:ext>
             </a:extLst>
           </a:blip>
@@ -6475,7 +8776,7 @@
           <a:noFill/>
           <a:extLst>
             <a:ext uri="{909E8E84-426E-40DD-AFC4-6F175D3DCCD1}">
-              <a14:hiddenFill xmlns:a14="http://schemas.microsoft.com/office/drawing/2010/main">
+              <a14:hiddenFill xmlns:a14="http://schemas.microsoft.com/office/drawing/2010/main" xmlns="">
                 <a:solidFill>
                   <a:srgbClr val="FFFFFF"/>
                 </a:solidFill>
@@ -6573,7 +8874,7 @@
             <a:fld id="{1397BFD8-F312-4EF2-A268-44FB4BDDBBB0}" type="slidenum">
               <a:rPr lang="ru-RU" smtClean="0"/>
               <a:pPr algn="ctr"/>
-              <a:t>15</a:t>
+              <a:t>16</a:t>
             </a:fld>
             <a:endParaRPr lang="ru-RU" dirty="0"/>
           </a:p>
@@ -7048,286 +9349,7 @@
     </p:spTree>
     <p:extLst>
       <p:ext uri="{BB962C8B-B14F-4D97-AF65-F5344CB8AC3E}">
-        <p14:creationId xmlns:p14="http://schemas.microsoft.com/office/powerpoint/2010/main" val="4087179089"/>
-      </p:ext>
-    </p:extLst>
-  </p:cSld>
-  <p:clrMapOvr>
-    <a:masterClrMapping/>
-  </p:clrMapOvr>
-  <p:timing>
-    <p:tnLst>
-      <p:par>
-        <p:cTn id="1" dur="indefinite" restart="never" nodeType="tmRoot"/>
-      </p:par>
-    </p:tnLst>
-  </p:timing>
-</p:sld>
-</file>
-
-<file path=ppt/slides/slide16.xml><?xml version="1.0" encoding="utf-8"?>
-<p:sld xmlns:a="http://schemas.openxmlformats.org/drawingml/2006/main" xmlns:r="http://schemas.openxmlformats.org/officeDocument/2006/relationships" xmlns:p="http://schemas.openxmlformats.org/presentationml/2006/main">
-  <p:cSld>
-    <p:spTree>
-      <p:nvGrpSpPr>
-        <p:cNvPr id="1" name=""/>
-        <p:cNvGrpSpPr/>
-        <p:nvPr/>
-      </p:nvGrpSpPr>
-      <p:grpSpPr>
-        <a:xfrm>
-          <a:off x="0" y="0"/>
-          <a:ext cx="0" cy="0"/>
-          <a:chOff x="0" y="0"/>
-          <a:chExt cx="0" cy="0"/>
-        </a:xfrm>
-      </p:grpSpPr>
-      <p:sp>
-        <p:nvSpPr>
-          <p:cNvPr id="2" name="Content Placeholder 1"/>
-          <p:cNvSpPr>
-            <a:spLocks noGrp="1"/>
-          </p:cNvSpPr>
-          <p:nvPr>
-            <p:ph idx="1"/>
-          </p:nvPr>
-        </p:nvSpPr>
-        <p:spPr>
-          <a:xfrm>
-            <a:off x="838200" y="1178052"/>
-            <a:ext cx="7341704" cy="5492305"/>
-          </a:xfrm>
-        </p:spPr>
-        <p:txBody>
-          <a:bodyPr>
-            <a:normAutofit/>
-          </a:bodyPr>
-          <a:lstStyle/>
-          <a:p>
-            <a:r>
-              <a:rPr lang="en-US" dirty="0" smtClean="0"/>
-              <a:t>1980–Present: personal computers, laptops, servers (Apple, IBM, etc.)</a:t>
-            </a:r>
-          </a:p>
-          <a:p>
-            <a:r>
-              <a:rPr lang="en-US" dirty="0" smtClean="0"/>
-              <a:t>Architectures: x86-64</a:t>
-            </a:r>
-            <a:r>
-              <a:rPr lang="en-US" dirty="0"/>
-              <a:t>, </a:t>
-            </a:r>
-            <a:r>
-              <a:rPr lang="en-US" dirty="0" smtClean="0"/>
-              <a:t>Itanium, ARM, MIPS, PowerPC, SPARC, RISC-V, etc.</a:t>
-            </a:r>
-          </a:p>
-          <a:p>
-            <a:r>
-              <a:rPr lang="en-US" dirty="0" smtClean="0"/>
-              <a:t>Operating systems: UNIX (System V and BSD), MINIX, Linux, </a:t>
-            </a:r>
-            <a:r>
-              <a:rPr lang="en-US" dirty="0" err="1" smtClean="0"/>
-              <a:t>MacOS</a:t>
-            </a:r>
-            <a:r>
-              <a:rPr lang="en-US" dirty="0" smtClean="0"/>
-              <a:t>, </a:t>
-            </a:r>
-            <a:r>
-              <a:rPr lang="en-US" dirty="0"/>
-              <a:t>DOS, </a:t>
-            </a:r>
-            <a:r>
-              <a:rPr lang="en-US" dirty="0" smtClean="0"/>
-              <a:t>Windows (NT)</a:t>
-            </a:r>
-          </a:p>
-          <a:p>
-            <a:r>
-              <a:rPr lang="en-US" dirty="0" smtClean="0"/>
-              <a:t>ISA (CISC, RISC, VLIW), </a:t>
-            </a:r>
-            <a:r>
-              <a:rPr lang="en-US" dirty="0"/>
-              <a:t>caches, </a:t>
-            </a:r>
-            <a:r>
-              <a:rPr lang="en-US" dirty="0" smtClean="0"/>
-              <a:t>pipelines, SIMD</a:t>
-            </a:r>
-            <a:r>
-              <a:rPr lang="en-US" dirty="0"/>
-              <a:t>, vectors, </a:t>
-            </a:r>
-            <a:r>
-              <a:rPr lang="en-US" dirty="0" err="1" smtClean="0"/>
-              <a:t>hyperthreading</a:t>
-            </a:r>
-            <a:r>
-              <a:rPr lang="en-US" dirty="0" smtClean="0"/>
-              <a:t>, multicore</a:t>
-            </a:r>
-            <a:endParaRPr lang="en-US" dirty="0"/>
-          </a:p>
-        </p:txBody>
-      </p:sp>
-      <p:sp>
-        <p:nvSpPr>
-          <p:cNvPr id="3" name="Slide Number Placeholder 2"/>
-          <p:cNvSpPr>
-            <a:spLocks noGrp="1"/>
-          </p:cNvSpPr>
-          <p:nvPr>
-            <p:ph type="sldNum" sz="quarter" idx="12"/>
-          </p:nvPr>
-        </p:nvSpPr>
-        <p:spPr/>
-        <p:txBody>
-          <a:bodyPr/>
-          <a:lstStyle/>
-          <a:p>
-            <a:pPr algn="ctr"/>
-            <a:fld id="{1397BFD8-F312-4EF2-A268-44FB4BDDBBB0}" type="slidenum">
-              <a:rPr lang="ru-RU" smtClean="0"/>
-              <a:pPr algn="ctr"/>
-              <a:t>16</a:t>
-            </a:fld>
-            <a:endParaRPr lang="ru-RU" dirty="0"/>
-          </a:p>
-        </p:txBody>
-      </p:sp>
-      <p:sp>
-        <p:nvSpPr>
-          <p:cNvPr id="4" name="Title 3"/>
-          <p:cNvSpPr>
-            <a:spLocks noGrp="1"/>
-          </p:cNvSpPr>
-          <p:nvPr>
-            <p:ph type="title"/>
-          </p:nvPr>
-        </p:nvSpPr>
-        <p:spPr/>
-        <p:txBody>
-          <a:bodyPr/>
-          <a:lstStyle/>
-          <a:p>
-            <a:r>
-              <a:rPr lang="en-US" dirty="0"/>
-              <a:t>History: </a:t>
-            </a:r>
-            <a:r>
-              <a:rPr lang="en-US" dirty="0" smtClean="0"/>
-              <a:t>4</a:t>
-            </a:r>
-            <a:r>
-              <a:rPr lang="en-US" baseline="30000" dirty="0" smtClean="0"/>
-              <a:t>th</a:t>
-            </a:r>
-            <a:r>
-              <a:rPr lang="en-US" dirty="0" smtClean="0"/>
-              <a:t> </a:t>
-            </a:r>
-            <a:r>
-              <a:rPr lang="en-US" dirty="0"/>
-              <a:t>Generation </a:t>
-            </a:r>
-            <a:r>
-              <a:rPr lang="en-US" dirty="0" smtClean="0"/>
-              <a:t>– VLSI and PC </a:t>
-            </a:r>
-            <a:endParaRPr lang="en-US" dirty="0"/>
-          </a:p>
-        </p:txBody>
-      </p:sp>
-      <p:pic>
-        <p:nvPicPr>
-          <p:cNvPr id="3074" name="Picture 2" descr="The Lisa - MacStories"/>
-          <p:cNvPicPr>
-            <a:picLocks noChangeAspect="1" noChangeArrowheads="1"/>
-          </p:cNvPicPr>
-          <p:nvPr/>
-        </p:nvPicPr>
-        <p:blipFill>
-          <a:blip r:embed="rId2" cstate="print">
-            <a:extLst>
-              <a:ext uri="{28A0092B-C50C-407E-A947-70E740481C1C}">
-                <a14:useLocalDpi xmlns:a14="http://schemas.microsoft.com/office/drawing/2010/main" val="0"/>
-              </a:ext>
-            </a:extLst>
-          </a:blip>
-          <a:srcRect/>
-          <a:stretch>
-            <a:fillRect/>
-          </a:stretch>
-        </p:blipFill>
-        <p:spPr bwMode="auto">
-          <a:xfrm>
-            <a:off x="8052831" y="3586865"/>
-            <a:ext cx="3315282" cy="2175773"/>
-          </a:xfrm>
-          <a:prstGeom prst="rect">
-            <a:avLst/>
-          </a:prstGeom>
-          <a:noFill/>
-          <a:extLst>
-            <a:ext uri="{909E8E84-426E-40DD-AFC4-6F175D3DCCD1}">
-              <a14:hiddenFill xmlns:a14="http://schemas.microsoft.com/office/drawing/2010/main">
-                <a:solidFill>
-                  <a:srgbClr val="FFFFFF"/>
-                </a:solidFill>
-              </a14:hiddenFill>
-            </a:ext>
-          </a:extLst>
-        </p:spPr>
-      </p:pic>
-      <p:pic>
-        <p:nvPicPr>
-          <p:cNvPr id="3076" name="Picture 4" descr="Free VLSI Tutorial - IC Design Process: A Beginner's Overview to VLSI  Technology | Udemy"/>
-          <p:cNvPicPr>
-            <a:picLocks noChangeAspect="1" noChangeArrowheads="1"/>
-          </p:cNvPicPr>
-          <p:nvPr/>
-        </p:nvPicPr>
-        <p:blipFill>
-          <a:blip r:embed="rId3" cstate="print">
-            <a:extLst>
-              <a:ext uri="{28A0092B-C50C-407E-A947-70E740481C1C}">
-                <a14:useLocalDpi xmlns:a14="http://schemas.microsoft.com/office/drawing/2010/main" val="0"/>
-              </a:ext>
-            </a:extLst>
-          </a:blip>
-          <a:srcRect/>
-          <a:stretch>
-            <a:fillRect/>
-          </a:stretch>
-        </p:blipFill>
-        <p:spPr bwMode="auto">
-          <a:xfrm>
-            <a:off x="8078230" y="1286510"/>
-            <a:ext cx="3286125" cy="1848993"/>
-          </a:xfrm>
-          <a:prstGeom prst="rect">
-            <a:avLst/>
-          </a:prstGeom>
-          <a:noFill/>
-          <a:extLst>
-            <a:ext uri="{909E8E84-426E-40DD-AFC4-6F175D3DCCD1}">
-              <a14:hiddenFill xmlns:a14="http://schemas.microsoft.com/office/drawing/2010/main">
-                <a:solidFill>
-                  <a:srgbClr val="FFFFFF"/>
-                </a:solidFill>
-              </a14:hiddenFill>
-            </a:ext>
-          </a:extLst>
-        </p:spPr>
-      </p:pic>
-    </p:spTree>
-    <p:extLst>
-      <p:ext uri="{BB962C8B-B14F-4D97-AF65-F5344CB8AC3E}">
-        <p14:creationId xmlns:p14="http://schemas.microsoft.com/office/powerpoint/2010/main" val="4020093932"/>
+        <p14:creationId xmlns:p14="http://schemas.microsoft.com/office/powerpoint/2010/main" xmlns="" val="4087179089"/>
       </p:ext>
     </p:extLst>
   </p:cSld>
@@ -7373,88 +9395,83 @@
         </p:nvSpPr>
         <p:spPr>
           <a:xfrm>
-            <a:off x="838200" y="1266953"/>
-            <a:ext cx="6324600" cy="4997896"/>
+            <a:off x="838200" y="1178052"/>
+            <a:ext cx="7341704" cy="5492305"/>
           </a:xfrm>
         </p:spPr>
         <p:txBody>
-          <a:bodyPr/>
+          <a:bodyPr>
+            <a:normAutofit/>
+          </a:bodyPr>
           <a:lstStyle/>
           <a:p>
-            <a:pPr>
-              <a:lnSpc>
-                <a:spcPct val="100000"/>
-              </a:lnSpc>
-              <a:spcAft>
-                <a:spcPts val="600"/>
-              </a:spcAft>
-            </a:pPr>
             <a:r>
               <a:rPr lang="en-US" dirty="0" smtClean="0"/>
-              <a:t>1990–Present: </a:t>
+              <a:t>1980–Present: personal computers, laptops, servers (Apple, IBM, etc.)</a:t>
+            </a:r>
+          </a:p>
+          <a:p>
+            <a:r>
+              <a:rPr lang="en-US" dirty="0" smtClean="0"/>
+              <a:t>Architectures: x86-64</a:t>
             </a:r>
             <a:r>
               <a:rPr lang="en-US" dirty="0"/>
-              <a:t>mobile devices, embedded </a:t>
+              <a:t>, </a:t>
             </a:r>
             <a:r>
               <a:rPr lang="en-US" dirty="0" smtClean="0"/>
-              <a:t>systems, </a:t>
+              <a:t>Itanium, ARM, MIPS, PowerPC, SPARC, RISC-V, etc.</a:t>
+            </a:r>
+          </a:p>
+          <a:p>
+            <a:r>
+              <a:rPr lang="en-US" dirty="0" smtClean="0"/>
+              <a:t>Operating systems: UNIX (System V and BSD), MINIX, Linux, </a:t>
             </a:r>
             <a:r>
               <a:rPr lang="en-US" dirty="0" err="1" smtClean="0"/>
-              <a:t>IoT</a:t>
+              <a:t>MacOS</a:t>
             </a:r>
             <a:r>
               <a:rPr lang="en-US" dirty="0" smtClean="0"/>
-              <a:t> devices</a:t>
-            </a:r>
-          </a:p>
-          <a:p>
-            <a:pPr>
-              <a:lnSpc>
-                <a:spcPct val="100000"/>
-              </a:lnSpc>
-              <a:spcAft>
-                <a:spcPts val="600"/>
-              </a:spcAft>
-            </a:pPr>
+              <a:t>, </a:t>
+            </a:r>
+            <a:r>
+              <a:rPr lang="en-US" dirty="0"/>
+              <a:t>DOS, </a:t>
+            </a:r>
             <a:r>
               <a:rPr lang="en-US" dirty="0" smtClean="0"/>
-              <a:t>Custom processors and FPGAs</a:t>
-            </a:r>
-          </a:p>
-          <a:p>
-            <a:pPr>
-              <a:lnSpc>
-                <a:spcPct val="100000"/>
-              </a:lnSpc>
-              <a:spcAft>
-                <a:spcPts val="600"/>
-              </a:spcAft>
-            </a:pPr>
+              <a:t>Windows (NT)</a:t>
+            </a:r>
+          </a:p>
+          <a:p>
             <a:r>
               <a:rPr lang="en-US" dirty="0" smtClean="0"/>
-              <a:t>Mobile operating systems: Symbian, iOS, Android, Windows Mobile</a:t>
-            </a:r>
-          </a:p>
-          <a:p>
-            <a:pPr>
-              <a:lnSpc>
-                <a:spcPct val="100000"/>
-              </a:lnSpc>
-              <a:spcAft>
-                <a:spcPts val="600"/>
-              </a:spcAft>
-            </a:pPr>
+              <a:t>ISA (CISC, RISC, VLIW), </a:t>
+            </a:r>
+            <a:r>
+              <a:rPr lang="en-US" dirty="0"/>
+              <a:t>caches, </a:t>
+            </a:r>
             <a:r>
               <a:rPr lang="en-US" dirty="0" smtClean="0"/>
-              <a:t>Real-time operating systems</a:t>
+              <a:t>pipelines, SIMD</a:t>
+            </a:r>
+            <a:r>
+              <a:rPr lang="en-US" dirty="0"/>
+              <a:t>, vectors, </a:t>
+            </a:r>
+            <a:r>
+              <a:rPr lang="en-US" dirty="0" err="1" smtClean="0"/>
+              <a:t>hyperthreading</a:t>
+            </a:r>
+            <a:r>
+              <a:rPr lang="en-US" dirty="0" smtClean="0"/>
+              <a:t>, multicore</a:t>
             </a:r>
             <a:endParaRPr lang="en-US" dirty="0"/>
-          </a:p>
-          <a:p>
-            <a:endParaRPr lang="en-US" dirty="0" smtClean="0"/>
           </a:p>
         </p:txBody>
       </p:sp>
@@ -7495,9 +9512,7 @@
         </p:nvSpPr>
         <p:spPr/>
         <p:txBody>
-          <a:bodyPr>
-            <a:normAutofit/>
-          </a:bodyPr>
+          <a:bodyPr/>
           <a:lstStyle/>
           <a:p>
             <a:r>
@@ -7506,7 +9521,7 @@
             </a:r>
             <a:r>
               <a:rPr lang="en-US" dirty="0" smtClean="0"/>
-              <a:t>5</a:t>
+              <a:t>4</a:t>
             </a:r>
             <a:r>
               <a:rPr lang="en-US" baseline="30000" dirty="0" smtClean="0"/>
@@ -7518,11 +9533,11 @@
             </a:r>
             <a:r>
               <a:rPr lang="en-US" dirty="0"/>
-              <a:t>Generation – </a:t>
+              <a:t>Generation </a:t>
             </a:r>
             <a:r>
               <a:rPr lang="en-US" dirty="0" smtClean="0"/>
-              <a:t>Mobile devices </a:t>
+              <a:t>– VLSI and PC </a:t>
             </a:r>
             <a:endParaRPr lang="en-US" dirty="0"/>
           </a:p>
@@ -7530,7 +9545,7 @@
       </p:sp>
       <p:pic>
         <p:nvPicPr>
-          <p:cNvPr id="5" name="Picture 14" descr="http://wrtassoc.com/wp-content/uploads/2010/01/iPad-w-hands.jpg"/>
+          <p:cNvPr id="3074" name="Picture 2" descr="The Lisa - MacStories"/>
           <p:cNvPicPr>
             <a:picLocks noChangeAspect="1" noChangeArrowheads="1"/>
           </p:cNvPicPr>
@@ -7540,7 +9555,7 @@
           <a:blip r:embed="rId2" cstate="print">
             <a:extLst>
               <a:ext uri="{28A0092B-C50C-407E-A947-70E740481C1C}">
-                <a14:useLocalDpi xmlns:a14="http://schemas.microsoft.com/office/drawing/2010/main" val="0"/>
+                <a14:useLocalDpi xmlns:a14="http://schemas.microsoft.com/office/drawing/2010/main" xmlns="" val="0"/>
               </a:ext>
             </a:extLst>
           </a:blip>
@@ -7551,33 +9566,61 @@
         </p:blipFill>
         <p:spPr bwMode="auto">
           <a:xfrm>
-            <a:off x="7840663" y="1697847"/>
-            <a:ext cx="3362325" cy="3743325"/>
+            <a:off x="8052831" y="3586865"/>
+            <a:ext cx="3315282" cy="2175773"/>
           </a:xfrm>
           <a:prstGeom prst="rect">
             <a:avLst/>
           </a:prstGeom>
           <a:noFill/>
-          <a:ln>
-            <a:noFill/>
-          </a:ln>
           <a:extLst>
             <a:ext uri="{909E8E84-426E-40DD-AFC4-6F175D3DCCD1}">
-              <a14:hiddenFill xmlns:a14="http://schemas.microsoft.com/office/drawing/2010/main">
+              <a14:hiddenFill xmlns:a14="http://schemas.microsoft.com/office/drawing/2010/main" xmlns="">
                 <a:solidFill>
                   <a:srgbClr val="FFFFFF"/>
                 </a:solidFill>
               </a14:hiddenFill>
             </a:ext>
-            <a:ext uri="{91240B29-F687-4F45-9708-019B960494DF}">
-              <a14:hiddenLine xmlns:a14="http://schemas.microsoft.com/office/drawing/2010/main" w="9525">
-                <a:solidFill>
-                  <a:srgbClr val="000000"/>
-                </a:solidFill>
-                <a:miter lim="800000"/>
-                <a:headEnd/>
-                <a:tailEnd/>
-              </a14:hiddenLine>
+          </a:extLst>
+        </p:spPr>
+      </p:pic>
+      <p:pic>
+        <p:nvPicPr>
+          <p:cNvPr id="3076" name="Picture 4" descr="Free VLSI Tutorial - IC Design Process: A Beginner's Overview to VLSI  Technology | Udemy"/>
+          <p:cNvPicPr>
+            <a:picLocks noChangeAspect="1" noChangeArrowheads="1"/>
+          </p:cNvPicPr>
+          <p:nvPr/>
+        </p:nvPicPr>
+        <p:blipFill>
+          <a:blip r:embed="rId3" cstate="print">
+            <a:extLst>
+              <a:ext uri="{28A0092B-C50C-407E-A947-70E740481C1C}">
+                <a14:useLocalDpi xmlns:a14="http://schemas.microsoft.com/office/drawing/2010/main" xmlns="" val="0"/>
+              </a:ext>
+            </a:extLst>
+          </a:blip>
+          <a:srcRect/>
+          <a:stretch>
+            <a:fillRect/>
+          </a:stretch>
+        </p:blipFill>
+        <p:spPr bwMode="auto">
+          <a:xfrm>
+            <a:off x="8078230" y="1286510"/>
+            <a:ext cx="3286125" cy="1848993"/>
+          </a:xfrm>
+          <a:prstGeom prst="rect">
+            <a:avLst/>
+          </a:prstGeom>
+          <a:noFill/>
+          <a:extLst>
+            <a:ext uri="{909E8E84-426E-40DD-AFC4-6F175D3DCCD1}">
+              <a14:hiddenFill xmlns:a14="http://schemas.microsoft.com/office/drawing/2010/main" xmlns="">
+                <a:solidFill>
+                  <a:srgbClr val="FFFFFF"/>
+                </a:solidFill>
+              </a14:hiddenFill>
             </a:ext>
           </a:extLst>
         </p:spPr>
@@ -7585,7 +9628,7 @@
     </p:spTree>
     <p:extLst>
       <p:ext uri="{BB962C8B-B14F-4D97-AF65-F5344CB8AC3E}">
-        <p14:creationId xmlns:p14="http://schemas.microsoft.com/office/powerpoint/2010/main" val="3856844071"/>
+        <p14:creationId xmlns:p14="http://schemas.microsoft.com/office/powerpoint/2010/main" xmlns="" val="4020093932"/>
       </p:ext>
     </p:extLst>
   </p:cSld>
@@ -7619,6 +9662,264 @@
           <a:chExt cx="0" cy="0"/>
         </a:xfrm>
       </p:grpSpPr>
+      <p:sp>
+        <p:nvSpPr>
+          <p:cNvPr id="2" name="Content Placeholder 1"/>
+          <p:cNvSpPr>
+            <a:spLocks noGrp="1"/>
+          </p:cNvSpPr>
+          <p:nvPr>
+            <p:ph idx="1"/>
+          </p:nvPr>
+        </p:nvSpPr>
+        <p:spPr>
+          <a:xfrm>
+            <a:off x="838200" y="1266953"/>
+            <a:ext cx="6324600" cy="4997896"/>
+          </a:xfrm>
+        </p:spPr>
+        <p:txBody>
+          <a:bodyPr/>
+          <a:lstStyle/>
+          <a:p>
+            <a:pPr>
+              <a:lnSpc>
+                <a:spcPct val="100000"/>
+              </a:lnSpc>
+              <a:spcAft>
+                <a:spcPts val="600"/>
+              </a:spcAft>
+            </a:pPr>
+            <a:r>
+              <a:rPr lang="en-US" dirty="0" smtClean="0"/>
+              <a:t>1990–Present: </a:t>
+            </a:r>
+            <a:r>
+              <a:rPr lang="en-US" dirty="0"/>
+              <a:t>mobile devices, embedded </a:t>
+            </a:r>
+            <a:r>
+              <a:rPr lang="en-US" dirty="0" smtClean="0"/>
+              <a:t>systems, </a:t>
+            </a:r>
+            <a:r>
+              <a:rPr lang="en-US" dirty="0" err="1" smtClean="0"/>
+              <a:t>IoT</a:t>
+            </a:r>
+            <a:r>
+              <a:rPr lang="en-US" dirty="0" smtClean="0"/>
+              <a:t> devices</a:t>
+            </a:r>
+          </a:p>
+          <a:p>
+            <a:pPr>
+              <a:lnSpc>
+                <a:spcPct val="100000"/>
+              </a:lnSpc>
+              <a:spcAft>
+                <a:spcPts val="600"/>
+              </a:spcAft>
+            </a:pPr>
+            <a:r>
+              <a:rPr lang="en-US" dirty="0" smtClean="0"/>
+              <a:t>Custom processors and FPGAs</a:t>
+            </a:r>
+          </a:p>
+          <a:p>
+            <a:pPr>
+              <a:lnSpc>
+                <a:spcPct val="100000"/>
+              </a:lnSpc>
+              <a:spcAft>
+                <a:spcPts val="600"/>
+              </a:spcAft>
+            </a:pPr>
+            <a:r>
+              <a:rPr lang="en-US" dirty="0" smtClean="0"/>
+              <a:t>Mobile operating systems: Symbian, iOS, Android, Windows Mobile</a:t>
+            </a:r>
+          </a:p>
+          <a:p>
+            <a:pPr>
+              <a:lnSpc>
+                <a:spcPct val="100000"/>
+              </a:lnSpc>
+              <a:spcAft>
+                <a:spcPts val="600"/>
+              </a:spcAft>
+            </a:pPr>
+            <a:r>
+              <a:rPr lang="en-US" dirty="0" smtClean="0"/>
+              <a:t>Real-time operating systems</a:t>
+            </a:r>
+            <a:endParaRPr lang="en-US" dirty="0"/>
+          </a:p>
+          <a:p>
+            <a:endParaRPr lang="en-US" dirty="0" smtClean="0"/>
+          </a:p>
+        </p:txBody>
+      </p:sp>
+      <p:sp>
+        <p:nvSpPr>
+          <p:cNvPr id="3" name="Slide Number Placeholder 2"/>
+          <p:cNvSpPr>
+            <a:spLocks noGrp="1"/>
+          </p:cNvSpPr>
+          <p:nvPr>
+            <p:ph type="sldNum" sz="quarter" idx="12"/>
+          </p:nvPr>
+        </p:nvSpPr>
+        <p:spPr/>
+        <p:txBody>
+          <a:bodyPr/>
+          <a:lstStyle/>
+          <a:p>
+            <a:pPr algn="ctr"/>
+            <a:fld id="{1397BFD8-F312-4EF2-A268-44FB4BDDBBB0}" type="slidenum">
+              <a:rPr lang="ru-RU" smtClean="0"/>
+              <a:pPr algn="ctr"/>
+              <a:t>18</a:t>
+            </a:fld>
+            <a:endParaRPr lang="ru-RU" dirty="0"/>
+          </a:p>
+        </p:txBody>
+      </p:sp>
+      <p:sp>
+        <p:nvSpPr>
+          <p:cNvPr id="4" name="Title 3"/>
+          <p:cNvSpPr>
+            <a:spLocks noGrp="1"/>
+          </p:cNvSpPr>
+          <p:nvPr>
+            <p:ph type="title"/>
+          </p:nvPr>
+        </p:nvSpPr>
+        <p:spPr/>
+        <p:txBody>
+          <a:bodyPr>
+            <a:normAutofit/>
+          </a:bodyPr>
+          <a:lstStyle/>
+          <a:p>
+            <a:r>
+              <a:rPr lang="en-US" dirty="0"/>
+              <a:t>History: </a:t>
+            </a:r>
+            <a:r>
+              <a:rPr lang="en-US" dirty="0" smtClean="0"/>
+              <a:t>5</a:t>
+            </a:r>
+            <a:r>
+              <a:rPr lang="en-US" baseline="30000" dirty="0" smtClean="0"/>
+              <a:t>th</a:t>
+            </a:r>
+            <a:r>
+              <a:rPr lang="en-US" dirty="0" smtClean="0"/>
+              <a:t> </a:t>
+            </a:r>
+            <a:r>
+              <a:rPr lang="en-US" dirty="0"/>
+              <a:t>Generation – </a:t>
+            </a:r>
+            <a:r>
+              <a:rPr lang="en-US" dirty="0" smtClean="0"/>
+              <a:t>Mobile devices </a:t>
+            </a:r>
+            <a:endParaRPr lang="en-US" dirty="0"/>
+          </a:p>
+        </p:txBody>
+      </p:sp>
+      <p:pic>
+        <p:nvPicPr>
+          <p:cNvPr id="5" name="Picture 14" descr="http://wrtassoc.com/wp-content/uploads/2010/01/iPad-w-hands.jpg"/>
+          <p:cNvPicPr>
+            <a:picLocks noChangeAspect="1" noChangeArrowheads="1"/>
+          </p:cNvPicPr>
+          <p:nvPr/>
+        </p:nvPicPr>
+        <p:blipFill>
+          <a:blip r:embed="rId2" cstate="print">
+            <a:extLst>
+              <a:ext uri="{28A0092B-C50C-407E-A947-70E740481C1C}">
+                <a14:useLocalDpi xmlns:a14="http://schemas.microsoft.com/office/drawing/2010/main" xmlns="" val="0"/>
+              </a:ext>
+            </a:extLst>
+          </a:blip>
+          <a:srcRect/>
+          <a:stretch>
+            <a:fillRect/>
+          </a:stretch>
+        </p:blipFill>
+        <p:spPr bwMode="auto">
+          <a:xfrm>
+            <a:off x="7840663" y="1697847"/>
+            <a:ext cx="3362325" cy="3743325"/>
+          </a:xfrm>
+          <a:prstGeom prst="rect">
+            <a:avLst/>
+          </a:prstGeom>
+          <a:noFill/>
+          <a:ln>
+            <a:noFill/>
+          </a:ln>
+          <a:extLst>
+            <a:ext uri="{909E8E84-426E-40DD-AFC4-6F175D3DCCD1}">
+              <a14:hiddenFill xmlns:a14="http://schemas.microsoft.com/office/drawing/2010/main" xmlns="">
+                <a:solidFill>
+                  <a:srgbClr val="FFFFFF"/>
+                </a:solidFill>
+              </a14:hiddenFill>
+            </a:ext>
+            <a:ext uri="{91240B29-F687-4F45-9708-019B960494DF}">
+              <a14:hiddenLine xmlns:a14="http://schemas.microsoft.com/office/drawing/2010/main" xmlns="" w="9525">
+                <a:solidFill>
+                  <a:srgbClr val="000000"/>
+                </a:solidFill>
+                <a:miter lim="800000"/>
+                <a:headEnd/>
+                <a:tailEnd/>
+              </a14:hiddenLine>
+            </a:ext>
+          </a:extLst>
+        </p:spPr>
+      </p:pic>
+    </p:spTree>
+    <p:extLst>
+      <p:ext uri="{BB962C8B-B14F-4D97-AF65-F5344CB8AC3E}">
+        <p14:creationId xmlns:p14="http://schemas.microsoft.com/office/powerpoint/2010/main" xmlns="" val="3856844071"/>
+      </p:ext>
+    </p:extLst>
+  </p:cSld>
+  <p:clrMapOvr>
+    <a:masterClrMapping/>
+  </p:clrMapOvr>
+  <p:timing>
+    <p:tnLst>
+      <p:par>
+        <p:cTn id="1" dur="indefinite" restart="never" nodeType="tmRoot"/>
+      </p:par>
+    </p:tnLst>
+  </p:timing>
+</p:sld>
+</file>
+
+<file path=ppt/slides/slide19.xml><?xml version="1.0" encoding="utf-8"?>
+<p:sld xmlns:a="http://schemas.openxmlformats.org/drawingml/2006/main" xmlns:r="http://schemas.openxmlformats.org/officeDocument/2006/relationships" xmlns:p="http://schemas.openxmlformats.org/presentationml/2006/main">
+  <p:cSld>
+    <p:spTree>
+      <p:nvGrpSpPr>
+        <p:cNvPr id="1" name=""/>
+        <p:cNvGrpSpPr/>
+        <p:nvPr/>
+      </p:nvGrpSpPr>
+      <p:grpSpPr>
+        <a:xfrm>
+          <a:off x="0" y="0"/>
+          <a:ext cx="0" cy="0"/>
+          <a:chOff x="0" y="0"/>
+          <a:chExt cx="0" cy="0"/>
+        </a:xfrm>
+      </p:grpSpPr>
       <p:pic>
         <p:nvPicPr>
           <p:cNvPr id="8" name="Picture 43"/>
@@ -7631,7 +9932,7 @@
           <a:blip r:embed="rId2" cstate="print">
             <a:extLst>
               <a:ext uri="{28A0092B-C50C-407E-A947-70E740481C1C}">
-                <a14:useLocalDpi xmlns:a14="http://schemas.microsoft.com/office/drawing/2010/main" val="0"/>
+                <a14:useLocalDpi xmlns:a14="http://schemas.microsoft.com/office/drawing/2010/main" xmlns="" val="0"/>
               </a:ext>
             </a:extLst>
           </a:blip>
@@ -7654,14 +9955,14 @@
           </a:ln>
           <a:extLst>
             <a:ext uri="{909E8E84-426E-40DD-AFC4-6F175D3DCCD1}">
-              <a14:hiddenFill xmlns:a14="http://schemas.microsoft.com/office/drawing/2010/main">
+              <a14:hiddenFill xmlns:a14="http://schemas.microsoft.com/office/drawing/2010/main" xmlns="">
                 <a:solidFill>
                   <a:srgbClr val="FFFFFF"/>
                 </a:solidFill>
               </a14:hiddenFill>
             </a:ext>
             <a:ext uri="{91240B29-F687-4F45-9708-019B960494DF}">
-              <a14:hiddenLine xmlns:a14="http://schemas.microsoft.com/office/drawing/2010/main" w="9525">
+              <a14:hiddenLine xmlns:a14="http://schemas.microsoft.com/office/drawing/2010/main" xmlns="" w="9525">
                 <a:solidFill>
                   <a:srgbClr val="000000"/>
                 </a:solidFill>
@@ -7692,7 +9993,7 @@
             <a:fld id="{1397BFD8-F312-4EF2-A268-44FB4BDDBBB0}" type="slidenum">
               <a:rPr lang="ru-RU" smtClean="0"/>
               <a:pPr algn="ctr"/>
-              <a:t>18</a:t>
+              <a:t>19</a:t>
             </a:fld>
             <a:endParaRPr lang="ru-RU" dirty="0"/>
           </a:p>
@@ -8167,7 +10468,7 @@
           <p:nvPr>
             <p:extLst>
               <p:ext uri="{D42A27DB-BD31-4B8C-83A1-F6EECF244321}">
-                <p14:modId xmlns:p14="http://schemas.microsoft.com/office/powerpoint/2010/main" val="1213753623"/>
+                <p14:modId xmlns:p14="http://schemas.microsoft.com/office/powerpoint/2010/main" xmlns="" val="1213753623"/>
               </p:ext>
             </p:extLst>
           </p:nvPr>
@@ -9880,177 +12181,7 @@
     </p:spTree>
     <p:extLst>
       <p:ext uri="{BB962C8B-B14F-4D97-AF65-F5344CB8AC3E}">
-        <p14:creationId xmlns:p14="http://schemas.microsoft.com/office/powerpoint/2010/main" val="1153504515"/>
-      </p:ext>
-    </p:extLst>
-  </p:cSld>
-  <p:clrMapOvr>
-    <a:masterClrMapping/>
-  </p:clrMapOvr>
-  <p:timing>
-    <p:tnLst>
-      <p:par>
-        <p:cTn id="1" dur="indefinite" restart="never" nodeType="tmRoot"/>
-      </p:par>
-    </p:tnLst>
-  </p:timing>
-</p:sld>
-</file>
-
-<file path=ppt/slides/slide19.xml><?xml version="1.0" encoding="utf-8"?>
-<p:sld xmlns:a="http://schemas.openxmlformats.org/drawingml/2006/main" xmlns:r="http://schemas.openxmlformats.org/officeDocument/2006/relationships" xmlns:p="http://schemas.openxmlformats.org/presentationml/2006/main">
-  <p:cSld>
-    <p:spTree>
-      <p:nvGrpSpPr>
-        <p:cNvPr id="1" name=""/>
-        <p:cNvGrpSpPr/>
-        <p:nvPr/>
-      </p:nvGrpSpPr>
-      <p:grpSpPr>
-        <a:xfrm>
-          <a:off x="0" y="0"/>
-          <a:ext cx="0" cy="0"/>
-          <a:chOff x="0" y="0"/>
-          <a:chExt cx="0" cy="0"/>
-        </a:xfrm>
-      </p:grpSpPr>
-      <p:sp>
-        <p:nvSpPr>
-          <p:cNvPr id="2" name="Content Placeholder 1"/>
-          <p:cNvSpPr>
-            <a:spLocks noGrp="1"/>
-          </p:cNvSpPr>
-          <p:nvPr>
-            <p:ph idx="1"/>
-          </p:nvPr>
-        </p:nvSpPr>
-        <p:spPr>
-          <a:xfrm>
-            <a:off x="838230" y="1178053"/>
-            <a:ext cx="10299670" cy="5492304"/>
-          </a:xfrm>
-        </p:spPr>
-        <p:txBody>
-          <a:bodyPr>
-            <a:noAutofit/>
-          </a:bodyPr>
-          <a:lstStyle/>
-          <a:p>
-            <a:pPr>
-              <a:lnSpc>
-                <a:spcPct val="150000"/>
-              </a:lnSpc>
-            </a:pPr>
-            <a:r>
-              <a:rPr lang="en-US" dirty="0"/>
-              <a:t>Gordon Moore (1929-...) cofounded Intel in 1968 with Robert </a:t>
-            </a:r>
-            <a:r>
-              <a:rPr lang="en-US" dirty="0" smtClean="0"/>
-              <a:t>Noyce</a:t>
-            </a:r>
-            <a:endParaRPr lang="en-US" dirty="0"/>
-          </a:p>
-          <a:p>
-            <a:pPr>
-              <a:lnSpc>
-                <a:spcPct val="150000"/>
-              </a:lnSpc>
-            </a:pPr>
-            <a:r>
-              <a:rPr lang="en-US" b="1" dirty="0" smtClean="0"/>
-              <a:t>Moore’s </a:t>
-            </a:r>
-            <a:r>
-              <a:rPr lang="en-US" b="1" dirty="0"/>
-              <a:t>Law: </a:t>
-            </a:r>
-            <a:r>
-              <a:rPr lang="en-US" dirty="0"/>
-              <a:t>number of transistors on a computer chip doubles every </a:t>
-            </a:r>
-            <a:r>
-              <a:rPr lang="en-US" dirty="0" smtClean="0"/>
-              <a:t>year (observed in 1965)</a:t>
-            </a:r>
-          </a:p>
-          <a:p>
-            <a:pPr>
-              <a:lnSpc>
-                <a:spcPct val="150000"/>
-              </a:lnSpc>
-            </a:pPr>
-            <a:r>
-              <a:rPr lang="en-US" dirty="0" smtClean="0"/>
-              <a:t>Limited by power consumption </a:t>
-            </a:r>
-          </a:p>
-          <a:p>
-            <a:pPr>
-              <a:lnSpc>
-                <a:spcPct val="150000"/>
-              </a:lnSpc>
-            </a:pPr>
-            <a:r>
-              <a:rPr lang="en-US" dirty="0" smtClean="0"/>
-              <a:t>Slowed down since 2010</a:t>
-            </a:r>
-            <a:endParaRPr lang="en-US" dirty="0"/>
-          </a:p>
-        </p:txBody>
-      </p:sp>
-      <p:sp>
-        <p:nvSpPr>
-          <p:cNvPr id="3" name="Slide Number Placeholder 2"/>
-          <p:cNvSpPr>
-            <a:spLocks noGrp="1"/>
-          </p:cNvSpPr>
-          <p:nvPr>
-            <p:ph type="sldNum" sz="quarter" idx="12"/>
-          </p:nvPr>
-        </p:nvSpPr>
-        <p:spPr/>
-        <p:txBody>
-          <a:bodyPr/>
-          <a:lstStyle/>
-          <a:p>
-            <a:pPr algn="ctr"/>
-            <a:fld id="{1397BFD8-F312-4EF2-A268-44FB4BDDBBB0}" type="slidenum">
-              <a:rPr lang="ru-RU" smtClean="0"/>
-              <a:pPr algn="ctr"/>
-              <a:t>19</a:t>
-            </a:fld>
-            <a:endParaRPr lang="ru-RU" dirty="0"/>
-          </a:p>
-        </p:txBody>
-      </p:sp>
-      <p:sp>
-        <p:nvSpPr>
-          <p:cNvPr id="4" name="Title 3"/>
-          <p:cNvSpPr>
-            <a:spLocks noGrp="1"/>
-          </p:cNvSpPr>
-          <p:nvPr>
-            <p:ph type="title"/>
-          </p:nvPr>
-        </p:nvSpPr>
-        <p:spPr/>
-        <p:txBody>
-          <a:bodyPr/>
-          <a:lstStyle/>
-          <a:p>
-            <a:r>
-              <a:rPr lang="en-US" dirty="0" smtClean="0"/>
-              <a:t>Moore’s Law</a:t>
-            </a:r>
-            <a:endParaRPr lang="en-US" dirty="0"/>
-          </a:p>
-        </p:txBody>
-      </p:sp>
-    </p:spTree>
-    <p:extLst>
-      <p:ext uri="{BB962C8B-B14F-4D97-AF65-F5344CB8AC3E}">
-        <p14:creationId xmlns:p14="http://schemas.microsoft.com/office/powerpoint/2010/main" val="664014649"/>
+        <p14:creationId xmlns:p14="http://schemas.microsoft.com/office/powerpoint/2010/main" xmlns="" val="1153504515"/>
       </p:ext>
     </p:extLst>
   </p:cSld>
@@ -10166,10 +12297,10 @@
               <a:buNone/>
             </a:pPr>
             <a:r>
-              <a:rPr lang="en-US" sz="2800" dirty="0">
+              <a:rPr lang="en-US" sz="2800" dirty="0" smtClean="0">
                 <a:hlinkClick r:id="rId3"/>
               </a:rPr>
-              <a:t>http://wiki.cs.hse.ru/ACOS_DSBA_2022/2023</a:t>
+              <a:t>http://wiki.cs.hse.ru/ACOS_DSBA_2023/24</a:t>
             </a:r>
             <a:endParaRPr lang="en-US" sz="2800" dirty="0"/>
           </a:p>
@@ -10184,11 +12315,14 @@
               <a:buNone/>
             </a:pPr>
             <a:r>
-              <a:rPr lang="en-US" sz="2800" dirty="0">
-                <a:hlinkClick r:id="rId2"/>
-              </a:rPr>
-              <a:t>http://wiki.cs.hse.ru/ACOS_COMPDS_2022/2023</a:t>
-            </a:r>
+              <a:rPr lang="en-US" sz="2800" dirty="0" smtClean="0">
+                <a:hlinkClick r:id="rId4"/>
+              </a:rPr>
+              <a:t>http://wiki.cs.hse.ru/ACOS_COMPDS_2023/2024</a:t>
+            </a:r>
+            <a:endParaRPr lang="en-US" sz="2800" dirty="0">
+              <a:hlinkClick r:id="rId2"/>
+            </a:endParaRPr>
           </a:p>
           <a:p>
             <a:pPr>
@@ -10216,19 +12350,19 @@
             </a:pPr>
             <a:r>
               <a:rPr lang="en-US" sz="2800" dirty="0" smtClean="0">
-                <a:hlinkClick r:id="rId4"/>
+                <a:hlinkClick r:id="rId5"/>
               </a:rPr>
               <a:t>https</a:t>
             </a:r>
             <a:r>
               <a:rPr lang="en-US" sz="2800" dirty="0">
-                <a:hlinkClick r:id="rId4"/>
+                <a:hlinkClick r:id="rId5"/>
               </a:rPr>
               <a:t>://t.me/+</a:t>
             </a:r>
             <a:r>
               <a:rPr lang="en-US" sz="2800" dirty="0" smtClean="0">
-                <a:hlinkClick r:id="rId4"/>
+                <a:hlinkClick r:id="rId5"/>
               </a:rPr>
               <a:t>8sj1n_GbjBFjYWUy</a:t>
             </a:r>
@@ -10249,7 +12383,7 @@
             </a:pPr>
             <a:r>
               <a:rPr lang="en-US" sz="2800" dirty="0">
-                <a:hlinkClick r:id="rId5"/>
+                <a:hlinkClick r:id="rId6"/>
               </a:rPr>
               <a:t>https://t.me/+fFSXHDh_nP8wNTM6</a:t>
             </a:r>
@@ -10322,7 +12456,7 @@
           <p:nvPr/>
         </p:nvPicPr>
         <p:blipFill>
-          <a:blip r:embed="rId6" cstate="print"/>
+          <a:blip r:embed="rId7" cstate="print"/>
           <a:stretch>
             <a:fillRect/>
           </a:stretch>
@@ -10371,6 +12505,176 @@
       </p:grpSpPr>
       <p:sp>
         <p:nvSpPr>
+          <p:cNvPr id="2" name="Content Placeholder 1"/>
+          <p:cNvSpPr>
+            <a:spLocks noGrp="1"/>
+          </p:cNvSpPr>
+          <p:nvPr>
+            <p:ph idx="1"/>
+          </p:nvPr>
+        </p:nvSpPr>
+        <p:spPr>
+          <a:xfrm>
+            <a:off x="838230" y="1178053"/>
+            <a:ext cx="10299670" cy="5492304"/>
+          </a:xfrm>
+        </p:spPr>
+        <p:txBody>
+          <a:bodyPr>
+            <a:noAutofit/>
+          </a:bodyPr>
+          <a:lstStyle/>
+          <a:p>
+            <a:pPr>
+              <a:lnSpc>
+                <a:spcPct val="150000"/>
+              </a:lnSpc>
+            </a:pPr>
+            <a:r>
+              <a:rPr lang="en-US" dirty="0"/>
+              <a:t>Gordon Moore (1929-...) cofounded Intel in 1968 with Robert </a:t>
+            </a:r>
+            <a:r>
+              <a:rPr lang="en-US" dirty="0" smtClean="0"/>
+              <a:t>Noyce</a:t>
+            </a:r>
+            <a:endParaRPr lang="en-US" dirty="0"/>
+          </a:p>
+          <a:p>
+            <a:pPr>
+              <a:lnSpc>
+                <a:spcPct val="150000"/>
+              </a:lnSpc>
+            </a:pPr>
+            <a:r>
+              <a:rPr lang="en-US" b="1" dirty="0" smtClean="0"/>
+              <a:t>Moore’s </a:t>
+            </a:r>
+            <a:r>
+              <a:rPr lang="en-US" b="1" dirty="0"/>
+              <a:t>Law: </a:t>
+            </a:r>
+            <a:r>
+              <a:rPr lang="en-US" dirty="0"/>
+              <a:t>number of transistors on a computer chip doubles every </a:t>
+            </a:r>
+            <a:r>
+              <a:rPr lang="en-US" dirty="0" smtClean="0"/>
+              <a:t>year (observed in 1965)</a:t>
+            </a:r>
+          </a:p>
+          <a:p>
+            <a:pPr>
+              <a:lnSpc>
+                <a:spcPct val="150000"/>
+              </a:lnSpc>
+            </a:pPr>
+            <a:r>
+              <a:rPr lang="en-US" dirty="0" smtClean="0"/>
+              <a:t>Limited by power consumption </a:t>
+            </a:r>
+          </a:p>
+          <a:p>
+            <a:pPr>
+              <a:lnSpc>
+                <a:spcPct val="150000"/>
+              </a:lnSpc>
+            </a:pPr>
+            <a:r>
+              <a:rPr lang="en-US" dirty="0" smtClean="0"/>
+              <a:t>Slowed down since 2010</a:t>
+            </a:r>
+            <a:endParaRPr lang="en-US" dirty="0"/>
+          </a:p>
+        </p:txBody>
+      </p:sp>
+      <p:sp>
+        <p:nvSpPr>
+          <p:cNvPr id="3" name="Slide Number Placeholder 2"/>
+          <p:cNvSpPr>
+            <a:spLocks noGrp="1"/>
+          </p:cNvSpPr>
+          <p:nvPr>
+            <p:ph type="sldNum" sz="quarter" idx="12"/>
+          </p:nvPr>
+        </p:nvSpPr>
+        <p:spPr/>
+        <p:txBody>
+          <a:bodyPr/>
+          <a:lstStyle/>
+          <a:p>
+            <a:pPr algn="ctr"/>
+            <a:fld id="{1397BFD8-F312-4EF2-A268-44FB4BDDBBB0}" type="slidenum">
+              <a:rPr lang="ru-RU" smtClean="0"/>
+              <a:pPr algn="ctr"/>
+              <a:t>20</a:t>
+            </a:fld>
+            <a:endParaRPr lang="ru-RU" dirty="0"/>
+          </a:p>
+        </p:txBody>
+      </p:sp>
+      <p:sp>
+        <p:nvSpPr>
+          <p:cNvPr id="4" name="Title 3"/>
+          <p:cNvSpPr>
+            <a:spLocks noGrp="1"/>
+          </p:cNvSpPr>
+          <p:nvPr>
+            <p:ph type="title"/>
+          </p:nvPr>
+        </p:nvSpPr>
+        <p:spPr/>
+        <p:txBody>
+          <a:bodyPr/>
+          <a:lstStyle/>
+          <a:p>
+            <a:r>
+              <a:rPr lang="en-US" dirty="0" smtClean="0"/>
+              <a:t>Moore’s Law</a:t>
+            </a:r>
+            <a:endParaRPr lang="en-US" dirty="0"/>
+          </a:p>
+        </p:txBody>
+      </p:sp>
+    </p:spTree>
+    <p:extLst>
+      <p:ext uri="{BB962C8B-B14F-4D97-AF65-F5344CB8AC3E}">
+        <p14:creationId xmlns:p14="http://schemas.microsoft.com/office/powerpoint/2010/main" xmlns="" val="664014649"/>
+      </p:ext>
+    </p:extLst>
+  </p:cSld>
+  <p:clrMapOvr>
+    <a:masterClrMapping/>
+  </p:clrMapOvr>
+  <p:timing>
+    <p:tnLst>
+      <p:par>
+        <p:cTn id="1" dur="indefinite" restart="never" nodeType="tmRoot"/>
+      </p:par>
+    </p:tnLst>
+  </p:timing>
+</p:sld>
+</file>
+
+<file path=ppt/slides/slide21.xml><?xml version="1.0" encoding="utf-8"?>
+<p:sld xmlns:a="http://schemas.openxmlformats.org/drawingml/2006/main" xmlns:r="http://schemas.openxmlformats.org/officeDocument/2006/relationships" xmlns:p="http://schemas.openxmlformats.org/presentationml/2006/main">
+  <p:cSld>
+    <p:spTree>
+      <p:nvGrpSpPr>
+        <p:cNvPr id="1" name=""/>
+        <p:cNvGrpSpPr/>
+        <p:nvPr/>
+      </p:nvGrpSpPr>
+      <p:grpSpPr>
+        <a:xfrm>
+          <a:off x="0" y="0"/>
+          <a:ext cx="0" cy="0"/>
+          <a:chOff x="0" y="0"/>
+          <a:chExt cx="0" cy="0"/>
+        </a:xfrm>
+      </p:grpSpPr>
+      <p:sp>
+        <p:nvSpPr>
           <p:cNvPr id="3" name="Номер слайда 2"/>
           <p:cNvSpPr>
             <a:spLocks noGrp="1"/>
@@ -10388,7 +12692,7 @@
             <a:fld id="{1397BFD8-F312-4EF2-A268-44FB4BDDBBB0}" type="slidenum">
               <a:rPr lang="ru-RU" smtClean="0"/>
               <a:pPr algn="ctr"/>
-              <a:t>20</a:t>
+              <a:t>21</a:t>
             </a:fld>
             <a:endParaRPr lang="ru-RU" dirty="0"/>
           </a:p>
@@ -10740,146 +13044,7 @@
     </p:spTree>
     <p:extLst>
       <p:ext uri="{BB962C8B-B14F-4D97-AF65-F5344CB8AC3E}">
-        <p14:creationId xmlns:p14="http://schemas.microsoft.com/office/powerpoint/2010/main" val="1974197127"/>
-      </p:ext>
-    </p:extLst>
-  </p:cSld>
-  <p:clrMapOvr>
-    <a:masterClrMapping/>
-  </p:clrMapOvr>
-  <p:timing>
-    <p:tnLst>
-      <p:par>
-        <p:cTn id="1" dur="indefinite" restart="never" nodeType="tmRoot"/>
-      </p:par>
-    </p:tnLst>
-  </p:timing>
-</p:sld>
-</file>
-
-<file path=ppt/slides/slide21.xml><?xml version="1.0" encoding="utf-8"?>
-<p:sld xmlns:a="http://schemas.openxmlformats.org/drawingml/2006/main" xmlns:r="http://schemas.openxmlformats.org/officeDocument/2006/relationships" xmlns:p="http://schemas.openxmlformats.org/presentationml/2006/main">
-  <p:cSld>
-    <p:spTree>
-      <p:nvGrpSpPr>
-        <p:cNvPr id="1" name=""/>
-        <p:cNvGrpSpPr/>
-        <p:nvPr/>
-      </p:nvGrpSpPr>
-      <p:grpSpPr>
-        <a:xfrm>
-          <a:off x="0" y="0"/>
-          <a:ext cx="0" cy="0"/>
-          <a:chOff x="0" y="0"/>
-          <a:chExt cx="0" cy="0"/>
-        </a:xfrm>
-      </p:grpSpPr>
-      <p:sp>
-        <p:nvSpPr>
-          <p:cNvPr id="3" name="Slide Number Placeholder 2"/>
-          <p:cNvSpPr>
-            <a:spLocks noGrp="1"/>
-          </p:cNvSpPr>
-          <p:nvPr>
-            <p:ph type="sldNum" sz="quarter" idx="12"/>
-          </p:nvPr>
-        </p:nvSpPr>
-        <p:spPr/>
-        <p:txBody>
-          <a:bodyPr/>
-          <a:lstStyle/>
-          <a:p>
-            <a:pPr algn="ctr"/>
-            <a:fld id="{1397BFD8-F312-4EF2-A268-44FB4BDDBBB0}" type="slidenum">
-              <a:rPr lang="ru-RU" smtClean="0"/>
-              <a:pPr algn="ctr"/>
-              <a:t>21</a:t>
-            </a:fld>
-            <a:endParaRPr lang="ru-RU" dirty="0"/>
-          </a:p>
-        </p:txBody>
-      </p:sp>
-      <p:sp>
-        <p:nvSpPr>
-          <p:cNvPr id="4" name="Title 3"/>
-          <p:cNvSpPr>
-            <a:spLocks noGrp="1"/>
-          </p:cNvSpPr>
-          <p:nvPr>
-            <p:ph type="title"/>
-          </p:nvPr>
-        </p:nvSpPr>
-        <p:spPr/>
-        <p:txBody>
-          <a:bodyPr/>
-          <a:lstStyle/>
-          <a:p>
-            <a:r>
-              <a:rPr lang="en-US" dirty="0" smtClean="0"/>
-              <a:t>Power Trends</a:t>
-            </a:r>
-            <a:endParaRPr lang="en-US" dirty="0"/>
-          </a:p>
-        </p:txBody>
-      </p:sp>
-      <p:pic>
-        <p:nvPicPr>
-          <p:cNvPr id="5" name="Picture 11"/>
-          <p:cNvPicPr>
-            <a:picLocks noChangeAspect="1" noChangeArrowheads="1"/>
-          </p:cNvPicPr>
-          <p:nvPr/>
-        </p:nvPicPr>
-        <p:blipFill>
-          <a:blip r:embed="rId2" cstate="print">
-            <a:extLst>
-              <a:ext uri="{28A0092B-C50C-407E-A947-70E740481C1C}">
-                <a14:useLocalDpi xmlns:a14="http://schemas.microsoft.com/office/drawing/2010/main" val="0"/>
-              </a:ext>
-            </a:extLst>
-          </a:blip>
-          <a:srcRect/>
-          <a:stretch>
-            <a:fillRect/>
-          </a:stretch>
-        </p:blipFill>
-        <p:spPr bwMode="auto">
-          <a:xfrm>
-            <a:off x="838201" y="1295416"/>
-            <a:ext cx="10532504" cy="4622784"/>
-          </a:xfrm>
-          <a:prstGeom prst="rect">
-            <a:avLst/>
-          </a:prstGeom>
-          <a:noFill/>
-          <a:ln>
-            <a:noFill/>
-          </a:ln>
-          <a:extLst>
-            <a:ext uri="{909E8E84-426E-40DD-AFC4-6F175D3DCCD1}">
-              <a14:hiddenFill xmlns:a14="http://schemas.microsoft.com/office/drawing/2010/main">
-                <a:solidFill>
-                  <a:srgbClr val="FFFFFF"/>
-                </a:solidFill>
-              </a14:hiddenFill>
-            </a:ext>
-            <a:ext uri="{91240B29-F687-4F45-9708-019B960494DF}">
-              <a14:hiddenLine xmlns:a14="http://schemas.microsoft.com/office/drawing/2010/main" w="9525">
-                <a:solidFill>
-                  <a:srgbClr val="000000"/>
-                </a:solidFill>
-                <a:miter lim="800000"/>
-                <a:headEnd/>
-                <a:tailEnd/>
-              </a14:hiddenLine>
-            </a:ext>
-          </a:extLst>
-        </p:spPr>
-      </p:pic>
-    </p:spTree>
-    <p:extLst>
-      <p:ext uri="{BB962C8B-B14F-4D97-AF65-F5344CB8AC3E}">
-        <p14:creationId xmlns:p14="http://schemas.microsoft.com/office/powerpoint/2010/main" val="2270459329"/>
+        <p14:creationId xmlns:p14="http://schemas.microsoft.com/office/powerpoint/2010/main" xmlns="" val="1974197127"/>
       </p:ext>
     </p:extLst>
   </p:cSld>
@@ -10955,7 +13120,7 @@
           <a:p>
             <a:r>
               <a:rPr lang="en-US" dirty="0" smtClean="0"/>
-              <a:t>Memory Performance Gap</a:t>
+              <a:t>Power Trends</a:t>
             </a:r>
             <a:endParaRPr lang="en-US" dirty="0"/>
           </a:p>
@@ -10963,32 +13128,62 @@
       </p:sp>
       <p:pic>
         <p:nvPicPr>
-          <p:cNvPr id="5" name="Picture 4"/>
+          <p:cNvPr id="5" name="Picture 11"/>
           <p:cNvPicPr>
-            <a:picLocks noChangeAspect="1"/>
+            <a:picLocks noChangeAspect="1" noChangeArrowheads="1"/>
           </p:cNvPicPr>
           <p:nvPr/>
         </p:nvPicPr>
         <p:blipFill>
-          <a:blip r:embed="rId2" cstate="print"/>
+          <a:blip r:embed="rId2" cstate="print">
+            <a:extLst>
+              <a:ext uri="{28A0092B-C50C-407E-A947-70E740481C1C}">
+                <a14:useLocalDpi xmlns:a14="http://schemas.microsoft.com/office/drawing/2010/main" xmlns="" val="0"/>
+              </a:ext>
+            </a:extLst>
+          </a:blip>
+          <a:srcRect/>
           <a:stretch>
             <a:fillRect/>
           </a:stretch>
         </p:blipFill>
-        <p:spPr>
+        <p:spPr bwMode="auto">
           <a:xfrm>
-            <a:off x="1160219" y="1372715"/>
-            <a:ext cx="9615812" cy="4818223"/>
+            <a:off x="838201" y="1295416"/>
+            <a:ext cx="10532504" cy="4622784"/>
           </a:xfrm>
           <a:prstGeom prst="rect">
             <a:avLst/>
           </a:prstGeom>
+          <a:noFill/>
+          <a:ln>
+            <a:noFill/>
+          </a:ln>
+          <a:extLst>
+            <a:ext uri="{909E8E84-426E-40DD-AFC4-6F175D3DCCD1}">
+              <a14:hiddenFill xmlns:a14="http://schemas.microsoft.com/office/drawing/2010/main" xmlns="">
+                <a:solidFill>
+                  <a:srgbClr val="FFFFFF"/>
+                </a:solidFill>
+              </a14:hiddenFill>
+            </a:ext>
+            <a:ext uri="{91240B29-F687-4F45-9708-019B960494DF}">
+              <a14:hiddenLine xmlns:a14="http://schemas.microsoft.com/office/drawing/2010/main" xmlns="" w="9525">
+                <a:solidFill>
+                  <a:srgbClr val="000000"/>
+                </a:solidFill>
+                <a:miter lim="800000"/>
+                <a:headEnd/>
+                <a:tailEnd/>
+              </a14:hiddenLine>
+            </a:ext>
+          </a:extLst>
         </p:spPr>
       </p:pic>
     </p:spTree>
     <p:extLst>
       <p:ext uri="{BB962C8B-B14F-4D97-AF65-F5344CB8AC3E}">
-        <p14:creationId xmlns:p14="http://schemas.microsoft.com/office/powerpoint/2010/main" val="4095291685"/>
+        <p14:creationId xmlns:p14="http://schemas.microsoft.com/office/powerpoint/2010/main" xmlns="" val="2270459329"/>
       </p:ext>
     </p:extLst>
   </p:cSld>
@@ -11024,184 +13219,6 @@
       </p:grpSpPr>
       <p:sp>
         <p:nvSpPr>
-          <p:cNvPr id="2" name="Content Placeholder 1"/>
-          <p:cNvSpPr>
-            <a:spLocks noGrp="1"/>
-          </p:cNvSpPr>
-          <p:nvPr>
-            <p:ph idx="1"/>
-          </p:nvPr>
-        </p:nvSpPr>
-        <p:spPr>
-          <a:xfrm>
-            <a:off x="855104" y="1019056"/>
-            <a:ext cx="10515600" cy="5282353"/>
-          </a:xfrm>
-        </p:spPr>
-        <p:txBody>
-          <a:bodyPr>
-            <a:noAutofit/>
-          </a:bodyPr>
-          <a:lstStyle/>
-          <a:p>
-            <a:pPr>
-              <a:lnSpc>
-                <a:spcPct val="100000"/>
-              </a:lnSpc>
-              <a:spcBef>
-                <a:spcPts val="0"/>
-              </a:spcBef>
-            </a:pPr>
-            <a:r>
-              <a:rPr lang="en-US" dirty="0" smtClean="0"/>
-              <a:t>Single core performance </a:t>
-            </a:r>
-            <a:r>
-              <a:rPr lang="en-US" dirty="0"/>
-              <a:t>improvement </a:t>
-            </a:r>
-            <a:r>
-              <a:rPr lang="en-US" dirty="0" smtClean="0"/>
-              <a:t>has ended</a:t>
-            </a:r>
-          </a:p>
-          <a:p>
-            <a:pPr lvl="1">
-              <a:lnSpc>
-                <a:spcPct val="100000"/>
-              </a:lnSpc>
-              <a:spcBef>
-                <a:spcPts val="0"/>
-              </a:spcBef>
-            </a:pPr>
-            <a:r>
-              <a:rPr lang="en-US" dirty="0" smtClean="0"/>
-              <a:t>More powerful microprocessor might not help</a:t>
-            </a:r>
-            <a:endParaRPr lang="en-US" sz="3200" dirty="0"/>
-          </a:p>
-          <a:p>
-            <a:pPr>
-              <a:lnSpc>
-                <a:spcPct val="100000"/>
-              </a:lnSpc>
-              <a:spcBef>
-                <a:spcPts val="0"/>
-              </a:spcBef>
-            </a:pPr>
-            <a:r>
-              <a:rPr lang="en-US" dirty="0" smtClean="0"/>
-              <a:t>Memory-efficient programming</a:t>
-            </a:r>
-          </a:p>
-          <a:p>
-            <a:pPr lvl="1">
-              <a:lnSpc>
-                <a:spcPct val="100000"/>
-              </a:lnSpc>
-              <a:spcBef>
-                <a:spcPts val="0"/>
-              </a:spcBef>
-            </a:pPr>
-            <a:r>
-              <a:rPr lang="en-US" dirty="0" smtClean="0"/>
-              <a:t>Temporal locality</a:t>
-            </a:r>
-          </a:p>
-          <a:p>
-            <a:pPr lvl="1">
-              <a:lnSpc>
-                <a:spcPct val="100000"/>
-              </a:lnSpc>
-              <a:spcBef>
-                <a:spcPts val="0"/>
-              </a:spcBef>
-            </a:pPr>
-            <a:r>
-              <a:rPr lang="en-US" dirty="0" smtClean="0"/>
-              <a:t>Spatial locality</a:t>
-            </a:r>
-          </a:p>
-          <a:p>
-            <a:pPr>
-              <a:lnSpc>
-                <a:spcPct val="100000"/>
-              </a:lnSpc>
-              <a:spcBef>
-                <a:spcPts val="0"/>
-              </a:spcBef>
-            </a:pPr>
-            <a:r>
-              <a:rPr lang="en-US" dirty="0" smtClean="0"/>
-              <a:t>Parallelism to improve performance</a:t>
-            </a:r>
-          </a:p>
-          <a:p>
-            <a:pPr lvl="1">
-              <a:lnSpc>
-                <a:spcPct val="100000"/>
-              </a:lnSpc>
-              <a:spcBef>
-                <a:spcPts val="0"/>
-              </a:spcBef>
-            </a:pPr>
-            <a:r>
-              <a:rPr lang="en-US" dirty="0" smtClean="0"/>
-              <a:t>Data-level parallelism</a:t>
-            </a:r>
-            <a:endParaRPr lang="en-US" dirty="0"/>
-          </a:p>
-          <a:p>
-            <a:pPr lvl="1">
-              <a:lnSpc>
-                <a:spcPct val="100000"/>
-              </a:lnSpc>
-              <a:spcBef>
-                <a:spcPts val="0"/>
-              </a:spcBef>
-            </a:pPr>
-            <a:r>
-              <a:rPr lang="en-US" dirty="0"/>
-              <a:t>Thread-level </a:t>
-            </a:r>
-            <a:r>
-              <a:rPr lang="en-US" dirty="0" smtClean="0"/>
-              <a:t>parallelism</a:t>
-            </a:r>
-          </a:p>
-          <a:p>
-            <a:pPr lvl="1">
-              <a:lnSpc>
-                <a:spcPct val="100000"/>
-              </a:lnSpc>
-              <a:spcBef>
-                <a:spcPts val="0"/>
-              </a:spcBef>
-            </a:pPr>
-            <a:r>
-              <a:rPr lang="en-US" dirty="0" smtClean="0"/>
-              <a:t>Request-level parallelism</a:t>
-            </a:r>
-          </a:p>
-          <a:p>
-            <a:pPr>
-              <a:lnSpc>
-                <a:spcPct val="100000"/>
-              </a:lnSpc>
-              <a:spcBef>
-                <a:spcPts val="0"/>
-              </a:spcBef>
-            </a:pPr>
-            <a:r>
-              <a:rPr lang="en-US" dirty="0" smtClean="0"/>
-              <a:t>Performance tuning require changes in the application</a:t>
-            </a:r>
-            <a:endParaRPr lang="en-US" dirty="0"/>
-          </a:p>
-        </p:txBody>
-      </p:sp>
-      <p:sp>
-        <p:nvSpPr>
           <p:cNvPr id="3" name="Slide Number Placeholder 2"/>
           <p:cNvSpPr>
             <a:spLocks noGrp="1"/>
@@ -11242,16 +13259,40 @@
           <a:p>
             <a:r>
               <a:rPr lang="en-US" dirty="0" smtClean="0"/>
-              <a:t>Current Challenges</a:t>
+              <a:t>Memory Performance Gap</a:t>
             </a:r>
             <a:endParaRPr lang="en-US" dirty="0"/>
           </a:p>
         </p:txBody>
       </p:sp>
+      <p:pic>
+        <p:nvPicPr>
+          <p:cNvPr id="5" name="Picture 4"/>
+          <p:cNvPicPr>
+            <a:picLocks noChangeAspect="1"/>
+          </p:cNvPicPr>
+          <p:nvPr/>
+        </p:nvPicPr>
+        <p:blipFill>
+          <a:blip r:embed="rId2" cstate="print"/>
+          <a:stretch>
+            <a:fillRect/>
+          </a:stretch>
+        </p:blipFill>
+        <p:spPr>
+          <a:xfrm>
+            <a:off x="1160219" y="1372715"/>
+            <a:ext cx="9615812" cy="4818223"/>
+          </a:xfrm>
+          <a:prstGeom prst="rect">
+            <a:avLst/>
+          </a:prstGeom>
+        </p:spPr>
+      </p:pic>
     </p:spTree>
     <p:extLst>
       <p:ext uri="{BB962C8B-B14F-4D97-AF65-F5344CB8AC3E}">
-        <p14:creationId xmlns:p14="http://schemas.microsoft.com/office/powerpoint/2010/main" val="1324819286"/>
+        <p14:creationId xmlns:p14="http://schemas.microsoft.com/office/powerpoint/2010/main" xmlns="" val="4095291685"/>
       </p:ext>
     </p:extLst>
   </p:cSld>
@@ -11297,73 +13338,169 @@
         </p:nvSpPr>
         <p:spPr>
           <a:xfrm>
-            <a:off x="838200" y="1070928"/>
-            <a:ext cx="6314742" cy="5492304"/>
+            <a:off x="855104" y="1019056"/>
+            <a:ext cx="10515600" cy="5282353"/>
           </a:xfrm>
         </p:spPr>
         <p:txBody>
           <a:bodyPr>
-            <a:normAutofit fontScale="85000" lnSpcReduction="20000"/>
+            <a:noAutofit/>
           </a:bodyPr>
           <a:lstStyle/>
           <a:p>
             <a:pPr>
               <a:lnSpc>
-                <a:spcPct val="120000"/>
+                <a:spcPct val="100000"/>
               </a:lnSpc>
               <a:spcBef>
                 <a:spcPts val="0"/>
               </a:spcBef>
             </a:pPr>
             <a:r>
-              <a:rPr lang="en-US" sz="3900" dirty="0" smtClean="0"/>
-              <a:t>To create software that efficiently deals with big data, we need to understand how hardware is organized and managed by operating system </a:t>
+              <a:rPr lang="en-US" dirty="0" smtClean="0"/>
+              <a:t>Single core performance </a:t>
+            </a:r>
+            <a:r>
+              <a:rPr lang="en-US" dirty="0"/>
+              <a:t>improvement </a:t>
+            </a:r>
+            <a:r>
+              <a:rPr lang="en-US" dirty="0" smtClean="0"/>
+              <a:t>has ended</a:t>
             </a:r>
           </a:p>
           <a:p>
             <a:pPr lvl="1">
               <a:lnSpc>
-                <a:spcPct val="150000"/>
+                <a:spcPct val="100000"/>
               </a:lnSpc>
+              <a:spcBef>
+                <a:spcPts val="0"/>
+              </a:spcBef>
             </a:pPr>
             <a:r>
-              <a:rPr lang="en-US" sz="3800" dirty="0" smtClean="0"/>
-              <a:t>Computer architecture</a:t>
+              <a:rPr lang="en-US" dirty="0" smtClean="0"/>
+              <a:t>More powerful microprocessor might not help</a:t>
+            </a:r>
+            <a:endParaRPr lang="en-US" sz="3200" dirty="0"/>
+          </a:p>
+          <a:p>
+            <a:pPr>
+              <a:lnSpc>
+                <a:spcPct val="100000"/>
+              </a:lnSpc>
+              <a:spcBef>
+                <a:spcPts val="0"/>
+              </a:spcBef>
+            </a:pPr>
+            <a:r>
+              <a:rPr lang="en-US" dirty="0" smtClean="0"/>
+              <a:t>Memory-efficient programming</a:t>
             </a:r>
           </a:p>
           <a:p>
             <a:pPr lvl="1">
               <a:lnSpc>
-                <a:spcPct val="150000"/>
+                <a:spcPct val="100000"/>
               </a:lnSpc>
+              <a:spcBef>
+                <a:spcPts val="0"/>
+              </a:spcBef>
             </a:pPr>
             <a:r>
-              <a:rPr lang="en-US" sz="3800" dirty="0" smtClean="0"/>
-              <a:t>Assembly language</a:t>
+              <a:rPr lang="en-US" dirty="0" smtClean="0"/>
+              <a:t>Temporal locality</a:t>
             </a:r>
           </a:p>
           <a:p>
             <a:pPr lvl="1">
               <a:lnSpc>
-                <a:spcPct val="150000"/>
+                <a:spcPct val="100000"/>
               </a:lnSpc>
+              <a:spcBef>
+                <a:spcPts val="0"/>
+              </a:spcBef>
             </a:pPr>
             <a:r>
-              <a:rPr lang="en-US" sz="3800" dirty="0" smtClean="0"/>
-              <a:t>Compiler basics</a:t>
+              <a:rPr lang="en-US" dirty="0" smtClean="0"/>
+              <a:t>Spatial locality</a:t>
+            </a:r>
+          </a:p>
+          <a:p>
+            <a:pPr>
+              <a:lnSpc>
+                <a:spcPct val="100000"/>
+              </a:lnSpc>
+              <a:spcBef>
+                <a:spcPts val="0"/>
+              </a:spcBef>
+            </a:pPr>
+            <a:r>
+              <a:rPr lang="en-US" dirty="0" smtClean="0"/>
+              <a:t>Parallelism to improve performance</a:t>
             </a:r>
           </a:p>
           <a:p>
             <a:pPr lvl="1">
               <a:lnSpc>
-                <a:spcPct val="150000"/>
+                <a:spcPct val="100000"/>
               </a:lnSpc>
+              <a:spcBef>
+                <a:spcPts val="0"/>
+              </a:spcBef>
             </a:pPr>
             <a:r>
-              <a:rPr lang="en-US" sz="3800" dirty="0" smtClean="0"/>
-              <a:t>Operating systems</a:t>
-            </a:r>
-            <a:endParaRPr lang="en-US" sz="3800" dirty="0"/>
+              <a:rPr lang="en-US" dirty="0" smtClean="0"/>
+              <a:t>Data-level parallelism</a:t>
+            </a:r>
+            <a:endParaRPr lang="en-US" dirty="0"/>
+          </a:p>
+          <a:p>
+            <a:pPr lvl="1">
+              <a:lnSpc>
+                <a:spcPct val="100000"/>
+              </a:lnSpc>
+              <a:spcBef>
+                <a:spcPts val="0"/>
+              </a:spcBef>
+            </a:pPr>
+            <a:r>
+              <a:rPr lang="en-US" dirty="0"/>
+              <a:t>Thread-level </a:t>
+            </a:r>
+            <a:r>
+              <a:rPr lang="en-US" dirty="0" smtClean="0"/>
+              <a:t>parallelism</a:t>
+            </a:r>
+          </a:p>
+          <a:p>
+            <a:pPr lvl="1">
+              <a:lnSpc>
+                <a:spcPct val="100000"/>
+              </a:lnSpc>
+              <a:spcBef>
+                <a:spcPts val="0"/>
+              </a:spcBef>
+            </a:pPr>
+            <a:r>
+              <a:rPr lang="en-US" dirty="0" smtClean="0"/>
+              <a:t>Request-level parallelism</a:t>
+            </a:r>
+          </a:p>
+          <a:p>
+            <a:pPr>
+              <a:lnSpc>
+                <a:spcPct val="100000"/>
+              </a:lnSpc>
+              <a:spcBef>
+                <a:spcPts val="0"/>
+              </a:spcBef>
+            </a:pPr>
+            <a:r>
+              <a:rPr lang="en-US" dirty="0" smtClean="0"/>
+              <a:t>Performance tuning require changes in the application</a:t>
+            </a:r>
+            <a:endParaRPr lang="en-US" dirty="0"/>
           </a:p>
         </p:txBody>
       </p:sp>
@@ -11387,6 +13524,173 @@
               <a:rPr lang="ru-RU" smtClean="0"/>
               <a:pPr algn="ctr"/>
               <a:t>24</a:t>
+            </a:fld>
+            <a:endParaRPr lang="ru-RU" dirty="0"/>
+          </a:p>
+        </p:txBody>
+      </p:sp>
+      <p:sp>
+        <p:nvSpPr>
+          <p:cNvPr id="4" name="Title 3"/>
+          <p:cNvSpPr>
+            <a:spLocks noGrp="1"/>
+          </p:cNvSpPr>
+          <p:nvPr>
+            <p:ph type="title"/>
+          </p:nvPr>
+        </p:nvSpPr>
+        <p:spPr/>
+        <p:txBody>
+          <a:bodyPr/>
+          <a:lstStyle/>
+          <a:p>
+            <a:r>
+              <a:rPr lang="en-US" dirty="0" smtClean="0"/>
+              <a:t>Current Challenges</a:t>
+            </a:r>
+            <a:endParaRPr lang="en-US" dirty="0"/>
+          </a:p>
+        </p:txBody>
+      </p:sp>
+    </p:spTree>
+    <p:extLst>
+      <p:ext uri="{BB962C8B-B14F-4D97-AF65-F5344CB8AC3E}">
+        <p14:creationId xmlns:p14="http://schemas.microsoft.com/office/powerpoint/2010/main" xmlns="" val="1324819286"/>
+      </p:ext>
+    </p:extLst>
+  </p:cSld>
+  <p:clrMapOvr>
+    <a:masterClrMapping/>
+  </p:clrMapOvr>
+  <p:timing>
+    <p:tnLst>
+      <p:par>
+        <p:cTn id="1" dur="indefinite" restart="never" nodeType="tmRoot"/>
+      </p:par>
+    </p:tnLst>
+  </p:timing>
+</p:sld>
+</file>
+
+<file path=ppt/slides/slide25.xml><?xml version="1.0" encoding="utf-8"?>
+<p:sld xmlns:a="http://schemas.openxmlformats.org/drawingml/2006/main" xmlns:r="http://schemas.openxmlformats.org/officeDocument/2006/relationships" xmlns:p="http://schemas.openxmlformats.org/presentationml/2006/main">
+  <p:cSld>
+    <p:spTree>
+      <p:nvGrpSpPr>
+        <p:cNvPr id="1" name=""/>
+        <p:cNvGrpSpPr/>
+        <p:nvPr/>
+      </p:nvGrpSpPr>
+      <p:grpSpPr>
+        <a:xfrm>
+          <a:off x="0" y="0"/>
+          <a:ext cx="0" cy="0"/>
+          <a:chOff x="0" y="0"/>
+          <a:chExt cx="0" cy="0"/>
+        </a:xfrm>
+      </p:grpSpPr>
+      <p:sp>
+        <p:nvSpPr>
+          <p:cNvPr id="2" name="Content Placeholder 1"/>
+          <p:cNvSpPr>
+            <a:spLocks noGrp="1"/>
+          </p:cNvSpPr>
+          <p:nvPr>
+            <p:ph idx="1"/>
+          </p:nvPr>
+        </p:nvSpPr>
+        <p:spPr>
+          <a:xfrm>
+            <a:off x="838200" y="1070928"/>
+            <a:ext cx="6314742" cy="5492304"/>
+          </a:xfrm>
+        </p:spPr>
+        <p:txBody>
+          <a:bodyPr>
+            <a:normAutofit fontScale="85000" lnSpcReduction="20000"/>
+          </a:bodyPr>
+          <a:lstStyle/>
+          <a:p>
+            <a:pPr>
+              <a:lnSpc>
+                <a:spcPct val="120000"/>
+              </a:lnSpc>
+              <a:spcBef>
+                <a:spcPts val="0"/>
+              </a:spcBef>
+            </a:pPr>
+            <a:r>
+              <a:rPr lang="en-US" sz="3900" dirty="0" smtClean="0"/>
+              <a:t>To create software that efficiently deals with big data, we need to understand how hardware is organized and managed by operating system </a:t>
+            </a:r>
+          </a:p>
+          <a:p>
+            <a:pPr lvl="1">
+              <a:lnSpc>
+                <a:spcPct val="150000"/>
+              </a:lnSpc>
+            </a:pPr>
+            <a:r>
+              <a:rPr lang="en-US" sz="3800" dirty="0" smtClean="0"/>
+              <a:t>Computer architecture</a:t>
+            </a:r>
+          </a:p>
+          <a:p>
+            <a:pPr lvl="1">
+              <a:lnSpc>
+                <a:spcPct val="150000"/>
+              </a:lnSpc>
+            </a:pPr>
+            <a:r>
+              <a:rPr lang="en-US" sz="3800" dirty="0" smtClean="0"/>
+              <a:t>Assembly language</a:t>
+            </a:r>
+          </a:p>
+          <a:p>
+            <a:pPr lvl="1">
+              <a:lnSpc>
+                <a:spcPct val="150000"/>
+              </a:lnSpc>
+            </a:pPr>
+            <a:r>
+              <a:rPr lang="en-US" sz="3800" dirty="0" smtClean="0"/>
+              <a:t>Compiler basics</a:t>
+            </a:r>
+          </a:p>
+          <a:p>
+            <a:pPr lvl="1">
+              <a:lnSpc>
+                <a:spcPct val="150000"/>
+              </a:lnSpc>
+            </a:pPr>
+            <a:r>
+              <a:rPr lang="en-US" sz="3800" dirty="0" smtClean="0"/>
+              <a:t>Operating systems</a:t>
+            </a:r>
+            <a:endParaRPr lang="en-US" sz="3800" dirty="0"/>
+          </a:p>
+        </p:txBody>
+      </p:sp>
+      <p:sp>
+        <p:nvSpPr>
+          <p:cNvPr id="3" name="Slide Number Placeholder 2"/>
+          <p:cNvSpPr>
+            <a:spLocks noGrp="1"/>
+          </p:cNvSpPr>
+          <p:nvPr>
+            <p:ph type="sldNum" sz="quarter" idx="12"/>
+          </p:nvPr>
+        </p:nvSpPr>
+        <p:spPr/>
+        <p:txBody>
+          <a:bodyPr/>
+          <a:lstStyle/>
+          <a:p>
+            <a:pPr algn="ctr"/>
+            <a:fld id="{1397BFD8-F312-4EF2-A268-44FB4BDDBBB0}" type="slidenum">
+              <a:rPr lang="ru-RU" smtClean="0"/>
+              <a:pPr algn="ctr"/>
+              <a:t>25</a:t>
             </a:fld>
             <a:endParaRPr lang="ru-RU" dirty="0"/>
           </a:p>
@@ -11444,14 +13748,14 @@
           <a:effectLst/>
           <a:extLst>
             <a:ext uri="{909E8E84-426E-40DD-AFC4-6F175D3DCCD1}">
-              <a14:hiddenFill xmlns:a14="http://schemas.microsoft.com/office/drawing/2010/main">
+              <a14:hiddenFill xmlns:a14="http://schemas.microsoft.com/office/drawing/2010/main" xmlns="">
                 <a:solidFill>
                   <a:schemeClr val="accent1"/>
                 </a:solidFill>
               </a14:hiddenFill>
             </a:ext>
             <a:ext uri="{91240B29-F687-4F45-9708-019B960494DF}">
-              <a14:hiddenLine xmlns:a14="http://schemas.microsoft.com/office/drawing/2010/main" w="9525">
+              <a14:hiddenLine xmlns:a14="http://schemas.microsoft.com/office/drawing/2010/main" xmlns="" w="9525">
                 <a:solidFill>
                   <a:schemeClr val="tx1"/>
                 </a:solidFill>
@@ -11461,7 +13765,7 @@
               </a14:hiddenLine>
             </a:ext>
             <a:ext uri="{AF507438-7753-43E0-B8FC-AC1667EBCBE1}">
-              <a14:hiddenEffects xmlns:a14="http://schemas.microsoft.com/office/drawing/2010/main">
+              <a14:hiddenEffects xmlns:a14="http://schemas.microsoft.com/office/drawing/2010/main" xmlns="">
                 <a:effectLst>
                   <a:outerShdw dist="35921" dir="2700000" algn="ctr" rotWithShape="0">
                     <a:schemeClr val="bg2"/>
@@ -11569,7 +13873,7 @@
     </p:spTree>
     <p:extLst>
       <p:ext uri="{BB962C8B-B14F-4D97-AF65-F5344CB8AC3E}">
-        <p14:creationId xmlns:p14="http://schemas.microsoft.com/office/powerpoint/2010/main" val="3293126798"/>
+        <p14:creationId xmlns:p14="http://schemas.microsoft.com/office/powerpoint/2010/main" xmlns="" val="3293126798"/>
       </p:ext>
     </p:extLst>
   </p:cSld>
@@ -11586,7 +13890,7 @@
 </p:sld>
 </file>
 
-<file path=ppt/slides/slide25.xml><?xml version="1.0" encoding="utf-8"?>
+<file path=ppt/slides/slide26.xml><?xml version="1.0" encoding="utf-8"?>
 <p:sld xmlns:a="http://schemas.openxmlformats.org/drawingml/2006/main" xmlns:r="http://schemas.openxmlformats.org/officeDocument/2006/relationships" xmlns:p="http://schemas.openxmlformats.org/presentationml/2006/main">
   <p:cSld>
     <p:spTree>
@@ -12141,7 +14445,7 @@
             <a:fld id="{1397BFD8-F312-4EF2-A268-44FB4BDDBBB0}" type="slidenum">
               <a:rPr lang="ru-RU" smtClean="0"/>
               <a:pPr algn="ctr"/>
-              <a:t>25</a:t>
+              <a:t>26</a:t>
             </a:fld>
             <a:endParaRPr lang="ru-RU" dirty="0"/>
           </a:p>
@@ -12150,7 +14454,7 @@
     </p:spTree>
     <p:extLst>
       <p:ext uri="{BB962C8B-B14F-4D97-AF65-F5344CB8AC3E}">
-        <p14:creationId xmlns:p14="http://schemas.microsoft.com/office/powerpoint/2010/main" val="4217875043"/>
+        <p14:creationId xmlns:p14="http://schemas.microsoft.com/office/powerpoint/2010/main" xmlns="" val="4217875043"/>
       </p:ext>
     </p:extLst>
   </p:cSld>
@@ -12184,35 +14488,920 @@
           <a:chExt cx="0" cy="0"/>
         </a:xfrm>
       </p:grpSpPr>
+      <p:sp>
+        <p:nvSpPr>
+          <p:cNvPr id="8" name="TextBox 7"/>
+          <p:cNvSpPr txBox="1"/>
+          <p:nvPr/>
+        </p:nvSpPr>
+        <p:spPr>
+          <a:xfrm>
+            <a:off x="521142" y="3264896"/>
+            <a:ext cx="2422568" cy="629392"/>
+          </a:xfrm>
+          <a:prstGeom prst="rect">
+            <a:avLst/>
+          </a:prstGeom>
+          <a:solidFill>
+            <a:schemeClr val="bg1"/>
+          </a:solidFill>
+        </p:spPr>
+        <p:txBody>
+          <a:bodyPr wrap="square" lIns="72000" tIns="25200" rIns="0" bIns="25200" rtlCol="0" anchor="ctr" anchorCtr="0">
+            <a:noAutofit/>
+          </a:bodyPr>
+          <a:lstStyle/>
+          <a:p>
+            <a:pPr algn="ctr"/>
+            <a:r>
+              <a:rPr lang="en-US" sz="2300" b="1" dirty="0" smtClean="0">
+                <a:solidFill>
+                  <a:srgbClr val="1E3272"/>
+                </a:solidFill>
+              </a:rPr>
+              <a:t>Andrei Tatarnikov</a:t>
+            </a:r>
+            <a:endParaRPr lang="ru-RU" sz="2300" b="1" dirty="0" smtClean="0">
+              <a:solidFill>
+                <a:srgbClr val="1E3272"/>
+              </a:solidFill>
+            </a:endParaRPr>
+          </a:p>
+        </p:txBody>
+      </p:sp>
+      <p:sp>
+        <p:nvSpPr>
+          <p:cNvPr id="2" name="Содержимое 1"/>
+          <p:cNvSpPr>
+            <a:spLocks noGrp="1"/>
+          </p:cNvSpPr>
+          <p:nvPr>
+            <p:ph idx="1"/>
+          </p:nvPr>
+        </p:nvSpPr>
+        <p:spPr>
+          <a:xfrm>
+            <a:off x="873826" y="3731499"/>
+            <a:ext cx="10515600" cy="560155"/>
+          </a:xfrm>
+        </p:spPr>
+        <p:txBody>
+          <a:bodyPr>
+            <a:normAutofit/>
+          </a:bodyPr>
+          <a:lstStyle/>
+          <a:p>
+            <a:pPr algn="ctr">
+              <a:buNone/>
+            </a:pPr>
+            <a:r>
+              <a:rPr lang="en-US" sz="3200" b="1" dirty="0" smtClean="0"/>
+              <a:t>Assistants</a:t>
+            </a:r>
+          </a:p>
+          <a:p>
+            <a:pPr>
+              <a:buNone/>
+            </a:pPr>
+            <a:endParaRPr lang="en-US" sz="3200" dirty="0" smtClean="0"/>
+          </a:p>
+        </p:txBody>
+      </p:sp>
+      <p:sp>
+        <p:nvSpPr>
+          <p:cNvPr id="3" name="Номер слайда 2"/>
+          <p:cNvSpPr>
+            <a:spLocks noGrp="1"/>
+          </p:cNvSpPr>
+          <p:nvPr>
+            <p:ph type="sldNum" sz="quarter" idx="12"/>
+          </p:nvPr>
+        </p:nvSpPr>
+        <p:spPr/>
+        <p:txBody>
+          <a:bodyPr/>
+          <a:lstStyle/>
+          <a:p>
+            <a:pPr algn="ctr"/>
+            <a:fld id="{1397BFD8-F312-4EF2-A268-44FB4BDDBBB0}" type="slidenum">
+              <a:rPr lang="ru-RU" smtClean="0"/>
+              <a:pPr algn="ctr"/>
+              <a:t>3</a:t>
+            </a:fld>
+            <a:endParaRPr lang="ru-RU" dirty="0"/>
+          </a:p>
+        </p:txBody>
+      </p:sp>
+      <p:sp>
+        <p:nvSpPr>
+          <p:cNvPr id="4" name="Заголовок 3"/>
+          <p:cNvSpPr>
+            <a:spLocks noGrp="1"/>
+          </p:cNvSpPr>
+          <p:nvPr>
+            <p:ph type="title"/>
+          </p:nvPr>
+        </p:nvSpPr>
+        <p:spPr/>
+        <p:txBody>
+          <a:bodyPr/>
+          <a:lstStyle/>
+          <a:p>
+            <a:r>
+              <a:rPr lang="en-US" dirty="0" smtClean="0"/>
+              <a:t>DSBA Course </a:t>
+            </a:r>
+            <a:r>
+              <a:rPr lang="en-US" dirty="0" smtClean="0"/>
+              <a:t>Team</a:t>
+            </a:r>
+            <a:endParaRPr lang="ru-RU" dirty="0"/>
+          </a:p>
+        </p:txBody>
+      </p:sp>
       <p:pic>
         <p:nvPicPr>
-          <p:cNvPr id="5" name="Picture 4"/>
+          <p:cNvPr id="6" name="Рисунок 5" descr="3727740.jpg"/>
+          <p:cNvPicPr>
+            <a:picLocks noChangeAspect="1"/>
+          </p:cNvPicPr>
+          <p:nvPr/>
+        </p:nvPicPr>
+        <p:blipFill>
+          <a:blip r:embed="rId2" cstate="print"/>
+          <a:srcRect l="4108" t="6573" r="7395" b="3287"/>
+          <a:stretch>
+            <a:fillRect/>
+          </a:stretch>
+        </p:blipFill>
+        <p:spPr>
+          <a:xfrm>
+            <a:off x="835274" y="1413974"/>
+            <a:ext cx="1938748" cy="1974742"/>
+          </a:xfrm>
+          <a:prstGeom prst="rect">
+            <a:avLst/>
+          </a:prstGeom>
+        </p:spPr>
+      </p:pic>
+      <p:sp>
+        <p:nvSpPr>
+          <p:cNvPr id="7" name="Содержимое 1"/>
+          <p:cNvSpPr txBox="1">
+            <a:spLocks/>
+          </p:cNvSpPr>
+          <p:nvPr/>
+        </p:nvSpPr>
+        <p:spPr>
+          <a:xfrm>
+            <a:off x="848100" y="925748"/>
+            <a:ext cx="10515600" cy="700228"/>
+          </a:xfrm>
+          <a:prstGeom prst="rect">
+            <a:avLst/>
+          </a:prstGeom>
+        </p:spPr>
+        <p:txBody>
+          <a:bodyPr vert="horz" lIns="91440" tIns="45720" rIns="91440" bIns="45720" rtlCol="0">
+            <a:normAutofit/>
+          </a:bodyPr>
+          <a:lstStyle/>
+          <a:p>
+            <a:pPr marL="228600" marR="0" lvl="0" indent="-228600" algn="ctr" defTabSz="914400" rtl="0" eaLnBrk="1" fontAlgn="auto" latinLnBrk="0" hangingPunct="1">
+              <a:lnSpc>
+                <a:spcPct val="90000"/>
+              </a:lnSpc>
+              <a:spcBef>
+                <a:spcPts val="1000"/>
+              </a:spcBef>
+              <a:spcAft>
+                <a:spcPts val="0"/>
+              </a:spcAft>
+              <a:buClrTx/>
+              <a:buSzTx/>
+              <a:buFont typeface="Wingdings" pitchFamily="2" charset="2"/>
+              <a:buNone/>
+              <a:tabLst/>
+              <a:defRPr/>
+            </a:pPr>
+            <a:r>
+              <a:rPr kumimoji="0" lang="en-US" sz="3200" b="1" i="0" u="none" strike="noStrike" kern="1200" cap="none" spc="0" normalizeH="0" baseline="0" noProof="0" dirty="0" smtClean="0">
+                <a:ln>
+                  <a:noFill/>
+                </a:ln>
+                <a:solidFill>
+                  <a:srgbClr val="273272"/>
+                </a:solidFill>
+                <a:effectLst/>
+                <a:uLnTx/>
+                <a:uFillTx/>
+                <a:latin typeface="+mn-lt"/>
+                <a:ea typeface="+mn-ea"/>
+                <a:cs typeface="+mn-cs"/>
+              </a:rPr>
+              <a:t>Instructors</a:t>
+            </a:r>
+          </a:p>
+        </p:txBody>
+      </p:sp>
+      <p:pic>
+        <p:nvPicPr>
+          <p:cNvPr id="9" name="Рисунок 8" descr="photo_2020-11-16 20.23.40.jpeg"/>
+          <p:cNvPicPr>
+            <a:picLocks noChangeAspect="1"/>
+          </p:cNvPicPr>
+          <p:nvPr/>
+        </p:nvPicPr>
+        <p:blipFill>
+          <a:blip r:embed="rId3" cstate="print"/>
+          <a:stretch>
+            <a:fillRect/>
+          </a:stretch>
+        </p:blipFill>
+        <p:spPr>
+          <a:xfrm>
+            <a:off x="2906601" y="1410135"/>
+            <a:ext cx="1975104" cy="1975104"/>
+          </a:xfrm>
+          <a:prstGeom prst="rect">
+            <a:avLst/>
+          </a:prstGeom>
+        </p:spPr>
+      </p:pic>
+      <p:sp>
+        <p:nvSpPr>
+          <p:cNvPr id="10" name="TextBox 9"/>
+          <p:cNvSpPr txBox="1"/>
+          <p:nvPr/>
+        </p:nvSpPr>
+        <p:spPr>
+          <a:xfrm>
+            <a:off x="2705317" y="3258126"/>
+            <a:ext cx="2422568" cy="629392"/>
+          </a:xfrm>
+          <a:prstGeom prst="rect">
+            <a:avLst/>
+          </a:prstGeom>
+          <a:noFill/>
+        </p:spPr>
+        <p:txBody>
+          <a:bodyPr wrap="square" lIns="72000" tIns="25200" rIns="0" bIns="25200" rtlCol="0" anchor="ctr" anchorCtr="0">
+            <a:noAutofit/>
+          </a:bodyPr>
+          <a:lstStyle/>
+          <a:p>
+            <a:pPr algn="ctr"/>
+            <a:r>
+              <a:rPr lang="en-US" sz="2300" b="1" dirty="0" err="1" smtClean="0">
+                <a:solidFill>
+                  <a:srgbClr val="1E3272"/>
+                </a:solidFill>
+              </a:rPr>
+              <a:t>Alexey</a:t>
+            </a:r>
+            <a:r>
+              <a:rPr lang="en-US" sz="2300" b="1" dirty="0" smtClean="0">
+                <a:solidFill>
+                  <a:srgbClr val="1E3272"/>
+                </a:solidFill>
+              </a:rPr>
+              <a:t> </a:t>
+            </a:r>
+            <a:r>
+              <a:rPr lang="en-US" sz="2300" b="1" dirty="0" err="1" smtClean="0">
+                <a:solidFill>
+                  <a:srgbClr val="1E3272"/>
+                </a:solidFill>
+              </a:rPr>
+              <a:t>Kanakhin</a:t>
+            </a:r>
+            <a:endParaRPr lang="ru-RU" sz="2300" b="1" dirty="0" smtClean="0">
+              <a:solidFill>
+                <a:srgbClr val="1E3272"/>
+              </a:solidFill>
+            </a:endParaRPr>
+          </a:p>
+        </p:txBody>
+      </p:sp>
+      <p:sp>
+        <p:nvSpPr>
+          <p:cNvPr id="21" name="TextBox 20"/>
+          <p:cNvSpPr txBox="1"/>
+          <p:nvPr/>
+        </p:nvSpPr>
+        <p:spPr>
+          <a:xfrm>
+            <a:off x="4749877" y="3248345"/>
+            <a:ext cx="2600797" cy="629392"/>
+          </a:xfrm>
+          <a:prstGeom prst="rect">
+            <a:avLst/>
+          </a:prstGeom>
+          <a:noFill/>
+        </p:spPr>
+        <p:txBody>
+          <a:bodyPr wrap="square" lIns="72000" tIns="25200" rIns="0" bIns="25200" rtlCol="0" anchor="ctr" anchorCtr="0">
+            <a:noAutofit/>
+          </a:bodyPr>
+          <a:lstStyle/>
+          <a:p>
+            <a:pPr algn="ctr"/>
+            <a:r>
+              <a:rPr lang="en-US" sz="2300" b="1" dirty="0" smtClean="0">
+                <a:solidFill>
+                  <a:srgbClr val="1E3272"/>
+                </a:solidFill>
+              </a:rPr>
+              <a:t>Roman </a:t>
+            </a:r>
+            <a:r>
+              <a:rPr lang="en-US" sz="2300" b="1" dirty="0" err="1" smtClean="0">
+                <a:solidFill>
+                  <a:srgbClr val="1E3272"/>
+                </a:solidFill>
+              </a:rPr>
+              <a:t>Stolyarov</a:t>
+            </a:r>
+            <a:endParaRPr lang="ru-RU" sz="2300" b="1" dirty="0" smtClean="0">
+              <a:solidFill>
+                <a:srgbClr val="1E3272"/>
+              </a:solidFill>
+            </a:endParaRPr>
+          </a:p>
+        </p:txBody>
+      </p:sp>
+      <p:pic>
+        <p:nvPicPr>
+          <p:cNvPr id="27" name="Рисунок 26" descr="photo_2022-01-06_22-10-39.jpg"/>
+          <p:cNvPicPr>
+            <a:picLocks noChangeAspect="1"/>
+          </p:cNvPicPr>
+          <p:nvPr/>
+        </p:nvPicPr>
+        <p:blipFill>
+          <a:blip r:embed="rId4" cstate="print"/>
+          <a:srcRect l="16416" t="2657" r="15536" b="46063"/>
+          <a:stretch>
+            <a:fillRect/>
+          </a:stretch>
+        </p:blipFill>
+        <p:spPr>
+          <a:xfrm>
+            <a:off x="3495655" y="4270632"/>
+            <a:ext cx="1754950" cy="1750576"/>
+          </a:xfrm>
+          <a:prstGeom prst="rect">
+            <a:avLst/>
+          </a:prstGeom>
+        </p:spPr>
+      </p:pic>
+      <p:sp>
+        <p:nvSpPr>
+          <p:cNvPr id="28" name="TextBox 27"/>
+          <p:cNvSpPr txBox="1"/>
+          <p:nvPr/>
+        </p:nvSpPr>
+        <p:spPr>
+          <a:xfrm>
+            <a:off x="3242413" y="5966678"/>
+            <a:ext cx="2257640" cy="408521"/>
+          </a:xfrm>
+          <a:prstGeom prst="rect">
+            <a:avLst/>
+          </a:prstGeom>
+          <a:noFill/>
+        </p:spPr>
+        <p:txBody>
+          <a:bodyPr wrap="square" lIns="72000" tIns="25200" rIns="0" bIns="25200" rtlCol="0" anchor="ctr" anchorCtr="0">
+            <a:noAutofit/>
+          </a:bodyPr>
+          <a:lstStyle/>
+          <a:p>
+            <a:pPr algn="ctr"/>
+            <a:r>
+              <a:rPr lang="en-US" sz="2000" b="1" dirty="0" smtClean="0">
+                <a:solidFill>
+                  <a:srgbClr val="1E3272"/>
+                </a:solidFill>
+              </a:rPr>
+              <a:t>Oleg </a:t>
+            </a:r>
+            <a:r>
+              <a:rPr lang="en-US" sz="2000" b="1" dirty="0" err="1" smtClean="0">
+                <a:solidFill>
+                  <a:srgbClr val="1E3272"/>
+                </a:solidFill>
+              </a:rPr>
+              <a:t>Malchenko</a:t>
+            </a:r>
+            <a:endParaRPr lang="ru-RU" sz="2000" b="1" dirty="0" smtClean="0">
+              <a:solidFill>
+                <a:srgbClr val="1E3272"/>
+              </a:solidFill>
+            </a:endParaRPr>
+          </a:p>
+        </p:txBody>
+      </p:sp>
+      <p:sp>
+        <p:nvSpPr>
+          <p:cNvPr id="31" name="TextBox 30"/>
+          <p:cNvSpPr txBox="1"/>
+          <p:nvPr/>
+        </p:nvSpPr>
+        <p:spPr>
+          <a:xfrm>
+            <a:off x="1494947" y="5938906"/>
+            <a:ext cx="1912288" cy="490922"/>
+          </a:xfrm>
+          <a:prstGeom prst="rect">
+            <a:avLst/>
+          </a:prstGeom>
+          <a:noFill/>
+        </p:spPr>
+        <p:txBody>
+          <a:bodyPr wrap="square" lIns="72000" tIns="25200" rIns="0" bIns="25200" rtlCol="0" anchor="ctr" anchorCtr="0">
+            <a:noAutofit/>
+          </a:bodyPr>
+          <a:lstStyle/>
+          <a:p>
+            <a:pPr algn="ctr"/>
+            <a:r>
+              <a:rPr lang="en-US" sz="2000" b="1" dirty="0" err="1" smtClean="0">
+                <a:solidFill>
+                  <a:srgbClr val="1E3272"/>
+                </a:solidFill>
+              </a:rPr>
+              <a:t>Fedor</a:t>
+            </a:r>
+            <a:r>
+              <a:rPr lang="en-US" sz="2000" b="1" dirty="0" smtClean="0">
+                <a:solidFill>
+                  <a:srgbClr val="1E3272"/>
+                </a:solidFill>
+              </a:rPr>
+              <a:t> </a:t>
+            </a:r>
+            <a:r>
+              <a:rPr lang="en-US" sz="2000" b="1" dirty="0" err="1" smtClean="0">
+                <a:solidFill>
+                  <a:srgbClr val="1E3272"/>
+                </a:solidFill>
+              </a:rPr>
+              <a:t>Pakhurov</a:t>
+            </a:r>
+            <a:endParaRPr lang="ru-RU" sz="2000" b="1" dirty="0" smtClean="0">
+              <a:solidFill>
+                <a:srgbClr val="1E3272"/>
+              </a:solidFill>
+            </a:endParaRPr>
+          </a:p>
+        </p:txBody>
+      </p:sp>
+      <p:pic>
+        <p:nvPicPr>
+          <p:cNvPr id="11" name="Picture 10"/>
           <p:cNvPicPr>
             <a:picLocks noChangeAs